--- a/help/data-sheets/assets/EnterpriseSupportDatasheet.pptx
+++ b/help/data-sheets/assets/EnterpriseSupportDatasheet.pptx
@@ -450,7 +450,7 @@
           <a:p>
             <a:fld id="{CCB2A597-803A-C244-97E2-A01066125D19}" type="datetimeFigureOut">
               <a:rPr lang="en-US" smtClean="0"/>
-              <a:t>9/22/2021</a:t>
+              <a:t>10/1/2021</a:t>
             </a:fld>
             <a:endParaRPr lang="en-US"/>
           </a:p>
@@ -1231,7 +1231,7 @@
           <a:p>
             <a:fld id="{1D8BD707-D9CF-40AE-B4C6-C98DA3205C09}" type="datetimeFigureOut">
               <a:rPr lang="en-US"/>
-              <a:t>9/22/2021</a:t>
+              <a:t>10/1/2021</a:t>
             </a:fld>
             <a:endParaRPr lang="en-US"/>
           </a:p>
@@ -1471,7 +1471,7 @@
           <a:p>
             <a:fld id="{1D8BD707-D9CF-40AE-B4C6-C98DA3205C09}" type="datetimeFigureOut">
               <a:rPr lang="en-US"/>
-              <a:t>9/22/2021</a:t>
+              <a:t>10/1/2021</a:t>
             </a:fld>
             <a:endParaRPr lang="en-US"/>
           </a:p>
@@ -1724,7 +1724,7 @@
           <a:p>
             <a:fld id="{1D8BD707-D9CF-40AE-B4C6-C98DA3205C09}" type="datetimeFigureOut">
               <a:rPr lang="en-US"/>
-              <a:t>9/22/2021</a:t>
+              <a:t>10/1/2021</a:t>
             </a:fld>
             <a:endParaRPr lang="en-US"/>
           </a:p>
@@ -1911,7 +1911,7 @@
           <a:p>
             <a:fld id="{1D8BD707-D9CF-40AE-B4C6-C98DA3205C09}" type="datetimeFigureOut">
               <a:rPr lang="en-US"/>
-              <a:t>9/22/2021</a:t>
+              <a:t>10/1/2021</a:t>
             </a:fld>
             <a:endParaRPr lang="en-US"/>
           </a:p>
@@ -2069,7 +2069,7 @@
           <a:p>
             <a:fld id="{1D8BD707-D9CF-40AE-B4C6-C98DA3205C09}" type="datetimeFigureOut">
               <a:rPr lang="en-US"/>
-              <a:t>9/22/2021</a:t>
+              <a:t>10/1/2021</a:t>
             </a:fld>
             <a:endParaRPr lang="en-US"/>
           </a:p>
@@ -2327,7 +2327,7 @@
           <a:p>
             <a:fld id="{1D8BD707-D9CF-40AE-B4C6-C98DA3205C09}" type="datetimeFigureOut">
               <a:rPr lang="en-US"/>
-              <a:t>9/22/2021</a:t>
+              <a:t>10/1/2021</a:t>
             </a:fld>
             <a:endParaRPr lang="en-US"/>
           </a:p>
@@ -2580,32 +2580,11 @@
               </a:spcBef>
             </a:pPr>
             <a:r>
-              <a:rPr sz="2300" spc="-229">
+              <a:rPr lang="fr-FR" sz="2300">
                 <a:latin typeface="Adobe Clean" panose="020B0503020404020204" pitchFamily="34" charset="0"/>
               </a:rPr>
-              <a:t>ADOBE</a:t>
-            </a:r>
-            <a:r>
-              <a:rPr lang="en-US" sz="2300" spc="-229">
-                <a:latin typeface="Adobe Clean" panose="020B0503020404020204" pitchFamily="34" charset="0"/>
-              </a:rPr>
-              <a:t>   </a:t>
-            </a:r>
-            <a:r>
-              <a:rPr sz="2300" spc="-229">
-                <a:latin typeface="Adobe Clean" panose="020B0503020404020204" pitchFamily="34" charset="0"/>
-              </a:rPr>
-              <a:t>SUPPORT</a:t>
-            </a:r>
-            <a:r>
-              <a:rPr lang="en-US" sz="2300" spc="-229">
-                <a:latin typeface="Adobe Clean" panose="020B0503020404020204" pitchFamily="34" charset="0"/>
-              </a:rPr>
-              <a:t>  OFFERINGS</a:t>
-            </a:r>
-            <a:endParaRPr sz="2300" spc="-229">
-              <a:latin typeface="Adobe Clean" panose="020B0503020404020204" pitchFamily="34" charset="0"/>
-            </a:endParaRPr>
+              <a:t>OFFRES D’ASSISTANCE ADOBE</a:t>
+            </a:r>
           </a:p>
         </p:txBody>
       </p:sp>
@@ -2617,8 +2596,8 @@
         </p:nvSpPr>
         <p:spPr>
           <a:xfrm>
-            <a:off x="125148" y="7013546"/>
-            <a:ext cx="2785110" cy="228268"/>
+            <a:off x="125147" y="7013546"/>
+            <a:ext cx="3441013" cy="228268"/>
           </a:xfrm>
           <a:prstGeom prst="rect">
             <a:avLst/>
@@ -2639,7 +2618,7 @@
               </a:spcBef>
             </a:pPr>
             <a:r>
-              <a:rPr sz="1400" b="1" u="sng" spc="15">
+              <a:rPr lang="fr-FR" sz="1400" b="1" u="sng" dirty="0">
                 <a:solidFill>
                   <a:srgbClr val="020302"/>
                 </a:solidFill>
@@ -2651,477 +2630,8 @@
                 <a:latin typeface="Adobe Clean"/>
                 <a:cs typeface="Adobe Clean"/>
               </a:rPr>
-              <a:t>S</a:t>
-            </a:r>
-            <a:r>
-              <a:rPr sz="1400" b="1" u="sng" spc="5">
-                <a:solidFill>
-                  <a:srgbClr val="020302"/>
-                </a:solidFill>
-                <a:uFill>
-                  <a:solidFill>
-                    <a:srgbClr val="020302"/>
-                  </a:solidFill>
-                </a:uFill>
-                <a:latin typeface="Adobe Clean"/>
-                <a:cs typeface="Adobe Clean"/>
-              </a:rPr>
-              <a:t>er</a:t>
-            </a:r>
-            <a:r>
-              <a:rPr sz="1400" b="1" u="sng" spc="10">
-                <a:solidFill>
-                  <a:srgbClr val="020302"/>
-                </a:solidFill>
-                <a:uFill>
-                  <a:solidFill>
-                    <a:srgbClr val="020302"/>
-                  </a:solidFill>
-                </a:uFill>
-                <a:latin typeface="Adobe Clean"/>
-                <a:cs typeface="Adobe Clean"/>
-              </a:rPr>
-              <a:t>vi</a:t>
-            </a:r>
-            <a:r>
-              <a:rPr sz="1400" b="1" u="sng" spc="5">
-                <a:solidFill>
-                  <a:srgbClr val="020302"/>
-                </a:solidFill>
-                <a:uFill>
-                  <a:solidFill>
-                    <a:srgbClr val="020302"/>
-                  </a:solidFill>
-                </a:uFill>
-                <a:latin typeface="Adobe Clean"/>
-                <a:cs typeface="Adobe Clean"/>
-              </a:rPr>
-              <a:t>c</a:t>
-            </a:r>
-            <a:r>
-              <a:rPr sz="1400" b="1" u="sng">
-                <a:solidFill>
-                  <a:srgbClr val="020302"/>
-                </a:solidFill>
-                <a:uFill>
-                  <a:solidFill>
-                    <a:srgbClr val="020302"/>
-                  </a:solidFill>
-                </a:uFill>
-                <a:latin typeface="Adobe Clean"/>
-                <a:cs typeface="Adobe Clean"/>
-              </a:rPr>
-              <a:t>e</a:t>
-            </a:r>
-            <a:r>
-              <a:rPr sz="1400" b="1" u="sng" spc="20">
-                <a:solidFill>
-                  <a:srgbClr val="020302"/>
-                </a:solidFill>
-                <a:uFill>
-                  <a:solidFill>
-                    <a:srgbClr val="020302"/>
-                  </a:solidFill>
-                </a:uFill>
-                <a:latin typeface="Adobe Clean"/>
-                <a:cs typeface="Adobe Clean"/>
-              </a:rPr>
-              <a:t> </a:t>
-            </a:r>
-            <a:r>
-              <a:rPr sz="1400" b="1" u="sng" spc="-15">
-                <a:solidFill>
-                  <a:srgbClr val="020302"/>
-                </a:solidFill>
-                <a:uFill>
-                  <a:solidFill>
-                    <a:srgbClr val="020302"/>
-                  </a:solidFill>
-                </a:uFill>
-                <a:latin typeface="Adobe Clean"/>
-                <a:cs typeface="Adobe Clean"/>
-              </a:rPr>
-              <a:t>Le</a:t>
-            </a:r>
-            <a:r>
-              <a:rPr sz="1400" b="1" u="sng" spc="-10">
-                <a:solidFill>
-                  <a:srgbClr val="020302"/>
-                </a:solidFill>
-                <a:uFill>
-                  <a:solidFill>
-                    <a:srgbClr val="020302"/>
-                  </a:solidFill>
-                </a:uFill>
-                <a:latin typeface="Adobe Clean"/>
-                <a:cs typeface="Adobe Clean"/>
-              </a:rPr>
-              <a:t>v</a:t>
-            </a:r>
-            <a:r>
-              <a:rPr sz="1400" b="1" u="sng" spc="-15">
-                <a:solidFill>
-                  <a:srgbClr val="020302"/>
-                </a:solidFill>
-                <a:uFill>
-                  <a:solidFill>
-                    <a:srgbClr val="020302"/>
-                  </a:solidFill>
-                </a:uFill>
-                <a:latin typeface="Adobe Clean"/>
-                <a:cs typeface="Adobe Clean"/>
-              </a:rPr>
-              <a:t>e</a:t>
-            </a:r>
-            <a:r>
-              <a:rPr sz="1400" b="1" u="sng">
-                <a:solidFill>
-                  <a:srgbClr val="020302"/>
-                </a:solidFill>
-                <a:uFill>
-                  <a:solidFill>
-                    <a:srgbClr val="020302"/>
-                  </a:solidFill>
-                </a:uFill>
-                <a:latin typeface="Adobe Clean"/>
-                <a:cs typeface="Adobe Clean"/>
-              </a:rPr>
-              <a:t>l</a:t>
-            </a:r>
-            <a:r>
-              <a:rPr sz="1400" b="1" u="sng" spc="-15">
-                <a:solidFill>
-                  <a:srgbClr val="020302"/>
-                </a:solidFill>
-                <a:uFill>
-                  <a:solidFill>
-                    <a:srgbClr val="020302"/>
-                  </a:solidFill>
-                </a:uFill>
-                <a:latin typeface="Adobe Clean"/>
-                <a:cs typeface="Adobe Clean"/>
-              </a:rPr>
-              <a:t> </a:t>
-            </a:r>
-            <a:r>
-              <a:rPr sz="1400" b="1" u="sng" spc="-55">
-                <a:solidFill>
-                  <a:srgbClr val="020302"/>
-                </a:solidFill>
-                <a:uFill>
-                  <a:solidFill>
-                    <a:srgbClr val="020302"/>
-                  </a:solidFill>
-                </a:uFill>
-                <a:latin typeface="Adobe Clean"/>
-                <a:cs typeface="Adobe Clean"/>
-              </a:rPr>
-              <a:t>T</a:t>
-            </a:r>
-            <a:r>
-              <a:rPr sz="1400" b="1" u="sng" spc="-40">
-                <a:solidFill>
-                  <a:srgbClr val="020302"/>
-                </a:solidFill>
-                <a:uFill>
-                  <a:solidFill>
-                    <a:srgbClr val="020302"/>
-                  </a:solidFill>
-                </a:uFill>
-                <a:latin typeface="Adobe Clean"/>
-                <a:cs typeface="Adobe Clean"/>
-              </a:rPr>
-              <a:t>a</a:t>
-            </a:r>
-            <a:r>
-              <a:rPr sz="1400" b="1" u="sng" spc="-45">
-                <a:solidFill>
-                  <a:srgbClr val="020302"/>
-                </a:solidFill>
-                <a:uFill>
-                  <a:solidFill>
-                    <a:srgbClr val="020302"/>
-                  </a:solidFill>
-                </a:uFill>
-                <a:latin typeface="Adobe Clean"/>
-                <a:cs typeface="Adobe Clean"/>
-              </a:rPr>
-              <a:t>r</a:t>
-            </a:r>
-            <a:r>
-              <a:rPr sz="1400" b="1" u="sng" spc="-40">
-                <a:solidFill>
-                  <a:srgbClr val="020302"/>
-                </a:solidFill>
-                <a:uFill>
-                  <a:solidFill>
-                    <a:srgbClr val="020302"/>
-                  </a:solidFill>
-                </a:uFill>
-                <a:latin typeface="Adobe Clean"/>
-                <a:cs typeface="Adobe Clean"/>
-              </a:rPr>
-              <a:t>g</a:t>
-            </a:r>
-            <a:r>
-              <a:rPr sz="1400" b="1" u="sng" spc="-50">
-                <a:solidFill>
-                  <a:srgbClr val="020302"/>
-                </a:solidFill>
-                <a:uFill>
-                  <a:solidFill>
-                    <a:srgbClr val="020302"/>
-                  </a:solidFill>
-                </a:uFill>
-                <a:latin typeface="Adobe Clean"/>
-                <a:cs typeface="Adobe Clean"/>
-              </a:rPr>
-              <a:t>et</a:t>
-            </a:r>
-            <a:r>
-              <a:rPr sz="1400" b="1" u="sng" spc="-45">
-                <a:solidFill>
-                  <a:srgbClr val="020302"/>
-                </a:solidFill>
-                <a:uFill>
-                  <a:solidFill>
-                    <a:srgbClr val="020302"/>
-                  </a:solidFill>
-                </a:uFill>
-                <a:latin typeface="Adobe Clean"/>
-                <a:cs typeface="Adobe Clean"/>
-              </a:rPr>
-              <a:t>s</a:t>
-            </a:r>
-            <a:r>
-              <a:rPr sz="1400" b="1" u="sng">
-                <a:solidFill>
-                  <a:srgbClr val="020302"/>
-                </a:solidFill>
-                <a:uFill>
-                  <a:solidFill>
-                    <a:srgbClr val="020302"/>
-                  </a:solidFill>
-                </a:uFill>
-                <a:latin typeface="Adobe Clean"/>
-                <a:cs typeface="Adobe Clean"/>
-              </a:rPr>
-              <a:t>:</a:t>
-            </a:r>
-            <a:r>
-              <a:rPr sz="1400" b="1" u="sng" spc="-85">
-                <a:solidFill>
-                  <a:srgbClr val="020302"/>
-                </a:solidFill>
-                <a:uFill>
-                  <a:solidFill>
-                    <a:srgbClr val="020302"/>
-                  </a:solidFill>
-                </a:uFill>
-                <a:latin typeface="Adobe Clean"/>
-                <a:cs typeface="Adobe Clean"/>
-              </a:rPr>
-              <a:t> </a:t>
-            </a:r>
-            <a:r>
-              <a:rPr sz="1400" b="1" u="sng" spc="-15">
-                <a:solidFill>
-                  <a:srgbClr val="020302"/>
-                </a:solidFill>
-                <a:uFill>
-                  <a:solidFill>
-                    <a:srgbClr val="020302"/>
-                  </a:solidFill>
-                </a:uFill>
-                <a:latin typeface="Adobe Clean"/>
-                <a:cs typeface="Adobe Clean"/>
-              </a:rPr>
-              <a:t>I</a:t>
-            </a:r>
-            <a:r>
-              <a:rPr sz="1400" b="1" u="sng" spc="-10">
-                <a:solidFill>
-                  <a:srgbClr val="020302"/>
-                </a:solidFill>
-                <a:uFill>
-                  <a:solidFill>
-                    <a:srgbClr val="020302"/>
-                  </a:solidFill>
-                </a:uFill>
-                <a:latin typeface="Adobe Clean"/>
-                <a:cs typeface="Adobe Clean"/>
-              </a:rPr>
-              <a:t>ni</a:t>
-            </a:r>
-            <a:r>
-              <a:rPr sz="1400" b="1" u="sng" spc="-15">
-                <a:solidFill>
-                  <a:srgbClr val="020302"/>
-                </a:solidFill>
-                <a:uFill>
-                  <a:solidFill>
-                    <a:srgbClr val="020302"/>
-                  </a:solidFill>
-                </a:uFill>
-                <a:latin typeface="Adobe Clean"/>
-                <a:cs typeface="Adobe Clean"/>
-              </a:rPr>
-              <a:t>t</a:t>
-            </a:r>
-            <a:r>
-              <a:rPr sz="1400" b="1" u="sng" spc="-10">
-                <a:solidFill>
-                  <a:srgbClr val="020302"/>
-                </a:solidFill>
-                <a:uFill>
-                  <a:solidFill>
-                    <a:srgbClr val="020302"/>
-                  </a:solidFill>
-                </a:uFill>
-                <a:latin typeface="Adobe Clean"/>
-                <a:cs typeface="Adobe Clean"/>
-              </a:rPr>
-              <a:t>i</a:t>
-            </a:r>
-            <a:r>
-              <a:rPr sz="1400" b="1" u="sng" spc="-5">
-                <a:solidFill>
-                  <a:srgbClr val="020302"/>
-                </a:solidFill>
-                <a:uFill>
-                  <a:solidFill>
-                    <a:srgbClr val="020302"/>
-                  </a:solidFill>
-                </a:uFill>
-                <a:latin typeface="Adobe Clean"/>
-                <a:cs typeface="Adobe Clean"/>
-              </a:rPr>
-              <a:t>a</a:t>
-            </a:r>
-            <a:r>
-              <a:rPr sz="1400" b="1" u="sng">
-                <a:solidFill>
-                  <a:srgbClr val="020302"/>
-                </a:solidFill>
-                <a:uFill>
-                  <a:solidFill>
-                    <a:srgbClr val="020302"/>
-                  </a:solidFill>
-                </a:uFill>
-                <a:latin typeface="Adobe Clean"/>
-                <a:cs typeface="Adobe Clean"/>
-              </a:rPr>
-              <a:t>l</a:t>
-            </a:r>
-            <a:r>
-              <a:rPr sz="1400" b="1" u="sng" spc="-145">
-                <a:solidFill>
-                  <a:srgbClr val="020302"/>
-                </a:solidFill>
-                <a:uFill>
-                  <a:solidFill>
-                    <a:srgbClr val="020302"/>
-                  </a:solidFill>
-                </a:uFill>
-                <a:latin typeface="Adobe Clean"/>
-                <a:cs typeface="Adobe Clean"/>
-              </a:rPr>
-              <a:t> </a:t>
-            </a:r>
-            <a:r>
-              <a:rPr sz="1400" b="1" u="sng" spc="-15">
-                <a:solidFill>
-                  <a:srgbClr val="020302"/>
-                </a:solidFill>
-                <a:uFill>
-                  <a:solidFill>
-                    <a:srgbClr val="020302"/>
-                  </a:solidFill>
-                </a:uFill>
-                <a:latin typeface="Adobe Clean"/>
-                <a:cs typeface="Adobe Clean"/>
-              </a:rPr>
-              <a:t>R</a:t>
-            </a:r>
-            <a:r>
-              <a:rPr sz="1400" b="1" u="sng" spc="-20">
-                <a:solidFill>
-                  <a:srgbClr val="020302"/>
-                </a:solidFill>
-                <a:uFill>
-                  <a:solidFill>
-                    <a:srgbClr val="020302"/>
-                  </a:solidFill>
-                </a:uFill>
-                <a:latin typeface="Adobe Clean"/>
-                <a:cs typeface="Adobe Clean"/>
-              </a:rPr>
-              <a:t>e</a:t>
-            </a:r>
-            <a:r>
-              <a:rPr sz="1400" b="1" u="sng" spc="-15">
-                <a:solidFill>
-                  <a:srgbClr val="020302"/>
-                </a:solidFill>
-                <a:uFill>
-                  <a:solidFill>
-                    <a:srgbClr val="020302"/>
-                  </a:solidFill>
-                </a:uFill>
-                <a:latin typeface="Adobe Clean"/>
-                <a:cs typeface="Adobe Clean"/>
-              </a:rPr>
-              <a:t>s</a:t>
-            </a:r>
-            <a:r>
-              <a:rPr sz="1400" b="1" u="sng" spc="-20">
-                <a:solidFill>
-                  <a:srgbClr val="020302"/>
-                </a:solidFill>
-                <a:uFill>
-                  <a:solidFill>
-                    <a:srgbClr val="020302"/>
-                  </a:solidFill>
-                </a:uFill>
-                <a:latin typeface="Adobe Clean"/>
-                <a:cs typeface="Adobe Clean"/>
-              </a:rPr>
-              <a:t>p</a:t>
-            </a:r>
-            <a:r>
-              <a:rPr sz="1400" b="1" u="sng" spc="-15">
-                <a:solidFill>
-                  <a:srgbClr val="020302"/>
-                </a:solidFill>
-                <a:uFill>
-                  <a:solidFill>
-                    <a:srgbClr val="020302"/>
-                  </a:solidFill>
-                </a:uFill>
-                <a:latin typeface="Adobe Clean"/>
-                <a:cs typeface="Adobe Clean"/>
-              </a:rPr>
-              <a:t>ons</a:t>
-            </a:r>
-            <a:r>
-              <a:rPr sz="1400" b="1" u="sng">
-                <a:solidFill>
-                  <a:srgbClr val="020302"/>
-                </a:solidFill>
-                <a:uFill>
-                  <a:solidFill>
-                    <a:srgbClr val="020302"/>
-                  </a:solidFill>
-                </a:uFill>
-                <a:latin typeface="Adobe Clean"/>
-                <a:cs typeface="Adobe Clean"/>
-              </a:rPr>
-              <a:t>e</a:t>
-            </a:r>
-            <a:endParaRPr sz="1400" u="sng">
-              <a:latin typeface="Adobe Clean"/>
-              <a:cs typeface="Adobe Clean"/>
-            </a:endParaRPr>
+              <a:t>Cibles du niveau de service : Réponse initiale</a:t>
+            </a:r>
           </a:p>
         </p:txBody>
       </p:sp>
@@ -3134,14 +2644,14 @@
           <p:nvPr>
             <p:extLst>
               <p:ext uri="{D42A27DB-BD31-4B8C-83A1-F6EECF244321}">
-                <p14:modId xmlns:p14="http://schemas.microsoft.com/office/powerpoint/2010/main" val="1841332714"/>
+                <p14:modId xmlns:p14="http://schemas.microsoft.com/office/powerpoint/2010/main" val="984980563"/>
               </p:ext>
             </p:extLst>
           </p:nvPr>
         </p:nvGraphicFramePr>
         <p:xfrm>
-          <a:off x="146919" y="7473158"/>
-          <a:ext cx="7477080" cy="2387453"/>
+          <a:off x="146919" y="7366478"/>
+          <a:ext cx="7477080" cy="2454556"/>
         </p:xfrm>
         <a:graphic>
           <a:graphicData uri="http://schemas.openxmlformats.org/drawingml/2006/table">
@@ -3187,19 +2697,15 @@
                         </a:spcBef>
                       </a:pPr>
                       <a:r>
-                        <a:rPr sz="900" spc="-20">
+                        <a:rPr lang="fr-FR" sz="900">
                           <a:solidFill>
                             <a:srgbClr val="020302"/>
                           </a:solidFill>
                           <a:latin typeface="Adobe Clean"/>
                           <a:cs typeface="Adobe Clean"/>
                         </a:rPr>
-                        <a:t>Priority</a:t>
+                        <a:t>Priorité</a:t>
                       </a:r>
-                      <a:endParaRPr sz="900">
-                        <a:latin typeface="Adobe Clean"/>
-                        <a:cs typeface="Adobe Clean"/>
-                      </a:endParaRPr>
                     </a:p>
                   </a:txBody>
                   <a:tcPr marL="0" marR="0" marT="6985" marB="0" anchor="ctr">
@@ -3246,19 +2752,15 @@
                         </a:spcBef>
                       </a:pPr>
                       <a:r>
-                        <a:rPr sz="900" spc="0">
+                        <a:rPr lang="fr-FR" sz="900">
                           <a:solidFill>
                             <a:srgbClr val="020302"/>
                           </a:solidFill>
                           <a:latin typeface="Adobe Clean"/>
                           <a:cs typeface="Adobe Clean"/>
                         </a:rPr>
-                        <a:t>Online Support</a:t>
+                        <a:t>Assistance en ligne</a:t>
                       </a:r>
-                      <a:endParaRPr sz="900" spc="0">
-                        <a:latin typeface="Adobe Clean"/>
-                        <a:cs typeface="Adobe Clean"/>
-                      </a:endParaRPr>
                     </a:p>
                   </a:txBody>
                   <a:tcPr marL="0" marR="0" marT="6985" marB="0" anchor="ctr">
@@ -3296,7 +2798,7 @@
                     <a:bodyPr/>
                     <a:lstStyle/>
                     <a:p>
-                      <a:pPr marL="260985">
+                      <a:pPr marL="0" indent="0" algn="ctr">
                         <a:lnSpc>
                           <a:spcPct val="100000"/>
                         </a:lnSpc>
@@ -3305,19 +2807,34 @@
                         </a:spcBef>
                       </a:pPr>
                       <a:r>
-                        <a:rPr sz="900" spc="0">
+                        <a:rPr lang="fr-FR" sz="900" dirty="0">
                           <a:solidFill>
                             <a:srgbClr val="FFFFFF"/>
                           </a:solidFill>
                           <a:latin typeface="Adobe Clean"/>
                           <a:cs typeface="Adobe Clean"/>
                         </a:rPr>
-                        <a:t>Enterprise Support</a:t>
+                        <a:t>Assistance </a:t>
                       </a:r>
-                      <a:endParaRPr sz="900" spc="0">
-                        <a:latin typeface="Adobe Clean"/>
-                        <a:cs typeface="Adobe Clean"/>
-                      </a:endParaRPr>
+                      <a:br>
+                        <a:rPr lang="sk-SK" sz="900" dirty="0">
+                          <a:solidFill>
+                            <a:srgbClr val="FFFFFF"/>
+                          </a:solidFill>
+                          <a:latin typeface="Adobe Clean"/>
+                          <a:cs typeface="Adobe Clean"/>
+                        </a:rPr>
+                      </a:br>
+                      <a:r>
+                        <a:rPr lang="fr-FR" sz="900" dirty="0">
+                          <a:solidFill>
+                            <a:srgbClr val="FFFFFF"/>
+                          </a:solidFill>
+                          <a:latin typeface="Adobe Clean"/>
+                          <a:cs typeface="Adobe Clean"/>
+                        </a:rPr>
+                        <a:t>aux entreprises</a:t>
+                      </a:r>
                     </a:p>
                   </a:txBody>
                   <a:tcPr marL="0" marR="0" marT="10160" marB="0" anchor="ctr">
@@ -3377,109 +2894,15 @@
                         </a:spcBef>
                       </a:pPr>
                       <a:r>
-                        <a:rPr sz="900" b="1" spc="-15">
+                        <a:rPr lang="fr-FR" sz="900" b="1" dirty="0">
                           <a:solidFill>
                             <a:srgbClr val="020302"/>
                           </a:solidFill>
                           <a:latin typeface="Adobe Clean"/>
                           <a:cs typeface="Adobe Clean"/>
                         </a:rPr>
-                        <a:t>P</a:t>
+                        <a:t>PRIORITÉ 1</a:t>
                       </a:r>
-                      <a:r>
-                        <a:rPr sz="900" b="1" spc="-20">
-                          <a:solidFill>
-                            <a:srgbClr val="020302"/>
-                          </a:solidFill>
-                          <a:latin typeface="Adobe Clean"/>
-                          <a:cs typeface="Adobe Clean"/>
-                        </a:rPr>
-                        <a:t>R</a:t>
-                      </a:r>
-                      <a:r>
-                        <a:rPr sz="900" b="1" spc="-25">
-                          <a:solidFill>
-                            <a:srgbClr val="020302"/>
-                          </a:solidFill>
-                          <a:latin typeface="Adobe Clean"/>
-                          <a:cs typeface="Adobe Clean"/>
-                        </a:rPr>
-                        <a:t>I</a:t>
-                      </a:r>
-                      <a:r>
-                        <a:rPr sz="900" b="1" spc="-15">
-                          <a:solidFill>
-                            <a:srgbClr val="020302"/>
-                          </a:solidFill>
-                          <a:latin typeface="Adobe Clean"/>
-                          <a:cs typeface="Adobe Clean"/>
-                        </a:rPr>
-                        <a:t>O</a:t>
-                      </a:r>
-                      <a:r>
-                        <a:rPr sz="900" b="1" spc="-20">
-                          <a:solidFill>
-                            <a:srgbClr val="020302"/>
-                          </a:solidFill>
-                          <a:latin typeface="Adobe Clean"/>
-                          <a:cs typeface="Adobe Clean"/>
-                        </a:rPr>
-                        <a:t>R</a:t>
-                      </a:r>
-                      <a:r>
-                        <a:rPr sz="900" b="1" spc="-25">
-                          <a:solidFill>
-                            <a:srgbClr val="020302"/>
-                          </a:solidFill>
-                          <a:latin typeface="Adobe Clean"/>
-                          <a:cs typeface="Adobe Clean"/>
-                        </a:rPr>
-                        <a:t>I</a:t>
-                      </a:r>
-                      <a:r>
-                        <a:rPr sz="900" b="1" spc="-15">
-                          <a:solidFill>
-                            <a:srgbClr val="020302"/>
-                          </a:solidFill>
-                          <a:latin typeface="Adobe Clean"/>
-                          <a:cs typeface="Adobe Clean"/>
-                        </a:rPr>
-                        <a:t>T</a:t>
-                      </a:r>
-                      <a:r>
-                        <a:rPr sz="900" b="1">
-                          <a:solidFill>
-                            <a:srgbClr val="020302"/>
-                          </a:solidFill>
-                          <a:latin typeface="Adobe Clean"/>
-                          <a:cs typeface="Adobe Clean"/>
-                        </a:rPr>
-                        <a:t>Y</a:t>
-                      </a:r>
-                      <a:r>
-                        <a:rPr sz="900" b="1" spc="-40">
-                          <a:solidFill>
-                            <a:srgbClr val="020302"/>
-                          </a:solidFill>
-                          <a:latin typeface="Adobe Clean"/>
-                          <a:cs typeface="Adobe Clean"/>
-                        </a:rPr>
-                        <a:t> </a:t>
-                      </a:r>
-                      <a:r>
-                        <a:rPr sz="900" b="1">
-                          <a:solidFill>
-                            <a:srgbClr val="020302"/>
-                          </a:solidFill>
-                          <a:latin typeface="Adobe Clean"/>
-                          <a:cs typeface="Adobe Clean"/>
-                        </a:rPr>
-                        <a:t>1</a:t>
-                      </a:r>
-                      <a:endParaRPr sz="900">
-                        <a:latin typeface="Adobe Clean"/>
-                        <a:cs typeface="Adobe Clean"/>
-                      </a:endParaRPr>
                     </a:p>
                     <a:p>
                       <a:pPr marL="50800" marR="387985" lvl="0" indent="0" defTabSz="914400" eaLnBrk="1" fontAlgn="auto" latinLnBrk="0" hangingPunct="1">
@@ -3500,31 +2923,48 @@
                         <a:defRPr/>
                       </a:pPr>
                       <a:r>
-                        <a:rPr lang="en-US" sz="900" b="0" i="0" spc="-130">
+                        <a:rPr lang="fr-FR" sz="900" b="0" i="0" dirty="0">
                           <a:solidFill>
                             <a:srgbClr val="020302"/>
                           </a:solidFill>
                           <a:latin typeface="Adobe Clean Light" panose="020B0303020404020204" pitchFamily="34" charset="0"/>
+                          <a:ea typeface="+mn-ea"/>
                           <a:cs typeface="Adobe Clean"/>
                         </a:rPr>
                         <a:t> </a:t>
                       </a:r>
                       <a:r>
-                        <a:rPr lang="en-US" sz="900" b="0" i="0" u="none" strike="noStrike">
+                        <a:rPr lang="fr-FR" sz="900" b="0" i="0" u="none" strike="noStrike" dirty="0">
                           <a:solidFill>
                             <a:schemeClr val="tx1"/>
                           </a:solidFill>
-                          <a:effectLst/>
                           <a:latin typeface="Adobe Clean Light" panose="020B0303020404020204" pitchFamily="34" charset="0"/>
                           <a:ea typeface="+mn-ea"/>
                           <a:cs typeface="+mn-cs"/>
                         </a:rPr>
-                        <a:t>Customer's production business functions are down or has significant data loss or degradation of services and immediate attention is required to restore functionality and usability</a:t>
+                        <a:t>Les fonctions commerciales de production du client sont en panne ou présentent une perte </a:t>
                       </a:r>
-                      <a:endParaRPr lang="en-US" sz="900" b="0" i="0">
-                        <a:latin typeface="Adobe Clean Light" panose="020B0303020404020204" pitchFamily="34" charset="0"/>
-                        <a:cs typeface="AdobeClean-Light"/>
-                      </a:endParaRPr>
+                      <a:br>
+                        <a:rPr lang="sk-SK" sz="900" b="0" i="0" u="none" strike="noStrike" dirty="0">
+                          <a:solidFill>
+                            <a:schemeClr val="tx1"/>
+                          </a:solidFill>
+                          <a:latin typeface="Adobe Clean Light" panose="020B0303020404020204" pitchFamily="34" charset="0"/>
+                          <a:ea typeface="+mn-ea"/>
+                          <a:cs typeface="+mn-cs"/>
+                        </a:rPr>
+                      </a:br>
+                      <a:r>
+                        <a:rPr lang="fr-FR" sz="900" b="0" i="0" u="none" strike="noStrike" dirty="0">
+                          <a:solidFill>
+                            <a:schemeClr val="tx1"/>
+                          </a:solidFill>
+                          <a:latin typeface="Adobe Clean Light" panose="020B0303020404020204" pitchFamily="34" charset="0"/>
+                          <a:ea typeface="+mn-ea"/>
+                          <a:cs typeface="+mn-cs"/>
+                        </a:rPr>
+                        <a:t>de données importante ou une dégradation des services. Une attention immédiate est requise afin de restaurer les fonctionnalités et l’accessibilité</a:t>
+                      </a:r>
                     </a:p>
                   </a:txBody>
                   <a:tcPr marL="0" marR="0" marT="0" marB="0" anchor="ctr">
@@ -3559,23 +2999,75 @@
                     <a:bodyPr/>
                     <a:lstStyle/>
                     <a:p>
-                      <a:pPr marL="542925" marR="492125" algn="l">
+                      <a:pPr marL="542925" marR="492125" algn="ctr">
                         <a:lnSpc>
                           <a:spcPct val="102200"/>
                         </a:lnSpc>
                       </a:pPr>
                       <a:r>
-                        <a:rPr sz="900" spc="-15">
+                        <a:rPr lang="fr-FR" sz="900" dirty="0">
                           <a:solidFill>
                             <a:srgbClr val="020302"/>
                           </a:solidFill>
                           <a:latin typeface="AdobeClean-Light"/>
                           <a:cs typeface="AdobeClean-Light"/>
                         </a:rPr>
-                        <a:t>24x7</a:t>
+                        <a:t>24x7 /           1 heure</a:t>
+                      </a:r>
+                    </a:p>
+                  </a:txBody>
+                  <a:tcPr marL="0" marR="0" marT="0" marB="0" anchor="ctr">
+                    <a:lnL w="6350">
+                      <a:solidFill>
+                        <a:srgbClr val="B7B8B8"/>
+                      </a:solidFill>
+                      <a:prstDash val="solid"/>
+                    </a:lnL>
+                    <a:lnR w="6350">
+                      <a:solidFill>
+                        <a:srgbClr val="B7B8B8"/>
+                      </a:solidFill>
+                      <a:prstDash val="solid"/>
+                    </a:lnR>
+                    <a:lnT w="76200">
+                      <a:solidFill>
+                        <a:srgbClr val="B3B3B3"/>
+                      </a:solidFill>
+                      <a:prstDash val="solid"/>
+                    </a:lnT>
+                    <a:lnB w="6350">
+                      <a:solidFill>
+                        <a:srgbClr val="B7B8B8"/>
+                      </a:solidFill>
+                      <a:prstDash val="solid"/>
+                    </a:lnB>
+                  </a:tcPr>
+                </a:tc>
+                <a:tc>
+                  <a:txBody>
+                    <a:bodyPr/>
+                    <a:lstStyle/>
+                    <a:p>
+                      <a:pPr marL="288925" marR="476250" indent="0" algn="ctr">
+                        <a:lnSpc>
+                          <a:spcPct val="100000"/>
+                        </a:lnSpc>
+                        <a:spcBef>
+                          <a:spcPts val="700"/>
+                        </a:spcBef>
+                      </a:pPr>
+                      <a:r>
+                        <a:rPr lang="fr-FR" sz="900" dirty="0">
+                          <a:solidFill>
+                            <a:srgbClr val="020302"/>
+                          </a:solidFill>
+                          <a:latin typeface="AdobeClean-Light"/>
+                          <a:cs typeface="AdobeClean-Light"/>
+                        </a:rPr>
+                        <a:t>24x7 /</a:t>
                       </a:r>
                       <a:r>
-                        <a:rPr lang="en-US" sz="900" spc="-15">
+                        <a:rPr lang="sk-SK" sz="900" dirty="0">
                           <a:solidFill>
                             <a:srgbClr val="020302"/>
                           </a:solidFill>
@@ -3585,285 +3077,15 @@
                         <a:t> </a:t>
                       </a:r>
                       <a:r>
-                        <a:rPr sz="900" spc="-15">
+                        <a:rPr lang="fr-FR" sz="900" dirty="0">
                           <a:solidFill>
                             <a:srgbClr val="020302"/>
                           </a:solidFill>
                           <a:latin typeface="AdobeClean-Light"/>
                           <a:cs typeface="AdobeClean-Light"/>
                         </a:rPr>
-                        <a:t>/</a:t>
+                        <a:t>30 minutes</a:t>
                       </a:r>
-                      <a:r>
-                        <a:rPr lang="en-US" sz="900" spc="-15">
-                          <a:solidFill>
-                            <a:srgbClr val="020302"/>
-                          </a:solidFill>
-                          <a:latin typeface="AdobeClean-Light"/>
-                          <a:cs typeface="AdobeClean-Light"/>
-                        </a:rPr>
-                        <a:t>         </a:t>
-                      </a:r>
-                      <a:r>
-                        <a:rPr sz="900" spc="-15">
-                          <a:solidFill>
-                            <a:srgbClr val="020302"/>
-                          </a:solidFill>
-                          <a:latin typeface="AdobeClean-Light"/>
-                          <a:cs typeface="AdobeClean-Light"/>
-                        </a:rPr>
-                        <a:t> </a:t>
-                      </a:r>
-                      <a:r>
-                        <a:rPr sz="900" spc="-200">
-                          <a:solidFill>
-                            <a:srgbClr val="020302"/>
-                          </a:solidFill>
-                          <a:latin typeface="AdobeClean-Light"/>
-                          <a:cs typeface="AdobeClean-Light"/>
-                        </a:rPr>
-                        <a:t> </a:t>
-                      </a:r>
-                      <a:r>
-                        <a:rPr sz="900">
-                          <a:solidFill>
-                            <a:srgbClr val="020302"/>
-                          </a:solidFill>
-                          <a:latin typeface="AdobeClean-Light"/>
-                          <a:cs typeface="AdobeClean-Light"/>
-                        </a:rPr>
-                        <a:t>1</a:t>
-                      </a:r>
-                      <a:r>
-                        <a:rPr sz="900" spc="-90">
-                          <a:solidFill>
-                            <a:srgbClr val="020302"/>
-                          </a:solidFill>
-                          <a:latin typeface="AdobeClean-Light"/>
-                          <a:cs typeface="AdobeClean-Light"/>
-                        </a:rPr>
-                        <a:t> </a:t>
-                      </a:r>
-                      <a:r>
-                        <a:rPr sz="900" spc="-15">
-                          <a:solidFill>
-                            <a:srgbClr val="020302"/>
-                          </a:solidFill>
-                          <a:latin typeface="AdobeClean-Light"/>
-                          <a:cs typeface="AdobeClean-Light"/>
-                        </a:rPr>
-                        <a:t>h</a:t>
-                      </a:r>
-                      <a:r>
-                        <a:rPr sz="900" spc="-20">
-                          <a:solidFill>
-                            <a:srgbClr val="020302"/>
-                          </a:solidFill>
-                          <a:latin typeface="AdobeClean-Light"/>
-                          <a:cs typeface="AdobeClean-Light"/>
-                        </a:rPr>
-                        <a:t>ou</a:t>
-                      </a:r>
-                      <a:r>
-                        <a:rPr sz="900">
-                          <a:solidFill>
-                            <a:srgbClr val="020302"/>
-                          </a:solidFill>
-                          <a:latin typeface="AdobeClean-Light"/>
-                          <a:cs typeface="AdobeClean-Light"/>
-                        </a:rPr>
-                        <a:t>r</a:t>
-                      </a:r>
-                      <a:endParaRPr sz="900">
-                        <a:latin typeface="AdobeClean-Light"/>
-                        <a:cs typeface="AdobeClean-Light"/>
-                      </a:endParaRPr>
-                    </a:p>
-                  </a:txBody>
-                  <a:tcPr marL="0" marR="0" marT="0" marB="0" anchor="ctr">
-                    <a:lnL w="6350">
-                      <a:solidFill>
-                        <a:srgbClr val="B7B8B8"/>
-                      </a:solidFill>
-                      <a:prstDash val="solid"/>
-                    </a:lnL>
-                    <a:lnR w="6350">
-                      <a:solidFill>
-                        <a:srgbClr val="B7B8B8"/>
-                      </a:solidFill>
-                      <a:prstDash val="solid"/>
-                    </a:lnR>
-                    <a:lnT w="76200">
-                      <a:solidFill>
-                        <a:srgbClr val="B3B3B3"/>
-                      </a:solidFill>
-                      <a:prstDash val="solid"/>
-                    </a:lnT>
-                    <a:lnB w="6350">
-                      <a:solidFill>
-                        <a:srgbClr val="B7B8B8"/>
-                      </a:solidFill>
-                      <a:prstDash val="solid"/>
-                    </a:lnB>
-                  </a:tcPr>
-                </a:tc>
-                <a:tc>
-                  <a:txBody>
-                    <a:bodyPr/>
-                    <a:lstStyle/>
-                    <a:p>
-                      <a:pPr marL="352425" marR="476250" indent="111125">
-                        <a:lnSpc>
-                          <a:spcPct val="100000"/>
-                        </a:lnSpc>
-                        <a:spcBef>
-                          <a:spcPts val="700"/>
-                        </a:spcBef>
-                      </a:pPr>
-                      <a:r>
-                        <a:rPr sz="900" spc="-25">
-                          <a:solidFill>
-                            <a:srgbClr val="020302"/>
-                          </a:solidFill>
-                          <a:latin typeface="AdobeClean-Light"/>
-                          <a:cs typeface="AdobeClean-Light"/>
-                        </a:rPr>
-                        <a:t>24</a:t>
-                      </a:r>
-                      <a:r>
-                        <a:rPr sz="900" spc="-20">
-                          <a:solidFill>
-                            <a:srgbClr val="020302"/>
-                          </a:solidFill>
-                          <a:latin typeface="AdobeClean-Light"/>
-                          <a:cs typeface="AdobeClean-Light"/>
-                        </a:rPr>
-                        <a:t>x</a:t>
-                      </a:r>
-                      <a:r>
-                        <a:rPr sz="900">
-                          <a:solidFill>
-                            <a:srgbClr val="020302"/>
-                          </a:solidFill>
-                          <a:latin typeface="AdobeClean-Light"/>
-                          <a:cs typeface="AdobeClean-Light"/>
-                        </a:rPr>
-                        <a:t>7</a:t>
-                      </a:r>
-                      <a:r>
-                        <a:rPr sz="900" spc="-35">
-                          <a:solidFill>
-                            <a:srgbClr val="020302"/>
-                          </a:solidFill>
-                          <a:latin typeface="AdobeClean-Light"/>
-                          <a:cs typeface="AdobeClean-Light"/>
-                        </a:rPr>
-                        <a:t> </a:t>
-                      </a:r>
-                      <a:r>
-                        <a:rPr sz="900">
-                          <a:solidFill>
-                            <a:srgbClr val="020302"/>
-                          </a:solidFill>
-                          <a:latin typeface="AdobeClean-Light"/>
-                          <a:cs typeface="AdobeClean-Light"/>
-                        </a:rPr>
-                        <a:t>/  </a:t>
-                      </a:r>
-                      <a:r>
-                        <a:rPr sz="900" spc="-20">
-                          <a:solidFill>
-                            <a:srgbClr val="020302"/>
-                          </a:solidFill>
-                          <a:latin typeface="AdobeClean-Light"/>
-                          <a:cs typeface="AdobeClean-Light"/>
-                        </a:rPr>
-                        <a:t>3</a:t>
-                      </a:r>
-                      <a:r>
-                        <a:rPr sz="900" spc="50">
-                          <a:solidFill>
-                            <a:srgbClr val="020302"/>
-                          </a:solidFill>
-                          <a:latin typeface="AdobeClean-Light"/>
-                          <a:cs typeface="AdobeClean-Light"/>
-                        </a:rPr>
-                        <a:t>0</a:t>
-                      </a:r>
-                      <a:r>
-                        <a:rPr sz="900" spc="-20">
-                          <a:solidFill>
-                            <a:srgbClr val="020302"/>
-                          </a:solidFill>
-                          <a:latin typeface="AdobeClean-Light"/>
-                          <a:cs typeface="AdobeClean-Light"/>
-                        </a:rPr>
-                        <a:t>m</a:t>
-                      </a:r>
-                      <a:r>
-                        <a:rPr sz="900" spc="-35">
-                          <a:solidFill>
-                            <a:srgbClr val="020302"/>
-                          </a:solidFill>
-                          <a:latin typeface="AdobeClean-Light"/>
-                          <a:cs typeface="AdobeClean-Light"/>
-                        </a:rPr>
-                        <a:t>i</a:t>
-                      </a:r>
-                      <a:r>
-                        <a:rPr sz="900" spc="-30">
-                          <a:solidFill>
-                            <a:srgbClr val="020302"/>
-                          </a:solidFill>
-                          <a:latin typeface="AdobeClean-Light"/>
-                          <a:cs typeface="AdobeClean-Light"/>
-                        </a:rPr>
-                        <a:t>n</a:t>
-                      </a:r>
-                      <a:r>
-                        <a:rPr sz="900" spc="-20">
-                          <a:solidFill>
-                            <a:srgbClr val="020302"/>
-                          </a:solidFill>
-                          <a:latin typeface="AdobeClean-Light"/>
-                          <a:cs typeface="AdobeClean-Light"/>
-                        </a:rPr>
-                        <a:t>u</a:t>
-                      </a:r>
-                      <a:r>
-                        <a:rPr sz="900" spc="-15">
-                          <a:solidFill>
-                            <a:srgbClr val="020302"/>
-                          </a:solidFill>
-                          <a:latin typeface="AdobeClean-Light"/>
-                          <a:cs typeface="AdobeClean-Light"/>
-                        </a:rPr>
-                        <a:t>t</a:t>
-                      </a:r>
-                      <a:r>
-                        <a:rPr sz="900" spc="-25">
-                          <a:solidFill>
-                            <a:srgbClr val="020302"/>
-                          </a:solidFill>
-                          <a:latin typeface="AdobeClean-Light"/>
-                          <a:cs typeface="AdobeClean-Light"/>
-                        </a:rPr>
-                        <a:t>e</a:t>
-                      </a:r>
-                      <a:r>
-                        <a:rPr sz="900">
-                          <a:solidFill>
-                            <a:srgbClr val="020302"/>
-                          </a:solidFill>
-                          <a:latin typeface="AdobeClean-Light"/>
-                          <a:cs typeface="AdobeClean-Light"/>
-                        </a:rPr>
-                        <a:t>s</a:t>
-                      </a:r>
-                      <a:endParaRPr sz="900">
-                        <a:latin typeface="AdobeClean-Light"/>
-                        <a:cs typeface="AdobeClean-Light"/>
-                      </a:endParaRPr>
                     </a:p>
                   </a:txBody>
                   <a:tcPr marL="0" marR="0" marT="0" marB="0" anchor="ctr">
@@ -3925,109 +3147,15 @@
                         </a:spcBef>
                       </a:pPr>
                       <a:r>
-                        <a:rPr sz="900" b="1" spc="-15">
+                        <a:rPr lang="fr-FR" sz="900" b="1" dirty="0">
                           <a:solidFill>
                             <a:srgbClr val="020302"/>
                           </a:solidFill>
                           <a:latin typeface="Adobe Clean"/>
                           <a:cs typeface="Adobe Clean"/>
                         </a:rPr>
-                        <a:t>P</a:t>
+                        <a:t>PRIORITÉ 2</a:t>
                       </a:r>
-                      <a:r>
-                        <a:rPr sz="900" b="1" spc="-20">
-                          <a:solidFill>
-                            <a:srgbClr val="020302"/>
-                          </a:solidFill>
-                          <a:latin typeface="Adobe Clean"/>
-                          <a:cs typeface="Adobe Clean"/>
-                        </a:rPr>
-                        <a:t>R</a:t>
-                      </a:r>
-                      <a:r>
-                        <a:rPr sz="900" b="1" spc="-25">
-                          <a:solidFill>
-                            <a:srgbClr val="020302"/>
-                          </a:solidFill>
-                          <a:latin typeface="Adobe Clean"/>
-                          <a:cs typeface="Adobe Clean"/>
-                        </a:rPr>
-                        <a:t>I</a:t>
-                      </a:r>
-                      <a:r>
-                        <a:rPr sz="900" b="1" spc="-15">
-                          <a:solidFill>
-                            <a:srgbClr val="020302"/>
-                          </a:solidFill>
-                          <a:latin typeface="Adobe Clean"/>
-                          <a:cs typeface="Adobe Clean"/>
-                        </a:rPr>
-                        <a:t>O</a:t>
-                      </a:r>
-                      <a:r>
-                        <a:rPr sz="900" b="1" spc="-20">
-                          <a:solidFill>
-                            <a:srgbClr val="020302"/>
-                          </a:solidFill>
-                          <a:latin typeface="Adobe Clean"/>
-                          <a:cs typeface="Adobe Clean"/>
-                        </a:rPr>
-                        <a:t>R</a:t>
-                      </a:r>
-                      <a:r>
-                        <a:rPr sz="900" b="1" spc="-25">
-                          <a:solidFill>
-                            <a:srgbClr val="020302"/>
-                          </a:solidFill>
-                          <a:latin typeface="Adobe Clean"/>
-                          <a:cs typeface="Adobe Clean"/>
-                        </a:rPr>
-                        <a:t>I</a:t>
-                      </a:r>
-                      <a:r>
-                        <a:rPr sz="900" b="1" spc="-15">
-                          <a:solidFill>
-                            <a:srgbClr val="020302"/>
-                          </a:solidFill>
-                          <a:latin typeface="Adobe Clean"/>
-                          <a:cs typeface="Adobe Clean"/>
-                        </a:rPr>
-                        <a:t>T</a:t>
-                      </a:r>
-                      <a:r>
-                        <a:rPr sz="900" b="1">
-                          <a:solidFill>
-                            <a:srgbClr val="020302"/>
-                          </a:solidFill>
-                          <a:latin typeface="Adobe Clean"/>
-                          <a:cs typeface="Adobe Clean"/>
-                        </a:rPr>
-                        <a:t>Y</a:t>
-                      </a:r>
-                      <a:r>
-                        <a:rPr sz="900" b="1" spc="-40">
-                          <a:solidFill>
-                            <a:srgbClr val="020302"/>
-                          </a:solidFill>
-                          <a:latin typeface="Adobe Clean"/>
-                          <a:cs typeface="Adobe Clean"/>
-                        </a:rPr>
-                        <a:t> </a:t>
-                      </a:r>
-                      <a:r>
-                        <a:rPr sz="900" b="1">
-                          <a:solidFill>
-                            <a:srgbClr val="020302"/>
-                          </a:solidFill>
-                          <a:latin typeface="Adobe Clean"/>
-                          <a:cs typeface="Adobe Clean"/>
-                        </a:rPr>
-                        <a:t>2</a:t>
-                      </a:r>
-                      <a:endParaRPr sz="900">
-                        <a:latin typeface="Adobe Clean"/>
-                        <a:cs typeface="Adobe Clean"/>
-                      </a:endParaRPr>
                     </a:p>
                     <a:p>
                       <a:pPr marL="50165" marR="203200">
@@ -4039,21 +3167,37 @@
                         </a:spcBef>
                       </a:pPr>
                       <a:r>
-                        <a:rPr lang="en-US" sz="900" b="0" i="0" u="none" strike="noStrike">
+                        <a:rPr lang="fr-FR" sz="900" b="0" i="0" u="none" strike="noStrike" dirty="0">
                           <a:solidFill>
                             <a:schemeClr val="tx1"/>
                           </a:solidFill>
-                          <a:effectLst/>
                           <a:latin typeface="Adobe Clean Light" panose="020B0303020404020204" pitchFamily="34" charset="0"/>
                           <a:ea typeface="+mn-ea"/>
                           <a:cs typeface="+mn-cs"/>
                         </a:rPr>
-                        <a:t>Customer's business functions has major degradation of services, or potential of data loss or unavailability of services, or a major feature is impacted</a:t>
+                        <a:t>Les fonctions commerciales du client présentent une dégradation importante des services, </a:t>
                       </a:r>
-                      <a:endParaRPr lang="en-US" sz="900" b="0" i="0">
-                        <a:latin typeface="Adobe Clean Light" panose="020B0303020404020204" pitchFamily="34" charset="0"/>
-                        <a:cs typeface="AdobeClean-Light"/>
-                      </a:endParaRPr>
+                      <a:br>
+                        <a:rPr lang="sk-SK" sz="900" b="0" i="0" u="none" strike="noStrike" dirty="0">
+                          <a:solidFill>
+                            <a:schemeClr val="tx1"/>
+                          </a:solidFill>
+                          <a:latin typeface="Adobe Clean Light" panose="020B0303020404020204" pitchFamily="34" charset="0"/>
+                          <a:ea typeface="+mn-ea"/>
+                          <a:cs typeface="+mn-cs"/>
+                        </a:rPr>
+                      </a:br>
+                      <a:r>
+                        <a:rPr lang="fr-FR" sz="900" b="0" i="0" u="none" strike="noStrike" dirty="0">
+                          <a:solidFill>
+                            <a:schemeClr val="tx1"/>
+                          </a:solidFill>
+                          <a:latin typeface="Adobe Clean Light" panose="020B0303020404020204" pitchFamily="34" charset="0"/>
+                          <a:ea typeface="+mn-ea"/>
+                          <a:cs typeface="+mn-cs"/>
+                        </a:rPr>
+                        <a:t>une perte potentielle de données ou une indisponibilité des services. Il est également possible qu’une fonctionnalité majeure soit affectée</a:t>
+                      </a:r>
                     </a:p>
                   </a:txBody>
                   <a:tcPr marL="0" marR="0" marT="0" marB="0" anchor="ctr">
@@ -4088,23 +3232,23 @@
                     <a:bodyPr/>
                     <a:lstStyle/>
                     <a:p>
-                      <a:pPr marL="473709" marR="343535" indent="-175895">
+                      <a:pPr marL="228600" marR="343535" indent="69850" algn="ctr">
                         <a:lnSpc>
                           <a:spcPct val="102200"/>
                         </a:lnSpc>
                       </a:pPr>
                       <a:r>
-                        <a:rPr sz="900" spc="-30">
+                        <a:rPr lang="fr-FR" sz="900" dirty="0">
                           <a:solidFill>
                             <a:srgbClr val="020302"/>
                           </a:solidFill>
                           <a:latin typeface="AdobeClean-Light"/>
                           <a:cs typeface="AdobeClean-Light"/>
                         </a:rPr>
-                        <a:t>Business hours</a:t>
+                        <a:t>Heures d’ouverture /</a:t>
                       </a:r>
                       <a:r>
-                        <a:rPr lang="en-US" sz="900" spc="-30">
+                        <a:rPr lang="sk-SK" sz="900" dirty="0">
                           <a:solidFill>
                             <a:srgbClr val="020302"/>
                           </a:solidFill>
@@ -4114,79 +3258,15 @@
                         <a:t> </a:t>
                       </a:r>
                       <a:r>
-                        <a:rPr sz="900">
+                        <a:rPr lang="fr-FR" sz="900" dirty="0">
                           <a:solidFill>
                             <a:srgbClr val="020302"/>
                           </a:solidFill>
                           <a:latin typeface="AdobeClean-Light"/>
                           <a:cs typeface="AdobeClean-Light"/>
                         </a:rPr>
-                        <a:t>/  </a:t>
+                        <a:t>4 heures</a:t>
                       </a:r>
-                      <a:r>
-                        <a:rPr lang="en-US" sz="900">
-                          <a:solidFill>
-                            <a:srgbClr val="020302"/>
-                          </a:solidFill>
-                          <a:latin typeface="AdobeClean-Light"/>
-                          <a:cs typeface="AdobeClean-Light"/>
-                        </a:rPr>
-                        <a:t>     </a:t>
-                      </a:r>
-                      <a:r>
-                        <a:rPr sz="900">
-                          <a:solidFill>
-                            <a:srgbClr val="020302"/>
-                          </a:solidFill>
-                          <a:latin typeface="AdobeClean-Light"/>
-                          <a:cs typeface="AdobeClean-Light"/>
-                        </a:rPr>
-                        <a:t>4</a:t>
-                      </a:r>
-                      <a:r>
-                        <a:rPr sz="900" spc="-100">
-                          <a:solidFill>
-                            <a:srgbClr val="020302"/>
-                          </a:solidFill>
-                          <a:latin typeface="AdobeClean-Light"/>
-                          <a:cs typeface="AdobeClean-Light"/>
-                        </a:rPr>
-                        <a:t> </a:t>
-                      </a:r>
-                      <a:r>
-                        <a:rPr sz="900" spc="-15">
-                          <a:solidFill>
-                            <a:srgbClr val="020302"/>
-                          </a:solidFill>
-                          <a:latin typeface="AdobeClean-Light"/>
-                          <a:cs typeface="AdobeClean-Light"/>
-                        </a:rPr>
-                        <a:t>h</a:t>
-                      </a:r>
-                      <a:r>
-                        <a:rPr sz="900" spc="-20">
-                          <a:solidFill>
-                            <a:srgbClr val="020302"/>
-                          </a:solidFill>
-                          <a:latin typeface="AdobeClean-Light"/>
-                          <a:cs typeface="AdobeClean-Light"/>
-                        </a:rPr>
-                        <a:t>our</a:t>
-                      </a:r>
-                      <a:r>
-                        <a:rPr sz="900">
-                          <a:solidFill>
-                            <a:srgbClr val="020302"/>
-                          </a:solidFill>
-                          <a:latin typeface="AdobeClean-Light"/>
-                          <a:cs typeface="AdobeClean-Light"/>
-                        </a:rPr>
-                        <a:t>s</a:t>
-                      </a:r>
-                      <a:endParaRPr sz="900">
-                        <a:latin typeface="AdobeClean-Light"/>
-                        <a:cs typeface="AdobeClean-Light"/>
-                      </a:endParaRPr>
                     </a:p>
                   </a:txBody>
                   <a:tcPr marL="0" marR="0" marT="0" marB="0" anchor="ctr">
@@ -4221,13 +3301,13 @@
                     <a:bodyPr/>
                     <a:lstStyle/>
                     <a:p>
-                      <a:pPr marL="542925" marR="492125" algn="l">
+                      <a:pPr marL="288925" marR="492125" indent="0" algn="ctr">
                         <a:lnSpc>
                           <a:spcPct val="102200"/>
                         </a:lnSpc>
                       </a:pPr>
                       <a:r>
-                        <a:rPr lang="en-US" sz="900" spc="-15">
+                        <a:rPr lang="fr-FR" sz="900" dirty="0">
                           <a:solidFill>
                             <a:srgbClr val="020302"/>
                           </a:solidFill>
@@ -4235,7 +3315,7 @@
                           <a:ea typeface="+mn-ea"/>
                           <a:cs typeface="AdobeClean-Light"/>
                         </a:rPr>
-                        <a:t>24x5 /           1 hour</a:t>
+                        <a:t>24x5 /   1 heure</a:t>
                       </a:r>
                     </a:p>
                   </a:txBody>
@@ -4295,109 +3375,15 @@
                         </a:spcBef>
                       </a:pPr>
                       <a:r>
-                        <a:rPr sz="900" b="1" spc="-15">
+                        <a:rPr lang="fr-FR" sz="900" b="1" dirty="0">
                           <a:solidFill>
                             <a:srgbClr val="020302"/>
                           </a:solidFill>
                           <a:latin typeface="Adobe Clean"/>
                           <a:cs typeface="Adobe Clean"/>
                         </a:rPr>
-                        <a:t>P</a:t>
+                        <a:t>PRIORITÉ 3</a:t>
                       </a:r>
-                      <a:r>
-                        <a:rPr sz="900" b="1" spc="-20">
-                          <a:solidFill>
-                            <a:srgbClr val="020302"/>
-                          </a:solidFill>
-                          <a:latin typeface="Adobe Clean"/>
-                          <a:cs typeface="Adobe Clean"/>
-                        </a:rPr>
-                        <a:t>R</a:t>
-                      </a:r>
-                      <a:r>
-                        <a:rPr sz="900" b="1" spc="-25">
-                          <a:solidFill>
-                            <a:srgbClr val="020302"/>
-                          </a:solidFill>
-                          <a:latin typeface="Adobe Clean"/>
-                          <a:cs typeface="Adobe Clean"/>
-                        </a:rPr>
-                        <a:t>I</a:t>
-                      </a:r>
-                      <a:r>
-                        <a:rPr sz="900" b="1" spc="-15">
-                          <a:solidFill>
-                            <a:srgbClr val="020302"/>
-                          </a:solidFill>
-                          <a:latin typeface="Adobe Clean"/>
-                          <a:cs typeface="Adobe Clean"/>
-                        </a:rPr>
-                        <a:t>O</a:t>
-                      </a:r>
-                      <a:r>
-                        <a:rPr sz="900" b="1" spc="-20">
-                          <a:solidFill>
-                            <a:srgbClr val="020302"/>
-                          </a:solidFill>
-                          <a:latin typeface="Adobe Clean"/>
-                          <a:cs typeface="Adobe Clean"/>
-                        </a:rPr>
-                        <a:t>R</a:t>
-                      </a:r>
-                      <a:r>
-                        <a:rPr sz="900" b="1" spc="-25">
-                          <a:solidFill>
-                            <a:srgbClr val="020302"/>
-                          </a:solidFill>
-                          <a:latin typeface="Adobe Clean"/>
-                          <a:cs typeface="Adobe Clean"/>
-                        </a:rPr>
-                        <a:t>I</a:t>
-                      </a:r>
-                      <a:r>
-                        <a:rPr sz="900" b="1" spc="-15">
-                          <a:solidFill>
-                            <a:srgbClr val="020302"/>
-                          </a:solidFill>
-                          <a:latin typeface="Adobe Clean"/>
-                          <a:cs typeface="Adobe Clean"/>
-                        </a:rPr>
-                        <a:t>T</a:t>
-                      </a:r>
-                      <a:r>
-                        <a:rPr sz="900" b="1">
-                          <a:solidFill>
-                            <a:srgbClr val="020302"/>
-                          </a:solidFill>
-                          <a:latin typeface="Adobe Clean"/>
-                          <a:cs typeface="Adobe Clean"/>
-                        </a:rPr>
-                        <a:t>Y</a:t>
-                      </a:r>
-                      <a:r>
-                        <a:rPr sz="900" b="1" spc="-40">
-                          <a:solidFill>
-                            <a:srgbClr val="020302"/>
-                          </a:solidFill>
-                          <a:latin typeface="Adobe Clean"/>
-                          <a:cs typeface="Adobe Clean"/>
-                        </a:rPr>
-                        <a:t> </a:t>
-                      </a:r>
-                      <a:r>
-                        <a:rPr sz="900" b="1">
-                          <a:solidFill>
-                            <a:srgbClr val="020302"/>
-                          </a:solidFill>
-                          <a:latin typeface="Adobe Clean"/>
-                          <a:cs typeface="Adobe Clean"/>
-                        </a:rPr>
-                        <a:t>3</a:t>
-                      </a:r>
-                      <a:endParaRPr sz="900">
-                        <a:latin typeface="Adobe Clean"/>
-                        <a:cs typeface="Adobe Clean"/>
-                      </a:endParaRPr>
                     </a:p>
                     <a:p>
                       <a:pPr marL="49530" marR="212090" indent="-2540">
@@ -4409,21 +3395,16 @@
                         </a:spcBef>
                       </a:pPr>
                       <a:r>
-                        <a:rPr lang="en-US" sz="900" b="0" i="0" u="none" strike="noStrike">
+                        <a:rPr lang="fr-FR" sz="900" b="0" i="0" u="none" strike="noStrike" spc="-30" baseline="0" dirty="0">
                           <a:solidFill>
                             <a:schemeClr val="tx1"/>
                           </a:solidFill>
-                          <a:effectLst/>
                           <a:latin typeface="Adobe Clean Light" panose="020B0303020404020204" pitchFamily="34" charset="0"/>
                           <a:ea typeface="+mn-ea"/>
                           <a:cs typeface="+mn-cs"/>
                         </a:rPr>
-                        <a:t>Customer's business functions has minor to no degradation of services with a solution/workaround allowing business functions to continue.  </a:t>
+                        <a:t>Les fonctions commerciales du client présentent une dégradation mineure, voire inexistante, des services, comprenant une solution/un moyen permettant aux fonctions commerciales de continuer de fonctionner  </a:t>
                       </a:r>
-                      <a:endParaRPr lang="en-US" sz="900" b="0" i="0">
-                        <a:latin typeface="Adobe Clean Light" panose="020B0303020404020204" pitchFamily="34" charset="0"/>
-                        <a:cs typeface="AdobeClean-Light"/>
-                      </a:endParaRPr>
                     </a:p>
                   </a:txBody>
                   <a:tcPr marL="0" marR="0" marT="0" marB="0" anchor="ctr">
@@ -4458,75 +3439,21 @@
                     <a:bodyPr/>
                     <a:lstStyle/>
                     <a:p>
-                      <a:pPr marL="473709" marR="343535" indent="-175895">
+                      <a:pPr marL="228600" marR="343535" indent="0" algn="ctr">
                         <a:lnSpc>
                           <a:spcPct val="102200"/>
                         </a:lnSpc>
                       </a:pPr>
                       <a:r>
-                        <a:rPr lang="en-US" sz="900" spc="-30">
+                        <a:rPr lang="fr-FR" sz="900" dirty="0">
                           <a:solidFill>
                             <a:srgbClr val="020302"/>
                           </a:solidFill>
                           <a:latin typeface="AdobeClean-Light"/>
                           <a:cs typeface="AdobeClean-Light"/>
                         </a:rPr>
-                        <a:t>Business hours </a:t>
+                        <a:t>Heures d’ouverture / 6 heures</a:t>
                       </a:r>
-                      <a:r>
-                        <a:rPr lang="en-US" sz="900">
-                          <a:solidFill>
-                            <a:srgbClr val="020302"/>
-                          </a:solidFill>
-                          <a:latin typeface="AdobeClean-Light"/>
-                          <a:cs typeface="AdobeClean-Light"/>
-                        </a:rPr>
-                        <a:t>/       6</a:t>
-                      </a:r>
-                      <a:r>
-                        <a:rPr lang="en-US" sz="900" spc="-100">
-                          <a:solidFill>
-                            <a:srgbClr val="020302"/>
-                          </a:solidFill>
-                          <a:latin typeface="AdobeClean-Light"/>
-                          <a:cs typeface="AdobeClean-Light"/>
-                        </a:rPr>
-                        <a:t> </a:t>
-                      </a:r>
-                      <a:r>
-                        <a:rPr lang="en-US" sz="900" spc="-15">
-                          <a:solidFill>
-                            <a:srgbClr val="020302"/>
-                          </a:solidFill>
-                          <a:latin typeface="AdobeClean-Light"/>
-                          <a:cs typeface="AdobeClean-Light"/>
-                        </a:rPr>
-                        <a:t>h</a:t>
-                      </a:r>
-                      <a:r>
-                        <a:rPr lang="en-US" sz="900" spc="-20">
-                          <a:solidFill>
-                            <a:srgbClr val="020302"/>
-                          </a:solidFill>
-                          <a:latin typeface="AdobeClean-Light"/>
-                          <a:cs typeface="AdobeClean-Light"/>
-                        </a:rPr>
-                        <a:t>our</a:t>
-                      </a:r>
-                      <a:r>
-                        <a:rPr lang="en-US" sz="900">
-                          <a:solidFill>
-                            <a:srgbClr val="020302"/>
-                          </a:solidFill>
-                          <a:latin typeface="AdobeClean-Light"/>
-                          <a:cs typeface="AdobeClean-Light"/>
-                        </a:rPr>
-                        <a:t>s</a:t>
-                      </a:r>
-                      <a:endParaRPr lang="en-US" sz="900">
-                        <a:latin typeface="AdobeClean-Light"/>
-                        <a:cs typeface="AdobeClean-Light"/>
-                      </a:endParaRPr>
                     </a:p>
                   </a:txBody>
                   <a:tcPr marL="0" marR="0" marT="0" marB="0" anchor="ctr">
@@ -4561,7 +3488,7 @@
                     <a:bodyPr/>
                     <a:lstStyle/>
                     <a:p>
-                      <a:pPr marL="428625" marR="398780" indent="-198120">
+                      <a:pPr marL="228600" marR="398780" indent="3175" algn="ctr">
                         <a:lnSpc>
                           <a:spcPct val="102200"/>
                         </a:lnSpc>
@@ -4570,169 +3497,15 @@
                         </a:spcBef>
                       </a:pPr>
                       <a:r>
-                        <a:rPr sz="900" spc="-30">
+                        <a:rPr lang="fr-FR" sz="900" dirty="0">
                           <a:solidFill>
                             <a:srgbClr val="020302"/>
                           </a:solidFill>
                           <a:latin typeface="AdobeClean-Light"/>
                           <a:cs typeface="AdobeClean-Light"/>
                         </a:rPr>
-                        <a:t>B</a:t>
+                        <a:t>Heures d’ouverture /  2 heures</a:t>
                       </a:r>
-                      <a:r>
-                        <a:rPr sz="900" spc="-20">
-                          <a:solidFill>
-                            <a:srgbClr val="020302"/>
-                          </a:solidFill>
-                          <a:latin typeface="AdobeClean-Light"/>
-                          <a:cs typeface="AdobeClean-Light"/>
-                        </a:rPr>
-                        <a:t>us</a:t>
-                      </a:r>
-                      <a:r>
-                        <a:rPr sz="900" spc="-15">
-                          <a:solidFill>
-                            <a:srgbClr val="020302"/>
-                          </a:solidFill>
-                          <a:latin typeface="AdobeClean-Light"/>
-                          <a:cs typeface="AdobeClean-Light"/>
-                        </a:rPr>
-                        <a:t>i</a:t>
-                      </a:r>
-                      <a:r>
-                        <a:rPr sz="900" spc="-30">
-                          <a:solidFill>
-                            <a:srgbClr val="020302"/>
-                          </a:solidFill>
-                          <a:latin typeface="AdobeClean-Light"/>
-                          <a:cs typeface="AdobeClean-Light"/>
-                        </a:rPr>
-                        <a:t>n</a:t>
-                      </a:r>
-                      <a:r>
-                        <a:rPr sz="900" spc="-25">
-                          <a:solidFill>
-                            <a:srgbClr val="020302"/>
-                          </a:solidFill>
-                          <a:latin typeface="AdobeClean-Light"/>
-                          <a:cs typeface="AdobeClean-Light"/>
-                        </a:rPr>
-                        <a:t>e</a:t>
-                      </a:r>
-                      <a:r>
-                        <a:rPr sz="900" spc="-20">
-                          <a:solidFill>
-                            <a:srgbClr val="020302"/>
-                          </a:solidFill>
-                          <a:latin typeface="AdobeClean-Light"/>
-                          <a:cs typeface="AdobeClean-Light"/>
-                        </a:rPr>
-                        <a:t>s</a:t>
-                      </a:r>
-                      <a:r>
-                        <a:rPr sz="900">
-                          <a:solidFill>
-                            <a:srgbClr val="020302"/>
-                          </a:solidFill>
-                          <a:latin typeface="AdobeClean-Light"/>
-                          <a:cs typeface="AdobeClean-Light"/>
-                        </a:rPr>
-                        <a:t>s</a:t>
-                      </a:r>
-                      <a:r>
-                        <a:rPr lang="en-US" sz="900" spc="-120">
-                          <a:solidFill>
-                            <a:srgbClr val="020302"/>
-                          </a:solidFill>
-                          <a:latin typeface="AdobeClean-Light"/>
-                          <a:cs typeface="AdobeClean-Light"/>
-                        </a:rPr>
-                        <a:t> </a:t>
-                      </a:r>
-                      <a:r>
-                        <a:rPr sz="900">
-                          <a:solidFill>
-                            <a:srgbClr val="020302"/>
-                          </a:solidFill>
-                          <a:latin typeface="AdobeClean-Light"/>
-                          <a:cs typeface="AdobeClean-Light"/>
-                        </a:rPr>
-                        <a:t>h</a:t>
-                      </a:r>
-                      <a:r>
-                        <a:rPr sz="900" spc="-5">
-                          <a:solidFill>
-                            <a:srgbClr val="020302"/>
-                          </a:solidFill>
-                          <a:latin typeface="AdobeClean-Light"/>
-                          <a:cs typeface="AdobeClean-Light"/>
-                        </a:rPr>
-                        <a:t>ours</a:t>
-                      </a:r>
-                      <a:r>
-                        <a:rPr lang="en-US" sz="900" spc="-5">
-                          <a:solidFill>
-                            <a:srgbClr val="020302"/>
-                          </a:solidFill>
-                          <a:latin typeface="AdobeClean-Light"/>
-                          <a:cs typeface="AdobeClean-Light"/>
-                        </a:rPr>
-                        <a:t> </a:t>
-                      </a:r>
-                      <a:r>
-                        <a:rPr sz="900">
-                          <a:solidFill>
-                            <a:srgbClr val="020302"/>
-                          </a:solidFill>
-                          <a:latin typeface="AdobeClean-Light"/>
-                          <a:cs typeface="AdobeClean-Light"/>
-                        </a:rPr>
-                        <a:t>/  2</a:t>
-                      </a:r>
-                      <a:r>
-                        <a:rPr sz="900" spc="-100">
-                          <a:solidFill>
-                            <a:srgbClr val="020302"/>
-                          </a:solidFill>
-                          <a:latin typeface="AdobeClean-Light"/>
-                          <a:cs typeface="AdobeClean-Light"/>
-                        </a:rPr>
-                        <a:t> </a:t>
-                      </a:r>
-                      <a:r>
-                        <a:rPr sz="900" spc="-15">
-                          <a:solidFill>
-                            <a:srgbClr val="020302"/>
-                          </a:solidFill>
-                          <a:latin typeface="AdobeClean-Light"/>
-                          <a:cs typeface="AdobeClean-Light"/>
-                        </a:rPr>
-                        <a:t>h</a:t>
-                      </a:r>
-                      <a:r>
-                        <a:rPr sz="900" spc="-20">
-                          <a:solidFill>
-                            <a:srgbClr val="020302"/>
-                          </a:solidFill>
-                          <a:latin typeface="AdobeClean-Light"/>
-                          <a:cs typeface="AdobeClean-Light"/>
-                        </a:rPr>
-                        <a:t>our</a:t>
-                      </a:r>
-                      <a:r>
-                        <a:rPr sz="900">
-                          <a:solidFill>
-                            <a:srgbClr val="020302"/>
-                          </a:solidFill>
-                          <a:latin typeface="AdobeClean-Light"/>
-                          <a:cs typeface="AdobeClean-Light"/>
-                        </a:rPr>
-                        <a:t>s</a:t>
-                      </a:r>
-                      <a:endParaRPr sz="900">
-                        <a:latin typeface="AdobeClean-Light"/>
-                        <a:cs typeface="AdobeClean-Light"/>
-                      </a:endParaRPr>
                     </a:p>
                   </a:txBody>
                   <a:tcPr marL="0" marR="0" marT="0" marB="0" anchor="ctr">
@@ -4791,109 +3564,15 @@
                         </a:spcBef>
                       </a:pPr>
                       <a:r>
-                        <a:rPr sz="900" b="1" spc="-15">
+                        <a:rPr lang="fr-FR" sz="900" b="1" dirty="0">
                           <a:solidFill>
                             <a:srgbClr val="020302"/>
                           </a:solidFill>
                           <a:latin typeface="Adobe Clean"/>
                           <a:cs typeface="Adobe Clean"/>
                         </a:rPr>
-                        <a:t>P</a:t>
+                        <a:t>PRIORITÉ 4</a:t>
                       </a:r>
-                      <a:r>
-                        <a:rPr sz="900" b="1" spc="-20">
-                          <a:solidFill>
-                            <a:srgbClr val="020302"/>
-                          </a:solidFill>
-                          <a:latin typeface="Adobe Clean"/>
-                          <a:cs typeface="Adobe Clean"/>
-                        </a:rPr>
-                        <a:t>R</a:t>
-                      </a:r>
-                      <a:r>
-                        <a:rPr sz="900" b="1" spc="-25">
-                          <a:solidFill>
-                            <a:srgbClr val="020302"/>
-                          </a:solidFill>
-                          <a:latin typeface="Adobe Clean"/>
-                          <a:cs typeface="Adobe Clean"/>
-                        </a:rPr>
-                        <a:t>I</a:t>
-                      </a:r>
-                      <a:r>
-                        <a:rPr sz="900" b="1" spc="-15">
-                          <a:solidFill>
-                            <a:srgbClr val="020302"/>
-                          </a:solidFill>
-                          <a:latin typeface="Adobe Clean"/>
-                          <a:cs typeface="Adobe Clean"/>
-                        </a:rPr>
-                        <a:t>O</a:t>
-                      </a:r>
-                      <a:r>
-                        <a:rPr sz="900" b="1" spc="-20">
-                          <a:solidFill>
-                            <a:srgbClr val="020302"/>
-                          </a:solidFill>
-                          <a:latin typeface="Adobe Clean"/>
-                          <a:cs typeface="Adobe Clean"/>
-                        </a:rPr>
-                        <a:t>R</a:t>
-                      </a:r>
-                      <a:r>
-                        <a:rPr sz="900" b="1" spc="-25">
-                          <a:solidFill>
-                            <a:srgbClr val="020302"/>
-                          </a:solidFill>
-                          <a:latin typeface="Adobe Clean"/>
-                          <a:cs typeface="Adobe Clean"/>
-                        </a:rPr>
-                        <a:t>I</a:t>
-                      </a:r>
-                      <a:r>
-                        <a:rPr sz="900" b="1" spc="-15">
-                          <a:solidFill>
-                            <a:srgbClr val="020302"/>
-                          </a:solidFill>
-                          <a:latin typeface="Adobe Clean"/>
-                          <a:cs typeface="Adobe Clean"/>
-                        </a:rPr>
-                        <a:t>T</a:t>
-                      </a:r>
-                      <a:r>
-                        <a:rPr sz="900" b="1">
-                          <a:solidFill>
-                            <a:srgbClr val="020302"/>
-                          </a:solidFill>
-                          <a:latin typeface="Adobe Clean"/>
-                          <a:cs typeface="Adobe Clean"/>
-                        </a:rPr>
-                        <a:t>Y</a:t>
-                      </a:r>
-                      <a:r>
-                        <a:rPr sz="900" b="1" spc="-40">
-                          <a:solidFill>
-                            <a:srgbClr val="020302"/>
-                          </a:solidFill>
-                          <a:latin typeface="Adobe Clean"/>
-                          <a:cs typeface="Adobe Clean"/>
-                        </a:rPr>
-                        <a:t> </a:t>
-                      </a:r>
-                      <a:r>
-                        <a:rPr sz="900" b="1">
-                          <a:solidFill>
-                            <a:srgbClr val="020302"/>
-                          </a:solidFill>
-                          <a:latin typeface="Adobe Clean"/>
-                          <a:cs typeface="Adobe Clean"/>
-                        </a:rPr>
-                        <a:t>4</a:t>
-                      </a:r>
-                      <a:endParaRPr sz="900">
-                        <a:latin typeface="Adobe Clean"/>
-                        <a:cs typeface="Adobe Clean"/>
-                      </a:endParaRPr>
                     </a:p>
                     <a:p>
                       <a:pPr marL="49530">
@@ -4905,31 +3584,27 @@
                         </a:spcBef>
                       </a:pPr>
                       <a:r>
-                        <a:rPr lang="en-US" sz="900" b="1" spc="-90">
+                        <a:rPr lang="fr-FR" sz="900" b="1" dirty="0">
                           <a:solidFill>
                             <a:srgbClr val="020302"/>
                           </a:solidFill>
                           <a:latin typeface="Adobe Clean"/>
+                          <a:ea typeface="+mn-ea"/>
                           <a:cs typeface="Adobe Clean"/>
                         </a:rPr>
                         <a:t> </a:t>
                       </a:r>
                       <a:r>
-                        <a:rPr lang="en-US" sz="900" b="0" i="0" u="none" strike="noStrike">
+                        <a:rPr lang="fr-FR" sz="900" b="0" i="0" u="none" strike="noStrike" dirty="0">
                           <a:solidFill>
                             <a:schemeClr val="tx1"/>
                           </a:solidFill>
-                          <a:effectLst/>
                           <a:latin typeface="Adobe Clean Light" panose="020B0303020404020204" pitchFamily="34" charset="0"/>
                           <a:ea typeface="+mn-ea"/>
                           <a:cs typeface="+mn-cs"/>
                         </a:rPr>
-                        <a:t>General question regarding current product functionality or an enhancement request</a:t>
+                        <a:t>Question générale concernant les fonctionnalités actuelles du produit ou une demande d’amélioration</a:t>
                       </a:r>
-                      <a:endParaRPr lang="en-US" sz="900" b="0" i="0">
-                        <a:latin typeface="Adobe Clean Light" panose="020B0303020404020204" pitchFamily="34" charset="0"/>
-                        <a:cs typeface="AdobeClean-Light"/>
-                      </a:endParaRPr>
                     </a:p>
                   </a:txBody>
                   <a:tcPr marL="0" marR="0" marT="0" marB="0" anchor="ctr">
@@ -4964,65 +3639,21 @@
                     <a:bodyPr/>
                     <a:lstStyle/>
                     <a:p>
-                      <a:pPr marL="473709" marR="343535" indent="-175895">
+                      <a:pPr marL="288925" marR="343535" indent="9525" algn="ctr">
                         <a:lnSpc>
                           <a:spcPct val="102200"/>
                         </a:lnSpc>
                       </a:pPr>
                       <a:r>
-                        <a:rPr lang="en-US" sz="900" spc="-30">
+                        <a:rPr lang="fr-FR" sz="900" dirty="0">
                           <a:solidFill>
                             <a:srgbClr val="020302"/>
                           </a:solidFill>
                           <a:latin typeface="AdobeClean-Light"/>
                           <a:cs typeface="AdobeClean-Light"/>
                         </a:rPr>
-                        <a:t>Business days </a:t>
+                        <a:t>Jours ouvrables /   3 jours</a:t>
                       </a:r>
-                      <a:r>
-                        <a:rPr lang="en-US" sz="900">
-                          <a:solidFill>
-                            <a:srgbClr val="020302"/>
-                          </a:solidFill>
-                          <a:latin typeface="AdobeClean-Light"/>
-                          <a:cs typeface="AdobeClean-Light"/>
-                        </a:rPr>
-                        <a:t>/        3</a:t>
-                      </a:r>
-                      <a:r>
-                        <a:rPr lang="en-US" sz="900" spc="-100">
-                          <a:solidFill>
-                            <a:srgbClr val="020302"/>
-                          </a:solidFill>
-                          <a:latin typeface="AdobeClean-Light"/>
-                          <a:cs typeface="AdobeClean-Light"/>
-                        </a:rPr>
-                        <a:t> </a:t>
-                      </a:r>
-                      <a:r>
-                        <a:rPr lang="en-US" sz="900" spc="-15">
-                          <a:solidFill>
-                            <a:srgbClr val="020302"/>
-                          </a:solidFill>
-                          <a:latin typeface="AdobeClean-Light"/>
-                          <a:cs typeface="AdobeClean-Light"/>
-                        </a:rPr>
-                        <a:t>day</a:t>
-                      </a:r>
-                      <a:r>
-                        <a:rPr lang="en-US" sz="900">
-                          <a:solidFill>
-                            <a:srgbClr val="020302"/>
-                          </a:solidFill>
-                          <a:latin typeface="AdobeClean-Light"/>
-                          <a:cs typeface="AdobeClean-Light"/>
-                        </a:rPr>
-                        <a:t>s</a:t>
-                      </a:r>
-                      <a:endParaRPr lang="en-US" sz="900">
-                        <a:latin typeface="AdobeClean-Light"/>
-                        <a:cs typeface="AdobeClean-Light"/>
-                      </a:endParaRPr>
                     </a:p>
                   </a:txBody>
                   <a:tcPr marL="0" marR="0" marT="0" marB="0" anchor="ctr">
@@ -5057,55 +3688,21 @@
                     <a:bodyPr/>
                     <a:lstStyle/>
                     <a:p>
-                      <a:pPr marL="473709" marR="343535" indent="-175895">
+                      <a:pPr marL="288925" marR="343535" indent="9525" algn="ctr">
                         <a:lnSpc>
                           <a:spcPct val="102200"/>
                         </a:lnSpc>
                       </a:pPr>
                       <a:r>
-                        <a:rPr lang="en-US" sz="900" spc="-30">
+                        <a:rPr lang="fr-FR" sz="900" dirty="0">
                           <a:solidFill>
                             <a:srgbClr val="020302"/>
                           </a:solidFill>
                           <a:latin typeface="AdobeClean-Light"/>
                           <a:cs typeface="AdobeClean-Light"/>
                         </a:rPr>
-                        <a:t>Business days </a:t>
+                        <a:t>Jours ouvrables /       1 jour</a:t>
                       </a:r>
-                      <a:r>
-                        <a:rPr lang="en-US" sz="900">
-                          <a:solidFill>
-                            <a:srgbClr val="020302"/>
-                          </a:solidFill>
-                          <a:latin typeface="AdobeClean-Light"/>
-                          <a:cs typeface="AdobeClean-Light"/>
-                        </a:rPr>
-                        <a:t>/       1</a:t>
-                      </a:r>
-                      <a:r>
-                        <a:rPr lang="en-US" sz="900" spc="-100">
-                          <a:solidFill>
-                            <a:srgbClr val="020302"/>
-                          </a:solidFill>
-                          <a:latin typeface="AdobeClean-Light"/>
-                          <a:cs typeface="AdobeClean-Light"/>
-                        </a:rPr>
-                        <a:t> </a:t>
-                      </a:r>
-                      <a:r>
-                        <a:rPr lang="en-US" sz="900" spc="-15">
-                          <a:solidFill>
-                            <a:srgbClr val="020302"/>
-                          </a:solidFill>
-                          <a:latin typeface="AdobeClean-Light"/>
-                          <a:cs typeface="AdobeClean-Light"/>
-                        </a:rPr>
-                        <a:t>day</a:t>
-                      </a:r>
-                      <a:endParaRPr lang="en-US" sz="900">
-                        <a:latin typeface="AdobeClean-Light"/>
-                        <a:cs typeface="AdobeClean-Light"/>
-                      </a:endParaRPr>
                     </a:p>
                   </a:txBody>
                   <a:tcPr marL="0" marR="0" marT="0" marB="0" anchor="ctr">
@@ -5188,7 +3785,7 @@
         <p:spPr>
           <a:xfrm>
             <a:off x="97788" y="9888626"/>
-            <a:ext cx="2245360" cy="133370"/>
+            <a:ext cx="2980692" cy="133370"/>
           </a:xfrm>
           <a:prstGeom prst="rect">
             <a:avLst/>
@@ -5209,40 +3806,24 @@
               </a:spcBef>
             </a:pPr>
             <a:r>
-              <a:rPr spc="-10"/>
-              <a:t>©202</a:t>
-            </a:r>
-            <a:r>
-              <a:rPr lang="en-US" spc="-10"/>
-              <a:t>1</a:t>
-            </a:r>
-            <a:r>
-              <a:rPr spc="-5"/>
-              <a:t> Adobe. All</a:t>
-            </a:r>
-            <a:r>
-              <a:rPr spc="-10"/>
-              <a:t> Rights</a:t>
-            </a:r>
-            <a:r>
-              <a:rPr spc="-5"/>
+              <a:rPr lang="fr-FR" dirty="0"/>
+              <a:t>©2021 Adobe. All </a:t>
+            </a:r>
+            <a:r>
+              <a:rPr lang="fr-FR" dirty="0" err="1"/>
+              <a:t>Rights</a:t>
+            </a:r>
+            <a:r>
+              <a:rPr lang="fr-FR" dirty="0"/>
               <a:t> </a:t>
             </a:r>
             <a:r>
-              <a:rPr spc="-10"/>
-              <a:t>Reserved.</a:t>
-            </a:r>
-            <a:r>
-              <a:rPr spc="-5"/>
-              <a:t> Adobe</a:t>
-            </a:r>
-            <a:r>
-              <a:rPr spc="60"/>
-              <a:t> </a:t>
-            </a:r>
-            <a:r>
-              <a:rPr spc="-10"/>
-              <a:t>Confidential.</a:t>
+              <a:rPr lang="fr-FR" dirty="0" err="1"/>
+              <a:t>Reserved</a:t>
+            </a:r>
+            <a:r>
+              <a:rPr lang="fr-FR" dirty="0"/>
+              <a:t>. Données confidentielles Adobe</a:t>
             </a:r>
           </a:p>
         </p:txBody>
@@ -5276,7 +3857,7 @@
           <a:lstStyle/>
           <a:p>
             <a:r>
-              <a:rPr lang="en-US" sz="700" i="1">
+              <a:rPr lang="fr-FR" sz="700" i="1">
                 <a:solidFill>
                   <a:schemeClr val="bg1"/>
                 </a:solidFill>
@@ -5322,16 +3903,16 @@
               </a:spcBef>
             </a:pPr>
             <a:r>
-              <a:rPr lang="en-US" sz="1200">
+              <a:rPr lang="fr-FR" sz="1200">
                 <a:solidFill>
                   <a:schemeClr val="bg1"/>
                 </a:solidFill>
                 <a:latin typeface="Adobe Clean Light" panose="020B0303020404020204" pitchFamily="34" charset="0"/>
               </a:rPr>
-              <a:t>Online | Business |</a:t>
-            </a:r>
-            <a:r>
-              <a:rPr lang="en-US" sz="1200" b="1">
+              <a:t>En ligne | Commerciale |</a:t>
+            </a:r>
+            <a:r>
+              <a:rPr lang="fr-FR" sz="1200" b="1">
                 <a:solidFill>
                   <a:schemeClr val="bg1"/>
                 </a:solidFill>
@@ -5340,15 +3921,15 @@
               <a:t> </a:t>
             </a:r>
             <a:r>
-              <a:rPr lang="en-US" sz="1200" b="1">
+              <a:rPr lang="fr-FR" sz="1200" b="1">
                 <a:solidFill>
                   <a:schemeClr val="bg1"/>
                 </a:solidFill>
               </a:rPr>
-              <a:t>Enterprise</a:t>
-            </a:r>
-            <a:r>
-              <a:rPr lang="en-US" sz="1200" b="1">
+              <a:t>Entreprise</a:t>
+            </a:r>
+            <a:r>
+              <a:rPr lang="fr-FR" sz="1200" b="1">
                 <a:solidFill>
                   <a:schemeClr val="bg1"/>
                 </a:solidFill>
@@ -5357,7 +3938,7 @@
               <a:t> </a:t>
             </a:r>
             <a:r>
-              <a:rPr lang="en-US" sz="1200">
+              <a:rPr lang="fr-FR" sz="1200">
                 <a:solidFill>
                   <a:schemeClr val="bg1"/>
                 </a:solidFill>
@@ -5366,7 +3947,7 @@
               <a:t>| Elite</a:t>
             </a:r>
             <a:br>
-              <a:rPr lang="en-US" sz="900">
+              <a:rPr lang="fr-FR" sz="900">
                 <a:solidFill>
                   <a:schemeClr val="bg1"/>
                 </a:solidFill>
@@ -5374,21 +3955,14 @@
               </a:rPr>
             </a:br>
             <a:r>
-              <a:rPr lang="en-US" sz="900">
+              <a:rPr lang="fr-FR" sz="900">
                 <a:solidFill>
                   <a:schemeClr val="bg1"/>
                 </a:solidFill>
                 <a:latin typeface="Adobe Clean SemiLight" panose="020B0403020404020204" pitchFamily="34" charset="0"/>
               </a:rPr>
-              <a:t>ENTERPRISE support includes access to personalized learning paths and monitored community forums via the Adobe Experience League. You can also take advantage of our detailed and in-depth technical product documentation and current release notes. ENTERPRISE customers will also be provided with a Named Support Engineer who acts as your designated technical contact in the Adobe Support Team. With deep experience in your designated Experience Cloud solution, your support team will work in partnership with you and your technical teams to ensure timely resolution of all support requests. Your support team can also help coordinate and arrange delivery of the additional ENTERPRISE benefits ensuring minimal disruption to your business at the most critical time. </a:t>
-            </a:r>
-            <a:endParaRPr lang="en-US" sz="900">
-              <a:solidFill>
-                <a:schemeClr val="bg1"/>
-              </a:solidFill>
-              <a:latin typeface="Adobe Clean Light" panose="020B0303020404020204" pitchFamily="34" charset="0"/>
-              <a:cs typeface="AdobeClean-Light"/>
-            </a:endParaRPr>
+              <a:t>L’assistance d’ENTREPRISE comprend un accès à des parcours de formation personnalisés et à des forums communautaires surveillés au travers d’Experience League d’Adobe. Vous pouvez également tirer profit de notre documentation technique détaillée et approfondie sur les produits, ainsi que de nos notes de mise à jour actuelles. Les clients du programme d’ENTREPRISE bénéficieront également d’un accès à un ingénieur d’assistance nommé jouant le rôle de contact technique désigné dans l’équipe d’assistance d’Adobe. Grâce à sa grande expérience dans vos solutions Experience Cloud, votre équipe d’assistance travaillera à vos côtés et avec vos équipes techniques afin d’assurer une résolution de toutes les requêtes d’assistance dans les temps. Votre équipe d’assistance peut également vous aider à coordonner et organiser la diffusion des avantages d’ENTREPRISE supplémentaires, garantissant ainsi une perturbation minimale de votre entreprise aux moments les plus critiques. </a:t>
+            </a:r>
           </a:p>
         </p:txBody>
       </p:sp>
@@ -5407,14 +3981,14 @@
           <p:nvPr>
             <p:extLst>
               <p:ext uri="{D42A27DB-BD31-4B8C-83A1-F6EECF244321}">
-                <p14:modId xmlns:p14="http://schemas.microsoft.com/office/powerpoint/2010/main" val="2813555721"/>
+                <p14:modId xmlns:p14="http://schemas.microsoft.com/office/powerpoint/2010/main" val="2622089103"/>
               </p:ext>
             </p:extLst>
           </p:nvPr>
         </p:nvGraphicFramePr>
         <p:xfrm>
           <a:off x="125148" y="2159576"/>
-          <a:ext cx="7498851" cy="4675190"/>
+          <a:ext cx="7498851" cy="4776202"/>
         </p:xfrm>
         <a:graphic>
           <a:graphicData uri="http://schemas.openxmlformats.org/drawingml/2006/table">
@@ -5496,19 +4070,15 @@
                         <a:defRPr/>
                       </a:pPr>
                       <a:r>
-                        <a:rPr lang="en-US" sz="900" spc="0">
+                        <a:rPr lang="fr-FR" sz="900">
                           <a:solidFill>
                             <a:srgbClr val="404040"/>
                           </a:solidFill>
                           <a:latin typeface="Adobe Clean"/>
                           <a:cs typeface="Adobe Clean"/>
                         </a:rPr>
-                        <a:t>Online  Support</a:t>
+                        <a:t>Assistance en ligne</a:t>
                       </a:r>
-                      <a:endParaRPr lang="en-US" sz="900" spc="0">
-                        <a:latin typeface="Adobe Clean"/>
-                        <a:cs typeface="Adobe Clean"/>
-                      </a:endParaRPr>
                     </a:p>
                   </a:txBody>
                   <a:tcPr marL="0" marR="0" marT="7620" marB="0" anchor="ctr">
@@ -5549,29 +4119,15 @@
                         </a:spcBef>
                       </a:pPr>
                       <a:r>
-                        <a:rPr lang="en-US" sz="900" spc="0">
+                        <a:rPr lang="fr-FR" sz="900">
                           <a:solidFill>
                             <a:srgbClr val="FFFFFF"/>
                           </a:solidFill>
                           <a:latin typeface="Adobe Clean"/>
                           <a:cs typeface="Adobe Clean"/>
                         </a:rPr>
-                        <a:t>Enterprise </a:t>
+                        <a:t>Assistance aux entreprises</a:t>
                       </a:r>
-                      <a:r>
-                        <a:rPr sz="900" spc="0">
-                          <a:solidFill>
-                            <a:srgbClr val="FFFFFF"/>
-                          </a:solidFill>
-                          <a:latin typeface="Adobe Clean"/>
-                          <a:cs typeface="Adobe Clean"/>
-                        </a:rPr>
-                        <a:t>Support</a:t>
-                      </a:r>
-                      <a:endParaRPr sz="900" spc="0">
-                        <a:latin typeface="Adobe Clean"/>
-                        <a:cs typeface="Adobe Clean"/>
-                      </a:endParaRPr>
                     </a:p>
                   </a:txBody>
                   <a:tcPr marL="0" marR="0" marT="7620" marB="0" anchor="ctr">
@@ -5639,7 +4195,7 @@
                     <a:bodyPr/>
                     <a:lstStyle/>
                     <a:p>
-                      <a:pPr marL="0" marR="0" lvl="0" indent="0" algn="ctr" defTabSz="914400" eaLnBrk="1" fontAlgn="auto" latinLnBrk="0" hangingPunct="1">
+                      <a:pPr marL="0" marR="0" lvl="0" indent="0" algn="l" defTabSz="914400" rtl="0" eaLnBrk="1" fontAlgn="auto" latinLnBrk="0" hangingPunct="1">
                         <a:lnSpc>
                           <a:spcPct val="100000"/>
                         </a:lnSpc>
@@ -5720,13 +4276,13 @@
                         <a:defRPr/>
                       </a:pPr>
                       <a:r>
-                        <a:rPr lang="en-US" sz="800" i="1">
+                        <a:rPr lang="fr-FR" sz="800" i="1">
                           <a:solidFill>
                             <a:schemeClr val="bg1"/>
                           </a:solidFill>
                           <a:latin typeface="Adobe Clean Light" panose="020B0303020404020204" pitchFamily="34" charset="0"/>
                         </a:rPr>
-                        <a:t>Paid Support ($)</a:t>
+                        <a:t>Assistance payante ($)</a:t>
                       </a:r>
                     </a:p>
                   </a:txBody>
@@ -5790,22 +4346,15 @@
                         </a:spcBef>
                       </a:pPr>
                       <a:r>
-                        <a:rPr lang="en-US" sz="1000" b="1" i="0" spc="0">
+                        <a:rPr lang="fr-FR" sz="1000" b="1" i="0">
                           <a:solidFill>
                             <a:schemeClr val="bg1"/>
                           </a:solidFill>
                           <a:latin typeface="Adobe Clean" panose="020B0503020404020204" pitchFamily="34" charset="0"/>
                           <a:cs typeface="AdobeClean-Light"/>
                         </a:rPr>
-                        <a:t>Assigned Experts</a:t>
+                        <a:t>Experts assignés</a:t>
                       </a:r>
-                      <a:endParaRPr sz="1000" b="1" i="0" spc="0">
-                        <a:solidFill>
-                          <a:schemeClr val="bg1"/>
-                        </a:solidFill>
-                        <a:latin typeface="Adobe Clean" panose="020B0503020404020204" pitchFamily="34" charset="0"/>
-                        <a:cs typeface="AdobeClean-Light"/>
-                      </a:endParaRPr>
                     </a:p>
                   </a:txBody>
                   <a:tcPr marL="0" marR="0" marT="58419" marB="0" anchor="ctr">
@@ -5852,19 +4401,15 @@
                         </a:spcBef>
                       </a:pPr>
                       <a:r>
-                        <a:rPr sz="900" spc="0">
+                        <a:rPr lang="fr-FR" sz="900">
                           <a:solidFill>
                             <a:srgbClr val="020302"/>
                           </a:solidFill>
                           <a:latin typeface="AdobeClean-Light"/>
                           <a:cs typeface="AdobeClean-Light"/>
                         </a:rPr>
-                        <a:t>Account Support Lead</a:t>
+                        <a:t>Assistance principale du compte</a:t>
                       </a:r>
-                      <a:endParaRPr sz="900" spc="0">
-                        <a:latin typeface="AdobeClean-Light"/>
-                        <a:cs typeface="AdobeClean-Light"/>
-                      </a:endParaRPr>
                     </a:p>
                   </a:txBody>
                   <a:tcPr marL="0" marR="0" marT="58419" marB="0">
@@ -5899,7 +4444,7 @@
                     <a:bodyPr/>
                     <a:lstStyle/>
                     <a:p>
-                      <a:pPr algn="ctr">
+                      <a:pPr algn="l" rtl="0">
                         <a:lnSpc>
                           <a:spcPct val="100000"/>
                         </a:lnSpc>
@@ -5940,7 +4485,7 @@
                     <a:bodyPr/>
                     <a:lstStyle/>
                     <a:p>
-                      <a:pPr algn="ctr">
+                      <a:pPr algn="l" rtl="0">
                         <a:lnSpc>
                           <a:spcPct val="100000"/>
                         </a:lnSpc>
@@ -5983,7 +4528,7 @@
                     <a:bodyPr/>
                     <a:lstStyle/>
                     <a:p>
-                      <a:pPr marL="50800">
+                      <a:pPr marL="50800" algn="l" rtl="0">
                         <a:lnSpc>
                           <a:spcPct val="100000"/>
                         </a:lnSpc>
@@ -6029,19 +4574,15 @@
                         </a:spcBef>
                       </a:pPr>
                       <a:r>
-                        <a:rPr sz="900" spc="0">
+                        <a:rPr lang="fr-FR" sz="900">
                           <a:solidFill>
                             <a:srgbClr val="020302"/>
                           </a:solidFill>
                           <a:latin typeface="AdobeClean-Light"/>
                           <a:cs typeface="AdobeClean-Light"/>
                         </a:rPr>
-                        <a:t>Named Support Engineer</a:t>
+                        <a:t>Ingénieur d’assistance nommé</a:t>
                       </a:r>
-                      <a:endParaRPr sz="900" spc="0">
-                        <a:latin typeface="AdobeClean-Light"/>
-                        <a:cs typeface="AdobeClean-Light"/>
-                      </a:endParaRPr>
                     </a:p>
                   </a:txBody>
                   <a:tcPr marL="0" marR="0" marT="58419" marB="0">
@@ -6064,7 +4605,7 @@
                     <a:bodyPr/>
                     <a:lstStyle/>
                     <a:p>
-                      <a:pPr algn="ctr">
+                      <a:pPr algn="l" rtl="0">
                         <a:lnSpc>
                           <a:spcPct val="100000"/>
                         </a:lnSpc>
@@ -6111,7 +4652,7 @@
                         <a:defRPr/>
                       </a:pPr>
                       <a:r>
-                        <a:rPr lang="en-US" sz="900">
+                        <a:rPr lang="fr-FR" sz="900">
                           <a:solidFill>
                             <a:srgbClr val="020302"/>
                           </a:solidFill>
@@ -6120,10 +4661,6 @@
                         </a:rPr>
                         <a:t></a:t>
                       </a:r>
-                      <a:endParaRPr lang="en-US" sz="900">
-                        <a:latin typeface="Wingdings"/>
-                        <a:cs typeface="Wingdings"/>
-                      </a:endParaRPr>
                     </a:p>
                   </a:txBody>
                   <a:tcPr marL="0" marR="0" marT="0" marB="0" anchor="ctr">
@@ -6146,7 +4683,7 @@
                     <a:bodyPr/>
                     <a:lstStyle/>
                     <a:p>
-                      <a:pPr marL="50800">
+                      <a:pPr marL="50800" algn="l" rtl="0">
                         <a:lnSpc>
                           <a:spcPct val="100000"/>
                         </a:lnSpc>
@@ -6204,19 +4741,15 @@
                         </a:spcBef>
                       </a:pPr>
                       <a:r>
-                        <a:rPr sz="900" spc="0">
+                        <a:rPr lang="fr-FR" sz="900">
                           <a:solidFill>
                             <a:srgbClr val="020302"/>
                           </a:solidFill>
                           <a:latin typeface="AdobeClean-Light"/>
                           <a:cs typeface="AdobeClean-Light"/>
                         </a:rPr>
-                        <a:t>Technical Account Manager</a:t>
+                        <a:t>Gestionnaire de compte technique</a:t>
                       </a:r>
-                      <a:endParaRPr sz="900" spc="0">
-                        <a:latin typeface="AdobeClean-Light"/>
-                        <a:cs typeface="AdobeClean-Light"/>
-                      </a:endParaRPr>
                     </a:p>
                   </a:txBody>
                   <a:tcPr marL="0" marR="0" marT="63500" marB="0">
@@ -6245,7 +4778,7 @@
                     <a:bodyPr/>
                     <a:lstStyle/>
                     <a:p>
-                      <a:pPr algn="ctr">
+                      <a:pPr algn="l" rtl="0">
                         <a:lnSpc>
                           <a:spcPct val="100000"/>
                         </a:lnSpc>
@@ -6283,7 +4816,7 @@
                     <a:bodyPr/>
                     <a:lstStyle/>
                     <a:p>
-                      <a:pPr algn="ctr">
+                      <a:pPr algn="l" rtl="0">
                         <a:lnSpc>
                           <a:spcPct val="100000"/>
                         </a:lnSpc>
@@ -6334,22 +4867,15 @@
                         </a:spcBef>
                       </a:pPr>
                       <a:r>
-                        <a:rPr lang="en-US" sz="1000" b="1" i="0" spc="0">
+                        <a:rPr lang="fr-FR" sz="1000" b="1" i="0">
                           <a:solidFill>
                             <a:schemeClr val="bg1"/>
                           </a:solidFill>
                           <a:latin typeface="Adobe Clean" panose="020B0503020404020204" pitchFamily="34" charset="0"/>
                           <a:cs typeface="AdobeClean-Light"/>
                         </a:rPr>
-                        <a:t>Support Services</a:t>
+                        <a:t>Services d’assistance</a:t>
                       </a:r>
-                      <a:endParaRPr sz="1000" b="1" i="0" spc="0">
-                        <a:solidFill>
-                          <a:schemeClr val="bg1"/>
-                        </a:solidFill>
-                        <a:latin typeface="Adobe Clean" panose="020B0503020404020204" pitchFamily="34" charset="0"/>
-                        <a:cs typeface="AdobeClean-Light"/>
-                      </a:endParaRPr>
                     </a:p>
                   </a:txBody>
                   <a:tcPr marL="0" marR="0" marT="57150" marB="0" anchor="ctr">
@@ -6405,29 +4931,15 @@
                         </a:spcBef>
                       </a:pPr>
                       <a:r>
-                        <a:rPr lang="en-US" sz="900" spc="0">
+                        <a:rPr lang="fr-FR" sz="900">
                           <a:solidFill>
                             <a:srgbClr val="020302"/>
                           </a:solidFill>
                           <a:latin typeface="AdobeClean-Light"/>
                           <a:cs typeface="AdobeClean-Light"/>
                         </a:rPr>
-                        <a:t>Online</a:t>
+                        <a:t>Assistance en ligne</a:t>
                       </a:r>
-                      <a:r>
-                        <a:rPr sz="900" spc="0">
-                          <a:solidFill>
-                            <a:srgbClr val="020302"/>
-                          </a:solidFill>
-                          <a:latin typeface="AdobeClean-Light"/>
-                          <a:cs typeface="AdobeClean-Light"/>
-                        </a:rPr>
-                        <a:t> Support</a:t>
-                      </a:r>
-                      <a:endParaRPr sz="900" spc="0">
-                        <a:latin typeface="AdobeClean-Light"/>
-                        <a:cs typeface="AdobeClean-Light"/>
-                      </a:endParaRPr>
                     </a:p>
                   </a:txBody>
                   <a:tcPr marL="0" marR="0" marT="57150" marB="0">
@@ -6465,39 +4977,15 @@
                         </a:spcBef>
                       </a:pPr>
                       <a:r>
-                        <a:rPr sz="900" spc="-25">
+                        <a:rPr lang="fr-FR" sz="900">
                           <a:solidFill>
                             <a:srgbClr val="020302"/>
                           </a:solidFill>
                           <a:latin typeface="AdobeClean-Light"/>
                           <a:cs typeface="AdobeClean-Light"/>
                         </a:rPr>
-                        <a:t>Business</a:t>
+                        <a:t>Heures d’ouverture</a:t>
                       </a:r>
-                      <a:r>
-                        <a:rPr sz="900" spc="-15">
-                          <a:solidFill>
-                            <a:srgbClr val="020302"/>
-                          </a:solidFill>
-                          <a:latin typeface="AdobeClean-Light"/>
-                          <a:cs typeface="AdobeClean-Light"/>
-                        </a:rPr>
-                        <a:t> </a:t>
-                      </a:r>
-                      <a:r>
-                        <a:rPr sz="900" spc="-30">
-                          <a:solidFill>
-                            <a:srgbClr val="020302"/>
-                          </a:solidFill>
-                          <a:latin typeface="AdobeClean-Light"/>
-                          <a:cs typeface="AdobeClean-Light"/>
-                        </a:rPr>
-                        <a:t>hours</a:t>
-                      </a:r>
-                      <a:endParaRPr sz="900">
-                        <a:latin typeface="AdobeClean-Light"/>
-                        <a:cs typeface="AdobeClean-Light"/>
-                      </a:endParaRPr>
                     </a:p>
                   </a:txBody>
                   <a:tcPr marL="0" marR="0" marT="67945" marB="0">
@@ -6536,7 +5024,7 @@
                         </a:spcBef>
                       </a:pPr>
                       <a:r>
-                        <a:rPr lang="en-US" sz="900" spc="-25">
+                        <a:rPr lang="fr-FR" sz="900">
                           <a:solidFill>
                             <a:srgbClr val="020302"/>
                           </a:solidFill>
@@ -6545,10 +5033,6 @@
                         </a:rPr>
                         <a:t>24x5</a:t>
                       </a:r>
-                      <a:endParaRPr sz="900">
-                        <a:latin typeface="AdobeClean-Light"/>
-                        <a:cs typeface="AdobeClean-Light"/>
-                      </a:endParaRPr>
                     </a:p>
                   </a:txBody>
                   <a:tcPr marL="0" marR="0" marT="67945" marB="0">
@@ -6582,7 +5066,7 @@
                     <a:bodyPr/>
                     <a:lstStyle/>
                     <a:p>
-                      <a:pPr marL="50800">
+                      <a:pPr marL="50800" algn="l" rtl="0">
                         <a:lnSpc>
                           <a:spcPct val="100000"/>
                         </a:lnSpc>
@@ -6631,39 +5115,15 @@
                         </a:spcBef>
                       </a:pPr>
                       <a:r>
-                        <a:rPr sz="900" spc="0">
+                        <a:rPr lang="fr-FR" sz="900">
                           <a:solidFill>
                             <a:srgbClr val="020302"/>
                           </a:solidFill>
                           <a:latin typeface="AdobeClean-Light"/>
                           <a:cs typeface="AdobeClean-Light"/>
                         </a:rPr>
-                        <a:t>24x7</a:t>
+                        <a:t>Assistance en cas de problèmes P1 24x7x365</a:t>
                       </a:r>
-                      <a:r>
-                        <a:rPr lang="en-US" sz="900" spc="0">
-                          <a:solidFill>
-                            <a:srgbClr val="020302"/>
-                          </a:solidFill>
-                          <a:latin typeface="AdobeClean-Light"/>
-                          <a:cs typeface="AdobeClean-Light"/>
-                        </a:rPr>
-                        <a:t>x365</a:t>
-                      </a:r>
-                      <a:r>
-                        <a:rPr sz="900" spc="0">
-                          <a:solidFill>
-                            <a:srgbClr val="020302"/>
-                          </a:solidFill>
-                          <a:latin typeface="AdobeClean-Light"/>
-                          <a:cs typeface="AdobeClean-Light"/>
-                        </a:rPr>
-                        <a:t> P1 Issue Support</a:t>
-                      </a:r>
-                      <a:endParaRPr sz="900" spc="0">
-                        <a:latin typeface="AdobeClean-Light"/>
-                        <a:cs typeface="AdobeClean-Light"/>
-                      </a:endParaRPr>
                     </a:p>
                   </a:txBody>
                   <a:tcPr marL="0" marR="0" marT="57785" marB="0">
@@ -6695,7 +5155,7 @@
                         </a:spcBef>
                       </a:pPr>
                       <a:r>
-                        <a:rPr sz="900">
+                        <a:rPr lang="fr-FR" sz="900">
                           <a:solidFill>
                             <a:srgbClr val="020302"/>
                           </a:solidFill>
@@ -6704,10 +5164,6 @@
                         </a:rPr>
                         <a:t></a:t>
                       </a:r>
-                      <a:endParaRPr sz="900">
-                        <a:latin typeface="Wingdings"/>
-                        <a:cs typeface="Wingdings"/>
-                      </a:endParaRPr>
                     </a:p>
                   </a:txBody>
                   <a:tcPr marL="0" marR="0" marT="58419" marB="0">
@@ -6737,7 +5193,7 @@
                         </a:spcBef>
                       </a:pPr>
                       <a:r>
-                        <a:rPr sz="900">
+                        <a:rPr lang="fr-FR" sz="900">
                           <a:solidFill>
                             <a:srgbClr val="020302"/>
                           </a:solidFill>
@@ -6746,10 +5202,6 @@
                         </a:rPr>
                         <a:t></a:t>
                       </a:r>
-                      <a:endParaRPr sz="900">
-                        <a:latin typeface="Wingdings"/>
-                        <a:cs typeface="Wingdings"/>
-                      </a:endParaRPr>
                     </a:p>
                   </a:txBody>
                   <a:tcPr marL="0" marR="0" marT="58419" marB="0">
@@ -6772,7 +5224,7 @@
                     <a:bodyPr/>
                     <a:lstStyle/>
                     <a:p>
-                      <a:pPr marL="50800">
+                      <a:pPr marL="50800" algn="l" rtl="0">
                         <a:lnSpc>
                           <a:spcPct val="100000"/>
                         </a:lnSpc>
@@ -6830,19 +5282,15 @@
                         </a:spcBef>
                       </a:pPr>
                       <a:r>
-                        <a:rPr lang="en-US" sz="900" spc="0">
+                        <a:rPr lang="fr-FR" sz="900">
                           <a:solidFill>
                             <a:srgbClr val="020302"/>
                           </a:solidFill>
                           <a:latin typeface="AdobeClean-Light"/>
                           <a:cs typeface="AdobeClean-Light"/>
                         </a:rPr>
-                        <a:t>Named Support Contacts (per product)</a:t>
+                        <a:t>Contacts d’assistance nommés (par produit)</a:t>
                       </a:r>
-                      <a:endParaRPr sz="900" spc="0">
-                        <a:latin typeface="AdobeClean-Light"/>
-                        <a:cs typeface="AdobeClean-Light"/>
-                      </a:endParaRPr>
                     </a:p>
                   </a:txBody>
                   <a:tcPr marL="0" marR="0" marT="57785" marB="0">
@@ -6880,7 +5328,7 @@
                         </a:spcBef>
                       </a:pPr>
                       <a:r>
-                        <a:rPr sz="900">
+                        <a:rPr lang="fr-FR" sz="900">
                           <a:solidFill>
                             <a:srgbClr val="020302"/>
                           </a:solidFill>
@@ -6889,10 +5337,6 @@
                         </a:rPr>
                         <a:t>4</a:t>
                       </a:r>
-                      <a:endParaRPr sz="900">
-                        <a:latin typeface="AdobeClean-Light"/>
-                        <a:cs typeface="AdobeClean-Light"/>
-                      </a:endParaRPr>
                     </a:p>
                   </a:txBody>
                   <a:tcPr marL="0" marR="0" marT="57785" marB="0">
@@ -6922,7 +5366,7 @@
                         </a:spcBef>
                       </a:pPr>
                       <a:r>
-                        <a:rPr lang="en-US" sz="900">
+                        <a:rPr lang="fr-FR" sz="900">
                           <a:solidFill>
                             <a:srgbClr val="020302"/>
                           </a:solidFill>
@@ -6931,10 +5375,6 @@
                         </a:rPr>
                         <a:t>10</a:t>
                       </a:r>
-                      <a:endParaRPr sz="900">
-                        <a:latin typeface="AdobeClean-Light"/>
-                        <a:cs typeface="AdobeClean-Light"/>
-                      </a:endParaRPr>
                     </a:p>
                   </a:txBody>
                   <a:tcPr marL="0" marR="0" marT="57785" marB="0">
@@ -6957,7 +5397,7 @@
                     <a:bodyPr/>
                     <a:lstStyle/>
                     <a:p>
-                      <a:pPr marL="50800">
+                      <a:pPr marL="50800" algn="l" rtl="0">
                         <a:lnSpc>
                           <a:spcPct val="100000"/>
                         </a:lnSpc>
@@ -7006,19 +5446,15 @@
                         </a:spcBef>
                       </a:pPr>
                       <a:r>
-                        <a:rPr lang="en-US" sz="900" spc="0">
+                        <a:rPr lang="fr-FR" sz="900">
                           <a:solidFill>
                             <a:srgbClr val="020302"/>
                           </a:solidFill>
                           <a:latin typeface="AdobeClean-Light"/>
                           <a:cs typeface="AdobeClean-Light"/>
                         </a:rPr>
-                        <a:t>Live Telephone Support</a:t>
+                        <a:t>Assistance téléphonique en direct</a:t>
                       </a:r>
-                      <a:endParaRPr sz="900" spc="0">
-                        <a:latin typeface="AdobeClean-Light"/>
-                        <a:cs typeface="AdobeClean-Light"/>
-                      </a:endParaRPr>
                     </a:p>
                   </a:txBody>
                   <a:tcPr marL="0" marR="0" marT="57785" marB="0">
@@ -7041,7 +5477,7 @@
                     <a:bodyPr/>
                     <a:lstStyle/>
                     <a:p>
-                      <a:pPr algn="ctr">
+                      <a:pPr algn="l" rtl="0">
                         <a:lnSpc>
                           <a:spcPct val="100000"/>
                         </a:lnSpc>
@@ -7082,7 +5518,7 @@
                         </a:spcBef>
                       </a:pPr>
                       <a:r>
-                        <a:rPr sz="900">
+                        <a:rPr lang="fr-FR" sz="900">
                           <a:solidFill>
                             <a:srgbClr val="020302"/>
                           </a:solidFill>
@@ -7091,10 +5527,6 @@
                         </a:rPr>
                         <a:t></a:t>
                       </a:r>
-                      <a:endParaRPr sz="900">
-                        <a:latin typeface="Wingdings"/>
-                        <a:cs typeface="Wingdings"/>
-                      </a:endParaRPr>
                     </a:p>
                   </a:txBody>
                   <a:tcPr marL="0" marR="0" marT="59054" marB="0">
@@ -7117,7 +5549,7 @@
                     <a:bodyPr/>
                     <a:lstStyle/>
                     <a:p>
-                      <a:pPr marL="50800">
+                      <a:pPr marL="50800" algn="l" rtl="0">
                         <a:lnSpc>
                           <a:spcPct val="100000"/>
                         </a:lnSpc>
@@ -7166,19 +5598,15 @@
                         </a:spcBef>
                       </a:pPr>
                       <a:r>
-                        <a:rPr sz="900" spc="0">
+                        <a:rPr lang="fr-FR" sz="900">
                           <a:solidFill>
                             <a:srgbClr val="020302"/>
                           </a:solidFill>
                           <a:latin typeface="AdobeClean-Light"/>
                           <a:cs typeface="AdobeClean-Light"/>
                         </a:rPr>
-                        <a:t>Escalation Management</a:t>
+                        <a:t>Gestion des remontées d’informations</a:t>
                       </a:r>
-                      <a:endParaRPr sz="900" spc="0">
-                        <a:latin typeface="AdobeClean-Light"/>
-                        <a:cs typeface="AdobeClean-Light"/>
-                      </a:endParaRPr>
                     </a:p>
                   </a:txBody>
                   <a:tcPr marL="0" marR="0" marT="58419" marB="0">
@@ -7201,7 +5629,7 @@
                     <a:bodyPr/>
                     <a:lstStyle/>
                     <a:p>
-                      <a:pPr algn="ctr">
+                      <a:pPr algn="l" rtl="0">
                         <a:lnSpc>
                           <a:spcPct val="100000"/>
                         </a:lnSpc>
@@ -7242,7 +5670,7 @@
                         </a:spcBef>
                       </a:pPr>
                       <a:r>
-                        <a:rPr sz="900">
+                        <a:rPr lang="fr-FR" sz="900">
                           <a:solidFill>
                             <a:srgbClr val="020302"/>
                           </a:solidFill>
@@ -7251,10 +5679,6 @@
                         </a:rPr>
                         <a:t></a:t>
                       </a:r>
-                      <a:endParaRPr sz="900">
-                        <a:latin typeface="Wingdings"/>
-                        <a:cs typeface="Wingdings"/>
-                      </a:endParaRPr>
                     </a:p>
                   </a:txBody>
                   <a:tcPr marL="0" marR="0" marT="59690" marB="0">
@@ -7277,7 +5701,7 @@
                     <a:bodyPr/>
                     <a:lstStyle/>
                     <a:p>
-                      <a:pPr marL="50800">
+                      <a:pPr marL="50800" algn="l" rtl="0">
                         <a:lnSpc>
                           <a:spcPct val="100000"/>
                         </a:lnSpc>
@@ -7326,29 +5750,15 @@
                         </a:spcBef>
                       </a:pPr>
                       <a:r>
-                        <a:rPr sz="900" spc="0">
+                        <a:rPr lang="fr-FR" sz="900">
                           <a:solidFill>
                             <a:srgbClr val="020302"/>
                           </a:solidFill>
                           <a:latin typeface="AdobeClean-Light"/>
                           <a:cs typeface="AdobeClean-Light"/>
                         </a:rPr>
-                        <a:t>Service Reviews </a:t>
+                        <a:t>Examens de service par an</a:t>
                       </a:r>
-                      <a:r>
-                        <a:rPr lang="en-US" sz="900" spc="0">
-                          <a:solidFill>
-                            <a:srgbClr val="020302"/>
-                          </a:solidFill>
-                          <a:latin typeface="AdobeClean-Light"/>
-                          <a:cs typeface="AdobeClean-Light"/>
-                        </a:rPr>
-                        <a:t>per Year</a:t>
-                      </a:r>
-                      <a:endParaRPr sz="900" spc="0">
-                        <a:latin typeface="AdobeClean-Light"/>
-                        <a:cs typeface="AdobeClean-Light"/>
-                      </a:endParaRPr>
                     </a:p>
                   </a:txBody>
                   <a:tcPr marL="0" marR="0" marT="57150" marB="0">
@@ -7371,7 +5781,7 @@
                     <a:bodyPr/>
                     <a:lstStyle/>
                     <a:p>
-                      <a:pPr>
+                      <a:pPr algn="l" rtl="0">
                         <a:lnSpc>
                           <a:spcPct val="100000"/>
                         </a:lnSpc>
@@ -7406,16 +5816,12 @@
                         </a:lnSpc>
                       </a:pPr>
                       <a:r>
-                        <a:rPr lang="en-US" sz="900">
+                        <a:rPr lang="fr-FR" sz="900">
                           <a:latin typeface="Times New Roman"/>
                           <a:cs typeface="Times New Roman"/>
                         </a:rPr>
                         <a:t>2</a:t>
                       </a:r>
-                      <a:endParaRPr sz="900">
-                        <a:latin typeface="Times New Roman"/>
-                        <a:cs typeface="Times New Roman"/>
-                      </a:endParaRPr>
                     </a:p>
                   </a:txBody>
                   <a:tcPr marL="0" marR="0" marT="0" marB="0">
@@ -7457,16 +5863,12 @@
                         </a:spcBef>
                       </a:pPr>
                       <a:r>
-                        <a:rPr lang="en-US" sz="900" spc="0">
+                        <a:rPr lang="fr-FR" sz="900">
                           <a:latin typeface="AdobeClean-Light"/>
                           <a:cs typeface="AdobeClean-Light"/>
                         </a:rPr>
-                        <a:t>Expert Sessions per Year</a:t>
+                        <a:t>Sessions d’experts par an</a:t>
                       </a:r>
-                      <a:endParaRPr sz="900" spc="0">
-                        <a:latin typeface="AdobeClean-Light"/>
-                        <a:cs typeface="AdobeClean-Light"/>
-                      </a:endParaRPr>
                     </a:p>
                   </a:txBody>
                   <a:tcPr marL="0" marR="0" marT="57150" marB="0">
@@ -7495,7 +5897,7 @@
                     <a:bodyPr/>
                     <a:lstStyle/>
                     <a:p>
-                      <a:pPr>
+                      <a:pPr algn="l" rtl="0">
                         <a:lnSpc>
                           <a:spcPct val="100000"/>
                         </a:lnSpc>
@@ -7530,16 +5932,12 @@
                         </a:lnSpc>
                       </a:pPr>
                       <a:r>
-                        <a:rPr lang="en-US" sz="900">
+                        <a:rPr lang="fr-FR" sz="900">
                           <a:latin typeface="Times New Roman"/>
                           <a:cs typeface="Times New Roman"/>
                         </a:rPr>
                         <a:t>2</a:t>
                       </a:r>
-                      <a:endParaRPr sz="900">
-                        <a:latin typeface="Times New Roman"/>
-                        <a:cs typeface="Times New Roman"/>
-                      </a:endParaRPr>
                     </a:p>
                   </a:txBody>
                   <a:tcPr marL="0" marR="0" marT="0" marB="0">
@@ -7581,16 +5979,12 @@
                         </a:spcBef>
                       </a:pPr>
                       <a:r>
-                        <a:rPr lang="en-US" sz="900" spc="0">
+                        <a:rPr lang="fr-FR" sz="900">
                           <a:latin typeface="AdobeClean-Light"/>
                           <a:cs typeface="AdobeClean-Light"/>
                         </a:rPr>
-                        <a:t>Case Reviews</a:t>
+                        <a:t>Examens de cas</a:t>
                       </a:r>
-                      <a:endParaRPr sz="900" spc="0">
-                        <a:latin typeface="AdobeClean-Light"/>
-                        <a:cs typeface="AdobeClean-Light"/>
-                      </a:endParaRPr>
                     </a:p>
                   </a:txBody>
                   <a:tcPr marL="0" marR="0" marT="57150" marB="0">
@@ -7619,7 +6013,7 @@
                     <a:bodyPr/>
                     <a:lstStyle/>
                     <a:p>
-                      <a:pPr>
+                      <a:pPr algn="l" rtl="0">
                         <a:lnSpc>
                           <a:spcPct val="100000"/>
                         </a:lnSpc>
@@ -7666,7 +6060,7 @@
                         <a:defRPr/>
                       </a:pPr>
                       <a:r>
-                        <a:rPr lang="en-US" sz="900">
+                        <a:rPr lang="fr-FR" sz="900">
                           <a:solidFill>
                             <a:srgbClr val="020302"/>
                           </a:solidFill>
@@ -7675,10 +6069,6 @@
                         </a:rPr>
                         <a:t></a:t>
                       </a:r>
-                      <a:endParaRPr lang="en-US" sz="900">
-                        <a:latin typeface="Wingdings"/>
-                        <a:cs typeface="Wingdings"/>
-                      </a:endParaRPr>
                     </a:p>
                   </a:txBody>
                   <a:tcPr marL="0" marR="0" marT="0" marB="0">
@@ -7701,7 +6091,7 @@
                     <a:bodyPr/>
                     <a:lstStyle/>
                     <a:p>
-                      <a:pPr marL="48895">
+                      <a:pPr marL="48895" algn="l" rtl="0">
                         <a:lnSpc>
                           <a:spcPct val="100000"/>
                         </a:lnSpc>
@@ -7759,29 +6149,15 @@
                         </a:spcBef>
                       </a:pPr>
                       <a:r>
-                        <a:rPr sz="900" spc="0">
+                        <a:rPr lang="fr-FR" sz="900">
                           <a:solidFill>
                             <a:srgbClr val="020302"/>
                           </a:solidFill>
                           <a:latin typeface="AdobeClean-Light"/>
                           <a:cs typeface="AdobeClean-Light"/>
                         </a:rPr>
-                        <a:t>Event </a:t>
+                        <a:t>Gestion des événements</a:t>
                       </a:r>
-                      <a:r>
-                        <a:rPr lang="en-US" sz="900" spc="0">
-                          <a:solidFill>
-                            <a:srgbClr val="020302"/>
-                          </a:solidFill>
-                          <a:latin typeface="AdobeClean-Light"/>
-                          <a:cs typeface="AdobeClean-Light"/>
-                        </a:rPr>
-                        <a:t>Management</a:t>
-                      </a:r>
-                      <a:endParaRPr sz="900" spc="0">
-                        <a:latin typeface="AdobeClean-Light"/>
-                        <a:cs typeface="AdobeClean-Light"/>
-                      </a:endParaRPr>
                     </a:p>
                   </a:txBody>
                   <a:tcPr marL="0" marR="0" marT="58419" marB="0">
@@ -7810,7 +6186,7 @@
                     <a:bodyPr/>
                     <a:lstStyle/>
                     <a:p>
-                      <a:pPr>
+                      <a:pPr algn="l" rtl="0">
                         <a:lnSpc>
                           <a:spcPct val="100000"/>
                         </a:lnSpc>
@@ -7839,7 +6215,7 @@
                     <a:bodyPr/>
                     <a:lstStyle/>
                     <a:p>
-                      <a:pPr>
+                      <a:pPr algn="l" rtl="0">
                         <a:lnSpc>
                           <a:spcPct val="100000"/>
                         </a:lnSpc>
@@ -7870,7 +6246,7 @@
                     <a:bodyPr/>
                     <a:lstStyle/>
                     <a:p>
-                      <a:pPr marL="48895">
+                      <a:pPr marL="48895" algn="l" rtl="0">
                         <a:lnSpc>
                           <a:spcPct val="100000"/>
                         </a:lnSpc>
@@ -7919,39 +6295,15 @@
                         </a:spcBef>
                       </a:pPr>
                       <a:r>
-                        <a:rPr sz="900" spc="0">
+                        <a:rPr lang="fr-FR" sz="900">
                           <a:solidFill>
                             <a:srgbClr val="020302"/>
                           </a:solidFill>
                           <a:latin typeface="AdobeClean-Light"/>
                           <a:cs typeface="AdobeClean-Light"/>
                         </a:rPr>
-                        <a:t>Environment</a:t>
+                        <a:t>Examen, maintenance et surveillance de l’environnement</a:t>
                       </a:r>
-                      <a:r>
-                        <a:rPr lang="en-US" sz="900" spc="0">
-                          <a:solidFill>
-                            <a:srgbClr val="020302"/>
-                          </a:solidFill>
-                          <a:latin typeface="AdobeClean-Light"/>
-                          <a:cs typeface="AdobeClean-Light"/>
-                        </a:rPr>
-                        <a:t> </a:t>
-                      </a:r>
-                      <a:r>
-                        <a:rPr sz="900" spc="0">
-                          <a:solidFill>
-                            <a:srgbClr val="020302"/>
-                          </a:solidFill>
-                          <a:latin typeface="AdobeClean-Light"/>
-                          <a:cs typeface="AdobeClean-Light"/>
-                        </a:rPr>
-                        <a:t>Review, Maintenance &amp; Monitoring</a:t>
-                      </a:r>
-                      <a:endParaRPr sz="900" spc="0">
-                        <a:latin typeface="AdobeClean-Light"/>
-                        <a:cs typeface="AdobeClean-Light"/>
-                      </a:endParaRPr>
                     </a:p>
                   </a:txBody>
                   <a:tcPr marL="0" marR="0" marT="59055" marB="0">
@@ -7974,7 +6326,7 @@
                     <a:bodyPr/>
                     <a:lstStyle/>
                     <a:p>
-                      <a:pPr>
+                      <a:pPr algn="l" rtl="0">
                         <a:lnSpc>
                           <a:spcPct val="100000"/>
                         </a:lnSpc>
@@ -8003,7 +6355,7 @@
                     <a:bodyPr/>
                     <a:lstStyle/>
                     <a:p>
-                      <a:pPr>
+                      <a:pPr algn="l" rtl="0">
                         <a:lnSpc>
                           <a:spcPct val="100000"/>
                         </a:lnSpc>
@@ -8034,7 +6386,7 @@
                     <a:bodyPr/>
                     <a:lstStyle/>
                     <a:p>
-                      <a:pPr marL="49530">
+                      <a:pPr marL="49530" algn="l" rtl="0">
                         <a:lnSpc>
                           <a:spcPct val="100000"/>
                         </a:lnSpc>
@@ -8083,19 +6435,34 @@
                         </a:spcBef>
                       </a:pPr>
                       <a:r>
-                        <a:rPr sz="900" spc="0">
+                        <a:rPr lang="fr-FR" sz="900" dirty="0">
                           <a:solidFill>
                             <a:srgbClr val="020302"/>
                           </a:solidFill>
                           <a:latin typeface="AdobeClean-Light"/>
                           <a:cs typeface="AdobeClean-Light"/>
                         </a:rPr>
-                        <a:t>Release, Migration, Upgrade &amp; Product Roadmap Review</a:t>
+                        <a:t>Version, migration, mise à niveau et examen de la feuille de route </a:t>
                       </a:r>
-                      <a:endParaRPr sz="900" spc="0">
-                        <a:latin typeface="AdobeClean-Light"/>
-                        <a:cs typeface="AdobeClean-Light"/>
-                      </a:endParaRPr>
+                      <a:br>
+                        <a:rPr lang="sk-SK" sz="900" dirty="0">
+                          <a:solidFill>
+                            <a:srgbClr val="020302"/>
+                          </a:solidFill>
+                          <a:latin typeface="AdobeClean-Light"/>
+                          <a:cs typeface="AdobeClean-Light"/>
+                        </a:rPr>
+                      </a:br>
+                      <a:r>
+                        <a:rPr lang="fr-FR" sz="900" dirty="0">
+                          <a:solidFill>
+                            <a:srgbClr val="020302"/>
+                          </a:solidFill>
+                          <a:latin typeface="AdobeClean-Light"/>
+                          <a:cs typeface="AdobeClean-Light"/>
+                        </a:rPr>
+                        <a:t>du produit</a:t>
+                      </a:r>
                     </a:p>
                   </a:txBody>
                   <a:tcPr marL="0" marR="0" marT="63500" marB="0">
@@ -8118,7 +6485,7 @@
                     <a:bodyPr/>
                     <a:lstStyle/>
                     <a:p>
-                      <a:pPr>
+                      <a:pPr algn="l" rtl="0">
                         <a:lnSpc>
                           <a:spcPct val="100000"/>
                         </a:lnSpc>
@@ -8147,7 +6514,7 @@
                     <a:bodyPr/>
                     <a:lstStyle/>
                     <a:p>
-                      <a:pPr>
+                      <a:pPr algn="l" rtl="0">
                         <a:lnSpc>
                           <a:spcPct val="100000"/>
                         </a:lnSpc>
@@ -8178,7 +6545,7 @@
                     <a:bodyPr/>
                     <a:lstStyle/>
                     <a:p>
-                      <a:pPr marL="49530">
+                      <a:pPr marL="49530" algn="l" rtl="0">
                         <a:lnSpc>
                           <a:spcPct val="100000"/>
                         </a:lnSpc>
@@ -8236,11 +6603,11 @@
                         </a:spcBef>
                       </a:pPr>
                       <a:r>
-                        <a:rPr sz="900" spc="0">
+                        <a:rPr lang="fr-FR" sz="900">
                           <a:latin typeface="AdobeClean-Light"/>
                           <a:cs typeface="AdobeClean-Light"/>
                         </a:rPr>
-                        <a:t>Cloud Support Activities – Experience Manager as Cloud</a:t>
+                        <a:t>Activités d’assistance dans le Cloud - Experience Manager as Cloud</a:t>
                       </a:r>
                     </a:p>
                   </a:txBody>
@@ -8270,7 +6637,7 @@
                     <a:bodyPr/>
                     <a:lstStyle/>
                     <a:p>
-                      <a:pPr>
+                      <a:pPr algn="l" rtl="0">
                         <a:lnSpc>
                           <a:spcPct val="100000"/>
                         </a:lnSpc>
@@ -8326,7 +6693,7 @@
                         <a:defRPr/>
                       </a:pPr>
                       <a:r>
-                        <a:rPr lang="en-US" sz="900">
+                        <a:rPr lang="fr-FR" sz="900">
                           <a:solidFill>
                             <a:srgbClr val="020302"/>
                           </a:solidFill>
@@ -8335,13 +6702,9 @@
                         </a:rPr>
                         <a:t></a:t>
                       </a:r>
-                      <a:endParaRPr lang="en-US" sz="900">
-                        <a:latin typeface="Wingdings"/>
-                        <a:cs typeface="Wingdings"/>
-                      </a:endParaRPr>
                     </a:p>
                     <a:p>
-                      <a:pPr marL="0" marR="0" lvl="0" indent="0" algn="ctr" defTabSz="914400" eaLnBrk="1" fontAlgn="auto" latinLnBrk="0" hangingPunct="1">
+                      <a:pPr marL="0" marR="0" lvl="0" indent="0" algn="l" defTabSz="914400" rtl="0" eaLnBrk="1" fontAlgn="auto" latinLnBrk="0" hangingPunct="1">
                         <a:lnSpc>
                           <a:spcPct val="100000"/>
                         </a:lnSpc>
@@ -8404,22 +6767,15 @@
                         </a:spcBef>
                       </a:pPr>
                       <a:r>
-                        <a:rPr lang="en-US" sz="1000" b="1" i="0" spc="0">
+                        <a:rPr lang="fr-FR" sz="1000" b="1" i="0">
                           <a:solidFill>
                             <a:schemeClr val="bg1"/>
                           </a:solidFill>
                           <a:latin typeface="Adobe Clean" panose="020B0503020404020204" pitchFamily="34" charset="0"/>
                           <a:cs typeface="AdobeClean-Light"/>
                         </a:rPr>
-                        <a:t>Field Services</a:t>
+                        <a:t>Services de terrain</a:t>
                       </a:r>
-                      <a:endParaRPr sz="1000" b="1" i="0" spc="0">
-                        <a:solidFill>
-                          <a:schemeClr val="bg1"/>
-                        </a:solidFill>
-                        <a:latin typeface="Adobe Clean" panose="020B0503020404020204" pitchFamily="34" charset="0"/>
-                        <a:cs typeface="AdobeClean-Light"/>
-                      </a:endParaRPr>
                     </a:p>
                   </a:txBody>
                   <a:tcPr marL="0" marR="0" marT="48260" marB="0" anchor="ctr">
@@ -8472,14 +6828,14 @@
                         </a:spcBef>
                       </a:pPr>
                       <a:r>
-                        <a:rPr sz="900" spc="0">
+                        <a:rPr lang="fr-FR" sz="900">
                           <a:solidFill>
                             <a:srgbClr val="020302"/>
                           </a:solidFill>
                           <a:latin typeface="AdobeClean-Light"/>
                           <a:cs typeface="AdobeClean-Light"/>
                         </a:rPr>
-                        <a:t>Launch Advisory Services – First Year of new solution</a:t>
+                        <a:t>Services Launch Advisory - Première année de la nouvelle solution</a:t>
                       </a:r>
                     </a:p>
                   </a:txBody>
@@ -8519,7 +6875,7 @@
                     <a:bodyPr/>
                     <a:lstStyle/>
                     <a:p>
-                      <a:pPr>
+                      <a:pPr algn="l" rtl="0">
                         <a:lnSpc>
                           <a:spcPct val="100000"/>
                         </a:lnSpc>
@@ -8575,7 +6931,7 @@
                         <a:defRPr/>
                       </a:pPr>
                       <a:r>
-                        <a:rPr lang="en-US" sz="900">
+                        <a:rPr lang="fr-FR" sz="900">
                           <a:solidFill>
                             <a:srgbClr val="020302"/>
                           </a:solidFill>
@@ -8584,10 +6940,6 @@
                         </a:rPr>
                         <a:t></a:t>
                       </a:r>
-                      <a:endParaRPr lang="en-US" sz="900">
-                        <a:latin typeface="Wingdings"/>
-                        <a:cs typeface="Wingdings"/>
-                      </a:endParaRPr>
                     </a:p>
                   </a:txBody>
                   <a:tcPr marL="0" marR="0" marT="0" marB="0">
@@ -8708,7 +7060,7 @@
                         <a:defRPr/>
                       </a:pPr>
                       <a:r>
-                        <a:rPr lang="en-US" sz="900">
+                        <a:rPr lang="fr-FR" sz="900">
                           <a:solidFill>
                             <a:srgbClr val="020302"/>
                           </a:solidFill>
@@ -8717,10 +7069,6 @@
                         </a:rPr>
                         <a:t></a:t>
                       </a:r>
-                      <a:endParaRPr lang="en-US" sz="900">
-                        <a:latin typeface="Wingdings"/>
-                        <a:cs typeface="Wingdings"/>
-                      </a:endParaRPr>
                     </a:p>
                   </a:txBody>
                   <a:tcPr marL="0" marR="0" marT="0" marB="0">
@@ -8777,11 +7125,11 @@
                         <a:defRPr/>
                       </a:pPr>
                       <a:r>
-                        <a:rPr lang="en-US" sz="900" spc="0">
+                        <a:rPr lang="fr-FR" sz="900" dirty="0">
                           <a:latin typeface="AdobeClean-Light"/>
                           <a:cs typeface="AdobeClean-Light"/>
                         </a:rPr>
-                        <a:t>Field Service Activities </a:t>
+                        <a:t>Activités du service de terrain </a:t>
                       </a:r>
                     </a:p>
                   </a:txBody>
@@ -8916,7 +7264,7 @@
         <p:spPr>
           <a:xfrm>
             <a:off x="2835999" y="9021041"/>
-            <a:ext cx="2194560" cy="487313"/>
+            <a:ext cx="2194560" cy="795089"/>
           </a:xfrm>
           <a:prstGeom prst="rect">
             <a:avLst/>
@@ -8940,152 +7288,15 @@
               </a:tabLst>
             </a:pPr>
             <a:r>
-              <a:rPr sz="1000" spc="-20">
+              <a:rPr lang="fr-FR" sz="1000" dirty="0">
                 <a:solidFill>
                   <a:srgbClr val="020302"/>
                 </a:solidFill>
                 <a:latin typeface="AdobeClean-Light"/>
                 <a:cs typeface="AdobeClean-Light"/>
               </a:rPr>
-              <a:t>Start </a:t>
-            </a:r>
-            <a:r>
-              <a:rPr sz="1000">
-                <a:solidFill>
-                  <a:srgbClr val="020302"/>
-                </a:solidFill>
-                <a:latin typeface="AdobeClean-Light"/>
-                <a:cs typeface="AdobeClean-Light"/>
-              </a:rPr>
-              <a:t>a </a:t>
-            </a:r>
-            <a:r>
-              <a:rPr sz="1000" spc="-15">
-                <a:solidFill>
-                  <a:srgbClr val="020302"/>
-                </a:solidFill>
-                <a:latin typeface="AdobeClean-Light"/>
-                <a:cs typeface="AdobeClean-Light"/>
-              </a:rPr>
-              <a:t>chat </a:t>
-            </a:r>
-            <a:r>
-              <a:rPr sz="1000" spc="-10">
-                <a:solidFill>
-                  <a:srgbClr val="020302"/>
-                </a:solidFill>
-                <a:latin typeface="AdobeClean-Light"/>
-                <a:cs typeface="AdobeClean-Light"/>
-              </a:rPr>
-              <a:t>session </a:t>
-            </a:r>
-            <a:r>
-              <a:rPr sz="1000" spc="-5">
-                <a:solidFill>
-                  <a:srgbClr val="020302"/>
-                </a:solidFill>
-                <a:latin typeface="AdobeClean-Light"/>
-                <a:cs typeface="AdobeClean-Light"/>
-              </a:rPr>
-              <a:t>to </a:t>
-            </a:r>
-            <a:r>
-              <a:rPr sz="1000" spc="-10">
-                <a:solidFill>
-                  <a:srgbClr val="020302"/>
-                </a:solidFill>
-                <a:latin typeface="AdobeClean-Light"/>
-                <a:cs typeface="AdobeClean-Light"/>
-              </a:rPr>
-              <a:t>get </a:t>
-            </a:r>
-            <a:r>
-              <a:rPr sz="1000" spc="-20">
-                <a:solidFill>
-                  <a:srgbClr val="020302"/>
-                </a:solidFill>
-                <a:latin typeface="AdobeClean-Light"/>
-                <a:cs typeface="AdobeClean-Light"/>
-              </a:rPr>
-              <a:t>answers</a:t>
-            </a:r>
-            <a:r>
-              <a:rPr lang="en-US" sz="1000" spc="-45">
-                <a:solidFill>
-                  <a:srgbClr val="020302"/>
-                </a:solidFill>
-                <a:latin typeface="AdobeClean-Light"/>
-                <a:cs typeface="AdobeClean-Light"/>
-              </a:rPr>
-              <a:t> </a:t>
-            </a:r>
-            <a:r>
-              <a:rPr lang="en-US" sz="1000">
-                <a:solidFill>
-                  <a:srgbClr val="020302"/>
-                </a:solidFill>
-                <a:latin typeface="AdobeClean-Light"/>
-                <a:cs typeface="AdobeClean-Light"/>
-              </a:rPr>
-              <a:t>&amp; </a:t>
-            </a:r>
-            <a:r>
-              <a:rPr sz="1000" spc="-15">
-                <a:solidFill>
-                  <a:srgbClr val="020302"/>
-                </a:solidFill>
-                <a:latin typeface="AdobeClean-Light"/>
-                <a:cs typeface="AdobeClean-Light"/>
-              </a:rPr>
-              <a:t>help </a:t>
-            </a:r>
-            <a:r>
-              <a:rPr sz="1000" spc="-10">
-                <a:solidFill>
-                  <a:srgbClr val="020302"/>
-                </a:solidFill>
-                <a:latin typeface="AdobeClean-Light"/>
-                <a:cs typeface="AdobeClean-Light"/>
-              </a:rPr>
-              <a:t>with</a:t>
-            </a:r>
-            <a:r>
-              <a:rPr sz="1000" spc="85">
-                <a:solidFill>
-                  <a:srgbClr val="020302"/>
-                </a:solidFill>
-                <a:latin typeface="AdobeClean-Light"/>
-                <a:cs typeface="AdobeClean-Light"/>
-              </a:rPr>
-              <a:t> </a:t>
-            </a:r>
-            <a:r>
-              <a:rPr sz="1000" spc="-10">
-                <a:solidFill>
-                  <a:srgbClr val="020302"/>
-                </a:solidFill>
-                <a:latin typeface="AdobeClean-Light"/>
-                <a:cs typeface="AdobeClean-Light"/>
-              </a:rPr>
-              <a:t>case </a:t>
-            </a:r>
-            <a:r>
-              <a:rPr sz="1000" spc="-20">
-                <a:solidFill>
-                  <a:srgbClr val="020302"/>
-                </a:solidFill>
-                <a:latin typeface="AdobeClean-Light"/>
-                <a:cs typeface="AdobeClean-Light"/>
-              </a:rPr>
-              <a:t>submission</a:t>
-            </a:r>
-            <a:endParaRPr lang="en-US" sz="1000" spc="-20">
-              <a:solidFill>
-                <a:srgbClr val="020302"/>
-              </a:solidFill>
-              <a:latin typeface="AdobeClean-Light"/>
-              <a:cs typeface="AdobeClean-Light"/>
-            </a:endParaRPr>
+              <a:t>Commencez une session de conversation pour obtenir des réponses et de l’aide lors de l’envoi du cas</a:t>
+            </a:r>
           </a:p>
           <a:p>
             <a:pPr marL="33020" marR="159385">
@@ -9100,27 +7311,36 @@
               </a:tabLst>
             </a:pPr>
             <a:r>
-              <a:rPr sz="1000" i="1" spc="-10">
+              <a:rPr lang="fr-FR" sz="1000" i="1" dirty="0">
                 <a:solidFill>
                   <a:srgbClr val="7A7A7A"/>
                 </a:solidFill>
                 <a:latin typeface="AdobeClean-LightIt"/>
                 <a:cs typeface="AdobeClean-LightIt"/>
               </a:rPr>
-              <a:t>*Not all </a:t>
-            </a:r>
-            <a:r>
-              <a:rPr sz="1000" i="1" spc="-20">
+              <a:t>*Tous les produits ne bénéficient pas </a:t>
+            </a:r>
+            <a:br>
+              <a:rPr lang="sk-SK" sz="1000" i="1" dirty="0">
                 <a:solidFill>
                   <a:srgbClr val="7A7A7A"/>
                 </a:solidFill>
                 <a:latin typeface="AdobeClean-LightIt"/>
                 <a:cs typeface="AdobeClean-LightIt"/>
               </a:rPr>
-              <a:t>products have live chat support</a:t>
-            </a:r>
-            <a:r>
-              <a:rPr sz="900" i="1" spc="-20">
+            </a:br>
+            <a:r>
+              <a:rPr lang="fr-FR" sz="1000" i="1" dirty="0">
+                <a:solidFill>
+                  <a:srgbClr val="7A7A7A"/>
+                </a:solidFill>
+                <a:latin typeface="AdobeClean-LightIt"/>
+                <a:cs typeface="AdobeClean-LightIt"/>
+              </a:rPr>
+              <a:t>de l’assistance de messagerie instantanée</a:t>
+            </a:r>
+            <a:r>
+              <a:rPr lang="fr-FR" sz="900" i="1" dirty="0">
                 <a:solidFill>
                   <a:srgbClr val="7A7A7A"/>
                 </a:solidFill>
@@ -9129,10 +7349,6 @@
               </a:rPr>
               <a:t>.  </a:t>
             </a:r>
-            <a:endParaRPr sz="900">
-              <a:latin typeface="AdobeClean-Light"/>
-              <a:cs typeface="AdobeClean-Light"/>
-            </a:endParaRPr>
           </a:p>
         </p:txBody>
       </p:sp>
@@ -9153,7 +7369,7 @@
         <p:spPr>
           <a:xfrm>
             <a:off x="689237" y="6664838"/>
-            <a:ext cx="1568246" cy="184666"/>
+            <a:ext cx="1848206" cy="184666"/>
           </a:xfrm>
           <a:prstGeom prst="rect">
             <a:avLst/>
@@ -9179,12 +7395,12 @@
               <a:defRPr/>
             </a:pPr>
             <a:r>
-              <a:rPr lang="en-US" sz="1200">
+              <a:rPr lang="fr-FR" sz="1200" dirty="0">
                 <a:solidFill>
                   <a:srgbClr val="000000"/>
                 </a:solidFill>
               </a:rPr>
-              <a:t>Community Forums</a:t>
+              <a:t>Forums de la communauté</a:t>
             </a:r>
           </a:p>
         </p:txBody>
@@ -9205,8 +7421,8 @@
         </p:nvSpPr>
         <p:spPr>
           <a:xfrm>
-            <a:off x="689237" y="6868024"/>
-            <a:ext cx="959314" cy="184666"/>
+            <a:off x="689236" y="6868024"/>
+            <a:ext cx="1555491" cy="184666"/>
           </a:xfrm>
           <a:prstGeom prst="rect">
             <a:avLst/>
@@ -9227,12 +7443,12 @@
               </a:spcAft>
             </a:pPr>
             <a:r>
-              <a:rPr lang="en-US" sz="1200" b="1">
+              <a:rPr lang="fr-FR" sz="1200" b="1" dirty="0">
                 <a:latin typeface="+mj-lt"/>
                 <a:ea typeface="Open Sans" pitchFamily="34" charset="0"/>
                 <a:cs typeface="Open Sans" pitchFamily="34" charset="0"/>
               </a:rPr>
-              <a:t>Online Forums</a:t>
+              <a:t>Forums en ligne</a:t>
             </a:r>
           </a:p>
         </p:txBody>
@@ -9252,7 +7468,7 @@
         <p:spPr>
           <a:xfrm>
             <a:off x="355868" y="7102087"/>
-            <a:ext cx="2194560" cy="959237"/>
+            <a:ext cx="2194560" cy="1113125"/>
           </a:xfrm>
           <a:prstGeom prst="rect">
             <a:avLst/>
@@ -9265,13 +7481,13 @@
           <a:lstStyle/>
           <a:p>
             <a:r>
-              <a:rPr lang="en-US" sz="1000">
+              <a:rPr lang="fr-FR" sz="1000" dirty="0">
                 <a:solidFill>
                   <a:srgbClr val="4B4B4B"/>
                 </a:solidFill>
                 <a:latin typeface="Adobe Clean Light" panose="020B0303020404020204" pitchFamily="34" charset="0"/>
               </a:rPr>
-              <a:t>Continuous online access to a growing database of technical solutions, product documentation, FAQs and more. Connect with practitioners and other customers on Adobe Community to share best practices and lessons learned</a:t>
+              <a:t>Accès en ligne permanent à une base de données croissante de solutions techniques, de documentation sur les produits, de questions fréquentes, etc. Communiquez avec des professionnels et d’autres clients de la communauté Adobe pour partager les bonnes pratiques et les leçons apprises</a:t>
             </a:r>
           </a:p>
         </p:txBody>
@@ -9319,7 +7535,7 @@
               <a:defRPr/>
             </a:pPr>
             <a:r>
-              <a:rPr lang="en-US" sz="1200">
+              <a:rPr lang="fr-FR" sz="1200">
                 <a:solidFill>
                   <a:srgbClr val="000000"/>
                 </a:solidFill>
@@ -9367,12 +7583,12 @@
               </a:spcAft>
             </a:pPr>
             <a:r>
-              <a:rPr lang="en-US" sz="1200" b="1">
+              <a:rPr lang="fr-FR" sz="1200" b="1">
                 <a:latin typeface="+mj-lt"/>
                 <a:ea typeface="Open Sans" pitchFamily="34" charset="0"/>
                 <a:cs typeface="Open Sans" pitchFamily="34" charset="0"/>
               </a:rPr>
-              <a:t>Self-guided Journeys</a:t>
+              <a:t>Parcours auto-guidés</a:t>
             </a:r>
           </a:p>
         </p:txBody>
@@ -9405,13 +7621,13 @@
           <a:lstStyle/>
           <a:p>
             <a:r>
-              <a:rPr lang="en-US" sz="1000">
+              <a:rPr lang="fr-FR" sz="1000">
                 <a:solidFill>
                   <a:srgbClr val="4B4B4B"/>
                 </a:solidFill>
                 <a:latin typeface="Adobe Clean Light" panose="020B0303020404020204" pitchFamily="34" charset="0"/>
               </a:rPr>
-              <a:t>Experience Makers are made with Experience League. Customers can kickstart their Customer Experience Management abilities with personalized learning to develop skills, engage with a global community of peers, and earn career advancing recognition</a:t>
+              <a:t>Les Experience Makers sont créées à l’aide d’Experience League. Les clients peuvent lancer leurs capacités de gestion de l’expérience client grâce à un apprentissage personnalisé permettant de développer leurs compétences, collaborer avec une communauté mondiale de pairs et gagner une reconnaissance de carrière</a:t>
             </a:r>
           </a:p>
         </p:txBody>
@@ -9459,12 +7675,12 @@
               <a:defRPr/>
             </a:pPr>
             <a:r>
-              <a:rPr lang="en-US" sz="1200">
+              <a:rPr lang="fr-FR" sz="1200">
                 <a:solidFill>
                   <a:srgbClr val="000000"/>
                 </a:solidFill>
               </a:rPr>
-              <a:t>Live Chat  Support*</a:t>
+              <a:t>Assistance de messagerie instantanée*</a:t>
             </a:r>
           </a:p>
         </p:txBody>
@@ -9507,12 +7723,12 @@
               </a:spcAft>
             </a:pPr>
             <a:r>
-              <a:rPr lang="en-US" sz="1200" b="1">
+              <a:rPr lang="fr-FR" sz="1200" b="1">
                 <a:latin typeface="+mj-lt"/>
                 <a:ea typeface="Open Sans" pitchFamily="34" charset="0"/>
                 <a:cs typeface="Open Sans" pitchFamily="34" charset="0"/>
               </a:rPr>
-              <a:t>Chat Support</a:t>
+              <a:t>Assistance de conversation</a:t>
             </a:r>
           </a:p>
         </p:txBody>
@@ -9560,12 +7776,12 @@
               <a:defRPr/>
             </a:pPr>
             <a:r>
-              <a:rPr lang="en-US" sz="1200">
+              <a:rPr lang="fr-FR" sz="1200">
                 <a:solidFill>
                   <a:srgbClr val="000000"/>
                 </a:solidFill>
               </a:rPr>
-              <a:t>24X7 P1 </a:t>
+              <a:t>P1 24X7 </a:t>
             </a:r>
           </a:p>
         </p:txBody>
@@ -9608,12 +7824,12 @@
               </a:spcAft>
             </a:pPr>
             <a:r>
-              <a:rPr lang="en-US" sz="1200" b="1">
+              <a:rPr lang="fr-FR" sz="1200" b="1">
                 <a:latin typeface="+mj-lt"/>
                 <a:ea typeface="Open Sans" pitchFamily="34" charset="0"/>
                 <a:cs typeface="Open Sans" pitchFamily="34" charset="0"/>
               </a:rPr>
-              <a:t>Phone  Support</a:t>
+              <a:t>Assistance téléphonique</a:t>
             </a:r>
           </a:p>
         </p:txBody>
@@ -9646,35 +7862,29 @@
           <a:lstStyle/>
           <a:p>
             <a:r>
-              <a:rPr lang="en-US" sz="1000">
+              <a:rPr lang="fr-FR" sz="1000">
                 <a:solidFill>
                   <a:srgbClr val="020302"/>
                 </a:solidFill>
                 <a:latin typeface="AdobeClean-Light"/>
               </a:rPr>
-              <a:t>Authorized users or </a:t>
-            </a:r>
-            <a:r>
-              <a:rPr lang="en-US" sz="1000" b="1">
+              <a:t>Les utilisateurs autorisés ou les </a:t>
+            </a:r>
+            <a:r>
+              <a:rPr lang="fr-FR" sz="1000" b="1">
                 <a:solidFill>
                   <a:srgbClr val="020302"/>
                 </a:solidFill>
                 <a:latin typeface="AdobeClean-Light"/>
               </a:rPr>
-              <a:t>Named Support Contacts </a:t>
-            </a:r>
-            <a:r>
-              <a:rPr lang="en-US" sz="1000">
+              <a:t>contacts d’assistance nommés </a:t>
+            </a:r>
+            <a:r>
+              <a:rPr lang="fr-FR" sz="1000">
                 <a:latin typeface="Adobe Clean Light" panose="020B0303020404020204" pitchFamily="34" charset="0"/>
               </a:rPr>
-              <a:t>can submit issues through all available  channels (including phone for P1) and interact with our technical support team on behalf of your company. </a:t>
-            </a:r>
-            <a:endParaRPr lang="en-US" sz="1000">
-              <a:solidFill>
-                <a:srgbClr val="000000"/>
-              </a:solidFill>
-              <a:latin typeface="Adobe Clean Light" panose="020B0303020404020204" pitchFamily="34" charset="0"/>
-            </a:endParaRPr>
+              <a:t>peuvent communiquer des problèmes par l’intermédiaire de tous les canaux disponibles (y compris le téléphone pour P1) et interagir avec notre équipe d’assistance technique au nom de votre entreprise. </a:t>
+            </a:r>
           </a:p>
         </p:txBody>
       </p:sp>
@@ -9762,19 +7972,15 @@
               </a:spcBef>
             </a:pPr>
             <a:r>
-              <a:rPr lang="en-US" sz="1400" b="1" spc="-10">
+              <a:rPr lang="fr-FR" sz="1400" b="1">
                 <a:solidFill>
                   <a:srgbClr val="020302"/>
                 </a:solidFill>
                 <a:latin typeface="Adobe Clean"/>
                 <a:cs typeface="Adobe Clean"/>
               </a:rPr>
-              <a:t>Online Support Features</a:t>
-            </a:r>
-            <a:endParaRPr lang="en-US" sz="1400">
-              <a:latin typeface="Adobe Clean"/>
-              <a:cs typeface="Adobe Clean"/>
-            </a:endParaRPr>
+              <a:t>Fonctionnalités de l’assistance en ligne</a:t>
+            </a:r>
           </a:p>
         </p:txBody>
       </p:sp>
@@ -9821,7 +8027,7 @@
               <a:defRPr/>
             </a:pPr>
             <a:r>
-              <a:rPr lang="en-US" sz="1200">
+              <a:rPr lang="fr-FR" sz="1200">
                 <a:solidFill>
                   <a:srgbClr val="000000"/>
                 </a:solidFill>
@@ -9869,12 +8075,12 @@
               </a:spcAft>
             </a:pPr>
             <a:r>
-              <a:rPr lang="en-US" sz="1200" b="1">
+              <a:rPr lang="fr-FR" sz="1200" b="1">
                 <a:latin typeface="+mj-lt"/>
                 <a:ea typeface="Open Sans" pitchFamily="34" charset="0"/>
                 <a:cs typeface="Open Sans" pitchFamily="34" charset="0"/>
               </a:rPr>
-              <a:t>Webinars</a:t>
+              <a:t>Webinaires</a:t>
             </a:r>
           </a:p>
         </p:txBody>
@@ -9893,8 +8099,8 @@
         </p:nvSpPr>
         <p:spPr>
           <a:xfrm>
-            <a:off x="355868" y="8986613"/>
-            <a:ext cx="2194560" cy="805349"/>
+            <a:off x="355867" y="8986613"/>
+            <a:ext cx="2420985" cy="866904"/>
           </a:xfrm>
           <a:prstGeom prst="rect">
             <a:avLst/>
@@ -9907,13 +8113,65 @@
           <a:lstStyle/>
           <a:p>
             <a:r>
-              <a:rPr lang="en-US" sz="1000">
+              <a:rPr lang="fr-FR" sz="900" dirty="0">
                 <a:solidFill>
                   <a:srgbClr val="4B4B4B"/>
                 </a:solidFill>
                 <a:latin typeface="Adobe Clean Light" panose="020B0303020404020204" pitchFamily="34" charset="0"/>
               </a:rPr>
-              <a:t>Office Hours led by the Adobe Customer Support team includes sessions designed to inform as well as help participants troubleshoot problems and provide tips and tricks for success with Adobe solutions. </a:t>
+              <a:t>« Office </a:t>
+            </a:r>
+            <a:r>
+              <a:rPr lang="fr-FR" sz="900" dirty="0" err="1">
+                <a:solidFill>
+                  <a:srgbClr val="4B4B4B"/>
+                </a:solidFill>
+                <a:latin typeface="Adobe Clean Light" panose="020B0303020404020204" pitchFamily="34" charset="0"/>
+              </a:rPr>
+              <a:t>Hours</a:t>
+            </a:r>
+            <a:r>
+              <a:rPr lang="fr-FR" sz="900" dirty="0">
+                <a:solidFill>
+                  <a:srgbClr val="4B4B4B"/>
+                </a:solidFill>
+                <a:latin typeface="Adobe Clean Light" panose="020B0303020404020204" pitchFamily="34" charset="0"/>
+              </a:rPr>
+              <a:t> », l’initiative menée par l’équipe </a:t>
+            </a:r>
+            <a:br>
+              <a:rPr lang="sk-SK" sz="900" dirty="0">
+                <a:solidFill>
+                  <a:srgbClr val="4B4B4B"/>
+                </a:solidFill>
+                <a:latin typeface="Adobe Clean Light" panose="020B0303020404020204" pitchFamily="34" charset="0"/>
+              </a:rPr>
+            </a:br>
+            <a:r>
+              <a:rPr lang="fr-FR" sz="900" dirty="0">
+                <a:solidFill>
+                  <a:srgbClr val="4B4B4B"/>
+                </a:solidFill>
+                <a:latin typeface="Adobe Clean Light" panose="020B0303020404020204" pitchFamily="34" charset="0"/>
+              </a:rPr>
+              <a:t>du service clientèle Adobe, comprend des sessions conçues pour informer les participants et les aider </a:t>
+            </a:r>
+            <a:br>
+              <a:rPr lang="sk-SK" sz="900" dirty="0">
+                <a:solidFill>
+                  <a:srgbClr val="4B4B4B"/>
+                </a:solidFill>
+                <a:latin typeface="Adobe Clean Light" panose="020B0303020404020204" pitchFamily="34" charset="0"/>
+              </a:rPr>
+            </a:br>
+            <a:r>
+              <a:rPr lang="fr-FR" sz="900" dirty="0">
+                <a:solidFill>
+                  <a:srgbClr val="4B4B4B"/>
+                </a:solidFill>
+                <a:latin typeface="Adobe Clean Light" panose="020B0303020404020204" pitchFamily="34" charset="0"/>
+              </a:rPr>
+              <a:t>à résoudre leurs problèmes. Elle offre également des conseils et astuces pour réussir au mieux l’intégration des solutions Adobe. </a:t>
             </a:r>
           </a:p>
         </p:txBody>
@@ -9934,8 +8192,8 @@
         </p:nvSpPr>
         <p:spPr>
           <a:xfrm>
-            <a:off x="5723508" y="8520784"/>
-            <a:ext cx="1303746" cy="184666"/>
+            <a:off x="5723507" y="8520784"/>
+            <a:ext cx="1736713" cy="184666"/>
           </a:xfrm>
           <a:prstGeom prst="rect">
             <a:avLst/>
@@ -9961,12 +8219,12 @@
               <a:defRPr/>
             </a:pPr>
             <a:r>
-              <a:rPr lang="en-US" sz="1200">
+              <a:rPr lang="fr-FR" sz="1200" dirty="0">
                 <a:solidFill>
                   <a:srgbClr val="000000"/>
                 </a:solidFill>
               </a:rPr>
-              <a:t>Self-help Portals</a:t>
+              <a:t>Portail d’aide automatique</a:t>
             </a:r>
           </a:p>
         </p:txBody>
@@ -10009,12 +8267,12 @@
               </a:spcAft>
             </a:pPr>
             <a:r>
-              <a:rPr lang="en-US" sz="1200" b="1">
+              <a:rPr lang="fr-FR" sz="1200" b="1">
                 <a:latin typeface="+mj-lt"/>
                 <a:ea typeface="Open Sans" pitchFamily="34" charset="0"/>
                 <a:cs typeface="Open Sans" pitchFamily="34" charset="0"/>
               </a:rPr>
-              <a:t>24/7 Support Portal</a:t>
+              <a:t>Portail d’assistance 24/7</a:t>
             </a:r>
           </a:p>
         </p:txBody>
@@ -10034,7 +8292,7 @@
         <p:spPr>
           <a:xfrm>
             <a:off x="5265661" y="8947635"/>
-            <a:ext cx="2194560" cy="805349"/>
+            <a:ext cx="2420984" cy="959237"/>
           </a:xfrm>
           <a:prstGeom prst="rect">
             <a:avLst/>
@@ -10047,16 +8305,16 @@
           <a:lstStyle/>
           <a:p>
             <a:r>
-              <a:rPr lang="en-US" sz="1000">
+              <a:rPr lang="fr-FR" sz="1000" dirty="0">
                 <a:solidFill>
                   <a:srgbClr val="4B4B4B"/>
                 </a:solidFill>
                 <a:latin typeface="Adobe Clean Light" panose="020B0303020404020204" pitchFamily="34" charset="0"/>
               </a:rPr>
-              <a:t>On-demand access to the online </a:t>
+              <a:t>Accès à la demande au portail </a:t>
             </a:r>
             <a:br>
-              <a:rPr lang="en-US" sz="1000">
+              <a:rPr lang="fr-FR" sz="1000" dirty="0">
                 <a:solidFill>
                   <a:srgbClr val="4B4B4B"/>
                 </a:solidFill>
@@ -10064,13 +8322,13 @@
               </a:rPr>
             </a:br>
             <a:r>
-              <a:rPr lang="en-US" sz="1000">
+              <a:rPr lang="fr-FR" sz="1000" dirty="0">
                 <a:solidFill>
                   <a:srgbClr val="4B4B4B"/>
                 </a:solidFill>
                 <a:latin typeface="Adobe Clean Light" panose="020B0303020404020204" pitchFamily="34" charset="0"/>
               </a:rPr>
-              <a:t>Self-help Support Portal to submit support requests, review case status, and browse other resources, like our knowledgebase, news and alerts, featured tips, and more.</a:t>
+              <a:t>d’assistance d’aide automatique en ligne pour envoyer des demandes d’assistance, examiner le statut des cas et parcourir d’autres ressources, telles que notre base de connaissances, les actualités et les alertes, les conseils présentés, etc.</a:t>
             </a:r>
           </a:p>
         </p:txBody>
@@ -10092,7 +8350,7 @@
         <p:spPr>
           <a:xfrm>
             <a:off x="97788" y="9888626"/>
-            <a:ext cx="2245360" cy="133370"/>
+            <a:ext cx="3178812" cy="133364"/>
           </a:xfrm>
           <a:prstGeom prst="rect">
             <a:avLst/>
@@ -10204,36 +8462,8 @@
               </a:spcBef>
             </a:pPr>
             <a:r>
-              <a:rPr lang="en-US" spc="-10"/>
-              <a:t>©2021</a:t>
-            </a:r>
-            <a:r>
-              <a:rPr lang="en-US" spc="-5"/>
-              <a:t> Adobe. All</a:t>
-            </a:r>
-            <a:r>
-              <a:rPr lang="en-US" spc="-10"/>
-              <a:t> Rights</a:t>
-            </a:r>
-            <a:r>
-              <a:rPr lang="en-US" spc="-5"/>
-              <a:t> </a:t>
-            </a:r>
-            <a:r>
-              <a:rPr lang="en-US" spc="-10"/>
-              <a:t>Reserved.</a:t>
-            </a:r>
-            <a:r>
-              <a:rPr lang="en-US" spc="-5"/>
-              <a:t> Adobe</a:t>
-            </a:r>
-            <a:r>
-              <a:rPr lang="en-US" spc="60"/>
-              <a:t> </a:t>
-            </a:r>
-            <a:r>
-              <a:rPr lang="en-US" spc="-10"/>
-              <a:t>Confidential.</a:t>
+              <a:rPr lang="fr-FR"/>
+              <a:t>©2021 Adobe. All Rights Reserved. Données confidentielles Adobe</a:t>
             </a:r>
           </a:p>
         </p:txBody>
@@ -10252,8 +8482,8 @@
         </p:nvSpPr>
         <p:spPr>
           <a:xfrm>
-            <a:off x="214971" y="868681"/>
-            <a:ext cx="2103120" cy="45719"/>
+            <a:off x="214970" y="868681"/>
+            <a:ext cx="3435009" cy="47963"/>
           </a:xfrm>
           <a:custGeom>
             <a:avLst/>
@@ -10322,19 +8552,15 @@
               </a:spcBef>
             </a:pPr>
             <a:r>
-              <a:rPr lang="en-US" sz="1400" b="1" spc="-10">
+              <a:rPr lang="fr-FR" sz="1400" b="1">
                 <a:solidFill>
                   <a:srgbClr val="020302"/>
                 </a:solidFill>
                 <a:latin typeface="Adobe Clean"/>
                 <a:cs typeface="Adobe Clean"/>
               </a:rPr>
-              <a:t>Enterprise Support Features</a:t>
-            </a:r>
-            <a:endParaRPr lang="en-US" sz="1400">
-              <a:latin typeface="Adobe Clean"/>
-              <a:cs typeface="Adobe Clean"/>
-            </a:endParaRPr>
+              <a:t>Fonctionnalités de l’assistance aux entreprises</a:t>
+            </a:r>
           </a:p>
         </p:txBody>
       </p:sp>
@@ -10374,199 +8600,15 @@
               </a:spcBef>
             </a:pPr>
             <a:r>
-              <a:rPr sz="1200" b="1" spc="-25">
+              <a:rPr lang="fr-FR" sz="1200" b="1">
                 <a:solidFill>
                   <a:srgbClr val="020302"/>
                 </a:solidFill>
                 <a:latin typeface="Adobe Clean"/>
                 <a:cs typeface="Adobe Clean"/>
               </a:rPr>
-              <a:t>E</a:t>
-            </a:r>
-            <a:r>
-              <a:rPr sz="1200" b="1" spc="-20">
-                <a:solidFill>
-                  <a:srgbClr val="020302"/>
-                </a:solidFill>
-                <a:latin typeface="Adobe Clean"/>
-                <a:cs typeface="Adobe Clean"/>
-              </a:rPr>
-              <a:t>s</a:t>
-            </a:r>
-            <a:r>
-              <a:rPr sz="1200" b="1" spc="-30">
-                <a:solidFill>
-                  <a:srgbClr val="020302"/>
-                </a:solidFill>
-                <a:latin typeface="Adobe Clean"/>
-                <a:cs typeface="Adobe Clean"/>
-              </a:rPr>
-              <a:t>c</a:t>
-            </a:r>
-            <a:r>
-              <a:rPr sz="1200" b="1" spc="-20">
-                <a:solidFill>
-                  <a:srgbClr val="020302"/>
-                </a:solidFill>
-                <a:latin typeface="Adobe Clean"/>
-                <a:cs typeface="Adobe Clean"/>
-              </a:rPr>
-              <a:t>a</a:t>
-            </a:r>
-            <a:r>
-              <a:rPr sz="1200" b="1" spc="-25">
-                <a:solidFill>
-                  <a:srgbClr val="020302"/>
-                </a:solidFill>
-                <a:latin typeface="Adobe Clean"/>
-                <a:cs typeface="Adobe Clean"/>
-              </a:rPr>
-              <a:t>l</a:t>
-            </a:r>
-            <a:r>
-              <a:rPr sz="1200" b="1" spc="-20">
-                <a:solidFill>
-                  <a:srgbClr val="020302"/>
-                </a:solidFill>
-                <a:latin typeface="Adobe Clean"/>
-                <a:cs typeface="Adobe Clean"/>
-              </a:rPr>
-              <a:t>a</a:t>
-            </a:r>
-            <a:r>
-              <a:rPr sz="1200" b="1" spc="-25">
-                <a:solidFill>
-                  <a:srgbClr val="020302"/>
-                </a:solidFill>
-                <a:latin typeface="Adobe Clean"/>
-                <a:cs typeface="Adobe Clean"/>
-              </a:rPr>
-              <a:t>t</a:t>
-            </a:r>
-            <a:r>
-              <a:rPr sz="1200" b="1" spc="-20">
-                <a:solidFill>
-                  <a:srgbClr val="020302"/>
-                </a:solidFill>
-                <a:latin typeface="Adobe Clean"/>
-                <a:cs typeface="Adobe Clean"/>
-              </a:rPr>
-              <a:t>i</a:t>
-            </a:r>
-            <a:r>
-              <a:rPr sz="1200" b="1" spc="-15">
-                <a:solidFill>
-                  <a:srgbClr val="020302"/>
-                </a:solidFill>
-                <a:latin typeface="Adobe Clean"/>
-                <a:cs typeface="Adobe Clean"/>
-              </a:rPr>
-              <a:t>o</a:t>
-            </a:r>
-            <a:r>
-              <a:rPr sz="1200" b="1">
-                <a:solidFill>
-                  <a:srgbClr val="020302"/>
-                </a:solidFill>
-                <a:latin typeface="Adobe Clean"/>
-                <a:cs typeface="Adobe Clean"/>
-              </a:rPr>
-              <a:t>n</a:t>
-            </a:r>
-            <a:r>
-              <a:rPr sz="1200" b="1" spc="-55">
-                <a:solidFill>
-                  <a:srgbClr val="020302"/>
-                </a:solidFill>
-                <a:latin typeface="Adobe Clean"/>
-                <a:cs typeface="Adobe Clean"/>
-              </a:rPr>
-              <a:t> </a:t>
-            </a:r>
-            <a:r>
-              <a:rPr sz="1200" b="1" spc="-35">
-                <a:solidFill>
-                  <a:srgbClr val="020302"/>
-                </a:solidFill>
-                <a:latin typeface="Adobe Clean"/>
-                <a:cs typeface="Adobe Clean"/>
-              </a:rPr>
-              <a:t>M</a:t>
-            </a:r>
-            <a:r>
-              <a:rPr sz="1200" b="1" spc="-25">
-                <a:solidFill>
-                  <a:srgbClr val="020302"/>
-                </a:solidFill>
-                <a:latin typeface="Adobe Clean"/>
-                <a:cs typeface="Adobe Clean"/>
-              </a:rPr>
-              <a:t>a</a:t>
-            </a:r>
-            <a:r>
-              <a:rPr sz="1200" b="1" spc="-30">
-                <a:solidFill>
-                  <a:srgbClr val="020302"/>
-                </a:solidFill>
-                <a:latin typeface="Adobe Clean"/>
-                <a:cs typeface="Adobe Clean"/>
-              </a:rPr>
-              <a:t>n</a:t>
-            </a:r>
-            <a:r>
-              <a:rPr sz="1200" b="1" spc="-25">
-                <a:solidFill>
-                  <a:srgbClr val="020302"/>
-                </a:solidFill>
-                <a:latin typeface="Adobe Clean"/>
-                <a:cs typeface="Adobe Clean"/>
-              </a:rPr>
-              <a:t>a</a:t>
-            </a:r>
-            <a:r>
-              <a:rPr sz="1200" b="1" spc="-30">
-                <a:solidFill>
-                  <a:srgbClr val="020302"/>
-                </a:solidFill>
-                <a:latin typeface="Adobe Clean"/>
-                <a:cs typeface="Adobe Clean"/>
-              </a:rPr>
-              <a:t>ge</a:t>
-            </a:r>
-            <a:r>
-              <a:rPr sz="1200" b="1" spc="-25">
-                <a:solidFill>
-                  <a:srgbClr val="020302"/>
-                </a:solidFill>
-                <a:latin typeface="Adobe Clean"/>
-                <a:cs typeface="Adobe Clean"/>
-              </a:rPr>
-              <a:t>m</a:t>
-            </a:r>
-            <a:r>
-              <a:rPr sz="1200" b="1" spc="-30">
-                <a:solidFill>
-                  <a:srgbClr val="020302"/>
-                </a:solidFill>
-                <a:latin typeface="Adobe Clean"/>
-                <a:cs typeface="Adobe Clean"/>
-              </a:rPr>
-              <a:t>en</a:t>
-            </a:r>
-            <a:r>
-              <a:rPr sz="1200" b="1">
-                <a:solidFill>
-                  <a:srgbClr val="020302"/>
-                </a:solidFill>
-                <a:latin typeface="Adobe Clean"/>
-                <a:cs typeface="Adobe Clean"/>
-              </a:rPr>
-              <a:t>t</a:t>
-            </a:r>
-            <a:endParaRPr sz="1200">
-              <a:latin typeface="Adobe Clean"/>
-              <a:cs typeface="Adobe Clean"/>
-            </a:endParaRPr>
+              <a:t>Gestion des remontées d’informations</a:t>
+            </a:r>
           </a:p>
         </p:txBody>
       </p:sp>
@@ -10584,7 +8626,7 @@
         </p:nvSpPr>
         <p:spPr>
           <a:xfrm>
-            <a:off x="355868" y="2923693"/>
+            <a:off x="355868" y="2961793"/>
             <a:ext cx="2194560" cy="782265"/>
           </a:xfrm>
           <a:prstGeom prst="rect">
@@ -10606,18 +8648,14 @@
               </a:spcBef>
             </a:pPr>
             <a:r>
-              <a:rPr lang="en-US" sz="1000">
+              <a:rPr lang="fr-FR" sz="1000" dirty="0">
                 <a:solidFill>
                   <a:srgbClr val="4B4B4B"/>
                 </a:solidFill>
                 <a:latin typeface="Adobe Clean Light" panose="020B0303020404020204" pitchFamily="34" charset="0"/>
               </a:rPr>
-              <a:t>A designated point of contact within Adobe who can provide escalation assistance, regular updates and ensure priority is given to your most critical open support requests.</a:t>
-            </a:r>
-            <a:endParaRPr sz="1000">
-              <a:latin typeface="Adobe Clean Light" panose="020B0303020404020204" pitchFamily="34" charset="0"/>
-              <a:cs typeface="AdobeClean-Light"/>
-            </a:endParaRPr>
+              <a:t>Il s’agit d’un point de contact désigné au sein d’Adobe pouvant fournir une assistance en matière de remontées d’informations, des mises à jour régulières et s’assurant que la priorité est mise sur vos demandes d’assistance ouvertes les plus importantes.</a:t>
+            </a:r>
           </a:p>
         </p:txBody>
       </p:sp>
@@ -10636,7 +8674,7 @@
         <p:spPr>
           <a:xfrm>
             <a:off x="3201544" y="2592995"/>
-            <a:ext cx="1036205" cy="197490"/>
+            <a:ext cx="1543003" cy="197490"/>
           </a:xfrm>
           <a:prstGeom prst="rect">
             <a:avLst/>
@@ -10657,149 +8695,15 @@
               </a:spcBef>
             </a:pPr>
             <a:r>
-              <a:rPr sz="1200" b="1" spc="-20">
+              <a:rPr lang="fr-FR" sz="1200" b="1" dirty="0">
                 <a:solidFill>
                   <a:srgbClr val="020302"/>
                 </a:solidFill>
                 <a:latin typeface="Adobe Clean"/>
                 <a:cs typeface="Adobe Clean"/>
               </a:rPr>
-              <a:t>S</a:t>
-            </a:r>
-            <a:r>
-              <a:rPr sz="1200" b="1" spc="-25">
-                <a:solidFill>
-                  <a:srgbClr val="020302"/>
-                </a:solidFill>
-                <a:latin typeface="Adobe Clean"/>
-                <a:cs typeface="Adobe Clean"/>
-              </a:rPr>
-              <a:t>e</a:t>
-            </a:r>
-            <a:r>
-              <a:rPr sz="1200" b="1" spc="-20">
-                <a:solidFill>
-                  <a:srgbClr val="020302"/>
-                </a:solidFill>
-                <a:latin typeface="Adobe Clean"/>
-                <a:cs typeface="Adobe Clean"/>
-              </a:rPr>
-              <a:t>r</a:t>
-            </a:r>
-            <a:r>
-              <a:rPr sz="1200" b="1" spc="-25">
-                <a:solidFill>
-                  <a:srgbClr val="020302"/>
-                </a:solidFill>
-                <a:latin typeface="Adobe Clean"/>
-                <a:cs typeface="Adobe Clean"/>
-              </a:rPr>
-              <a:t>v</a:t>
-            </a:r>
-            <a:r>
-              <a:rPr sz="1200" b="1" spc="-20">
-                <a:solidFill>
-                  <a:srgbClr val="020302"/>
-                </a:solidFill>
-                <a:latin typeface="Adobe Clean"/>
-                <a:cs typeface="Adobe Clean"/>
-              </a:rPr>
-              <a:t>i</a:t>
-            </a:r>
-            <a:r>
-              <a:rPr sz="1200" b="1" spc="-30">
-                <a:solidFill>
-                  <a:srgbClr val="020302"/>
-                </a:solidFill>
-                <a:latin typeface="Adobe Clean"/>
-                <a:cs typeface="Adobe Clean"/>
-              </a:rPr>
-              <a:t>c</a:t>
-            </a:r>
-            <a:r>
-              <a:rPr sz="1200" b="1">
-                <a:solidFill>
-                  <a:srgbClr val="020302"/>
-                </a:solidFill>
-                <a:latin typeface="Adobe Clean"/>
-                <a:cs typeface="Adobe Clean"/>
-              </a:rPr>
-              <a:t>e</a:t>
-            </a:r>
-            <a:r>
-              <a:rPr sz="1200" b="1" spc="-80">
-                <a:solidFill>
-                  <a:srgbClr val="020302"/>
-                </a:solidFill>
-                <a:latin typeface="Adobe Clean"/>
-                <a:cs typeface="Adobe Clean"/>
-              </a:rPr>
-              <a:t> </a:t>
-            </a:r>
-            <a:r>
-              <a:rPr sz="1200" b="1" spc="-20">
-                <a:solidFill>
-                  <a:srgbClr val="020302"/>
-                </a:solidFill>
-                <a:latin typeface="Adobe Clean"/>
-                <a:cs typeface="Adobe Clean"/>
-              </a:rPr>
-              <a:t>R</a:t>
-            </a:r>
-            <a:r>
-              <a:rPr sz="1200" b="1" spc="-25">
-                <a:solidFill>
-                  <a:srgbClr val="020302"/>
-                </a:solidFill>
-                <a:latin typeface="Adobe Clean"/>
-                <a:cs typeface="Adobe Clean"/>
-              </a:rPr>
-              <a:t>e</a:t>
-            </a:r>
-            <a:r>
-              <a:rPr sz="1200" b="1" spc="-30">
-                <a:solidFill>
-                  <a:srgbClr val="020302"/>
-                </a:solidFill>
-                <a:latin typeface="Adobe Clean"/>
-                <a:cs typeface="Adobe Clean"/>
-              </a:rPr>
-              <a:t>v</a:t>
-            </a:r>
-            <a:r>
-              <a:rPr sz="1200" b="1" spc="-20">
-                <a:solidFill>
-                  <a:srgbClr val="020302"/>
-                </a:solidFill>
-                <a:latin typeface="Adobe Clean"/>
-                <a:cs typeface="Adobe Clean"/>
-              </a:rPr>
-              <a:t>i</a:t>
-            </a:r>
-            <a:r>
-              <a:rPr sz="1200" b="1" spc="-25">
-                <a:solidFill>
-                  <a:srgbClr val="020302"/>
-                </a:solidFill>
-                <a:latin typeface="Adobe Clean"/>
-                <a:cs typeface="Adobe Clean"/>
-              </a:rPr>
-              <a:t>ew</a:t>
-            </a:r>
-            <a:r>
-              <a:rPr sz="1200" b="1">
-                <a:solidFill>
-                  <a:srgbClr val="020302"/>
-                </a:solidFill>
-                <a:latin typeface="Adobe Clean"/>
-                <a:cs typeface="Adobe Clean"/>
-              </a:rPr>
-              <a:t>s</a:t>
-            </a:r>
-            <a:endParaRPr sz="1200">
-              <a:latin typeface="Adobe Clean"/>
-              <a:cs typeface="Adobe Clean"/>
-            </a:endParaRPr>
+              <a:t>Examens de service</a:t>
+            </a:r>
           </a:p>
         </p:txBody>
       </p:sp>
@@ -10839,18 +8743,14 @@
               </a:spcBef>
             </a:pPr>
             <a:r>
-              <a:rPr lang="en-US" sz="1000">
+              <a:rPr lang="fr-FR" sz="1000" dirty="0">
                 <a:solidFill>
                   <a:srgbClr val="4B4B4B"/>
                 </a:solidFill>
                 <a:latin typeface="Adobe Clean Light" panose="020B0303020404020204" pitchFamily="34" charset="0"/>
               </a:rPr>
-              <a:t>A bi-annual comprehensive review of  Enterprise program services, benefits and support metrics.</a:t>
-            </a:r>
-            <a:endParaRPr sz="1000">
-              <a:latin typeface="Adobe Clean Light" panose="020B0303020404020204" pitchFamily="34" charset="0"/>
-              <a:cs typeface="AdobeClean-Light"/>
-            </a:endParaRPr>
+              <a:t>Il s’agit d’un examen semestriel complet des services, avantages et mesures d’assistance liés au programme pour les entreprises.</a:t>
+            </a:r>
           </a:p>
         </p:txBody>
       </p:sp>
@@ -10890,18 +8790,14 @@
               </a:spcBef>
             </a:pPr>
             <a:r>
-              <a:rPr lang="en-US" sz="1000">
+              <a:rPr lang="fr-FR" sz="1000">
                 <a:solidFill>
                   <a:srgbClr val="4B4B4B"/>
                 </a:solidFill>
                 <a:latin typeface="Adobe Clean Light" panose="020B0303020404020204" pitchFamily="34" charset="0"/>
               </a:rPr>
-              <a:t>A 60-minute session focusing on a specific product feature and how it can be utilized to solve common business problems.</a:t>
-            </a:r>
-            <a:endParaRPr sz="1000">
-              <a:latin typeface="Adobe Clean Light" panose="020B0303020404020204" pitchFamily="34" charset="0"/>
-              <a:cs typeface="AdobeClean-Light"/>
-            </a:endParaRPr>
+              <a:t>Il s’agit d’une session de 60 minutes consacrée à une fonctionnalité de produit spécifique et à son utilisation pour résoudre des problèmes d’entreprise courants.</a:t>
+            </a:r>
           </a:p>
         </p:txBody>
       </p:sp>
@@ -10919,7 +8815,7 @@
         </p:nvSpPr>
         <p:spPr>
           <a:xfrm>
-            <a:off x="5265661" y="5001737"/>
+            <a:off x="5265661" y="5070317"/>
             <a:ext cx="2194560" cy="536622"/>
           </a:xfrm>
           <a:prstGeom prst="rect">
@@ -10941,20 +8837,14 @@
               </a:spcBef>
             </a:pPr>
             <a:r>
-              <a:rPr lang="en-US" sz="1000">
+              <a:rPr lang="fr-FR" sz="1000" dirty="0">
                 <a:solidFill>
                   <a:srgbClr val="4B4B4B"/>
                 </a:solidFill>
                 <a:latin typeface="Adobe Clean Light" panose="020B0303020404020204" pitchFamily="34" charset="0"/>
               </a:rPr>
-              <a:t>Drive adoption of customization best practices and core components in AEM as a Cloud Service</a:t>
-            </a:r>
-            <a:endParaRPr sz="1000">
-              <a:solidFill>
-                <a:srgbClr val="4B4B4B"/>
-              </a:solidFill>
-              <a:latin typeface="Adobe Clean Light" panose="020B0303020404020204" pitchFamily="34" charset="0"/>
-            </a:endParaRPr>
+              <a:t>Encouragez l’adoption des bonnes pratiques de personnalisation et des composants principaux dans AEM as a Cloud Service</a:t>
+            </a:r>
           </a:p>
         </p:txBody>
       </p:sp>
@@ -10994,20 +8884,31 @@
               </a:spcBef>
             </a:pPr>
             <a:r>
-              <a:rPr lang="en-US" sz="1000">
+              <a:rPr lang="fr-FR" sz="1000" dirty="0">
                 <a:solidFill>
                   <a:srgbClr val="4B4B4B"/>
                 </a:solidFill>
                 <a:latin typeface="Adobe Clean Light" panose="020B0303020404020204" pitchFamily="34" charset="0"/>
               </a:rPr>
-              <a:t>Identify, review and provide recommendations on customized solution adoption areas that have opportunities for optimization</a:t>
-            </a:r>
-            <a:endParaRPr sz="1000">
-              <a:solidFill>
-                <a:srgbClr val="4B4B4B"/>
-              </a:solidFill>
-              <a:latin typeface="Adobe Clean Light" panose="020B0303020404020204" pitchFamily="34" charset="0"/>
-            </a:endParaRPr>
+              <a:t>Identifiez, examinez et fournissez </a:t>
+            </a:r>
+            <a:br>
+              <a:rPr lang="sk-SK" sz="1000" dirty="0">
+                <a:solidFill>
+                  <a:srgbClr val="4B4B4B"/>
+                </a:solidFill>
+                <a:latin typeface="Adobe Clean Light" panose="020B0303020404020204" pitchFamily="34" charset="0"/>
+              </a:rPr>
+            </a:br>
+            <a:r>
+              <a:rPr lang="fr-FR" sz="1000" dirty="0">
+                <a:solidFill>
+                  <a:srgbClr val="4B4B4B"/>
+                </a:solidFill>
+                <a:latin typeface="Adobe Clean Light" panose="020B0303020404020204" pitchFamily="34" charset="0"/>
+              </a:rPr>
+              <a:t>des recommandations sur les domaines d’adoption de solutions personnalisées qui offrent des opportunités d’optimisation</a:t>
+            </a:r>
           </a:p>
         </p:txBody>
       </p:sp>
@@ -11026,7 +8927,7 @@
         <p:spPr>
           <a:xfrm>
             <a:off x="355868" y="4947989"/>
-            <a:ext cx="2194560" cy="717376"/>
+            <a:ext cx="2194560" cy="899670"/>
           </a:xfrm>
           <a:prstGeom prst="rect">
             <a:avLst/>
@@ -11047,20 +8948,48 @@
               </a:spcBef>
             </a:pPr>
             <a:r>
-              <a:rPr lang="en-US" sz="1000">
+              <a:rPr lang="fr-FR" sz="1000" dirty="0">
                 <a:solidFill>
                   <a:srgbClr val="4B4B4B"/>
                 </a:solidFill>
                 <a:latin typeface="Adobe Clean Light" panose="020B0303020404020204" pitchFamily="34" charset="0"/>
               </a:rPr>
-              <a:t>Technical &amp; operational governance to assist AEM as a Cloud Service Customers in adhering to industry standards and best practices for AEM as a Cloud Service</a:t>
-            </a:r>
-            <a:endParaRPr sz="1000">
-              <a:solidFill>
-                <a:srgbClr val="4B4B4B"/>
-              </a:solidFill>
-              <a:latin typeface="Adobe Clean Light" panose="020B0303020404020204" pitchFamily="34" charset="0"/>
-            </a:endParaRPr>
+              <a:t>Gouvernance technique et opérationnelle permettant d’aider les clients d’AEM </a:t>
+            </a:r>
+            <a:br>
+              <a:rPr lang="sk-SK" sz="1000" dirty="0">
+                <a:solidFill>
+                  <a:srgbClr val="4B4B4B"/>
+                </a:solidFill>
+                <a:latin typeface="Adobe Clean Light" panose="020B0303020404020204" pitchFamily="34" charset="0"/>
+              </a:rPr>
+            </a:br>
+            <a:r>
+              <a:rPr lang="fr-FR" sz="1000" dirty="0">
+                <a:solidFill>
+                  <a:srgbClr val="4B4B4B"/>
+                </a:solidFill>
+                <a:latin typeface="Adobe Clean Light" panose="020B0303020404020204" pitchFamily="34" charset="0"/>
+              </a:rPr>
+              <a:t>as a Cloud Service à respecter les normes du secteur et les bonnes pratiques d’AEM </a:t>
+            </a:r>
+            <a:br>
+              <a:rPr lang="sk-SK" sz="1000" dirty="0">
+                <a:solidFill>
+                  <a:srgbClr val="4B4B4B"/>
+                </a:solidFill>
+                <a:latin typeface="Adobe Clean Light" panose="020B0303020404020204" pitchFamily="34" charset="0"/>
+              </a:rPr>
+            </a:br>
+            <a:r>
+              <a:rPr lang="fr-FR" sz="1000" dirty="0">
+                <a:solidFill>
+                  <a:srgbClr val="4B4B4B"/>
+                </a:solidFill>
+                <a:latin typeface="Adobe Clean Light" panose="020B0303020404020204" pitchFamily="34" charset="0"/>
+              </a:rPr>
+              <a:t>as a Cloud Service</a:t>
+            </a:r>
           </a:p>
         </p:txBody>
       </p:sp>
@@ -11079,7 +9008,7 @@
         <p:spPr>
           <a:xfrm>
             <a:off x="2835999" y="1401973"/>
-            <a:ext cx="2194560" cy="959237"/>
+            <a:ext cx="2194560" cy="1113125"/>
           </a:xfrm>
           <a:prstGeom prst="rect">
             <a:avLst/>
@@ -11097,20 +9026,31 @@
               </a:spcBef>
             </a:pPr>
             <a:r>
-              <a:rPr lang="en-US" sz="1000">
+              <a:rPr lang="fr-FR" sz="1000" dirty="0">
                 <a:solidFill>
                   <a:srgbClr val="4B4B4B"/>
                 </a:solidFill>
                 <a:latin typeface="Adobe Clean Light" panose="020B0303020404020204" pitchFamily="34" charset="0"/>
               </a:rPr>
-              <a:t>A designated support engineer who becomes familiar with your solution environment and business goals. The NSE is an experienced support engineer that helps coordinate your Enterprise Support experience..</a:t>
-            </a:r>
-            <a:endParaRPr lang="en-US" sz="1000">
-              <a:solidFill>
-                <a:srgbClr val="000000"/>
-              </a:solidFill>
-              <a:latin typeface="Adobe Clean Light" panose="020B0303020404020204" pitchFamily="34" charset="0"/>
-            </a:endParaRPr>
+              <a:t>L’ingénieur d’assistance désigné se familiarisera avec votre environnement </a:t>
+            </a:r>
+            <a:br>
+              <a:rPr lang="sk-SK" sz="1000" dirty="0">
+                <a:solidFill>
+                  <a:srgbClr val="4B4B4B"/>
+                </a:solidFill>
+                <a:latin typeface="Adobe Clean Light" panose="020B0303020404020204" pitchFamily="34" charset="0"/>
+              </a:rPr>
+            </a:br>
+            <a:r>
+              <a:rPr lang="fr-FR" sz="1000" dirty="0">
+                <a:solidFill>
+                  <a:srgbClr val="4B4B4B"/>
+                </a:solidFill>
+                <a:latin typeface="Adobe Clean Light" panose="020B0303020404020204" pitchFamily="34" charset="0"/>
+              </a:rPr>
+              <a:t>de solution et vos objectifs commerciaux. L’ingénieur d’assistance nommé est un ingénieur d’assistance expérimenté qui vous aide à coordonner votre expérience d’assistance aux entreprises.</a:t>
+            </a:r>
           </a:p>
         </p:txBody>
       </p:sp>
@@ -11131,7 +9071,7 @@
         <p:spPr>
           <a:xfrm>
             <a:off x="3201544" y="1127425"/>
-            <a:ext cx="1726164" cy="184666"/>
+            <a:ext cx="1980056" cy="184666"/>
           </a:xfrm>
           <a:prstGeom prst="rect">
             <a:avLst/>
@@ -11152,13 +9092,13 @@
               </a:spcAft>
             </a:pPr>
             <a:r>
-              <a:rPr lang="en-US" sz="1200" b="1" spc="-10">
+              <a:rPr lang="fr-FR" sz="1200" b="1">
                 <a:solidFill>
                   <a:srgbClr val="020302"/>
                 </a:solidFill>
                 <a:latin typeface="+mj-lt"/>
               </a:rPr>
-              <a:t>Named Support Engineer</a:t>
+              <a:t>Ingénieur d’assistance nommé</a:t>
             </a:r>
           </a:p>
         </p:txBody>
@@ -11217,7 +9157,7 @@
         <p:spPr>
           <a:xfrm>
             <a:off x="5723508" y="1099976"/>
-            <a:ext cx="1036205" cy="197490"/>
+            <a:ext cx="1573278" cy="197490"/>
           </a:xfrm>
           <a:prstGeom prst="rect">
             <a:avLst/>
@@ -11238,19 +9178,15 @@
               </a:spcBef>
             </a:pPr>
             <a:r>
-              <a:rPr lang="en-US" sz="1200" b="1" spc="-20">
+              <a:rPr lang="fr-FR" sz="1200" b="1" dirty="0">
                 <a:solidFill>
                   <a:srgbClr val="020302"/>
                 </a:solidFill>
                 <a:latin typeface="Adobe Clean"/>
                 <a:cs typeface="Adobe Clean"/>
               </a:rPr>
-              <a:t>Expert Sessions</a:t>
-            </a:r>
-            <a:endParaRPr sz="1200">
-              <a:latin typeface="Adobe Clean"/>
-              <a:cs typeface="Adobe Clean"/>
-            </a:endParaRPr>
+              <a:t>Sessions d’experts</a:t>
+            </a:r>
           </a:p>
         </p:txBody>
       </p:sp>
@@ -11269,7 +9205,7 @@
         <p:spPr>
           <a:xfrm>
             <a:off x="5181600" y="4466703"/>
-            <a:ext cx="1972258" cy="461665"/>
+            <a:ext cx="2194560" cy="646331"/>
           </a:xfrm>
           <a:prstGeom prst="rect">
             <a:avLst/>
@@ -11290,489 +9226,15 @@
               </a:spcBef>
             </a:pPr>
             <a:r>
-              <a:rPr lang="en-US" sz="1200" b="1" spc="-15">
+              <a:rPr lang="fr-FR" sz="1200" b="1" dirty="0">
                 <a:solidFill>
                   <a:srgbClr val="020302"/>
                 </a:solidFill>
                 <a:latin typeface="Adobe Clean"/>
                 <a:cs typeface="Adobe Clean"/>
               </a:rPr>
-              <a:t>C</a:t>
-            </a:r>
-            <a:r>
-              <a:rPr lang="en-US" sz="1200" b="1" spc="-20">
-                <a:solidFill>
-                  <a:srgbClr val="020302"/>
-                </a:solidFill>
-                <a:latin typeface="Adobe Clean"/>
-                <a:cs typeface="Adobe Clean"/>
-              </a:rPr>
-              <a:t>u</a:t>
-            </a:r>
-            <a:r>
-              <a:rPr lang="en-US" sz="1200" b="1" spc="-25">
-                <a:solidFill>
-                  <a:srgbClr val="020302"/>
-                </a:solidFill>
-                <a:latin typeface="Adobe Clean"/>
-                <a:cs typeface="Adobe Clean"/>
-              </a:rPr>
-              <a:t>st</a:t>
-            </a:r>
-            <a:r>
-              <a:rPr lang="en-US" sz="1200" b="1" spc="-15">
-                <a:solidFill>
-                  <a:srgbClr val="020302"/>
-                </a:solidFill>
-                <a:latin typeface="Adobe Clean"/>
-                <a:cs typeface="Adobe Clean"/>
-              </a:rPr>
-              <a:t>o</a:t>
-            </a:r>
-            <a:r>
-              <a:rPr lang="en-US" sz="1200" b="1" spc="-20">
-                <a:solidFill>
-                  <a:srgbClr val="020302"/>
-                </a:solidFill>
-                <a:latin typeface="Adobe Clean"/>
-                <a:cs typeface="Adobe Clean"/>
-              </a:rPr>
-              <a:t>miza</a:t>
-            </a:r>
-            <a:r>
-              <a:rPr lang="en-US" sz="1200" b="1" spc="-25">
-                <a:solidFill>
-                  <a:srgbClr val="020302"/>
-                </a:solidFill>
-                <a:latin typeface="Adobe Clean"/>
-                <a:cs typeface="Adobe Clean"/>
-              </a:rPr>
-              <a:t>t</a:t>
-            </a:r>
-            <a:r>
-              <a:rPr lang="en-US" sz="1200" b="1" spc="-20">
-                <a:solidFill>
-                  <a:srgbClr val="020302"/>
-                </a:solidFill>
-                <a:latin typeface="Adobe Clean"/>
-                <a:cs typeface="Adobe Clean"/>
-              </a:rPr>
-              <a:t>i</a:t>
-            </a:r>
-            <a:r>
-              <a:rPr lang="en-US" sz="1200" b="1" spc="-15">
-                <a:solidFill>
-                  <a:srgbClr val="020302"/>
-                </a:solidFill>
-                <a:latin typeface="Adobe Clean"/>
-                <a:cs typeface="Adobe Clean"/>
-              </a:rPr>
-              <a:t>o</a:t>
-            </a:r>
-            <a:r>
-              <a:rPr lang="en-US" sz="1200" b="1">
-                <a:solidFill>
-                  <a:srgbClr val="020302"/>
-                </a:solidFill>
-                <a:latin typeface="Adobe Clean"/>
-                <a:cs typeface="Adobe Clean"/>
-              </a:rPr>
-              <a:t>n</a:t>
-            </a:r>
-            <a:r>
-              <a:rPr lang="en-US" sz="1200" b="1" spc="-50">
-                <a:solidFill>
-                  <a:srgbClr val="020302"/>
-                </a:solidFill>
-                <a:latin typeface="Adobe Clean"/>
-                <a:cs typeface="Adobe Clean"/>
-              </a:rPr>
-              <a:t> </a:t>
-            </a:r>
-            <a:r>
-              <a:rPr lang="en-US" sz="1200" b="1" spc="-20">
-                <a:solidFill>
-                  <a:srgbClr val="020302"/>
-                </a:solidFill>
-                <a:latin typeface="Adobe Clean"/>
-                <a:cs typeface="Adobe Clean"/>
-              </a:rPr>
-              <a:t>B</a:t>
-            </a:r>
-            <a:r>
-              <a:rPr lang="en-US" sz="1200" b="1" spc="-25">
-                <a:solidFill>
-                  <a:srgbClr val="020302"/>
-                </a:solidFill>
-                <a:latin typeface="Adobe Clean"/>
-                <a:cs typeface="Adobe Clean"/>
-              </a:rPr>
-              <a:t>es</a:t>
-            </a:r>
-            <a:r>
-              <a:rPr lang="en-US" sz="1200" b="1">
-                <a:solidFill>
-                  <a:srgbClr val="020302"/>
-                </a:solidFill>
-                <a:latin typeface="Adobe Clean"/>
-                <a:cs typeface="Adobe Clean"/>
-              </a:rPr>
-              <a:t>t</a:t>
-            </a:r>
-            <a:r>
-              <a:rPr lang="en-US" sz="1200" b="1" spc="-50">
-                <a:solidFill>
-                  <a:srgbClr val="020302"/>
-                </a:solidFill>
-                <a:latin typeface="Adobe Clean"/>
-                <a:cs typeface="Adobe Clean"/>
-              </a:rPr>
-              <a:t> </a:t>
-            </a:r>
-            <a:r>
-              <a:rPr lang="en-US" sz="1200" b="1" spc="-25">
-                <a:solidFill>
-                  <a:srgbClr val="020302"/>
-                </a:solidFill>
-                <a:latin typeface="Adobe Clean"/>
-                <a:cs typeface="Adobe Clean"/>
-              </a:rPr>
-              <a:t>P</a:t>
-            </a:r>
-            <a:r>
-              <a:rPr lang="en-US" sz="1200" b="1" spc="-20">
-                <a:solidFill>
-                  <a:srgbClr val="020302"/>
-                </a:solidFill>
-                <a:latin typeface="Adobe Clean"/>
-                <a:cs typeface="Adobe Clean"/>
-              </a:rPr>
-              <a:t>ra</a:t>
-            </a:r>
-            <a:r>
-              <a:rPr lang="en-US" sz="1200" b="1" spc="-30">
-                <a:solidFill>
-                  <a:srgbClr val="020302"/>
-                </a:solidFill>
-                <a:latin typeface="Adobe Clean"/>
-                <a:cs typeface="Adobe Clean"/>
-              </a:rPr>
-              <a:t>c</a:t>
-            </a:r>
-            <a:r>
-              <a:rPr lang="en-US" sz="1200" b="1" spc="-25">
-                <a:solidFill>
-                  <a:srgbClr val="020302"/>
-                </a:solidFill>
-                <a:latin typeface="Adobe Clean"/>
-                <a:cs typeface="Adobe Clean"/>
-              </a:rPr>
-              <a:t>t</a:t>
-            </a:r>
-            <a:r>
-              <a:rPr lang="en-US" sz="1200" b="1" spc="-20">
-                <a:solidFill>
-                  <a:srgbClr val="020302"/>
-                </a:solidFill>
-                <a:latin typeface="Adobe Clean"/>
-                <a:cs typeface="Adobe Clean"/>
-              </a:rPr>
-              <a:t>i</a:t>
-            </a:r>
-            <a:r>
-              <a:rPr lang="en-US" sz="1200" b="1" spc="-30">
-                <a:solidFill>
-                  <a:srgbClr val="020302"/>
-                </a:solidFill>
-                <a:latin typeface="Adobe Clean"/>
-                <a:cs typeface="Adobe Clean"/>
-              </a:rPr>
-              <a:t>c</a:t>
-            </a:r>
-            <a:r>
-              <a:rPr lang="en-US" sz="1200" b="1" spc="-25">
-                <a:solidFill>
-                  <a:srgbClr val="020302"/>
-                </a:solidFill>
-                <a:latin typeface="Adobe Clean"/>
-                <a:cs typeface="Adobe Clean"/>
-              </a:rPr>
-              <a:t>e</a:t>
-            </a:r>
-            <a:r>
-              <a:rPr lang="en-US" sz="1200" b="1">
-                <a:solidFill>
-                  <a:srgbClr val="020302"/>
-                </a:solidFill>
-                <a:latin typeface="Adobe Clean"/>
-                <a:cs typeface="Adobe Clean"/>
-              </a:rPr>
-              <a:t>s</a:t>
-            </a:r>
-            <a:r>
-              <a:rPr lang="en-US" sz="1200" b="1" spc="-45">
-                <a:solidFill>
-                  <a:srgbClr val="020302"/>
-                </a:solidFill>
-                <a:latin typeface="Adobe Clean"/>
-                <a:cs typeface="Adobe Clean"/>
-              </a:rPr>
-              <a:t> </a:t>
-            </a:r>
-            <a:r>
-              <a:rPr lang="en-US" sz="1200" b="1" spc="-25">
-                <a:solidFill>
-                  <a:srgbClr val="020302"/>
-                </a:solidFill>
-                <a:latin typeface="Adobe Clean"/>
-                <a:cs typeface="Adobe Clean"/>
-              </a:rPr>
-              <a:t>f</a:t>
-            </a:r>
-            <a:r>
-              <a:rPr lang="en-US" sz="1200" b="1" spc="-15">
-                <a:solidFill>
-                  <a:srgbClr val="020302"/>
-                </a:solidFill>
-                <a:latin typeface="Adobe Clean"/>
-                <a:cs typeface="Adobe Clean"/>
-              </a:rPr>
-              <a:t>o</a:t>
-            </a:r>
-            <a:r>
-              <a:rPr lang="en-US" sz="1200" b="1">
-                <a:solidFill>
-                  <a:srgbClr val="020302"/>
-                </a:solidFill>
-                <a:latin typeface="Adobe Clean"/>
-                <a:cs typeface="Adobe Clean"/>
-              </a:rPr>
-              <a:t>r</a:t>
-            </a:r>
-            <a:r>
-              <a:rPr lang="en-US" sz="1200" b="1" spc="-45">
-                <a:solidFill>
-                  <a:srgbClr val="020302"/>
-                </a:solidFill>
-                <a:latin typeface="Adobe Clean"/>
-                <a:cs typeface="Adobe Clean"/>
-              </a:rPr>
-              <a:t> </a:t>
-            </a:r>
-            <a:r>
-              <a:rPr lang="en-US" sz="1200" b="1" spc="-30">
-                <a:solidFill>
-                  <a:srgbClr val="020302"/>
-                </a:solidFill>
-                <a:latin typeface="Adobe Clean"/>
-                <a:cs typeface="Adobe Clean"/>
-              </a:rPr>
-              <a:t>AE</a:t>
-            </a:r>
-            <a:r>
-              <a:rPr lang="en-US" sz="1200" b="1">
-                <a:solidFill>
-                  <a:srgbClr val="020302"/>
-                </a:solidFill>
-                <a:latin typeface="Adobe Clean"/>
-                <a:cs typeface="Adobe Clean"/>
-              </a:rPr>
-              <a:t>M</a:t>
-            </a:r>
-            <a:r>
-              <a:rPr lang="en-US" sz="1200" b="1" spc="-55">
-                <a:solidFill>
-                  <a:srgbClr val="020302"/>
-                </a:solidFill>
-                <a:latin typeface="Adobe Clean"/>
-                <a:cs typeface="Adobe Clean"/>
-              </a:rPr>
-              <a:t> </a:t>
-            </a:r>
-            <a:r>
-              <a:rPr lang="en-US" sz="1200" b="1" spc="-20">
-                <a:solidFill>
-                  <a:srgbClr val="020302"/>
-                </a:solidFill>
-                <a:latin typeface="Adobe Clean"/>
-                <a:cs typeface="Adobe Clean"/>
-              </a:rPr>
-              <a:t>a</a:t>
-            </a:r>
-            <a:r>
-              <a:rPr lang="en-US" sz="1200" b="1">
-                <a:solidFill>
-                  <a:srgbClr val="020302"/>
-                </a:solidFill>
-                <a:latin typeface="Adobe Clean"/>
-                <a:cs typeface="Adobe Clean"/>
-              </a:rPr>
-              <a:t>s</a:t>
-            </a:r>
-            <a:r>
-              <a:rPr lang="en-US" sz="1200" b="1" spc="-45">
-                <a:solidFill>
-                  <a:srgbClr val="020302"/>
-                </a:solidFill>
-                <a:latin typeface="Adobe Clean"/>
-                <a:cs typeface="Adobe Clean"/>
-              </a:rPr>
-              <a:t> </a:t>
-            </a:r>
-            <a:r>
-              <a:rPr lang="en-US" sz="1200" b="1">
-                <a:solidFill>
-                  <a:srgbClr val="020302"/>
-                </a:solidFill>
-                <a:latin typeface="Adobe Clean"/>
-                <a:cs typeface="Adobe Clean"/>
-              </a:rPr>
-              <a:t>a</a:t>
-            </a:r>
-            <a:r>
-              <a:rPr lang="en-US" sz="1200" b="1" spc="-45">
-                <a:solidFill>
-                  <a:srgbClr val="020302"/>
-                </a:solidFill>
-                <a:latin typeface="Adobe Clean"/>
-                <a:cs typeface="Adobe Clean"/>
-              </a:rPr>
-              <a:t> </a:t>
-            </a:r>
-            <a:r>
-              <a:rPr lang="en-US" sz="1200" b="1" spc="-15">
-                <a:solidFill>
-                  <a:srgbClr val="020302"/>
-                </a:solidFill>
-                <a:latin typeface="Adobe Clean"/>
-                <a:cs typeface="Adobe Clean"/>
-              </a:rPr>
-              <a:t>C</a:t>
-            </a:r>
-            <a:r>
-              <a:rPr lang="en-US" sz="1200" b="1" spc="-25">
-                <a:solidFill>
-                  <a:srgbClr val="020302"/>
-                </a:solidFill>
-                <a:latin typeface="Adobe Clean"/>
-                <a:cs typeface="Adobe Clean"/>
-              </a:rPr>
-              <a:t>l</a:t>
-            </a:r>
-            <a:r>
-              <a:rPr lang="en-US" sz="1200" b="1" spc="-15">
-                <a:solidFill>
-                  <a:srgbClr val="020302"/>
-                </a:solidFill>
-                <a:latin typeface="Adobe Clean"/>
-                <a:cs typeface="Adobe Clean"/>
-              </a:rPr>
-              <a:t>o</a:t>
-            </a:r>
-            <a:r>
-              <a:rPr lang="en-US" sz="1200" b="1" spc="-20">
-                <a:solidFill>
-                  <a:srgbClr val="020302"/>
-                </a:solidFill>
-                <a:latin typeface="Adobe Clean"/>
-                <a:cs typeface="Adobe Clean"/>
-              </a:rPr>
-              <a:t>u</a:t>
-            </a:r>
-            <a:r>
-              <a:rPr lang="en-US" sz="1200" b="1">
-                <a:solidFill>
-                  <a:srgbClr val="020302"/>
-                </a:solidFill>
-                <a:latin typeface="Adobe Clean"/>
-                <a:cs typeface="Adobe Clean"/>
-              </a:rPr>
-              <a:t>d</a:t>
-            </a:r>
-            <a:r>
-              <a:rPr lang="en-US" sz="1200" b="1" spc="-50">
-                <a:solidFill>
-                  <a:srgbClr val="020302"/>
-                </a:solidFill>
-                <a:latin typeface="Adobe Clean"/>
-                <a:cs typeface="Adobe Clean"/>
-              </a:rPr>
-              <a:t> </a:t>
-            </a:r>
-            <a:r>
-              <a:rPr lang="en-US" sz="1200" b="1" spc="-20">
-                <a:solidFill>
-                  <a:srgbClr val="020302"/>
-                </a:solidFill>
-                <a:latin typeface="Adobe Clean"/>
-                <a:cs typeface="Adobe Clean"/>
-              </a:rPr>
-              <a:t>S</a:t>
-            </a:r>
-            <a:r>
-              <a:rPr lang="en-US" sz="1200" b="1" spc="-25">
-                <a:solidFill>
-                  <a:srgbClr val="020302"/>
-                </a:solidFill>
-                <a:latin typeface="Adobe Clean"/>
-                <a:cs typeface="Adobe Clean"/>
-              </a:rPr>
-              <a:t>e</a:t>
-            </a:r>
-            <a:r>
-              <a:rPr lang="en-US" sz="1200" b="1" spc="-20">
-                <a:solidFill>
-                  <a:srgbClr val="020302"/>
-                </a:solidFill>
-                <a:latin typeface="Adobe Clean"/>
-                <a:cs typeface="Adobe Clean"/>
-              </a:rPr>
-              <a:t>r</a:t>
-            </a:r>
-            <a:r>
-              <a:rPr lang="en-US" sz="1200" b="1" spc="-30">
-                <a:solidFill>
-                  <a:srgbClr val="020302"/>
-                </a:solidFill>
-                <a:latin typeface="Adobe Clean"/>
-                <a:cs typeface="Adobe Clean"/>
-              </a:rPr>
-              <a:t>v</a:t>
-            </a:r>
-            <a:r>
-              <a:rPr lang="en-US" sz="1200" b="1" spc="-20">
-                <a:solidFill>
-                  <a:srgbClr val="020302"/>
-                </a:solidFill>
-                <a:latin typeface="Adobe Clean"/>
-                <a:cs typeface="Adobe Clean"/>
-              </a:rPr>
-              <a:t>i</a:t>
-            </a:r>
-            <a:r>
-              <a:rPr lang="en-US" sz="1200" b="1" spc="-30">
-                <a:solidFill>
-                  <a:srgbClr val="020302"/>
-                </a:solidFill>
-                <a:latin typeface="Adobe Clean"/>
-                <a:cs typeface="Adobe Clean"/>
-              </a:rPr>
-              <a:t>c</a:t>
-            </a:r>
-            <a:r>
-              <a:rPr lang="en-US" sz="1200" b="1">
-                <a:solidFill>
-                  <a:srgbClr val="020302"/>
-                </a:solidFill>
-                <a:latin typeface="Adobe Clean"/>
-                <a:cs typeface="Adobe Clean"/>
-              </a:rPr>
-              <a:t>e</a:t>
-            </a:r>
-            <a:endParaRPr lang="en-US" sz="1200">
-              <a:latin typeface="Adobe Clean"/>
-              <a:cs typeface="Adobe Clean"/>
-            </a:endParaRPr>
+              <a:t>Bonnes pratiques de personnalisation d’AEM as a Cloud Service</a:t>
+            </a:r>
           </a:p>
         </p:txBody>
       </p:sp>
@@ -11791,7 +9253,7 @@
         <p:spPr>
           <a:xfrm>
             <a:off x="2752588" y="4438393"/>
-            <a:ext cx="1708650" cy="461665"/>
+            <a:ext cx="1895612" cy="461665"/>
           </a:xfrm>
           <a:prstGeom prst="rect">
             <a:avLst/>
@@ -11812,19 +9274,15 @@
               </a:spcBef>
             </a:pPr>
             <a:r>
-              <a:rPr lang="en-US" sz="1200" b="1" spc="-25">
+              <a:rPr lang="fr-FR" sz="1200" b="1" dirty="0">
                 <a:solidFill>
                   <a:srgbClr val="020302"/>
                 </a:solidFill>
                 <a:latin typeface="Adobe Clean"/>
                 <a:cs typeface="Adobe Clean"/>
               </a:rPr>
-              <a:t>Value-added Services for AEM as a Cloud Service</a:t>
-            </a:r>
-            <a:endParaRPr lang="en-US" sz="1200">
-              <a:latin typeface="Adobe Clean"/>
-              <a:cs typeface="Adobe Clean"/>
-            </a:endParaRPr>
+              <a:t>Services de valeur ajoutée d’AEM as a Cloud Service</a:t>
+            </a:r>
           </a:p>
         </p:txBody>
       </p:sp>
@@ -11864,359 +9322,34 @@
               </a:spcBef>
             </a:pPr>
             <a:r>
-              <a:rPr lang="en-US" sz="1200" b="1" spc="-20">
+              <a:rPr lang="fr-FR" sz="1200" b="1" dirty="0">
                 <a:solidFill>
                   <a:srgbClr val="020302"/>
                 </a:solidFill>
                 <a:latin typeface="Adobe Clean"/>
                 <a:cs typeface="Adobe Clean"/>
               </a:rPr>
-              <a:t>G</a:t>
-            </a:r>
-            <a:r>
-              <a:rPr lang="en-US" sz="1200" b="1" spc="-15">
+              <a:t>Gouvernance d’AEM </a:t>
+            </a:r>
+            <a:br>
+              <a:rPr lang="sk-SK" sz="1200" b="1" dirty="0">
                 <a:solidFill>
                   <a:srgbClr val="020302"/>
                 </a:solidFill>
                 <a:latin typeface="Adobe Clean"/>
                 <a:cs typeface="Adobe Clean"/>
               </a:rPr>
-              <a:t>o</a:t>
-            </a:r>
-            <a:r>
-              <a:rPr lang="en-US" sz="1200" b="1" spc="-25">
+            </a:br>
+            <a:r>
+              <a:rPr lang="fr-FR" sz="1200" b="1" dirty="0">
                 <a:solidFill>
                   <a:srgbClr val="020302"/>
                 </a:solidFill>
                 <a:latin typeface="Adobe Clean"/>
                 <a:cs typeface="Adobe Clean"/>
               </a:rPr>
-              <a:t>ve</a:t>
-            </a:r>
-            <a:r>
-              <a:rPr lang="en-US" sz="1200" b="1" spc="-20">
-                <a:solidFill>
-                  <a:srgbClr val="020302"/>
-                </a:solidFill>
-                <a:latin typeface="Adobe Clean"/>
-                <a:cs typeface="Adobe Clean"/>
-              </a:rPr>
-              <a:t>r</a:t>
-            </a:r>
-            <a:r>
-              <a:rPr lang="en-US" sz="1200" b="1" spc="-25">
-                <a:solidFill>
-                  <a:srgbClr val="020302"/>
-                </a:solidFill>
-                <a:latin typeface="Adobe Clean"/>
-                <a:cs typeface="Adobe Clean"/>
-              </a:rPr>
-              <a:t>n</a:t>
-            </a:r>
-            <a:r>
-              <a:rPr lang="en-US" sz="1200" b="1" spc="-20">
-                <a:solidFill>
-                  <a:srgbClr val="020302"/>
-                </a:solidFill>
-                <a:latin typeface="Adobe Clean"/>
-                <a:cs typeface="Adobe Clean"/>
-              </a:rPr>
-              <a:t>a</a:t>
-            </a:r>
-            <a:r>
-              <a:rPr lang="en-US" sz="1200" b="1" spc="-25">
-                <a:solidFill>
-                  <a:srgbClr val="020302"/>
-                </a:solidFill>
-                <a:latin typeface="Adobe Clean"/>
-                <a:cs typeface="Adobe Clean"/>
-              </a:rPr>
-              <a:t>n</a:t>
-            </a:r>
-            <a:r>
-              <a:rPr lang="en-US" sz="1200" b="1" spc="-30">
-                <a:solidFill>
-                  <a:srgbClr val="020302"/>
-                </a:solidFill>
-                <a:latin typeface="Adobe Clean"/>
-                <a:cs typeface="Adobe Clean"/>
-              </a:rPr>
-              <a:t>c</a:t>
-            </a:r>
-            <a:r>
-              <a:rPr lang="en-US" sz="1200" b="1">
-                <a:solidFill>
-                  <a:srgbClr val="020302"/>
-                </a:solidFill>
-                <a:latin typeface="Adobe Clean"/>
-                <a:cs typeface="Adobe Clean"/>
-              </a:rPr>
-              <a:t>e</a:t>
-            </a:r>
-            <a:r>
-              <a:rPr lang="en-US" sz="1200" b="1" spc="-50">
-                <a:solidFill>
-                  <a:srgbClr val="020302"/>
-                </a:solidFill>
-                <a:latin typeface="Adobe Clean"/>
-                <a:cs typeface="Adobe Clean"/>
-              </a:rPr>
-              <a:t> </a:t>
-            </a:r>
-            <a:r>
-              <a:rPr lang="en-US" sz="1200" b="1" spc="-25">
-                <a:solidFill>
-                  <a:srgbClr val="020302"/>
-                </a:solidFill>
-                <a:latin typeface="Adobe Clean"/>
-                <a:cs typeface="Adobe Clean"/>
-              </a:rPr>
-              <a:t>f</a:t>
-            </a:r>
-            <a:r>
-              <a:rPr lang="en-US" sz="1200" b="1" spc="-15">
-                <a:solidFill>
-                  <a:srgbClr val="020302"/>
-                </a:solidFill>
-                <a:latin typeface="Adobe Clean"/>
-                <a:cs typeface="Adobe Clean"/>
-              </a:rPr>
-              <a:t>o</a:t>
-            </a:r>
-            <a:r>
-              <a:rPr lang="en-US" sz="1200" b="1">
-                <a:solidFill>
-                  <a:srgbClr val="020302"/>
-                </a:solidFill>
-                <a:latin typeface="Adobe Clean"/>
-                <a:cs typeface="Adobe Clean"/>
-              </a:rPr>
-              <a:t>r</a:t>
-            </a:r>
-            <a:r>
-              <a:rPr lang="en-US" sz="1200" b="1" spc="-45">
-                <a:solidFill>
-                  <a:srgbClr val="020302"/>
-                </a:solidFill>
-                <a:latin typeface="Adobe Clean"/>
-                <a:cs typeface="Adobe Clean"/>
-              </a:rPr>
-              <a:t> </a:t>
-            </a:r>
-            <a:r>
-              <a:rPr lang="en-US" sz="1200" b="1" spc="-30">
-                <a:solidFill>
-                  <a:srgbClr val="020302"/>
-                </a:solidFill>
-                <a:latin typeface="Adobe Clean"/>
-                <a:cs typeface="Adobe Clean"/>
-              </a:rPr>
-              <a:t>A</a:t>
-            </a:r>
-            <a:r>
-              <a:rPr lang="en-US" sz="1200" b="1" spc="-25">
-                <a:solidFill>
-                  <a:srgbClr val="020302"/>
-                </a:solidFill>
-                <a:latin typeface="Adobe Clean"/>
-                <a:cs typeface="Adobe Clean"/>
-              </a:rPr>
-              <a:t>E</a:t>
-            </a:r>
-            <a:r>
-              <a:rPr lang="en-US" sz="1200" b="1">
-                <a:solidFill>
-                  <a:srgbClr val="020302"/>
-                </a:solidFill>
-                <a:latin typeface="Adobe Clean"/>
-                <a:cs typeface="Adobe Clean"/>
-              </a:rPr>
-              <a:t>M</a:t>
-            </a:r>
-            <a:r>
-              <a:rPr lang="en-US" sz="1200" b="1" spc="-50">
-                <a:solidFill>
-                  <a:srgbClr val="020302"/>
-                </a:solidFill>
-                <a:latin typeface="Adobe Clean"/>
-                <a:cs typeface="Adobe Clean"/>
-              </a:rPr>
-              <a:t> </a:t>
-            </a:r>
-            <a:r>
-              <a:rPr lang="en-US" sz="1200" b="1" spc="-20">
-                <a:solidFill>
-                  <a:srgbClr val="020302"/>
-                </a:solidFill>
-                <a:latin typeface="Adobe Clean"/>
-                <a:cs typeface="Adobe Clean"/>
-              </a:rPr>
-              <a:t>a</a:t>
-            </a:r>
-            <a:r>
-              <a:rPr lang="en-US" sz="1200" b="1">
-                <a:solidFill>
-                  <a:srgbClr val="020302"/>
-                </a:solidFill>
-                <a:latin typeface="Adobe Clean"/>
-                <a:cs typeface="Adobe Clean"/>
-              </a:rPr>
-              <a:t>s</a:t>
-            </a:r>
-            <a:r>
-              <a:rPr lang="en-US" sz="1200" b="1" spc="-45">
-                <a:solidFill>
-                  <a:srgbClr val="020302"/>
-                </a:solidFill>
-                <a:latin typeface="Adobe Clean"/>
-                <a:cs typeface="Adobe Clean"/>
-              </a:rPr>
-              <a:t> </a:t>
-            </a:r>
-            <a:r>
-              <a:rPr lang="en-US" sz="1200" b="1">
-                <a:solidFill>
-                  <a:srgbClr val="020302"/>
-                </a:solidFill>
-                <a:latin typeface="Adobe Clean"/>
-                <a:cs typeface="Adobe Clean"/>
-              </a:rPr>
-              <a:t>a</a:t>
-            </a:r>
-            <a:r>
-              <a:rPr lang="en-US" sz="1200" b="1" spc="-40">
-                <a:solidFill>
-                  <a:srgbClr val="020302"/>
-                </a:solidFill>
-                <a:latin typeface="Adobe Clean"/>
-                <a:cs typeface="Adobe Clean"/>
-              </a:rPr>
-              <a:t> </a:t>
-            </a:r>
-            <a:r>
-              <a:rPr lang="en-US" sz="1200" b="1" spc="-15">
-                <a:solidFill>
-                  <a:srgbClr val="020302"/>
-                </a:solidFill>
-                <a:latin typeface="Adobe Clean"/>
-                <a:cs typeface="Adobe Clean"/>
-              </a:rPr>
-              <a:t>C</a:t>
-            </a:r>
-            <a:r>
-              <a:rPr lang="en-US" sz="1200" b="1" spc="-25">
-                <a:solidFill>
-                  <a:srgbClr val="020302"/>
-                </a:solidFill>
-                <a:latin typeface="Adobe Clean"/>
-                <a:cs typeface="Adobe Clean"/>
-              </a:rPr>
-              <a:t>l</a:t>
-            </a:r>
-            <a:r>
-              <a:rPr lang="en-US" sz="1200" b="1" spc="-15">
-                <a:solidFill>
-                  <a:srgbClr val="020302"/>
-                </a:solidFill>
-                <a:latin typeface="Adobe Clean"/>
-                <a:cs typeface="Adobe Clean"/>
-              </a:rPr>
-              <a:t>ou</a:t>
-            </a:r>
-            <a:r>
-              <a:rPr lang="en-US" sz="1200" b="1">
-                <a:solidFill>
-                  <a:srgbClr val="020302"/>
-                </a:solidFill>
-                <a:latin typeface="Adobe Clean"/>
-                <a:cs typeface="Adobe Clean"/>
-              </a:rPr>
-              <a:t>d</a:t>
-            </a:r>
-            <a:r>
-              <a:rPr lang="en-US" sz="1200" b="1" spc="-50">
-                <a:solidFill>
-                  <a:srgbClr val="020302"/>
-                </a:solidFill>
-                <a:latin typeface="Adobe Clean"/>
-                <a:cs typeface="Adobe Clean"/>
-              </a:rPr>
-              <a:t> </a:t>
-            </a:r>
-            <a:r>
-              <a:rPr lang="en-US" sz="1200" b="1" spc="-20">
-                <a:solidFill>
-                  <a:srgbClr val="020302"/>
-                </a:solidFill>
-                <a:latin typeface="Adobe Clean"/>
-                <a:cs typeface="Adobe Clean"/>
-              </a:rPr>
-              <a:t>S</a:t>
-            </a:r>
-            <a:r>
-              <a:rPr lang="en-US" sz="1200" b="1" spc="-25">
-                <a:solidFill>
-                  <a:srgbClr val="020302"/>
-                </a:solidFill>
-                <a:latin typeface="Adobe Clean"/>
-                <a:cs typeface="Adobe Clean"/>
-              </a:rPr>
-              <a:t>e</a:t>
-            </a:r>
-            <a:r>
-              <a:rPr lang="en-US" sz="1200" b="1" spc="-20">
-                <a:solidFill>
-                  <a:srgbClr val="020302"/>
-                </a:solidFill>
-                <a:latin typeface="Adobe Clean"/>
-                <a:cs typeface="Adobe Clean"/>
-              </a:rPr>
-              <a:t>r</a:t>
-            </a:r>
-            <a:r>
-              <a:rPr lang="en-US" sz="1200" b="1" spc="-25">
-                <a:solidFill>
-                  <a:srgbClr val="020302"/>
-                </a:solidFill>
-                <a:latin typeface="Adobe Clean"/>
-                <a:cs typeface="Adobe Clean"/>
-              </a:rPr>
-              <a:t>v</a:t>
-            </a:r>
-            <a:r>
-              <a:rPr lang="en-US" sz="1200" b="1" spc="-20">
-                <a:solidFill>
-                  <a:srgbClr val="020302"/>
-                </a:solidFill>
-                <a:latin typeface="Adobe Clean"/>
-                <a:cs typeface="Adobe Clean"/>
-              </a:rPr>
-              <a:t>i</a:t>
-            </a:r>
-            <a:r>
-              <a:rPr lang="en-US" sz="1200" b="1" spc="-30">
-                <a:solidFill>
-                  <a:srgbClr val="020302"/>
-                </a:solidFill>
-                <a:latin typeface="Adobe Clean"/>
-                <a:cs typeface="Adobe Clean"/>
-              </a:rPr>
-              <a:t>c</a:t>
-            </a:r>
-            <a:r>
-              <a:rPr lang="en-US" sz="1200" b="1">
-                <a:solidFill>
-                  <a:srgbClr val="020302"/>
-                </a:solidFill>
-                <a:latin typeface="Adobe Clean"/>
-                <a:cs typeface="Adobe Clean"/>
-              </a:rPr>
-              <a:t>e</a:t>
-            </a:r>
-            <a:endParaRPr lang="en-US" sz="1200">
-              <a:latin typeface="Adobe Clean"/>
-              <a:cs typeface="Adobe Clean"/>
-            </a:endParaRPr>
+              <a:t>as a Cloud Service</a:t>
+            </a:r>
           </a:p>
         </p:txBody>
       </p:sp>
@@ -12334,99 +9467,15 @@
               </a:spcBef>
             </a:pPr>
             <a:r>
-              <a:rPr lang="en-US" sz="1200" b="1" spc="-20">
+              <a:rPr lang="fr-FR" sz="1200" b="1">
                 <a:solidFill>
                   <a:srgbClr val="020302"/>
                 </a:solidFill>
                 <a:latin typeface="Adobe Clean"/>
                 <a:cs typeface="Adobe Clean"/>
               </a:rPr>
-              <a:t>Cas</a:t>
-            </a:r>
-            <a:r>
-              <a:rPr sz="1200" b="1">
-                <a:solidFill>
-                  <a:srgbClr val="020302"/>
-                </a:solidFill>
-                <a:latin typeface="Adobe Clean"/>
-                <a:cs typeface="Adobe Clean"/>
-              </a:rPr>
-              <a:t>e</a:t>
-            </a:r>
-            <a:r>
-              <a:rPr sz="1200" b="1" spc="-80">
-                <a:solidFill>
-                  <a:srgbClr val="020302"/>
-                </a:solidFill>
-                <a:latin typeface="Adobe Clean"/>
-                <a:cs typeface="Adobe Clean"/>
-              </a:rPr>
-              <a:t> </a:t>
-            </a:r>
-            <a:r>
-              <a:rPr sz="1200" b="1" spc="-20">
-                <a:solidFill>
-                  <a:srgbClr val="020302"/>
-                </a:solidFill>
-                <a:latin typeface="Adobe Clean"/>
-                <a:cs typeface="Adobe Clean"/>
-              </a:rPr>
-              <a:t>R</a:t>
-            </a:r>
-            <a:r>
-              <a:rPr sz="1200" b="1" spc="-25">
-                <a:solidFill>
-                  <a:srgbClr val="020302"/>
-                </a:solidFill>
-                <a:latin typeface="Adobe Clean"/>
-                <a:cs typeface="Adobe Clean"/>
-              </a:rPr>
-              <a:t>e</a:t>
-            </a:r>
-            <a:r>
-              <a:rPr sz="1200" b="1" spc="-30">
-                <a:solidFill>
-                  <a:srgbClr val="020302"/>
-                </a:solidFill>
-                <a:latin typeface="Adobe Clean"/>
-                <a:cs typeface="Adobe Clean"/>
-              </a:rPr>
-              <a:t>v</a:t>
-            </a:r>
-            <a:r>
-              <a:rPr sz="1200" b="1" spc="-20">
-                <a:solidFill>
-                  <a:srgbClr val="020302"/>
-                </a:solidFill>
-                <a:latin typeface="Adobe Clean"/>
-                <a:cs typeface="Adobe Clean"/>
-              </a:rPr>
-              <a:t>i</a:t>
-            </a:r>
-            <a:r>
-              <a:rPr sz="1200" b="1" spc="-25">
-                <a:solidFill>
-                  <a:srgbClr val="020302"/>
-                </a:solidFill>
-                <a:latin typeface="Adobe Clean"/>
-                <a:cs typeface="Adobe Clean"/>
-              </a:rPr>
-              <a:t>ew</a:t>
-            </a:r>
-            <a:r>
-              <a:rPr sz="1200" b="1">
-                <a:solidFill>
-                  <a:srgbClr val="020302"/>
-                </a:solidFill>
-                <a:latin typeface="Adobe Clean"/>
-                <a:cs typeface="Adobe Clean"/>
-              </a:rPr>
-              <a:t>s</a:t>
-            </a:r>
-            <a:endParaRPr sz="1200">
-              <a:latin typeface="Adobe Clean"/>
-              <a:cs typeface="Adobe Clean"/>
-            </a:endParaRPr>
+              <a:t>Examens de cas</a:t>
+            </a:r>
           </a:p>
         </p:txBody>
       </p:sp>
@@ -12484,7 +9533,7 @@
         <p:spPr>
           <a:xfrm>
             <a:off x="355868" y="1426046"/>
-            <a:ext cx="2194560" cy="936154"/>
+            <a:ext cx="2194560" cy="1090042"/>
           </a:xfrm>
           <a:prstGeom prst="rect">
             <a:avLst/>
@@ -12505,18 +9554,31 @@
               </a:spcBef>
             </a:pPr>
             <a:r>
-              <a:rPr lang="en-US" sz="1000">
+              <a:rPr lang="fr-FR" sz="1000" dirty="0">
                 <a:solidFill>
                   <a:srgbClr val="4B4B4B"/>
                 </a:solidFill>
                 <a:latin typeface="Adobe Clean Light" panose="020B0303020404020204" pitchFamily="34" charset="0"/>
               </a:rPr>
-              <a:t>Regular scheduled review of open support requests, ensuring customer alignment on case description, business impact, status, priority and agreement on next steps required to ensure an expedient resolution.</a:t>
-            </a:r>
-            <a:endParaRPr sz="1000">
-              <a:latin typeface="Adobe Clean Light" panose="020B0303020404020204" pitchFamily="34" charset="0"/>
-              <a:cs typeface="AdobeClean-Light"/>
-            </a:endParaRPr>
+              <a:t>Il s’agit d’un examen planifié régulier </a:t>
+            </a:r>
+            <a:br>
+              <a:rPr lang="sk-SK" sz="1000" dirty="0">
+                <a:solidFill>
+                  <a:srgbClr val="4B4B4B"/>
+                </a:solidFill>
+                <a:latin typeface="Adobe Clean Light" panose="020B0303020404020204" pitchFamily="34" charset="0"/>
+              </a:rPr>
+            </a:br>
+            <a:r>
+              <a:rPr lang="fr-FR" sz="1000" dirty="0">
+                <a:solidFill>
+                  <a:srgbClr val="4B4B4B"/>
+                </a:solidFill>
+                <a:latin typeface="Adobe Clean Light" panose="020B0303020404020204" pitchFamily="34" charset="0"/>
+              </a:rPr>
+              <a:t>des demandes d’assistance ouvertes, assurant l’alignement des clients avec la description des cas, l’impact sur l’entreprise, le statut, la priorité et l’accord concernant les prochaines étapes nécessaires pour garantir une résolution rapide.</a:t>
+            </a:r>
           </a:p>
         </p:txBody>
       </p:sp>
@@ -12556,19 +9618,15 @@
               </a:spcBef>
             </a:pPr>
             <a:r>
-              <a:rPr lang="en-US" sz="1400" b="1" spc="-10">
+              <a:rPr lang="fr-FR" sz="1400" b="1">
                 <a:solidFill>
                   <a:srgbClr val="020302"/>
                 </a:solidFill>
                 <a:latin typeface="Adobe Clean"/>
                 <a:cs typeface="Adobe Clean"/>
               </a:rPr>
-              <a:t>Cloud Support Activities - AEM</a:t>
-            </a:r>
-            <a:endParaRPr lang="en-US" sz="1400">
-              <a:latin typeface="Adobe Clean"/>
-              <a:cs typeface="Adobe Clean"/>
-            </a:endParaRPr>
+              <a:t>Activités d’assistance dans le cloud - AEM</a:t>
+            </a:r>
           </a:p>
         </p:txBody>
       </p:sp>
@@ -12651,7 +9709,7 @@
         </p:blipFill>
         <p:spPr>
           <a:xfrm>
-            <a:off x="2569142" y="3892352"/>
+            <a:off x="3384482" y="3892352"/>
             <a:ext cx="461665" cy="461665"/>
           </a:xfrm>
           <a:prstGeom prst="rect">
@@ -12946,7 +10004,7 @@
         </p:nvSpPr>
         <p:spPr>
           <a:xfrm rot="5400000" flipH="1">
-            <a:off x="3863341" y="986533"/>
+            <a:off x="3863341" y="1146553"/>
             <a:ext cx="45719" cy="5577840"/>
           </a:xfrm>
           <a:custGeom>
@@ -13001,7 +10059,7 @@
         </p:nvSpPr>
         <p:spPr>
           <a:xfrm rot="5400000" flipH="1">
-            <a:off x="3863341" y="5514588"/>
+            <a:off x="3863341" y="5575548"/>
             <a:ext cx="45719" cy="5577840"/>
           </a:xfrm>
           <a:custGeom>
@@ -13447,109 +10505,15 @@
               </a:lnSpc>
             </a:pPr>
             <a:r>
-              <a:rPr sz="800" spc="-10">
+              <a:rPr lang="fr-FR" sz="800">
                 <a:solidFill>
                   <a:srgbClr val="6D6D6D"/>
                 </a:solidFill>
                 <a:latin typeface="Adobe Clean"/>
                 <a:cs typeface="Adobe Clean"/>
               </a:rPr>
-              <a:t>©202</a:t>
-            </a:r>
-            <a:r>
-              <a:rPr lang="en-US" sz="800" spc="-10">
-                <a:solidFill>
-                  <a:srgbClr val="6D6D6D"/>
-                </a:solidFill>
-                <a:latin typeface="Adobe Clean"/>
-                <a:cs typeface="Adobe Clean"/>
-              </a:rPr>
-              <a:t>1</a:t>
-            </a:r>
-            <a:r>
-              <a:rPr sz="800" spc="-5">
-                <a:solidFill>
-                  <a:srgbClr val="6D6D6D"/>
-                </a:solidFill>
-                <a:latin typeface="Adobe Clean"/>
-                <a:cs typeface="Adobe Clean"/>
-              </a:rPr>
-              <a:t> Adobe. All</a:t>
-            </a:r>
-            <a:r>
-              <a:rPr sz="800" spc="-15">
-                <a:solidFill>
-                  <a:srgbClr val="6D6D6D"/>
-                </a:solidFill>
-                <a:latin typeface="Adobe Clean"/>
-                <a:cs typeface="Adobe Clean"/>
-              </a:rPr>
-              <a:t> </a:t>
-            </a:r>
-            <a:r>
-              <a:rPr sz="800" spc="-10">
-                <a:solidFill>
-                  <a:srgbClr val="6D6D6D"/>
-                </a:solidFill>
-                <a:latin typeface="Adobe Clean"/>
-                <a:cs typeface="Adobe Clean"/>
-              </a:rPr>
-              <a:t>Rights</a:t>
-            </a:r>
-            <a:r>
-              <a:rPr sz="800" spc="-5">
-                <a:solidFill>
-                  <a:srgbClr val="6D6D6D"/>
-                </a:solidFill>
-                <a:latin typeface="Adobe Clean"/>
-                <a:cs typeface="Adobe Clean"/>
-              </a:rPr>
-              <a:t> </a:t>
-            </a:r>
-            <a:r>
-              <a:rPr sz="800" spc="-10">
-                <a:solidFill>
-                  <a:srgbClr val="6D6D6D"/>
-                </a:solidFill>
-                <a:latin typeface="Adobe Clean"/>
-                <a:cs typeface="Adobe Clean"/>
-              </a:rPr>
-              <a:t>Reserved.</a:t>
-            </a:r>
-            <a:r>
-              <a:rPr sz="800" spc="-5">
-                <a:solidFill>
-                  <a:srgbClr val="6D6D6D"/>
-                </a:solidFill>
-                <a:latin typeface="Adobe Clean"/>
-                <a:cs typeface="Adobe Clean"/>
-              </a:rPr>
-              <a:t> Adobe</a:t>
-            </a:r>
-            <a:r>
-              <a:rPr sz="800" spc="75">
-                <a:solidFill>
-                  <a:srgbClr val="6D6D6D"/>
-                </a:solidFill>
-                <a:latin typeface="Adobe Clean"/>
-                <a:cs typeface="Adobe Clean"/>
-              </a:rPr>
-              <a:t> </a:t>
-            </a:r>
-            <a:r>
-              <a:rPr sz="800" spc="-10">
-                <a:solidFill>
-                  <a:srgbClr val="6D6D6D"/>
-                </a:solidFill>
-                <a:latin typeface="Adobe Clean"/>
-                <a:cs typeface="Adobe Clean"/>
-              </a:rPr>
-              <a:t>Confidential.</a:t>
-            </a:r>
-            <a:endParaRPr sz="800">
-              <a:latin typeface="Adobe Clean"/>
-              <a:cs typeface="Adobe Clean"/>
-            </a:endParaRPr>
+              <a:t>©2021 Adobe. All Rights Reserved. Données confidentielles Adobe</a:t>
+            </a:r>
           </a:p>
         </p:txBody>
       </p:sp>
@@ -13562,7 +10526,7 @@
         <p:spPr>
           <a:xfrm>
             <a:off x="4724780" y="914778"/>
-            <a:ext cx="1954230" cy="57597"/>
+            <a:ext cx="2354200" cy="135230"/>
           </a:xfrm>
           <a:custGeom>
             <a:avLst/>
@@ -13603,7 +10567,7 @@
         </p:nvSpPr>
         <p:spPr>
           <a:xfrm>
-            <a:off x="4843270" y="589788"/>
+            <a:off x="4789930" y="589788"/>
             <a:ext cx="2588260" cy="228268"/>
           </a:xfrm>
           <a:prstGeom prst="rect">
@@ -13625,179 +10589,15 @@
               </a:spcBef>
             </a:pPr>
             <a:r>
-              <a:rPr sz="1400" b="1" spc="-25">
+              <a:rPr lang="fr-FR" sz="1400" b="1" dirty="0">
                 <a:solidFill>
                   <a:srgbClr val="020302"/>
                 </a:solidFill>
                 <a:latin typeface="Adobe Clean"/>
                 <a:cs typeface="Adobe Clean"/>
               </a:rPr>
-              <a:t>Fi</a:t>
-            </a:r>
-            <a:r>
-              <a:rPr sz="1400" b="1" spc="-30">
-                <a:solidFill>
-                  <a:srgbClr val="020302"/>
-                </a:solidFill>
-                <a:latin typeface="Adobe Clean"/>
-                <a:cs typeface="Adobe Clean"/>
-              </a:rPr>
-              <a:t>e</a:t>
-            </a:r>
-            <a:r>
-              <a:rPr sz="1400" b="1" spc="-25">
-                <a:solidFill>
-                  <a:srgbClr val="020302"/>
-                </a:solidFill>
-                <a:latin typeface="Adobe Clean"/>
-                <a:cs typeface="Adobe Clean"/>
-              </a:rPr>
-              <a:t>l</a:t>
-            </a:r>
-            <a:r>
-              <a:rPr sz="1400" b="1">
-                <a:solidFill>
-                  <a:srgbClr val="020302"/>
-                </a:solidFill>
-                <a:latin typeface="Adobe Clean"/>
-                <a:cs typeface="Adobe Clean"/>
-              </a:rPr>
-              <a:t>d</a:t>
-            </a:r>
-            <a:r>
-              <a:rPr sz="1400" b="1" spc="-45">
-                <a:solidFill>
-                  <a:srgbClr val="020302"/>
-                </a:solidFill>
-                <a:latin typeface="Adobe Clean"/>
-                <a:cs typeface="Adobe Clean"/>
-              </a:rPr>
-              <a:t> </a:t>
-            </a:r>
-            <a:r>
-              <a:rPr sz="1400" b="1" spc="20">
-                <a:solidFill>
-                  <a:srgbClr val="020302"/>
-                </a:solidFill>
-                <a:latin typeface="Adobe Clean"/>
-                <a:cs typeface="Adobe Clean"/>
-              </a:rPr>
-              <a:t>S</a:t>
-            </a:r>
-            <a:r>
-              <a:rPr sz="1400" b="1" spc="10">
-                <a:solidFill>
-                  <a:srgbClr val="020302"/>
-                </a:solidFill>
-                <a:latin typeface="Adobe Clean"/>
-                <a:cs typeface="Adobe Clean"/>
-              </a:rPr>
-              <a:t>e</a:t>
-            </a:r>
-            <a:r>
-              <a:rPr sz="1400" b="1" spc="15">
-                <a:solidFill>
-                  <a:srgbClr val="020302"/>
-                </a:solidFill>
-                <a:latin typeface="Adobe Clean"/>
-                <a:cs typeface="Adobe Clean"/>
-              </a:rPr>
-              <a:t>rvi</a:t>
-            </a:r>
-            <a:r>
-              <a:rPr sz="1400" b="1" spc="10">
-                <a:solidFill>
-                  <a:srgbClr val="020302"/>
-                </a:solidFill>
-                <a:latin typeface="Adobe Clean"/>
-                <a:cs typeface="Adobe Clean"/>
-              </a:rPr>
-              <a:t>c</a:t>
-            </a:r>
-            <a:r>
-              <a:rPr sz="1400" b="1">
-                <a:solidFill>
-                  <a:srgbClr val="020302"/>
-                </a:solidFill>
-                <a:latin typeface="Adobe Clean"/>
-                <a:cs typeface="Adobe Clean"/>
-              </a:rPr>
-              <a:t>e</a:t>
-            </a:r>
-            <a:r>
-              <a:rPr sz="1400" b="1" spc="-190">
-                <a:solidFill>
-                  <a:srgbClr val="020302"/>
-                </a:solidFill>
-                <a:latin typeface="Adobe Clean"/>
-                <a:cs typeface="Adobe Clean"/>
-              </a:rPr>
-              <a:t> </a:t>
-            </a:r>
-            <a:r>
-              <a:rPr sz="1400" b="1" spc="5">
-                <a:solidFill>
-                  <a:srgbClr val="020302"/>
-                </a:solidFill>
-                <a:latin typeface="Adobe Clean"/>
-                <a:cs typeface="Adobe Clean"/>
-              </a:rPr>
-              <a:t>A</a:t>
-            </a:r>
-            <a:r>
-              <a:rPr sz="1400" b="1">
-                <a:solidFill>
-                  <a:srgbClr val="020302"/>
-                </a:solidFill>
-                <a:latin typeface="Adobe Clean"/>
-                <a:cs typeface="Adobe Clean"/>
-              </a:rPr>
-              <a:t>ct</a:t>
-            </a:r>
-            <a:r>
-              <a:rPr sz="1400" b="1" spc="5">
-                <a:solidFill>
-                  <a:srgbClr val="020302"/>
-                </a:solidFill>
-                <a:latin typeface="Adobe Clean"/>
-                <a:cs typeface="Adobe Clean"/>
-              </a:rPr>
-              <a:t>ivi</a:t>
-            </a:r>
-            <a:r>
-              <a:rPr sz="1400" b="1">
-                <a:solidFill>
-                  <a:srgbClr val="020302"/>
-                </a:solidFill>
-                <a:latin typeface="Adobe Clean"/>
-                <a:cs typeface="Adobe Clean"/>
-              </a:rPr>
-              <a:t>t</a:t>
-            </a:r>
-            <a:r>
-              <a:rPr sz="1400" b="1" spc="5">
-                <a:solidFill>
-                  <a:srgbClr val="020302"/>
-                </a:solidFill>
-                <a:latin typeface="Adobe Clean"/>
-                <a:cs typeface="Adobe Clean"/>
-              </a:rPr>
-              <a:t>i</a:t>
-            </a:r>
-            <a:r>
-              <a:rPr sz="1400" b="1">
-                <a:solidFill>
-                  <a:srgbClr val="020302"/>
-                </a:solidFill>
-                <a:latin typeface="Adobe Clean"/>
-                <a:cs typeface="Adobe Clean"/>
-              </a:rPr>
-              <a:t>es</a:t>
-            </a:r>
-            <a:endParaRPr sz="1400">
-              <a:latin typeface="Adobe Clean"/>
-              <a:cs typeface="Adobe Clean"/>
-            </a:endParaRPr>
+              <a:t>Activités du service de terrain</a:t>
+            </a:r>
           </a:p>
         </p:txBody>
       </p:sp>
@@ -13831,99 +10631,15 @@
               </a:spcBef>
             </a:pPr>
             <a:r>
-              <a:rPr sz="1400" b="1" spc="-20">
+              <a:rPr lang="fr-FR" sz="1400" b="1">
                 <a:solidFill>
                   <a:srgbClr val="020302"/>
                 </a:solidFill>
                 <a:latin typeface="Adobe Clean"/>
                 <a:cs typeface="Adobe Clean"/>
               </a:rPr>
-              <a:t>L</a:t>
-            </a:r>
-            <a:r>
-              <a:rPr sz="1400" b="1" spc="-10">
-                <a:solidFill>
-                  <a:srgbClr val="020302"/>
-                </a:solidFill>
-                <a:latin typeface="Adobe Clean"/>
-                <a:cs typeface="Adobe Clean"/>
-              </a:rPr>
-              <a:t>a</a:t>
-            </a:r>
-            <a:r>
-              <a:rPr sz="1400" b="1" spc="-15">
-                <a:solidFill>
-                  <a:srgbClr val="020302"/>
-                </a:solidFill>
-                <a:latin typeface="Adobe Clean"/>
-                <a:cs typeface="Adobe Clean"/>
-              </a:rPr>
-              <a:t>un</a:t>
-            </a:r>
-            <a:r>
-              <a:rPr sz="1400" b="1" spc="-20">
-                <a:solidFill>
-                  <a:srgbClr val="020302"/>
-                </a:solidFill>
-                <a:latin typeface="Adobe Clean"/>
-                <a:cs typeface="Adobe Clean"/>
-              </a:rPr>
-              <a:t>c</a:t>
-            </a:r>
-            <a:r>
-              <a:rPr sz="1400" b="1">
-                <a:solidFill>
-                  <a:srgbClr val="020302"/>
-                </a:solidFill>
-                <a:latin typeface="Adobe Clean"/>
-                <a:cs typeface="Adobe Clean"/>
-              </a:rPr>
-              <a:t>h</a:t>
-            </a:r>
-            <a:r>
-              <a:rPr sz="1400" b="1" spc="-30">
-                <a:solidFill>
-                  <a:srgbClr val="020302"/>
-                </a:solidFill>
-                <a:latin typeface="Adobe Clean"/>
-                <a:cs typeface="Adobe Clean"/>
-              </a:rPr>
-              <a:t> </a:t>
-            </a:r>
-            <a:r>
-              <a:rPr sz="1400" b="1" spc="-10">
-                <a:solidFill>
-                  <a:srgbClr val="020302"/>
-                </a:solidFill>
-                <a:latin typeface="Adobe Clean"/>
-                <a:cs typeface="Adobe Clean"/>
-              </a:rPr>
-              <a:t>Advisor</a:t>
-            </a:r>
-            <a:r>
-              <a:rPr sz="1400" b="1">
-                <a:solidFill>
-                  <a:srgbClr val="020302"/>
-                </a:solidFill>
-                <a:latin typeface="Adobe Clean"/>
-                <a:cs typeface="Adobe Clean"/>
-              </a:rPr>
-              <a:t>y</a:t>
-            </a:r>
-            <a:r>
-              <a:rPr sz="1400" b="1" spc="-60">
-                <a:solidFill>
-                  <a:srgbClr val="020302"/>
-                </a:solidFill>
-                <a:latin typeface="Adobe Clean"/>
-                <a:cs typeface="Adobe Clean"/>
-              </a:rPr>
-              <a:t> </a:t>
-            </a:r>
-            <a:endParaRPr sz="1400">
-              <a:latin typeface="Adobe Clean"/>
-              <a:cs typeface="Adobe Clean"/>
-            </a:endParaRPr>
+              <a:t>Launch Advisory </a:t>
+            </a:r>
           </a:p>
         </p:txBody>
       </p:sp>
@@ -13954,47 +10670,27 @@
               </a:spcBef>
             </a:pPr>
             <a:r>
-              <a:rPr lang="en-US" sz="1000">
+              <a:rPr lang="fr-FR" sz="1000">
                 <a:solidFill>
                   <a:srgbClr val="1F1F1F"/>
                 </a:solidFill>
                 <a:latin typeface="AdobeClean-Light"/>
                 <a:cs typeface="AdobeClean-Light"/>
               </a:rPr>
-              <a:t>For customers </a:t>
-            </a:r>
-            <a:r>
-              <a:rPr sz="1000">
-                <a:solidFill>
-                  <a:srgbClr val="1F1F1F"/>
-                </a:solidFill>
-                <a:latin typeface="AdobeClean-Light"/>
-                <a:cs typeface="AdobeClean-Light"/>
-              </a:rPr>
-              <a:t>implementing a </a:t>
-            </a:r>
-            <a:r>
-              <a:rPr sz="1000" b="1">
+              <a:t>Pour les clients qui implémentent une </a:t>
+            </a:r>
+            <a:r>
+              <a:rPr lang="fr-FR" sz="1000" b="1">
                 <a:solidFill>
                   <a:srgbClr val="1F1F1F"/>
                 </a:solidFill>
                 <a:latin typeface="Adobe Clean"/>
                 <a:cs typeface="Adobe Clean"/>
               </a:rPr>
-              <a:t>new Adobe Experience Cloud solution</a:t>
-            </a:r>
-            <a:r>
-              <a:rPr lang="en-US" sz="1000" b="1">
-                <a:solidFill>
-                  <a:srgbClr val="1F1F1F"/>
-                </a:solidFill>
-                <a:latin typeface="Adobe Clean"/>
-                <a:cs typeface="Adobe Clean"/>
-              </a:rPr>
-              <a:t>, </a:t>
-            </a:r>
-            <a:r>
-              <a:rPr lang="en-US" sz="1000">
+              <a:t>nouvelle solution Adobe Experience Cloud, </a:t>
+            </a:r>
+            <a:r>
+              <a:rPr lang="fr-FR" sz="1000">
                 <a:latin typeface="Adobe Clean Light" charset="0"/>
                 <a:ea typeface="Adobe Clean Light" charset="0"/>
                 <a:cs typeface="Adobe Clean Light" charset="0"/>
@@ -14002,58 +10698,60 @@
               <a:t>Launch Advisory </a:t>
             </a:r>
             <a:r>
-              <a:rPr lang="en-US" sz="1000">
+              <a:rPr lang="fr-FR" sz="1000">
                 <a:solidFill>
                   <a:srgbClr val="000000"/>
                 </a:solidFill>
                 <a:latin typeface="Adobe Clean SemiLight" panose="020B0403020404020204" pitchFamily="34" charset="0"/>
               </a:rPr>
-              <a:t>is a </a:t>
-            </a:r>
-            <a:r>
-              <a:rPr lang="en-US" sz="1000" b="1">
+              <a:t>est un </a:t>
+            </a:r>
+            <a:r>
+              <a:rPr lang="fr-FR" sz="1000" b="1">
                 <a:solidFill>
                   <a:srgbClr val="000000"/>
                 </a:solidFill>
                 <a:latin typeface="Adobe Clean SemiLight" panose="020B0403020404020204" pitchFamily="34" charset="0"/>
               </a:rPr>
-              <a:t>core set of advisory services </a:t>
-            </a:r>
-            <a:r>
-              <a:rPr lang="en-US" sz="1000">
+              <a:t>ensemble de base de services de conseil </a:t>
+            </a:r>
+            <a:r>
+              <a:rPr lang="fr-FR" sz="1000">
                 <a:latin typeface="Adobe Clean Light" charset="0"/>
                 <a:ea typeface="Adobe Clean Light" charset="0"/>
                 <a:cs typeface="Adobe Clean Light" charset="0"/>
               </a:rPr>
-              <a:t>and recommendations that </a:t>
-            </a:r>
-            <a:r>
-              <a:rPr lang="en-US" sz="1000">
+              <a:t>et de recommandations qui s’avèrent </a:t>
+            </a:r>
+            <a:r>
+              <a:rPr lang="fr-FR" sz="1000" b="1">
                 <a:latin typeface="Adobe Clean Light" charset="0"/>
+                <a:ea typeface="Adobe Clean Light" charset="0"/>
+                <a:cs typeface="Adobe Clean Light" charset="0"/>
               </a:rPr>
-              <a:t>are proven to </a:t>
-            </a:r>
-            <a:r>
-              <a:rPr lang="en-US" sz="1000" b="1">
+              <a:t>prendre en charge les déploiements réussis </a:t>
+            </a:r>
+            <a:r>
+              <a:rPr lang="fr-FR" sz="1000">
                 <a:latin typeface="Adobe Clean Light" charset="0"/>
+                <a:ea typeface="Adobe Clean Light" charset="0"/>
+                <a:cs typeface="Adobe Clean Light" charset="0"/>
               </a:rPr>
-              <a:t>support successful deployments </a:t>
-            </a:r>
-            <a:r>
-              <a:rPr lang="en-US" sz="1000">
+              <a:t>et </a:t>
+            </a:r>
+            <a:r>
+              <a:rPr lang="fr-FR" sz="1000" b="1">
                 <a:latin typeface="Adobe Clean Light" charset="0"/>
+                <a:ea typeface="Adobe Clean Light" charset="0"/>
+                <a:cs typeface="Adobe Clean Light" charset="0"/>
               </a:rPr>
-              <a:t>and </a:t>
-            </a:r>
-            <a:r>
-              <a:rPr lang="en-US" sz="1000" b="1">
+              <a:t>accélérer la rentabilité</a:t>
+            </a:r>
+            <a:r>
+              <a:rPr lang="fr-FR" sz="1000">
                 <a:latin typeface="Adobe Clean Light" charset="0"/>
-              </a:rPr>
-              <a:t>accelerate time-to-value</a:t>
-            </a:r>
-            <a:r>
-              <a:rPr lang="en-US" sz="1000">
-                <a:latin typeface="Adobe Clean Light" charset="0"/>
+                <a:ea typeface="Adobe Clean Light" charset="0"/>
+                <a:cs typeface="Adobe Clean Light" charset="0"/>
               </a:rPr>
               <a:t>.</a:t>
             </a:r>
@@ -14114,75 +10812,85 @@
               </a:spcBef>
             </a:pPr>
             <a:r>
-              <a:rPr lang="en-US" sz="1000">
+              <a:rPr lang="fr-FR" sz="1000" dirty="0">
                 <a:solidFill>
                   <a:srgbClr val="4B4B4B"/>
                 </a:solidFill>
                 <a:latin typeface="Adobe Clean Light" panose="020B0303020404020204" pitchFamily="34" charset="0"/>
               </a:rPr>
-              <a:t>Field Services are used for </a:t>
-            </a:r>
-            <a:r>
-              <a:rPr lang="en-US" sz="1000" b="1">
+              <a:t>Les services de terrain servent à la </a:t>
+            </a:r>
+            <a:r>
+              <a:rPr lang="fr-FR" sz="1000" b="1" dirty="0">
                 <a:solidFill>
                   <a:srgbClr val="4B4B4B"/>
                 </a:solidFill>
                 <a:latin typeface="Adobe Clean" panose="020B0503020404020204" pitchFamily="34" charset="0"/>
               </a:rPr>
-              <a:t>quick resolution</a:t>
-            </a:r>
-            <a:r>
-              <a:rPr lang="en-US" sz="1000">
+              <a:t>résolution rapide</a:t>
+            </a:r>
+            <a:r>
+              <a:rPr lang="fr-FR" sz="1000" dirty="0">
                 <a:solidFill>
                   <a:srgbClr val="4B4B4B"/>
                 </a:solidFill>
                 <a:latin typeface="Adobe Clean Light" panose="020B0303020404020204" pitchFamily="34" charset="0"/>
               </a:rPr>
-              <a:t>, focused customer success and accelerated</a:t>
-            </a:r>
-            <a:r>
-              <a:rPr lang="en-US" sz="1000" b="1">
+              <a:t>, au succès ciblé du client et à l’</a:t>
+            </a:r>
+            <a:r>
+              <a:rPr lang="fr-FR" sz="1000" b="1" dirty="0">
                 <a:solidFill>
                   <a:srgbClr val="4B4B4B"/>
                 </a:solidFill>
                 <a:latin typeface="Adobe Clean" panose="020B0503020404020204" pitchFamily="34" charset="0"/>
               </a:rPr>
-              <a:t> time-to-value</a:t>
-            </a:r>
-            <a:r>
-              <a:rPr lang="en-US" sz="1000">
+              <a:t>accélération de la rentabilité</a:t>
+            </a:r>
+            <a:r>
+              <a:rPr lang="fr-FR" sz="1000" dirty="0">
                 <a:solidFill>
                   <a:srgbClr val="4B4B4B"/>
                 </a:solidFill>
                 <a:latin typeface="Adobe Clean Light" panose="020B0303020404020204" pitchFamily="34" charset="0"/>
               </a:rPr>
-              <a:t>. If Launch advisory is active there will be </a:t>
-            </a:r>
-            <a:r>
-              <a:rPr lang="en-US" sz="1000" b="1">
+              <a:t>. Si Launch Advisory est actif, </a:t>
+            </a:r>
+            <a:br>
+              <a:rPr lang="sk-SK" sz="1000" dirty="0">
+                <a:solidFill>
+                  <a:srgbClr val="4B4B4B"/>
+                </a:solidFill>
+                <a:latin typeface="Adobe Clean Light" panose="020B0303020404020204" pitchFamily="34" charset="0"/>
+              </a:rPr>
+            </a:br>
+            <a:r>
+              <a:rPr lang="fr-FR" sz="1000" dirty="0">
+                <a:solidFill>
+                  <a:srgbClr val="4B4B4B"/>
+                </a:solidFill>
+                <a:latin typeface="Adobe Clean Light" panose="020B0303020404020204" pitchFamily="34" charset="0"/>
+              </a:rPr>
+              <a:t>il n’y aura </a:t>
+            </a:r>
+            <a:r>
+              <a:rPr lang="fr-FR" sz="1000" b="1" dirty="0">
                 <a:solidFill>
                   <a:srgbClr val="4B4B4B"/>
                 </a:solidFill>
                 <a:latin typeface="Adobe Clean" panose="020B0503020404020204" pitchFamily="34" charset="0"/>
               </a:rPr>
-              <a:t>no Field Services in year 1 </a:t>
-            </a:r>
-            <a:r>
-              <a:rPr lang="en-US" sz="1000">
+              <a:t>aucun service sur le terrain au cours de la première année</a:t>
+            </a:r>
+            <a:r>
+              <a:rPr lang="fr-FR" sz="1000" dirty="0">
                 <a:solidFill>
                   <a:srgbClr val="4B4B4B"/>
                 </a:solidFill>
                 <a:latin typeface="Adobe Clean Light" panose="020B0303020404020204" pitchFamily="34" charset="0"/>
               </a:rPr>
-              <a:t>for any solution product covered by an Adobe Support contract. </a:t>
-            </a:r>
-            <a:endParaRPr lang="en-US" sz="1000">
-              <a:solidFill>
-                <a:srgbClr val="1F1F1F"/>
-              </a:solidFill>
-              <a:latin typeface="Adobe Clean Light" panose="020B0303020404020204" pitchFamily="34" charset="0"/>
-              <a:cs typeface="Adobe Clean"/>
-            </a:endParaRPr>
+              <a:t> pour tout produit de solution couvert par un contrat d’assistance Adobe. </a:t>
+            </a:r>
           </a:p>
           <a:p>
             <a:pPr marL="24130" marR="5080">
@@ -14190,7 +10898,7 @@
                 <a:spcPts val="600"/>
               </a:spcBef>
             </a:pPr>
-            <a:endParaRPr lang="en-US" sz="1000" b="1">
+            <a:endParaRPr lang="en-US" sz="1000" b="1" dirty="0">
               <a:solidFill>
                 <a:srgbClr val="1F1F1F"/>
               </a:solidFill>
@@ -14359,7 +11067,7 @@
         <p:spPr>
           <a:xfrm>
             <a:off x="172087" y="3867961"/>
-            <a:ext cx="3525469" cy="2336537"/>
+            <a:ext cx="3679310" cy="2490425"/>
           </a:xfrm>
           <a:prstGeom prst="rect">
             <a:avLst/>
@@ -14377,37 +11085,28 @@
               </a:spcBef>
             </a:pPr>
             <a:r>
-              <a:rPr lang="en-US" sz="1000">
+              <a:rPr lang="fr-FR" sz="1000" spc="-30" dirty="0">
                 <a:latin typeface="Adobe Clean Light" charset="0"/>
               </a:rPr>
-              <a:t>Adobe solution experts help validate requirements, architecture, development process, and launch readiness reviews </a:t>
-            </a:r>
-            <a:r>
-              <a:rPr lang="en-US" sz="1000">
+              <a:t>Les experts en solutions Adobe aident à valider les exigences, l’architecture, les processus de développement et les examens de préparation au lancement avec des </a:t>
+            </a:r>
+            <a:r>
+              <a:rPr lang="fr-FR" sz="1000" b="1" spc="-30" dirty="0">
                 <a:solidFill>
                   <a:srgbClr val="000000"/>
                 </a:solidFill>
                 <a:latin typeface="Adobe Clean SemiLight" panose="020B0403020404020204" pitchFamily="34" charset="0"/>
               </a:rPr>
-              <a:t>with </a:t>
-            </a:r>
-            <a:r>
-              <a:rPr lang="en-US" sz="1000" b="1">
+              <a:t>conseils basés sur les bonnes pratiques </a:t>
+            </a:r>
+            <a:r>
+              <a:rPr lang="fr-FR" sz="1000" spc="-30" dirty="0">
                 <a:solidFill>
                   <a:srgbClr val="000000"/>
                 </a:solidFill>
                 <a:latin typeface="Adobe Clean SemiLight" panose="020B0403020404020204" pitchFamily="34" charset="0"/>
               </a:rPr>
-              <a:t>best practice-based guidance </a:t>
-            </a:r>
-            <a:r>
-              <a:rPr lang="en-US" sz="1000">
-                <a:solidFill>
-                  <a:srgbClr val="000000"/>
-                </a:solidFill>
-                <a:latin typeface="Adobe Clean SemiLight" panose="020B0403020404020204" pitchFamily="34" charset="0"/>
-              </a:rPr>
-              <a:t>to customers and implementation partners.</a:t>
+              <a:t>à l’intention des clients et des partenaires de mise en œuvre.</a:t>
             </a:r>
           </a:p>
           <a:p>
@@ -14416,7 +11115,7 @@
                 <a:spcPts val="100"/>
               </a:spcBef>
             </a:pPr>
-            <a:endParaRPr lang="en-US" sz="1000">
+            <a:endParaRPr lang="en-US" sz="1000" spc="-30" dirty="0">
               <a:solidFill>
                 <a:srgbClr val="1F1F1F"/>
               </a:solidFill>
@@ -14431,22 +11130,22 @@
               </a:spcBef>
             </a:pPr>
             <a:r>
-              <a:rPr lang="en-US" sz="1000">
+              <a:rPr lang="fr-FR" sz="1000" spc="-30" dirty="0">
                 <a:latin typeface="Adobe Clean Light" charset="0"/>
               </a:rPr>
-              <a:t>Launch Advisory will align with your project schedule through common milestones (</a:t>
-            </a:r>
-            <a:r>
-              <a:rPr lang="en-US" sz="1000" b="1">
+              <a:t>Launch Advisory s’alignera sur le calendrier de votre projet via des jalons communs (</a:t>
+            </a:r>
+            <a:r>
+              <a:rPr lang="fr-FR" sz="1000" b="1" spc="-30" dirty="0">
                 <a:latin typeface="Adobe Clean Light" charset="0"/>
               </a:rPr>
-              <a:t>Kickoff, Define, Design, Go-live and Post Launch</a:t>
-            </a:r>
-            <a:r>
-              <a:rPr lang="en-US" sz="1000">
+              <a:t>lancement, définition, conception, activation et post-lancement</a:t>
+            </a:r>
+            <a:r>
+              <a:rPr lang="fr-FR" sz="1000" spc="-30" dirty="0">
                 <a:latin typeface="Adobe Clean Light" charset="0"/>
               </a:rPr>
-              <a:t>) to guide, validate, assess and make recommendations.</a:t>
+              <a:t>) pour guider, valider, évaluer et faire des recommandations.</a:t>
             </a:r>
           </a:p>
           <a:p>
@@ -14455,7 +11154,7 @@
                 <a:spcPts val="100"/>
               </a:spcBef>
             </a:pPr>
-            <a:endParaRPr lang="en-US" sz="1000">
+            <a:endParaRPr lang="en-US" sz="1000" dirty="0">
               <a:latin typeface="Adobe Clean Light" charset="0"/>
             </a:endParaRPr>
           </a:p>
@@ -14466,10 +11165,10 @@
               </a:spcBef>
             </a:pPr>
             <a:r>
-              <a:rPr lang="en-US" sz="1000">
+              <a:rPr lang="fr-FR" sz="1000" dirty="0">
                 <a:latin typeface="Adobe Clean Light" charset="0"/>
               </a:rPr>
-              <a:t>Key Deliverables include:</a:t>
+              <a:t>Les principaux éléments livrables sont les suivants :</a:t>
             </a:r>
           </a:p>
           <a:p>
@@ -14481,8 +11180,15 @@
               <a:buChar char="•"/>
             </a:pPr>
             <a:r>
-              <a:rPr lang="en-US" sz="1000"/>
-              <a:t>Kickoff (including project collaboration plan) deck</a:t>
+              <a:rPr lang="fr-FR" sz="1000" dirty="0"/>
+              <a:t>Plateforme de lancement (y compris le plan </a:t>
+            </a:r>
+            <a:br>
+              <a:rPr lang="sk-SK" sz="1000" dirty="0"/>
+            </a:br>
+            <a:r>
+              <a:rPr lang="fr-FR" sz="1000" dirty="0"/>
+              <a:t>de collaboration du projet)</a:t>
             </a:r>
           </a:p>
           <a:p>
@@ -14494,8 +11200,8 @@
               <a:buChar char="•"/>
             </a:pPr>
             <a:r>
-              <a:rPr lang="en-US" sz="1000"/>
-              <a:t>Assessment &amp; recommendations document(s)</a:t>
+              <a:rPr lang="fr-FR" sz="1000" dirty="0"/>
+              <a:t>Document(s) d’évaluation et de recommandations</a:t>
             </a:r>
           </a:p>
           <a:p>
@@ -14507,8 +11213,8 @@
               <a:buChar char="•"/>
             </a:pPr>
             <a:r>
-              <a:rPr lang="en-US" sz="1000"/>
-              <a:t>Engagement summary</a:t>
+              <a:rPr lang="fr-FR" sz="1000" dirty="0"/>
+              <a:t>Résumé des engagements</a:t>
             </a:r>
           </a:p>
         </p:txBody>
@@ -14612,8 +11318,8 @@
           <a:p>
             <a:pPr algn="ctr"/>
             <a:r>
-              <a:rPr lang="en-US" sz="1600"/>
-              <a:t>Run &amp; Operate</a:t>
+              <a:rPr lang="fr-FR" sz="1600"/>
+              <a:t>Exécuter et faire fonctionner</a:t>
             </a:r>
           </a:p>
         </p:txBody>
@@ -14718,8 +11424,8 @@
           <a:p>
             <a:pPr algn="ctr"/>
             <a:r>
-              <a:rPr lang="en-US" sz="1600"/>
-              <a:t>Implementation</a:t>
+              <a:rPr lang="fr-FR" sz="1600"/>
+              <a:t>Implémentation</a:t>
             </a:r>
           </a:p>
         </p:txBody>
@@ -14738,7 +11444,7 @@
         </p:nvSpPr>
         <p:spPr>
           <a:xfrm>
-            <a:off x="2918286" y="2317134"/>
+            <a:off x="2918286" y="2164734"/>
             <a:ext cx="933111" cy="261610"/>
           </a:xfrm>
           <a:prstGeom prst="rect">
@@ -14754,8 +11460,8 @@
           <a:p>
             <a:pPr algn="ctr"/>
             <a:r>
-              <a:rPr lang="en-US" sz="1100"/>
-              <a:t>Post Launch</a:t>
+              <a:rPr lang="fr-FR" sz="1100" dirty="0"/>
+              <a:t>Post-lancement</a:t>
             </a:r>
           </a:p>
         </p:txBody>
@@ -14775,15 +11481,20 @@
           <p:nvPr/>
         </p:nvPicPr>
         <p:blipFill>
-          <a:blip r:embed="rId4"/>
-          <a:stretch>
-            <a:fillRect/>
-          </a:stretch>
+          <a:blip r:embed="rId4">
+            <a:extLst>
+              <a:ext uri="{28A0092B-C50C-407E-A947-70E740481C1C}">
+                <a14:useLocalDpi xmlns:a14="http://schemas.microsoft.com/office/drawing/2010/main" val="0"/>
+              </a:ext>
+            </a:extLst>
+          </a:blip>
+          <a:srcRect/>
+          <a:stretch/>
         </p:blipFill>
         <p:spPr>
           <a:xfrm>
-            <a:off x="333965" y="6379881"/>
-            <a:ext cx="3097872" cy="2855621"/>
+            <a:off x="334498" y="6379881"/>
+            <a:ext cx="3096805" cy="2855621"/>
           </a:xfrm>
           <a:prstGeom prst="rect">
             <a:avLst/>
@@ -14859,7 +11570,7 @@
         <p:spPr>
           <a:xfrm>
             <a:off x="3855907" y="4694431"/>
-            <a:ext cx="3525469" cy="2310889"/>
+            <a:ext cx="3525469" cy="2464777"/>
           </a:xfrm>
           <a:prstGeom prst="rect">
             <a:avLst/>
@@ -14877,22 +11588,73 @@
               </a:spcBef>
             </a:pPr>
             <a:r>
-              <a:rPr lang="en-US" sz="1000" b="1">
+              <a:rPr lang="fr-FR" sz="1000" b="1" dirty="0">
                 <a:solidFill>
                   <a:srgbClr val="000000"/>
                 </a:solidFill>
                 <a:latin typeface="+mj-lt"/>
               </a:rPr>
-              <a:t>Technical Track Activities </a:t>
-            </a:r>
-            <a:r>
-              <a:rPr lang="en-US" sz="1000">
+              <a:t>Les activités de suivi technique </a:t>
+            </a:r>
+            <a:r>
+              <a:rPr lang="fr-FR" sz="1000" dirty="0">
                 <a:solidFill>
                   <a:srgbClr val="000000"/>
                 </a:solidFill>
                 <a:latin typeface="Adobe Clean Light" panose="020B0303020404020204" pitchFamily="34" charset="0"/>
               </a:rPr>
-              <a:t>ensure customers are technically sound and maximizing their tool adoption. Specifically, these types of activities include support and recommendations related to platform configurations, integrations and troubleshooting</a:t>
+              <a:t>s’assurent que les clients sont techniquement sûrs et maximisent l’adoption de leurs outils.</a:t>
+            </a:r>
+            <a:br>
+              <a:rPr lang="sk-SK" sz="1000" dirty="0">
+                <a:solidFill>
+                  <a:srgbClr val="000000"/>
+                </a:solidFill>
+                <a:latin typeface="Adobe Clean Light" panose="020B0303020404020204" pitchFamily="34" charset="0"/>
+              </a:rPr>
+            </a:br>
+            <a:r>
+              <a:rPr lang="fr-FR" sz="1000" dirty="0">
+                <a:solidFill>
+                  <a:srgbClr val="000000"/>
+                </a:solidFill>
+                <a:latin typeface="Adobe Clean Light" panose="020B0303020404020204" pitchFamily="34" charset="0"/>
+              </a:rPr>
+              <a:t>Pour être plus précis, ces types d’activités incluent la prise en charge </a:t>
+            </a:r>
+            <a:br>
+              <a:rPr lang="sk-SK" sz="1000" dirty="0">
+                <a:solidFill>
+                  <a:srgbClr val="000000"/>
+                </a:solidFill>
+                <a:latin typeface="Adobe Clean Light" panose="020B0303020404020204" pitchFamily="34" charset="0"/>
+              </a:rPr>
+            </a:br>
+            <a:r>
+              <a:rPr lang="fr-FR" sz="1000" dirty="0">
+                <a:solidFill>
+                  <a:srgbClr val="000000"/>
+                </a:solidFill>
+                <a:latin typeface="Adobe Clean Light" panose="020B0303020404020204" pitchFamily="34" charset="0"/>
+              </a:rPr>
+              <a:t>et les recommandations liées aux configurations de plateforme, </a:t>
+            </a:r>
+            <a:br>
+              <a:rPr lang="sk-SK" sz="1000" dirty="0">
+                <a:solidFill>
+                  <a:srgbClr val="000000"/>
+                </a:solidFill>
+                <a:latin typeface="Adobe Clean Light" panose="020B0303020404020204" pitchFamily="34" charset="0"/>
+              </a:rPr>
+            </a:br>
+            <a:r>
+              <a:rPr lang="fr-FR" sz="1000" dirty="0">
+                <a:solidFill>
+                  <a:srgbClr val="000000"/>
+                </a:solidFill>
+                <a:latin typeface="Adobe Clean Light" panose="020B0303020404020204" pitchFamily="34" charset="0"/>
+              </a:rPr>
+              <a:t>aux intégrations et à la résolution des problèmes</a:t>
             </a:r>
           </a:p>
           <a:p>
@@ -14901,7 +11663,7 @@
                 <a:spcPts val="100"/>
               </a:spcBef>
             </a:pPr>
-            <a:endParaRPr lang="en-US" sz="1000">
+            <a:endParaRPr lang="en-US" sz="1000" dirty="0">
               <a:latin typeface="Adobe Clean Light" charset="0"/>
             </a:endParaRPr>
           </a:p>
@@ -14912,10 +11674,10 @@
               </a:spcBef>
             </a:pPr>
             <a:r>
-              <a:rPr lang="en-US" sz="1000">
+              <a:rPr lang="fr-FR" sz="1000" dirty="0">
                 <a:latin typeface="Adobe Clean Light" charset="0"/>
               </a:rPr>
-              <a:t>Types of technical activities available::</a:t>
+              <a:t>Les types d’activités techniques disponibles sont les suivantes :</a:t>
             </a:r>
           </a:p>
           <a:p>
@@ -14930,8 +11692,8 @@
               <a:buChar char="ü"/>
             </a:pPr>
             <a:r>
-              <a:rPr lang="en-US" sz="1000"/>
-              <a:t>Health audit</a:t>
+              <a:rPr lang="fr-FR" sz="1000" dirty="0"/>
+              <a:t>Vérification de l’intégrité</a:t>
             </a:r>
           </a:p>
           <a:p>
@@ -14946,8 +11708,8 @@
               <a:buChar char="ü"/>
             </a:pPr>
             <a:r>
-              <a:rPr lang="en-US" sz="1000"/>
-              <a:t>Platform audit</a:t>
+              <a:rPr lang="fr-FR" sz="1000" dirty="0"/>
+              <a:t>Vérification de la plateforme</a:t>
             </a:r>
           </a:p>
           <a:p>
@@ -14962,8 +11724,8 @@
               <a:buChar char="ü"/>
             </a:pPr>
             <a:r>
-              <a:rPr lang="en-US" sz="1000"/>
-              <a:t>Feature set enablement</a:t>
+              <a:rPr lang="fr-FR" sz="1000" dirty="0"/>
+              <a:t>Activation de l’ensemble de fonctionnalités</a:t>
             </a:r>
           </a:p>
           <a:p>
@@ -14978,8 +11740,8 @@
               <a:buChar char="ü"/>
             </a:pPr>
             <a:r>
-              <a:rPr lang="en-US" sz="1000"/>
-              <a:t>Basic integrations and configurations</a:t>
+              <a:rPr lang="fr-FR" sz="1000" dirty="0"/>
+              <a:t>Intégrations et configurations de base</a:t>
             </a:r>
           </a:p>
           <a:p>
@@ -14994,8 +11756,8 @@
               <a:buChar char="ü"/>
             </a:pPr>
             <a:r>
-              <a:rPr lang="en-US" sz="1000"/>
-              <a:t>Customer solution troubleshooting</a:t>
+              <a:rPr lang="fr-FR" sz="1000" dirty="0"/>
+              <a:t>Résolution des problèmes liés aux solutions client</a:t>
             </a:r>
           </a:p>
           <a:p>
@@ -15010,8 +11772,8 @@
               <a:buChar char="ü"/>
             </a:pPr>
             <a:r>
-              <a:rPr lang="en-US" sz="1000"/>
-              <a:t>Cloud service support</a:t>
+              <a:rPr lang="fr-FR" sz="1000" dirty="0"/>
+              <a:t>Assistance du service Cloud</a:t>
             </a:r>
           </a:p>
         </p:txBody>
@@ -15049,22 +11811,22 @@
               </a:spcBef>
             </a:pPr>
             <a:r>
-              <a:rPr lang="en-US" sz="1000" b="1">
+              <a:rPr lang="fr-FR" sz="1000" b="1" dirty="0">
                 <a:solidFill>
                   <a:srgbClr val="000000"/>
                 </a:solidFill>
                 <a:latin typeface="+mj-lt"/>
               </a:rPr>
-              <a:t>Strategic Track Activities </a:t>
-            </a:r>
-            <a:r>
-              <a:rPr lang="en-US" sz="1000">
+              <a:t>Les activités de suivi stratégique </a:t>
+            </a:r>
+            <a:r>
+              <a:rPr lang="fr-FR" sz="1000" dirty="0">
                 <a:solidFill>
                   <a:srgbClr val="000000"/>
                 </a:solidFill>
                 <a:latin typeface="Adobe Clean Light" panose="020B0303020404020204" pitchFamily="34" charset="0"/>
               </a:rPr>
-              <a:t>locate opportunities to ensure value is being realized from a customer’s Adobe solutions. They include support recommendations related to strategy, measurement and maturity to drive value realization across one or more Adobe solutions.</a:t>
+              <a:t>localisent des opportunités pour s’assurer que les solutions Adobe d’un client génèrent de la valeur. Elles comprennent des recommandations d’assistance liées à la stratégie, à la mesure et à la maturité afin de générer de la valeur pour une ou plusieurs solutions Adobe.</a:t>
             </a:r>
           </a:p>
           <a:p>
@@ -15073,7 +11835,7 @@
                 <a:spcPts val="100"/>
               </a:spcBef>
             </a:pPr>
-            <a:endParaRPr lang="en-US" sz="1000">
+            <a:endParaRPr lang="en-US" sz="1000" dirty="0">
               <a:latin typeface="Adobe Clean Light" charset="0"/>
             </a:endParaRPr>
           </a:p>
@@ -15084,10 +11846,10 @@
               </a:spcBef>
             </a:pPr>
             <a:r>
-              <a:rPr lang="en-US" sz="1000">
+              <a:rPr lang="fr-FR" sz="1000" dirty="0">
                 <a:latin typeface="Adobe Clean Light" charset="0"/>
               </a:rPr>
-              <a:t>Types of strategic activities available::</a:t>
+              <a:t>Les types d’activités stratégiques disponibles sont les suivantes :</a:t>
             </a:r>
           </a:p>
           <a:p>
@@ -15102,8 +11864,8 @@
               <a:buChar char="ü"/>
             </a:pPr>
             <a:r>
-              <a:rPr lang="en-US" sz="1000"/>
-              <a:t>Maturity Roadmap</a:t>
+              <a:rPr lang="fr-FR" sz="1000" dirty="0"/>
+              <a:t>Feuille de route de maturité</a:t>
             </a:r>
           </a:p>
           <a:p>
@@ -15118,8 +11880,8 @@
               <a:buChar char="ü"/>
             </a:pPr>
             <a:r>
-              <a:rPr lang="en-US" sz="1000"/>
-              <a:t>Use case development/measurement</a:t>
+              <a:rPr lang="fr-FR" sz="1000" dirty="0"/>
+              <a:t>Développement/mesure des cas d’utilisation</a:t>
             </a:r>
           </a:p>
           <a:p>
@@ -15134,8 +11896,8 @@
               <a:buChar char="ü"/>
             </a:pPr>
             <a:r>
-              <a:rPr lang="en-US" sz="1000"/>
-              <a:t>Reporting &amp; analysis</a:t>
+              <a:rPr lang="fr-FR" sz="1000" dirty="0"/>
+              <a:t>Rapports et analyses</a:t>
             </a:r>
           </a:p>
           <a:p>
@@ -15150,8 +11912,8 @@
               <a:buChar char="ü"/>
             </a:pPr>
             <a:r>
-              <a:rPr lang="en-US" sz="1000"/>
-              <a:t>Best practices enablement</a:t>
+              <a:rPr lang="fr-FR" sz="1000" dirty="0"/>
+              <a:t>Activation des bonnes pratiques</a:t>
             </a:r>
           </a:p>
         </p:txBody>
@@ -15171,7 +11933,7 @@
         <p:spPr>
           <a:xfrm>
             <a:off x="3851397" y="3891661"/>
-            <a:ext cx="3525468" cy="430887"/>
+            <a:ext cx="3525468" cy="584775"/>
           </a:xfrm>
           <a:prstGeom prst="rect">
             <a:avLst/>
@@ -15190,73 +11952,96 @@
               </a:spcBef>
             </a:pPr>
             <a:r>
-              <a:rPr lang="en-US" sz="1000">
+              <a:rPr lang="fr-FR" sz="1000" dirty="0">
                 <a:solidFill>
                   <a:srgbClr val="1F1F1F"/>
                 </a:solidFill>
                 <a:latin typeface="Adobe Clean" panose="020B0503020404020204" pitchFamily="34" charset="0"/>
                 <a:cs typeface="AdobeClean-Light"/>
               </a:rPr>
-              <a:t>As an Enterprise customer, you are eligible for</a:t>
-            </a:r>
-            <a:r>
-              <a:rPr lang="en-US" sz="1200" b="1" u="sng">
-                <a:solidFill>
-                  <a:srgbClr val="1F1F1F"/>
-                </a:solidFill>
-                <a:cs typeface="AdobeClean-Light"/>
-              </a:rPr>
-              <a:t> 2 </a:t>
-            </a:r>
-            <a:r>
-              <a:rPr lang="en-US" sz="1000" b="1" u="sng">
-                <a:solidFill>
-                  <a:srgbClr val="1F1F1F"/>
-                </a:solidFill>
-                <a:cs typeface="AdobeClean-Light"/>
-              </a:rPr>
-              <a:t>activities per year </a:t>
-            </a:r>
-            <a:r>
-              <a:rPr lang="en-US" sz="1000">
+              <a:t>En tant que client d’entreprise, vous êtes éligible pour participer </a:t>
+            </a:r>
+            <a:br>
+              <a:rPr lang="sk-SK" sz="1000" dirty="0">
                 <a:solidFill>
                   <a:srgbClr val="1F1F1F"/>
                 </a:solidFill>
                 <a:latin typeface="Adobe Clean" panose="020B0503020404020204" pitchFamily="34" charset="0"/>
                 <a:cs typeface="AdobeClean-Light"/>
               </a:rPr>
-              <a:t>from the following two tracks:</a:t>
-            </a:r>
-            <a:r>
-              <a:rPr lang="en-US" sz="1000" b="1">
-                <a:solidFill>
-                  <a:srgbClr val="1F1F1F"/>
-                </a:solidFill>
-                <a:cs typeface="AdobeClean-Light"/>
-              </a:rPr>
-              <a:t> Technical </a:t>
-            </a:r>
-            <a:r>
-              <a:rPr lang="en-US" sz="1000">
+            </a:br>
+            <a:r>
+              <a:rPr lang="fr-FR" sz="1000" dirty="0">
                 <a:solidFill>
                   <a:srgbClr val="1F1F1F"/>
                 </a:solidFill>
                 <a:latin typeface="Adobe Clean" panose="020B0503020404020204" pitchFamily="34" charset="0"/>
                 <a:cs typeface="AdobeClean-Light"/>
               </a:rPr>
-              <a:t>and/or </a:t>
-            </a:r>
-            <a:r>
-              <a:rPr lang="en-US" sz="1000" b="1">
+              <a:t>à</a:t>
+            </a:r>
+            <a:r>
+              <a:rPr lang="fr-FR" sz="1200" b="1" u="sng" dirty="0">
                 <a:solidFill>
                   <a:srgbClr val="1F1F1F"/>
                 </a:solidFill>
+                <a:latin typeface="Adobe Clean" panose="020B0503020404020204" pitchFamily="34" charset="0"/>
                 <a:cs typeface="AdobeClean-Light"/>
               </a:rPr>
-              <a:t>Strategic</a:t>
-            </a:r>
-            <a:r>
-              <a:rPr lang="en-US" sz="1000">
+              <a:t> 2 </a:t>
+            </a:r>
+            <a:r>
+              <a:rPr lang="fr-FR" sz="1000" b="1" u="sng" dirty="0">
+                <a:solidFill>
+                  <a:srgbClr val="1F1F1F"/>
+                </a:solidFill>
+                <a:latin typeface="Adobe Clean" panose="020B0503020404020204" pitchFamily="34" charset="0"/>
+                <a:cs typeface="AdobeClean-Light"/>
+              </a:rPr>
+              <a:t>activités par an </a:t>
+            </a:r>
+            <a:r>
+              <a:rPr lang="fr-FR" sz="1000" dirty="0">
+                <a:solidFill>
+                  <a:srgbClr val="1F1F1F"/>
+                </a:solidFill>
+                <a:latin typeface="Adobe Clean" panose="020B0503020404020204" pitchFamily="34" charset="0"/>
+                <a:cs typeface="AdobeClean-Light"/>
+              </a:rPr>
+              <a:t>à partir de ces deux suivis :</a:t>
+            </a:r>
+            <a:r>
+              <a:rPr lang="fr-FR" sz="1000" b="1" dirty="0">
+                <a:solidFill>
+                  <a:srgbClr val="1F1F1F"/>
+                </a:solidFill>
+                <a:latin typeface="Adobe Clean" panose="020B0503020404020204" pitchFamily="34" charset="0"/>
+                <a:cs typeface="AdobeClean-Light"/>
+              </a:rPr>
+              <a:t> technique </a:t>
+            </a:r>
+            <a:r>
+              <a:rPr lang="fr-FR" sz="1000" dirty="0">
+                <a:solidFill>
+                  <a:srgbClr val="1F1F1F"/>
+                </a:solidFill>
+                <a:latin typeface="Adobe Clean" panose="020B0503020404020204" pitchFamily="34" charset="0"/>
+                <a:cs typeface="AdobeClean-Light"/>
+              </a:rPr>
+              <a:t>et/ou </a:t>
+            </a:r>
+            <a:r>
+              <a:rPr lang="fr-FR" sz="1000" b="1" dirty="0">
+                <a:solidFill>
+                  <a:srgbClr val="1F1F1F"/>
+                </a:solidFill>
+                <a:latin typeface="Adobe Clean" panose="020B0503020404020204" pitchFamily="34" charset="0"/>
+                <a:cs typeface="AdobeClean-Light"/>
+              </a:rPr>
+              <a:t>stratégique</a:t>
+            </a:r>
+            <a:r>
+              <a:rPr lang="fr-FR" sz="1000" dirty="0">
                 <a:solidFill>
                   <a:srgbClr val="1F1F1F"/>
                 </a:solidFill>
@@ -15265,12 +12050,6 @@
               </a:rPr>
               <a:t>.</a:t>
             </a:r>
-            <a:endParaRPr lang="en-US" sz="1000" b="1">
-              <a:solidFill>
-                <a:prstClr val="black"/>
-              </a:solidFill>
-              <a:cs typeface="AdobeClean-Light"/>
-            </a:endParaRPr>
           </a:p>
         </p:txBody>
       </p:sp>
@@ -15304,8 +12083,8 @@
           <a:p>
             <a:pPr algn="ctr"/>
             <a:r>
-              <a:rPr lang="en-US" sz="1100"/>
-              <a:t>Go-Live</a:t>
+              <a:rPr lang="fr-FR" sz="1100"/>
+              <a:t>Activation</a:t>
             </a:r>
           </a:p>
         </p:txBody>
@@ -15340,8 +12119,8 @@
           <a:p>
             <a:pPr algn="ctr"/>
             <a:r>
-              <a:rPr lang="en-US" sz="1100"/>
-              <a:t>Define</a:t>
+              <a:rPr lang="fr-FR" sz="1100"/>
+              <a:t>Définition</a:t>
             </a:r>
           </a:p>
         </p:txBody>
@@ -15376,8 +12155,8 @@
           <a:p>
             <a:pPr algn="ctr"/>
             <a:r>
-              <a:rPr lang="en-US" sz="1100"/>
-              <a:t>Kickoff</a:t>
+              <a:rPr lang="fr-FR" sz="1100"/>
+              <a:t>Lancement</a:t>
             </a:r>
           </a:p>
         </p:txBody>
@@ -15412,8 +12191,8 @@
           <a:p>
             <a:pPr algn="ctr"/>
             <a:r>
-              <a:rPr lang="en-US" sz="1100"/>
-              <a:t>Design</a:t>
+              <a:rPr lang="fr-FR" sz="1100"/>
+              <a:t>Conception</a:t>
             </a:r>
           </a:p>
         </p:txBody>
@@ -15470,14 +12249,14 @@
           <a:p>
             <a:pPr algn="ctr"/>
             <a:r>
-              <a:rPr lang="en-US">
+              <a:rPr lang="fr-FR">
                 <a:solidFill>
                   <a:schemeClr val="accent1">
                     <a:lumMod val="50000"/>
                   </a:schemeClr>
                 </a:solidFill>
               </a:rPr>
-              <a:t>2 Activities per Year</a:t>
+              <a:t>2 activités par an</a:t>
             </a:r>
           </a:p>
         </p:txBody>
@@ -15539,49 +12318,15 @@
               </a:lnSpc>
             </a:pPr>
             <a:r>
-              <a:rPr sz="500" spc="-5">
+              <a:rPr lang="fr-FR" sz="500">
                 <a:solidFill>
                   <a:srgbClr val="6C6C6C"/>
                 </a:solidFill>
                 <a:latin typeface="Adobe Clean"/>
                 <a:cs typeface="Adobe Clean"/>
               </a:rPr>
-              <a:t>©2020 Adobe. All Rights Reserved. </a:t>
-            </a:r>
-            <a:r>
-              <a:rPr sz="500">
-                <a:solidFill>
-                  <a:srgbClr val="6C6C6C"/>
-                </a:solidFill>
-                <a:latin typeface="Adobe Clean"/>
-                <a:cs typeface="Adobe Clean"/>
-              </a:rPr>
-              <a:t>Adobe</a:t>
-            </a:r>
-            <a:r>
-              <a:rPr sz="500" spc="5">
-                <a:solidFill>
-                  <a:srgbClr val="6C6C6C"/>
-                </a:solidFill>
-                <a:latin typeface="Adobe Clean"/>
-                <a:cs typeface="Adobe Clean"/>
-              </a:rPr>
-              <a:t> </a:t>
-            </a:r>
-            <a:r>
-              <a:rPr sz="500" spc="-5">
-                <a:solidFill>
-                  <a:srgbClr val="6C6C6C"/>
-                </a:solidFill>
-                <a:latin typeface="Adobe Clean"/>
-                <a:cs typeface="Adobe Clean"/>
-              </a:rPr>
-              <a:t>Confidential.</a:t>
-            </a:r>
-            <a:endParaRPr sz="500">
-              <a:latin typeface="Adobe Clean"/>
-              <a:cs typeface="Adobe Clean"/>
-            </a:endParaRPr>
+              <a:t>©2020 Adobe. All Rights Reserved. Données confidentielles Adobe</a:t>
+            </a:r>
           </a:p>
           <a:p>
             <a:pPr>
@@ -15607,39 +12352,15 @@
               </a:spcBef>
             </a:pPr>
             <a:r>
-              <a:rPr sz="800" spc="-5">
+              <a:rPr lang="fr-FR" sz="800">
                 <a:solidFill>
                   <a:srgbClr val="6D6D6D"/>
                 </a:solidFill>
                 <a:latin typeface="Adobe Clean"/>
                 <a:cs typeface="Adobe Clean"/>
               </a:rPr>
-              <a:t>©2020 Adobe. All Rights Reserved. Adobe</a:t>
-            </a:r>
-            <a:r>
-              <a:rPr sz="800" spc="75">
-                <a:solidFill>
-                  <a:srgbClr val="6D6D6D"/>
-                </a:solidFill>
-                <a:latin typeface="Adobe Clean"/>
-                <a:cs typeface="Adobe Clean"/>
-              </a:rPr>
-              <a:t> </a:t>
-            </a:r>
-            <a:r>
-              <a:rPr sz="800" spc="-5">
-                <a:solidFill>
-                  <a:srgbClr val="6D6D6D"/>
-                </a:solidFill>
-                <a:latin typeface="Adobe Clean"/>
-                <a:cs typeface="Adobe Clean"/>
-              </a:rPr>
-              <a:t>Confidential.</a:t>
-            </a:r>
-            <a:endParaRPr sz="800">
-              <a:latin typeface="Adobe Clean"/>
-              <a:cs typeface="Adobe Clean"/>
-            </a:endParaRPr>
+              <a:t>©2020 Adobe. All Rights Reserved. Données confidentielles Adobe</a:t>
+            </a:r>
           </a:p>
         </p:txBody>
       </p:sp>
@@ -15723,19 +12444,15 @@
               </a:spcBef>
             </a:pPr>
             <a:r>
-              <a:rPr lang="en-US" sz="1400" b="1" spc="-15">
+              <a:rPr lang="fr-FR" sz="1400" b="1">
                 <a:solidFill>
                   <a:srgbClr val="020302"/>
                 </a:solidFill>
                 <a:latin typeface="Adobe Clean"/>
                 <a:cs typeface="Adobe Clean"/>
               </a:rPr>
-              <a:t>Resources</a:t>
-            </a:r>
-            <a:endParaRPr sz="1400">
-              <a:latin typeface="Adobe Clean"/>
-              <a:cs typeface="Adobe Clean"/>
-            </a:endParaRPr>
+              <a:t>Ressources</a:t>
+            </a:r>
           </a:p>
         </p:txBody>
       </p:sp>
@@ -15769,7 +12486,7 @@
               </a:spcBef>
             </a:pPr>
             <a:r>
-              <a:rPr sz="800" spc="-15">
+              <a:rPr lang="fr-FR" sz="800">
                 <a:solidFill>
                   <a:srgbClr val="777879"/>
                 </a:solidFill>
@@ -15778,10 +12495,6 @@
               </a:rPr>
               <a:t>Adobe</a:t>
             </a:r>
-            <a:endParaRPr sz="800">
-              <a:latin typeface="Adobe Clean"/>
-              <a:cs typeface="Adobe Clean"/>
-            </a:endParaRPr>
           </a:p>
           <a:p>
             <a:pPr marL="12700">
@@ -15790,90 +12503,32 @@
               </a:lnSpc>
             </a:pPr>
             <a:r>
-              <a:rPr sz="800" spc="-15">
+              <a:rPr lang="fr-FR" sz="800">
                 <a:solidFill>
                   <a:srgbClr val="777879"/>
                 </a:solidFill>
                 <a:latin typeface="Adobe Clean"/>
                 <a:cs typeface="Adobe Clean"/>
               </a:rPr>
-              <a:t>345 Park</a:t>
-            </a:r>
-            <a:r>
-              <a:rPr sz="800" spc="-100">
+              <a:t>345 Park Avenue</a:t>
+            </a:r>
+          </a:p>
+          <a:p>
+            <a:pPr marL="12700">
+              <a:lnSpc>
+                <a:spcPts val="944"/>
+              </a:lnSpc>
+            </a:pPr>
+            <a:r>
+              <a:rPr lang="fr-FR" sz="800">
                 <a:solidFill>
                   <a:srgbClr val="777879"/>
                 </a:solidFill>
                 <a:latin typeface="Adobe Clean"/>
                 <a:cs typeface="Adobe Clean"/>
               </a:rPr>
-              <a:t> </a:t>
-            </a:r>
-            <a:r>
-              <a:rPr sz="800" spc="-15">
-                <a:solidFill>
-                  <a:srgbClr val="777879"/>
-                </a:solidFill>
-                <a:latin typeface="Adobe Clean"/>
-                <a:cs typeface="Adobe Clean"/>
-              </a:rPr>
-              <a:t>Avenue</a:t>
-            </a:r>
-            <a:endParaRPr sz="800">
-              <a:latin typeface="Adobe Clean"/>
-              <a:cs typeface="Adobe Clean"/>
-            </a:endParaRPr>
-          </a:p>
-          <a:p>
-            <a:pPr marL="12700">
-              <a:lnSpc>
-                <a:spcPts val="944"/>
-              </a:lnSpc>
-            </a:pPr>
-            <a:r>
-              <a:rPr sz="800" spc="-10">
-                <a:solidFill>
-                  <a:srgbClr val="777879"/>
-                </a:solidFill>
-                <a:latin typeface="Adobe Clean"/>
-                <a:cs typeface="Adobe Clean"/>
-              </a:rPr>
-              <a:t>San </a:t>
-            </a:r>
-            <a:r>
-              <a:rPr sz="800" spc="-15">
-                <a:solidFill>
-                  <a:srgbClr val="777879"/>
-                </a:solidFill>
-                <a:latin typeface="Adobe Clean"/>
-                <a:cs typeface="Adobe Clean"/>
-              </a:rPr>
-              <a:t>Jose,</a:t>
-            </a:r>
-            <a:r>
-              <a:rPr sz="800" spc="-140">
-                <a:solidFill>
-                  <a:srgbClr val="777879"/>
-                </a:solidFill>
-                <a:latin typeface="Adobe Clean"/>
-                <a:cs typeface="Adobe Clean"/>
-              </a:rPr>
-              <a:t> </a:t>
-            </a:r>
-            <a:r>
-              <a:rPr sz="800" spc="-20">
-                <a:solidFill>
-                  <a:srgbClr val="777879"/>
-                </a:solidFill>
-                <a:latin typeface="Adobe Clean"/>
-                <a:cs typeface="Adobe Clean"/>
-              </a:rPr>
-              <a:t>CA95110-2704</a:t>
-            </a:r>
-            <a:endParaRPr sz="800">
-              <a:latin typeface="Adobe Clean"/>
-              <a:cs typeface="Adobe Clean"/>
-            </a:endParaRPr>
+              <a:t>San Jose, CA95110-2704</a:t>
+            </a:r>
           </a:p>
           <a:p>
             <a:pPr marL="12700">
@@ -15885,19 +12540,15 @@
               </a:spcBef>
             </a:pPr>
             <a:r>
-              <a:rPr sz="800" spc="-10">
+              <a:rPr lang="fr-FR" sz="800">
                 <a:solidFill>
                   <a:srgbClr val="777879"/>
                 </a:solidFill>
                 <a:latin typeface="Adobe Clean"/>
                 <a:cs typeface="Adobe Clean"/>
               </a:rPr>
-              <a:t>USA</a:t>
-            </a:r>
-            <a:endParaRPr sz="800">
-              <a:latin typeface="Adobe Clean"/>
-              <a:cs typeface="Adobe Clean"/>
-            </a:endParaRPr>
+              <a:t>États-Unis</a:t>
+            </a:r>
           </a:p>
           <a:p>
             <a:pPr marL="12700">
@@ -15909,7 +12560,7 @@
               </a:spcBef>
             </a:pPr>
             <a:r>
-              <a:rPr sz="800" u="sng" spc="-25">
+              <a:rPr lang="fr-FR" sz="800" u="sng">
                 <a:solidFill>
                   <a:srgbClr val="5F5F5F"/>
                 </a:solidFill>
@@ -15922,12 +12573,8 @@
                 <a:cs typeface="Adobe Clean"/>
                 <a:hlinkClick r:id="rId3"/>
               </a:rPr>
-              <a:t>www.adobe.com</a:t>
-            </a:r>
-            <a:endParaRPr sz="800">
-              <a:latin typeface="Adobe Clean"/>
-              <a:cs typeface="Adobe Clean"/>
-            </a:endParaRPr>
+              <a:t>www.adobe.com/fr/</a:t>
+            </a:r>
           </a:p>
         </p:txBody>
       </p:sp>
@@ -16102,409 +12749,15 @@
               </a:spcBef>
             </a:pPr>
             <a:r>
-              <a:rPr sz="1100" i="1" spc="-10">
+              <a:rPr lang="fr-FR" sz="1100" i="1">
                 <a:solidFill>
                   <a:srgbClr val="777879"/>
                 </a:solidFill>
                 <a:latin typeface="AdobeClean-LightIt"/>
                 <a:cs typeface="AdobeClean-LightIt"/>
               </a:rPr>
-              <a:t>To</a:t>
-            </a:r>
-            <a:r>
-              <a:rPr sz="1100" i="1" spc="-50">
-                <a:solidFill>
-                  <a:srgbClr val="777879"/>
-                </a:solidFill>
-                <a:latin typeface="AdobeClean-LightIt"/>
-                <a:cs typeface="AdobeClean-LightIt"/>
-              </a:rPr>
-              <a:t> </a:t>
-            </a:r>
-            <a:r>
-              <a:rPr sz="1100" i="1" spc="-15">
-                <a:solidFill>
-                  <a:srgbClr val="777879"/>
-                </a:solidFill>
-                <a:latin typeface="AdobeClean-LightIt"/>
-                <a:cs typeface="AdobeClean-LightIt"/>
-              </a:rPr>
-              <a:t>learn</a:t>
-            </a:r>
-            <a:r>
-              <a:rPr sz="1100" i="1" spc="-40">
-                <a:solidFill>
-                  <a:srgbClr val="777879"/>
-                </a:solidFill>
-                <a:latin typeface="AdobeClean-LightIt"/>
-                <a:cs typeface="AdobeClean-LightIt"/>
-              </a:rPr>
-              <a:t> </a:t>
-            </a:r>
-            <a:r>
-              <a:rPr sz="1100" i="1" spc="-15">
-                <a:solidFill>
-                  <a:srgbClr val="777879"/>
-                </a:solidFill>
-                <a:latin typeface="AdobeClean-LightIt"/>
-                <a:cs typeface="AdobeClean-LightIt"/>
-              </a:rPr>
-              <a:t>more</a:t>
-            </a:r>
-            <a:r>
-              <a:rPr sz="1100" i="1" spc="-45">
-                <a:solidFill>
-                  <a:srgbClr val="777879"/>
-                </a:solidFill>
-                <a:latin typeface="AdobeClean-LightIt"/>
-                <a:cs typeface="AdobeClean-LightIt"/>
-              </a:rPr>
-              <a:t> </a:t>
-            </a:r>
-            <a:r>
-              <a:rPr sz="1100" i="1" spc="-15">
-                <a:solidFill>
-                  <a:srgbClr val="777879"/>
-                </a:solidFill>
-                <a:latin typeface="AdobeClean-LightIt"/>
-                <a:cs typeface="AdobeClean-LightIt"/>
-              </a:rPr>
-              <a:t>about</a:t>
-            </a:r>
-            <a:r>
-              <a:rPr sz="1100" i="1" spc="-45">
-                <a:solidFill>
-                  <a:srgbClr val="777879"/>
-                </a:solidFill>
-                <a:latin typeface="AdobeClean-LightIt"/>
-                <a:cs typeface="AdobeClean-LightIt"/>
-              </a:rPr>
-              <a:t> </a:t>
-            </a:r>
-            <a:r>
-              <a:rPr sz="1100" i="1" spc="-15">
-                <a:solidFill>
-                  <a:srgbClr val="777879"/>
-                </a:solidFill>
-                <a:latin typeface="AdobeClean-LightIt"/>
-                <a:cs typeface="AdobeClean-LightIt"/>
-              </a:rPr>
-              <a:t>Adobe</a:t>
-            </a:r>
-            <a:r>
-              <a:rPr sz="1100" i="1" spc="-50">
-                <a:solidFill>
-                  <a:srgbClr val="777879"/>
-                </a:solidFill>
-                <a:latin typeface="AdobeClean-LightIt"/>
-                <a:cs typeface="AdobeClean-LightIt"/>
-              </a:rPr>
-              <a:t> </a:t>
-            </a:r>
-            <a:r>
-              <a:rPr sz="1100" i="1" spc="-15">
-                <a:solidFill>
-                  <a:srgbClr val="777879"/>
-                </a:solidFill>
-                <a:latin typeface="AdobeClean-LightIt"/>
-                <a:cs typeface="AdobeClean-LightIt"/>
-              </a:rPr>
-              <a:t>Support</a:t>
-            </a:r>
-            <a:r>
-              <a:rPr lang="en-US" sz="1100" i="1" spc="-15">
-                <a:solidFill>
-                  <a:srgbClr val="777879"/>
-                </a:solidFill>
-                <a:latin typeface="AdobeClean-LightIt"/>
-                <a:cs typeface="AdobeClean-LightIt"/>
-              </a:rPr>
-              <a:t> Offerings</a:t>
-            </a:r>
-            <a:r>
-              <a:rPr sz="1100" i="1" spc="-75">
-                <a:solidFill>
-                  <a:srgbClr val="777879"/>
-                </a:solidFill>
-                <a:latin typeface="AdobeClean-LightIt"/>
-                <a:cs typeface="AdobeClean-LightIt"/>
-              </a:rPr>
-              <a:t> </a:t>
-            </a:r>
-            <a:r>
-              <a:rPr sz="1100" i="1" spc="-15">
-                <a:solidFill>
-                  <a:srgbClr val="777879"/>
-                </a:solidFill>
-                <a:latin typeface="AdobeClean-LightIt"/>
-                <a:cs typeface="AdobeClean-LightIt"/>
-              </a:rPr>
-              <a:t>and</a:t>
-            </a:r>
-            <a:r>
-              <a:rPr sz="1100" i="1" spc="-50">
-                <a:solidFill>
-                  <a:srgbClr val="777879"/>
-                </a:solidFill>
-                <a:latin typeface="AdobeClean-LightIt"/>
-                <a:cs typeface="AdobeClean-LightIt"/>
-              </a:rPr>
-              <a:t> </a:t>
-            </a:r>
-            <a:r>
-              <a:rPr sz="1100" i="1" spc="-15">
-                <a:solidFill>
-                  <a:srgbClr val="777879"/>
-                </a:solidFill>
-                <a:latin typeface="AdobeClean-LightIt"/>
-                <a:cs typeface="AdobeClean-LightIt"/>
-              </a:rPr>
-              <a:t>the</a:t>
-            </a:r>
-            <a:r>
-              <a:rPr sz="1100" i="1" spc="-55">
-                <a:solidFill>
-                  <a:srgbClr val="777879"/>
-                </a:solidFill>
-                <a:latin typeface="AdobeClean-LightIt"/>
-                <a:cs typeface="AdobeClean-LightIt"/>
-              </a:rPr>
-              <a:t> </a:t>
-            </a:r>
-            <a:r>
-              <a:rPr sz="1100" i="1" spc="-15">
-                <a:solidFill>
-                  <a:srgbClr val="777879"/>
-                </a:solidFill>
-                <a:latin typeface="AdobeClean-LightIt"/>
-                <a:cs typeface="AdobeClean-LightIt"/>
-              </a:rPr>
-              <a:t>right</a:t>
-            </a:r>
-            <a:r>
-              <a:rPr sz="1100" i="1" spc="-95">
-                <a:solidFill>
-                  <a:srgbClr val="777879"/>
-                </a:solidFill>
-                <a:latin typeface="AdobeClean-LightIt"/>
-                <a:cs typeface="AdobeClean-LightIt"/>
-              </a:rPr>
-              <a:t> </a:t>
-            </a:r>
-            <a:r>
-              <a:rPr sz="1100" i="1" spc="-15">
-                <a:solidFill>
-                  <a:srgbClr val="777879"/>
-                </a:solidFill>
-                <a:latin typeface="AdobeClean-LightIt"/>
-                <a:cs typeface="AdobeClean-LightIt"/>
-              </a:rPr>
-              <a:t>level</a:t>
-            </a:r>
-            <a:r>
-              <a:rPr sz="1100" i="1" spc="-55">
-                <a:solidFill>
-                  <a:srgbClr val="777879"/>
-                </a:solidFill>
-                <a:latin typeface="AdobeClean-LightIt"/>
-                <a:cs typeface="AdobeClean-LightIt"/>
-              </a:rPr>
-              <a:t> </a:t>
-            </a:r>
-            <a:r>
-              <a:rPr sz="1100" i="1" spc="-15">
-                <a:solidFill>
-                  <a:srgbClr val="777879"/>
-                </a:solidFill>
-                <a:latin typeface="AdobeClean-LightIt"/>
-                <a:cs typeface="AdobeClean-LightIt"/>
-              </a:rPr>
-              <a:t>for</a:t>
-            </a:r>
-            <a:r>
-              <a:rPr sz="1100" i="1" spc="-85">
-                <a:solidFill>
-                  <a:srgbClr val="777879"/>
-                </a:solidFill>
-                <a:latin typeface="AdobeClean-LightIt"/>
-                <a:cs typeface="AdobeClean-LightIt"/>
-              </a:rPr>
-              <a:t> </a:t>
-            </a:r>
-            <a:r>
-              <a:rPr sz="1100" i="1" spc="-15">
-                <a:solidFill>
-                  <a:srgbClr val="777879"/>
-                </a:solidFill>
-                <a:latin typeface="AdobeClean-LightIt"/>
-                <a:cs typeface="AdobeClean-LightIt"/>
-              </a:rPr>
-              <a:t>you,</a:t>
-            </a:r>
-            <a:r>
-              <a:rPr sz="1100" i="1" spc="-65">
-                <a:solidFill>
-                  <a:srgbClr val="777879"/>
-                </a:solidFill>
-                <a:latin typeface="AdobeClean-LightIt"/>
-                <a:cs typeface="AdobeClean-LightIt"/>
-              </a:rPr>
-              <a:t> </a:t>
-            </a:r>
-            <a:r>
-              <a:rPr sz="1100" i="1" spc="-15">
-                <a:solidFill>
-                  <a:srgbClr val="777879"/>
-                </a:solidFill>
-                <a:latin typeface="AdobeClean-LightIt"/>
-                <a:cs typeface="AdobeClean-LightIt"/>
-              </a:rPr>
-              <a:t>contact</a:t>
-            </a:r>
-            <a:r>
-              <a:rPr sz="1100" i="1" spc="-85">
-                <a:solidFill>
-                  <a:srgbClr val="777879"/>
-                </a:solidFill>
-                <a:latin typeface="AdobeClean-LightIt"/>
-                <a:cs typeface="AdobeClean-LightIt"/>
-              </a:rPr>
-              <a:t> </a:t>
-            </a:r>
-            <a:r>
-              <a:rPr sz="1100" i="1" spc="-15">
-                <a:solidFill>
-                  <a:srgbClr val="777879"/>
-                </a:solidFill>
-                <a:latin typeface="AdobeClean-LightIt"/>
-                <a:cs typeface="AdobeClean-LightIt"/>
-              </a:rPr>
-              <a:t>your</a:t>
-            </a:r>
-            <a:r>
-              <a:rPr sz="1100" i="1" spc="-70">
-                <a:solidFill>
-                  <a:srgbClr val="777879"/>
-                </a:solidFill>
-                <a:latin typeface="AdobeClean-LightIt"/>
-                <a:cs typeface="AdobeClean-LightIt"/>
-              </a:rPr>
-              <a:t> </a:t>
-            </a:r>
-            <a:r>
-              <a:rPr sz="1100" i="1" spc="-15">
-                <a:solidFill>
-                  <a:srgbClr val="777879"/>
-                </a:solidFill>
-                <a:latin typeface="AdobeClean-LightIt"/>
-                <a:cs typeface="AdobeClean-LightIt"/>
-              </a:rPr>
-              <a:t>Named</a:t>
-            </a:r>
-            <a:r>
-              <a:rPr sz="1100" i="1" spc="-55">
-                <a:solidFill>
-                  <a:srgbClr val="777879"/>
-                </a:solidFill>
-                <a:latin typeface="AdobeClean-LightIt"/>
-                <a:cs typeface="AdobeClean-LightIt"/>
-              </a:rPr>
-              <a:t> </a:t>
-            </a:r>
-            <a:r>
-              <a:rPr sz="1100" i="1" spc="-25">
-                <a:solidFill>
-                  <a:srgbClr val="777879"/>
-                </a:solidFill>
-                <a:latin typeface="AdobeClean-LightIt"/>
-                <a:cs typeface="AdobeClean-LightIt"/>
-              </a:rPr>
-              <a:t>Account</a:t>
-            </a:r>
-            <a:r>
-              <a:rPr sz="1100" i="1" spc="-120">
-                <a:solidFill>
-                  <a:srgbClr val="777879"/>
-                </a:solidFill>
-                <a:latin typeface="AdobeClean-LightIt"/>
-                <a:cs typeface="AdobeClean-LightIt"/>
-              </a:rPr>
-              <a:t> </a:t>
-            </a:r>
-            <a:r>
-              <a:rPr sz="1100" i="1" spc="-20">
-                <a:solidFill>
-                  <a:srgbClr val="777879"/>
-                </a:solidFill>
-                <a:latin typeface="AdobeClean-LightIt"/>
-                <a:cs typeface="AdobeClean-LightIt"/>
-              </a:rPr>
-              <a:t>Manager  </a:t>
-            </a:r>
-            <a:r>
-              <a:rPr sz="1100" i="1" spc="-15">
-                <a:solidFill>
-                  <a:srgbClr val="777879"/>
-                </a:solidFill>
-                <a:latin typeface="AdobeClean-LightIt"/>
-                <a:cs typeface="AdobeClean-LightIt"/>
-              </a:rPr>
-              <a:t>(NAM) </a:t>
-            </a:r>
-            <a:r>
-              <a:rPr sz="1100" i="1" spc="-10">
-                <a:solidFill>
-                  <a:srgbClr val="777879"/>
-                </a:solidFill>
-                <a:latin typeface="AdobeClean-LightIt"/>
-                <a:cs typeface="AdobeClean-LightIt"/>
-              </a:rPr>
-              <a:t>or </a:t>
-            </a:r>
-            <a:r>
-              <a:rPr sz="1100" i="1" spc="-15">
-                <a:solidFill>
-                  <a:srgbClr val="777879"/>
-                </a:solidFill>
-                <a:latin typeface="AdobeClean-LightIt"/>
-                <a:cs typeface="AdobeClean-LightIt"/>
-              </a:rPr>
-              <a:t>Customer </a:t>
-            </a:r>
-            <a:r>
-              <a:rPr sz="1100" i="1" spc="-20">
-                <a:solidFill>
-                  <a:srgbClr val="777879"/>
-                </a:solidFill>
-                <a:latin typeface="AdobeClean-LightIt"/>
-                <a:cs typeface="AdobeClean-LightIt"/>
-              </a:rPr>
-              <a:t>Success</a:t>
-            </a:r>
-            <a:r>
-              <a:rPr sz="1100" i="1" spc="-180">
-                <a:solidFill>
-                  <a:srgbClr val="777879"/>
-                </a:solidFill>
-                <a:latin typeface="AdobeClean-LightIt"/>
-                <a:cs typeface="AdobeClean-LightIt"/>
-              </a:rPr>
-              <a:t> </a:t>
-            </a:r>
-            <a:r>
-              <a:rPr sz="1100" i="1" spc="-15">
-                <a:solidFill>
-                  <a:srgbClr val="777879"/>
-                </a:solidFill>
-                <a:latin typeface="AdobeClean-LightIt"/>
-                <a:cs typeface="AdobeClean-LightIt"/>
-              </a:rPr>
-              <a:t>Manager(CSM)</a:t>
-            </a:r>
-            <a:endParaRPr sz="1100">
-              <a:latin typeface="AdobeClean-LightIt"/>
-              <a:cs typeface="AdobeClean-LightIt"/>
-            </a:endParaRPr>
+              <a:t>Pour en apprendre plus sur les offres de l’assistance Adobe et sur le niveau qui vous convient, contactez votre gestionnaire de compte nommé (NAM) ou votre gestionnaire de réussite client (CSM)</a:t>
+            </a:r>
           </a:p>
           <a:p>
             <a:pPr marL="34290">
@@ -16516,59 +12769,15 @@
               </a:spcBef>
             </a:pPr>
             <a:r>
-              <a:rPr sz="800" spc="-5">
+              <a:rPr lang="fr-FR" sz="800">
                 <a:solidFill>
                   <a:srgbClr val="6D6D6D"/>
                 </a:solidFill>
                 <a:latin typeface="Adobe Clean"/>
                 <a:cs typeface="Adobe Clean"/>
               </a:rPr>
-              <a:t>©202</a:t>
-            </a:r>
-            <a:r>
-              <a:rPr lang="en-US" sz="800" spc="-5">
-                <a:solidFill>
-                  <a:srgbClr val="6D6D6D"/>
-                </a:solidFill>
-                <a:latin typeface="Adobe Clean"/>
-                <a:cs typeface="Adobe Clean"/>
-              </a:rPr>
-              <a:t>1</a:t>
-            </a:r>
-            <a:r>
-              <a:rPr sz="800" spc="-5">
-                <a:solidFill>
-                  <a:srgbClr val="6D6D6D"/>
-                </a:solidFill>
-                <a:latin typeface="Adobe Clean"/>
-                <a:cs typeface="Adobe Clean"/>
-              </a:rPr>
-              <a:t> Adobe. All Rights Reserved. Adobe</a:t>
-            </a:r>
-            <a:r>
-              <a:rPr sz="800" spc="75">
-                <a:solidFill>
-                  <a:srgbClr val="6D6D6D"/>
-                </a:solidFill>
-                <a:latin typeface="Adobe Clean"/>
-                <a:cs typeface="Adobe Clean"/>
-              </a:rPr>
-              <a:t> </a:t>
-            </a:r>
-            <a:r>
-              <a:rPr sz="800" spc="-5">
-                <a:solidFill>
-                  <a:srgbClr val="6D6D6D"/>
-                </a:solidFill>
-                <a:latin typeface="Adobe Clean"/>
-                <a:cs typeface="Adobe Clean"/>
-              </a:rPr>
-              <a:t>Confidential.</a:t>
-            </a:r>
-            <a:endParaRPr sz="800">
-              <a:latin typeface="Adobe Clean"/>
-              <a:cs typeface="Adobe Clean"/>
-            </a:endParaRPr>
+              <a:t>©2021 Adobe. All Rights Reserved. Données confidentielles Adobe</a:t>
+            </a:r>
           </a:p>
         </p:txBody>
       </p:sp>
@@ -16586,8 +12795,8 @@
         </p:nvSpPr>
         <p:spPr>
           <a:xfrm>
-            <a:off x="190707" y="4913781"/>
-            <a:ext cx="6476646" cy="755976"/>
+            <a:off x="190706" y="5119521"/>
+            <a:ext cx="7274987" cy="755976"/>
           </a:xfrm>
           <a:prstGeom prst="rect">
             <a:avLst/>
@@ -16605,19 +12814,15 @@
               </a:spcBef>
             </a:pPr>
             <a:r>
-              <a:rPr lang="en-US" sz="1400" b="1" spc="-15">
+              <a:rPr lang="fr-FR" sz="1400" b="1" dirty="0">
                 <a:solidFill>
                   <a:srgbClr val="020302"/>
                 </a:solidFill>
                 <a:latin typeface="Adobe Clean"/>
                 <a:cs typeface="Adobe Clean"/>
               </a:rPr>
-              <a:t>Regional scope of Adobe Support, Local Hours Of Operation And Language Support</a:t>
-            </a:r>
-            <a:endParaRPr lang="en-US" sz="1400" spc="-15">
-              <a:ea typeface="+mn-lt"/>
-              <a:cs typeface="+mn-lt"/>
-            </a:endParaRPr>
+              <a:t>Portée régionale de l’assistance Adobe, heures ouvrables locales et assistance linguistique</a:t>
+            </a:r>
           </a:p>
           <a:p>
             <a:pPr>
@@ -16626,17 +12831,31 @@
               </a:spcBef>
             </a:pPr>
             <a:r>
-              <a:rPr lang="en-US" sz="1000" spc="-15">
+              <a:rPr lang="fr-FR" sz="1000" dirty="0">
                 <a:solidFill>
                   <a:srgbClr val="1F1F1F"/>
                 </a:solidFill>
                 <a:latin typeface="AdobeClean-Light"/>
               </a:rPr>
-              <a:t>The regional scope of Adobe Support is established by aligning the customer's billing address (via the Sales Order or other Adobe Support purchasing document) to one of the following regions:</a:t>
-            </a:r>
-            <a:endParaRPr lang="en-US" sz="1000">
-              <a:latin typeface="AdobeClean-Light"/>
-            </a:endParaRPr>
+              <a:t>La portée régionale de l’assistance Adobe est définie par l’alignement de l’adresse de facturation du client (se trouvant sur le bon de commande </a:t>
+            </a:r>
+            <a:br>
+              <a:rPr lang="sk-SK" sz="1000" dirty="0">
+                <a:solidFill>
+                  <a:srgbClr val="1F1F1F"/>
+                </a:solidFill>
+                <a:latin typeface="AdobeClean-Light"/>
+              </a:rPr>
+            </a:br>
+            <a:r>
+              <a:rPr lang="fr-FR" sz="1000" dirty="0">
+                <a:solidFill>
+                  <a:srgbClr val="1F1F1F"/>
+                </a:solidFill>
+                <a:latin typeface="AdobeClean-Light"/>
+              </a:rPr>
+              <a:t>ou tout autre document d’achat de l’assistance Adobe) avec l’une des régions suivantes :</a:t>
+            </a:r>
           </a:p>
         </p:txBody>
       </p:sp>
@@ -16708,13 +12927,13 @@
                     <a:p>
                       <a:pPr algn="ctr"/>
                       <a:r>
-                        <a:rPr lang="en-US" sz="1100">
+                        <a:rPr lang="fr-FR" sz="1100">
                           <a:solidFill>
                             <a:schemeClr val="tx1"/>
                           </a:solidFill>
                           <a:latin typeface="Adobe Clean"/>
                         </a:rPr>
-                        <a:t>Americas</a:t>
+                        <a:t>Amériques</a:t>
                       </a:r>
                     </a:p>
                   </a:txBody>
@@ -16773,13 +12992,13 @@
                     <a:p>
                       <a:pPr algn="ctr"/>
                       <a:r>
-                        <a:rPr lang="en-US" sz="1100">
+                        <a:rPr lang="fr-FR" sz="1100">
                           <a:solidFill>
                             <a:schemeClr val="tx1"/>
                           </a:solidFill>
                           <a:latin typeface="Adobe Clean"/>
                         </a:rPr>
-                        <a:t>Europe, Middle East &amp; Africa</a:t>
+                        <a:t>Europe, Moyen-Orient et Afrique</a:t>
                       </a:r>
                     </a:p>
                   </a:txBody>
@@ -16838,13 +13057,13 @@
                     <a:p>
                       <a:pPr algn="ctr"/>
                       <a:r>
-                        <a:rPr lang="en-US" sz="1100">
+                        <a:rPr lang="fr-FR" sz="1100">
                           <a:solidFill>
                             <a:schemeClr val="tx1"/>
                           </a:solidFill>
                           <a:latin typeface="Adobe Clean"/>
                         </a:rPr>
-                        <a:t>Asia Pacific</a:t>
+                        <a:t>Asie-Pacifique</a:t>
                       </a:r>
                     </a:p>
                   </a:txBody>
@@ -16903,16 +13122,16 @@
                     <a:p>
                       <a:pPr algn="ctr"/>
                       <a:r>
-                        <a:rPr lang="en-US" sz="1100">
+                        <a:rPr lang="fr-FR" sz="1100">
                           <a:solidFill>
                             <a:schemeClr val="tx1"/>
                           </a:solidFill>
                           <a:latin typeface="Adobe Clean"/>
                         </a:rPr>
-                        <a:t>Japan </a:t>
+                        <a:t>Japon </a:t>
                       </a:r>
                       <a:r>
-                        <a:rPr lang="en-US" sz="1100" baseline="30000">
+                        <a:rPr lang="fr-FR" sz="1100" baseline="30000">
                           <a:solidFill>
                             <a:schemeClr val="tx1"/>
                           </a:solidFill>
@@ -16920,12 +13139,6 @@
                         </a:rPr>
                         <a:t>1 </a:t>
                       </a:r>
-                      <a:endParaRPr lang="en-US" sz="1100">
-                        <a:solidFill>
-                          <a:schemeClr val="tx1"/>
-                        </a:solidFill>
-                        <a:latin typeface="Adobe Clean" panose="020B0503020404020204" pitchFamily="34" charset="0"/>
-                      </a:endParaRPr>
                     </a:p>
                   </a:txBody>
                   <a:tcPr anchor="ctr">
@@ -16990,13 +13203,13 @@
                     <a:p>
                       <a:pPr algn="ctr"/>
                       <a:r>
-                        <a:rPr lang="en-US" sz="1100">
+                        <a:rPr lang="fr-FR" sz="1100">
                           <a:solidFill>
                             <a:schemeClr val="tx1"/>
                           </a:solidFill>
                           <a:latin typeface="Adobe Clean"/>
                         </a:rPr>
-                        <a:t>6 am – 5:30 pm</a:t>
+                        <a:t>6 h 00 à 17 h 30</a:t>
                       </a:r>
                     </a:p>
                   </a:txBody>
@@ -17055,13 +13268,13 @@
                     <a:p>
                       <a:pPr algn="ctr"/>
                       <a:r>
-                        <a:rPr lang="en-US" sz="1100">
+                        <a:rPr lang="fr-FR" sz="1100">
                           <a:solidFill>
                             <a:schemeClr val="tx1"/>
                           </a:solidFill>
                           <a:latin typeface="Adobe Clean"/>
                         </a:rPr>
-                        <a:t>9 am – 5 pm</a:t>
+                        <a:t>9 h 00 à 17 h 00</a:t>
                       </a:r>
                     </a:p>
                   </a:txBody>
@@ -17120,13 +13333,13 @@
                     <a:p>
                       <a:pPr algn="ctr"/>
                       <a:r>
-                        <a:rPr lang="en-US" sz="1100">
+                        <a:rPr lang="fr-FR" sz="1100">
                           <a:solidFill>
                             <a:schemeClr val="tx1"/>
                           </a:solidFill>
                           <a:latin typeface="Adobe Clean"/>
                         </a:rPr>
-                        <a:t>9 am – 5 pm</a:t>
+                        <a:t>9 h 00 à 17 h 00</a:t>
                       </a:r>
                     </a:p>
                   </a:txBody>
@@ -17185,13 +13398,13 @@
                     <a:p>
                       <a:pPr algn="ctr"/>
                       <a:r>
-                        <a:rPr lang="en-US" sz="1100">
+                        <a:rPr lang="fr-FR" sz="1100">
                           <a:solidFill>
                             <a:schemeClr val="tx1"/>
                           </a:solidFill>
                           <a:latin typeface="Adobe Clean"/>
                         </a:rPr>
-                        <a:t>9 am – 5:30 pm</a:t>
+                        <a:t>9 h 00 à 17 h 30</a:t>
                       </a:r>
                     </a:p>
                   </a:txBody>
@@ -17268,12 +13481,12 @@
                         <a:buNone/>
                       </a:pPr>
                       <a:r>
-                        <a:rPr lang="en-US" sz="1100" b="0" i="0" u="none" strike="noStrike" noProof="0"/>
-                        <a:t>Language support is only available in English and Japanese.</a:t>
+                        <a:rPr lang="fr-FR" sz="1100" b="0" i="0" u="none" strike="noStrike" noProof="0" dirty="0"/>
+                        <a:t>L’assistance linguistique est uniquement disponible en anglais et en japonais.</a:t>
                       </a:r>
                     </a:p>
                     <a:p>
-                      <a:pPr lvl="0" algn="ctr">
+                      <a:pPr lvl="0" algn="l" rtl="0">
                         <a:lnSpc>
                           <a:spcPct val="100000"/>
                         </a:lnSpc>
@@ -17285,7 +13498,7 @@
                         </a:spcAft>
                         <a:buNone/>
                       </a:pPr>
-                      <a:endParaRPr lang="en-US" sz="1100" b="0" i="0" u="none" strike="noStrike" noProof="0"/>
+                      <a:endParaRPr lang="en-US" sz="1100" b="0" i="0" u="none" strike="noStrike" noProof="0" dirty="0"/>
                     </a:p>
                     <a:p>
                       <a:pPr lvl="0" algn="ctr">
@@ -17301,18 +13514,17 @@
                         <a:buNone/>
                       </a:pPr>
                       <a:r>
-                        <a:rPr lang="en-US" sz="1100" b="0" i="0" u="none" strike="noStrike" noProof="0"/>
+                        <a:rPr lang="fr-FR" sz="1100" b="0" i="0" u="none" strike="noStrike" noProof="0" dirty="0"/>
                         <a:t> </a:t>
                       </a:r>
                       <a:r>
-                        <a:rPr lang="en-US" sz="1100" b="0" i="0" u="none" strike="noStrike" baseline="30000" noProof="0"/>
+                        <a:rPr lang="fr-FR" sz="1100" b="0" i="0" u="none" strike="noStrike" baseline="30000" noProof="0" dirty="0"/>
                         <a:t>1 </a:t>
                       </a:r>
                       <a:r>
-                        <a:rPr lang="en-US" sz="1100" b="0" i="0" u="none" strike="noStrike" noProof="0"/>
-                        <a:t>P2, P3, P4 cases are limited to business hours only in Japan.</a:t>
+                        <a:rPr lang="fr-FR" sz="1100" b="0" i="0" u="none" strike="noStrike" noProof="0" dirty="0"/>
+                        <a:t>Les cas P2, P3 et P4 sont limités aux heures ouvrables uniquement au Japon.</a:t>
                       </a:r>
-                      <a:endParaRPr lang="en-US" sz="1100" b="1" i="0" u="none" strike="noStrike" noProof="0"/>
                     </a:p>
                   </a:txBody>
                   <a:tcPr anchor="ctr">
@@ -17654,8 +13866,8 @@
         </p:nvSpPr>
         <p:spPr>
           <a:xfrm>
-            <a:off x="2840871" y="8528519"/>
-            <a:ext cx="810895" cy="385445"/>
+            <a:off x="2718951" y="8528519"/>
+            <a:ext cx="1045329" cy="382797"/>
           </a:xfrm>
           <a:prstGeom prst="rect">
             <a:avLst/>
@@ -17667,7 +13879,7 @@
           </a:bodyPr>
           <a:lstStyle/>
           <a:p>
-            <a:pPr marL="139065" marR="5080" indent="-139065">
+            <a:pPr marR="5080" algn="ctr">
               <a:lnSpc>
                 <a:spcPts val="1390"/>
               </a:lnSpc>
@@ -17676,129 +13888,15 @@
               </a:spcBef>
             </a:pPr>
             <a:r>
-              <a:rPr sz="1200" b="1" spc="-15">
+              <a:rPr lang="fr-FR" sz="1200" b="1" dirty="0">
                 <a:solidFill>
                   <a:srgbClr val="FFFFFF"/>
                 </a:solidFill>
                 <a:latin typeface="Adobe Clean"/>
                 <a:cs typeface="Adobe Clean"/>
               </a:rPr>
-              <a:t>U</a:t>
-            </a:r>
-            <a:r>
-              <a:rPr sz="1200" b="1" spc="-20">
-                <a:solidFill>
-                  <a:srgbClr val="FFFFFF"/>
-                </a:solidFill>
-                <a:latin typeface="Adobe Clean"/>
-                <a:cs typeface="Adobe Clean"/>
-              </a:rPr>
-              <a:t>n</a:t>
-            </a:r>
-            <a:r>
-              <a:rPr sz="1200" b="1" spc="-25">
-                <a:solidFill>
-                  <a:srgbClr val="FFFFFF"/>
-                </a:solidFill>
-                <a:latin typeface="Adobe Clean"/>
-                <a:cs typeface="Adobe Clean"/>
-              </a:rPr>
-              <a:t>p</a:t>
-            </a:r>
-            <a:r>
-              <a:rPr sz="1200" b="1" spc="-15">
-                <a:solidFill>
-                  <a:srgbClr val="FFFFFF"/>
-                </a:solidFill>
-                <a:latin typeface="Adobe Clean"/>
-                <a:cs typeface="Adobe Clean"/>
-              </a:rPr>
-              <a:t>a</a:t>
-            </a:r>
-            <a:r>
-              <a:rPr sz="1200" b="1" spc="-25">
-                <a:solidFill>
-                  <a:srgbClr val="FFFFFF"/>
-                </a:solidFill>
-                <a:latin typeface="Adobe Clean"/>
-                <a:cs typeface="Adobe Clean"/>
-              </a:rPr>
-              <a:t>r</a:t>
-            </a:r>
-            <a:r>
-              <a:rPr sz="1200" b="1" spc="-15">
-                <a:solidFill>
-                  <a:srgbClr val="FFFFFF"/>
-                </a:solidFill>
-                <a:latin typeface="Adobe Clean"/>
-                <a:cs typeface="Adobe Clean"/>
-              </a:rPr>
-              <a:t>a</a:t>
-            </a:r>
-            <a:r>
-              <a:rPr sz="1200" b="1" spc="-30">
-                <a:solidFill>
-                  <a:srgbClr val="FFFFFF"/>
-                </a:solidFill>
-                <a:latin typeface="Adobe Clean"/>
-                <a:cs typeface="Adobe Clean"/>
-              </a:rPr>
-              <a:t>ll</a:t>
-            </a:r>
-            <a:r>
-              <a:rPr sz="1200" b="1" spc="-25">
-                <a:solidFill>
-                  <a:srgbClr val="FFFFFF"/>
-                </a:solidFill>
-                <a:latin typeface="Adobe Clean"/>
-                <a:cs typeface="Adobe Clean"/>
-              </a:rPr>
-              <a:t>e</a:t>
-            </a:r>
-            <a:r>
-              <a:rPr sz="1200" b="1" spc="-30">
-                <a:solidFill>
-                  <a:srgbClr val="FFFFFF"/>
-                </a:solidFill>
-                <a:latin typeface="Adobe Clean"/>
-                <a:cs typeface="Adobe Clean"/>
-              </a:rPr>
-              <a:t>l</a:t>
-            </a:r>
-            <a:r>
-              <a:rPr sz="1200" b="1" spc="-25">
-                <a:solidFill>
-                  <a:srgbClr val="FFFFFF"/>
-                </a:solidFill>
-                <a:latin typeface="Adobe Clean"/>
-                <a:cs typeface="Adobe Clean"/>
-              </a:rPr>
-              <a:t>e</a:t>
-            </a:r>
-            <a:r>
-              <a:rPr sz="1200" b="1">
-                <a:solidFill>
-                  <a:srgbClr val="FFFFFF"/>
-                </a:solidFill>
-                <a:latin typeface="Adobe Clean"/>
-                <a:cs typeface="Adobe Clean"/>
-              </a:rPr>
-              <a:t>d  </a:t>
-            </a:r>
-            <a:r>
-              <a:rPr sz="1200" b="1" spc="-25">
-                <a:solidFill>
-                  <a:srgbClr val="FFFFFF"/>
-                </a:solidFill>
-                <a:latin typeface="Adobe Clean"/>
-                <a:cs typeface="Adobe Clean"/>
-              </a:rPr>
-              <a:t>Expertise</a:t>
-            </a:r>
-            <a:endParaRPr sz="1200">
-              <a:latin typeface="Adobe Clean"/>
-              <a:cs typeface="Adobe Clean"/>
-            </a:endParaRPr>
+              <a:t>Expertise incomparable</a:t>
+            </a:r>
           </a:p>
         </p:txBody>
       </p:sp>
@@ -17816,7 +13914,7 @@
         </p:nvSpPr>
         <p:spPr>
           <a:xfrm>
-            <a:off x="4732495" y="8541244"/>
+            <a:off x="4686775" y="8541244"/>
             <a:ext cx="810895" cy="382797"/>
           </a:xfrm>
           <a:prstGeom prst="rect">
@@ -17829,7 +13927,7 @@
           </a:bodyPr>
           <a:lstStyle/>
           <a:p>
-            <a:pPr marL="139065" marR="5080" indent="-139065">
+            <a:pPr marR="5080" algn="ctr">
               <a:lnSpc>
                 <a:spcPts val="1390"/>
               </a:lnSpc>
@@ -17838,19 +13936,15 @@
               </a:spcBef>
             </a:pPr>
             <a:r>
-              <a:rPr lang="en-US" sz="1200" b="1" spc="-15">
+              <a:rPr lang="fr-FR" sz="1200" b="1" dirty="0">
                 <a:solidFill>
                   <a:srgbClr val="FFFFFF"/>
                 </a:solidFill>
                 <a:latin typeface="Adobe Clean"/>
                 <a:cs typeface="Adobe Clean"/>
               </a:rPr>
-              <a:t>Accelerated Support</a:t>
-            </a:r>
-            <a:endParaRPr sz="1200">
-              <a:latin typeface="Adobe Clean"/>
-              <a:cs typeface="Adobe Clean"/>
-            </a:endParaRPr>
+              <a:t>Assistance accélérée</a:t>
+            </a:r>
           </a:p>
         </p:txBody>
       </p:sp>
@@ -17868,8 +13962,8 @@
         </p:nvSpPr>
         <p:spPr>
           <a:xfrm>
-            <a:off x="6624119" y="8543943"/>
-            <a:ext cx="510540" cy="385445"/>
+            <a:off x="6509818" y="8543943"/>
+            <a:ext cx="744421" cy="382797"/>
           </a:xfrm>
           <a:prstGeom prst="rect">
             <a:avLst/>
@@ -17881,7 +13975,7 @@
           </a:bodyPr>
           <a:lstStyle/>
           <a:p>
-            <a:pPr marL="50800" marR="5080" indent="-51435">
+            <a:pPr marR="5080" algn="ctr">
               <a:lnSpc>
                 <a:spcPts val="1390"/>
               </a:lnSpc>
@@ -17890,109 +13984,15 @@
               </a:spcBef>
             </a:pPr>
             <a:r>
-              <a:rPr sz="1200" b="1" spc="-50">
+              <a:rPr lang="fr-FR" sz="1200" b="1" dirty="0">
                 <a:solidFill>
                   <a:srgbClr val="FFFFFF"/>
                 </a:solidFill>
                 <a:latin typeface="Adobe Clean"/>
                 <a:cs typeface="Adobe Clean"/>
               </a:rPr>
-              <a:t>S</a:t>
-            </a:r>
-            <a:r>
-              <a:rPr sz="1200" b="1" spc="-20">
-                <a:solidFill>
-                  <a:srgbClr val="FFFFFF"/>
-                </a:solidFill>
-                <a:latin typeface="Adobe Clean"/>
-                <a:cs typeface="Adobe Clean"/>
-              </a:rPr>
-              <a:t>t</a:t>
-            </a:r>
-            <a:r>
-              <a:rPr sz="1200" b="1" spc="-75">
-                <a:solidFill>
-                  <a:srgbClr val="FFFFFF"/>
-                </a:solidFill>
-                <a:latin typeface="Adobe Clean"/>
-                <a:cs typeface="Adobe Clean"/>
-              </a:rPr>
-              <a:t>r</a:t>
-            </a:r>
-            <a:r>
-              <a:rPr sz="1200" b="1" spc="-90">
-                <a:solidFill>
-                  <a:srgbClr val="FFFFFF"/>
-                </a:solidFill>
-                <a:latin typeface="Adobe Clean"/>
-                <a:cs typeface="Adobe Clean"/>
-              </a:rPr>
-              <a:t>a</a:t>
-            </a:r>
-            <a:r>
-              <a:rPr sz="1200" b="1" spc="-55">
-                <a:solidFill>
-                  <a:srgbClr val="FFFFFF"/>
-                </a:solidFill>
-                <a:latin typeface="Adobe Clean"/>
-                <a:cs typeface="Adobe Clean"/>
-              </a:rPr>
-              <a:t>t</a:t>
-            </a:r>
-            <a:r>
-              <a:rPr sz="1200" b="1" spc="-100">
-                <a:solidFill>
-                  <a:srgbClr val="FFFFFF"/>
-                </a:solidFill>
-                <a:latin typeface="Adobe Clean"/>
-                <a:cs typeface="Adobe Clean"/>
-              </a:rPr>
-              <a:t>e</a:t>
-            </a:r>
-            <a:r>
-              <a:rPr sz="1200" b="1" spc="-80">
-                <a:solidFill>
-                  <a:srgbClr val="FFFFFF"/>
-                </a:solidFill>
-                <a:latin typeface="Adobe Clean"/>
-                <a:cs typeface="Adobe Clean"/>
-              </a:rPr>
-              <a:t>g</a:t>
-            </a:r>
-            <a:r>
-              <a:rPr sz="1200" b="1" spc="-35">
-                <a:solidFill>
-                  <a:srgbClr val="FFFFFF"/>
-                </a:solidFill>
-                <a:latin typeface="Adobe Clean"/>
-                <a:cs typeface="Adobe Clean"/>
-              </a:rPr>
-              <a:t>i</a:t>
-            </a:r>
-            <a:r>
-              <a:rPr sz="1200" b="1">
-                <a:solidFill>
-                  <a:srgbClr val="FFFFFF"/>
-                </a:solidFill>
-                <a:latin typeface="Adobe Clean"/>
-                <a:cs typeface="Adobe Clean"/>
-              </a:rPr>
-              <a:t>c  </a:t>
-            </a:r>
-            <a:r>
-              <a:rPr sz="1200" b="1" spc="-45">
-                <a:solidFill>
-                  <a:srgbClr val="FFFFFF"/>
-                </a:solidFill>
-                <a:latin typeface="Adobe Clean"/>
-                <a:cs typeface="Adobe Clean"/>
-              </a:rPr>
-              <a:t>Advice</a:t>
-            </a:r>
-            <a:endParaRPr sz="1200">
-              <a:latin typeface="Adobe Clean"/>
-              <a:cs typeface="Adobe Clean"/>
-            </a:endParaRPr>
+              <a:t>Conseil stratégique</a:t>
+            </a:r>
           </a:p>
         </p:txBody>
       </p:sp>
@@ -18011,14 +14011,14 @@
           <p:nvPr>
             <p:extLst>
               <p:ext uri="{D42A27DB-BD31-4B8C-83A1-F6EECF244321}">
-                <p14:modId xmlns:p14="http://schemas.microsoft.com/office/powerpoint/2010/main" val="1502969284"/>
+                <p14:modId xmlns:p14="http://schemas.microsoft.com/office/powerpoint/2010/main" val="663183330"/>
               </p:ext>
             </p:extLst>
           </p:nvPr>
         </p:nvGraphicFramePr>
         <p:xfrm>
           <a:off x="194237" y="1272353"/>
-          <a:ext cx="7368291" cy="3235960"/>
+          <a:ext cx="7368291" cy="3870960"/>
         </p:xfrm>
         <a:graphic>
           <a:graphicData uri="http://schemas.openxmlformats.org/drawingml/2006/table">
@@ -18049,7 +14049,7 @@
                     <a:lstStyle/>
                     <a:p>
                       <a:r>
-                        <a:rPr lang="en-US" sz="1100" b="0">
+                        <a:rPr lang="fr-FR" sz="1100" b="0">
                           <a:solidFill>
                             <a:schemeClr val="tx1"/>
                           </a:solidFill>
@@ -18060,14 +14060,6 @@
                         </a:rPr>
                         <a:t>Experience League</a:t>
                       </a:r>
-                      <a:endParaRPr lang="en-US" sz="1100" b="0">
-                        <a:solidFill>
-                          <a:schemeClr val="tx1"/>
-                        </a:solidFill>
-                        <a:latin typeface="Adobe Clean" panose="020B0503020404020204" pitchFamily="34" charset="0"/>
-                        <a:ea typeface="+mn-ea"/>
-                        <a:cs typeface="+mn-cs"/>
-                      </a:endParaRPr>
                     </a:p>
                   </a:txBody>
                   <a:tcPr marL="47625" marR="47625" marT="0" marB="0" anchor="ctr">
@@ -18141,7 +14133,7 @@
                         <a:defRPr/>
                       </a:pPr>
                       <a:r>
-                        <a:rPr lang="en-US" sz="1000" b="0" kern="1200">
+                        <a:rPr lang="fr-FR" sz="1000" b="0" dirty="0" err="1">
                           <a:solidFill>
                             <a:srgbClr val="000000"/>
                           </a:solidFill>
@@ -18149,7 +14141,39 @@
                           <a:ea typeface="+mn-ea"/>
                           <a:cs typeface="+mn-cs"/>
                         </a:rPr>
-                        <a:t>Experience League is how Adobe helps businesses achieve the value they expect from their Adobe investment. It’s the unified place where customers can learn, connect, and grow along a personalized path to success that includes self-help tutorials, product documentation, instructor-led training, community and technical support. </a:t>
+                        <a:t>Experience</a:t>
+                      </a:r>
+                      <a:r>
+                        <a:rPr lang="fr-FR" sz="1000" b="0" dirty="0">
+                          <a:solidFill>
+                            <a:srgbClr val="000000"/>
+                          </a:solidFill>
+                          <a:latin typeface="Adobe Clean Light" panose="020B0303020404020204" pitchFamily="34" charset="0"/>
+                          <a:ea typeface="+mn-ea"/>
+                          <a:cs typeface="+mn-cs"/>
+                        </a:rPr>
+                        <a:t> League est la manière dont Adobe aide les entreprises </a:t>
+                      </a:r>
+                      <a:br>
+                        <a:rPr lang="sk-SK" sz="1000" b="0" dirty="0">
+                          <a:solidFill>
+                            <a:srgbClr val="000000"/>
+                          </a:solidFill>
+                          <a:latin typeface="Adobe Clean Light" panose="020B0303020404020204" pitchFamily="34" charset="0"/>
+                          <a:ea typeface="+mn-ea"/>
+                          <a:cs typeface="+mn-cs"/>
+                        </a:rPr>
+                      </a:br>
+                      <a:r>
+                        <a:rPr lang="fr-FR" sz="1000" b="0" dirty="0">
+                          <a:solidFill>
+                            <a:srgbClr val="000000"/>
+                          </a:solidFill>
+                          <a:latin typeface="Adobe Clean Light" panose="020B0303020404020204" pitchFamily="34" charset="0"/>
+                          <a:ea typeface="+mn-ea"/>
+                          <a:cs typeface="+mn-cs"/>
+                        </a:rPr>
+                        <a:t>à atteindre la valeur qu’elles attendent de leur investissement dans Adobe. Il s’agit de l’endroit commun où les clients peuvent apprendre, se mettre en relation les uns avec les autres et grandir le long d’un chemin personnalisé vers le succès. Il comprend des tutoriels automatiques, de la documentation sur les produits, une formation dispensée par un instructeur, une communauté et une assistance technique. </a:t>
                       </a:r>
                     </a:p>
                   </a:txBody>
@@ -18231,39 +14255,28 @@
                         <a:defRPr/>
                       </a:pPr>
                       <a:r>
-                        <a:rPr lang="en-US" sz="1100">
+                        <a:rPr lang="fr-FR" sz="1100">
                           <a:solidFill>
                             <a:schemeClr val="dk1"/>
                           </a:solidFill>
-                          <a:effectLst/>
                           <a:latin typeface="Adobe Clean" panose="020B0503020404020204" pitchFamily="34" charset="0"/>
                           <a:ea typeface="+mn-ea"/>
                           <a:cs typeface="+mn-cs"/>
                           <a:hlinkClick r:id="rId8"/>
                         </a:rPr>
-                        <a:t>Training</a:t>
+                        <a:t>Formation</a:t>
                       </a:r>
                       <a:r>
-                        <a:rPr lang="en-US" sz="1100">
+                        <a:rPr lang="fr-FR" sz="1100">
                           <a:solidFill>
                             <a:schemeClr val="dk1"/>
                           </a:solidFill>
-                          <a:effectLst/>
                           <a:latin typeface="Adobe Clean" panose="020B0503020404020204" pitchFamily="34" charset="0"/>
                           <a:ea typeface="+mn-ea"/>
                           <a:cs typeface="+mn-cs"/>
                         </a:rPr>
                         <a:t> </a:t>
                       </a:r>
-                      <a:endParaRPr lang="en-US" sz="1100">
-                        <a:solidFill>
-                          <a:schemeClr val="tx1"/>
-                        </a:solidFill>
-                        <a:effectLst/>
-                        <a:latin typeface="Adobe Clean" panose="020B0503020404020204" pitchFamily="34" charset="0"/>
-                        <a:ea typeface="+mn-ea"/>
-                        <a:cs typeface="+mn-cs"/>
-                      </a:endParaRPr>
                     </a:p>
                   </a:txBody>
                   <a:tcPr anchor="ctr">
@@ -18337,7 +14350,7 @@
                         <a:defRPr/>
                       </a:pPr>
                       <a:r>
-                        <a:rPr lang="en-US" sz="1000" kern="1200">
+                        <a:rPr lang="fr-FR" sz="1000" dirty="0">
                           <a:solidFill>
                             <a:srgbClr val="000000"/>
                           </a:solidFill>
@@ -18345,7 +14358,50 @@
                           <a:ea typeface="+mn-ea"/>
                           <a:cs typeface="+mn-cs"/>
                         </a:rPr>
-                        <a:t>Adobe Digital Learning Services courses are accessible from Experience League. Learning courses integrate both on-demand and instructor-led lessons.  Here you can accrue skills that have recognized market value and position them to drive success in your organizations.</a:t>
+                        <a:t>Les cours sur les services de formation numérique d’Adobe sont accessibles depuis </a:t>
+                      </a:r>
+                      <a:r>
+                        <a:rPr lang="fr-FR" sz="1000" dirty="0" err="1">
+                          <a:solidFill>
+                            <a:srgbClr val="000000"/>
+                          </a:solidFill>
+                          <a:latin typeface="Adobe Clean Light" panose="020B0303020404020204" pitchFamily="34" charset="0"/>
+                          <a:ea typeface="+mn-ea"/>
+                          <a:cs typeface="+mn-cs"/>
+                        </a:rPr>
+                        <a:t>Experience</a:t>
+                      </a:r>
+                      <a:r>
+                        <a:rPr lang="fr-FR" sz="1000" dirty="0">
+                          <a:solidFill>
+                            <a:srgbClr val="000000"/>
+                          </a:solidFill>
+                          <a:latin typeface="Adobe Clean Light" panose="020B0303020404020204" pitchFamily="34" charset="0"/>
+                          <a:ea typeface="+mn-ea"/>
+                          <a:cs typeface="+mn-cs"/>
+                        </a:rPr>
+                        <a:t> League. Les cours de formation regroupent des cours à la demande et des cours dispensés par un instructeur.  Grâce à ces cours, vous pouvez acquérir des compétences qui présentent une valeur marchande reconnue et les disposer </a:t>
+                      </a:r>
+                      <a:br>
+                        <a:rPr lang="sk-SK" sz="1000" dirty="0">
+                          <a:solidFill>
+                            <a:srgbClr val="000000"/>
+                          </a:solidFill>
+                          <a:latin typeface="Adobe Clean Light" panose="020B0303020404020204" pitchFamily="34" charset="0"/>
+                          <a:ea typeface="+mn-ea"/>
+                          <a:cs typeface="+mn-cs"/>
+                        </a:rPr>
+                      </a:br>
+                      <a:r>
+                        <a:rPr lang="fr-FR" sz="1000" dirty="0">
+                          <a:solidFill>
+                            <a:srgbClr val="000000"/>
+                          </a:solidFill>
+                          <a:latin typeface="Adobe Clean Light" panose="020B0303020404020204" pitchFamily="34" charset="0"/>
+                          <a:ea typeface="+mn-ea"/>
+                          <a:cs typeface="+mn-cs"/>
+                        </a:rPr>
+                        <a:t>de manière à stimuler le succès de vos entreprises.</a:t>
                       </a:r>
                     </a:p>
                   </a:txBody>
@@ -18427,27 +14483,17 @@
                         <a:defRPr/>
                       </a:pPr>
                       <a:r>
-                        <a:rPr lang="en-US" sz="1100">
+                        <a:rPr lang="fr-FR" sz="1100">
                           <a:solidFill>
                             <a:schemeClr val="tx1"/>
                           </a:solidFill>
-                          <a:effectLst/>
                           <a:latin typeface="Adobe Clean" panose="020B0503020404020204" pitchFamily="34" charset="0"/>
                           <a:ea typeface="+mn-ea"/>
                           <a:cs typeface="+mn-cs"/>
                           <a:hlinkClick r:id="rId9"/>
                         </a:rPr>
-                        <a:t>Production Issues &amp; System Outages</a:t>
+                        <a:t>Problèmes de production et panne du système</a:t>
                       </a:r>
-                      <a:endParaRPr lang="en-US" sz="1100">
-                        <a:solidFill>
-                          <a:schemeClr val="tx1"/>
-                        </a:solidFill>
-                        <a:effectLst/>
-                        <a:latin typeface="Adobe Clean" panose="020B0503020404020204" pitchFamily="34" charset="0"/>
-                        <a:ea typeface="+mn-ea"/>
-                        <a:cs typeface="+mn-cs"/>
-                      </a:endParaRPr>
                     </a:p>
                   </a:txBody>
                   <a:tcPr anchor="ctr">
@@ -18521,7 +14567,7 @@
                         <a:defRPr/>
                       </a:pPr>
                       <a:r>
-                        <a:rPr lang="en-US" sz="1000" kern="1200">
+                        <a:rPr lang="fr-FR" sz="1000">
                           <a:solidFill>
                             <a:srgbClr val="000000"/>
                           </a:solidFill>
@@ -18529,7 +14575,7 @@
                           <a:ea typeface="+mn-ea"/>
                           <a:cs typeface="+mn-cs"/>
                         </a:rPr>
-                        <a:t>Status.adobe.com conveys the health information of all Adobe products and services that are deployed in multi-tenant environments. Customers can choose their subscription preferences to get email notifications whenever Adobe creates, updates or resolves a product event. This can include scheduled maintenance or service issues of varying levels of severity. </a:t>
+                        <a:t>Status.adobe.com transmet les informations d’intégrité de tous les produits et services d’Adobe déployés dans des environnements multi-entité. Les clients peuvent choisir leurs préférences d’abonnement afin de recevoir des notifications par e-mail chaque fois qu’Adobe crée, met à jour ou résout un événement de produit. Cet événement peut inclure des problèmes de maintenance planifiée ou de service présentant différents niveaux de gravité. </a:t>
                       </a:r>
                     </a:p>
                   </a:txBody>
@@ -18611,27 +14657,17 @@
                         <a:defRPr/>
                       </a:pPr>
                       <a:r>
-                        <a:rPr lang="en-US" sz="1100">
+                        <a:rPr lang="fr-FR" sz="1100">
                           <a:solidFill>
                             <a:schemeClr val="tx1"/>
                           </a:solidFill>
-                          <a:effectLst/>
                           <a:latin typeface="Adobe Clean" panose="020B0503020404020204" pitchFamily="34" charset="0"/>
                           <a:ea typeface="+mn-ea"/>
                           <a:cs typeface="+mn-cs"/>
                           <a:hlinkClick r:id="rId10"/>
                         </a:rPr>
-                        <a:t>Terms and Conditions</a:t>
+                        <a:t>Termes et conditions</a:t>
                       </a:r>
-                      <a:endParaRPr lang="en-US" sz="1100">
-                        <a:solidFill>
-                          <a:schemeClr val="tx1"/>
-                        </a:solidFill>
-                        <a:effectLst/>
-                        <a:latin typeface="Adobe Clean" panose="020B0503020404020204" pitchFamily="34" charset="0"/>
-                        <a:ea typeface="+mn-ea"/>
-                        <a:cs typeface="+mn-cs"/>
-                      </a:endParaRPr>
                     </a:p>
                   </a:txBody>
                   <a:tcPr anchor="ctr">
@@ -18688,7 +14724,7 @@
                     <a:lstStyle/>
                     <a:p>
                       <a:r>
-                        <a:rPr lang="en-US" sz="1000" kern="1200">
+                        <a:rPr lang="fr-FR" sz="1000" dirty="0">
                           <a:solidFill>
                             <a:srgbClr val="000000"/>
                           </a:solidFill>
@@ -18696,7 +14732,7 @@
                           <a:ea typeface="+mn-ea"/>
                           <a:cs typeface="+mn-cs"/>
                         </a:rPr>
-                        <a:t>Terms and conditions detailing Support Services offerings</a:t>
+                        <a:t>Il s’agit des termes et conditions détaillant les offres des services d’assistance</a:t>
                       </a:r>
                     </a:p>
                   </a:txBody>
@@ -19467,12 +15503,9 @@
 </file>
 
 <file path=customXml/item1.xml><?xml version="1.0" encoding="utf-8"?>
-<?mso-contentType ?>
-<FormTemplates xmlns="http://schemas.microsoft.com/sharepoint/v3/contenttype/forms">
-  <Display>DocumentLibraryForm</Display>
-  <Edit>DocumentLibraryForm</Edit>
-  <New>DocumentLibraryForm</New>
-</FormTemplates>
+<p:properties xmlns:p="http://schemas.microsoft.com/office/2006/metadata/properties" xmlns:xsi="http://www.w3.org/2001/XMLSchema-instance" xmlns:pc="http://schemas.microsoft.com/office/infopath/2007/PartnerControls">
+  <documentManagement/>
+</p:properties>
 </file>
 
 <file path=customXml/item2.xml><?xml version="1.0" encoding="utf-8"?>
@@ -19681,15 +15714,19 @@
 </file>
 
 <file path=customXml/item3.xml><?xml version="1.0" encoding="utf-8"?>
-<p:properties xmlns:p="http://schemas.microsoft.com/office/2006/metadata/properties" xmlns:xsi="http://www.w3.org/2001/XMLSchema-instance" xmlns:pc="http://schemas.microsoft.com/office/infopath/2007/PartnerControls">
-  <documentManagement/>
-</p:properties>
+<?mso-contentType ?>
+<FormTemplates xmlns="http://schemas.microsoft.com/sharepoint/v3/contenttype/forms">
+  <Display>DocumentLibraryForm</Display>
+  <Edit>DocumentLibraryForm</Edit>
+  <New>DocumentLibraryForm</New>
+</FormTemplates>
 </file>
 
 <file path=customXml/itemProps1.xml><?xml version="1.0" encoding="utf-8"?>
-<ds:datastoreItem xmlns:ds="http://schemas.openxmlformats.org/officeDocument/2006/customXml" ds:itemID="{941989CE-20BB-4A6A-A33F-71A1AE469C3E}">
+<ds:datastoreItem xmlns:ds="http://schemas.openxmlformats.org/officeDocument/2006/customXml" ds:itemID="{ED4099BE-EDEC-4FF1-8378-446617236015}">
   <ds:schemaRefs>
-    <ds:schemaRef ds:uri="http://schemas.microsoft.com/sharepoint/v3/contenttype/forms"/>
+    <ds:schemaRef ds:uri="http://schemas.microsoft.com/office/2006/metadata/properties"/>
+    <ds:schemaRef ds:uri="http://schemas.microsoft.com/office/infopath/2007/PartnerControls"/>
   </ds:schemaRefs>
 </ds:datastoreItem>
 </file>
@@ -19714,10 +15751,9 @@
 </file>
 
 <file path=customXml/itemProps3.xml><?xml version="1.0" encoding="utf-8"?>
-<ds:datastoreItem xmlns:ds="http://schemas.openxmlformats.org/officeDocument/2006/customXml" ds:itemID="{ED4099BE-EDEC-4FF1-8378-446617236015}">
+<ds:datastoreItem xmlns:ds="http://schemas.openxmlformats.org/officeDocument/2006/customXml" ds:itemID="{941989CE-20BB-4A6A-A33F-71A1AE469C3E}">
   <ds:schemaRefs>
-    <ds:schemaRef ds:uri="http://schemas.microsoft.com/office/2006/metadata/properties"/>
-    <ds:schemaRef ds:uri="http://schemas.microsoft.com/office/infopath/2007/PartnerControls"/>
+    <ds:schemaRef ds:uri="http://schemas.microsoft.com/sharepoint/v3/contenttype/forms"/>
   </ds:schemaRefs>
 </ds:datastoreItem>
 </file>
--- a/help/data-sheets/assets/EnterpriseSupportDatasheet.pptx
+++ b/help/data-sheets/assets/EnterpriseSupportDatasheet.pptx
@@ -144,13 +144,9 @@
 <file path=ppt/revisionInfo.xml><?xml version="1.0" encoding="utf-8"?>
 <p1510:revInfo xmlns:a="http://schemas.openxmlformats.org/drawingml/2006/main" xmlns:r="http://schemas.openxmlformats.org/officeDocument/2006/relationships" xmlns:p1510="http://schemas.microsoft.com/office/powerpoint/2015/10/main">
   <p1510:revLst>
-    <p1510:client id="{0AB2EF93-BE08-D205-D43E-3B568BB37DAA}" v="26" dt="2021-09-22T23:01:49.517"/>
-    <p1510:client id="{0AC6A3A1-0788-C69A-5EFD-279F3FA2CF0F}" v="51" dt="2021-09-22T18:56:17.553"/>
-    <p1510:client id="{112231ED-4F38-A856-2EFF-9D0F88AC9BDF}" v="3" dt="2021-09-22T19:11:31.474"/>
-    <p1510:client id="{3CA2F123-FAC9-2CDD-7937-C83283BA7837}" v="1" dt="2021-09-16T20:58:19.458"/>
-    <p1510:client id="{3F02B349-0406-AE51-D438-E7A0BE890230}" v="20" dt="2021-08-25T18:45:08.206"/>
-    <p1510:client id="{A40C3D7D-993B-38B2-2DDA-C562505A1054}" v="4" dt="2021-09-22T23:00:46.860"/>
-    <p1510:client id="{BAC4F85F-6423-7248-85C4-44132DA97563}" v="77" dt="2021-08-07T08:51:03.454"/>
+    <p1510:client id="{19826C17-B3F5-53A1-AAFF-C7771804C7A7}" v="128" dt="2021-10-13T18:50:39.613"/>
+    <p1510:client id="{1A3D389F-0E00-444F-BDF7-5C174E20EEC2}" v="2" dt="2021-10-13T19:33:05.183"/>
+    <p1510:client id="{D02E726A-82A5-CF13-9EBE-9B674D878D37}" v="22" dt="2021-10-12T19:51:27.470"/>
   </p1510:revLst>
 </p1510:revInfo>
 </file>
@@ -158,52 +154,20 @@
 <file path=ppt/changesInfos/changesInfo1.xml><?xml version="1.0" encoding="utf-8"?>
 <pc:chgInfo xmlns:a="http://schemas.openxmlformats.org/drawingml/2006/main" xmlns:r="http://schemas.openxmlformats.org/officeDocument/2006/relationships" xmlns:ac="http://schemas.microsoft.com/office/drawing/2013/main/command" xmlns:pc="http://schemas.microsoft.com/office/powerpoint/2013/main/command">
   <pc:docChgLst>
-    <pc:chgData name="Akilah Johnson" userId="S::akjohnso@adobe.com::2fa3aa60-0c9c-4d06-bae2-795983241227" providerId="AD" clId="Web-{0AB2EF93-BE08-D205-D43E-3B568BB37DAA}"/>
+    <pc:chgData name="Akilah Johnson" userId="S::akjohnso@adobe.com::2fa3aa60-0c9c-4d06-bae2-795983241227" providerId="AD" clId="Web-{A40C3D7D-993B-38B2-2DDA-C562505A1054}"/>
     <pc:docChg chg="modSld">
-      <pc:chgData name="Akilah Johnson" userId="S::akjohnso@adobe.com::2fa3aa60-0c9c-4d06-bae2-795983241227" providerId="AD" clId="Web-{0AB2EF93-BE08-D205-D43E-3B568BB37DAA}" dt="2021-09-22T23:01:45.877" v="13"/>
+      <pc:chgData name="Akilah Johnson" userId="S::akjohnso@adobe.com::2fa3aa60-0c9c-4d06-bae2-795983241227" providerId="AD" clId="Web-{A40C3D7D-993B-38B2-2DDA-C562505A1054}" dt="2021-09-22T23:00:46.860" v="3"/>
       <pc:docMkLst>
         <pc:docMk/>
       </pc:docMkLst>
       <pc:sldChg chg="modSp">
-        <pc:chgData name="Akilah Johnson" userId="S::akjohnso@adobe.com::2fa3aa60-0c9c-4d06-bae2-795983241227" providerId="AD" clId="Web-{0AB2EF93-BE08-D205-D43E-3B568BB37DAA}" dt="2021-09-22T23:01:45.877" v="13"/>
+        <pc:chgData name="Akilah Johnson" userId="S::akjohnso@adobe.com::2fa3aa60-0c9c-4d06-bae2-795983241227" providerId="AD" clId="Web-{A40C3D7D-993B-38B2-2DDA-C562505A1054}" dt="2021-09-22T23:00:46.860" v="3"/>
         <pc:sldMkLst>
           <pc:docMk/>
           <pc:sldMk cId="1050037809" sldId="261"/>
         </pc:sldMkLst>
         <pc:graphicFrameChg chg="mod modGraphic">
-          <ac:chgData name="Akilah Johnson" userId="S::akjohnso@adobe.com::2fa3aa60-0c9c-4d06-bae2-795983241227" providerId="AD" clId="Web-{0AB2EF93-BE08-D205-D43E-3B568BB37DAA}" dt="2021-09-22T23:01:45.877" v="13"/>
-          <ac:graphicFrameMkLst>
-            <pc:docMk/>
-            <pc:sldMk cId="1050037809" sldId="261"/>
-            <ac:graphicFrameMk id="25" creationId="{3A91F5B0-3974-A14D-A146-FB590F2AAD18}"/>
-          </ac:graphicFrameMkLst>
-        </pc:graphicFrameChg>
-      </pc:sldChg>
-    </pc:docChg>
-  </pc:docChgLst>
-  <pc:docChgLst>
-    <pc:chgData name="Akilah Johnson" userId="S::akjohnso@adobe.com::2fa3aa60-0c9c-4d06-bae2-795983241227" providerId="AD" clId="Web-{0AC6A3A1-0788-C69A-5EFD-279F3FA2CF0F}"/>
-    <pc:docChg chg="modSld">
-      <pc:chgData name="Akilah Johnson" userId="S::akjohnso@adobe.com::2fa3aa60-0c9c-4d06-bae2-795983241227" providerId="AD" clId="Web-{0AC6A3A1-0788-C69A-5EFD-279F3FA2CF0F}" dt="2021-09-22T18:56:17.553" v="29"/>
-      <pc:docMkLst>
-        <pc:docMk/>
-      </pc:docMkLst>
-      <pc:sldChg chg="modSp delCm">
-        <pc:chgData name="Akilah Johnson" userId="S::akjohnso@adobe.com::2fa3aa60-0c9c-4d06-bae2-795983241227" providerId="AD" clId="Web-{0AC6A3A1-0788-C69A-5EFD-279F3FA2CF0F}" dt="2021-09-22T18:56:17.553" v="29"/>
-        <pc:sldMkLst>
-          <pc:docMk/>
-          <pc:sldMk cId="1050037809" sldId="261"/>
-        </pc:sldMkLst>
-        <pc:spChg chg="mod">
-          <ac:chgData name="Akilah Johnson" userId="S::akjohnso@adobe.com::2fa3aa60-0c9c-4d06-bae2-795983241227" providerId="AD" clId="Web-{0AC6A3A1-0788-C69A-5EFD-279F3FA2CF0F}" dt="2021-09-22T18:55:46.585" v="16" actId="20577"/>
-          <ac:spMkLst>
-            <pc:docMk/>
-            <pc:sldMk cId="1050037809" sldId="261"/>
-            <ac:spMk id="64" creationId="{41467BDC-3D83-D844-B922-CD07E94E5AAB}"/>
-          </ac:spMkLst>
-        </pc:spChg>
-        <pc:graphicFrameChg chg="mod modGraphic">
-          <ac:chgData name="Akilah Johnson" userId="S::akjohnso@adobe.com::2fa3aa60-0c9c-4d06-bae2-795983241227" providerId="AD" clId="Web-{0AC6A3A1-0788-C69A-5EFD-279F3FA2CF0F}" dt="2021-09-22T18:55:59.928" v="28"/>
+          <ac:chgData name="Akilah Johnson" userId="S::akjohnso@adobe.com::2fa3aa60-0c9c-4d06-bae2-795983241227" providerId="AD" clId="Web-{A40C3D7D-993B-38B2-2DDA-C562505A1054}" dt="2021-09-22T23:00:46.860" v="3"/>
           <ac:graphicFrameMkLst>
             <pc:docMk/>
             <pc:sldMk cId="1050037809" sldId="261"/>
@@ -246,6 +210,86 @@
     </pc:docChg>
   </pc:docChgLst>
   <pc:docChgLst>
+    <pc:chgData name="Akilah Johnson" userId="S::akjohnso@adobe.com::2fa3aa60-0c9c-4d06-bae2-795983241227" providerId="AD" clId="Web-{0AC6A3A1-0788-C69A-5EFD-279F3FA2CF0F}"/>
+    <pc:docChg chg="modSld">
+      <pc:chgData name="Akilah Johnson" userId="S::akjohnso@adobe.com::2fa3aa60-0c9c-4d06-bae2-795983241227" providerId="AD" clId="Web-{0AC6A3A1-0788-C69A-5EFD-279F3FA2CF0F}" dt="2021-09-22T18:56:17.553" v="29"/>
+      <pc:docMkLst>
+        <pc:docMk/>
+      </pc:docMkLst>
+      <pc:sldChg chg="modSp delCm">
+        <pc:chgData name="Akilah Johnson" userId="S::akjohnso@adobe.com::2fa3aa60-0c9c-4d06-bae2-795983241227" providerId="AD" clId="Web-{0AC6A3A1-0788-C69A-5EFD-279F3FA2CF0F}" dt="2021-09-22T18:56:17.553" v="29"/>
+        <pc:sldMkLst>
+          <pc:docMk/>
+          <pc:sldMk cId="1050037809" sldId="261"/>
+        </pc:sldMkLst>
+        <pc:spChg chg="mod">
+          <ac:chgData name="Akilah Johnson" userId="S::akjohnso@adobe.com::2fa3aa60-0c9c-4d06-bae2-795983241227" providerId="AD" clId="Web-{0AC6A3A1-0788-C69A-5EFD-279F3FA2CF0F}" dt="2021-09-22T18:55:46.585" v="16" actId="20577"/>
+          <ac:spMkLst>
+            <pc:docMk/>
+            <pc:sldMk cId="1050037809" sldId="261"/>
+            <ac:spMk id="64" creationId="{41467BDC-3D83-D844-B922-CD07E94E5AAB}"/>
+          </ac:spMkLst>
+        </pc:spChg>
+        <pc:graphicFrameChg chg="mod modGraphic">
+          <ac:chgData name="Akilah Johnson" userId="S::akjohnso@adobe.com::2fa3aa60-0c9c-4d06-bae2-795983241227" providerId="AD" clId="Web-{0AC6A3A1-0788-C69A-5EFD-279F3FA2CF0F}" dt="2021-09-22T18:55:59.928" v="28"/>
+          <ac:graphicFrameMkLst>
+            <pc:docMk/>
+            <pc:sldMk cId="1050037809" sldId="261"/>
+            <ac:graphicFrameMk id="25" creationId="{3A91F5B0-3974-A14D-A146-FB590F2AAD18}"/>
+          </ac:graphicFrameMkLst>
+        </pc:graphicFrameChg>
+      </pc:sldChg>
+    </pc:docChg>
+  </pc:docChgLst>
+  <pc:docChgLst>
+    <pc:chgData name="Akilah Johnson" userId="S::akjohnso@adobe.com::2fa3aa60-0c9c-4d06-bae2-795983241227" providerId="AD" clId="Web-{D02E726A-82A5-CF13-9EBE-9B674D878D37}"/>
+    <pc:docChg chg="modSld">
+      <pc:chgData name="Akilah Johnson" userId="S::akjohnso@adobe.com::2fa3aa60-0c9c-4d06-bae2-795983241227" providerId="AD" clId="Web-{D02E726A-82A5-CF13-9EBE-9B674D878D37}" dt="2021-10-12T19:51:27.470" v="10"/>
+      <pc:docMkLst>
+        <pc:docMk/>
+      </pc:docMkLst>
+      <pc:sldChg chg="modSp delCm">
+        <pc:chgData name="Akilah Johnson" userId="S::akjohnso@adobe.com::2fa3aa60-0c9c-4d06-bae2-795983241227" providerId="AD" clId="Web-{D02E726A-82A5-CF13-9EBE-9B674D878D37}" dt="2021-10-12T19:51:27.470" v="10"/>
+        <pc:sldMkLst>
+          <pc:docMk/>
+          <pc:sldMk cId="2161849182" sldId="267"/>
+        </pc:sldMkLst>
+        <pc:spChg chg="mod">
+          <ac:chgData name="Akilah Johnson" userId="S::akjohnso@adobe.com::2fa3aa60-0c9c-4d06-bae2-795983241227" providerId="AD" clId="Web-{D02E726A-82A5-CF13-9EBE-9B674D878D37}" dt="2021-10-12T19:51:04.127" v="8" actId="20577"/>
+          <ac:spMkLst>
+            <pc:docMk/>
+            <pc:sldMk cId="2161849182" sldId="267"/>
+            <ac:spMk id="2" creationId="{00000000-0000-0000-0000-000000000000}"/>
+          </ac:spMkLst>
+        </pc:spChg>
+      </pc:sldChg>
+    </pc:docChg>
+  </pc:docChgLst>
+  <pc:docChgLst>
+    <pc:chgData name="Akilah Johnson" userId="S::akjohnso@adobe.com::2fa3aa60-0c9c-4d06-bae2-795983241227" providerId="AD" clId="Web-{0AB2EF93-BE08-D205-D43E-3B568BB37DAA}"/>
+    <pc:docChg chg="modSld">
+      <pc:chgData name="Akilah Johnson" userId="S::akjohnso@adobe.com::2fa3aa60-0c9c-4d06-bae2-795983241227" providerId="AD" clId="Web-{0AB2EF93-BE08-D205-D43E-3B568BB37DAA}" dt="2021-09-22T23:01:45.877" v="13"/>
+      <pc:docMkLst>
+        <pc:docMk/>
+      </pc:docMkLst>
+      <pc:sldChg chg="modSp">
+        <pc:chgData name="Akilah Johnson" userId="S::akjohnso@adobe.com::2fa3aa60-0c9c-4d06-bae2-795983241227" providerId="AD" clId="Web-{0AB2EF93-BE08-D205-D43E-3B568BB37DAA}" dt="2021-09-22T23:01:45.877" v="13"/>
+        <pc:sldMkLst>
+          <pc:docMk/>
+          <pc:sldMk cId="1050037809" sldId="261"/>
+        </pc:sldMkLst>
+        <pc:graphicFrameChg chg="mod modGraphic">
+          <ac:chgData name="Akilah Johnson" userId="S::akjohnso@adobe.com::2fa3aa60-0c9c-4d06-bae2-795983241227" providerId="AD" clId="Web-{0AB2EF93-BE08-D205-D43E-3B568BB37DAA}" dt="2021-09-22T23:01:45.877" v="13"/>
+          <ac:graphicFrameMkLst>
+            <pc:docMk/>
+            <pc:sldMk cId="1050037809" sldId="261"/>
+            <ac:graphicFrameMk id="25" creationId="{3A91F5B0-3974-A14D-A146-FB590F2AAD18}"/>
+          </ac:graphicFrameMkLst>
+        </pc:graphicFrameChg>
+      </pc:sldChg>
+    </pc:docChg>
+  </pc:docChgLst>
+  <pc:docChgLst>
     <pc:chgData name="Andy Witt" userId="S::awitt@adobe.com::e9157bdf-53b2-40e4-9459-936793d75696" providerId="AD" clId="Web-{3F02B349-0406-AE51-D438-E7A0BE890230}"/>
     <pc:docChg chg="modSld">
       <pc:chgData name="Andy Witt" userId="S::awitt@adobe.com::e9157bdf-53b2-40e4-9459-936793d75696" providerId="AD" clId="Web-{3F02B349-0406-AE51-D438-E7A0BE890230}" dt="2021-08-25T18:45:07.550" v="11"/>
@@ -264,6 +308,61 @@
             <pc:docMk/>
             <pc:sldMk cId="1050037809" sldId="261"/>
             <ac:graphicFrameMk id="25" creationId="{3A91F5B0-3974-A14D-A146-FB590F2AAD18}"/>
+          </ac:graphicFrameMkLst>
+        </pc:graphicFrameChg>
+      </pc:sldChg>
+    </pc:docChg>
+  </pc:docChgLst>
+  <pc:docChgLst>
+    <pc:chgData name="Lauren Schutte" userId="6e08b2d3-447a-4d66-86be-444d50df187f" providerId="ADAL" clId="{1A3D389F-0E00-444F-BDF7-5C174E20EEC2}"/>
+    <pc:docChg chg="undo custSel modSld">
+      <pc:chgData name="Lauren Schutte" userId="6e08b2d3-447a-4d66-86be-444d50df187f" providerId="ADAL" clId="{1A3D389F-0E00-444F-BDF7-5C174E20EEC2}" dt="2021-10-13T19:40:59.066" v="67" actId="20577"/>
+      <pc:docMkLst>
+        <pc:docMk/>
+      </pc:docMkLst>
+      <pc:sldChg chg="delSp modSp mod">
+        <pc:chgData name="Lauren Schutte" userId="6e08b2d3-447a-4d66-86be-444d50df187f" providerId="ADAL" clId="{1A3D389F-0E00-444F-BDF7-5C174E20EEC2}" dt="2021-10-13T19:40:25.578" v="61" actId="478"/>
+        <pc:sldMkLst>
+          <pc:docMk/>
+          <pc:sldMk cId="5960377" sldId="259"/>
+        </pc:sldMkLst>
+        <pc:spChg chg="mod">
+          <ac:chgData name="Lauren Schutte" userId="6e08b2d3-447a-4d66-86be-444d50df187f" providerId="ADAL" clId="{1A3D389F-0E00-444F-BDF7-5C174E20EEC2}" dt="2021-10-13T19:33:45.182" v="59" actId="20577"/>
+          <ac:spMkLst>
+            <pc:docMk/>
+            <pc:sldMk cId="5960377" sldId="259"/>
+            <ac:spMk id="127" creationId="{BB896A03-8E7E-344F-BDE1-37C49461FF04}"/>
+          </ac:spMkLst>
+        </pc:spChg>
+        <pc:grpChg chg="del mod">
+          <ac:chgData name="Lauren Schutte" userId="6e08b2d3-447a-4d66-86be-444d50df187f" providerId="ADAL" clId="{1A3D389F-0E00-444F-BDF7-5C174E20EEC2}" dt="2021-10-13T19:40:25.578" v="61" actId="478"/>
+          <ac:grpSpMkLst>
+            <pc:docMk/>
+            <pc:sldMk cId="5960377" sldId="259"/>
+            <ac:grpSpMk id="62" creationId="{C539739D-1D3E-204D-9819-C44D9AE36DE8}"/>
+          </ac:grpSpMkLst>
+        </pc:grpChg>
+      </pc:sldChg>
+      <pc:sldChg chg="modSp mod">
+        <pc:chgData name="Lauren Schutte" userId="6e08b2d3-447a-4d66-86be-444d50df187f" providerId="ADAL" clId="{1A3D389F-0E00-444F-BDF7-5C174E20EEC2}" dt="2021-10-13T19:40:59.066" v="67" actId="20577"/>
+        <pc:sldMkLst>
+          <pc:docMk/>
+          <pc:sldMk cId="2161849182" sldId="267"/>
+        </pc:sldMkLst>
+        <pc:spChg chg="mod">
+          <ac:chgData name="Lauren Schutte" userId="6e08b2d3-447a-4d66-86be-444d50df187f" providerId="ADAL" clId="{1A3D389F-0E00-444F-BDF7-5C174E20EEC2}" dt="2021-10-13T19:40:59.066" v="67" actId="20577"/>
+          <ac:spMkLst>
+            <pc:docMk/>
+            <pc:sldMk cId="2161849182" sldId="267"/>
+            <ac:spMk id="2" creationId="{00000000-0000-0000-0000-000000000000}"/>
+          </ac:spMkLst>
+        </pc:spChg>
+        <pc:graphicFrameChg chg="mod modGraphic">
+          <ac:chgData name="Lauren Schutte" userId="6e08b2d3-447a-4d66-86be-444d50df187f" providerId="ADAL" clId="{1A3D389F-0E00-444F-BDF7-5C174E20EEC2}" dt="2021-10-13T19:33:05.183" v="58"/>
+          <ac:graphicFrameMkLst>
+            <pc:docMk/>
+            <pc:sldMk cId="2161849182" sldId="267"/>
+            <ac:graphicFrameMk id="9" creationId="{00000000-0000-0000-0000-000000000000}"/>
           </ac:graphicFrameMkLst>
         </pc:graphicFrameChg>
       </pc:sldChg>
@@ -294,24 +393,133 @@
     </pc:docChg>
   </pc:docChgLst>
   <pc:docChgLst>
-    <pc:chgData name="Akilah Johnson" userId="S::akjohnso@adobe.com::2fa3aa60-0c9c-4d06-bae2-795983241227" providerId="AD" clId="Web-{A40C3D7D-993B-38B2-2DDA-C562505A1054}"/>
+    <pc:chgData name="Akilah Johnson" userId="S::akjohnso@adobe.com::2fa3aa60-0c9c-4d06-bae2-795983241227" providerId="AD" clId="Web-{19826C17-B3F5-53A1-AAFF-C7771804C7A7}"/>
     <pc:docChg chg="modSld">
-      <pc:chgData name="Akilah Johnson" userId="S::akjohnso@adobe.com::2fa3aa60-0c9c-4d06-bae2-795983241227" providerId="AD" clId="Web-{A40C3D7D-993B-38B2-2DDA-C562505A1054}" dt="2021-09-22T23:00:46.860" v="3"/>
+      <pc:chgData name="Akilah Johnson" userId="S::akjohnso@adobe.com::2fa3aa60-0c9c-4d06-bae2-795983241227" providerId="AD" clId="Web-{19826C17-B3F5-53A1-AAFF-C7771804C7A7}" dt="2021-10-13T18:50:21.160" v="67"/>
       <pc:docMkLst>
         <pc:docMk/>
       </pc:docMkLst>
       <pc:sldChg chg="modSp">
-        <pc:chgData name="Akilah Johnson" userId="S::akjohnso@adobe.com::2fa3aa60-0c9c-4d06-bae2-795983241227" providerId="AD" clId="Web-{A40C3D7D-993B-38B2-2DDA-C562505A1054}" dt="2021-09-22T23:00:46.860" v="3"/>
+        <pc:chgData name="Akilah Johnson" userId="S::akjohnso@adobe.com::2fa3aa60-0c9c-4d06-bae2-795983241227" providerId="AD" clId="Web-{19826C17-B3F5-53A1-AAFF-C7771804C7A7}" dt="2021-10-13T18:38:26.810" v="9" actId="20577"/>
+        <pc:sldMkLst>
+          <pc:docMk/>
+          <pc:sldMk cId="5960377" sldId="259"/>
+        </pc:sldMkLst>
+        <pc:spChg chg="mod">
+          <ac:chgData name="Akilah Johnson" userId="S::akjohnso@adobe.com::2fa3aa60-0c9c-4d06-bae2-795983241227" providerId="AD" clId="Web-{19826C17-B3F5-53A1-AAFF-C7771804C7A7}" dt="2021-10-13T18:38:26.810" v="9" actId="20577"/>
+          <ac:spMkLst>
+            <pc:docMk/>
+            <pc:sldMk cId="5960377" sldId="259"/>
+            <ac:spMk id="75" creationId="{4602CC83-B0C7-8445-9007-87E67CDDD9D0}"/>
+          </ac:spMkLst>
+        </pc:spChg>
+        <pc:spChg chg="mod">
+          <ac:chgData name="Akilah Johnson" userId="S::akjohnso@adobe.com::2fa3aa60-0c9c-4d06-bae2-795983241227" providerId="AD" clId="Web-{19826C17-B3F5-53A1-AAFF-C7771804C7A7}" dt="2021-10-13T18:38:17.716" v="5" actId="20577"/>
+          <ac:spMkLst>
+            <pc:docMk/>
+            <pc:sldMk cId="5960377" sldId="259"/>
+            <ac:spMk id="83" creationId="{7A016ADC-2A30-8A4B-BE07-A9AB6C1898A7}"/>
+          </ac:spMkLst>
+        </pc:spChg>
+        <pc:spChg chg="mod">
+          <ac:chgData name="Akilah Johnson" userId="S::akjohnso@adobe.com::2fa3aa60-0c9c-4d06-bae2-795983241227" providerId="AD" clId="Web-{19826C17-B3F5-53A1-AAFF-C7771804C7A7}" dt="2021-10-13T18:38:19.654" v="6" actId="20577"/>
+          <ac:spMkLst>
+            <pc:docMk/>
+            <pc:sldMk cId="5960377" sldId="259"/>
+            <ac:spMk id="87" creationId="{57C0C871-6516-F145-97DA-27A143E6185C}"/>
+          </ac:spMkLst>
+        </pc:spChg>
+        <pc:spChg chg="mod">
+          <ac:chgData name="Akilah Johnson" userId="S::akjohnso@adobe.com::2fa3aa60-0c9c-4d06-bae2-795983241227" providerId="AD" clId="Web-{19826C17-B3F5-53A1-AAFF-C7771804C7A7}" dt="2021-10-13T18:38:14.044" v="4" actId="20577"/>
+          <ac:spMkLst>
+            <pc:docMk/>
+            <pc:sldMk cId="5960377" sldId="259"/>
+            <ac:spMk id="124" creationId="{14AAF776-9013-4C40-92F9-FFFE22C4038F}"/>
+          </ac:spMkLst>
+        </pc:spChg>
+        <pc:spChg chg="mod">
+          <ac:chgData name="Akilah Johnson" userId="S::akjohnso@adobe.com::2fa3aa60-0c9c-4d06-bae2-795983241227" providerId="AD" clId="Web-{19826C17-B3F5-53A1-AAFF-C7771804C7A7}" dt="2021-10-13T18:38:10.013" v="2" actId="20577"/>
+          <ac:spMkLst>
+            <pc:docMk/>
+            <pc:sldMk cId="5960377" sldId="259"/>
+            <ac:spMk id="125" creationId="{AF4EBBF5-5438-A043-B9AA-3822381D52EE}"/>
+          </ac:spMkLst>
+        </pc:spChg>
+        <pc:spChg chg="mod">
+          <ac:chgData name="Akilah Johnson" userId="S::akjohnso@adobe.com::2fa3aa60-0c9c-4d06-bae2-795983241227" providerId="AD" clId="Web-{19826C17-B3F5-53A1-AAFF-C7771804C7A7}" dt="2021-10-13T18:38:12.263" v="3" actId="20577"/>
+          <ac:spMkLst>
+            <pc:docMk/>
+            <pc:sldMk cId="5960377" sldId="259"/>
+            <ac:spMk id="126" creationId="{7F65676D-32E4-7B4B-BB85-4D504B5882BD}"/>
+          </ac:spMkLst>
+        </pc:spChg>
+      </pc:sldChg>
+      <pc:sldChg chg="modSp">
+        <pc:chgData name="Akilah Johnson" userId="S::akjohnso@adobe.com::2fa3aa60-0c9c-4d06-bae2-795983241227" providerId="AD" clId="Web-{19826C17-B3F5-53A1-AAFF-C7771804C7A7}" dt="2021-10-13T18:40:23.717" v="19" actId="20577"/>
         <pc:sldMkLst>
           <pc:docMk/>
           <pc:sldMk cId="1050037809" sldId="261"/>
         </pc:sldMkLst>
+        <pc:spChg chg="mod">
+          <ac:chgData name="Akilah Johnson" userId="S::akjohnso@adobe.com::2fa3aa60-0c9c-4d06-bae2-795983241227" providerId="AD" clId="Web-{19826C17-B3F5-53A1-AAFF-C7771804C7A7}" dt="2021-10-13T18:40:23.717" v="19" actId="20577"/>
+          <ac:spMkLst>
+            <pc:docMk/>
+            <pc:sldMk cId="1050037809" sldId="261"/>
+            <ac:spMk id="56" creationId="{00000000-0000-0000-0000-000000000000}"/>
+          </ac:spMkLst>
+        </pc:spChg>
         <pc:graphicFrameChg chg="mod modGraphic">
-          <ac:chgData name="Akilah Johnson" userId="S::akjohnso@adobe.com::2fa3aa60-0c9c-4d06-bae2-795983241227" providerId="AD" clId="Web-{A40C3D7D-993B-38B2-2DDA-C562505A1054}" dt="2021-09-22T23:00:46.860" v="3"/>
+          <ac:chgData name="Akilah Johnson" userId="S::akjohnso@adobe.com::2fa3aa60-0c9c-4d06-bae2-795983241227" providerId="AD" clId="Web-{19826C17-B3F5-53A1-AAFF-C7771804C7A7}" dt="2021-10-13T18:39:38.154" v="17"/>
           <ac:graphicFrameMkLst>
             <pc:docMk/>
             <pc:sldMk cId="1050037809" sldId="261"/>
-            <ac:graphicFrameMk id="25" creationId="{3A91F5B0-3974-A14D-A146-FB590F2AAD18}"/>
+            <ac:graphicFrameMk id="111" creationId="{D8653CEC-4213-DE40-9BAF-D1E3318FF89C}"/>
+          </ac:graphicFrameMkLst>
+        </pc:graphicFrameChg>
+      </pc:sldChg>
+      <pc:sldChg chg="modSp">
+        <pc:chgData name="Akilah Johnson" userId="S::akjohnso@adobe.com::2fa3aa60-0c9c-4d06-bae2-795983241227" providerId="AD" clId="Web-{19826C17-B3F5-53A1-AAFF-C7771804C7A7}" dt="2021-10-13T18:39:10.373" v="15" actId="20577"/>
+        <pc:sldMkLst>
+          <pc:docMk/>
+          <pc:sldMk cId="717026355" sldId="266"/>
+        </pc:sldMkLst>
+        <pc:spChg chg="mod">
+          <ac:chgData name="Akilah Johnson" userId="S::akjohnso@adobe.com::2fa3aa60-0c9c-4d06-bae2-795983241227" providerId="AD" clId="Web-{19826C17-B3F5-53A1-AAFF-C7771804C7A7}" dt="2021-10-13T18:39:10.373" v="15" actId="20577"/>
+          <ac:spMkLst>
+            <pc:docMk/>
+            <pc:sldMk cId="717026355" sldId="266"/>
+            <ac:spMk id="9" creationId="{00000000-0000-0000-0000-000000000000}"/>
+          </ac:spMkLst>
+        </pc:spChg>
+        <pc:spChg chg="mod">
+          <ac:chgData name="Akilah Johnson" userId="S::akjohnso@adobe.com::2fa3aa60-0c9c-4d06-bae2-795983241227" providerId="AD" clId="Web-{19826C17-B3F5-53A1-AAFF-C7771804C7A7}" dt="2021-10-13T18:38:44.029" v="11" actId="20577"/>
+          <ac:spMkLst>
+            <pc:docMk/>
+            <pc:sldMk cId="717026355" sldId="266"/>
+            <ac:spMk id="82" creationId="{F6061E8D-9723-464D-AA49-7A3A3A02BE92}"/>
+          </ac:spMkLst>
+        </pc:spChg>
+        <pc:spChg chg="mod">
+          <ac:chgData name="Akilah Johnson" userId="S::akjohnso@adobe.com::2fa3aa60-0c9c-4d06-bae2-795983241227" providerId="AD" clId="Web-{19826C17-B3F5-53A1-AAFF-C7771804C7A7}" dt="2021-10-13T18:39:00.638" v="13" actId="20577"/>
+          <ac:spMkLst>
+            <pc:docMk/>
+            <pc:sldMk cId="717026355" sldId="266"/>
+            <ac:spMk id="83" creationId="{BB34E685-A734-974B-A33A-BE51D1A8BC0D}"/>
+          </ac:spMkLst>
+        </pc:spChg>
+      </pc:sldChg>
+      <pc:sldChg chg="modSp">
+        <pc:chgData name="Akilah Johnson" userId="S::akjohnso@adobe.com::2fa3aa60-0c9c-4d06-bae2-795983241227" providerId="AD" clId="Web-{19826C17-B3F5-53A1-AAFF-C7771804C7A7}" dt="2021-10-13T18:50:21.160" v="67"/>
+        <pc:sldMkLst>
+          <pc:docMk/>
+          <pc:sldMk cId="2161849182" sldId="267"/>
+        </pc:sldMkLst>
+        <pc:graphicFrameChg chg="mod modGraphic">
+          <ac:chgData name="Akilah Johnson" userId="S::akjohnso@adobe.com::2fa3aa60-0c9c-4d06-bae2-795983241227" providerId="AD" clId="Web-{19826C17-B3F5-53A1-AAFF-C7771804C7A7}" dt="2021-10-13T18:50:21.160" v="67"/>
+          <ac:graphicFrameMkLst>
+            <pc:docMk/>
+            <pc:sldMk cId="2161849182" sldId="267"/>
+            <ac:graphicFrameMk id="9" creationId="{00000000-0000-0000-0000-000000000000}"/>
           </ac:graphicFrameMkLst>
         </pc:graphicFrameChg>
       </pc:sldChg>
@@ -321,40 +529,6 @@
 </file>
 
 <file path=ppt/comments/comment1.xml><?xml version="1.0" encoding="utf-8"?>
-<p:cmLst xmlns:a="http://schemas.openxmlformats.org/drawingml/2006/main" xmlns:r="http://schemas.openxmlformats.org/officeDocument/2006/relationships" xmlns:p="http://schemas.openxmlformats.org/presentationml/2006/main">
-  <p:cm authorId="1" dt="2021-08-04T14:42:10.630" idx="4">
-    <p:pos x="-3291" y="2170"/>
-    <p:text/>
-    <p:extLst>
-      <p:ext uri="{C676402C-5697-4E1C-873F-D02D1690AC5C}">
-        <p15:threadingInfo xmlns:p15="http://schemas.microsoft.com/office/powerpoint/2012/main" timeZoneBias="420"/>
-      </p:ext>
-    </p:extLst>
-  </p:cm>
-  <p:cm authorId="1" dt="2021-08-04T14:42:19.668" idx="5">
-    <p:pos x="4567" y="1502"/>
-    <p:text>Can we add a darker blue line under 'Enterprise Support?'</p:text>
-    <p:extLst>
-      <p:ext uri="{C676402C-5697-4E1C-873F-D02D1690AC5C}">
-        <p15:threadingInfo xmlns:p15="http://schemas.microsoft.com/office/powerpoint/2012/main" timeZoneBias="420"/>
-      </p:ext>
-    </p:extLst>
-  </p:cm>
-  <p:cm authorId="1" dt="2021-08-04T15:01:35.985" idx="8">
-    <p:pos x="4567" y="1598"/>
-    <p:text>Hi Ankita, I did my best to keep the formatting you already worked so hard on. I added a few comments on things I'll need your help with . Thank again so much!</p:text>
-    <p:extLst>
-      <p:ext uri="{C676402C-5697-4E1C-873F-D02D1690AC5C}">
-        <p15:threadingInfo xmlns:p15="http://schemas.microsoft.com/office/powerpoint/2012/main" timeZoneBias="420">
-          <p15:parentCm authorId="1" idx="5"/>
-        </p15:threadingInfo>
-      </p:ext>
-    </p:extLst>
-  </p:cm>
-</p:cmLst>
-</file>
-
-<file path=ppt/comments/comment2.xml><?xml version="1.0" encoding="utf-8"?>
 <p:cmLst xmlns:a="http://schemas.openxmlformats.org/drawingml/2006/main" xmlns:r="http://schemas.openxmlformats.org/officeDocument/2006/relationships" xmlns:p="http://schemas.openxmlformats.org/presentationml/2006/main">
   <p:cm authorId="1" dt="2021-08-04T14:53:07.049" idx="6">
     <p:pos x="10" y="10"/>
@@ -450,7 +624,7 @@
           <a:p>
             <a:fld id="{CCB2A597-803A-C244-97E2-A01066125D19}" type="datetimeFigureOut">
               <a:rPr lang="en-US" smtClean="0"/>
-              <a:t>10/1/2021</a:t>
+              <a:t>10/13/21</a:t>
             </a:fld>
             <a:endParaRPr lang="en-US"/>
           </a:p>
@@ -1231,7 +1405,7 @@
           <a:p>
             <a:fld id="{1D8BD707-D9CF-40AE-B4C6-C98DA3205C09}" type="datetimeFigureOut">
               <a:rPr lang="en-US"/>
-              <a:t>10/1/2021</a:t>
+              <a:t>10/13/21</a:t>
             </a:fld>
             <a:endParaRPr lang="en-US"/>
           </a:p>
@@ -1471,7 +1645,7 @@
           <a:p>
             <a:fld id="{1D8BD707-D9CF-40AE-B4C6-C98DA3205C09}" type="datetimeFigureOut">
               <a:rPr lang="en-US"/>
-              <a:t>10/1/2021</a:t>
+              <a:t>10/13/21</a:t>
             </a:fld>
             <a:endParaRPr lang="en-US"/>
           </a:p>
@@ -1724,7 +1898,7 @@
           <a:p>
             <a:fld id="{1D8BD707-D9CF-40AE-B4C6-C98DA3205C09}" type="datetimeFigureOut">
               <a:rPr lang="en-US"/>
-              <a:t>10/1/2021</a:t>
+              <a:t>10/13/21</a:t>
             </a:fld>
             <a:endParaRPr lang="en-US"/>
           </a:p>
@@ -1911,7 +2085,7 @@
           <a:p>
             <a:fld id="{1D8BD707-D9CF-40AE-B4C6-C98DA3205C09}" type="datetimeFigureOut">
               <a:rPr lang="en-US"/>
-              <a:t>10/1/2021</a:t>
+              <a:t>10/13/21</a:t>
             </a:fld>
             <a:endParaRPr lang="en-US"/>
           </a:p>
@@ -2069,7 +2243,7 @@
           <a:p>
             <a:fld id="{1D8BD707-D9CF-40AE-B4C6-C98DA3205C09}" type="datetimeFigureOut">
               <a:rPr lang="en-US"/>
-              <a:t>10/1/2021</a:t>
+              <a:t>10/13/21</a:t>
             </a:fld>
             <a:endParaRPr lang="en-US"/>
           </a:p>
@@ -2327,7 +2501,7 @@
           <a:p>
             <a:fld id="{1D8BD707-D9CF-40AE-B4C6-C98DA3205C09}" type="datetimeFigureOut">
               <a:rPr lang="en-US"/>
-              <a:t>10/1/2021</a:t>
+              <a:t>10/13/21</a:t>
             </a:fld>
             <a:endParaRPr lang="en-US"/>
           </a:p>
@@ -2566,25 +2740,43 @@
           </a:prstGeom>
         </p:spPr>
         <p:txBody>
-          <a:bodyPr vert="horz" wrap="square" lIns="0" tIns="12700" rIns="0" bIns="0" rtlCol="0">
+          <a:bodyPr vert="horz" wrap="square" lIns="0" tIns="12700" rIns="0" bIns="0" rtlCol="0" anchor="t">
             <a:spAutoFit/>
           </a:bodyPr>
           <a:lstStyle/>
           <a:p>
             <a:pPr marL="12700">
-              <a:lnSpc>
-                <a:spcPct val="100000"/>
-              </a:lnSpc>
               <a:spcBef>
                 <a:spcPts val="100"/>
               </a:spcBef>
             </a:pPr>
             <a:r>
-              <a:rPr lang="fr-FR" sz="2300">
-                <a:latin typeface="Adobe Clean" panose="020B0503020404020204" pitchFamily="34" charset="0"/>
-              </a:rPr>
-              <a:t>OFFRES D’ASSISTANCE ADOBE</a:t>
-            </a:r>
+              <a:rPr sz="2300" dirty="0">
+                <a:latin typeface="Adobe Clean"/>
+              </a:rPr>
+              <a:t>ADOBE</a:t>
+            </a:r>
+            <a:r>
+              <a:rPr lang="en-US" sz="2300" dirty="0">
+                <a:latin typeface="Adobe Clean"/>
+              </a:rPr>
+              <a:t> </a:t>
+            </a:r>
+            <a:r>
+              <a:rPr sz="2300" dirty="0">
+                <a:latin typeface="Adobe Clean"/>
+              </a:rPr>
+              <a:t>SUPPORT</a:t>
+            </a:r>
+            <a:r>
+              <a:rPr lang="en-US" sz="2300" dirty="0">
+                <a:latin typeface="Adobe Clean"/>
+              </a:rPr>
+              <a:t> PLANS</a:t>
+            </a:r>
+            <a:endParaRPr sz="2300" dirty="0">
+              <a:latin typeface="Adobe Clean" panose="020B0503020404020204" pitchFamily="34" charset="0"/>
+            </a:endParaRPr>
           </a:p>
         </p:txBody>
       </p:sp>
@@ -2596,8 +2788,8 @@
         </p:nvSpPr>
         <p:spPr>
           <a:xfrm>
-            <a:off x="125147" y="7013546"/>
-            <a:ext cx="3441013" cy="228268"/>
+            <a:off x="125148" y="7013546"/>
+            <a:ext cx="2785110" cy="228268"/>
           </a:xfrm>
           <a:prstGeom prst="rect">
             <a:avLst/>
@@ -2618,7 +2810,7 @@
               </a:spcBef>
             </a:pPr>
             <a:r>
-              <a:rPr lang="fr-FR" sz="1400" b="1" u="sng" dirty="0">
+              <a:rPr sz="1400" b="1" u="sng" spc="15">
                 <a:solidFill>
                   <a:srgbClr val="020302"/>
                 </a:solidFill>
@@ -2630,8 +2822,477 @@
                 <a:latin typeface="Adobe Clean"/>
                 <a:cs typeface="Adobe Clean"/>
               </a:rPr>
-              <a:t>Cibles du niveau de service : Réponse initiale</a:t>
-            </a:r>
+              <a:t>S</a:t>
+            </a:r>
+            <a:r>
+              <a:rPr sz="1400" b="1" u="sng" spc="5">
+                <a:solidFill>
+                  <a:srgbClr val="020302"/>
+                </a:solidFill>
+                <a:uFill>
+                  <a:solidFill>
+                    <a:srgbClr val="020302"/>
+                  </a:solidFill>
+                </a:uFill>
+                <a:latin typeface="Adobe Clean"/>
+                <a:cs typeface="Adobe Clean"/>
+              </a:rPr>
+              <a:t>er</a:t>
+            </a:r>
+            <a:r>
+              <a:rPr sz="1400" b="1" u="sng" spc="10">
+                <a:solidFill>
+                  <a:srgbClr val="020302"/>
+                </a:solidFill>
+                <a:uFill>
+                  <a:solidFill>
+                    <a:srgbClr val="020302"/>
+                  </a:solidFill>
+                </a:uFill>
+                <a:latin typeface="Adobe Clean"/>
+                <a:cs typeface="Adobe Clean"/>
+              </a:rPr>
+              <a:t>vi</a:t>
+            </a:r>
+            <a:r>
+              <a:rPr sz="1400" b="1" u="sng" spc="5">
+                <a:solidFill>
+                  <a:srgbClr val="020302"/>
+                </a:solidFill>
+                <a:uFill>
+                  <a:solidFill>
+                    <a:srgbClr val="020302"/>
+                  </a:solidFill>
+                </a:uFill>
+                <a:latin typeface="Adobe Clean"/>
+                <a:cs typeface="Adobe Clean"/>
+              </a:rPr>
+              <a:t>c</a:t>
+            </a:r>
+            <a:r>
+              <a:rPr sz="1400" b="1" u="sng">
+                <a:solidFill>
+                  <a:srgbClr val="020302"/>
+                </a:solidFill>
+                <a:uFill>
+                  <a:solidFill>
+                    <a:srgbClr val="020302"/>
+                  </a:solidFill>
+                </a:uFill>
+                <a:latin typeface="Adobe Clean"/>
+                <a:cs typeface="Adobe Clean"/>
+              </a:rPr>
+              <a:t>e</a:t>
+            </a:r>
+            <a:r>
+              <a:rPr sz="1400" b="1" u="sng" spc="20">
+                <a:solidFill>
+                  <a:srgbClr val="020302"/>
+                </a:solidFill>
+                <a:uFill>
+                  <a:solidFill>
+                    <a:srgbClr val="020302"/>
+                  </a:solidFill>
+                </a:uFill>
+                <a:latin typeface="Adobe Clean"/>
+                <a:cs typeface="Adobe Clean"/>
+              </a:rPr>
+              <a:t> </a:t>
+            </a:r>
+            <a:r>
+              <a:rPr sz="1400" b="1" u="sng" spc="-15">
+                <a:solidFill>
+                  <a:srgbClr val="020302"/>
+                </a:solidFill>
+                <a:uFill>
+                  <a:solidFill>
+                    <a:srgbClr val="020302"/>
+                  </a:solidFill>
+                </a:uFill>
+                <a:latin typeface="Adobe Clean"/>
+                <a:cs typeface="Adobe Clean"/>
+              </a:rPr>
+              <a:t>Le</a:t>
+            </a:r>
+            <a:r>
+              <a:rPr sz="1400" b="1" u="sng" spc="-10">
+                <a:solidFill>
+                  <a:srgbClr val="020302"/>
+                </a:solidFill>
+                <a:uFill>
+                  <a:solidFill>
+                    <a:srgbClr val="020302"/>
+                  </a:solidFill>
+                </a:uFill>
+                <a:latin typeface="Adobe Clean"/>
+                <a:cs typeface="Adobe Clean"/>
+              </a:rPr>
+              <a:t>v</a:t>
+            </a:r>
+            <a:r>
+              <a:rPr sz="1400" b="1" u="sng" spc="-15">
+                <a:solidFill>
+                  <a:srgbClr val="020302"/>
+                </a:solidFill>
+                <a:uFill>
+                  <a:solidFill>
+                    <a:srgbClr val="020302"/>
+                  </a:solidFill>
+                </a:uFill>
+                <a:latin typeface="Adobe Clean"/>
+                <a:cs typeface="Adobe Clean"/>
+              </a:rPr>
+              <a:t>e</a:t>
+            </a:r>
+            <a:r>
+              <a:rPr sz="1400" b="1" u="sng">
+                <a:solidFill>
+                  <a:srgbClr val="020302"/>
+                </a:solidFill>
+                <a:uFill>
+                  <a:solidFill>
+                    <a:srgbClr val="020302"/>
+                  </a:solidFill>
+                </a:uFill>
+                <a:latin typeface="Adobe Clean"/>
+                <a:cs typeface="Adobe Clean"/>
+              </a:rPr>
+              <a:t>l</a:t>
+            </a:r>
+            <a:r>
+              <a:rPr sz="1400" b="1" u="sng" spc="-15">
+                <a:solidFill>
+                  <a:srgbClr val="020302"/>
+                </a:solidFill>
+                <a:uFill>
+                  <a:solidFill>
+                    <a:srgbClr val="020302"/>
+                  </a:solidFill>
+                </a:uFill>
+                <a:latin typeface="Adobe Clean"/>
+                <a:cs typeface="Adobe Clean"/>
+              </a:rPr>
+              <a:t> </a:t>
+            </a:r>
+            <a:r>
+              <a:rPr sz="1400" b="1" u="sng" spc="-55">
+                <a:solidFill>
+                  <a:srgbClr val="020302"/>
+                </a:solidFill>
+                <a:uFill>
+                  <a:solidFill>
+                    <a:srgbClr val="020302"/>
+                  </a:solidFill>
+                </a:uFill>
+                <a:latin typeface="Adobe Clean"/>
+                <a:cs typeface="Adobe Clean"/>
+              </a:rPr>
+              <a:t>T</a:t>
+            </a:r>
+            <a:r>
+              <a:rPr sz="1400" b="1" u="sng" spc="-40">
+                <a:solidFill>
+                  <a:srgbClr val="020302"/>
+                </a:solidFill>
+                <a:uFill>
+                  <a:solidFill>
+                    <a:srgbClr val="020302"/>
+                  </a:solidFill>
+                </a:uFill>
+                <a:latin typeface="Adobe Clean"/>
+                <a:cs typeface="Adobe Clean"/>
+              </a:rPr>
+              <a:t>a</a:t>
+            </a:r>
+            <a:r>
+              <a:rPr sz="1400" b="1" u="sng" spc="-45">
+                <a:solidFill>
+                  <a:srgbClr val="020302"/>
+                </a:solidFill>
+                <a:uFill>
+                  <a:solidFill>
+                    <a:srgbClr val="020302"/>
+                  </a:solidFill>
+                </a:uFill>
+                <a:latin typeface="Adobe Clean"/>
+                <a:cs typeface="Adobe Clean"/>
+              </a:rPr>
+              <a:t>r</a:t>
+            </a:r>
+            <a:r>
+              <a:rPr sz="1400" b="1" u="sng" spc="-40">
+                <a:solidFill>
+                  <a:srgbClr val="020302"/>
+                </a:solidFill>
+                <a:uFill>
+                  <a:solidFill>
+                    <a:srgbClr val="020302"/>
+                  </a:solidFill>
+                </a:uFill>
+                <a:latin typeface="Adobe Clean"/>
+                <a:cs typeface="Adobe Clean"/>
+              </a:rPr>
+              <a:t>g</a:t>
+            </a:r>
+            <a:r>
+              <a:rPr sz="1400" b="1" u="sng" spc="-50">
+                <a:solidFill>
+                  <a:srgbClr val="020302"/>
+                </a:solidFill>
+                <a:uFill>
+                  <a:solidFill>
+                    <a:srgbClr val="020302"/>
+                  </a:solidFill>
+                </a:uFill>
+                <a:latin typeface="Adobe Clean"/>
+                <a:cs typeface="Adobe Clean"/>
+              </a:rPr>
+              <a:t>et</a:t>
+            </a:r>
+            <a:r>
+              <a:rPr sz="1400" b="1" u="sng" spc="-45">
+                <a:solidFill>
+                  <a:srgbClr val="020302"/>
+                </a:solidFill>
+                <a:uFill>
+                  <a:solidFill>
+                    <a:srgbClr val="020302"/>
+                  </a:solidFill>
+                </a:uFill>
+                <a:latin typeface="Adobe Clean"/>
+                <a:cs typeface="Adobe Clean"/>
+              </a:rPr>
+              <a:t>s</a:t>
+            </a:r>
+            <a:r>
+              <a:rPr sz="1400" b="1" u="sng">
+                <a:solidFill>
+                  <a:srgbClr val="020302"/>
+                </a:solidFill>
+                <a:uFill>
+                  <a:solidFill>
+                    <a:srgbClr val="020302"/>
+                  </a:solidFill>
+                </a:uFill>
+                <a:latin typeface="Adobe Clean"/>
+                <a:cs typeface="Adobe Clean"/>
+              </a:rPr>
+              <a:t>:</a:t>
+            </a:r>
+            <a:r>
+              <a:rPr sz="1400" b="1" u="sng" spc="-85">
+                <a:solidFill>
+                  <a:srgbClr val="020302"/>
+                </a:solidFill>
+                <a:uFill>
+                  <a:solidFill>
+                    <a:srgbClr val="020302"/>
+                  </a:solidFill>
+                </a:uFill>
+                <a:latin typeface="Adobe Clean"/>
+                <a:cs typeface="Adobe Clean"/>
+              </a:rPr>
+              <a:t> </a:t>
+            </a:r>
+            <a:r>
+              <a:rPr sz="1400" b="1" u="sng" spc="-15">
+                <a:solidFill>
+                  <a:srgbClr val="020302"/>
+                </a:solidFill>
+                <a:uFill>
+                  <a:solidFill>
+                    <a:srgbClr val="020302"/>
+                  </a:solidFill>
+                </a:uFill>
+                <a:latin typeface="Adobe Clean"/>
+                <a:cs typeface="Adobe Clean"/>
+              </a:rPr>
+              <a:t>I</a:t>
+            </a:r>
+            <a:r>
+              <a:rPr sz="1400" b="1" u="sng" spc="-10">
+                <a:solidFill>
+                  <a:srgbClr val="020302"/>
+                </a:solidFill>
+                <a:uFill>
+                  <a:solidFill>
+                    <a:srgbClr val="020302"/>
+                  </a:solidFill>
+                </a:uFill>
+                <a:latin typeface="Adobe Clean"/>
+                <a:cs typeface="Adobe Clean"/>
+              </a:rPr>
+              <a:t>ni</a:t>
+            </a:r>
+            <a:r>
+              <a:rPr sz="1400" b="1" u="sng" spc="-15">
+                <a:solidFill>
+                  <a:srgbClr val="020302"/>
+                </a:solidFill>
+                <a:uFill>
+                  <a:solidFill>
+                    <a:srgbClr val="020302"/>
+                  </a:solidFill>
+                </a:uFill>
+                <a:latin typeface="Adobe Clean"/>
+                <a:cs typeface="Adobe Clean"/>
+              </a:rPr>
+              <a:t>t</a:t>
+            </a:r>
+            <a:r>
+              <a:rPr sz="1400" b="1" u="sng" spc="-10">
+                <a:solidFill>
+                  <a:srgbClr val="020302"/>
+                </a:solidFill>
+                <a:uFill>
+                  <a:solidFill>
+                    <a:srgbClr val="020302"/>
+                  </a:solidFill>
+                </a:uFill>
+                <a:latin typeface="Adobe Clean"/>
+                <a:cs typeface="Adobe Clean"/>
+              </a:rPr>
+              <a:t>i</a:t>
+            </a:r>
+            <a:r>
+              <a:rPr sz="1400" b="1" u="sng" spc="-5">
+                <a:solidFill>
+                  <a:srgbClr val="020302"/>
+                </a:solidFill>
+                <a:uFill>
+                  <a:solidFill>
+                    <a:srgbClr val="020302"/>
+                  </a:solidFill>
+                </a:uFill>
+                <a:latin typeface="Adobe Clean"/>
+                <a:cs typeface="Adobe Clean"/>
+              </a:rPr>
+              <a:t>a</a:t>
+            </a:r>
+            <a:r>
+              <a:rPr sz="1400" b="1" u="sng">
+                <a:solidFill>
+                  <a:srgbClr val="020302"/>
+                </a:solidFill>
+                <a:uFill>
+                  <a:solidFill>
+                    <a:srgbClr val="020302"/>
+                  </a:solidFill>
+                </a:uFill>
+                <a:latin typeface="Adobe Clean"/>
+                <a:cs typeface="Adobe Clean"/>
+              </a:rPr>
+              <a:t>l</a:t>
+            </a:r>
+            <a:r>
+              <a:rPr sz="1400" b="1" u="sng" spc="-145">
+                <a:solidFill>
+                  <a:srgbClr val="020302"/>
+                </a:solidFill>
+                <a:uFill>
+                  <a:solidFill>
+                    <a:srgbClr val="020302"/>
+                  </a:solidFill>
+                </a:uFill>
+                <a:latin typeface="Adobe Clean"/>
+                <a:cs typeface="Adobe Clean"/>
+              </a:rPr>
+              <a:t> </a:t>
+            </a:r>
+            <a:r>
+              <a:rPr sz="1400" b="1" u="sng" spc="-15">
+                <a:solidFill>
+                  <a:srgbClr val="020302"/>
+                </a:solidFill>
+                <a:uFill>
+                  <a:solidFill>
+                    <a:srgbClr val="020302"/>
+                  </a:solidFill>
+                </a:uFill>
+                <a:latin typeface="Adobe Clean"/>
+                <a:cs typeface="Adobe Clean"/>
+              </a:rPr>
+              <a:t>R</a:t>
+            </a:r>
+            <a:r>
+              <a:rPr sz="1400" b="1" u="sng" spc="-20">
+                <a:solidFill>
+                  <a:srgbClr val="020302"/>
+                </a:solidFill>
+                <a:uFill>
+                  <a:solidFill>
+                    <a:srgbClr val="020302"/>
+                  </a:solidFill>
+                </a:uFill>
+                <a:latin typeface="Adobe Clean"/>
+                <a:cs typeface="Adobe Clean"/>
+              </a:rPr>
+              <a:t>e</a:t>
+            </a:r>
+            <a:r>
+              <a:rPr sz="1400" b="1" u="sng" spc="-15">
+                <a:solidFill>
+                  <a:srgbClr val="020302"/>
+                </a:solidFill>
+                <a:uFill>
+                  <a:solidFill>
+                    <a:srgbClr val="020302"/>
+                  </a:solidFill>
+                </a:uFill>
+                <a:latin typeface="Adobe Clean"/>
+                <a:cs typeface="Adobe Clean"/>
+              </a:rPr>
+              <a:t>s</a:t>
+            </a:r>
+            <a:r>
+              <a:rPr sz="1400" b="1" u="sng" spc="-20">
+                <a:solidFill>
+                  <a:srgbClr val="020302"/>
+                </a:solidFill>
+                <a:uFill>
+                  <a:solidFill>
+                    <a:srgbClr val="020302"/>
+                  </a:solidFill>
+                </a:uFill>
+                <a:latin typeface="Adobe Clean"/>
+                <a:cs typeface="Adobe Clean"/>
+              </a:rPr>
+              <a:t>p</a:t>
+            </a:r>
+            <a:r>
+              <a:rPr sz="1400" b="1" u="sng" spc="-15">
+                <a:solidFill>
+                  <a:srgbClr val="020302"/>
+                </a:solidFill>
+                <a:uFill>
+                  <a:solidFill>
+                    <a:srgbClr val="020302"/>
+                  </a:solidFill>
+                </a:uFill>
+                <a:latin typeface="Adobe Clean"/>
+                <a:cs typeface="Adobe Clean"/>
+              </a:rPr>
+              <a:t>ons</a:t>
+            </a:r>
+            <a:r>
+              <a:rPr sz="1400" b="1" u="sng">
+                <a:solidFill>
+                  <a:srgbClr val="020302"/>
+                </a:solidFill>
+                <a:uFill>
+                  <a:solidFill>
+                    <a:srgbClr val="020302"/>
+                  </a:solidFill>
+                </a:uFill>
+                <a:latin typeface="Adobe Clean"/>
+                <a:cs typeface="Adobe Clean"/>
+              </a:rPr>
+              <a:t>e</a:t>
+            </a:r>
+            <a:endParaRPr sz="1400" u="sng">
+              <a:latin typeface="Adobe Clean"/>
+              <a:cs typeface="Adobe Clean"/>
+            </a:endParaRPr>
           </a:p>
         </p:txBody>
       </p:sp>
@@ -2644,14 +3305,14 @@
           <p:nvPr>
             <p:extLst>
               <p:ext uri="{D42A27DB-BD31-4B8C-83A1-F6EECF244321}">
-                <p14:modId xmlns:p14="http://schemas.microsoft.com/office/powerpoint/2010/main" val="984980563"/>
+                <p14:modId xmlns:p14="http://schemas.microsoft.com/office/powerpoint/2010/main" val="3450047932"/>
               </p:ext>
             </p:extLst>
           </p:nvPr>
         </p:nvGraphicFramePr>
         <p:xfrm>
-          <a:off x="146919" y="7366478"/>
-          <a:ext cx="7477080" cy="2454556"/>
+          <a:off x="146919" y="7473158"/>
+          <a:ext cx="7477080" cy="2190409"/>
         </p:xfrm>
         <a:graphic>
           <a:graphicData uri="http://schemas.openxmlformats.org/drawingml/2006/table">
@@ -2697,15 +3358,19 @@
                         </a:spcBef>
                       </a:pPr>
                       <a:r>
-                        <a:rPr lang="fr-FR" sz="900">
+                        <a:rPr sz="900" spc="-20" dirty="0">
                           <a:solidFill>
                             <a:srgbClr val="020302"/>
                           </a:solidFill>
                           <a:latin typeface="Adobe Clean"/>
                           <a:cs typeface="Adobe Clean"/>
                         </a:rPr>
-                        <a:t>Priorité</a:t>
+                        <a:t>Priority</a:t>
                       </a:r>
+                      <a:endParaRPr sz="900" dirty="0">
+                        <a:latin typeface="Adobe Clean"/>
+                        <a:cs typeface="Adobe Clean"/>
+                      </a:endParaRPr>
                     </a:p>
                   </a:txBody>
                   <a:tcPr marL="0" marR="0" marT="6985" marB="0" anchor="ctr">
@@ -2752,18 +3417,22 @@
                         </a:spcBef>
                       </a:pPr>
                       <a:r>
-                        <a:rPr lang="fr-FR" sz="900">
+                        <a:rPr sz="900" spc="0" dirty="0">
                           <a:solidFill>
                             <a:srgbClr val="020302"/>
                           </a:solidFill>
                           <a:latin typeface="Adobe Clean"/>
                           <a:cs typeface="Adobe Clean"/>
                         </a:rPr>
-                        <a:t>Assistance en ligne</a:t>
+                        <a:t>Online Support</a:t>
                       </a:r>
+                      <a:endParaRPr sz="900" spc="0" dirty="0">
+                        <a:latin typeface="Adobe Clean"/>
+                        <a:cs typeface="Adobe Clean"/>
+                      </a:endParaRPr>
                     </a:p>
                   </a:txBody>
-                  <a:tcPr marL="0" marR="0" marT="6985" marB="0" anchor="ctr">
+                  <a:tcPr marL="0" marR="0" marT="0" marB="0" anchor="ctr">
                     <a:lnL w="6350">
                       <a:solidFill>
                         <a:srgbClr val="B7B8B8"/>
@@ -2782,11 +3451,14 @@
                       </a:solidFill>
                       <a:prstDash val="solid"/>
                     </a:lnT>
-                    <a:lnB w="76200">
+                    <a:lnB w="76200" cap="flat" cmpd="sng" algn="ctr">
                       <a:solidFill>
                         <a:srgbClr val="B3B3B3"/>
                       </a:solidFill>
                       <a:prstDash val="solid"/>
+                      <a:round/>
+                      <a:headEnd type="none" w="med" len="med"/>
+                      <a:tailEnd type="none" w="med" len="med"/>
                     </a:lnB>
                     <a:solidFill>
                       <a:srgbClr val="D9D9D9"/>
@@ -2798,7 +3470,7 @@
                     <a:bodyPr/>
                     <a:lstStyle/>
                     <a:p>
-                      <a:pPr marL="0" indent="0" algn="ctr">
+                      <a:pPr marL="260985">
                         <a:lnSpc>
                           <a:spcPct val="100000"/>
                         </a:lnSpc>
@@ -2807,37 +3479,22 @@
                         </a:spcBef>
                       </a:pPr>
                       <a:r>
-                        <a:rPr lang="fr-FR" sz="900" dirty="0">
+                        <a:rPr sz="900" spc="0" dirty="0">
                           <a:solidFill>
                             <a:srgbClr val="FFFFFF"/>
                           </a:solidFill>
                           <a:latin typeface="Adobe Clean"/>
                           <a:cs typeface="Adobe Clean"/>
                         </a:rPr>
-                        <a:t>Assistance </a:t>
+                        <a:t>Enterprise Support</a:t>
                       </a:r>
-                      <a:br>
-                        <a:rPr lang="sk-SK" sz="900" dirty="0">
-                          <a:solidFill>
-                            <a:srgbClr val="FFFFFF"/>
-                          </a:solidFill>
-                          <a:latin typeface="Adobe Clean"/>
-                          <a:cs typeface="Adobe Clean"/>
-                        </a:rPr>
-                      </a:br>
-                      <a:r>
-                        <a:rPr lang="fr-FR" sz="900" dirty="0">
-                          <a:solidFill>
-                            <a:srgbClr val="FFFFFF"/>
-                          </a:solidFill>
-                          <a:latin typeface="Adobe Clean"/>
-                          <a:cs typeface="Adobe Clean"/>
-                        </a:rPr>
-                        <a:t>aux entreprises</a:t>
-                      </a:r>
+                      <a:endParaRPr sz="900" spc="0" dirty="0">
+                        <a:latin typeface="Adobe Clean"/>
+                        <a:cs typeface="Adobe Clean"/>
+                      </a:endParaRPr>
                     </a:p>
                   </a:txBody>
-                  <a:tcPr marL="0" marR="0" marT="10160" marB="0" anchor="ctr">
+                  <a:tcPr marL="0" marR="0" marT="0" marB="0" anchor="ctr">
                     <a:lnL w="6350">
                       <a:solidFill>
                         <a:srgbClr val="B7B8B8"/>
@@ -2894,18 +3551,112 @@
                         </a:spcBef>
                       </a:pPr>
                       <a:r>
-                        <a:rPr lang="fr-FR" sz="900" b="1" dirty="0">
+                        <a:rPr sz="900" b="1" spc="-15" dirty="0">
                           <a:solidFill>
                             <a:srgbClr val="020302"/>
                           </a:solidFill>
                           <a:latin typeface="Adobe Clean"/>
                           <a:cs typeface="Adobe Clean"/>
                         </a:rPr>
-                        <a:t>PRIORITÉ 1</a:t>
+                        <a:t>P</a:t>
                       </a:r>
+                      <a:r>
+                        <a:rPr sz="900" b="1" spc="-20" dirty="0">
+                          <a:solidFill>
+                            <a:srgbClr val="020302"/>
+                          </a:solidFill>
+                          <a:latin typeface="Adobe Clean"/>
+                          <a:cs typeface="Adobe Clean"/>
+                        </a:rPr>
+                        <a:t>R</a:t>
+                      </a:r>
+                      <a:r>
+                        <a:rPr sz="900" b="1" spc="-25" dirty="0">
+                          <a:solidFill>
+                            <a:srgbClr val="020302"/>
+                          </a:solidFill>
+                          <a:latin typeface="Adobe Clean"/>
+                          <a:cs typeface="Adobe Clean"/>
+                        </a:rPr>
+                        <a:t>I</a:t>
+                      </a:r>
+                      <a:r>
+                        <a:rPr sz="900" b="1" spc="-15" dirty="0">
+                          <a:solidFill>
+                            <a:srgbClr val="020302"/>
+                          </a:solidFill>
+                          <a:latin typeface="Adobe Clean"/>
+                          <a:cs typeface="Adobe Clean"/>
+                        </a:rPr>
+                        <a:t>O</a:t>
+                      </a:r>
+                      <a:r>
+                        <a:rPr sz="900" b="1" spc="-20" dirty="0">
+                          <a:solidFill>
+                            <a:srgbClr val="020302"/>
+                          </a:solidFill>
+                          <a:latin typeface="Adobe Clean"/>
+                          <a:cs typeface="Adobe Clean"/>
+                        </a:rPr>
+                        <a:t>R</a:t>
+                      </a:r>
+                      <a:r>
+                        <a:rPr sz="900" b="1" spc="-25" dirty="0">
+                          <a:solidFill>
+                            <a:srgbClr val="020302"/>
+                          </a:solidFill>
+                          <a:latin typeface="Adobe Clean"/>
+                          <a:cs typeface="Adobe Clean"/>
+                        </a:rPr>
+                        <a:t>I</a:t>
+                      </a:r>
+                      <a:r>
+                        <a:rPr sz="900" b="1" spc="-15" dirty="0">
+                          <a:solidFill>
+                            <a:srgbClr val="020302"/>
+                          </a:solidFill>
+                          <a:latin typeface="Adobe Clean"/>
+                          <a:cs typeface="Adobe Clean"/>
+                        </a:rPr>
+                        <a:t>T</a:t>
+                      </a:r>
+                      <a:r>
+                        <a:rPr sz="900" b="1" dirty="0">
+                          <a:solidFill>
+                            <a:srgbClr val="020302"/>
+                          </a:solidFill>
+                          <a:latin typeface="Adobe Clean"/>
+                          <a:cs typeface="Adobe Clean"/>
+                        </a:rPr>
+                        <a:t>Y</a:t>
+                      </a:r>
+                      <a:r>
+                        <a:rPr sz="900" b="1" spc="-40" dirty="0">
+                          <a:solidFill>
+                            <a:srgbClr val="020302"/>
+                          </a:solidFill>
+                          <a:latin typeface="Adobe Clean"/>
+                          <a:cs typeface="Adobe Clean"/>
+                        </a:rPr>
+                        <a:t> </a:t>
+                      </a:r>
+                      <a:r>
+                        <a:rPr sz="900" b="1" dirty="0">
+                          <a:solidFill>
+                            <a:srgbClr val="020302"/>
+                          </a:solidFill>
+                          <a:latin typeface="Adobe Clean"/>
+                          <a:cs typeface="Adobe Clean"/>
+                        </a:rPr>
+                        <a:t>1</a:t>
+                      </a:r>
+                      <a:endParaRPr sz="900" dirty="0">
+                        <a:latin typeface="Adobe Clean"/>
+                        <a:cs typeface="Adobe Clean"/>
+                      </a:endParaRPr>
                     </a:p>
                     <a:p>
-                      <a:pPr marL="50800" marR="387985" lvl="0" indent="0" defTabSz="914400" eaLnBrk="1" fontAlgn="auto" latinLnBrk="0" hangingPunct="1">
+                      <a:pPr marL="50800" marR="387985" lvl="0" indent="0" eaLnBrk="1" fontAlgn="auto" latinLnBrk="0" hangingPunct="1">
                         <a:lnSpc>
                           <a:spcPts val="1000"/>
                         </a:lnSpc>
@@ -2919,52 +3670,33 @@
                         <a:buSzTx/>
                         <a:buFontTx/>
                         <a:buNone/>
-                        <a:tabLst/>
-                        <a:defRPr/>
                       </a:pPr>
                       <a:r>
-                        <a:rPr lang="fr-FR" sz="900" b="0" i="0" dirty="0">
+                        <a:rPr lang="en-US" sz="900" b="0" i="0" spc="-130" dirty="0">
                           <a:solidFill>
                             <a:srgbClr val="020302"/>
                           </a:solidFill>
-                          <a:latin typeface="Adobe Clean Light" panose="020B0303020404020204" pitchFamily="34" charset="0"/>
-                          <a:ea typeface="+mn-ea"/>
-                          <a:cs typeface="Adobe Clean"/>
+                          <a:latin typeface="Adobe Clean Light"/>
+                          <a:cs typeface="+mn-cs"/>
                         </a:rPr>
-                        <a:t> </a:t>
+                        <a:t> </a:t>
                       </a:r>
                       <a:r>
-                        <a:rPr lang="fr-FR" sz="900" b="0" i="0" u="none" strike="noStrike" dirty="0">
+                        <a:rPr lang="en-US" sz="900" b="0" i="0" u="none" strike="noStrike" dirty="0">
                           <a:solidFill>
                             <a:schemeClr val="tx1"/>
                           </a:solidFill>
-                          <a:latin typeface="Adobe Clean Light" panose="020B0303020404020204" pitchFamily="34" charset="0"/>
+                          <a:effectLst/>
+                          <a:latin typeface="Adobe Clean Light"/>
                           <a:ea typeface="+mn-ea"/>
                           <a:cs typeface="+mn-cs"/>
                         </a:rPr>
-                        <a:t>Les fonctions commerciales de production du client sont en panne ou présentent une perte </a:t>
+                        <a:t>Customer's production business functions are down or has significant data loss or degradation of services and immediate attention is required to restore functionality and usability</a:t>
                       </a:r>
-                      <a:br>
-                        <a:rPr lang="sk-SK" sz="900" b="0" i="0" u="none" strike="noStrike" dirty="0">
-                          <a:solidFill>
-                            <a:schemeClr val="tx1"/>
-                          </a:solidFill>
-                          <a:latin typeface="Adobe Clean Light" panose="020B0303020404020204" pitchFamily="34" charset="0"/>
-                          <a:ea typeface="+mn-ea"/>
-                          <a:cs typeface="+mn-cs"/>
-                        </a:rPr>
-                      </a:br>
-                      <a:r>
-                        <a:rPr lang="fr-FR" sz="900" b="0" i="0" u="none" strike="noStrike" dirty="0">
-                          <a:solidFill>
-                            <a:schemeClr val="tx1"/>
-                          </a:solidFill>
-                          <a:latin typeface="Adobe Clean Light" panose="020B0303020404020204" pitchFamily="34" charset="0"/>
-                          <a:ea typeface="+mn-ea"/>
-                          <a:cs typeface="+mn-cs"/>
-                        </a:rPr>
-                        <a:t>de données importante ou une dégradation des services. Une attention immédiate est requise afin de restaurer les fonctionnalités et l’accessibilité</a:t>
-                      </a:r>
+                      <a:endParaRPr lang="en-US" sz="900" b="0" i="0" dirty="0">
+                        <a:latin typeface="Adobe Clean Light"/>
+                        <a:cs typeface="AdobeClean-Light"/>
+                      </a:endParaRPr>
                     </a:p>
                   </a:txBody>
                   <a:tcPr marL="0" marR="0" marT="0" marB="0" anchor="ctr">
@@ -2974,11 +3706,14 @@
                       </a:solidFill>
                       <a:prstDash val="solid"/>
                     </a:lnL>
-                    <a:lnR w="6350">
+                    <a:lnR w="6350" cap="flat" cmpd="sng" algn="ctr">
                       <a:solidFill>
                         <a:srgbClr val="B7B8B8"/>
                       </a:solidFill>
                       <a:prstDash val="solid"/>
+                      <a:round/>
+                      <a:headEnd type="none" w="med" len="med"/>
+                      <a:tailEnd type="none" w="med" len="med"/>
                     </a:lnR>
                     <a:lnT w="6350">
                       <a:solidFill>
@@ -2999,35 +3734,34 @@
                     <a:bodyPr/>
                     <a:lstStyle/>
                     <a:p>
-                      <a:pPr marL="542925" marR="492125" algn="ctr">
-                        <a:lnSpc>
-                          <a:spcPct val="102200"/>
-                        </a:lnSpc>
-                      </a:pPr>
+                      <a:pPr algn="ctr" fontAlgn="ctr"/>
                       <a:r>
-                        <a:rPr lang="fr-FR" sz="900" dirty="0">
+                        <a:rPr lang="en-US" sz="900" b="0" i="0" u="none" strike="noStrike" dirty="0">
                           <a:solidFill>
                             <a:srgbClr val="020302"/>
                           </a:solidFill>
-                          <a:latin typeface="AdobeClean-Light"/>
-                          <a:cs typeface="AdobeClean-Light"/>
+                          <a:effectLst/>
+                          <a:latin typeface="AdobeClean-Light" panose="020B0503020404020204" pitchFamily="34" charset="0"/>
                         </a:rPr>
-                        <a:t>24x7 /           1 heure</a:t>
+                        <a:t>24x7 /  1 hour</a:t>
                       </a:r>
                     </a:p>
                   </a:txBody>
-                  <a:tcPr marL="0" marR="0" marT="0" marB="0" anchor="ctr">
+                  <a:tcPr marL="9525" marR="9525" marT="9525" marB="0" anchor="ctr">
                     <a:lnL w="6350">
                       <a:solidFill>
                         <a:srgbClr val="B7B8B8"/>
                       </a:solidFill>
                       <a:prstDash val="solid"/>
                     </a:lnL>
-                    <a:lnR w="6350">
+                    <a:lnR w="6350" cap="flat" cmpd="sng" algn="ctr">
                       <a:solidFill>
                         <a:srgbClr val="B7B8B8"/>
                       </a:solidFill>
                       <a:prstDash val="solid"/>
+                      <a:round/>
+                      <a:headEnd type="none" w="med" len="med"/>
+                      <a:tailEnd type="none" w="med" len="med"/>
                     </a:lnR>
                     <a:lnT w="76200">
                       <a:solidFill>
@@ -3048,52 +3782,28 @@
                     <a:bodyPr/>
                     <a:lstStyle/>
                     <a:p>
-                      <a:pPr marL="288925" marR="476250" indent="0" algn="ctr">
-                        <a:lnSpc>
-                          <a:spcPct val="100000"/>
-                        </a:lnSpc>
-                        <a:spcBef>
-                          <a:spcPts val="700"/>
-                        </a:spcBef>
-                      </a:pPr>
+                      <a:pPr algn="ctr" fontAlgn="ctr"/>
                       <a:r>
-                        <a:rPr lang="fr-FR" sz="900" dirty="0">
+                        <a:rPr lang="en-US" sz="900" b="0" i="0" u="none" strike="noStrike">
                           <a:solidFill>
                             <a:srgbClr val="020302"/>
                           </a:solidFill>
-                          <a:latin typeface="AdobeClean-Light"/>
-                          <a:cs typeface="AdobeClean-Light"/>
+                          <a:effectLst/>
+                          <a:latin typeface="AdobeClean-Light" panose="020B0503020404020204" pitchFamily="34" charset="0"/>
                         </a:rPr>
-                        <a:t>24x7 /</a:t>
-                      </a:r>
-                      <a:r>
-                        <a:rPr lang="sk-SK" sz="900" dirty="0">
-                          <a:solidFill>
-                            <a:srgbClr val="020302"/>
-                          </a:solidFill>
-                          <a:latin typeface="AdobeClean-Light"/>
-                          <a:cs typeface="AdobeClean-Light"/>
-                        </a:rPr>
-                        <a:t> </a:t>
-                      </a:r>
-                      <a:r>
-                        <a:rPr lang="fr-FR" sz="900" dirty="0">
-                          <a:solidFill>
-                            <a:srgbClr val="020302"/>
-                          </a:solidFill>
-                          <a:latin typeface="AdobeClean-Light"/>
-                          <a:cs typeface="AdobeClean-Light"/>
-                        </a:rPr>
-                        <a:t>30 minutes</a:t>
+                        <a:t>24x7 / 30 minutes</a:t>
                       </a:r>
                     </a:p>
                   </a:txBody>
-                  <a:tcPr marL="0" marR="0" marT="0" marB="0" anchor="ctr">
-                    <a:lnL w="6350">
+                  <a:tcPr marL="9525" marR="9525" marT="9525" marB="0" anchor="ctr">
+                    <a:lnL w="6350" cap="flat" cmpd="sng" algn="ctr">
                       <a:solidFill>
                         <a:srgbClr val="B7B8B8"/>
                       </a:solidFill>
                       <a:prstDash val="solid"/>
+                      <a:round/>
+                      <a:headEnd type="none" w="med" len="med"/>
+                      <a:tailEnd type="none" w="med" len="med"/>
                     </a:lnL>
                     <a:lnR w="6350" cap="flat" cmpd="sng" algn="ctr">
                       <a:solidFill>
@@ -3132,7 +3842,7 @@
                   </a:ext>
                 </a:extLst>
               </a:tr>
-              <a:tr h="484755">
+              <a:tr h="0">
                 <a:tc>
                   <a:txBody>
                     <a:bodyPr/>
@@ -3147,15 +3857,109 @@
                         </a:spcBef>
                       </a:pPr>
                       <a:r>
-                        <a:rPr lang="fr-FR" sz="900" b="1" dirty="0">
+                        <a:rPr sz="900" b="1" spc="-15" dirty="0">
                           <a:solidFill>
                             <a:srgbClr val="020302"/>
                           </a:solidFill>
                           <a:latin typeface="Adobe Clean"/>
                           <a:cs typeface="Adobe Clean"/>
                         </a:rPr>
-                        <a:t>PRIORITÉ 2</a:t>
+                        <a:t>P</a:t>
                       </a:r>
+                      <a:r>
+                        <a:rPr sz="900" b="1" spc="-20" dirty="0">
+                          <a:solidFill>
+                            <a:srgbClr val="020302"/>
+                          </a:solidFill>
+                          <a:latin typeface="Adobe Clean"/>
+                          <a:cs typeface="Adobe Clean"/>
+                        </a:rPr>
+                        <a:t>R</a:t>
+                      </a:r>
+                      <a:r>
+                        <a:rPr sz="900" b="1" spc="-25" dirty="0">
+                          <a:solidFill>
+                            <a:srgbClr val="020302"/>
+                          </a:solidFill>
+                          <a:latin typeface="Adobe Clean"/>
+                          <a:cs typeface="Adobe Clean"/>
+                        </a:rPr>
+                        <a:t>I</a:t>
+                      </a:r>
+                      <a:r>
+                        <a:rPr sz="900" b="1" spc="-15" dirty="0">
+                          <a:solidFill>
+                            <a:srgbClr val="020302"/>
+                          </a:solidFill>
+                          <a:latin typeface="Adobe Clean"/>
+                          <a:cs typeface="Adobe Clean"/>
+                        </a:rPr>
+                        <a:t>O</a:t>
+                      </a:r>
+                      <a:r>
+                        <a:rPr sz="900" b="1" spc="-20" dirty="0">
+                          <a:solidFill>
+                            <a:srgbClr val="020302"/>
+                          </a:solidFill>
+                          <a:latin typeface="Adobe Clean"/>
+                          <a:cs typeface="Adobe Clean"/>
+                        </a:rPr>
+                        <a:t>R</a:t>
+                      </a:r>
+                      <a:r>
+                        <a:rPr sz="900" b="1" spc="-25" dirty="0">
+                          <a:solidFill>
+                            <a:srgbClr val="020302"/>
+                          </a:solidFill>
+                          <a:latin typeface="Adobe Clean"/>
+                          <a:cs typeface="Adobe Clean"/>
+                        </a:rPr>
+                        <a:t>I</a:t>
+                      </a:r>
+                      <a:r>
+                        <a:rPr sz="900" b="1" spc="-15" dirty="0">
+                          <a:solidFill>
+                            <a:srgbClr val="020302"/>
+                          </a:solidFill>
+                          <a:latin typeface="Adobe Clean"/>
+                          <a:cs typeface="Adobe Clean"/>
+                        </a:rPr>
+                        <a:t>T</a:t>
+                      </a:r>
+                      <a:r>
+                        <a:rPr sz="900" b="1" dirty="0">
+                          <a:solidFill>
+                            <a:srgbClr val="020302"/>
+                          </a:solidFill>
+                          <a:latin typeface="Adobe Clean"/>
+                          <a:cs typeface="Adobe Clean"/>
+                        </a:rPr>
+                        <a:t>Y</a:t>
+                      </a:r>
+                      <a:r>
+                        <a:rPr sz="900" b="1" spc="-40" dirty="0">
+                          <a:solidFill>
+                            <a:srgbClr val="020302"/>
+                          </a:solidFill>
+                          <a:latin typeface="Adobe Clean"/>
+                          <a:cs typeface="Adobe Clean"/>
+                        </a:rPr>
+                        <a:t> </a:t>
+                      </a:r>
+                      <a:r>
+                        <a:rPr sz="900" b="1" dirty="0">
+                          <a:solidFill>
+                            <a:srgbClr val="020302"/>
+                          </a:solidFill>
+                          <a:latin typeface="Adobe Clean"/>
+                          <a:cs typeface="Adobe Clean"/>
+                        </a:rPr>
+                        <a:t>2</a:t>
+                      </a:r>
+                      <a:endParaRPr sz="900" dirty="0">
+                        <a:latin typeface="Adobe Clean"/>
+                        <a:cs typeface="Adobe Clean"/>
+                      </a:endParaRPr>
                     </a:p>
                     <a:p>
                       <a:pPr marL="50165" marR="203200">
@@ -3167,37 +3971,21 @@
                         </a:spcBef>
                       </a:pPr>
                       <a:r>
-                        <a:rPr lang="fr-FR" sz="900" b="0" i="0" u="none" strike="noStrike" dirty="0">
+                        <a:rPr lang="en-US" sz="900" b="0" i="0" u="none" strike="noStrike" dirty="0">
                           <a:solidFill>
                             <a:schemeClr val="tx1"/>
                           </a:solidFill>
-                          <a:latin typeface="Adobe Clean Light" panose="020B0303020404020204" pitchFamily="34" charset="0"/>
+                          <a:effectLst/>
+                          <a:latin typeface="Adobe Clean Light"/>
                           <a:ea typeface="+mn-ea"/>
                           <a:cs typeface="+mn-cs"/>
                         </a:rPr>
-                        <a:t>Les fonctions commerciales du client présentent une dégradation importante des services, </a:t>
+                        <a:t>Customer's business functions has major degradation of services, or potential of data loss or unavailability of services, or a major feature is impacted</a:t>
                       </a:r>
-                      <a:br>
-                        <a:rPr lang="sk-SK" sz="900" b="0" i="0" u="none" strike="noStrike" dirty="0">
-                          <a:solidFill>
-                            <a:schemeClr val="tx1"/>
-                          </a:solidFill>
-                          <a:latin typeface="Adobe Clean Light" panose="020B0303020404020204" pitchFamily="34" charset="0"/>
-                          <a:ea typeface="+mn-ea"/>
-                          <a:cs typeface="+mn-cs"/>
-                        </a:rPr>
-                      </a:br>
-                      <a:r>
-                        <a:rPr lang="fr-FR" sz="900" b="0" i="0" u="none" strike="noStrike" dirty="0">
-                          <a:solidFill>
-                            <a:schemeClr val="tx1"/>
-                          </a:solidFill>
-                          <a:latin typeface="Adobe Clean Light" panose="020B0303020404020204" pitchFamily="34" charset="0"/>
-                          <a:ea typeface="+mn-ea"/>
-                          <a:cs typeface="+mn-cs"/>
-                        </a:rPr>
-                        <a:t>une perte potentielle de données ou une indisponibilité des services. Il est également possible qu’une fonctionnalité majeure soit affectée</a:t>
-                      </a:r>
+                      <a:endParaRPr lang="en-US" sz="900" b="0" i="0" dirty="0">
+                        <a:latin typeface="Adobe Clean Light"/>
+                        <a:cs typeface="AdobeClean-Light"/>
+                      </a:endParaRPr>
                     </a:p>
                   </a:txBody>
                   <a:tcPr marL="0" marR="0" marT="0" marB="0" anchor="ctr">
@@ -3207,11 +3995,14 @@
                       </a:solidFill>
                       <a:prstDash val="solid"/>
                     </a:lnL>
-                    <a:lnR w="6350">
+                    <a:lnR w="6350" cap="flat" cmpd="sng" algn="ctr">
                       <a:solidFill>
                         <a:srgbClr val="B7B8B8"/>
                       </a:solidFill>
                       <a:prstDash val="solid"/>
+                      <a:round/>
+                      <a:headEnd type="none" w="med" len="med"/>
+                      <a:tailEnd type="none" w="med" len="med"/>
                     </a:lnR>
                     <a:lnT w="6350">
                       <a:solidFill>
@@ -3232,55 +4023,34 @@
                     <a:bodyPr/>
                     <a:lstStyle/>
                     <a:p>
-                      <a:pPr marL="228600" marR="343535" indent="69850" algn="ctr">
-                        <a:lnSpc>
-                          <a:spcPct val="102200"/>
-                        </a:lnSpc>
-                      </a:pPr>
+                      <a:pPr algn="ctr" fontAlgn="ctr"/>
                       <a:r>
-                        <a:rPr lang="fr-FR" sz="900" dirty="0">
+                        <a:rPr lang="en-US" sz="900" b="0" i="0" u="none" strike="noStrike" dirty="0">
                           <a:solidFill>
                             <a:srgbClr val="020302"/>
                           </a:solidFill>
-                          <a:latin typeface="AdobeClean-Light"/>
-                          <a:cs typeface="AdobeClean-Light"/>
+                          <a:effectLst/>
+                          <a:latin typeface="AdobeClean-Light" panose="020B0503020404020204" pitchFamily="34" charset="0"/>
                         </a:rPr>
-                        <a:t>Heures d’ouverture /</a:t>
-                      </a:r>
-                      <a:r>
-                        <a:rPr lang="sk-SK" sz="900" dirty="0">
-                          <a:solidFill>
-                            <a:srgbClr val="020302"/>
-                          </a:solidFill>
-                          <a:latin typeface="AdobeClean-Light"/>
-                          <a:cs typeface="AdobeClean-Light"/>
-                        </a:rPr>
-                        <a:t> </a:t>
-                      </a:r>
-                      <a:r>
-                        <a:rPr lang="fr-FR" sz="900" dirty="0">
-                          <a:solidFill>
-                            <a:srgbClr val="020302"/>
-                          </a:solidFill>
-                          <a:latin typeface="AdobeClean-Light"/>
-                          <a:cs typeface="AdobeClean-Light"/>
-                        </a:rPr>
-                        <a:t>4 heures</a:t>
+                        <a:t>Business hours / 4 hours</a:t>
                       </a:r>
                     </a:p>
                   </a:txBody>
-                  <a:tcPr marL="0" marR="0" marT="0" marB="0" anchor="ctr">
+                  <a:tcPr marL="9525" marR="9525" marT="9525" marB="0" anchor="ctr">
                     <a:lnL w="6350">
                       <a:solidFill>
                         <a:srgbClr val="B7B8B8"/>
                       </a:solidFill>
                       <a:prstDash val="solid"/>
                     </a:lnL>
-                    <a:lnR w="6350">
+                    <a:lnR w="6350" cap="flat" cmpd="sng" algn="ctr">
                       <a:solidFill>
                         <a:srgbClr val="B7B8B8"/>
                       </a:solidFill>
                       <a:prstDash val="solid"/>
+                      <a:round/>
+                      <a:headEnd type="none" w="med" len="med"/>
+                      <a:tailEnd type="none" w="med" len="med"/>
                     </a:lnR>
                     <a:lnT w="6350">
                       <a:solidFill>
@@ -3301,30 +4071,28 @@
                     <a:bodyPr/>
                     <a:lstStyle/>
                     <a:p>
-                      <a:pPr marL="288925" marR="492125" indent="0" algn="ctr">
-                        <a:lnSpc>
-                          <a:spcPct val="102200"/>
-                        </a:lnSpc>
-                      </a:pPr>
+                      <a:pPr algn="ctr" fontAlgn="ctr"/>
                       <a:r>
-                        <a:rPr lang="fr-FR" sz="900" dirty="0">
+                        <a:rPr lang="en-US" sz="900" b="0" i="0" u="none" strike="noStrike">
                           <a:solidFill>
                             <a:srgbClr val="020302"/>
                           </a:solidFill>
-                          <a:latin typeface="AdobeClean-Light"/>
-                          <a:ea typeface="+mn-ea"/>
-                          <a:cs typeface="AdobeClean-Light"/>
+                          <a:effectLst/>
+                          <a:latin typeface="AdobeClean-Light" panose="020B0503020404020204" pitchFamily="34" charset="0"/>
                         </a:rPr>
-                        <a:t>24x5 /   1 heure</a:t>
+                        <a:t>24x5 / 1 hour</a:t>
                       </a:r>
                     </a:p>
                   </a:txBody>
-                  <a:tcPr marL="0" marR="0" marT="0" marB="0" anchor="ctr">
-                    <a:lnL w="6350">
+                  <a:tcPr marL="9525" marR="9525" marT="9525" marB="0" anchor="ctr">
+                    <a:lnL w="6350" cap="flat" cmpd="sng" algn="ctr">
                       <a:solidFill>
                         <a:srgbClr val="B7B8B8"/>
                       </a:solidFill>
                       <a:prstDash val="solid"/>
+                      <a:round/>
+                      <a:headEnd type="none" w="med" len="med"/>
+                      <a:tailEnd type="none" w="med" len="med"/>
                     </a:lnL>
                     <a:lnR w="6350" cap="flat" cmpd="sng" algn="ctr">
                       <a:solidFill>
@@ -3375,15 +4143,109 @@
                         </a:spcBef>
                       </a:pPr>
                       <a:r>
-                        <a:rPr lang="fr-FR" sz="900" b="1" dirty="0">
+                        <a:rPr sz="900" b="1" spc="-15" dirty="0">
                           <a:solidFill>
                             <a:srgbClr val="020302"/>
                           </a:solidFill>
                           <a:latin typeface="Adobe Clean"/>
                           <a:cs typeface="Adobe Clean"/>
                         </a:rPr>
-                        <a:t>PRIORITÉ 3</a:t>
+                        <a:t>P</a:t>
                       </a:r>
+                      <a:r>
+                        <a:rPr sz="900" b="1" spc="-20" dirty="0">
+                          <a:solidFill>
+                            <a:srgbClr val="020302"/>
+                          </a:solidFill>
+                          <a:latin typeface="Adobe Clean"/>
+                          <a:cs typeface="Adobe Clean"/>
+                        </a:rPr>
+                        <a:t>R</a:t>
+                      </a:r>
+                      <a:r>
+                        <a:rPr sz="900" b="1" spc="-25" dirty="0">
+                          <a:solidFill>
+                            <a:srgbClr val="020302"/>
+                          </a:solidFill>
+                          <a:latin typeface="Adobe Clean"/>
+                          <a:cs typeface="Adobe Clean"/>
+                        </a:rPr>
+                        <a:t>I</a:t>
+                      </a:r>
+                      <a:r>
+                        <a:rPr sz="900" b="1" spc="-15" dirty="0">
+                          <a:solidFill>
+                            <a:srgbClr val="020302"/>
+                          </a:solidFill>
+                          <a:latin typeface="Adobe Clean"/>
+                          <a:cs typeface="Adobe Clean"/>
+                        </a:rPr>
+                        <a:t>O</a:t>
+                      </a:r>
+                      <a:r>
+                        <a:rPr sz="900" b="1" spc="-20" dirty="0">
+                          <a:solidFill>
+                            <a:srgbClr val="020302"/>
+                          </a:solidFill>
+                          <a:latin typeface="Adobe Clean"/>
+                          <a:cs typeface="Adobe Clean"/>
+                        </a:rPr>
+                        <a:t>R</a:t>
+                      </a:r>
+                      <a:r>
+                        <a:rPr sz="900" b="1" spc="-25" dirty="0">
+                          <a:solidFill>
+                            <a:srgbClr val="020302"/>
+                          </a:solidFill>
+                          <a:latin typeface="Adobe Clean"/>
+                          <a:cs typeface="Adobe Clean"/>
+                        </a:rPr>
+                        <a:t>I</a:t>
+                      </a:r>
+                      <a:r>
+                        <a:rPr sz="900" b="1" spc="-15" dirty="0">
+                          <a:solidFill>
+                            <a:srgbClr val="020302"/>
+                          </a:solidFill>
+                          <a:latin typeface="Adobe Clean"/>
+                          <a:cs typeface="Adobe Clean"/>
+                        </a:rPr>
+                        <a:t>T</a:t>
+                      </a:r>
+                      <a:r>
+                        <a:rPr sz="900" b="1" dirty="0">
+                          <a:solidFill>
+                            <a:srgbClr val="020302"/>
+                          </a:solidFill>
+                          <a:latin typeface="Adobe Clean"/>
+                          <a:cs typeface="Adobe Clean"/>
+                        </a:rPr>
+                        <a:t>Y</a:t>
+                      </a:r>
+                      <a:r>
+                        <a:rPr sz="900" b="1" spc="-40" dirty="0">
+                          <a:solidFill>
+                            <a:srgbClr val="020302"/>
+                          </a:solidFill>
+                          <a:latin typeface="Adobe Clean"/>
+                          <a:cs typeface="Adobe Clean"/>
+                        </a:rPr>
+                        <a:t> </a:t>
+                      </a:r>
+                      <a:r>
+                        <a:rPr sz="900" b="1" dirty="0">
+                          <a:solidFill>
+                            <a:srgbClr val="020302"/>
+                          </a:solidFill>
+                          <a:latin typeface="Adobe Clean"/>
+                          <a:cs typeface="Adobe Clean"/>
+                        </a:rPr>
+                        <a:t>3</a:t>
+                      </a:r>
+                      <a:endParaRPr sz="900" dirty="0">
+                        <a:latin typeface="Adobe Clean"/>
+                        <a:cs typeface="Adobe Clean"/>
+                      </a:endParaRPr>
                     </a:p>
                     <a:p>
                       <a:pPr marL="49530" marR="212090" indent="-2540">
@@ -3395,16 +4257,21 @@
                         </a:spcBef>
                       </a:pPr>
                       <a:r>
-                        <a:rPr lang="fr-FR" sz="900" b="0" i="0" u="none" strike="noStrike" spc="-30" baseline="0" dirty="0">
+                        <a:rPr lang="en-US" sz="900" b="0" i="0" u="none" strike="noStrike" dirty="0">
                           <a:solidFill>
                             <a:schemeClr val="tx1"/>
                           </a:solidFill>
-                          <a:latin typeface="Adobe Clean Light" panose="020B0303020404020204" pitchFamily="34" charset="0"/>
+                          <a:effectLst/>
+                          <a:latin typeface="Adobe Clean Light"/>
                           <a:ea typeface="+mn-ea"/>
                           <a:cs typeface="+mn-cs"/>
                         </a:rPr>
-                        <a:t>Les fonctions commerciales du client présentent une dégradation mineure, voire inexistante, des services, comprenant une solution/un moyen permettant aux fonctions commerciales de continuer de fonctionner  </a:t>
+                        <a:t>Customer's business functions has minor to no degradation of services with a solution/workaround allowing business functions to continue </a:t>
                       </a:r>
+                      <a:endParaRPr lang="en-US" sz="900" b="0" i="0" dirty="0">
+                        <a:latin typeface="Adobe Clean Light"/>
+                        <a:cs typeface="AdobeClean-Light"/>
+                      </a:endParaRPr>
                     </a:p>
                   </a:txBody>
                   <a:tcPr marL="0" marR="0" marT="0" marB="0" anchor="ctr">
@@ -3414,11 +4281,14 @@
                       </a:solidFill>
                       <a:prstDash val="solid"/>
                     </a:lnL>
-                    <a:lnR w="6350">
+                    <a:lnR w="6350" cap="flat" cmpd="sng" algn="ctr">
                       <a:solidFill>
                         <a:srgbClr val="B7B8B8"/>
                       </a:solidFill>
                       <a:prstDash val="solid"/>
+                      <a:round/>
+                      <a:headEnd type="none" w="med" len="med"/>
+                      <a:tailEnd type="none" w="med" len="med"/>
                     </a:lnR>
                     <a:lnT w="6350">
                       <a:solidFill>
@@ -3439,35 +4309,34 @@
                     <a:bodyPr/>
                     <a:lstStyle/>
                     <a:p>
-                      <a:pPr marL="228600" marR="343535" indent="0" algn="ctr">
-                        <a:lnSpc>
-                          <a:spcPct val="102200"/>
-                        </a:lnSpc>
-                      </a:pPr>
+                      <a:pPr algn="ctr" fontAlgn="ctr"/>
                       <a:r>
-                        <a:rPr lang="fr-FR" sz="900" dirty="0">
+                        <a:rPr lang="en-US" sz="900" b="0" i="0" u="none" strike="noStrike" dirty="0">
                           <a:solidFill>
                             <a:srgbClr val="020302"/>
                           </a:solidFill>
-                          <a:latin typeface="AdobeClean-Light"/>
-                          <a:cs typeface="AdobeClean-Light"/>
+                          <a:effectLst/>
+                          <a:latin typeface="AdobeClean-Light" panose="020B0503020404020204" pitchFamily="34" charset="0"/>
                         </a:rPr>
-                        <a:t>Heures d’ouverture / 6 heures</a:t>
+                        <a:t>Business hours / 6 hours</a:t>
                       </a:r>
                     </a:p>
                   </a:txBody>
-                  <a:tcPr marL="0" marR="0" marT="0" marB="0" anchor="ctr">
+                  <a:tcPr marL="9525" marR="9525" marT="9525" marB="0" anchor="ctr">
                     <a:lnL w="6350">
                       <a:solidFill>
                         <a:srgbClr val="B7B8B8"/>
                       </a:solidFill>
                       <a:prstDash val="solid"/>
                     </a:lnL>
-                    <a:lnR w="6350">
+                    <a:lnR w="6350" cap="flat" cmpd="sng" algn="ctr">
                       <a:solidFill>
                         <a:srgbClr val="B7B8B8"/>
                       </a:solidFill>
                       <a:prstDash val="solid"/>
+                      <a:round/>
+                      <a:headEnd type="none" w="med" len="med"/>
+                      <a:tailEnd type="none" w="med" len="med"/>
                     </a:lnR>
                     <a:lnT w="6350">
                       <a:solidFill>
@@ -3488,32 +4357,28 @@
                     <a:bodyPr/>
                     <a:lstStyle/>
                     <a:p>
-                      <a:pPr marL="228600" marR="398780" indent="3175" algn="ctr">
-                        <a:lnSpc>
-                          <a:spcPct val="102200"/>
-                        </a:lnSpc>
-                        <a:spcBef>
-                          <a:spcPts val="675"/>
-                        </a:spcBef>
-                      </a:pPr>
+                      <a:pPr algn="ctr" fontAlgn="ctr"/>
                       <a:r>
-                        <a:rPr lang="fr-FR" sz="900" dirty="0">
+                        <a:rPr lang="en-US" sz="900" b="0" i="0" u="none" strike="noStrike">
                           <a:solidFill>
                             <a:srgbClr val="020302"/>
                           </a:solidFill>
-                          <a:latin typeface="AdobeClean-Light"/>
-                          <a:cs typeface="AdobeClean-Light"/>
+                          <a:effectLst/>
+                          <a:latin typeface="AdobeClean-Light" panose="020B0503020404020204" pitchFamily="34" charset="0"/>
                         </a:rPr>
-                        <a:t>Heures d’ouverture /  2 heures</a:t>
+                        <a:t>Business hours / 2 hours</a:t>
                       </a:r>
                     </a:p>
                   </a:txBody>
-                  <a:tcPr marL="0" marR="0" marT="0" marB="0" anchor="ctr">
-                    <a:lnL w="6350">
+                  <a:tcPr marL="9525" marR="9525" marT="9525" marB="0" anchor="ctr">
+                    <a:lnL w="6350" cap="flat" cmpd="sng" algn="ctr">
                       <a:solidFill>
                         <a:srgbClr val="B7B8B8"/>
                       </a:solidFill>
                       <a:prstDash val="solid"/>
+                      <a:round/>
+                      <a:headEnd type="none" w="med" len="med"/>
+                      <a:tailEnd type="none" w="med" len="med"/>
                     </a:lnL>
                     <a:lnR w="6350" cap="flat" cmpd="sng" algn="ctr">
                       <a:solidFill>
@@ -3564,15 +4429,109 @@
                         </a:spcBef>
                       </a:pPr>
                       <a:r>
-                        <a:rPr lang="fr-FR" sz="900" b="1" dirty="0">
+                        <a:rPr sz="900" b="1" spc="-15" dirty="0">
                           <a:solidFill>
                             <a:srgbClr val="020302"/>
                           </a:solidFill>
                           <a:latin typeface="Adobe Clean"/>
                           <a:cs typeface="Adobe Clean"/>
                         </a:rPr>
-                        <a:t>PRIORITÉ 4</a:t>
+                        <a:t>P</a:t>
                       </a:r>
+                      <a:r>
+                        <a:rPr sz="900" b="1" spc="-20" dirty="0">
+                          <a:solidFill>
+                            <a:srgbClr val="020302"/>
+                          </a:solidFill>
+                          <a:latin typeface="Adobe Clean"/>
+                          <a:cs typeface="Adobe Clean"/>
+                        </a:rPr>
+                        <a:t>R</a:t>
+                      </a:r>
+                      <a:r>
+                        <a:rPr sz="900" b="1" spc="-25" dirty="0">
+                          <a:solidFill>
+                            <a:srgbClr val="020302"/>
+                          </a:solidFill>
+                          <a:latin typeface="Adobe Clean"/>
+                          <a:cs typeface="Adobe Clean"/>
+                        </a:rPr>
+                        <a:t>I</a:t>
+                      </a:r>
+                      <a:r>
+                        <a:rPr sz="900" b="1" spc="-15" dirty="0">
+                          <a:solidFill>
+                            <a:srgbClr val="020302"/>
+                          </a:solidFill>
+                          <a:latin typeface="Adobe Clean"/>
+                          <a:cs typeface="Adobe Clean"/>
+                        </a:rPr>
+                        <a:t>O</a:t>
+                      </a:r>
+                      <a:r>
+                        <a:rPr sz="900" b="1" spc="-20" dirty="0">
+                          <a:solidFill>
+                            <a:srgbClr val="020302"/>
+                          </a:solidFill>
+                          <a:latin typeface="Adobe Clean"/>
+                          <a:cs typeface="Adobe Clean"/>
+                        </a:rPr>
+                        <a:t>R</a:t>
+                      </a:r>
+                      <a:r>
+                        <a:rPr sz="900" b="1" spc="-25" dirty="0">
+                          <a:solidFill>
+                            <a:srgbClr val="020302"/>
+                          </a:solidFill>
+                          <a:latin typeface="Adobe Clean"/>
+                          <a:cs typeface="Adobe Clean"/>
+                        </a:rPr>
+                        <a:t>I</a:t>
+                      </a:r>
+                      <a:r>
+                        <a:rPr sz="900" b="1" spc="-15" dirty="0">
+                          <a:solidFill>
+                            <a:srgbClr val="020302"/>
+                          </a:solidFill>
+                          <a:latin typeface="Adobe Clean"/>
+                          <a:cs typeface="Adobe Clean"/>
+                        </a:rPr>
+                        <a:t>T</a:t>
+                      </a:r>
+                      <a:r>
+                        <a:rPr sz="900" b="1" dirty="0">
+                          <a:solidFill>
+                            <a:srgbClr val="020302"/>
+                          </a:solidFill>
+                          <a:latin typeface="Adobe Clean"/>
+                          <a:cs typeface="Adobe Clean"/>
+                        </a:rPr>
+                        <a:t>Y</a:t>
+                      </a:r>
+                      <a:r>
+                        <a:rPr sz="900" b="1" spc="-40" dirty="0">
+                          <a:solidFill>
+                            <a:srgbClr val="020302"/>
+                          </a:solidFill>
+                          <a:latin typeface="Adobe Clean"/>
+                          <a:cs typeface="Adobe Clean"/>
+                        </a:rPr>
+                        <a:t> </a:t>
+                      </a:r>
+                      <a:r>
+                        <a:rPr sz="900" b="1" dirty="0">
+                          <a:solidFill>
+                            <a:srgbClr val="020302"/>
+                          </a:solidFill>
+                          <a:latin typeface="Adobe Clean"/>
+                          <a:cs typeface="Adobe Clean"/>
+                        </a:rPr>
+                        <a:t>4</a:t>
+                      </a:r>
+                      <a:endParaRPr sz="900" dirty="0">
+                        <a:latin typeface="Adobe Clean"/>
+                        <a:cs typeface="Adobe Clean"/>
+                      </a:endParaRPr>
                     </a:p>
                     <a:p>
                       <a:pPr marL="49530">
@@ -3584,27 +4543,31 @@
                         </a:spcBef>
                       </a:pPr>
                       <a:r>
-                        <a:rPr lang="fr-FR" sz="900" b="1" dirty="0">
+                        <a:rPr lang="en-US" sz="900" b="1" spc="-90" dirty="0">
                           <a:solidFill>
                             <a:srgbClr val="020302"/>
                           </a:solidFill>
                           <a:latin typeface="Adobe Clean"/>
-                          <a:ea typeface="+mn-ea"/>
-                          <a:cs typeface="Adobe Clean"/>
+                          <a:cs typeface="+mn-cs"/>
                         </a:rPr>
-                        <a:t> </a:t>
+                        <a:t> </a:t>
                       </a:r>
                       <a:r>
-                        <a:rPr lang="fr-FR" sz="900" b="0" i="0" u="none" strike="noStrike" dirty="0">
+                        <a:rPr lang="en-US" sz="900" b="0" i="0" u="none" strike="noStrike" dirty="0">
                           <a:solidFill>
                             <a:schemeClr val="tx1"/>
                           </a:solidFill>
-                          <a:latin typeface="Adobe Clean Light" panose="020B0303020404020204" pitchFamily="34" charset="0"/>
+                          <a:effectLst/>
+                          <a:latin typeface="Adobe Clean Light"/>
                           <a:ea typeface="+mn-ea"/>
                           <a:cs typeface="+mn-cs"/>
                         </a:rPr>
-                        <a:t>Question générale concernant les fonctionnalités actuelles du produit ou une demande d’amélioration</a:t>
+                        <a:t>General question regarding current product functionality or an enhancement request</a:t>
                       </a:r>
+                      <a:endParaRPr lang="en-US" sz="900" b="0" i="0" dirty="0">
+                        <a:latin typeface="Adobe Clean Light"/>
+                        <a:cs typeface="AdobeClean-Light"/>
+                      </a:endParaRPr>
                     </a:p>
                   </a:txBody>
                   <a:tcPr marL="0" marR="0" marT="0" marB="0" anchor="ctr">
@@ -3614,11 +4577,14 @@
                       </a:solidFill>
                       <a:prstDash val="solid"/>
                     </a:lnL>
-                    <a:lnR w="6350">
+                    <a:lnR w="6350" cap="flat" cmpd="sng" algn="ctr">
                       <a:solidFill>
                         <a:srgbClr val="B7B8B8"/>
                       </a:solidFill>
                       <a:prstDash val="solid"/>
+                      <a:round/>
+                      <a:headEnd type="none" w="med" len="med"/>
+                      <a:tailEnd type="none" w="med" len="med"/>
                     </a:lnR>
                     <a:lnT w="6350">
                       <a:solidFill>
@@ -3639,35 +4605,34 @@
                     <a:bodyPr/>
                     <a:lstStyle/>
                     <a:p>
-                      <a:pPr marL="288925" marR="343535" indent="9525" algn="ctr">
-                        <a:lnSpc>
-                          <a:spcPct val="102200"/>
-                        </a:lnSpc>
-                      </a:pPr>
+                      <a:pPr algn="ctr" fontAlgn="ctr"/>
                       <a:r>
-                        <a:rPr lang="fr-FR" sz="900" dirty="0">
+                        <a:rPr lang="en-US" sz="900" b="0" i="0" u="none" strike="noStrike" dirty="0">
                           <a:solidFill>
                             <a:srgbClr val="020302"/>
                           </a:solidFill>
-                          <a:latin typeface="AdobeClean-Light"/>
-                          <a:cs typeface="AdobeClean-Light"/>
+                          <a:effectLst/>
+                          <a:latin typeface="AdobeClean-Light" panose="020B0503020404020204" pitchFamily="34" charset="0"/>
                         </a:rPr>
-                        <a:t>Jours ouvrables /   3 jours</a:t>
+                        <a:t>Business days / 3 days</a:t>
                       </a:r>
                     </a:p>
                   </a:txBody>
-                  <a:tcPr marL="0" marR="0" marT="0" marB="0" anchor="ctr">
+                  <a:tcPr marL="9525" marR="9525" marT="9525" marB="0" anchor="ctr">
                     <a:lnL w="6350">
                       <a:solidFill>
                         <a:srgbClr val="B7B8B8"/>
                       </a:solidFill>
                       <a:prstDash val="solid"/>
                     </a:lnL>
-                    <a:lnR w="6350">
+                    <a:lnR w="6350" cap="flat" cmpd="sng" algn="ctr">
                       <a:solidFill>
                         <a:srgbClr val="B7B8B8"/>
                       </a:solidFill>
                       <a:prstDash val="solid"/>
+                      <a:round/>
+                      <a:headEnd type="none" w="med" len="med"/>
+                      <a:tailEnd type="none" w="med" len="med"/>
                     </a:lnR>
                     <a:lnT w="6350">
                       <a:solidFill>
@@ -3688,29 +4653,28 @@
                     <a:bodyPr/>
                     <a:lstStyle/>
                     <a:p>
-                      <a:pPr marL="288925" marR="343535" indent="9525" algn="ctr">
-                        <a:lnSpc>
-                          <a:spcPct val="102200"/>
-                        </a:lnSpc>
-                      </a:pPr>
+                      <a:pPr algn="ctr" fontAlgn="ctr"/>
                       <a:r>
-                        <a:rPr lang="fr-FR" sz="900" dirty="0">
+                        <a:rPr lang="en-US" sz="900" b="0" i="0" u="none" strike="noStrike" dirty="0">
                           <a:solidFill>
                             <a:srgbClr val="020302"/>
                           </a:solidFill>
-                          <a:latin typeface="AdobeClean-Light"/>
-                          <a:cs typeface="AdobeClean-Light"/>
+                          <a:effectLst/>
+                          <a:latin typeface="AdobeClean-Light" panose="020B0503020404020204" pitchFamily="34" charset="0"/>
                         </a:rPr>
-                        <a:t>Jours ouvrables /       1 jour</a:t>
+                        <a:t>Business days / 1 day</a:t>
                       </a:r>
                     </a:p>
                   </a:txBody>
-                  <a:tcPr marL="0" marR="0" marT="0" marB="0" anchor="ctr">
-                    <a:lnL w="6350">
+                  <a:tcPr marL="9525" marR="9525" marT="9525" marB="0" anchor="ctr">
+                    <a:lnL w="6350" cap="flat" cmpd="sng" algn="ctr">
                       <a:solidFill>
                         <a:srgbClr val="B7B8B8"/>
                       </a:solidFill>
                       <a:prstDash val="solid"/>
+                      <a:round/>
+                      <a:headEnd type="none" w="med" len="med"/>
+                      <a:tailEnd type="none" w="med" len="med"/>
                     </a:lnL>
                     <a:lnR w="6350" cap="flat" cmpd="sng" algn="ctr">
                       <a:solidFill>
@@ -3785,7 +4749,7 @@
         <p:spPr>
           <a:xfrm>
             <a:off x="97788" y="9888626"/>
-            <a:ext cx="2980692" cy="133370"/>
+            <a:ext cx="2245360" cy="133370"/>
           </a:xfrm>
           <a:prstGeom prst="rect">
             <a:avLst/>
@@ -3806,24 +4770,40 @@
               </a:spcBef>
             </a:pPr>
             <a:r>
-              <a:rPr lang="fr-FR" dirty="0"/>
-              <a:t>©2021 Adobe. All </a:t>
-            </a:r>
-            <a:r>
-              <a:rPr lang="fr-FR" dirty="0" err="1"/>
-              <a:t>Rights</a:t>
-            </a:r>
-            <a:r>
-              <a:rPr lang="fr-FR" dirty="0"/>
+              <a:rPr spc="-10"/>
+              <a:t>©202</a:t>
+            </a:r>
+            <a:r>
+              <a:rPr lang="en-US" spc="-10"/>
+              <a:t>1</a:t>
+            </a:r>
+            <a:r>
+              <a:rPr spc="-5"/>
+              <a:t> Adobe. All</a:t>
+            </a:r>
+            <a:r>
+              <a:rPr spc="-10"/>
+              <a:t> Rights</a:t>
+            </a:r>
+            <a:r>
+              <a:rPr spc="-5"/>
               <a:t> </a:t>
             </a:r>
             <a:r>
-              <a:rPr lang="fr-FR" dirty="0" err="1"/>
-              <a:t>Reserved</a:t>
-            </a:r>
-            <a:r>
-              <a:rPr lang="fr-FR" dirty="0"/>
-              <a:t>. Données confidentielles Adobe</a:t>
+              <a:rPr spc="-10"/>
+              <a:t>Reserved.</a:t>
+            </a:r>
+            <a:r>
+              <a:rPr spc="-5"/>
+              <a:t> Adobe</a:t>
+            </a:r>
+            <a:r>
+              <a:rPr spc="60"/>
+              <a:t> </a:t>
+            </a:r>
+            <a:r>
+              <a:rPr spc="-10"/>
+              <a:t>Confidential.</a:t>
             </a:r>
           </a:p>
         </p:txBody>
@@ -3857,7 +4837,7 @@
           <a:lstStyle/>
           <a:p>
             <a:r>
-              <a:rPr lang="fr-FR" sz="700" i="1">
+              <a:rPr lang="en-US" sz="700" i="1">
                 <a:solidFill>
                   <a:schemeClr val="bg1"/>
                 </a:solidFill>
@@ -3903,16 +4883,16 @@
               </a:spcBef>
             </a:pPr>
             <a:r>
-              <a:rPr lang="fr-FR" sz="1200">
+              <a:rPr lang="en-US" sz="1200" dirty="0">
                 <a:solidFill>
                   <a:schemeClr val="bg1"/>
                 </a:solidFill>
                 <a:latin typeface="Adobe Clean Light" panose="020B0303020404020204" pitchFamily="34" charset="0"/>
               </a:rPr>
-              <a:t>En ligne | Commerciale |</a:t>
-            </a:r>
-            <a:r>
-              <a:rPr lang="fr-FR" sz="1200" b="1">
+              <a:t>Online | Business |</a:t>
+            </a:r>
+            <a:r>
+              <a:rPr lang="en-US" sz="1200" b="1" dirty="0">
                 <a:solidFill>
                   <a:schemeClr val="bg1"/>
                 </a:solidFill>
@@ -3921,15 +4901,15 @@
               <a:t> </a:t>
             </a:r>
             <a:r>
-              <a:rPr lang="fr-FR" sz="1200" b="1">
+              <a:rPr lang="en-US" sz="1200" b="1" dirty="0">
                 <a:solidFill>
                   <a:schemeClr val="bg1"/>
                 </a:solidFill>
               </a:rPr>
-              <a:t>Entreprise</a:t>
-            </a:r>
-            <a:r>
-              <a:rPr lang="fr-FR" sz="1200" b="1">
+              <a:t>Enterprise</a:t>
+            </a:r>
+            <a:r>
+              <a:rPr lang="en-US" sz="1200" b="1" dirty="0">
                 <a:solidFill>
                   <a:schemeClr val="bg1"/>
                 </a:solidFill>
@@ -3938,7 +4918,7 @@
               <a:t> </a:t>
             </a:r>
             <a:r>
-              <a:rPr lang="fr-FR" sz="1200">
+              <a:rPr lang="en-US" sz="1200" dirty="0">
                 <a:solidFill>
                   <a:schemeClr val="bg1"/>
                 </a:solidFill>
@@ -3947,7 +4927,7 @@
               <a:t>| Elite</a:t>
             </a:r>
             <a:br>
-              <a:rPr lang="fr-FR" sz="900">
+              <a:rPr lang="en-US" sz="900" dirty="0">
                 <a:solidFill>
                   <a:schemeClr val="bg1"/>
                 </a:solidFill>
@@ -3955,14 +4935,21 @@
               </a:rPr>
             </a:br>
             <a:r>
-              <a:rPr lang="fr-FR" sz="900">
+              <a:rPr lang="en-US" sz="900" dirty="0">
                 <a:solidFill>
                   <a:schemeClr val="bg1"/>
                 </a:solidFill>
                 <a:latin typeface="Adobe Clean SemiLight" panose="020B0403020404020204" pitchFamily="34" charset="0"/>
               </a:rPr>
-              <a:t>L’assistance d’ENTREPRISE comprend un accès à des parcours de formation personnalisés et à des forums communautaires surveillés au travers d’Experience League d’Adobe. Vous pouvez également tirer profit de notre documentation technique détaillée et approfondie sur les produits, ainsi que de nos notes de mise à jour actuelles. Les clients du programme d’ENTREPRISE bénéficieront également d’un accès à un ingénieur d’assistance nommé jouant le rôle de contact technique désigné dans l’équipe d’assistance d’Adobe. Grâce à sa grande expérience dans vos solutions Experience Cloud, votre équipe d’assistance travaillera à vos côtés et avec vos équipes techniques afin d’assurer une résolution de toutes les requêtes d’assistance dans les temps. Votre équipe d’assistance peut également vous aider à coordonner et organiser la diffusion des avantages d’ENTREPRISE supplémentaires, garantissant ainsi une perturbation minimale de votre entreprise aux moments les plus critiques. </a:t>
-            </a:r>
+              <a:t>ENTERPRISE support includes access to personalized learning paths and monitored community forums via the Adobe Experience League. You can also take advantage of our detailed and in-depth technical product documentation and current release notes. ENTERPRISE customers will also be provided with a Named Support Engineer who acts as your designated technical contact in the Adobe Support Team. With deep experience in your designated Experience Cloud solution, your support team will work in partnership with you and your technical teams to ensure timely resolution of all support requests. Your support team can also help coordinate and arrange delivery of the additional ENTERPRISE benefits ensuring minimal disruption to your business at the most critical time. </a:t>
+            </a:r>
+            <a:endParaRPr lang="en-US" sz="900" dirty="0">
+              <a:solidFill>
+                <a:schemeClr val="bg1"/>
+              </a:solidFill>
+              <a:latin typeface="Adobe Clean Light" panose="020B0303020404020204" pitchFamily="34" charset="0"/>
+              <a:cs typeface="AdobeClean-Light"/>
+            </a:endParaRPr>
           </a:p>
         </p:txBody>
       </p:sp>
@@ -3981,14 +4968,14 @@
           <p:nvPr>
             <p:extLst>
               <p:ext uri="{D42A27DB-BD31-4B8C-83A1-F6EECF244321}">
-                <p14:modId xmlns:p14="http://schemas.microsoft.com/office/powerpoint/2010/main" val="2622089103"/>
+                <p14:modId xmlns:p14="http://schemas.microsoft.com/office/powerpoint/2010/main" val="2813555721"/>
               </p:ext>
             </p:extLst>
           </p:nvPr>
         </p:nvGraphicFramePr>
         <p:xfrm>
           <a:off x="125148" y="2159576"/>
-          <a:ext cx="7498851" cy="4776202"/>
+          <a:ext cx="7498851" cy="4675190"/>
         </p:xfrm>
         <a:graphic>
           <a:graphicData uri="http://schemas.openxmlformats.org/drawingml/2006/table">
@@ -4070,15 +5057,19 @@
                         <a:defRPr/>
                       </a:pPr>
                       <a:r>
-                        <a:rPr lang="fr-FR" sz="900">
+                        <a:rPr lang="en-US" sz="900" spc="0">
                           <a:solidFill>
                             <a:srgbClr val="404040"/>
                           </a:solidFill>
                           <a:latin typeface="Adobe Clean"/>
                           <a:cs typeface="Adobe Clean"/>
                         </a:rPr>
-                        <a:t>Assistance en ligne</a:t>
+                        <a:t>Online  Support</a:t>
                       </a:r>
+                      <a:endParaRPr lang="en-US" sz="900" spc="0">
+                        <a:latin typeface="Adobe Clean"/>
+                        <a:cs typeface="Adobe Clean"/>
+                      </a:endParaRPr>
                     </a:p>
                   </a:txBody>
                   <a:tcPr marL="0" marR="0" marT="7620" marB="0" anchor="ctr">
@@ -4119,15 +5110,29 @@
                         </a:spcBef>
                       </a:pPr>
                       <a:r>
-                        <a:rPr lang="fr-FR" sz="900">
+                        <a:rPr lang="en-US" sz="900" spc="0">
                           <a:solidFill>
                             <a:srgbClr val="FFFFFF"/>
                           </a:solidFill>
                           <a:latin typeface="Adobe Clean"/>
                           <a:cs typeface="Adobe Clean"/>
                         </a:rPr>
-                        <a:t>Assistance aux entreprises</a:t>
+                        <a:t>Enterprise </a:t>
                       </a:r>
+                      <a:r>
+                        <a:rPr sz="900" spc="0">
+                          <a:solidFill>
+                            <a:srgbClr val="FFFFFF"/>
+                          </a:solidFill>
+                          <a:latin typeface="Adobe Clean"/>
+                          <a:cs typeface="Adobe Clean"/>
+                        </a:rPr>
+                        <a:t>Support</a:t>
+                      </a:r>
+                      <a:endParaRPr sz="900" spc="0">
+                        <a:latin typeface="Adobe Clean"/>
+                        <a:cs typeface="Adobe Clean"/>
+                      </a:endParaRPr>
                     </a:p>
                   </a:txBody>
                   <a:tcPr marL="0" marR="0" marT="7620" marB="0" anchor="ctr">
@@ -4195,7 +5200,7 @@
                     <a:bodyPr/>
                     <a:lstStyle/>
                     <a:p>
-                      <a:pPr marL="0" marR="0" lvl="0" indent="0" algn="l" defTabSz="914400" rtl="0" eaLnBrk="1" fontAlgn="auto" latinLnBrk="0" hangingPunct="1">
+                      <a:pPr marL="0" marR="0" lvl="0" indent="0" algn="ctr" defTabSz="914400" eaLnBrk="1" fontAlgn="auto" latinLnBrk="0" hangingPunct="1">
                         <a:lnSpc>
                           <a:spcPct val="100000"/>
                         </a:lnSpc>
@@ -4276,13 +5281,13 @@
                         <a:defRPr/>
                       </a:pPr>
                       <a:r>
-                        <a:rPr lang="fr-FR" sz="800" i="1">
+                        <a:rPr lang="en-US" sz="800" i="1">
                           <a:solidFill>
                             <a:schemeClr val="bg1"/>
                           </a:solidFill>
                           <a:latin typeface="Adobe Clean Light" panose="020B0303020404020204" pitchFamily="34" charset="0"/>
                         </a:rPr>
-                        <a:t>Assistance payante ($)</a:t>
+                        <a:t>Paid Support ($)</a:t>
                       </a:r>
                     </a:p>
                   </a:txBody>
@@ -4346,15 +5351,22 @@
                         </a:spcBef>
                       </a:pPr>
                       <a:r>
-                        <a:rPr lang="fr-FR" sz="1000" b="1" i="0">
+                        <a:rPr lang="en-US" sz="1000" b="1" i="0" spc="0">
                           <a:solidFill>
                             <a:schemeClr val="bg1"/>
                           </a:solidFill>
                           <a:latin typeface="Adobe Clean" panose="020B0503020404020204" pitchFamily="34" charset="0"/>
                           <a:cs typeface="AdobeClean-Light"/>
                         </a:rPr>
-                        <a:t>Experts assignés</a:t>
+                        <a:t>Assigned Experts</a:t>
                       </a:r>
+                      <a:endParaRPr sz="1000" b="1" i="0" spc="0">
+                        <a:solidFill>
+                          <a:schemeClr val="bg1"/>
+                        </a:solidFill>
+                        <a:latin typeface="Adobe Clean" panose="020B0503020404020204" pitchFamily="34" charset="0"/>
+                        <a:cs typeface="AdobeClean-Light"/>
+                      </a:endParaRPr>
                     </a:p>
                   </a:txBody>
                   <a:tcPr marL="0" marR="0" marT="58419" marB="0" anchor="ctr">
@@ -4401,15 +5413,19 @@
                         </a:spcBef>
                       </a:pPr>
                       <a:r>
-                        <a:rPr lang="fr-FR" sz="900">
+                        <a:rPr sz="900" spc="0">
                           <a:solidFill>
                             <a:srgbClr val="020302"/>
                           </a:solidFill>
                           <a:latin typeface="AdobeClean-Light"/>
                           <a:cs typeface="AdobeClean-Light"/>
                         </a:rPr>
-                        <a:t>Assistance principale du compte</a:t>
+                        <a:t>Account Support Lead</a:t>
                       </a:r>
+                      <a:endParaRPr sz="900" spc="0">
+                        <a:latin typeface="AdobeClean-Light"/>
+                        <a:cs typeface="AdobeClean-Light"/>
+                      </a:endParaRPr>
                     </a:p>
                   </a:txBody>
                   <a:tcPr marL="0" marR="0" marT="58419" marB="0">
@@ -4444,7 +5460,7 @@
                     <a:bodyPr/>
                     <a:lstStyle/>
                     <a:p>
-                      <a:pPr algn="l" rtl="0">
+                      <a:pPr algn="ctr">
                         <a:lnSpc>
                           <a:spcPct val="100000"/>
                         </a:lnSpc>
@@ -4485,7 +5501,7 @@
                     <a:bodyPr/>
                     <a:lstStyle/>
                     <a:p>
-                      <a:pPr algn="l" rtl="0">
+                      <a:pPr algn="ctr">
                         <a:lnSpc>
                           <a:spcPct val="100000"/>
                         </a:lnSpc>
@@ -4528,7 +5544,7 @@
                     <a:bodyPr/>
                     <a:lstStyle/>
                     <a:p>
-                      <a:pPr marL="50800" algn="l" rtl="0">
+                      <a:pPr marL="50800">
                         <a:lnSpc>
                           <a:spcPct val="100000"/>
                         </a:lnSpc>
@@ -4574,15 +5590,19 @@
                         </a:spcBef>
                       </a:pPr>
                       <a:r>
-                        <a:rPr lang="fr-FR" sz="900">
+                        <a:rPr sz="900" spc="0">
                           <a:solidFill>
                             <a:srgbClr val="020302"/>
                           </a:solidFill>
                           <a:latin typeface="AdobeClean-Light"/>
                           <a:cs typeface="AdobeClean-Light"/>
                         </a:rPr>
-                        <a:t>Ingénieur d’assistance nommé</a:t>
+                        <a:t>Named Support Engineer</a:t>
                       </a:r>
+                      <a:endParaRPr sz="900" spc="0">
+                        <a:latin typeface="AdobeClean-Light"/>
+                        <a:cs typeface="AdobeClean-Light"/>
+                      </a:endParaRPr>
                     </a:p>
                   </a:txBody>
                   <a:tcPr marL="0" marR="0" marT="58419" marB="0">
@@ -4605,7 +5625,7 @@
                     <a:bodyPr/>
                     <a:lstStyle/>
                     <a:p>
-                      <a:pPr algn="l" rtl="0">
+                      <a:pPr algn="ctr">
                         <a:lnSpc>
                           <a:spcPct val="100000"/>
                         </a:lnSpc>
@@ -4652,7 +5672,7 @@
                         <a:defRPr/>
                       </a:pPr>
                       <a:r>
-                        <a:rPr lang="fr-FR" sz="900">
+                        <a:rPr lang="en-US" sz="900">
                           <a:solidFill>
                             <a:srgbClr val="020302"/>
                           </a:solidFill>
@@ -4661,6 +5681,10 @@
                         </a:rPr>
                         <a:t></a:t>
                       </a:r>
+                      <a:endParaRPr lang="en-US" sz="900">
+                        <a:latin typeface="Wingdings"/>
+                        <a:cs typeface="Wingdings"/>
+                      </a:endParaRPr>
                     </a:p>
                   </a:txBody>
                   <a:tcPr marL="0" marR="0" marT="0" marB="0" anchor="ctr">
@@ -4683,7 +5707,7 @@
                     <a:bodyPr/>
                     <a:lstStyle/>
                     <a:p>
-                      <a:pPr marL="50800" algn="l" rtl="0">
+                      <a:pPr marL="50800">
                         <a:lnSpc>
                           <a:spcPct val="100000"/>
                         </a:lnSpc>
@@ -4741,15 +5765,19 @@
                         </a:spcBef>
                       </a:pPr>
                       <a:r>
-                        <a:rPr lang="fr-FR" sz="900">
+                        <a:rPr sz="900" spc="0">
                           <a:solidFill>
                             <a:srgbClr val="020302"/>
                           </a:solidFill>
                           <a:latin typeface="AdobeClean-Light"/>
                           <a:cs typeface="AdobeClean-Light"/>
                         </a:rPr>
-                        <a:t>Gestionnaire de compte technique</a:t>
+                        <a:t>Technical Account Manager</a:t>
                       </a:r>
+                      <a:endParaRPr sz="900" spc="0">
+                        <a:latin typeface="AdobeClean-Light"/>
+                        <a:cs typeface="AdobeClean-Light"/>
+                      </a:endParaRPr>
                     </a:p>
                   </a:txBody>
                   <a:tcPr marL="0" marR="0" marT="63500" marB="0">
@@ -4778,7 +5806,7 @@
                     <a:bodyPr/>
                     <a:lstStyle/>
                     <a:p>
-                      <a:pPr algn="l" rtl="0">
+                      <a:pPr algn="ctr">
                         <a:lnSpc>
                           <a:spcPct val="100000"/>
                         </a:lnSpc>
@@ -4816,7 +5844,7 @@
                     <a:bodyPr/>
                     <a:lstStyle/>
                     <a:p>
-                      <a:pPr algn="l" rtl="0">
+                      <a:pPr algn="ctr">
                         <a:lnSpc>
                           <a:spcPct val="100000"/>
                         </a:lnSpc>
@@ -4867,15 +5895,22 @@
                         </a:spcBef>
                       </a:pPr>
                       <a:r>
-                        <a:rPr lang="fr-FR" sz="1000" b="1" i="0">
+                        <a:rPr lang="en-US" sz="1000" b="1" i="0" spc="0">
                           <a:solidFill>
                             <a:schemeClr val="bg1"/>
                           </a:solidFill>
                           <a:latin typeface="Adobe Clean" panose="020B0503020404020204" pitchFamily="34" charset="0"/>
                           <a:cs typeface="AdobeClean-Light"/>
                         </a:rPr>
-                        <a:t>Services d’assistance</a:t>
+                        <a:t>Support Services</a:t>
                       </a:r>
+                      <a:endParaRPr sz="1000" b="1" i="0" spc="0">
+                        <a:solidFill>
+                          <a:schemeClr val="bg1"/>
+                        </a:solidFill>
+                        <a:latin typeface="Adobe Clean" panose="020B0503020404020204" pitchFamily="34" charset="0"/>
+                        <a:cs typeface="AdobeClean-Light"/>
+                      </a:endParaRPr>
                     </a:p>
                   </a:txBody>
                   <a:tcPr marL="0" marR="0" marT="57150" marB="0" anchor="ctr">
@@ -4931,15 +5966,29 @@
                         </a:spcBef>
                       </a:pPr>
                       <a:r>
-                        <a:rPr lang="fr-FR" sz="900">
+                        <a:rPr lang="en-US" sz="900" spc="0">
                           <a:solidFill>
                             <a:srgbClr val="020302"/>
                           </a:solidFill>
                           <a:latin typeface="AdobeClean-Light"/>
                           <a:cs typeface="AdobeClean-Light"/>
                         </a:rPr>
-                        <a:t>Assistance en ligne</a:t>
+                        <a:t>Online</a:t>
                       </a:r>
+                      <a:r>
+                        <a:rPr sz="900" spc="0">
+                          <a:solidFill>
+                            <a:srgbClr val="020302"/>
+                          </a:solidFill>
+                          <a:latin typeface="AdobeClean-Light"/>
+                          <a:cs typeface="AdobeClean-Light"/>
+                        </a:rPr>
+                        <a:t> Support</a:t>
+                      </a:r>
+                      <a:endParaRPr sz="900" spc="0">
+                        <a:latin typeface="AdobeClean-Light"/>
+                        <a:cs typeface="AdobeClean-Light"/>
+                      </a:endParaRPr>
                     </a:p>
                   </a:txBody>
                   <a:tcPr marL="0" marR="0" marT="57150" marB="0">
@@ -4977,15 +6026,39 @@
                         </a:spcBef>
                       </a:pPr>
                       <a:r>
-                        <a:rPr lang="fr-FR" sz="900">
+                        <a:rPr sz="900" spc="-25">
                           <a:solidFill>
                             <a:srgbClr val="020302"/>
                           </a:solidFill>
                           <a:latin typeface="AdobeClean-Light"/>
                           <a:cs typeface="AdobeClean-Light"/>
                         </a:rPr>
-                        <a:t>Heures d’ouverture</a:t>
+                        <a:t>Business</a:t>
                       </a:r>
+                      <a:r>
+                        <a:rPr sz="900" spc="-15">
+                          <a:solidFill>
+                            <a:srgbClr val="020302"/>
+                          </a:solidFill>
+                          <a:latin typeface="AdobeClean-Light"/>
+                          <a:cs typeface="AdobeClean-Light"/>
+                        </a:rPr>
+                        <a:t> </a:t>
+                      </a:r>
+                      <a:r>
+                        <a:rPr sz="900" spc="-30">
+                          <a:solidFill>
+                            <a:srgbClr val="020302"/>
+                          </a:solidFill>
+                          <a:latin typeface="AdobeClean-Light"/>
+                          <a:cs typeface="AdobeClean-Light"/>
+                        </a:rPr>
+                        <a:t>hours</a:t>
+                      </a:r>
+                      <a:endParaRPr sz="900">
+                        <a:latin typeface="AdobeClean-Light"/>
+                        <a:cs typeface="AdobeClean-Light"/>
+                      </a:endParaRPr>
                     </a:p>
                   </a:txBody>
                   <a:tcPr marL="0" marR="0" marT="67945" marB="0">
@@ -5024,7 +6097,7 @@
                         </a:spcBef>
                       </a:pPr>
                       <a:r>
-                        <a:rPr lang="fr-FR" sz="900">
+                        <a:rPr lang="en-US" sz="900" spc="-25">
                           <a:solidFill>
                             <a:srgbClr val="020302"/>
                           </a:solidFill>
@@ -5033,6 +6106,10 @@
                         </a:rPr>
                         <a:t>24x5</a:t>
                       </a:r>
+                      <a:endParaRPr sz="900">
+                        <a:latin typeface="AdobeClean-Light"/>
+                        <a:cs typeface="AdobeClean-Light"/>
+                      </a:endParaRPr>
                     </a:p>
                   </a:txBody>
                   <a:tcPr marL="0" marR="0" marT="67945" marB="0">
@@ -5066,7 +6143,7 @@
                     <a:bodyPr/>
                     <a:lstStyle/>
                     <a:p>
-                      <a:pPr marL="50800" algn="l" rtl="0">
+                      <a:pPr marL="50800">
                         <a:lnSpc>
                           <a:spcPct val="100000"/>
                         </a:lnSpc>
@@ -5115,15 +6192,39 @@
                         </a:spcBef>
                       </a:pPr>
                       <a:r>
-                        <a:rPr lang="fr-FR" sz="900">
+                        <a:rPr sz="900" spc="0">
                           <a:solidFill>
                             <a:srgbClr val="020302"/>
                           </a:solidFill>
                           <a:latin typeface="AdobeClean-Light"/>
                           <a:cs typeface="AdobeClean-Light"/>
                         </a:rPr>
-                        <a:t>Assistance en cas de problèmes P1 24x7x365</a:t>
+                        <a:t>24x7</a:t>
                       </a:r>
+                      <a:r>
+                        <a:rPr lang="en-US" sz="900" spc="0">
+                          <a:solidFill>
+                            <a:srgbClr val="020302"/>
+                          </a:solidFill>
+                          <a:latin typeface="AdobeClean-Light"/>
+                          <a:cs typeface="AdobeClean-Light"/>
+                        </a:rPr>
+                        <a:t>x365</a:t>
+                      </a:r>
+                      <a:r>
+                        <a:rPr sz="900" spc="0">
+                          <a:solidFill>
+                            <a:srgbClr val="020302"/>
+                          </a:solidFill>
+                          <a:latin typeface="AdobeClean-Light"/>
+                          <a:cs typeface="AdobeClean-Light"/>
+                        </a:rPr>
+                        <a:t> P1 Issue Support</a:t>
+                      </a:r>
+                      <a:endParaRPr sz="900" spc="0">
+                        <a:latin typeface="AdobeClean-Light"/>
+                        <a:cs typeface="AdobeClean-Light"/>
+                      </a:endParaRPr>
                     </a:p>
                   </a:txBody>
                   <a:tcPr marL="0" marR="0" marT="57785" marB="0">
@@ -5155,7 +6256,7 @@
                         </a:spcBef>
                       </a:pPr>
                       <a:r>
-                        <a:rPr lang="fr-FR" sz="900">
+                        <a:rPr sz="900">
                           <a:solidFill>
                             <a:srgbClr val="020302"/>
                           </a:solidFill>
@@ -5164,6 +6265,10 @@
                         </a:rPr>
                         <a:t></a:t>
                       </a:r>
+                      <a:endParaRPr sz="900">
+                        <a:latin typeface="Wingdings"/>
+                        <a:cs typeface="Wingdings"/>
+                      </a:endParaRPr>
                     </a:p>
                   </a:txBody>
                   <a:tcPr marL="0" marR="0" marT="58419" marB="0">
@@ -5193,7 +6298,7 @@
                         </a:spcBef>
                       </a:pPr>
                       <a:r>
-                        <a:rPr lang="fr-FR" sz="900">
+                        <a:rPr sz="900">
                           <a:solidFill>
                             <a:srgbClr val="020302"/>
                           </a:solidFill>
@@ -5202,6 +6307,10 @@
                         </a:rPr>
                         <a:t></a:t>
                       </a:r>
+                      <a:endParaRPr sz="900">
+                        <a:latin typeface="Wingdings"/>
+                        <a:cs typeface="Wingdings"/>
+                      </a:endParaRPr>
                     </a:p>
                   </a:txBody>
                   <a:tcPr marL="0" marR="0" marT="58419" marB="0">
@@ -5224,7 +6333,7 @@
                     <a:bodyPr/>
                     <a:lstStyle/>
                     <a:p>
-                      <a:pPr marL="50800" algn="l" rtl="0">
+                      <a:pPr marL="50800">
                         <a:lnSpc>
                           <a:spcPct val="100000"/>
                         </a:lnSpc>
@@ -5282,15 +6391,19 @@
                         </a:spcBef>
                       </a:pPr>
                       <a:r>
-                        <a:rPr lang="fr-FR" sz="900">
+                        <a:rPr lang="en-US" sz="900" spc="0">
                           <a:solidFill>
                             <a:srgbClr val="020302"/>
                           </a:solidFill>
                           <a:latin typeface="AdobeClean-Light"/>
                           <a:cs typeface="AdobeClean-Light"/>
                         </a:rPr>
-                        <a:t>Contacts d’assistance nommés (par produit)</a:t>
+                        <a:t>Named Support Contacts (per product)</a:t>
                       </a:r>
+                      <a:endParaRPr sz="900" spc="0">
+                        <a:latin typeface="AdobeClean-Light"/>
+                        <a:cs typeface="AdobeClean-Light"/>
+                      </a:endParaRPr>
                     </a:p>
                   </a:txBody>
                   <a:tcPr marL="0" marR="0" marT="57785" marB="0">
@@ -5328,7 +6441,7 @@
                         </a:spcBef>
                       </a:pPr>
                       <a:r>
-                        <a:rPr lang="fr-FR" sz="900">
+                        <a:rPr sz="900">
                           <a:solidFill>
                             <a:srgbClr val="020302"/>
                           </a:solidFill>
@@ -5337,6 +6450,10 @@
                         </a:rPr>
                         <a:t>4</a:t>
                       </a:r>
+                      <a:endParaRPr sz="900">
+                        <a:latin typeface="AdobeClean-Light"/>
+                        <a:cs typeface="AdobeClean-Light"/>
+                      </a:endParaRPr>
                     </a:p>
                   </a:txBody>
                   <a:tcPr marL="0" marR="0" marT="57785" marB="0">
@@ -5366,7 +6483,7 @@
                         </a:spcBef>
                       </a:pPr>
                       <a:r>
-                        <a:rPr lang="fr-FR" sz="900">
+                        <a:rPr lang="en-US" sz="900">
                           <a:solidFill>
                             <a:srgbClr val="020302"/>
                           </a:solidFill>
@@ -5375,6 +6492,10 @@
                         </a:rPr>
                         <a:t>10</a:t>
                       </a:r>
+                      <a:endParaRPr sz="900">
+                        <a:latin typeface="AdobeClean-Light"/>
+                        <a:cs typeface="AdobeClean-Light"/>
+                      </a:endParaRPr>
                     </a:p>
                   </a:txBody>
                   <a:tcPr marL="0" marR="0" marT="57785" marB="0">
@@ -5397,7 +6518,7 @@
                     <a:bodyPr/>
                     <a:lstStyle/>
                     <a:p>
-                      <a:pPr marL="50800" algn="l" rtl="0">
+                      <a:pPr marL="50800">
                         <a:lnSpc>
                           <a:spcPct val="100000"/>
                         </a:lnSpc>
@@ -5446,15 +6567,19 @@
                         </a:spcBef>
                       </a:pPr>
                       <a:r>
-                        <a:rPr lang="fr-FR" sz="900">
+                        <a:rPr lang="en-US" sz="900" spc="0">
                           <a:solidFill>
                             <a:srgbClr val="020302"/>
                           </a:solidFill>
                           <a:latin typeface="AdobeClean-Light"/>
                           <a:cs typeface="AdobeClean-Light"/>
                         </a:rPr>
-                        <a:t>Assistance téléphonique en direct</a:t>
+                        <a:t>Live Telephone Support</a:t>
                       </a:r>
+                      <a:endParaRPr sz="900" spc="0">
+                        <a:latin typeface="AdobeClean-Light"/>
+                        <a:cs typeface="AdobeClean-Light"/>
+                      </a:endParaRPr>
                     </a:p>
                   </a:txBody>
                   <a:tcPr marL="0" marR="0" marT="57785" marB="0">
@@ -5477,7 +6602,7 @@
                     <a:bodyPr/>
                     <a:lstStyle/>
                     <a:p>
-                      <a:pPr algn="l" rtl="0">
+                      <a:pPr algn="ctr">
                         <a:lnSpc>
                           <a:spcPct val="100000"/>
                         </a:lnSpc>
@@ -5518,7 +6643,7 @@
                         </a:spcBef>
                       </a:pPr>
                       <a:r>
-                        <a:rPr lang="fr-FR" sz="900">
+                        <a:rPr sz="900">
                           <a:solidFill>
                             <a:srgbClr val="020302"/>
                           </a:solidFill>
@@ -5527,6 +6652,10 @@
                         </a:rPr>
                         <a:t></a:t>
                       </a:r>
+                      <a:endParaRPr sz="900">
+                        <a:latin typeface="Wingdings"/>
+                        <a:cs typeface="Wingdings"/>
+                      </a:endParaRPr>
                     </a:p>
                   </a:txBody>
                   <a:tcPr marL="0" marR="0" marT="59054" marB="0">
@@ -5549,7 +6678,7 @@
                     <a:bodyPr/>
                     <a:lstStyle/>
                     <a:p>
-                      <a:pPr marL="50800" algn="l" rtl="0">
+                      <a:pPr marL="50800">
                         <a:lnSpc>
                           <a:spcPct val="100000"/>
                         </a:lnSpc>
@@ -5598,15 +6727,19 @@
                         </a:spcBef>
                       </a:pPr>
                       <a:r>
-                        <a:rPr lang="fr-FR" sz="900">
+                        <a:rPr sz="900" spc="0">
                           <a:solidFill>
                             <a:srgbClr val="020302"/>
                           </a:solidFill>
                           <a:latin typeface="AdobeClean-Light"/>
                           <a:cs typeface="AdobeClean-Light"/>
                         </a:rPr>
-                        <a:t>Gestion des remontées d’informations</a:t>
+                        <a:t>Escalation Management</a:t>
                       </a:r>
+                      <a:endParaRPr sz="900" spc="0">
+                        <a:latin typeface="AdobeClean-Light"/>
+                        <a:cs typeface="AdobeClean-Light"/>
+                      </a:endParaRPr>
                     </a:p>
                   </a:txBody>
                   <a:tcPr marL="0" marR="0" marT="58419" marB="0">
@@ -5629,7 +6762,7 @@
                     <a:bodyPr/>
                     <a:lstStyle/>
                     <a:p>
-                      <a:pPr algn="l" rtl="0">
+                      <a:pPr algn="ctr">
                         <a:lnSpc>
                           <a:spcPct val="100000"/>
                         </a:lnSpc>
@@ -5670,7 +6803,7 @@
                         </a:spcBef>
                       </a:pPr>
                       <a:r>
-                        <a:rPr lang="fr-FR" sz="900">
+                        <a:rPr sz="900">
                           <a:solidFill>
                             <a:srgbClr val="020302"/>
                           </a:solidFill>
@@ -5679,6 +6812,10 @@
                         </a:rPr>
                         <a:t></a:t>
                       </a:r>
+                      <a:endParaRPr sz="900">
+                        <a:latin typeface="Wingdings"/>
+                        <a:cs typeface="Wingdings"/>
+                      </a:endParaRPr>
                     </a:p>
                   </a:txBody>
                   <a:tcPr marL="0" marR="0" marT="59690" marB="0">
@@ -5701,7 +6838,7 @@
                     <a:bodyPr/>
                     <a:lstStyle/>
                     <a:p>
-                      <a:pPr marL="50800" algn="l" rtl="0">
+                      <a:pPr marL="50800">
                         <a:lnSpc>
                           <a:spcPct val="100000"/>
                         </a:lnSpc>
@@ -5750,15 +6887,29 @@
                         </a:spcBef>
                       </a:pPr>
                       <a:r>
-                        <a:rPr lang="fr-FR" sz="900">
+                        <a:rPr sz="900" spc="0">
                           <a:solidFill>
                             <a:srgbClr val="020302"/>
                           </a:solidFill>
                           <a:latin typeface="AdobeClean-Light"/>
                           <a:cs typeface="AdobeClean-Light"/>
                         </a:rPr>
-                        <a:t>Examens de service par an</a:t>
+                        <a:t>Service Reviews </a:t>
                       </a:r>
+                      <a:r>
+                        <a:rPr lang="en-US" sz="900" spc="0">
+                          <a:solidFill>
+                            <a:srgbClr val="020302"/>
+                          </a:solidFill>
+                          <a:latin typeface="AdobeClean-Light"/>
+                          <a:cs typeface="AdobeClean-Light"/>
+                        </a:rPr>
+                        <a:t>per Year</a:t>
+                      </a:r>
+                      <a:endParaRPr sz="900" spc="0">
+                        <a:latin typeface="AdobeClean-Light"/>
+                        <a:cs typeface="AdobeClean-Light"/>
+                      </a:endParaRPr>
                     </a:p>
                   </a:txBody>
                   <a:tcPr marL="0" marR="0" marT="57150" marB="0">
@@ -5781,7 +6932,7 @@
                     <a:bodyPr/>
                     <a:lstStyle/>
                     <a:p>
-                      <a:pPr algn="l" rtl="0">
+                      <a:pPr>
                         <a:lnSpc>
                           <a:spcPct val="100000"/>
                         </a:lnSpc>
@@ -5816,12 +6967,16 @@
                         </a:lnSpc>
                       </a:pPr>
                       <a:r>
-                        <a:rPr lang="fr-FR" sz="900">
+                        <a:rPr lang="en-US" sz="900">
                           <a:latin typeface="Times New Roman"/>
                           <a:cs typeface="Times New Roman"/>
                         </a:rPr>
                         <a:t>2</a:t>
                       </a:r>
+                      <a:endParaRPr sz="900">
+                        <a:latin typeface="Times New Roman"/>
+                        <a:cs typeface="Times New Roman"/>
+                      </a:endParaRPr>
                     </a:p>
                   </a:txBody>
                   <a:tcPr marL="0" marR="0" marT="0" marB="0">
@@ -5863,12 +7018,16 @@
                         </a:spcBef>
                       </a:pPr>
                       <a:r>
-                        <a:rPr lang="fr-FR" sz="900">
+                        <a:rPr lang="en-US" sz="900" spc="0">
                           <a:latin typeface="AdobeClean-Light"/>
                           <a:cs typeface="AdobeClean-Light"/>
                         </a:rPr>
-                        <a:t>Sessions d’experts par an</a:t>
+                        <a:t>Expert Sessions per Year</a:t>
                       </a:r>
+                      <a:endParaRPr sz="900" spc="0">
+                        <a:latin typeface="AdobeClean-Light"/>
+                        <a:cs typeface="AdobeClean-Light"/>
+                      </a:endParaRPr>
                     </a:p>
                   </a:txBody>
                   <a:tcPr marL="0" marR="0" marT="57150" marB="0">
@@ -5897,7 +7056,7 @@
                     <a:bodyPr/>
                     <a:lstStyle/>
                     <a:p>
-                      <a:pPr algn="l" rtl="0">
+                      <a:pPr>
                         <a:lnSpc>
                           <a:spcPct val="100000"/>
                         </a:lnSpc>
@@ -5932,12 +7091,16 @@
                         </a:lnSpc>
                       </a:pPr>
                       <a:r>
-                        <a:rPr lang="fr-FR" sz="900">
+                        <a:rPr lang="en-US" sz="900">
                           <a:latin typeface="Times New Roman"/>
                           <a:cs typeface="Times New Roman"/>
                         </a:rPr>
                         <a:t>2</a:t>
                       </a:r>
+                      <a:endParaRPr sz="900">
+                        <a:latin typeface="Times New Roman"/>
+                        <a:cs typeface="Times New Roman"/>
+                      </a:endParaRPr>
                     </a:p>
                   </a:txBody>
                   <a:tcPr marL="0" marR="0" marT="0" marB="0">
@@ -5979,12 +7142,16 @@
                         </a:spcBef>
                       </a:pPr>
                       <a:r>
-                        <a:rPr lang="fr-FR" sz="900">
+                        <a:rPr lang="en-US" sz="900" spc="0">
                           <a:latin typeface="AdobeClean-Light"/>
                           <a:cs typeface="AdobeClean-Light"/>
                         </a:rPr>
-                        <a:t>Examens de cas</a:t>
+                        <a:t>Case Reviews</a:t>
                       </a:r>
+                      <a:endParaRPr sz="900" spc="0">
+                        <a:latin typeface="AdobeClean-Light"/>
+                        <a:cs typeface="AdobeClean-Light"/>
+                      </a:endParaRPr>
                     </a:p>
                   </a:txBody>
                   <a:tcPr marL="0" marR="0" marT="57150" marB="0">
@@ -6013,7 +7180,7 @@
                     <a:bodyPr/>
                     <a:lstStyle/>
                     <a:p>
-                      <a:pPr algn="l" rtl="0">
+                      <a:pPr>
                         <a:lnSpc>
                           <a:spcPct val="100000"/>
                         </a:lnSpc>
@@ -6060,7 +7227,7 @@
                         <a:defRPr/>
                       </a:pPr>
                       <a:r>
-                        <a:rPr lang="fr-FR" sz="900">
+                        <a:rPr lang="en-US" sz="900">
                           <a:solidFill>
                             <a:srgbClr val="020302"/>
                           </a:solidFill>
@@ -6069,6 +7236,10 @@
                         </a:rPr>
                         <a:t></a:t>
                       </a:r>
+                      <a:endParaRPr lang="en-US" sz="900">
+                        <a:latin typeface="Wingdings"/>
+                        <a:cs typeface="Wingdings"/>
+                      </a:endParaRPr>
                     </a:p>
                   </a:txBody>
                   <a:tcPr marL="0" marR="0" marT="0" marB="0">
@@ -6091,7 +7262,7 @@
                     <a:bodyPr/>
                     <a:lstStyle/>
                     <a:p>
-                      <a:pPr marL="48895" algn="l" rtl="0">
+                      <a:pPr marL="48895">
                         <a:lnSpc>
                           <a:spcPct val="100000"/>
                         </a:lnSpc>
@@ -6149,15 +7320,29 @@
                         </a:spcBef>
                       </a:pPr>
                       <a:r>
-                        <a:rPr lang="fr-FR" sz="900">
+                        <a:rPr sz="900" spc="0">
                           <a:solidFill>
                             <a:srgbClr val="020302"/>
                           </a:solidFill>
                           <a:latin typeface="AdobeClean-Light"/>
                           <a:cs typeface="AdobeClean-Light"/>
                         </a:rPr>
-                        <a:t>Gestion des événements</a:t>
+                        <a:t>Event </a:t>
                       </a:r>
+                      <a:r>
+                        <a:rPr lang="en-US" sz="900" spc="0">
+                          <a:solidFill>
+                            <a:srgbClr val="020302"/>
+                          </a:solidFill>
+                          <a:latin typeface="AdobeClean-Light"/>
+                          <a:cs typeface="AdobeClean-Light"/>
+                        </a:rPr>
+                        <a:t>Management</a:t>
+                      </a:r>
+                      <a:endParaRPr sz="900" spc="0">
+                        <a:latin typeface="AdobeClean-Light"/>
+                        <a:cs typeface="AdobeClean-Light"/>
+                      </a:endParaRPr>
                     </a:p>
                   </a:txBody>
                   <a:tcPr marL="0" marR="0" marT="58419" marB="0">
@@ -6186,7 +7371,7 @@
                     <a:bodyPr/>
                     <a:lstStyle/>
                     <a:p>
-                      <a:pPr algn="l" rtl="0">
+                      <a:pPr>
                         <a:lnSpc>
                           <a:spcPct val="100000"/>
                         </a:lnSpc>
@@ -6215,7 +7400,7 @@
                     <a:bodyPr/>
                     <a:lstStyle/>
                     <a:p>
-                      <a:pPr algn="l" rtl="0">
+                      <a:pPr>
                         <a:lnSpc>
                           <a:spcPct val="100000"/>
                         </a:lnSpc>
@@ -6246,7 +7431,7 @@
                     <a:bodyPr/>
                     <a:lstStyle/>
                     <a:p>
-                      <a:pPr marL="48895" algn="l" rtl="0">
+                      <a:pPr marL="48895">
                         <a:lnSpc>
                           <a:spcPct val="100000"/>
                         </a:lnSpc>
@@ -6295,15 +7480,39 @@
                         </a:spcBef>
                       </a:pPr>
                       <a:r>
-                        <a:rPr lang="fr-FR" sz="900">
+                        <a:rPr sz="900" spc="0">
                           <a:solidFill>
                             <a:srgbClr val="020302"/>
                           </a:solidFill>
                           <a:latin typeface="AdobeClean-Light"/>
                           <a:cs typeface="AdobeClean-Light"/>
                         </a:rPr>
-                        <a:t>Examen, maintenance et surveillance de l’environnement</a:t>
+                        <a:t>Environment</a:t>
                       </a:r>
+                      <a:r>
+                        <a:rPr lang="en-US" sz="900" spc="0">
+                          <a:solidFill>
+                            <a:srgbClr val="020302"/>
+                          </a:solidFill>
+                          <a:latin typeface="AdobeClean-Light"/>
+                          <a:cs typeface="AdobeClean-Light"/>
+                        </a:rPr>
+                        <a:t> </a:t>
+                      </a:r>
+                      <a:r>
+                        <a:rPr sz="900" spc="0">
+                          <a:solidFill>
+                            <a:srgbClr val="020302"/>
+                          </a:solidFill>
+                          <a:latin typeface="AdobeClean-Light"/>
+                          <a:cs typeface="AdobeClean-Light"/>
+                        </a:rPr>
+                        <a:t>Review, Maintenance &amp; Monitoring</a:t>
+                      </a:r>
+                      <a:endParaRPr sz="900" spc="0">
+                        <a:latin typeface="AdobeClean-Light"/>
+                        <a:cs typeface="AdobeClean-Light"/>
+                      </a:endParaRPr>
                     </a:p>
                   </a:txBody>
                   <a:tcPr marL="0" marR="0" marT="59055" marB="0">
@@ -6326,7 +7535,7 @@
                     <a:bodyPr/>
                     <a:lstStyle/>
                     <a:p>
-                      <a:pPr algn="l" rtl="0">
+                      <a:pPr>
                         <a:lnSpc>
                           <a:spcPct val="100000"/>
                         </a:lnSpc>
@@ -6355,7 +7564,7 @@
                     <a:bodyPr/>
                     <a:lstStyle/>
                     <a:p>
-                      <a:pPr algn="l" rtl="0">
+                      <a:pPr>
                         <a:lnSpc>
                           <a:spcPct val="100000"/>
                         </a:lnSpc>
@@ -6386,7 +7595,7 @@
                     <a:bodyPr/>
                     <a:lstStyle/>
                     <a:p>
-                      <a:pPr marL="49530" algn="l" rtl="0">
+                      <a:pPr marL="49530">
                         <a:lnSpc>
                           <a:spcPct val="100000"/>
                         </a:lnSpc>
@@ -6435,34 +7644,19 @@
                         </a:spcBef>
                       </a:pPr>
                       <a:r>
-                        <a:rPr lang="fr-FR" sz="900" dirty="0">
+                        <a:rPr sz="900" spc="0">
                           <a:solidFill>
                             <a:srgbClr val="020302"/>
                           </a:solidFill>
                           <a:latin typeface="AdobeClean-Light"/>
                           <a:cs typeface="AdobeClean-Light"/>
                         </a:rPr>
-                        <a:t>Version, migration, mise à niveau et examen de la feuille de route </a:t>
+                        <a:t>Release, Migration, Upgrade &amp; Product Roadmap Review</a:t>
                       </a:r>
-                      <a:br>
-                        <a:rPr lang="sk-SK" sz="900" dirty="0">
-                          <a:solidFill>
-                            <a:srgbClr val="020302"/>
-                          </a:solidFill>
-                          <a:latin typeface="AdobeClean-Light"/>
-                          <a:cs typeface="AdobeClean-Light"/>
-                        </a:rPr>
-                      </a:br>
-                      <a:r>
-                        <a:rPr lang="fr-FR" sz="900" dirty="0">
-                          <a:solidFill>
-                            <a:srgbClr val="020302"/>
-                          </a:solidFill>
-                          <a:latin typeface="AdobeClean-Light"/>
-                          <a:cs typeface="AdobeClean-Light"/>
-                        </a:rPr>
-                        <a:t>du produit</a:t>
-                      </a:r>
+                      <a:endParaRPr sz="900" spc="0">
+                        <a:latin typeface="AdobeClean-Light"/>
+                        <a:cs typeface="AdobeClean-Light"/>
+                      </a:endParaRPr>
                     </a:p>
                   </a:txBody>
                   <a:tcPr marL="0" marR="0" marT="63500" marB="0">
@@ -6485,7 +7679,7 @@
                     <a:bodyPr/>
                     <a:lstStyle/>
                     <a:p>
-                      <a:pPr algn="l" rtl="0">
+                      <a:pPr>
                         <a:lnSpc>
                           <a:spcPct val="100000"/>
                         </a:lnSpc>
@@ -6514,7 +7708,7 @@
                     <a:bodyPr/>
                     <a:lstStyle/>
                     <a:p>
-                      <a:pPr algn="l" rtl="0">
+                      <a:pPr>
                         <a:lnSpc>
                           <a:spcPct val="100000"/>
                         </a:lnSpc>
@@ -6545,7 +7739,7 @@
                     <a:bodyPr/>
                     <a:lstStyle/>
                     <a:p>
-                      <a:pPr marL="49530" algn="l" rtl="0">
+                      <a:pPr marL="49530">
                         <a:lnSpc>
                           <a:spcPct val="100000"/>
                         </a:lnSpc>
@@ -6603,11 +7797,11 @@
                         </a:spcBef>
                       </a:pPr>
                       <a:r>
-                        <a:rPr lang="fr-FR" sz="900">
+                        <a:rPr sz="900" spc="0">
                           <a:latin typeface="AdobeClean-Light"/>
                           <a:cs typeface="AdobeClean-Light"/>
                         </a:rPr>
-                        <a:t>Activités d’assistance dans le Cloud - Experience Manager as Cloud</a:t>
+                        <a:t>Cloud Support Activities – Experience Manager as Cloud</a:t>
                       </a:r>
                     </a:p>
                   </a:txBody>
@@ -6637,7 +7831,7 @@
                     <a:bodyPr/>
                     <a:lstStyle/>
                     <a:p>
-                      <a:pPr algn="l" rtl="0">
+                      <a:pPr>
                         <a:lnSpc>
                           <a:spcPct val="100000"/>
                         </a:lnSpc>
@@ -6693,7 +7887,7 @@
                         <a:defRPr/>
                       </a:pPr>
                       <a:r>
-                        <a:rPr lang="fr-FR" sz="900">
+                        <a:rPr lang="en-US" sz="900">
                           <a:solidFill>
                             <a:srgbClr val="020302"/>
                           </a:solidFill>
@@ -6702,9 +7896,13 @@
                         </a:rPr>
                         <a:t></a:t>
                       </a:r>
+                      <a:endParaRPr lang="en-US" sz="900">
+                        <a:latin typeface="Wingdings"/>
+                        <a:cs typeface="Wingdings"/>
+                      </a:endParaRPr>
                     </a:p>
                     <a:p>
-                      <a:pPr marL="0" marR="0" lvl="0" indent="0" algn="l" defTabSz="914400" rtl="0" eaLnBrk="1" fontAlgn="auto" latinLnBrk="0" hangingPunct="1">
+                      <a:pPr marL="0" marR="0" lvl="0" indent="0" algn="ctr" defTabSz="914400" eaLnBrk="1" fontAlgn="auto" latinLnBrk="0" hangingPunct="1">
                         <a:lnSpc>
                           <a:spcPct val="100000"/>
                         </a:lnSpc>
@@ -6767,15 +7965,22 @@
                         </a:spcBef>
                       </a:pPr>
                       <a:r>
-                        <a:rPr lang="fr-FR" sz="1000" b="1" i="0">
+                        <a:rPr lang="en-US" sz="1000" b="1" i="0" spc="0">
                           <a:solidFill>
                             <a:schemeClr val="bg1"/>
                           </a:solidFill>
                           <a:latin typeface="Adobe Clean" panose="020B0503020404020204" pitchFamily="34" charset="0"/>
                           <a:cs typeface="AdobeClean-Light"/>
                         </a:rPr>
-                        <a:t>Services de terrain</a:t>
+                        <a:t>Field Services</a:t>
                       </a:r>
+                      <a:endParaRPr sz="1000" b="1" i="0" spc="0">
+                        <a:solidFill>
+                          <a:schemeClr val="bg1"/>
+                        </a:solidFill>
+                        <a:latin typeface="Adobe Clean" panose="020B0503020404020204" pitchFamily="34" charset="0"/>
+                        <a:cs typeface="AdobeClean-Light"/>
+                      </a:endParaRPr>
                     </a:p>
                   </a:txBody>
                   <a:tcPr marL="0" marR="0" marT="48260" marB="0" anchor="ctr">
@@ -6828,14 +8033,14 @@
                         </a:spcBef>
                       </a:pPr>
                       <a:r>
-                        <a:rPr lang="fr-FR" sz="900">
+                        <a:rPr sz="900" spc="0">
                           <a:solidFill>
                             <a:srgbClr val="020302"/>
                           </a:solidFill>
                           <a:latin typeface="AdobeClean-Light"/>
                           <a:cs typeface="AdobeClean-Light"/>
                         </a:rPr>
-                        <a:t>Services Launch Advisory - Première année de la nouvelle solution</a:t>
+                        <a:t>Launch Advisory Services – First Year of new solution</a:t>
                       </a:r>
                     </a:p>
                   </a:txBody>
@@ -6875,7 +8080,7 @@
                     <a:bodyPr/>
                     <a:lstStyle/>
                     <a:p>
-                      <a:pPr algn="l" rtl="0">
+                      <a:pPr>
                         <a:lnSpc>
                           <a:spcPct val="100000"/>
                         </a:lnSpc>
@@ -6931,7 +8136,7 @@
                         <a:defRPr/>
                       </a:pPr>
                       <a:r>
-                        <a:rPr lang="fr-FR" sz="900">
+                        <a:rPr lang="en-US" sz="900">
                           <a:solidFill>
                             <a:srgbClr val="020302"/>
                           </a:solidFill>
@@ -6940,6 +8145,10 @@
                         </a:rPr>
                         <a:t></a:t>
                       </a:r>
+                      <a:endParaRPr lang="en-US" sz="900">
+                        <a:latin typeface="Wingdings"/>
+                        <a:cs typeface="Wingdings"/>
+                      </a:endParaRPr>
                     </a:p>
                   </a:txBody>
                   <a:tcPr marL="0" marR="0" marT="0" marB="0">
@@ -7060,7 +8269,7 @@
                         <a:defRPr/>
                       </a:pPr>
                       <a:r>
-                        <a:rPr lang="fr-FR" sz="900">
+                        <a:rPr lang="en-US" sz="900">
                           <a:solidFill>
                             <a:srgbClr val="020302"/>
                           </a:solidFill>
@@ -7069,6 +8278,10 @@
                         </a:rPr>
                         <a:t></a:t>
                       </a:r>
+                      <a:endParaRPr lang="en-US" sz="900">
+                        <a:latin typeface="Wingdings"/>
+                        <a:cs typeface="Wingdings"/>
+                      </a:endParaRPr>
                     </a:p>
                   </a:txBody>
                   <a:tcPr marL="0" marR="0" marT="0" marB="0">
@@ -7125,11 +8338,11 @@
                         <a:defRPr/>
                       </a:pPr>
                       <a:r>
-                        <a:rPr lang="fr-FR" sz="900" dirty="0">
+                        <a:rPr lang="en-US" sz="900" spc="0">
                           <a:latin typeface="AdobeClean-Light"/>
                           <a:cs typeface="AdobeClean-Light"/>
                         </a:rPr>
-                        <a:t>Activités du service de terrain </a:t>
+                        <a:t>Field Service Activities </a:t>
                       </a:r>
                     </a:p>
                   </a:txBody>
@@ -7264,14 +8477,14 @@
         <p:spPr>
           <a:xfrm>
             <a:off x="2835999" y="9021041"/>
-            <a:ext cx="2194560" cy="795089"/>
+            <a:ext cx="2194560" cy="641201"/>
           </a:xfrm>
           <a:prstGeom prst="rect">
             <a:avLst/>
           </a:prstGeom>
         </p:spPr>
         <p:txBody>
-          <a:bodyPr vert="horz" wrap="square" lIns="0" tIns="12700" rIns="0" bIns="0" rtlCol="0">
+          <a:bodyPr vert="horz" wrap="square" lIns="0" tIns="12700" rIns="0" bIns="0" rtlCol="0" anchor="t">
             <a:spAutoFit/>
           </a:bodyPr>
           <a:lstStyle/>
@@ -7288,21 +8501,158 @@
               </a:tabLst>
             </a:pPr>
             <a:r>
-              <a:rPr lang="fr-FR" sz="1000" dirty="0">
+              <a:rPr sz="1000" spc="-20" dirty="0">
                 <a:solidFill>
                   <a:srgbClr val="020302"/>
                 </a:solidFill>
                 <a:latin typeface="AdobeClean-Light"/>
                 <a:cs typeface="AdobeClean-Light"/>
               </a:rPr>
-              <a:t>Commencez une session de conversation pour obtenir des réponses et de l’aide lors de l’envoi du cas</a:t>
+              <a:t>Start </a:t>
+            </a:r>
+            <a:r>
+              <a:rPr sz="1000" dirty="0">
+                <a:solidFill>
+                  <a:srgbClr val="020302"/>
+                </a:solidFill>
+                <a:latin typeface="AdobeClean-Light"/>
+                <a:cs typeface="AdobeClean-Light"/>
+              </a:rPr>
+              <a:t>a </a:t>
+            </a:r>
+            <a:r>
+              <a:rPr sz="1000" spc="-15" dirty="0">
+                <a:solidFill>
+                  <a:srgbClr val="020302"/>
+                </a:solidFill>
+                <a:latin typeface="AdobeClean-Light"/>
+                <a:cs typeface="AdobeClean-Light"/>
+              </a:rPr>
+              <a:t>chat </a:t>
+            </a:r>
+            <a:r>
+              <a:rPr sz="1000" spc="-10" dirty="0">
+                <a:solidFill>
+                  <a:srgbClr val="020302"/>
+                </a:solidFill>
+                <a:latin typeface="AdobeClean-Light"/>
+                <a:cs typeface="AdobeClean-Light"/>
+              </a:rPr>
+              <a:t>session </a:t>
+            </a:r>
+            <a:r>
+              <a:rPr sz="1000" spc="-5" dirty="0">
+                <a:solidFill>
+                  <a:srgbClr val="020302"/>
+                </a:solidFill>
+                <a:latin typeface="AdobeClean-Light"/>
+                <a:cs typeface="AdobeClean-Light"/>
+              </a:rPr>
+              <a:t>to </a:t>
+            </a:r>
+            <a:r>
+              <a:rPr sz="1000" spc="-10" dirty="0">
+                <a:solidFill>
+                  <a:srgbClr val="020302"/>
+                </a:solidFill>
+                <a:latin typeface="AdobeClean-Light"/>
+                <a:cs typeface="AdobeClean-Light"/>
+              </a:rPr>
+              <a:t>get </a:t>
+            </a:r>
+            <a:r>
+              <a:rPr sz="1000" spc="-20" dirty="0">
+                <a:solidFill>
+                  <a:srgbClr val="020302"/>
+                </a:solidFill>
+                <a:latin typeface="AdobeClean-Light"/>
+                <a:cs typeface="AdobeClean-Light"/>
+              </a:rPr>
+              <a:t>answers</a:t>
+            </a:r>
+            <a:r>
+              <a:rPr lang="en-US" sz="1000" spc="-45" dirty="0">
+                <a:solidFill>
+                  <a:srgbClr val="020302"/>
+                </a:solidFill>
+                <a:latin typeface="AdobeClean-Light"/>
+                <a:cs typeface="AdobeClean-Light"/>
+              </a:rPr>
+              <a:t> </a:t>
+            </a:r>
+            <a:r>
+              <a:rPr lang="en-US" sz="1000" dirty="0">
+                <a:solidFill>
+                  <a:srgbClr val="020302"/>
+                </a:solidFill>
+                <a:latin typeface="AdobeClean-Light"/>
+                <a:cs typeface="AdobeClean-Light"/>
+              </a:rPr>
+              <a:t>&amp; </a:t>
+            </a:r>
+            <a:r>
+              <a:rPr sz="1000" spc="-15" dirty="0">
+                <a:solidFill>
+                  <a:srgbClr val="020302"/>
+                </a:solidFill>
+                <a:latin typeface="AdobeClean-Light"/>
+                <a:cs typeface="AdobeClean-Light"/>
+              </a:rPr>
+              <a:t>help </a:t>
+            </a:r>
+            <a:r>
+              <a:rPr sz="1000" spc="-10" dirty="0">
+                <a:solidFill>
+                  <a:srgbClr val="020302"/>
+                </a:solidFill>
+                <a:latin typeface="AdobeClean-Light"/>
+                <a:cs typeface="AdobeClean-Light"/>
+              </a:rPr>
+              <a:t>with</a:t>
+            </a:r>
+            <a:r>
+              <a:rPr sz="1000" spc="85" dirty="0">
+                <a:solidFill>
+                  <a:srgbClr val="020302"/>
+                </a:solidFill>
+                <a:latin typeface="AdobeClean-Light"/>
+                <a:cs typeface="AdobeClean-Light"/>
+              </a:rPr>
+              <a:t> </a:t>
+            </a:r>
+            <a:r>
+              <a:rPr sz="1000" spc="-10" dirty="0">
+                <a:solidFill>
+                  <a:srgbClr val="020302"/>
+                </a:solidFill>
+                <a:latin typeface="AdobeClean-Light"/>
+                <a:cs typeface="AdobeClean-Light"/>
+              </a:rPr>
+              <a:t>case </a:t>
+            </a:r>
+            <a:r>
+              <a:rPr sz="1000" spc="-20">
+                <a:solidFill>
+                  <a:srgbClr val="020302"/>
+                </a:solidFill>
+                <a:latin typeface="AdobeClean-Light"/>
+                <a:cs typeface="AdobeClean-Light"/>
+              </a:rPr>
+              <a:t>submission</a:t>
+            </a:r>
+            <a:r>
+              <a:rPr lang="en-US" sz="1000" spc="-20">
+                <a:solidFill>
+                  <a:srgbClr val="020302"/>
+                </a:solidFill>
+                <a:latin typeface="AdobeClean-Light"/>
+                <a:cs typeface="AdobeClean-Light"/>
+              </a:rPr>
+              <a:t>.</a:t>
             </a:r>
           </a:p>
           <a:p>
             <a:pPr marL="33020" marR="159385">
-              <a:lnSpc>
-                <a:spcPct val="100000"/>
-              </a:lnSpc>
               <a:spcBef>
                 <a:spcPts val="100"/>
               </a:spcBef>
@@ -7311,44 +8661,49 @@
               </a:tabLst>
             </a:pPr>
             <a:r>
-              <a:rPr lang="fr-FR" sz="1000" i="1" dirty="0">
+              <a:rPr sz="1000" i="1" spc="-10" dirty="0">
                 <a:solidFill>
                   <a:srgbClr val="7A7A7A"/>
                 </a:solidFill>
                 <a:latin typeface="AdobeClean-LightIt"/>
                 <a:cs typeface="AdobeClean-LightIt"/>
               </a:rPr>
-              <a:t>*Tous les produits ne bénéficient pas </a:t>
-            </a:r>
-            <a:br>
-              <a:rPr lang="sk-SK" sz="1000" i="1" dirty="0">
+              <a:t>*Not all </a:t>
+            </a:r>
+            <a:r>
+              <a:rPr sz="1000" i="1" spc="-20" dirty="0">
                 <a:solidFill>
                   <a:srgbClr val="7A7A7A"/>
                 </a:solidFill>
                 <a:latin typeface="AdobeClean-LightIt"/>
                 <a:cs typeface="AdobeClean-LightIt"/>
               </a:rPr>
-            </a:br>
-            <a:r>
-              <a:rPr lang="fr-FR" sz="1000" i="1" dirty="0">
+              <a:t>products have live chat support</a:t>
+            </a:r>
+            <a:r>
+              <a:rPr sz="900" i="1" spc="-20" dirty="0">
                 <a:solidFill>
                   <a:srgbClr val="7A7A7A"/>
                 </a:solidFill>
                 <a:latin typeface="AdobeClean-LightIt"/>
                 <a:cs typeface="AdobeClean-LightIt"/>
               </a:rPr>
-              <a:t>de l’assistance de messagerie instantanée</a:t>
-            </a:r>
-            <a:r>
-              <a:rPr lang="fr-FR" sz="900" i="1" dirty="0">
+              <a:t>.</a:t>
+            </a:r>
+            <a:r>
+              <a:rPr lang="en-US" sz="900" i="1" spc="-20" dirty="0">
                 <a:solidFill>
                   <a:srgbClr val="7A7A7A"/>
                 </a:solidFill>
                 <a:latin typeface="AdobeClean-LightIt"/>
                 <a:cs typeface="AdobeClean-LightIt"/>
               </a:rPr>
-              <a:t>.  </a:t>
-            </a:r>
+              <a:t>  </a:t>
+            </a:r>
+            <a:endParaRPr sz="900">
+              <a:latin typeface="AdobeClean-Light"/>
+              <a:cs typeface="AdobeClean-Light"/>
+            </a:endParaRPr>
           </a:p>
         </p:txBody>
       </p:sp>
@@ -7369,7 +8724,7 @@
         <p:spPr>
           <a:xfrm>
             <a:off x="689237" y="6664838"/>
-            <a:ext cx="1848206" cy="184666"/>
+            <a:ext cx="1568246" cy="184666"/>
           </a:xfrm>
           <a:prstGeom prst="rect">
             <a:avLst/>
@@ -7395,12 +8750,12 @@
               <a:defRPr/>
             </a:pPr>
             <a:r>
-              <a:rPr lang="fr-FR" sz="1200" dirty="0">
+              <a:rPr lang="en-US" sz="1200">
                 <a:solidFill>
                   <a:srgbClr val="000000"/>
                 </a:solidFill>
               </a:rPr>
-              <a:t>Forums de la communauté</a:t>
+              <a:t>Community Forums</a:t>
             </a:r>
           </a:p>
         </p:txBody>
@@ -7421,8 +8776,8 @@
         </p:nvSpPr>
         <p:spPr>
           <a:xfrm>
-            <a:off x="689236" y="6868024"/>
-            <a:ext cx="1555491" cy="184666"/>
+            <a:off x="689237" y="6868024"/>
+            <a:ext cx="959314" cy="184666"/>
           </a:xfrm>
           <a:prstGeom prst="rect">
             <a:avLst/>
@@ -7443,12 +8798,12 @@
               </a:spcAft>
             </a:pPr>
             <a:r>
-              <a:rPr lang="fr-FR" sz="1200" b="1" dirty="0">
+              <a:rPr lang="en-US" sz="1200" b="1">
                 <a:latin typeface="+mj-lt"/>
                 <a:ea typeface="Open Sans" pitchFamily="34" charset="0"/>
                 <a:cs typeface="Open Sans" pitchFamily="34" charset="0"/>
               </a:rPr>
-              <a:t>Forums en ligne</a:t>
+              <a:t>Online Forums</a:t>
             </a:r>
           </a:p>
         </p:txBody>
@@ -7468,27 +8823,33 @@
         <p:spPr>
           <a:xfrm>
             <a:off x="355868" y="7102087"/>
-            <a:ext cx="2194560" cy="1113125"/>
+            <a:ext cx="2194560" cy="959237"/>
           </a:xfrm>
           <a:prstGeom prst="rect">
             <a:avLst/>
           </a:prstGeom>
         </p:spPr>
         <p:txBody>
-          <a:bodyPr vert="horz" wrap="square" lIns="0" tIns="35560" rIns="0" bIns="0" rtlCol="0">
+          <a:bodyPr vert="horz" wrap="square" lIns="0" tIns="35560" rIns="0" bIns="0" rtlCol="0" anchor="t">
             <a:spAutoFit/>
           </a:bodyPr>
           <a:lstStyle/>
           <a:p>
             <a:r>
-              <a:rPr lang="fr-FR" sz="1000" dirty="0">
+              <a:rPr lang="en-US" sz="1000" dirty="0">
                 <a:solidFill>
                   <a:srgbClr val="4B4B4B"/>
                 </a:solidFill>
-                <a:latin typeface="Adobe Clean Light" panose="020B0303020404020204" pitchFamily="34" charset="0"/>
-              </a:rPr>
-              <a:t>Accès en ligne permanent à une base de données croissante de solutions techniques, de documentation sur les produits, de questions fréquentes, etc. Communiquez avec des professionnels et d’autres clients de la communauté Adobe pour partager les bonnes pratiques et les leçons apprises</a:t>
-            </a:r>
+                <a:latin typeface="Adobe Clean Light"/>
+              </a:rPr>
+              <a:t>Continuous online access to a growing database of technical solutions, product documentation, FAQs and more. Connect with practitioners and other customers on Adobe Community to share best practices and lessons learned.</a:t>
+            </a:r>
+            <a:endParaRPr lang="en-US" sz="1000" dirty="0">
+              <a:solidFill>
+                <a:srgbClr val="4B4B4B"/>
+              </a:solidFill>
+              <a:latin typeface="Adobe Clean Light" panose="020B0303020404020204" pitchFamily="34" charset="0"/>
+            </a:endParaRPr>
           </a:p>
         </p:txBody>
       </p:sp>
@@ -7535,7 +8896,7 @@
               <a:defRPr/>
             </a:pPr>
             <a:r>
-              <a:rPr lang="fr-FR" sz="1200">
+              <a:rPr lang="en-US" sz="1200">
                 <a:solidFill>
                   <a:srgbClr val="000000"/>
                 </a:solidFill>
@@ -7583,12 +8944,12 @@
               </a:spcAft>
             </a:pPr>
             <a:r>
-              <a:rPr lang="fr-FR" sz="1200" b="1">
+              <a:rPr lang="en-US" sz="1200" b="1">
                 <a:latin typeface="+mj-lt"/>
                 <a:ea typeface="Open Sans" pitchFamily="34" charset="0"/>
                 <a:cs typeface="Open Sans" pitchFamily="34" charset="0"/>
               </a:rPr>
-              <a:t>Parcours auto-guidés</a:t>
+              <a:t>Self-guided Journeys</a:t>
             </a:r>
           </a:p>
         </p:txBody>
@@ -7615,20 +8976,26 @@
           </a:prstGeom>
         </p:spPr>
         <p:txBody>
-          <a:bodyPr vert="horz" wrap="square" lIns="0" tIns="35560" rIns="0" bIns="0" rtlCol="0">
+          <a:bodyPr vert="horz" wrap="square" lIns="0" tIns="35560" rIns="0" bIns="0" rtlCol="0" anchor="t">
             <a:spAutoFit/>
           </a:bodyPr>
           <a:lstStyle/>
           <a:p>
             <a:r>
-              <a:rPr lang="fr-FR" sz="1000">
+              <a:rPr lang="en-US" sz="1000" dirty="0">
                 <a:solidFill>
                   <a:srgbClr val="4B4B4B"/>
                 </a:solidFill>
-                <a:latin typeface="Adobe Clean Light" panose="020B0303020404020204" pitchFamily="34" charset="0"/>
-              </a:rPr>
-              <a:t>Les Experience Makers sont créées à l’aide d’Experience League. Les clients peuvent lancer leurs capacités de gestion de l’expérience client grâce à un apprentissage personnalisé permettant de développer leurs compétences, collaborer avec une communauté mondiale de pairs et gagner une reconnaissance de carrière</a:t>
-            </a:r>
+                <a:latin typeface="Adobe Clean Light"/>
+              </a:rPr>
+              <a:t>Experience Makers are made with Experience League. Customers can kickstart their Customer Experience Management abilities with personalized learning to develop skills, engage with a global community of peers, and earn career advancing recognition.</a:t>
+            </a:r>
+            <a:endParaRPr lang="en-US" sz="1000" dirty="0">
+              <a:solidFill>
+                <a:srgbClr val="4B4B4B"/>
+              </a:solidFill>
+              <a:latin typeface="Adobe Clean Light" panose="020B0303020404020204" pitchFamily="34" charset="0"/>
+            </a:endParaRPr>
           </a:p>
         </p:txBody>
       </p:sp>
@@ -7675,12 +9042,12 @@
               <a:defRPr/>
             </a:pPr>
             <a:r>
-              <a:rPr lang="fr-FR" sz="1200">
+              <a:rPr lang="en-US" sz="1200">
                 <a:solidFill>
                   <a:srgbClr val="000000"/>
                 </a:solidFill>
               </a:rPr>
-              <a:t>Assistance de messagerie instantanée*</a:t>
+              <a:t>Live Chat  Support*</a:t>
             </a:r>
           </a:p>
         </p:txBody>
@@ -7723,12 +9090,12 @@
               </a:spcAft>
             </a:pPr>
             <a:r>
-              <a:rPr lang="fr-FR" sz="1200" b="1">
+              <a:rPr lang="en-US" sz="1200" b="1">
                 <a:latin typeface="+mj-lt"/>
                 <a:ea typeface="Open Sans" pitchFamily="34" charset="0"/>
                 <a:cs typeface="Open Sans" pitchFamily="34" charset="0"/>
               </a:rPr>
-              <a:t>Assistance de conversation</a:t>
+              <a:t>Chat Support</a:t>
             </a:r>
           </a:p>
         </p:txBody>
@@ -7776,12 +9143,12 @@
               <a:defRPr/>
             </a:pPr>
             <a:r>
-              <a:rPr lang="fr-FR" sz="1200">
+              <a:rPr lang="en-US" sz="1200">
                 <a:solidFill>
                   <a:srgbClr val="000000"/>
                 </a:solidFill>
               </a:rPr>
-              <a:t>P1 24X7 </a:t>
+              <a:t>24X7 P1 </a:t>
             </a:r>
           </a:p>
         </p:txBody>
@@ -7824,12 +9191,12 @@
               </a:spcAft>
             </a:pPr>
             <a:r>
-              <a:rPr lang="fr-FR" sz="1200" b="1">
+              <a:rPr lang="en-US" sz="1200" b="1">
                 <a:latin typeface="+mj-lt"/>
                 <a:ea typeface="Open Sans" pitchFamily="34" charset="0"/>
                 <a:cs typeface="Open Sans" pitchFamily="34" charset="0"/>
               </a:rPr>
-              <a:t>Assistance téléphonique</a:t>
+              <a:t>Phone  Support</a:t>
             </a:r>
           </a:p>
         </p:txBody>
@@ -7862,29 +9229,35 @@
           <a:lstStyle/>
           <a:p>
             <a:r>
-              <a:rPr lang="fr-FR" sz="1000">
+              <a:rPr lang="en-US" sz="1000">
                 <a:solidFill>
                   <a:srgbClr val="020302"/>
                 </a:solidFill>
                 <a:latin typeface="AdobeClean-Light"/>
               </a:rPr>
-              <a:t>Les utilisateurs autorisés ou les </a:t>
-            </a:r>
-            <a:r>
-              <a:rPr lang="fr-FR" sz="1000" b="1">
+              <a:t>Authorized users or </a:t>
+            </a:r>
+            <a:r>
+              <a:rPr lang="en-US" sz="1000" b="1">
                 <a:solidFill>
                   <a:srgbClr val="020302"/>
                 </a:solidFill>
                 <a:latin typeface="AdobeClean-Light"/>
               </a:rPr>
-              <a:t>contacts d’assistance nommés </a:t>
-            </a:r>
-            <a:r>
-              <a:rPr lang="fr-FR" sz="1000">
+              <a:t>Named Support Contacts </a:t>
+            </a:r>
+            <a:r>
+              <a:rPr lang="en-US" sz="1000">
                 <a:latin typeface="Adobe Clean Light" panose="020B0303020404020204" pitchFamily="34" charset="0"/>
               </a:rPr>
-              <a:t>peuvent communiquer des problèmes par l’intermédiaire de tous les canaux disponibles (y compris le téléphone pour P1) et interagir avec notre équipe d’assistance technique au nom de votre entreprise. </a:t>
-            </a:r>
+              <a:t>can submit issues through all available  channels (including phone for P1) and interact with our technical support team on behalf of your company. </a:t>
+            </a:r>
+            <a:endParaRPr lang="en-US" sz="1000">
+              <a:solidFill>
+                <a:srgbClr val="000000"/>
+              </a:solidFill>
+              <a:latin typeface="Adobe Clean Light" panose="020B0303020404020204" pitchFamily="34" charset="0"/>
+            </a:endParaRPr>
           </a:p>
         </p:txBody>
       </p:sp>
@@ -7972,15 +9345,19 @@
               </a:spcBef>
             </a:pPr>
             <a:r>
-              <a:rPr lang="fr-FR" sz="1400" b="1">
-                <a:solidFill>
-                  <a:srgbClr val="020302"/>
-                </a:solidFill>
-                <a:latin typeface="Adobe Clean"/>
-                <a:cs typeface="Adobe Clean"/>
-              </a:rPr>
-              <a:t>Fonctionnalités de l’assistance en ligne</a:t>
-            </a:r>
+              <a:rPr lang="en-US" sz="1400" b="1" spc="-10">
+                <a:solidFill>
+                  <a:srgbClr val="020302"/>
+                </a:solidFill>
+                <a:latin typeface="Adobe Clean"/>
+                <a:cs typeface="Adobe Clean"/>
+              </a:rPr>
+              <a:t>Online Support Features</a:t>
+            </a:r>
+            <a:endParaRPr lang="en-US" sz="1400">
+              <a:latin typeface="Adobe Clean"/>
+              <a:cs typeface="Adobe Clean"/>
+            </a:endParaRPr>
           </a:p>
         </p:txBody>
       </p:sp>
@@ -8027,7 +9404,7 @@
               <a:defRPr/>
             </a:pPr>
             <a:r>
-              <a:rPr lang="fr-FR" sz="1200">
+              <a:rPr lang="en-US" sz="1200">
                 <a:solidFill>
                   <a:srgbClr val="000000"/>
                 </a:solidFill>
@@ -8075,12 +9452,12 @@
               </a:spcAft>
             </a:pPr>
             <a:r>
-              <a:rPr lang="fr-FR" sz="1200" b="1">
+              <a:rPr lang="en-US" sz="1200" b="1">
                 <a:latin typeface="+mj-lt"/>
                 <a:ea typeface="Open Sans" pitchFamily="34" charset="0"/>
                 <a:cs typeface="Open Sans" pitchFamily="34" charset="0"/>
               </a:rPr>
-              <a:t>Webinaires</a:t>
+              <a:t>Webinars</a:t>
             </a:r>
           </a:p>
         </p:txBody>
@@ -8099,8 +9476,8 @@
         </p:nvSpPr>
         <p:spPr>
           <a:xfrm>
-            <a:off x="355867" y="8986613"/>
-            <a:ext cx="2420985" cy="866904"/>
+            <a:off x="355868" y="8986613"/>
+            <a:ext cx="2194560" cy="805349"/>
           </a:xfrm>
           <a:prstGeom prst="rect">
             <a:avLst/>
@@ -8113,65 +9490,13 @@
           <a:lstStyle/>
           <a:p>
             <a:r>
-              <a:rPr lang="fr-FR" sz="900" dirty="0">
+              <a:rPr lang="en-US" sz="1000">
                 <a:solidFill>
                   <a:srgbClr val="4B4B4B"/>
                 </a:solidFill>
                 <a:latin typeface="Adobe Clean Light" panose="020B0303020404020204" pitchFamily="34" charset="0"/>
               </a:rPr>
-              <a:t>« Office </a:t>
-            </a:r>
-            <a:r>
-              <a:rPr lang="fr-FR" sz="900" dirty="0" err="1">
-                <a:solidFill>
-                  <a:srgbClr val="4B4B4B"/>
-                </a:solidFill>
-                <a:latin typeface="Adobe Clean Light" panose="020B0303020404020204" pitchFamily="34" charset="0"/>
-              </a:rPr>
-              <a:t>Hours</a:t>
-            </a:r>
-            <a:r>
-              <a:rPr lang="fr-FR" sz="900" dirty="0">
-                <a:solidFill>
-                  <a:srgbClr val="4B4B4B"/>
-                </a:solidFill>
-                <a:latin typeface="Adobe Clean Light" panose="020B0303020404020204" pitchFamily="34" charset="0"/>
-              </a:rPr>
-              <a:t> », l’initiative menée par l’équipe </a:t>
-            </a:r>
-            <a:br>
-              <a:rPr lang="sk-SK" sz="900" dirty="0">
-                <a:solidFill>
-                  <a:srgbClr val="4B4B4B"/>
-                </a:solidFill>
-                <a:latin typeface="Adobe Clean Light" panose="020B0303020404020204" pitchFamily="34" charset="0"/>
-              </a:rPr>
-            </a:br>
-            <a:r>
-              <a:rPr lang="fr-FR" sz="900" dirty="0">
-                <a:solidFill>
-                  <a:srgbClr val="4B4B4B"/>
-                </a:solidFill>
-                <a:latin typeface="Adobe Clean Light" panose="020B0303020404020204" pitchFamily="34" charset="0"/>
-              </a:rPr>
-              <a:t>du service clientèle Adobe, comprend des sessions conçues pour informer les participants et les aider </a:t>
-            </a:r>
-            <a:br>
-              <a:rPr lang="sk-SK" sz="900" dirty="0">
-                <a:solidFill>
-                  <a:srgbClr val="4B4B4B"/>
-                </a:solidFill>
-                <a:latin typeface="Adobe Clean Light" panose="020B0303020404020204" pitchFamily="34" charset="0"/>
-              </a:rPr>
-            </a:br>
-            <a:r>
-              <a:rPr lang="fr-FR" sz="900" dirty="0">
-                <a:solidFill>
-                  <a:srgbClr val="4B4B4B"/>
-                </a:solidFill>
-                <a:latin typeface="Adobe Clean Light" panose="020B0303020404020204" pitchFamily="34" charset="0"/>
-              </a:rPr>
-              <a:t>à résoudre leurs problèmes. Elle offre également des conseils et astuces pour réussir au mieux l’intégration des solutions Adobe. </a:t>
+              <a:t>Office Hours led by the Adobe Customer Support team includes sessions designed to inform as well as help participants troubleshoot problems and provide tips and tricks for success with Adobe solutions. </a:t>
             </a:r>
           </a:p>
         </p:txBody>
@@ -8192,8 +9517,8 @@
         </p:nvSpPr>
         <p:spPr>
           <a:xfrm>
-            <a:off x="5723507" y="8520784"/>
-            <a:ext cx="1736713" cy="184666"/>
+            <a:off x="5723508" y="8520784"/>
+            <a:ext cx="1303746" cy="184666"/>
           </a:xfrm>
           <a:prstGeom prst="rect">
             <a:avLst/>
@@ -8219,12 +9544,12 @@
               <a:defRPr/>
             </a:pPr>
             <a:r>
-              <a:rPr lang="fr-FR" sz="1200" dirty="0">
+              <a:rPr lang="en-US" sz="1200">
                 <a:solidFill>
                   <a:srgbClr val="000000"/>
                 </a:solidFill>
               </a:rPr>
-              <a:t>Portail d’aide automatique</a:t>
+              <a:t>Self-help Portals</a:t>
             </a:r>
           </a:p>
         </p:txBody>
@@ -8267,12 +9592,12 @@
               </a:spcAft>
             </a:pPr>
             <a:r>
-              <a:rPr lang="fr-FR" sz="1200" b="1">
+              <a:rPr lang="en-US" sz="1200" b="1">
                 <a:latin typeface="+mj-lt"/>
                 <a:ea typeface="Open Sans" pitchFamily="34" charset="0"/>
                 <a:cs typeface="Open Sans" pitchFamily="34" charset="0"/>
               </a:rPr>
-              <a:t>Portail d’assistance 24/7</a:t>
+              <a:t>24/7 Support Portal</a:t>
             </a:r>
           </a:p>
         </p:txBody>
@@ -8292,7 +9617,7 @@
         <p:spPr>
           <a:xfrm>
             <a:off x="5265661" y="8947635"/>
-            <a:ext cx="2420984" cy="959237"/>
+            <a:ext cx="2194560" cy="805349"/>
           </a:xfrm>
           <a:prstGeom prst="rect">
             <a:avLst/>
@@ -8305,16 +9630,16 @@
           <a:lstStyle/>
           <a:p>
             <a:r>
-              <a:rPr lang="fr-FR" sz="1000" dirty="0">
+              <a:rPr lang="en-US" sz="1000">
                 <a:solidFill>
                   <a:srgbClr val="4B4B4B"/>
                 </a:solidFill>
                 <a:latin typeface="Adobe Clean Light" panose="020B0303020404020204" pitchFamily="34" charset="0"/>
               </a:rPr>
-              <a:t>Accès à la demande au portail </a:t>
+              <a:t>On-demand access to the online </a:t>
             </a:r>
             <a:br>
-              <a:rPr lang="fr-FR" sz="1000" dirty="0">
+              <a:rPr lang="en-US" sz="1000">
                 <a:solidFill>
                   <a:srgbClr val="4B4B4B"/>
                 </a:solidFill>
@@ -8322,13 +9647,13 @@
               </a:rPr>
             </a:br>
             <a:r>
-              <a:rPr lang="fr-FR" sz="1000" dirty="0">
+              <a:rPr lang="en-US" sz="1000">
                 <a:solidFill>
                   <a:srgbClr val="4B4B4B"/>
                 </a:solidFill>
                 <a:latin typeface="Adobe Clean Light" panose="020B0303020404020204" pitchFamily="34" charset="0"/>
               </a:rPr>
-              <a:t>d’assistance d’aide automatique en ligne pour envoyer des demandes d’assistance, examiner le statut des cas et parcourir d’autres ressources, telles que notre base de connaissances, les actualités et les alertes, les conseils présentés, etc.</a:t>
+              <a:t>Self-help Support Portal to submit support requests, review case status, and browse other resources, like our knowledgebase, news and alerts, featured tips, and more.</a:t>
             </a:r>
           </a:p>
         </p:txBody>
@@ -8350,7 +9675,7 @@
         <p:spPr>
           <a:xfrm>
             <a:off x="97788" y="9888626"/>
-            <a:ext cx="3178812" cy="133364"/>
+            <a:ext cx="2245360" cy="133370"/>
           </a:xfrm>
           <a:prstGeom prst="rect">
             <a:avLst/>
@@ -8462,8 +9787,36 @@
               </a:spcBef>
             </a:pPr>
             <a:r>
-              <a:rPr lang="fr-FR"/>
-              <a:t>©2021 Adobe. All Rights Reserved. Données confidentielles Adobe</a:t>
+              <a:rPr lang="en-US" spc="-10"/>
+              <a:t>©2021</a:t>
+            </a:r>
+            <a:r>
+              <a:rPr lang="en-US" spc="-5"/>
+              <a:t> Adobe. All</a:t>
+            </a:r>
+            <a:r>
+              <a:rPr lang="en-US" spc="-10"/>
+              <a:t> Rights</a:t>
+            </a:r>
+            <a:r>
+              <a:rPr lang="en-US" spc="-5"/>
+              <a:t> </a:t>
+            </a:r>
+            <a:r>
+              <a:rPr lang="en-US" spc="-10"/>
+              <a:t>Reserved.</a:t>
+            </a:r>
+            <a:r>
+              <a:rPr lang="en-US" spc="-5"/>
+              <a:t> Adobe</a:t>
+            </a:r>
+            <a:r>
+              <a:rPr lang="en-US" spc="60"/>
+              <a:t> </a:t>
+            </a:r>
+            <a:r>
+              <a:rPr lang="en-US" spc="-10"/>
+              <a:t>Confidential.</a:t>
             </a:r>
           </a:p>
         </p:txBody>
@@ -8482,8 +9835,8 @@
         </p:nvSpPr>
         <p:spPr>
           <a:xfrm>
-            <a:off x="214970" y="868681"/>
-            <a:ext cx="3435009" cy="47963"/>
+            <a:off x="214971" y="868681"/>
+            <a:ext cx="2103120" cy="45719"/>
           </a:xfrm>
           <a:custGeom>
             <a:avLst/>
@@ -8552,15 +9905,19 @@
               </a:spcBef>
             </a:pPr>
             <a:r>
-              <a:rPr lang="fr-FR" sz="1400" b="1">
-                <a:solidFill>
-                  <a:srgbClr val="020302"/>
-                </a:solidFill>
-                <a:latin typeface="Adobe Clean"/>
-                <a:cs typeface="Adobe Clean"/>
-              </a:rPr>
-              <a:t>Fonctionnalités de l’assistance aux entreprises</a:t>
-            </a:r>
+              <a:rPr lang="en-US" sz="1400" b="1" spc="-10">
+                <a:solidFill>
+                  <a:srgbClr val="020302"/>
+                </a:solidFill>
+                <a:latin typeface="Adobe Clean"/>
+                <a:cs typeface="Adobe Clean"/>
+              </a:rPr>
+              <a:t>Enterprise Support Features</a:t>
+            </a:r>
+            <a:endParaRPr lang="en-US" sz="1400">
+              <a:latin typeface="Adobe Clean"/>
+              <a:cs typeface="Adobe Clean"/>
+            </a:endParaRPr>
           </a:p>
         </p:txBody>
       </p:sp>
@@ -8600,15 +9957,199 @@
               </a:spcBef>
             </a:pPr>
             <a:r>
-              <a:rPr lang="fr-FR" sz="1200" b="1">
-                <a:solidFill>
-                  <a:srgbClr val="020302"/>
-                </a:solidFill>
-                <a:latin typeface="Adobe Clean"/>
-                <a:cs typeface="Adobe Clean"/>
-              </a:rPr>
-              <a:t>Gestion des remontées d’informations</a:t>
-            </a:r>
+              <a:rPr sz="1200" b="1" spc="-25">
+                <a:solidFill>
+                  <a:srgbClr val="020302"/>
+                </a:solidFill>
+                <a:latin typeface="Adobe Clean"/>
+                <a:cs typeface="Adobe Clean"/>
+              </a:rPr>
+              <a:t>E</a:t>
+            </a:r>
+            <a:r>
+              <a:rPr sz="1200" b="1" spc="-20">
+                <a:solidFill>
+                  <a:srgbClr val="020302"/>
+                </a:solidFill>
+                <a:latin typeface="Adobe Clean"/>
+                <a:cs typeface="Adobe Clean"/>
+              </a:rPr>
+              <a:t>s</a:t>
+            </a:r>
+            <a:r>
+              <a:rPr sz="1200" b="1" spc="-30">
+                <a:solidFill>
+                  <a:srgbClr val="020302"/>
+                </a:solidFill>
+                <a:latin typeface="Adobe Clean"/>
+                <a:cs typeface="Adobe Clean"/>
+              </a:rPr>
+              <a:t>c</a:t>
+            </a:r>
+            <a:r>
+              <a:rPr sz="1200" b="1" spc="-20">
+                <a:solidFill>
+                  <a:srgbClr val="020302"/>
+                </a:solidFill>
+                <a:latin typeface="Adobe Clean"/>
+                <a:cs typeface="Adobe Clean"/>
+              </a:rPr>
+              <a:t>a</a:t>
+            </a:r>
+            <a:r>
+              <a:rPr sz="1200" b="1" spc="-25">
+                <a:solidFill>
+                  <a:srgbClr val="020302"/>
+                </a:solidFill>
+                <a:latin typeface="Adobe Clean"/>
+                <a:cs typeface="Adobe Clean"/>
+              </a:rPr>
+              <a:t>l</a:t>
+            </a:r>
+            <a:r>
+              <a:rPr sz="1200" b="1" spc="-20">
+                <a:solidFill>
+                  <a:srgbClr val="020302"/>
+                </a:solidFill>
+                <a:latin typeface="Adobe Clean"/>
+                <a:cs typeface="Adobe Clean"/>
+              </a:rPr>
+              <a:t>a</a:t>
+            </a:r>
+            <a:r>
+              <a:rPr sz="1200" b="1" spc="-25">
+                <a:solidFill>
+                  <a:srgbClr val="020302"/>
+                </a:solidFill>
+                <a:latin typeface="Adobe Clean"/>
+                <a:cs typeface="Adobe Clean"/>
+              </a:rPr>
+              <a:t>t</a:t>
+            </a:r>
+            <a:r>
+              <a:rPr sz="1200" b="1" spc="-20">
+                <a:solidFill>
+                  <a:srgbClr val="020302"/>
+                </a:solidFill>
+                <a:latin typeface="Adobe Clean"/>
+                <a:cs typeface="Adobe Clean"/>
+              </a:rPr>
+              <a:t>i</a:t>
+            </a:r>
+            <a:r>
+              <a:rPr sz="1200" b="1" spc="-15">
+                <a:solidFill>
+                  <a:srgbClr val="020302"/>
+                </a:solidFill>
+                <a:latin typeface="Adobe Clean"/>
+                <a:cs typeface="Adobe Clean"/>
+              </a:rPr>
+              <a:t>o</a:t>
+            </a:r>
+            <a:r>
+              <a:rPr sz="1200" b="1">
+                <a:solidFill>
+                  <a:srgbClr val="020302"/>
+                </a:solidFill>
+                <a:latin typeface="Adobe Clean"/>
+                <a:cs typeface="Adobe Clean"/>
+              </a:rPr>
+              <a:t>n</a:t>
+            </a:r>
+            <a:r>
+              <a:rPr sz="1200" b="1" spc="-55">
+                <a:solidFill>
+                  <a:srgbClr val="020302"/>
+                </a:solidFill>
+                <a:latin typeface="Adobe Clean"/>
+                <a:cs typeface="Adobe Clean"/>
+              </a:rPr>
+              <a:t> </a:t>
+            </a:r>
+            <a:r>
+              <a:rPr sz="1200" b="1" spc="-35">
+                <a:solidFill>
+                  <a:srgbClr val="020302"/>
+                </a:solidFill>
+                <a:latin typeface="Adobe Clean"/>
+                <a:cs typeface="Adobe Clean"/>
+              </a:rPr>
+              <a:t>M</a:t>
+            </a:r>
+            <a:r>
+              <a:rPr sz="1200" b="1" spc="-25">
+                <a:solidFill>
+                  <a:srgbClr val="020302"/>
+                </a:solidFill>
+                <a:latin typeface="Adobe Clean"/>
+                <a:cs typeface="Adobe Clean"/>
+              </a:rPr>
+              <a:t>a</a:t>
+            </a:r>
+            <a:r>
+              <a:rPr sz="1200" b="1" spc="-30">
+                <a:solidFill>
+                  <a:srgbClr val="020302"/>
+                </a:solidFill>
+                <a:latin typeface="Adobe Clean"/>
+                <a:cs typeface="Adobe Clean"/>
+              </a:rPr>
+              <a:t>n</a:t>
+            </a:r>
+            <a:r>
+              <a:rPr sz="1200" b="1" spc="-25">
+                <a:solidFill>
+                  <a:srgbClr val="020302"/>
+                </a:solidFill>
+                <a:latin typeface="Adobe Clean"/>
+                <a:cs typeface="Adobe Clean"/>
+              </a:rPr>
+              <a:t>a</a:t>
+            </a:r>
+            <a:r>
+              <a:rPr sz="1200" b="1" spc="-30">
+                <a:solidFill>
+                  <a:srgbClr val="020302"/>
+                </a:solidFill>
+                <a:latin typeface="Adobe Clean"/>
+                <a:cs typeface="Adobe Clean"/>
+              </a:rPr>
+              <a:t>ge</a:t>
+            </a:r>
+            <a:r>
+              <a:rPr sz="1200" b="1" spc="-25">
+                <a:solidFill>
+                  <a:srgbClr val="020302"/>
+                </a:solidFill>
+                <a:latin typeface="Adobe Clean"/>
+                <a:cs typeface="Adobe Clean"/>
+              </a:rPr>
+              <a:t>m</a:t>
+            </a:r>
+            <a:r>
+              <a:rPr sz="1200" b="1" spc="-30">
+                <a:solidFill>
+                  <a:srgbClr val="020302"/>
+                </a:solidFill>
+                <a:latin typeface="Adobe Clean"/>
+                <a:cs typeface="Adobe Clean"/>
+              </a:rPr>
+              <a:t>en</a:t>
+            </a:r>
+            <a:r>
+              <a:rPr sz="1200" b="1">
+                <a:solidFill>
+                  <a:srgbClr val="020302"/>
+                </a:solidFill>
+                <a:latin typeface="Adobe Clean"/>
+                <a:cs typeface="Adobe Clean"/>
+              </a:rPr>
+              <a:t>t</a:t>
+            </a:r>
+            <a:endParaRPr sz="1200">
+              <a:latin typeface="Adobe Clean"/>
+              <a:cs typeface="Adobe Clean"/>
+            </a:endParaRPr>
           </a:p>
         </p:txBody>
       </p:sp>
@@ -8626,7 +10167,7 @@
         </p:nvSpPr>
         <p:spPr>
           <a:xfrm>
-            <a:off x="355868" y="2961793"/>
+            <a:off x="355868" y="2923693"/>
             <a:ext cx="2194560" cy="782265"/>
           </a:xfrm>
           <a:prstGeom prst="rect">
@@ -8648,14 +10189,18 @@
               </a:spcBef>
             </a:pPr>
             <a:r>
-              <a:rPr lang="fr-FR" sz="1000" dirty="0">
+              <a:rPr lang="en-US" sz="1000">
                 <a:solidFill>
                   <a:srgbClr val="4B4B4B"/>
                 </a:solidFill>
                 <a:latin typeface="Adobe Clean Light" panose="020B0303020404020204" pitchFamily="34" charset="0"/>
               </a:rPr>
-              <a:t>Il s’agit d’un point de contact désigné au sein d’Adobe pouvant fournir une assistance en matière de remontées d’informations, des mises à jour régulières et s’assurant que la priorité est mise sur vos demandes d’assistance ouvertes les plus importantes.</a:t>
-            </a:r>
+              <a:t>A designated point of contact within Adobe who can provide escalation assistance, regular updates and ensure priority is given to your most critical open support requests.</a:t>
+            </a:r>
+            <a:endParaRPr sz="1000">
+              <a:latin typeface="Adobe Clean Light" panose="020B0303020404020204" pitchFamily="34" charset="0"/>
+              <a:cs typeface="AdobeClean-Light"/>
+            </a:endParaRPr>
           </a:p>
         </p:txBody>
       </p:sp>
@@ -8674,7 +10219,7 @@
         <p:spPr>
           <a:xfrm>
             <a:off x="3201544" y="2592995"/>
-            <a:ext cx="1543003" cy="197490"/>
+            <a:ext cx="1036205" cy="197490"/>
           </a:xfrm>
           <a:prstGeom prst="rect">
             <a:avLst/>
@@ -8695,15 +10240,149 @@
               </a:spcBef>
             </a:pPr>
             <a:r>
-              <a:rPr lang="fr-FR" sz="1200" b="1" dirty="0">
-                <a:solidFill>
-                  <a:srgbClr val="020302"/>
-                </a:solidFill>
-                <a:latin typeface="Adobe Clean"/>
-                <a:cs typeface="Adobe Clean"/>
-              </a:rPr>
-              <a:t>Examens de service</a:t>
-            </a:r>
+              <a:rPr sz="1200" b="1" spc="-20">
+                <a:solidFill>
+                  <a:srgbClr val="020302"/>
+                </a:solidFill>
+                <a:latin typeface="Adobe Clean"/>
+                <a:cs typeface="Adobe Clean"/>
+              </a:rPr>
+              <a:t>S</a:t>
+            </a:r>
+            <a:r>
+              <a:rPr sz="1200" b="1" spc="-25">
+                <a:solidFill>
+                  <a:srgbClr val="020302"/>
+                </a:solidFill>
+                <a:latin typeface="Adobe Clean"/>
+                <a:cs typeface="Adobe Clean"/>
+              </a:rPr>
+              <a:t>e</a:t>
+            </a:r>
+            <a:r>
+              <a:rPr sz="1200" b="1" spc="-20">
+                <a:solidFill>
+                  <a:srgbClr val="020302"/>
+                </a:solidFill>
+                <a:latin typeface="Adobe Clean"/>
+                <a:cs typeface="Adobe Clean"/>
+              </a:rPr>
+              <a:t>r</a:t>
+            </a:r>
+            <a:r>
+              <a:rPr sz="1200" b="1" spc="-25">
+                <a:solidFill>
+                  <a:srgbClr val="020302"/>
+                </a:solidFill>
+                <a:latin typeface="Adobe Clean"/>
+                <a:cs typeface="Adobe Clean"/>
+              </a:rPr>
+              <a:t>v</a:t>
+            </a:r>
+            <a:r>
+              <a:rPr sz="1200" b="1" spc="-20">
+                <a:solidFill>
+                  <a:srgbClr val="020302"/>
+                </a:solidFill>
+                <a:latin typeface="Adobe Clean"/>
+                <a:cs typeface="Adobe Clean"/>
+              </a:rPr>
+              <a:t>i</a:t>
+            </a:r>
+            <a:r>
+              <a:rPr sz="1200" b="1" spc="-30">
+                <a:solidFill>
+                  <a:srgbClr val="020302"/>
+                </a:solidFill>
+                <a:latin typeface="Adobe Clean"/>
+                <a:cs typeface="Adobe Clean"/>
+              </a:rPr>
+              <a:t>c</a:t>
+            </a:r>
+            <a:r>
+              <a:rPr sz="1200" b="1">
+                <a:solidFill>
+                  <a:srgbClr val="020302"/>
+                </a:solidFill>
+                <a:latin typeface="Adobe Clean"/>
+                <a:cs typeface="Adobe Clean"/>
+              </a:rPr>
+              <a:t>e</a:t>
+            </a:r>
+            <a:r>
+              <a:rPr sz="1200" b="1" spc="-80">
+                <a:solidFill>
+                  <a:srgbClr val="020302"/>
+                </a:solidFill>
+                <a:latin typeface="Adobe Clean"/>
+                <a:cs typeface="Adobe Clean"/>
+              </a:rPr>
+              <a:t> </a:t>
+            </a:r>
+            <a:r>
+              <a:rPr sz="1200" b="1" spc="-20">
+                <a:solidFill>
+                  <a:srgbClr val="020302"/>
+                </a:solidFill>
+                <a:latin typeface="Adobe Clean"/>
+                <a:cs typeface="Adobe Clean"/>
+              </a:rPr>
+              <a:t>R</a:t>
+            </a:r>
+            <a:r>
+              <a:rPr sz="1200" b="1" spc="-25">
+                <a:solidFill>
+                  <a:srgbClr val="020302"/>
+                </a:solidFill>
+                <a:latin typeface="Adobe Clean"/>
+                <a:cs typeface="Adobe Clean"/>
+              </a:rPr>
+              <a:t>e</a:t>
+            </a:r>
+            <a:r>
+              <a:rPr sz="1200" b="1" spc="-30">
+                <a:solidFill>
+                  <a:srgbClr val="020302"/>
+                </a:solidFill>
+                <a:latin typeface="Adobe Clean"/>
+                <a:cs typeface="Adobe Clean"/>
+              </a:rPr>
+              <a:t>v</a:t>
+            </a:r>
+            <a:r>
+              <a:rPr sz="1200" b="1" spc="-20">
+                <a:solidFill>
+                  <a:srgbClr val="020302"/>
+                </a:solidFill>
+                <a:latin typeface="Adobe Clean"/>
+                <a:cs typeface="Adobe Clean"/>
+              </a:rPr>
+              <a:t>i</a:t>
+            </a:r>
+            <a:r>
+              <a:rPr sz="1200" b="1" spc="-25">
+                <a:solidFill>
+                  <a:srgbClr val="020302"/>
+                </a:solidFill>
+                <a:latin typeface="Adobe Clean"/>
+                <a:cs typeface="Adobe Clean"/>
+              </a:rPr>
+              <a:t>ew</a:t>
+            </a:r>
+            <a:r>
+              <a:rPr sz="1200" b="1">
+                <a:solidFill>
+                  <a:srgbClr val="020302"/>
+                </a:solidFill>
+                <a:latin typeface="Adobe Clean"/>
+                <a:cs typeface="Adobe Clean"/>
+              </a:rPr>
+              <a:t>s</a:t>
+            </a:r>
+            <a:endParaRPr sz="1200">
+              <a:latin typeface="Adobe Clean"/>
+              <a:cs typeface="Adobe Clean"/>
+            </a:endParaRPr>
           </a:p>
         </p:txBody>
       </p:sp>
@@ -8743,14 +10422,18 @@
               </a:spcBef>
             </a:pPr>
             <a:r>
-              <a:rPr lang="fr-FR" sz="1000" dirty="0">
+              <a:rPr lang="en-US" sz="1000">
                 <a:solidFill>
                   <a:srgbClr val="4B4B4B"/>
                 </a:solidFill>
                 <a:latin typeface="Adobe Clean Light" panose="020B0303020404020204" pitchFamily="34" charset="0"/>
               </a:rPr>
-              <a:t>Il s’agit d’un examen semestriel complet des services, avantages et mesures d’assistance liés au programme pour les entreprises.</a:t>
-            </a:r>
+              <a:t>A bi-annual comprehensive review of  Enterprise program services, benefits and support metrics.</a:t>
+            </a:r>
+            <a:endParaRPr sz="1000">
+              <a:latin typeface="Adobe Clean Light" panose="020B0303020404020204" pitchFamily="34" charset="0"/>
+              <a:cs typeface="AdobeClean-Light"/>
+            </a:endParaRPr>
           </a:p>
         </p:txBody>
       </p:sp>
@@ -8790,14 +10473,18 @@
               </a:spcBef>
             </a:pPr>
             <a:r>
-              <a:rPr lang="fr-FR" sz="1000">
+              <a:rPr lang="en-US" sz="1000">
                 <a:solidFill>
                   <a:srgbClr val="4B4B4B"/>
                 </a:solidFill>
                 <a:latin typeface="Adobe Clean Light" panose="020B0303020404020204" pitchFamily="34" charset="0"/>
               </a:rPr>
-              <a:t>Il s’agit d’une session de 60 minutes consacrée à une fonctionnalité de produit spécifique et à son utilisation pour résoudre des problèmes d’entreprise courants.</a:t>
-            </a:r>
+              <a:t>A 60-minute session focusing on a specific product feature and how it can be utilized to solve common business problems.</a:t>
+            </a:r>
+            <a:endParaRPr sz="1000">
+              <a:latin typeface="Adobe Clean Light" panose="020B0303020404020204" pitchFamily="34" charset="0"/>
+              <a:cs typeface="AdobeClean-Light"/>
+            </a:endParaRPr>
           </a:p>
         </p:txBody>
       </p:sp>
@@ -8815,7 +10502,7 @@
         </p:nvSpPr>
         <p:spPr>
           <a:xfrm>
-            <a:off x="5265661" y="5070317"/>
+            <a:off x="5265661" y="5001737"/>
             <a:ext cx="2194560" cy="536622"/>
           </a:xfrm>
           <a:prstGeom prst="rect">
@@ -8823,7 +10510,7 @@
           </a:prstGeom>
         </p:spPr>
         <p:txBody>
-          <a:bodyPr vert="horz" wrap="square" lIns="0" tIns="12700" rIns="0" bIns="0" rtlCol="0">
+          <a:bodyPr vert="horz" wrap="square" lIns="0" tIns="12700" rIns="0" bIns="0" rtlCol="0" anchor="t">
             <a:spAutoFit/>
           </a:bodyPr>
           <a:lstStyle/>
@@ -8837,14 +10524,20 @@
               </a:spcBef>
             </a:pPr>
             <a:r>
-              <a:rPr lang="fr-FR" sz="1000" dirty="0">
+              <a:rPr lang="en-US" sz="1000" dirty="0">
                 <a:solidFill>
                   <a:srgbClr val="4B4B4B"/>
                 </a:solidFill>
-                <a:latin typeface="Adobe Clean Light" panose="020B0303020404020204" pitchFamily="34" charset="0"/>
-              </a:rPr>
-              <a:t>Encouragez l’adoption des bonnes pratiques de personnalisation et des composants principaux dans AEM as a Cloud Service</a:t>
-            </a:r>
+                <a:latin typeface="Adobe Clean Light"/>
+              </a:rPr>
+              <a:t>Drive adoption of customization best practices and core components in AEM as a Cloud Service.</a:t>
+            </a:r>
+            <a:endParaRPr sz="1000" dirty="0">
+              <a:solidFill>
+                <a:srgbClr val="4B4B4B"/>
+              </a:solidFill>
+              <a:latin typeface="Adobe Clean Light" panose="020B0303020404020204" pitchFamily="34" charset="0"/>
+            </a:endParaRPr>
           </a:p>
         </p:txBody>
       </p:sp>
@@ -8870,12 +10563,12 @@
           </a:prstGeom>
         </p:spPr>
         <p:txBody>
-          <a:bodyPr vert="horz" wrap="square" lIns="0" tIns="12700" rIns="0" bIns="0" rtlCol="0">
+          <a:bodyPr vert="horz" wrap="square" lIns="0" tIns="12700" rIns="0" bIns="0" rtlCol="0" anchor="t">
             <a:spAutoFit/>
           </a:bodyPr>
           <a:lstStyle/>
           <a:p>
-            <a:pPr marL="14604" marR="5080" indent="-1905">
+            <a:pPr marL="13970" marR="5080" indent="-1905">
               <a:lnSpc>
                 <a:spcPct val="117000"/>
               </a:lnSpc>
@@ -8884,31 +10577,20 @@
               </a:spcBef>
             </a:pPr>
             <a:r>
-              <a:rPr lang="fr-FR" sz="1000" dirty="0">
+              <a:rPr lang="en-US" sz="1000" dirty="0">
                 <a:solidFill>
                   <a:srgbClr val="4B4B4B"/>
                 </a:solidFill>
-                <a:latin typeface="Adobe Clean Light" panose="020B0303020404020204" pitchFamily="34" charset="0"/>
-              </a:rPr>
-              <a:t>Identifiez, examinez et fournissez </a:t>
-            </a:r>
-            <a:br>
-              <a:rPr lang="sk-SK" sz="1000" dirty="0">
-                <a:solidFill>
-                  <a:srgbClr val="4B4B4B"/>
-                </a:solidFill>
-                <a:latin typeface="Adobe Clean Light" panose="020B0303020404020204" pitchFamily="34" charset="0"/>
-              </a:rPr>
-            </a:br>
-            <a:r>
-              <a:rPr lang="fr-FR" sz="1000" dirty="0">
-                <a:solidFill>
-                  <a:srgbClr val="4B4B4B"/>
-                </a:solidFill>
-                <a:latin typeface="Adobe Clean Light" panose="020B0303020404020204" pitchFamily="34" charset="0"/>
-              </a:rPr>
-              <a:t>des recommandations sur les domaines d’adoption de solutions personnalisées qui offrent des opportunités d’optimisation</a:t>
-            </a:r>
+                <a:latin typeface="Adobe Clean Light"/>
+              </a:rPr>
+              <a:t>Identify, review and provide recommendations on customized solution adoption areas that have opportunities for optimization.</a:t>
+            </a:r>
+            <a:endParaRPr lang="en-US" sz="1000" dirty="0">
+              <a:solidFill>
+                <a:srgbClr val="4B4B4B"/>
+              </a:solidFill>
+              <a:latin typeface="Adobe Clean Light" panose="020B0303020404020204" pitchFamily="34" charset="0"/>
+            </a:endParaRPr>
           </a:p>
         </p:txBody>
       </p:sp>
@@ -8927,14 +10609,14 @@
         <p:spPr>
           <a:xfrm>
             <a:off x="355868" y="4947989"/>
-            <a:ext cx="2194560" cy="899670"/>
+            <a:ext cx="2194560" cy="717376"/>
           </a:xfrm>
           <a:prstGeom prst="rect">
             <a:avLst/>
           </a:prstGeom>
         </p:spPr>
         <p:txBody>
-          <a:bodyPr vert="horz" wrap="square" lIns="0" tIns="12700" rIns="0" bIns="0" rtlCol="0">
+          <a:bodyPr vert="horz" wrap="square" lIns="0" tIns="12700" rIns="0" bIns="0" rtlCol="0" anchor="t">
             <a:spAutoFit/>
           </a:bodyPr>
           <a:lstStyle/>
@@ -8948,48 +10630,20 @@
               </a:spcBef>
             </a:pPr>
             <a:r>
-              <a:rPr lang="fr-FR" sz="1000" dirty="0">
+              <a:rPr lang="en-US" sz="1000" dirty="0">
                 <a:solidFill>
                   <a:srgbClr val="4B4B4B"/>
                 </a:solidFill>
-                <a:latin typeface="Adobe Clean Light" panose="020B0303020404020204" pitchFamily="34" charset="0"/>
-              </a:rPr>
-              <a:t>Gouvernance technique et opérationnelle permettant d’aider les clients d’AEM </a:t>
-            </a:r>
-            <a:br>
-              <a:rPr lang="sk-SK" sz="1000" dirty="0">
-                <a:solidFill>
-                  <a:srgbClr val="4B4B4B"/>
-                </a:solidFill>
-                <a:latin typeface="Adobe Clean Light" panose="020B0303020404020204" pitchFamily="34" charset="0"/>
-              </a:rPr>
-            </a:br>
-            <a:r>
-              <a:rPr lang="fr-FR" sz="1000" dirty="0">
-                <a:solidFill>
-                  <a:srgbClr val="4B4B4B"/>
-                </a:solidFill>
-                <a:latin typeface="Adobe Clean Light" panose="020B0303020404020204" pitchFamily="34" charset="0"/>
-              </a:rPr>
-              <a:t>as a Cloud Service à respecter les normes du secteur et les bonnes pratiques d’AEM </a:t>
-            </a:r>
-            <a:br>
-              <a:rPr lang="sk-SK" sz="1000" dirty="0">
-                <a:solidFill>
-                  <a:srgbClr val="4B4B4B"/>
-                </a:solidFill>
-                <a:latin typeface="Adobe Clean Light" panose="020B0303020404020204" pitchFamily="34" charset="0"/>
-              </a:rPr>
-            </a:br>
-            <a:r>
-              <a:rPr lang="fr-FR" sz="1000" dirty="0">
-                <a:solidFill>
-                  <a:srgbClr val="4B4B4B"/>
-                </a:solidFill>
-                <a:latin typeface="Adobe Clean Light" panose="020B0303020404020204" pitchFamily="34" charset="0"/>
-              </a:rPr>
-              <a:t>as a Cloud Service</a:t>
-            </a:r>
+                <a:latin typeface="Adobe Clean Light"/>
+              </a:rPr>
+              <a:t>Technical &amp; operational governance to assist AEM as a Cloud Service Customers in adhering to industry standards and best practices for AEM as a Cloud Service.</a:t>
+            </a:r>
+            <a:endParaRPr sz="1000" dirty="0">
+              <a:solidFill>
+                <a:srgbClr val="4B4B4B"/>
+              </a:solidFill>
+              <a:latin typeface="Adobe Clean Light" panose="020B0303020404020204" pitchFamily="34" charset="0"/>
+            </a:endParaRPr>
           </a:p>
         </p:txBody>
       </p:sp>
@@ -9008,7 +10662,7 @@
         <p:spPr>
           <a:xfrm>
             <a:off x="2835999" y="1401973"/>
-            <a:ext cx="2194560" cy="1113125"/>
+            <a:ext cx="2194560" cy="959237"/>
           </a:xfrm>
           <a:prstGeom prst="rect">
             <a:avLst/>
@@ -9026,31 +10680,20 @@
               </a:spcBef>
             </a:pPr>
             <a:r>
-              <a:rPr lang="fr-FR" sz="1000" dirty="0">
+              <a:rPr lang="en-US" sz="1000" dirty="0">
                 <a:solidFill>
                   <a:srgbClr val="4B4B4B"/>
                 </a:solidFill>
                 <a:latin typeface="Adobe Clean Light" panose="020B0303020404020204" pitchFamily="34" charset="0"/>
               </a:rPr>
-              <a:t>L’ingénieur d’assistance désigné se familiarisera avec votre environnement </a:t>
-            </a:r>
-            <a:br>
-              <a:rPr lang="sk-SK" sz="1000" dirty="0">
-                <a:solidFill>
-                  <a:srgbClr val="4B4B4B"/>
-                </a:solidFill>
-                <a:latin typeface="Adobe Clean Light" panose="020B0303020404020204" pitchFamily="34" charset="0"/>
-              </a:rPr>
-            </a:br>
-            <a:r>
-              <a:rPr lang="fr-FR" sz="1000" dirty="0">
-                <a:solidFill>
-                  <a:srgbClr val="4B4B4B"/>
-                </a:solidFill>
-                <a:latin typeface="Adobe Clean Light" panose="020B0303020404020204" pitchFamily="34" charset="0"/>
-              </a:rPr>
-              <a:t>de solution et vos objectifs commerciaux. L’ingénieur d’assistance nommé est un ingénieur d’assistance expérimenté qui vous aide à coordonner votre expérience d’assistance aux entreprises.</a:t>
-            </a:r>
+              <a:t>A designated support engineer who becomes familiar with your solution environment and business goals. The NSE is an experienced support engineer that helps coordinate your Enterprise Support experience.</a:t>
+            </a:r>
+            <a:endParaRPr lang="en-US" sz="1000" dirty="0">
+              <a:solidFill>
+                <a:srgbClr val="000000"/>
+              </a:solidFill>
+              <a:latin typeface="Adobe Clean Light" panose="020B0303020404020204" pitchFamily="34" charset="0"/>
+            </a:endParaRPr>
           </a:p>
         </p:txBody>
       </p:sp>
@@ -9071,7 +10714,7 @@
         <p:spPr>
           <a:xfrm>
             <a:off x="3201544" y="1127425"/>
-            <a:ext cx="1980056" cy="184666"/>
+            <a:ext cx="1726164" cy="184666"/>
           </a:xfrm>
           <a:prstGeom prst="rect">
             <a:avLst/>
@@ -9092,13 +10735,13 @@
               </a:spcAft>
             </a:pPr>
             <a:r>
-              <a:rPr lang="fr-FR" sz="1200" b="1">
+              <a:rPr lang="en-US" sz="1200" b="1" spc="-10">
                 <a:solidFill>
                   <a:srgbClr val="020302"/>
                 </a:solidFill>
                 <a:latin typeface="+mj-lt"/>
               </a:rPr>
-              <a:t>Ingénieur d’assistance nommé</a:t>
+              <a:t>Named Support Engineer</a:t>
             </a:r>
           </a:p>
         </p:txBody>
@@ -9157,7 +10800,7 @@
         <p:spPr>
           <a:xfrm>
             <a:off x="5723508" y="1099976"/>
-            <a:ext cx="1573278" cy="197490"/>
+            <a:ext cx="1036205" cy="197490"/>
           </a:xfrm>
           <a:prstGeom prst="rect">
             <a:avLst/>
@@ -9178,15 +10821,19 @@
               </a:spcBef>
             </a:pPr>
             <a:r>
-              <a:rPr lang="fr-FR" sz="1200" b="1" dirty="0">
-                <a:solidFill>
-                  <a:srgbClr val="020302"/>
-                </a:solidFill>
-                <a:latin typeface="Adobe Clean"/>
-                <a:cs typeface="Adobe Clean"/>
-              </a:rPr>
-              <a:t>Sessions d’experts</a:t>
-            </a:r>
+              <a:rPr lang="en-US" sz="1200" b="1" spc="-20">
+                <a:solidFill>
+                  <a:srgbClr val="020302"/>
+                </a:solidFill>
+                <a:latin typeface="Adobe Clean"/>
+                <a:cs typeface="Adobe Clean"/>
+              </a:rPr>
+              <a:t>Expert Sessions</a:t>
+            </a:r>
+            <a:endParaRPr sz="1200">
+              <a:latin typeface="Adobe Clean"/>
+              <a:cs typeface="Adobe Clean"/>
+            </a:endParaRPr>
           </a:p>
         </p:txBody>
       </p:sp>
@@ -9205,7 +10852,7 @@
         <p:spPr>
           <a:xfrm>
             <a:off x="5181600" y="4466703"/>
-            <a:ext cx="2194560" cy="646331"/>
+            <a:ext cx="1972258" cy="461665"/>
           </a:xfrm>
           <a:prstGeom prst="rect">
             <a:avLst/>
@@ -9226,15 +10873,489 @@
               </a:spcBef>
             </a:pPr>
             <a:r>
-              <a:rPr lang="fr-FR" sz="1200" b="1" dirty="0">
-                <a:solidFill>
-                  <a:srgbClr val="020302"/>
-                </a:solidFill>
-                <a:latin typeface="Adobe Clean"/>
-                <a:cs typeface="Adobe Clean"/>
-              </a:rPr>
-              <a:t>Bonnes pratiques de personnalisation d’AEM as a Cloud Service</a:t>
-            </a:r>
+              <a:rPr lang="en-US" sz="1200" b="1" spc="-15">
+                <a:solidFill>
+                  <a:srgbClr val="020302"/>
+                </a:solidFill>
+                <a:latin typeface="Adobe Clean"/>
+                <a:cs typeface="Adobe Clean"/>
+              </a:rPr>
+              <a:t>C</a:t>
+            </a:r>
+            <a:r>
+              <a:rPr lang="en-US" sz="1200" b="1" spc="-20">
+                <a:solidFill>
+                  <a:srgbClr val="020302"/>
+                </a:solidFill>
+                <a:latin typeface="Adobe Clean"/>
+                <a:cs typeface="Adobe Clean"/>
+              </a:rPr>
+              <a:t>u</a:t>
+            </a:r>
+            <a:r>
+              <a:rPr lang="en-US" sz="1200" b="1" spc="-25">
+                <a:solidFill>
+                  <a:srgbClr val="020302"/>
+                </a:solidFill>
+                <a:latin typeface="Adobe Clean"/>
+                <a:cs typeface="Adobe Clean"/>
+              </a:rPr>
+              <a:t>st</a:t>
+            </a:r>
+            <a:r>
+              <a:rPr lang="en-US" sz="1200" b="1" spc="-15">
+                <a:solidFill>
+                  <a:srgbClr val="020302"/>
+                </a:solidFill>
+                <a:latin typeface="Adobe Clean"/>
+                <a:cs typeface="Adobe Clean"/>
+              </a:rPr>
+              <a:t>o</a:t>
+            </a:r>
+            <a:r>
+              <a:rPr lang="en-US" sz="1200" b="1" spc="-20">
+                <a:solidFill>
+                  <a:srgbClr val="020302"/>
+                </a:solidFill>
+                <a:latin typeface="Adobe Clean"/>
+                <a:cs typeface="Adobe Clean"/>
+              </a:rPr>
+              <a:t>miza</a:t>
+            </a:r>
+            <a:r>
+              <a:rPr lang="en-US" sz="1200" b="1" spc="-25">
+                <a:solidFill>
+                  <a:srgbClr val="020302"/>
+                </a:solidFill>
+                <a:latin typeface="Adobe Clean"/>
+                <a:cs typeface="Adobe Clean"/>
+              </a:rPr>
+              <a:t>t</a:t>
+            </a:r>
+            <a:r>
+              <a:rPr lang="en-US" sz="1200" b="1" spc="-20">
+                <a:solidFill>
+                  <a:srgbClr val="020302"/>
+                </a:solidFill>
+                <a:latin typeface="Adobe Clean"/>
+                <a:cs typeface="Adobe Clean"/>
+              </a:rPr>
+              <a:t>i</a:t>
+            </a:r>
+            <a:r>
+              <a:rPr lang="en-US" sz="1200" b="1" spc="-15">
+                <a:solidFill>
+                  <a:srgbClr val="020302"/>
+                </a:solidFill>
+                <a:latin typeface="Adobe Clean"/>
+                <a:cs typeface="Adobe Clean"/>
+              </a:rPr>
+              <a:t>o</a:t>
+            </a:r>
+            <a:r>
+              <a:rPr lang="en-US" sz="1200" b="1">
+                <a:solidFill>
+                  <a:srgbClr val="020302"/>
+                </a:solidFill>
+                <a:latin typeface="Adobe Clean"/>
+                <a:cs typeface="Adobe Clean"/>
+              </a:rPr>
+              <a:t>n</a:t>
+            </a:r>
+            <a:r>
+              <a:rPr lang="en-US" sz="1200" b="1" spc="-50">
+                <a:solidFill>
+                  <a:srgbClr val="020302"/>
+                </a:solidFill>
+                <a:latin typeface="Adobe Clean"/>
+                <a:cs typeface="Adobe Clean"/>
+              </a:rPr>
+              <a:t> </a:t>
+            </a:r>
+            <a:r>
+              <a:rPr lang="en-US" sz="1200" b="1" spc="-20">
+                <a:solidFill>
+                  <a:srgbClr val="020302"/>
+                </a:solidFill>
+                <a:latin typeface="Adobe Clean"/>
+                <a:cs typeface="Adobe Clean"/>
+              </a:rPr>
+              <a:t>B</a:t>
+            </a:r>
+            <a:r>
+              <a:rPr lang="en-US" sz="1200" b="1" spc="-25">
+                <a:solidFill>
+                  <a:srgbClr val="020302"/>
+                </a:solidFill>
+                <a:latin typeface="Adobe Clean"/>
+                <a:cs typeface="Adobe Clean"/>
+              </a:rPr>
+              <a:t>es</a:t>
+            </a:r>
+            <a:r>
+              <a:rPr lang="en-US" sz="1200" b="1">
+                <a:solidFill>
+                  <a:srgbClr val="020302"/>
+                </a:solidFill>
+                <a:latin typeface="Adobe Clean"/>
+                <a:cs typeface="Adobe Clean"/>
+              </a:rPr>
+              <a:t>t</a:t>
+            </a:r>
+            <a:r>
+              <a:rPr lang="en-US" sz="1200" b="1" spc="-50">
+                <a:solidFill>
+                  <a:srgbClr val="020302"/>
+                </a:solidFill>
+                <a:latin typeface="Adobe Clean"/>
+                <a:cs typeface="Adobe Clean"/>
+              </a:rPr>
+              <a:t> </a:t>
+            </a:r>
+            <a:r>
+              <a:rPr lang="en-US" sz="1200" b="1" spc="-25">
+                <a:solidFill>
+                  <a:srgbClr val="020302"/>
+                </a:solidFill>
+                <a:latin typeface="Adobe Clean"/>
+                <a:cs typeface="Adobe Clean"/>
+              </a:rPr>
+              <a:t>P</a:t>
+            </a:r>
+            <a:r>
+              <a:rPr lang="en-US" sz="1200" b="1" spc="-20">
+                <a:solidFill>
+                  <a:srgbClr val="020302"/>
+                </a:solidFill>
+                <a:latin typeface="Adobe Clean"/>
+                <a:cs typeface="Adobe Clean"/>
+              </a:rPr>
+              <a:t>ra</a:t>
+            </a:r>
+            <a:r>
+              <a:rPr lang="en-US" sz="1200" b="1" spc="-30">
+                <a:solidFill>
+                  <a:srgbClr val="020302"/>
+                </a:solidFill>
+                <a:latin typeface="Adobe Clean"/>
+                <a:cs typeface="Adobe Clean"/>
+              </a:rPr>
+              <a:t>c</a:t>
+            </a:r>
+            <a:r>
+              <a:rPr lang="en-US" sz="1200" b="1" spc="-25">
+                <a:solidFill>
+                  <a:srgbClr val="020302"/>
+                </a:solidFill>
+                <a:latin typeface="Adobe Clean"/>
+                <a:cs typeface="Adobe Clean"/>
+              </a:rPr>
+              <a:t>t</a:t>
+            </a:r>
+            <a:r>
+              <a:rPr lang="en-US" sz="1200" b="1" spc="-20">
+                <a:solidFill>
+                  <a:srgbClr val="020302"/>
+                </a:solidFill>
+                <a:latin typeface="Adobe Clean"/>
+                <a:cs typeface="Adobe Clean"/>
+              </a:rPr>
+              <a:t>i</a:t>
+            </a:r>
+            <a:r>
+              <a:rPr lang="en-US" sz="1200" b="1" spc="-30">
+                <a:solidFill>
+                  <a:srgbClr val="020302"/>
+                </a:solidFill>
+                <a:latin typeface="Adobe Clean"/>
+                <a:cs typeface="Adobe Clean"/>
+              </a:rPr>
+              <a:t>c</a:t>
+            </a:r>
+            <a:r>
+              <a:rPr lang="en-US" sz="1200" b="1" spc="-25">
+                <a:solidFill>
+                  <a:srgbClr val="020302"/>
+                </a:solidFill>
+                <a:latin typeface="Adobe Clean"/>
+                <a:cs typeface="Adobe Clean"/>
+              </a:rPr>
+              <a:t>e</a:t>
+            </a:r>
+            <a:r>
+              <a:rPr lang="en-US" sz="1200" b="1">
+                <a:solidFill>
+                  <a:srgbClr val="020302"/>
+                </a:solidFill>
+                <a:latin typeface="Adobe Clean"/>
+                <a:cs typeface="Adobe Clean"/>
+              </a:rPr>
+              <a:t>s</a:t>
+            </a:r>
+            <a:r>
+              <a:rPr lang="en-US" sz="1200" b="1" spc="-45">
+                <a:solidFill>
+                  <a:srgbClr val="020302"/>
+                </a:solidFill>
+                <a:latin typeface="Adobe Clean"/>
+                <a:cs typeface="Adobe Clean"/>
+              </a:rPr>
+              <a:t> </a:t>
+            </a:r>
+            <a:r>
+              <a:rPr lang="en-US" sz="1200" b="1" spc="-25">
+                <a:solidFill>
+                  <a:srgbClr val="020302"/>
+                </a:solidFill>
+                <a:latin typeface="Adobe Clean"/>
+                <a:cs typeface="Adobe Clean"/>
+              </a:rPr>
+              <a:t>f</a:t>
+            </a:r>
+            <a:r>
+              <a:rPr lang="en-US" sz="1200" b="1" spc="-15">
+                <a:solidFill>
+                  <a:srgbClr val="020302"/>
+                </a:solidFill>
+                <a:latin typeface="Adobe Clean"/>
+                <a:cs typeface="Adobe Clean"/>
+              </a:rPr>
+              <a:t>o</a:t>
+            </a:r>
+            <a:r>
+              <a:rPr lang="en-US" sz="1200" b="1">
+                <a:solidFill>
+                  <a:srgbClr val="020302"/>
+                </a:solidFill>
+                <a:latin typeface="Adobe Clean"/>
+                <a:cs typeface="Adobe Clean"/>
+              </a:rPr>
+              <a:t>r</a:t>
+            </a:r>
+            <a:r>
+              <a:rPr lang="en-US" sz="1200" b="1" spc="-45">
+                <a:solidFill>
+                  <a:srgbClr val="020302"/>
+                </a:solidFill>
+                <a:latin typeface="Adobe Clean"/>
+                <a:cs typeface="Adobe Clean"/>
+              </a:rPr>
+              <a:t> </a:t>
+            </a:r>
+            <a:r>
+              <a:rPr lang="en-US" sz="1200" b="1" spc="-30">
+                <a:solidFill>
+                  <a:srgbClr val="020302"/>
+                </a:solidFill>
+                <a:latin typeface="Adobe Clean"/>
+                <a:cs typeface="Adobe Clean"/>
+              </a:rPr>
+              <a:t>AE</a:t>
+            </a:r>
+            <a:r>
+              <a:rPr lang="en-US" sz="1200" b="1">
+                <a:solidFill>
+                  <a:srgbClr val="020302"/>
+                </a:solidFill>
+                <a:latin typeface="Adobe Clean"/>
+                <a:cs typeface="Adobe Clean"/>
+              </a:rPr>
+              <a:t>M</a:t>
+            </a:r>
+            <a:r>
+              <a:rPr lang="en-US" sz="1200" b="1" spc="-55">
+                <a:solidFill>
+                  <a:srgbClr val="020302"/>
+                </a:solidFill>
+                <a:latin typeface="Adobe Clean"/>
+                <a:cs typeface="Adobe Clean"/>
+              </a:rPr>
+              <a:t> </a:t>
+            </a:r>
+            <a:r>
+              <a:rPr lang="en-US" sz="1200" b="1" spc="-20">
+                <a:solidFill>
+                  <a:srgbClr val="020302"/>
+                </a:solidFill>
+                <a:latin typeface="Adobe Clean"/>
+                <a:cs typeface="Adobe Clean"/>
+              </a:rPr>
+              <a:t>a</a:t>
+            </a:r>
+            <a:r>
+              <a:rPr lang="en-US" sz="1200" b="1">
+                <a:solidFill>
+                  <a:srgbClr val="020302"/>
+                </a:solidFill>
+                <a:latin typeface="Adobe Clean"/>
+                <a:cs typeface="Adobe Clean"/>
+              </a:rPr>
+              <a:t>s</a:t>
+            </a:r>
+            <a:r>
+              <a:rPr lang="en-US" sz="1200" b="1" spc="-45">
+                <a:solidFill>
+                  <a:srgbClr val="020302"/>
+                </a:solidFill>
+                <a:latin typeface="Adobe Clean"/>
+                <a:cs typeface="Adobe Clean"/>
+              </a:rPr>
+              <a:t> </a:t>
+            </a:r>
+            <a:r>
+              <a:rPr lang="en-US" sz="1200" b="1">
+                <a:solidFill>
+                  <a:srgbClr val="020302"/>
+                </a:solidFill>
+                <a:latin typeface="Adobe Clean"/>
+                <a:cs typeface="Adobe Clean"/>
+              </a:rPr>
+              <a:t>a</a:t>
+            </a:r>
+            <a:r>
+              <a:rPr lang="en-US" sz="1200" b="1" spc="-45">
+                <a:solidFill>
+                  <a:srgbClr val="020302"/>
+                </a:solidFill>
+                <a:latin typeface="Adobe Clean"/>
+                <a:cs typeface="Adobe Clean"/>
+              </a:rPr>
+              <a:t> </a:t>
+            </a:r>
+            <a:r>
+              <a:rPr lang="en-US" sz="1200" b="1" spc="-15">
+                <a:solidFill>
+                  <a:srgbClr val="020302"/>
+                </a:solidFill>
+                <a:latin typeface="Adobe Clean"/>
+                <a:cs typeface="Adobe Clean"/>
+              </a:rPr>
+              <a:t>C</a:t>
+            </a:r>
+            <a:r>
+              <a:rPr lang="en-US" sz="1200" b="1" spc="-25">
+                <a:solidFill>
+                  <a:srgbClr val="020302"/>
+                </a:solidFill>
+                <a:latin typeface="Adobe Clean"/>
+                <a:cs typeface="Adobe Clean"/>
+              </a:rPr>
+              <a:t>l</a:t>
+            </a:r>
+            <a:r>
+              <a:rPr lang="en-US" sz="1200" b="1" spc="-15">
+                <a:solidFill>
+                  <a:srgbClr val="020302"/>
+                </a:solidFill>
+                <a:latin typeface="Adobe Clean"/>
+                <a:cs typeface="Adobe Clean"/>
+              </a:rPr>
+              <a:t>o</a:t>
+            </a:r>
+            <a:r>
+              <a:rPr lang="en-US" sz="1200" b="1" spc="-20">
+                <a:solidFill>
+                  <a:srgbClr val="020302"/>
+                </a:solidFill>
+                <a:latin typeface="Adobe Clean"/>
+                <a:cs typeface="Adobe Clean"/>
+              </a:rPr>
+              <a:t>u</a:t>
+            </a:r>
+            <a:r>
+              <a:rPr lang="en-US" sz="1200" b="1">
+                <a:solidFill>
+                  <a:srgbClr val="020302"/>
+                </a:solidFill>
+                <a:latin typeface="Adobe Clean"/>
+                <a:cs typeface="Adobe Clean"/>
+              </a:rPr>
+              <a:t>d</a:t>
+            </a:r>
+            <a:r>
+              <a:rPr lang="en-US" sz="1200" b="1" spc="-50">
+                <a:solidFill>
+                  <a:srgbClr val="020302"/>
+                </a:solidFill>
+                <a:latin typeface="Adobe Clean"/>
+                <a:cs typeface="Adobe Clean"/>
+              </a:rPr>
+              <a:t> </a:t>
+            </a:r>
+            <a:r>
+              <a:rPr lang="en-US" sz="1200" b="1" spc="-20">
+                <a:solidFill>
+                  <a:srgbClr val="020302"/>
+                </a:solidFill>
+                <a:latin typeface="Adobe Clean"/>
+                <a:cs typeface="Adobe Clean"/>
+              </a:rPr>
+              <a:t>S</a:t>
+            </a:r>
+            <a:r>
+              <a:rPr lang="en-US" sz="1200" b="1" spc="-25">
+                <a:solidFill>
+                  <a:srgbClr val="020302"/>
+                </a:solidFill>
+                <a:latin typeface="Adobe Clean"/>
+                <a:cs typeface="Adobe Clean"/>
+              </a:rPr>
+              <a:t>e</a:t>
+            </a:r>
+            <a:r>
+              <a:rPr lang="en-US" sz="1200" b="1" spc="-20">
+                <a:solidFill>
+                  <a:srgbClr val="020302"/>
+                </a:solidFill>
+                <a:latin typeface="Adobe Clean"/>
+                <a:cs typeface="Adobe Clean"/>
+              </a:rPr>
+              <a:t>r</a:t>
+            </a:r>
+            <a:r>
+              <a:rPr lang="en-US" sz="1200" b="1" spc="-30">
+                <a:solidFill>
+                  <a:srgbClr val="020302"/>
+                </a:solidFill>
+                <a:latin typeface="Adobe Clean"/>
+                <a:cs typeface="Adobe Clean"/>
+              </a:rPr>
+              <a:t>v</a:t>
+            </a:r>
+            <a:r>
+              <a:rPr lang="en-US" sz="1200" b="1" spc="-20">
+                <a:solidFill>
+                  <a:srgbClr val="020302"/>
+                </a:solidFill>
+                <a:latin typeface="Adobe Clean"/>
+                <a:cs typeface="Adobe Clean"/>
+              </a:rPr>
+              <a:t>i</a:t>
+            </a:r>
+            <a:r>
+              <a:rPr lang="en-US" sz="1200" b="1" spc="-30">
+                <a:solidFill>
+                  <a:srgbClr val="020302"/>
+                </a:solidFill>
+                <a:latin typeface="Adobe Clean"/>
+                <a:cs typeface="Adobe Clean"/>
+              </a:rPr>
+              <a:t>c</a:t>
+            </a:r>
+            <a:r>
+              <a:rPr lang="en-US" sz="1200" b="1">
+                <a:solidFill>
+                  <a:srgbClr val="020302"/>
+                </a:solidFill>
+                <a:latin typeface="Adobe Clean"/>
+                <a:cs typeface="Adobe Clean"/>
+              </a:rPr>
+              <a:t>e</a:t>
+            </a:r>
+            <a:endParaRPr lang="en-US" sz="1200">
+              <a:latin typeface="Adobe Clean"/>
+              <a:cs typeface="Adobe Clean"/>
+            </a:endParaRPr>
           </a:p>
         </p:txBody>
       </p:sp>
@@ -9253,7 +11374,7 @@
         <p:spPr>
           <a:xfrm>
             <a:off x="2752588" y="4438393"/>
-            <a:ext cx="1895612" cy="461665"/>
+            <a:ext cx="1708650" cy="461665"/>
           </a:xfrm>
           <a:prstGeom prst="rect">
             <a:avLst/>
@@ -9274,15 +11395,19 @@
               </a:spcBef>
             </a:pPr>
             <a:r>
-              <a:rPr lang="fr-FR" sz="1200" b="1" dirty="0">
-                <a:solidFill>
-                  <a:srgbClr val="020302"/>
-                </a:solidFill>
-                <a:latin typeface="Adobe Clean"/>
-                <a:cs typeface="Adobe Clean"/>
-              </a:rPr>
-              <a:t>Services de valeur ajoutée d’AEM as a Cloud Service</a:t>
-            </a:r>
+              <a:rPr lang="en-US" sz="1200" b="1" spc="-25">
+                <a:solidFill>
+                  <a:srgbClr val="020302"/>
+                </a:solidFill>
+                <a:latin typeface="Adobe Clean"/>
+                <a:cs typeface="Adobe Clean"/>
+              </a:rPr>
+              <a:t>Value-added Services for AEM as a Cloud Service</a:t>
+            </a:r>
+            <a:endParaRPr lang="en-US" sz="1200">
+              <a:latin typeface="Adobe Clean"/>
+              <a:cs typeface="Adobe Clean"/>
+            </a:endParaRPr>
           </a:p>
         </p:txBody>
       </p:sp>
@@ -9322,34 +11447,359 @@
               </a:spcBef>
             </a:pPr>
             <a:r>
-              <a:rPr lang="fr-FR" sz="1200" b="1" dirty="0">
-                <a:solidFill>
-                  <a:srgbClr val="020302"/>
-                </a:solidFill>
-                <a:latin typeface="Adobe Clean"/>
-                <a:cs typeface="Adobe Clean"/>
-              </a:rPr>
-              <a:t>Gouvernance d’AEM </a:t>
-            </a:r>
-            <a:br>
-              <a:rPr lang="sk-SK" sz="1200" b="1" dirty="0">
-                <a:solidFill>
-                  <a:srgbClr val="020302"/>
-                </a:solidFill>
-                <a:latin typeface="Adobe Clean"/>
-                <a:cs typeface="Adobe Clean"/>
-              </a:rPr>
-            </a:br>
-            <a:r>
-              <a:rPr lang="fr-FR" sz="1200" b="1" dirty="0">
-                <a:solidFill>
-                  <a:srgbClr val="020302"/>
-                </a:solidFill>
-                <a:latin typeface="Adobe Clean"/>
-                <a:cs typeface="Adobe Clean"/>
-              </a:rPr>
-              <a:t>as a Cloud Service</a:t>
-            </a:r>
+              <a:rPr lang="en-US" sz="1200" b="1" spc="-20">
+                <a:solidFill>
+                  <a:srgbClr val="020302"/>
+                </a:solidFill>
+                <a:latin typeface="Adobe Clean"/>
+                <a:cs typeface="Adobe Clean"/>
+              </a:rPr>
+              <a:t>G</a:t>
+            </a:r>
+            <a:r>
+              <a:rPr lang="en-US" sz="1200" b="1" spc="-15">
+                <a:solidFill>
+                  <a:srgbClr val="020302"/>
+                </a:solidFill>
+                <a:latin typeface="Adobe Clean"/>
+                <a:cs typeface="Adobe Clean"/>
+              </a:rPr>
+              <a:t>o</a:t>
+            </a:r>
+            <a:r>
+              <a:rPr lang="en-US" sz="1200" b="1" spc="-25">
+                <a:solidFill>
+                  <a:srgbClr val="020302"/>
+                </a:solidFill>
+                <a:latin typeface="Adobe Clean"/>
+                <a:cs typeface="Adobe Clean"/>
+              </a:rPr>
+              <a:t>ve</a:t>
+            </a:r>
+            <a:r>
+              <a:rPr lang="en-US" sz="1200" b="1" spc="-20">
+                <a:solidFill>
+                  <a:srgbClr val="020302"/>
+                </a:solidFill>
+                <a:latin typeface="Adobe Clean"/>
+                <a:cs typeface="Adobe Clean"/>
+              </a:rPr>
+              <a:t>r</a:t>
+            </a:r>
+            <a:r>
+              <a:rPr lang="en-US" sz="1200" b="1" spc="-25">
+                <a:solidFill>
+                  <a:srgbClr val="020302"/>
+                </a:solidFill>
+                <a:latin typeface="Adobe Clean"/>
+                <a:cs typeface="Adobe Clean"/>
+              </a:rPr>
+              <a:t>n</a:t>
+            </a:r>
+            <a:r>
+              <a:rPr lang="en-US" sz="1200" b="1" spc="-20">
+                <a:solidFill>
+                  <a:srgbClr val="020302"/>
+                </a:solidFill>
+                <a:latin typeface="Adobe Clean"/>
+                <a:cs typeface="Adobe Clean"/>
+              </a:rPr>
+              <a:t>a</a:t>
+            </a:r>
+            <a:r>
+              <a:rPr lang="en-US" sz="1200" b="1" spc="-25">
+                <a:solidFill>
+                  <a:srgbClr val="020302"/>
+                </a:solidFill>
+                <a:latin typeface="Adobe Clean"/>
+                <a:cs typeface="Adobe Clean"/>
+              </a:rPr>
+              <a:t>n</a:t>
+            </a:r>
+            <a:r>
+              <a:rPr lang="en-US" sz="1200" b="1" spc="-30">
+                <a:solidFill>
+                  <a:srgbClr val="020302"/>
+                </a:solidFill>
+                <a:latin typeface="Adobe Clean"/>
+                <a:cs typeface="Adobe Clean"/>
+              </a:rPr>
+              <a:t>c</a:t>
+            </a:r>
+            <a:r>
+              <a:rPr lang="en-US" sz="1200" b="1">
+                <a:solidFill>
+                  <a:srgbClr val="020302"/>
+                </a:solidFill>
+                <a:latin typeface="Adobe Clean"/>
+                <a:cs typeface="Adobe Clean"/>
+              </a:rPr>
+              <a:t>e</a:t>
+            </a:r>
+            <a:r>
+              <a:rPr lang="en-US" sz="1200" b="1" spc="-50">
+                <a:solidFill>
+                  <a:srgbClr val="020302"/>
+                </a:solidFill>
+                <a:latin typeface="Adobe Clean"/>
+                <a:cs typeface="Adobe Clean"/>
+              </a:rPr>
+              <a:t> </a:t>
+            </a:r>
+            <a:r>
+              <a:rPr lang="en-US" sz="1200" b="1" spc="-25">
+                <a:solidFill>
+                  <a:srgbClr val="020302"/>
+                </a:solidFill>
+                <a:latin typeface="Adobe Clean"/>
+                <a:cs typeface="Adobe Clean"/>
+              </a:rPr>
+              <a:t>f</a:t>
+            </a:r>
+            <a:r>
+              <a:rPr lang="en-US" sz="1200" b="1" spc="-15">
+                <a:solidFill>
+                  <a:srgbClr val="020302"/>
+                </a:solidFill>
+                <a:latin typeface="Adobe Clean"/>
+                <a:cs typeface="Adobe Clean"/>
+              </a:rPr>
+              <a:t>o</a:t>
+            </a:r>
+            <a:r>
+              <a:rPr lang="en-US" sz="1200" b="1">
+                <a:solidFill>
+                  <a:srgbClr val="020302"/>
+                </a:solidFill>
+                <a:latin typeface="Adobe Clean"/>
+                <a:cs typeface="Adobe Clean"/>
+              </a:rPr>
+              <a:t>r</a:t>
+            </a:r>
+            <a:r>
+              <a:rPr lang="en-US" sz="1200" b="1" spc="-45">
+                <a:solidFill>
+                  <a:srgbClr val="020302"/>
+                </a:solidFill>
+                <a:latin typeface="Adobe Clean"/>
+                <a:cs typeface="Adobe Clean"/>
+              </a:rPr>
+              <a:t> </a:t>
+            </a:r>
+            <a:r>
+              <a:rPr lang="en-US" sz="1200" b="1" spc="-30">
+                <a:solidFill>
+                  <a:srgbClr val="020302"/>
+                </a:solidFill>
+                <a:latin typeface="Adobe Clean"/>
+                <a:cs typeface="Adobe Clean"/>
+              </a:rPr>
+              <a:t>A</a:t>
+            </a:r>
+            <a:r>
+              <a:rPr lang="en-US" sz="1200" b="1" spc="-25">
+                <a:solidFill>
+                  <a:srgbClr val="020302"/>
+                </a:solidFill>
+                <a:latin typeface="Adobe Clean"/>
+                <a:cs typeface="Adobe Clean"/>
+              </a:rPr>
+              <a:t>E</a:t>
+            </a:r>
+            <a:r>
+              <a:rPr lang="en-US" sz="1200" b="1">
+                <a:solidFill>
+                  <a:srgbClr val="020302"/>
+                </a:solidFill>
+                <a:latin typeface="Adobe Clean"/>
+                <a:cs typeface="Adobe Clean"/>
+              </a:rPr>
+              <a:t>M</a:t>
+            </a:r>
+            <a:r>
+              <a:rPr lang="en-US" sz="1200" b="1" spc="-50">
+                <a:solidFill>
+                  <a:srgbClr val="020302"/>
+                </a:solidFill>
+                <a:latin typeface="Adobe Clean"/>
+                <a:cs typeface="Adobe Clean"/>
+              </a:rPr>
+              <a:t> </a:t>
+            </a:r>
+            <a:r>
+              <a:rPr lang="en-US" sz="1200" b="1" spc="-20">
+                <a:solidFill>
+                  <a:srgbClr val="020302"/>
+                </a:solidFill>
+                <a:latin typeface="Adobe Clean"/>
+                <a:cs typeface="Adobe Clean"/>
+              </a:rPr>
+              <a:t>a</a:t>
+            </a:r>
+            <a:r>
+              <a:rPr lang="en-US" sz="1200" b="1">
+                <a:solidFill>
+                  <a:srgbClr val="020302"/>
+                </a:solidFill>
+                <a:latin typeface="Adobe Clean"/>
+                <a:cs typeface="Adobe Clean"/>
+              </a:rPr>
+              <a:t>s</a:t>
+            </a:r>
+            <a:r>
+              <a:rPr lang="en-US" sz="1200" b="1" spc="-45">
+                <a:solidFill>
+                  <a:srgbClr val="020302"/>
+                </a:solidFill>
+                <a:latin typeface="Adobe Clean"/>
+                <a:cs typeface="Adobe Clean"/>
+              </a:rPr>
+              <a:t> </a:t>
+            </a:r>
+            <a:r>
+              <a:rPr lang="en-US" sz="1200" b="1">
+                <a:solidFill>
+                  <a:srgbClr val="020302"/>
+                </a:solidFill>
+                <a:latin typeface="Adobe Clean"/>
+                <a:cs typeface="Adobe Clean"/>
+              </a:rPr>
+              <a:t>a</a:t>
+            </a:r>
+            <a:r>
+              <a:rPr lang="en-US" sz="1200" b="1" spc="-40">
+                <a:solidFill>
+                  <a:srgbClr val="020302"/>
+                </a:solidFill>
+                <a:latin typeface="Adobe Clean"/>
+                <a:cs typeface="Adobe Clean"/>
+              </a:rPr>
+              <a:t> </a:t>
+            </a:r>
+            <a:r>
+              <a:rPr lang="en-US" sz="1200" b="1" spc="-15">
+                <a:solidFill>
+                  <a:srgbClr val="020302"/>
+                </a:solidFill>
+                <a:latin typeface="Adobe Clean"/>
+                <a:cs typeface="Adobe Clean"/>
+              </a:rPr>
+              <a:t>C</a:t>
+            </a:r>
+            <a:r>
+              <a:rPr lang="en-US" sz="1200" b="1" spc="-25">
+                <a:solidFill>
+                  <a:srgbClr val="020302"/>
+                </a:solidFill>
+                <a:latin typeface="Adobe Clean"/>
+                <a:cs typeface="Adobe Clean"/>
+              </a:rPr>
+              <a:t>l</a:t>
+            </a:r>
+            <a:r>
+              <a:rPr lang="en-US" sz="1200" b="1" spc="-15">
+                <a:solidFill>
+                  <a:srgbClr val="020302"/>
+                </a:solidFill>
+                <a:latin typeface="Adobe Clean"/>
+                <a:cs typeface="Adobe Clean"/>
+              </a:rPr>
+              <a:t>ou</a:t>
+            </a:r>
+            <a:r>
+              <a:rPr lang="en-US" sz="1200" b="1">
+                <a:solidFill>
+                  <a:srgbClr val="020302"/>
+                </a:solidFill>
+                <a:latin typeface="Adobe Clean"/>
+                <a:cs typeface="Adobe Clean"/>
+              </a:rPr>
+              <a:t>d</a:t>
+            </a:r>
+            <a:r>
+              <a:rPr lang="en-US" sz="1200" b="1" spc="-50">
+                <a:solidFill>
+                  <a:srgbClr val="020302"/>
+                </a:solidFill>
+                <a:latin typeface="Adobe Clean"/>
+                <a:cs typeface="Adobe Clean"/>
+              </a:rPr>
+              <a:t> </a:t>
+            </a:r>
+            <a:r>
+              <a:rPr lang="en-US" sz="1200" b="1" spc="-20">
+                <a:solidFill>
+                  <a:srgbClr val="020302"/>
+                </a:solidFill>
+                <a:latin typeface="Adobe Clean"/>
+                <a:cs typeface="Adobe Clean"/>
+              </a:rPr>
+              <a:t>S</a:t>
+            </a:r>
+            <a:r>
+              <a:rPr lang="en-US" sz="1200" b="1" spc="-25">
+                <a:solidFill>
+                  <a:srgbClr val="020302"/>
+                </a:solidFill>
+                <a:latin typeface="Adobe Clean"/>
+                <a:cs typeface="Adobe Clean"/>
+              </a:rPr>
+              <a:t>e</a:t>
+            </a:r>
+            <a:r>
+              <a:rPr lang="en-US" sz="1200" b="1" spc="-20">
+                <a:solidFill>
+                  <a:srgbClr val="020302"/>
+                </a:solidFill>
+                <a:latin typeface="Adobe Clean"/>
+                <a:cs typeface="Adobe Clean"/>
+              </a:rPr>
+              <a:t>r</a:t>
+            </a:r>
+            <a:r>
+              <a:rPr lang="en-US" sz="1200" b="1" spc="-25">
+                <a:solidFill>
+                  <a:srgbClr val="020302"/>
+                </a:solidFill>
+                <a:latin typeface="Adobe Clean"/>
+                <a:cs typeface="Adobe Clean"/>
+              </a:rPr>
+              <a:t>v</a:t>
+            </a:r>
+            <a:r>
+              <a:rPr lang="en-US" sz="1200" b="1" spc="-20">
+                <a:solidFill>
+                  <a:srgbClr val="020302"/>
+                </a:solidFill>
+                <a:latin typeface="Adobe Clean"/>
+                <a:cs typeface="Adobe Clean"/>
+              </a:rPr>
+              <a:t>i</a:t>
+            </a:r>
+            <a:r>
+              <a:rPr lang="en-US" sz="1200" b="1" spc="-30">
+                <a:solidFill>
+                  <a:srgbClr val="020302"/>
+                </a:solidFill>
+                <a:latin typeface="Adobe Clean"/>
+                <a:cs typeface="Adobe Clean"/>
+              </a:rPr>
+              <a:t>c</a:t>
+            </a:r>
+            <a:r>
+              <a:rPr lang="en-US" sz="1200" b="1">
+                <a:solidFill>
+                  <a:srgbClr val="020302"/>
+                </a:solidFill>
+                <a:latin typeface="Adobe Clean"/>
+                <a:cs typeface="Adobe Clean"/>
+              </a:rPr>
+              <a:t>e</a:t>
+            </a:r>
+            <a:endParaRPr lang="en-US" sz="1200">
+              <a:latin typeface="Adobe Clean"/>
+              <a:cs typeface="Adobe Clean"/>
+            </a:endParaRPr>
           </a:p>
         </p:txBody>
       </p:sp>
@@ -9467,15 +11917,99 @@
               </a:spcBef>
             </a:pPr>
             <a:r>
-              <a:rPr lang="fr-FR" sz="1200" b="1">
-                <a:solidFill>
-                  <a:srgbClr val="020302"/>
-                </a:solidFill>
-                <a:latin typeface="Adobe Clean"/>
-                <a:cs typeface="Adobe Clean"/>
-              </a:rPr>
-              <a:t>Examens de cas</a:t>
-            </a:r>
+              <a:rPr lang="en-US" sz="1200" b="1" spc="-20">
+                <a:solidFill>
+                  <a:srgbClr val="020302"/>
+                </a:solidFill>
+                <a:latin typeface="Adobe Clean"/>
+                <a:cs typeface="Adobe Clean"/>
+              </a:rPr>
+              <a:t>Cas</a:t>
+            </a:r>
+            <a:r>
+              <a:rPr sz="1200" b="1">
+                <a:solidFill>
+                  <a:srgbClr val="020302"/>
+                </a:solidFill>
+                <a:latin typeface="Adobe Clean"/>
+                <a:cs typeface="Adobe Clean"/>
+              </a:rPr>
+              <a:t>e</a:t>
+            </a:r>
+            <a:r>
+              <a:rPr sz="1200" b="1" spc="-80">
+                <a:solidFill>
+                  <a:srgbClr val="020302"/>
+                </a:solidFill>
+                <a:latin typeface="Adobe Clean"/>
+                <a:cs typeface="Adobe Clean"/>
+              </a:rPr>
+              <a:t> </a:t>
+            </a:r>
+            <a:r>
+              <a:rPr sz="1200" b="1" spc="-20">
+                <a:solidFill>
+                  <a:srgbClr val="020302"/>
+                </a:solidFill>
+                <a:latin typeface="Adobe Clean"/>
+                <a:cs typeface="Adobe Clean"/>
+              </a:rPr>
+              <a:t>R</a:t>
+            </a:r>
+            <a:r>
+              <a:rPr sz="1200" b="1" spc="-25">
+                <a:solidFill>
+                  <a:srgbClr val="020302"/>
+                </a:solidFill>
+                <a:latin typeface="Adobe Clean"/>
+                <a:cs typeface="Adobe Clean"/>
+              </a:rPr>
+              <a:t>e</a:t>
+            </a:r>
+            <a:r>
+              <a:rPr sz="1200" b="1" spc="-30">
+                <a:solidFill>
+                  <a:srgbClr val="020302"/>
+                </a:solidFill>
+                <a:latin typeface="Adobe Clean"/>
+                <a:cs typeface="Adobe Clean"/>
+              </a:rPr>
+              <a:t>v</a:t>
+            </a:r>
+            <a:r>
+              <a:rPr sz="1200" b="1" spc="-20">
+                <a:solidFill>
+                  <a:srgbClr val="020302"/>
+                </a:solidFill>
+                <a:latin typeface="Adobe Clean"/>
+                <a:cs typeface="Adobe Clean"/>
+              </a:rPr>
+              <a:t>i</a:t>
+            </a:r>
+            <a:r>
+              <a:rPr sz="1200" b="1" spc="-25">
+                <a:solidFill>
+                  <a:srgbClr val="020302"/>
+                </a:solidFill>
+                <a:latin typeface="Adobe Clean"/>
+                <a:cs typeface="Adobe Clean"/>
+              </a:rPr>
+              <a:t>ew</a:t>
+            </a:r>
+            <a:r>
+              <a:rPr sz="1200" b="1">
+                <a:solidFill>
+                  <a:srgbClr val="020302"/>
+                </a:solidFill>
+                <a:latin typeface="Adobe Clean"/>
+                <a:cs typeface="Adobe Clean"/>
+              </a:rPr>
+              <a:t>s</a:t>
+            </a:r>
+            <a:endParaRPr sz="1200">
+              <a:latin typeface="Adobe Clean"/>
+              <a:cs typeface="Adobe Clean"/>
+            </a:endParaRPr>
           </a:p>
         </p:txBody>
       </p:sp>
@@ -9533,7 +12067,7 @@
         <p:spPr>
           <a:xfrm>
             <a:off x="355868" y="1426046"/>
-            <a:ext cx="2194560" cy="1090042"/>
+            <a:ext cx="2194560" cy="936154"/>
           </a:xfrm>
           <a:prstGeom prst="rect">
             <a:avLst/>
@@ -9554,31 +12088,18 @@
               </a:spcBef>
             </a:pPr>
             <a:r>
-              <a:rPr lang="fr-FR" sz="1000" dirty="0">
+              <a:rPr lang="en-US" sz="1000">
                 <a:solidFill>
                   <a:srgbClr val="4B4B4B"/>
                 </a:solidFill>
                 <a:latin typeface="Adobe Clean Light" panose="020B0303020404020204" pitchFamily="34" charset="0"/>
               </a:rPr>
-              <a:t>Il s’agit d’un examen planifié régulier </a:t>
-            </a:r>
-            <a:br>
-              <a:rPr lang="sk-SK" sz="1000" dirty="0">
-                <a:solidFill>
-                  <a:srgbClr val="4B4B4B"/>
-                </a:solidFill>
-                <a:latin typeface="Adobe Clean Light" panose="020B0303020404020204" pitchFamily="34" charset="0"/>
-              </a:rPr>
-            </a:br>
-            <a:r>
-              <a:rPr lang="fr-FR" sz="1000" dirty="0">
-                <a:solidFill>
-                  <a:srgbClr val="4B4B4B"/>
-                </a:solidFill>
-                <a:latin typeface="Adobe Clean Light" panose="020B0303020404020204" pitchFamily="34" charset="0"/>
-              </a:rPr>
-              <a:t>des demandes d’assistance ouvertes, assurant l’alignement des clients avec la description des cas, l’impact sur l’entreprise, le statut, la priorité et l’accord concernant les prochaines étapes nécessaires pour garantir une résolution rapide.</a:t>
-            </a:r>
+              <a:t>Regular scheduled review of open support requests, ensuring customer alignment on case description, business impact, status, priority and agreement on next steps required to ensure an expedient resolution.</a:t>
+            </a:r>
+            <a:endParaRPr sz="1000">
+              <a:latin typeface="Adobe Clean Light" panose="020B0303020404020204" pitchFamily="34" charset="0"/>
+              <a:cs typeface="AdobeClean-Light"/>
+            </a:endParaRPr>
           </a:p>
         </p:txBody>
       </p:sp>
@@ -9618,15 +12139,19 @@
               </a:spcBef>
             </a:pPr>
             <a:r>
-              <a:rPr lang="fr-FR" sz="1400" b="1">
-                <a:solidFill>
-                  <a:srgbClr val="020302"/>
-                </a:solidFill>
-                <a:latin typeface="Adobe Clean"/>
-                <a:cs typeface="Adobe Clean"/>
-              </a:rPr>
-              <a:t>Activités d’assistance dans le cloud - AEM</a:t>
-            </a:r>
+              <a:rPr lang="en-US" sz="1400" b="1" spc="-10">
+                <a:solidFill>
+                  <a:srgbClr val="020302"/>
+                </a:solidFill>
+                <a:latin typeface="Adobe Clean"/>
+                <a:cs typeface="Adobe Clean"/>
+              </a:rPr>
+              <a:t>Cloud Support Activities - AEM</a:t>
+            </a:r>
+            <a:endParaRPr lang="en-US" sz="1400">
+              <a:latin typeface="Adobe Clean"/>
+              <a:cs typeface="Adobe Clean"/>
+            </a:endParaRPr>
           </a:p>
         </p:txBody>
       </p:sp>
@@ -9709,7 +12234,7 @@
         </p:blipFill>
         <p:spPr>
           <a:xfrm>
-            <a:off x="3384482" y="3892352"/>
+            <a:off x="2569142" y="3892352"/>
             <a:ext cx="461665" cy="461665"/>
           </a:xfrm>
           <a:prstGeom prst="rect">
@@ -10004,7 +12529,7 @@
         </p:nvSpPr>
         <p:spPr>
           <a:xfrm rot="5400000" flipH="1">
-            <a:off x="3863341" y="1146553"/>
+            <a:off x="3863341" y="986533"/>
             <a:ext cx="45719" cy="5577840"/>
           </a:xfrm>
           <a:custGeom>
@@ -10059,7 +12584,7 @@
         </p:nvSpPr>
         <p:spPr>
           <a:xfrm rot="5400000" flipH="1">
-            <a:off x="3863341" y="5575548"/>
+            <a:off x="3863341" y="5514588"/>
             <a:ext cx="45719" cy="5577840"/>
           </a:xfrm>
           <a:custGeom>
@@ -10100,133 +12625,6 @@
           </a:p>
         </p:txBody>
       </p:sp>
-      <p:grpSp>
-        <p:nvGrpSpPr>
-          <p:cNvPr id="62" name="object 3">
-            <a:extLst>
-              <a:ext uri="{FF2B5EF4-FFF2-40B4-BE49-F238E27FC236}">
-                <a16:creationId xmlns:a16="http://schemas.microsoft.com/office/drawing/2014/main" id="{C539739D-1D3E-204D-9819-C44D9AE36DE8}"/>
-              </a:ext>
-            </a:extLst>
-          </p:cNvPr>
-          <p:cNvGrpSpPr/>
-          <p:nvPr/>
-        </p:nvGrpSpPr>
-        <p:grpSpPr>
-          <a:xfrm rot="5400000">
-            <a:off x="1154159" y="-868525"/>
-            <a:ext cx="5661921" cy="7931849"/>
-            <a:chOff x="-247019" y="421767"/>
-            <a:chExt cx="3875281" cy="7641336"/>
-          </a:xfrm>
-        </p:grpSpPr>
-        <p:sp>
-          <p:nvSpPr>
-            <p:cNvPr id="63" name="object 4">
-              <a:extLst>
-                <a:ext uri="{FF2B5EF4-FFF2-40B4-BE49-F238E27FC236}">
-                  <a16:creationId xmlns:a16="http://schemas.microsoft.com/office/drawing/2014/main" id="{F41DD51E-EC9C-7B44-BE42-FA9C42B94675}"/>
-                </a:ext>
-              </a:extLst>
-            </p:cNvPr>
-            <p:cNvSpPr/>
-            <p:nvPr/>
-          </p:nvSpPr>
-          <p:spPr>
-            <a:xfrm>
-              <a:off x="3628262" y="576453"/>
-              <a:ext cx="0" cy="7486650"/>
-            </a:xfrm>
-            <a:custGeom>
-              <a:avLst/>
-              <a:gdLst/>
-              <a:ahLst/>
-              <a:cxnLst/>
-              <a:rect l="l" t="t" r="r" b="b"/>
-              <a:pathLst>
-                <a:path h="7486650">
-                  <a:moveTo>
-                    <a:pt x="0" y="0"/>
-                  </a:moveTo>
-                  <a:lnTo>
-                    <a:pt x="0" y="7486408"/>
-                  </a:lnTo>
-                </a:path>
-              </a:pathLst>
-            </a:custGeom>
-            <a:ln w="61722">
-              <a:solidFill>
-                <a:srgbClr val="EAEAEB"/>
-              </a:solidFill>
-            </a:ln>
-          </p:spPr>
-          <p:txBody>
-            <a:bodyPr wrap="square" lIns="0" tIns="0" rIns="0" bIns="0" rtlCol="0"/>
-            <a:lstStyle/>
-            <a:p>
-              <a:endParaRPr/>
-            </a:p>
-          </p:txBody>
-        </p:sp>
-        <p:sp>
-          <p:nvSpPr>
-            <p:cNvPr id="64" name="object 5">
-              <a:extLst>
-                <a:ext uri="{FF2B5EF4-FFF2-40B4-BE49-F238E27FC236}">
-                  <a16:creationId xmlns:a16="http://schemas.microsoft.com/office/drawing/2014/main" id="{6E97A2E1-56BC-2B46-9873-F675D66FF621}"/>
-                </a:ext>
-              </a:extLst>
-            </p:cNvPr>
-            <p:cNvSpPr/>
-            <p:nvPr/>
-          </p:nvSpPr>
-          <p:spPr>
-            <a:xfrm>
-              <a:off x="-247019" y="421767"/>
-              <a:ext cx="3844040" cy="7600950"/>
-            </a:xfrm>
-            <a:custGeom>
-              <a:avLst/>
-              <a:gdLst/>
-              <a:ahLst/>
-              <a:cxnLst/>
-              <a:rect l="l" t="t" r="r" b="b"/>
-              <a:pathLst>
-                <a:path w="3409950" h="7600950">
-                  <a:moveTo>
-                    <a:pt x="0" y="7600569"/>
-                  </a:moveTo>
-                  <a:lnTo>
-                    <a:pt x="3409492" y="7600569"/>
-                  </a:lnTo>
-                  <a:lnTo>
-                    <a:pt x="3409492" y="0"/>
-                  </a:lnTo>
-                  <a:lnTo>
-                    <a:pt x="0" y="0"/>
-                  </a:lnTo>
-                  <a:lnTo>
-                    <a:pt x="0" y="7600569"/>
-                  </a:lnTo>
-                  <a:close/>
-                </a:path>
-              </a:pathLst>
-            </a:custGeom>
-            <a:ln w="12954">
-              <a:solidFill>
-                <a:srgbClr val="EBEBEB"/>
-              </a:solidFill>
-            </a:ln>
-          </p:spPr>
-          <p:txBody>
-            <a:bodyPr wrap="square" lIns="0" tIns="0" rIns="0" bIns="0" rtlCol="0"/>
-            <a:lstStyle/>
-            <a:p>
-              <a:endParaRPr/>
-            </a:p>
-          </p:txBody>
-        </p:sp>
-      </p:grpSp>
     </p:spTree>
     <p:extLst>
       <p:ext uri="{BB962C8B-B14F-4D97-AF65-F5344CB8AC3E}">
@@ -10505,15 +12903,109 @@
               </a:lnSpc>
             </a:pPr>
             <a:r>
-              <a:rPr lang="fr-FR" sz="800">
+              <a:rPr sz="800" spc="-10">
                 <a:solidFill>
                   <a:srgbClr val="6D6D6D"/>
                 </a:solidFill>
                 <a:latin typeface="Adobe Clean"/>
                 <a:cs typeface="Adobe Clean"/>
               </a:rPr>
-              <a:t>©2021 Adobe. All Rights Reserved. Données confidentielles Adobe</a:t>
-            </a:r>
+              <a:t>©202</a:t>
+            </a:r>
+            <a:r>
+              <a:rPr lang="en-US" sz="800" spc="-10">
+                <a:solidFill>
+                  <a:srgbClr val="6D6D6D"/>
+                </a:solidFill>
+                <a:latin typeface="Adobe Clean"/>
+                <a:cs typeface="Adobe Clean"/>
+              </a:rPr>
+              <a:t>1</a:t>
+            </a:r>
+            <a:r>
+              <a:rPr sz="800" spc="-5">
+                <a:solidFill>
+                  <a:srgbClr val="6D6D6D"/>
+                </a:solidFill>
+                <a:latin typeface="Adobe Clean"/>
+                <a:cs typeface="Adobe Clean"/>
+              </a:rPr>
+              <a:t> Adobe. All</a:t>
+            </a:r>
+            <a:r>
+              <a:rPr sz="800" spc="-15">
+                <a:solidFill>
+                  <a:srgbClr val="6D6D6D"/>
+                </a:solidFill>
+                <a:latin typeface="Adobe Clean"/>
+                <a:cs typeface="Adobe Clean"/>
+              </a:rPr>
+              <a:t> </a:t>
+            </a:r>
+            <a:r>
+              <a:rPr sz="800" spc="-10">
+                <a:solidFill>
+                  <a:srgbClr val="6D6D6D"/>
+                </a:solidFill>
+                <a:latin typeface="Adobe Clean"/>
+                <a:cs typeface="Adobe Clean"/>
+              </a:rPr>
+              <a:t>Rights</a:t>
+            </a:r>
+            <a:r>
+              <a:rPr sz="800" spc="-5">
+                <a:solidFill>
+                  <a:srgbClr val="6D6D6D"/>
+                </a:solidFill>
+                <a:latin typeface="Adobe Clean"/>
+                <a:cs typeface="Adobe Clean"/>
+              </a:rPr>
+              <a:t> </a:t>
+            </a:r>
+            <a:r>
+              <a:rPr sz="800" spc="-10">
+                <a:solidFill>
+                  <a:srgbClr val="6D6D6D"/>
+                </a:solidFill>
+                <a:latin typeface="Adobe Clean"/>
+                <a:cs typeface="Adobe Clean"/>
+              </a:rPr>
+              <a:t>Reserved.</a:t>
+            </a:r>
+            <a:r>
+              <a:rPr sz="800" spc="-5">
+                <a:solidFill>
+                  <a:srgbClr val="6D6D6D"/>
+                </a:solidFill>
+                <a:latin typeface="Adobe Clean"/>
+                <a:cs typeface="Adobe Clean"/>
+              </a:rPr>
+              <a:t> Adobe</a:t>
+            </a:r>
+            <a:r>
+              <a:rPr sz="800" spc="75">
+                <a:solidFill>
+                  <a:srgbClr val="6D6D6D"/>
+                </a:solidFill>
+                <a:latin typeface="Adobe Clean"/>
+                <a:cs typeface="Adobe Clean"/>
+              </a:rPr>
+              <a:t> </a:t>
+            </a:r>
+            <a:r>
+              <a:rPr sz="800" spc="-10">
+                <a:solidFill>
+                  <a:srgbClr val="6D6D6D"/>
+                </a:solidFill>
+                <a:latin typeface="Adobe Clean"/>
+                <a:cs typeface="Adobe Clean"/>
+              </a:rPr>
+              <a:t>Confidential.</a:t>
+            </a:r>
+            <a:endParaRPr sz="800">
+              <a:latin typeface="Adobe Clean"/>
+              <a:cs typeface="Adobe Clean"/>
+            </a:endParaRPr>
           </a:p>
         </p:txBody>
       </p:sp>
@@ -10526,7 +13018,7 @@
         <p:spPr>
           <a:xfrm>
             <a:off x="4724780" y="914778"/>
-            <a:ext cx="2354200" cy="135230"/>
+            <a:ext cx="1954230" cy="57597"/>
           </a:xfrm>
           <a:custGeom>
             <a:avLst/>
@@ -10567,7 +13059,7 @@
         </p:nvSpPr>
         <p:spPr>
           <a:xfrm>
-            <a:off x="4789930" y="589788"/>
+            <a:off x="4843270" y="589788"/>
             <a:ext cx="2588260" cy="228268"/>
           </a:xfrm>
           <a:prstGeom prst="rect">
@@ -10575,29 +13067,190 @@
           </a:prstGeom>
         </p:spPr>
         <p:txBody>
-          <a:bodyPr vert="horz" wrap="square" lIns="0" tIns="12700" rIns="0" bIns="0" rtlCol="0">
+          <a:bodyPr vert="horz" wrap="square" lIns="0" tIns="12700" rIns="0" bIns="0" rtlCol="0" anchor="t">
             <a:spAutoFit/>
           </a:bodyPr>
           <a:lstStyle/>
           <a:p>
             <a:pPr marL="12700">
-              <a:lnSpc>
-                <a:spcPct val="100000"/>
-              </a:lnSpc>
               <a:spcBef>
                 <a:spcPts val="100"/>
               </a:spcBef>
             </a:pPr>
             <a:r>
-              <a:rPr lang="fr-FR" sz="1400" b="1" dirty="0">
-                <a:solidFill>
-                  <a:srgbClr val="020302"/>
-                </a:solidFill>
-                <a:latin typeface="Adobe Clean"/>
-                <a:cs typeface="Adobe Clean"/>
-              </a:rPr>
-              <a:t>Activités du service de terrain</a:t>
-            </a:r>
+              <a:rPr sz="1400" b="1" spc="-25" dirty="0">
+                <a:solidFill>
+                  <a:srgbClr val="020302"/>
+                </a:solidFill>
+                <a:latin typeface="Adobe Clean"/>
+                <a:cs typeface="Adobe Clean"/>
+              </a:rPr>
+              <a:t>Fi</a:t>
+            </a:r>
+            <a:r>
+              <a:rPr sz="1400" b="1" spc="-30" dirty="0">
+                <a:solidFill>
+                  <a:srgbClr val="020302"/>
+                </a:solidFill>
+                <a:latin typeface="Adobe Clean"/>
+                <a:cs typeface="Adobe Clean"/>
+              </a:rPr>
+              <a:t>e</a:t>
+            </a:r>
+            <a:r>
+              <a:rPr sz="1400" b="1" spc="-25" dirty="0">
+                <a:solidFill>
+                  <a:srgbClr val="020302"/>
+                </a:solidFill>
+                <a:latin typeface="Adobe Clean"/>
+                <a:cs typeface="Adobe Clean"/>
+              </a:rPr>
+              <a:t>l</a:t>
+            </a:r>
+            <a:r>
+              <a:rPr sz="1400" b="1" dirty="0">
+                <a:solidFill>
+                  <a:srgbClr val="020302"/>
+                </a:solidFill>
+                <a:latin typeface="Adobe Clean"/>
+                <a:cs typeface="Adobe Clean"/>
+              </a:rPr>
+              <a:t>d</a:t>
+            </a:r>
+            <a:r>
+              <a:rPr sz="1400" b="1" spc="-45" dirty="0">
+                <a:solidFill>
+                  <a:srgbClr val="020302"/>
+                </a:solidFill>
+                <a:latin typeface="Adobe Clean"/>
+                <a:cs typeface="Adobe Clean"/>
+              </a:rPr>
+              <a:t> </a:t>
+            </a:r>
+            <a:r>
+              <a:rPr sz="1400" b="1" spc="20" dirty="0">
+                <a:solidFill>
+                  <a:srgbClr val="020302"/>
+                </a:solidFill>
+                <a:latin typeface="Adobe Clean"/>
+                <a:cs typeface="Adobe Clean"/>
+              </a:rPr>
+              <a:t>S</a:t>
+            </a:r>
+            <a:r>
+              <a:rPr sz="1400" b="1" spc="10" dirty="0">
+                <a:solidFill>
+                  <a:srgbClr val="020302"/>
+                </a:solidFill>
+                <a:latin typeface="Adobe Clean"/>
+                <a:cs typeface="Adobe Clean"/>
+              </a:rPr>
+              <a:t>e</a:t>
+            </a:r>
+            <a:r>
+              <a:rPr sz="1400" b="1" spc="15" dirty="0">
+                <a:solidFill>
+                  <a:srgbClr val="020302"/>
+                </a:solidFill>
+                <a:latin typeface="Adobe Clean"/>
+                <a:cs typeface="Adobe Clean"/>
+              </a:rPr>
+              <a:t>rvi</a:t>
+            </a:r>
+            <a:r>
+              <a:rPr sz="1400" b="1" spc="10" dirty="0">
+                <a:solidFill>
+                  <a:srgbClr val="020302"/>
+                </a:solidFill>
+                <a:latin typeface="Adobe Clean"/>
+                <a:cs typeface="Adobe Clean"/>
+              </a:rPr>
+              <a:t>c</a:t>
+            </a:r>
+            <a:r>
+              <a:rPr sz="1400" b="1" dirty="0">
+                <a:solidFill>
+                  <a:srgbClr val="020302"/>
+                </a:solidFill>
+                <a:latin typeface="Adobe Clean"/>
+                <a:cs typeface="Adobe Clean"/>
+              </a:rPr>
+              <a:t>e</a:t>
+            </a:r>
+            <a:r>
+              <a:rPr lang="en-US" sz="1400" b="1" dirty="0">
+                <a:solidFill>
+                  <a:srgbClr val="020302"/>
+                </a:solidFill>
+                <a:latin typeface="Adobe Clean"/>
+                <a:cs typeface="Adobe Clean"/>
+              </a:rPr>
+              <a:t> </a:t>
+            </a:r>
+            <a:r>
+              <a:rPr sz="1400" b="1" spc="5" dirty="0">
+                <a:solidFill>
+                  <a:srgbClr val="020302"/>
+                </a:solidFill>
+                <a:latin typeface="Adobe Clean"/>
+                <a:cs typeface="Adobe Clean"/>
+              </a:rPr>
+              <a:t>A</a:t>
+            </a:r>
+            <a:r>
+              <a:rPr sz="1400" b="1" dirty="0">
+                <a:solidFill>
+                  <a:srgbClr val="020302"/>
+                </a:solidFill>
+                <a:latin typeface="Adobe Clean"/>
+                <a:cs typeface="Adobe Clean"/>
+              </a:rPr>
+              <a:t>ct</a:t>
+            </a:r>
+            <a:r>
+              <a:rPr sz="1400" b="1" spc="5" dirty="0">
+                <a:solidFill>
+                  <a:srgbClr val="020302"/>
+                </a:solidFill>
+                <a:latin typeface="Adobe Clean"/>
+                <a:cs typeface="Adobe Clean"/>
+              </a:rPr>
+              <a:t>ivi</a:t>
+            </a:r>
+            <a:r>
+              <a:rPr sz="1400" b="1" dirty="0">
+                <a:solidFill>
+                  <a:srgbClr val="020302"/>
+                </a:solidFill>
+                <a:latin typeface="Adobe Clean"/>
+                <a:cs typeface="Adobe Clean"/>
+              </a:rPr>
+              <a:t>t</a:t>
+            </a:r>
+            <a:r>
+              <a:rPr sz="1400" b="1" spc="5" dirty="0">
+                <a:solidFill>
+                  <a:srgbClr val="020302"/>
+                </a:solidFill>
+                <a:latin typeface="Adobe Clean"/>
+                <a:cs typeface="Adobe Clean"/>
+              </a:rPr>
+              <a:t>i</a:t>
+            </a:r>
+            <a:r>
+              <a:rPr sz="1400" b="1" dirty="0">
+                <a:solidFill>
+                  <a:srgbClr val="020302"/>
+                </a:solidFill>
+                <a:latin typeface="Adobe Clean"/>
+                <a:cs typeface="Adobe Clean"/>
+              </a:rPr>
+              <a:t>es</a:t>
+            </a:r>
+            <a:endParaRPr sz="1400" dirty="0">
+              <a:latin typeface="Adobe Clean"/>
+              <a:cs typeface="Adobe Clean"/>
+            </a:endParaRPr>
           </a:p>
         </p:txBody>
       </p:sp>
@@ -10631,15 +13284,99 @@
               </a:spcBef>
             </a:pPr>
             <a:r>
-              <a:rPr lang="fr-FR" sz="1400" b="1">
-                <a:solidFill>
-                  <a:srgbClr val="020302"/>
-                </a:solidFill>
-                <a:latin typeface="Adobe Clean"/>
-                <a:cs typeface="Adobe Clean"/>
-              </a:rPr>
-              <a:t>Launch Advisory </a:t>
-            </a:r>
+              <a:rPr sz="1400" b="1" spc="-20">
+                <a:solidFill>
+                  <a:srgbClr val="020302"/>
+                </a:solidFill>
+                <a:latin typeface="Adobe Clean"/>
+                <a:cs typeface="Adobe Clean"/>
+              </a:rPr>
+              <a:t>L</a:t>
+            </a:r>
+            <a:r>
+              <a:rPr sz="1400" b="1" spc="-10">
+                <a:solidFill>
+                  <a:srgbClr val="020302"/>
+                </a:solidFill>
+                <a:latin typeface="Adobe Clean"/>
+                <a:cs typeface="Adobe Clean"/>
+              </a:rPr>
+              <a:t>a</a:t>
+            </a:r>
+            <a:r>
+              <a:rPr sz="1400" b="1" spc="-15">
+                <a:solidFill>
+                  <a:srgbClr val="020302"/>
+                </a:solidFill>
+                <a:latin typeface="Adobe Clean"/>
+                <a:cs typeface="Adobe Clean"/>
+              </a:rPr>
+              <a:t>un</a:t>
+            </a:r>
+            <a:r>
+              <a:rPr sz="1400" b="1" spc="-20">
+                <a:solidFill>
+                  <a:srgbClr val="020302"/>
+                </a:solidFill>
+                <a:latin typeface="Adobe Clean"/>
+                <a:cs typeface="Adobe Clean"/>
+              </a:rPr>
+              <a:t>c</a:t>
+            </a:r>
+            <a:r>
+              <a:rPr sz="1400" b="1">
+                <a:solidFill>
+                  <a:srgbClr val="020302"/>
+                </a:solidFill>
+                <a:latin typeface="Adobe Clean"/>
+                <a:cs typeface="Adobe Clean"/>
+              </a:rPr>
+              <a:t>h</a:t>
+            </a:r>
+            <a:r>
+              <a:rPr sz="1400" b="1" spc="-30">
+                <a:solidFill>
+                  <a:srgbClr val="020302"/>
+                </a:solidFill>
+                <a:latin typeface="Adobe Clean"/>
+                <a:cs typeface="Adobe Clean"/>
+              </a:rPr>
+              <a:t> </a:t>
+            </a:r>
+            <a:r>
+              <a:rPr sz="1400" b="1" spc="-10">
+                <a:solidFill>
+                  <a:srgbClr val="020302"/>
+                </a:solidFill>
+                <a:latin typeface="Adobe Clean"/>
+                <a:cs typeface="Adobe Clean"/>
+              </a:rPr>
+              <a:t>Advisor</a:t>
+            </a:r>
+            <a:r>
+              <a:rPr sz="1400" b="1">
+                <a:solidFill>
+                  <a:srgbClr val="020302"/>
+                </a:solidFill>
+                <a:latin typeface="Adobe Clean"/>
+                <a:cs typeface="Adobe Clean"/>
+              </a:rPr>
+              <a:t>y</a:t>
+            </a:r>
+            <a:r>
+              <a:rPr sz="1400" b="1" spc="-60">
+                <a:solidFill>
+                  <a:srgbClr val="020302"/>
+                </a:solidFill>
+                <a:latin typeface="Adobe Clean"/>
+                <a:cs typeface="Adobe Clean"/>
+              </a:rPr>
+              <a:t> </a:t>
+            </a:r>
+            <a:endParaRPr sz="1400">
+              <a:latin typeface="Adobe Clean"/>
+              <a:cs typeface="Adobe Clean"/>
+            </a:endParaRPr>
           </a:p>
         </p:txBody>
       </p:sp>
@@ -10670,27 +13407,47 @@
               </a:spcBef>
             </a:pPr>
             <a:r>
-              <a:rPr lang="fr-FR" sz="1000">
+              <a:rPr lang="en-US" sz="1000">
                 <a:solidFill>
                   <a:srgbClr val="1F1F1F"/>
                 </a:solidFill>
                 <a:latin typeface="AdobeClean-Light"/>
                 <a:cs typeface="AdobeClean-Light"/>
               </a:rPr>
-              <a:t>Pour les clients qui implémentent une </a:t>
-            </a:r>
-            <a:r>
-              <a:rPr lang="fr-FR" sz="1000" b="1">
+              <a:t>For customers </a:t>
+            </a:r>
+            <a:r>
+              <a:rPr sz="1000">
                 <a:solidFill>
                   <a:srgbClr val="1F1F1F"/>
                 </a:solidFill>
-                <a:latin typeface="Adobe Clean"/>
-                <a:cs typeface="Adobe Clean"/>
-              </a:rPr>
-              <a:t>nouvelle solution Adobe Experience Cloud, </a:t>
-            </a:r>
-            <a:r>
-              <a:rPr lang="fr-FR" sz="1000">
+                <a:latin typeface="AdobeClean-Light"/>
+                <a:cs typeface="AdobeClean-Light"/>
+              </a:rPr>
+              <a:t>implementing a </a:t>
+            </a:r>
+            <a:r>
+              <a:rPr sz="1000" b="1">
+                <a:solidFill>
+                  <a:srgbClr val="1F1F1F"/>
+                </a:solidFill>
+                <a:latin typeface="Adobe Clean"/>
+                <a:cs typeface="Adobe Clean"/>
+              </a:rPr>
+              <a:t>new Adobe Experience Cloud solution</a:t>
+            </a:r>
+            <a:r>
+              <a:rPr lang="en-US" sz="1000" b="1">
+                <a:solidFill>
+                  <a:srgbClr val="1F1F1F"/>
+                </a:solidFill>
+                <a:latin typeface="Adobe Clean"/>
+                <a:cs typeface="Adobe Clean"/>
+              </a:rPr>
+              <a:t>, </a:t>
+            </a:r>
+            <a:r>
+              <a:rPr lang="en-US" sz="1000">
                 <a:latin typeface="Adobe Clean Light" charset="0"/>
                 <a:ea typeface="Adobe Clean Light" charset="0"/>
                 <a:cs typeface="Adobe Clean Light" charset="0"/>
@@ -10698,60 +13455,58 @@
               <a:t>Launch Advisory </a:t>
             </a:r>
             <a:r>
-              <a:rPr lang="fr-FR" sz="1000">
+              <a:rPr lang="en-US" sz="1000">
                 <a:solidFill>
                   <a:srgbClr val="000000"/>
                 </a:solidFill>
                 <a:latin typeface="Adobe Clean SemiLight" panose="020B0403020404020204" pitchFamily="34" charset="0"/>
               </a:rPr>
-              <a:t>est un </a:t>
-            </a:r>
-            <a:r>
-              <a:rPr lang="fr-FR" sz="1000" b="1">
+              <a:t>is a </a:t>
+            </a:r>
+            <a:r>
+              <a:rPr lang="en-US" sz="1000" b="1">
                 <a:solidFill>
                   <a:srgbClr val="000000"/>
                 </a:solidFill>
                 <a:latin typeface="Adobe Clean SemiLight" panose="020B0403020404020204" pitchFamily="34" charset="0"/>
               </a:rPr>
-              <a:t>ensemble de base de services de conseil </a:t>
-            </a:r>
-            <a:r>
-              <a:rPr lang="fr-FR" sz="1000">
+              <a:t>core set of advisory services </a:t>
+            </a:r>
+            <a:r>
+              <a:rPr lang="en-US" sz="1000">
                 <a:latin typeface="Adobe Clean Light" charset="0"/>
                 <a:ea typeface="Adobe Clean Light" charset="0"/>
                 <a:cs typeface="Adobe Clean Light" charset="0"/>
               </a:rPr>
-              <a:t>et de recommandations qui s’avèrent </a:t>
-            </a:r>
-            <a:r>
-              <a:rPr lang="fr-FR" sz="1000" b="1">
+              <a:t>and recommendations that </a:t>
+            </a:r>
+            <a:r>
+              <a:rPr lang="en-US" sz="1000">
                 <a:latin typeface="Adobe Clean Light" charset="0"/>
-                <a:ea typeface="Adobe Clean Light" charset="0"/>
-                <a:cs typeface="Adobe Clean Light" charset="0"/>
-              </a:rPr>
-              <a:t>prendre en charge les déploiements réussis </a:t>
-            </a:r>
-            <a:r>
-              <a:rPr lang="fr-FR" sz="1000">
+              </a:rPr>
+              <a:t>are proven to </a:t>
+            </a:r>
+            <a:r>
+              <a:rPr lang="en-US" sz="1000" b="1">
                 <a:latin typeface="Adobe Clean Light" charset="0"/>
-                <a:ea typeface="Adobe Clean Light" charset="0"/>
-                <a:cs typeface="Adobe Clean Light" charset="0"/>
-              </a:rPr>
-              <a:t>et </a:t>
-            </a:r>
-            <a:r>
-              <a:rPr lang="fr-FR" sz="1000" b="1">
+              </a:rPr>
+              <a:t>support successful deployments </a:t>
+            </a:r>
+            <a:r>
+              <a:rPr lang="en-US" sz="1000">
                 <a:latin typeface="Adobe Clean Light" charset="0"/>
-                <a:ea typeface="Adobe Clean Light" charset="0"/>
-                <a:cs typeface="Adobe Clean Light" charset="0"/>
-              </a:rPr>
-              <a:t>accélérer la rentabilité</a:t>
-            </a:r>
-            <a:r>
-              <a:rPr lang="fr-FR" sz="1000">
+              </a:rPr>
+              <a:t>and </a:t>
+            </a:r>
+            <a:r>
+              <a:rPr lang="en-US" sz="1000" b="1">
                 <a:latin typeface="Adobe Clean Light" charset="0"/>
-                <a:ea typeface="Adobe Clean Light" charset="0"/>
-                <a:cs typeface="Adobe Clean Light" charset="0"/>
+              </a:rPr>
+              <a:t>accelerate time-to-value</a:t>
+            </a:r>
+            <a:r>
+              <a:rPr lang="en-US" sz="1000">
+                <a:latin typeface="Adobe Clean Light" charset="0"/>
               </a:rPr>
               <a:t>.</a:t>
             </a:r>
@@ -10812,85 +13567,75 @@
               </a:spcBef>
             </a:pPr>
             <a:r>
-              <a:rPr lang="fr-FR" sz="1000" dirty="0">
+              <a:rPr lang="en-US" sz="1000">
                 <a:solidFill>
                   <a:srgbClr val="4B4B4B"/>
                 </a:solidFill>
                 <a:latin typeface="Adobe Clean Light" panose="020B0303020404020204" pitchFamily="34" charset="0"/>
               </a:rPr>
-              <a:t>Les services de terrain servent à la </a:t>
-            </a:r>
-            <a:r>
-              <a:rPr lang="fr-FR" sz="1000" b="1" dirty="0">
+              <a:t>Field Services are used for </a:t>
+            </a:r>
+            <a:r>
+              <a:rPr lang="en-US" sz="1000" b="1">
                 <a:solidFill>
                   <a:srgbClr val="4B4B4B"/>
                 </a:solidFill>
                 <a:latin typeface="Adobe Clean" panose="020B0503020404020204" pitchFamily="34" charset="0"/>
               </a:rPr>
-              <a:t>résolution rapide</a:t>
-            </a:r>
-            <a:r>
-              <a:rPr lang="fr-FR" sz="1000" dirty="0">
+              <a:t>quick resolution</a:t>
+            </a:r>
+            <a:r>
+              <a:rPr lang="en-US" sz="1000">
                 <a:solidFill>
                   <a:srgbClr val="4B4B4B"/>
                 </a:solidFill>
                 <a:latin typeface="Adobe Clean Light" panose="020B0303020404020204" pitchFamily="34" charset="0"/>
               </a:rPr>
-              <a:t>, au succès ciblé du client et à l’</a:t>
-            </a:r>
-            <a:r>
-              <a:rPr lang="fr-FR" sz="1000" b="1" dirty="0">
+              <a:t>, focused customer success and accelerated</a:t>
+            </a:r>
+            <a:r>
+              <a:rPr lang="en-US" sz="1000" b="1">
                 <a:solidFill>
                   <a:srgbClr val="4B4B4B"/>
                 </a:solidFill>
                 <a:latin typeface="Adobe Clean" panose="020B0503020404020204" pitchFamily="34" charset="0"/>
               </a:rPr>
-              <a:t>accélération de la rentabilité</a:t>
-            </a:r>
-            <a:r>
-              <a:rPr lang="fr-FR" sz="1000" dirty="0">
+              <a:t> time-to-value</a:t>
+            </a:r>
+            <a:r>
+              <a:rPr lang="en-US" sz="1000">
                 <a:solidFill>
                   <a:srgbClr val="4B4B4B"/>
                 </a:solidFill>
                 <a:latin typeface="Adobe Clean Light" panose="020B0303020404020204" pitchFamily="34" charset="0"/>
               </a:rPr>
-              <a:t>. Si Launch Advisory est actif, </a:t>
-            </a:r>
-            <a:br>
-              <a:rPr lang="sk-SK" sz="1000" dirty="0">
+              <a:t>. If Launch advisory is active there will be </a:t>
+            </a:r>
+            <a:r>
+              <a:rPr lang="en-US" sz="1000" b="1">
                 <a:solidFill>
                   <a:srgbClr val="4B4B4B"/>
                 </a:solidFill>
+                <a:latin typeface="Adobe Clean" panose="020B0503020404020204" pitchFamily="34" charset="0"/>
+              </a:rPr>
+              <a:t>no Field Services in year 1 </a:t>
+            </a:r>
+            <a:r>
+              <a:rPr lang="en-US" sz="1000">
+                <a:solidFill>
+                  <a:srgbClr val="4B4B4B"/>
+                </a:solidFill>
                 <a:latin typeface="Adobe Clean Light" panose="020B0303020404020204" pitchFamily="34" charset="0"/>
               </a:rPr>
-            </a:br>
-            <a:r>
-              <a:rPr lang="fr-FR" sz="1000" dirty="0">
-                <a:solidFill>
-                  <a:srgbClr val="4B4B4B"/>
-                </a:solidFill>
-                <a:latin typeface="Adobe Clean Light" panose="020B0303020404020204" pitchFamily="34" charset="0"/>
-              </a:rPr>
-              <a:t>il n’y aura </a:t>
-            </a:r>
-            <a:r>
-              <a:rPr lang="fr-FR" sz="1000" b="1" dirty="0">
-                <a:solidFill>
-                  <a:srgbClr val="4B4B4B"/>
-                </a:solidFill>
-                <a:latin typeface="Adobe Clean" panose="020B0503020404020204" pitchFamily="34" charset="0"/>
-              </a:rPr>
-              <a:t>aucun service sur le terrain au cours de la première année</a:t>
-            </a:r>
-            <a:r>
-              <a:rPr lang="fr-FR" sz="1000" dirty="0">
-                <a:solidFill>
-                  <a:srgbClr val="4B4B4B"/>
-                </a:solidFill>
-                <a:latin typeface="Adobe Clean Light" panose="020B0303020404020204" pitchFamily="34" charset="0"/>
-              </a:rPr>
-              <a:t> pour tout produit de solution couvert par un contrat d’assistance Adobe. </a:t>
-            </a:r>
+              <a:t>for any solution product covered by an Adobe Support contract. </a:t>
+            </a:r>
+            <a:endParaRPr lang="en-US" sz="1000">
+              <a:solidFill>
+                <a:srgbClr val="1F1F1F"/>
+              </a:solidFill>
+              <a:latin typeface="Adobe Clean Light" panose="020B0303020404020204" pitchFamily="34" charset="0"/>
+              <a:cs typeface="Adobe Clean"/>
+            </a:endParaRPr>
           </a:p>
           <a:p>
             <a:pPr marL="24130" marR="5080">
@@ -10898,7 +13643,7 @@
                 <a:spcPts val="600"/>
               </a:spcBef>
             </a:pPr>
-            <a:endParaRPr lang="en-US" sz="1000" b="1" dirty="0">
+            <a:endParaRPr lang="en-US" sz="1000" b="1">
               <a:solidFill>
                 <a:srgbClr val="1F1F1F"/>
               </a:solidFill>
@@ -11067,7 +13812,7 @@
         <p:spPr>
           <a:xfrm>
             <a:off x="172087" y="3867961"/>
-            <a:ext cx="3679310" cy="2490425"/>
+            <a:ext cx="3525469" cy="2336537"/>
           </a:xfrm>
           <a:prstGeom prst="rect">
             <a:avLst/>
@@ -11085,28 +13830,37 @@
               </a:spcBef>
             </a:pPr>
             <a:r>
-              <a:rPr lang="fr-FR" sz="1000" spc="-30" dirty="0">
+              <a:rPr lang="en-US" sz="1000">
                 <a:latin typeface="Adobe Clean Light" charset="0"/>
               </a:rPr>
-              <a:t>Les experts en solutions Adobe aident à valider les exigences, l’architecture, les processus de développement et les examens de préparation au lancement avec des </a:t>
-            </a:r>
-            <a:r>
-              <a:rPr lang="fr-FR" sz="1000" b="1" spc="-30" dirty="0">
+              <a:t>Adobe solution experts help validate requirements, architecture, development process, and launch readiness reviews </a:t>
+            </a:r>
+            <a:r>
+              <a:rPr lang="en-US" sz="1000">
                 <a:solidFill>
                   <a:srgbClr val="000000"/>
                 </a:solidFill>
                 <a:latin typeface="Adobe Clean SemiLight" panose="020B0403020404020204" pitchFamily="34" charset="0"/>
               </a:rPr>
-              <a:t>conseils basés sur les bonnes pratiques </a:t>
-            </a:r>
-            <a:r>
-              <a:rPr lang="fr-FR" sz="1000" spc="-30" dirty="0">
+              <a:t>with </a:t>
+            </a:r>
+            <a:r>
+              <a:rPr lang="en-US" sz="1000" b="1">
                 <a:solidFill>
                   <a:srgbClr val="000000"/>
                 </a:solidFill>
                 <a:latin typeface="Adobe Clean SemiLight" panose="020B0403020404020204" pitchFamily="34" charset="0"/>
               </a:rPr>
-              <a:t>à l’intention des clients et des partenaires de mise en œuvre.</a:t>
+              <a:t>best practice-based guidance </a:t>
+            </a:r>
+            <a:r>
+              <a:rPr lang="en-US" sz="1000">
+                <a:solidFill>
+                  <a:srgbClr val="000000"/>
+                </a:solidFill>
+                <a:latin typeface="Adobe Clean SemiLight" panose="020B0403020404020204" pitchFamily="34" charset="0"/>
+              </a:rPr>
+              <a:t>to customers and implementation partners.</a:t>
             </a:r>
           </a:p>
           <a:p>
@@ -11115,7 +13869,7 @@
                 <a:spcPts val="100"/>
               </a:spcBef>
             </a:pPr>
-            <a:endParaRPr lang="en-US" sz="1000" spc="-30" dirty="0">
+            <a:endParaRPr lang="en-US" sz="1000">
               <a:solidFill>
                 <a:srgbClr val="1F1F1F"/>
               </a:solidFill>
@@ -11130,22 +13884,22 @@
               </a:spcBef>
             </a:pPr>
             <a:r>
-              <a:rPr lang="fr-FR" sz="1000" spc="-30" dirty="0">
+              <a:rPr lang="en-US" sz="1000">
                 <a:latin typeface="Adobe Clean Light" charset="0"/>
               </a:rPr>
-              <a:t>Launch Advisory s’alignera sur le calendrier de votre projet via des jalons communs (</a:t>
-            </a:r>
-            <a:r>
-              <a:rPr lang="fr-FR" sz="1000" b="1" spc="-30" dirty="0">
+              <a:t>Launch Advisory will align with your project schedule through common milestones (</a:t>
+            </a:r>
+            <a:r>
+              <a:rPr lang="en-US" sz="1000" b="1">
                 <a:latin typeface="Adobe Clean Light" charset="0"/>
               </a:rPr>
-              <a:t>lancement, définition, conception, activation et post-lancement</a:t>
-            </a:r>
-            <a:r>
-              <a:rPr lang="fr-FR" sz="1000" spc="-30" dirty="0">
+              <a:t>Kickoff, Define, Design, Go-live and Post Launch</a:t>
+            </a:r>
+            <a:r>
+              <a:rPr lang="en-US" sz="1000">
                 <a:latin typeface="Adobe Clean Light" charset="0"/>
               </a:rPr>
-              <a:t>) pour guider, valider, évaluer et faire des recommandations.</a:t>
+              <a:t>) to guide, validate, assess and make recommendations.</a:t>
             </a:r>
           </a:p>
           <a:p>
@@ -11154,7 +13908,7 @@
                 <a:spcPts val="100"/>
               </a:spcBef>
             </a:pPr>
-            <a:endParaRPr lang="en-US" sz="1000" dirty="0">
+            <a:endParaRPr lang="en-US" sz="1000">
               <a:latin typeface="Adobe Clean Light" charset="0"/>
             </a:endParaRPr>
           </a:p>
@@ -11165,10 +13919,10 @@
               </a:spcBef>
             </a:pPr>
             <a:r>
-              <a:rPr lang="fr-FR" sz="1000" dirty="0">
+              <a:rPr lang="en-US" sz="1000">
                 <a:latin typeface="Adobe Clean Light" charset="0"/>
               </a:rPr>
-              <a:t>Les principaux éléments livrables sont les suivants :</a:t>
+              <a:t>Key Deliverables include:</a:t>
             </a:r>
           </a:p>
           <a:p>
@@ -11180,15 +13934,8 @@
               <a:buChar char="•"/>
             </a:pPr>
             <a:r>
-              <a:rPr lang="fr-FR" sz="1000" dirty="0"/>
-              <a:t>Plateforme de lancement (y compris le plan </a:t>
-            </a:r>
-            <a:br>
-              <a:rPr lang="sk-SK" sz="1000" dirty="0"/>
-            </a:br>
-            <a:r>
-              <a:rPr lang="fr-FR" sz="1000" dirty="0"/>
-              <a:t>de collaboration du projet)</a:t>
+              <a:rPr lang="en-US" sz="1000"/>
+              <a:t>Kickoff (including project collaboration plan) deck</a:t>
             </a:r>
           </a:p>
           <a:p>
@@ -11200,8 +13947,8 @@
               <a:buChar char="•"/>
             </a:pPr>
             <a:r>
-              <a:rPr lang="fr-FR" sz="1000" dirty="0"/>
-              <a:t>Document(s) d’évaluation et de recommandations</a:t>
+              <a:rPr lang="en-US" sz="1000"/>
+              <a:t>Assessment &amp; recommendations document(s)</a:t>
             </a:r>
           </a:p>
           <a:p>
@@ -11213,8 +13960,8 @@
               <a:buChar char="•"/>
             </a:pPr>
             <a:r>
-              <a:rPr lang="fr-FR" sz="1000" dirty="0"/>
-              <a:t>Résumé des engagements</a:t>
+              <a:rPr lang="en-US" sz="1000"/>
+              <a:t>Engagement summary</a:t>
             </a:r>
           </a:p>
         </p:txBody>
@@ -11318,8 +14065,8 @@
           <a:p>
             <a:pPr algn="ctr"/>
             <a:r>
-              <a:rPr lang="fr-FR" sz="1600"/>
-              <a:t>Exécuter et faire fonctionner</a:t>
+              <a:rPr lang="en-US" sz="1600"/>
+              <a:t>Run &amp; Operate</a:t>
             </a:r>
           </a:p>
         </p:txBody>
@@ -11424,8 +14171,8 @@
           <a:p>
             <a:pPr algn="ctr"/>
             <a:r>
-              <a:rPr lang="fr-FR" sz="1600"/>
-              <a:t>Implémentation</a:t>
+              <a:rPr lang="en-US" sz="1600"/>
+              <a:t>Implementation</a:t>
             </a:r>
           </a:p>
         </p:txBody>
@@ -11444,7 +14191,7 @@
         </p:nvSpPr>
         <p:spPr>
           <a:xfrm>
-            <a:off x="2918286" y="2164734"/>
+            <a:off x="2918286" y="2317134"/>
             <a:ext cx="933111" cy="261610"/>
           </a:xfrm>
           <a:prstGeom prst="rect">
@@ -11460,8 +14207,8 @@
           <a:p>
             <a:pPr algn="ctr"/>
             <a:r>
-              <a:rPr lang="fr-FR" sz="1100" dirty="0"/>
-              <a:t>Post-lancement</a:t>
+              <a:rPr lang="en-US" sz="1100"/>
+              <a:t>Post Launch</a:t>
             </a:r>
           </a:p>
         </p:txBody>
@@ -11481,20 +14228,15 @@
           <p:nvPr/>
         </p:nvPicPr>
         <p:blipFill>
-          <a:blip r:embed="rId4">
-            <a:extLst>
-              <a:ext uri="{28A0092B-C50C-407E-A947-70E740481C1C}">
-                <a14:useLocalDpi xmlns:a14="http://schemas.microsoft.com/office/drawing/2010/main" val="0"/>
-              </a:ext>
-            </a:extLst>
-          </a:blip>
-          <a:srcRect/>
-          <a:stretch/>
+          <a:blip r:embed="rId4"/>
+          <a:stretch>
+            <a:fillRect/>
+          </a:stretch>
         </p:blipFill>
         <p:spPr>
           <a:xfrm>
-            <a:off x="334498" y="6379881"/>
-            <a:ext cx="3096805" cy="2855621"/>
+            <a:off x="333965" y="6379881"/>
+            <a:ext cx="3097872" cy="2855621"/>
           </a:xfrm>
           <a:prstGeom prst="rect">
             <a:avLst/>
@@ -11577,7 +14319,7 @@
           </a:prstGeom>
         </p:spPr>
         <p:txBody>
-          <a:bodyPr wrap="square">
+          <a:bodyPr wrap="square" lIns="91440" tIns="45720" rIns="91440" bIns="45720" anchor="t">
             <a:spAutoFit/>
           </a:bodyPr>
           <a:lstStyle/>
@@ -11588,74 +14330,29 @@
               </a:spcBef>
             </a:pPr>
             <a:r>
-              <a:rPr lang="fr-FR" sz="1000" b="1" dirty="0">
+              <a:rPr lang="en-US" sz="1000" b="1" dirty="0">
                 <a:solidFill>
                   <a:srgbClr val="000000"/>
                 </a:solidFill>
                 <a:latin typeface="+mj-lt"/>
               </a:rPr>
-              <a:t>Les activités de suivi technique </a:t>
-            </a:r>
-            <a:r>
-              <a:rPr lang="fr-FR" sz="1000" dirty="0">
+              <a:t>Technical Track Activities </a:t>
+            </a:r>
+            <a:r>
+              <a:rPr lang="en-US" sz="1000" dirty="0">
                 <a:solidFill>
                   <a:srgbClr val="000000"/>
                 </a:solidFill>
-                <a:latin typeface="Adobe Clean Light" panose="020B0303020404020204" pitchFamily="34" charset="0"/>
-              </a:rPr>
-              <a:t>s’assurent que les clients sont techniquement sûrs et maximisent l’adoption de leurs outils.</a:t>
-            </a:r>
-            <a:br>
-              <a:rPr lang="sk-SK" sz="1000" dirty="0">
-                <a:solidFill>
-                  <a:srgbClr val="000000"/>
-                </a:solidFill>
-                <a:latin typeface="Adobe Clean Light" panose="020B0303020404020204" pitchFamily="34" charset="0"/>
-              </a:rPr>
-            </a:br>
-            <a:r>
-              <a:rPr lang="fr-FR" sz="1000" dirty="0">
-                <a:solidFill>
-                  <a:srgbClr val="000000"/>
-                </a:solidFill>
-                <a:latin typeface="Adobe Clean Light" panose="020B0303020404020204" pitchFamily="34" charset="0"/>
-              </a:rPr>
-              <a:t>Pour être plus précis, ces types d’activités incluent la prise en charge </a:t>
-            </a:r>
-            <a:br>
-              <a:rPr lang="sk-SK" sz="1000" dirty="0">
-                <a:solidFill>
-                  <a:srgbClr val="000000"/>
-                </a:solidFill>
-                <a:latin typeface="Adobe Clean Light" panose="020B0303020404020204" pitchFamily="34" charset="0"/>
-              </a:rPr>
-            </a:br>
-            <a:r>
-              <a:rPr lang="fr-FR" sz="1000" dirty="0">
-                <a:solidFill>
-                  <a:srgbClr val="000000"/>
-                </a:solidFill>
-                <a:latin typeface="Adobe Clean Light" panose="020B0303020404020204" pitchFamily="34" charset="0"/>
-              </a:rPr>
-              <a:t>et les recommandations liées aux configurations de plateforme, </a:t>
-            </a:r>
-            <a:br>
-              <a:rPr lang="sk-SK" sz="1000" dirty="0">
-                <a:solidFill>
-                  <a:srgbClr val="000000"/>
-                </a:solidFill>
-                <a:latin typeface="Adobe Clean Light" panose="020B0303020404020204" pitchFamily="34" charset="0"/>
-              </a:rPr>
-            </a:br>
-            <a:r>
-              <a:rPr lang="fr-FR" sz="1000" dirty="0">
-                <a:solidFill>
-                  <a:srgbClr val="000000"/>
-                </a:solidFill>
-                <a:latin typeface="Adobe Clean Light" panose="020B0303020404020204" pitchFamily="34" charset="0"/>
-              </a:rPr>
-              <a:t>aux intégrations et à la résolution des problèmes</a:t>
-            </a:r>
+                <a:latin typeface="Adobe Clean Light"/>
+              </a:rPr>
+              <a:t>ensure customers are technically sound and maximizing their tool adoption. Specifically, these types of activities include support and recommendations related to platform configurations, integrations and troubleshooting.</a:t>
+            </a:r>
+            <a:endParaRPr lang="en-US" sz="1000" dirty="0">
+              <a:solidFill>
+                <a:srgbClr val="000000"/>
+              </a:solidFill>
+              <a:latin typeface="Adobe Clean Light" panose="020B0303020404020204" pitchFamily="34" charset="0"/>
+            </a:endParaRPr>
           </a:p>
           <a:p>
             <a:pPr marL="12700" marR="5080">
@@ -11663,7 +14360,7 @@
                 <a:spcPts val="100"/>
               </a:spcBef>
             </a:pPr>
-            <a:endParaRPr lang="en-US" sz="1000" dirty="0">
+            <a:endParaRPr lang="en-US" sz="1000">
               <a:latin typeface="Adobe Clean Light" charset="0"/>
             </a:endParaRPr>
           </a:p>
@@ -11674,10 +14371,10 @@
               </a:spcBef>
             </a:pPr>
             <a:r>
-              <a:rPr lang="fr-FR" sz="1000" dirty="0">
-                <a:latin typeface="Adobe Clean Light" charset="0"/>
-              </a:rPr>
-              <a:t>Les types d’activités techniques disponibles sont les suivantes :</a:t>
+              <a:rPr lang="en-US" sz="1000" dirty="0">
+                <a:latin typeface="Adobe Clean Light"/>
+              </a:rPr>
+              <a:t>Types of technical activities available::</a:t>
             </a:r>
           </a:p>
           <a:p>
@@ -11692,9 +14389,12 @@
               <a:buChar char="ü"/>
             </a:pPr>
             <a:r>
-              <a:rPr lang="fr-FR" sz="1000" dirty="0"/>
-              <a:t>Vérification de l’intégrité</a:t>
-            </a:r>
+              <a:rPr lang="en-US" sz="1000" dirty="0"/>
+              <a:t>Health audit</a:t>
+            </a:r>
+            <a:endParaRPr lang="en-US" sz="1000" dirty="0">
+              <a:cs typeface="Calibri"/>
+            </a:endParaRPr>
           </a:p>
           <a:p>
             <a:pPr marL="184150" marR="5080" indent="-171450">
@@ -11708,9 +14408,12 @@
               <a:buChar char="ü"/>
             </a:pPr>
             <a:r>
-              <a:rPr lang="fr-FR" sz="1000" dirty="0"/>
-              <a:t>Vérification de la plateforme</a:t>
-            </a:r>
+              <a:rPr lang="en-US" sz="1000" dirty="0"/>
+              <a:t>Platform audit</a:t>
+            </a:r>
+            <a:endParaRPr lang="en-US" sz="1000" dirty="0">
+              <a:cs typeface="Calibri"/>
+            </a:endParaRPr>
           </a:p>
           <a:p>
             <a:pPr marL="184150" marR="5080" indent="-171450">
@@ -11724,9 +14427,12 @@
               <a:buChar char="ü"/>
             </a:pPr>
             <a:r>
-              <a:rPr lang="fr-FR" sz="1000" dirty="0"/>
-              <a:t>Activation de l’ensemble de fonctionnalités</a:t>
-            </a:r>
+              <a:rPr lang="en-US" sz="1000" dirty="0"/>
+              <a:t>Feature set enablement</a:t>
+            </a:r>
+            <a:endParaRPr lang="en-US" sz="1000" dirty="0">
+              <a:cs typeface="Calibri"/>
+            </a:endParaRPr>
           </a:p>
           <a:p>
             <a:pPr marL="184150" marR="5080" indent="-171450">
@@ -11740,9 +14446,12 @@
               <a:buChar char="ü"/>
             </a:pPr>
             <a:r>
-              <a:rPr lang="fr-FR" sz="1000" dirty="0"/>
-              <a:t>Intégrations et configurations de base</a:t>
-            </a:r>
+              <a:rPr lang="en-US" sz="1000" dirty="0"/>
+              <a:t>Basic integrations and configurations</a:t>
+            </a:r>
+            <a:endParaRPr lang="en-US" sz="1000" dirty="0">
+              <a:cs typeface="Calibri"/>
+            </a:endParaRPr>
           </a:p>
           <a:p>
             <a:pPr marL="184150" marR="5080" indent="-171450">
@@ -11756,9 +14465,12 @@
               <a:buChar char="ü"/>
             </a:pPr>
             <a:r>
-              <a:rPr lang="fr-FR" sz="1000" dirty="0"/>
-              <a:t>Résolution des problèmes liés aux solutions client</a:t>
-            </a:r>
+              <a:rPr lang="en-US" sz="1000" dirty="0"/>
+              <a:t>Customer solution troubleshooting</a:t>
+            </a:r>
+            <a:endParaRPr lang="en-US" sz="1000" dirty="0">
+              <a:cs typeface="Calibri"/>
+            </a:endParaRPr>
           </a:p>
           <a:p>
             <a:pPr marL="184150" marR="5080" indent="-171450">
@@ -11772,9 +14484,12 @@
               <a:buChar char="ü"/>
             </a:pPr>
             <a:r>
-              <a:rPr lang="fr-FR" sz="1000" dirty="0"/>
-              <a:t>Assistance du service Cloud</a:t>
-            </a:r>
+              <a:rPr lang="en-US" sz="1000" dirty="0"/>
+              <a:t>Cloud service support</a:t>
+            </a:r>
+            <a:endParaRPr lang="en-US" sz="1000" dirty="0">
+              <a:cs typeface="Calibri"/>
+            </a:endParaRPr>
           </a:p>
         </p:txBody>
       </p:sp>
@@ -11800,7 +14515,7 @@
           </a:prstGeom>
         </p:spPr>
         <p:txBody>
-          <a:bodyPr wrap="square">
+          <a:bodyPr wrap="square" lIns="91440" tIns="45720" rIns="91440" bIns="45720" anchor="t">
             <a:spAutoFit/>
           </a:bodyPr>
           <a:lstStyle/>
@@ -11811,22 +14526,22 @@
               </a:spcBef>
             </a:pPr>
             <a:r>
-              <a:rPr lang="fr-FR" sz="1000" b="1" dirty="0">
+              <a:rPr lang="en-US" sz="1000" b="1" dirty="0">
                 <a:solidFill>
                   <a:srgbClr val="000000"/>
                 </a:solidFill>
                 <a:latin typeface="+mj-lt"/>
               </a:rPr>
-              <a:t>Les activités de suivi stratégique </a:t>
-            </a:r>
-            <a:r>
-              <a:rPr lang="fr-FR" sz="1000" dirty="0">
+              <a:t>Strategic Track Activities </a:t>
+            </a:r>
+            <a:r>
+              <a:rPr lang="en-US" sz="1000" dirty="0">
                 <a:solidFill>
                   <a:srgbClr val="000000"/>
                 </a:solidFill>
-                <a:latin typeface="Adobe Clean Light" panose="020B0303020404020204" pitchFamily="34" charset="0"/>
-              </a:rPr>
-              <a:t>localisent des opportunités pour s’assurer que les solutions Adobe d’un client génèrent de la valeur. Elles comprennent des recommandations d’assistance liées à la stratégie, à la mesure et à la maturité afin de générer de la valeur pour une ou plusieurs solutions Adobe.</a:t>
+                <a:latin typeface="Adobe Clean Light"/>
+              </a:rPr>
+              <a:t>locate opportunities to ensure value is being realized from a customer’s Adobe solutions. They include support recommendations related to strategy, measurement and maturity to drive value realization across one or more Adobe solutions.</a:t>
             </a:r>
           </a:p>
           <a:p>
@@ -11835,7 +14550,7 @@
                 <a:spcPts val="100"/>
               </a:spcBef>
             </a:pPr>
-            <a:endParaRPr lang="en-US" sz="1000" dirty="0">
+            <a:endParaRPr lang="en-US" sz="1000">
               <a:latin typeface="Adobe Clean Light" charset="0"/>
             </a:endParaRPr>
           </a:p>
@@ -11846,11 +14561,14 @@
               </a:spcBef>
             </a:pPr>
             <a:r>
-              <a:rPr lang="fr-FR" sz="1000" dirty="0">
-                <a:latin typeface="Adobe Clean Light" charset="0"/>
-              </a:rPr>
-              <a:t>Les types d’activités stratégiques disponibles sont les suivantes :</a:t>
-            </a:r>
+              <a:rPr lang="en-US" sz="1000" dirty="0">
+                <a:latin typeface="Adobe Clean Light"/>
+              </a:rPr>
+              <a:t>Types of strategic activities available:</a:t>
+            </a:r>
+            <a:endParaRPr lang="en-US" sz="1000" dirty="0">
+              <a:latin typeface="Adobe Clean Light" charset="0"/>
+            </a:endParaRPr>
           </a:p>
           <a:p>
             <a:pPr marL="241300" marR="5080" indent="-228600">
@@ -11864,9 +14582,12 @@
               <a:buChar char="ü"/>
             </a:pPr>
             <a:r>
-              <a:rPr lang="fr-FR" sz="1000" dirty="0"/>
-              <a:t>Feuille de route de maturité</a:t>
-            </a:r>
+              <a:rPr lang="en-US" sz="1000" dirty="0"/>
+              <a:t>Maturity Roadmap</a:t>
+            </a:r>
+            <a:endParaRPr lang="en-US" sz="1000" dirty="0">
+              <a:cs typeface="Calibri"/>
+            </a:endParaRPr>
           </a:p>
           <a:p>
             <a:pPr marL="241300" marR="5080" indent="-228600">
@@ -11880,9 +14601,12 @@
               <a:buChar char="ü"/>
             </a:pPr>
             <a:r>
-              <a:rPr lang="fr-FR" sz="1000" dirty="0"/>
-              <a:t>Développement/mesure des cas d’utilisation</a:t>
-            </a:r>
+              <a:rPr lang="en-US" sz="1000" dirty="0"/>
+              <a:t>Use case development/measurement</a:t>
+            </a:r>
+            <a:endParaRPr lang="en-US" sz="1000" dirty="0">
+              <a:cs typeface="Calibri"/>
+            </a:endParaRPr>
           </a:p>
           <a:p>
             <a:pPr marL="241300" marR="5080" indent="-228600">
@@ -11896,9 +14620,12 @@
               <a:buChar char="ü"/>
             </a:pPr>
             <a:r>
-              <a:rPr lang="fr-FR" sz="1000" dirty="0"/>
-              <a:t>Rapports et analyses</a:t>
-            </a:r>
+              <a:rPr lang="en-US" sz="1000" dirty="0"/>
+              <a:t>Reporting &amp; analysis</a:t>
+            </a:r>
+            <a:endParaRPr lang="en-US" sz="1000" dirty="0">
+              <a:cs typeface="Calibri"/>
+            </a:endParaRPr>
           </a:p>
           <a:p>
             <a:pPr marL="241300" marR="5080" indent="-228600">
@@ -11912,9 +14639,12 @@
               <a:buChar char="ü"/>
             </a:pPr>
             <a:r>
-              <a:rPr lang="fr-FR" sz="1000" dirty="0"/>
-              <a:t>Activation des bonnes pratiques</a:t>
-            </a:r>
+              <a:rPr lang="en-US" sz="1000" dirty="0"/>
+              <a:t>Best practices enablement</a:t>
+            </a:r>
+            <a:endParaRPr lang="en-US" sz="1000" dirty="0">
+              <a:cs typeface="Calibri"/>
+            </a:endParaRPr>
           </a:p>
         </p:txBody>
       </p:sp>
@@ -11933,7 +14663,7 @@
         <p:spPr>
           <a:xfrm>
             <a:off x="3851397" y="3891661"/>
-            <a:ext cx="3525468" cy="584775"/>
+            <a:ext cx="3525468" cy="430887"/>
           </a:xfrm>
           <a:prstGeom prst="rect">
             <a:avLst/>
@@ -11952,96 +14682,73 @@
               </a:spcBef>
             </a:pPr>
             <a:r>
-              <a:rPr lang="fr-FR" sz="1000" dirty="0">
+              <a:rPr lang="en-US" sz="1000">
                 <a:solidFill>
                   <a:srgbClr val="1F1F1F"/>
                 </a:solidFill>
                 <a:latin typeface="Adobe Clean" panose="020B0503020404020204" pitchFamily="34" charset="0"/>
                 <a:cs typeface="AdobeClean-Light"/>
               </a:rPr>
-              <a:t>En tant que client d’entreprise, vous êtes éligible pour participer </a:t>
-            </a:r>
-            <a:br>
-              <a:rPr lang="sk-SK" sz="1000" dirty="0">
+              <a:t>As an Enterprise customer, you are eligible for</a:t>
+            </a:r>
+            <a:r>
+              <a:rPr lang="en-US" sz="1200" b="1" u="sng">
+                <a:solidFill>
+                  <a:srgbClr val="1F1F1F"/>
+                </a:solidFill>
+                <a:cs typeface="AdobeClean-Light"/>
+              </a:rPr>
+              <a:t> 2 </a:t>
+            </a:r>
+            <a:r>
+              <a:rPr lang="en-US" sz="1000" b="1" u="sng">
+                <a:solidFill>
+                  <a:srgbClr val="1F1F1F"/>
+                </a:solidFill>
+                <a:cs typeface="AdobeClean-Light"/>
+              </a:rPr>
+              <a:t>activities per year </a:t>
+            </a:r>
+            <a:r>
+              <a:rPr lang="en-US" sz="1000">
                 <a:solidFill>
                   <a:srgbClr val="1F1F1F"/>
                 </a:solidFill>
                 <a:latin typeface="Adobe Clean" panose="020B0503020404020204" pitchFamily="34" charset="0"/>
                 <a:cs typeface="AdobeClean-Light"/>
               </a:rPr>
-            </a:br>
-            <a:r>
-              <a:rPr lang="fr-FR" sz="1000" dirty="0">
+              <a:t>from the following two tracks:</a:t>
+            </a:r>
+            <a:r>
+              <a:rPr lang="en-US" sz="1000" b="1">
+                <a:solidFill>
+                  <a:srgbClr val="1F1F1F"/>
+                </a:solidFill>
+                <a:cs typeface="AdobeClean-Light"/>
+              </a:rPr>
+              <a:t> Technical </a:t>
+            </a:r>
+            <a:r>
+              <a:rPr lang="en-US" sz="1000">
                 <a:solidFill>
                   <a:srgbClr val="1F1F1F"/>
                 </a:solidFill>
                 <a:latin typeface="Adobe Clean" panose="020B0503020404020204" pitchFamily="34" charset="0"/>
                 <a:cs typeface="AdobeClean-Light"/>
               </a:rPr>
-              <a:t>à</a:t>
-            </a:r>
-            <a:r>
-              <a:rPr lang="fr-FR" sz="1200" b="1" u="sng" dirty="0">
+              <a:t>and/or </a:t>
+            </a:r>
+            <a:r>
+              <a:rPr lang="en-US" sz="1000" b="1">
                 <a:solidFill>
                   <a:srgbClr val="1F1F1F"/>
                 </a:solidFill>
-                <a:latin typeface="Adobe Clean" panose="020B0503020404020204" pitchFamily="34" charset="0"/>
                 <a:cs typeface="AdobeClean-Light"/>
               </a:rPr>
-              <a:t> 2 </a:t>
-            </a:r>
-            <a:r>
-              <a:rPr lang="fr-FR" sz="1000" b="1" u="sng" dirty="0">
-                <a:solidFill>
-                  <a:srgbClr val="1F1F1F"/>
-                </a:solidFill>
-                <a:latin typeface="Adobe Clean" panose="020B0503020404020204" pitchFamily="34" charset="0"/>
-                <a:cs typeface="AdobeClean-Light"/>
-              </a:rPr>
-              <a:t>activités par an </a:t>
-            </a:r>
-            <a:r>
-              <a:rPr lang="fr-FR" sz="1000" dirty="0">
-                <a:solidFill>
-                  <a:srgbClr val="1F1F1F"/>
-                </a:solidFill>
-                <a:latin typeface="Adobe Clean" panose="020B0503020404020204" pitchFamily="34" charset="0"/>
-                <a:cs typeface="AdobeClean-Light"/>
-              </a:rPr>
-              <a:t>à partir de ces deux suivis :</a:t>
-            </a:r>
-            <a:r>
-              <a:rPr lang="fr-FR" sz="1000" b="1" dirty="0">
-                <a:solidFill>
-                  <a:srgbClr val="1F1F1F"/>
-                </a:solidFill>
-                <a:latin typeface="Adobe Clean" panose="020B0503020404020204" pitchFamily="34" charset="0"/>
-                <a:cs typeface="AdobeClean-Light"/>
-              </a:rPr>
-              <a:t> technique </a:t>
-            </a:r>
-            <a:r>
-              <a:rPr lang="fr-FR" sz="1000" dirty="0">
-                <a:solidFill>
-                  <a:srgbClr val="1F1F1F"/>
-                </a:solidFill>
-                <a:latin typeface="Adobe Clean" panose="020B0503020404020204" pitchFamily="34" charset="0"/>
-                <a:cs typeface="AdobeClean-Light"/>
-              </a:rPr>
-              <a:t>et/ou </a:t>
-            </a:r>
-            <a:r>
-              <a:rPr lang="fr-FR" sz="1000" b="1" dirty="0">
-                <a:solidFill>
-                  <a:srgbClr val="1F1F1F"/>
-                </a:solidFill>
-                <a:latin typeface="Adobe Clean" panose="020B0503020404020204" pitchFamily="34" charset="0"/>
-                <a:cs typeface="AdobeClean-Light"/>
-              </a:rPr>
-              <a:t>stratégique</a:t>
-            </a:r>
-            <a:r>
-              <a:rPr lang="fr-FR" sz="1000" dirty="0">
+              <a:t>Strategic</a:t>
+            </a:r>
+            <a:r>
+              <a:rPr lang="en-US" sz="1000">
                 <a:solidFill>
                   <a:srgbClr val="1F1F1F"/>
                 </a:solidFill>
@@ -12050,6 +14757,12 @@
               </a:rPr>
               <a:t>.</a:t>
             </a:r>
+            <a:endParaRPr lang="en-US" sz="1000" b="1">
+              <a:solidFill>
+                <a:prstClr val="black"/>
+              </a:solidFill>
+              <a:cs typeface="AdobeClean-Light"/>
+            </a:endParaRPr>
           </a:p>
         </p:txBody>
       </p:sp>
@@ -12083,8 +14796,8 @@
           <a:p>
             <a:pPr algn="ctr"/>
             <a:r>
-              <a:rPr lang="fr-FR" sz="1100"/>
-              <a:t>Activation</a:t>
+              <a:rPr lang="en-US" sz="1100"/>
+              <a:t>Go-Live</a:t>
             </a:r>
           </a:p>
         </p:txBody>
@@ -12119,8 +14832,8 @@
           <a:p>
             <a:pPr algn="ctr"/>
             <a:r>
-              <a:rPr lang="fr-FR" sz="1100"/>
-              <a:t>Définition</a:t>
+              <a:rPr lang="en-US" sz="1100"/>
+              <a:t>Define</a:t>
             </a:r>
           </a:p>
         </p:txBody>
@@ -12155,8 +14868,8 @@
           <a:p>
             <a:pPr algn="ctr"/>
             <a:r>
-              <a:rPr lang="fr-FR" sz="1100"/>
-              <a:t>Lancement</a:t>
+              <a:rPr lang="en-US" sz="1100"/>
+              <a:t>Kickoff</a:t>
             </a:r>
           </a:p>
         </p:txBody>
@@ -12191,8 +14904,8 @@
           <a:p>
             <a:pPr algn="ctr"/>
             <a:r>
-              <a:rPr lang="fr-FR" sz="1100"/>
-              <a:t>Conception</a:t>
+              <a:rPr lang="en-US" sz="1100"/>
+              <a:t>Design</a:t>
             </a:r>
           </a:p>
         </p:txBody>
@@ -12249,14 +14962,14 @@
           <a:p>
             <a:pPr algn="ctr"/>
             <a:r>
-              <a:rPr lang="fr-FR">
+              <a:rPr lang="en-US">
                 <a:solidFill>
                   <a:schemeClr val="accent1">
                     <a:lumMod val="50000"/>
                   </a:schemeClr>
                 </a:solidFill>
               </a:rPr>
-              <a:t>2 activités par an</a:t>
+              <a:t>2 Activities per Year</a:t>
             </a:r>
           </a:p>
         </p:txBody>
@@ -12318,15 +15031,49 @@
               </a:lnSpc>
             </a:pPr>
             <a:r>
-              <a:rPr lang="fr-FR" sz="500">
+              <a:rPr sz="500" spc="-5">
                 <a:solidFill>
                   <a:srgbClr val="6C6C6C"/>
                 </a:solidFill>
                 <a:latin typeface="Adobe Clean"/>
                 <a:cs typeface="Adobe Clean"/>
               </a:rPr>
-              <a:t>©2020 Adobe. All Rights Reserved. Données confidentielles Adobe</a:t>
-            </a:r>
+              <a:t>©2020 Adobe. All Rights Reserved. </a:t>
+            </a:r>
+            <a:r>
+              <a:rPr sz="500">
+                <a:solidFill>
+                  <a:srgbClr val="6C6C6C"/>
+                </a:solidFill>
+                <a:latin typeface="Adobe Clean"/>
+                <a:cs typeface="Adobe Clean"/>
+              </a:rPr>
+              <a:t>Adobe</a:t>
+            </a:r>
+            <a:r>
+              <a:rPr sz="500" spc="5">
+                <a:solidFill>
+                  <a:srgbClr val="6C6C6C"/>
+                </a:solidFill>
+                <a:latin typeface="Adobe Clean"/>
+                <a:cs typeface="Adobe Clean"/>
+              </a:rPr>
+              <a:t> </a:t>
+            </a:r>
+            <a:r>
+              <a:rPr sz="500" spc="-5">
+                <a:solidFill>
+                  <a:srgbClr val="6C6C6C"/>
+                </a:solidFill>
+                <a:latin typeface="Adobe Clean"/>
+                <a:cs typeface="Adobe Clean"/>
+              </a:rPr>
+              <a:t>Confidential.</a:t>
+            </a:r>
+            <a:endParaRPr sz="500">
+              <a:latin typeface="Adobe Clean"/>
+              <a:cs typeface="Adobe Clean"/>
+            </a:endParaRPr>
           </a:p>
           <a:p>
             <a:pPr>
@@ -12352,15 +15099,39 @@
               </a:spcBef>
             </a:pPr>
             <a:r>
-              <a:rPr lang="fr-FR" sz="800">
+              <a:rPr sz="800" spc="-5">
                 <a:solidFill>
                   <a:srgbClr val="6D6D6D"/>
                 </a:solidFill>
                 <a:latin typeface="Adobe Clean"/>
                 <a:cs typeface="Adobe Clean"/>
               </a:rPr>
-              <a:t>©2020 Adobe. All Rights Reserved. Données confidentielles Adobe</a:t>
-            </a:r>
+              <a:t>©2020 Adobe. All Rights Reserved. Adobe</a:t>
+            </a:r>
+            <a:r>
+              <a:rPr sz="800" spc="75">
+                <a:solidFill>
+                  <a:srgbClr val="6D6D6D"/>
+                </a:solidFill>
+                <a:latin typeface="Adobe Clean"/>
+                <a:cs typeface="Adobe Clean"/>
+              </a:rPr>
+              <a:t> </a:t>
+            </a:r>
+            <a:r>
+              <a:rPr sz="800" spc="-5">
+                <a:solidFill>
+                  <a:srgbClr val="6D6D6D"/>
+                </a:solidFill>
+                <a:latin typeface="Adobe Clean"/>
+                <a:cs typeface="Adobe Clean"/>
+              </a:rPr>
+              <a:t>Confidential.</a:t>
+            </a:r>
+            <a:endParaRPr sz="800">
+              <a:latin typeface="Adobe Clean"/>
+              <a:cs typeface="Adobe Clean"/>
+            </a:endParaRPr>
           </a:p>
         </p:txBody>
       </p:sp>
@@ -12444,15 +15215,19 @@
               </a:spcBef>
             </a:pPr>
             <a:r>
-              <a:rPr lang="fr-FR" sz="1400" b="1">
-                <a:solidFill>
-                  <a:srgbClr val="020302"/>
-                </a:solidFill>
-                <a:latin typeface="Adobe Clean"/>
-                <a:cs typeface="Adobe Clean"/>
-              </a:rPr>
-              <a:t>Ressources</a:t>
-            </a:r>
+              <a:rPr lang="en-US" sz="1400" b="1" spc="-15">
+                <a:solidFill>
+                  <a:srgbClr val="020302"/>
+                </a:solidFill>
+                <a:latin typeface="Adobe Clean"/>
+                <a:cs typeface="Adobe Clean"/>
+              </a:rPr>
+              <a:t>Resources</a:t>
+            </a:r>
+            <a:endParaRPr sz="1400">
+              <a:latin typeface="Adobe Clean"/>
+              <a:cs typeface="Adobe Clean"/>
+            </a:endParaRPr>
           </a:p>
         </p:txBody>
       </p:sp>
@@ -12486,7 +15261,7 @@
               </a:spcBef>
             </a:pPr>
             <a:r>
-              <a:rPr lang="fr-FR" sz="800">
+              <a:rPr sz="800" spc="-15">
                 <a:solidFill>
                   <a:srgbClr val="777879"/>
                 </a:solidFill>
@@ -12495,6 +15270,10 @@
               </a:rPr>
               <a:t>Adobe</a:t>
             </a:r>
+            <a:endParaRPr sz="800">
+              <a:latin typeface="Adobe Clean"/>
+              <a:cs typeface="Adobe Clean"/>
+            </a:endParaRPr>
           </a:p>
           <a:p>
             <a:pPr marL="12700">
@@ -12503,15 +15282,39 @@
               </a:lnSpc>
             </a:pPr>
             <a:r>
-              <a:rPr lang="fr-FR" sz="800">
+              <a:rPr sz="800" spc="-15">
                 <a:solidFill>
                   <a:srgbClr val="777879"/>
                 </a:solidFill>
                 <a:latin typeface="Adobe Clean"/>
                 <a:cs typeface="Adobe Clean"/>
               </a:rPr>
-              <a:t>345 Park Avenue</a:t>
-            </a:r>
+              <a:t>345 Park</a:t>
+            </a:r>
+            <a:r>
+              <a:rPr sz="800" spc="-100">
+                <a:solidFill>
+                  <a:srgbClr val="777879"/>
+                </a:solidFill>
+                <a:latin typeface="Adobe Clean"/>
+                <a:cs typeface="Adobe Clean"/>
+              </a:rPr>
+              <a:t> </a:t>
+            </a:r>
+            <a:r>
+              <a:rPr sz="800" spc="-15">
+                <a:solidFill>
+                  <a:srgbClr val="777879"/>
+                </a:solidFill>
+                <a:latin typeface="Adobe Clean"/>
+                <a:cs typeface="Adobe Clean"/>
+              </a:rPr>
+              <a:t>Avenue</a:t>
+            </a:r>
+            <a:endParaRPr sz="800">
+              <a:latin typeface="Adobe Clean"/>
+              <a:cs typeface="Adobe Clean"/>
+            </a:endParaRPr>
           </a:p>
           <a:p>
             <a:pPr marL="12700">
@@ -12520,15 +15323,49 @@
               </a:lnSpc>
             </a:pPr>
             <a:r>
-              <a:rPr lang="fr-FR" sz="800">
+              <a:rPr sz="800" spc="-10">
                 <a:solidFill>
                   <a:srgbClr val="777879"/>
                 </a:solidFill>
                 <a:latin typeface="Adobe Clean"/>
                 <a:cs typeface="Adobe Clean"/>
               </a:rPr>
-              <a:t>San Jose, CA95110-2704</a:t>
-            </a:r>
+              <a:t>San </a:t>
+            </a:r>
+            <a:r>
+              <a:rPr sz="800" spc="-15">
+                <a:solidFill>
+                  <a:srgbClr val="777879"/>
+                </a:solidFill>
+                <a:latin typeface="Adobe Clean"/>
+                <a:cs typeface="Adobe Clean"/>
+              </a:rPr>
+              <a:t>Jose,</a:t>
+            </a:r>
+            <a:r>
+              <a:rPr sz="800" spc="-140">
+                <a:solidFill>
+                  <a:srgbClr val="777879"/>
+                </a:solidFill>
+                <a:latin typeface="Adobe Clean"/>
+                <a:cs typeface="Adobe Clean"/>
+              </a:rPr>
+              <a:t> </a:t>
+            </a:r>
+            <a:r>
+              <a:rPr sz="800" spc="-20">
+                <a:solidFill>
+                  <a:srgbClr val="777879"/>
+                </a:solidFill>
+                <a:latin typeface="Adobe Clean"/>
+                <a:cs typeface="Adobe Clean"/>
+              </a:rPr>
+              <a:t>CA95110-2704</a:t>
+            </a:r>
+            <a:endParaRPr sz="800">
+              <a:latin typeface="Adobe Clean"/>
+              <a:cs typeface="Adobe Clean"/>
+            </a:endParaRPr>
           </a:p>
           <a:p>
             <a:pPr marL="12700">
@@ -12540,15 +15377,19 @@
               </a:spcBef>
             </a:pPr>
             <a:r>
-              <a:rPr lang="fr-FR" sz="800">
+              <a:rPr sz="800" spc="-10">
                 <a:solidFill>
                   <a:srgbClr val="777879"/>
                 </a:solidFill>
                 <a:latin typeface="Adobe Clean"/>
                 <a:cs typeface="Adobe Clean"/>
               </a:rPr>
-              <a:t>États-Unis</a:t>
-            </a:r>
+              <a:t>USA</a:t>
+            </a:r>
+            <a:endParaRPr sz="800">
+              <a:latin typeface="Adobe Clean"/>
+              <a:cs typeface="Adobe Clean"/>
+            </a:endParaRPr>
           </a:p>
           <a:p>
             <a:pPr marL="12700">
@@ -12560,7 +15401,7 @@
               </a:spcBef>
             </a:pPr>
             <a:r>
-              <a:rPr lang="fr-FR" sz="800" u="sng">
+              <a:rPr sz="800" u="sng" spc="-25">
                 <a:solidFill>
                   <a:srgbClr val="5F5F5F"/>
                 </a:solidFill>
@@ -12573,8 +15414,12 @@
                 <a:cs typeface="Adobe Clean"/>
                 <a:hlinkClick r:id="rId3"/>
               </a:rPr>
-              <a:t>www.adobe.com/fr/</a:t>
-            </a:r>
+              <a:t>www.adobe.com</a:t>
+            </a:r>
+            <a:endParaRPr sz="800">
+              <a:latin typeface="Adobe Clean"/>
+              <a:cs typeface="Adobe Clean"/>
+            </a:endParaRPr>
           </a:p>
         </p:txBody>
       </p:sp>
@@ -12735,7 +15580,7 @@
           </a:prstGeom>
         </p:spPr>
         <p:txBody>
-          <a:bodyPr vert="horz" wrap="square" lIns="0" tIns="29845" rIns="0" bIns="0" rtlCol="0">
+          <a:bodyPr vert="horz" wrap="square" lIns="0" tIns="29845" rIns="0" bIns="0" rtlCol="0" anchor="t">
             <a:spAutoFit/>
           </a:bodyPr>
           <a:lstStyle/>
@@ -12749,15 +15594,449 @@
               </a:spcBef>
             </a:pPr>
             <a:r>
-              <a:rPr lang="fr-FR" sz="1100" i="1">
+              <a:rPr sz="1100" i="1" spc="-10" dirty="0">
                 <a:solidFill>
                   <a:srgbClr val="777879"/>
                 </a:solidFill>
                 <a:latin typeface="AdobeClean-LightIt"/>
                 <a:cs typeface="AdobeClean-LightIt"/>
               </a:rPr>
-              <a:t>Pour en apprendre plus sur les offres de l’assistance Adobe et sur le niveau qui vous convient, contactez votre gestionnaire de compte nommé (NAM) ou votre gestionnaire de réussite client (CSM)</a:t>
-            </a:r>
+              <a:t>To</a:t>
+            </a:r>
+            <a:r>
+              <a:rPr sz="1100" i="1" spc="-50" dirty="0">
+                <a:solidFill>
+                  <a:srgbClr val="777879"/>
+                </a:solidFill>
+                <a:latin typeface="AdobeClean-LightIt"/>
+                <a:cs typeface="AdobeClean-LightIt"/>
+              </a:rPr>
+              <a:t> </a:t>
+            </a:r>
+            <a:r>
+              <a:rPr sz="1100" i="1" spc="-15" dirty="0">
+                <a:solidFill>
+                  <a:srgbClr val="777879"/>
+                </a:solidFill>
+                <a:latin typeface="AdobeClean-LightIt"/>
+                <a:cs typeface="AdobeClean-LightIt"/>
+              </a:rPr>
+              <a:t>learn</a:t>
+            </a:r>
+            <a:r>
+              <a:rPr sz="1100" i="1" spc="-40" dirty="0">
+                <a:solidFill>
+                  <a:srgbClr val="777879"/>
+                </a:solidFill>
+                <a:latin typeface="AdobeClean-LightIt"/>
+                <a:cs typeface="AdobeClean-LightIt"/>
+              </a:rPr>
+              <a:t> </a:t>
+            </a:r>
+            <a:r>
+              <a:rPr sz="1100" i="1" spc="-15" dirty="0">
+                <a:solidFill>
+                  <a:srgbClr val="777879"/>
+                </a:solidFill>
+                <a:latin typeface="AdobeClean-LightIt"/>
+                <a:cs typeface="AdobeClean-LightIt"/>
+              </a:rPr>
+              <a:t>more</a:t>
+            </a:r>
+            <a:r>
+              <a:rPr sz="1100" i="1" spc="-45" dirty="0">
+                <a:solidFill>
+                  <a:srgbClr val="777879"/>
+                </a:solidFill>
+                <a:latin typeface="AdobeClean-LightIt"/>
+                <a:cs typeface="AdobeClean-LightIt"/>
+              </a:rPr>
+              <a:t> </a:t>
+            </a:r>
+            <a:r>
+              <a:rPr sz="1100" i="1" spc="-15" dirty="0">
+                <a:solidFill>
+                  <a:srgbClr val="777879"/>
+                </a:solidFill>
+                <a:latin typeface="AdobeClean-LightIt"/>
+                <a:cs typeface="AdobeClean-LightIt"/>
+              </a:rPr>
+              <a:t>about</a:t>
+            </a:r>
+            <a:r>
+              <a:rPr sz="1100" i="1" spc="-45" dirty="0">
+                <a:solidFill>
+                  <a:srgbClr val="777879"/>
+                </a:solidFill>
+                <a:latin typeface="AdobeClean-LightIt"/>
+                <a:cs typeface="AdobeClean-LightIt"/>
+              </a:rPr>
+              <a:t> </a:t>
+            </a:r>
+            <a:r>
+              <a:rPr sz="1100" i="1" spc="-15" dirty="0">
+                <a:solidFill>
+                  <a:srgbClr val="777879"/>
+                </a:solidFill>
+                <a:latin typeface="AdobeClean-LightIt"/>
+                <a:cs typeface="AdobeClean-LightIt"/>
+              </a:rPr>
+              <a:t>Adobe</a:t>
+            </a:r>
+            <a:r>
+              <a:rPr sz="1100" i="1" spc="-50" dirty="0">
+                <a:solidFill>
+                  <a:srgbClr val="777879"/>
+                </a:solidFill>
+                <a:latin typeface="AdobeClean-LightIt"/>
+                <a:cs typeface="AdobeClean-LightIt"/>
+              </a:rPr>
+              <a:t> </a:t>
+            </a:r>
+            <a:r>
+              <a:rPr sz="1100" i="1" spc="-15" dirty="0">
+                <a:solidFill>
+                  <a:srgbClr val="777879"/>
+                </a:solidFill>
+                <a:latin typeface="AdobeClean-LightIt"/>
+                <a:cs typeface="AdobeClean-LightIt"/>
+              </a:rPr>
+              <a:t>Support</a:t>
+            </a:r>
+            <a:r>
+              <a:rPr lang="en-US" sz="1100" i="1" spc="-15" dirty="0">
+                <a:solidFill>
+                  <a:srgbClr val="777879"/>
+                </a:solidFill>
+                <a:latin typeface="AdobeClean-LightIt"/>
+                <a:cs typeface="AdobeClean-LightIt"/>
+              </a:rPr>
+              <a:t> Offerings</a:t>
+            </a:r>
+            <a:r>
+              <a:rPr sz="1100" i="1" spc="-75" dirty="0">
+                <a:solidFill>
+                  <a:srgbClr val="777879"/>
+                </a:solidFill>
+                <a:latin typeface="AdobeClean-LightIt"/>
+                <a:cs typeface="AdobeClean-LightIt"/>
+              </a:rPr>
+              <a:t> </a:t>
+            </a:r>
+            <a:r>
+              <a:rPr sz="1100" i="1" spc="-15" dirty="0">
+                <a:solidFill>
+                  <a:srgbClr val="777879"/>
+                </a:solidFill>
+                <a:latin typeface="AdobeClean-LightIt"/>
+                <a:cs typeface="AdobeClean-LightIt"/>
+              </a:rPr>
+              <a:t>and</a:t>
+            </a:r>
+            <a:r>
+              <a:rPr sz="1100" i="1" spc="-50" dirty="0">
+                <a:solidFill>
+                  <a:srgbClr val="777879"/>
+                </a:solidFill>
+                <a:latin typeface="AdobeClean-LightIt"/>
+                <a:cs typeface="AdobeClean-LightIt"/>
+              </a:rPr>
+              <a:t> </a:t>
+            </a:r>
+            <a:r>
+              <a:rPr sz="1100" i="1" spc="-15" dirty="0">
+                <a:solidFill>
+                  <a:srgbClr val="777879"/>
+                </a:solidFill>
+                <a:latin typeface="AdobeClean-LightIt"/>
+                <a:cs typeface="AdobeClean-LightIt"/>
+              </a:rPr>
+              <a:t>the</a:t>
+            </a:r>
+            <a:r>
+              <a:rPr sz="1100" i="1" spc="-55" dirty="0">
+                <a:solidFill>
+                  <a:srgbClr val="777879"/>
+                </a:solidFill>
+                <a:latin typeface="AdobeClean-LightIt"/>
+                <a:cs typeface="AdobeClean-LightIt"/>
+              </a:rPr>
+              <a:t> </a:t>
+            </a:r>
+            <a:r>
+              <a:rPr sz="1100" i="1" spc="-15" dirty="0">
+                <a:solidFill>
+                  <a:srgbClr val="777879"/>
+                </a:solidFill>
+                <a:latin typeface="AdobeClean-LightIt"/>
+                <a:cs typeface="AdobeClean-LightIt"/>
+              </a:rPr>
+              <a:t>right</a:t>
+            </a:r>
+            <a:r>
+              <a:rPr sz="1100" i="1" spc="-95" dirty="0">
+                <a:solidFill>
+                  <a:srgbClr val="777879"/>
+                </a:solidFill>
+                <a:latin typeface="AdobeClean-LightIt"/>
+                <a:cs typeface="AdobeClean-LightIt"/>
+              </a:rPr>
+              <a:t> </a:t>
+            </a:r>
+            <a:r>
+              <a:rPr sz="1100" i="1" spc="-15" dirty="0">
+                <a:solidFill>
+                  <a:srgbClr val="777879"/>
+                </a:solidFill>
+                <a:latin typeface="AdobeClean-LightIt"/>
+                <a:cs typeface="AdobeClean-LightIt"/>
+              </a:rPr>
+              <a:t>level</a:t>
+            </a:r>
+            <a:r>
+              <a:rPr sz="1100" i="1" spc="-55" dirty="0">
+                <a:solidFill>
+                  <a:srgbClr val="777879"/>
+                </a:solidFill>
+                <a:latin typeface="AdobeClean-LightIt"/>
+                <a:cs typeface="AdobeClean-LightIt"/>
+              </a:rPr>
+              <a:t> </a:t>
+            </a:r>
+            <a:r>
+              <a:rPr sz="1100" i="1" spc="-15" dirty="0">
+                <a:solidFill>
+                  <a:srgbClr val="777879"/>
+                </a:solidFill>
+                <a:latin typeface="AdobeClean-LightIt"/>
+                <a:cs typeface="AdobeClean-LightIt"/>
+              </a:rPr>
+              <a:t>for</a:t>
+            </a:r>
+            <a:r>
+              <a:rPr sz="1100" i="1" spc="-85" dirty="0">
+                <a:solidFill>
+                  <a:srgbClr val="777879"/>
+                </a:solidFill>
+                <a:latin typeface="AdobeClean-LightIt"/>
+                <a:cs typeface="AdobeClean-LightIt"/>
+              </a:rPr>
+              <a:t> </a:t>
+            </a:r>
+            <a:r>
+              <a:rPr sz="1100" i="1" spc="-15" dirty="0">
+                <a:solidFill>
+                  <a:srgbClr val="777879"/>
+                </a:solidFill>
+                <a:latin typeface="AdobeClean-LightIt"/>
+                <a:cs typeface="AdobeClean-LightIt"/>
+              </a:rPr>
+              <a:t>you,</a:t>
+            </a:r>
+            <a:r>
+              <a:rPr sz="1100" i="1" spc="-65" dirty="0">
+                <a:solidFill>
+                  <a:srgbClr val="777879"/>
+                </a:solidFill>
+                <a:latin typeface="AdobeClean-LightIt"/>
+                <a:cs typeface="AdobeClean-LightIt"/>
+              </a:rPr>
+              <a:t> </a:t>
+            </a:r>
+            <a:r>
+              <a:rPr sz="1100" i="1" spc="-15" dirty="0">
+                <a:solidFill>
+                  <a:srgbClr val="777879"/>
+                </a:solidFill>
+                <a:latin typeface="AdobeClean-LightIt"/>
+                <a:cs typeface="AdobeClean-LightIt"/>
+              </a:rPr>
+              <a:t>contact</a:t>
+            </a:r>
+            <a:r>
+              <a:rPr sz="1100" i="1" spc="-85" dirty="0">
+                <a:solidFill>
+                  <a:srgbClr val="777879"/>
+                </a:solidFill>
+                <a:latin typeface="AdobeClean-LightIt"/>
+                <a:cs typeface="AdobeClean-LightIt"/>
+              </a:rPr>
+              <a:t> </a:t>
+            </a:r>
+            <a:r>
+              <a:rPr sz="1100" i="1" spc="-15" dirty="0">
+                <a:solidFill>
+                  <a:srgbClr val="777879"/>
+                </a:solidFill>
+                <a:latin typeface="AdobeClean-LightIt"/>
+                <a:cs typeface="AdobeClean-LightIt"/>
+              </a:rPr>
+              <a:t>your</a:t>
+            </a:r>
+            <a:r>
+              <a:rPr sz="1100" i="1" spc="-70" dirty="0">
+                <a:solidFill>
+                  <a:srgbClr val="777879"/>
+                </a:solidFill>
+                <a:latin typeface="AdobeClean-LightIt"/>
+                <a:cs typeface="AdobeClean-LightIt"/>
+              </a:rPr>
+              <a:t> </a:t>
+            </a:r>
+            <a:r>
+              <a:rPr sz="1100" i="1" spc="-15" dirty="0">
+                <a:solidFill>
+                  <a:srgbClr val="777879"/>
+                </a:solidFill>
+                <a:latin typeface="AdobeClean-LightIt"/>
+                <a:cs typeface="AdobeClean-LightIt"/>
+              </a:rPr>
+              <a:t>Named</a:t>
+            </a:r>
+            <a:r>
+              <a:rPr sz="1100" i="1" spc="-55" dirty="0">
+                <a:solidFill>
+                  <a:srgbClr val="777879"/>
+                </a:solidFill>
+                <a:latin typeface="AdobeClean-LightIt"/>
+                <a:cs typeface="AdobeClean-LightIt"/>
+              </a:rPr>
+              <a:t> </a:t>
+            </a:r>
+            <a:r>
+              <a:rPr sz="1100" i="1" spc="-25" dirty="0">
+                <a:solidFill>
+                  <a:srgbClr val="777879"/>
+                </a:solidFill>
+                <a:latin typeface="AdobeClean-LightIt"/>
+                <a:cs typeface="AdobeClean-LightIt"/>
+              </a:rPr>
+              <a:t>Account</a:t>
+            </a:r>
+            <a:r>
+              <a:rPr sz="1100" i="1" spc="-120" dirty="0">
+                <a:solidFill>
+                  <a:srgbClr val="777879"/>
+                </a:solidFill>
+                <a:latin typeface="AdobeClean-LightIt"/>
+                <a:cs typeface="AdobeClean-LightIt"/>
+              </a:rPr>
+              <a:t> </a:t>
+            </a:r>
+            <a:r>
+              <a:rPr sz="1100" i="1" spc="-20" dirty="0">
+                <a:solidFill>
+                  <a:srgbClr val="777879"/>
+                </a:solidFill>
+                <a:latin typeface="AdobeClean-LightIt"/>
+                <a:cs typeface="AdobeClean-LightIt"/>
+              </a:rPr>
+              <a:t>Manager</a:t>
+            </a:r>
+            <a:r>
+              <a:rPr lang="en-US" sz="1100" i="1" spc="-20" dirty="0">
+                <a:solidFill>
+                  <a:srgbClr val="777879"/>
+                </a:solidFill>
+                <a:latin typeface="AdobeClean-LightIt"/>
+                <a:cs typeface="AdobeClean-LightIt"/>
+              </a:rPr>
+              <a:t> </a:t>
+            </a:r>
+            <a:r>
+              <a:rPr sz="1100" i="1" spc="-20" dirty="0">
+                <a:solidFill>
+                  <a:srgbClr val="777879"/>
+                </a:solidFill>
+                <a:latin typeface="AdobeClean-LightIt"/>
+                <a:cs typeface="AdobeClean-LightIt"/>
+              </a:rPr>
+              <a:t> </a:t>
+            </a:r>
+            <a:r>
+              <a:rPr sz="1100" i="1" spc="-15" dirty="0">
+                <a:solidFill>
+                  <a:srgbClr val="777879"/>
+                </a:solidFill>
+                <a:latin typeface="AdobeClean-LightIt"/>
+                <a:cs typeface="AdobeClean-LightIt"/>
+              </a:rPr>
+              <a:t>(NAM) </a:t>
+            </a:r>
+            <a:r>
+              <a:rPr sz="1100" i="1" spc="-10" dirty="0">
+                <a:solidFill>
+                  <a:srgbClr val="777879"/>
+                </a:solidFill>
+                <a:latin typeface="AdobeClean-LightIt"/>
+                <a:cs typeface="AdobeClean-LightIt"/>
+              </a:rPr>
+              <a:t>or </a:t>
+            </a:r>
+            <a:r>
+              <a:rPr sz="1100" i="1" spc="-15" dirty="0">
+                <a:solidFill>
+                  <a:srgbClr val="777879"/>
+                </a:solidFill>
+                <a:latin typeface="AdobeClean-LightIt"/>
+                <a:cs typeface="AdobeClean-LightIt"/>
+              </a:rPr>
+              <a:t>Customer </a:t>
+            </a:r>
+            <a:r>
+              <a:rPr sz="1100" i="1" spc="-20" dirty="0">
+                <a:solidFill>
+                  <a:srgbClr val="777879"/>
+                </a:solidFill>
+                <a:latin typeface="AdobeClean-LightIt"/>
+                <a:cs typeface="AdobeClean-LightIt"/>
+              </a:rPr>
+              <a:t>Success</a:t>
+            </a:r>
+            <a:r>
+              <a:rPr sz="1100" i="1" spc="-180" dirty="0">
+                <a:solidFill>
+                  <a:srgbClr val="777879"/>
+                </a:solidFill>
+                <a:latin typeface="AdobeClean-LightIt"/>
+                <a:cs typeface="AdobeClean-LightIt"/>
+              </a:rPr>
+              <a:t> </a:t>
+            </a:r>
+            <a:r>
+              <a:rPr sz="1100" i="1" spc="-15" dirty="0">
+                <a:solidFill>
+                  <a:srgbClr val="777879"/>
+                </a:solidFill>
+                <a:latin typeface="AdobeClean-LightIt"/>
+                <a:cs typeface="AdobeClean-LightIt"/>
+              </a:rPr>
+              <a:t>Manager</a:t>
+            </a:r>
+            <a:r>
+              <a:rPr lang="en-US" sz="1100" i="1" spc="-15" dirty="0">
+                <a:solidFill>
+                  <a:srgbClr val="777879"/>
+                </a:solidFill>
+                <a:latin typeface="AdobeClean-LightIt"/>
+                <a:cs typeface="AdobeClean-LightIt"/>
+              </a:rPr>
+              <a:t> </a:t>
+            </a:r>
+            <a:r>
+              <a:rPr sz="1100" i="1" spc="-15" dirty="0">
+                <a:solidFill>
+                  <a:srgbClr val="777879"/>
+                </a:solidFill>
+                <a:latin typeface="AdobeClean-LightIt"/>
+                <a:cs typeface="AdobeClean-LightIt"/>
+              </a:rPr>
+              <a:t>(CSM)</a:t>
+            </a:r>
+            <a:endParaRPr sz="1100" dirty="0">
+              <a:latin typeface="AdobeClean-LightIt"/>
+              <a:cs typeface="AdobeClean-LightIt"/>
+            </a:endParaRPr>
           </a:p>
           <a:p>
             <a:pPr marL="34290">
@@ -12769,15 +16048,59 @@
               </a:spcBef>
             </a:pPr>
             <a:r>
-              <a:rPr lang="fr-FR" sz="800">
+              <a:rPr sz="800" spc="-5" dirty="0">
                 <a:solidFill>
                   <a:srgbClr val="6D6D6D"/>
                 </a:solidFill>
                 <a:latin typeface="Adobe Clean"/>
                 <a:cs typeface="Adobe Clean"/>
               </a:rPr>
-              <a:t>©2021 Adobe. All Rights Reserved. Données confidentielles Adobe</a:t>
-            </a:r>
+              <a:t>©202</a:t>
+            </a:r>
+            <a:r>
+              <a:rPr lang="en-US" sz="800" spc="-5" dirty="0">
+                <a:solidFill>
+                  <a:srgbClr val="6D6D6D"/>
+                </a:solidFill>
+                <a:latin typeface="Adobe Clean"/>
+                <a:cs typeface="Adobe Clean"/>
+              </a:rPr>
+              <a:t>1</a:t>
+            </a:r>
+            <a:r>
+              <a:rPr sz="800" spc="-5" dirty="0">
+                <a:solidFill>
+                  <a:srgbClr val="6D6D6D"/>
+                </a:solidFill>
+                <a:latin typeface="Adobe Clean"/>
+                <a:cs typeface="Adobe Clean"/>
+              </a:rPr>
+              <a:t> Adobe. All Rights Reserved. Adobe</a:t>
+            </a:r>
+            <a:r>
+              <a:rPr sz="800" spc="75" dirty="0">
+                <a:solidFill>
+                  <a:srgbClr val="6D6D6D"/>
+                </a:solidFill>
+                <a:latin typeface="Adobe Clean"/>
+                <a:cs typeface="Adobe Clean"/>
+              </a:rPr>
+              <a:t> </a:t>
+            </a:r>
+            <a:r>
+              <a:rPr sz="800" spc="-5" dirty="0">
+                <a:solidFill>
+                  <a:srgbClr val="6D6D6D"/>
+                </a:solidFill>
+                <a:latin typeface="Adobe Clean"/>
+                <a:cs typeface="Adobe Clean"/>
+              </a:rPr>
+              <a:t>Confidential.</a:t>
+            </a:r>
+            <a:endParaRPr sz="800" dirty="0">
+              <a:latin typeface="Adobe Clean"/>
+              <a:cs typeface="Adobe Clean"/>
+            </a:endParaRPr>
           </a:p>
         </p:txBody>
       </p:sp>
@@ -12795,8 +16118,8 @@
         </p:nvSpPr>
         <p:spPr>
           <a:xfrm>
-            <a:off x="190706" y="5119521"/>
-            <a:ext cx="7274987" cy="755976"/>
+            <a:off x="190707" y="4913781"/>
+            <a:ext cx="6476646" cy="755976"/>
           </a:xfrm>
           <a:prstGeom prst="rect">
             <a:avLst/>
@@ -12814,15 +16137,19 @@
               </a:spcBef>
             </a:pPr>
             <a:r>
-              <a:rPr lang="fr-FR" sz="1400" b="1" dirty="0">
-                <a:solidFill>
-                  <a:srgbClr val="020302"/>
-                </a:solidFill>
-                <a:latin typeface="Adobe Clean"/>
-                <a:cs typeface="Adobe Clean"/>
-              </a:rPr>
-              <a:t>Portée régionale de l’assistance Adobe, heures ouvrables locales et assistance linguistique</a:t>
-            </a:r>
+              <a:rPr lang="en-US" sz="1400" b="1" spc="-15">
+                <a:solidFill>
+                  <a:srgbClr val="020302"/>
+                </a:solidFill>
+                <a:latin typeface="Adobe Clean"/>
+                <a:cs typeface="Adobe Clean"/>
+              </a:rPr>
+              <a:t>Regional scope of Adobe Support, Local Hours Of Operation And Language Support</a:t>
+            </a:r>
+            <a:endParaRPr lang="en-US" sz="1400" spc="-15">
+              <a:ea typeface="+mn-lt"/>
+              <a:cs typeface="+mn-lt"/>
+            </a:endParaRPr>
           </a:p>
           <a:p>
             <a:pPr>
@@ -12831,31 +16158,17 @@
               </a:spcBef>
             </a:pPr>
             <a:r>
-              <a:rPr lang="fr-FR" sz="1000" dirty="0">
+              <a:rPr lang="en-US" sz="1000" spc="-15">
                 <a:solidFill>
                   <a:srgbClr val="1F1F1F"/>
                 </a:solidFill>
                 <a:latin typeface="AdobeClean-Light"/>
               </a:rPr>
-              <a:t>La portée régionale de l’assistance Adobe est définie par l’alignement de l’adresse de facturation du client (se trouvant sur le bon de commande </a:t>
-            </a:r>
-            <a:br>
-              <a:rPr lang="sk-SK" sz="1000" dirty="0">
-                <a:solidFill>
-                  <a:srgbClr val="1F1F1F"/>
-                </a:solidFill>
-                <a:latin typeface="AdobeClean-Light"/>
-              </a:rPr>
-            </a:br>
-            <a:r>
-              <a:rPr lang="fr-FR" sz="1000" dirty="0">
-                <a:solidFill>
-                  <a:srgbClr val="1F1F1F"/>
-                </a:solidFill>
-                <a:latin typeface="AdobeClean-Light"/>
-              </a:rPr>
-              <a:t>ou tout autre document d’achat de l’assistance Adobe) avec l’une des régions suivantes :</a:t>
-            </a:r>
+              <a:t>The regional scope of Adobe Support is established by aligning the customer's billing address (via the Sales Order or other Adobe Support purchasing document) to one of the following regions:</a:t>
+            </a:r>
+            <a:endParaRPr lang="en-US" sz="1000">
+              <a:latin typeface="AdobeClean-Light"/>
+            </a:endParaRPr>
           </a:p>
         </p:txBody>
       </p:sp>
@@ -12927,13 +16240,13 @@
                     <a:p>
                       <a:pPr algn="ctr"/>
                       <a:r>
-                        <a:rPr lang="fr-FR" sz="1100">
+                        <a:rPr lang="en-US" sz="1100">
                           <a:solidFill>
                             <a:schemeClr val="tx1"/>
                           </a:solidFill>
                           <a:latin typeface="Adobe Clean"/>
                         </a:rPr>
-                        <a:t>Amériques</a:t>
+                        <a:t>Americas</a:t>
                       </a:r>
                     </a:p>
                   </a:txBody>
@@ -12992,13 +16305,13 @@
                     <a:p>
                       <a:pPr algn="ctr"/>
                       <a:r>
-                        <a:rPr lang="fr-FR" sz="1100">
+                        <a:rPr lang="en-US" sz="1100">
                           <a:solidFill>
                             <a:schemeClr val="tx1"/>
                           </a:solidFill>
                           <a:latin typeface="Adobe Clean"/>
                         </a:rPr>
-                        <a:t>Europe, Moyen-Orient et Afrique</a:t>
+                        <a:t>Europe, Middle East &amp; Africa</a:t>
                       </a:r>
                     </a:p>
                   </a:txBody>
@@ -13057,13 +16370,13 @@
                     <a:p>
                       <a:pPr algn="ctr"/>
                       <a:r>
-                        <a:rPr lang="fr-FR" sz="1100">
+                        <a:rPr lang="en-US" sz="1100">
                           <a:solidFill>
                             <a:schemeClr val="tx1"/>
                           </a:solidFill>
                           <a:latin typeface="Adobe Clean"/>
                         </a:rPr>
-                        <a:t>Asie-Pacifique</a:t>
+                        <a:t>Asia Pacific</a:t>
                       </a:r>
                     </a:p>
                   </a:txBody>
@@ -13122,16 +16435,16 @@
                     <a:p>
                       <a:pPr algn="ctr"/>
                       <a:r>
-                        <a:rPr lang="fr-FR" sz="1100">
+                        <a:rPr lang="en-US" sz="1100">
                           <a:solidFill>
                             <a:schemeClr val="tx1"/>
                           </a:solidFill>
                           <a:latin typeface="Adobe Clean"/>
                         </a:rPr>
-                        <a:t>Japon </a:t>
+                        <a:t>Japan </a:t>
                       </a:r>
                       <a:r>
-                        <a:rPr lang="fr-FR" sz="1100" baseline="30000">
+                        <a:rPr lang="en-US" sz="1100" baseline="30000">
                           <a:solidFill>
                             <a:schemeClr val="tx1"/>
                           </a:solidFill>
@@ -13139,6 +16452,12 @@
                         </a:rPr>
                         <a:t>1 </a:t>
                       </a:r>
+                      <a:endParaRPr lang="en-US" sz="1100">
+                        <a:solidFill>
+                          <a:schemeClr val="tx1"/>
+                        </a:solidFill>
+                        <a:latin typeface="Adobe Clean" panose="020B0503020404020204" pitchFamily="34" charset="0"/>
+                      </a:endParaRPr>
                     </a:p>
                   </a:txBody>
                   <a:tcPr anchor="ctr">
@@ -13203,13 +16522,13 @@
                     <a:p>
                       <a:pPr algn="ctr"/>
                       <a:r>
-                        <a:rPr lang="fr-FR" sz="1100">
+                        <a:rPr lang="en-US" sz="1100">
                           <a:solidFill>
                             <a:schemeClr val="tx1"/>
                           </a:solidFill>
                           <a:latin typeface="Adobe Clean"/>
                         </a:rPr>
-                        <a:t>6 h 00 à 17 h 30</a:t>
+                        <a:t>6 am – 5:30 pm</a:t>
                       </a:r>
                     </a:p>
                   </a:txBody>
@@ -13268,13 +16587,13 @@
                     <a:p>
                       <a:pPr algn="ctr"/>
                       <a:r>
-                        <a:rPr lang="fr-FR" sz="1100">
+                        <a:rPr lang="en-US" sz="1100">
                           <a:solidFill>
                             <a:schemeClr val="tx1"/>
                           </a:solidFill>
                           <a:latin typeface="Adobe Clean"/>
                         </a:rPr>
-                        <a:t>9 h 00 à 17 h 00</a:t>
+                        <a:t>9 am – 5 pm</a:t>
                       </a:r>
                     </a:p>
                   </a:txBody>
@@ -13333,13 +16652,13 @@
                     <a:p>
                       <a:pPr algn="ctr"/>
                       <a:r>
-                        <a:rPr lang="fr-FR" sz="1100">
+                        <a:rPr lang="en-US" sz="1100">
                           <a:solidFill>
                             <a:schemeClr val="tx1"/>
                           </a:solidFill>
                           <a:latin typeface="Adobe Clean"/>
                         </a:rPr>
-                        <a:t>9 h 00 à 17 h 00</a:t>
+                        <a:t>9 am – 5 pm</a:t>
                       </a:r>
                     </a:p>
                   </a:txBody>
@@ -13398,13 +16717,13 @@
                     <a:p>
                       <a:pPr algn="ctr"/>
                       <a:r>
-                        <a:rPr lang="fr-FR" sz="1100">
+                        <a:rPr lang="en-US" sz="1100">
                           <a:solidFill>
                             <a:schemeClr val="tx1"/>
                           </a:solidFill>
                           <a:latin typeface="Adobe Clean"/>
                         </a:rPr>
-                        <a:t>9 h 00 à 17 h 30</a:t>
+                        <a:t>9 am – 5:30 pm</a:t>
                       </a:r>
                     </a:p>
                   </a:txBody>
@@ -13481,12 +16800,12 @@
                         <a:buNone/>
                       </a:pPr>
                       <a:r>
-                        <a:rPr lang="fr-FR" sz="1100" b="0" i="0" u="none" strike="noStrike" noProof="0" dirty="0"/>
-                        <a:t>L’assistance linguistique est uniquement disponible en anglais et en japonais.</a:t>
+                        <a:rPr lang="en-US" sz="1100" b="0" i="0" u="none" strike="noStrike" noProof="0"/>
+                        <a:t>Language support is only available in English and Japanese.</a:t>
                       </a:r>
                     </a:p>
                     <a:p>
-                      <a:pPr lvl="0" algn="l" rtl="0">
+                      <a:pPr lvl="0" algn="ctr">
                         <a:lnSpc>
                           <a:spcPct val="100000"/>
                         </a:lnSpc>
@@ -13498,7 +16817,7 @@
                         </a:spcAft>
                         <a:buNone/>
                       </a:pPr>
-                      <a:endParaRPr lang="en-US" sz="1100" b="0" i="0" u="none" strike="noStrike" noProof="0" dirty="0"/>
+                      <a:endParaRPr lang="en-US" sz="1100" b="0" i="0" u="none" strike="noStrike" noProof="0"/>
                     </a:p>
                     <a:p>
                       <a:pPr lvl="0" algn="ctr">
@@ -13514,17 +16833,18 @@
                         <a:buNone/>
                       </a:pPr>
                       <a:r>
-                        <a:rPr lang="fr-FR" sz="1100" b="0" i="0" u="none" strike="noStrike" noProof="0" dirty="0"/>
+                        <a:rPr lang="en-US" sz="1100" b="0" i="0" u="none" strike="noStrike" noProof="0"/>
                         <a:t> </a:t>
                       </a:r>
                       <a:r>
-                        <a:rPr lang="fr-FR" sz="1100" b="0" i="0" u="none" strike="noStrike" baseline="30000" noProof="0" dirty="0"/>
+                        <a:rPr lang="en-US" sz="1100" b="0" i="0" u="none" strike="noStrike" baseline="30000" noProof="0"/>
                         <a:t>1 </a:t>
                       </a:r>
                       <a:r>
-                        <a:rPr lang="fr-FR" sz="1100" b="0" i="0" u="none" strike="noStrike" noProof="0" dirty="0"/>
-                        <a:t>Les cas P2, P3 et P4 sont limités aux heures ouvrables uniquement au Japon.</a:t>
+                        <a:rPr lang="en-US" sz="1100" b="0" i="0" u="none" strike="noStrike" noProof="0"/>
+                        <a:t>P2, P3, P4 cases are limited to business hours only in Japan.</a:t>
                       </a:r>
+                      <a:endParaRPr lang="en-US" sz="1100" b="1" i="0" u="none" strike="noStrike" noProof="0"/>
                     </a:p>
                   </a:txBody>
                   <a:tcPr anchor="ctr">
@@ -13866,8 +17186,8 @@
         </p:nvSpPr>
         <p:spPr>
           <a:xfrm>
-            <a:off x="2718951" y="8528519"/>
-            <a:ext cx="1045329" cy="382797"/>
+            <a:off x="2840871" y="8528519"/>
+            <a:ext cx="810895" cy="385445"/>
           </a:xfrm>
           <a:prstGeom prst="rect">
             <a:avLst/>
@@ -13879,7 +17199,7 @@
           </a:bodyPr>
           <a:lstStyle/>
           <a:p>
-            <a:pPr marR="5080" algn="ctr">
+            <a:pPr marL="139065" marR="5080" indent="-139065">
               <a:lnSpc>
                 <a:spcPts val="1390"/>
               </a:lnSpc>
@@ -13888,15 +17208,129 @@
               </a:spcBef>
             </a:pPr>
             <a:r>
-              <a:rPr lang="fr-FR" sz="1200" b="1" dirty="0">
+              <a:rPr sz="1200" b="1" spc="-15">
                 <a:solidFill>
                   <a:srgbClr val="FFFFFF"/>
                 </a:solidFill>
                 <a:latin typeface="Adobe Clean"/>
                 <a:cs typeface="Adobe Clean"/>
               </a:rPr>
-              <a:t>Expertise incomparable</a:t>
-            </a:r>
+              <a:t>U</a:t>
+            </a:r>
+            <a:r>
+              <a:rPr sz="1200" b="1" spc="-20">
+                <a:solidFill>
+                  <a:srgbClr val="FFFFFF"/>
+                </a:solidFill>
+                <a:latin typeface="Adobe Clean"/>
+                <a:cs typeface="Adobe Clean"/>
+              </a:rPr>
+              <a:t>n</a:t>
+            </a:r>
+            <a:r>
+              <a:rPr sz="1200" b="1" spc="-25">
+                <a:solidFill>
+                  <a:srgbClr val="FFFFFF"/>
+                </a:solidFill>
+                <a:latin typeface="Adobe Clean"/>
+                <a:cs typeface="Adobe Clean"/>
+              </a:rPr>
+              <a:t>p</a:t>
+            </a:r>
+            <a:r>
+              <a:rPr sz="1200" b="1" spc="-15">
+                <a:solidFill>
+                  <a:srgbClr val="FFFFFF"/>
+                </a:solidFill>
+                <a:latin typeface="Adobe Clean"/>
+                <a:cs typeface="Adobe Clean"/>
+              </a:rPr>
+              <a:t>a</a:t>
+            </a:r>
+            <a:r>
+              <a:rPr sz="1200" b="1" spc="-25">
+                <a:solidFill>
+                  <a:srgbClr val="FFFFFF"/>
+                </a:solidFill>
+                <a:latin typeface="Adobe Clean"/>
+                <a:cs typeface="Adobe Clean"/>
+              </a:rPr>
+              <a:t>r</a:t>
+            </a:r>
+            <a:r>
+              <a:rPr sz="1200" b="1" spc="-15">
+                <a:solidFill>
+                  <a:srgbClr val="FFFFFF"/>
+                </a:solidFill>
+                <a:latin typeface="Adobe Clean"/>
+                <a:cs typeface="Adobe Clean"/>
+              </a:rPr>
+              <a:t>a</a:t>
+            </a:r>
+            <a:r>
+              <a:rPr sz="1200" b="1" spc="-30">
+                <a:solidFill>
+                  <a:srgbClr val="FFFFFF"/>
+                </a:solidFill>
+                <a:latin typeface="Adobe Clean"/>
+                <a:cs typeface="Adobe Clean"/>
+              </a:rPr>
+              <a:t>ll</a:t>
+            </a:r>
+            <a:r>
+              <a:rPr sz="1200" b="1" spc="-25">
+                <a:solidFill>
+                  <a:srgbClr val="FFFFFF"/>
+                </a:solidFill>
+                <a:latin typeface="Adobe Clean"/>
+                <a:cs typeface="Adobe Clean"/>
+              </a:rPr>
+              <a:t>e</a:t>
+            </a:r>
+            <a:r>
+              <a:rPr sz="1200" b="1" spc="-30">
+                <a:solidFill>
+                  <a:srgbClr val="FFFFFF"/>
+                </a:solidFill>
+                <a:latin typeface="Adobe Clean"/>
+                <a:cs typeface="Adobe Clean"/>
+              </a:rPr>
+              <a:t>l</a:t>
+            </a:r>
+            <a:r>
+              <a:rPr sz="1200" b="1" spc="-25">
+                <a:solidFill>
+                  <a:srgbClr val="FFFFFF"/>
+                </a:solidFill>
+                <a:latin typeface="Adobe Clean"/>
+                <a:cs typeface="Adobe Clean"/>
+              </a:rPr>
+              <a:t>e</a:t>
+            </a:r>
+            <a:r>
+              <a:rPr sz="1200" b="1">
+                <a:solidFill>
+                  <a:srgbClr val="FFFFFF"/>
+                </a:solidFill>
+                <a:latin typeface="Adobe Clean"/>
+                <a:cs typeface="Adobe Clean"/>
+              </a:rPr>
+              <a:t>d  </a:t>
+            </a:r>
+            <a:r>
+              <a:rPr sz="1200" b="1" spc="-25">
+                <a:solidFill>
+                  <a:srgbClr val="FFFFFF"/>
+                </a:solidFill>
+                <a:latin typeface="Adobe Clean"/>
+                <a:cs typeface="Adobe Clean"/>
+              </a:rPr>
+              <a:t>Expertise</a:t>
+            </a:r>
+            <a:endParaRPr sz="1200">
+              <a:latin typeface="Adobe Clean"/>
+              <a:cs typeface="Adobe Clean"/>
+            </a:endParaRPr>
           </a:p>
         </p:txBody>
       </p:sp>
@@ -13914,7 +17348,7 @@
         </p:nvSpPr>
         <p:spPr>
           <a:xfrm>
-            <a:off x="4686775" y="8541244"/>
+            <a:off x="4732495" y="8541244"/>
             <a:ext cx="810895" cy="382797"/>
           </a:xfrm>
           <a:prstGeom prst="rect">
@@ -13927,7 +17361,7 @@
           </a:bodyPr>
           <a:lstStyle/>
           <a:p>
-            <a:pPr marR="5080" algn="ctr">
+            <a:pPr marL="139065" marR="5080" indent="-139065">
               <a:lnSpc>
                 <a:spcPts val="1390"/>
               </a:lnSpc>
@@ -13936,15 +17370,19 @@
               </a:spcBef>
             </a:pPr>
             <a:r>
-              <a:rPr lang="fr-FR" sz="1200" b="1" dirty="0">
+              <a:rPr lang="en-US" sz="1200" b="1" spc="-15">
                 <a:solidFill>
                   <a:srgbClr val="FFFFFF"/>
                 </a:solidFill>
                 <a:latin typeface="Adobe Clean"/>
                 <a:cs typeface="Adobe Clean"/>
               </a:rPr>
-              <a:t>Assistance accélérée</a:t>
-            </a:r>
+              <a:t>Accelerated Support</a:t>
+            </a:r>
+            <a:endParaRPr sz="1200">
+              <a:latin typeface="Adobe Clean"/>
+              <a:cs typeface="Adobe Clean"/>
+            </a:endParaRPr>
           </a:p>
         </p:txBody>
       </p:sp>
@@ -13962,8 +17400,8 @@
         </p:nvSpPr>
         <p:spPr>
           <a:xfrm>
-            <a:off x="6509818" y="8543943"/>
-            <a:ext cx="744421" cy="382797"/>
+            <a:off x="6624119" y="8543943"/>
+            <a:ext cx="510540" cy="385445"/>
           </a:xfrm>
           <a:prstGeom prst="rect">
             <a:avLst/>
@@ -13975,7 +17413,7 @@
           </a:bodyPr>
           <a:lstStyle/>
           <a:p>
-            <a:pPr marR="5080" algn="ctr">
+            <a:pPr marL="50800" marR="5080" indent="-51435">
               <a:lnSpc>
                 <a:spcPts val="1390"/>
               </a:lnSpc>
@@ -13984,15 +17422,109 @@
               </a:spcBef>
             </a:pPr>
             <a:r>
-              <a:rPr lang="fr-FR" sz="1200" b="1" dirty="0">
+              <a:rPr sz="1200" b="1" spc="-50">
                 <a:solidFill>
                   <a:srgbClr val="FFFFFF"/>
                 </a:solidFill>
                 <a:latin typeface="Adobe Clean"/>
                 <a:cs typeface="Adobe Clean"/>
               </a:rPr>
-              <a:t>Conseil stratégique</a:t>
-            </a:r>
+              <a:t>S</a:t>
+            </a:r>
+            <a:r>
+              <a:rPr sz="1200" b="1" spc="-20">
+                <a:solidFill>
+                  <a:srgbClr val="FFFFFF"/>
+                </a:solidFill>
+                <a:latin typeface="Adobe Clean"/>
+                <a:cs typeface="Adobe Clean"/>
+              </a:rPr>
+              <a:t>t</a:t>
+            </a:r>
+            <a:r>
+              <a:rPr sz="1200" b="1" spc="-75">
+                <a:solidFill>
+                  <a:srgbClr val="FFFFFF"/>
+                </a:solidFill>
+                <a:latin typeface="Adobe Clean"/>
+                <a:cs typeface="Adobe Clean"/>
+              </a:rPr>
+              <a:t>r</a:t>
+            </a:r>
+            <a:r>
+              <a:rPr sz="1200" b="1" spc="-90">
+                <a:solidFill>
+                  <a:srgbClr val="FFFFFF"/>
+                </a:solidFill>
+                <a:latin typeface="Adobe Clean"/>
+                <a:cs typeface="Adobe Clean"/>
+              </a:rPr>
+              <a:t>a</a:t>
+            </a:r>
+            <a:r>
+              <a:rPr sz="1200" b="1" spc="-55">
+                <a:solidFill>
+                  <a:srgbClr val="FFFFFF"/>
+                </a:solidFill>
+                <a:latin typeface="Adobe Clean"/>
+                <a:cs typeface="Adobe Clean"/>
+              </a:rPr>
+              <a:t>t</a:t>
+            </a:r>
+            <a:r>
+              <a:rPr sz="1200" b="1" spc="-100">
+                <a:solidFill>
+                  <a:srgbClr val="FFFFFF"/>
+                </a:solidFill>
+                <a:latin typeface="Adobe Clean"/>
+                <a:cs typeface="Adobe Clean"/>
+              </a:rPr>
+              <a:t>e</a:t>
+            </a:r>
+            <a:r>
+              <a:rPr sz="1200" b="1" spc="-80">
+                <a:solidFill>
+                  <a:srgbClr val="FFFFFF"/>
+                </a:solidFill>
+                <a:latin typeface="Adobe Clean"/>
+                <a:cs typeface="Adobe Clean"/>
+              </a:rPr>
+              <a:t>g</a:t>
+            </a:r>
+            <a:r>
+              <a:rPr sz="1200" b="1" spc="-35">
+                <a:solidFill>
+                  <a:srgbClr val="FFFFFF"/>
+                </a:solidFill>
+                <a:latin typeface="Adobe Clean"/>
+                <a:cs typeface="Adobe Clean"/>
+              </a:rPr>
+              <a:t>i</a:t>
+            </a:r>
+            <a:r>
+              <a:rPr sz="1200" b="1">
+                <a:solidFill>
+                  <a:srgbClr val="FFFFFF"/>
+                </a:solidFill>
+                <a:latin typeface="Adobe Clean"/>
+                <a:cs typeface="Adobe Clean"/>
+              </a:rPr>
+              <a:t>c  </a:t>
+            </a:r>
+            <a:r>
+              <a:rPr sz="1200" b="1" spc="-45">
+                <a:solidFill>
+                  <a:srgbClr val="FFFFFF"/>
+                </a:solidFill>
+                <a:latin typeface="Adobe Clean"/>
+                <a:cs typeface="Adobe Clean"/>
+              </a:rPr>
+              <a:t>Advice</a:t>
+            </a:r>
+            <a:endParaRPr sz="1200">
+              <a:latin typeface="Adobe Clean"/>
+              <a:cs typeface="Adobe Clean"/>
+            </a:endParaRPr>
           </a:p>
         </p:txBody>
       </p:sp>
@@ -14011,14 +17543,14 @@
           <p:nvPr>
             <p:extLst>
               <p:ext uri="{D42A27DB-BD31-4B8C-83A1-F6EECF244321}">
-                <p14:modId xmlns:p14="http://schemas.microsoft.com/office/powerpoint/2010/main" val="663183330"/>
+                <p14:modId xmlns:p14="http://schemas.microsoft.com/office/powerpoint/2010/main" val="4232335107"/>
               </p:ext>
             </p:extLst>
           </p:nvPr>
         </p:nvGraphicFramePr>
         <p:xfrm>
           <a:off x="194237" y="1272353"/>
-          <a:ext cx="7368291" cy="3870960"/>
+          <a:ext cx="7368291" cy="2931160"/>
         </p:xfrm>
         <a:graphic>
           <a:graphicData uri="http://schemas.openxmlformats.org/drawingml/2006/table">
@@ -14049,17 +17581,25 @@
                     <a:lstStyle/>
                     <a:p>
                       <a:r>
-                        <a:rPr lang="fr-FR" sz="1100" b="0">
+                        <a:rPr lang="en-US" sz="1100" b="0" dirty="0">
                           <a:solidFill>
                             <a:schemeClr val="tx1"/>
                           </a:solidFill>
-                          <a:latin typeface="Adobe Clean" panose="020B0503020404020204" pitchFamily="34" charset="0"/>
+                          <a:latin typeface="Adobe Clean"/>
                           <a:ea typeface="+mn-ea"/>
                           <a:cs typeface="+mn-cs"/>
                           <a:hlinkClick r:id="rId7"/>
                         </a:rPr>
                         <a:t>Experience League</a:t>
                       </a:r>
+                      <a:endParaRPr lang="en-US" sz="1100" b="0" dirty="0">
+                        <a:solidFill>
+                          <a:schemeClr val="tx1"/>
+                        </a:solidFill>
+                        <a:latin typeface="Adobe Clean"/>
+                        <a:ea typeface="+mn-ea"/>
+                        <a:cs typeface="+mn-cs"/>
+                      </a:endParaRPr>
                     </a:p>
                   </a:txBody>
                   <a:tcPr marL="47625" marR="47625" marT="0" marB="0" anchor="ctr">
@@ -14115,7 +17655,7 @@
                     <a:bodyPr/>
                     <a:lstStyle/>
                     <a:p>
-                      <a:pPr marL="0" marR="0" lvl="0" indent="0" defTabSz="914400" eaLnBrk="1" fontAlgn="auto" latinLnBrk="0" hangingPunct="1">
+                      <a:pPr marL="0" marR="0" lvl="0" indent="0" eaLnBrk="1" fontAlgn="auto" latinLnBrk="0" hangingPunct="1">
                         <a:lnSpc>
                           <a:spcPct val="100000"/>
                         </a:lnSpc>
@@ -14129,52 +17669,26 @@
                         <a:buSzTx/>
                         <a:buFontTx/>
                         <a:buNone/>
-                        <a:tabLst/>
-                        <a:defRPr/>
                       </a:pPr>
                       <a:r>
-                        <a:rPr lang="fr-FR" sz="1000" b="0" dirty="0" err="1">
+                        <a:rPr lang="en-US" sz="1000" b="0" kern="1200" dirty="0">
                           <a:solidFill>
                             <a:srgbClr val="000000"/>
                           </a:solidFill>
-                          <a:latin typeface="Adobe Clean Light" panose="020B0303020404020204" pitchFamily="34" charset="0"/>
+                          <a:latin typeface="Adobe Clean Light"/>
                           <a:ea typeface="+mn-ea"/>
                           <a:cs typeface="+mn-cs"/>
                         </a:rPr>
-                        <a:t>Experience</a:t>
+                        <a:t>Experience League is how Adobe helps businesses achieve the value they expect from their Adobe investment. It’s the unified place where customers can learn, connect, and grow along a personalized path to success that includes self-help tutorials, product documentation, instructor-led training, community and technical support. </a:t>
                       </a:r>
-                      <a:r>
-                        <a:rPr lang="fr-FR" sz="1000" b="0" dirty="0">
-                          <a:solidFill>
-                            <a:srgbClr val="000000"/>
-                          </a:solidFill>
-                          <a:latin typeface="Adobe Clean Light" panose="020B0303020404020204" pitchFamily="34" charset="0"/>
-                          <a:ea typeface="+mn-ea"/>
-                          <a:cs typeface="+mn-cs"/>
-                        </a:rPr>
-                        <a:t> League est la manière dont Adobe aide les entreprises </a:t>
-                      </a:r>
-                      <a:br>
-                        <a:rPr lang="sk-SK" sz="1000" b="0" dirty="0">
-                          <a:solidFill>
-                            <a:srgbClr val="000000"/>
-                          </a:solidFill>
-                          <a:latin typeface="Adobe Clean Light" panose="020B0303020404020204" pitchFamily="34" charset="0"/>
-                          <a:ea typeface="+mn-ea"/>
-                          <a:cs typeface="+mn-cs"/>
-                        </a:rPr>
-                      </a:br>
-                      <a:r>
-                        <a:rPr lang="fr-FR" sz="1000" b="0" dirty="0">
-                          <a:solidFill>
-                            <a:srgbClr val="000000"/>
-                          </a:solidFill>
-                          <a:latin typeface="Adobe Clean Light" panose="020B0303020404020204" pitchFamily="34" charset="0"/>
-                          <a:ea typeface="+mn-ea"/>
-                          <a:cs typeface="+mn-cs"/>
-                        </a:rPr>
-                        <a:t>à atteindre la valeur qu’elles attendent de leur investissement dans Adobe. Il s’agit de l’endroit commun où les clients peuvent apprendre, se mettre en relation les uns avec les autres et grandir le long d’un chemin personnalisé vers le succès. Il comprend des tutoriels automatiques, de la documentation sur les produits, une formation dispensée par un instructeur, une communauté et une assistance technique. </a:t>
-                      </a:r>
+                      <a:endParaRPr lang="en-US" sz="1000" b="0" kern="1200">
+                        <a:solidFill>
+                          <a:srgbClr val="000000"/>
+                        </a:solidFill>
+                        <a:latin typeface="Adobe Clean Light" panose="020B0303020404020204" pitchFamily="34" charset="0"/>
+                        <a:ea typeface="+mn-ea"/>
+                        <a:cs typeface="+mn-cs"/>
+                      </a:endParaRPr>
                     </a:p>
                   </a:txBody>
                   <a:tcPr anchor="ctr">
@@ -14255,28 +17769,39 @@
                         <a:defRPr/>
                       </a:pPr>
                       <a:r>
-                        <a:rPr lang="fr-FR" sz="1100">
+                        <a:rPr lang="en-US" sz="1100" dirty="0">
                           <a:solidFill>
                             <a:schemeClr val="dk1"/>
                           </a:solidFill>
-                          <a:latin typeface="Adobe Clean" panose="020B0503020404020204" pitchFamily="34" charset="0"/>
+                          <a:effectLst/>
+                          <a:latin typeface="Adobe Clean"/>
                           <a:ea typeface="+mn-ea"/>
                           <a:cs typeface="+mn-cs"/>
                           <a:hlinkClick r:id="rId8"/>
                         </a:rPr>
-                        <a:t>Formation</a:t>
+                        <a:t>Training</a:t>
                       </a:r>
                       <a:r>
-                        <a:rPr lang="fr-FR" sz="1100">
+                        <a:rPr lang="en-US" sz="1100" dirty="0">
                           <a:solidFill>
                             <a:schemeClr val="dk1"/>
                           </a:solidFill>
-                          <a:latin typeface="Adobe Clean" panose="020B0503020404020204" pitchFamily="34" charset="0"/>
+                          <a:effectLst/>
+                          <a:latin typeface="Adobe Clean"/>
                           <a:ea typeface="+mn-ea"/>
                           <a:cs typeface="+mn-cs"/>
                         </a:rPr>
                         <a:t> </a:t>
                       </a:r>
+                      <a:endParaRPr lang="en-US" sz="1100" dirty="0">
+                        <a:solidFill>
+                          <a:schemeClr val="tx1"/>
+                        </a:solidFill>
+                        <a:effectLst/>
+                        <a:latin typeface="Adobe Clean"/>
+                        <a:ea typeface="+mn-ea"/>
+                        <a:cs typeface="+mn-cs"/>
+                      </a:endParaRPr>
                     </a:p>
                   </a:txBody>
                   <a:tcPr anchor="ctr">
@@ -14350,58 +17875,15 @@
                         <a:defRPr/>
                       </a:pPr>
                       <a:r>
-                        <a:rPr lang="fr-FR" sz="1000" dirty="0">
+                        <a:rPr lang="en-US" sz="1000" kern="1200" dirty="0">
                           <a:solidFill>
                             <a:srgbClr val="000000"/>
                           </a:solidFill>
-                          <a:latin typeface="Adobe Clean Light" panose="020B0303020404020204" pitchFamily="34" charset="0"/>
+                          <a:latin typeface="Adobe Clean Light"/>
                           <a:ea typeface="+mn-ea"/>
                           <a:cs typeface="+mn-cs"/>
                         </a:rPr>
-                        <a:t>Les cours sur les services de formation numérique d’Adobe sont accessibles depuis </a:t>
-                      </a:r>
-                      <a:r>
-                        <a:rPr lang="fr-FR" sz="1000" dirty="0" err="1">
-                          <a:solidFill>
-                            <a:srgbClr val="000000"/>
-                          </a:solidFill>
-                          <a:latin typeface="Adobe Clean Light" panose="020B0303020404020204" pitchFamily="34" charset="0"/>
-                          <a:ea typeface="+mn-ea"/>
-                          <a:cs typeface="+mn-cs"/>
-                        </a:rPr>
-                        <a:t>Experience</a:t>
-                      </a:r>
-                      <a:r>
-                        <a:rPr lang="fr-FR" sz="1000" dirty="0">
-                          <a:solidFill>
-                            <a:srgbClr val="000000"/>
-                          </a:solidFill>
-                          <a:latin typeface="Adobe Clean Light" panose="020B0303020404020204" pitchFamily="34" charset="0"/>
-                          <a:ea typeface="+mn-ea"/>
-                          <a:cs typeface="+mn-cs"/>
-                        </a:rPr>
-                        <a:t> League. Les cours de formation regroupent des cours à la demande et des cours dispensés par un instructeur.  Grâce à ces cours, vous pouvez acquérir des compétences qui présentent une valeur marchande reconnue et les disposer </a:t>
-                      </a:r>
-                      <a:br>
-                        <a:rPr lang="sk-SK" sz="1000" dirty="0">
-                          <a:solidFill>
-                            <a:srgbClr val="000000"/>
-                          </a:solidFill>
-                          <a:latin typeface="Adobe Clean Light" panose="020B0303020404020204" pitchFamily="34" charset="0"/>
-                          <a:ea typeface="+mn-ea"/>
-                          <a:cs typeface="+mn-cs"/>
-                        </a:rPr>
-                      </a:br>
-                      <a:r>
-                        <a:rPr lang="fr-FR" sz="1000" dirty="0">
-                          <a:solidFill>
-                            <a:srgbClr val="000000"/>
-                          </a:solidFill>
-                          <a:latin typeface="Adobe Clean Light" panose="020B0303020404020204" pitchFamily="34" charset="0"/>
-                          <a:ea typeface="+mn-ea"/>
-                          <a:cs typeface="+mn-cs"/>
-                        </a:rPr>
-                        <a:t>de manière à stimuler le succès de vos entreprises.</a:t>
+                        <a:t>Adobe Digital Learning Services courses are accessible from Experience League. Learning courses integrate both on-demand and instructor-led lessons.  Here you can accrue skills that have recognized market value and position them to drive success in your organizations.</a:t>
                       </a:r>
                     </a:p>
                   </a:txBody>
@@ -14483,17 +17965,27 @@
                         <a:defRPr/>
                       </a:pPr>
                       <a:r>
-                        <a:rPr lang="fr-FR" sz="1100">
+                        <a:rPr lang="en-US" sz="1100" dirty="0">
                           <a:solidFill>
                             <a:schemeClr val="tx1"/>
                           </a:solidFill>
-                          <a:latin typeface="Adobe Clean" panose="020B0503020404020204" pitchFamily="34" charset="0"/>
+                          <a:effectLst/>
+                          <a:latin typeface="Adobe Clean"/>
                           <a:ea typeface="+mn-ea"/>
                           <a:cs typeface="+mn-cs"/>
                           <a:hlinkClick r:id="rId9"/>
                         </a:rPr>
-                        <a:t>Problèmes de production et panne du système</a:t>
+                        <a:t>Production Issues &amp; System Outages</a:t>
                       </a:r>
+                      <a:endParaRPr lang="en-US" sz="1100" dirty="0">
+                        <a:solidFill>
+                          <a:schemeClr val="tx1"/>
+                        </a:solidFill>
+                        <a:effectLst/>
+                        <a:latin typeface="Adobe Clean"/>
+                        <a:ea typeface="+mn-ea"/>
+                        <a:cs typeface="+mn-cs"/>
+                      </a:endParaRPr>
                     </a:p>
                   </a:txBody>
                   <a:tcPr anchor="ctr">
@@ -14549,7 +18041,7 @@
                     <a:bodyPr/>
                     <a:lstStyle/>
                     <a:p>
-                      <a:pPr marL="0" marR="0" lvl="0" indent="0" defTabSz="914400" eaLnBrk="1" fontAlgn="auto" latinLnBrk="0" hangingPunct="1">
+                      <a:pPr marL="0" marR="0" lvl="0" indent="0" eaLnBrk="1" fontAlgn="auto" latinLnBrk="0" hangingPunct="1">
                         <a:lnSpc>
                           <a:spcPct val="100000"/>
                         </a:lnSpc>
@@ -14563,20 +18055,26 @@
                         <a:buSzTx/>
                         <a:buFontTx/>
                         <a:buNone/>
-                        <a:tabLst/>
-                        <a:defRPr/>
                       </a:pPr>
                       <a:r>
-                        <a:rPr lang="fr-FR" sz="1000">
+                        <a:rPr lang="en-US" sz="1000" kern="1200" dirty="0">
                           <a:solidFill>
                             <a:srgbClr val="000000"/>
                           </a:solidFill>
-                          <a:latin typeface="Adobe Clean Light" panose="020B0303020404020204" pitchFamily="34" charset="0"/>
+                          <a:latin typeface="Adobe Clean Light"/>
                           <a:ea typeface="+mn-ea"/>
                           <a:cs typeface="+mn-cs"/>
                         </a:rPr>
-                        <a:t>Status.adobe.com transmet les informations d’intégrité de tous les produits et services d’Adobe déployés dans des environnements multi-entité. Les clients peuvent choisir leurs préférences d’abonnement afin de recevoir des notifications par e-mail chaque fois qu’Adobe crée, met à jour ou résout un événement de produit. Cet événement peut inclure des problèmes de maintenance planifiée ou de service présentant différents niveaux de gravité. </a:t>
+                        <a:t>Status.adobe.com conveys the health information of all Adobe products and services that are deployed in multi-tenant environments. Customers can choose their subscription preferences to get email notifications whenever Adobe creates, updates or resolves a product event. This can include scheduled maintenance or service issues of varying levels of severity. </a:t>
                       </a:r>
+                      <a:endParaRPr lang="en-US" sz="1000" kern="1200">
+                        <a:solidFill>
+                          <a:srgbClr val="000000"/>
+                        </a:solidFill>
+                        <a:latin typeface="Adobe Clean Light" panose="020B0303020404020204" pitchFamily="34" charset="0"/>
+                        <a:ea typeface="+mn-ea"/>
+                        <a:cs typeface="+mn-cs"/>
+                      </a:endParaRPr>
                     </a:p>
                   </a:txBody>
                   <a:tcPr anchor="ctr">
@@ -14657,17 +18155,27 @@
                         <a:defRPr/>
                       </a:pPr>
                       <a:r>
-                        <a:rPr lang="fr-FR" sz="1100">
+                        <a:rPr lang="en-US" sz="1100" dirty="0">
                           <a:solidFill>
                             <a:schemeClr val="tx1"/>
                           </a:solidFill>
-                          <a:latin typeface="Adobe Clean" panose="020B0503020404020204" pitchFamily="34" charset="0"/>
+                          <a:effectLst/>
+                          <a:latin typeface="Adobe Clean"/>
                           <a:ea typeface="+mn-ea"/>
                           <a:cs typeface="+mn-cs"/>
                           <a:hlinkClick r:id="rId10"/>
                         </a:rPr>
-                        <a:t>Termes et conditions</a:t>
+                        <a:t>Terms and Conditions</a:t>
                       </a:r>
+                      <a:endParaRPr lang="en-US" sz="1100" dirty="0">
+                        <a:solidFill>
+                          <a:schemeClr val="tx1"/>
+                        </a:solidFill>
+                        <a:effectLst/>
+                        <a:latin typeface="Adobe Clean"/>
+                        <a:ea typeface="+mn-ea"/>
+                        <a:cs typeface="+mn-cs"/>
+                      </a:endParaRPr>
                     </a:p>
                   </a:txBody>
                   <a:tcPr anchor="ctr">
@@ -14724,16 +18232,24 @@
                     <a:lstStyle/>
                     <a:p>
                       <a:r>
-                        <a:rPr lang="fr-FR" sz="1000" dirty="0">
+                        <a:rPr lang="en-US" sz="1000" kern="1200" dirty="0">
                           <a:solidFill>
                             <a:srgbClr val="000000"/>
                           </a:solidFill>
-                          <a:latin typeface="Adobe Clean Light" panose="020B0303020404020204" pitchFamily="34" charset="0"/>
+                          <a:latin typeface="Adobe Clean Light"/>
                           <a:ea typeface="+mn-ea"/>
                           <a:cs typeface="+mn-cs"/>
                         </a:rPr>
-                        <a:t>Il s’agit des termes et conditions détaillant les offres des services d’assistance</a:t>
+                        <a:t>Terms and conditions detailing Support Services offerings.</a:t>
                       </a:r>
+                      <a:endParaRPr lang="en-US" sz="1000" kern="1200" dirty="0">
+                        <a:solidFill>
+                          <a:srgbClr val="000000"/>
+                        </a:solidFill>
+                        <a:latin typeface="Adobe Clean Light" panose="020B0303020404020204" pitchFamily="34" charset="0"/>
+                        <a:ea typeface="+mn-ea"/>
+                        <a:cs typeface="+mn-cs"/>
+                      </a:endParaRPr>
                     </a:p>
                   </a:txBody>
                   <a:tcPr anchor="ctr">
@@ -15503,12 +19019,6 @@
 </file>
 
 <file path=customXml/item1.xml><?xml version="1.0" encoding="utf-8"?>
-<p:properties xmlns:p="http://schemas.microsoft.com/office/2006/metadata/properties" xmlns:xsi="http://www.w3.org/2001/XMLSchema-instance" xmlns:pc="http://schemas.microsoft.com/office/infopath/2007/PartnerControls">
-  <documentManagement/>
-</p:properties>
-</file>
-
-<file path=customXml/item2.xml><?xml version="1.0" encoding="utf-8"?>
 <ct:contentTypeSchema xmlns:ct="http://schemas.microsoft.com/office/2006/metadata/contentType" xmlns:ma="http://schemas.microsoft.com/office/2006/metadata/properties/metaAttributes" ct:_="" ma:_="" ma:contentTypeName="Document" ma:contentTypeID="0x010100E783BF6876BCC646A459363AF21A7736" ma:contentTypeVersion="10" ma:contentTypeDescription="Create a new document." ma:contentTypeScope="" ma:versionID="c4ffda7f4f415767600769e454c2ea87">
   <xsd:schema xmlns:xsd="http://www.w3.org/2001/XMLSchema" xmlns:xs="http://www.w3.org/2001/XMLSchema" xmlns:p="http://schemas.microsoft.com/office/2006/metadata/properties" xmlns:ns2="8a053bff-88be-49e4-9a87-e748e18b8b62" xmlns:ns3="6c8368ec-3776-49b5-a5bb-90648cf9530f" targetNamespace="http://schemas.microsoft.com/office/2006/metadata/properties" ma:root="true" ma:fieldsID="df3ec33bccc23e23bce7bc897fad43d1" ns2:_="" ns3:_="">
     <xsd:import namespace="8a053bff-88be-49e4-9a87-e748e18b8b62"/>
@@ -15713,7 +19223,7 @@
 </ct:contentTypeSchema>
 </file>
 
-<file path=customXml/item3.xml><?xml version="1.0" encoding="utf-8"?>
+<file path=customXml/item2.xml><?xml version="1.0" encoding="utf-8"?>
 <?mso-contentType ?>
 <FormTemplates xmlns="http://schemas.microsoft.com/sharepoint/v3/contenttype/forms">
   <Display>DocumentLibraryForm</Display>
@@ -15722,16 +19232,13 @@
 </FormTemplates>
 </file>
 
-<file path=customXml/itemProps1.xml><?xml version="1.0" encoding="utf-8"?>
-<ds:datastoreItem xmlns:ds="http://schemas.openxmlformats.org/officeDocument/2006/customXml" ds:itemID="{ED4099BE-EDEC-4FF1-8378-446617236015}">
-  <ds:schemaRefs>
-    <ds:schemaRef ds:uri="http://schemas.microsoft.com/office/2006/metadata/properties"/>
-    <ds:schemaRef ds:uri="http://schemas.microsoft.com/office/infopath/2007/PartnerControls"/>
-  </ds:schemaRefs>
-</ds:datastoreItem>
+<file path=customXml/item3.xml><?xml version="1.0" encoding="utf-8"?>
+<p:properties xmlns:p="http://schemas.microsoft.com/office/2006/metadata/properties" xmlns:xsi="http://www.w3.org/2001/XMLSchema-instance" xmlns:pc="http://schemas.microsoft.com/office/infopath/2007/PartnerControls">
+  <documentManagement/>
+</p:properties>
 </file>
 
-<file path=customXml/itemProps2.xml><?xml version="1.0" encoding="utf-8"?>
+<file path=customXml/itemProps1.xml><?xml version="1.0" encoding="utf-8"?>
 <ds:datastoreItem xmlns:ds="http://schemas.openxmlformats.org/officeDocument/2006/customXml" ds:itemID="{FB2EBF8D-136B-48EC-8FC0-F70C0583664B}">
   <ds:schemaRefs>
     <ds:schemaRef ds:uri="6c8368ec-3776-49b5-a5bb-90648cf9530f"/>
@@ -15750,10 +19257,27 @@
 </ds:datastoreItem>
 </file>
 
-<file path=customXml/itemProps3.xml><?xml version="1.0" encoding="utf-8"?>
+<file path=customXml/itemProps2.xml><?xml version="1.0" encoding="utf-8"?>
 <ds:datastoreItem xmlns:ds="http://schemas.openxmlformats.org/officeDocument/2006/customXml" ds:itemID="{941989CE-20BB-4A6A-A33F-71A1AE469C3E}">
   <ds:schemaRefs>
     <ds:schemaRef ds:uri="http://schemas.microsoft.com/sharepoint/v3/contenttype/forms"/>
   </ds:schemaRefs>
 </ds:datastoreItem>
+</file>
+
+<file path=customXml/itemProps3.xml><?xml version="1.0" encoding="utf-8"?>
+<ds:datastoreItem xmlns:ds="http://schemas.openxmlformats.org/officeDocument/2006/customXml" ds:itemID="{ED4099BE-EDEC-4FF1-8378-446617236015}">
+  <ds:schemaRefs>
+    <ds:schemaRef ds:uri="6c8368ec-3776-49b5-a5bb-90648cf9530f"/>
+    <ds:schemaRef ds:uri="8a053bff-88be-49e4-9a87-e748e18b8b62"/>
+    <ds:schemaRef ds:uri="http://purl.org/dc/dcmitype/"/>
+    <ds:schemaRef ds:uri="http://purl.org/dc/elements/1.1/"/>
+    <ds:schemaRef ds:uri="http://purl.org/dc/terms/"/>
+    <ds:schemaRef ds:uri="http://schemas.microsoft.com/office/2006/documentManagement/types"/>
+    <ds:schemaRef ds:uri="http://schemas.microsoft.com/office/2006/metadata/properties"/>
+    <ds:schemaRef ds:uri="http://schemas.microsoft.com/office/infopath/2007/PartnerControls"/>
+    <ds:schemaRef ds:uri="http://schemas.openxmlformats.org/package/2006/metadata/core-properties"/>
+    <ds:schemaRef ds:uri="http://www.w3.org/XML/1998/namespace"/>
+  </ds:schemaRefs>
+</ds:datastoreItem>
 </file>
--- a/help/data-sheets/assets/EnterpriseSupportDatasheet.pptx
+++ b/help/data-sheets/assets/EnterpriseSupportDatasheet.pptx
@@ -144,9 +144,13 @@
 <file path=ppt/revisionInfo.xml><?xml version="1.0" encoding="utf-8"?>
 <p1510:revInfo xmlns:a="http://schemas.openxmlformats.org/drawingml/2006/main" xmlns:r="http://schemas.openxmlformats.org/officeDocument/2006/relationships" xmlns:p1510="http://schemas.microsoft.com/office/powerpoint/2015/10/main">
   <p1510:revLst>
-    <p1510:client id="{19826C17-B3F5-53A1-AAFF-C7771804C7A7}" v="128" dt="2021-10-13T18:50:39.613"/>
-    <p1510:client id="{1A3D389F-0E00-444F-BDF7-5C174E20EEC2}" v="2" dt="2021-10-13T19:33:05.183"/>
-    <p1510:client id="{D02E726A-82A5-CF13-9EBE-9B674D878D37}" v="22" dt="2021-10-12T19:51:27.470"/>
+    <p1510:client id="{0AB2EF93-BE08-D205-D43E-3B568BB37DAA}" v="26" dt="2021-09-22T23:01:49.517"/>
+    <p1510:client id="{0AC6A3A1-0788-C69A-5EFD-279F3FA2CF0F}" v="51" dt="2021-09-22T18:56:17.553"/>
+    <p1510:client id="{112231ED-4F38-A856-2EFF-9D0F88AC9BDF}" v="3" dt="2021-09-22T19:11:31.474"/>
+    <p1510:client id="{3CA2F123-FAC9-2CDD-7937-C83283BA7837}" v="1" dt="2021-09-16T20:58:19.458"/>
+    <p1510:client id="{3F02B349-0406-AE51-D438-E7A0BE890230}" v="20" dt="2021-08-25T18:45:08.206"/>
+    <p1510:client id="{A40C3D7D-993B-38B2-2DDA-C562505A1054}" v="4" dt="2021-09-22T23:00:46.860"/>
+    <p1510:client id="{BAC4F85F-6423-7248-85C4-44132DA97563}" v="77" dt="2021-08-07T08:51:03.454"/>
   </p1510:revLst>
 </p1510:revInfo>
 </file>
@@ -154,20 +158,52 @@
 <file path=ppt/changesInfos/changesInfo1.xml><?xml version="1.0" encoding="utf-8"?>
 <pc:chgInfo xmlns:a="http://schemas.openxmlformats.org/drawingml/2006/main" xmlns:r="http://schemas.openxmlformats.org/officeDocument/2006/relationships" xmlns:ac="http://schemas.microsoft.com/office/drawing/2013/main/command" xmlns:pc="http://schemas.microsoft.com/office/powerpoint/2013/main/command">
   <pc:docChgLst>
-    <pc:chgData name="Akilah Johnson" userId="S::akjohnso@adobe.com::2fa3aa60-0c9c-4d06-bae2-795983241227" providerId="AD" clId="Web-{A40C3D7D-993B-38B2-2DDA-C562505A1054}"/>
+    <pc:chgData name="Akilah Johnson" userId="S::akjohnso@adobe.com::2fa3aa60-0c9c-4d06-bae2-795983241227" providerId="AD" clId="Web-{0AB2EF93-BE08-D205-D43E-3B568BB37DAA}"/>
     <pc:docChg chg="modSld">
-      <pc:chgData name="Akilah Johnson" userId="S::akjohnso@adobe.com::2fa3aa60-0c9c-4d06-bae2-795983241227" providerId="AD" clId="Web-{A40C3D7D-993B-38B2-2DDA-C562505A1054}" dt="2021-09-22T23:00:46.860" v="3"/>
+      <pc:chgData name="Akilah Johnson" userId="S::akjohnso@adobe.com::2fa3aa60-0c9c-4d06-bae2-795983241227" providerId="AD" clId="Web-{0AB2EF93-BE08-D205-D43E-3B568BB37DAA}" dt="2021-09-22T23:01:45.877" v="13"/>
       <pc:docMkLst>
         <pc:docMk/>
       </pc:docMkLst>
       <pc:sldChg chg="modSp">
-        <pc:chgData name="Akilah Johnson" userId="S::akjohnso@adobe.com::2fa3aa60-0c9c-4d06-bae2-795983241227" providerId="AD" clId="Web-{A40C3D7D-993B-38B2-2DDA-C562505A1054}" dt="2021-09-22T23:00:46.860" v="3"/>
+        <pc:chgData name="Akilah Johnson" userId="S::akjohnso@adobe.com::2fa3aa60-0c9c-4d06-bae2-795983241227" providerId="AD" clId="Web-{0AB2EF93-BE08-D205-D43E-3B568BB37DAA}" dt="2021-09-22T23:01:45.877" v="13"/>
         <pc:sldMkLst>
           <pc:docMk/>
           <pc:sldMk cId="1050037809" sldId="261"/>
         </pc:sldMkLst>
         <pc:graphicFrameChg chg="mod modGraphic">
-          <ac:chgData name="Akilah Johnson" userId="S::akjohnso@adobe.com::2fa3aa60-0c9c-4d06-bae2-795983241227" providerId="AD" clId="Web-{A40C3D7D-993B-38B2-2DDA-C562505A1054}" dt="2021-09-22T23:00:46.860" v="3"/>
+          <ac:chgData name="Akilah Johnson" userId="S::akjohnso@adobe.com::2fa3aa60-0c9c-4d06-bae2-795983241227" providerId="AD" clId="Web-{0AB2EF93-BE08-D205-D43E-3B568BB37DAA}" dt="2021-09-22T23:01:45.877" v="13"/>
+          <ac:graphicFrameMkLst>
+            <pc:docMk/>
+            <pc:sldMk cId="1050037809" sldId="261"/>
+            <ac:graphicFrameMk id="25" creationId="{3A91F5B0-3974-A14D-A146-FB590F2AAD18}"/>
+          </ac:graphicFrameMkLst>
+        </pc:graphicFrameChg>
+      </pc:sldChg>
+    </pc:docChg>
+  </pc:docChgLst>
+  <pc:docChgLst>
+    <pc:chgData name="Akilah Johnson" userId="S::akjohnso@adobe.com::2fa3aa60-0c9c-4d06-bae2-795983241227" providerId="AD" clId="Web-{0AC6A3A1-0788-C69A-5EFD-279F3FA2CF0F}"/>
+    <pc:docChg chg="modSld">
+      <pc:chgData name="Akilah Johnson" userId="S::akjohnso@adobe.com::2fa3aa60-0c9c-4d06-bae2-795983241227" providerId="AD" clId="Web-{0AC6A3A1-0788-C69A-5EFD-279F3FA2CF0F}" dt="2021-09-22T18:56:17.553" v="29"/>
+      <pc:docMkLst>
+        <pc:docMk/>
+      </pc:docMkLst>
+      <pc:sldChg chg="modSp delCm">
+        <pc:chgData name="Akilah Johnson" userId="S::akjohnso@adobe.com::2fa3aa60-0c9c-4d06-bae2-795983241227" providerId="AD" clId="Web-{0AC6A3A1-0788-C69A-5EFD-279F3FA2CF0F}" dt="2021-09-22T18:56:17.553" v="29"/>
+        <pc:sldMkLst>
+          <pc:docMk/>
+          <pc:sldMk cId="1050037809" sldId="261"/>
+        </pc:sldMkLst>
+        <pc:spChg chg="mod">
+          <ac:chgData name="Akilah Johnson" userId="S::akjohnso@adobe.com::2fa3aa60-0c9c-4d06-bae2-795983241227" providerId="AD" clId="Web-{0AC6A3A1-0788-C69A-5EFD-279F3FA2CF0F}" dt="2021-09-22T18:55:46.585" v="16" actId="20577"/>
+          <ac:spMkLst>
+            <pc:docMk/>
+            <pc:sldMk cId="1050037809" sldId="261"/>
+            <ac:spMk id="64" creationId="{41467BDC-3D83-D844-B922-CD07E94E5AAB}"/>
+          </ac:spMkLst>
+        </pc:spChg>
+        <pc:graphicFrameChg chg="mod modGraphic">
+          <ac:chgData name="Akilah Johnson" userId="S::akjohnso@adobe.com::2fa3aa60-0c9c-4d06-bae2-795983241227" providerId="AD" clId="Web-{0AC6A3A1-0788-C69A-5EFD-279F3FA2CF0F}" dt="2021-09-22T18:55:59.928" v="28"/>
           <ac:graphicFrameMkLst>
             <pc:docMk/>
             <pc:sldMk cId="1050037809" sldId="261"/>
@@ -210,86 +246,6 @@
     </pc:docChg>
   </pc:docChgLst>
   <pc:docChgLst>
-    <pc:chgData name="Akilah Johnson" userId="S::akjohnso@adobe.com::2fa3aa60-0c9c-4d06-bae2-795983241227" providerId="AD" clId="Web-{0AC6A3A1-0788-C69A-5EFD-279F3FA2CF0F}"/>
-    <pc:docChg chg="modSld">
-      <pc:chgData name="Akilah Johnson" userId="S::akjohnso@adobe.com::2fa3aa60-0c9c-4d06-bae2-795983241227" providerId="AD" clId="Web-{0AC6A3A1-0788-C69A-5EFD-279F3FA2CF0F}" dt="2021-09-22T18:56:17.553" v="29"/>
-      <pc:docMkLst>
-        <pc:docMk/>
-      </pc:docMkLst>
-      <pc:sldChg chg="modSp delCm">
-        <pc:chgData name="Akilah Johnson" userId="S::akjohnso@adobe.com::2fa3aa60-0c9c-4d06-bae2-795983241227" providerId="AD" clId="Web-{0AC6A3A1-0788-C69A-5EFD-279F3FA2CF0F}" dt="2021-09-22T18:56:17.553" v="29"/>
-        <pc:sldMkLst>
-          <pc:docMk/>
-          <pc:sldMk cId="1050037809" sldId="261"/>
-        </pc:sldMkLst>
-        <pc:spChg chg="mod">
-          <ac:chgData name="Akilah Johnson" userId="S::akjohnso@adobe.com::2fa3aa60-0c9c-4d06-bae2-795983241227" providerId="AD" clId="Web-{0AC6A3A1-0788-C69A-5EFD-279F3FA2CF0F}" dt="2021-09-22T18:55:46.585" v="16" actId="20577"/>
-          <ac:spMkLst>
-            <pc:docMk/>
-            <pc:sldMk cId="1050037809" sldId="261"/>
-            <ac:spMk id="64" creationId="{41467BDC-3D83-D844-B922-CD07E94E5AAB}"/>
-          </ac:spMkLst>
-        </pc:spChg>
-        <pc:graphicFrameChg chg="mod modGraphic">
-          <ac:chgData name="Akilah Johnson" userId="S::akjohnso@adobe.com::2fa3aa60-0c9c-4d06-bae2-795983241227" providerId="AD" clId="Web-{0AC6A3A1-0788-C69A-5EFD-279F3FA2CF0F}" dt="2021-09-22T18:55:59.928" v="28"/>
-          <ac:graphicFrameMkLst>
-            <pc:docMk/>
-            <pc:sldMk cId="1050037809" sldId="261"/>
-            <ac:graphicFrameMk id="25" creationId="{3A91F5B0-3974-A14D-A146-FB590F2AAD18}"/>
-          </ac:graphicFrameMkLst>
-        </pc:graphicFrameChg>
-      </pc:sldChg>
-    </pc:docChg>
-  </pc:docChgLst>
-  <pc:docChgLst>
-    <pc:chgData name="Akilah Johnson" userId="S::akjohnso@adobe.com::2fa3aa60-0c9c-4d06-bae2-795983241227" providerId="AD" clId="Web-{D02E726A-82A5-CF13-9EBE-9B674D878D37}"/>
-    <pc:docChg chg="modSld">
-      <pc:chgData name="Akilah Johnson" userId="S::akjohnso@adobe.com::2fa3aa60-0c9c-4d06-bae2-795983241227" providerId="AD" clId="Web-{D02E726A-82A5-CF13-9EBE-9B674D878D37}" dt="2021-10-12T19:51:27.470" v="10"/>
-      <pc:docMkLst>
-        <pc:docMk/>
-      </pc:docMkLst>
-      <pc:sldChg chg="modSp delCm">
-        <pc:chgData name="Akilah Johnson" userId="S::akjohnso@adobe.com::2fa3aa60-0c9c-4d06-bae2-795983241227" providerId="AD" clId="Web-{D02E726A-82A5-CF13-9EBE-9B674D878D37}" dt="2021-10-12T19:51:27.470" v="10"/>
-        <pc:sldMkLst>
-          <pc:docMk/>
-          <pc:sldMk cId="2161849182" sldId="267"/>
-        </pc:sldMkLst>
-        <pc:spChg chg="mod">
-          <ac:chgData name="Akilah Johnson" userId="S::akjohnso@adobe.com::2fa3aa60-0c9c-4d06-bae2-795983241227" providerId="AD" clId="Web-{D02E726A-82A5-CF13-9EBE-9B674D878D37}" dt="2021-10-12T19:51:04.127" v="8" actId="20577"/>
-          <ac:spMkLst>
-            <pc:docMk/>
-            <pc:sldMk cId="2161849182" sldId="267"/>
-            <ac:spMk id="2" creationId="{00000000-0000-0000-0000-000000000000}"/>
-          </ac:spMkLst>
-        </pc:spChg>
-      </pc:sldChg>
-    </pc:docChg>
-  </pc:docChgLst>
-  <pc:docChgLst>
-    <pc:chgData name="Akilah Johnson" userId="S::akjohnso@adobe.com::2fa3aa60-0c9c-4d06-bae2-795983241227" providerId="AD" clId="Web-{0AB2EF93-BE08-D205-D43E-3B568BB37DAA}"/>
-    <pc:docChg chg="modSld">
-      <pc:chgData name="Akilah Johnson" userId="S::akjohnso@adobe.com::2fa3aa60-0c9c-4d06-bae2-795983241227" providerId="AD" clId="Web-{0AB2EF93-BE08-D205-D43E-3B568BB37DAA}" dt="2021-09-22T23:01:45.877" v="13"/>
-      <pc:docMkLst>
-        <pc:docMk/>
-      </pc:docMkLst>
-      <pc:sldChg chg="modSp">
-        <pc:chgData name="Akilah Johnson" userId="S::akjohnso@adobe.com::2fa3aa60-0c9c-4d06-bae2-795983241227" providerId="AD" clId="Web-{0AB2EF93-BE08-D205-D43E-3B568BB37DAA}" dt="2021-09-22T23:01:45.877" v="13"/>
-        <pc:sldMkLst>
-          <pc:docMk/>
-          <pc:sldMk cId="1050037809" sldId="261"/>
-        </pc:sldMkLst>
-        <pc:graphicFrameChg chg="mod modGraphic">
-          <ac:chgData name="Akilah Johnson" userId="S::akjohnso@adobe.com::2fa3aa60-0c9c-4d06-bae2-795983241227" providerId="AD" clId="Web-{0AB2EF93-BE08-D205-D43E-3B568BB37DAA}" dt="2021-09-22T23:01:45.877" v="13"/>
-          <ac:graphicFrameMkLst>
-            <pc:docMk/>
-            <pc:sldMk cId="1050037809" sldId="261"/>
-            <ac:graphicFrameMk id="25" creationId="{3A91F5B0-3974-A14D-A146-FB590F2AAD18}"/>
-          </ac:graphicFrameMkLst>
-        </pc:graphicFrameChg>
-      </pc:sldChg>
-    </pc:docChg>
-  </pc:docChgLst>
-  <pc:docChgLst>
     <pc:chgData name="Andy Witt" userId="S::awitt@adobe.com::e9157bdf-53b2-40e4-9459-936793d75696" providerId="AD" clId="Web-{3F02B349-0406-AE51-D438-E7A0BE890230}"/>
     <pc:docChg chg="modSld">
       <pc:chgData name="Andy Witt" userId="S::awitt@adobe.com::e9157bdf-53b2-40e4-9459-936793d75696" providerId="AD" clId="Web-{3F02B349-0406-AE51-D438-E7A0BE890230}" dt="2021-08-25T18:45:07.550" v="11"/>
@@ -308,61 +264,6 @@
             <pc:docMk/>
             <pc:sldMk cId="1050037809" sldId="261"/>
             <ac:graphicFrameMk id="25" creationId="{3A91F5B0-3974-A14D-A146-FB590F2AAD18}"/>
-          </ac:graphicFrameMkLst>
-        </pc:graphicFrameChg>
-      </pc:sldChg>
-    </pc:docChg>
-  </pc:docChgLst>
-  <pc:docChgLst>
-    <pc:chgData name="Lauren Schutte" userId="6e08b2d3-447a-4d66-86be-444d50df187f" providerId="ADAL" clId="{1A3D389F-0E00-444F-BDF7-5C174E20EEC2}"/>
-    <pc:docChg chg="undo custSel modSld">
-      <pc:chgData name="Lauren Schutte" userId="6e08b2d3-447a-4d66-86be-444d50df187f" providerId="ADAL" clId="{1A3D389F-0E00-444F-BDF7-5C174E20EEC2}" dt="2021-10-13T19:40:59.066" v="67" actId="20577"/>
-      <pc:docMkLst>
-        <pc:docMk/>
-      </pc:docMkLst>
-      <pc:sldChg chg="delSp modSp mod">
-        <pc:chgData name="Lauren Schutte" userId="6e08b2d3-447a-4d66-86be-444d50df187f" providerId="ADAL" clId="{1A3D389F-0E00-444F-BDF7-5C174E20EEC2}" dt="2021-10-13T19:40:25.578" v="61" actId="478"/>
-        <pc:sldMkLst>
-          <pc:docMk/>
-          <pc:sldMk cId="5960377" sldId="259"/>
-        </pc:sldMkLst>
-        <pc:spChg chg="mod">
-          <ac:chgData name="Lauren Schutte" userId="6e08b2d3-447a-4d66-86be-444d50df187f" providerId="ADAL" clId="{1A3D389F-0E00-444F-BDF7-5C174E20EEC2}" dt="2021-10-13T19:33:45.182" v="59" actId="20577"/>
-          <ac:spMkLst>
-            <pc:docMk/>
-            <pc:sldMk cId="5960377" sldId="259"/>
-            <ac:spMk id="127" creationId="{BB896A03-8E7E-344F-BDE1-37C49461FF04}"/>
-          </ac:spMkLst>
-        </pc:spChg>
-        <pc:grpChg chg="del mod">
-          <ac:chgData name="Lauren Schutte" userId="6e08b2d3-447a-4d66-86be-444d50df187f" providerId="ADAL" clId="{1A3D389F-0E00-444F-BDF7-5C174E20EEC2}" dt="2021-10-13T19:40:25.578" v="61" actId="478"/>
-          <ac:grpSpMkLst>
-            <pc:docMk/>
-            <pc:sldMk cId="5960377" sldId="259"/>
-            <ac:grpSpMk id="62" creationId="{C539739D-1D3E-204D-9819-C44D9AE36DE8}"/>
-          </ac:grpSpMkLst>
-        </pc:grpChg>
-      </pc:sldChg>
-      <pc:sldChg chg="modSp mod">
-        <pc:chgData name="Lauren Schutte" userId="6e08b2d3-447a-4d66-86be-444d50df187f" providerId="ADAL" clId="{1A3D389F-0E00-444F-BDF7-5C174E20EEC2}" dt="2021-10-13T19:40:59.066" v="67" actId="20577"/>
-        <pc:sldMkLst>
-          <pc:docMk/>
-          <pc:sldMk cId="2161849182" sldId="267"/>
-        </pc:sldMkLst>
-        <pc:spChg chg="mod">
-          <ac:chgData name="Lauren Schutte" userId="6e08b2d3-447a-4d66-86be-444d50df187f" providerId="ADAL" clId="{1A3D389F-0E00-444F-BDF7-5C174E20EEC2}" dt="2021-10-13T19:40:59.066" v="67" actId="20577"/>
-          <ac:spMkLst>
-            <pc:docMk/>
-            <pc:sldMk cId="2161849182" sldId="267"/>
-            <ac:spMk id="2" creationId="{00000000-0000-0000-0000-000000000000}"/>
-          </ac:spMkLst>
-        </pc:spChg>
-        <pc:graphicFrameChg chg="mod modGraphic">
-          <ac:chgData name="Lauren Schutte" userId="6e08b2d3-447a-4d66-86be-444d50df187f" providerId="ADAL" clId="{1A3D389F-0E00-444F-BDF7-5C174E20EEC2}" dt="2021-10-13T19:33:05.183" v="58"/>
-          <ac:graphicFrameMkLst>
-            <pc:docMk/>
-            <pc:sldMk cId="2161849182" sldId="267"/>
-            <ac:graphicFrameMk id="9" creationId="{00000000-0000-0000-0000-000000000000}"/>
           </ac:graphicFrameMkLst>
         </pc:graphicFrameChg>
       </pc:sldChg>
@@ -393,133 +294,24 @@
     </pc:docChg>
   </pc:docChgLst>
   <pc:docChgLst>
-    <pc:chgData name="Akilah Johnson" userId="S::akjohnso@adobe.com::2fa3aa60-0c9c-4d06-bae2-795983241227" providerId="AD" clId="Web-{19826C17-B3F5-53A1-AAFF-C7771804C7A7}"/>
+    <pc:chgData name="Akilah Johnson" userId="S::akjohnso@adobe.com::2fa3aa60-0c9c-4d06-bae2-795983241227" providerId="AD" clId="Web-{A40C3D7D-993B-38B2-2DDA-C562505A1054}"/>
     <pc:docChg chg="modSld">
-      <pc:chgData name="Akilah Johnson" userId="S::akjohnso@adobe.com::2fa3aa60-0c9c-4d06-bae2-795983241227" providerId="AD" clId="Web-{19826C17-B3F5-53A1-AAFF-C7771804C7A7}" dt="2021-10-13T18:50:21.160" v="67"/>
+      <pc:chgData name="Akilah Johnson" userId="S::akjohnso@adobe.com::2fa3aa60-0c9c-4d06-bae2-795983241227" providerId="AD" clId="Web-{A40C3D7D-993B-38B2-2DDA-C562505A1054}" dt="2021-09-22T23:00:46.860" v="3"/>
       <pc:docMkLst>
         <pc:docMk/>
       </pc:docMkLst>
       <pc:sldChg chg="modSp">
-        <pc:chgData name="Akilah Johnson" userId="S::akjohnso@adobe.com::2fa3aa60-0c9c-4d06-bae2-795983241227" providerId="AD" clId="Web-{19826C17-B3F5-53A1-AAFF-C7771804C7A7}" dt="2021-10-13T18:38:26.810" v="9" actId="20577"/>
-        <pc:sldMkLst>
-          <pc:docMk/>
-          <pc:sldMk cId="5960377" sldId="259"/>
-        </pc:sldMkLst>
-        <pc:spChg chg="mod">
-          <ac:chgData name="Akilah Johnson" userId="S::akjohnso@adobe.com::2fa3aa60-0c9c-4d06-bae2-795983241227" providerId="AD" clId="Web-{19826C17-B3F5-53A1-AAFF-C7771804C7A7}" dt="2021-10-13T18:38:26.810" v="9" actId="20577"/>
-          <ac:spMkLst>
-            <pc:docMk/>
-            <pc:sldMk cId="5960377" sldId="259"/>
-            <ac:spMk id="75" creationId="{4602CC83-B0C7-8445-9007-87E67CDDD9D0}"/>
-          </ac:spMkLst>
-        </pc:spChg>
-        <pc:spChg chg="mod">
-          <ac:chgData name="Akilah Johnson" userId="S::akjohnso@adobe.com::2fa3aa60-0c9c-4d06-bae2-795983241227" providerId="AD" clId="Web-{19826C17-B3F5-53A1-AAFF-C7771804C7A7}" dt="2021-10-13T18:38:17.716" v="5" actId="20577"/>
-          <ac:spMkLst>
-            <pc:docMk/>
-            <pc:sldMk cId="5960377" sldId="259"/>
-            <ac:spMk id="83" creationId="{7A016ADC-2A30-8A4B-BE07-A9AB6C1898A7}"/>
-          </ac:spMkLst>
-        </pc:spChg>
-        <pc:spChg chg="mod">
-          <ac:chgData name="Akilah Johnson" userId="S::akjohnso@adobe.com::2fa3aa60-0c9c-4d06-bae2-795983241227" providerId="AD" clId="Web-{19826C17-B3F5-53A1-AAFF-C7771804C7A7}" dt="2021-10-13T18:38:19.654" v="6" actId="20577"/>
-          <ac:spMkLst>
-            <pc:docMk/>
-            <pc:sldMk cId="5960377" sldId="259"/>
-            <ac:spMk id="87" creationId="{57C0C871-6516-F145-97DA-27A143E6185C}"/>
-          </ac:spMkLst>
-        </pc:spChg>
-        <pc:spChg chg="mod">
-          <ac:chgData name="Akilah Johnson" userId="S::akjohnso@adobe.com::2fa3aa60-0c9c-4d06-bae2-795983241227" providerId="AD" clId="Web-{19826C17-B3F5-53A1-AAFF-C7771804C7A7}" dt="2021-10-13T18:38:14.044" v="4" actId="20577"/>
-          <ac:spMkLst>
-            <pc:docMk/>
-            <pc:sldMk cId="5960377" sldId="259"/>
-            <ac:spMk id="124" creationId="{14AAF776-9013-4C40-92F9-FFFE22C4038F}"/>
-          </ac:spMkLst>
-        </pc:spChg>
-        <pc:spChg chg="mod">
-          <ac:chgData name="Akilah Johnson" userId="S::akjohnso@adobe.com::2fa3aa60-0c9c-4d06-bae2-795983241227" providerId="AD" clId="Web-{19826C17-B3F5-53A1-AAFF-C7771804C7A7}" dt="2021-10-13T18:38:10.013" v="2" actId="20577"/>
-          <ac:spMkLst>
-            <pc:docMk/>
-            <pc:sldMk cId="5960377" sldId="259"/>
-            <ac:spMk id="125" creationId="{AF4EBBF5-5438-A043-B9AA-3822381D52EE}"/>
-          </ac:spMkLst>
-        </pc:spChg>
-        <pc:spChg chg="mod">
-          <ac:chgData name="Akilah Johnson" userId="S::akjohnso@adobe.com::2fa3aa60-0c9c-4d06-bae2-795983241227" providerId="AD" clId="Web-{19826C17-B3F5-53A1-AAFF-C7771804C7A7}" dt="2021-10-13T18:38:12.263" v="3" actId="20577"/>
-          <ac:spMkLst>
-            <pc:docMk/>
-            <pc:sldMk cId="5960377" sldId="259"/>
-            <ac:spMk id="126" creationId="{7F65676D-32E4-7B4B-BB85-4D504B5882BD}"/>
-          </ac:spMkLst>
-        </pc:spChg>
-      </pc:sldChg>
-      <pc:sldChg chg="modSp">
-        <pc:chgData name="Akilah Johnson" userId="S::akjohnso@adobe.com::2fa3aa60-0c9c-4d06-bae2-795983241227" providerId="AD" clId="Web-{19826C17-B3F5-53A1-AAFF-C7771804C7A7}" dt="2021-10-13T18:40:23.717" v="19" actId="20577"/>
+        <pc:chgData name="Akilah Johnson" userId="S::akjohnso@adobe.com::2fa3aa60-0c9c-4d06-bae2-795983241227" providerId="AD" clId="Web-{A40C3D7D-993B-38B2-2DDA-C562505A1054}" dt="2021-09-22T23:00:46.860" v="3"/>
         <pc:sldMkLst>
           <pc:docMk/>
           <pc:sldMk cId="1050037809" sldId="261"/>
         </pc:sldMkLst>
-        <pc:spChg chg="mod">
-          <ac:chgData name="Akilah Johnson" userId="S::akjohnso@adobe.com::2fa3aa60-0c9c-4d06-bae2-795983241227" providerId="AD" clId="Web-{19826C17-B3F5-53A1-AAFF-C7771804C7A7}" dt="2021-10-13T18:40:23.717" v="19" actId="20577"/>
-          <ac:spMkLst>
-            <pc:docMk/>
-            <pc:sldMk cId="1050037809" sldId="261"/>
-            <ac:spMk id="56" creationId="{00000000-0000-0000-0000-000000000000}"/>
-          </ac:spMkLst>
-        </pc:spChg>
         <pc:graphicFrameChg chg="mod modGraphic">
-          <ac:chgData name="Akilah Johnson" userId="S::akjohnso@adobe.com::2fa3aa60-0c9c-4d06-bae2-795983241227" providerId="AD" clId="Web-{19826C17-B3F5-53A1-AAFF-C7771804C7A7}" dt="2021-10-13T18:39:38.154" v="17"/>
+          <ac:chgData name="Akilah Johnson" userId="S::akjohnso@adobe.com::2fa3aa60-0c9c-4d06-bae2-795983241227" providerId="AD" clId="Web-{A40C3D7D-993B-38B2-2DDA-C562505A1054}" dt="2021-09-22T23:00:46.860" v="3"/>
           <ac:graphicFrameMkLst>
             <pc:docMk/>
             <pc:sldMk cId="1050037809" sldId="261"/>
-            <ac:graphicFrameMk id="111" creationId="{D8653CEC-4213-DE40-9BAF-D1E3318FF89C}"/>
-          </ac:graphicFrameMkLst>
-        </pc:graphicFrameChg>
-      </pc:sldChg>
-      <pc:sldChg chg="modSp">
-        <pc:chgData name="Akilah Johnson" userId="S::akjohnso@adobe.com::2fa3aa60-0c9c-4d06-bae2-795983241227" providerId="AD" clId="Web-{19826C17-B3F5-53A1-AAFF-C7771804C7A7}" dt="2021-10-13T18:39:10.373" v="15" actId="20577"/>
-        <pc:sldMkLst>
-          <pc:docMk/>
-          <pc:sldMk cId="717026355" sldId="266"/>
-        </pc:sldMkLst>
-        <pc:spChg chg="mod">
-          <ac:chgData name="Akilah Johnson" userId="S::akjohnso@adobe.com::2fa3aa60-0c9c-4d06-bae2-795983241227" providerId="AD" clId="Web-{19826C17-B3F5-53A1-AAFF-C7771804C7A7}" dt="2021-10-13T18:39:10.373" v="15" actId="20577"/>
-          <ac:spMkLst>
-            <pc:docMk/>
-            <pc:sldMk cId="717026355" sldId="266"/>
-            <ac:spMk id="9" creationId="{00000000-0000-0000-0000-000000000000}"/>
-          </ac:spMkLst>
-        </pc:spChg>
-        <pc:spChg chg="mod">
-          <ac:chgData name="Akilah Johnson" userId="S::akjohnso@adobe.com::2fa3aa60-0c9c-4d06-bae2-795983241227" providerId="AD" clId="Web-{19826C17-B3F5-53A1-AAFF-C7771804C7A7}" dt="2021-10-13T18:38:44.029" v="11" actId="20577"/>
-          <ac:spMkLst>
-            <pc:docMk/>
-            <pc:sldMk cId="717026355" sldId="266"/>
-            <ac:spMk id="82" creationId="{F6061E8D-9723-464D-AA49-7A3A3A02BE92}"/>
-          </ac:spMkLst>
-        </pc:spChg>
-        <pc:spChg chg="mod">
-          <ac:chgData name="Akilah Johnson" userId="S::akjohnso@adobe.com::2fa3aa60-0c9c-4d06-bae2-795983241227" providerId="AD" clId="Web-{19826C17-B3F5-53A1-AAFF-C7771804C7A7}" dt="2021-10-13T18:39:00.638" v="13" actId="20577"/>
-          <ac:spMkLst>
-            <pc:docMk/>
-            <pc:sldMk cId="717026355" sldId="266"/>
-            <ac:spMk id="83" creationId="{BB34E685-A734-974B-A33A-BE51D1A8BC0D}"/>
-          </ac:spMkLst>
-        </pc:spChg>
-      </pc:sldChg>
-      <pc:sldChg chg="modSp">
-        <pc:chgData name="Akilah Johnson" userId="S::akjohnso@adobe.com::2fa3aa60-0c9c-4d06-bae2-795983241227" providerId="AD" clId="Web-{19826C17-B3F5-53A1-AAFF-C7771804C7A7}" dt="2021-10-13T18:50:21.160" v="67"/>
-        <pc:sldMkLst>
-          <pc:docMk/>
-          <pc:sldMk cId="2161849182" sldId="267"/>
-        </pc:sldMkLst>
-        <pc:graphicFrameChg chg="mod modGraphic">
-          <ac:chgData name="Akilah Johnson" userId="S::akjohnso@adobe.com::2fa3aa60-0c9c-4d06-bae2-795983241227" providerId="AD" clId="Web-{19826C17-B3F5-53A1-AAFF-C7771804C7A7}" dt="2021-10-13T18:50:21.160" v="67"/>
-          <ac:graphicFrameMkLst>
-            <pc:docMk/>
-            <pc:sldMk cId="2161849182" sldId="267"/>
-            <ac:graphicFrameMk id="9" creationId="{00000000-0000-0000-0000-000000000000}"/>
+            <ac:graphicFrameMk id="25" creationId="{3A91F5B0-3974-A14D-A146-FB590F2AAD18}"/>
           </ac:graphicFrameMkLst>
         </pc:graphicFrameChg>
       </pc:sldChg>
@@ -529,6 +321,40 @@
 </file>
 
 <file path=ppt/comments/comment1.xml><?xml version="1.0" encoding="utf-8"?>
+<p:cmLst xmlns:a="http://schemas.openxmlformats.org/drawingml/2006/main" xmlns:r="http://schemas.openxmlformats.org/officeDocument/2006/relationships" xmlns:p="http://schemas.openxmlformats.org/presentationml/2006/main">
+  <p:cm authorId="1" dt="2021-08-04T14:42:10.630" idx="4">
+    <p:pos x="-3291" y="2170"/>
+    <p:text/>
+    <p:extLst>
+      <p:ext uri="{C676402C-5697-4E1C-873F-D02D1690AC5C}">
+        <p15:threadingInfo xmlns:p15="http://schemas.microsoft.com/office/powerpoint/2012/main" timeZoneBias="420"/>
+      </p:ext>
+    </p:extLst>
+  </p:cm>
+  <p:cm authorId="1" dt="2021-08-04T14:42:19.668" idx="5">
+    <p:pos x="4567" y="1502"/>
+    <p:text>Can we add a darker blue line under 'Enterprise Support?'</p:text>
+    <p:extLst>
+      <p:ext uri="{C676402C-5697-4E1C-873F-D02D1690AC5C}">
+        <p15:threadingInfo xmlns:p15="http://schemas.microsoft.com/office/powerpoint/2012/main" timeZoneBias="420"/>
+      </p:ext>
+    </p:extLst>
+  </p:cm>
+  <p:cm authorId="1" dt="2021-08-04T15:01:35.985" idx="8">
+    <p:pos x="4567" y="1598"/>
+    <p:text>Hi Ankita, I did my best to keep the formatting you already worked so hard on. I added a few comments on things I'll need your help with . Thank again so much!</p:text>
+    <p:extLst>
+      <p:ext uri="{C676402C-5697-4E1C-873F-D02D1690AC5C}">
+        <p15:threadingInfo xmlns:p15="http://schemas.microsoft.com/office/powerpoint/2012/main" timeZoneBias="420">
+          <p15:parentCm authorId="1" idx="5"/>
+        </p15:threadingInfo>
+      </p:ext>
+    </p:extLst>
+  </p:cm>
+</p:cmLst>
+</file>
+
+<file path=ppt/comments/comment2.xml><?xml version="1.0" encoding="utf-8"?>
 <p:cmLst xmlns:a="http://schemas.openxmlformats.org/drawingml/2006/main" xmlns:r="http://schemas.openxmlformats.org/officeDocument/2006/relationships" xmlns:p="http://schemas.openxmlformats.org/presentationml/2006/main">
   <p:cm authorId="1" dt="2021-08-04T14:53:07.049" idx="6">
     <p:pos x="10" y="10"/>
@@ -624,7 +450,7 @@
           <a:p>
             <a:fld id="{CCB2A597-803A-C244-97E2-A01066125D19}" type="datetimeFigureOut">
               <a:rPr lang="en-US" smtClean="0"/>
-              <a:t>10/13/21</a:t>
+              <a:t>10/1/2021</a:t>
             </a:fld>
             <a:endParaRPr lang="en-US"/>
           </a:p>
@@ -1405,7 +1231,7 @@
           <a:p>
             <a:fld id="{1D8BD707-D9CF-40AE-B4C6-C98DA3205C09}" type="datetimeFigureOut">
               <a:rPr lang="en-US"/>
-              <a:t>10/13/21</a:t>
+              <a:t>10/1/2021</a:t>
             </a:fld>
             <a:endParaRPr lang="en-US"/>
           </a:p>
@@ -1645,7 +1471,7 @@
           <a:p>
             <a:fld id="{1D8BD707-D9CF-40AE-B4C6-C98DA3205C09}" type="datetimeFigureOut">
               <a:rPr lang="en-US"/>
-              <a:t>10/13/21</a:t>
+              <a:t>10/1/2021</a:t>
             </a:fld>
             <a:endParaRPr lang="en-US"/>
           </a:p>
@@ -1898,7 +1724,7 @@
           <a:p>
             <a:fld id="{1D8BD707-D9CF-40AE-B4C6-C98DA3205C09}" type="datetimeFigureOut">
               <a:rPr lang="en-US"/>
-              <a:t>10/13/21</a:t>
+              <a:t>10/1/2021</a:t>
             </a:fld>
             <a:endParaRPr lang="en-US"/>
           </a:p>
@@ -2085,7 +1911,7 @@
           <a:p>
             <a:fld id="{1D8BD707-D9CF-40AE-B4C6-C98DA3205C09}" type="datetimeFigureOut">
               <a:rPr lang="en-US"/>
-              <a:t>10/13/21</a:t>
+              <a:t>10/1/2021</a:t>
             </a:fld>
             <a:endParaRPr lang="en-US"/>
           </a:p>
@@ -2243,7 +2069,7 @@
           <a:p>
             <a:fld id="{1D8BD707-D9CF-40AE-B4C6-C98DA3205C09}" type="datetimeFigureOut">
               <a:rPr lang="en-US"/>
-              <a:t>10/13/21</a:t>
+              <a:t>10/1/2021</a:t>
             </a:fld>
             <a:endParaRPr lang="en-US"/>
           </a:p>
@@ -2501,7 +2327,7 @@
           <a:p>
             <a:fld id="{1D8BD707-D9CF-40AE-B4C6-C98DA3205C09}" type="datetimeFigureOut">
               <a:rPr lang="en-US"/>
-              <a:t>10/13/21</a:t>
+              <a:t>10/1/2021</a:t>
             </a:fld>
             <a:endParaRPr lang="en-US"/>
           </a:p>
@@ -2740,43 +2566,25 @@
           </a:prstGeom>
         </p:spPr>
         <p:txBody>
-          <a:bodyPr vert="horz" wrap="square" lIns="0" tIns="12700" rIns="0" bIns="0" rtlCol="0" anchor="t">
+          <a:bodyPr vert="horz" wrap="square" lIns="0" tIns="12700" rIns="0" bIns="0" rtlCol="0">
             <a:spAutoFit/>
           </a:bodyPr>
           <a:lstStyle/>
           <a:p>
             <a:pPr marL="12700">
+              <a:lnSpc>
+                <a:spcPct val="100000"/>
+              </a:lnSpc>
               <a:spcBef>
                 <a:spcPts val="100"/>
               </a:spcBef>
             </a:pPr>
             <a:r>
-              <a:rPr sz="2300" dirty="0">
-                <a:latin typeface="Adobe Clean"/>
+              <a:rPr lang="fr-FR" sz="2300">
+                <a:latin typeface="Adobe Clean" panose="020B0503020404020204" pitchFamily="34" charset="0"/>
               </a:rPr>
-              <a:t>ADOBE</a:t>
-            </a:r>
-            <a:r>
-              <a:rPr lang="en-US" sz="2300" dirty="0">
-                <a:latin typeface="Adobe Clean"/>
-              </a:rPr>
-              <a:t> </a:t>
-            </a:r>
-            <a:r>
-              <a:rPr sz="2300" dirty="0">
-                <a:latin typeface="Adobe Clean"/>
-              </a:rPr>
-              <a:t>SUPPORT</a:t>
-            </a:r>
-            <a:r>
-              <a:rPr lang="en-US" sz="2300" dirty="0">
-                <a:latin typeface="Adobe Clean"/>
-              </a:rPr>
-              <a:t> PLANS</a:t>
-            </a:r>
-            <a:endParaRPr sz="2300" dirty="0">
-              <a:latin typeface="Adobe Clean" panose="020B0503020404020204" pitchFamily="34" charset="0"/>
-            </a:endParaRPr>
+              <a:t>OFFRES D’ASSISTANCE ADOBE</a:t>
+            </a:r>
           </a:p>
         </p:txBody>
       </p:sp>
@@ -2788,8 +2596,8 @@
         </p:nvSpPr>
         <p:spPr>
           <a:xfrm>
-            <a:off x="125148" y="7013546"/>
-            <a:ext cx="2785110" cy="228268"/>
+            <a:off x="125147" y="7013546"/>
+            <a:ext cx="3441013" cy="228268"/>
           </a:xfrm>
           <a:prstGeom prst="rect">
             <a:avLst/>
@@ -2810,7 +2618,7 @@
               </a:spcBef>
             </a:pPr>
             <a:r>
-              <a:rPr sz="1400" b="1" u="sng" spc="15">
+              <a:rPr lang="fr-FR" sz="1400" b="1" u="sng" dirty="0">
                 <a:solidFill>
                   <a:srgbClr val="020302"/>
                 </a:solidFill>
@@ -2822,477 +2630,8 @@
                 <a:latin typeface="Adobe Clean"/>
                 <a:cs typeface="Adobe Clean"/>
               </a:rPr>
-              <a:t>S</a:t>
-            </a:r>
-            <a:r>
-              <a:rPr sz="1400" b="1" u="sng" spc="5">
-                <a:solidFill>
-                  <a:srgbClr val="020302"/>
-                </a:solidFill>
-                <a:uFill>
-                  <a:solidFill>
-                    <a:srgbClr val="020302"/>
-                  </a:solidFill>
-                </a:uFill>
-                <a:latin typeface="Adobe Clean"/>
-                <a:cs typeface="Adobe Clean"/>
-              </a:rPr>
-              <a:t>er</a:t>
-            </a:r>
-            <a:r>
-              <a:rPr sz="1400" b="1" u="sng" spc="10">
-                <a:solidFill>
-                  <a:srgbClr val="020302"/>
-                </a:solidFill>
-                <a:uFill>
-                  <a:solidFill>
-                    <a:srgbClr val="020302"/>
-                  </a:solidFill>
-                </a:uFill>
-                <a:latin typeface="Adobe Clean"/>
-                <a:cs typeface="Adobe Clean"/>
-              </a:rPr>
-              <a:t>vi</a:t>
-            </a:r>
-            <a:r>
-              <a:rPr sz="1400" b="1" u="sng" spc="5">
-                <a:solidFill>
-                  <a:srgbClr val="020302"/>
-                </a:solidFill>
-                <a:uFill>
-                  <a:solidFill>
-                    <a:srgbClr val="020302"/>
-                  </a:solidFill>
-                </a:uFill>
-                <a:latin typeface="Adobe Clean"/>
-                <a:cs typeface="Adobe Clean"/>
-              </a:rPr>
-              <a:t>c</a:t>
-            </a:r>
-            <a:r>
-              <a:rPr sz="1400" b="1" u="sng">
-                <a:solidFill>
-                  <a:srgbClr val="020302"/>
-                </a:solidFill>
-                <a:uFill>
-                  <a:solidFill>
-                    <a:srgbClr val="020302"/>
-                  </a:solidFill>
-                </a:uFill>
-                <a:latin typeface="Adobe Clean"/>
-                <a:cs typeface="Adobe Clean"/>
-              </a:rPr>
-              <a:t>e</a:t>
-            </a:r>
-            <a:r>
-              <a:rPr sz="1400" b="1" u="sng" spc="20">
-                <a:solidFill>
-                  <a:srgbClr val="020302"/>
-                </a:solidFill>
-                <a:uFill>
-                  <a:solidFill>
-                    <a:srgbClr val="020302"/>
-                  </a:solidFill>
-                </a:uFill>
-                <a:latin typeface="Adobe Clean"/>
-                <a:cs typeface="Adobe Clean"/>
-              </a:rPr>
-              <a:t> </a:t>
-            </a:r>
-            <a:r>
-              <a:rPr sz="1400" b="1" u="sng" spc="-15">
-                <a:solidFill>
-                  <a:srgbClr val="020302"/>
-                </a:solidFill>
-                <a:uFill>
-                  <a:solidFill>
-                    <a:srgbClr val="020302"/>
-                  </a:solidFill>
-                </a:uFill>
-                <a:latin typeface="Adobe Clean"/>
-                <a:cs typeface="Adobe Clean"/>
-              </a:rPr>
-              <a:t>Le</a:t>
-            </a:r>
-            <a:r>
-              <a:rPr sz="1400" b="1" u="sng" spc="-10">
-                <a:solidFill>
-                  <a:srgbClr val="020302"/>
-                </a:solidFill>
-                <a:uFill>
-                  <a:solidFill>
-                    <a:srgbClr val="020302"/>
-                  </a:solidFill>
-                </a:uFill>
-                <a:latin typeface="Adobe Clean"/>
-                <a:cs typeface="Adobe Clean"/>
-              </a:rPr>
-              <a:t>v</a:t>
-            </a:r>
-            <a:r>
-              <a:rPr sz="1400" b="1" u="sng" spc="-15">
-                <a:solidFill>
-                  <a:srgbClr val="020302"/>
-                </a:solidFill>
-                <a:uFill>
-                  <a:solidFill>
-                    <a:srgbClr val="020302"/>
-                  </a:solidFill>
-                </a:uFill>
-                <a:latin typeface="Adobe Clean"/>
-                <a:cs typeface="Adobe Clean"/>
-              </a:rPr>
-              <a:t>e</a:t>
-            </a:r>
-            <a:r>
-              <a:rPr sz="1400" b="1" u="sng">
-                <a:solidFill>
-                  <a:srgbClr val="020302"/>
-                </a:solidFill>
-                <a:uFill>
-                  <a:solidFill>
-                    <a:srgbClr val="020302"/>
-                  </a:solidFill>
-                </a:uFill>
-                <a:latin typeface="Adobe Clean"/>
-                <a:cs typeface="Adobe Clean"/>
-              </a:rPr>
-              <a:t>l</a:t>
-            </a:r>
-            <a:r>
-              <a:rPr sz="1400" b="1" u="sng" spc="-15">
-                <a:solidFill>
-                  <a:srgbClr val="020302"/>
-                </a:solidFill>
-                <a:uFill>
-                  <a:solidFill>
-                    <a:srgbClr val="020302"/>
-                  </a:solidFill>
-                </a:uFill>
-                <a:latin typeface="Adobe Clean"/>
-                <a:cs typeface="Adobe Clean"/>
-              </a:rPr>
-              <a:t> </a:t>
-            </a:r>
-            <a:r>
-              <a:rPr sz="1400" b="1" u="sng" spc="-55">
-                <a:solidFill>
-                  <a:srgbClr val="020302"/>
-                </a:solidFill>
-                <a:uFill>
-                  <a:solidFill>
-                    <a:srgbClr val="020302"/>
-                  </a:solidFill>
-                </a:uFill>
-                <a:latin typeface="Adobe Clean"/>
-                <a:cs typeface="Adobe Clean"/>
-              </a:rPr>
-              <a:t>T</a:t>
-            </a:r>
-            <a:r>
-              <a:rPr sz="1400" b="1" u="sng" spc="-40">
-                <a:solidFill>
-                  <a:srgbClr val="020302"/>
-                </a:solidFill>
-                <a:uFill>
-                  <a:solidFill>
-                    <a:srgbClr val="020302"/>
-                  </a:solidFill>
-                </a:uFill>
-                <a:latin typeface="Adobe Clean"/>
-                <a:cs typeface="Adobe Clean"/>
-              </a:rPr>
-              <a:t>a</a:t>
-            </a:r>
-            <a:r>
-              <a:rPr sz="1400" b="1" u="sng" spc="-45">
-                <a:solidFill>
-                  <a:srgbClr val="020302"/>
-                </a:solidFill>
-                <a:uFill>
-                  <a:solidFill>
-                    <a:srgbClr val="020302"/>
-                  </a:solidFill>
-                </a:uFill>
-                <a:latin typeface="Adobe Clean"/>
-                <a:cs typeface="Adobe Clean"/>
-              </a:rPr>
-              <a:t>r</a:t>
-            </a:r>
-            <a:r>
-              <a:rPr sz="1400" b="1" u="sng" spc="-40">
-                <a:solidFill>
-                  <a:srgbClr val="020302"/>
-                </a:solidFill>
-                <a:uFill>
-                  <a:solidFill>
-                    <a:srgbClr val="020302"/>
-                  </a:solidFill>
-                </a:uFill>
-                <a:latin typeface="Adobe Clean"/>
-                <a:cs typeface="Adobe Clean"/>
-              </a:rPr>
-              <a:t>g</a:t>
-            </a:r>
-            <a:r>
-              <a:rPr sz="1400" b="1" u="sng" spc="-50">
-                <a:solidFill>
-                  <a:srgbClr val="020302"/>
-                </a:solidFill>
-                <a:uFill>
-                  <a:solidFill>
-                    <a:srgbClr val="020302"/>
-                  </a:solidFill>
-                </a:uFill>
-                <a:latin typeface="Adobe Clean"/>
-                <a:cs typeface="Adobe Clean"/>
-              </a:rPr>
-              <a:t>et</a:t>
-            </a:r>
-            <a:r>
-              <a:rPr sz="1400" b="1" u="sng" spc="-45">
-                <a:solidFill>
-                  <a:srgbClr val="020302"/>
-                </a:solidFill>
-                <a:uFill>
-                  <a:solidFill>
-                    <a:srgbClr val="020302"/>
-                  </a:solidFill>
-                </a:uFill>
-                <a:latin typeface="Adobe Clean"/>
-                <a:cs typeface="Adobe Clean"/>
-              </a:rPr>
-              <a:t>s</a:t>
-            </a:r>
-            <a:r>
-              <a:rPr sz="1400" b="1" u="sng">
-                <a:solidFill>
-                  <a:srgbClr val="020302"/>
-                </a:solidFill>
-                <a:uFill>
-                  <a:solidFill>
-                    <a:srgbClr val="020302"/>
-                  </a:solidFill>
-                </a:uFill>
-                <a:latin typeface="Adobe Clean"/>
-                <a:cs typeface="Adobe Clean"/>
-              </a:rPr>
-              <a:t>:</a:t>
-            </a:r>
-            <a:r>
-              <a:rPr sz="1400" b="1" u="sng" spc="-85">
-                <a:solidFill>
-                  <a:srgbClr val="020302"/>
-                </a:solidFill>
-                <a:uFill>
-                  <a:solidFill>
-                    <a:srgbClr val="020302"/>
-                  </a:solidFill>
-                </a:uFill>
-                <a:latin typeface="Adobe Clean"/>
-                <a:cs typeface="Adobe Clean"/>
-              </a:rPr>
-              <a:t> </a:t>
-            </a:r>
-            <a:r>
-              <a:rPr sz="1400" b="1" u="sng" spc="-15">
-                <a:solidFill>
-                  <a:srgbClr val="020302"/>
-                </a:solidFill>
-                <a:uFill>
-                  <a:solidFill>
-                    <a:srgbClr val="020302"/>
-                  </a:solidFill>
-                </a:uFill>
-                <a:latin typeface="Adobe Clean"/>
-                <a:cs typeface="Adobe Clean"/>
-              </a:rPr>
-              <a:t>I</a:t>
-            </a:r>
-            <a:r>
-              <a:rPr sz="1400" b="1" u="sng" spc="-10">
-                <a:solidFill>
-                  <a:srgbClr val="020302"/>
-                </a:solidFill>
-                <a:uFill>
-                  <a:solidFill>
-                    <a:srgbClr val="020302"/>
-                  </a:solidFill>
-                </a:uFill>
-                <a:latin typeface="Adobe Clean"/>
-                <a:cs typeface="Adobe Clean"/>
-              </a:rPr>
-              <a:t>ni</a:t>
-            </a:r>
-            <a:r>
-              <a:rPr sz="1400" b="1" u="sng" spc="-15">
-                <a:solidFill>
-                  <a:srgbClr val="020302"/>
-                </a:solidFill>
-                <a:uFill>
-                  <a:solidFill>
-                    <a:srgbClr val="020302"/>
-                  </a:solidFill>
-                </a:uFill>
-                <a:latin typeface="Adobe Clean"/>
-                <a:cs typeface="Adobe Clean"/>
-              </a:rPr>
-              <a:t>t</a:t>
-            </a:r>
-            <a:r>
-              <a:rPr sz="1400" b="1" u="sng" spc="-10">
-                <a:solidFill>
-                  <a:srgbClr val="020302"/>
-                </a:solidFill>
-                <a:uFill>
-                  <a:solidFill>
-                    <a:srgbClr val="020302"/>
-                  </a:solidFill>
-                </a:uFill>
-                <a:latin typeface="Adobe Clean"/>
-                <a:cs typeface="Adobe Clean"/>
-              </a:rPr>
-              <a:t>i</a:t>
-            </a:r>
-            <a:r>
-              <a:rPr sz="1400" b="1" u="sng" spc="-5">
-                <a:solidFill>
-                  <a:srgbClr val="020302"/>
-                </a:solidFill>
-                <a:uFill>
-                  <a:solidFill>
-                    <a:srgbClr val="020302"/>
-                  </a:solidFill>
-                </a:uFill>
-                <a:latin typeface="Adobe Clean"/>
-                <a:cs typeface="Adobe Clean"/>
-              </a:rPr>
-              <a:t>a</a:t>
-            </a:r>
-            <a:r>
-              <a:rPr sz="1400" b="1" u="sng">
-                <a:solidFill>
-                  <a:srgbClr val="020302"/>
-                </a:solidFill>
-                <a:uFill>
-                  <a:solidFill>
-                    <a:srgbClr val="020302"/>
-                  </a:solidFill>
-                </a:uFill>
-                <a:latin typeface="Adobe Clean"/>
-                <a:cs typeface="Adobe Clean"/>
-              </a:rPr>
-              <a:t>l</a:t>
-            </a:r>
-            <a:r>
-              <a:rPr sz="1400" b="1" u="sng" spc="-145">
-                <a:solidFill>
-                  <a:srgbClr val="020302"/>
-                </a:solidFill>
-                <a:uFill>
-                  <a:solidFill>
-                    <a:srgbClr val="020302"/>
-                  </a:solidFill>
-                </a:uFill>
-                <a:latin typeface="Adobe Clean"/>
-                <a:cs typeface="Adobe Clean"/>
-              </a:rPr>
-              <a:t> </a:t>
-            </a:r>
-            <a:r>
-              <a:rPr sz="1400" b="1" u="sng" spc="-15">
-                <a:solidFill>
-                  <a:srgbClr val="020302"/>
-                </a:solidFill>
-                <a:uFill>
-                  <a:solidFill>
-                    <a:srgbClr val="020302"/>
-                  </a:solidFill>
-                </a:uFill>
-                <a:latin typeface="Adobe Clean"/>
-                <a:cs typeface="Adobe Clean"/>
-              </a:rPr>
-              <a:t>R</a:t>
-            </a:r>
-            <a:r>
-              <a:rPr sz="1400" b="1" u="sng" spc="-20">
-                <a:solidFill>
-                  <a:srgbClr val="020302"/>
-                </a:solidFill>
-                <a:uFill>
-                  <a:solidFill>
-                    <a:srgbClr val="020302"/>
-                  </a:solidFill>
-                </a:uFill>
-                <a:latin typeface="Adobe Clean"/>
-                <a:cs typeface="Adobe Clean"/>
-              </a:rPr>
-              <a:t>e</a:t>
-            </a:r>
-            <a:r>
-              <a:rPr sz="1400" b="1" u="sng" spc="-15">
-                <a:solidFill>
-                  <a:srgbClr val="020302"/>
-                </a:solidFill>
-                <a:uFill>
-                  <a:solidFill>
-                    <a:srgbClr val="020302"/>
-                  </a:solidFill>
-                </a:uFill>
-                <a:latin typeface="Adobe Clean"/>
-                <a:cs typeface="Adobe Clean"/>
-              </a:rPr>
-              <a:t>s</a:t>
-            </a:r>
-            <a:r>
-              <a:rPr sz="1400" b="1" u="sng" spc="-20">
-                <a:solidFill>
-                  <a:srgbClr val="020302"/>
-                </a:solidFill>
-                <a:uFill>
-                  <a:solidFill>
-                    <a:srgbClr val="020302"/>
-                  </a:solidFill>
-                </a:uFill>
-                <a:latin typeface="Adobe Clean"/>
-                <a:cs typeface="Adobe Clean"/>
-              </a:rPr>
-              <a:t>p</a:t>
-            </a:r>
-            <a:r>
-              <a:rPr sz="1400" b="1" u="sng" spc="-15">
-                <a:solidFill>
-                  <a:srgbClr val="020302"/>
-                </a:solidFill>
-                <a:uFill>
-                  <a:solidFill>
-                    <a:srgbClr val="020302"/>
-                  </a:solidFill>
-                </a:uFill>
-                <a:latin typeface="Adobe Clean"/>
-                <a:cs typeface="Adobe Clean"/>
-              </a:rPr>
-              <a:t>ons</a:t>
-            </a:r>
-            <a:r>
-              <a:rPr sz="1400" b="1" u="sng">
-                <a:solidFill>
-                  <a:srgbClr val="020302"/>
-                </a:solidFill>
-                <a:uFill>
-                  <a:solidFill>
-                    <a:srgbClr val="020302"/>
-                  </a:solidFill>
-                </a:uFill>
-                <a:latin typeface="Adobe Clean"/>
-                <a:cs typeface="Adobe Clean"/>
-              </a:rPr>
-              <a:t>e</a:t>
-            </a:r>
-            <a:endParaRPr sz="1400" u="sng">
-              <a:latin typeface="Adobe Clean"/>
-              <a:cs typeface="Adobe Clean"/>
-            </a:endParaRPr>
+              <a:t>Cibles du niveau de service : Réponse initiale</a:t>
+            </a:r>
           </a:p>
         </p:txBody>
       </p:sp>
@@ -3305,14 +2644,14 @@
           <p:nvPr>
             <p:extLst>
               <p:ext uri="{D42A27DB-BD31-4B8C-83A1-F6EECF244321}">
-                <p14:modId xmlns:p14="http://schemas.microsoft.com/office/powerpoint/2010/main" val="3450047932"/>
+                <p14:modId xmlns:p14="http://schemas.microsoft.com/office/powerpoint/2010/main" val="984980563"/>
               </p:ext>
             </p:extLst>
           </p:nvPr>
         </p:nvGraphicFramePr>
         <p:xfrm>
-          <a:off x="146919" y="7473158"/>
-          <a:ext cx="7477080" cy="2190409"/>
+          <a:off x="146919" y="7366478"/>
+          <a:ext cx="7477080" cy="2454556"/>
         </p:xfrm>
         <a:graphic>
           <a:graphicData uri="http://schemas.openxmlformats.org/drawingml/2006/table">
@@ -3358,19 +2697,15 @@
                         </a:spcBef>
                       </a:pPr>
                       <a:r>
-                        <a:rPr sz="900" spc="-20" dirty="0">
+                        <a:rPr lang="fr-FR" sz="900">
                           <a:solidFill>
                             <a:srgbClr val="020302"/>
                           </a:solidFill>
                           <a:latin typeface="Adobe Clean"/>
                           <a:cs typeface="Adobe Clean"/>
                         </a:rPr>
-                        <a:t>Priority</a:t>
+                        <a:t>Priorité</a:t>
                       </a:r>
-                      <a:endParaRPr sz="900" dirty="0">
-                        <a:latin typeface="Adobe Clean"/>
-                        <a:cs typeface="Adobe Clean"/>
-                      </a:endParaRPr>
                     </a:p>
                   </a:txBody>
                   <a:tcPr marL="0" marR="0" marT="6985" marB="0" anchor="ctr">
@@ -3417,22 +2752,18 @@
                         </a:spcBef>
                       </a:pPr>
                       <a:r>
-                        <a:rPr sz="900" spc="0" dirty="0">
+                        <a:rPr lang="fr-FR" sz="900">
                           <a:solidFill>
                             <a:srgbClr val="020302"/>
                           </a:solidFill>
                           <a:latin typeface="Adobe Clean"/>
                           <a:cs typeface="Adobe Clean"/>
                         </a:rPr>
-                        <a:t>Online Support</a:t>
+                        <a:t>Assistance en ligne</a:t>
                       </a:r>
-                      <a:endParaRPr sz="900" spc="0" dirty="0">
-                        <a:latin typeface="Adobe Clean"/>
-                        <a:cs typeface="Adobe Clean"/>
-                      </a:endParaRPr>
                     </a:p>
                   </a:txBody>
-                  <a:tcPr marL="0" marR="0" marT="0" marB="0" anchor="ctr">
+                  <a:tcPr marL="0" marR="0" marT="6985" marB="0" anchor="ctr">
                     <a:lnL w="6350">
                       <a:solidFill>
                         <a:srgbClr val="B7B8B8"/>
@@ -3451,14 +2782,11 @@
                       </a:solidFill>
                       <a:prstDash val="solid"/>
                     </a:lnT>
-                    <a:lnB w="76200" cap="flat" cmpd="sng" algn="ctr">
+                    <a:lnB w="76200">
                       <a:solidFill>
                         <a:srgbClr val="B3B3B3"/>
                       </a:solidFill>
                       <a:prstDash val="solid"/>
-                      <a:round/>
-                      <a:headEnd type="none" w="med" len="med"/>
-                      <a:tailEnd type="none" w="med" len="med"/>
                     </a:lnB>
                     <a:solidFill>
                       <a:srgbClr val="D9D9D9"/>
@@ -3470,7 +2798,7 @@
                     <a:bodyPr/>
                     <a:lstStyle/>
                     <a:p>
-                      <a:pPr marL="260985">
+                      <a:pPr marL="0" indent="0" algn="ctr">
                         <a:lnSpc>
                           <a:spcPct val="100000"/>
                         </a:lnSpc>
@@ -3479,22 +2807,37 @@
                         </a:spcBef>
                       </a:pPr>
                       <a:r>
-                        <a:rPr sz="900" spc="0" dirty="0">
+                        <a:rPr lang="fr-FR" sz="900" dirty="0">
                           <a:solidFill>
                             <a:srgbClr val="FFFFFF"/>
                           </a:solidFill>
                           <a:latin typeface="Adobe Clean"/>
                           <a:cs typeface="Adobe Clean"/>
                         </a:rPr>
-                        <a:t>Enterprise Support</a:t>
+                        <a:t>Assistance </a:t>
                       </a:r>
-                      <a:endParaRPr sz="900" spc="0" dirty="0">
-                        <a:latin typeface="Adobe Clean"/>
-                        <a:cs typeface="Adobe Clean"/>
-                      </a:endParaRPr>
+                      <a:br>
+                        <a:rPr lang="sk-SK" sz="900" dirty="0">
+                          <a:solidFill>
+                            <a:srgbClr val="FFFFFF"/>
+                          </a:solidFill>
+                          <a:latin typeface="Adobe Clean"/>
+                          <a:cs typeface="Adobe Clean"/>
+                        </a:rPr>
+                      </a:br>
+                      <a:r>
+                        <a:rPr lang="fr-FR" sz="900" dirty="0">
+                          <a:solidFill>
+                            <a:srgbClr val="FFFFFF"/>
+                          </a:solidFill>
+                          <a:latin typeface="Adobe Clean"/>
+                          <a:cs typeface="Adobe Clean"/>
+                        </a:rPr>
+                        <a:t>aux entreprises</a:t>
+                      </a:r>
                     </a:p>
                   </a:txBody>
-                  <a:tcPr marL="0" marR="0" marT="0" marB="0" anchor="ctr">
+                  <a:tcPr marL="0" marR="0" marT="10160" marB="0" anchor="ctr">
                     <a:lnL w="6350">
                       <a:solidFill>
                         <a:srgbClr val="B7B8B8"/>
@@ -3551,112 +2894,18 @@
                         </a:spcBef>
                       </a:pPr>
                       <a:r>
-                        <a:rPr sz="900" b="1" spc="-15" dirty="0">
+                        <a:rPr lang="fr-FR" sz="900" b="1" dirty="0">
                           <a:solidFill>
                             <a:srgbClr val="020302"/>
                           </a:solidFill>
                           <a:latin typeface="Adobe Clean"/>
                           <a:cs typeface="Adobe Clean"/>
                         </a:rPr>
-                        <a:t>P</a:t>
+                        <a:t>PRIORITÉ 1</a:t>
                       </a:r>
-                      <a:r>
-                        <a:rPr sz="900" b="1" spc="-20" dirty="0">
-                          <a:solidFill>
-                            <a:srgbClr val="020302"/>
-                          </a:solidFill>
-                          <a:latin typeface="Adobe Clean"/>
-                          <a:cs typeface="Adobe Clean"/>
-                        </a:rPr>
-                        <a:t>R</a:t>
-                      </a:r>
-                      <a:r>
-                        <a:rPr sz="900" b="1" spc="-25" dirty="0">
-                          <a:solidFill>
-                            <a:srgbClr val="020302"/>
-                          </a:solidFill>
-                          <a:latin typeface="Adobe Clean"/>
-                          <a:cs typeface="Adobe Clean"/>
-                        </a:rPr>
-                        <a:t>I</a:t>
-                      </a:r>
-                      <a:r>
-                        <a:rPr sz="900" b="1" spc="-15" dirty="0">
-                          <a:solidFill>
-                            <a:srgbClr val="020302"/>
-                          </a:solidFill>
-                          <a:latin typeface="Adobe Clean"/>
-                          <a:cs typeface="Adobe Clean"/>
-                        </a:rPr>
-                        <a:t>O</a:t>
-                      </a:r>
-                      <a:r>
-                        <a:rPr sz="900" b="1" spc="-20" dirty="0">
-                          <a:solidFill>
-                            <a:srgbClr val="020302"/>
-                          </a:solidFill>
-                          <a:latin typeface="Adobe Clean"/>
-                          <a:cs typeface="Adobe Clean"/>
-                        </a:rPr>
-                        <a:t>R</a:t>
-                      </a:r>
-                      <a:r>
-                        <a:rPr sz="900" b="1" spc="-25" dirty="0">
-                          <a:solidFill>
-                            <a:srgbClr val="020302"/>
-                          </a:solidFill>
-                          <a:latin typeface="Adobe Clean"/>
-                          <a:cs typeface="Adobe Clean"/>
-                        </a:rPr>
-                        <a:t>I</a:t>
-                      </a:r>
-                      <a:r>
-                        <a:rPr sz="900" b="1" spc="-15" dirty="0">
-                          <a:solidFill>
-                            <a:srgbClr val="020302"/>
-                          </a:solidFill>
-                          <a:latin typeface="Adobe Clean"/>
-                          <a:cs typeface="Adobe Clean"/>
-                        </a:rPr>
-                        <a:t>T</a:t>
-                      </a:r>
-                      <a:r>
-                        <a:rPr sz="900" b="1" dirty="0">
-                          <a:solidFill>
-                            <a:srgbClr val="020302"/>
-                          </a:solidFill>
-                          <a:latin typeface="Adobe Clean"/>
-                          <a:cs typeface="Adobe Clean"/>
-                        </a:rPr>
-                        <a:t>Y</a:t>
-                      </a:r>
-                      <a:r>
-                        <a:rPr sz="900" b="1" spc="-40" dirty="0">
-                          <a:solidFill>
-                            <a:srgbClr val="020302"/>
-                          </a:solidFill>
-                          <a:latin typeface="Adobe Clean"/>
-                          <a:cs typeface="Adobe Clean"/>
-                        </a:rPr>
-                        <a:t> </a:t>
-                      </a:r>
-                      <a:r>
-                        <a:rPr sz="900" b="1" dirty="0">
-                          <a:solidFill>
-                            <a:srgbClr val="020302"/>
-                          </a:solidFill>
-                          <a:latin typeface="Adobe Clean"/>
-                          <a:cs typeface="Adobe Clean"/>
-                        </a:rPr>
-                        <a:t>1</a:t>
-                      </a:r>
-                      <a:endParaRPr sz="900" dirty="0">
-                        <a:latin typeface="Adobe Clean"/>
-                        <a:cs typeface="Adobe Clean"/>
-                      </a:endParaRPr>
                     </a:p>
                     <a:p>
-                      <a:pPr marL="50800" marR="387985" lvl="0" indent="0" eaLnBrk="1" fontAlgn="auto" latinLnBrk="0" hangingPunct="1">
+                      <a:pPr marL="50800" marR="387985" lvl="0" indent="0" defTabSz="914400" eaLnBrk="1" fontAlgn="auto" latinLnBrk="0" hangingPunct="1">
                         <a:lnSpc>
                           <a:spcPts val="1000"/>
                         </a:lnSpc>
@@ -3670,33 +2919,52 @@
                         <a:buSzTx/>
                         <a:buFontTx/>
                         <a:buNone/>
+                        <a:tabLst/>
+                        <a:defRPr/>
                       </a:pPr>
                       <a:r>
-                        <a:rPr lang="en-US" sz="900" b="0" i="0" spc="-130" dirty="0">
+                        <a:rPr lang="fr-FR" sz="900" b="0" i="0" dirty="0">
                           <a:solidFill>
                             <a:srgbClr val="020302"/>
                           </a:solidFill>
-                          <a:latin typeface="Adobe Clean Light"/>
-                          <a:cs typeface="+mn-cs"/>
+                          <a:latin typeface="Adobe Clean Light" panose="020B0303020404020204" pitchFamily="34" charset="0"/>
+                          <a:ea typeface="+mn-ea"/>
+                          <a:cs typeface="Adobe Clean"/>
                         </a:rPr>
-                        <a:t> </a:t>
+                        <a:t> </a:t>
                       </a:r>
                       <a:r>
-                        <a:rPr lang="en-US" sz="900" b="0" i="0" u="none" strike="noStrike" dirty="0">
+                        <a:rPr lang="fr-FR" sz="900" b="0" i="0" u="none" strike="noStrike" dirty="0">
                           <a:solidFill>
                             <a:schemeClr val="tx1"/>
                           </a:solidFill>
-                          <a:effectLst/>
-                          <a:latin typeface="Adobe Clean Light"/>
+                          <a:latin typeface="Adobe Clean Light" panose="020B0303020404020204" pitchFamily="34" charset="0"/>
                           <a:ea typeface="+mn-ea"/>
                           <a:cs typeface="+mn-cs"/>
                         </a:rPr>
-                        <a:t>Customer's production business functions are down or has significant data loss or degradation of services and immediate attention is required to restore functionality and usability</a:t>
+                        <a:t>Les fonctions commerciales de production du client sont en panne ou présentent une perte </a:t>
                       </a:r>
-                      <a:endParaRPr lang="en-US" sz="900" b="0" i="0" dirty="0">
-                        <a:latin typeface="Adobe Clean Light"/>
-                        <a:cs typeface="AdobeClean-Light"/>
-                      </a:endParaRPr>
+                      <a:br>
+                        <a:rPr lang="sk-SK" sz="900" b="0" i="0" u="none" strike="noStrike" dirty="0">
+                          <a:solidFill>
+                            <a:schemeClr val="tx1"/>
+                          </a:solidFill>
+                          <a:latin typeface="Adobe Clean Light" panose="020B0303020404020204" pitchFamily="34" charset="0"/>
+                          <a:ea typeface="+mn-ea"/>
+                          <a:cs typeface="+mn-cs"/>
+                        </a:rPr>
+                      </a:br>
+                      <a:r>
+                        <a:rPr lang="fr-FR" sz="900" b="0" i="0" u="none" strike="noStrike" dirty="0">
+                          <a:solidFill>
+                            <a:schemeClr val="tx1"/>
+                          </a:solidFill>
+                          <a:latin typeface="Adobe Clean Light" panose="020B0303020404020204" pitchFamily="34" charset="0"/>
+                          <a:ea typeface="+mn-ea"/>
+                          <a:cs typeface="+mn-cs"/>
+                        </a:rPr>
+                        <a:t>de données importante ou une dégradation des services. Une attention immédiate est requise afin de restaurer les fonctionnalités et l’accessibilité</a:t>
+                      </a:r>
                     </a:p>
                   </a:txBody>
                   <a:tcPr marL="0" marR="0" marT="0" marB="0" anchor="ctr">
@@ -3706,14 +2974,11 @@
                       </a:solidFill>
                       <a:prstDash val="solid"/>
                     </a:lnL>
-                    <a:lnR w="6350" cap="flat" cmpd="sng" algn="ctr">
+                    <a:lnR w="6350">
                       <a:solidFill>
                         <a:srgbClr val="B7B8B8"/>
                       </a:solidFill>
                       <a:prstDash val="solid"/>
-                      <a:round/>
-                      <a:headEnd type="none" w="med" len="med"/>
-                      <a:tailEnd type="none" w="med" len="med"/>
                     </a:lnR>
                     <a:lnT w="6350">
                       <a:solidFill>
@@ -3734,34 +2999,35 @@
                     <a:bodyPr/>
                     <a:lstStyle/>
                     <a:p>
-                      <a:pPr algn="ctr" fontAlgn="ctr"/>
+                      <a:pPr marL="542925" marR="492125" algn="ctr">
+                        <a:lnSpc>
+                          <a:spcPct val="102200"/>
+                        </a:lnSpc>
+                      </a:pPr>
                       <a:r>
-                        <a:rPr lang="en-US" sz="900" b="0" i="0" u="none" strike="noStrike" dirty="0">
+                        <a:rPr lang="fr-FR" sz="900" dirty="0">
                           <a:solidFill>
                             <a:srgbClr val="020302"/>
                           </a:solidFill>
-                          <a:effectLst/>
-                          <a:latin typeface="AdobeClean-Light" panose="020B0503020404020204" pitchFamily="34" charset="0"/>
+                          <a:latin typeface="AdobeClean-Light"/>
+                          <a:cs typeface="AdobeClean-Light"/>
                         </a:rPr>
-                        <a:t>24x7 /  1 hour</a:t>
+                        <a:t>24x7 /           1 heure</a:t>
                       </a:r>
                     </a:p>
                   </a:txBody>
-                  <a:tcPr marL="9525" marR="9525" marT="9525" marB="0" anchor="ctr">
+                  <a:tcPr marL="0" marR="0" marT="0" marB="0" anchor="ctr">
                     <a:lnL w="6350">
                       <a:solidFill>
                         <a:srgbClr val="B7B8B8"/>
                       </a:solidFill>
                       <a:prstDash val="solid"/>
                     </a:lnL>
-                    <a:lnR w="6350" cap="flat" cmpd="sng" algn="ctr">
+                    <a:lnR w="6350">
                       <a:solidFill>
                         <a:srgbClr val="B7B8B8"/>
                       </a:solidFill>
                       <a:prstDash val="solid"/>
-                      <a:round/>
-                      <a:headEnd type="none" w="med" len="med"/>
-                      <a:tailEnd type="none" w="med" len="med"/>
                     </a:lnR>
                     <a:lnT w="76200">
                       <a:solidFill>
@@ -3782,28 +3048,52 @@
                     <a:bodyPr/>
                     <a:lstStyle/>
                     <a:p>
-                      <a:pPr algn="ctr" fontAlgn="ctr"/>
+                      <a:pPr marL="288925" marR="476250" indent="0" algn="ctr">
+                        <a:lnSpc>
+                          <a:spcPct val="100000"/>
+                        </a:lnSpc>
+                        <a:spcBef>
+                          <a:spcPts val="700"/>
+                        </a:spcBef>
+                      </a:pPr>
                       <a:r>
-                        <a:rPr lang="en-US" sz="900" b="0" i="0" u="none" strike="noStrike">
+                        <a:rPr lang="fr-FR" sz="900" dirty="0">
                           <a:solidFill>
                             <a:srgbClr val="020302"/>
                           </a:solidFill>
-                          <a:effectLst/>
-                          <a:latin typeface="AdobeClean-Light" panose="020B0503020404020204" pitchFamily="34" charset="0"/>
+                          <a:latin typeface="AdobeClean-Light"/>
+                          <a:cs typeface="AdobeClean-Light"/>
                         </a:rPr>
-                        <a:t>24x7 / 30 minutes</a:t>
+                        <a:t>24x7 /</a:t>
+                      </a:r>
+                      <a:r>
+                        <a:rPr lang="sk-SK" sz="900" dirty="0">
+                          <a:solidFill>
+                            <a:srgbClr val="020302"/>
+                          </a:solidFill>
+                          <a:latin typeface="AdobeClean-Light"/>
+                          <a:cs typeface="AdobeClean-Light"/>
+                        </a:rPr>
+                        <a:t> </a:t>
+                      </a:r>
+                      <a:r>
+                        <a:rPr lang="fr-FR" sz="900" dirty="0">
+                          <a:solidFill>
+                            <a:srgbClr val="020302"/>
+                          </a:solidFill>
+                          <a:latin typeface="AdobeClean-Light"/>
+                          <a:cs typeface="AdobeClean-Light"/>
+                        </a:rPr>
+                        <a:t>30 minutes</a:t>
                       </a:r>
                     </a:p>
                   </a:txBody>
-                  <a:tcPr marL="9525" marR="9525" marT="9525" marB="0" anchor="ctr">
-                    <a:lnL w="6350" cap="flat" cmpd="sng" algn="ctr">
+                  <a:tcPr marL="0" marR="0" marT="0" marB="0" anchor="ctr">
+                    <a:lnL w="6350">
                       <a:solidFill>
                         <a:srgbClr val="B7B8B8"/>
                       </a:solidFill>
                       <a:prstDash val="solid"/>
-                      <a:round/>
-                      <a:headEnd type="none" w="med" len="med"/>
-                      <a:tailEnd type="none" w="med" len="med"/>
                     </a:lnL>
                     <a:lnR w="6350" cap="flat" cmpd="sng" algn="ctr">
                       <a:solidFill>
@@ -3842,7 +3132,7 @@
                   </a:ext>
                 </a:extLst>
               </a:tr>
-              <a:tr h="0">
+              <a:tr h="484755">
                 <a:tc>
                   <a:txBody>
                     <a:bodyPr/>
@@ -3857,109 +3147,15 @@
                         </a:spcBef>
                       </a:pPr>
                       <a:r>
-                        <a:rPr sz="900" b="1" spc="-15" dirty="0">
+                        <a:rPr lang="fr-FR" sz="900" b="1" dirty="0">
                           <a:solidFill>
                             <a:srgbClr val="020302"/>
                           </a:solidFill>
                           <a:latin typeface="Adobe Clean"/>
                           <a:cs typeface="Adobe Clean"/>
                         </a:rPr>
-                        <a:t>P</a:t>
+                        <a:t>PRIORITÉ 2</a:t>
                       </a:r>
-                      <a:r>
-                        <a:rPr sz="900" b="1" spc="-20" dirty="0">
-                          <a:solidFill>
-                            <a:srgbClr val="020302"/>
-                          </a:solidFill>
-                          <a:latin typeface="Adobe Clean"/>
-                          <a:cs typeface="Adobe Clean"/>
-                        </a:rPr>
-                        <a:t>R</a:t>
-                      </a:r>
-                      <a:r>
-                        <a:rPr sz="900" b="1" spc="-25" dirty="0">
-                          <a:solidFill>
-                            <a:srgbClr val="020302"/>
-                          </a:solidFill>
-                          <a:latin typeface="Adobe Clean"/>
-                          <a:cs typeface="Adobe Clean"/>
-                        </a:rPr>
-                        <a:t>I</a:t>
-                      </a:r>
-                      <a:r>
-                        <a:rPr sz="900" b="1" spc="-15" dirty="0">
-                          <a:solidFill>
-                            <a:srgbClr val="020302"/>
-                          </a:solidFill>
-                          <a:latin typeface="Adobe Clean"/>
-                          <a:cs typeface="Adobe Clean"/>
-                        </a:rPr>
-                        <a:t>O</a:t>
-                      </a:r>
-                      <a:r>
-                        <a:rPr sz="900" b="1" spc="-20" dirty="0">
-                          <a:solidFill>
-                            <a:srgbClr val="020302"/>
-                          </a:solidFill>
-                          <a:latin typeface="Adobe Clean"/>
-                          <a:cs typeface="Adobe Clean"/>
-                        </a:rPr>
-                        <a:t>R</a:t>
-                      </a:r>
-                      <a:r>
-                        <a:rPr sz="900" b="1" spc="-25" dirty="0">
-                          <a:solidFill>
-                            <a:srgbClr val="020302"/>
-                          </a:solidFill>
-                          <a:latin typeface="Adobe Clean"/>
-                          <a:cs typeface="Adobe Clean"/>
-                        </a:rPr>
-                        <a:t>I</a:t>
-                      </a:r>
-                      <a:r>
-                        <a:rPr sz="900" b="1" spc="-15" dirty="0">
-                          <a:solidFill>
-                            <a:srgbClr val="020302"/>
-                          </a:solidFill>
-                          <a:latin typeface="Adobe Clean"/>
-                          <a:cs typeface="Adobe Clean"/>
-                        </a:rPr>
-                        <a:t>T</a:t>
-                      </a:r>
-                      <a:r>
-                        <a:rPr sz="900" b="1" dirty="0">
-                          <a:solidFill>
-                            <a:srgbClr val="020302"/>
-                          </a:solidFill>
-                          <a:latin typeface="Adobe Clean"/>
-                          <a:cs typeface="Adobe Clean"/>
-                        </a:rPr>
-                        <a:t>Y</a:t>
-                      </a:r>
-                      <a:r>
-                        <a:rPr sz="900" b="1" spc="-40" dirty="0">
-                          <a:solidFill>
-                            <a:srgbClr val="020302"/>
-                          </a:solidFill>
-                          <a:latin typeface="Adobe Clean"/>
-                          <a:cs typeface="Adobe Clean"/>
-                        </a:rPr>
-                        <a:t> </a:t>
-                      </a:r>
-                      <a:r>
-                        <a:rPr sz="900" b="1" dirty="0">
-                          <a:solidFill>
-                            <a:srgbClr val="020302"/>
-                          </a:solidFill>
-                          <a:latin typeface="Adobe Clean"/>
-                          <a:cs typeface="Adobe Clean"/>
-                        </a:rPr>
-                        <a:t>2</a:t>
-                      </a:r>
-                      <a:endParaRPr sz="900" dirty="0">
-                        <a:latin typeface="Adobe Clean"/>
-                        <a:cs typeface="Adobe Clean"/>
-                      </a:endParaRPr>
                     </a:p>
                     <a:p>
                       <a:pPr marL="50165" marR="203200">
@@ -3971,21 +3167,37 @@
                         </a:spcBef>
                       </a:pPr>
                       <a:r>
-                        <a:rPr lang="en-US" sz="900" b="0" i="0" u="none" strike="noStrike" dirty="0">
+                        <a:rPr lang="fr-FR" sz="900" b="0" i="0" u="none" strike="noStrike" dirty="0">
                           <a:solidFill>
                             <a:schemeClr val="tx1"/>
                           </a:solidFill>
-                          <a:effectLst/>
-                          <a:latin typeface="Adobe Clean Light"/>
+                          <a:latin typeface="Adobe Clean Light" panose="020B0303020404020204" pitchFamily="34" charset="0"/>
                           <a:ea typeface="+mn-ea"/>
                           <a:cs typeface="+mn-cs"/>
                         </a:rPr>
-                        <a:t>Customer's business functions has major degradation of services, or potential of data loss or unavailability of services, or a major feature is impacted</a:t>
+                        <a:t>Les fonctions commerciales du client présentent une dégradation importante des services, </a:t>
                       </a:r>
-                      <a:endParaRPr lang="en-US" sz="900" b="0" i="0" dirty="0">
-                        <a:latin typeface="Adobe Clean Light"/>
-                        <a:cs typeface="AdobeClean-Light"/>
-                      </a:endParaRPr>
+                      <a:br>
+                        <a:rPr lang="sk-SK" sz="900" b="0" i="0" u="none" strike="noStrike" dirty="0">
+                          <a:solidFill>
+                            <a:schemeClr val="tx1"/>
+                          </a:solidFill>
+                          <a:latin typeface="Adobe Clean Light" panose="020B0303020404020204" pitchFamily="34" charset="0"/>
+                          <a:ea typeface="+mn-ea"/>
+                          <a:cs typeface="+mn-cs"/>
+                        </a:rPr>
+                      </a:br>
+                      <a:r>
+                        <a:rPr lang="fr-FR" sz="900" b="0" i="0" u="none" strike="noStrike" dirty="0">
+                          <a:solidFill>
+                            <a:schemeClr val="tx1"/>
+                          </a:solidFill>
+                          <a:latin typeface="Adobe Clean Light" panose="020B0303020404020204" pitchFamily="34" charset="0"/>
+                          <a:ea typeface="+mn-ea"/>
+                          <a:cs typeface="+mn-cs"/>
+                        </a:rPr>
+                        <a:t>une perte potentielle de données ou une indisponibilité des services. Il est également possible qu’une fonctionnalité majeure soit affectée</a:t>
+                      </a:r>
                     </a:p>
                   </a:txBody>
                   <a:tcPr marL="0" marR="0" marT="0" marB="0" anchor="ctr">
@@ -3995,14 +3207,11 @@
                       </a:solidFill>
                       <a:prstDash val="solid"/>
                     </a:lnL>
-                    <a:lnR w="6350" cap="flat" cmpd="sng" algn="ctr">
+                    <a:lnR w="6350">
                       <a:solidFill>
                         <a:srgbClr val="B7B8B8"/>
                       </a:solidFill>
                       <a:prstDash val="solid"/>
-                      <a:round/>
-                      <a:headEnd type="none" w="med" len="med"/>
-                      <a:tailEnd type="none" w="med" len="med"/>
                     </a:lnR>
                     <a:lnT w="6350">
                       <a:solidFill>
@@ -4023,34 +3232,55 @@
                     <a:bodyPr/>
                     <a:lstStyle/>
                     <a:p>
-                      <a:pPr algn="ctr" fontAlgn="ctr"/>
+                      <a:pPr marL="228600" marR="343535" indent="69850" algn="ctr">
+                        <a:lnSpc>
+                          <a:spcPct val="102200"/>
+                        </a:lnSpc>
+                      </a:pPr>
                       <a:r>
-                        <a:rPr lang="en-US" sz="900" b="0" i="0" u="none" strike="noStrike" dirty="0">
+                        <a:rPr lang="fr-FR" sz="900" dirty="0">
                           <a:solidFill>
                             <a:srgbClr val="020302"/>
                           </a:solidFill>
-                          <a:effectLst/>
-                          <a:latin typeface="AdobeClean-Light" panose="020B0503020404020204" pitchFamily="34" charset="0"/>
+                          <a:latin typeface="AdobeClean-Light"/>
+                          <a:cs typeface="AdobeClean-Light"/>
                         </a:rPr>
-                        <a:t>Business hours / 4 hours</a:t>
+                        <a:t>Heures d’ouverture /</a:t>
+                      </a:r>
+                      <a:r>
+                        <a:rPr lang="sk-SK" sz="900" dirty="0">
+                          <a:solidFill>
+                            <a:srgbClr val="020302"/>
+                          </a:solidFill>
+                          <a:latin typeface="AdobeClean-Light"/>
+                          <a:cs typeface="AdobeClean-Light"/>
+                        </a:rPr>
+                        <a:t> </a:t>
+                      </a:r>
+                      <a:r>
+                        <a:rPr lang="fr-FR" sz="900" dirty="0">
+                          <a:solidFill>
+                            <a:srgbClr val="020302"/>
+                          </a:solidFill>
+                          <a:latin typeface="AdobeClean-Light"/>
+                          <a:cs typeface="AdobeClean-Light"/>
+                        </a:rPr>
+                        <a:t>4 heures</a:t>
                       </a:r>
                     </a:p>
                   </a:txBody>
-                  <a:tcPr marL="9525" marR="9525" marT="9525" marB="0" anchor="ctr">
+                  <a:tcPr marL="0" marR="0" marT="0" marB="0" anchor="ctr">
                     <a:lnL w="6350">
                       <a:solidFill>
                         <a:srgbClr val="B7B8B8"/>
                       </a:solidFill>
                       <a:prstDash val="solid"/>
                     </a:lnL>
-                    <a:lnR w="6350" cap="flat" cmpd="sng" algn="ctr">
+                    <a:lnR w="6350">
                       <a:solidFill>
                         <a:srgbClr val="B7B8B8"/>
                       </a:solidFill>
                       <a:prstDash val="solid"/>
-                      <a:round/>
-                      <a:headEnd type="none" w="med" len="med"/>
-                      <a:tailEnd type="none" w="med" len="med"/>
                     </a:lnR>
                     <a:lnT w="6350">
                       <a:solidFill>
@@ -4071,28 +3301,30 @@
                     <a:bodyPr/>
                     <a:lstStyle/>
                     <a:p>
-                      <a:pPr algn="ctr" fontAlgn="ctr"/>
+                      <a:pPr marL="288925" marR="492125" indent="0" algn="ctr">
+                        <a:lnSpc>
+                          <a:spcPct val="102200"/>
+                        </a:lnSpc>
+                      </a:pPr>
                       <a:r>
-                        <a:rPr lang="en-US" sz="900" b="0" i="0" u="none" strike="noStrike">
+                        <a:rPr lang="fr-FR" sz="900" dirty="0">
                           <a:solidFill>
                             <a:srgbClr val="020302"/>
                           </a:solidFill>
-                          <a:effectLst/>
-                          <a:latin typeface="AdobeClean-Light" panose="020B0503020404020204" pitchFamily="34" charset="0"/>
+                          <a:latin typeface="AdobeClean-Light"/>
+                          <a:ea typeface="+mn-ea"/>
+                          <a:cs typeface="AdobeClean-Light"/>
                         </a:rPr>
-                        <a:t>24x5 / 1 hour</a:t>
+                        <a:t>24x5 /   1 heure</a:t>
                       </a:r>
                     </a:p>
                   </a:txBody>
-                  <a:tcPr marL="9525" marR="9525" marT="9525" marB="0" anchor="ctr">
-                    <a:lnL w="6350" cap="flat" cmpd="sng" algn="ctr">
+                  <a:tcPr marL="0" marR="0" marT="0" marB="0" anchor="ctr">
+                    <a:lnL w="6350">
                       <a:solidFill>
                         <a:srgbClr val="B7B8B8"/>
                       </a:solidFill>
                       <a:prstDash val="solid"/>
-                      <a:round/>
-                      <a:headEnd type="none" w="med" len="med"/>
-                      <a:tailEnd type="none" w="med" len="med"/>
                     </a:lnL>
                     <a:lnR w="6350" cap="flat" cmpd="sng" algn="ctr">
                       <a:solidFill>
@@ -4143,109 +3375,15 @@
                         </a:spcBef>
                       </a:pPr>
                       <a:r>
-                        <a:rPr sz="900" b="1" spc="-15" dirty="0">
+                        <a:rPr lang="fr-FR" sz="900" b="1" dirty="0">
                           <a:solidFill>
                             <a:srgbClr val="020302"/>
                           </a:solidFill>
                           <a:latin typeface="Adobe Clean"/>
                           <a:cs typeface="Adobe Clean"/>
                         </a:rPr>
-                        <a:t>P</a:t>
+                        <a:t>PRIORITÉ 3</a:t>
                       </a:r>
-                      <a:r>
-                        <a:rPr sz="900" b="1" spc="-20" dirty="0">
-                          <a:solidFill>
-                            <a:srgbClr val="020302"/>
-                          </a:solidFill>
-                          <a:latin typeface="Adobe Clean"/>
-                          <a:cs typeface="Adobe Clean"/>
-                        </a:rPr>
-                        <a:t>R</a:t>
-                      </a:r>
-                      <a:r>
-                        <a:rPr sz="900" b="1" spc="-25" dirty="0">
-                          <a:solidFill>
-                            <a:srgbClr val="020302"/>
-                          </a:solidFill>
-                          <a:latin typeface="Adobe Clean"/>
-                          <a:cs typeface="Adobe Clean"/>
-                        </a:rPr>
-                        <a:t>I</a:t>
-                      </a:r>
-                      <a:r>
-                        <a:rPr sz="900" b="1" spc="-15" dirty="0">
-                          <a:solidFill>
-                            <a:srgbClr val="020302"/>
-                          </a:solidFill>
-                          <a:latin typeface="Adobe Clean"/>
-                          <a:cs typeface="Adobe Clean"/>
-                        </a:rPr>
-                        <a:t>O</a:t>
-                      </a:r>
-                      <a:r>
-                        <a:rPr sz="900" b="1" spc="-20" dirty="0">
-                          <a:solidFill>
-                            <a:srgbClr val="020302"/>
-                          </a:solidFill>
-                          <a:latin typeface="Adobe Clean"/>
-                          <a:cs typeface="Adobe Clean"/>
-                        </a:rPr>
-                        <a:t>R</a:t>
-                      </a:r>
-                      <a:r>
-                        <a:rPr sz="900" b="1" spc="-25" dirty="0">
-                          <a:solidFill>
-                            <a:srgbClr val="020302"/>
-                          </a:solidFill>
-                          <a:latin typeface="Adobe Clean"/>
-                          <a:cs typeface="Adobe Clean"/>
-                        </a:rPr>
-                        <a:t>I</a:t>
-                      </a:r>
-                      <a:r>
-                        <a:rPr sz="900" b="1" spc="-15" dirty="0">
-                          <a:solidFill>
-                            <a:srgbClr val="020302"/>
-                          </a:solidFill>
-                          <a:latin typeface="Adobe Clean"/>
-                          <a:cs typeface="Adobe Clean"/>
-                        </a:rPr>
-                        <a:t>T</a:t>
-                      </a:r>
-                      <a:r>
-                        <a:rPr sz="900" b="1" dirty="0">
-                          <a:solidFill>
-                            <a:srgbClr val="020302"/>
-                          </a:solidFill>
-                          <a:latin typeface="Adobe Clean"/>
-                          <a:cs typeface="Adobe Clean"/>
-                        </a:rPr>
-                        <a:t>Y</a:t>
-                      </a:r>
-                      <a:r>
-                        <a:rPr sz="900" b="1" spc="-40" dirty="0">
-                          <a:solidFill>
-                            <a:srgbClr val="020302"/>
-                          </a:solidFill>
-                          <a:latin typeface="Adobe Clean"/>
-                          <a:cs typeface="Adobe Clean"/>
-                        </a:rPr>
-                        <a:t> </a:t>
-                      </a:r>
-                      <a:r>
-                        <a:rPr sz="900" b="1" dirty="0">
-                          <a:solidFill>
-                            <a:srgbClr val="020302"/>
-                          </a:solidFill>
-                          <a:latin typeface="Adobe Clean"/>
-                          <a:cs typeface="Adobe Clean"/>
-                        </a:rPr>
-                        <a:t>3</a:t>
-                      </a:r>
-                      <a:endParaRPr sz="900" dirty="0">
-                        <a:latin typeface="Adobe Clean"/>
-                        <a:cs typeface="Adobe Clean"/>
-                      </a:endParaRPr>
                     </a:p>
                     <a:p>
                       <a:pPr marL="49530" marR="212090" indent="-2540">
@@ -4257,21 +3395,16 @@
                         </a:spcBef>
                       </a:pPr>
                       <a:r>
-                        <a:rPr lang="en-US" sz="900" b="0" i="0" u="none" strike="noStrike" dirty="0">
+                        <a:rPr lang="fr-FR" sz="900" b="0" i="0" u="none" strike="noStrike" spc="-30" baseline="0" dirty="0">
                           <a:solidFill>
                             <a:schemeClr val="tx1"/>
                           </a:solidFill>
-                          <a:effectLst/>
-                          <a:latin typeface="Adobe Clean Light"/>
+                          <a:latin typeface="Adobe Clean Light" panose="020B0303020404020204" pitchFamily="34" charset="0"/>
                           <a:ea typeface="+mn-ea"/>
                           <a:cs typeface="+mn-cs"/>
                         </a:rPr>
-                        <a:t>Customer's business functions has minor to no degradation of services with a solution/workaround allowing business functions to continue </a:t>
+                        <a:t>Les fonctions commerciales du client présentent une dégradation mineure, voire inexistante, des services, comprenant une solution/un moyen permettant aux fonctions commerciales de continuer de fonctionner  </a:t>
                       </a:r>
-                      <a:endParaRPr lang="en-US" sz="900" b="0" i="0" dirty="0">
-                        <a:latin typeface="Adobe Clean Light"/>
-                        <a:cs typeface="AdobeClean-Light"/>
-                      </a:endParaRPr>
                     </a:p>
                   </a:txBody>
                   <a:tcPr marL="0" marR="0" marT="0" marB="0" anchor="ctr">
@@ -4281,14 +3414,11 @@
                       </a:solidFill>
                       <a:prstDash val="solid"/>
                     </a:lnL>
-                    <a:lnR w="6350" cap="flat" cmpd="sng" algn="ctr">
+                    <a:lnR w="6350">
                       <a:solidFill>
                         <a:srgbClr val="B7B8B8"/>
                       </a:solidFill>
                       <a:prstDash val="solid"/>
-                      <a:round/>
-                      <a:headEnd type="none" w="med" len="med"/>
-                      <a:tailEnd type="none" w="med" len="med"/>
                     </a:lnR>
                     <a:lnT w="6350">
                       <a:solidFill>
@@ -4309,34 +3439,35 @@
                     <a:bodyPr/>
                     <a:lstStyle/>
                     <a:p>
-                      <a:pPr algn="ctr" fontAlgn="ctr"/>
+                      <a:pPr marL="228600" marR="343535" indent="0" algn="ctr">
+                        <a:lnSpc>
+                          <a:spcPct val="102200"/>
+                        </a:lnSpc>
+                      </a:pPr>
                       <a:r>
-                        <a:rPr lang="en-US" sz="900" b="0" i="0" u="none" strike="noStrike" dirty="0">
+                        <a:rPr lang="fr-FR" sz="900" dirty="0">
                           <a:solidFill>
                             <a:srgbClr val="020302"/>
                           </a:solidFill>
-                          <a:effectLst/>
-                          <a:latin typeface="AdobeClean-Light" panose="020B0503020404020204" pitchFamily="34" charset="0"/>
+                          <a:latin typeface="AdobeClean-Light"/>
+                          <a:cs typeface="AdobeClean-Light"/>
                         </a:rPr>
-                        <a:t>Business hours / 6 hours</a:t>
+                        <a:t>Heures d’ouverture / 6 heures</a:t>
                       </a:r>
                     </a:p>
                   </a:txBody>
-                  <a:tcPr marL="9525" marR="9525" marT="9525" marB="0" anchor="ctr">
+                  <a:tcPr marL="0" marR="0" marT="0" marB="0" anchor="ctr">
                     <a:lnL w="6350">
                       <a:solidFill>
                         <a:srgbClr val="B7B8B8"/>
                       </a:solidFill>
                       <a:prstDash val="solid"/>
                     </a:lnL>
-                    <a:lnR w="6350" cap="flat" cmpd="sng" algn="ctr">
+                    <a:lnR w="6350">
                       <a:solidFill>
                         <a:srgbClr val="B7B8B8"/>
                       </a:solidFill>
                       <a:prstDash val="solid"/>
-                      <a:round/>
-                      <a:headEnd type="none" w="med" len="med"/>
-                      <a:tailEnd type="none" w="med" len="med"/>
                     </a:lnR>
                     <a:lnT w="6350">
                       <a:solidFill>
@@ -4357,28 +3488,32 @@
                     <a:bodyPr/>
                     <a:lstStyle/>
                     <a:p>
-                      <a:pPr algn="ctr" fontAlgn="ctr"/>
+                      <a:pPr marL="228600" marR="398780" indent="3175" algn="ctr">
+                        <a:lnSpc>
+                          <a:spcPct val="102200"/>
+                        </a:lnSpc>
+                        <a:spcBef>
+                          <a:spcPts val="675"/>
+                        </a:spcBef>
+                      </a:pPr>
                       <a:r>
-                        <a:rPr lang="en-US" sz="900" b="0" i="0" u="none" strike="noStrike">
+                        <a:rPr lang="fr-FR" sz="900" dirty="0">
                           <a:solidFill>
                             <a:srgbClr val="020302"/>
                           </a:solidFill>
-                          <a:effectLst/>
-                          <a:latin typeface="AdobeClean-Light" panose="020B0503020404020204" pitchFamily="34" charset="0"/>
+                          <a:latin typeface="AdobeClean-Light"/>
+                          <a:cs typeface="AdobeClean-Light"/>
                         </a:rPr>
-                        <a:t>Business hours / 2 hours</a:t>
+                        <a:t>Heures d’ouverture /  2 heures</a:t>
                       </a:r>
                     </a:p>
                   </a:txBody>
-                  <a:tcPr marL="9525" marR="9525" marT="9525" marB="0" anchor="ctr">
-                    <a:lnL w="6350" cap="flat" cmpd="sng" algn="ctr">
+                  <a:tcPr marL="0" marR="0" marT="0" marB="0" anchor="ctr">
+                    <a:lnL w="6350">
                       <a:solidFill>
                         <a:srgbClr val="B7B8B8"/>
                       </a:solidFill>
                       <a:prstDash val="solid"/>
-                      <a:round/>
-                      <a:headEnd type="none" w="med" len="med"/>
-                      <a:tailEnd type="none" w="med" len="med"/>
                     </a:lnL>
                     <a:lnR w="6350" cap="flat" cmpd="sng" algn="ctr">
                       <a:solidFill>
@@ -4429,109 +3564,15 @@
                         </a:spcBef>
                       </a:pPr>
                       <a:r>
-                        <a:rPr sz="900" b="1" spc="-15" dirty="0">
+                        <a:rPr lang="fr-FR" sz="900" b="1" dirty="0">
                           <a:solidFill>
                             <a:srgbClr val="020302"/>
                           </a:solidFill>
                           <a:latin typeface="Adobe Clean"/>
                           <a:cs typeface="Adobe Clean"/>
                         </a:rPr>
-                        <a:t>P</a:t>
+                        <a:t>PRIORITÉ 4</a:t>
                       </a:r>
-                      <a:r>
-                        <a:rPr sz="900" b="1" spc="-20" dirty="0">
-                          <a:solidFill>
-                            <a:srgbClr val="020302"/>
-                          </a:solidFill>
-                          <a:latin typeface="Adobe Clean"/>
-                          <a:cs typeface="Adobe Clean"/>
-                        </a:rPr>
-                        <a:t>R</a:t>
-                      </a:r>
-                      <a:r>
-                        <a:rPr sz="900" b="1" spc="-25" dirty="0">
-                          <a:solidFill>
-                            <a:srgbClr val="020302"/>
-                          </a:solidFill>
-                          <a:latin typeface="Adobe Clean"/>
-                          <a:cs typeface="Adobe Clean"/>
-                        </a:rPr>
-                        <a:t>I</a:t>
-                      </a:r>
-                      <a:r>
-                        <a:rPr sz="900" b="1" spc="-15" dirty="0">
-                          <a:solidFill>
-                            <a:srgbClr val="020302"/>
-                          </a:solidFill>
-                          <a:latin typeface="Adobe Clean"/>
-                          <a:cs typeface="Adobe Clean"/>
-                        </a:rPr>
-                        <a:t>O</a:t>
-                      </a:r>
-                      <a:r>
-                        <a:rPr sz="900" b="1" spc="-20" dirty="0">
-                          <a:solidFill>
-                            <a:srgbClr val="020302"/>
-                          </a:solidFill>
-                          <a:latin typeface="Adobe Clean"/>
-                          <a:cs typeface="Adobe Clean"/>
-                        </a:rPr>
-                        <a:t>R</a:t>
-                      </a:r>
-                      <a:r>
-                        <a:rPr sz="900" b="1" spc="-25" dirty="0">
-                          <a:solidFill>
-                            <a:srgbClr val="020302"/>
-                          </a:solidFill>
-                          <a:latin typeface="Adobe Clean"/>
-                          <a:cs typeface="Adobe Clean"/>
-                        </a:rPr>
-                        <a:t>I</a:t>
-                      </a:r>
-                      <a:r>
-                        <a:rPr sz="900" b="1" spc="-15" dirty="0">
-                          <a:solidFill>
-                            <a:srgbClr val="020302"/>
-                          </a:solidFill>
-                          <a:latin typeface="Adobe Clean"/>
-                          <a:cs typeface="Adobe Clean"/>
-                        </a:rPr>
-                        <a:t>T</a:t>
-                      </a:r>
-                      <a:r>
-                        <a:rPr sz="900" b="1" dirty="0">
-                          <a:solidFill>
-                            <a:srgbClr val="020302"/>
-                          </a:solidFill>
-                          <a:latin typeface="Adobe Clean"/>
-                          <a:cs typeface="Adobe Clean"/>
-                        </a:rPr>
-                        <a:t>Y</a:t>
-                      </a:r>
-                      <a:r>
-                        <a:rPr sz="900" b="1" spc="-40" dirty="0">
-                          <a:solidFill>
-                            <a:srgbClr val="020302"/>
-                          </a:solidFill>
-                          <a:latin typeface="Adobe Clean"/>
-                          <a:cs typeface="Adobe Clean"/>
-                        </a:rPr>
-                        <a:t> </a:t>
-                      </a:r>
-                      <a:r>
-                        <a:rPr sz="900" b="1" dirty="0">
-                          <a:solidFill>
-                            <a:srgbClr val="020302"/>
-                          </a:solidFill>
-                          <a:latin typeface="Adobe Clean"/>
-                          <a:cs typeface="Adobe Clean"/>
-                        </a:rPr>
-                        <a:t>4</a:t>
-                      </a:r>
-                      <a:endParaRPr sz="900" dirty="0">
-                        <a:latin typeface="Adobe Clean"/>
-                        <a:cs typeface="Adobe Clean"/>
-                      </a:endParaRPr>
                     </a:p>
                     <a:p>
                       <a:pPr marL="49530">
@@ -4543,31 +3584,27 @@
                         </a:spcBef>
                       </a:pPr>
                       <a:r>
-                        <a:rPr lang="en-US" sz="900" b="1" spc="-90" dirty="0">
+                        <a:rPr lang="fr-FR" sz="900" b="1" dirty="0">
                           <a:solidFill>
                             <a:srgbClr val="020302"/>
                           </a:solidFill>
                           <a:latin typeface="Adobe Clean"/>
-                          <a:cs typeface="+mn-cs"/>
+                          <a:ea typeface="+mn-ea"/>
+                          <a:cs typeface="Adobe Clean"/>
                         </a:rPr>
-                        <a:t> </a:t>
+                        <a:t> </a:t>
                       </a:r>
                       <a:r>
-                        <a:rPr lang="en-US" sz="900" b="0" i="0" u="none" strike="noStrike" dirty="0">
+                        <a:rPr lang="fr-FR" sz="900" b="0" i="0" u="none" strike="noStrike" dirty="0">
                           <a:solidFill>
                             <a:schemeClr val="tx1"/>
                           </a:solidFill>
-                          <a:effectLst/>
-                          <a:latin typeface="Adobe Clean Light"/>
+                          <a:latin typeface="Adobe Clean Light" panose="020B0303020404020204" pitchFamily="34" charset="0"/>
                           <a:ea typeface="+mn-ea"/>
                           <a:cs typeface="+mn-cs"/>
                         </a:rPr>
-                        <a:t>General question regarding current product functionality or an enhancement request</a:t>
+                        <a:t>Question générale concernant les fonctionnalités actuelles du produit ou une demande d’amélioration</a:t>
                       </a:r>
-                      <a:endParaRPr lang="en-US" sz="900" b="0" i="0" dirty="0">
-                        <a:latin typeface="Adobe Clean Light"/>
-                        <a:cs typeface="AdobeClean-Light"/>
-                      </a:endParaRPr>
                     </a:p>
                   </a:txBody>
                   <a:tcPr marL="0" marR="0" marT="0" marB="0" anchor="ctr">
@@ -4577,14 +3614,11 @@
                       </a:solidFill>
                       <a:prstDash val="solid"/>
                     </a:lnL>
-                    <a:lnR w="6350" cap="flat" cmpd="sng" algn="ctr">
+                    <a:lnR w="6350">
                       <a:solidFill>
                         <a:srgbClr val="B7B8B8"/>
                       </a:solidFill>
                       <a:prstDash val="solid"/>
-                      <a:round/>
-                      <a:headEnd type="none" w="med" len="med"/>
-                      <a:tailEnd type="none" w="med" len="med"/>
                     </a:lnR>
                     <a:lnT w="6350">
                       <a:solidFill>
@@ -4605,34 +3639,35 @@
                     <a:bodyPr/>
                     <a:lstStyle/>
                     <a:p>
-                      <a:pPr algn="ctr" fontAlgn="ctr"/>
+                      <a:pPr marL="288925" marR="343535" indent="9525" algn="ctr">
+                        <a:lnSpc>
+                          <a:spcPct val="102200"/>
+                        </a:lnSpc>
+                      </a:pPr>
                       <a:r>
-                        <a:rPr lang="en-US" sz="900" b="0" i="0" u="none" strike="noStrike" dirty="0">
+                        <a:rPr lang="fr-FR" sz="900" dirty="0">
                           <a:solidFill>
                             <a:srgbClr val="020302"/>
                           </a:solidFill>
-                          <a:effectLst/>
-                          <a:latin typeface="AdobeClean-Light" panose="020B0503020404020204" pitchFamily="34" charset="0"/>
+                          <a:latin typeface="AdobeClean-Light"/>
+                          <a:cs typeface="AdobeClean-Light"/>
                         </a:rPr>
-                        <a:t>Business days / 3 days</a:t>
+                        <a:t>Jours ouvrables /   3 jours</a:t>
                       </a:r>
                     </a:p>
                   </a:txBody>
-                  <a:tcPr marL="9525" marR="9525" marT="9525" marB="0" anchor="ctr">
+                  <a:tcPr marL="0" marR="0" marT="0" marB="0" anchor="ctr">
                     <a:lnL w="6350">
                       <a:solidFill>
                         <a:srgbClr val="B7B8B8"/>
                       </a:solidFill>
                       <a:prstDash val="solid"/>
                     </a:lnL>
-                    <a:lnR w="6350" cap="flat" cmpd="sng" algn="ctr">
+                    <a:lnR w="6350">
                       <a:solidFill>
                         <a:srgbClr val="B7B8B8"/>
                       </a:solidFill>
                       <a:prstDash val="solid"/>
-                      <a:round/>
-                      <a:headEnd type="none" w="med" len="med"/>
-                      <a:tailEnd type="none" w="med" len="med"/>
                     </a:lnR>
                     <a:lnT w="6350">
                       <a:solidFill>
@@ -4653,28 +3688,29 @@
                     <a:bodyPr/>
                     <a:lstStyle/>
                     <a:p>
-                      <a:pPr algn="ctr" fontAlgn="ctr"/>
+                      <a:pPr marL="288925" marR="343535" indent="9525" algn="ctr">
+                        <a:lnSpc>
+                          <a:spcPct val="102200"/>
+                        </a:lnSpc>
+                      </a:pPr>
                       <a:r>
-                        <a:rPr lang="en-US" sz="900" b="0" i="0" u="none" strike="noStrike" dirty="0">
+                        <a:rPr lang="fr-FR" sz="900" dirty="0">
                           <a:solidFill>
                             <a:srgbClr val="020302"/>
                           </a:solidFill>
-                          <a:effectLst/>
-                          <a:latin typeface="AdobeClean-Light" panose="020B0503020404020204" pitchFamily="34" charset="0"/>
+                          <a:latin typeface="AdobeClean-Light"/>
+                          <a:cs typeface="AdobeClean-Light"/>
                         </a:rPr>
-                        <a:t>Business days / 1 day</a:t>
+                        <a:t>Jours ouvrables /       1 jour</a:t>
                       </a:r>
                     </a:p>
                   </a:txBody>
-                  <a:tcPr marL="9525" marR="9525" marT="9525" marB="0" anchor="ctr">
-                    <a:lnL w="6350" cap="flat" cmpd="sng" algn="ctr">
+                  <a:tcPr marL="0" marR="0" marT="0" marB="0" anchor="ctr">
+                    <a:lnL w="6350">
                       <a:solidFill>
                         <a:srgbClr val="B7B8B8"/>
                       </a:solidFill>
                       <a:prstDash val="solid"/>
-                      <a:round/>
-                      <a:headEnd type="none" w="med" len="med"/>
-                      <a:tailEnd type="none" w="med" len="med"/>
                     </a:lnL>
                     <a:lnR w="6350" cap="flat" cmpd="sng" algn="ctr">
                       <a:solidFill>
@@ -4749,7 +3785,7 @@
         <p:spPr>
           <a:xfrm>
             <a:off x="97788" y="9888626"/>
-            <a:ext cx="2245360" cy="133370"/>
+            <a:ext cx="2980692" cy="133370"/>
           </a:xfrm>
           <a:prstGeom prst="rect">
             <a:avLst/>
@@ -4770,40 +3806,24 @@
               </a:spcBef>
             </a:pPr>
             <a:r>
-              <a:rPr spc="-10"/>
-              <a:t>©202</a:t>
-            </a:r>
-            <a:r>
-              <a:rPr lang="en-US" spc="-10"/>
-              <a:t>1</a:t>
-            </a:r>
-            <a:r>
-              <a:rPr spc="-5"/>
-              <a:t> Adobe. All</a:t>
-            </a:r>
-            <a:r>
-              <a:rPr spc="-10"/>
-              <a:t> Rights</a:t>
-            </a:r>
-            <a:r>
-              <a:rPr spc="-5"/>
+              <a:rPr lang="fr-FR" dirty="0"/>
+              <a:t>©2021 Adobe. All </a:t>
+            </a:r>
+            <a:r>
+              <a:rPr lang="fr-FR" dirty="0" err="1"/>
+              <a:t>Rights</a:t>
+            </a:r>
+            <a:r>
+              <a:rPr lang="fr-FR" dirty="0"/>
               <a:t> </a:t>
             </a:r>
             <a:r>
-              <a:rPr spc="-10"/>
-              <a:t>Reserved.</a:t>
-            </a:r>
-            <a:r>
-              <a:rPr spc="-5"/>
-              <a:t> Adobe</a:t>
-            </a:r>
-            <a:r>
-              <a:rPr spc="60"/>
-              <a:t> </a:t>
-            </a:r>
-            <a:r>
-              <a:rPr spc="-10"/>
-              <a:t>Confidential.</a:t>
+              <a:rPr lang="fr-FR" dirty="0" err="1"/>
+              <a:t>Reserved</a:t>
+            </a:r>
+            <a:r>
+              <a:rPr lang="fr-FR" dirty="0"/>
+              <a:t>. Données confidentielles Adobe</a:t>
             </a:r>
           </a:p>
         </p:txBody>
@@ -4837,7 +3857,7 @@
           <a:lstStyle/>
           <a:p>
             <a:r>
-              <a:rPr lang="en-US" sz="700" i="1">
+              <a:rPr lang="fr-FR" sz="700" i="1">
                 <a:solidFill>
                   <a:schemeClr val="bg1"/>
                 </a:solidFill>
@@ -4883,16 +3903,16 @@
               </a:spcBef>
             </a:pPr>
             <a:r>
-              <a:rPr lang="en-US" sz="1200" dirty="0">
+              <a:rPr lang="fr-FR" sz="1200">
                 <a:solidFill>
                   <a:schemeClr val="bg1"/>
                 </a:solidFill>
                 <a:latin typeface="Adobe Clean Light" panose="020B0303020404020204" pitchFamily="34" charset="0"/>
               </a:rPr>
-              <a:t>Online | Business |</a:t>
-            </a:r>
-            <a:r>
-              <a:rPr lang="en-US" sz="1200" b="1" dirty="0">
+              <a:t>En ligne | Commerciale |</a:t>
+            </a:r>
+            <a:r>
+              <a:rPr lang="fr-FR" sz="1200" b="1">
                 <a:solidFill>
                   <a:schemeClr val="bg1"/>
                 </a:solidFill>
@@ -4901,15 +3921,15 @@
               <a:t> </a:t>
             </a:r>
             <a:r>
-              <a:rPr lang="en-US" sz="1200" b="1" dirty="0">
+              <a:rPr lang="fr-FR" sz="1200" b="1">
                 <a:solidFill>
                   <a:schemeClr val="bg1"/>
                 </a:solidFill>
               </a:rPr>
-              <a:t>Enterprise</a:t>
-            </a:r>
-            <a:r>
-              <a:rPr lang="en-US" sz="1200" b="1" dirty="0">
+              <a:t>Entreprise</a:t>
+            </a:r>
+            <a:r>
+              <a:rPr lang="fr-FR" sz="1200" b="1">
                 <a:solidFill>
                   <a:schemeClr val="bg1"/>
                 </a:solidFill>
@@ -4918,7 +3938,7 @@
               <a:t> </a:t>
             </a:r>
             <a:r>
-              <a:rPr lang="en-US" sz="1200" dirty="0">
+              <a:rPr lang="fr-FR" sz="1200">
                 <a:solidFill>
                   <a:schemeClr val="bg1"/>
                 </a:solidFill>
@@ -4927,7 +3947,7 @@
               <a:t>| Elite</a:t>
             </a:r>
             <a:br>
-              <a:rPr lang="en-US" sz="900" dirty="0">
+              <a:rPr lang="fr-FR" sz="900">
                 <a:solidFill>
                   <a:schemeClr val="bg1"/>
                 </a:solidFill>
@@ -4935,21 +3955,14 @@
               </a:rPr>
             </a:br>
             <a:r>
-              <a:rPr lang="en-US" sz="900" dirty="0">
+              <a:rPr lang="fr-FR" sz="900">
                 <a:solidFill>
                   <a:schemeClr val="bg1"/>
                 </a:solidFill>
                 <a:latin typeface="Adobe Clean SemiLight" panose="020B0403020404020204" pitchFamily="34" charset="0"/>
               </a:rPr>
-              <a:t>ENTERPRISE support includes access to personalized learning paths and monitored community forums via the Adobe Experience League. You can also take advantage of our detailed and in-depth technical product documentation and current release notes. ENTERPRISE customers will also be provided with a Named Support Engineer who acts as your designated technical contact in the Adobe Support Team. With deep experience in your designated Experience Cloud solution, your support team will work in partnership with you and your technical teams to ensure timely resolution of all support requests. Your support team can also help coordinate and arrange delivery of the additional ENTERPRISE benefits ensuring minimal disruption to your business at the most critical time. </a:t>
-            </a:r>
-            <a:endParaRPr lang="en-US" sz="900" dirty="0">
-              <a:solidFill>
-                <a:schemeClr val="bg1"/>
-              </a:solidFill>
-              <a:latin typeface="Adobe Clean Light" panose="020B0303020404020204" pitchFamily="34" charset="0"/>
-              <a:cs typeface="AdobeClean-Light"/>
-            </a:endParaRPr>
+              <a:t>L’assistance d’ENTREPRISE comprend un accès à des parcours de formation personnalisés et à des forums communautaires surveillés au travers d’Experience League d’Adobe. Vous pouvez également tirer profit de notre documentation technique détaillée et approfondie sur les produits, ainsi que de nos notes de mise à jour actuelles. Les clients du programme d’ENTREPRISE bénéficieront également d’un accès à un ingénieur d’assistance nommé jouant le rôle de contact technique désigné dans l’équipe d’assistance d’Adobe. Grâce à sa grande expérience dans vos solutions Experience Cloud, votre équipe d’assistance travaillera à vos côtés et avec vos équipes techniques afin d’assurer une résolution de toutes les requêtes d’assistance dans les temps. Votre équipe d’assistance peut également vous aider à coordonner et organiser la diffusion des avantages d’ENTREPRISE supplémentaires, garantissant ainsi une perturbation minimale de votre entreprise aux moments les plus critiques. </a:t>
+            </a:r>
           </a:p>
         </p:txBody>
       </p:sp>
@@ -4968,14 +3981,14 @@
           <p:nvPr>
             <p:extLst>
               <p:ext uri="{D42A27DB-BD31-4B8C-83A1-F6EECF244321}">
-                <p14:modId xmlns:p14="http://schemas.microsoft.com/office/powerpoint/2010/main" val="2813555721"/>
+                <p14:modId xmlns:p14="http://schemas.microsoft.com/office/powerpoint/2010/main" val="2622089103"/>
               </p:ext>
             </p:extLst>
           </p:nvPr>
         </p:nvGraphicFramePr>
         <p:xfrm>
           <a:off x="125148" y="2159576"/>
-          <a:ext cx="7498851" cy="4675190"/>
+          <a:ext cx="7498851" cy="4776202"/>
         </p:xfrm>
         <a:graphic>
           <a:graphicData uri="http://schemas.openxmlformats.org/drawingml/2006/table">
@@ -5057,19 +4070,15 @@
                         <a:defRPr/>
                       </a:pPr>
                       <a:r>
-                        <a:rPr lang="en-US" sz="900" spc="0">
+                        <a:rPr lang="fr-FR" sz="900">
                           <a:solidFill>
                             <a:srgbClr val="404040"/>
                           </a:solidFill>
                           <a:latin typeface="Adobe Clean"/>
                           <a:cs typeface="Adobe Clean"/>
                         </a:rPr>
-                        <a:t>Online  Support</a:t>
+                        <a:t>Assistance en ligne</a:t>
                       </a:r>
-                      <a:endParaRPr lang="en-US" sz="900" spc="0">
-                        <a:latin typeface="Adobe Clean"/>
-                        <a:cs typeface="Adobe Clean"/>
-                      </a:endParaRPr>
                     </a:p>
                   </a:txBody>
                   <a:tcPr marL="0" marR="0" marT="7620" marB="0" anchor="ctr">
@@ -5110,29 +4119,15 @@
                         </a:spcBef>
                       </a:pPr>
                       <a:r>
-                        <a:rPr lang="en-US" sz="900" spc="0">
+                        <a:rPr lang="fr-FR" sz="900">
                           <a:solidFill>
                             <a:srgbClr val="FFFFFF"/>
                           </a:solidFill>
                           <a:latin typeface="Adobe Clean"/>
                           <a:cs typeface="Adobe Clean"/>
                         </a:rPr>
-                        <a:t>Enterprise </a:t>
+                        <a:t>Assistance aux entreprises</a:t>
                       </a:r>
-                      <a:r>
-                        <a:rPr sz="900" spc="0">
-                          <a:solidFill>
-                            <a:srgbClr val="FFFFFF"/>
-                          </a:solidFill>
-                          <a:latin typeface="Adobe Clean"/>
-                          <a:cs typeface="Adobe Clean"/>
-                        </a:rPr>
-                        <a:t>Support</a:t>
-                      </a:r>
-                      <a:endParaRPr sz="900" spc="0">
-                        <a:latin typeface="Adobe Clean"/>
-                        <a:cs typeface="Adobe Clean"/>
-                      </a:endParaRPr>
                     </a:p>
                   </a:txBody>
                   <a:tcPr marL="0" marR="0" marT="7620" marB="0" anchor="ctr">
@@ -5200,7 +4195,7 @@
                     <a:bodyPr/>
                     <a:lstStyle/>
                     <a:p>
-                      <a:pPr marL="0" marR="0" lvl="0" indent="0" algn="ctr" defTabSz="914400" eaLnBrk="1" fontAlgn="auto" latinLnBrk="0" hangingPunct="1">
+                      <a:pPr marL="0" marR="0" lvl="0" indent="0" algn="l" defTabSz="914400" rtl="0" eaLnBrk="1" fontAlgn="auto" latinLnBrk="0" hangingPunct="1">
                         <a:lnSpc>
                           <a:spcPct val="100000"/>
                         </a:lnSpc>
@@ -5281,13 +4276,13 @@
                         <a:defRPr/>
                       </a:pPr>
                       <a:r>
-                        <a:rPr lang="en-US" sz="800" i="1">
+                        <a:rPr lang="fr-FR" sz="800" i="1">
                           <a:solidFill>
                             <a:schemeClr val="bg1"/>
                           </a:solidFill>
                           <a:latin typeface="Adobe Clean Light" panose="020B0303020404020204" pitchFamily="34" charset="0"/>
                         </a:rPr>
-                        <a:t>Paid Support ($)</a:t>
+                        <a:t>Assistance payante ($)</a:t>
                       </a:r>
                     </a:p>
                   </a:txBody>
@@ -5351,22 +4346,15 @@
                         </a:spcBef>
                       </a:pPr>
                       <a:r>
-                        <a:rPr lang="en-US" sz="1000" b="1" i="0" spc="0">
+                        <a:rPr lang="fr-FR" sz="1000" b="1" i="0">
                           <a:solidFill>
                             <a:schemeClr val="bg1"/>
                           </a:solidFill>
                           <a:latin typeface="Adobe Clean" panose="020B0503020404020204" pitchFamily="34" charset="0"/>
                           <a:cs typeface="AdobeClean-Light"/>
                         </a:rPr>
-                        <a:t>Assigned Experts</a:t>
+                        <a:t>Experts assignés</a:t>
                       </a:r>
-                      <a:endParaRPr sz="1000" b="1" i="0" spc="0">
-                        <a:solidFill>
-                          <a:schemeClr val="bg1"/>
-                        </a:solidFill>
-                        <a:latin typeface="Adobe Clean" panose="020B0503020404020204" pitchFamily="34" charset="0"/>
-                        <a:cs typeface="AdobeClean-Light"/>
-                      </a:endParaRPr>
                     </a:p>
                   </a:txBody>
                   <a:tcPr marL="0" marR="0" marT="58419" marB="0" anchor="ctr">
@@ -5413,19 +4401,15 @@
                         </a:spcBef>
                       </a:pPr>
                       <a:r>
-                        <a:rPr sz="900" spc="0">
+                        <a:rPr lang="fr-FR" sz="900">
                           <a:solidFill>
                             <a:srgbClr val="020302"/>
                           </a:solidFill>
                           <a:latin typeface="AdobeClean-Light"/>
                           <a:cs typeface="AdobeClean-Light"/>
                         </a:rPr>
-                        <a:t>Account Support Lead</a:t>
+                        <a:t>Assistance principale du compte</a:t>
                       </a:r>
-                      <a:endParaRPr sz="900" spc="0">
-                        <a:latin typeface="AdobeClean-Light"/>
-                        <a:cs typeface="AdobeClean-Light"/>
-                      </a:endParaRPr>
                     </a:p>
                   </a:txBody>
                   <a:tcPr marL="0" marR="0" marT="58419" marB="0">
@@ -5460,7 +4444,7 @@
                     <a:bodyPr/>
                     <a:lstStyle/>
                     <a:p>
-                      <a:pPr algn="ctr">
+                      <a:pPr algn="l" rtl="0">
                         <a:lnSpc>
                           <a:spcPct val="100000"/>
                         </a:lnSpc>
@@ -5501,7 +4485,7 @@
                     <a:bodyPr/>
                     <a:lstStyle/>
                     <a:p>
-                      <a:pPr algn="ctr">
+                      <a:pPr algn="l" rtl="0">
                         <a:lnSpc>
                           <a:spcPct val="100000"/>
                         </a:lnSpc>
@@ -5544,7 +4528,7 @@
                     <a:bodyPr/>
                     <a:lstStyle/>
                     <a:p>
-                      <a:pPr marL="50800">
+                      <a:pPr marL="50800" algn="l" rtl="0">
                         <a:lnSpc>
                           <a:spcPct val="100000"/>
                         </a:lnSpc>
@@ -5590,19 +4574,15 @@
                         </a:spcBef>
                       </a:pPr>
                       <a:r>
-                        <a:rPr sz="900" spc="0">
+                        <a:rPr lang="fr-FR" sz="900">
                           <a:solidFill>
                             <a:srgbClr val="020302"/>
                           </a:solidFill>
                           <a:latin typeface="AdobeClean-Light"/>
                           <a:cs typeface="AdobeClean-Light"/>
                         </a:rPr>
-                        <a:t>Named Support Engineer</a:t>
+                        <a:t>Ingénieur d’assistance nommé</a:t>
                       </a:r>
-                      <a:endParaRPr sz="900" spc="0">
-                        <a:latin typeface="AdobeClean-Light"/>
-                        <a:cs typeface="AdobeClean-Light"/>
-                      </a:endParaRPr>
                     </a:p>
                   </a:txBody>
                   <a:tcPr marL="0" marR="0" marT="58419" marB="0">
@@ -5625,7 +4605,7 @@
                     <a:bodyPr/>
                     <a:lstStyle/>
                     <a:p>
-                      <a:pPr algn="ctr">
+                      <a:pPr algn="l" rtl="0">
                         <a:lnSpc>
                           <a:spcPct val="100000"/>
                         </a:lnSpc>
@@ -5672,7 +4652,7 @@
                         <a:defRPr/>
                       </a:pPr>
                       <a:r>
-                        <a:rPr lang="en-US" sz="900">
+                        <a:rPr lang="fr-FR" sz="900">
                           <a:solidFill>
                             <a:srgbClr val="020302"/>
                           </a:solidFill>
@@ -5681,10 +4661,6 @@
                         </a:rPr>
                         <a:t></a:t>
                       </a:r>
-                      <a:endParaRPr lang="en-US" sz="900">
-                        <a:latin typeface="Wingdings"/>
-                        <a:cs typeface="Wingdings"/>
-                      </a:endParaRPr>
                     </a:p>
                   </a:txBody>
                   <a:tcPr marL="0" marR="0" marT="0" marB="0" anchor="ctr">
@@ -5707,7 +4683,7 @@
                     <a:bodyPr/>
                     <a:lstStyle/>
                     <a:p>
-                      <a:pPr marL="50800">
+                      <a:pPr marL="50800" algn="l" rtl="0">
                         <a:lnSpc>
                           <a:spcPct val="100000"/>
                         </a:lnSpc>
@@ -5765,19 +4741,15 @@
                         </a:spcBef>
                       </a:pPr>
                       <a:r>
-                        <a:rPr sz="900" spc="0">
+                        <a:rPr lang="fr-FR" sz="900">
                           <a:solidFill>
                             <a:srgbClr val="020302"/>
                           </a:solidFill>
                           <a:latin typeface="AdobeClean-Light"/>
                           <a:cs typeface="AdobeClean-Light"/>
                         </a:rPr>
-                        <a:t>Technical Account Manager</a:t>
+                        <a:t>Gestionnaire de compte technique</a:t>
                       </a:r>
-                      <a:endParaRPr sz="900" spc="0">
-                        <a:latin typeface="AdobeClean-Light"/>
-                        <a:cs typeface="AdobeClean-Light"/>
-                      </a:endParaRPr>
                     </a:p>
                   </a:txBody>
                   <a:tcPr marL="0" marR="0" marT="63500" marB="0">
@@ -5806,7 +4778,7 @@
                     <a:bodyPr/>
                     <a:lstStyle/>
                     <a:p>
-                      <a:pPr algn="ctr">
+                      <a:pPr algn="l" rtl="0">
                         <a:lnSpc>
                           <a:spcPct val="100000"/>
                         </a:lnSpc>
@@ -5844,7 +4816,7 @@
                     <a:bodyPr/>
                     <a:lstStyle/>
                     <a:p>
-                      <a:pPr algn="ctr">
+                      <a:pPr algn="l" rtl="0">
                         <a:lnSpc>
                           <a:spcPct val="100000"/>
                         </a:lnSpc>
@@ -5895,22 +4867,15 @@
                         </a:spcBef>
                       </a:pPr>
                       <a:r>
-                        <a:rPr lang="en-US" sz="1000" b="1" i="0" spc="0">
+                        <a:rPr lang="fr-FR" sz="1000" b="1" i="0">
                           <a:solidFill>
                             <a:schemeClr val="bg1"/>
                           </a:solidFill>
                           <a:latin typeface="Adobe Clean" panose="020B0503020404020204" pitchFamily="34" charset="0"/>
                           <a:cs typeface="AdobeClean-Light"/>
                         </a:rPr>
-                        <a:t>Support Services</a:t>
+                        <a:t>Services d’assistance</a:t>
                       </a:r>
-                      <a:endParaRPr sz="1000" b="1" i="0" spc="0">
-                        <a:solidFill>
-                          <a:schemeClr val="bg1"/>
-                        </a:solidFill>
-                        <a:latin typeface="Adobe Clean" panose="020B0503020404020204" pitchFamily="34" charset="0"/>
-                        <a:cs typeface="AdobeClean-Light"/>
-                      </a:endParaRPr>
                     </a:p>
                   </a:txBody>
                   <a:tcPr marL="0" marR="0" marT="57150" marB="0" anchor="ctr">
@@ -5966,29 +4931,15 @@
                         </a:spcBef>
                       </a:pPr>
                       <a:r>
-                        <a:rPr lang="en-US" sz="900" spc="0">
+                        <a:rPr lang="fr-FR" sz="900">
                           <a:solidFill>
                             <a:srgbClr val="020302"/>
                           </a:solidFill>
                           <a:latin typeface="AdobeClean-Light"/>
                           <a:cs typeface="AdobeClean-Light"/>
                         </a:rPr>
-                        <a:t>Online</a:t>
+                        <a:t>Assistance en ligne</a:t>
                       </a:r>
-                      <a:r>
-                        <a:rPr sz="900" spc="0">
-                          <a:solidFill>
-                            <a:srgbClr val="020302"/>
-                          </a:solidFill>
-                          <a:latin typeface="AdobeClean-Light"/>
-                          <a:cs typeface="AdobeClean-Light"/>
-                        </a:rPr>
-                        <a:t> Support</a:t>
-                      </a:r>
-                      <a:endParaRPr sz="900" spc="0">
-                        <a:latin typeface="AdobeClean-Light"/>
-                        <a:cs typeface="AdobeClean-Light"/>
-                      </a:endParaRPr>
                     </a:p>
                   </a:txBody>
                   <a:tcPr marL="0" marR="0" marT="57150" marB="0">
@@ -6026,39 +4977,15 @@
                         </a:spcBef>
                       </a:pPr>
                       <a:r>
-                        <a:rPr sz="900" spc="-25">
+                        <a:rPr lang="fr-FR" sz="900">
                           <a:solidFill>
                             <a:srgbClr val="020302"/>
                           </a:solidFill>
                           <a:latin typeface="AdobeClean-Light"/>
                           <a:cs typeface="AdobeClean-Light"/>
                         </a:rPr>
-                        <a:t>Business</a:t>
+                        <a:t>Heures d’ouverture</a:t>
                       </a:r>
-                      <a:r>
-                        <a:rPr sz="900" spc="-15">
-                          <a:solidFill>
-                            <a:srgbClr val="020302"/>
-                          </a:solidFill>
-                          <a:latin typeface="AdobeClean-Light"/>
-                          <a:cs typeface="AdobeClean-Light"/>
-                        </a:rPr>
-                        <a:t> </a:t>
-                      </a:r>
-                      <a:r>
-                        <a:rPr sz="900" spc="-30">
-                          <a:solidFill>
-                            <a:srgbClr val="020302"/>
-                          </a:solidFill>
-                          <a:latin typeface="AdobeClean-Light"/>
-                          <a:cs typeface="AdobeClean-Light"/>
-                        </a:rPr>
-                        <a:t>hours</a:t>
-                      </a:r>
-                      <a:endParaRPr sz="900">
-                        <a:latin typeface="AdobeClean-Light"/>
-                        <a:cs typeface="AdobeClean-Light"/>
-                      </a:endParaRPr>
                     </a:p>
                   </a:txBody>
                   <a:tcPr marL="0" marR="0" marT="67945" marB="0">
@@ -6097,7 +5024,7 @@
                         </a:spcBef>
                       </a:pPr>
                       <a:r>
-                        <a:rPr lang="en-US" sz="900" spc="-25">
+                        <a:rPr lang="fr-FR" sz="900">
                           <a:solidFill>
                             <a:srgbClr val="020302"/>
                           </a:solidFill>
@@ -6106,10 +5033,6 @@
                         </a:rPr>
                         <a:t>24x5</a:t>
                       </a:r>
-                      <a:endParaRPr sz="900">
-                        <a:latin typeface="AdobeClean-Light"/>
-                        <a:cs typeface="AdobeClean-Light"/>
-                      </a:endParaRPr>
                     </a:p>
                   </a:txBody>
                   <a:tcPr marL="0" marR="0" marT="67945" marB="0">
@@ -6143,7 +5066,7 @@
                     <a:bodyPr/>
                     <a:lstStyle/>
                     <a:p>
-                      <a:pPr marL="50800">
+                      <a:pPr marL="50800" algn="l" rtl="0">
                         <a:lnSpc>
                           <a:spcPct val="100000"/>
                         </a:lnSpc>
@@ -6192,39 +5115,15 @@
                         </a:spcBef>
                       </a:pPr>
                       <a:r>
-                        <a:rPr sz="900" spc="0">
+                        <a:rPr lang="fr-FR" sz="900">
                           <a:solidFill>
                             <a:srgbClr val="020302"/>
                           </a:solidFill>
                           <a:latin typeface="AdobeClean-Light"/>
                           <a:cs typeface="AdobeClean-Light"/>
                         </a:rPr>
-                        <a:t>24x7</a:t>
+                        <a:t>Assistance en cas de problèmes P1 24x7x365</a:t>
                       </a:r>
-                      <a:r>
-                        <a:rPr lang="en-US" sz="900" spc="0">
-                          <a:solidFill>
-                            <a:srgbClr val="020302"/>
-                          </a:solidFill>
-                          <a:latin typeface="AdobeClean-Light"/>
-                          <a:cs typeface="AdobeClean-Light"/>
-                        </a:rPr>
-                        <a:t>x365</a:t>
-                      </a:r>
-                      <a:r>
-                        <a:rPr sz="900" spc="0">
-                          <a:solidFill>
-                            <a:srgbClr val="020302"/>
-                          </a:solidFill>
-                          <a:latin typeface="AdobeClean-Light"/>
-                          <a:cs typeface="AdobeClean-Light"/>
-                        </a:rPr>
-                        <a:t> P1 Issue Support</a:t>
-                      </a:r>
-                      <a:endParaRPr sz="900" spc="0">
-                        <a:latin typeface="AdobeClean-Light"/>
-                        <a:cs typeface="AdobeClean-Light"/>
-                      </a:endParaRPr>
                     </a:p>
                   </a:txBody>
                   <a:tcPr marL="0" marR="0" marT="57785" marB="0">
@@ -6256,7 +5155,7 @@
                         </a:spcBef>
                       </a:pPr>
                       <a:r>
-                        <a:rPr sz="900">
+                        <a:rPr lang="fr-FR" sz="900">
                           <a:solidFill>
                             <a:srgbClr val="020302"/>
                           </a:solidFill>
@@ -6265,10 +5164,6 @@
                         </a:rPr>
                         <a:t></a:t>
                       </a:r>
-                      <a:endParaRPr sz="900">
-                        <a:latin typeface="Wingdings"/>
-                        <a:cs typeface="Wingdings"/>
-                      </a:endParaRPr>
                     </a:p>
                   </a:txBody>
                   <a:tcPr marL="0" marR="0" marT="58419" marB="0">
@@ -6298,7 +5193,7 @@
                         </a:spcBef>
                       </a:pPr>
                       <a:r>
-                        <a:rPr sz="900">
+                        <a:rPr lang="fr-FR" sz="900">
                           <a:solidFill>
                             <a:srgbClr val="020302"/>
                           </a:solidFill>
@@ -6307,10 +5202,6 @@
                         </a:rPr>
                         <a:t></a:t>
                       </a:r>
-                      <a:endParaRPr sz="900">
-                        <a:latin typeface="Wingdings"/>
-                        <a:cs typeface="Wingdings"/>
-                      </a:endParaRPr>
                     </a:p>
                   </a:txBody>
                   <a:tcPr marL="0" marR="0" marT="58419" marB="0">
@@ -6333,7 +5224,7 @@
                     <a:bodyPr/>
                     <a:lstStyle/>
                     <a:p>
-                      <a:pPr marL="50800">
+                      <a:pPr marL="50800" algn="l" rtl="0">
                         <a:lnSpc>
                           <a:spcPct val="100000"/>
                         </a:lnSpc>
@@ -6391,19 +5282,15 @@
                         </a:spcBef>
                       </a:pPr>
                       <a:r>
-                        <a:rPr lang="en-US" sz="900" spc="0">
+                        <a:rPr lang="fr-FR" sz="900">
                           <a:solidFill>
                             <a:srgbClr val="020302"/>
                           </a:solidFill>
                           <a:latin typeface="AdobeClean-Light"/>
                           <a:cs typeface="AdobeClean-Light"/>
                         </a:rPr>
-                        <a:t>Named Support Contacts (per product)</a:t>
+                        <a:t>Contacts d’assistance nommés (par produit)</a:t>
                       </a:r>
-                      <a:endParaRPr sz="900" spc="0">
-                        <a:latin typeface="AdobeClean-Light"/>
-                        <a:cs typeface="AdobeClean-Light"/>
-                      </a:endParaRPr>
                     </a:p>
                   </a:txBody>
                   <a:tcPr marL="0" marR="0" marT="57785" marB="0">
@@ -6441,7 +5328,7 @@
                         </a:spcBef>
                       </a:pPr>
                       <a:r>
-                        <a:rPr sz="900">
+                        <a:rPr lang="fr-FR" sz="900">
                           <a:solidFill>
                             <a:srgbClr val="020302"/>
                           </a:solidFill>
@@ -6450,10 +5337,6 @@
                         </a:rPr>
                         <a:t>4</a:t>
                       </a:r>
-                      <a:endParaRPr sz="900">
-                        <a:latin typeface="AdobeClean-Light"/>
-                        <a:cs typeface="AdobeClean-Light"/>
-                      </a:endParaRPr>
                     </a:p>
                   </a:txBody>
                   <a:tcPr marL="0" marR="0" marT="57785" marB="0">
@@ -6483,7 +5366,7 @@
                         </a:spcBef>
                       </a:pPr>
                       <a:r>
-                        <a:rPr lang="en-US" sz="900">
+                        <a:rPr lang="fr-FR" sz="900">
                           <a:solidFill>
                             <a:srgbClr val="020302"/>
                           </a:solidFill>
@@ -6492,10 +5375,6 @@
                         </a:rPr>
                         <a:t>10</a:t>
                       </a:r>
-                      <a:endParaRPr sz="900">
-                        <a:latin typeface="AdobeClean-Light"/>
-                        <a:cs typeface="AdobeClean-Light"/>
-                      </a:endParaRPr>
                     </a:p>
                   </a:txBody>
                   <a:tcPr marL="0" marR="0" marT="57785" marB="0">
@@ -6518,7 +5397,7 @@
                     <a:bodyPr/>
                     <a:lstStyle/>
                     <a:p>
-                      <a:pPr marL="50800">
+                      <a:pPr marL="50800" algn="l" rtl="0">
                         <a:lnSpc>
                           <a:spcPct val="100000"/>
                         </a:lnSpc>
@@ -6567,19 +5446,15 @@
                         </a:spcBef>
                       </a:pPr>
                       <a:r>
-                        <a:rPr lang="en-US" sz="900" spc="0">
+                        <a:rPr lang="fr-FR" sz="900">
                           <a:solidFill>
                             <a:srgbClr val="020302"/>
                           </a:solidFill>
                           <a:latin typeface="AdobeClean-Light"/>
                           <a:cs typeface="AdobeClean-Light"/>
                         </a:rPr>
-                        <a:t>Live Telephone Support</a:t>
+                        <a:t>Assistance téléphonique en direct</a:t>
                       </a:r>
-                      <a:endParaRPr sz="900" spc="0">
-                        <a:latin typeface="AdobeClean-Light"/>
-                        <a:cs typeface="AdobeClean-Light"/>
-                      </a:endParaRPr>
                     </a:p>
                   </a:txBody>
                   <a:tcPr marL="0" marR="0" marT="57785" marB="0">
@@ -6602,7 +5477,7 @@
                     <a:bodyPr/>
                     <a:lstStyle/>
                     <a:p>
-                      <a:pPr algn="ctr">
+                      <a:pPr algn="l" rtl="0">
                         <a:lnSpc>
                           <a:spcPct val="100000"/>
                         </a:lnSpc>
@@ -6643,7 +5518,7 @@
                         </a:spcBef>
                       </a:pPr>
                       <a:r>
-                        <a:rPr sz="900">
+                        <a:rPr lang="fr-FR" sz="900">
                           <a:solidFill>
                             <a:srgbClr val="020302"/>
                           </a:solidFill>
@@ -6652,10 +5527,6 @@
                         </a:rPr>
                         <a:t></a:t>
                       </a:r>
-                      <a:endParaRPr sz="900">
-                        <a:latin typeface="Wingdings"/>
-                        <a:cs typeface="Wingdings"/>
-                      </a:endParaRPr>
                     </a:p>
                   </a:txBody>
                   <a:tcPr marL="0" marR="0" marT="59054" marB="0">
@@ -6678,7 +5549,7 @@
                     <a:bodyPr/>
                     <a:lstStyle/>
                     <a:p>
-                      <a:pPr marL="50800">
+                      <a:pPr marL="50800" algn="l" rtl="0">
                         <a:lnSpc>
                           <a:spcPct val="100000"/>
                         </a:lnSpc>
@@ -6727,19 +5598,15 @@
                         </a:spcBef>
                       </a:pPr>
                       <a:r>
-                        <a:rPr sz="900" spc="0">
+                        <a:rPr lang="fr-FR" sz="900">
                           <a:solidFill>
                             <a:srgbClr val="020302"/>
                           </a:solidFill>
                           <a:latin typeface="AdobeClean-Light"/>
                           <a:cs typeface="AdobeClean-Light"/>
                         </a:rPr>
-                        <a:t>Escalation Management</a:t>
+                        <a:t>Gestion des remontées d’informations</a:t>
                       </a:r>
-                      <a:endParaRPr sz="900" spc="0">
-                        <a:latin typeface="AdobeClean-Light"/>
-                        <a:cs typeface="AdobeClean-Light"/>
-                      </a:endParaRPr>
                     </a:p>
                   </a:txBody>
                   <a:tcPr marL="0" marR="0" marT="58419" marB="0">
@@ -6762,7 +5629,7 @@
                     <a:bodyPr/>
                     <a:lstStyle/>
                     <a:p>
-                      <a:pPr algn="ctr">
+                      <a:pPr algn="l" rtl="0">
                         <a:lnSpc>
                           <a:spcPct val="100000"/>
                         </a:lnSpc>
@@ -6803,7 +5670,7 @@
                         </a:spcBef>
                       </a:pPr>
                       <a:r>
-                        <a:rPr sz="900">
+                        <a:rPr lang="fr-FR" sz="900">
                           <a:solidFill>
                             <a:srgbClr val="020302"/>
                           </a:solidFill>
@@ -6812,10 +5679,6 @@
                         </a:rPr>
                         <a:t></a:t>
                       </a:r>
-                      <a:endParaRPr sz="900">
-                        <a:latin typeface="Wingdings"/>
-                        <a:cs typeface="Wingdings"/>
-                      </a:endParaRPr>
                     </a:p>
                   </a:txBody>
                   <a:tcPr marL="0" marR="0" marT="59690" marB="0">
@@ -6838,7 +5701,7 @@
                     <a:bodyPr/>
                     <a:lstStyle/>
                     <a:p>
-                      <a:pPr marL="50800">
+                      <a:pPr marL="50800" algn="l" rtl="0">
                         <a:lnSpc>
                           <a:spcPct val="100000"/>
                         </a:lnSpc>
@@ -6887,29 +5750,15 @@
                         </a:spcBef>
                       </a:pPr>
                       <a:r>
-                        <a:rPr sz="900" spc="0">
+                        <a:rPr lang="fr-FR" sz="900">
                           <a:solidFill>
                             <a:srgbClr val="020302"/>
                           </a:solidFill>
                           <a:latin typeface="AdobeClean-Light"/>
                           <a:cs typeface="AdobeClean-Light"/>
                         </a:rPr>
-                        <a:t>Service Reviews </a:t>
+                        <a:t>Examens de service par an</a:t>
                       </a:r>
-                      <a:r>
-                        <a:rPr lang="en-US" sz="900" spc="0">
-                          <a:solidFill>
-                            <a:srgbClr val="020302"/>
-                          </a:solidFill>
-                          <a:latin typeface="AdobeClean-Light"/>
-                          <a:cs typeface="AdobeClean-Light"/>
-                        </a:rPr>
-                        <a:t>per Year</a:t>
-                      </a:r>
-                      <a:endParaRPr sz="900" spc="0">
-                        <a:latin typeface="AdobeClean-Light"/>
-                        <a:cs typeface="AdobeClean-Light"/>
-                      </a:endParaRPr>
                     </a:p>
                   </a:txBody>
                   <a:tcPr marL="0" marR="0" marT="57150" marB="0">
@@ -6932,7 +5781,7 @@
                     <a:bodyPr/>
                     <a:lstStyle/>
                     <a:p>
-                      <a:pPr>
+                      <a:pPr algn="l" rtl="0">
                         <a:lnSpc>
                           <a:spcPct val="100000"/>
                         </a:lnSpc>
@@ -6967,16 +5816,12 @@
                         </a:lnSpc>
                       </a:pPr>
                       <a:r>
-                        <a:rPr lang="en-US" sz="900">
+                        <a:rPr lang="fr-FR" sz="900">
                           <a:latin typeface="Times New Roman"/>
                           <a:cs typeface="Times New Roman"/>
                         </a:rPr>
                         <a:t>2</a:t>
                       </a:r>
-                      <a:endParaRPr sz="900">
-                        <a:latin typeface="Times New Roman"/>
-                        <a:cs typeface="Times New Roman"/>
-                      </a:endParaRPr>
                     </a:p>
                   </a:txBody>
                   <a:tcPr marL="0" marR="0" marT="0" marB="0">
@@ -7018,16 +5863,12 @@
                         </a:spcBef>
                       </a:pPr>
                       <a:r>
-                        <a:rPr lang="en-US" sz="900" spc="0">
+                        <a:rPr lang="fr-FR" sz="900">
                           <a:latin typeface="AdobeClean-Light"/>
                           <a:cs typeface="AdobeClean-Light"/>
                         </a:rPr>
-                        <a:t>Expert Sessions per Year</a:t>
+                        <a:t>Sessions d’experts par an</a:t>
                       </a:r>
-                      <a:endParaRPr sz="900" spc="0">
-                        <a:latin typeface="AdobeClean-Light"/>
-                        <a:cs typeface="AdobeClean-Light"/>
-                      </a:endParaRPr>
                     </a:p>
                   </a:txBody>
                   <a:tcPr marL="0" marR="0" marT="57150" marB="0">
@@ -7056,7 +5897,7 @@
                     <a:bodyPr/>
                     <a:lstStyle/>
                     <a:p>
-                      <a:pPr>
+                      <a:pPr algn="l" rtl="0">
                         <a:lnSpc>
                           <a:spcPct val="100000"/>
                         </a:lnSpc>
@@ -7091,16 +5932,12 @@
                         </a:lnSpc>
                       </a:pPr>
                       <a:r>
-                        <a:rPr lang="en-US" sz="900">
+                        <a:rPr lang="fr-FR" sz="900">
                           <a:latin typeface="Times New Roman"/>
                           <a:cs typeface="Times New Roman"/>
                         </a:rPr>
                         <a:t>2</a:t>
                       </a:r>
-                      <a:endParaRPr sz="900">
-                        <a:latin typeface="Times New Roman"/>
-                        <a:cs typeface="Times New Roman"/>
-                      </a:endParaRPr>
                     </a:p>
                   </a:txBody>
                   <a:tcPr marL="0" marR="0" marT="0" marB="0">
@@ -7142,16 +5979,12 @@
                         </a:spcBef>
                       </a:pPr>
                       <a:r>
-                        <a:rPr lang="en-US" sz="900" spc="0">
+                        <a:rPr lang="fr-FR" sz="900">
                           <a:latin typeface="AdobeClean-Light"/>
                           <a:cs typeface="AdobeClean-Light"/>
                         </a:rPr>
-                        <a:t>Case Reviews</a:t>
+                        <a:t>Examens de cas</a:t>
                       </a:r>
-                      <a:endParaRPr sz="900" spc="0">
-                        <a:latin typeface="AdobeClean-Light"/>
-                        <a:cs typeface="AdobeClean-Light"/>
-                      </a:endParaRPr>
                     </a:p>
                   </a:txBody>
                   <a:tcPr marL="0" marR="0" marT="57150" marB="0">
@@ -7180,7 +6013,7 @@
                     <a:bodyPr/>
                     <a:lstStyle/>
                     <a:p>
-                      <a:pPr>
+                      <a:pPr algn="l" rtl="0">
                         <a:lnSpc>
                           <a:spcPct val="100000"/>
                         </a:lnSpc>
@@ -7227,7 +6060,7 @@
                         <a:defRPr/>
                       </a:pPr>
                       <a:r>
-                        <a:rPr lang="en-US" sz="900">
+                        <a:rPr lang="fr-FR" sz="900">
                           <a:solidFill>
                             <a:srgbClr val="020302"/>
                           </a:solidFill>
@@ -7236,10 +6069,6 @@
                         </a:rPr>
                         <a:t></a:t>
                       </a:r>
-                      <a:endParaRPr lang="en-US" sz="900">
-                        <a:latin typeface="Wingdings"/>
-                        <a:cs typeface="Wingdings"/>
-                      </a:endParaRPr>
                     </a:p>
                   </a:txBody>
                   <a:tcPr marL="0" marR="0" marT="0" marB="0">
@@ -7262,7 +6091,7 @@
                     <a:bodyPr/>
                     <a:lstStyle/>
                     <a:p>
-                      <a:pPr marL="48895">
+                      <a:pPr marL="48895" algn="l" rtl="0">
                         <a:lnSpc>
                           <a:spcPct val="100000"/>
                         </a:lnSpc>
@@ -7320,29 +6149,15 @@
                         </a:spcBef>
                       </a:pPr>
                       <a:r>
-                        <a:rPr sz="900" spc="0">
+                        <a:rPr lang="fr-FR" sz="900">
                           <a:solidFill>
                             <a:srgbClr val="020302"/>
                           </a:solidFill>
                           <a:latin typeface="AdobeClean-Light"/>
                           <a:cs typeface="AdobeClean-Light"/>
                         </a:rPr>
-                        <a:t>Event </a:t>
+                        <a:t>Gestion des événements</a:t>
                       </a:r>
-                      <a:r>
-                        <a:rPr lang="en-US" sz="900" spc="0">
-                          <a:solidFill>
-                            <a:srgbClr val="020302"/>
-                          </a:solidFill>
-                          <a:latin typeface="AdobeClean-Light"/>
-                          <a:cs typeface="AdobeClean-Light"/>
-                        </a:rPr>
-                        <a:t>Management</a:t>
-                      </a:r>
-                      <a:endParaRPr sz="900" spc="0">
-                        <a:latin typeface="AdobeClean-Light"/>
-                        <a:cs typeface="AdobeClean-Light"/>
-                      </a:endParaRPr>
                     </a:p>
                   </a:txBody>
                   <a:tcPr marL="0" marR="0" marT="58419" marB="0">
@@ -7371,7 +6186,7 @@
                     <a:bodyPr/>
                     <a:lstStyle/>
                     <a:p>
-                      <a:pPr>
+                      <a:pPr algn="l" rtl="0">
                         <a:lnSpc>
                           <a:spcPct val="100000"/>
                         </a:lnSpc>
@@ -7400,7 +6215,7 @@
                     <a:bodyPr/>
                     <a:lstStyle/>
                     <a:p>
-                      <a:pPr>
+                      <a:pPr algn="l" rtl="0">
                         <a:lnSpc>
                           <a:spcPct val="100000"/>
                         </a:lnSpc>
@@ -7431,7 +6246,7 @@
                     <a:bodyPr/>
                     <a:lstStyle/>
                     <a:p>
-                      <a:pPr marL="48895">
+                      <a:pPr marL="48895" algn="l" rtl="0">
                         <a:lnSpc>
                           <a:spcPct val="100000"/>
                         </a:lnSpc>
@@ -7480,39 +6295,15 @@
                         </a:spcBef>
                       </a:pPr>
                       <a:r>
-                        <a:rPr sz="900" spc="0">
+                        <a:rPr lang="fr-FR" sz="900">
                           <a:solidFill>
                             <a:srgbClr val="020302"/>
                           </a:solidFill>
                           <a:latin typeface="AdobeClean-Light"/>
                           <a:cs typeface="AdobeClean-Light"/>
                         </a:rPr>
-                        <a:t>Environment</a:t>
+                        <a:t>Examen, maintenance et surveillance de l’environnement</a:t>
                       </a:r>
-                      <a:r>
-                        <a:rPr lang="en-US" sz="900" spc="0">
-                          <a:solidFill>
-                            <a:srgbClr val="020302"/>
-                          </a:solidFill>
-                          <a:latin typeface="AdobeClean-Light"/>
-                          <a:cs typeface="AdobeClean-Light"/>
-                        </a:rPr>
-                        <a:t> </a:t>
-                      </a:r>
-                      <a:r>
-                        <a:rPr sz="900" spc="0">
-                          <a:solidFill>
-                            <a:srgbClr val="020302"/>
-                          </a:solidFill>
-                          <a:latin typeface="AdobeClean-Light"/>
-                          <a:cs typeface="AdobeClean-Light"/>
-                        </a:rPr>
-                        <a:t>Review, Maintenance &amp; Monitoring</a:t>
-                      </a:r>
-                      <a:endParaRPr sz="900" spc="0">
-                        <a:latin typeface="AdobeClean-Light"/>
-                        <a:cs typeface="AdobeClean-Light"/>
-                      </a:endParaRPr>
                     </a:p>
                   </a:txBody>
                   <a:tcPr marL="0" marR="0" marT="59055" marB="0">
@@ -7535,7 +6326,7 @@
                     <a:bodyPr/>
                     <a:lstStyle/>
                     <a:p>
-                      <a:pPr>
+                      <a:pPr algn="l" rtl="0">
                         <a:lnSpc>
                           <a:spcPct val="100000"/>
                         </a:lnSpc>
@@ -7564,7 +6355,7 @@
                     <a:bodyPr/>
                     <a:lstStyle/>
                     <a:p>
-                      <a:pPr>
+                      <a:pPr algn="l" rtl="0">
                         <a:lnSpc>
                           <a:spcPct val="100000"/>
                         </a:lnSpc>
@@ -7595,7 +6386,7 @@
                     <a:bodyPr/>
                     <a:lstStyle/>
                     <a:p>
-                      <a:pPr marL="49530">
+                      <a:pPr marL="49530" algn="l" rtl="0">
                         <a:lnSpc>
                           <a:spcPct val="100000"/>
                         </a:lnSpc>
@@ -7644,19 +6435,34 @@
                         </a:spcBef>
                       </a:pPr>
                       <a:r>
-                        <a:rPr sz="900" spc="0">
+                        <a:rPr lang="fr-FR" sz="900" dirty="0">
                           <a:solidFill>
                             <a:srgbClr val="020302"/>
                           </a:solidFill>
                           <a:latin typeface="AdobeClean-Light"/>
                           <a:cs typeface="AdobeClean-Light"/>
                         </a:rPr>
-                        <a:t>Release, Migration, Upgrade &amp; Product Roadmap Review</a:t>
+                        <a:t>Version, migration, mise à niveau et examen de la feuille de route </a:t>
                       </a:r>
-                      <a:endParaRPr sz="900" spc="0">
-                        <a:latin typeface="AdobeClean-Light"/>
-                        <a:cs typeface="AdobeClean-Light"/>
-                      </a:endParaRPr>
+                      <a:br>
+                        <a:rPr lang="sk-SK" sz="900" dirty="0">
+                          <a:solidFill>
+                            <a:srgbClr val="020302"/>
+                          </a:solidFill>
+                          <a:latin typeface="AdobeClean-Light"/>
+                          <a:cs typeface="AdobeClean-Light"/>
+                        </a:rPr>
+                      </a:br>
+                      <a:r>
+                        <a:rPr lang="fr-FR" sz="900" dirty="0">
+                          <a:solidFill>
+                            <a:srgbClr val="020302"/>
+                          </a:solidFill>
+                          <a:latin typeface="AdobeClean-Light"/>
+                          <a:cs typeface="AdobeClean-Light"/>
+                        </a:rPr>
+                        <a:t>du produit</a:t>
+                      </a:r>
                     </a:p>
                   </a:txBody>
                   <a:tcPr marL="0" marR="0" marT="63500" marB="0">
@@ -7679,7 +6485,7 @@
                     <a:bodyPr/>
                     <a:lstStyle/>
                     <a:p>
-                      <a:pPr>
+                      <a:pPr algn="l" rtl="0">
                         <a:lnSpc>
                           <a:spcPct val="100000"/>
                         </a:lnSpc>
@@ -7708,7 +6514,7 @@
                     <a:bodyPr/>
                     <a:lstStyle/>
                     <a:p>
-                      <a:pPr>
+                      <a:pPr algn="l" rtl="0">
                         <a:lnSpc>
                           <a:spcPct val="100000"/>
                         </a:lnSpc>
@@ -7739,7 +6545,7 @@
                     <a:bodyPr/>
                     <a:lstStyle/>
                     <a:p>
-                      <a:pPr marL="49530">
+                      <a:pPr marL="49530" algn="l" rtl="0">
                         <a:lnSpc>
                           <a:spcPct val="100000"/>
                         </a:lnSpc>
@@ -7797,11 +6603,11 @@
                         </a:spcBef>
                       </a:pPr>
                       <a:r>
-                        <a:rPr sz="900" spc="0">
+                        <a:rPr lang="fr-FR" sz="900">
                           <a:latin typeface="AdobeClean-Light"/>
                           <a:cs typeface="AdobeClean-Light"/>
                         </a:rPr>
-                        <a:t>Cloud Support Activities – Experience Manager as Cloud</a:t>
+                        <a:t>Activités d’assistance dans le Cloud - Experience Manager as Cloud</a:t>
                       </a:r>
                     </a:p>
                   </a:txBody>
@@ -7831,7 +6637,7 @@
                     <a:bodyPr/>
                     <a:lstStyle/>
                     <a:p>
-                      <a:pPr>
+                      <a:pPr algn="l" rtl="0">
                         <a:lnSpc>
                           <a:spcPct val="100000"/>
                         </a:lnSpc>
@@ -7887,7 +6693,7 @@
                         <a:defRPr/>
                       </a:pPr>
                       <a:r>
-                        <a:rPr lang="en-US" sz="900">
+                        <a:rPr lang="fr-FR" sz="900">
                           <a:solidFill>
                             <a:srgbClr val="020302"/>
                           </a:solidFill>
@@ -7896,13 +6702,9 @@
                         </a:rPr>
                         <a:t></a:t>
                       </a:r>
-                      <a:endParaRPr lang="en-US" sz="900">
-                        <a:latin typeface="Wingdings"/>
-                        <a:cs typeface="Wingdings"/>
-                      </a:endParaRPr>
                     </a:p>
                     <a:p>
-                      <a:pPr marL="0" marR="0" lvl="0" indent="0" algn="ctr" defTabSz="914400" eaLnBrk="1" fontAlgn="auto" latinLnBrk="0" hangingPunct="1">
+                      <a:pPr marL="0" marR="0" lvl="0" indent="0" algn="l" defTabSz="914400" rtl="0" eaLnBrk="1" fontAlgn="auto" latinLnBrk="0" hangingPunct="1">
                         <a:lnSpc>
                           <a:spcPct val="100000"/>
                         </a:lnSpc>
@@ -7965,22 +6767,15 @@
                         </a:spcBef>
                       </a:pPr>
                       <a:r>
-                        <a:rPr lang="en-US" sz="1000" b="1" i="0" spc="0">
+                        <a:rPr lang="fr-FR" sz="1000" b="1" i="0">
                           <a:solidFill>
                             <a:schemeClr val="bg1"/>
                           </a:solidFill>
                           <a:latin typeface="Adobe Clean" panose="020B0503020404020204" pitchFamily="34" charset="0"/>
                           <a:cs typeface="AdobeClean-Light"/>
                         </a:rPr>
-                        <a:t>Field Services</a:t>
+                        <a:t>Services de terrain</a:t>
                       </a:r>
-                      <a:endParaRPr sz="1000" b="1" i="0" spc="0">
-                        <a:solidFill>
-                          <a:schemeClr val="bg1"/>
-                        </a:solidFill>
-                        <a:latin typeface="Adobe Clean" panose="020B0503020404020204" pitchFamily="34" charset="0"/>
-                        <a:cs typeface="AdobeClean-Light"/>
-                      </a:endParaRPr>
                     </a:p>
                   </a:txBody>
                   <a:tcPr marL="0" marR="0" marT="48260" marB="0" anchor="ctr">
@@ -8033,14 +6828,14 @@
                         </a:spcBef>
                       </a:pPr>
                       <a:r>
-                        <a:rPr sz="900" spc="0">
+                        <a:rPr lang="fr-FR" sz="900">
                           <a:solidFill>
                             <a:srgbClr val="020302"/>
                           </a:solidFill>
                           <a:latin typeface="AdobeClean-Light"/>
                           <a:cs typeface="AdobeClean-Light"/>
                         </a:rPr>
-                        <a:t>Launch Advisory Services – First Year of new solution</a:t>
+                        <a:t>Services Launch Advisory - Première année de la nouvelle solution</a:t>
                       </a:r>
                     </a:p>
                   </a:txBody>
@@ -8080,7 +6875,7 @@
                     <a:bodyPr/>
                     <a:lstStyle/>
                     <a:p>
-                      <a:pPr>
+                      <a:pPr algn="l" rtl="0">
                         <a:lnSpc>
                           <a:spcPct val="100000"/>
                         </a:lnSpc>
@@ -8136,7 +6931,7 @@
                         <a:defRPr/>
                       </a:pPr>
                       <a:r>
-                        <a:rPr lang="en-US" sz="900">
+                        <a:rPr lang="fr-FR" sz="900">
                           <a:solidFill>
                             <a:srgbClr val="020302"/>
                           </a:solidFill>
@@ -8145,10 +6940,6 @@
                         </a:rPr>
                         <a:t></a:t>
                       </a:r>
-                      <a:endParaRPr lang="en-US" sz="900">
-                        <a:latin typeface="Wingdings"/>
-                        <a:cs typeface="Wingdings"/>
-                      </a:endParaRPr>
                     </a:p>
                   </a:txBody>
                   <a:tcPr marL="0" marR="0" marT="0" marB="0">
@@ -8269,7 +7060,7 @@
                         <a:defRPr/>
                       </a:pPr>
                       <a:r>
-                        <a:rPr lang="en-US" sz="900">
+                        <a:rPr lang="fr-FR" sz="900">
                           <a:solidFill>
                             <a:srgbClr val="020302"/>
                           </a:solidFill>
@@ -8278,10 +7069,6 @@
                         </a:rPr>
                         <a:t></a:t>
                       </a:r>
-                      <a:endParaRPr lang="en-US" sz="900">
-                        <a:latin typeface="Wingdings"/>
-                        <a:cs typeface="Wingdings"/>
-                      </a:endParaRPr>
                     </a:p>
                   </a:txBody>
                   <a:tcPr marL="0" marR="0" marT="0" marB="0">
@@ -8338,11 +7125,11 @@
                         <a:defRPr/>
                       </a:pPr>
                       <a:r>
-                        <a:rPr lang="en-US" sz="900" spc="0">
+                        <a:rPr lang="fr-FR" sz="900" dirty="0">
                           <a:latin typeface="AdobeClean-Light"/>
                           <a:cs typeface="AdobeClean-Light"/>
                         </a:rPr>
-                        <a:t>Field Service Activities </a:t>
+                        <a:t>Activités du service de terrain </a:t>
                       </a:r>
                     </a:p>
                   </a:txBody>
@@ -8477,14 +7264,14 @@
         <p:spPr>
           <a:xfrm>
             <a:off x="2835999" y="9021041"/>
-            <a:ext cx="2194560" cy="641201"/>
+            <a:ext cx="2194560" cy="795089"/>
           </a:xfrm>
           <a:prstGeom prst="rect">
             <a:avLst/>
           </a:prstGeom>
         </p:spPr>
         <p:txBody>
-          <a:bodyPr vert="horz" wrap="square" lIns="0" tIns="12700" rIns="0" bIns="0" rtlCol="0" anchor="t">
+          <a:bodyPr vert="horz" wrap="square" lIns="0" tIns="12700" rIns="0" bIns="0" rtlCol="0">
             <a:spAutoFit/>
           </a:bodyPr>
           <a:lstStyle/>
@@ -8501,158 +7288,21 @@
               </a:tabLst>
             </a:pPr>
             <a:r>
-              <a:rPr sz="1000" spc="-20" dirty="0">
+              <a:rPr lang="fr-FR" sz="1000" dirty="0">
                 <a:solidFill>
                   <a:srgbClr val="020302"/>
                 </a:solidFill>
                 <a:latin typeface="AdobeClean-Light"/>
                 <a:cs typeface="AdobeClean-Light"/>
               </a:rPr>
-              <a:t>Start </a:t>
-            </a:r>
-            <a:r>
-              <a:rPr sz="1000" dirty="0">
-                <a:solidFill>
-                  <a:srgbClr val="020302"/>
-                </a:solidFill>
-                <a:latin typeface="AdobeClean-Light"/>
-                <a:cs typeface="AdobeClean-Light"/>
-              </a:rPr>
-              <a:t>a </a:t>
-            </a:r>
-            <a:r>
-              <a:rPr sz="1000" spc="-15" dirty="0">
-                <a:solidFill>
-                  <a:srgbClr val="020302"/>
-                </a:solidFill>
-                <a:latin typeface="AdobeClean-Light"/>
-                <a:cs typeface="AdobeClean-Light"/>
-              </a:rPr>
-              <a:t>chat </a:t>
-            </a:r>
-            <a:r>
-              <a:rPr sz="1000" spc="-10" dirty="0">
-                <a:solidFill>
-                  <a:srgbClr val="020302"/>
-                </a:solidFill>
-                <a:latin typeface="AdobeClean-Light"/>
-                <a:cs typeface="AdobeClean-Light"/>
-              </a:rPr>
-              <a:t>session </a:t>
-            </a:r>
-            <a:r>
-              <a:rPr sz="1000" spc="-5" dirty="0">
-                <a:solidFill>
-                  <a:srgbClr val="020302"/>
-                </a:solidFill>
-                <a:latin typeface="AdobeClean-Light"/>
-                <a:cs typeface="AdobeClean-Light"/>
-              </a:rPr>
-              <a:t>to </a:t>
-            </a:r>
-            <a:r>
-              <a:rPr sz="1000" spc="-10" dirty="0">
-                <a:solidFill>
-                  <a:srgbClr val="020302"/>
-                </a:solidFill>
-                <a:latin typeface="AdobeClean-Light"/>
-                <a:cs typeface="AdobeClean-Light"/>
-              </a:rPr>
-              <a:t>get </a:t>
-            </a:r>
-            <a:r>
-              <a:rPr sz="1000" spc="-20" dirty="0">
-                <a:solidFill>
-                  <a:srgbClr val="020302"/>
-                </a:solidFill>
-                <a:latin typeface="AdobeClean-Light"/>
-                <a:cs typeface="AdobeClean-Light"/>
-              </a:rPr>
-              <a:t>answers</a:t>
-            </a:r>
-            <a:r>
-              <a:rPr lang="en-US" sz="1000" spc="-45" dirty="0">
-                <a:solidFill>
-                  <a:srgbClr val="020302"/>
-                </a:solidFill>
-                <a:latin typeface="AdobeClean-Light"/>
-                <a:cs typeface="AdobeClean-Light"/>
-              </a:rPr>
-              <a:t> </a:t>
-            </a:r>
-            <a:r>
-              <a:rPr lang="en-US" sz="1000" dirty="0">
-                <a:solidFill>
-                  <a:srgbClr val="020302"/>
-                </a:solidFill>
-                <a:latin typeface="AdobeClean-Light"/>
-                <a:cs typeface="AdobeClean-Light"/>
-              </a:rPr>
-              <a:t>&amp; </a:t>
-            </a:r>
-            <a:r>
-              <a:rPr sz="1000" spc="-15" dirty="0">
-                <a:solidFill>
-                  <a:srgbClr val="020302"/>
-                </a:solidFill>
-                <a:latin typeface="AdobeClean-Light"/>
-                <a:cs typeface="AdobeClean-Light"/>
-              </a:rPr>
-              <a:t>help </a:t>
-            </a:r>
-            <a:r>
-              <a:rPr sz="1000" spc="-10" dirty="0">
-                <a:solidFill>
-                  <a:srgbClr val="020302"/>
-                </a:solidFill>
-                <a:latin typeface="AdobeClean-Light"/>
-                <a:cs typeface="AdobeClean-Light"/>
-              </a:rPr>
-              <a:t>with</a:t>
-            </a:r>
-            <a:r>
-              <a:rPr sz="1000" spc="85" dirty="0">
-                <a:solidFill>
-                  <a:srgbClr val="020302"/>
-                </a:solidFill>
-                <a:latin typeface="AdobeClean-Light"/>
-                <a:cs typeface="AdobeClean-Light"/>
-              </a:rPr>
-              <a:t> </a:t>
-            </a:r>
-            <a:r>
-              <a:rPr sz="1000" spc="-10" dirty="0">
-                <a:solidFill>
-                  <a:srgbClr val="020302"/>
-                </a:solidFill>
-                <a:latin typeface="AdobeClean-Light"/>
-                <a:cs typeface="AdobeClean-Light"/>
-              </a:rPr>
-              <a:t>case </a:t>
-            </a:r>
-            <a:r>
-              <a:rPr sz="1000" spc="-20">
-                <a:solidFill>
-                  <a:srgbClr val="020302"/>
-                </a:solidFill>
-                <a:latin typeface="AdobeClean-Light"/>
-                <a:cs typeface="AdobeClean-Light"/>
-              </a:rPr>
-              <a:t>submission</a:t>
-            </a:r>
-            <a:r>
-              <a:rPr lang="en-US" sz="1000" spc="-20">
-                <a:solidFill>
-                  <a:srgbClr val="020302"/>
-                </a:solidFill>
-                <a:latin typeface="AdobeClean-Light"/>
-                <a:cs typeface="AdobeClean-Light"/>
-              </a:rPr>
-              <a:t>.</a:t>
+              <a:t>Commencez une session de conversation pour obtenir des réponses et de l’aide lors de l’envoi du cas</a:t>
             </a:r>
           </a:p>
           <a:p>
             <a:pPr marL="33020" marR="159385">
+              <a:lnSpc>
+                <a:spcPct val="100000"/>
+              </a:lnSpc>
               <a:spcBef>
                 <a:spcPts val="100"/>
               </a:spcBef>
@@ -8661,49 +7311,44 @@
               </a:tabLst>
             </a:pPr>
             <a:r>
-              <a:rPr sz="1000" i="1" spc="-10" dirty="0">
+              <a:rPr lang="fr-FR" sz="1000" i="1" dirty="0">
                 <a:solidFill>
                   <a:srgbClr val="7A7A7A"/>
                 </a:solidFill>
                 <a:latin typeface="AdobeClean-LightIt"/>
                 <a:cs typeface="AdobeClean-LightIt"/>
               </a:rPr>
-              <a:t>*Not all </a:t>
-            </a:r>
-            <a:r>
-              <a:rPr sz="1000" i="1" spc="-20" dirty="0">
+              <a:t>*Tous les produits ne bénéficient pas </a:t>
+            </a:r>
+            <a:br>
+              <a:rPr lang="sk-SK" sz="1000" i="1" dirty="0">
                 <a:solidFill>
                   <a:srgbClr val="7A7A7A"/>
                 </a:solidFill>
                 <a:latin typeface="AdobeClean-LightIt"/>
                 <a:cs typeface="AdobeClean-LightIt"/>
               </a:rPr>
-              <a:t>products have live chat support</a:t>
-            </a:r>
-            <a:r>
-              <a:rPr sz="900" i="1" spc="-20" dirty="0">
+            </a:br>
+            <a:r>
+              <a:rPr lang="fr-FR" sz="1000" i="1" dirty="0">
                 <a:solidFill>
                   <a:srgbClr val="7A7A7A"/>
                 </a:solidFill>
                 <a:latin typeface="AdobeClean-LightIt"/>
                 <a:cs typeface="AdobeClean-LightIt"/>
               </a:rPr>
-              <a:t>.</a:t>
-            </a:r>
-            <a:r>
-              <a:rPr lang="en-US" sz="900" i="1" spc="-20" dirty="0">
+              <a:t>de l’assistance de messagerie instantanée</a:t>
+            </a:r>
+            <a:r>
+              <a:rPr lang="fr-FR" sz="900" i="1" dirty="0">
                 <a:solidFill>
                   <a:srgbClr val="7A7A7A"/>
                 </a:solidFill>
                 <a:latin typeface="AdobeClean-LightIt"/>
                 <a:cs typeface="AdobeClean-LightIt"/>
               </a:rPr>
-              <a:t>  </a:t>
-            </a:r>
-            <a:endParaRPr sz="900">
-              <a:latin typeface="AdobeClean-Light"/>
-              <a:cs typeface="AdobeClean-Light"/>
-            </a:endParaRPr>
+              <a:t>.  </a:t>
+            </a:r>
           </a:p>
         </p:txBody>
       </p:sp>
@@ -8724,7 +7369,7 @@
         <p:spPr>
           <a:xfrm>
             <a:off x="689237" y="6664838"/>
-            <a:ext cx="1568246" cy="184666"/>
+            <a:ext cx="1848206" cy="184666"/>
           </a:xfrm>
           <a:prstGeom prst="rect">
             <a:avLst/>
@@ -8750,12 +7395,12 @@
               <a:defRPr/>
             </a:pPr>
             <a:r>
-              <a:rPr lang="en-US" sz="1200">
+              <a:rPr lang="fr-FR" sz="1200" dirty="0">
                 <a:solidFill>
                   <a:srgbClr val="000000"/>
                 </a:solidFill>
               </a:rPr>
-              <a:t>Community Forums</a:t>
+              <a:t>Forums de la communauté</a:t>
             </a:r>
           </a:p>
         </p:txBody>
@@ -8776,8 +7421,8 @@
         </p:nvSpPr>
         <p:spPr>
           <a:xfrm>
-            <a:off x="689237" y="6868024"/>
-            <a:ext cx="959314" cy="184666"/>
+            <a:off x="689236" y="6868024"/>
+            <a:ext cx="1555491" cy="184666"/>
           </a:xfrm>
           <a:prstGeom prst="rect">
             <a:avLst/>
@@ -8798,12 +7443,12 @@
               </a:spcAft>
             </a:pPr>
             <a:r>
-              <a:rPr lang="en-US" sz="1200" b="1">
+              <a:rPr lang="fr-FR" sz="1200" b="1" dirty="0">
                 <a:latin typeface="+mj-lt"/>
                 <a:ea typeface="Open Sans" pitchFamily="34" charset="0"/>
                 <a:cs typeface="Open Sans" pitchFamily="34" charset="0"/>
               </a:rPr>
-              <a:t>Online Forums</a:t>
+              <a:t>Forums en ligne</a:t>
             </a:r>
           </a:p>
         </p:txBody>
@@ -8823,33 +7468,27 @@
         <p:spPr>
           <a:xfrm>
             <a:off x="355868" y="7102087"/>
-            <a:ext cx="2194560" cy="959237"/>
+            <a:ext cx="2194560" cy="1113125"/>
           </a:xfrm>
           <a:prstGeom prst="rect">
             <a:avLst/>
           </a:prstGeom>
         </p:spPr>
         <p:txBody>
-          <a:bodyPr vert="horz" wrap="square" lIns="0" tIns="35560" rIns="0" bIns="0" rtlCol="0" anchor="t">
+          <a:bodyPr vert="horz" wrap="square" lIns="0" tIns="35560" rIns="0" bIns="0" rtlCol="0">
             <a:spAutoFit/>
           </a:bodyPr>
           <a:lstStyle/>
           <a:p>
             <a:r>
-              <a:rPr lang="en-US" sz="1000" dirty="0">
+              <a:rPr lang="fr-FR" sz="1000" dirty="0">
                 <a:solidFill>
                   <a:srgbClr val="4B4B4B"/>
                 </a:solidFill>
-                <a:latin typeface="Adobe Clean Light"/>
+                <a:latin typeface="Adobe Clean Light" panose="020B0303020404020204" pitchFamily="34" charset="0"/>
               </a:rPr>
-              <a:t>Continuous online access to a growing database of technical solutions, product documentation, FAQs and more. Connect with practitioners and other customers on Adobe Community to share best practices and lessons learned.</a:t>
-            </a:r>
-            <a:endParaRPr lang="en-US" sz="1000" dirty="0">
-              <a:solidFill>
-                <a:srgbClr val="4B4B4B"/>
-              </a:solidFill>
-              <a:latin typeface="Adobe Clean Light" panose="020B0303020404020204" pitchFamily="34" charset="0"/>
-            </a:endParaRPr>
+              <a:t>Accès en ligne permanent à une base de données croissante de solutions techniques, de documentation sur les produits, de questions fréquentes, etc. Communiquez avec des professionnels et d’autres clients de la communauté Adobe pour partager les bonnes pratiques et les leçons apprises</a:t>
+            </a:r>
           </a:p>
         </p:txBody>
       </p:sp>
@@ -8896,7 +7535,7 @@
               <a:defRPr/>
             </a:pPr>
             <a:r>
-              <a:rPr lang="en-US" sz="1200">
+              <a:rPr lang="fr-FR" sz="1200">
                 <a:solidFill>
                   <a:srgbClr val="000000"/>
                 </a:solidFill>
@@ -8944,12 +7583,12 @@
               </a:spcAft>
             </a:pPr>
             <a:r>
-              <a:rPr lang="en-US" sz="1200" b="1">
+              <a:rPr lang="fr-FR" sz="1200" b="1">
                 <a:latin typeface="+mj-lt"/>
                 <a:ea typeface="Open Sans" pitchFamily="34" charset="0"/>
                 <a:cs typeface="Open Sans" pitchFamily="34" charset="0"/>
               </a:rPr>
-              <a:t>Self-guided Journeys</a:t>
+              <a:t>Parcours auto-guidés</a:t>
             </a:r>
           </a:p>
         </p:txBody>
@@ -8976,26 +7615,20 @@
           </a:prstGeom>
         </p:spPr>
         <p:txBody>
-          <a:bodyPr vert="horz" wrap="square" lIns="0" tIns="35560" rIns="0" bIns="0" rtlCol="0" anchor="t">
+          <a:bodyPr vert="horz" wrap="square" lIns="0" tIns="35560" rIns="0" bIns="0" rtlCol="0">
             <a:spAutoFit/>
           </a:bodyPr>
           <a:lstStyle/>
           <a:p>
             <a:r>
-              <a:rPr lang="en-US" sz="1000" dirty="0">
+              <a:rPr lang="fr-FR" sz="1000">
                 <a:solidFill>
                   <a:srgbClr val="4B4B4B"/>
                 </a:solidFill>
-                <a:latin typeface="Adobe Clean Light"/>
+                <a:latin typeface="Adobe Clean Light" panose="020B0303020404020204" pitchFamily="34" charset="0"/>
               </a:rPr>
-              <a:t>Experience Makers are made with Experience League. Customers can kickstart their Customer Experience Management abilities with personalized learning to develop skills, engage with a global community of peers, and earn career advancing recognition.</a:t>
-            </a:r>
-            <a:endParaRPr lang="en-US" sz="1000" dirty="0">
-              <a:solidFill>
-                <a:srgbClr val="4B4B4B"/>
-              </a:solidFill>
-              <a:latin typeface="Adobe Clean Light" panose="020B0303020404020204" pitchFamily="34" charset="0"/>
-            </a:endParaRPr>
+              <a:t>Les Experience Makers sont créées à l’aide d’Experience League. Les clients peuvent lancer leurs capacités de gestion de l’expérience client grâce à un apprentissage personnalisé permettant de développer leurs compétences, collaborer avec une communauté mondiale de pairs et gagner une reconnaissance de carrière</a:t>
+            </a:r>
           </a:p>
         </p:txBody>
       </p:sp>
@@ -9042,12 +7675,12 @@
               <a:defRPr/>
             </a:pPr>
             <a:r>
-              <a:rPr lang="en-US" sz="1200">
+              <a:rPr lang="fr-FR" sz="1200">
                 <a:solidFill>
                   <a:srgbClr val="000000"/>
                 </a:solidFill>
               </a:rPr>
-              <a:t>Live Chat  Support*</a:t>
+              <a:t>Assistance de messagerie instantanée*</a:t>
             </a:r>
           </a:p>
         </p:txBody>
@@ -9090,12 +7723,12 @@
               </a:spcAft>
             </a:pPr>
             <a:r>
-              <a:rPr lang="en-US" sz="1200" b="1">
+              <a:rPr lang="fr-FR" sz="1200" b="1">
                 <a:latin typeface="+mj-lt"/>
                 <a:ea typeface="Open Sans" pitchFamily="34" charset="0"/>
                 <a:cs typeface="Open Sans" pitchFamily="34" charset="0"/>
               </a:rPr>
-              <a:t>Chat Support</a:t>
+              <a:t>Assistance de conversation</a:t>
             </a:r>
           </a:p>
         </p:txBody>
@@ -9143,12 +7776,12 @@
               <a:defRPr/>
             </a:pPr>
             <a:r>
-              <a:rPr lang="en-US" sz="1200">
+              <a:rPr lang="fr-FR" sz="1200">
                 <a:solidFill>
                   <a:srgbClr val="000000"/>
                 </a:solidFill>
               </a:rPr>
-              <a:t>24X7 P1 </a:t>
+              <a:t>P1 24X7 </a:t>
             </a:r>
           </a:p>
         </p:txBody>
@@ -9191,12 +7824,12 @@
               </a:spcAft>
             </a:pPr>
             <a:r>
-              <a:rPr lang="en-US" sz="1200" b="1">
+              <a:rPr lang="fr-FR" sz="1200" b="1">
                 <a:latin typeface="+mj-lt"/>
                 <a:ea typeface="Open Sans" pitchFamily="34" charset="0"/>
                 <a:cs typeface="Open Sans" pitchFamily="34" charset="0"/>
               </a:rPr>
-              <a:t>Phone  Support</a:t>
+              <a:t>Assistance téléphonique</a:t>
             </a:r>
           </a:p>
         </p:txBody>
@@ -9229,35 +7862,29 @@
           <a:lstStyle/>
           <a:p>
             <a:r>
-              <a:rPr lang="en-US" sz="1000">
+              <a:rPr lang="fr-FR" sz="1000">
                 <a:solidFill>
                   <a:srgbClr val="020302"/>
                 </a:solidFill>
                 <a:latin typeface="AdobeClean-Light"/>
               </a:rPr>
-              <a:t>Authorized users or </a:t>
-            </a:r>
-            <a:r>
-              <a:rPr lang="en-US" sz="1000" b="1">
+              <a:t>Les utilisateurs autorisés ou les </a:t>
+            </a:r>
+            <a:r>
+              <a:rPr lang="fr-FR" sz="1000" b="1">
                 <a:solidFill>
                   <a:srgbClr val="020302"/>
                 </a:solidFill>
                 <a:latin typeface="AdobeClean-Light"/>
               </a:rPr>
-              <a:t>Named Support Contacts </a:t>
-            </a:r>
-            <a:r>
-              <a:rPr lang="en-US" sz="1000">
+              <a:t>contacts d’assistance nommés </a:t>
+            </a:r>
+            <a:r>
+              <a:rPr lang="fr-FR" sz="1000">
                 <a:latin typeface="Adobe Clean Light" panose="020B0303020404020204" pitchFamily="34" charset="0"/>
               </a:rPr>
-              <a:t>can submit issues through all available  channels (including phone for P1) and interact with our technical support team on behalf of your company. </a:t>
-            </a:r>
-            <a:endParaRPr lang="en-US" sz="1000">
-              <a:solidFill>
-                <a:srgbClr val="000000"/>
-              </a:solidFill>
-              <a:latin typeface="Adobe Clean Light" panose="020B0303020404020204" pitchFamily="34" charset="0"/>
-            </a:endParaRPr>
+              <a:t>peuvent communiquer des problèmes par l’intermédiaire de tous les canaux disponibles (y compris le téléphone pour P1) et interagir avec notre équipe d’assistance technique au nom de votre entreprise. </a:t>
+            </a:r>
           </a:p>
         </p:txBody>
       </p:sp>
@@ -9345,19 +7972,15 @@
               </a:spcBef>
             </a:pPr>
             <a:r>
-              <a:rPr lang="en-US" sz="1400" b="1" spc="-10">
+              <a:rPr lang="fr-FR" sz="1400" b="1">
                 <a:solidFill>
                   <a:srgbClr val="020302"/>
                 </a:solidFill>
                 <a:latin typeface="Adobe Clean"/>
                 <a:cs typeface="Adobe Clean"/>
               </a:rPr>
-              <a:t>Online Support Features</a:t>
-            </a:r>
-            <a:endParaRPr lang="en-US" sz="1400">
-              <a:latin typeface="Adobe Clean"/>
-              <a:cs typeface="Adobe Clean"/>
-            </a:endParaRPr>
+              <a:t>Fonctionnalités de l’assistance en ligne</a:t>
+            </a:r>
           </a:p>
         </p:txBody>
       </p:sp>
@@ -9404,7 +8027,7 @@
               <a:defRPr/>
             </a:pPr>
             <a:r>
-              <a:rPr lang="en-US" sz="1200">
+              <a:rPr lang="fr-FR" sz="1200">
                 <a:solidFill>
                   <a:srgbClr val="000000"/>
                 </a:solidFill>
@@ -9452,12 +8075,12 @@
               </a:spcAft>
             </a:pPr>
             <a:r>
-              <a:rPr lang="en-US" sz="1200" b="1">
+              <a:rPr lang="fr-FR" sz="1200" b="1">
                 <a:latin typeface="+mj-lt"/>
                 <a:ea typeface="Open Sans" pitchFamily="34" charset="0"/>
                 <a:cs typeface="Open Sans" pitchFamily="34" charset="0"/>
               </a:rPr>
-              <a:t>Webinars</a:t>
+              <a:t>Webinaires</a:t>
             </a:r>
           </a:p>
         </p:txBody>
@@ -9476,8 +8099,8 @@
         </p:nvSpPr>
         <p:spPr>
           <a:xfrm>
-            <a:off x="355868" y="8986613"/>
-            <a:ext cx="2194560" cy="805349"/>
+            <a:off x="355867" y="8986613"/>
+            <a:ext cx="2420985" cy="866904"/>
           </a:xfrm>
           <a:prstGeom prst="rect">
             <a:avLst/>
@@ -9490,13 +8113,65 @@
           <a:lstStyle/>
           <a:p>
             <a:r>
-              <a:rPr lang="en-US" sz="1000">
+              <a:rPr lang="fr-FR" sz="900" dirty="0">
                 <a:solidFill>
                   <a:srgbClr val="4B4B4B"/>
                 </a:solidFill>
                 <a:latin typeface="Adobe Clean Light" panose="020B0303020404020204" pitchFamily="34" charset="0"/>
               </a:rPr>
-              <a:t>Office Hours led by the Adobe Customer Support team includes sessions designed to inform as well as help participants troubleshoot problems and provide tips and tricks for success with Adobe solutions. </a:t>
+              <a:t>« Office </a:t>
+            </a:r>
+            <a:r>
+              <a:rPr lang="fr-FR" sz="900" dirty="0" err="1">
+                <a:solidFill>
+                  <a:srgbClr val="4B4B4B"/>
+                </a:solidFill>
+                <a:latin typeface="Adobe Clean Light" panose="020B0303020404020204" pitchFamily="34" charset="0"/>
+              </a:rPr>
+              <a:t>Hours</a:t>
+            </a:r>
+            <a:r>
+              <a:rPr lang="fr-FR" sz="900" dirty="0">
+                <a:solidFill>
+                  <a:srgbClr val="4B4B4B"/>
+                </a:solidFill>
+                <a:latin typeface="Adobe Clean Light" panose="020B0303020404020204" pitchFamily="34" charset="0"/>
+              </a:rPr>
+              <a:t> », l’initiative menée par l’équipe </a:t>
+            </a:r>
+            <a:br>
+              <a:rPr lang="sk-SK" sz="900" dirty="0">
+                <a:solidFill>
+                  <a:srgbClr val="4B4B4B"/>
+                </a:solidFill>
+                <a:latin typeface="Adobe Clean Light" panose="020B0303020404020204" pitchFamily="34" charset="0"/>
+              </a:rPr>
+            </a:br>
+            <a:r>
+              <a:rPr lang="fr-FR" sz="900" dirty="0">
+                <a:solidFill>
+                  <a:srgbClr val="4B4B4B"/>
+                </a:solidFill>
+                <a:latin typeface="Adobe Clean Light" panose="020B0303020404020204" pitchFamily="34" charset="0"/>
+              </a:rPr>
+              <a:t>du service clientèle Adobe, comprend des sessions conçues pour informer les participants et les aider </a:t>
+            </a:r>
+            <a:br>
+              <a:rPr lang="sk-SK" sz="900" dirty="0">
+                <a:solidFill>
+                  <a:srgbClr val="4B4B4B"/>
+                </a:solidFill>
+                <a:latin typeface="Adobe Clean Light" panose="020B0303020404020204" pitchFamily="34" charset="0"/>
+              </a:rPr>
+            </a:br>
+            <a:r>
+              <a:rPr lang="fr-FR" sz="900" dirty="0">
+                <a:solidFill>
+                  <a:srgbClr val="4B4B4B"/>
+                </a:solidFill>
+                <a:latin typeface="Adobe Clean Light" panose="020B0303020404020204" pitchFamily="34" charset="0"/>
+              </a:rPr>
+              <a:t>à résoudre leurs problèmes. Elle offre également des conseils et astuces pour réussir au mieux l’intégration des solutions Adobe. </a:t>
             </a:r>
           </a:p>
         </p:txBody>
@@ -9517,8 +8192,8 @@
         </p:nvSpPr>
         <p:spPr>
           <a:xfrm>
-            <a:off x="5723508" y="8520784"/>
-            <a:ext cx="1303746" cy="184666"/>
+            <a:off x="5723507" y="8520784"/>
+            <a:ext cx="1736713" cy="184666"/>
           </a:xfrm>
           <a:prstGeom prst="rect">
             <a:avLst/>
@@ -9544,12 +8219,12 @@
               <a:defRPr/>
             </a:pPr>
             <a:r>
-              <a:rPr lang="en-US" sz="1200">
+              <a:rPr lang="fr-FR" sz="1200" dirty="0">
                 <a:solidFill>
                   <a:srgbClr val="000000"/>
                 </a:solidFill>
               </a:rPr>
-              <a:t>Self-help Portals</a:t>
+              <a:t>Portail d’aide automatique</a:t>
             </a:r>
           </a:p>
         </p:txBody>
@@ -9592,12 +8267,12 @@
               </a:spcAft>
             </a:pPr>
             <a:r>
-              <a:rPr lang="en-US" sz="1200" b="1">
+              <a:rPr lang="fr-FR" sz="1200" b="1">
                 <a:latin typeface="+mj-lt"/>
                 <a:ea typeface="Open Sans" pitchFamily="34" charset="0"/>
                 <a:cs typeface="Open Sans" pitchFamily="34" charset="0"/>
               </a:rPr>
-              <a:t>24/7 Support Portal</a:t>
+              <a:t>Portail d’assistance 24/7</a:t>
             </a:r>
           </a:p>
         </p:txBody>
@@ -9617,7 +8292,7 @@
         <p:spPr>
           <a:xfrm>
             <a:off x="5265661" y="8947635"/>
-            <a:ext cx="2194560" cy="805349"/>
+            <a:ext cx="2420984" cy="959237"/>
           </a:xfrm>
           <a:prstGeom prst="rect">
             <a:avLst/>
@@ -9630,16 +8305,16 @@
           <a:lstStyle/>
           <a:p>
             <a:r>
-              <a:rPr lang="en-US" sz="1000">
+              <a:rPr lang="fr-FR" sz="1000" dirty="0">
                 <a:solidFill>
                   <a:srgbClr val="4B4B4B"/>
                 </a:solidFill>
                 <a:latin typeface="Adobe Clean Light" panose="020B0303020404020204" pitchFamily="34" charset="0"/>
               </a:rPr>
-              <a:t>On-demand access to the online </a:t>
+              <a:t>Accès à la demande au portail </a:t>
             </a:r>
             <a:br>
-              <a:rPr lang="en-US" sz="1000">
+              <a:rPr lang="fr-FR" sz="1000" dirty="0">
                 <a:solidFill>
                   <a:srgbClr val="4B4B4B"/>
                 </a:solidFill>
@@ -9647,13 +8322,13 @@
               </a:rPr>
             </a:br>
             <a:r>
-              <a:rPr lang="en-US" sz="1000">
+              <a:rPr lang="fr-FR" sz="1000" dirty="0">
                 <a:solidFill>
                   <a:srgbClr val="4B4B4B"/>
                 </a:solidFill>
                 <a:latin typeface="Adobe Clean Light" panose="020B0303020404020204" pitchFamily="34" charset="0"/>
               </a:rPr>
-              <a:t>Self-help Support Portal to submit support requests, review case status, and browse other resources, like our knowledgebase, news and alerts, featured tips, and more.</a:t>
+              <a:t>d’assistance d’aide automatique en ligne pour envoyer des demandes d’assistance, examiner le statut des cas et parcourir d’autres ressources, telles que notre base de connaissances, les actualités et les alertes, les conseils présentés, etc.</a:t>
             </a:r>
           </a:p>
         </p:txBody>
@@ -9675,7 +8350,7 @@
         <p:spPr>
           <a:xfrm>
             <a:off x="97788" y="9888626"/>
-            <a:ext cx="2245360" cy="133370"/>
+            <a:ext cx="3178812" cy="133364"/>
           </a:xfrm>
           <a:prstGeom prst="rect">
             <a:avLst/>
@@ -9787,36 +8462,8 @@
               </a:spcBef>
             </a:pPr>
             <a:r>
-              <a:rPr lang="en-US" spc="-10"/>
-              <a:t>©2021</a:t>
-            </a:r>
-            <a:r>
-              <a:rPr lang="en-US" spc="-5"/>
-              <a:t> Adobe. All</a:t>
-            </a:r>
-            <a:r>
-              <a:rPr lang="en-US" spc="-10"/>
-              <a:t> Rights</a:t>
-            </a:r>
-            <a:r>
-              <a:rPr lang="en-US" spc="-5"/>
-              <a:t> </a:t>
-            </a:r>
-            <a:r>
-              <a:rPr lang="en-US" spc="-10"/>
-              <a:t>Reserved.</a:t>
-            </a:r>
-            <a:r>
-              <a:rPr lang="en-US" spc="-5"/>
-              <a:t> Adobe</a:t>
-            </a:r>
-            <a:r>
-              <a:rPr lang="en-US" spc="60"/>
-              <a:t> </a:t>
-            </a:r>
-            <a:r>
-              <a:rPr lang="en-US" spc="-10"/>
-              <a:t>Confidential.</a:t>
+              <a:rPr lang="fr-FR"/>
+              <a:t>©2021 Adobe. All Rights Reserved. Données confidentielles Adobe</a:t>
             </a:r>
           </a:p>
         </p:txBody>
@@ -9835,8 +8482,8 @@
         </p:nvSpPr>
         <p:spPr>
           <a:xfrm>
-            <a:off x="214971" y="868681"/>
-            <a:ext cx="2103120" cy="45719"/>
+            <a:off x="214970" y="868681"/>
+            <a:ext cx="3435009" cy="47963"/>
           </a:xfrm>
           <a:custGeom>
             <a:avLst/>
@@ -9905,19 +8552,15 @@
               </a:spcBef>
             </a:pPr>
             <a:r>
-              <a:rPr lang="en-US" sz="1400" b="1" spc="-10">
+              <a:rPr lang="fr-FR" sz="1400" b="1">
                 <a:solidFill>
                   <a:srgbClr val="020302"/>
                 </a:solidFill>
                 <a:latin typeface="Adobe Clean"/>
                 <a:cs typeface="Adobe Clean"/>
               </a:rPr>
-              <a:t>Enterprise Support Features</a:t>
-            </a:r>
-            <a:endParaRPr lang="en-US" sz="1400">
-              <a:latin typeface="Adobe Clean"/>
-              <a:cs typeface="Adobe Clean"/>
-            </a:endParaRPr>
+              <a:t>Fonctionnalités de l’assistance aux entreprises</a:t>
+            </a:r>
           </a:p>
         </p:txBody>
       </p:sp>
@@ -9957,199 +8600,15 @@
               </a:spcBef>
             </a:pPr>
             <a:r>
-              <a:rPr sz="1200" b="1" spc="-25">
+              <a:rPr lang="fr-FR" sz="1200" b="1">
                 <a:solidFill>
                   <a:srgbClr val="020302"/>
                 </a:solidFill>
                 <a:latin typeface="Adobe Clean"/>
                 <a:cs typeface="Adobe Clean"/>
               </a:rPr>
-              <a:t>E</a:t>
-            </a:r>
-            <a:r>
-              <a:rPr sz="1200" b="1" spc="-20">
-                <a:solidFill>
-                  <a:srgbClr val="020302"/>
-                </a:solidFill>
-                <a:latin typeface="Adobe Clean"/>
-                <a:cs typeface="Adobe Clean"/>
-              </a:rPr>
-              <a:t>s</a:t>
-            </a:r>
-            <a:r>
-              <a:rPr sz="1200" b="1" spc="-30">
-                <a:solidFill>
-                  <a:srgbClr val="020302"/>
-                </a:solidFill>
-                <a:latin typeface="Adobe Clean"/>
-                <a:cs typeface="Adobe Clean"/>
-              </a:rPr>
-              <a:t>c</a:t>
-            </a:r>
-            <a:r>
-              <a:rPr sz="1200" b="1" spc="-20">
-                <a:solidFill>
-                  <a:srgbClr val="020302"/>
-                </a:solidFill>
-                <a:latin typeface="Adobe Clean"/>
-                <a:cs typeface="Adobe Clean"/>
-              </a:rPr>
-              <a:t>a</a:t>
-            </a:r>
-            <a:r>
-              <a:rPr sz="1200" b="1" spc="-25">
-                <a:solidFill>
-                  <a:srgbClr val="020302"/>
-                </a:solidFill>
-                <a:latin typeface="Adobe Clean"/>
-                <a:cs typeface="Adobe Clean"/>
-              </a:rPr>
-              <a:t>l</a:t>
-            </a:r>
-            <a:r>
-              <a:rPr sz="1200" b="1" spc="-20">
-                <a:solidFill>
-                  <a:srgbClr val="020302"/>
-                </a:solidFill>
-                <a:latin typeface="Adobe Clean"/>
-                <a:cs typeface="Adobe Clean"/>
-              </a:rPr>
-              <a:t>a</a:t>
-            </a:r>
-            <a:r>
-              <a:rPr sz="1200" b="1" spc="-25">
-                <a:solidFill>
-                  <a:srgbClr val="020302"/>
-                </a:solidFill>
-                <a:latin typeface="Adobe Clean"/>
-                <a:cs typeface="Adobe Clean"/>
-              </a:rPr>
-              <a:t>t</a:t>
-            </a:r>
-            <a:r>
-              <a:rPr sz="1200" b="1" spc="-20">
-                <a:solidFill>
-                  <a:srgbClr val="020302"/>
-                </a:solidFill>
-                <a:latin typeface="Adobe Clean"/>
-                <a:cs typeface="Adobe Clean"/>
-              </a:rPr>
-              <a:t>i</a:t>
-            </a:r>
-            <a:r>
-              <a:rPr sz="1200" b="1" spc="-15">
-                <a:solidFill>
-                  <a:srgbClr val="020302"/>
-                </a:solidFill>
-                <a:latin typeface="Adobe Clean"/>
-                <a:cs typeface="Adobe Clean"/>
-              </a:rPr>
-              <a:t>o</a:t>
-            </a:r>
-            <a:r>
-              <a:rPr sz="1200" b="1">
-                <a:solidFill>
-                  <a:srgbClr val="020302"/>
-                </a:solidFill>
-                <a:latin typeface="Adobe Clean"/>
-                <a:cs typeface="Adobe Clean"/>
-              </a:rPr>
-              <a:t>n</a:t>
-            </a:r>
-            <a:r>
-              <a:rPr sz="1200" b="1" spc="-55">
-                <a:solidFill>
-                  <a:srgbClr val="020302"/>
-                </a:solidFill>
-                <a:latin typeface="Adobe Clean"/>
-                <a:cs typeface="Adobe Clean"/>
-              </a:rPr>
-              <a:t> </a:t>
-            </a:r>
-            <a:r>
-              <a:rPr sz="1200" b="1" spc="-35">
-                <a:solidFill>
-                  <a:srgbClr val="020302"/>
-                </a:solidFill>
-                <a:latin typeface="Adobe Clean"/>
-                <a:cs typeface="Adobe Clean"/>
-              </a:rPr>
-              <a:t>M</a:t>
-            </a:r>
-            <a:r>
-              <a:rPr sz="1200" b="1" spc="-25">
-                <a:solidFill>
-                  <a:srgbClr val="020302"/>
-                </a:solidFill>
-                <a:latin typeface="Adobe Clean"/>
-                <a:cs typeface="Adobe Clean"/>
-              </a:rPr>
-              <a:t>a</a:t>
-            </a:r>
-            <a:r>
-              <a:rPr sz="1200" b="1" spc="-30">
-                <a:solidFill>
-                  <a:srgbClr val="020302"/>
-                </a:solidFill>
-                <a:latin typeface="Adobe Clean"/>
-                <a:cs typeface="Adobe Clean"/>
-              </a:rPr>
-              <a:t>n</a:t>
-            </a:r>
-            <a:r>
-              <a:rPr sz="1200" b="1" spc="-25">
-                <a:solidFill>
-                  <a:srgbClr val="020302"/>
-                </a:solidFill>
-                <a:latin typeface="Adobe Clean"/>
-                <a:cs typeface="Adobe Clean"/>
-              </a:rPr>
-              <a:t>a</a:t>
-            </a:r>
-            <a:r>
-              <a:rPr sz="1200" b="1" spc="-30">
-                <a:solidFill>
-                  <a:srgbClr val="020302"/>
-                </a:solidFill>
-                <a:latin typeface="Adobe Clean"/>
-                <a:cs typeface="Adobe Clean"/>
-              </a:rPr>
-              <a:t>ge</a:t>
-            </a:r>
-            <a:r>
-              <a:rPr sz="1200" b="1" spc="-25">
-                <a:solidFill>
-                  <a:srgbClr val="020302"/>
-                </a:solidFill>
-                <a:latin typeface="Adobe Clean"/>
-                <a:cs typeface="Adobe Clean"/>
-              </a:rPr>
-              <a:t>m</a:t>
-            </a:r>
-            <a:r>
-              <a:rPr sz="1200" b="1" spc="-30">
-                <a:solidFill>
-                  <a:srgbClr val="020302"/>
-                </a:solidFill>
-                <a:latin typeface="Adobe Clean"/>
-                <a:cs typeface="Adobe Clean"/>
-              </a:rPr>
-              <a:t>en</a:t>
-            </a:r>
-            <a:r>
-              <a:rPr sz="1200" b="1">
-                <a:solidFill>
-                  <a:srgbClr val="020302"/>
-                </a:solidFill>
-                <a:latin typeface="Adobe Clean"/>
-                <a:cs typeface="Adobe Clean"/>
-              </a:rPr>
-              <a:t>t</a:t>
-            </a:r>
-            <a:endParaRPr sz="1200">
-              <a:latin typeface="Adobe Clean"/>
-              <a:cs typeface="Adobe Clean"/>
-            </a:endParaRPr>
+              <a:t>Gestion des remontées d’informations</a:t>
+            </a:r>
           </a:p>
         </p:txBody>
       </p:sp>
@@ -10167,7 +8626,7 @@
         </p:nvSpPr>
         <p:spPr>
           <a:xfrm>
-            <a:off x="355868" y="2923693"/>
+            <a:off x="355868" y="2961793"/>
             <a:ext cx="2194560" cy="782265"/>
           </a:xfrm>
           <a:prstGeom prst="rect">
@@ -10189,18 +8648,14 @@
               </a:spcBef>
             </a:pPr>
             <a:r>
-              <a:rPr lang="en-US" sz="1000">
+              <a:rPr lang="fr-FR" sz="1000" dirty="0">
                 <a:solidFill>
                   <a:srgbClr val="4B4B4B"/>
                 </a:solidFill>
                 <a:latin typeface="Adobe Clean Light" panose="020B0303020404020204" pitchFamily="34" charset="0"/>
               </a:rPr>
-              <a:t>A designated point of contact within Adobe who can provide escalation assistance, regular updates and ensure priority is given to your most critical open support requests.</a:t>
-            </a:r>
-            <a:endParaRPr sz="1000">
-              <a:latin typeface="Adobe Clean Light" panose="020B0303020404020204" pitchFamily="34" charset="0"/>
-              <a:cs typeface="AdobeClean-Light"/>
-            </a:endParaRPr>
+              <a:t>Il s’agit d’un point de contact désigné au sein d’Adobe pouvant fournir une assistance en matière de remontées d’informations, des mises à jour régulières et s’assurant que la priorité est mise sur vos demandes d’assistance ouvertes les plus importantes.</a:t>
+            </a:r>
           </a:p>
         </p:txBody>
       </p:sp>
@@ -10219,7 +8674,7 @@
         <p:spPr>
           <a:xfrm>
             <a:off x="3201544" y="2592995"/>
-            <a:ext cx="1036205" cy="197490"/>
+            <a:ext cx="1543003" cy="197490"/>
           </a:xfrm>
           <a:prstGeom prst="rect">
             <a:avLst/>
@@ -10240,149 +8695,15 @@
               </a:spcBef>
             </a:pPr>
             <a:r>
-              <a:rPr sz="1200" b="1" spc="-20">
+              <a:rPr lang="fr-FR" sz="1200" b="1" dirty="0">
                 <a:solidFill>
                   <a:srgbClr val="020302"/>
                 </a:solidFill>
                 <a:latin typeface="Adobe Clean"/>
                 <a:cs typeface="Adobe Clean"/>
               </a:rPr>
-              <a:t>S</a:t>
-            </a:r>
-            <a:r>
-              <a:rPr sz="1200" b="1" spc="-25">
-                <a:solidFill>
-                  <a:srgbClr val="020302"/>
-                </a:solidFill>
-                <a:latin typeface="Adobe Clean"/>
-                <a:cs typeface="Adobe Clean"/>
-              </a:rPr>
-              <a:t>e</a:t>
-            </a:r>
-            <a:r>
-              <a:rPr sz="1200" b="1" spc="-20">
-                <a:solidFill>
-                  <a:srgbClr val="020302"/>
-                </a:solidFill>
-                <a:latin typeface="Adobe Clean"/>
-                <a:cs typeface="Adobe Clean"/>
-              </a:rPr>
-              <a:t>r</a:t>
-            </a:r>
-            <a:r>
-              <a:rPr sz="1200" b="1" spc="-25">
-                <a:solidFill>
-                  <a:srgbClr val="020302"/>
-                </a:solidFill>
-                <a:latin typeface="Adobe Clean"/>
-                <a:cs typeface="Adobe Clean"/>
-              </a:rPr>
-              <a:t>v</a:t>
-            </a:r>
-            <a:r>
-              <a:rPr sz="1200" b="1" spc="-20">
-                <a:solidFill>
-                  <a:srgbClr val="020302"/>
-                </a:solidFill>
-                <a:latin typeface="Adobe Clean"/>
-                <a:cs typeface="Adobe Clean"/>
-              </a:rPr>
-              <a:t>i</a:t>
-            </a:r>
-            <a:r>
-              <a:rPr sz="1200" b="1" spc="-30">
-                <a:solidFill>
-                  <a:srgbClr val="020302"/>
-                </a:solidFill>
-                <a:latin typeface="Adobe Clean"/>
-                <a:cs typeface="Adobe Clean"/>
-              </a:rPr>
-              <a:t>c</a:t>
-            </a:r>
-            <a:r>
-              <a:rPr sz="1200" b="1">
-                <a:solidFill>
-                  <a:srgbClr val="020302"/>
-                </a:solidFill>
-                <a:latin typeface="Adobe Clean"/>
-                <a:cs typeface="Adobe Clean"/>
-              </a:rPr>
-              <a:t>e</a:t>
-            </a:r>
-            <a:r>
-              <a:rPr sz="1200" b="1" spc="-80">
-                <a:solidFill>
-                  <a:srgbClr val="020302"/>
-                </a:solidFill>
-                <a:latin typeface="Adobe Clean"/>
-                <a:cs typeface="Adobe Clean"/>
-              </a:rPr>
-              <a:t> </a:t>
-            </a:r>
-            <a:r>
-              <a:rPr sz="1200" b="1" spc="-20">
-                <a:solidFill>
-                  <a:srgbClr val="020302"/>
-                </a:solidFill>
-                <a:latin typeface="Adobe Clean"/>
-                <a:cs typeface="Adobe Clean"/>
-              </a:rPr>
-              <a:t>R</a:t>
-            </a:r>
-            <a:r>
-              <a:rPr sz="1200" b="1" spc="-25">
-                <a:solidFill>
-                  <a:srgbClr val="020302"/>
-                </a:solidFill>
-                <a:latin typeface="Adobe Clean"/>
-                <a:cs typeface="Adobe Clean"/>
-              </a:rPr>
-              <a:t>e</a:t>
-            </a:r>
-            <a:r>
-              <a:rPr sz="1200" b="1" spc="-30">
-                <a:solidFill>
-                  <a:srgbClr val="020302"/>
-                </a:solidFill>
-                <a:latin typeface="Adobe Clean"/>
-                <a:cs typeface="Adobe Clean"/>
-              </a:rPr>
-              <a:t>v</a:t>
-            </a:r>
-            <a:r>
-              <a:rPr sz="1200" b="1" spc="-20">
-                <a:solidFill>
-                  <a:srgbClr val="020302"/>
-                </a:solidFill>
-                <a:latin typeface="Adobe Clean"/>
-                <a:cs typeface="Adobe Clean"/>
-              </a:rPr>
-              <a:t>i</a:t>
-            </a:r>
-            <a:r>
-              <a:rPr sz="1200" b="1" spc="-25">
-                <a:solidFill>
-                  <a:srgbClr val="020302"/>
-                </a:solidFill>
-                <a:latin typeface="Adobe Clean"/>
-                <a:cs typeface="Adobe Clean"/>
-              </a:rPr>
-              <a:t>ew</a:t>
-            </a:r>
-            <a:r>
-              <a:rPr sz="1200" b="1">
-                <a:solidFill>
-                  <a:srgbClr val="020302"/>
-                </a:solidFill>
-                <a:latin typeface="Adobe Clean"/>
-                <a:cs typeface="Adobe Clean"/>
-              </a:rPr>
-              <a:t>s</a:t>
-            </a:r>
-            <a:endParaRPr sz="1200">
-              <a:latin typeface="Adobe Clean"/>
-              <a:cs typeface="Adobe Clean"/>
-            </a:endParaRPr>
+              <a:t>Examens de service</a:t>
+            </a:r>
           </a:p>
         </p:txBody>
       </p:sp>
@@ -10422,18 +8743,14 @@
               </a:spcBef>
             </a:pPr>
             <a:r>
-              <a:rPr lang="en-US" sz="1000">
+              <a:rPr lang="fr-FR" sz="1000" dirty="0">
                 <a:solidFill>
                   <a:srgbClr val="4B4B4B"/>
                 </a:solidFill>
                 <a:latin typeface="Adobe Clean Light" panose="020B0303020404020204" pitchFamily="34" charset="0"/>
               </a:rPr>
-              <a:t>A bi-annual comprehensive review of  Enterprise program services, benefits and support metrics.</a:t>
-            </a:r>
-            <a:endParaRPr sz="1000">
-              <a:latin typeface="Adobe Clean Light" panose="020B0303020404020204" pitchFamily="34" charset="0"/>
-              <a:cs typeface="AdobeClean-Light"/>
-            </a:endParaRPr>
+              <a:t>Il s’agit d’un examen semestriel complet des services, avantages et mesures d’assistance liés au programme pour les entreprises.</a:t>
+            </a:r>
           </a:p>
         </p:txBody>
       </p:sp>
@@ -10473,18 +8790,14 @@
               </a:spcBef>
             </a:pPr>
             <a:r>
-              <a:rPr lang="en-US" sz="1000">
+              <a:rPr lang="fr-FR" sz="1000">
                 <a:solidFill>
                   <a:srgbClr val="4B4B4B"/>
                 </a:solidFill>
                 <a:latin typeface="Adobe Clean Light" panose="020B0303020404020204" pitchFamily="34" charset="0"/>
               </a:rPr>
-              <a:t>A 60-minute session focusing on a specific product feature and how it can be utilized to solve common business problems.</a:t>
-            </a:r>
-            <a:endParaRPr sz="1000">
-              <a:latin typeface="Adobe Clean Light" panose="020B0303020404020204" pitchFamily="34" charset="0"/>
-              <a:cs typeface="AdobeClean-Light"/>
-            </a:endParaRPr>
+              <a:t>Il s’agit d’une session de 60 minutes consacrée à une fonctionnalité de produit spécifique et à son utilisation pour résoudre des problèmes d’entreprise courants.</a:t>
+            </a:r>
           </a:p>
         </p:txBody>
       </p:sp>
@@ -10502,7 +8815,7 @@
         </p:nvSpPr>
         <p:spPr>
           <a:xfrm>
-            <a:off x="5265661" y="5001737"/>
+            <a:off x="5265661" y="5070317"/>
             <a:ext cx="2194560" cy="536622"/>
           </a:xfrm>
           <a:prstGeom prst="rect">
@@ -10510,7 +8823,7 @@
           </a:prstGeom>
         </p:spPr>
         <p:txBody>
-          <a:bodyPr vert="horz" wrap="square" lIns="0" tIns="12700" rIns="0" bIns="0" rtlCol="0" anchor="t">
+          <a:bodyPr vert="horz" wrap="square" lIns="0" tIns="12700" rIns="0" bIns="0" rtlCol="0">
             <a:spAutoFit/>
           </a:bodyPr>
           <a:lstStyle/>
@@ -10524,20 +8837,14 @@
               </a:spcBef>
             </a:pPr>
             <a:r>
-              <a:rPr lang="en-US" sz="1000" dirty="0">
+              <a:rPr lang="fr-FR" sz="1000" dirty="0">
                 <a:solidFill>
                   <a:srgbClr val="4B4B4B"/>
                 </a:solidFill>
-                <a:latin typeface="Adobe Clean Light"/>
+                <a:latin typeface="Adobe Clean Light" panose="020B0303020404020204" pitchFamily="34" charset="0"/>
               </a:rPr>
-              <a:t>Drive adoption of customization best practices and core components in AEM as a Cloud Service.</a:t>
-            </a:r>
-            <a:endParaRPr sz="1000" dirty="0">
-              <a:solidFill>
-                <a:srgbClr val="4B4B4B"/>
-              </a:solidFill>
-              <a:latin typeface="Adobe Clean Light" panose="020B0303020404020204" pitchFamily="34" charset="0"/>
-            </a:endParaRPr>
+              <a:t>Encouragez l’adoption des bonnes pratiques de personnalisation et des composants principaux dans AEM as a Cloud Service</a:t>
+            </a:r>
           </a:p>
         </p:txBody>
       </p:sp>
@@ -10563,12 +8870,12 @@
           </a:prstGeom>
         </p:spPr>
         <p:txBody>
-          <a:bodyPr vert="horz" wrap="square" lIns="0" tIns="12700" rIns="0" bIns="0" rtlCol="0" anchor="t">
+          <a:bodyPr vert="horz" wrap="square" lIns="0" tIns="12700" rIns="0" bIns="0" rtlCol="0">
             <a:spAutoFit/>
           </a:bodyPr>
           <a:lstStyle/>
           <a:p>
-            <a:pPr marL="13970" marR="5080" indent="-1905">
+            <a:pPr marL="14604" marR="5080" indent="-1905">
               <a:lnSpc>
                 <a:spcPct val="117000"/>
               </a:lnSpc>
@@ -10577,20 +8884,31 @@
               </a:spcBef>
             </a:pPr>
             <a:r>
-              <a:rPr lang="en-US" sz="1000" dirty="0">
+              <a:rPr lang="fr-FR" sz="1000" dirty="0">
                 <a:solidFill>
                   <a:srgbClr val="4B4B4B"/>
                 </a:solidFill>
-                <a:latin typeface="Adobe Clean Light"/>
+                <a:latin typeface="Adobe Clean Light" panose="020B0303020404020204" pitchFamily="34" charset="0"/>
               </a:rPr>
-              <a:t>Identify, review and provide recommendations on customized solution adoption areas that have opportunities for optimization.</a:t>
-            </a:r>
-            <a:endParaRPr lang="en-US" sz="1000" dirty="0">
-              <a:solidFill>
-                <a:srgbClr val="4B4B4B"/>
-              </a:solidFill>
-              <a:latin typeface="Adobe Clean Light" panose="020B0303020404020204" pitchFamily="34" charset="0"/>
-            </a:endParaRPr>
+              <a:t>Identifiez, examinez et fournissez </a:t>
+            </a:r>
+            <a:br>
+              <a:rPr lang="sk-SK" sz="1000" dirty="0">
+                <a:solidFill>
+                  <a:srgbClr val="4B4B4B"/>
+                </a:solidFill>
+                <a:latin typeface="Adobe Clean Light" panose="020B0303020404020204" pitchFamily="34" charset="0"/>
+              </a:rPr>
+            </a:br>
+            <a:r>
+              <a:rPr lang="fr-FR" sz="1000" dirty="0">
+                <a:solidFill>
+                  <a:srgbClr val="4B4B4B"/>
+                </a:solidFill>
+                <a:latin typeface="Adobe Clean Light" panose="020B0303020404020204" pitchFamily="34" charset="0"/>
+              </a:rPr>
+              <a:t>des recommandations sur les domaines d’adoption de solutions personnalisées qui offrent des opportunités d’optimisation</a:t>
+            </a:r>
           </a:p>
         </p:txBody>
       </p:sp>
@@ -10609,14 +8927,14 @@
         <p:spPr>
           <a:xfrm>
             <a:off x="355868" y="4947989"/>
-            <a:ext cx="2194560" cy="717376"/>
+            <a:ext cx="2194560" cy="899670"/>
           </a:xfrm>
           <a:prstGeom prst="rect">
             <a:avLst/>
           </a:prstGeom>
         </p:spPr>
         <p:txBody>
-          <a:bodyPr vert="horz" wrap="square" lIns="0" tIns="12700" rIns="0" bIns="0" rtlCol="0" anchor="t">
+          <a:bodyPr vert="horz" wrap="square" lIns="0" tIns="12700" rIns="0" bIns="0" rtlCol="0">
             <a:spAutoFit/>
           </a:bodyPr>
           <a:lstStyle/>
@@ -10630,20 +8948,48 @@
               </a:spcBef>
             </a:pPr>
             <a:r>
-              <a:rPr lang="en-US" sz="1000" dirty="0">
+              <a:rPr lang="fr-FR" sz="1000" dirty="0">
                 <a:solidFill>
                   <a:srgbClr val="4B4B4B"/>
                 </a:solidFill>
-                <a:latin typeface="Adobe Clean Light"/>
+                <a:latin typeface="Adobe Clean Light" panose="020B0303020404020204" pitchFamily="34" charset="0"/>
               </a:rPr>
-              <a:t>Technical &amp; operational governance to assist AEM as a Cloud Service Customers in adhering to industry standards and best practices for AEM as a Cloud Service.</a:t>
-            </a:r>
-            <a:endParaRPr sz="1000" dirty="0">
-              <a:solidFill>
-                <a:srgbClr val="4B4B4B"/>
-              </a:solidFill>
-              <a:latin typeface="Adobe Clean Light" panose="020B0303020404020204" pitchFamily="34" charset="0"/>
-            </a:endParaRPr>
+              <a:t>Gouvernance technique et opérationnelle permettant d’aider les clients d’AEM </a:t>
+            </a:r>
+            <a:br>
+              <a:rPr lang="sk-SK" sz="1000" dirty="0">
+                <a:solidFill>
+                  <a:srgbClr val="4B4B4B"/>
+                </a:solidFill>
+                <a:latin typeface="Adobe Clean Light" panose="020B0303020404020204" pitchFamily="34" charset="0"/>
+              </a:rPr>
+            </a:br>
+            <a:r>
+              <a:rPr lang="fr-FR" sz="1000" dirty="0">
+                <a:solidFill>
+                  <a:srgbClr val="4B4B4B"/>
+                </a:solidFill>
+                <a:latin typeface="Adobe Clean Light" panose="020B0303020404020204" pitchFamily="34" charset="0"/>
+              </a:rPr>
+              <a:t>as a Cloud Service à respecter les normes du secteur et les bonnes pratiques d’AEM </a:t>
+            </a:r>
+            <a:br>
+              <a:rPr lang="sk-SK" sz="1000" dirty="0">
+                <a:solidFill>
+                  <a:srgbClr val="4B4B4B"/>
+                </a:solidFill>
+                <a:latin typeface="Adobe Clean Light" panose="020B0303020404020204" pitchFamily="34" charset="0"/>
+              </a:rPr>
+            </a:br>
+            <a:r>
+              <a:rPr lang="fr-FR" sz="1000" dirty="0">
+                <a:solidFill>
+                  <a:srgbClr val="4B4B4B"/>
+                </a:solidFill>
+                <a:latin typeface="Adobe Clean Light" panose="020B0303020404020204" pitchFamily="34" charset="0"/>
+              </a:rPr>
+              <a:t>as a Cloud Service</a:t>
+            </a:r>
           </a:p>
         </p:txBody>
       </p:sp>
@@ -10662,7 +9008,7 @@
         <p:spPr>
           <a:xfrm>
             <a:off x="2835999" y="1401973"/>
-            <a:ext cx="2194560" cy="959237"/>
+            <a:ext cx="2194560" cy="1113125"/>
           </a:xfrm>
           <a:prstGeom prst="rect">
             <a:avLst/>
@@ -10680,20 +9026,31 @@
               </a:spcBef>
             </a:pPr>
             <a:r>
-              <a:rPr lang="en-US" sz="1000" dirty="0">
+              <a:rPr lang="fr-FR" sz="1000" dirty="0">
                 <a:solidFill>
                   <a:srgbClr val="4B4B4B"/>
                 </a:solidFill>
                 <a:latin typeface="Adobe Clean Light" panose="020B0303020404020204" pitchFamily="34" charset="0"/>
               </a:rPr>
-              <a:t>A designated support engineer who becomes familiar with your solution environment and business goals. The NSE is an experienced support engineer that helps coordinate your Enterprise Support experience.</a:t>
-            </a:r>
-            <a:endParaRPr lang="en-US" sz="1000" dirty="0">
-              <a:solidFill>
-                <a:srgbClr val="000000"/>
-              </a:solidFill>
-              <a:latin typeface="Adobe Clean Light" panose="020B0303020404020204" pitchFamily="34" charset="0"/>
-            </a:endParaRPr>
+              <a:t>L’ingénieur d’assistance désigné se familiarisera avec votre environnement </a:t>
+            </a:r>
+            <a:br>
+              <a:rPr lang="sk-SK" sz="1000" dirty="0">
+                <a:solidFill>
+                  <a:srgbClr val="4B4B4B"/>
+                </a:solidFill>
+                <a:latin typeface="Adobe Clean Light" panose="020B0303020404020204" pitchFamily="34" charset="0"/>
+              </a:rPr>
+            </a:br>
+            <a:r>
+              <a:rPr lang="fr-FR" sz="1000" dirty="0">
+                <a:solidFill>
+                  <a:srgbClr val="4B4B4B"/>
+                </a:solidFill>
+                <a:latin typeface="Adobe Clean Light" panose="020B0303020404020204" pitchFamily="34" charset="0"/>
+              </a:rPr>
+              <a:t>de solution et vos objectifs commerciaux. L’ingénieur d’assistance nommé est un ingénieur d’assistance expérimenté qui vous aide à coordonner votre expérience d’assistance aux entreprises.</a:t>
+            </a:r>
           </a:p>
         </p:txBody>
       </p:sp>
@@ -10714,7 +9071,7 @@
         <p:spPr>
           <a:xfrm>
             <a:off x="3201544" y="1127425"/>
-            <a:ext cx="1726164" cy="184666"/>
+            <a:ext cx="1980056" cy="184666"/>
           </a:xfrm>
           <a:prstGeom prst="rect">
             <a:avLst/>
@@ -10735,13 +9092,13 @@
               </a:spcAft>
             </a:pPr>
             <a:r>
-              <a:rPr lang="en-US" sz="1200" b="1" spc="-10">
+              <a:rPr lang="fr-FR" sz="1200" b="1">
                 <a:solidFill>
                   <a:srgbClr val="020302"/>
                 </a:solidFill>
                 <a:latin typeface="+mj-lt"/>
               </a:rPr>
-              <a:t>Named Support Engineer</a:t>
+              <a:t>Ingénieur d’assistance nommé</a:t>
             </a:r>
           </a:p>
         </p:txBody>
@@ -10800,7 +9157,7 @@
         <p:spPr>
           <a:xfrm>
             <a:off x="5723508" y="1099976"/>
-            <a:ext cx="1036205" cy="197490"/>
+            <a:ext cx="1573278" cy="197490"/>
           </a:xfrm>
           <a:prstGeom prst="rect">
             <a:avLst/>
@@ -10821,19 +9178,15 @@
               </a:spcBef>
             </a:pPr>
             <a:r>
-              <a:rPr lang="en-US" sz="1200" b="1" spc="-20">
+              <a:rPr lang="fr-FR" sz="1200" b="1" dirty="0">
                 <a:solidFill>
                   <a:srgbClr val="020302"/>
                 </a:solidFill>
                 <a:latin typeface="Adobe Clean"/>
                 <a:cs typeface="Adobe Clean"/>
               </a:rPr>
-              <a:t>Expert Sessions</a:t>
-            </a:r>
-            <a:endParaRPr sz="1200">
-              <a:latin typeface="Adobe Clean"/>
-              <a:cs typeface="Adobe Clean"/>
-            </a:endParaRPr>
+              <a:t>Sessions d’experts</a:t>
+            </a:r>
           </a:p>
         </p:txBody>
       </p:sp>
@@ -10852,7 +9205,7 @@
         <p:spPr>
           <a:xfrm>
             <a:off x="5181600" y="4466703"/>
-            <a:ext cx="1972258" cy="461665"/>
+            <a:ext cx="2194560" cy="646331"/>
           </a:xfrm>
           <a:prstGeom prst="rect">
             <a:avLst/>
@@ -10873,489 +9226,15 @@
               </a:spcBef>
             </a:pPr>
             <a:r>
-              <a:rPr lang="en-US" sz="1200" b="1" spc="-15">
+              <a:rPr lang="fr-FR" sz="1200" b="1" dirty="0">
                 <a:solidFill>
                   <a:srgbClr val="020302"/>
                 </a:solidFill>
                 <a:latin typeface="Adobe Clean"/>
                 <a:cs typeface="Adobe Clean"/>
               </a:rPr>
-              <a:t>C</a:t>
-            </a:r>
-            <a:r>
-              <a:rPr lang="en-US" sz="1200" b="1" spc="-20">
-                <a:solidFill>
-                  <a:srgbClr val="020302"/>
-                </a:solidFill>
-                <a:latin typeface="Adobe Clean"/>
-                <a:cs typeface="Adobe Clean"/>
-              </a:rPr>
-              <a:t>u</a:t>
-            </a:r>
-            <a:r>
-              <a:rPr lang="en-US" sz="1200" b="1" spc="-25">
-                <a:solidFill>
-                  <a:srgbClr val="020302"/>
-                </a:solidFill>
-                <a:latin typeface="Adobe Clean"/>
-                <a:cs typeface="Adobe Clean"/>
-              </a:rPr>
-              <a:t>st</a:t>
-            </a:r>
-            <a:r>
-              <a:rPr lang="en-US" sz="1200" b="1" spc="-15">
-                <a:solidFill>
-                  <a:srgbClr val="020302"/>
-                </a:solidFill>
-                <a:latin typeface="Adobe Clean"/>
-                <a:cs typeface="Adobe Clean"/>
-              </a:rPr>
-              <a:t>o</a:t>
-            </a:r>
-            <a:r>
-              <a:rPr lang="en-US" sz="1200" b="1" spc="-20">
-                <a:solidFill>
-                  <a:srgbClr val="020302"/>
-                </a:solidFill>
-                <a:latin typeface="Adobe Clean"/>
-                <a:cs typeface="Adobe Clean"/>
-              </a:rPr>
-              <a:t>miza</a:t>
-            </a:r>
-            <a:r>
-              <a:rPr lang="en-US" sz="1200" b="1" spc="-25">
-                <a:solidFill>
-                  <a:srgbClr val="020302"/>
-                </a:solidFill>
-                <a:latin typeface="Adobe Clean"/>
-                <a:cs typeface="Adobe Clean"/>
-              </a:rPr>
-              <a:t>t</a:t>
-            </a:r>
-            <a:r>
-              <a:rPr lang="en-US" sz="1200" b="1" spc="-20">
-                <a:solidFill>
-                  <a:srgbClr val="020302"/>
-                </a:solidFill>
-                <a:latin typeface="Adobe Clean"/>
-                <a:cs typeface="Adobe Clean"/>
-              </a:rPr>
-              <a:t>i</a:t>
-            </a:r>
-            <a:r>
-              <a:rPr lang="en-US" sz="1200" b="1" spc="-15">
-                <a:solidFill>
-                  <a:srgbClr val="020302"/>
-                </a:solidFill>
-                <a:latin typeface="Adobe Clean"/>
-                <a:cs typeface="Adobe Clean"/>
-              </a:rPr>
-              <a:t>o</a:t>
-            </a:r>
-            <a:r>
-              <a:rPr lang="en-US" sz="1200" b="1">
-                <a:solidFill>
-                  <a:srgbClr val="020302"/>
-                </a:solidFill>
-                <a:latin typeface="Adobe Clean"/>
-                <a:cs typeface="Adobe Clean"/>
-              </a:rPr>
-              <a:t>n</a:t>
-            </a:r>
-            <a:r>
-              <a:rPr lang="en-US" sz="1200" b="1" spc="-50">
-                <a:solidFill>
-                  <a:srgbClr val="020302"/>
-                </a:solidFill>
-                <a:latin typeface="Adobe Clean"/>
-                <a:cs typeface="Adobe Clean"/>
-              </a:rPr>
-              <a:t> </a:t>
-            </a:r>
-            <a:r>
-              <a:rPr lang="en-US" sz="1200" b="1" spc="-20">
-                <a:solidFill>
-                  <a:srgbClr val="020302"/>
-                </a:solidFill>
-                <a:latin typeface="Adobe Clean"/>
-                <a:cs typeface="Adobe Clean"/>
-              </a:rPr>
-              <a:t>B</a:t>
-            </a:r>
-            <a:r>
-              <a:rPr lang="en-US" sz="1200" b="1" spc="-25">
-                <a:solidFill>
-                  <a:srgbClr val="020302"/>
-                </a:solidFill>
-                <a:latin typeface="Adobe Clean"/>
-                <a:cs typeface="Adobe Clean"/>
-              </a:rPr>
-              <a:t>es</a:t>
-            </a:r>
-            <a:r>
-              <a:rPr lang="en-US" sz="1200" b="1">
-                <a:solidFill>
-                  <a:srgbClr val="020302"/>
-                </a:solidFill>
-                <a:latin typeface="Adobe Clean"/>
-                <a:cs typeface="Adobe Clean"/>
-              </a:rPr>
-              <a:t>t</a:t>
-            </a:r>
-            <a:r>
-              <a:rPr lang="en-US" sz="1200" b="1" spc="-50">
-                <a:solidFill>
-                  <a:srgbClr val="020302"/>
-                </a:solidFill>
-                <a:latin typeface="Adobe Clean"/>
-                <a:cs typeface="Adobe Clean"/>
-              </a:rPr>
-              <a:t> </a:t>
-            </a:r>
-            <a:r>
-              <a:rPr lang="en-US" sz="1200" b="1" spc="-25">
-                <a:solidFill>
-                  <a:srgbClr val="020302"/>
-                </a:solidFill>
-                <a:latin typeface="Adobe Clean"/>
-                <a:cs typeface="Adobe Clean"/>
-              </a:rPr>
-              <a:t>P</a:t>
-            </a:r>
-            <a:r>
-              <a:rPr lang="en-US" sz="1200" b="1" spc="-20">
-                <a:solidFill>
-                  <a:srgbClr val="020302"/>
-                </a:solidFill>
-                <a:latin typeface="Adobe Clean"/>
-                <a:cs typeface="Adobe Clean"/>
-              </a:rPr>
-              <a:t>ra</a:t>
-            </a:r>
-            <a:r>
-              <a:rPr lang="en-US" sz="1200" b="1" spc="-30">
-                <a:solidFill>
-                  <a:srgbClr val="020302"/>
-                </a:solidFill>
-                <a:latin typeface="Adobe Clean"/>
-                <a:cs typeface="Adobe Clean"/>
-              </a:rPr>
-              <a:t>c</a:t>
-            </a:r>
-            <a:r>
-              <a:rPr lang="en-US" sz="1200" b="1" spc="-25">
-                <a:solidFill>
-                  <a:srgbClr val="020302"/>
-                </a:solidFill>
-                <a:latin typeface="Adobe Clean"/>
-                <a:cs typeface="Adobe Clean"/>
-              </a:rPr>
-              <a:t>t</a:t>
-            </a:r>
-            <a:r>
-              <a:rPr lang="en-US" sz="1200" b="1" spc="-20">
-                <a:solidFill>
-                  <a:srgbClr val="020302"/>
-                </a:solidFill>
-                <a:latin typeface="Adobe Clean"/>
-                <a:cs typeface="Adobe Clean"/>
-              </a:rPr>
-              <a:t>i</a:t>
-            </a:r>
-            <a:r>
-              <a:rPr lang="en-US" sz="1200" b="1" spc="-30">
-                <a:solidFill>
-                  <a:srgbClr val="020302"/>
-                </a:solidFill>
-                <a:latin typeface="Adobe Clean"/>
-                <a:cs typeface="Adobe Clean"/>
-              </a:rPr>
-              <a:t>c</a:t>
-            </a:r>
-            <a:r>
-              <a:rPr lang="en-US" sz="1200" b="1" spc="-25">
-                <a:solidFill>
-                  <a:srgbClr val="020302"/>
-                </a:solidFill>
-                <a:latin typeface="Adobe Clean"/>
-                <a:cs typeface="Adobe Clean"/>
-              </a:rPr>
-              <a:t>e</a:t>
-            </a:r>
-            <a:r>
-              <a:rPr lang="en-US" sz="1200" b="1">
-                <a:solidFill>
-                  <a:srgbClr val="020302"/>
-                </a:solidFill>
-                <a:latin typeface="Adobe Clean"/>
-                <a:cs typeface="Adobe Clean"/>
-              </a:rPr>
-              <a:t>s</a:t>
-            </a:r>
-            <a:r>
-              <a:rPr lang="en-US" sz="1200" b="1" spc="-45">
-                <a:solidFill>
-                  <a:srgbClr val="020302"/>
-                </a:solidFill>
-                <a:latin typeface="Adobe Clean"/>
-                <a:cs typeface="Adobe Clean"/>
-              </a:rPr>
-              <a:t> </a:t>
-            </a:r>
-            <a:r>
-              <a:rPr lang="en-US" sz="1200" b="1" spc="-25">
-                <a:solidFill>
-                  <a:srgbClr val="020302"/>
-                </a:solidFill>
-                <a:latin typeface="Adobe Clean"/>
-                <a:cs typeface="Adobe Clean"/>
-              </a:rPr>
-              <a:t>f</a:t>
-            </a:r>
-            <a:r>
-              <a:rPr lang="en-US" sz="1200" b="1" spc="-15">
-                <a:solidFill>
-                  <a:srgbClr val="020302"/>
-                </a:solidFill>
-                <a:latin typeface="Adobe Clean"/>
-                <a:cs typeface="Adobe Clean"/>
-              </a:rPr>
-              <a:t>o</a:t>
-            </a:r>
-            <a:r>
-              <a:rPr lang="en-US" sz="1200" b="1">
-                <a:solidFill>
-                  <a:srgbClr val="020302"/>
-                </a:solidFill>
-                <a:latin typeface="Adobe Clean"/>
-                <a:cs typeface="Adobe Clean"/>
-              </a:rPr>
-              <a:t>r</a:t>
-            </a:r>
-            <a:r>
-              <a:rPr lang="en-US" sz="1200" b="1" spc="-45">
-                <a:solidFill>
-                  <a:srgbClr val="020302"/>
-                </a:solidFill>
-                <a:latin typeface="Adobe Clean"/>
-                <a:cs typeface="Adobe Clean"/>
-              </a:rPr>
-              <a:t> </a:t>
-            </a:r>
-            <a:r>
-              <a:rPr lang="en-US" sz="1200" b="1" spc="-30">
-                <a:solidFill>
-                  <a:srgbClr val="020302"/>
-                </a:solidFill>
-                <a:latin typeface="Adobe Clean"/>
-                <a:cs typeface="Adobe Clean"/>
-              </a:rPr>
-              <a:t>AE</a:t>
-            </a:r>
-            <a:r>
-              <a:rPr lang="en-US" sz="1200" b="1">
-                <a:solidFill>
-                  <a:srgbClr val="020302"/>
-                </a:solidFill>
-                <a:latin typeface="Adobe Clean"/>
-                <a:cs typeface="Adobe Clean"/>
-              </a:rPr>
-              <a:t>M</a:t>
-            </a:r>
-            <a:r>
-              <a:rPr lang="en-US" sz="1200" b="1" spc="-55">
-                <a:solidFill>
-                  <a:srgbClr val="020302"/>
-                </a:solidFill>
-                <a:latin typeface="Adobe Clean"/>
-                <a:cs typeface="Adobe Clean"/>
-              </a:rPr>
-              <a:t> </a:t>
-            </a:r>
-            <a:r>
-              <a:rPr lang="en-US" sz="1200" b="1" spc="-20">
-                <a:solidFill>
-                  <a:srgbClr val="020302"/>
-                </a:solidFill>
-                <a:latin typeface="Adobe Clean"/>
-                <a:cs typeface="Adobe Clean"/>
-              </a:rPr>
-              <a:t>a</a:t>
-            </a:r>
-            <a:r>
-              <a:rPr lang="en-US" sz="1200" b="1">
-                <a:solidFill>
-                  <a:srgbClr val="020302"/>
-                </a:solidFill>
-                <a:latin typeface="Adobe Clean"/>
-                <a:cs typeface="Adobe Clean"/>
-              </a:rPr>
-              <a:t>s</a:t>
-            </a:r>
-            <a:r>
-              <a:rPr lang="en-US" sz="1200" b="1" spc="-45">
-                <a:solidFill>
-                  <a:srgbClr val="020302"/>
-                </a:solidFill>
-                <a:latin typeface="Adobe Clean"/>
-                <a:cs typeface="Adobe Clean"/>
-              </a:rPr>
-              <a:t> </a:t>
-            </a:r>
-            <a:r>
-              <a:rPr lang="en-US" sz="1200" b="1">
-                <a:solidFill>
-                  <a:srgbClr val="020302"/>
-                </a:solidFill>
-                <a:latin typeface="Adobe Clean"/>
-                <a:cs typeface="Adobe Clean"/>
-              </a:rPr>
-              <a:t>a</a:t>
-            </a:r>
-            <a:r>
-              <a:rPr lang="en-US" sz="1200" b="1" spc="-45">
-                <a:solidFill>
-                  <a:srgbClr val="020302"/>
-                </a:solidFill>
-                <a:latin typeface="Adobe Clean"/>
-                <a:cs typeface="Adobe Clean"/>
-              </a:rPr>
-              <a:t> </a:t>
-            </a:r>
-            <a:r>
-              <a:rPr lang="en-US" sz="1200" b="1" spc="-15">
-                <a:solidFill>
-                  <a:srgbClr val="020302"/>
-                </a:solidFill>
-                <a:latin typeface="Adobe Clean"/>
-                <a:cs typeface="Adobe Clean"/>
-              </a:rPr>
-              <a:t>C</a:t>
-            </a:r>
-            <a:r>
-              <a:rPr lang="en-US" sz="1200" b="1" spc="-25">
-                <a:solidFill>
-                  <a:srgbClr val="020302"/>
-                </a:solidFill>
-                <a:latin typeface="Adobe Clean"/>
-                <a:cs typeface="Adobe Clean"/>
-              </a:rPr>
-              <a:t>l</a:t>
-            </a:r>
-            <a:r>
-              <a:rPr lang="en-US" sz="1200" b="1" spc="-15">
-                <a:solidFill>
-                  <a:srgbClr val="020302"/>
-                </a:solidFill>
-                <a:latin typeface="Adobe Clean"/>
-                <a:cs typeface="Adobe Clean"/>
-              </a:rPr>
-              <a:t>o</a:t>
-            </a:r>
-            <a:r>
-              <a:rPr lang="en-US" sz="1200" b="1" spc="-20">
-                <a:solidFill>
-                  <a:srgbClr val="020302"/>
-                </a:solidFill>
-                <a:latin typeface="Adobe Clean"/>
-                <a:cs typeface="Adobe Clean"/>
-              </a:rPr>
-              <a:t>u</a:t>
-            </a:r>
-            <a:r>
-              <a:rPr lang="en-US" sz="1200" b="1">
-                <a:solidFill>
-                  <a:srgbClr val="020302"/>
-                </a:solidFill>
-                <a:latin typeface="Adobe Clean"/>
-                <a:cs typeface="Adobe Clean"/>
-              </a:rPr>
-              <a:t>d</a:t>
-            </a:r>
-            <a:r>
-              <a:rPr lang="en-US" sz="1200" b="1" spc="-50">
-                <a:solidFill>
-                  <a:srgbClr val="020302"/>
-                </a:solidFill>
-                <a:latin typeface="Adobe Clean"/>
-                <a:cs typeface="Adobe Clean"/>
-              </a:rPr>
-              <a:t> </a:t>
-            </a:r>
-            <a:r>
-              <a:rPr lang="en-US" sz="1200" b="1" spc="-20">
-                <a:solidFill>
-                  <a:srgbClr val="020302"/>
-                </a:solidFill>
-                <a:latin typeface="Adobe Clean"/>
-                <a:cs typeface="Adobe Clean"/>
-              </a:rPr>
-              <a:t>S</a:t>
-            </a:r>
-            <a:r>
-              <a:rPr lang="en-US" sz="1200" b="1" spc="-25">
-                <a:solidFill>
-                  <a:srgbClr val="020302"/>
-                </a:solidFill>
-                <a:latin typeface="Adobe Clean"/>
-                <a:cs typeface="Adobe Clean"/>
-              </a:rPr>
-              <a:t>e</a:t>
-            </a:r>
-            <a:r>
-              <a:rPr lang="en-US" sz="1200" b="1" spc="-20">
-                <a:solidFill>
-                  <a:srgbClr val="020302"/>
-                </a:solidFill>
-                <a:latin typeface="Adobe Clean"/>
-                <a:cs typeface="Adobe Clean"/>
-              </a:rPr>
-              <a:t>r</a:t>
-            </a:r>
-            <a:r>
-              <a:rPr lang="en-US" sz="1200" b="1" spc="-30">
-                <a:solidFill>
-                  <a:srgbClr val="020302"/>
-                </a:solidFill>
-                <a:latin typeface="Adobe Clean"/>
-                <a:cs typeface="Adobe Clean"/>
-              </a:rPr>
-              <a:t>v</a:t>
-            </a:r>
-            <a:r>
-              <a:rPr lang="en-US" sz="1200" b="1" spc="-20">
-                <a:solidFill>
-                  <a:srgbClr val="020302"/>
-                </a:solidFill>
-                <a:latin typeface="Adobe Clean"/>
-                <a:cs typeface="Adobe Clean"/>
-              </a:rPr>
-              <a:t>i</a:t>
-            </a:r>
-            <a:r>
-              <a:rPr lang="en-US" sz="1200" b="1" spc="-30">
-                <a:solidFill>
-                  <a:srgbClr val="020302"/>
-                </a:solidFill>
-                <a:latin typeface="Adobe Clean"/>
-                <a:cs typeface="Adobe Clean"/>
-              </a:rPr>
-              <a:t>c</a:t>
-            </a:r>
-            <a:r>
-              <a:rPr lang="en-US" sz="1200" b="1">
-                <a:solidFill>
-                  <a:srgbClr val="020302"/>
-                </a:solidFill>
-                <a:latin typeface="Adobe Clean"/>
-                <a:cs typeface="Adobe Clean"/>
-              </a:rPr>
-              <a:t>e</a:t>
-            </a:r>
-            <a:endParaRPr lang="en-US" sz="1200">
-              <a:latin typeface="Adobe Clean"/>
-              <a:cs typeface="Adobe Clean"/>
-            </a:endParaRPr>
+              <a:t>Bonnes pratiques de personnalisation d’AEM as a Cloud Service</a:t>
+            </a:r>
           </a:p>
         </p:txBody>
       </p:sp>
@@ -11374,7 +9253,7 @@
         <p:spPr>
           <a:xfrm>
             <a:off x="2752588" y="4438393"/>
-            <a:ext cx="1708650" cy="461665"/>
+            <a:ext cx="1895612" cy="461665"/>
           </a:xfrm>
           <a:prstGeom prst="rect">
             <a:avLst/>
@@ -11395,19 +9274,15 @@
               </a:spcBef>
             </a:pPr>
             <a:r>
-              <a:rPr lang="en-US" sz="1200" b="1" spc="-25">
+              <a:rPr lang="fr-FR" sz="1200" b="1" dirty="0">
                 <a:solidFill>
                   <a:srgbClr val="020302"/>
                 </a:solidFill>
                 <a:latin typeface="Adobe Clean"/>
                 <a:cs typeface="Adobe Clean"/>
               </a:rPr>
-              <a:t>Value-added Services for AEM as a Cloud Service</a:t>
-            </a:r>
-            <a:endParaRPr lang="en-US" sz="1200">
-              <a:latin typeface="Adobe Clean"/>
-              <a:cs typeface="Adobe Clean"/>
-            </a:endParaRPr>
+              <a:t>Services de valeur ajoutée d’AEM as a Cloud Service</a:t>
+            </a:r>
           </a:p>
         </p:txBody>
       </p:sp>
@@ -11447,359 +9322,34 @@
               </a:spcBef>
             </a:pPr>
             <a:r>
-              <a:rPr lang="en-US" sz="1200" b="1" spc="-20">
+              <a:rPr lang="fr-FR" sz="1200" b="1" dirty="0">
                 <a:solidFill>
                   <a:srgbClr val="020302"/>
                 </a:solidFill>
                 <a:latin typeface="Adobe Clean"/>
                 <a:cs typeface="Adobe Clean"/>
               </a:rPr>
-              <a:t>G</a:t>
-            </a:r>
-            <a:r>
-              <a:rPr lang="en-US" sz="1200" b="1" spc="-15">
+              <a:t>Gouvernance d’AEM </a:t>
+            </a:r>
+            <a:br>
+              <a:rPr lang="sk-SK" sz="1200" b="1" dirty="0">
                 <a:solidFill>
                   <a:srgbClr val="020302"/>
                 </a:solidFill>
                 <a:latin typeface="Adobe Clean"/>
                 <a:cs typeface="Adobe Clean"/>
               </a:rPr>
-              <a:t>o</a:t>
-            </a:r>
-            <a:r>
-              <a:rPr lang="en-US" sz="1200" b="1" spc="-25">
+            </a:br>
+            <a:r>
+              <a:rPr lang="fr-FR" sz="1200" b="1" dirty="0">
                 <a:solidFill>
                   <a:srgbClr val="020302"/>
                 </a:solidFill>
                 <a:latin typeface="Adobe Clean"/>
                 <a:cs typeface="Adobe Clean"/>
               </a:rPr>
-              <a:t>ve</a:t>
-            </a:r>
-            <a:r>
-              <a:rPr lang="en-US" sz="1200" b="1" spc="-20">
-                <a:solidFill>
-                  <a:srgbClr val="020302"/>
-                </a:solidFill>
-                <a:latin typeface="Adobe Clean"/>
-                <a:cs typeface="Adobe Clean"/>
-              </a:rPr>
-              <a:t>r</a:t>
-            </a:r>
-            <a:r>
-              <a:rPr lang="en-US" sz="1200" b="1" spc="-25">
-                <a:solidFill>
-                  <a:srgbClr val="020302"/>
-                </a:solidFill>
-                <a:latin typeface="Adobe Clean"/>
-                <a:cs typeface="Adobe Clean"/>
-              </a:rPr>
-              <a:t>n</a:t>
-            </a:r>
-            <a:r>
-              <a:rPr lang="en-US" sz="1200" b="1" spc="-20">
-                <a:solidFill>
-                  <a:srgbClr val="020302"/>
-                </a:solidFill>
-                <a:latin typeface="Adobe Clean"/>
-                <a:cs typeface="Adobe Clean"/>
-              </a:rPr>
-              <a:t>a</a:t>
-            </a:r>
-            <a:r>
-              <a:rPr lang="en-US" sz="1200" b="1" spc="-25">
-                <a:solidFill>
-                  <a:srgbClr val="020302"/>
-                </a:solidFill>
-                <a:latin typeface="Adobe Clean"/>
-                <a:cs typeface="Adobe Clean"/>
-              </a:rPr>
-              <a:t>n</a:t>
-            </a:r>
-            <a:r>
-              <a:rPr lang="en-US" sz="1200" b="1" spc="-30">
-                <a:solidFill>
-                  <a:srgbClr val="020302"/>
-                </a:solidFill>
-                <a:latin typeface="Adobe Clean"/>
-                <a:cs typeface="Adobe Clean"/>
-              </a:rPr>
-              <a:t>c</a:t>
-            </a:r>
-            <a:r>
-              <a:rPr lang="en-US" sz="1200" b="1">
-                <a:solidFill>
-                  <a:srgbClr val="020302"/>
-                </a:solidFill>
-                <a:latin typeface="Adobe Clean"/>
-                <a:cs typeface="Adobe Clean"/>
-              </a:rPr>
-              <a:t>e</a:t>
-            </a:r>
-            <a:r>
-              <a:rPr lang="en-US" sz="1200" b="1" spc="-50">
-                <a:solidFill>
-                  <a:srgbClr val="020302"/>
-                </a:solidFill>
-                <a:latin typeface="Adobe Clean"/>
-                <a:cs typeface="Adobe Clean"/>
-              </a:rPr>
-              <a:t> </a:t>
-            </a:r>
-            <a:r>
-              <a:rPr lang="en-US" sz="1200" b="1" spc="-25">
-                <a:solidFill>
-                  <a:srgbClr val="020302"/>
-                </a:solidFill>
-                <a:latin typeface="Adobe Clean"/>
-                <a:cs typeface="Adobe Clean"/>
-              </a:rPr>
-              <a:t>f</a:t>
-            </a:r>
-            <a:r>
-              <a:rPr lang="en-US" sz="1200" b="1" spc="-15">
-                <a:solidFill>
-                  <a:srgbClr val="020302"/>
-                </a:solidFill>
-                <a:latin typeface="Adobe Clean"/>
-                <a:cs typeface="Adobe Clean"/>
-              </a:rPr>
-              <a:t>o</a:t>
-            </a:r>
-            <a:r>
-              <a:rPr lang="en-US" sz="1200" b="1">
-                <a:solidFill>
-                  <a:srgbClr val="020302"/>
-                </a:solidFill>
-                <a:latin typeface="Adobe Clean"/>
-                <a:cs typeface="Adobe Clean"/>
-              </a:rPr>
-              <a:t>r</a:t>
-            </a:r>
-            <a:r>
-              <a:rPr lang="en-US" sz="1200" b="1" spc="-45">
-                <a:solidFill>
-                  <a:srgbClr val="020302"/>
-                </a:solidFill>
-                <a:latin typeface="Adobe Clean"/>
-                <a:cs typeface="Adobe Clean"/>
-              </a:rPr>
-              <a:t> </a:t>
-            </a:r>
-            <a:r>
-              <a:rPr lang="en-US" sz="1200" b="1" spc="-30">
-                <a:solidFill>
-                  <a:srgbClr val="020302"/>
-                </a:solidFill>
-                <a:latin typeface="Adobe Clean"/>
-                <a:cs typeface="Adobe Clean"/>
-              </a:rPr>
-              <a:t>A</a:t>
-            </a:r>
-            <a:r>
-              <a:rPr lang="en-US" sz="1200" b="1" spc="-25">
-                <a:solidFill>
-                  <a:srgbClr val="020302"/>
-                </a:solidFill>
-                <a:latin typeface="Adobe Clean"/>
-                <a:cs typeface="Adobe Clean"/>
-              </a:rPr>
-              <a:t>E</a:t>
-            </a:r>
-            <a:r>
-              <a:rPr lang="en-US" sz="1200" b="1">
-                <a:solidFill>
-                  <a:srgbClr val="020302"/>
-                </a:solidFill>
-                <a:latin typeface="Adobe Clean"/>
-                <a:cs typeface="Adobe Clean"/>
-              </a:rPr>
-              <a:t>M</a:t>
-            </a:r>
-            <a:r>
-              <a:rPr lang="en-US" sz="1200" b="1" spc="-50">
-                <a:solidFill>
-                  <a:srgbClr val="020302"/>
-                </a:solidFill>
-                <a:latin typeface="Adobe Clean"/>
-                <a:cs typeface="Adobe Clean"/>
-              </a:rPr>
-              <a:t> </a:t>
-            </a:r>
-            <a:r>
-              <a:rPr lang="en-US" sz="1200" b="1" spc="-20">
-                <a:solidFill>
-                  <a:srgbClr val="020302"/>
-                </a:solidFill>
-                <a:latin typeface="Adobe Clean"/>
-                <a:cs typeface="Adobe Clean"/>
-              </a:rPr>
-              <a:t>a</a:t>
-            </a:r>
-            <a:r>
-              <a:rPr lang="en-US" sz="1200" b="1">
-                <a:solidFill>
-                  <a:srgbClr val="020302"/>
-                </a:solidFill>
-                <a:latin typeface="Adobe Clean"/>
-                <a:cs typeface="Adobe Clean"/>
-              </a:rPr>
-              <a:t>s</a:t>
-            </a:r>
-            <a:r>
-              <a:rPr lang="en-US" sz="1200" b="1" spc="-45">
-                <a:solidFill>
-                  <a:srgbClr val="020302"/>
-                </a:solidFill>
-                <a:latin typeface="Adobe Clean"/>
-                <a:cs typeface="Adobe Clean"/>
-              </a:rPr>
-              <a:t> </a:t>
-            </a:r>
-            <a:r>
-              <a:rPr lang="en-US" sz="1200" b="1">
-                <a:solidFill>
-                  <a:srgbClr val="020302"/>
-                </a:solidFill>
-                <a:latin typeface="Adobe Clean"/>
-                <a:cs typeface="Adobe Clean"/>
-              </a:rPr>
-              <a:t>a</a:t>
-            </a:r>
-            <a:r>
-              <a:rPr lang="en-US" sz="1200" b="1" spc="-40">
-                <a:solidFill>
-                  <a:srgbClr val="020302"/>
-                </a:solidFill>
-                <a:latin typeface="Adobe Clean"/>
-                <a:cs typeface="Adobe Clean"/>
-              </a:rPr>
-              <a:t> </a:t>
-            </a:r>
-            <a:r>
-              <a:rPr lang="en-US" sz="1200" b="1" spc="-15">
-                <a:solidFill>
-                  <a:srgbClr val="020302"/>
-                </a:solidFill>
-                <a:latin typeface="Adobe Clean"/>
-                <a:cs typeface="Adobe Clean"/>
-              </a:rPr>
-              <a:t>C</a:t>
-            </a:r>
-            <a:r>
-              <a:rPr lang="en-US" sz="1200" b="1" spc="-25">
-                <a:solidFill>
-                  <a:srgbClr val="020302"/>
-                </a:solidFill>
-                <a:latin typeface="Adobe Clean"/>
-                <a:cs typeface="Adobe Clean"/>
-              </a:rPr>
-              <a:t>l</a:t>
-            </a:r>
-            <a:r>
-              <a:rPr lang="en-US" sz="1200" b="1" spc="-15">
-                <a:solidFill>
-                  <a:srgbClr val="020302"/>
-                </a:solidFill>
-                <a:latin typeface="Adobe Clean"/>
-                <a:cs typeface="Adobe Clean"/>
-              </a:rPr>
-              <a:t>ou</a:t>
-            </a:r>
-            <a:r>
-              <a:rPr lang="en-US" sz="1200" b="1">
-                <a:solidFill>
-                  <a:srgbClr val="020302"/>
-                </a:solidFill>
-                <a:latin typeface="Adobe Clean"/>
-                <a:cs typeface="Adobe Clean"/>
-              </a:rPr>
-              <a:t>d</a:t>
-            </a:r>
-            <a:r>
-              <a:rPr lang="en-US" sz="1200" b="1" spc="-50">
-                <a:solidFill>
-                  <a:srgbClr val="020302"/>
-                </a:solidFill>
-                <a:latin typeface="Adobe Clean"/>
-                <a:cs typeface="Adobe Clean"/>
-              </a:rPr>
-              <a:t> </a:t>
-            </a:r>
-            <a:r>
-              <a:rPr lang="en-US" sz="1200" b="1" spc="-20">
-                <a:solidFill>
-                  <a:srgbClr val="020302"/>
-                </a:solidFill>
-                <a:latin typeface="Adobe Clean"/>
-                <a:cs typeface="Adobe Clean"/>
-              </a:rPr>
-              <a:t>S</a:t>
-            </a:r>
-            <a:r>
-              <a:rPr lang="en-US" sz="1200" b="1" spc="-25">
-                <a:solidFill>
-                  <a:srgbClr val="020302"/>
-                </a:solidFill>
-                <a:latin typeface="Adobe Clean"/>
-                <a:cs typeface="Adobe Clean"/>
-              </a:rPr>
-              <a:t>e</a:t>
-            </a:r>
-            <a:r>
-              <a:rPr lang="en-US" sz="1200" b="1" spc="-20">
-                <a:solidFill>
-                  <a:srgbClr val="020302"/>
-                </a:solidFill>
-                <a:latin typeface="Adobe Clean"/>
-                <a:cs typeface="Adobe Clean"/>
-              </a:rPr>
-              <a:t>r</a:t>
-            </a:r>
-            <a:r>
-              <a:rPr lang="en-US" sz="1200" b="1" spc="-25">
-                <a:solidFill>
-                  <a:srgbClr val="020302"/>
-                </a:solidFill>
-                <a:latin typeface="Adobe Clean"/>
-                <a:cs typeface="Adobe Clean"/>
-              </a:rPr>
-              <a:t>v</a:t>
-            </a:r>
-            <a:r>
-              <a:rPr lang="en-US" sz="1200" b="1" spc="-20">
-                <a:solidFill>
-                  <a:srgbClr val="020302"/>
-                </a:solidFill>
-                <a:latin typeface="Adobe Clean"/>
-                <a:cs typeface="Adobe Clean"/>
-              </a:rPr>
-              <a:t>i</a:t>
-            </a:r>
-            <a:r>
-              <a:rPr lang="en-US" sz="1200" b="1" spc="-30">
-                <a:solidFill>
-                  <a:srgbClr val="020302"/>
-                </a:solidFill>
-                <a:latin typeface="Adobe Clean"/>
-                <a:cs typeface="Adobe Clean"/>
-              </a:rPr>
-              <a:t>c</a:t>
-            </a:r>
-            <a:r>
-              <a:rPr lang="en-US" sz="1200" b="1">
-                <a:solidFill>
-                  <a:srgbClr val="020302"/>
-                </a:solidFill>
-                <a:latin typeface="Adobe Clean"/>
-                <a:cs typeface="Adobe Clean"/>
-              </a:rPr>
-              <a:t>e</a:t>
-            </a:r>
-            <a:endParaRPr lang="en-US" sz="1200">
-              <a:latin typeface="Adobe Clean"/>
-              <a:cs typeface="Adobe Clean"/>
-            </a:endParaRPr>
+              <a:t>as a Cloud Service</a:t>
+            </a:r>
           </a:p>
         </p:txBody>
       </p:sp>
@@ -11917,99 +9467,15 @@
               </a:spcBef>
             </a:pPr>
             <a:r>
-              <a:rPr lang="en-US" sz="1200" b="1" spc="-20">
+              <a:rPr lang="fr-FR" sz="1200" b="1">
                 <a:solidFill>
                   <a:srgbClr val="020302"/>
                 </a:solidFill>
                 <a:latin typeface="Adobe Clean"/>
                 <a:cs typeface="Adobe Clean"/>
               </a:rPr>
-              <a:t>Cas</a:t>
-            </a:r>
-            <a:r>
-              <a:rPr sz="1200" b="1">
-                <a:solidFill>
-                  <a:srgbClr val="020302"/>
-                </a:solidFill>
-                <a:latin typeface="Adobe Clean"/>
-                <a:cs typeface="Adobe Clean"/>
-              </a:rPr>
-              <a:t>e</a:t>
-            </a:r>
-            <a:r>
-              <a:rPr sz="1200" b="1" spc="-80">
-                <a:solidFill>
-                  <a:srgbClr val="020302"/>
-                </a:solidFill>
-                <a:latin typeface="Adobe Clean"/>
-                <a:cs typeface="Adobe Clean"/>
-              </a:rPr>
-              <a:t> </a:t>
-            </a:r>
-            <a:r>
-              <a:rPr sz="1200" b="1" spc="-20">
-                <a:solidFill>
-                  <a:srgbClr val="020302"/>
-                </a:solidFill>
-                <a:latin typeface="Adobe Clean"/>
-                <a:cs typeface="Adobe Clean"/>
-              </a:rPr>
-              <a:t>R</a:t>
-            </a:r>
-            <a:r>
-              <a:rPr sz="1200" b="1" spc="-25">
-                <a:solidFill>
-                  <a:srgbClr val="020302"/>
-                </a:solidFill>
-                <a:latin typeface="Adobe Clean"/>
-                <a:cs typeface="Adobe Clean"/>
-              </a:rPr>
-              <a:t>e</a:t>
-            </a:r>
-            <a:r>
-              <a:rPr sz="1200" b="1" spc="-30">
-                <a:solidFill>
-                  <a:srgbClr val="020302"/>
-                </a:solidFill>
-                <a:latin typeface="Adobe Clean"/>
-                <a:cs typeface="Adobe Clean"/>
-              </a:rPr>
-              <a:t>v</a:t>
-            </a:r>
-            <a:r>
-              <a:rPr sz="1200" b="1" spc="-20">
-                <a:solidFill>
-                  <a:srgbClr val="020302"/>
-                </a:solidFill>
-                <a:latin typeface="Adobe Clean"/>
-                <a:cs typeface="Adobe Clean"/>
-              </a:rPr>
-              <a:t>i</a:t>
-            </a:r>
-            <a:r>
-              <a:rPr sz="1200" b="1" spc="-25">
-                <a:solidFill>
-                  <a:srgbClr val="020302"/>
-                </a:solidFill>
-                <a:latin typeface="Adobe Clean"/>
-                <a:cs typeface="Adobe Clean"/>
-              </a:rPr>
-              <a:t>ew</a:t>
-            </a:r>
-            <a:r>
-              <a:rPr sz="1200" b="1">
-                <a:solidFill>
-                  <a:srgbClr val="020302"/>
-                </a:solidFill>
-                <a:latin typeface="Adobe Clean"/>
-                <a:cs typeface="Adobe Clean"/>
-              </a:rPr>
-              <a:t>s</a:t>
-            </a:r>
-            <a:endParaRPr sz="1200">
-              <a:latin typeface="Adobe Clean"/>
-              <a:cs typeface="Adobe Clean"/>
-            </a:endParaRPr>
+              <a:t>Examens de cas</a:t>
+            </a:r>
           </a:p>
         </p:txBody>
       </p:sp>
@@ -12067,7 +9533,7 @@
         <p:spPr>
           <a:xfrm>
             <a:off x="355868" y="1426046"/>
-            <a:ext cx="2194560" cy="936154"/>
+            <a:ext cx="2194560" cy="1090042"/>
           </a:xfrm>
           <a:prstGeom prst="rect">
             <a:avLst/>
@@ -12088,18 +9554,31 @@
               </a:spcBef>
             </a:pPr>
             <a:r>
-              <a:rPr lang="en-US" sz="1000">
+              <a:rPr lang="fr-FR" sz="1000" dirty="0">
                 <a:solidFill>
                   <a:srgbClr val="4B4B4B"/>
                 </a:solidFill>
                 <a:latin typeface="Adobe Clean Light" panose="020B0303020404020204" pitchFamily="34" charset="0"/>
               </a:rPr>
-              <a:t>Regular scheduled review of open support requests, ensuring customer alignment on case description, business impact, status, priority and agreement on next steps required to ensure an expedient resolution.</a:t>
-            </a:r>
-            <a:endParaRPr sz="1000">
-              <a:latin typeface="Adobe Clean Light" panose="020B0303020404020204" pitchFamily="34" charset="0"/>
-              <a:cs typeface="AdobeClean-Light"/>
-            </a:endParaRPr>
+              <a:t>Il s’agit d’un examen planifié régulier </a:t>
+            </a:r>
+            <a:br>
+              <a:rPr lang="sk-SK" sz="1000" dirty="0">
+                <a:solidFill>
+                  <a:srgbClr val="4B4B4B"/>
+                </a:solidFill>
+                <a:latin typeface="Adobe Clean Light" panose="020B0303020404020204" pitchFamily="34" charset="0"/>
+              </a:rPr>
+            </a:br>
+            <a:r>
+              <a:rPr lang="fr-FR" sz="1000" dirty="0">
+                <a:solidFill>
+                  <a:srgbClr val="4B4B4B"/>
+                </a:solidFill>
+                <a:latin typeface="Adobe Clean Light" panose="020B0303020404020204" pitchFamily="34" charset="0"/>
+              </a:rPr>
+              <a:t>des demandes d’assistance ouvertes, assurant l’alignement des clients avec la description des cas, l’impact sur l’entreprise, le statut, la priorité et l’accord concernant les prochaines étapes nécessaires pour garantir une résolution rapide.</a:t>
+            </a:r>
           </a:p>
         </p:txBody>
       </p:sp>
@@ -12139,19 +9618,15 @@
               </a:spcBef>
             </a:pPr>
             <a:r>
-              <a:rPr lang="en-US" sz="1400" b="1" spc="-10">
+              <a:rPr lang="fr-FR" sz="1400" b="1">
                 <a:solidFill>
                   <a:srgbClr val="020302"/>
                 </a:solidFill>
                 <a:latin typeface="Adobe Clean"/>
                 <a:cs typeface="Adobe Clean"/>
               </a:rPr>
-              <a:t>Cloud Support Activities - AEM</a:t>
-            </a:r>
-            <a:endParaRPr lang="en-US" sz="1400">
-              <a:latin typeface="Adobe Clean"/>
-              <a:cs typeface="Adobe Clean"/>
-            </a:endParaRPr>
+              <a:t>Activités d’assistance dans le cloud - AEM</a:t>
+            </a:r>
           </a:p>
         </p:txBody>
       </p:sp>
@@ -12234,7 +9709,7 @@
         </p:blipFill>
         <p:spPr>
           <a:xfrm>
-            <a:off x="2569142" y="3892352"/>
+            <a:off x="3384482" y="3892352"/>
             <a:ext cx="461665" cy="461665"/>
           </a:xfrm>
           <a:prstGeom prst="rect">
@@ -12529,7 +10004,7 @@
         </p:nvSpPr>
         <p:spPr>
           <a:xfrm rot="5400000" flipH="1">
-            <a:off x="3863341" y="986533"/>
+            <a:off x="3863341" y="1146553"/>
             <a:ext cx="45719" cy="5577840"/>
           </a:xfrm>
           <a:custGeom>
@@ -12584,7 +10059,7 @@
         </p:nvSpPr>
         <p:spPr>
           <a:xfrm rot="5400000" flipH="1">
-            <a:off x="3863341" y="5514588"/>
+            <a:off x="3863341" y="5575548"/>
             <a:ext cx="45719" cy="5577840"/>
           </a:xfrm>
           <a:custGeom>
@@ -12625,6 +10100,133 @@
           </a:p>
         </p:txBody>
       </p:sp>
+      <p:grpSp>
+        <p:nvGrpSpPr>
+          <p:cNvPr id="62" name="object 3">
+            <a:extLst>
+              <a:ext uri="{FF2B5EF4-FFF2-40B4-BE49-F238E27FC236}">
+                <a16:creationId xmlns:a16="http://schemas.microsoft.com/office/drawing/2014/main" id="{C539739D-1D3E-204D-9819-C44D9AE36DE8}"/>
+              </a:ext>
+            </a:extLst>
+          </p:cNvPr>
+          <p:cNvGrpSpPr/>
+          <p:nvPr/>
+        </p:nvGrpSpPr>
+        <p:grpSpPr>
+          <a:xfrm rot="5400000">
+            <a:off x="1154159" y="-868525"/>
+            <a:ext cx="5661921" cy="7931849"/>
+            <a:chOff x="-247019" y="421767"/>
+            <a:chExt cx="3875281" cy="7641336"/>
+          </a:xfrm>
+        </p:grpSpPr>
+        <p:sp>
+          <p:nvSpPr>
+            <p:cNvPr id="63" name="object 4">
+              <a:extLst>
+                <a:ext uri="{FF2B5EF4-FFF2-40B4-BE49-F238E27FC236}">
+                  <a16:creationId xmlns:a16="http://schemas.microsoft.com/office/drawing/2014/main" id="{F41DD51E-EC9C-7B44-BE42-FA9C42B94675}"/>
+                </a:ext>
+              </a:extLst>
+            </p:cNvPr>
+            <p:cNvSpPr/>
+            <p:nvPr/>
+          </p:nvSpPr>
+          <p:spPr>
+            <a:xfrm>
+              <a:off x="3628262" y="576453"/>
+              <a:ext cx="0" cy="7486650"/>
+            </a:xfrm>
+            <a:custGeom>
+              <a:avLst/>
+              <a:gdLst/>
+              <a:ahLst/>
+              <a:cxnLst/>
+              <a:rect l="l" t="t" r="r" b="b"/>
+              <a:pathLst>
+                <a:path h="7486650">
+                  <a:moveTo>
+                    <a:pt x="0" y="0"/>
+                  </a:moveTo>
+                  <a:lnTo>
+                    <a:pt x="0" y="7486408"/>
+                  </a:lnTo>
+                </a:path>
+              </a:pathLst>
+            </a:custGeom>
+            <a:ln w="61722">
+              <a:solidFill>
+                <a:srgbClr val="EAEAEB"/>
+              </a:solidFill>
+            </a:ln>
+          </p:spPr>
+          <p:txBody>
+            <a:bodyPr wrap="square" lIns="0" tIns="0" rIns="0" bIns="0" rtlCol="0"/>
+            <a:lstStyle/>
+            <a:p>
+              <a:endParaRPr/>
+            </a:p>
+          </p:txBody>
+        </p:sp>
+        <p:sp>
+          <p:nvSpPr>
+            <p:cNvPr id="64" name="object 5">
+              <a:extLst>
+                <a:ext uri="{FF2B5EF4-FFF2-40B4-BE49-F238E27FC236}">
+                  <a16:creationId xmlns:a16="http://schemas.microsoft.com/office/drawing/2014/main" id="{6E97A2E1-56BC-2B46-9873-F675D66FF621}"/>
+                </a:ext>
+              </a:extLst>
+            </p:cNvPr>
+            <p:cNvSpPr/>
+            <p:nvPr/>
+          </p:nvSpPr>
+          <p:spPr>
+            <a:xfrm>
+              <a:off x="-247019" y="421767"/>
+              <a:ext cx="3844040" cy="7600950"/>
+            </a:xfrm>
+            <a:custGeom>
+              <a:avLst/>
+              <a:gdLst/>
+              <a:ahLst/>
+              <a:cxnLst/>
+              <a:rect l="l" t="t" r="r" b="b"/>
+              <a:pathLst>
+                <a:path w="3409950" h="7600950">
+                  <a:moveTo>
+                    <a:pt x="0" y="7600569"/>
+                  </a:moveTo>
+                  <a:lnTo>
+                    <a:pt x="3409492" y="7600569"/>
+                  </a:lnTo>
+                  <a:lnTo>
+                    <a:pt x="3409492" y="0"/>
+                  </a:lnTo>
+                  <a:lnTo>
+                    <a:pt x="0" y="0"/>
+                  </a:lnTo>
+                  <a:lnTo>
+                    <a:pt x="0" y="7600569"/>
+                  </a:lnTo>
+                  <a:close/>
+                </a:path>
+              </a:pathLst>
+            </a:custGeom>
+            <a:ln w="12954">
+              <a:solidFill>
+                <a:srgbClr val="EBEBEB"/>
+              </a:solidFill>
+            </a:ln>
+          </p:spPr>
+          <p:txBody>
+            <a:bodyPr wrap="square" lIns="0" tIns="0" rIns="0" bIns="0" rtlCol="0"/>
+            <a:lstStyle/>
+            <a:p>
+              <a:endParaRPr/>
+            </a:p>
+          </p:txBody>
+        </p:sp>
+      </p:grpSp>
     </p:spTree>
     <p:extLst>
       <p:ext uri="{BB962C8B-B14F-4D97-AF65-F5344CB8AC3E}">
@@ -12903,109 +10505,15 @@
               </a:lnSpc>
             </a:pPr>
             <a:r>
-              <a:rPr sz="800" spc="-10">
+              <a:rPr lang="fr-FR" sz="800">
                 <a:solidFill>
                   <a:srgbClr val="6D6D6D"/>
                 </a:solidFill>
                 <a:latin typeface="Adobe Clean"/>
                 <a:cs typeface="Adobe Clean"/>
               </a:rPr>
-              <a:t>©202</a:t>
-            </a:r>
-            <a:r>
-              <a:rPr lang="en-US" sz="800" spc="-10">
-                <a:solidFill>
-                  <a:srgbClr val="6D6D6D"/>
-                </a:solidFill>
-                <a:latin typeface="Adobe Clean"/>
-                <a:cs typeface="Adobe Clean"/>
-              </a:rPr>
-              <a:t>1</a:t>
-            </a:r>
-            <a:r>
-              <a:rPr sz="800" spc="-5">
-                <a:solidFill>
-                  <a:srgbClr val="6D6D6D"/>
-                </a:solidFill>
-                <a:latin typeface="Adobe Clean"/>
-                <a:cs typeface="Adobe Clean"/>
-              </a:rPr>
-              <a:t> Adobe. All</a:t>
-            </a:r>
-            <a:r>
-              <a:rPr sz="800" spc="-15">
-                <a:solidFill>
-                  <a:srgbClr val="6D6D6D"/>
-                </a:solidFill>
-                <a:latin typeface="Adobe Clean"/>
-                <a:cs typeface="Adobe Clean"/>
-              </a:rPr>
-              <a:t> </a:t>
-            </a:r>
-            <a:r>
-              <a:rPr sz="800" spc="-10">
-                <a:solidFill>
-                  <a:srgbClr val="6D6D6D"/>
-                </a:solidFill>
-                <a:latin typeface="Adobe Clean"/>
-                <a:cs typeface="Adobe Clean"/>
-              </a:rPr>
-              <a:t>Rights</a:t>
-            </a:r>
-            <a:r>
-              <a:rPr sz="800" spc="-5">
-                <a:solidFill>
-                  <a:srgbClr val="6D6D6D"/>
-                </a:solidFill>
-                <a:latin typeface="Adobe Clean"/>
-                <a:cs typeface="Adobe Clean"/>
-              </a:rPr>
-              <a:t> </a:t>
-            </a:r>
-            <a:r>
-              <a:rPr sz="800" spc="-10">
-                <a:solidFill>
-                  <a:srgbClr val="6D6D6D"/>
-                </a:solidFill>
-                <a:latin typeface="Adobe Clean"/>
-                <a:cs typeface="Adobe Clean"/>
-              </a:rPr>
-              <a:t>Reserved.</a:t>
-            </a:r>
-            <a:r>
-              <a:rPr sz="800" spc="-5">
-                <a:solidFill>
-                  <a:srgbClr val="6D6D6D"/>
-                </a:solidFill>
-                <a:latin typeface="Adobe Clean"/>
-                <a:cs typeface="Adobe Clean"/>
-              </a:rPr>
-              <a:t> Adobe</a:t>
-            </a:r>
-            <a:r>
-              <a:rPr sz="800" spc="75">
-                <a:solidFill>
-                  <a:srgbClr val="6D6D6D"/>
-                </a:solidFill>
-                <a:latin typeface="Adobe Clean"/>
-                <a:cs typeface="Adobe Clean"/>
-              </a:rPr>
-              <a:t> </a:t>
-            </a:r>
-            <a:r>
-              <a:rPr sz="800" spc="-10">
-                <a:solidFill>
-                  <a:srgbClr val="6D6D6D"/>
-                </a:solidFill>
-                <a:latin typeface="Adobe Clean"/>
-                <a:cs typeface="Adobe Clean"/>
-              </a:rPr>
-              <a:t>Confidential.</a:t>
-            </a:r>
-            <a:endParaRPr sz="800">
-              <a:latin typeface="Adobe Clean"/>
-              <a:cs typeface="Adobe Clean"/>
-            </a:endParaRPr>
+              <a:t>©2021 Adobe. All Rights Reserved. Données confidentielles Adobe</a:t>
+            </a:r>
           </a:p>
         </p:txBody>
       </p:sp>
@@ -13018,7 +10526,7 @@
         <p:spPr>
           <a:xfrm>
             <a:off x="4724780" y="914778"/>
-            <a:ext cx="1954230" cy="57597"/>
+            <a:ext cx="2354200" cy="135230"/>
           </a:xfrm>
           <a:custGeom>
             <a:avLst/>
@@ -13059,7 +10567,7 @@
         </p:nvSpPr>
         <p:spPr>
           <a:xfrm>
-            <a:off x="4843270" y="589788"/>
+            <a:off x="4789930" y="589788"/>
             <a:ext cx="2588260" cy="228268"/>
           </a:xfrm>
           <a:prstGeom prst="rect">
@@ -13067,190 +10575,29 @@
           </a:prstGeom>
         </p:spPr>
         <p:txBody>
-          <a:bodyPr vert="horz" wrap="square" lIns="0" tIns="12700" rIns="0" bIns="0" rtlCol="0" anchor="t">
+          <a:bodyPr vert="horz" wrap="square" lIns="0" tIns="12700" rIns="0" bIns="0" rtlCol="0">
             <a:spAutoFit/>
           </a:bodyPr>
           <a:lstStyle/>
           <a:p>
             <a:pPr marL="12700">
+              <a:lnSpc>
+                <a:spcPct val="100000"/>
+              </a:lnSpc>
               <a:spcBef>
                 <a:spcPts val="100"/>
               </a:spcBef>
             </a:pPr>
             <a:r>
-              <a:rPr sz="1400" b="1" spc="-25" dirty="0">
+              <a:rPr lang="fr-FR" sz="1400" b="1" dirty="0">
                 <a:solidFill>
                   <a:srgbClr val="020302"/>
                 </a:solidFill>
                 <a:latin typeface="Adobe Clean"/>
                 <a:cs typeface="Adobe Clean"/>
               </a:rPr>
-              <a:t>Fi</a:t>
-            </a:r>
-            <a:r>
-              <a:rPr sz="1400" b="1" spc="-30" dirty="0">
-                <a:solidFill>
-                  <a:srgbClr val="020302"/>
-                </a:solidFill>
-                <a:latin typeface="Adobe Clean"/>
-                <a:cs typeface="Adobe Clean"/>
-              </a:rPr>
-              <a:t>e</a:t>
-            </a:r>
-            <a:r>
-              <a:rPr sz="1400" b="1" spc="-25" dirty="0">
-                <a:solidFill>
-                  <a:srgbClr val="020302"/>
-                </a:solidFill>
-                <a:latin typeface="Adobe Clean"/>
-                <a:cs typeface="Adobe Clean"/>
-              </a:rPr>
-              <a:t>l</a:t>
-            </a:r>
-            <a:r>
-              <a:rPr sz="1400" b="1" dirty="0">
-                <a:solidFill>
-                  <a:srgbClr val="020302"/>
-                </a:solidFill>
-                <a:latin typeface="Adobe Clean"/>
-                <a:cs typeface="Adobe Clean"/>
-              </a:rPr>
-              <a:t>d</a:t>
-            </a:r>
-            <a:r>
-              <a:rPr sz="1400" b="1" spc="-45" dirty="0">
-                <a:solidFill>
-                  <a:srgbClr val="020302"/>
-                </a:solidFill>
-                <a:latin typeface="Adobe Clean"/>
-                <a:cs typeface="Adobe Clean"/>
-              </a:rPr>
-              <a:t> </a:t>
-            </a:r>
-            <a:r>
-              <a:rPr sz="1400" b="1" spc="20" dirty="0">
-                <a:solidFill>
-                  <a:srgbClr val="020302"/>
-                </a:solidFill>
-                <a:latin typeface="Adobe Clean"/>
-                <a:cs typeface="Adobe Clean"/>
-              </a:rPr>
-              <a:t>S</a:t>
-            </a:r>
-            <a:r>
-              <a:rPr sz="1400" b="1" spc="10" dirty="0">
-                <a:solidFill>
-                  <a:srgbClr val="020302"/>
-                </a:solidFill>
-                <a:latin typeface="Adobe Clean"/>
-                <a:cs typeface="Adobe Clean"/>
-              </a:rPr>
-              <a:t>e</a:t>
-            </a:r>
-            <a:r>
-              <a:rPr sz="1400" b="1" spc="15" dirty="0">
-                <a:solidFill>
-                  <a:srgbClr val="020302"/>
-                </a:solidFill>
-                <a:latin typeface="Adobe Clean"/>
-                <a:cs typeface="Adobe Clean"/>
-              </a:rPr>
-              <a:t>rvi</a:t>
-            </a:r>
-            <a:r>
-              <a:rPr sz="1400" b="1" spc="10" dirty="0">
-                <a:solidFill>
-                  <a:srgbClr val="020302"/>
-                </a:solidFill>
-                <a:latin typeface="Adobe Clean"/>
-                <a:cs typeface="Adobe Clean"/>
-              </a:rPr>
-              <a:t>c</a:t>
-            </a:r>
-            <a:r>
-              <a:rPr sz="1400" b="1" dirty="0">
-                <a:solidFill>
-                  <a:srgbClr val="020302"/>
-                </a:solidFill>
-                <a:latin typeface="Adobe Clean"/>
-                <a:cs typeface="Adobe Clean"/>
-              </a:rPr>
-              <a:t>e</a:t>
-            </a:r>
-            <a:r>
-              <a:rPr lang="en-US" sz="1400" b="1" dirty="0">
-                <a:solidFill>
-                  <a:srgbClr val="020302"/>
-                </a:solidFill>
-                <a:latin typeface="Adobe Clean"/>
-                <a:cs typeface="Adobe Clean"/>
-              </a:rPr>
-              <a:t> </a:t>
-            </a:r>
-            <a:r>
-              <a:rPr sz="1400" b="1" spc="5" dirty="0">
-                <a:solidFill>
-                  <a:srgbClr val="020302"/>
-                </a:solidFill>
-                <a:latin typeface="Adobe Clean"/>
-                <a:cs typeface="Adobe Clean"/>
-              </a:rPr>
-              <a:t>A</a:t>
-            </a:r>
-            <a:r>
-              <a:rPr sz="1400" b="1" dirty="0">
-                <a:solidFill>
-                  <a:srgbClr val="020302"/>
-                </a:solidFill>
-                <a:latin typeface="Adobe Clean"/>
-                <a:cs typeface="Adobe Clean"/>
-              </a:rPr>
-              <a:t>ct</a:t>
-            </a:r>
-            <a:r>
-              <a:rPr sz="1400" b="1" spc="5" dirty="0">
-                <a:solidFill>
-                  <a:srgbClr val="020302"/>
-                </a:solidFill>
-                <a:latin typeface="Adobe Clean"/>
-                <a:cs typeface="Adobe Clean"/>
-              </a:rPr>
-              <a:t>ivi</a:t>
-            </a:r>
-            <a:r>
-              <a:rPr sz="1400" b="1" dirty="0">
-                <a:solidFill>
-                  <a:srgbClr val="020302"/>
-                </a:solidFill>
-                <a:latin typeface="Adobe Clean"/>
-                <a:cs typeface="Adobe Clean"/>
-              </a:rPr>
-              <a:t>t</a:t>
-            </a:r>
-            <a:r>
-              <a:rPr sz="1400" b="1" spc="5" dirty="0">
-                <a:solidFill>
-                  <a:srgbClr val="020302"/>
-                </a:solidFill>
-                <a:latin typeface="Adobe Clean"/>
-                <a:cs typeface="Adobe Clean"/>
-              </a:rPr>
-              <a:t>i</a:t>
-            </a:r>
-            <a:r>
-              <a:rPr sz="1400" b="1" dirty="0">
-                <a:solidFill>
-                  <a:srgbClr val="020302"/>
-                </a:solidFill>
-                <a:latin typeface="Adobe Clean"/>
-                <a:cs typeface="Adobe Clean"/>
-              </a:rPr>
-              <a:t>es</a:t>
-            </a:r>
-            <a:endParaRPr sz="1400" dirty="0">
-              <a:latin typeface="Adobe Clean"/>
-              <a:cs typeface="Adobe Clean"/>
-            </a:endParaRPr>
+              <a:t>Activités du service de terrain</a:t>
+            </a:r>
           </a:p>
         </p:txBody>
       </p:sp>
@@ -13284,99 +10631,15 @@
               </a:spcBef>
             </a:pPr>
             <a:r>
-              <a:rPr sz="1400" b="1" spc="-20">
+              <a:rPr lang="fr-FR" sz="1400" b="1">
                 <a:solidFill>
                   <a:srgbClr val="020302"/>
                 </a:solidFill>
                 <a:latin typeface="Adobe Clean"/>
                 <a:cs typeface="Adobe Clean"/>
               </a:rPr>
-              <a:t>L</a:t>
-            </a:r>
-            <a:r>
-              <a:rPr sz="1400" b="1" spc="-10">
-                <a:solidFill>
-                  <a:srgbClr val="020302"/>
-                </a:solidFill>
-                <a:latin typeface="Adobe Clean"/>
-                <a:cs typeface="Adobe Clean"/>
-              </a:rPr>
-              <a:t>a</a:t>
-            </a:r>
-            <a:r>
-              <a:rPr sz="1400" b="1" spc="-15">
-                <a:solidFill>
-                  <a:srgbClr val="020302"/>
-                </a:solidFill>
-                <a:latin typeface="Adobe Clean"/>
-                <a:cs typeface="Adobe Clean"/>
-              </a:rPr>
-              <a:t>un</a:t>
-            </a:r>
-            <a:r>
-              <a:rPr sz="1400" b="1" spc="-20">
-                <a:solidFill>
-                  <a:srgbClr val="020302"/>
-                </a:solidFill>
-                <a:latin typeface="Adobe Clean"/>
-                <a:cs typeface="Adobe Clean"/>
-              </a:rPr>
-              <a:t>c</a:t>
-            </a:r>
-            <a:r>
-              <a:rPr sz="1400" b="1">
-                <a:solidFill>
-                  <a:srgbClr val="020302"/>
-                </a:solidFill>
-                <a:latin typeface="Adobe Clean"/>
-                <a:cs typeface="Adobe Clean"/>
-              </a:rPr>
-              <a:t>h</a:t>
-            </a:r>
-            <a:r>
-              <a:rPr sz="1400" b="1" spc="-30">
-                <a:solidFill>
-                  <a:srgbClr val="020302"/>
-                </a:solidFill>
-                <a:latin typeface="Adobe Clean"/>
-                <a:cs typeface="Adobe Clean"/>
-              </a:rPr>
-              <a:t> </a:t>
-            </a:r>
-            <a:r>
-              <a:rPr sz="1400" b="1" spc="-10">
-                <a:solidFill>
-                  <a:srgbClr val="020302"/>
-                </a:solidFill>
-                <a:latin typeface="Adobe Clean"/>
-                <a:cs typeface="Adobe Clean"/>
-              </a:rPr>
-              <a:t>Advisor</a:t>
-            </a:r>
-            <a:r>
-              <a:rPr sz="1400" b="1">
-                <a:solidFill>
-                  <a:srgbClr val="020302"/>
-                </a:solidFill>
-                <a:latin typeface="Adobe Clean"/>
-                <a:cs typeface="Adobe Clean"/>
-              </a:rPr>
-              <a:t>y</a:t>
-            </a:r>
-            <a:r>
-              <a:rPr sz="1400" b="1" spc="-60">
-                <a:solidFill>
-                  <a:srgbClr val="020302"/>
-                </a:solidFill>
-                <a:latin typeface="Adobe Clean"/>
-                <a:cs typeface="Adobe Clean"/>
-              </a:rPr>
-              <a:t> </a:t>
-            </a:r>
-            <a:endParaRPr sz="1400">
-              <a:latin typeface="Adobe Clean"/>
-              <a:cs typeface="Adobe Clean"/>
-            </a:endParaRPr>
+              <a:t>Launch Advisory </a:t>
+            </a:r>
           </a:p>
         </p:txBody>
       </p:sp>
@@ -13407,47 +10670,27 @@
               </a:spcBef>
             </a:pPr>
             <a:r>
-              <a:rPr lang="en-US" sz="1000">
+              <a:rPr lang="fr-FR" sz="1000">
                 <a:solidFill>
                   <a:srgbClr val="1F1F1F"/>
                 </a:solidFill>
                 <a:latin typeface="AdobeClean-Light"/>
                 <a:cs typeface="AdobeClean-Light"/>
               </a:rPr>
-              <a:t>For customers </a:t>
-            </a:r>
-            <a:r>
-              <a:rPr sz="1000">
-                <a:solidFill>
-                  <a:srgbClr val="1F1F1F"/>
-                </a:solidFill>
-                <a:latin typeface="AdobeClean-Light"/>
-                <a:cs typeface="AdobeClean-Light"/>
-              </a:rPr>
-              <a:t>implementing a </a:t>
-            </a:r>
-            <a:r>
-              <a:rPr sz="1000" b="1">
+              <a:t>Pour les clients qui implémentent une </a:t>
+            </a:r>
+            <a:r>
+              <a:rPr lang="fr-FR" sz="1000" b="1">
                 <a:solidFill>
                   <a:srgbClr val="1F1F1F"/>
                 </a:solidFill>
                 <a:latin typeface="Adobe Clean"/>
                 <a:cs typeface="Adobe Clean"/>
               </a:rPr>
-              <a:t>new Adobe Experience Cloud solution</a:t>
-            </a:r>
-            <a:r>
-              <a:rPr lang="en-US" sz="1000" b="1">
-                <a:solidFill>
-                  <a:srgbClr val="1F1F1F"/>
-                </a:solidFill>
-                <a:latin typeface="Adobe Clean"/>
-                <a:cs typeface="Adobe Clean"/>
-              </a:rPr>
-              <a:t>, </a:t>
-            </a:r>
-            <a:r>
-              <a:rPr lang="en-US" sz="1000">
+              <a:t>nouvelle solution Adobe Experience Cloud, </a:t>
+            </a:r>
+            <a:r>
+              <a:rPr lang="fr-FR" sz="1000">
                 <a:latin typeface="Adobe Clean Light" charset="0"/>
                 <a:ea typeface="Adobe Clean Light" charset="0"/>
                 <a:cs typeface="Adobe Clean Light" charset="0"/>
@@ -13455,58 +10698,60 @@
               <a:t>Launch Advisory </a:t>
             </a:r>
             <a:r>
-              <a:rPr lang="en-US" sz="1000">
+              <a:rPr lang="fr-FR" sz="1000">
                 <a:solidFill>
                   <a:srgbClr val="000000"/>
                 </a:solidFill>
                 <a:latin typeface="Adobe Clean SemiLight" panose="020B0403020404020204" pitchFamily="34" charset="0"/>
               </a:rPr>
-              <a:t>is a </a:t>
-            </a:r>
-            <a:r>
-              <a:rPr lang="en-US" sz="1000" b="1">
+              <a:t>est un </a:t>
+            </a:r>
+            <a:r>
+              <a:rPr lang="fr-FR" sz="1000" b="1">
                 <a:solidFill>
                   <a:srgbClr val="000000"/>
                 </a:solidFill>
                 <a:latin typeface="Adobe Clean SemiLight" panose="020B0403020404020204" pitchFamily="34" charset="0"/>
               </a:rPr>
-              <a:t>core set of advisory services </a:t>
-            </a:r>
-            <a:r>
-              <a:rPr lang="en-US" sz="1000">
+              <a:t>ensemble de base de services de conseil </a:t>
+            </a:r>
+            <a:r>
+              <a:rPr lang="fr-FR" sz="1000">
                 <a:latin typeface="Adobe Clean Light" charset="0"/>
                 <a:ea typeface="Adobe Clean Light" charset="0"/>
                 <a:cs typeface="Adobe Clean Light" charset="0"/>
               </a:rPr>
-              <a:t>and recommendations that </a:t>
-            </a:r>
-            <a:r>
-              <a:rPr lang="en-US" sz="1000">
+              <a:t>et de recommandations qui s’avèrent </a:t>
+            </a:r>
+            <a:r>
+              <a:rPr lang="fr-FR" sz="1000" b="1">
                 <a:latin typeface="Adobe Clean Light" charset="0"/>
+                <a:ea typeface="Adobe Clean Light" charset="0"/>
+                <a:cs typeface="Adobe Clean Light" charset="0"/>
               </a:rPr>
-              <a:t>are proven to </a:t>
-            </a:r>
-            <a:r>
-              <a:rPr lang="en-US" sz="1000" b="1">
+              <a:t>prendre en charge les déploiements réussis </a:t>
+            </a:r>
+            <a:r>
+              <a:rPr lang="fr-FR" sz="1000">
                 <a:latin typeface="Adobe Clean Light" charset="0"/>
+                <a:ea typeface="Adobe Clean Light" charset="0"/>
+                <a:cs typeface="Adobe Clean Light" charset="0"/>
               </a:rPr>
-              <a:t>support successful deployments </a:t>
-            </a:r>
-            <a:r>
-              <a:rPr lang="en-US" sz="1000">
+              <a:t>et </a:t>
+            </a:r>
+            <a:r>
+              <a:rPr lang="fr-FR" sz="1000" b="1">
                 <a:latin typeface="Adobe Clean Light" charset="0"/>
+                <a:ea typeface="Adobe Clean Light" charset="0"/>
+                <a:cs typeface="Adobe Clean Light" charset="0"/>
               </a:rPr>
-              <a:t>and </a:t>
-            </a:r>
-            <a:r>
-              <a:rPr lang="en-US" sz="1000" b="1">
+              <a:t>accélérer la rentabilité</a:t>
+            </a:r>
+            <a:r>
+              <a:rPr lang="fr-FR" sz="1000">
                 <a:latin typeface="Adobe Clean Light" charset="0"/>
-              </a:rPr>
-              <a:t>accelerate time-to-value</a:t>
-            </a:r>
-            <a:r>
-              <a:rPr lang="en-US" sz="1000">
-                <a:latin typeface="Adobe Clean Light" charset="0"/>
+                <a:ea typeface="Adobe Clean Light" charset="0"/>
+                <a:cs typeface="Adobe Clean Light" charset="0"/>
               </a:rPr>
               <a:t>.</a:t>
             </a:r>
@@ -13567,75 +10812,85 @@
               </a:spcBef>
             </a:pPr>
             <a:r>
-              <a:rPr lang="en-US" sz="1000">
+              <a:rPr lang="fr-FR" sz="1000" dirty="0">
                 <a:solidFill>
                   <a:srgbClr val="4B4B4B"/>
                 </a:solidFill>
                 <a:latin typeface="Adobe Clean Light" panose="020B0303020404020204" pitchFamily="34" charset="0"/>
               </a:rPr>
-              <a:t>Field Services are used for </a:t>
-            </a:r>
-            <a:r>
-              <a:rPr lang="en-US" sz="1000" b="1">
+              <a:t>Les services de terrain servent à la </a:t>
+            </a:r>
+            <a:r>
+              <a:rPr lang="fr-FR" sz="1000" b="1" dirty="0">
                 <a:solidFill>
                   <a:srgbClr val="4B4B4B"/>
                 </a:solidFill>
                 <a:latin typeface="Adobe Clean" panose="020B0503020404020204" pitchFamily="34" charset="0"/>
               </a:rPr>
-              <a:t>quick resolution</a:t>
-            </a:r>
-            <a:r>
-              <a:rPr lang="en-US" sz="1000">
+              <a:t>résolution rapide</a:t>
+            </a:r>
+            <a:r>
+              <a:rPr lang="fr-FR" sz="1000" dirty="0">
                 <a:solidFill>
                   <a:srgbClr val="4B4B4B"/>
                 </a:solidFill>
                 <a:latin typeface="Adobe Clean Light" panose="020B0303020404020204" pitchFamily="34" charset="0"/>
               </a:rPr>
-              <a:t>, focused customer success and accelerated</a:t>
-            </a:r>
-            <a:r>
-              <a:rPr lang="en-US" sz="1000" b="1">
+              <a:t>, au succès ciblé du client et à l’</a:t>
+            </a:r>
+            <a:r>
+              <a:rPr lang="fr-FR" sz="1000" b="1" dirty="0">
                 <a:solidFill>
                   <a:srgbClr val="4B4B4B"/>
                 </a:solidFill>
                 <a:latin typeface="Adobe Clean" panose="020B0503020404020204" pitchFamily="34" charset="0"/>
               </a:rPr>
-              <a:t> time-to-value</a:t>
-            </a:r>
-            <a:r>
-              <a:rPr lang="en-US" sz="1000">
+              <a:t>accélération de la rentabilité</a:t>
+            </a:r>
+            <a:r>
+              <a:rPr lang="fr-FR" sz="1000" dirty="0">
                 <a:solidFill>
                   <a:srgbClr val="4B4B4B"/>
                 </a:solidFill>
                 <a:latin typeface="Adobe Clean Light" panose="020B0303020404020204" pitchFamily="34" charset="0"/>
               </a:rPr>
-              <a:t>. If Launch advisory is active there will be </a:t>
-            </a:r>
-            <a:r>
-              <a:rPr lang="en-US" sz="1000" b="1">
+              <a:t>. Si Launch Advisory est actif, </a:t>
+            </a:r>
+            <a:br>
+              <a:rPr lang="sk-SK" sz="1000" dirty="0">
+                <a:solidFill>
+                  <a:srgbClr val="4B4B4B"/>
+                </a:solidFill>
+                <a:latin typeface="Adobe Clean Light" panose="020B0303020404020204" pitchFamily="34" charset="0"/>
+              </a:rPr>
+            </a:br>
+            <a:r>
+              <a:rPr lang="fr-FR" sz="1000" dirty="0">
+                <a:solidFill>
+                  <a:srgbClr val="4B4B4B"/>
+                </a:solidFill>
+                <a:latin typeface="Adobe Clean Light" panose="020B0303020404020204" pitchFamily="34" charset="0"/>
+              </a:rPr>
+              <a:t>il n’y aura </a:t>
+            </a:r>
+            <a:r>
+              <a:rPr lang="fr-FR" sz="1000" b="1" dirty="0">
                 <a:solidFill>
                   <a:srgbClr val="4B4B4B"/>
                 </a:solidFill>
                 <a:latin typeface="Adobe Clean" panose="020B0503020404020204" pitchFamily="34" charset="0"/>
               </a:rPr>
-              <a:t>no Field Services in year 1 </a:t>
-            </a:r>
-            <a:r>
-              <a:rPr lang="en-US" sz="1000">
+              <a:t>aucun service sur le terrain au cours de la première année</a:t>
+            </a:r>
+            <a:r>
+              <a:rPr lang="fr-FR" sz="1000" dirty="0">
                 <a:solidFill>
                   <a:srgbClr val="4B4B4B"/>
                 </a:solidFill>
                 <a:latin typeface="Adobe Clean Light" panose="020B0303020404020204" pitchFamily="34" charset="0"/>
               </a:rPr>
-              <a:t>for any solution product covered by an Adobe Support contract. </a:t>
-            </a:r>
-            <a:endParaRPr lang="en-US" sz="1000">
-              <a:solidFill>
-                <a:srgbClr val="1F1F1F"/>
-              </a:solidFill>
-              <a:latin typeface="Adobe Clean Light" panose="020B0303020404020204" pitchFamily="34" charset="0"/>
-              <a:cs typeface="Adobe Clean"/>
-            </a:endParaRPr>
+              <a:t> pour tout produit de solution couvert par un contrat d’assistance Adobe. </a:t>
+            </a:r>
           </a:p>
           <a:p>
             <a:pPr marL="24130" marR="5080">
@@ -13643,7 +10898,7 @@
                 <a:spcPts val="600"/>
               </a:spcBef>
             </a:pPr>
-            <a:endParaRPr lang="en-US" sz="1000" b="1">
+            <a:endParaRPr lang="en-US" sz="1000" b="1" dirty="0">
               <a:solidFill>
                 <a:srgbClr val="1F1F1F"/>
               </a:solidFill>
@@ -13812,7 +11067,7 @@
         <p:spPr>
           <a:xfrm>
             <a:off x="172087" y="3867961"/>
-            <a:ext cx="3525469" cy="2336537"/>
+            <a:ext cx="3679310" cy="2490425"/>
           </a:xfrm>
           <a:prstGeom prst="rect">
             <a:avLst/>
@@ -13830,37 +11085,28 @@
               </a:spcBef>
             </a:pPr>
             <a:r>
-              <a:rPr lang="en-US" sz="1000">
+              <a:rPr lang="fr-FR" sz="1000" spc="-30" dirty="0">
                 <a:latin typeface="Adobe Clean Light" charset="0"/>
               </a:rPr>
-              <a:t>Adobe solution experts help validate requirements, architecture, development process, and launch readiness reviews </a:t>
-            </a:r>
-            <a:r>
-              <a:rPr lang="en-US" sz="1000">
+              <a:t>Les experts en solutions Adobe aident à valider les exigences, l’architecture, les processus de développement et les examens de préparation au lancement avec des </a:t>
+            </a:r>
+            <a:r>
+              <a:rPr lang="fr-FR" sz="1000" b="1" spc="-30" dirty="0">
                 <a:solidFill>
                   <a:srgbClr val="000000"/>
                 </a:solidFill>
                 <a:latin typeface="Adobe Clean SemiLight" panose="020B0403020404020204" pitchFamily="34" charset="0"/>
               </a:rPr>
-              <a:t>with </a:t>
-            </a:r>
-            <a:r>
-              <a:rPr lang="en-US" sz="1000" b="1">
+              <a:t>conseils basés sur les bonnes pratiques </a:t>
+            </a:r>
+            <a:r>
+              <a:rPr lang="fr-FR" sz="1000" spc="-30" dirty="0">
                 <a:solidFill>
                   <a:srgbClr val="000000"/>
                 </a:solidFill>
                 <a:latin typeface="Adobe Clean SemiLight" panose="020B0403020404020204" pitchFamily="34" charset="0"/>
               </a:rPr>
-              <a:t>best practice-based guidance </a:t>
-            </a:r>
-            <a:r>
-              <a:rPr lang="en-US" sz="1000">
-                <a:solidFill>
-                  <a:srgbClr val="000000"/>
-                </a:solidFill>
-                <a:latin typeface="Adobe Clean SemiLight" panose="020B0403020404020204" pitchFamily="34" charset="0"/>
-              </a:rPr>
-              <a:t>to customers and implementation partners.</a:t>
+              <a:t>à l’intention des clients et des partenaires de mise en œuvre.</a:t>
             </a:r>
           </a:p>
           <a:p>
@@ -13869,7 +11115,7 @@
                 <a:spcPts val="100"/>
               </a:spcBef>
             </a:pPr>
-            <a:endParaRPr lang="en-US" sz="1000">
+            <a:endParaRPr lang="en-US" sz="1000" spc="-30" dirty="0">
               <a:solidFill>
                 <a:srgbClr val="1F1F1F"/>
               </a:solidFill>
@@ -13884,22 +11130,22 @@
               </a:spcBef>
             </a:pPr>
             <a:r>
-              <a:rPr lang="en-US" sz="1000">
+              <a:rPr lang="fr-FR" sz="1000" spc="-30" dirty="0">
                 <a:latin typeface="Adobe Clean Light" charset="0"/>
               </a:rPr>
-              <a:t>Launch Advisory will align with your project schedule through common milestones (</a:t>
-            </a:r>
-            <a:r>
-              <a:rPr lang="en-US" sz="1000" b="1">
+              <a:t>Launch Advisory s’alignera sur le calendrier de votre projet via des jalons communs (</a:t>
+            </a:r>
+            <a:r>
+              <a:rPr lang="fr-FR" sz="1000" b="1" spc="-30" dirty="0">
                 <a:latin typeface="Adobe Clean Light" charset="0"/>
               </a:rPr>
-              <a:t>Kickoff, Define, Design, Go-live and Post Launch</a:t>
-            </a:r>
-            <a:r>
-              <a:rPr lang="en-US" sz="1000">
+              <a:t>lancement, définition, conception, activation et post-lancement</a:t>
+            </a:r>
+            <a:r>
+              <a:rPr lang="fr-FR" sz="1000" spc="-30" dirty="0">
                 <a:latin typeface="Adobe Clean Light" charset="0"/>
               </a:rPr>
-              <a:t>) to guide, validate, assess and make recommendations.</a:t>
+              <a:t>) pour guider, valider, évaluer et faire des recommandations.</a:t>
             </a:r>
           </a:p>
           <a:p>
@@ -13908,7 +11154,7 @@
                 <a:spcPts val="100"/>
               </a:spcBef>
             </a:pPr>
-            <a:endParaRPr lang="en-US" sz="1000">
+            <a:endParaRPr lang="en-US" sz="1000" dirty="0">
               <a:latin typeface="Adobe Clean Light" charset="0"/>
             </a:endParaRPr>
           </a:p>
@@ -13919,10 +11165,10 @@
               </a:spcBef>
             </a:pPr>
             <a:r>
-              <a:rPr lang="en-US" sz="1000">
+              <a:rPr lang="fr-FR" sz="1000" dirty="0">
                 <a:latin typeface="Adobe Clean Light" charset="0"/>
               </a:rPr>
-              <a:t>Key Deliverables include:</a:t>
+              <a:t>Les principaux éléments livrables sont les suivants :</a:t>
             </a:r>
           </a:p>
           <a:p>
@@ -13934,8 +11180,15 @@
               <a:buChar char="•"/>
             </a:pPr>
             <a:r>
-              <a:rPr lang="en-US" sz="1000"/>
-              <a:t>Kickoff (including project collaboration plan) deck</a:t>
+              <a:rPr lang="fr-FR" sz="1000" dirty="0"/>
+              <a:t>Plateforme de lancement (y compris le plan </a:t>
+            </a:r>
+            <a:br>
+              <a:rPr lang="sk-SK" sz="1000" dirty="0"/>
+            </a:br>
+            <a:r>
+              <a:rPr lang="fr-FR" sz="1000" dirty="0"/>
+              <a:t>de collaboration du projet)</a:t>
             </a:r>
           </a:p>
           <a:p>
@@ -13947,8 +11200,8 @@
               <a:buChar char="•"/>
             </a:pPr>
             <a:r>
-              <a:rPr lang="en-US" sz="1000"/>
-              <a:t>Assessment &amp; recommendations document(s)</a:t>
+              <a:rPr lang="fr-FR" sz="1000" dirty="0"/>
+              <a:t>Document(s) d’évaluation et de recommandations</a:t>
             </a:r>
           </a:p>
           <a:p>
@@ -13960,8 +11213,8 @@
               <a:buChar char="•"/>
             </a:pPr>
             <a:r>
-              <a:rPr lang="en-US" sz="1000"/>
-              <a:t>Engagement summary</a:t>
+              <a:rPr lang="fr-FR" sz="1000" dirty="0"/>
+              <a:t>Résumé des engagements</a:t>
             </a:r>
           </a:p>
         </p:txBody>
@@ -14065,8 +11318,8 @@
           <a:p>
             <a:pPr algn="ctr"/>
             <a:r>
-              <a:rPr lang="en-US" sz="1600"/>
-              <a:t>Run &amp; Operate</a:t>
+              <a:rPr lang="fr-FR" sz="1600"/>
+              <a:t>Exécuter et faire fonctionner</a:t>
             </a:r>
           </a:p>
         </p:txBody>
@@ -14171,8 +11424,8 @@
           <a:p>
             <a:pPr algn="ctr"/>
             <a:r>
-              <a:rPr lang="en-US" sz="1600"/>
-              <a:t>Implementation</a:t>
+              <a:rPr lang="fr-FR" sz="1600"/>
+              <a:t>Implémentation</a:t>
             </a:r>
           </a:p>
         </p:txBody>
@@ -14191,7 +11444,7 @@
         </p:nvSpPr>
         <p:spPr>
           <a:xfrm>
-            <a:off x="2918286" y="2317134"/>
+            <a:off x="2918286" y="2164734"/>
             <a:ext cx="933111" cy="261610"/>
           </a:xfrm>
           <a:prstGeom prst="rect">
@@ -14207,8 +11460,8 @@
           <a:p>
             <a:pPr algn="ctr"/>
             <a:r>
-              <a:rPr lang="en-US" sz="1100"/>
-              <a:t>Post Launch</a:t>
+              <a:rPr lang="fr-FR" sz="1100" dirty="0"/>
+              <a:t>Post-lancement</a:t>
             </a:r>
           </a:p>
         </p:txBody>
@@ -14228,15 +11481,20 @@
           <p:nvPr/>
         </p:nvPicPr>
         <p:blipFill>
-          <a:blip r:embed="rId4"/>
-          <a:stretch>
-            <a:fillRect/>
-          </a:stretch>
+          <a:blip r:embed="rId4">
+            <a:extLst>
+              <a:ext uri="{28A0092B-C50C-407E-A947-70E740481C1C}">
+                <a14:useLocalDpi xmlns:a14="http://schemas.microsoft.com/office/drawing/2010/main" val="0"/>
+              </a:ext>
+            </a:extLst>
+          </a:blip>
+          <a:srcRect/>
+          <a:stretch/>
         </p:blipFill>
         <p:spPr>
           <a:xfrm>
-            <a:off x="333965" y="6379881"/>
-            <a:ext cx="3097872" cy="2855621"/>
+            <a:off x="334498" y="6379881"/>
+            <a:ext cx="3096805" cy="2855621"/>
           </a:xfrm>
           <a:prstGeom prst="rect">
             <a:avLst/>
@@ -14319,7 +11577,7 @@
           </a:prstGeom>
         </p:spPr>
         <p:txBody>
-          <a:bodyPr wrap="square" lIns="91440" tIns="45720" rIns="91440" bIns="45720" anchor="t">
+          <a:bodyPr wrap="square">
             <a:spAutoFit/>
           </a:bodyPr>
           <a:lstStyle/>
@@ -14330,29 +11588,74 @@
               </a:spcBef>
             </a:pPr>
             <a:r>
-              <a:rPr lang="en-US" sz="1000" b="1" dirty="0">
+              <a:rPr lang="fr-FR" sz="1000" b="1" dirty="0">
                 <a:solidFill>
                   <a:srgbClr val="000000"/>
                 </a:solidFill>
                 <a:latin typeface="+mj-lt"/>
               </a:rPr>
-              <a:t>Technical Track Activities </a:t>
-            </a:r>
-            <a:r>
-              <a:rPr lang="en-US" sz="1000" dirty="0">
+              <a:t>Les activités de suivi technique </a:t>
+            </a:r>
+            <a:r>
+              <a:rPr lang="fr-FR" sz="1000" dirty="0">
                 <a:solidFill>
                   <a:srgbClr val="000000"/>
                 </a:solidFill>
-                <a:latin typeface="Adobe Clean Light"/>
+                <a:latin typeface="Adobe Clean Light" panose="020B0303020404020204" pitchFamily="34" charset="0"/>
               </a:rPr>
-              <a:t>ensure customers are technically sound and maximizing their tool adoption. Specifically, these types of activities include support and recommendations related to platform configurations, integrations and troubleshooting.</a:t>
-            </a:r>
-            <a:endParaRPr lang="en-US" sz="1000" dirty="0">
-              <a:solidFill>
-                <a:srgbClr val="000000"/>
-              </a:solidFill>
-              <a:latin typeface="Adobe Clean Light" panose="020B0303020404020204" pitchFamily="34" charset="0"/>
-            </a:endParaRPr>
+              <a:t>s’assurent que les clients sont techniquement sûrs et maximisent l’adoption de leurs outils.</a:t>
+            </a:r>
+            <a:br>
+              <a:rPr lang="sk-SK" sz="1000" dirty="0">
+                <a:solidFill>
+                  <a:srgbClr val="000000"/>
+                </a:solidFill>
+                <a:latin typeface="Adobe Clean Light" panose="020B0303020404020204" pitchFamily="34" charset="0"/>
+              </a:rPr>
+            </a:br>
+            <a:r>
+              <a:rPr lang="fr-FR" sz="1000" dirty="0">
+                <a:solidFill>
+                  <a:srgbClr val="000000"/>
+                </a:solidFill>
+                <a:latin typeface="Adobe Clean Light" panose="020B0303020404020204" pitchFamily="34" charset="0"/>
+              </a:rPr>
+              <a:t>Pour être plus précis, ces types d’activités incluent la prise en charge </a:t>
+            </a:r>
+            <a:br>
+              <a:rPr lang="sk-SK" sz="1000" dirty="0">
+                <a:solidFill>
+                  <a:srgbClr val="000000"/>
+                </a:solidFill>
+                <a:latin typeface="Adobe Clean Light" panose="020B0303020404020204" pitchFamily="34" charset="0"/>
+              </a:rPr>
+            </a:br>
+            <a:r>
+              <a:rPr lang="fr-FR" sz="1000" dirty="0">
+                <a:solidFill>
+                  <a:srgbClr val="000000"/>
+                </a:solidFill>
+                <a:latin typeface="Adobe Clean Light" panose="020B0303020404020204" pitchFamily="34" charset="0"/>
+              </a:rPr>
+              <a:t>et les recommandations liées aux configurations de plateforme, </a:t>
+            </a:r>
+            <a:br>
+              <a:rPr lang="sk-SK" sz="1000" dirty="0">
+                <a:solidFill>
+                  <a:srgbClr val="000000"/>
+                </a:solidFill>
+                <a:latin typeface="Adobe Clean Light" panose="020B0303020404020204" pitchFamily="34" charset="0"/>
+              </a:rPr>
+            </a:br>
+            <a:r>
+              <a:rPr lang="fr-FR" sz="1000" dirty="0">
+                <a:solidFill>
+                  <a:srgbClr val="000000"/>
+                </a:solidFill>
+                <a:latin typeface="Adobe Clean Light" panose="020B0303020404020204" pitchFamily="34" charset="0"/>
+              </a:rPr>
+              <a:t>aux intégrations et à la résolution des problèmes</a:t>
+            </a:r>
           </a:p>
           <a:p>
             <a:pPr marL="12700" marR="5080">
@@ -14360,7 +11663,7 @@
                 <a:spcPts val="100"/>
               </a:spcBef>
             </a:pPr>
-            <a:endParaRPr lang="en-US" sz="1000">
+            <a:endParaRPr lang="en-US" sz="1000" dirty="0">
               <a:latin typeface="Adobe Clean Light" charset="0"/>
             </a:endParaRPr>
           </a:p>
@@ -14371,10 +11674,10 @@
               </a:spcBef>
             </a:pPr>
             <a:r>
-              <a:rPr lang="en-US" sz="1000" dirty="0">
-                <a:latin typeface="Adobe Clean Light"/>
+              <a:rPr lang="fr-FR" sz="1000" dirty="0">
+                <a:latin typeface="Adobe Clean Light" charset="0"/>
               </a:rPr>
-              <a:t>Types of technical activities available::</a:t>
+              <a:t>Les types d’activités techniques disponibles sont les suivantes :</a:t>
             </a:r>
           </a:p>
           <a:p>
@@ -14389,12 +11692,9 @@
               <a:buChar char="ü"/>
             </a:pPr>
             <a:r>
-              <a:rPr lang="en-US" sz="1000" dirty="0"/>
-              <a:t>Health audit</a:t>
-            </a:r>
-            <a:endParaRPr lang="en-US" sz="1000" dirty="0">
-              <a:cs typeface="Calibri"/>
-            </a:endParaRPr>
+              <a:rPr lang="fr-FR" sz="1000" dirty="0"/>
+              <a:t>Vérification de l’intégrité</a:t>
+            </a:r>
           </a:p>
           <a:p>
             <a:pPr marL="184150" marR="5080" indent="-171450">
@@ -14408,12 +11708,9 @@
               <a:buChar char="ü"/>
             </a:pPr>
             <a:r>
-              <a:rPr lang="en-US" sz="1000" dirty="0"/>
-              <a:t>Platform audit</a:t>
-            </a:r>
-            <a:endParaRPr lang="en-US" sz="1000" dirty="0">
-              <a:cs typeface="Calibri"/>
-            </a:endParaRPr>
+              <a:rPr lang="fr-FR" sz="1000" dirty="0"/>
+              <a:t>Vérification de la plateforme</a:t>
+            </a:r>
           </a:p>
           <a:p>
             <a:pPr marL="184150" marR="5080" indent="-171450">
@@ -14427,12 +11724,9 @@
               <a:buChar char="ü"/>
             </a:pPr>
             <a:r>
-              <a:rPr lang="en-US" sz="1000" dirty="0"/>
-              <a:t>Feature set enablement</a:t>
-            </a:r>
-            <a:endParaRPr lang="en-US" sz="1000" dirty="0">
-              <a:cs typeface="Calibri"/>
-            </a:endParaRPr>
+              <a:rPr lang="fr-FR" sz="1000" dirty="0"/>
+              <a:t>Activation de l’ensemble de fonctionnalités</a:t>
+            </a:r>
           </a:p>
           <a:p>
             <a:pPr marL="184150" marR="5080" indent="-171450">
@@ -14446,12 +11740,9 @@
               <a:buChar char="ü"/>
             </a:pPr>
             <a:r>
-              <a:rPr lang="en-US" sz="1000" dirty="0"/>
-              <a:t>Basic integrations and configurations</a:t>
-            </a:r>
-            <a:endParaRPr lang="en-US" sz="1000" dirty="0">
-              <a:cs typeface="Calibri"/>
-            </a:endParaRPr>
+              <a:rPr lang="fr-FR" sz="1000" dirty="0"/>
+              <a:t>Intégrations et configurations de base</a:t>
+            </a:r>
           </a:p>
           <a:p>
             <a:pPr marL="184150" marR="5080" indent="-171450">
@@ -14465,12 +11756,9 @@
               <a:buChar char="ü"/>
             </a:pPr>
             <a:r>
-              <a:rPr lang="en-US" sz="1000" dirty="0"/>
-              <a:t>Customer solution troubleshooting</a:t>
-            </a:r>
-            <a:endParaRPr lang="en-US" sz="1000" dirty="0">
-              <a:cs typeface="Calibri"/>
-            </a:endParaRPr>
+              <a:rPr lang="fr-FR" sz="1000" dirty="0"/>
+              <a:t>Résolution des problèmes liés aux solutions client</a:t>
+            </a:r>
           </a:p>
           <a:p>
             <a:pPr marL="184150" marR="5080" indent="-171450">
@@ -14484,12 +11772,9 @@
               <a:buChar char="ü"/>
             </a:pPr>
             <a:r>
-              <a:rPr lang="en-US" sz="1000" dirty="0"/>
-              <a:t>Cloud service support</a:t>
-            </a:r>
-            <a:endParaRPr lang="en-US" sz="1000" dirty="0">
-              <a:cs typeface="Calibri"/>
-            </a:endParaRPr>
+              <a:rPr lang="fr-FR" sz="1000" dirty="0"/>
+              <a:t>Assistance du service Cloud</a:t>
+            </a:r>
           </a:p>
         </p:txBody>
       </p:sp>
@@ -14515,7 +11800,7 @@
           </a:prstGeom>
         </p:spPr>
         <p:txBody>
-          <a:bodyPr wrap="square" lIns="91440" tIns="45720" rIns="91440" bIns="45720" anchor="t">
+          <a:bodyPr wrap="square">
             <a:spAutoFit/>
           </a:bodyPr>
           <a:lstStyle/>
@@ -14526,22 +11811,22 @@
               </a:spcBef>
             </a:pPr>
             <a:r>
-              <a:rPr lang="en-US" sz="1000" b="1" dirty="0">
+              <a:rPr lang="fr-FR" sz="1000" b="1" dirty="0">
                 <a:solidFill>
                   <a:srgbClr val="000000"/>
                 </a:solidFill>
                 <a:latin typeface="+mj-lt"/>
               </a:rPr>
-              <a:t>Strategic Track Activities </a:t>
-            </a:r>
-            <a:r>
-              <a:rPr lang="en-US" sz="1000" dirty="0">
+              <a:t>Les activités de suivi stratégique </a:t>
+            </a:r>
+            <a:r>
+              <a:rPr lang="fr-FR" sz="1000" dirty="0">
                 <a:solidFill>
                   <a:srgbClr val="000000"/>
                 </a:solidFill>
-                <a:latin typeface="Adobe Clean Light"/>
+                <a:latin typeface="Adobe Clean Light" panose="020B0303020404020204" pitchFamily="34" charset="0"/>
               </a:rPr>
-              <a:t>locate opportunities to ensure value is being realized from a customer’s Adobe solutions. They include support recommendations related to strategy, measurement and maturity to drive value realization across one or more Adobe solutions.</a:t>
+              <a:t>localisent des opportunités pour s’assurer que les solutions Adobe d’un client génèrent de la valeur. Elles comprennent des recommandations d’assistance liées à la stratégie, à la mesure et à la maturité afin de générer de la valeur pour une ou plusieurs solutions Adobe.</a:t>
             </a:r>
           </a:p>
           <a:p>
@@ -14550,7 +11835,7 @@
                 <a:spcPts val="100"/>
               </a:spcBef>
             </a:pPr>
-            <a:endParaRPr lang="en-US" sz="1000">
+            <a:endParaRPr lang="en-US" sz="1000" dirty="0">
               <a:latin typeface="Adobe Clean Light" charset="0"/>
             </a:endParaRPr>
           </a:p>
@@ -14561,14 +11846,11 @@
               </a:spcBef>
             </a:pPr>
             <a:r>
-              <a:rPr lang="en-US" sz="1000" dirty="0">
-                <a:latin typeface="Adobe Clean Light"/>
+              <a:rPr lang="fr-FR" sz="1000" dirty="0">
+                <a:latin typeface="Adobe Clean Light" charset="0"/>
               </a:rPr>
-              <a:t>Types of strategic activities available:</a:t>
-            </a:r>
-            <a:endParaRPr lang="en-US" sz="1000" dirty="0">
-              <a:latin typeface="Adobe Clean Light" charset="0"/>
-            </a:endParaRPr>
+              <a:t>Les types d’activités stratégiques disponibles sont les suivantes :</a:t>
+            </a:r>
           </a:p>
           <a:p>
             <a:pPr marL="241300" marR="5080" indent="-228600">
@@ -14582,12 +11864,9 @@
               <a:buChar char="ü"/>
             </a:pPr>
             <a:r>
-              <a:rPr lang="en-US" sz="1000" dirty="0"/>
-              <a:t>Maturity Roadmap</a:t>
-            </a:r>
-            <a:endParaRPr lang="en-US" sz="1000" dirty="0">
-              <a:cs typeface="Calibri"/>
-            </a:endParaRPr>
+              <a:rPr lang="fr-FR" sz="1000" dirty="0"/>
+              <a:t>Feuille de route de maturité</a:t>
+            </a:r>
           </a:p>
           <a:p>
             <a:pPr marL="241300" marR="5080" indent="-228600">
@@ -14601,12 +11880,9 @@
               <a:buChar char="ü"/>
             </a:pPr>
             <a:r>
-              <a:rPr lang="en-US" sz="1000" dirty="0"/>
-              <a:t>Use case development/measurement</a:t>
-            </a:r>
-            <a:endParaRPr lang="en-US" sz="1000" dirty="0">
-              <a:cs typeface="Calibri"/>
-            </a:endParaRPr>
+              <a:rPr lang="fr-FR" sz="1000" dirty="0"/>
+              <a:t>Développement/mesure des cas d’utilisation</a:t>
+            </a:r>
           </a:p>
           <a:p>
             <a:pPr marL="241300" marR="5080" indent="-228600">
@@ -14620,12 +11896,9 @@
               <a:buChar char="ü"/>
             </a:pPr>
             <a:r>
-              <a:rPr lang="en-US" sz="1000" dirty="0"/>
-              <a:t>Reporting &amp; analysis</a:t>
-            </a:r>
-            <a:endParaRPr lang="en-US" sz="1000" dirty="0">
-              <a:cs typeface="Calibri"/>
-            </a:endParaRPr>
+              <a:rPr lang="fr-FR" sz="1000" dirty="0"/>
+              <a:t>Rapports et analyses</a:t>
+            </a:r>
           </a:p>
           <a:p>
             <a:pPr marL="241300" marR="5080" indent="-228600">
@@ -14639,12 +11912,9 @@
               <a:buChar char="ü"/>
             </a:pPr>
             <a:r>
-              <a:rPr lang="en-US" sz="1000" dirty="0"/>
-              <a:t>Best practices enablement</a:t>
-            </a:r>
-            <a:endParaRPr lang="en-US" sz="1000" dirty="0">
-              <a:cs typeface="Calibri"/>
-            </a:endParaRPr>
+              <a:rPr lang="fr-FR" sz="1000" dirty="0"/>
+              <a:t>Activation des bonnes pratiques</a:t>
+            </a:r>
           </a:p>
         </p:txBody>
       </p:sp>
@@ -14663,7 +11933,7 @@
         <p:spPr>
           <a:xfrm>
             <a:off x="3851397" y="3891661"/>
-            <a:ext cx="3525468" cy="430887"/>
+            <a:ext cx="3525468" cy="584775"/>
           </a:xfrm>
           <a:prstGeom prst="rect">
             <a:avLst/>
@@ -14682,73 +11952,96 @@
               </a:spcBef>
             </a:pPr>
             <a:r>
-              <a:rPr lang="en-US" sz="1000">
+              <a:rPr lang="fr-FR" sz="1000" dirty="0">
                 <a:solidFill>
                   <a:srgbClr val="1F1F1F"/>
                 </a:solidFill>
                 <a:latin typeface="Adobe Clean" panose="020B0503020404020204" pitchFamily="34" charset="0"/>
                 <a:cs typeface="AdobeClean-Light"/>
               </a:rPr>
-              <a:t>As an Enterprise customer, you are eligible for</a:t>
-            </a:r>
-            <a:r>
-              <a:rPr lang="en-US" sz="1200" b="1" u="sng">
-                <a:solidFill>
-                  <a:srgbClr val="1F1F1F"/>
-                </a:solidFill>
-                <a:cs typeface="AdobeClean-Light"/>
-              </a:rPr>
-              <a:t> 2 </a:t>
-            </a:r>
-            <a:r>
-              <a:rPr lang="en-US" sz="1000" b="1" u="sng">
-                <a:solidFill>
-                  <a:srgbClr val="1F1F1F"/>
-                </a:solidFill>
-                <a:cs typeface="AdobeClean-Light"/>
-              </a:rPr>
-              <a:t>activities per year </a:t>
-            </a:r>
-            <a:r>
-              <a:rPr lang="en-US" sz="1000">
+              <a:t>En tant que client d’entreprise, vous êtes éligible pour participer </a:t>
+            </a:r>
+            <a:br>
+              <a:rPr lang="sk-SK" sz="1000" dirty="0">
                 <a:solidFill>
                   <a:srgbClr val="1F1F1F"/>
                 </a:solidFill>
                 <a:latin typeface="Adobe Clean" panose="020B0503020404020204" pitchFamily="34" charset="0"/>
                 <a:cs typeface="AdobeClean-Light"/>
               </a:rPr>
-              <a:t>from the following two tracks:</a:t>
-            </a:r>
-            <a:r>
-              <a:rPr lang="en-US" sz="1000" b="1">
-                <a:solidFill>
-                  <a:srgbClr val="1F1F1F"/>
-                </a:solidFill>
-                <a:cs typeface="AdobeClean-Light"/>
-              </a:rPr>
-              <a:t> Technical </a:t>
-            </a:r>
-            <a:r>
-              <a:rPr lang="en-US" sz="1000">
+            </a:br>
+            <a:r>
+              <a:rPr lang="fr-FR" sz="1000" dirty="0">
                 <a:solidFill>
                   <a:srgbClr val="1F1F1F"/>
                 </a:solidFill>
                 <a:latin typeface="Adobe Clean" panose="020B0503020404020204" pitchFamily="34" charset="0"/>
                 <a:cs typeface="AdobeClean-Light"/>
               </a:rPr>
-              <a:t>and/or </a:t>
-            </a:r>
-            <a:r>
-              <a:rPr lang="en-US" sz="1000" b="1">
+              <a:t>à</a:t>
+            </a:r>
+            <a:r>
+              <a:rPr lang="fr-FR" sz="1200" b="1" u="sng" dirty="0">
                 <a:solidFill>
                   <a:srgbClr val="1F1F1F"/>
                 </a:solidFill>
+                <a:latin typeface="Adobe Clean" panose="020B0503020404020204" pitchFamily="34" charset="0"/>
                 <a:cs typeface="AdobeClean-Light"/>
               </a:rPr>
-              <a:t>Strategic</a:t>
-            </a:r>
-            <a:r>
-              <a:rPr lang="en-US" sz="1000">
+              <a:t> 2 </a:t>
+            </a:r>
+            <a:r>
+              <a:rPr lang="fr-FR" sz="1000" b="1" u="sng" dirty="0">
+                <a:solidFill>
+                  <a:srgbClr val="1F1F1F"/>
+                </a:solidFill>
+                <a:latin typeface="Adobe Clean" panose="020B0503020404020204" pitchFamily="34" charset="0"/>
+                <a:cs typeface="AdobeClean-Light"/>
+              </a:rPr>
+              <a:t>activités par an </a:t>
+            </a:r>
+            <a:r>
+              <a:rPr lang="fr-FR" sz="1000" dirty="0">
+                <a:solidFill>
+                  <a:srgbClr val="1F1F1F"/>
+                </a:solidFill>
+                <a:latin typeface="Adobe Clean" panose="020B0503020404020204" pitchFamily="34" charset="0"/>
+                <a:cs typeface="AdobeClean-Light"/>
+              </a:rPr>
+              <a:t>à partir de ces deux suivis :</a:t>
+            </a:r>
+            <a:r>
+              <a:rPr lang="fr-FR" sz="1000" b="1" dirty="0">
+                <a:solidFill>
+                  <a:srgbClr val="1F1F1F"/>
+                </a:solidFill>
+                <a:latin typeface="Adobe Clean" panose="020B0503020404020204" pitchFamily="34" charset="0"/>
+                <a:cs typeface="AdobeClean-Light"/>
+              </a:rPr>
+              <a:t> technique </a:t>
+            </a:r>
+            <a:r>
+              <a:rPr lang="fr-FR" sz="1000" dirty="0">
+                <a:solidFill>
+                  <a:srgbClr val="1F1F1F"/>
+                </a:solidFill>
+                <a:latin typeface="Adobe Clean" panose="020B0503020404020204" pitchFamily="34" charset="0"/>
+                <a:cs typeface="AdobeClean-Light"/>
+              </a:rPr>
+              <a:t>et/ou </a:t>
+            </a:r>
+            <a:r>
+              <a:rPr lang="fr-FR" sz="1000" b="1" dirty="0">
+                <a:solidFill>
+                  <a:srgbClr val="1F1F1F"/>
+                </a:solidFill>
+                <a:latin typeface="Adobe Clean" panose="020B0503020404020204" pitchFamily="34" charset="0"/>
+                <a:cs typeface="AdobeClean-Light"/>
+              </a:rPr>
+              <a:t>stratégique</a:t>
+            </a:r>
+            <a:r>
+              <a:rPr lang="fr-FR" sz="1000" dirty="0">
                 <a:solidFill>
                   <a:srgbClr val="1F1F1F"/>
                 </a:solidFill>
@@ -14757,12 +12050,6 @@
               </a:rPr>
               <a:t>.</a:t>
             </a:r>
-            <a:endParaRPr lang="en-US" sz="1000" b="1">
-              <a:solidFill>
-                <a:prstClr val="black"/>
-              </a:solidFill>
-              <a:cs typeface="AdobeClean-Light"/>
-            </a:endParaRPr>
           </a:p>
         </p:txBody>
       </p:sp>
@@ -14796,8 +12083,8 @@
           <a:p>
             <a:pPr algn="ctr"/>
             <a:r>
-              <a:rPr lang="en-US" sz="1100"/>
-              <a:t>Go-Live</a:t>
+              <a:rPr lang="fr-FR" sz="1100"/>
+              <a:t>Activation</a:t>
             </a:r>
           </a:p>
         </p:txBody>
@@ -14832,8 +12119,8 @@
           <a:p>
             <a:pPr algn="ctr"/>
             <a:r>
-              <a:rPr lang="en-US" sz="1100"/>
-              <a:t>Define</a:t>
+              <a:rPr lang="fr-FR" sz="1100"/>
+              <a:t>Définition</a:t>
             </a:r>
           </a:p>
         </p:txBody>
@@ -14868,8 +12155,8 @@
           <a:p>
             <a:pPr algn="ctr"/>
             <a:r>
-              <a:rPr lang="en-US" sz="1100"/>
-              <a:t>Kickoff</a:t>
+              <a:rPr lang="fr-FR" sz="1100"/>
+              <a:t>Lancement</a:t>
             </a:r>
           </a:p>
         </p:txBody>
@@ -14904,8 +12191,8 @@
           <a:p>
             <a:pPr algn="ctr"/>
             <a:r>
-              <a:rPr lang="en-US" sz="1100"/>
-              <a:t>Design</a:t>
+              <a:rPr lang="fr-FR" sz="1100"/>
+              <a:t>Conception</a:t>
             </a:r>
           </a:p>
         </p:txBody>
@@ -14962,14 +12249,14 @@
           <a:p>
             <a:pPr algn="ctr"/>
             <a:r>
-              <a:rPr lang="en-US">
+              <a:rPr lang="fr-FR">
                 <a:solidFill>
                   <a:schemeClr val="accent1">
                     <a:lumMod val="50000"/>
                   </a:schemeClr>
                 </a:solidFill>
               </a:rPr>
-              <a:t>2 Activities per Year</a:t>
+              <a:t>2 activités par an</a:t>
             </a:r>
           </a:p>
         </p:txBody>
@@ -15031,49 +12318,15 @@
               </a:lnSpc>
             </a:pPr>
             <a:r>
-              <a:rPr sz="500" spc="-5">
+              <a:rPr lang="fr-FR" sz="500">
                 <a:solidFill>
                   <a:srgbClr val="6C6C6C"/>
                 </a:solidFill>
                 <a:latin typeface="Adobe Clean"/>
                 <a:cs typeface="Adobe Clean"/>
               </a:rPr>
-              <a:t>©2020 Adobe. All Rights Reserved. </a:t>
-            </a:r>
-            <a:r>
-              <a:rPr sz="500">
-                <a:solidFill>
-                  <a:srgbClr val="6C6C6C"/>
-                </a:solidFill>
-                <a:latin typeface="Adobe Clean"/>
-                <a:cs typeface="Adobe Clean"/>
-              </a:rPr>
-              <a:t>Adobe</a:t>
-            </a:r>
-            <a:r>
-              <a:rPr sz="500" spc="5">
-                <a:solidFill>
-                  <a:srgbClr val="6C6C6C"/>
-                </a:solidFill>
-                <a:latin typeface="Adobe Clean"/>
-                <a:cs typeface="Adobe Clean"/>
-              </a:rPr>
-              <a:t> </a:t>
-            </a:r>
-            <a:r>
-              <a:rPr sz="500" spc="-5">
-                <a:solidFill>
-                  <a:srgbClr val="6C6C6C"/>
-                </a:solidFill>
-                <a:latin typeface="Adobe Clean"/>
-                <a:cs typeface="Adobe Clean"/>
-              </a:rPr>
-              <a:t>Confidential.</a:t>
-            </a:r>
-            <a:endParaRPr sz="500">
-              <a:latin typeface="Adobe Clean"/>
-              <a:cs typeface="Adobe Clean"/>
-            </a:endParaRPr>
+              <a:t>©2020 Adobe. All Rights Reserved. Données confidentielles Adobe</a:t>
+            </a:r>
           </a:p>
           <a:p>
             <a:pPr>
@@ -15099,39 +12352,15 @@
               </a:spcBef>
             </a:pPr>
             <a:r>
-              <a:rPr sz="800" spc="-5">
+              <a:rPr lang="fr-FR" sz="800">
                 <a:solidFill>
                   <a:srgbClr val="6D6D6D"/>
                 </a:solidFill>
                 <a:latin typeface="Adobe Clean"/>
                 <a:cs typeface="Adobe Clean"/>
               </a:rPr>
-              <a:t>©2020 Adobe. All Rights Reserved. Adobe</a:t>
-            </a:r>
-            <a:r>
-              <a:rPr sz="800" spc="75">
-                <a:solidFill>
-                  <a:srgbClr val="6D6D6D"/>
-                </a:solidFill>
-                <a:latin typeface="Adobe Clean"/>
-                <a:cs typeface="Adobe Clean"/>
-              </a:rPr>
-              <a:t> </a:t>
-            </a:r>
-            <a:r>
-              <a:rPr sz="800" spc="-5">
-                <a:solidFill>
-                  <a:srgbClr val="6D6D6D"/>
-                </a:solidFill>
-                <a:latin typeface="Adobe Clean"/>
-                <a:cs typeface="Adobe Clean"/>
-              </a:rPr>
-              <a:t>Confidential.</a:t>
-            </a:r>
-            <a:endParaRPr sz="800">
-              <a:latin typeface="Adobe Clean"/>
-              <a:cs typeface="Adobe Clean"/>
-            </a:endParaRPr>
+              <a:t>©2020 Adobe. All Rights Reserved. Données confidentielles Adobe</a:t>
+            </a:r>
           </a:p>
         </p:txBody>
       </p:sp>
@@ -15215,19 +12444,15 @@
               </a:spcBef>
             </a:pPr>
             <a:r>
-              <a:rPr lang="en-US" sz="1400" b="1" spc="-15">
+              <a:rPr lang="fr-FR" sz="1400" b="1">
                 <a:solidFill>
                   <a:srgbClr val="020302"/>
                 </a:solidFill>
                 <a:latin typeface="Adobe Clean"/>
                 <a:cs typeface="Adobe Clean"/>
               </a:rPr>
-              <a:t>Resources</a:t>
-            </a:r>
-            <a:endParaRPr sz="1400">
-              <a:latin typeface="Adobe Clean"/>
-              <a:cs typeface="Adobe Clean"/>
-            </a:endParaRPr>
+              <a:t>Ressources</a:t>
+            </a:r>
           </a:p>
         </p:txBody>
       </p:sp>
@@ -15261,7 +12486,7 @@
               </a:spcBef>
             </a:pPr>
             <a:r>
-              <a:rPr sz="800" spc="-15">
+              <a:rPr lang="fr-FR" sz="800">
                 <a:solidFill>
                   <a:srgbClr val="777879"/>
                 </a:solidFill>
@@ -15270,10 +12495,6 @@
               </a:rPr>
               <a:t>Adobe</a:t>
             </a:r>
-            <a:endParaRPr sz="800">
-              <a:latin typeface="Adobe Clean"/>
-              <a:cs typeface="Adobe Clean"/>
-            </a:endParaRPr>
           </a:p>
           <a:p>
             <a:pPr marL="12700">
@@ -15282,90 +12503,32 @@
               </a:lnSpc>
             </a:pPr>
             <a:r>
-              <a:rPr sz="800" spc="-15">
+              <a:rPr lang="fr-FR" sz="800">
                 <a:solidFill>
                   <a:srgbClr val="777879"/>
                 </a:solidFill>
                 <a:latin typeface="Adobe Clean"/>
                 <a:cs typeface="Adobe Clean"/>
               </a:rPr>
-              <a:t>345 Park</a:t>
-            </a:r>
-            <a:r>
-              <a:rPr sz="800" spc="-100">
+              <a:t>345 Park Avenue</a:t>
+            </a:r>
+          </a:p>
+          <a:p>
+            <a:pPr marL="12700">
+              <a:lnSpc>
+                <a:spcPts val="944"/>
+              </a:lnSpc>
+            </a:pPr>
+            <a:r>
+              <a:rPr lang="fr-FR" sz="800">
                 <a:solidFill>
                   <a:srgbClr val="777879"/>
                 </a:solidFill>
                 <a:latin typeface="Adobe Clean"/>
                 <a:cs typeface="Adobe Clean"/>
               </a:rPr>
-              <a:t> </a:t>
-            </a:r>
-            <a:r>
-              <a:rPr sz="800" spc="-15">
-                <a:solidFill>
-                  <a:srgbClr val="777879"/>
-                </a:solidFill>
-                <a:latin typeface="Adobe Clean"/>
-                <a:cs typeface="Adobe Clean"/>
-              </a:rPr>
-              <a:t>Avenue</a:t>
-            </a:r>
-            <a:endParaRPr sz="800">
-              <a:latin typeface="Adobe Clean"/>
-              <a:cs typeface="Adobe Clean"/>
-            </a:endParaRPr>
-          </a:p>
-          <a:p>
-            <a:pPr marL="12700">
-              <a:lnSpc>
-                <a:spcPts val="944"/>
-              </a:lnSpc>
-            </a:pPr>
-            <a:r>
-              <a:rPr sz="800" spc="-10">
-                <a:solidFill>
-                  <a:srgbClr val="777879"/>
-                </a:solidFill>
-                <a:latin typeface="Adobe Clean"/>
-                <a:cs typeface="Adobe Clean"/>
-              </a:rPr>
-              <a:t>San </a:t>
-            </a:r>
-            <a:r>
-              <a:rPr sz="800" spc="-15">
-                <a:solidFill>
-                  <a:srgbClr val="777879"/>
-                </a:solidFill>
-                <a:latin typeface="Adobe Clean"/>
-                <a:cs typeface="Adobe Clean"/>
-              </a:rPr>
-              <a:t>Jose,</a:t>
-            </a:r>
-            <a:r>
-              <a:rPr sz="800" spc="-140">
-                <a:solidFill>
-                  <a:srgbClr val="777879"/>
-                </a:solidFill>
-                <a:latin typeface="Adobe Clean"/>
-                <a:cs typeface="Adobe Clean"/>
-              </a:rPr>
-              <a:t> </a:t>
-            </a:r>
-            <a:r>
-              <a:rPr sz="800" spc="-20">
-                <a:solidFill>
-                  <a:srgbClr val="777879"/>
-                </a:solidFill>
-                <a:latin typeface="Adobe Clean"/>
-                <a:cs typeface="Adobe Clean"/>
-              </a:rPr>
-              <a:t>CA95110-2704</a:t>
-            </a:r>
-            <a:endParaRPr sz="800">
-              <a:latin typeface="Adobe Clean"/>
-              <a:cs typeface="Adobe Clean"/>
-            </a:endParaRPr>
+              <a:t>San Jose, CA95110-2704</a:t>
+            </a:r>
           </a:p>
           <a:p>
             <a:pPr marL="12700">
@@ -15377,19 +12540,15 @@
               </a:spcBef>
             </a:pPr>
             <a:r>
-              <a:rPr sz="800" spc="-10">
+              <a:rPr lang="fr-FR" sz="800">
                 <a:solidFill>
                   <a:srgbClr val="777879"/>
                 </a:solidFill>
                 <a:latin typeface="Adobe Clean"/>
                 <a:cs typeface="Adobe Clean"/>
               </a:rPr>
-              <a:t>USA</a:t>
-            </a:r>
-            <a:endParaRPr sz="800">
-              <a:latin typeface="Adobe Clean"/>
-              <a:cs typeface="Adobe Clean"/>
-            </a:endParaRPr>
+              <a:t>États-Unis</a:t>
+            </a:r>
           </a:p>
           <a:p>
             <a:pPr marL="12700">
@@ -15401,7 +12560,7 @@
               </a:spcBef>
             </a:pPr>
             <a:r>
-              <a:rPr sz="800" u="sng" spc="-25">
+              <a:rPr lang="fr-FR" sz="800" u="sng">
                 <a:solidFill>
                   <a:srgbClr val="5F5F5F"/>
                 </a:solidFill>
@@ -15414,12 +12573,8 @@
                 <a:cs typeface="Adobe Clean"/>
                 <a:hlinkClick r:id="rId3"/>
               </a:rPr>
-              <a:t>www.adobe.com</a:t>
-            </a:r>
-            <a:endParaRPr sz="800">
-              <a:latin typeface="Adobe Clean"/>
-              <a:cs typeface="Adobe Clean"/>
-            </a:endParaRPr>
+              <a:t>www.adobe.com/fr/</a:t>
+            </a:r>
           </a:p>
         </p:txBody>
       </p:sp>
@@ -15580,7 +12735,7 @@
           </a:prstGeom>
         </p:spPr>
         <p:txBody>
-          <a:bodyPr vert="horz" wrap="square" lIns="0" tIns="29845" rIns="0" bIns="0" rtlCol="0" anchor="t">
+          <a:bodyPr vert="horz" wrap="square" lIns="0" tIns="29845" rIns="0" bIns="0" rtlCol="0">
             <a:spAutoFit/>
           </a:bodyPr>
           <a:lstStyle/>
@@ -15594,449 +12749,15 @@
               </a:spcBef>
             </a:pPr>
             <a:r>
-              <a:rPr sz="1100" i="1" spc="-10" dirty="0">
+              <a:rPr lang="fr-FR" sz="1100" i="1">
                 <a:solidFill>
                   <a:srgbClr val="777879"/>
                 </a:solidFill>
                 <a:latin typeface="AdobeClean-LightIt"/>
                 <a:cs typeface="AdobeClean-LightIt"/>
               </a:rPr>
-              <a:t>To</a:t>
-            </a:r>
-            <a:r>
-              <a:rPr sz="1100" i="1" spc="-50" dirty="0">
-                <a:solidFill>
-                  <a:srgbClr val="777879"/>
-                </a:solidFill>
-                <a:latin typeface="AdobeClean-LightIt"/>
-                <a:cs typeface="AdobeClean-LightIt"/>
-              </a:rPr>
-              <a:t> </a:t>
-            </a:r>
-            <a:r>
-              <a:rPr sz="1100" i="1" spc="-15" dirty="0">
-                <a:solidFill>
-                  <a:srgbClr val="777879"/>
-                </a:solidFill>
-                <a:latin typeface="AdobeClean-LightIt"/>
-                <a:cs typeface="AdobeClean-LightIt"/>
-              </a:rPr>
-              <a:t>learn</a:t>
-            </a:r>
-            <a:r>
-              <a:rPr sz="1100" i="1" spc="-40" dirty="0">
-                <a:solidFill>
-                  <a:srgbClr val="777879"/>
-                </a:solidFill>
-                <a:latin typeface="AdobeClean-LightIt"/>
-                <a:cs typeface="AdobeClean-LightIt"/>
-              </a:rPr>
-              <a:t> </a:t>
-            </a:r>
-            <a:r>
-              <a:rPr sz="1100" i="1" spc="-15" dirty="0">
-                <a:solidFill>
-                  <a:srgbClr val="777879"/>
-                </a:solidFill>
-                <a:latin typeface="AdobeClean-LightIt"/>
-                <a:cs typeface="AdobeClean-LightIt"/>
-              </a:rPr>
-              <a:t>more</a:t>
-            </a:r>
-            <a:r>
-              <a:rPr sz="1100" i="1" spc="-45" dirty="0">
-                <a:solidFill>
-                  <a:srgbClr val="777879"/>
-                </a:solidFill>
-                <a:latin typeface="AdobeClean-LightIt"/>
-                <a:cs typeface="AdobeClean-LightIt"/>
-              </a:rPr>
-              <a:t> </a:t>
-            </a:r>
-            <a:r>
-              <a:rPr sz="1100" i="1" spc="-15" dirty="0">
-                <a:solidFill>
-                  <a:srgbClr val="777879"/>
-                </a:solidFill>
-                <a:latin typeface="AdobeClean-LightIt"/>
-                <a:cs typeface="AdobeClean-LightIt"/>
-              </a:rPr>
-              <a:t>about</a:t>
-            </a:r>
-            <a:r>
-              <a:rPr sz="1100" i="1" spc="-45" dirty="0">
-                <a:solidFill>
-                  <a:srgbClr val="777879"/>
-                </a:solidFill>
-                <a:latin typeface="AdobeClean-LightIt"/>
-                <a:cs typeface="AdobeClean-LightIt"/>
-              </a:rPr>
-              <a:t> </a:t>
-            </a:r>
-            <a:r>
-              <a:rPr sz="1100" i="1" spc="-15" dirty="0">
-                <a:solidFill>
-                  <a:srgbClr val="777879"/>
-                </a:solidFill>
-                <a:latin typeface="AdobeClean-LightIt"/>
-                <a:cs typeface="AdobeClean-LightIt"/>
-              </a:rPr>
-              <a:t>Adobe</a:t>
-            </a:r>
-            <a:r>
-              <a:rPr sz="1100" i="1" spc="-50" dirty="0">
-                <a:solidFill>
-                  <a:srgbClr val="777879"/>
-                </a:solidFill>
-                <a:latin typeface="AdobeClean-LightIt"/>
-                <a:cs typeface="AdobeClean-LightIt"/>
-              </a:rPr>
-              <a:t> </a:t>
-            </a:r>
-            <a:r>
-              <a:rPr sz="1100" i="1" spc="-15" dirty="0">
-                <a:solidFill>
-                  <a:srgbClr val="777879"/>
-                </a:solidFill>
-                <a:latin typeface="AdobeClean-LightIt"/>
-                <a:cs typeface="AdobeClean-LightIt"/>
-              </a:rPr>
-              <a:t>Support</a:t>
-            </a:r>
-            <a:r>
-              <a:rPr lang="en-US" sz="1100" i="1" spc="-15" dirty="0">
-                <a:solidFill>
-                  <a:srgbClr val="777879"/>
-                </a:solidFill>
-                <a:latin typeface="AdobeClean-LightIt"/>
-                <a:cs typeface="AdobeClean-LightIt"/>
-              </a:rPr>
-              <a:t> Offerings</a:t>
-            </a:r>
-            <a:r>
-              <a:rPr sz="1100" i="1" spc="-75" dirty="0">
-                <a:solidFill>
-                  <a:srgbClr val="777879"/>
-                </a:solidFill>
-                <a:latin typeface="AdobeClean-LightIt"/>
-                <a:cs typeface="AdobeClean-LightIt"/>
-              </a:rPr>
-              <a:t> </a:t>
-            </a:r>
-            <a:r>
-              <a:rPr sz="1100" i="1" spc="-15" dirty="0">
-                <a:solidFill>
-                  <a:srgbClr val="777879"/>
-                </a:solidFill>
-                <a:latin typeface="AdobeClean-LightIt"/>
-                <a:cs typeface="AdobeClean-LightIt"/>
-              </a:rPr>
-              <a:t>and</a:t>
-            </a:r>
-            <a:r>
-              <a:rPr sz="1100" i="1" spc="-50" dirty="0">
-                <a:solidFill>
-                  <a:srgbClr val="777879"/>
-                </a:solidFill>
-                <a:latin typeface="AdobeClean-LightIt"/>
-                <a:cs typeface="AdobeClean-LightIt"/>
-              </a:rPr>
-              <a:t> </a:t>
-            </a:r>
-            <a:r>
-              <a:rPr sz="1100" i="1" spc="-15" dirty="0">
-                <a:solidFill>
-                  <a:srgbClr val="777879"/>
-                </a:solidFill>
-                <a:latin typeface="AdobeClean-LightIt"/>
-                <a:cs typeface="AdobeClean-LightIt"/>
-              </a:rPr>
-              <a:t>the</a:t>
-            </a:r>
-            <a:r>
-              <a:rPr sz="1100" i="1" spc="-55" dirty="0">
-                <a:solidFill>
-                  <a:srgbClr val="777879"/>
-                </a:solidFill>
-                <a:latin typeface="AdobeClean-LightIt"/>
-                <a:cs typeface="AdobeClean-LightIt"/>
-              </a:rPr>
-              <a:t> </a:t>
-            </a:r>
-            <a:r>
-              <a:rPr sz="1100" i="1" spc="-15" dirty="0">
-                <a:solidFill>
-                  <a:srgbClr val="777879"/>
-                </a:solidFill>
-                <a:latin typeface="AdobeClean-LightIt"/>
-                <a:cs typeface="AdobeClean-LightIt"/>
-              </a:rPr>
-              <a:t>right</a:t>
-            </a:r>
-            <a:r>
-              <a:rPr sz="1100" i="1" spc="-95" dirty="0">
-                <a:solidFill>
-                  <a:srgbClr val="777879"/>
-                </a:solidFill>
-                <a:latin typeface="AdobeClean-LightIt"/>
-                <a:cs typeface="AdobeClean-LightIt"/>
-              </a:rPr>
-              <a:t> </a:t>
-            </a:r>
-            <a:r>
-              <a:rPr sz="1100" i="1" spc="-15" dirty="0">
-                <a:solidFill>
-                  <a:srgbClr val="777879"/>
-                </a:solidFill>
-                <a:latin typeface="AdobeClean-LightIt"/>
-                <a:cs typeface="AdobeClean-LightIt"/>
-              </a:rPr>
-              <a:t>level</a:t>
-            </a:r>
-            <a:r>
-              <a:rPr sz="1100" i="1" spc="-55" dirty="0">
-                <a:solidFill>
-                  <a:srgbClr val="777879"/>
-                </a:solidFill>
-                <a:latin typeface="AdobeClean-LightIt"/>
-                <a:cs typeface="AdobeClean-LightIt"/>
-              </a:rPr>
-              <a:t> </a:t>
-            </a:r>
-            <a:r>
-              <a:rPr sz="1100" i="1" spc="-15" dirty="0">
-                <a:solidFill>
-                  <a:srgbClr val="777879"/>
-                </a:solidFill>
-                <a:latin typeface="AdobeClean-LightIt"/>
-                <a:cs typeface="AdobeClean-LightIt"/>
-              </a:rPr>
-              <a:t>for</a:t>
-            </a:r>
-            <a:r>
-              <a:rPr sz="1100" i="1" spc="-85" dirty="0">
-                <a:solidFill>
-                  <a:srgbClr val="777879"/>
-                </a:solidFill>
-                <a:latin typeface="AdobeClean-LightIt"/>
-                <a:cs typeface="AdobeClean-LightIt"/>
-              </a:rPr>
-              <a:t> </a:t>
-            </a:r>
-            <a:r>
-              <a:rPr sz="1100" i="1" spc="-15" dirty="0">
-                <a:solidFill>
-                  <a:srgbClr val="777879"/>
-                </a:solidFill>
-                <a:latin typeface="AdobeClean-LightIt"/>
-                <a:cs typeface="AdobeClean-LightIt"/>
-              </a:rPr>
-              <a:t>you,</a:t>
-            </a:r>
-            <a:r>
-              <a:rPr sz="1100" i="1" spc="-65" dirty="0">
-                <a:solidFill>
-                  <a:srgbClr val="777879"/>
-                </a:solidFill>
-                <a:latin typeface="AdobeClean-LightIt"/>
-                <a:cs typeface="AdobeClean-LightIt"/>
-              </a:rPr>
-              <a:t> </a:t>
-            </a:r>
-            <a:r>
-              <a:rPr sz="1100" i="1" spc="-15" dirty="0">
-                <a:solidFill>
-                  <a:srgbClr val="777879"/>
-                </a:solidFill>
-                <a:latin typeface="AdobeClean-LightIt"/>
-                <a:cs typeface="AdobeClean-LightIt"/>
-              </a:rPr>
-              <a:t>contact</a:t>
-            </a:r>
-            <a:r>
-              <a:rPr sz="1100" i="1" spc="-85" dirty="0">
-                <a:solidFill>
-                  <a:srgbClr val="777879"/>
-                </a:solidFill>
-                <a:latin typeface="AdobeClean-LightIt"/>
-                <a:cs typeface="AdobeClean-LightIt"/>
-              </a:rPr>
-              <a:t> </a:t>
-            </a:r>
-            <a:r>
-              <a:rPr sz="1100" i="1" spc="-15" dirty="0">
-                <a:solidFill>
-                  <a:srgbClr val="777879"/>
-                </a:solidFill>
-                <a:latin typeface="AdobeClean-LightIt"/>
-                <a:cs typeface="AdobeClean-LightIt"/>
-              </a:rPr>
-              <a:t>your</a:t>
-            </a:r>
-            <a:r>
-              <a:rPr sz="1100" i="1" spc="-70" dirty="0">
-                <a:solidFill>
-                  <a:srgbClr val="777879"/>
-                </a:solidFill>
-                <a:latin typeface="AdobeClean-LightIt"/>
-                <a:cs typeface="AdobeClean-LightIt"/>
-              </a:rPr>
-              <a:t> </a:t>
-            </a:r>
-            <a:r>
-              <a:rPr sz="1100" i="1" spc="-15" dirty="0">
-                <a:solidFill>
-                  <a:srgbClr val="777879"/>
-                </a:solidFill>
-                <a:latin typeface="AdobeClean-LightIt"/>
-                <a:cs typeface="AdobeClean-LightIt"/>
-              </a:rPr>
-              <a:t>Named</a:t>
-            </a:r>
-            <a:r>
-              <a:rPr sz="1100" i="1" spc="-55" dirty="0">
-                <a:solidFill>
-                  <a:srgbClr val="777879"/>
-                </a:solidFill>
-                <a:latin typeface="AdobeClean-LightIt"/>
-                <a:cs typeface="AdobeClean-LightIt"/>
-              </a:rPr>
-              <a:t> </a:t>
-            </a:r>
-            <a:r>
-              <a:rPr sz="1100" i="1" spc="-25" dirty="0">
-                <a:solidFill>
-                  <a:srgbClr val="777879"/>
-                </a:solidFill>
-                <a:latin typeface="AdobeClean-LightIt"/>
-                <a:cs typeface="AdobeClean-LightIt"/>
-              </a:rPr>
-              <a:t>Account</a:t>
-            </a:r>
-            <a:r>
-              <a:rPr sz="1100" i="1" spc="-120" dirty="0">
-                <a:solidFill>
-                  <a:srgbClr val="777879"/>
-                </a:solidFill>
-                <a:latin typeface="AdobeClean-LightIt"/>
-                <a:cs typeface="AdobeClean-LightIt"/>
-              </a:rPr>
-              <a:t> </a:t>
-            </a:r>
-            <a:r>
-              <a:rPr sz="1100" i="1" spc="-20" dirty="0">
-                <a:solidFill>
-                  <a:srgbClr val="777879"/>
-                </a:solidFill>
-                <a:latin typeface="AdobeClean-LightIt"/>
-                <a:cs typeface="AdobeClean-LightIt"/>
-              </a:rPr>
-              <a:t>Manager</a:t>
-            </a:r>
-            <a:r>
-              <a:rPr lang="en-US" sz="1100" i="1" spc="-20" dirty="0">
-                <a:solidFill>
-                  <a:srgbClr val="777879"/>
-                </a:solidFill>
-                <a:latin typeface="AdobeClean-LightIt"/>
-                <a:cs typeface="AdobeClean-LightIt"/>
-              </a:rPr>
-              <a:t> </a:t>
-            </a:r>
-            <a:r>
-              <a:rPr sz="1100" i="1" spc="-20" dirty="0">
-                <a:solidFill>
-                  <a:srgbClr val="777879"/>
-                </a:solidFill>
-                <a:latin typeface="AdobeClean-LightIt"/>
-                <a:cs typeface="AdobeClean-LightIt"/>
-              </a:rPr>
-              <a:t> </a:t>
-            </a:r>
-            <a:r>
-              <a:rPr sz="1100" i="1" spc="-15" dirty="0">
-                <a:solidFill>
-                  <a:srgbClr val="777879"/>
-                </a:solidFill>
-                <a:latin typeface="AdobeClean-LightIt"/>
-                <a:cs typeface="AdobeClean-LightIt"/>
-              </a:rPr>
-              <a:t>(NAM) </a:t>
-            </a:r>
-            <a:r>
-              <a:rPr sz="1100" i="1" spc="-10" dirty="0">
-                <a:solidFill>
-                  <a:srgbClr val="777879"/>
-                </a:solidFill>
-                <a:latin typeface="AdobeClean-LightIt"/>
-                <a:cs typeface="AdobeClean-LightIt"/>
-              </a:rPr>
-              <a:t>or </a:t>
-            </a:r>
-            <a:r>
-              <a:rPr sz="1100" i="1" spc="-15" dirty="0">
-                <a:solidFill>
-                  <a:srgbClr val="777879"/>
-                </a:solidFill>
-                <a:latin typeface="AdobeClean-LightIt"/>
-                <a:cs typeface="AdobeClean-LightIt"/>
-              </a:rPr>
-              <a:t>Customer </a:t>
-            </a:r>
-            <a:r>
-              <a:rPr sz="1100" i="1" spc="-20" dirty="0">
-                <a:solidFill>
-                  <a:srgbClr val="777879"/>
-                </a:solidFill>
-                <a:latin typeface="AdobeClean-LightIt"/>
-                <a:cs typeface="AdobeClean-LightIt"/>
-              </a:rPr>
-              <a:t>Success</a:t>
-            </a:r>
-            <a:r>
-              <a:rPr sz="1100" i="1" spc="-180" dirty="0">
-                <a:solidFill>
-                  <a:srgbClr val="777879"/>
-                </a:solidFill>
-                <a:latin typeface="AdobeClean-LightIt"/>
-                <a:cs typeface="AdobeClean-LightIt"/>
-              </a:rPr>
-              <a:t> </a:t>
-            </a:r>
-            <a:r>
-              <a:rPr sz="1100" i="1" spc="-15" dirty="0">
-                <a:solidFill>
-                  <a:srgbClr val="777879"/>
-                </a:solidFill>
-                <a:latin typeface="AdobeClean-LightIt"/>
-                <a:cs typeface="AdobeClean-LightIt"/>
-              </a:rPr>
-              <a:t>Manager</a:t>
-            </a:r>
-            <a:r>
-              <a:rPr lang="en-US" sz="1100" i="1" spc="-15" dirty="0">
-                <a:solidFill>
-                  <a:srgbClr val="777879"/>
-                </a:solidFill>
-                <a:latin typeface="AdobeClean-LightIt"/>
-                <a:cs typeface="AdobeClean-LightIt"/>
-              </a:rPr>
-              <a:t> </a:t>
-            </a:r>
-            <a:r>
-              <a:rPr sz="1100" i="1" spc="-15" dirty="0">
-                <a:solidFill>
-                  <a:srgbClr val="777879"/>
-                </a:solidFill>
-                <a:latin typeface="AdobeClean-LightIt"/>
-                <a:cs typeface="AdobeClean-LightIt"/>
-              </a:rPr>
-              <a:t>(CSM)</a:t>
-            </a:r>
-            <a:endParaRPr sz="1100" dirty="0">
-              <a:latin typeface="AdobeClean-LightIt"/>
-              <a:cs typeface="AdobeClean-LightIt"/>
-            </a:endParaRPr>
+              <a:t>Pour en apprendre plus sur les offres de l’assistance Adobe et sur le niveau qui vous convient, contactez votre gestionnaire de compte nommé (NAM) ou votre gestionnaire de réussite client (CSM)</a:t>
+            </a:r>
           </a:p>
           <a:p>
             <a:pPr marL="34290">
@@ -16048,59 +12769,15 @@
               </a:spcBef>
             </a:pPr>
             <a:r>
-              <a:rPr sz="800" spc="-5" dirty="0">
+              <a:rPr lang="fr-FR" sz="800">
                 <a:solidFill>
                   <a:srgbClr val="6D6D6D"/>
                 </a:solidFill>
                 <a:latin typeface="Adobe Clean"/>
                 <a:cs typeface="Adobe Clean"/>
               </a:rPr>
-              <a:t>©202</a:t>
-            </a:r>
-            <a:r>
-              <a:rPr lang="en-US" sz="800" spc="-5" dirty="0">
-                <a:solidFill>
-                  <a:srgbClr val="6D6D6D"/>
-                </a:solidFill>
-                <a:latin typeface="Adobe Clean"/>
-                <a:cs typeface="Adobe Clean"/>
-              </a:rPr>
-              <a:t>1</a:t>
-            </a:r>
-            <a:r>
-              <a:rPr sz="800" spc="-5" dirty="0">
-                <a:solidFill>
-                  <a:srgbClr val="6D6D6D"/>
-                </a:solidFill>
-                <a:latin typeface="Adobe Clean"/>
-                <a:cs typeface="Adobe Clean"/>
-              </a:rPr>
-              <a:t> Adobe. All Rights Reserved. Adobe</a:t>
-            </a:r>
-            <a:r>
-              <a:rPr sz="800" spc="75" dirty="0">
-                <a:solidFill>
-                  <a:srgbClr val="6D6D6D"/>
-                </a:solidFill>
-                <a:latin typeface="Adobe Clean"/>
-                <a:cs typeface="Adobe Clean"/>
-              </a:rPr>
-              <a:t> </a:t>
-            </a:r>
-            <a:r>
-              <a:rPr sz="800" spc="-5" dirty="0">
-                <a:solidFill>
-                  <a:srgbClr val="6D6D6D"/>
-                </a:solidFill>
-                <a:latin typeface="Adobe Clean"/>
-                <a:cs typeface="Adobe Clean"/>
-              </a:rPr>
-              <a:t>Confidential.</a:t>
-            </a:r>
-            <a:endParaRPr sz="800" dirty="0">
-              <a:latin typeface="Adobe Clean"/>
-              <a:cs typeface="Adobe Clean"/>
-            </a:endParaRPr>
+              <a:t>©2021 Adobe. All Rights Reserved. Données confidentielles Adobe</a:t>
+            </a:r>
           </a:p>
         </p:txBody>
       </p:sp>
@@ -16118,8 +12795,8 @@
         </p:nvSpPr>
         <p:spPr>
           <a:xfrm>
-            <a:off x="190707" y="4913781"/>
-            <a:ext cx="6476646" cy="755976"/>
+            <a:off x="190706" y="5119521"/>
+            <a:ext cx="7274987" cy="755976"/>
           </a:xfrm>
           <a:prstGeom prst="rect">
             <a:avLst/>
@@ -16137,19 +12814,15 @@
               </a:spcBef>
             </a:pPr>
             <a:r>
-              <a:rPr lang="en-US" sz="1400" b="1" spc="-15">
+              <a:rPr lang="fr-FR" sz="1400" b="1" dirty="0">
                 <a:solidFill>
                   <a:srgbClr val="020302"/>
                 </a:solidFill>
                 <a:latin typeface="Adobe Clean"/>
                 <a:cs typeface="Adobe Clean"/>
               </a:rPr>
-              <a:t>Regional scope of Adobe Support, Local Hours Of Operation And Language Support</a:t>
-            </a:r>
-            <a:endParaRPr lang="en-US" sz="1400" spc="-15">
-              <a:ea typeface="+mn-lt"/>
-              <a:cs typeface="+mn-lt"/>
-            </a:endParaRPr>
+              <a:t>Portée régionale de l’assistance Adobe, heures ouvrables locales et assistance linguistique</a:t>
+            </a:r>
           </a:p>
           <a:p>
             <a:pPr>
@@ -16158,17 +12831,31 @@
               </a:spcBef>
             </a:pPr>
             <a:r>
-              <a:rPr lang="en-US" sz="1000" spc="-15">
+              <a:rPr lang="fr-FR" sz="1000" dirty="0">
                 <a:solidFill>
                   <a:srgbClr val="1F1F1F"/>
                 </a:solidFill>
                 <a:latin typeface="AdobeClean-Light"/>
               </a:rPr>
-              <a:t>The regional scope of Adobe Support is established by aligning the customer's billing address (via the Sales Order or other Adobe Support purchasing document) to one of the following regions:</a:t>
-            </a:r>
-            <a:endParaRPr lang="en-US" sz="1000">
-              <a:latin typeface="AdobeClean-Light"/>
-            </a:endParaRPr>
+              <a:t>La portée régionale de l’assistance Adobe est définie par l’alignement de l’adresse de facturation du client (se trouvant sur le bon de commande </a:t>
+            </a:r>
+            <a:br>
+              <a:rPr lang="sk-SK" sz="1000" dirty="0">
+                <a:solidFill>
+                  <a:srgbClr val="1F1F1F"/>
+                </a:solidFill>
+                <a:latin typeface="AdobeClean-Light"/>
+              </a:rPr>
+            </a:br>
+            <a:r>
+              <a:rPr lang="fr-FR" sz="1000" dirty="0">
+                <a:solidFill>
+                  <a:srgbClr val="1F1F1F"/>
+                </a:solidFill>
+                <a:latin typeface="AdobeClean-Light"/>
+              </a:rPr>
+              <a:t>ou tout autre document d’achat de l’assistance Adobe) avec l’une des régions suivantes :</a:t>
+            </a:r>
           </a:p>
         </p:txBody>
       </p:sp>
@@ -16240,13 +12927,13 @@
                     <a:p>
                       <a:pPr algn="ctr"/>
                       <a:r>
-                        <a:rPr lang="en-US" sz="1100">
+                        <a:rPr lang="fr-FR" sz="1100">
                           <a:solidFill>
                             <a:schemeClr val="tx1"/>
                           </a:solidFill>
                           <a:latin typeface="Adobe Clean"/>
                         </a:rPr>
-                        <a:t>Americas</a:t>
+                        <a:t>Amériques</a:t>
                       </a:r>
                     </a:p>
                   </a:txBody>
@@ -16305,13 +12992,13 @@
                     <a:p>
                       <a:pPr algn="ctr"/>
                       <a:r>
-                        <a:rPr lang="en-US" sz="1100">
+                        <a:rPr lang="fr-FR" sz="1100">
                           <a:solidFill>
                             <a:schemeClr val="tx1"/>
                           </a:solidFill>
                           <a:latin typeface="Adobe Clean"/>
                         </a:rPr>
-                        <a:t>Europe, Middle East &amp; Africa</a:t>
+                        <a:t>Europe, Moyen-Orient et Afrique</a:t>
                       </a:r>
                     </a:p>
                   </a:txBody>
@@ -16370,13 +13057,13 @@
                     <a:p>
                       <a:pPr algn="ctr"/>
                       <a:r>
-                        <a:rPr lang="en-US" sz="1100">
+                        <a:rPr lang="fr-FR" sz="1100">
                           <a:solidFill>
                             <a:schemeClr val="tx1"/>
                           </a:solidFill>
                           <a:latin typeface="Adobe Clean"/>
                         </a:rPr>
-                        <a:t>Asia Pacific</a:t>
+                        <a:t>Asie-Pacifique</a:t>
                       </a:r>
                     </a:p>
                   </a:txBody>
@@ -16435,16 +13122,16 @@
                     <a:p>
                       <a:pPr algn="ctr"/>
                       <a:r>
-                        <a:rPr lang="en-US" sz="1100">
+                        <a:rPr lang="fr-FR" sz="1100">
                           <a:solidFill>
                             <a:schemeClr val="tx1"/>
                           </a:solidFill>
                           <a:latin typeface="Adobe Clean"/>
                         </a:rPr>
-                        <a:t>Japan </a:t>
+                        <a:t>Japon </a:t>
                       </a:r>
                       <a:r>
-                        <a:rPr lang="en-US" sz="1100" baseline="30000">
+                        <a:rPr lang="fr-FR" sz="1100" baseline="30000">
                           <a:solidFill>
                             <a:schemeClr val="tx1"/>
                           </a:solidFill>
@@ -16452,12 +13139,6 @@
                         </a:rPr>
                         <a:t>1 </a:t>
                       </a:r>
-                      <a:endParaRPr lang="en-US" sz="1100">
-                        <a:solidFill>
-                          <a:schemeClr val="tx1"/>
-                        </a:solidFill>
-                        <a:latin typeface="Adobe Clean" panose="020B0503020404020204" pitchFamily="34" charset="0"/>
-                      </a:endParaRPr>
                     </a:p>
                   </a:txBody>
                   <a:tcPr anchor="ctr">
@@ -16522,13 +13203,13 @@
                     <a:p>
                       <a:pPr algn="ctr"/>
                       <a:r>
-                        <a:rPr lang="en-US" sz="1100">
+                        <a:rPr lang="fr-FR" sz="1100">
                           <a:solidFill>
                             <a:schemeClr val="tx1"/>
                           </a:solidFill>
                           <a:latin typeface="Adobe Clean"/>
                         </a:rPr>
-                        <a:t>6 am – 5:30 pm</a:t>
+                        <a:t>6 h 00 à 17 h 30</a:t>
                       </a:r>
                     </a:p>
                   </a:txBody>
@@ -16587,13 +13268,13 @@
                     <a:p>
                       <a:pPr algn="ctr"/>
                       <a:r>
-                        <a:rPr lang="en-US" sz="1100">
+                        <a:rPr lang="fr-FR" sz="1100">
                           <a:solidFill>
                             <a:schemeClr val="tx1"/>
                           </a:solidFill>
                           <a:latin typeface="Adobe Clean"/>
                         </a:rPr>
-                        <a:t>9 am – 5 pm</a:t>
+                        <a:t>9 h 00 à 17 h 00</a:t>
                       </a:r>
                     </a:p>
                   </a:txBody>
@@ -16652,13 +13333,13 @@
                     <a:p>
                       <a:pPr algn="ctr"/>
                       <a:r>
-                        <a:rPr lang="en-US" sz="1100">
+                        <a:rPr lang="fr-FR" sz="1100">
                           <a:solidFill>
                             <a:schemeClr val="tx1"/>
                           </a:solidFill>
                           <a:latin typeface="Adobe Clean"/>
                         </a:rPr>
-                        <a:t>9 am – 5 pm</a:t>
+                        <a:t>9 h 00 à 17 h 00</a:t>
                       </a:r>
                     </a:p>
                   </a:txBody>
@@ -16717,13 +13398,13 @@
                     <a:p>
                       <a:pPr algn="ctr"/>
                       <a:r>
-                        <a:rPr lang="en-US" sz="1100">
+                        <a:rPr lang="fr-FR" sz="1100">
                           <a:solidFill>
                             <a:schemeClr val="tx1"/>
                           </a:solidFill>
                           <a:latin typeface="Adobe Clean"/>
                         </a:rPr>
-                        <a:t>9 am – 5:30 pm</a:t>
+                        <a:t>9 h 00 à 17 h 30</a:t>
                       </a:r>
                     </a:p>
                   </a:txBody>
@@ -16800,12 +13481,12 @@
                         <a:buNone/>
                       </a:pPr>
                       <a:r>
-                        <a:rPr lang="en-US" sz="1100" b="0" i="0" u="none" strike="noStrike" noProof="0"/>
-                        <a:t>Language support is only available in English and Japanese.</a:t>
+                        <a:rPr lang="fr-FR" sz="1100" b="0" i="0" u="none" strike="noStrike" noProof="0" dirty="0"/>
+                        <a:t>L’assistance linguistique est uniquement disponible en anglais et en japonais.</a:t>
                       </a:r>
                     </a:p>
                     <a:p>
-                      <a:pPr lvl="0" algn="ctr">
+                      <a:pPr lvl="0" algn="l" rtl="0">
                         <a:lnSpc>
                           <a:spcPct val="100000"/>
                         </a:lnSpc>
@@ -16817,7 +13498,7 @@
                         </a:spcAft>
                         <a:buNone/>
                       </a:pPr>
-                      <a:endParaRPr lang="en-US" sz="1100" b="0" i="0" u="none" strike="noStrike" noProof="0"/>
+                      <a:endParaRPr lang="en-US" sz="1100" b="0" i="0" u="none" strike="noStrike" noProof="0" dirty="0"/>
                     </a:p>
                     <a:p>
                       <a:pPr lvl="0" algn="ctr">
@@ -16833,18 +13514,17 @@
                         <a:buNone/>
                       </a:pPr>
                       <a:r>
-                        <a:rPr lang="en-US" sz="1100" b="0" i="0" u="none" strike="noStrike" noProof="0"/>
+                        <a:rPr lang="fr-FR" sz="1100" b="0" i="0" u="none" strike="noStrike" noProof="0" dirty="0"/>
                         <a:t> </a:t>
                       </a:r>
                       <a:r>
-                        <a:rPr lang="en-US" sz="1100" b="0" i="0" u="none" strike="noStrike" baseline="30000" noProof="0"/>
+                        <a:rPr lang="fr-FR" sz="1100" b="0" i="0" u="none" strike="noStrike" baseline="30000" noProof="0" dirty="0"/>
                         <a:t>1 </a:t>
                       </a:r>
                       <a:r>
-                        <a:rPr lang="en-US" sz="1100" b="0" i="0" u="none" strike="noStrike" noProof="0"/>
-                        <a:t>P2, P3, P4 cases are limited to business hours only in Japan.</a:t>
+                        <a:rPr lang="fr-FR" sz="1100" b="0" i="0" u="none" strike="noStrike" noProof="0" dirty="0"/>
+                        <a:t>Les cas P2, P3 et P4 sont limités aux heures ouvrables uniquement au Japon.</a:t>
                       </a:r>
-                      <a:endParaRPr lang="en-US" sz="1100" b="1" i="0" u="none" strike="noStrike" noProof="0"/>
                     </a:p>
                   </a:txBody>
                   <a:tcPr anchor="ctr">
@@ -17186,8 +13866,8 @@
         </p:nvSpPr>
         <p:spPr>
           <a:xfrm>
-            <a:off x="2840871" y="8528519"/>
-            <a:ext cx="810895" cy="385445"/>
+            <a:off x="2718951" y="8528519"/>
+            <a:ext cx="1045329" cy="382797"/>
           </a:xfrm>
           <a:prstGeom prst="rect">
             <a:avLst/>
@@ -17199,7 +13879,7 @@
           </a:bodyPr>
           <a:lstStyle/>
           <a:p>
-            <a:pPr marL="139065" marR="5080" indent="-139065">
+            <a:pPr marR="5080" algn="ctr">
               <a:lnSpc>
                 <a:spcPts val="1390"/>
               </a:lnSpc>
@@ -17208,129 +13888,15 @@
               </a:spcBef>
             </a:pPr>
             <a:r>
-              <a:rPr sz="1200" b="1" spc="-15">
+              <a:rPr lang="fr-FR" sz="1200" b="1" dirty="0">
                 <a:solidFill>
                   <a:srgbClr val="FFFFFF"/>
                 </a:solidFill>
                 <a:latin typeface="Adobe Clean"/>
                 <a:cs typeface="Adobe Clean"/>
               </a:rPr>
-              <a:t>U</a:t>
-            </a:r>
-            <a:r>
-              <a:rPr sz="1200" b="1" spc="-20">
-                <a:solidFill>
-                  <a:srgbClr val="FFFFFF"/>
-                </a:solidFill>
-                <a:latin typeface="Adobe Clean"/>
-                <a:cs typeface="Adobe Clean"/>
-              </a:rPr>
-              <a:t>n</a:t>
-            </a:r>
-            <a:r>
-              <a:rPr sz="1200" b="1" spc="-25">
-                <a:solidFill>
-                  <a:srgbClr val="FFFFFF"/>
-                </a:solidFill>
-                <a:latin typeface="Adobe Clean"/>
-                <a:cs typeface="Adobe Clean"/>
-              </a:rPr>
-              <a:t>p</a:t>
-            </a:r>
-            <a:r>
-              <a:rPr sz="1200" b="1" spc="-15">
-                <a:solidFill>
-                  <a:srgbClr val="FFFFFF"/>
-                </a:solidFill>
-                <a:latin typeface="Adobe Clean"/>
-                <a:cs typeface="Adobe Clean"/>
-              </a:rPr>
-              <a:t>a</a:t>
-            </a:r>
-            <a:r>
-              <a:rPr sz="1200" b="1" spc="-25">
-                <a:solidFill>
-                  <a:srgbClr val="FFFFFF"/>
-                </a:solidFill>
-                <a:latin typeface="Adobe Clean"/>
-                <a:cs typeface="Adobe Clean"/>
-              </a:rPr>
-              <a:t>r</a:t>
-            </a:r>
-            <a:r>
-              <a:rPr sz="1200" b="1" spc="-15">
-                <a:solidFill>
-                  <a:srgbClr val="FFFFFF"/>
-                </a:solidFill>
-                <a:latin typeface="Adobe Clean"/>
-                <a:cs typeface="Adobe Clean"/>
-              </a:rPr>
-              <a:t>a</a:t>
-            </a:r>
-            <a:r>
-              <a:rPr sz="1200" b="1" spc="-30">
-                <a:solidFill>
-                  <a:srgbClr val="FFFFFF"/>
-                </a:solidFill>
-                <a:latin typeface="Adobe Clean"/>
-                <a:cs typeface="Adobe Clean"/>
-              </a:rPr>
-              <a:t>ll</a:t>
-            </a:r>
-            <a:r>
-              <a:rPr sz="1200" b="1" spc="-25">
-                <a:solidFill>
-                  <a:srgbClr val="FFFFFF"/>
-                </a:solidFill>
-                <a:latin typeface="Adobe Clean"/>
-                <a:cs typeface="Adobe Clean"/>
-              </a:rPr>
-              <a:t>e</a:t>
-            </a:r>
-            <a:r>
-              <a:rPr sz="1200" b="1" spc="-30">
-                <a:solidFill>
-                  <a:srgbClr val="FFFFFF"/>
-                </a:solidFill>
-                <a:latin typeface="Adobe Clean"/>
-                <a:cs typeface="Adobe Clean"/>
-              </a:rPr>
-              <a:t>l</a:t>
-            </a:r>
-            <a:r>
-              <a:rPr sz="1200" b="1" spc="-25">
-                <a:solidFill>
-                  <a:srgbClr val="FFFFFF"/>
-                </a:solidFill>
-                <a:latin typeface="Adobe Clean"/>
-                <a:cs typeface="Adobe Clean"/>
-              </a:rPr>
-              <a:t>e</a:t>
-            </a:r>
-            <a:r>
-              <a:rPr sz="1200" b="1">
-                <a:solidFill>
-                  <a:srgbClr val="FFFFFF"/>
-                </a:solidFill>
-                <a:latin typeface="Adobe Clean"/>
-                <a:cs typeface="Adobe Clean"/>
-              </a:rPr>
-              <a:t>d  </a:t>
-            </a:r>
-            <a:r>
-              <a:rPr sz="1200" b="1" spc="-25">
-                <a:solidFill>
-                  <a:srgbClr val="FFFFFF"/>
-                </a:solidFill>
-                <a:latin typeface="Adobe Clean"/>
-                <a:cs typeface="Adobe Clean"/>
-              </a:rPr>
-              <a:t>Expertise</a:t>
-            </a:r>
-            <a:endParaRPr sz="1200">
-              <a:latin typeface="Adobe Clean"/>
-              <a:cs typeface="Adobe Clean"/>
-            </a:endParaRPr>
+              <a:t>Expertise incomparable</a:t>
+            </a:r>
           </a:p>
         </p:txBody>
       </p:sp>
@@ -17348,7 +13914,7 @@
         </p:nvSpPr>
         <p:spPr>
           <a:xfrm>
-            <a:off x="4732495" y="8541244"/>
+            <a:off x="4686775" y="8541244"/>
             <a:ext cx="810895" cy="382797"/>
           </a:xfrm>
           <a:prstGeom prst="rect">
@@ -17361,7 +13927,7 @@
           </a:bodyPr>
           <a:lstStyle/>
           <a:p>
-            <a:pPr marL="139065" marR="5080" indent="-139065">
+            <a:pPr marR="5080" algn="ctr">
               <a:lnSpc>
                 <a:spcPts val="1390"/>
               </a:lnSpc>
@@ -17370,19 +13936,15 @@
               </a:spcBef>
             </a:pPr>
             <a:r>
-              <a:rPr lang="en-US" sz="1200" b="1" spc="-15">
+              <a:rPr lang="fr-FR" sz="1200" b="1" dirty="0">
                 <a:solidFill>
                   <a:srgbClr val="FFFFFF"/>
                 </a:solidFill>
                 <a:latin typeface="Adobe Clean"/>
                 <a:cs typeface="Adobe Clean"/>
               </a:rPr>
-              <a:t>Accelerated Support</a:t>
-            </a:r>
-            <a:endParaRPr sz="1200">
-              <a:latin typeface="Adobe Clean"/>
-              <a:cs typeface="Adobe Clean"/>
-            </a:endParaRPr>
+              <a:t>Assistance accélérée</a:t>
+            </a:r>
           </a:p>
         </p:txBody>
       </p:sp>
@@ -17400,8 +13962,8 @@
         </p:nvSpPr>
         <p:spPr>
           <a:xfrm>
-            <a:off x="6624119" y="8543943"/>
-            <a:ext cx="510540" cy="385445"/>
+            <a:off x="6509818" y="8543943"/>
+            <a:ext cx="744421" cy="382797"/>
           </a:xfrm>
           <a:prstGeom prst="rect">
             <a:avLst/>
@@ -17413,7 +13975,7 @@
           </a:bodyPr>
           <a:lstStyle/>
           <a:p>
-            <a:pPr marL="50800" marR="5080" indent="-51435">
+            <a:pPr marR="5080" algn="ctr">
               <a:lnSpc>
                 <a:spcPts val="1390"/>
               </a:lnSpc>
@@ -17422,109 +13984,15 @@
               </a:spcBef>
             </a:pPr>
             <a:r>
-              <a:rPr sz="1200" b="1" spc="-50">
+              <a:rPr lang="fr-FR" sz="1200" b="1" dirty="0">
                 <a:solidFill>
                   <a:srgbClr val="FFFFFF"/>
                 </a:solidFill>
                 <a:latin typeface="Adobe Clean"/>
                 <a:cs typeface="Adobe Clean"/>
               </a:rPr>
-              <a:t>S</a:t>
-            </a:r>
-            <a:r>
-              <a:rPr sz="1200" b="1" spc="-20">
-                <a:solidFill>
-                  <a:srgbClr val="FFFFFF"/>
-                </a:solidFill>
-                <a:latin typeface="Adobe Clean"/>
-                <a:cs typeface="Adobe Clean"/>
-              </a:rPr>
-              <a:t>t</a:t>
-            </a:r>
-            <a:r>
-              <a:rPr sz="1200" b="1" spc="-75">
-                <a:solidFill>
-                  <a:srgbClr val="FFFFFF"/>
-                </a:solidFill>
-                <a:latin typeface="Adobe Clean"/>
-                <a:cs typeface="Adobe Clean"/>
-              </a:rPr>
-              <a:t>r</a:t>
-            </a:r>
-            <a:r>
-              <a:rPr sz="1200" b="1" spc="-90">
-                <a:solidFill>
-                  <a:srgbClr val="FFFFFF"/>
-                </a:solidFill>
-                <a:latin typeface="Adobe Clean"/>
-                <a:cs typeface="Adobe Clean"/>
-              </a:rPr>
-              <a:t>a</a:t>
-            </a:r>
-            <a:r>
-              <a:rPr sz="1200" b="1" spc="-55">
-                <a:solidFill>
-                  <a:srgbClr val="FFFFFF"/>
-                </a:solidFill>
-                <a:latin typeface="Adobe Clean"/>
-                <a:cs typeface="Adobe Clean"/>
-              </a:rPr>
-              <a:t>t</a:t>
-            </a:r>
-            <a:r>
-              <a:rPr sz="1200" b="1" spc="-100">
-                <a:solidFill>
-                  <a:srgbClr val="FFFFFF"/>
-                </a:solidFill>
-                <a:latin typeface="Adobe Clean"/>
-                <a:cs typeface="Adobe Clean"/>
-              </a:rPr>
-              <a:t>e</a:t>
-            </a:r>
-            <a:r>
-              <a:rPr sz="1200" b="1" spc="-80">
-                <a:solidFill>
-                  <a:srgbClr val="FFFFFF"/>
-                </a:solidFill>
-                <a:latin typeface="Adobe Clean"/>
-                <a:cs typeface="Adobe Clean"/>
-              </a:rPr>
-              <a:t>g</a:t>
-            </a:r>
-            <a:r>
-              <a:rPr sz="1200" b="1" spc="-35">
-                <a:solidFill>
-                  <a:srgbClr val="FFFFFF"/>
-                </a:solidFill>
-                <a:latin typeface="Adobe Clean"/>
-                <a:cs typeface="Adobe Clean"/>
-              </a:rPr>
-              <a:t>i</a:t>
-            </a:r>
-            <a:r>
-              <a:rPr sz="1200" b="1">
-                <a:solidFill>
-                  <a:srgbClr val="FFFFFF"/>
-                </a:solidFill>
-                <a:latin typeface="Adobe Clean"/>
-                <a:cs typeface="Adobe Clean"/>
-              </a:rPr>
-              <a:t>c  </a:t>
-            </a:r>
-            <a:r>
-              <a:rPr sz="1200" b="1" spc="-45">
-                <a:solidFill>
-                  <a:srgbClr val="FFFFFF"/>
-                </a:solidFill>
-                <a:latin typeface="Adobe Clean"/>
-                <a:cs typeface="Adobe Clean"/>
-              </a:rPr>
-              <a:t>Advice</a:t>
-            </a:r>
-            <a:endParaRPr sz="1200">
-              <a:latin typeface="Adobe Clean"/>
-              <a:cs typeface="Adobe Clean"/>
-            </a:endParaRPr>
+              <a:t>Conseil stratégique</a:t>
+            </a:r>
           </a:p>
         </p:txBody>
       </p:sp>
@@ -17543,14 +14011,14 @@
           <p:nvPr>
             <p:extLst>
               <p:ext uri="{D42A27DB-BD31-4B8C-83A1-F6EECF244321}">
-                <p14:modId xmlns:p14="http://schemas.microsoft.com/office/powerpoint/2010/main" val="4232335107"/>
+                <p14:modId xmlns:p14="http://schemas.microsoft.com/office/powerpoint/2010/main" val="663183330"/>
               </p:ext>
             </p:extLst>
           </p:nvPr>
         </p:nvGraphicFramePr>
         <p:xfrm>
           <a:off x="194237" y="1272353"/>
-          <a:ext cx="7368291" cy="2931160"/>
+          <a:ext cx="7368291" cy="3870960"/>
         </p:xfrm>
         <a:graphic>
           <a:graphicData uri="http://schemas.openxmlformats.org/drawingml/2006/table">
@@ -17581,25 +14049,17 @@
                     <a:lstStyle/>
                     <a:p>
                       <a:r>
-                        <a:rPr lang="en-US" sz="1100" b="0" dirty="0">
+                        <a:rPr lang="fr-FR" sz="1100" b="0">
                           <a:solidFill>
                             <a:schemeClr val="tx1"/>
                           </a:solidFill>
-                          <a:latin typeface="Adobe Clean"/>
+                          <a:latin typeface="Adobe Clean" panose="020B0503020404020204" pitchFamily="34" charset="0"/>
                           <a:ea typeface="+mn-ea"/>
                           <a:cs typeface="+mn-cs"/>
                           <a:hlinkClick r:id="rId7"/>
                         </a:rPr>
                         <a:t>Experience League</a:t>
                       </a:r>
-                      <a:endParaRPr lang="en-US" sz="1100" b="0" dirty="0">
-                        <a:solidFill>
-                          <a:schemeClr val="tx1"/>
-                        </a:solidFill>
-                        <a:latin typeface="Adobe Clean"/>
-                        <a:ea typeface="+mn-ea"/>
-                        <a:cs typeface="+mn-cs"/>
-                      </a:endParaRPr>
                     </a:p>
                   </a:txBody>
                   <a:tcPr marL="47625" marR="47625" marT="0" marB="0" anchor="ctr">
@@ -17655,7 +14115,7 @@
                     <a:bodyPr/>
                     <a:lstStyle/>
                     <a:p>
-                      <a:pPr marL="0" marR="0" lvl="0" indent="0" eaLnBrk="1" fontAlgn="auto" latinLnBrk="0" hangingPunct="1">
+                      <a:pPr marL="0" marR="0" lvl="0" indent="0" defTabSz="914400" eaLnBrk="1" fontAlgn="auto" latinLnBrk="0" hangingPunct="1">
                         <a:lnSpc>
                           <a:spcPct val="100000"/>
                         </a:lnSpc>
@@ -17669,26 +14129,52 @@
                         <a:buSzTx/>
                         <a:buFontTx/>
                         <a:buNone/>
+                        <a:tabLst/>
+                        <a:defRPr/>
                       </a:pPr>
                       <a:r>
-                        <a:rPr lang="en-US" sz="1000" b="0" kern="1200" dirty="0">
+                        <a:rPr lang="fr-FR" sz="1000" b="0" dirty="0" err="1">
                           <a:solidFill>
                             <a:srgbClr val="000000"/>
                           </a:solidFill>
-                          <a:latin typeface="Adobe Clean Light"/>
+                          <a:latin typeface="Adobe Clean Light" panose="020B0303020404020204" pitchFamily="34" charset="0"/>
                           <a:ea typeface="+mn-ea"/>
                           <a:cs typeface="+mn-cs"/>
                         </a:rPr>
-                        <a:t>Experience League is how Adobe helps businesses achieve the value they expect from their Adobe investment. It’s the unified place where customers can learn, connect, and grow along a personalized path to success that includes self-help tutorials, product documentation, instructor-led training, community and technical support. </a:t>
+                        <a:t>Experience</a:t>
                       </a:r>
-                      <a:endParaRPr lang="en-US" sz="1000" b="0" kern="1200">
-                        <a:solidFill>
-                          <a:srgbClr val="000000"/>
-                        </a:solidFill>
-                        <a:latin typeface="Adobe Clean Light" panose="020B0303020404020204" pitchFamily="34" charset="0"/>
-                        <a:ea typeface="+mn-ea"/>
-                        <a:cs typeface="+mn-cs"/>
-                      </a:endParaRPr>
+                      <a:r>
+                        <a:rPr lang="fr-FR" sz="1000" b="0" dirty="0">
+                          <a:solidFill>
+                            <a:srgbClr val="000000"/>
+                          </a:solidFill>
+                          <a:latin typeface="Adobe Clean Light" panose="020B0303020404020204" pitchFamily="34" charset="0"/>
+                          <a:ea typeface="+mn-ea"/>
+                          <a:cs typeface="+mn-cs"/>
+                        </a:rPr>
+                        <a:t> League est la manière dont Adobe aide les entreprises </a:t>
+                      </a:r>
+                      <a:br>
+                        <a:rPr lang="sk-SK" sz="1000" b="0" dirty="0">
+                          <a:solidFill>
+                            <a:srgbClr val="000000"/>
+                          </a:solidFill>
+                          <a:latin typeface="Adobe Clean Light" panose="020B0303020404020204" pitchFamily="34" charset="0"/>
+                          <a:ea typeface="+mn-ea"/>
+                          <a:cs typeface="+mn-cs"/>
+                        </a:rPr>
+                      </a:br>
+                      <a:r>
+                        <a:rPr lang="fr-FR" sz="1000" b="0" dirty="0">
+                          <a:solidFill>
+                            <a:srgbClr val="000000"/>
+                          </a:solidFill>
+                          <a:latin typeface="Adobe Clean Light" panose="020B0303020404020204" pitchFamily="34" charset="0"/>
+                          <a:ea typeface="+mn-ea"/>
+                          <a:cs typeface="+mn-cs"/>
+                        </a:rPr>
+                        <a:t>à atteindre la valeur qu’elles attendent de leur investissement dans Adobe. Il s’agit de l’endroit commun où les clients peuvent apprendre, se mettre en relation les uns avec les autres et grandir le long d’un chemin personnalisé vers le succès. Il comprend des tutoriels automatiques, de la documentation sur les produits, une formation dispensée par un instructeur, une communauté et une assistance technique. </a:t>
+                      </a:r>
                     </a:p>
                   </a:txBody>
                   <a:tcPr anchor="ctr">
@@ -17769,39 +14255,28 @@
                         <a:defRPr/>
                       </a:pPr>
                       <a:r>
-                        <a:rPr lang="en-US" sz="1100" dirty="0">
+                        <a:rPr lang="fr-FR" sz="1100">
                           <a:solidFill>
                             <a:schemeClr val="dk1"/>
                           </a:solidFill>
-                          <a:effectLst/>
-                          <a:latin typeface="Adobe Clean"/>
+                          <a:latin typeface="Adobe Clean" panose="020B0503020404020204" pitchFamily="34" charset="0"/>
                           <a:ea typeface="+mn-ea"/>
                           <a:cs typeface="+mn-cs"/>
                           <a:hlinkClick r:id="rId8"/>
                         </a:rPr>
-                        <a:t>Training</a:t>
+                        <a:t>Formation</a:t>
                       </a:r>
                       <a:r>
-                        <a:rPr lang="en-US" sz="1100" dirty="0">
+                        <a:rPr lang="fr-FR" sz="1100">
                           <a:solidFill>
                             <a:schemeClr val="dk1"/>
                           </a:solidFill>
-                          <a:effectLst/>
-                          <a:latin typeface="Adobe Clean"/>
+                          <a:latin typeface="Adobe Clean" panose="020B0503020404020204" pitchFamily="34" charset="0"/>
                           <a:ea typeface="+mn-ea"/>
                           <a:cs typeface="+mn-cs"/>
                         </a:rPr>
                         <a:t> </a:t>
                       </a:r>
-                      <a:endParaRPr lang="en-US" sz="1100" dirty="0">
-                        <a:solidFill>
-                          <a:schemeClr val="tx1"/>
-                        </a:solidFill>
-                        <a:effectLst/>
-                        <a:latin typeface="Adobe Clean"/>
-                        <a:ea typeface="+mn-ea"/>
-                        <a:cs typeface="+mn-cs"/>
-                      </a:endParaRPr>
                     </a:p>
                   </a:txBody>
                   <a:tcPr anchor="ctr">
@@ -17875,15 +14350,58 @@
                         <a:defRPr/>
                       </a:pPr>
                       <a:r>
-                        <a:rPr lang="en-US" sz="1000" kern="1200" dirty="0">
+                        <a:rPr lang="fr-FR" sz="1000" dirty="0">
                           <a:solidFill>
                             <a:srgbClr val="000000"/>
                           </a:solidFill>
-                          <a:latin typeface="Adobe Clean Light"/>
+                          <a:latin typeface="Adobe Clean Light" panose="020B0303020404020204" pitchFamily="34" charset="0"/>
                           <a:ea typeface="+mn-ea"/>
                           <a:cs typeface="+mn-cs"/>
                         </a:rPr>
-                        <a:t>Adobe Digital Learning Services courses are accessible from Experience League. Learning courses integrate both on-demand and instructor-led lessons.  Here you can accrue skills that have recognized market value and position them to drive success in your organizations.</a:t>
+                        <a:t>Les cours sur les services de formation numérique d’Adobe sont accessibles depuis </a:t>
+                      </a:r>
+                      <a:r>
+                        <a:rPr lang="fr-FR" sz="1000" dirty="0" err="1">
+                          <a:solidFill>
+                            <a:srgbClr val="000000"/>
+                          </a:solidFill>
+                          <a:latin typeface="Adobe Clean Light" panose="020B0303020404020204" pitchFamily="34" charset="0"/>
+                          <a:ea typeface="+mn-ea"/>
+                          <a:cs typeface="+mn-cs"/>
+                        </a:rPr>
+                        <a:t>Experience</a:t>
+                      </a:r>
+                      <a:r>
+                        <a:rPr lang="fr-FR" sz="1000" dirty="0">
+                          <a:solidFill>
+                            <a:srgbClr val="000000"/>
+                          </a:solidFill>
+                          <a:latin typeface="Adobe Clean Light" panose="020B0303020404020204" pitchFamily="34" charset="0"/>
+                          <a:ea typeface="+mn-ea"/>
+                          <a:cs typeface="+mn-cs"/>
+                        </a:rPr>
+                        <a:t> League. Les cours de formation regroupent des cours à la demande et des cours dispensés par un instructeur.  Grâce à ces cours, vous pouvez acquérir des compétences qui présentent une valeur marchande reconnue et les disposer </a:t>
+                      </a:r>
+                      <a:br>
+                        <a:rPr lang="sk-SK" sz="1000" dirty="0">
+                          <a:solidFill>
+                            <a:srgbClr val="000000"/>
+                          </a:solidFill>
+                          <a:latin typeface="Adobe Clean Light" panose="020B0303020404020204" pitchFamily="34" charset="0"/>
+                          <a:ea typeface="+mn-ea"/>
+                          <a:cs typeface="+mn-cs"/>
+                        </a:rPr>
+                      </a:br>
+                      <a:r>
+                        <a:rPr lang="fr-FR" sz="1000" dirty="0">
+                          <a:solidFill>
+                            <a:srgbClr val="000000"/>
+                          </a:solidFill>
+                          <a:latin typeface="Adobe Clean Light" panose="020B0303020404020204" pitchFamily="34" charset="0"/>
+                          <a:ea typeface="+mn-ea"/>
+                          <a:cs typeface="+mn-cs"/>
+                        </a:rPr>
+                        <a:t>de manière à stimuler le succès de vos entreprises.</a:t>
                       </a:r>
                     </a:p>
                   </a:txBody>
@@ -17965,27 +14483,17 @@
                         <a:defRPr/>
                       </a:pPr>
                       <a:r>
-                        <a:rPr lang="en-US" sz="1100" dirty="0">
+                        <a:rPr lang="fr-FR" sz="1100">
                           <a:solidFill>
                             <a:schemeClr val="tx1"/>
                           </a:solidFill>
-                          <a:effectLst/>
-                          <a:latin typeface="Adobe Clean"/>
+                          <a:latin typeface="Adobe Clean" panose="020B0503020404020204" pitchFamily="34" charset="0"/>
                           <a:ea typeface="+mn-ea"/>
                           <a:cs typeface="+mn-cs"/>
                           <a:hlinkClick r:id="rId9"/>
                         </a:rPr>
-                        <a:t>Production Issues &amp; System Outages</a:t>
+                        <a:t>Problèmes de production et panne du système</a:t>
                       </a:r>
-                      <a:endParaRPr lang="en-US" sz="1100" dirty="0">
-                        <a:solidFill>
-                          <a:schemeClr val="tx1"/>
-                        </a:solidFill>
-                        <a:effectLst/>
-                        <a:latin typeface="Adobe Clean"/>
-                        <a:ea typeface="+mn-ea"/>
-                        <a:cs typeface="+mn-cs"/>
-                      </a:endParaRPr>
                     </a:p>
                   </a:txBody>
                   <a:tcPr anchor="ctr">
@@ -18041,7 +14549,7 @@
                     <a:bodyPr/>
                     <a:lstStyle/>
                     <a:p>
-                      <a:pPr marL="0" marR="0" lvl="0" indent="0" eaLnBrk="1" fontAlgn="auto" latinLnBrk="0" hangingPunct="1">
+                      <a:pPr marL="0" marR="0" lvl="0" indent="0" defTabSz="914400" eaLnBrk="1" fontAlgn="auto" latinLnBrk="0" hangingPunct="1">
                         <a:lnSpc>
                           <a:spcPct val="100000"/>
                         </a:lnSpc>
@@ -18055,26 +14563,20 @@
                         <a:buSzTx/>
                         <a:buFontTx/>
                         <a:buNone/>
+                        <a:tabLst/>
+                        <a:defRPr/>
                       </a:pPr>
                       <a:r>
-                        <a:rPr lang="en-US" sz="1000" kern="1200" dirty="0">
+                        <a:rPr lang="fr-FR" sz="1000">
                           <a:solidFill>
                             <a:srgbClr val="000000"/>
                           </a:solidFill>
-                          <a:latin typeface="Adobe Clean Light"/>
+                          <a:latin typeface="Adobe Clean Light" panose="020B0303020404020204" pitchFamily="34" charset="0"/>
                           <a:ea typeface="+mn-ea"/>
                           <a:cs typeface="+mn-cs"/>
                         </a:rPr>
-                        <a:t>Status.adobe.com conveys the health information of all Adobe products and services that are deployed in multi-tenant environments. Customers can choose their subscription preferences to get email notifications whenever Adobe creates, updates or resolves a product event. This can include scheduled maintenance or service issues of varying levels of severity. </a:t>
+                        <a:t>Status.adobe.com transmet les informations d’intégrité de tous les produits et services d’Adobe déployés dans des environnements multi-entité. Les clients peuvent choisir leurs préférences d’abonnement afin de recevoir des notifications par e-mail chaque fois qu’Adobe crée, met à jour ou résout un événement de produit. Cet événement peut inclure des problèmes de maintenance planifiée ou de service présentant différents niveaux de gravité. </a:t>
                       </a:r>
-                      <a:endParaRPr lang="en-US" sz="1000" kern="1200">
-                        <a:solidFill>
-                          <a:srgbClr val="000000"/>
-                        </a:solidFill>
-                        <a:latin typeface="Adobe Clean Light" panose="020B0303020404020204" pitchFamily="34" charset="0"/>
-                        <a:ea typeface="+mn-ea"/>
-                        <a:cs typeface="+mn-cs"/>
-                      </a:endParaRPr>
                     </a:p>
                   </a:txBody>
                   <a:tcPr anchor="ctr">
@@ -18155,27 +14657,17 @@
                         <a:defRPr/>
                       </a:pPr>
                       <a:r>
-                        <a:rPr lang="en-US" sz="1100" dirty="0">
+                        <a:rPr lang="fr-FR" sz="1100">
                           <a:solidFill>
                             <a:schemeClr val="tx1"/>
                           </a:solidFill>
-                          <a:effectLst/>
-                          <a:latin typeface="Adobe Clean"/>
+                          <a:latin typeface="Adobe Clean" panose="020B0503020404020204" pitchFamily="34" charset="0"/>
                           <a:ea typeface="+mn-ea"/>
                           <a:cs typeface="+mn-cs"/>
                           <a:hlinkClick r:id="rId10"/>
                         </a:rPr>
-                        <a:t>Terms and Conditions</a:t>
+                        <a:t>Termes et conditions</a:t>
                       </a:r>
-                      <a:endParaRPr lang="en-US" sz="1100" dirty="0">
-                        <a:solidFill>
-                          <a:schemeClr val="tx1"/>
-                        </a:solidFill>
-                        <a:effectLst/>
-                        <a:latin typeface="Adobe Clean"/>
-                        <a:ea typeface="+mn-ea"/>
-                        <a:cs typeface="+mn-cs"/>
-                      </a:endParaRPr>
                     </a:p>
                   </a:txBody>
                   <a:tcPr anchor="ctr">
@@ -18232,24 +14724,16 @@
                     <a:lstStyle/>
                     <a:p>
                       <a:r>
-                        <a:rPr lang="en-US" sz="1000" kern="1200" dirty="0">
+                        <a:rPr lang="fr-FR" sz="1000" dirty="0">
                           <a:solidFill>
                             <a:srgbClr val="000000"/>
                           </a:solidFill>
-                          <a:latin typeface="Adobe Clean Light"/>
+                          <a:latin typeface="Adobe Clean Light" panose="020B0303020404020204" pitchFamily="34" charset="0"/>
                           <a:ea typeface="+mn-ea"/>
                           <a:cs typeface="+mn-cs"/>
                         </a:rPr>
-                        <a:t>Terms and conditions detailing Support Services offerings.</a:t>
+                        <a:t>Il s’agit des termes et conditions détaillant les offres des services d’assistance</a:t>
                       </a:r>
-                      <a:endParaRPr lang="en-US" sz="1000" kern="1200" dirty="0">
-                        <a:solidFill>
-                          <a:srgbClr val="000000"/>
-                        </a:solidFill>
-                        <a:latin typeface="Adobe Clean Light" panose="020B0303020404020204" pitchFamily="34" charset="0"/>
-                        <a:ea typeface="+mn-ea"/>
-                        <a:cs typeface="+mn-cs"/>
-                      </a:endParaRPr>
                     </a:p>
                   </a:txBody>
                   <a:tcPr anchor="ctr">
@@ -19019,6 +15503,12 @@
 </file>
 
 <file path=customXml/item1.xml><?xml version="1.0" encoding="utf-8"?>
+<p:properties xmlns:p="http://schemas.microsoft.com/office/2006/metadata/properties" xmlns:xsi="http://www.w3.org/2001/XMLSchema-instance" xmlns:pc="http://schemas.microsoft.com/office/infopath/2007/PartnerControls">
+  <documentManagement/>
+</p:properties>
+</file>
+
+<file path=customXml/item2.xml><?xml version="1.0" encoding="utf-8"?>
 <ct:contentTypeSchema xmlns:ct="http://schemas.microsoft.com/office/2006/metadata/contentType" xmlns:ma="http://schemas.microsoft.com/office/2006/metadata/properties/metaAttributes" ct:_="" ma:_="" ma:contentTypeName="Document" ma:contentTypeID="0x010100E783BF6876BCC646A459363AF21A7736" ma:contentTypeVersion="10" ma:contentTypeDescription="Create a new document." ma:contentTypeScope="" ma:versionID="c4ffda7f4f415767600769e454c2ea87">
   <xsd:schema xmlns:xsd="http://www.w3.org/2001/XMLSchema" xmlns:xs="http://www.w3.org/2001/XMLSchema" xmlns:p="http://schemas.microsoft.com/office/2006/metadata/properties" xmlns:ns2="8a053bff-88be-49e4-9a87-e748e18b8b62" xmlns:ns3="6c8368ec-3776-49b5-a5bb-90648cf9530f" targetNamespace="http://schemas.microsoft.com/office/2006/metadata/properties" ma:root="true" ma:fieldsID="df3ec33bccc23e23bce7bc897fad43d1" ns2:_="" ns3:_="">
     <xsd:import namespace="8a053bff-88be-49e4-9a87-e748e18b8b62"/>
@@ -19223,7 +15713,7 @@
 </ct:contentTypeSchema>
 </file>
 
-<file path=customXml/item2.xml><?xml version="1.0" encoding="utf-8"?>
+<file path=customXml/item3.xml><?xml version="1.0" encoding="utf-8"?>
 <?mso-contentType ?>
 <FormTemplates xmlns="http://schemas.microsoft.com/sharepoint/v3/contenttype/forms">
   <Display>DocumentLibraryForm</Display>
@@ -19232,13 +15722,16 @@
 </FormTemplates>
 </file>
 
-<file path=customXml/item3.xml><?xml version="1.0" encoding="utf-8"?>
-<p:properties xmlns:p="http://schemas.microsoft.com/office/2006/metadata/properties" xmlns:xsi="http://www.w3.org/2001/XMLSchema-instance" xmlns:pc="http://schemas.microsoft.com/office/infopath/2007/PartnerControls">
-  <documentManagement/>
-</p:properties>
+<file path=customXml/itemProps1.xml><?xml version="1.0" encoding="utf-8"?>
+<ds:datastoreItem xmlns:ds="http://schemas.openxmlformats.org/officeDocument/2006/customXml" ds:itemID="{ED4099BE-EDEC-4FF1-8378-446617236015}">
+  <ds:schemaRefs>
+    <ds:schemaRef ds:uri="http://schemas.microsoft.com/office/2006/metadata/properties"/>
+    <ds:schemaRef ds:uri="http://schemas.microsoft.com/office/infopath/2007/PartnerControls"/>
+  </ds:schemaRefs>
+</ds:datastoreItem>
 </file>
 
-<file path=customXml/itemProps1.xml><?xml version="1.0" encoding="utf-8"?>
+<file path=customXml/itemProps2.xml><?xml version="1.0" encoding="utf-8"?>
 <ds:datastoreItem xmlns:ds="http://schemas.openxmlformats.org/officeDocument/2006/customXml" ds:itemID="{FB2EBF8D-136B-48EC-8FC0-F70C0583664B}">
   <ds:schemaRefs>
     <ds:schemaRef ds:uri="6c8368ec-3776-49b5-a5bb-90648cf9530f"/>
@@ -19257,27 +15750,10 @@
 </ds:datastoreItem>
 </file>
 
-<file path=customXml/itemProps2.xml><?xml version="1.0" encoding="utf-8"?>
+<file path=customXml/itemProps3.xml><?xml version="1.0" encoding="utf-8"?>
 <ds:datastoreItem xmlns:ds="http://schemas.openxmlformats.org/officeDocument/2006/customXml" ds:itemID="{941989CE-20BB-4A6A-A33F-71A1AE469C3E}">
   <ds:schemaRefs>
     <ds:schemaRef ds:uri="http://schemas.microsoft.com/sharepoint/v3/contenttype/forms"/>
   </ds:schemaRefs>
 </ds:datastoreItem>
-</file>
-
-<file path=customXml/itemProps3.xml><?xml version="1.0" encoding="utf-8"?>
-<ds:datastoreItem xmlns:ds="http://schemas.openxmlformats.org/officeDocument/2006/customXml" ds:itemID="{ED4099BE-EDEC-4FF1-8378-446617236015}">
-  <ds:schemaRefs>
-    <ds:schemaRef ds:uri="6c8368ec-3776-49b5-a5bb-90648cf9530f"/>
-    <ds:schemaRef ds:uri="8a053bff-88be-49e4-9a87-e748e18b8b62"/>
-    <ds:schemaRef ds:uri="http://purl.org/dc/dcmitype/"/>
-    <ds:schemaRef ds:uri="http://purl.org/dc/elements/1.1/"/>
-    <ds:schemaRef ds:uri="http://purl.org/dc/terms/"/>
-    <ds:schemaRef ds:uri="http://schemas.microsoft.com/office/2006/documentManagement/types"/>
-    <ds:schemaRef ds:uri="http://schemas.microsoft.com/office/2006/metadata/properties"/>
-    <ds:schemaRef ds:uri="http://schemas.microsoft.com/office/infopath/2007/PartnerControls"/>
-    <ds:schemaRef ds:uri="http://schemas.openxmlformats.org/package/2006/metadata/core-properties"/>
-    <ds:schemaRef ds:uri="http://www.w3.org/XML/1998/namespace"/>
-  </ds:schemaRefs>
-</ds:datastoreItem>
 </file>
--- a/help/data-sheets/assets/EnterpriseSupportDatasheet.pptx
+++ b/help/data-sheets/assets/EnterpriseSupportDatasheet.pptx
@@ -144,13 +144,9 @@
 <file path=ppt/revisionInfo.xml><?xml version="1.0" encoding="utf-8"?>
 <p1510:revInfo xmlns:a="http://schemas.openxmlformats.org/drawingml/2006/main" xmlns:r="http://schemas.openxmlformats.org/officeDocument/2006/relationships" xmlns:p1510="http://schemas.microsoft.com/office/powerpoint/2015/10/main">
   <p1510:revLst>
-    <p1510:client id="{0AB2EF93-BE08-D205-D43E-3B568BB37DAA}" v="26" dt="2021-09-22T23:01:49.517"/>
-    <p1510:client id="{0AC6A3A1-0788-C69A-5EFD-279F3FA2CF0F}" v="51" dt="2021-09-22T18:56:17.553"/>
-    <p1510:client id="{112231ED-4F38-A856-2EFF-9D0F88AC9BDF}" v="3" dt="2021-09-22T19:11:31.474"/>
-    <p1510:client id="{3CA2F123-FAC9-2CDD-7937-C83283BA7837}" v="1" dt="2021-09-16T20:58:19.458"/>
-    <p1510:client id="{3F02B349-0406-AE51-D438-E7A0BE890230}" v="20" dt="2021-08-25T18:45:08.206"/>
-    <p1510:client id="{A40C3D7D-993B-38B2-2DDA-C562505A1054}" v="4" dt="2021-09-22T23:00:46.860"/>
-    <p1510:client id="{BAC4F85F-6423-7248-85C4-44132DA97563}" v="77" dt="2021-08-07T08:51:03.454"/>
+    <p1510:client id="{19826C17-B3F5-53A1-AAFF-C7771804C7A7}" v="128" dt="2021-10-13T18:50:39.613"/>
+    <p1510:client id="{1A3D389F-0E00-444F-BDF7-5C174E20EEC2}" v="2" dt="2021-10-13T19:33:05.183"/>
+    <p1510:client id="{D02E726A-82A5-CF13-9EBE-9B674D878D37}" v="22" dt="2021-10-12T19:51:27.470"/>
   </p1510:revLst>
 </p1510:revInfo>
 </file>
@@ -208,6 +204,139 @@
             <pc:docMk/>
             <pc:sldMk cId="1050037809" sldId="261"/>
             <ac:graphicFrameMk id="25" creationId="{3A91F5B0-3974-A14D-A146-FB590F2AAD18}"/>
+          </ac:graphicFrameMkLst>
+        </pc:graphicFrameChg>
+      </pc:sldChg>
+    </pc:docChg>
+  </pc:docChgLst>
+  <pc:docChgLst>
+    <pc:chgData name="Akilah Johnson" userId="S::akjohnso@adobe.com::2fa3aa60-0c9c-4d06-bae2-795983241227" providerId="AD" clId="Web-{19826C17-B3F5-53A1-AAFF-C7771804C7A7}"/>
+    <pc:docChg chg="modSld">
+      <pc:chgData name="Akilah Johnson" userId="S::akjohnso@adobe.com::2fa3aa60-0c9c-4d06-bae2-795983241227" providerId="AD" clId="Web-{19826C17-B3F5-53A1-AAFF-C7771804C7A7}" dt="2021-10-13T18:50:21.160" v="67"/>
+      <pc:docMkLst>
+        <pc:docMk/>
+      </pc:docMkLst>
+      <pc:sldChg chg="modSp">
+        <pc:chgData name="Akilah Johnson" userId="S::akjohnso@adobe.com::2fa3aa60-0c9c-4d06-bae2-795983241227" providerId="AD" clId="Web-{19826C17-B3F5-53A1-AAFF-C7771804C7A7}" dt="2021-10-13T18:38:26.810" v="9" actId="20577"/>
+        <pc:sldMkLst>
+          <pc:docMk/>
+          <pc:sldMk cId="5960377" sldId="259"/>
+        </pc:sldMkLst>
+        <pc:spChg chg="mod">
+          <ac:chgData name="Akilah Johnson" userId="S::akjohnso@adobe.com::2fa3aa60-0c9c-4d06-bae2-795983241227" providerId="AD" clId="Web-{19826C17-B3F5-53A1-AAFF-C7771804C7A7}" dt="2021-10-13T18:38:26.810" v="9" actId="20577"/>
+          <ac:spMkLst>
+            <pc:docMk/>
+            <pc:sldMk cId="5960377" sldId="259"/>
+            <ac:spMk id="75" creationId="{4602CC83-B0C7-8445-9007-87E67CDDD9D0}"/>
+          </ac:spMkLst>
+        </pc:spChg>
+        <pc:spChg chg="mod">
+          <ac:chgData name="Akilah Johnson" userId="S::akjohnso@adobe.com::2fa3aa60-0c9c-4d06-bae2-795983241227" providerId="AD" clId="Web-{19826C17-B3F5-53A1-AAFF-C7771804C7A7}" dt="2021-10-13T18:38:17.716" v="5" actId="20577"/>
+          <ac:spMkLst>
+            <pc:docMk/>
+            <pc:sldMk cId="5960377" sldId="259"/>
+            <ac:spMk id="83" creationId="{7A016ADC-2A30-8A4B-BE07-A9AB6C1898A7}"/>
+          </ac:spMkLst>
+        </pc:spChg>
+        <pc:spChg chg="mod">
+          <ac:chgData name="Akilah Johnson" userId="S::akjohnso@adobe.com::2fa3aa60-0c9c-4d06-bae2-795983241227" providerId="AD" clId="Web-{19826C17-B3F5-53A1-AAFF-C7771804C7A7}" dt="2021-10-13T18:38:19.654" v="6" actId="20577"/>
+          <ac:spMkLst>
+            <pc:docMk/>
+            <pc:sldMk cId="5960377" sldId="259"/>
+            <ac:spMk id="87" creationId="{57C0C871-6516-F145-97DA-27A143E6185C}"/>
+          </ac:spMkLst>
+        </pc:spChg>
+        <pc:spChg chg="mod">
+          <ac:chgData name="Akilah Johnson" userId="S::akjohnso@adobe.com::2fa3aa60-0c9c-4d06-bae2-795983241227" providerId="AD" clId="Web-{19826C17-B3F5-53A1-AAFF-C7771804C7A7}" dt="2021-10-13T18:38:14.044" v="4" actId="20577"/>
+          <ac:spMkLst>
+            <pc:docMk/>
+            <pc:sldMk cId="5960377" sldId="259"/>
+            <ac:spMk id="124" creationId="{14AAF776-9013-4C40-92F9-FFFE22C4038F}"/>
+          </ac:spMkLst>
+        </pc:spChg>
+        <pc:spChg chg="mod">
+          <ac:chgData name="Akilah Johnson" userId="S::akjohnso@adobe.com::2fa3aa60-0c9c-4d06-bae2-795983241227" providerId="AD" clId="Web-{19826C17-B3F5-53A1-AAFF-C7771804C7A7}" dt="2021-10-13T18:38:10.013" v="2" actId="20577"/>
+          <ac:spMkLst>
+            <pc:docMk/>
+            <pc:sldMk cId="5960377" sldId="259"/>
+            <ac:spMk id="125" creationId="{AF4EBBF5-5438-A043-B9AA-3822381D52EE}"/>
+          </ac:spMkLst>
+        </pc:spChg>
+        <pc:spChg chg="mod">
+          <ac:chgData name="Akilah Johnson" userId="S::akjohnso@adobe.com::2fa3aa60-0c9c-4d06-bae2-795983241227" providerId="AD" clId="Web-{19826C17-B3F5-53A1-AAFF-C7771804C7A7}" dt="2021-10-13T18:38:12.263" v="3" actId="20577"/>
+          <ac:spMkLst>
+            <pc:docMk/>
+            <pc:sldMk cId="5960377" sldId="259"/>
+            <ac:spMk id="126" creationId="{7F65676D-32E4-7B4B-BB85-4D504B5882BD}"/>
+          </ac:spMkLst>
+        </pc:spChg>
+      </pc:sldChg>
+      <pc:sldChg chg="modSp">
+        <pc:chgData name="Akilah Johnson" userId="S::akjohnso@adobe.com::2fa3aa60-0c9c-4d06-bae2-795983241227" providerId="AD" clId="Web-{19826C17-B3F5-53A1-AAFF-C7771804C7A7}" dt="2021-10-13T18:40:23.717" v="19" actId="20577"/>
+        <pc:sldMkLst>
+          <pc:docMk/>
+          <pc:sldMk cId="1050037809" sldId="261"/>
+        </pc:sldMkLst>
+        <pc:spChg chg="mod">
+          <ac:chgData name="Akilah Johnson" userId="S::akjohnso@adobe.com::2fa3aa60-0c9c-4d06-bae2-795983241227" providerId="AD" clId="Web-{19826C17-B3F5-53A1-AAFF-C7771804C7A7}" dt="2021-10-13T18:40:23.717" v="19" actId="20577"/>
+          <ac:spMkLst>
+            <pc:docMk/>
+            <pc:sldMk cId="1050037809" sldId="261"/>
+            <ac:spMk id="56" creationId="{00000000-0000-0000-0000-000000000000}"/>
+          </ac:spMkLst>
+        </pc:spChg>
+        <pc:graphicFrameChg chg="mod modGraphic">
+          <ac:chgData name="Akilah Johnson" userId="S::akjohnso@adobe.com::2fa3aa60-0c9c-4d06-bae2-795983241227" providerId="AD" clId="Web-{19826C17-B3F5-53A1-AAFF-C7771804C7A7}" dt="2021-10-13T18:39:38.154" v="17"/>
+          <ac:graphicFrameMkLst>
+            <pc:docMk/>
+            <pc:sldMk cId="1050037809" sldId="261"/>
+            <ac:graphicFrameMk id="111" creationId="{D8653CEC-4213-DE40-9BAF-D1E3318FF89C}"/>
+          </ac:graphicFrameMkLst>
+        </pc:graphicFrameChg>
+      </pc:sldChg>
+      <pc:sldChg chg="modSp">
+        <pc:chgData name="Akilah Johnson" userId="S::akjohnso@adobe.com::2fa3aa60-0c9c-4d06-bae2-795983241227" providerId="AD" clId="Web-{19826C17-B3F5-53A1-AAFF-C7771804C7A7}" dt="2021-10-13T18:39:10.373" v="15" actId="20577"/>
+        <pc:sldMkLst>
+          <pc:docMk/>
+          <pc:sldMk cId="717026355" sldId="266"/>
+        </pc:sldMkLst>
+        <pc:spChg chg="mod">
+          <ac:chgData name="Akilah Johnson" userId="S::akjohnso@adobe.com::2fa3aa60-0c9c-4d06-bae2-795983241227" providerId="AD" clId="Web-{19826C17-B3F5-53A1-AAFF-C7771804C7A7}" dt="2021-10-13T18:39:10.373" v="15" actId="20577"/>
+          <ac:spMkLst>
+            <pc:docMk/>
+            <pc:sldMk cId="717026355" sldId="266"/>
+            <ac:spMk id="9" creationId="{00000000-0000-0000-0000-000000000000}"/>
+          </ac:spMkLst>
+        </pc:spChg>
+        <pc:spChg chg="mod">
+          <ac:chgData name="Akilah Johnson" userId="S::akjohnso@adobe.com::2fa3aa60-0c9c-4d06-bae2-795983241227" providerId="AD" clId="Web-{19826C17-B3F5-53A1-AAFF-C7771804C7A7}" dt="2021-10-13T18:38:44.029" v="11" actId="20577"/>
+          <ac:spMkLst>
+            <pc:docMk/>
+            <pc:sldMk cId="717026355" sldId="266"/>
+            <ac:spMk id="82" creationId="{F6061E8D-9723-464D-AA49-7A3A3A02BE92}"/>
+          </ac:spMkLst>
+        </pc:spChg>
+        <pc:spChg chg="mod">
+          <ac:chgData name="Akilah Johnson" userId="S::akjohnso@adobe.com::2fa3aa60-0c9c-4d06-bae2-795983241227" providerId="AD" clId="Web-{19826C17-B3F5-53A1-AAFF-C7771804C7A7}" dt="2021-10-13T18:39:00.638" v="13" actId="20577"/>
+          <ac:spMkLst>
+            <pc:docMk/>
+            <pc:sldMk cId="717026355" sldId="266"/>
+            <ac:spMk id="83" creationId="{BB34E685-A734-974B-A33A-BE51D1A8BC0D}"/>
+          </ac:spMkLst>
+        </pc:spChg>
+      </pc:sldChg>
+      <pc:sldChg chg="modSp">
+        <pc:chgData name="Akilah Johnson" userId="S::akjohnso@adobe.com::2fa3aa60-0c9c-4d06-bae2-795983241227" providerId="AD" clId="Web-{19826C17-B3F5-53A1-AAFF-C7771804C7A7}" dt="2021-10-13T18:50:21.160" v="67"/>
+        <pc:sldMkLst>
+          <pc:docMk/>
+          <pc:sldMk cId="2161849182" sldId="267"/>
+        </pc:sldMkLst>
+        <pc:graphicFrameChg chg="mod modGraphic">
+          <ac:chgData name="Akilah Johnson" userId="S::akjohnso@adobe.com::2fa3aa60-0c9c-4d06-bae2-795983241227" providerId="AD" clId="Web-{19826C17-B3F5-53A1-AAFF-C7771804C7A7}" dt="2021-10-13T18:50:21.160" v="67"/>
+          <ac:graphicFrameMkLst>
+            <pc:docMk/>
+            <pc:sldMk cId="2161849182" sldId="267"/>
+            <ac:graphicFrameMk id="9" creationId="{00000000-0000-0000-0000-000000000000}"/>
           </ac:graphicFrameMkLst>
         </pc:graphicFrameChg>
       </pc:sldChg>
@@ -317,44 +446,89 @@
       </pc:sldChg>
     </pc:docChg>
   </pc:docChgLst>
+  <pc:docChgLst>
+    <pc:chgData name="Lauren Schutte" userId="6e08b2d3-447a-4d66-86be-444d50df187f" providerId="ADAL" clId="{1A3D389F-0E00-444F-BDF7-5C174E20EEC2}"/>
+    <pc:docChg chg="undo custSel modSld">
+      <pc:chgData name="Lauren Schutte" userId="6e08b2d3-447a-4d66-86be-444d50df187f" providerId="ADAL" clId="{1A3D389F-0E00-444F-BDF7-5C174E20EEC2}" dt="2021-10-13T19:40:59.066" v="67" actId="20577"/>
+      <pc:docMkLst>
+        <pc:docMk/>
+      </pc:docMkLst>
+      <pc:sldChg chg="delSp modSp mod">
+        <pc:chgData name="Lauren Schutte" userId="6e08b2d3-447a-4d66-86be-444d50df187f" providerId="ADAL" clId="{1A3D389F-0E00-444F-BDF7-5C174E20EEC2}" dt="2021-10-13T19:40:25.578" v="61" actId="478"/>
+        <pc:sldMkLst>
+          <pc:docMk/>
+          <pc:sldMk cId="5960377" sldId="259"/>
+        </pc:sldMkLst>
+        <pc:spChg chg="mod">
+          <ac:chgData name="Lauren Schutte" userId="6e08b2d3-447a-4d66-86be-444d50df187f" providerId="ADAL" clId="{1A3D389F-0E00-444F-BDF7-5C174E20EEC2}" dt="2021-10-13T19:33:45.182" v="59" actId="20577"/>
+          <ac:spMkLst>
+            <pc:docMk/>
+            <pc:sldMk cId="5960377" sldId="259"/>
+            <ac:spMk id="127" creationId="{BB896A03-8E7E-344F-BDE1-37C49461FF04}"/>
+          </ac:spMkLst>
+        </pc:spChg>
+        <pc:grpChg chg="del mod">
+          <ac:chgData name="Lauren Schutte" userId="6e08b2d3-447a-4d66-86be-444d50df187f" providerId="ADAL" clId="{1A3D389F-0E00-444F-BDF7-5C174E20EEC2}" dt="2021-10-13T19:40:25.578" v="61" actId="478"/>
+          <ac:grpSpMkLst>
+            <pc:docMk/>
+            <pc:sldMk cId="5960377" sldId="259"/>
+            <ac:grpSpMk id="62" creationId="{C539739D-1D3E-204D-9819-C44D9AE36DE8}"/>
+          </ac:grpSpMkLst>
+        </pc:grpChg>
+      </pc:sldChg>
+      <pc:sldChg chg="modSp mod">
+        <pc:chgData name="Lauren Schutte" userId="6e08b2d3-447a-4d66-86be-444d50df187f" providerId="ADAL" clId="{1A3D389F-0E00-444F-BDF7-5C174E20EEC2}" dt="2021-10-13T19:40:59.066" v="67" actId="20577"/>
+        <pc:sldMkLst>
+          <pc:docMk/>
+          <pc:sldMk cId="2161849182" sldId="267"/>
+        </pc:sldMkLst>
+        <pc:spChg chg="mod">
+          <ac:chgData name="Lauren Schutte" userId="6e08b2d3-447a-4d66-86be-444d50df187f" providerId="ADAL" clId="{1A3D389F-0E00-444F-BDF7-5C174E20EEC2}" dt="2021-10-13T19:40:59.066" v="67" actId="20577"/>
+          <ac:spMkLst>
+            <pc:docMk/>
+            <pc:sldMk cId="2161849182" sldId="267"/>
+            <ac:spMk id="2" creationId="{00000000-0000-0000-0000-000000000000}"/>
+          </ac:spMkLst>
+        </pc:spChg>
+        <pc:graphicFrameChg chg="mod modGraphic">
+          <ac:chgData name="Lauren Schutte" userId="6e08b2d3-447a-4d66-86be-444d50df187f" providerId="ADAL" clId="{1A3D389F-0E00-444F-BDF7-5C174E20EEC2}" dt="2021-10-13T19:33:05.183" v="58"/>
+          <ac:graphicFrameMkLst>
+            <pc:docMk/>
+            <pc:sldMk cId="2161849182" sldId="267"/>
+            <ac:graphicFrameMk id="9" creationId="{00000000-0000-0000-0000-000000000000}"/>
+          </ac:graphicFrameMkLst>
+        </pc:graphicFrameChg>
+      </pc:sldChg>
+    </pc:docChg>
+  </pc:docChgLst>
+  <pc:docChgLst>
+    <pc:chgData name="Akilah Johnson" userId="S::akjohnso@adobe.com::2fa3aa60-0c9c-4d06-bae2-795983241227" providerId="AD" clId="Web-{D02E726A-82A5-CF13-9EBE-9B674D878D37}"/>
+    <pc:docChg chg="modSld">
+      <pc:chgData name="Akilah Johnson" userId="S::akjohnso@adobe.com::2fa3aa60-0c9c-4d06-bae2-795983241227" providerId="AD" clId="Web-{D02E726A-82A5-CF13-9EBE-9B674D878D37}" dt="2021-10-12T19:51:27.470" v="10"/>
+      <pc:docMkLst>
+        <pc:docMk/>
+      </pc:docMkLst>
+      <pc:sldChg chg="modSp delCm">
+        <pc:chgData name="Akilah Johnson" userId="S::akjohnso@adobe.com::2fa3aa60-0c9c-4d06-bae2-795983241227" providerId="AD" clId="Web-{D02E726A-82A5-CF13-9EBE-9B674D878D37}" dt="2021-10-12T19:51:27.470" v="10"/>
+        <pc:sldMkLst>
+          <pc:docMk/>
+          <pc:sldMk cId="2161849182" sldId="267"/>
+        </pc:sldMkLst>
+        <pc:spChg chg="mod">
+          <ac:chgData name="Akilah Johnson" userId="S::akjohnso@adobe.com::2fa3aa60-0c9c-4d06-bae2-795983241227" providerId="AD" clId="Web-{D02E726A-82A5-CF13-9EBE-9B674D878D37}" dt="2021-10-12T19:51:04.127" v="8" actId="20577"/>
+          <ac:spMkLst>
+            <pc:docMk/>
+            <pc:sldMk cId="2161849182" sldId="267"/>
+            <ac:spMk id="2" creationId="{00000000-0000-0000-0000-000000000000}"/>
+          </ac:spMkLst>
+        </pc:spChg>
+      </pc:sldChg>
+    </pc:docChg>
+  </pc:docChgLst>
 </pc:chgInfo>
 </file>
 
 <file path=ppt/comments/comment1.xml><?xml version="1.0" encoding="utf-8"?>
-<p:cmLst xmlns:a="http://schemas.openxmlformats.org/drawingml/2006/main" xmlns:r="http://schemas.openxmlformats.org/officeDocument/2006/relationships" xmlns:p="http://schemas.openxmlformats.org/presentationml/2006/main">
-  <p:cm authorId="1" dt="2021-08-04T14:42:10.630" idx="4">
-    <p:pos x="-3291" y="2170"/>
-    <p:text/>
-    <p:extLst>
-      <p:ext uri="{C676402C-5697-4E1C-873F-D02D1690AC5C}">
-        <p15:threadingInfo xmlns:p15="http://schemas.microsoft.com/office/powerpoint/2012/main" timeZoneBias="420"/>
-      </p:ext>
-    </p:extLst>
-  </p:cm>
-  <p:cm authorId="1" dt="2021-08-04T14:42:19.668" idx="5">
-    <p:pos x="4567" y="1502"/>
-    <p:text>Can we add a darker blue line under 'Enterprise Support?'</p:text>
-    <p:extLst>
-      <p:ext uri="{C676402C-5697-4E1C-873F-D02D1690AC5C}">
-        <p15:threadingInfo xmlns:p15="http://schemas.microsoft.com/office/powerpoint/2012/main" timeZoneBias="420"/>
-      </p:ext>
-    </p:extLst>
-  </p:cm>
-  <p:cm authorId="1" dt="2021-08-04T15:01:35.985" idx="8">
-    <p:pos x="4567" y="1598"/>
-    <p:text>Hi Ankita, I did my best to keep the formatting you already worked so hard on. I added a few comments on things I'll need your help with . Thank again so much!</p:text>
-    <p:extLst>
-      <p:ext uri="{C676402C-5697-4E1C-873F-D02D1690AC5C}">
-        <p15:threadingInfo xmlns:p15="http://schemas.microsoft.com/office/powerpoint/2012/main" timeZoneBias="420">
-          <p15:parentCm authorId="1" idx="5"/>
-        </p15:threadingInfo>
-      </p:ext>
-    </p:extLst>
-  </p:cm>
-</p:cmLst>
-</file>
-
-<file path=ppt/comments/comment2.xml><?xml version="1.0" encoding="utf-8"?>
 <p:cmLst xmlns:a="http://schemas.openxmlformats.org/drawingml/2006/main" xmlns:r="http://schemas.openxmlformats.org/officeDocument/2006/relationships" xmlns:p="http://schemas.openxmlformats.org/presentationml/2006/main">
   <p:cm authorId="1" dt="2021-08-04T14:53:07.049" idx="6">
     <p:pos x="10" y="10"/>
@@ -450,7 +624,7 @@
           <a:p>
             <a:fld id="{CCB2A597-803A-C244-97E2-A01066125D19}" type="datetimeFigureOut">
               <a:rPr lang="en-US" smtClean="0"/>
-              <a:t>10/1/2021</a:t>
+              <a:t>12-Nov-21</a:t>
             </a:fld>
             <a:endParaRPr lang="en-US"/>
           </a:p>
@@ -1231,7 +1405,7 @@
           <a:p>
             <a:fld id="{1D8BD707-D9CF-40AE-B4C6-C98DA3205C09}" type="datetimeFigureOut">
               <a:rPr lang="en-US"/>
-              <a:t>10/1/2021</a:t>
+              <a:t>12-Nov-21</a:t>
             </a:fld>
             <a:endParaRPr lang="en-US"/>
           </a:p>
@@ -1471,7 +1645,7 @@
           <a:p>
             <a:fld id="{1D8BD707-D9CF-40AE-B4C6-C98DA3205C09}" type="datetimeFigureOut">
               <a:rPr lang="en-US"/>
-              <a:t>10/1/2021</a:t>
+              <a:t>12-Nov-21</a:t>
             </a:fld>
             <a:endParaRPr lang="en-US"/>
           </a:p>
@@ -1724,7 +1898,7 @@
           <a:p>
             <a:fld id="{1D8BD707-D9CF-40AE-B4C6-C98DA3205C09}" type="datetimeFigureOut">
               <a:rPr lang="en-US"/>
-              <a:t>10/1/2021</a:t>
+              <a:t>12-Nov-21</a:t>
             </a:fld>
             <a:endParaRPr lang="en-US"/>
           </a:p>
@@ -1911,7 +2085,7 @@
           <a:p>
             <a:fld id="{1D8BD707-D9CF-40AE-B4C6-C98DA3205C09}" type="datetimeFigureOut">
               <a:rPr lang="en-US"/>
-              <a:t>10/1/2021</a:t>
+              <a:t>12-Nov-21</a:t>
             </a:fld>
             <a:endParaRPr lang="en-US"/>
           </a:p>
@@ -2069,7 +2243,7 @@
           <a:p>
             <a:fld id="{1D8BD707-D9CF-40AE-B4C6-C98DA3205C09}" type="datetimeFigureOut">
               <a:rPr lang="en-US"/>
-              <a:t>10/1/2021</a:t>
+              <a:t>12-Nov-21</a:t>
             </a:fld>
             <a:endParaRPr lang="en-US"/>
           </a:p>
@@ -2327,7 +2501,7 @@
           <a:p>
             <a:fld id="{1D8BD707-D9CF-40AE-B4C6-C98DA3205C09}" type="datetimeFigureOut">
               <a:rPr lang="en-US"/>
-              <a:t>10/1/2021</a:t>
+              <a:t>12-Nov-21</a:t>
             </a:fld>
             <a:endParaRPr lang="en-US"/>
           </a:p>
@@ -2566,24 +2740,21 @@
           </a:prstGeom>
         </p:spPr>
         <p:txBody>
-          <a:bodyPr vert="horz" wrap="square" lIns="0" tIns="12700" rIns="0" bIns="0" rtlCol="0">
+          <a:bodyPr vert="horz" wrap="square" lIns="0" tIns="12700" rIns="0" bIns="0" rtlCol="0" anchor="t">
             <a:spAutoFit/>
           </a:bodyPr>
           <a:lstStyle/>
           <a:p>
             <a:pPr marL="12700">
-              <a:lnSpc>
-                <a:spcPct val="100000"/>
-              </a:lnSpc>
               <a:spcBef>
                 <a:spcPts val="100"/>
               </a:spcBef>
             </a:pPr>
             <a:r>
               <a:rPr lang="fr-FR" sz="2300">
-                <a:latin typeface="Adobe Clean" panose="020B0503020404020204" pitchFamily="34" charset="0"/>
-              </a:rPr>
-              <a:t>OFFRES D’ASSISTANCE ADOBE</a:t>
+                <a:latin typeface="Adobe Clean"/>
+              </a:rPr>
+              <a:t>PLANS D’ASSISTANCE ADOBE</a:t>
             </a:r>
           </a:p>
         </p:txBody>
@@ -2596,8 +2767,8 @@
         </p:nvSpPr>
         <p:spPr>
           <a:xfrm>
-            <a:off x="125147" y="7013546"/>
-            <a:ext cx="3441013" cy="228268"/>
+            <a:off x="125148" y="6602066"/>
+            <a:ext cx="4504002" cy="228268"/>
           </a:xfrm>
           <a:prstGeom prst="rect">
             <a:avLst/>
@@ -2644,14 +2815,14 @@
           <p:nvPr>
             <p:extLst>
               <p:ext uri="{D42A27DB-BD31-4B8C-83A1-F6EECF244321}">
-                <p14:modId xmlns:p14="http://schemas.microsoft.com/office/powerpoint/2010/main" val="984980563"/>
+                <p14:modId xmlns:p14="http://schemas.microsoft.com/office/powerpoint/2010/main" val="2572683065"/>
               </p:ext>
             </p:extLst>
           </p:nvPr>
         </p:nvGraphicFramePr>
         <p:xfrm>
-          <a:off x="146919" y="7366478"/>
-          <a:ext cx="7477080" cy="2454556"/>
+          <a:off x="146919" y="7061678"/>
+          <a:ext cx="7477080" cy="2625974"/>
         </p:xfrm>
         <a:graphic>
           <a:graphicData uri="http://schemas.openxmlformats.org/drawingml/2006/table">
@@ -2667,14 +2838,14 @@
                     </a:ext>
                   </a:extLst>
                 </a:gridCol>
-                <a:gridCol w="1509294">
+                <a:gridCol w="1463040">
                   <a:extLst>
                     <a:ext uri="{9D8B030D-6E8A-4147-A177-3AD203B41FA5}">
                       <a16:colId xmlns:a16="http://schemas.microsoft.com/office/drawing/2014/main" val="20001"/>
                     </a:ext>
                   </a:extLst>
                 </a:gridCol>
-                <a:gridCol w="1314105">
+                <a:gridCol w="1360359">
                   <a:extLst>
                     <a:ext uri="{9D8B030D-6E8A-4147-A177-3AD203B41FA5}">
                       <a16:colId xmlns:a16="http://schemas.microsoft.com/office/drawing/2014/main" val="20002"/>
@@ -2763,7 +2934,7 @@
                       </a:r>
                     </a:p>
                   </a:txBody>
-                  <a:tcPr marL="0" marR="0" marT="6985" marB="0" anchor="ctr">
+                  <a:tcPr marL="0" marR="0" marT="0" marB="0" anchor="ctr">
                     <a:lnL w="6350">
                       <a:solidFill>
                         <a:srgbClr val="B7B8B8"/>
@@ -2782,11 +2953,14 @@
                       </a:solidFill>
                       <a:prstDash val="solid"/>
                     </a:lnT>
-                    <a:lnB w="76200">
+                    <a:lnB w="76200" cap="flat" cmpd="sng" algn="ctr">
                       <a:solidFill>
                         <a:srgbClr val="B3B3B3"/>
                       </a:solidFill>
                       <a:prstDash val="solid"/>
+                      <a:round/>
+                      <a:headEnd type="none" w="med" len="med"/>
+                      <a:tailEnd type="none" w="med" len="med"/>
                     </a:lnB>
                     <a:solidFill>
                       <a:srgbClr val="D9D9D9"/>
@@ -2814,30 +2988,11 @@
                           <a:latin typeface="Adobe Clean"/>
                           <a:cs typeface="Adobe Clean"/>
                         </a:rPr>
-                        <a:t>Assistance </a:t>
-                      </a:r>
-                      <a:br>
-                        <a:rPr lang="sk-SK" sz="900" dirty="0">
-                          <a:solidFill>
-                            <a:srgbClr val="FFFFFF"/>
-                          </a:solidFill>
-                          <a:latin typeface="Adobe Clean"/>
-                          <a:cs typeface="Adobe Clean"/>
-                        </a:rPr>
-                      </a:br>
-                      <a:r>
-                        <a:rPr lang="fr-FR" sz="900" dirty="0">
-                          <a:solidFill>
-                            <a:srgbClr val="FFFFFF"/>
-                          </a:solidFill>
-                          <a:latin typeface="Adobe Clean"/>
-                          <a:cs typeface="Adobe Clean"/>
-                        </a:rPr>
-                        <a:t>aux entreprises</a:t>
+                        <a:t>Assistance aux entreprises</a:t>
                       </a:r>
                     </a:p>
                   </a:txBody>
-                  <a:tcPr marL="0" marR="0" marT="10160" marB="0" anchor="ctr">
+                  <a:tcPr marL="0" marR="0" marT="0" marB="0" anchor="ctr">
                     <a:lnL w="6350">
                       <a:solidFill>
                         <a:srgbClr val="B7B8B8"/>
@@ -2879,7 +3034,7 @@
                   </a:ext>
                 </a:extLst>
               </a:tr>
-              <a:tr h="484756">
+              <a:tr h="613601">
                 <a:tc>
                   <a:txBody>
                     <a:bodyPr/>
@@ -2905,7 +3060,7 @@
                       </a:r>
                     </a:p>
                     <a:p>
-                      <a:pPr marL="50800" marR="387985" lvl="0" indent="0" defTabSz="914400" eaLnBrk="1" fontAlgn="auto" latinLnBrk="0" hangingPunct="1">
+                      <a:pPr marL="50800" marR="387985" lvl="0" indent="0" eaLnBrk="1" fontAlgn="auto" latinLnBrk="0" hangingPunct="1">
                         <a:lnSpc>
                           <a:spcPts val="1000"/>
                         </a:lnSpc>
@@ -2919,37 +3074,35 @@
                         <a:buSzTx/>
                         <a:buFontTx/>
                         <a:buNone/>
-                        <a:tabLst/>
-                        <a:defRPr/>
                       </a:pPr>
                       <a:r>
                         <a:rPr lang="fr-FR" sz="900" b="0" i="0" dirty="0">
                           <a:solidFill>
                             <a:srgbClr val="020302"/>
                           </a:solidFill>
-                          <a:latin typeface="Adobe Clean Light" panose="020B0303020404020204" pitchFamily="34" charset="0"/>
+                          <a:latin typeface="Adobe Clean Light"/>
                           <a:ea typeface="+mn-ea"/>
-                          <a:cs typeface="Adobe Clean"/>
+                          <a:cs typeface="+mn-cs"/>
                         </a:rPr>
-                        <a:t> </a:t>
+                        <a:t> </a:t>
                       </a:r>
                       <a:r>
                         <a:rPr lang="fr-FR" sz="900" b="0" i="0" u="none" strike="noStrike" dirty="0">
                           <a:solidFill>
                             <a:schemeClr val="tx1"/>
                           </a:solidFill>
-                          <a:latin typeface="Adobe Clean Light" panose="020B0303020404020204" pitchFamily="34" charset="0"/>
+                          <a:latin typeface="Adobe Clean Light"/>
                           <a:ea typeface="+mn-ea"/>
                           <a:cs typeface="+mn-cs"/>
                         </a:rPr>
                         <a:t>Les fonctions commerciales de production du client sont en panne ou présentent une perte </a:t>
                       </a:r>
                       <a:br>
-                        <a:rPr lang="sk-SK" sz="900" b="0" i="0" u="none" strike="noStrike" dirty="0">
+                        <a:rPr lang="fr-FR" sz="900" b="0" i="0" u="none" strike="noStrike" dirty="0">
                           <a:solidFill>
                             <a:schemeClr val="tx1"/>
                           </a:solidFill>
-                          <a:latin typeface="Adobe Clean Light" panose="020B0303020404020204" pitchFamily="34" charset="0"/>
+                          <a:latin typeface="Adobe Clean Light"/>
                           <a:ea typeface="+mn-ea"/>
                           <a:cs typeface="+mn-cs"/>
                         </a:rPr>
@@ -2959,7 +3112,7 @@
                           <a:solidFill>
                             <a:schemeClr val="tx1"/>
                           </a:solidFill>
-                          <a:latin typeface="Adobe Clean Light" panose="020B0303020404020204" pitchFamily="34" charset="0"/>
+                          <a:latin typeface="Adobe Clean Light"/>
                           <a:ea typeface="+mn-ea"/>
                           <a:cs typeface="+mn-cs"/>
                         </a:rPr>
@@ -2974,11 +3127,14 @@
                       </a:solidFill>
                       <a:prstDash val="solid"/>
                     </a:lnL>
-                    <a:lnR w="6350">
+                    <a:lnR w="6350" cap="flat" cmpd="sng" algn="ctr">
                       <a:solidFill>
                         <a:srgbClr val="B7B8B8"/>
                       </a:solidFill>
                       <a:prstDash val="solid"/>
+                      <a:round/>
+                      <a:headEnd type="none" w="med" len="med"/>
+                      <a:tailEnd type="none" w="med" len="med"/>
                     </a:lnR>
                     <a:lnT w="6350">
                       <a:solidFill>
@@ -2999,35 +3155,33 @@
                     <a:bodyPr/>
                     <a:lstStyle/>
                     <a:p>
-                      <a:pPr marL="542925" marR="492125" algn="ctr">
-                        <a:lnSpc>
-                          <a:spcPct val="102200"/>
-                        </a:lnSpc>
-                      </a:pPr>
+                      <a:pPr algn="ctr" fontAlgn="ctr"/>
                       <a:r>
-                        <a:rPr lang="fr-FR" sz="900" dirty="0">
+                        <a:rPr lang="fr-FR" sz="900" b="0" i="0" u="none" strike="noStrike">
                           <a:solidFill>
                             <a:srgbClr val="020302"/>
                           </a:solidFill>
-                          <a:latin typeface="AdobeClean-Light"/>
-                          <a:cs typeface="AdobeClean-Light"/>
+                          <a:latin typeface="AdobeClean-Light" panose="020B0503020404020204" pitchFamily="34" charset="0"/>
                         </a:rPr>
-                        <a:t>24x7 /           1 heure</a:t>
+                        <a:t>24x7 / 1 heure</a:t>
                       </a:r>
                     </a:p>
                   </a:txBody>
-                  <a:tcPr marL="0" marR="0" marT="0" marB="0" anchor="ctr">
+                  <a:tcPr marL="9525" marR="9525" marT="9525" marB="0" anchor="ctr">
                     <a:lnL w="6350">
                       <a:solidFill>
                         <a:srgbClr val="B7B8B8"/>
                       </a:solidFill>
                       <a:prstDash val="solid"/>
                     </a:lnL>
-                    <a:lnR w="6350">
+                    <a:lnR w="6350" cap="flat" cmpd="sng" algn="ctr">
                       <a:solidFill>
                         <a:srgbClr val="B7B8B8"/>
                       </a:solidFill>
                       <a:prstDash val="solid"/>
+                      <a:round/>
+                      <a:headEnd type="none" w="med" len="med"/>
+                      <a:tailEnd type="none" w="med" len="med"/>
                     </a:lnR>
                     <a:lnT w="76200">
                       <a:solidFill>
@@ -3048,52 +3202,27 @@
                     <a:bodyPr/>
                     <a:lstStyle/>
                     <a:p>
-                      <a:pPr marL="288925" marR="476250" indent="0" algn="ctr">
-                        <a:lnSpc>
-                          <a:spcPct val="100000"/>
-                        </a:lnSpc>
-                        <a:spcBef>
-                          <a:spcPts val="700"/>
-                        </a:spcBef>
-                      </a:pPr>
+                      <a:pPr algn="ctr" fontAlgn="ctr"/>
                       <a:r>
-                        <a:rPr lang="fr-FR" sz="900" dirty="0">
+                        <a:rPr lang="fr-FR" sz="900" b="0" i="0" u="none" strike="noStrike">
                           <a:solidFill>
                             <a:srgbClr val="020302"/>
                           </a:solidFill>
-                          <a:latin typeface="AdobeClean-Light"/>
-                          <a:cs typeface="AdobeClean-Light"/>
+                          <a:latin typeface="AdobeClean-Light" panose="020B0503020404020204" pitchFamily="34" charset="0"/>
                         </a:rPr>
-                        <a:t>24x7 /</a:t>
-                      </a:r>
-                      <a:r>
-                        <a:rPr lang="sk-SK" sz="900" dirty="0">
-                          <a:solidFill>
-                            <a:srgbClr val="020302"/>
-                          </a:solidFill>
-                          <a:latin typeface="AdobeClean-Light"/>
-                          <a:cs typeface="AdobeClean-Light"/>
-                        </a:rPr>
-                        <a:t> </a:t>
-                      </a:r>
-                      <a:r>
-                        <a:rPr lang="fr-FR" sz="900" dirty="0">
-                          <a:solidFill>
-                            <a:srgbClr val="020302"/>
-                          </a:solidFill>
-                          <a:latin typeface="AdobeClean-Light"/>
-                          <a:cs typeface="AdobeClean-Light"/>
-                        </a:rPr>
-                        <a:t>30 minutes</a:t>
+                        <a:t>24x7 / 30 minutes</a:t>
                       </a:r>
                     </a:p>
                   </a:txBody>
-                  <a:tcPr marL="0" marR="0" marT="0" marB="0" anchor="ctr">
-                    <a:lnL w="6350">
+                  <a:tcPr marL="9525" marR="9525" marT="9525" marB="0" anchor="ctr">
+                    <a:lnL w="6350" cap="flat" cmpd="sng" algn="ctr">
                       <a:solidFill>
                         <a:srgbClr val="B7B8B8"/>
                       </a:solidFill>
                       <a:prstDash val="solid"/>
+                      <a:round/>
+                      <a:headEnd type="none" w="med" len="med"/>
+                      <a:tailEnd type="none" w="med" len="med"/>
                     </a:lnL>
                     <a:lnR w="6350" cap="flat" cmpd="sng" algn="ctr">
                       <a:solidFill>
@@ -3132,7 +3261,7 @@
                   </a:ext>
                 </a:extLst>
               </a:tr>
-              <a:tr h="484755">
+              <a:tr h="636536">
                 <a:tc>
                   <a:txBody>
                     <a:bodyPr/>
@@ -3171,18 +3300,18 @@
                           <a:solidFill>
                             <a:schemeClr val="tx1"/>
                           </a:solidFill>
-                          <a:latin typeface="Adobe Clean Light" panose="020B0303020404020204" pitchFamily="34" charset="0"/>
+                          <a:latin typeface="Adobe Clean Light"/>
                           <a:ea typeface="+mn-ea"/>
                           <a:cs typeface="+mn-cs"/>
                         </a:rPr>
                         <a:t>Les fonctions commerciales du client présentent une dégradation importante des services, </a:t>
                       </a:r>
                       <a:br>
-                        <a:rPr lang="sk-SK" sz="900" b="0" i="0" u="none" strike="noStrike" dirty="0">
+                        <a:rPr lang="fr-FR" sz="900" b="0" i="0" u="none" strike="noStrike" dirty="0">
                           <a:solidFill>
                             <a:schemeClr val="tx1"/>
                           </a:solidFill>
-                          <a:latin typeface="Adobe Clean Light" panose="020B0303020404020204" pitchFamily="34" charset="0"/>
+                          <a:latin typeface="Adobe Clean Light"/>
                           <a:ea typeface="+mn-ea"/>
                           <a:cs typeface="+mn-cs"/>
                         </a:rPr>
@@ -3192,7 +3321,7 @@
                           <a:solidFill>
                             <a:schemeClr val="tx1"/>
                           </a:solidFill>
-                          <a:latin typeface="Adobe Clean Light" panose="020B0303020404020204" pitchFamily="34" charset="0"/>
+                          <a:latin typeface="Adobe Clean Light"/>
                           <a:ea typeface="+mn-ea"/>
                           <a:cs typeface="+mn-cs"/>
                         </a:rPr>
@@ -3207,11 +3336,14 @@
                       </a:solidFill>
                       <a:prstDash val="solid"/>
                     </a:lnL>
-                    <a:lnR w="6350">
+                    <a:lnR w="6350" cap="flat" cmpd="sng" algn="ctr">
                       <a:solidFill>
                         <a:srgbClr val="B7B8B8"/>
                       </a:solidFill>
                       <a:prstDash val="solid"/>
+                      <a:round/>
+                      <a:headEnd type="none" w="med" len="med"/>
+                      <a:tailEnd type="none" w="med" len="med"/>
                     </a:lnR>
                     <a:lnT w="6350">
                       <a:solidFill>
@@ -3232,55 +3364,33 @@
                     <a:bodyPr/>
                     <a:lstStyle/>
                     <a:p>
-                      <a:pPr marL="228600" marR="343535" indent="69850" algn="ctr">
-                        <a:lnSpc>
-                          <a:spcPct val="102200"/>
-                        </a:lnSpc>
-                      </a:pPr>
+                      <a:pPr algn="ctr" fontAlgn="ctr"/>
                       <a:r>
-                        <a:rPr lang="fr-FR" sz="900" dirty="0">
+                        <a:rPr lang="fr-FR" sz="900" b="0" i="0" u="none" strike="noStrike">
                           <a:solidFill>
                             <a:srgbClr val="020302"/>
                           </a:solidFill>
-                          <a:latin typeface="AdobeClean-Light"/>
-                          <a:cs typeface="AdobeClean-Light"/>
+                          <a:latin typeface="AdobeClean-Light" panose="020B0503020404020204" pitchFamily="34" charset="0"/>
                         </a:rPr>
-                        <a:t>Heures d’ouverture /</a:t>
-                      </a:r>
-                      <a:r>
-                        <a:rPr lang="sk-SK" sz="900" dirty="0">
-                          <a:solidFill>
-                            <a:srgbClr val="020302"/>
-                          </a:solidFill>
-                          <a:latin typeface="AdobeClean-Light"/>
-                          <a:cs typeface="AdobeClean-Light"/>
-                        </a:rPr>
-                        <a:t> </a:t>
-                      </a:r>
-                      <a:r>
-                        <a:rPr lang="fr-FR" sz="900" dirty="0">
-                          <a:solidFill>
-                            <a:srgbClr val="020302"/>
-                          </a:solidFill>
-                          <a:latin typeface="AdobeClean-Light"/>
-                          <a:cs typeface="AdobeClean-Light"/>
-                        </a:rPr>
-                        <a:t>4 heures</a:t>
+                        <a:t>Heures d’ouverture / 4 heures</a:t>
                       </a:r>
                     </a:p>
                   </a:txBody>
-                  <a:tcPr marL="0" marR="0" marT="0" marB="0" anchor="ctr">
+                  <a:tcPr marL="9525" marR="9525" marT="9525" marB="0" anchor="ctr">
                     <a:lnL w="6350">
                       <a:solidFill>
                         <a:srgbClr val="B7B8B8"/>
                       </a:solidFill>
                       <a:prstDash val="solid"/>
                     </a:lnL>
-                    <a:lnR w="6350">
+                    <a:lnR w="6350" cap="flat" cmpd="sng" algn="ctr">
                       <a:solidFill>
                         <a:srgbClr val="B7B8B8"/>
                       </a:solidFill>
                       <a:prstDash val="solid"/>
+                      <a:round/>
+                      <a:headEnd type="none" w="med" len="med"/>
+                      <a:tailEnd type="none" w="med" len="med"/>
                     </a:lnR>
                     <a:lnT w="6350">
                       <a:solidFill>
@@ -3301,30 +3411,27 @@
                     <a:bodyPr/>
                     <a:lstStyle/>
                     <a:p>
-                      <a:pPr marL="288925" marR="492125" indent="0" algn="ctr">
-                        <a:lnSpc>
-                          <a:spcPct val="102200"/>
-                        </a:lnSpc>
-                      </a:pPr>
+                      <a:pPr algn="ctr" fontAlgn="ctr"/>
                       <a:r>
-                        <a:rPr lang="fr-FR" sz="900" dirty="0">
+                        <a:rPr lang="fr-FR" sz="900" b="0" i="0" u="none" strike="noStrike">
                           <a:solidFill>
                             <a:srgbClr val="020302"/>
                           </a:solidFill>
-                          <a:latin typeface="AdobeClean-Light"/>
-                          <a:ea typeface="+mn-ea"/>
-                          <a:cs typeface="AdobeClean-Light"/>
+                          <a:latin typeface="AdobeClean-Light" panose="020B0503020404020204" pitchFamily="34" charset="0"/>
                         </a:rPr>
-                        <a:t>24x5 /   1 heure</a:t>
+                        <a:t>24x5 / 1 heure</a:t>
                       </a:r>
                     </a:p>
                   </a:txBody>
-                  <a:tcPr marL="0" marR="0" marT="0" marB="0" anchor="ctr">
-                    <a:lnL w="6350">
+                  <a:tcPr marL="9525" marR="9525" marT="9525" marB="0" anchor="ctr">
+                    <a:lnL w="6350" cap="flat" cmpd="sng" algn="ctr">
                       <a:solidFill>
                         <a:srgbClr val="B7B8B8"/>
                       </a:solidFill>
                       <a:prstDash val="solid"/>
+                      <a:round/>
+                      <a:headEnd type="none" w="med" len="med"/>
+                      <a:tailEnd type="none" w="med" len="med"/>
                     </a:lnL>
                     <a:lnR w="6350" cap="flat" cmpd="sng" algn="ctr">
                       <a:solidFill>
@@ -3360,7 +3467,7 @@
                   </a:ext>
                 </a:extLst>
               </a:tr>
-              <a:tr h="566928">
+              <a:tr h="679072">
                 <a:tc>
                   <a:txBody>
                     <a:bodyPr/>
@@ -3395,15 +3502,57 @@
                         </a:spcBef>
                       </a:pPr>
                       <a:r>
-                        <a:rPr lang="fr-FR" sz="900" b="0" i="0" u="none" strike="noStrike" spc="-30" baseline="0" dirty="0">
+                        <a:rPr lang="fr-FR" sz="900" b="0" i="0" u="none" strike="noStrike" dirty="0">
                           <a:solidFill>
                             <a:schemeClr val="tx1"/>
                           </a:solidFill>
-                          <a:latin typeface="Adobe Clean Light" panose="020B0303020404020204" pitchFamily="34" charset="0"/>
+                          <a:latin typeface="Adobe Clean Light"/>
                           <a:ea typeface="+mn-ea"/>
                           <a:cs typeface="+mn-cs"/>
                         </a:rPr>
-                        <a:t>Les fonctions commerciales du client présentent une dégradation mineure, voire inexistante, des services, comprenant une solution/un moyen permettant aux fonctions commerciales de continuer de fonctionner  </a:t>
+                        <a:t>Les fonctions commerciales du client présentent une dégradation mineure, voire inexistante, </a:t>
+                      </a:r>
+                      <a:br>
+                        <a:rPr lang="fr-FR" sz="900" b="0" i="0" u="none" strike="noStrike" dirty="0">
+                          <a:solidFill>
+                            <a:schemeClr val="tx1"/>
+                          </a:solidFill>
+                          <a:latin typeface="Adobe Clean Light"/>
+                          <a:ea typeface="+mn-ea"/>
+                          <a:cs typeface="+mn-cs"/>
+                        </a:rPr>
+                      </a:br>
+                      <a:r>
+                        <a:rPr lang="fr-FR" sz="900" b="0" i="0" u="none" strike="noStrike" dirty="0">
+                          <a:solidFill>
+                            <a:schemeClr val="tx1"/>
+                          </a:solidFill>
+                          <a:latin typeface="Adobe Clean Light"/>
+                          <a:ea typeface="+mn-ea"/>
+                          <a:cs typeface="+mn-cs"/>
+                        </a:rPr>
+                        <a:t>des services, comprenant une solution/un moyen permettant aux fonctions commerciales </a:t>
+                      </a:r>
+                      <a:br>
+                        <a:rPr lang="fr-FR" sz="900" b="0" i="0" u="none" strike="noStrike" dirty="0">
+                          <a:solidFill>
+                            <a:schemeClr val="tx1"/>
+                          </a:solidFill>
+                          <a:latin typeface="Adobe Clean Light"/>
+                          <a:ea typeface="+mn-ea"/>
+                          <a:cs typeface="+mn-cs"/>
+                        </a:rPr>
+                      </a:br>
+                      <a:r>
+                        <a:rPr lang="fr-FR" sz="900" b="0" i="0" u="none" strike="noStrike" dirty="0">
+                          <a:solidFill>
+                            <a:schemeClr val="tx1"/>
+                          </a:solidFill>
+                          <a:latin typeface="Adobe Clean Light"/>
+                          <a:ea typeface="+mn-ea"/>
+                          <a:cs typeface="+mn-cs"/>
+                        </a:rPr>
+                        <a:t>de continuer de fonctionner. </a:t>
                       </a:r>
                     </a:p>
                   </a:txBody>
@@ -3414,11 +3563,14 @@
                       </a:solidFill>
                       <a:prstDash val="solid"/>
                     </a:lnL>
-                    <a:lnR w="6350">
+                    <a:lnR w="6350" cap="flat" cmpd="sng" algn="ctr">
                       <a:solidFill>
                         <a:srgbClr val="B7B8B8"/>
                       </a:solidFill>
                       <a:prstDash val="solid"/>
+                      <a:round/>
+                      <a:headEnd type="none" w="med" len="med"/>
+                      <a:tailEnd type="none" w="med" len="med"/>
                     </a:lnR>
                     <a:lnT w="6350">
                       <a:solidFill>
@@ -3439,35 +3591,33 @@
                     <a:bodyPr/>
                     <a:lstStyle/>
                     <a:p>
-                      <a:pPr marL="228600" marR="343535" indent="0" algn="ctr">
-                        <a:lnSpc>
-                          <a:spcPct val="102200"/>
-                        </a:lnSpc>
-                      </a:pPr>
+                      <a:pPr algn="ctr" fontAlgn="ctr"/>
                       <a:r>
-                        <a:rPr lang="fr-FR" sz="900" dirty="0">
+                        <a:rPr lang="fr-FR" sz="900" b="0" i="0" u="none" strike="noStrike">
                           <a:solidFill>
                             <a:srgbClr val="020302"/>
                           </a:solidFill>
-                          <a:latin typeface="AdobeClean-Light"/>
-                          <a:cs typeface="AdobeClean-Light"/>
+                          <a:latin typeface="AdobeClean-Light" panose="020B0503020404020204" pitchFamily="34" charset="0"/>
                         </a:rPr>
-                        <a:t>Heures d’ouverture / 6 heures</a:t>
+                        <a:t>Heures d’ouverture / 6 heures</a:t>
                       </a:r>
                     </a:p>
                   </a:txBody>
-                  <a:tcPr marL="0" marR="0" marT="0" marB="0" anchor="ctr">
+                  <a:tcPr marL="9525" marR="9525" marT="9525" marB="0" anchor="ctr">
                     <a:lnL w="6350">
                       <a:solidFill>
                         <a:srgbClr val="B7B8B8"/>
                       </a:solidFill>
                       <a:prstDash val="solid"/>
                     </a:lnL>
-                    <a:lnR w="6350">
+                    <a:lnR w="6350" cap="flat" cmpd="sng" algn="ctr">
                       <a:solidFill>
                         <a:srgbClr val="B7B8B8"/>
                       </a:solidFill>
                       <a:prstDash val="solid"/>
+                      <a:round/>
+                      <a:headEnd type="none" w="med" len="med"/>
+                      <a:tailEnd type="none" w="med" len="med"/>
                     </a:lnR>
                     <a:lnT w="6350">
                       <a:solidFill>
@@ -3488,32 +3638,27 @@
                     <a:bodyPr/>
                     <a:lstStyle/>
                     <a:p>
-                      <a:pPr marL="228600" marR="398780" indent="3175" algn="ctr">
-                        <a:lnSpc>
-                          <a:spcPct val="102200"/>
-                        </a:lnSpc>
-                        <a:spcBef>
-                          <a:spcPts val="675"/>
-                        </a:spcBef>
-                      </a:pPr>
+                      <a:pPr algn="ctr" fontAlgn="ctr"/>
                       <a:r>
-                        <a:rPr lang="fr-FR" sz="900" dirty="0">
+                        <a:rPr lang="fr-FR" sz="900" b="0" i="0" u="none" strike="noStrike" dirty="0">
                           <a:solidFill>
                             <a:srgbClr val="020302"/>
                           </a:solidFill>
-                          <a:latin typeface="AdobeClean-Light"/>
-                          <a:cs typeface="AdobeClean-Light"/>
+                          <a:latin typeface="AdobeClean-Light" panose="020B0503020404020204" pitchFamily="34" charset="0"/>
                         </a:rPr>
-                        <a:t>Heures d’ouverture /  2 heures</a:t>
+                        <a:t>Heures d’ouverture / 2 heures</a:t>
                       </a:r>
                     </a:p>
                   </a:txBody>
-                  <a:tcPr marL="0" marR="0" marT="0" marB="0" anchor="ctr">
-                    <a:lnL w="6350">
+                  <a:tcPr marL="9525" marR="9525" marT="9525" marB="0" anchor="ctr">
+                    <a:lnL w="6350" cap="flat" cmpd="sng" algn="ctr">
                       <a:solidFill>
                         <a:srgbClr val="B7B8B8"/>
                       </a:solidFill>
                       <a:prstDash val="solid"/>
+                      <a:round/>
+                      <a:headEnd type="none" w="med" len="med"/>
+                      <a:tailEnd type="none" w="med" len="med"/>
                     </a:lnL>
                     <a:lnR w="6350" cap="flat" cmpd="sng" algn="ctr">
                       <a:solidFill>
@@ -3564,7 +3709,7 @@
                         </a:spcBef>
                       </a:pPr>
                       <a:r>
-                        <a:rPr lang="fr-FR" sz="900" b="1" dirty="0">
+                        <a:rPr lang="fr-FR" sz="900" b="1">
                           <a:solidFill>
                             <a:srgbClr val="020302"/>
                           </a:solidFill>
@@ -3584,22 +3729,22 @@
                         </a:spcBef>
                       </a:pPr>
                       <a:r>
-                        <a:rPr lang="fr-FR" sz="900" b="1" dirty="0">
+                        <a:rPr lang="fr-FR" sz="900" b="1">
                           <a:solidFill>
                             <a:srgbClr val="020302"/>
                           </a:solidFill>
                           <a:latin typeface="Adobe Clean"/>
                           <a:ea typeface="+mn-ea"/>
-                          <a:cs typeface="Adobe Clean"/>
+                          <a:cs typeface="+mn-cs"/>
                         </a:rPr>
-                        <a:t> </a:t>
+                        <a:t> </a:t>
                       </a:r>
                       <a:r>
-                        <a:rPr lang="fr-FR" sz="900" b="0" i="0" u="none" strike="noStrike" dirty="0">
+                        <a:rPr lang="fr-FR" sz="900" b="0" i="0" u="none" strike="noStrike">
                           <a:solidFill>
                             <a:schemeClr val="tx1"/>
                           </a:solidFill>
-                          <a:latin typeface="Adobe Clean Light" panose="020B0303020404020204" pitchFamily="34" charset="0"/>
+                          <a:latin typeface="Adobe Clean Light"/>
                           <a:ea typeface="+mn-ea"/>
                           <a:cs typeface="+mn-cs"/>
                         </a:rPr>
@@ -3614,11 +3759,14 @@
                       </a:solidFill>
                       <a:prstDash val="solid"/>
                     </a:lnL>
-                    <a:lnR w="6350">
+                    <a:lnR w="6350" cap="flat" cmpd="sng" algn="ctr">
                       <a:solidFill>
                         <a:srgbClr val="B7B8B8"/>
                       </a:solidFill>
                       <a:prstDash val="solid"/>
+                      <a:round/>
+                      <a:headEnd type="none" w="med" len="med"/>
+                      <a:tailEnd type="none" w="med" len="med"/>
                     </a:lnR>
                     <a:lnT w="6350">
                       <a:solidFill>
@@ -3639,35 +3787,33 @@
                     <a:bodyPr/>
                     <a:lstStyle/>
                     <a:p>
-                      <a:pPr marL="288925" marR="343535" indent="9525" algn="ctr">
-                        <a:lnSpc>
-                          <a:spcPct val="102200"/>
-                        </a:lnSpc>
-                      </a:pPr>
+                      <a:pPr algn="ctr" fontAlgn="ctr"/>
                       <a:r>
-                        <a:rPr lang="fr-FR" sz="900" dirty="0">
+                        <a:rPr lang="fr-FR" sz="900" b="0" i="0" u="none" strike="noStrike">
                           <a:solidFill>
                             <a:srgbClr val="020302"/>
                           </a:solidFill>
-                          <a:latin typeface="AdobeClean-Light"/>
-                          <a:cs typeface="AdobeClean-Light"/>
+                          <a:latin typeface="AdobeClean-Light" panose="020B0503020404020204" pitchFamily="34" charset="0"/>
                         </a:rPr>
-                        <a:t>Jours ouvrables /   3 jours</a:t>
+                        <a:t>Jours ouvrables / 3 jours</a:t>
                       </a:r>
                     </a:p>
                   </a:txBody>
-                  <a:tcPr marL="0" marR="0" marT="0" marB="0" anchor="ctr">
+                  <a:tcPr marL="9525" marR="9525" marT="9525" marB="0" anchor="ctr">
                     <a:lnL w="6350">
                       <a:solidFill>
                         <a:srgbClr val="B7B8B8"/>
                       </a:solidFill>
                       <a:prstDash val="solid"/>
                     </a:lnL>
-                    <a:lnR w="6350">
+                    <a:lnR w="6350" cap="flat" cmpd="sng" algn="ctr">
                       <a:solidFill>
                         <a:srgbClr val="B7B8B8"/>
                       </a:solidFill>
                       <a:prstDash val="solid"/>
+                      <a:round/>
+                      <a:headEnd type="none" w="med" len="med"/>
+                      <a:tailEnd type="none" w="med" len="med"/>
                     </a:lnR>
                     <a:lnT w="6350">
                       <a:solidFill>
@@ -3688,29 +3834,27 @@
                     <a:bodyPr/>
                     <a:lstStyle/>
                     <a:p>
-                      <a:pPr marL="288925" marR="343535" indent="9525" algn="ctr">
-                        <a:lnSpc>
-                          <a:spcPct val="102200"/>
-                        </a:lnSpc>
-                      </a:pPr>
+                      <a:pPr algn="ctr" fontAlgn="ctr"/>
                       <a:r>
-                        <a:rPr lang="fr-FR" sz="900" dirty="0">
+                        <a:rPr lang="fr-FR" sz="900" b="0" i="0" u="none" strike="noStrike" dirty="0">
                           <a:solidFill>
                             <a:srgbClr val="020302"/>
                           </a:solidFill>
-                          <a:latin typeface="AdobeClean-Light"/>
-                          <a:cs typeface="AdobeClean-Light"/>
+                          <a:latin typeface="AdobeClean-Light" panose="020B0503020404020204" pitchFamily="34" charset="0"/>
                         </a:rPr>
-                        <a:t>Jours ouvrables /       1 jour</a:t>
+                        <a:t>Jours ouvrables / 1 jour</a:t>
                       </a:r>
                     </a:p>
                   </a:txBody>
-                  <a:tcPr marL="0" marR="0" marT="0" marB="0" anchor="ctr">
-                    <a:lnL w="6350">
+                  <a:tcPr marL="9525" marR="9525" marT="9525" marB="0" anchor="ctr">
+                    <a:lnL w="6350" cap="flat" cmpd="sng" algn="ctr">
                       <a:solidFill>
                         <a:srgbClr val="B7B8B8"/>
                       </a:solidFill>
                       <a:prstDash val="solid"/>
+                      <a:round/>
+                      <a:headEnd type="none" w="med" len="med"/>
+                      <a:tailEnd type="none" w="med" len="med"/>
                     </a:lnL>
                     <a:lnR w="6350" cap="flat" cmpd="sng" algn="ctr">
                       <a:solidFill>
@@ -3785,7 +3929,7 @@
         <p:spPr>
           <a:xfrm>
             <a:off x="97788" y="9888626"/>
-            <a:ext cx="2980692" cy="133370"/>
+            <a:ext cx="3361692" cy="133370"/>
           </a:xfrm>
           <a:prstGeom prst="rect">
             <a:avLst/>
@@ -3806,24 +3950,8 @@
               </a:spcBef>
             </a:pPr>
             <a:r>
-              <a:rPr lang="fr-FR" dirty="0"/>
-              <a:t>©2021 Adobe. All </a:t>
-            </a:r>
-            <a:r>
-              <a:rPr lang="fr-FR" dirty="0" err="1"/>
-              <a:t>Rights</a:t>
-            </a:r>
-            <a:r>
-              <a:rPr lang="fr-FR" dirty="0"/>
-              <a:t> </a:t>
-            </a:r>
-            <a:r>
-              <a:rPr lang="fr-FR" dirty="0" err="1"/>
-              <a:t>Reserved</a:t>
-            </a:r>
-            <a:r>
-              <a:rPr lang="fr-FR" dirty="0"/>
-              <a:t>. Données confidentielles Adobe</a:t>
+              <a:rPr lang="fr-FR"/>
+              <a:t>©2021 Adobe. All Rights Reserved. Données confidentielles Adobe</a:t>
             </a:r>
           </a:p>
         </p:txBody>
@@ -3881,8 +4009,8 @@
         </p:nvSpPr>
         <p:spPr>
           <a:xfrm>
-            <a:off x="146919" y="756605"/>
-            <a:ext cx="6035427" cy="1243417"/>
+            <a:off x="146920" y="674819"/>
+            <a:ext cx="5879400" cy="1241687"/>
           </a:xfrm>
           <a:prstGeom prst="rect">
             <a:avLst/>
@@ -3903,7 +4031,7 @@
               </a:spcBef>
             </a:pPr>
             <a:r>
-              <a:rPr lang="fr-FR" sz="1200">
+              <a:rPr lang="fr-FR" sz="1100" dirty="0">
                 <a:solidFill>
                   <a:schemeClr val="bg1"/>
                 </a:solidFill>
@@ -3912,7 +4040,7 @@
               <a:t>En ligne | Commerciale |</a:t>
             </a:r>
             <a:r>
-              <a:rPr lang="fr-FR" sz="1200" b="1">
+              <a:rPr lang="fr-FR" sz="1100" b="1" dirty="0">
                 <a:solidFill>
                   <a:schemeClr val="bg1"/>
                 </a:solidFill>
@@ -3921,7 +4049,7 @@
               <a:t> </a:t>
             </a:r>
             <a:r>
-              <a:rPr lang="fr-FR" sz="1200" b="1">
+              <a:rPr lang="fr-FR" sz="1100" b="1" dirty="0">
                 <a:solidFill>
                   <a:schemeClr val="bg1"/>
                 </a:solidFill>
@@ -3929,7 +4057,7 @@
               <a:t>Entreprise</a:t>
             </a:r>
             <a:r>
-              <a:rPr lang="fr-FR" sz="1200" b="1">
+              <a:rPr lang="fr-FR" sz="1100" b="1" dirty="0">
                 <a:solidFill>
                   <a:schemeClr val="bg1"/>
                 </a:solidFill>
@@ -3938,7 +4066,7 @@
               <a:t> </a:t>
             </a:r>
             <a:r>
-              <a:rPr lang="fr-FR" sz="1200">
+              <a:rPr lang="fr-FR" sz="1100" dirty="0">
                 <a:solidFill>
                   <a:schemeClr val="bg1"/>
                 </a:solidFill>
@@ -3947,7 +4075,7 @@
               <a:t>| Elite</a:t>
             </a:r>
             <a:br>
-              <a:rPr lang="fr-FR" sz="900">
+              <a:rPr lang="fr-FR" sz="800" dirty="0">
                 <a:solidFill>
                   <a:schemeClr val="bg1"/>
                 </a:solidFill>
@@ -3955,13 +4083,49 @@
               </a:rPr>
             </a:br>
             <a:r>
-              <a:rPr lang="fr-FR" sz="900">
+              <a:rPr lang="fr-FR" sz="800" dirty="0">
                 <a:solidFill>
                   <a:schemeClr val="bg1"/>
                 </a:solidFill>
                 <a:latin typeface="Adobe Clean SemiLight" panose="020B0403020404020204" pitchFamily="34" charset="0"/>
               </a:rPr>
-              <a:t>L’assistance d’ENTREPRISE comprend un accès à des parcours de formation personnalisés et à des forums communautaires surveillés au travers d’Experience League d’Adobe. Vous pouvez également tirer profit de notre documentation technique détaillée et approfondie sur les produits, ainsi que de nos notes de mise à jour actuelles. Les clients du programme d’ENTREPRISE bénéficieront également d’un accès à un ingénieur d’assistance nommé jouant le rôle de contact technique désigné dans l’équipe d’assistance d’Adobe. Grâce à sa grande expérience dans vos solutions Experience Cloud, votre équipe d’assistance travaillera à vos côtés et avec vos équipes techniques afin d’assurer une résolution de toutes les requêtes d’assistance dans les temps. Votre équipe d’assistance peut également vous aider à coordonner et organiser la diffusion des avantages d’ENTREPRISE supplémentaires, garantissant ainsi une perturbation minimale de votre entreprise aux moments les plus critiques. </a:t>
+              <a:t>L’assistance d’ENTREPRISE comprend un accès à des parcours de formation personnalisés et à des forums communautaires surveillés au travers d’</a:t>
+            </a:r>
+            <a:r>
+              <a:rPr lang="fr-FR" sz="800" dirty="0" err="1">
+                <a:solidFill>
+                  <a:schemeClr val="bg1"/>
+                </a:solidFill>
+                <a:latin typeface="Adobe Clean SemiLight" panose="020B0403020404020204" pitchFamily="34" charset="0"/>
+              </a:rPr>
+              <a:t>Experience</a:t>
+            </a:r>
+            <a:r>
+              <a:rPr lang="fr-FR" sz="800" dirty="0">
+                <a:solidFill>
+                  <a:schemeClr val="bg1"/>
+                </a:solidFill>
+                <a:latin typeface="Adobe Clean SemiLight" panose="020B0403020404020204" pitchFamily="34" charset="0"/>
+              </a:rPr>
+              <a:t> League d’Adobe. Vous pouvez également tirer profit de notre documentation technique détaillée et approfondie sur les produits, ainsi que de nos notes de mise à jour actuelles. Les clients du programme d’ENTREPRISE bénéficieront également d’un accès à un ingénieur d’assistance nommé jouant le rôle de contact technique désigné dans l’équipe d’assistance d’Adobe. Grâce à sa grande expérience dans vos solutions </a:t>
+            </a:r>
+            <a:r>
+              <a:rPr lang="fr-FR" sz="800" dirty="0" err="1">
+                <a:solidFill>
+                  <a:schemeClr val="bg1"/>
+                </a:solidFill>
+                <a:latin typeface="Adobe Clean SemiLight" panose="020B0403020404020204" pitchFamily="34" charset="0"/>
+              </a:rPr>
+              <a:t>Experience</a:t>
+            </a:r>
+            <a:r>
+              <a:rPr lang="fr-FR" sz="800" dirty="0">
+                <a:solidFill>
+                  <a:schemeClr val="bg1"/>
+                </a:solidFill>
+                <a:latin typeface="Adobe Clean SemiLight" panose="020B0403020404020204" pitchFamily="34" charset="0"/>
+              </a:rPr>
+              <a:t> Cloud, votre équipe d’assistance travaillera à vos côtés et avec vos équipes techniques afin d’assurer une résolution de toutes les requêtes d’assistance dans les temps. Votre équipe d’assistance peut également vous aider à coordonner et organiser la diffusion des avantages d’ENTREPRISE supplémentaires, garantissant ainsi une perturbation minimale de votre entreprise aux moments les plus critiques. </a:t>
             </a:r>
           </a:p>
         </p:txBody>
@@ -3981,14 +4145,14 @@
           <p:nvPr>
             <p:extLst>
               <p:ext uri="{D42A27DB-BD31-4B8C-83A1-F6EECF244321}">
-                <p14:modId xmlns:p14="http://schemas.microsoft.com/office/powerpoint/2010/main" val="2622089103"/>
+                <p14:modId xmlns:p14="http://schemas.microsoft.com/office/powerpoint/2010/main" val="3391462136"/>
               </p:ext>
             </p:extLst>
           </p:nvPr>
         </p:nvGraphicFramePr>
         <p:xfrm>
           <a:off x="125148" y="2159576"/>
-          <a:ext cx="7498851" cy="4776202"/>
+          <a:ext cx="7498851" cy="4293866"/>
         </p:xfrm>
         <a:graphic>
           <a:graphicData uri="http://schemas.openxmlformats.org/drawingml/2006/table">
@@ -4026,7 +4190,7 @@
                   </a:extLst>
                 </a:gridCol>
               </a:tblGrid>
-              <a:tr h="241251">
+              <a:tr h="243096">
                 <a:tc gridSpan="2">
                   <a:txBody>
                     <a:bodyPr/>
@@ -4169,7 +4333,7 @@
                   </a:ext>
                 </a:extLst>
               </a:tr>
-              <a:tr h="332691">
+              <a:tr h="243096">
                 <a:tc gridSpan="2">
                   <a:txBody>
                     <a:bodyPr/>
@@ -4331,7 +4495,7 @@
                   </a:ext>
                 </a:extLst>
               </a:tr>
-              <a:tr h="232310">
+              <a:tr h="154401">
                 <a:tc rowSpan="3">
                   <a:txBody>
                     <a:bodyPr/>
@@ -4522,7 +4686,7 @@
                   </a:ext>
                 </a:extLst>
               </a:tr>
-              <a:tr h="230812">
+              <a:tr h="153405">
                 <a:tc vMerge="1">
                   <a:txBody>
                     <a:bodyPr/>
@@ -4677,7 +4841,7 @@
                   </a:ext>
                 </a:extLst>
               </a:tr>
-              <a:tr h="236808">
+              <a:tr h="157391">
                 <a:tc vMerge="1">
                   <a:txBody>
                     <a:bodyPr/>
@@ -4852,7 +5016,7 @@
                   </a:ext>
                 </a:extLst>
               </a:tr>
-              <a:tr h="229317">
+              <a:tr h="152412">
                 <a:tc rowSpan="12">
                   <a:txBody>
                     <a:bodyPr/>
@@ -5060,7 +5224,7 @@
                   </a:ext>
                 </a:extLst>
               </a:tr>
-              <a:tr h="230812">
+              <a:tr h="153405">
                 <a:tc vMerge="1">
                   <a:txBody>
                     <a:bodyPr/>
@@ -5218,7 +5382,7 @@
                   </a:ext>
                 </a:extLst>
               </a:tr>
-              <a:tr h="230065">
+              <a:tr h="152909">
                 <a:tc vMerge="1">
                   <a:txBody>
                     <a:bodyPr/>
@@ -5391,7 +5555,7 @@
                   </a:ext>
                 </a:extLst>
               </a:tr>
-              <a:tr h="231561">
+              <a:tr h="153903">
                 <a:tc vMerge="1">
                   <a:txBody>
                     <a:bodyPr/>
@@ -5543,7 +5707,7 @@
                   </a:ext>
                 </a:extLst>
               </a:tr>
-              <a:tr h="232310">
+              <a:tr h="154401">
                 <a:tc vMerge="1">
                   <a:txBody>
                     <a:bodyPr/>
@@ -5695,7 +5859,7 @@
                   </a:ext>
                 </a:extLst>
               </a:tr>
-              <a:tr h="229317">
+              <a:tr h="152412">
                 <a:tc vMerge="1">
                   <a:txBody>
                     <a:bodyPr/>
@@ -5750,7 +5914,7 @@
                         </a:spcBef>
                       </a:pPr>
                       <a:r>
-                        <a:rPr lang="fr-FR" sz="900">
+                        <a:rPr lang="fr-FR" sz="900" dirty="0">
                           <a:solidFill>
                             <a:srgbClr val="020302"/>
                           </a:solidFill>
@@ -5838,7 +6002,7 @@
                   </a:ext>
                 </a:extLst>
               </a:tr>
-              <a:tr h="229317">
+              <a:tr h="152412">
                 <a:tc vMerge="1">
                   <a:txBody>
                     <a:bodyPr/>
@@ -5954,7 +6118,7 @@
                   </a:ext>
                 </a:extLst>
               </a:tr>
-              <a:tr h="229317">
+              <a:tr h="152412">
                 <a:tc vMerge="1">
                   <a:txBody>
                     <a:bodyPr/>
@@ -6085,7 +6249,7 @@
                   </a:ext>
                 </a:extLst>
               </a:tr>
-              <a:tr h="230812">
+              <a:tr h="153405">
                 <a:tc vMerge="1">
                   <a:txBody>
                     <a:bodyPr/>
@@ -6240,7 +6404,7 @@
                   </a:ext>
                 </a:extLst>
               </a:tr>
-              <a:tr h="231562">
+              <a:tr h="153904">
                 <a:tc vMerge="1">
                   <a:txBody>
                     <a:bodyPr/>
@@ -6295,7 +6459,7 @@
                         </a:spcBef>
                       </a:pPr>
                       <a:r>
-                        <a:rPr lang="fr-FR" sz="900">
+                        <a:rPr lang="fr-FR" sz="900" dirty="0">
                           <a:solidFill>
                             <a:srgbClr val="020302"/>
                           </a:solidFill>
@@ -6380,7 +6544,7 @@
                   </a:ext>
                 </a:extLst>
               </a:tr>
-              <a:tr h="236808">
+              <a:tr h="224526">
                 <a:tc vMerge="1">
                   <a:txBody>
                     <a:bodyPr/>
@@ -6442,10 +6606,10 @@
                           <a:latin typeface="AdobeClean-Light"/>
                           <a:cs typeface="AdobeClean-Light"/>
                         </a:rPr>
-                        <a:t>Version, migration, mise à niveau et examen de la feuille de route </a:t>
+                        <a:t>Version, migration, mise à niveau et examen </a:t>
                       </a:r>
                       <a:br>
-                        <a:rPr lang="sk-SK" sz="900" dirty="0">
+                        <a:rPr lang="fr-FR" sz="900" dirty="0">
                           <a:solidFill>
                             <a:srgbClr val="020302"/>
                           </a:solidFill>
@@ -6461,7 +6625,7 @@
                           <a:latin typeface="AdobeClean-Light"/>
                           <a:cs typeface="AdobeClean-Light"/>
                         </a:rPr>
-                        <a:t>du produit</a:t>
+                        <a:t>de la feuille de route du produit</a:t>
                       </a:r>
                     </a:p>
                   </a:txBody>
@@ -6539,7 +6703,7 @@
                   </a:ext>
                 </a:extLst>
               </a:tr>
-              <a:tr h="241305">
+              <a:tr h="182322">
                 <a:tc vMerge="1">
                   <a:txBody>
                     <a:bodyPr/>
@@ -6752,7 +6916,7 @@
                   </a:ext>
                 </a:extLst>
               </a:tr>
-              <a:tr h="161868">
+              <a:tr h="107583">
                 <a:tc rowSpan="3">
                   <a:txBody>
                     <a:bodyPr/>
@@ -7091,7 +7255,7 @@
                   </a:ext>
                 </a:extLst>
               </a:tr>
-              <a:tr h="195234">
+              <a:tr h="129759">
                 <a:tc vMerge="1">
                   <a:txBody>
                     <a:bodyPr/>
@@ -7263,15 +7427,15 @@
         </p:nvSpPr>
         <p:spPr>
           <a:xfrm>
-            <a:off x="2835999" y="9021041"/>
-            <a:ext cx="2194560" cy="795089"/>
+            <a:off x="2835999" y="8722938"/>
+            <a:ext cx="2194560" cy="718145"/>
           </a:xfrm>
           <a:prstGeom prst="rect">
             <a:avLst/>
           </a:prstGeom>
         </p:spPr>
         <p:txBody>
-          <a:bodyPr vert="horz" wrap="square" lIns="0" tIns="12700" rIns="0" bIns="0" rtlCol="0">
+          <a:bodyPr vert="horz" wrap="square" lIns="0" tIns="12700" rIns="0" bIns="0" rtlCol="0" anchor="t">
             <a:spAutoFit/>
           </a:bodyPr>
           <a:lstStyle/>
@@ -7288,21 +7452,37 @@
               </a:tabLst>
             </a:pPr>
             <a:r>
-              <a:rPr lang="fr-FR" sz="1000" dirty="0">
+              <a:rPr lang="fr-FR" sz="900" dirty="0">
                 <a:solidFill>
                   <a:srgbClr val="020302"/>
                 </a:solidFill>
                 <a:latin typeface="AdobeClean-Light"/>
                 <a:cs typeface="AdobeClean-Light"/>
               </a:rPr>
-              <a:t>Commencez une session de conversation pour obtenir des réponses et de l’aide lors de l’envoi du cas</a:t>
+              <a:t>Commencez une session de conversation pour obtenir des réponses et de l’aide lors </a:t>
+            </a:r>
+            <a:br>
+              <a:rPr lang="fr-FR" sz="900" dirty="0">
+                <a:solidFill>
+                  <a:srgbClr val="020302"/>
+                </a:solidFill>
+                <a:latin typeface="AdobeClean-Light"/>
+                <a:cs typeface="AdobeClean-Light"/>
+              </a:rPr>
+            </a:br>
+            <a:r>
+              <a:rPr lang="fr-FR" sz="900" dirty="0">
+                <a:solidFill>
+                  <a:srgbClr val="020302"/>
+                </a:solidFill>
+                <a:latin typeface="AdobeClean-Light"/>
+                <a:cs typeface="AdobeClean-Light"/>
+              </a:rPr>
+              <a:t>de l’envoi du cas.</a:t>
             </a:r>
           </a:p>
           <a:p>
             <a:pPr marL="33020" marR="159385">
-              <a:lnSpc>
-                <a:spcPct val="100000"/>
-              </a:lnSpc>
               <a:spcBef>
                 <a:spcPts val="100"/>
               </a:spcBef>
@@ -7311,43 +7491,14 @@
               </a:tabLst>
             </a:pPr>
             <a:r>
-              <a:rPr lang="fr-FR" sz="1000" i="1" dirty="0">
+              <a:rPr lang="fr-FR" sz="900" i="1" dirty="0">
                 <a:solidFill>
                   <a:srgbClr val="7A7A7A"/>
                 </a:solidFill>
                 <a:latin typeface="AdobeClean-LightIt"/>
                 <a:cs typeface="AdobeClean-LightIt"/>
               </a:rPr>
-              <a:t>*Tous les produits ne bénéficient pas </a:t>
-            </a:r>
-            <a:br>
-              <a:rPr lang="sk-SK" sz="1000" i="1" dirty="0">
-                <a:solidFill>
-                  <a:srgbClr val="7A7A7A"/>
-                </a:solidFill>
-                <a:latin typeface="AdobeClean-LightIt"/>
-                <a:cs typeface="AdobeClean-LightIt"/>
-              </a:rPr>
-            </a:br>
-            <a:r>
-              <a:rPr lang="fr-FR" sz="1000" i="1" dirty="0">
-                <a:solidFill>
-                  <a:srgbClr val="7A7A7A"/>
-                </a:solidFill>
-                <a:latin typeface="AdobeClean-LightIt"/>
-                <a:cs typeface="AdobeClean-LightIt"/>
-              </a:rPr>
-              <a:t>de l’assistance de messagerie instantanée</a:t>
-            </a:r>
-            <a:r>
-              <a:rPr lang="fr-FR" sz="900" i="1" dirty="0">
-                <a:solidFill>
-                  <a:srgbClr val="7A7A7A"/>
-                </a:solidFill>
-                <a:latin typeface="AdobeClean-LightIt"/>
-                <a:cs typeface="AdobeClean-LightIt"/>
-              </a:rPr>
-              <a:t>.  </a:t>
+              <a:t>*Tous les produits ne bénéficient pas de l’assistance de messagerie instantanée.  </a:t>
             </a:r>
           </a:p>
         </p:txBody>
@@ -7368,8 +7519,8 @@
         </p:nvSpPr>
         <p:spPr>
           <a:xfrm>
-            <a:off x="689237" y="6664838"/>
-            <a:ext cx="1848206" cy="184666"/>
+            <a:off x="689236" y="6427765"/>
+            <a:ext cx="1945241" cy="184666"/>
           </a:xfrm>
           <a:prstGeom prst="rect">
             <a:avLst/>
@@ -7421,8 +7572,8 @@
         </p:nvSpPr>
         <p:spPr>
           <a:xfrm>
-            <a:off x="689236" y="6868024"/>
-            <a:ext cx="1555491" cy="184666"/>
+            <a:off x="689236" y="6630951"/>
+            <a:ext cx="1619623" cy="184666"/>
           </a:xfrm>
           <a:prstGeom prst="rect">
             <a:avLst/>
@@ -7467,27 +7618,44 @@
         </p:nvSpPr>
         <p:spPr>
           <a:xfrm>
-            <a:off x="355868" y="7102087"/>
-            <a:ext cx="2194560" cy="1113125"/>
+            <a:off x="355868" y="6865014"/>
+            <a:ext cx="2194560" cy="1005403"/>
           </a:xfrm>
           <a:prstGeom prst="rect">
             <a:avLst/>
           </a:prstGeom>
         </p:spPr>
         <p:txBody>
-          <a:bodyPr vert="horz" wrap="square" lIns="0" tIns="35560" rIns="0" bIns="0" rtlCol="0">
+          <a:bodyPr vert="horz" wrap="square" lIns="0" tIns="35560" rIns="0" bIns="0" rtlCol="0" anchor="t">
             <a:spAutoFit/>
           </a:bodyPr>
           <a:lstStyle/>
           <a:p>
             <a:r>
-              <a:rPr lang="fr-FR" sz="1000" dirty="0">
+              <a:rPr lang="fr-FR" sz="900" dirty="0">
                 <a:solidFill>
                   <a:srgbClr val="4B4B4B"/>
                 </a:solidFill>
-                <a:latin typeface="Adobe Clean Light" panose="020B0303020404020204" pitchFamily="34" charset="0"/>
-              </a:rPr>
-              <a:t>Accès en ligne permanent à une base de données croissante de solutions techniques, de documentation sur les produits, de questions fréquentes, etc. Communiquez avec des professionnels et d’autres clients de la communauté Adobe pour partager les bonnes pratiques et les leçons apprises</a:t>
+                <a:latin typeface="Adobe Clean Light"/>
+              </a:rPr>
+              <a:t>Accès en ligne permanent à une base de données croissante de solutions techniques, </a:t>
+            </a:r>
+            <a:br>
+              <a:rPr lang="fr-FR" sz="900" dirty="0">
+                <a:solidFill>
+                  <a:srgbClr val="4B4B4B"/>
+                </a:solidFill>
+                <a:latin typeface="Adobe Clean Light"/>
+              </a:rPr>
+            </a:br>
+            <a:r>
+              <a:rPr lang="fr-FR" sz="900" dirty="0">
+                <a:solidFill>
+                  <a:srgbClr val="4B4B4B"/>
+                </a:solidFill>
+                <a:latin typeface="Adobe Clean Light"/>
+              </a:rPr>
+              <a:t>de documentation sur les produits, de questions fréquentes, etc. Communiquez avec des professionnels et d’autres clients de la communauté Adobe pour partager les bonnes pratiques et les leçons apprises.</a:t>
             </a:r>
           </a:p>
         </p:txBody>
@@ -7508,7 +7676,7 @@
         </p:nvSpPr>
         <p:spPr>
           <a:xfrm>
-            <a:off x="5723508" y="6664838"/>
+            <a:off x="5723508" y="6427765"/>
             <a:ext cx="1463040" cy="184666"/>
           </a:xfrm>
           <a:prstGeom prst="rect">
@@ -7561,7 +7729,7 @@
         </p:nvSpPr>
         <p:spPr>
           <a:xfrm>
-            <a:off x="5723508" y="6868024"/>
+            <a:off x="5723508" y="6630951"/>
             <a:ext cx="1316707" cy="184666"/>
           </a:xfrm>
           <a:prstGeom prst="rect">
@@ -7607,27 +7775,81 @@
         </p:nvSpPr>
         <p:spPr>
           <a:xfrm>
-            <a:off x="5265661" y="7060285"/>
-            <a:ext cx="2194560" cy="1113125"/>
+            <a:off x="5265661" y="6823212"/>
+            <a:ext cx="2194560" cy="1005403"/>
           </a:xfrm>
           <a:prstGeom prst="rect">
             <a:avLst/>
           </a:prstGeom>
         </p:spPr>
         <p:txBody>
-          <a:bodyPr vert="horz" wrap="square" lIns="0" tIns="35560" rIns="0" bIns="0" rtlCol="0">
+          <a:bodyPr vert="horz" wrap="square" lIns="0" tIns="35560" rIns="0" bIns="0" rtlCol="0" anchor="t">
             <a:spAutoFit/>
           </a:bodyPr>
           <a:lstStyle/>
           <a:p>
             <a:r>
-              <a:rPr lang="fr-FR" sz="1000">
+              <a:rPr lang="fr-FR" sz="900" dirty="0">
                 <a:solidFill>
                   <a:srgbClr val="4B4B4B"/>
                 </a:solidFill>
-                <a:latin typeface="Adobe Clean Light" panose="020B0303020404020204" pitchFamily="34" charset="0"/>
-              </a:rPr>
-              <a:t>Les Experience Makers sont créées à l’aide d’Experience League. Les clients peuvent lancer leurs capacités de gestion de l’expérience client grâce à un apprentissage personnalisé permettant de développer leurs compétences, collaborer avec une communauté mondiale de pairs et gagner une reconnaissance de carrière</a:t>
+                <a:latin typeface="Adobe Clean Light"/>
+              </a:rPr>
+              <a:t>Les </a:t>
+            </a:r>
+            <a:r>
+              <a:rPr lang="fr-FR" sz="900" dirty="0" err="1">
+                <a:solidFill>
+                  <a:srgbClr val="4B4B4B"/>
+                </a:solidFill>
+                <a:latin typeface="Adobe Clean Light"/>
+              </a:rPr>
+              <a:t>Experience</a:t>
+            </a:r>
+            <a:r>
+              <a:rPr lang="fr-FR" sz="900" dirty="0">
+                <a:solidFill>
+                  <a:srgbClr val="4B4B4B"/>
+                </a:solidFill>
+                <a:latin typeface="Adobe Clean Light"/>
+              </a:rPr>
+              <a:t> </a:t>
+            </a:r>
+            <a:r>
+              <a:rPr lang="fr-FR" sz="900" dirty="0" err="1">
+                <a:solidFill>
+                  <a:srgbClr val="4B4B4B"/>
+                </a:solidFill>
+                <a:latin typeface="Adobe Clean Light"/>
+              </a:rPr>
+              <a:t>Makers</a:t>
+            </a:r>
+            <a:r>
+              <a:rPr lang="fr-FR" sz="900" dirty="0">
+                <a:solidFill>
+                  <a:srgbClr val="4B4B4B"/>
+                </a:solidFill>
+                <a:latin typeface="Adobe Clean Light"/>
+              </a:rPr>
+              <a:t> sont créées à l’aide d’</a:t>
+            </a:r>
+            <a:r>
+              <a:rPr lang="fr-FR" sz="900" dirty="0" err="1">
+                <a:solidFill>
+                  <a:srgbClr val="4B4B4B"/>
+                </a:solidFill>
+                <a:latin typeface="Adobe Clean Light"/>
+              </a:rPr>
+              <a:t>Experience</a:t>
+            </a:r>
+            <a:r>
+              <a:rPr lang="fr-FR" sz="900" dirty="0">
+                <a:solidFill>
+                  <a:srgbClr val="4B4B4B"/>
+                </a:solidFill>
+                <a:latin typeface="Adobe Clean Light"/>
+              </a:rPr>
+              <a:t> League. Les clients peuvent lancer leurs capacités de gestion de l’expérience client grâce à un apprentissage personnalisé permettant de développer leurs compétences, collaborer avec une communauté mondiale de pairs et gagner une reconnaissance de carrière.</a:t>
             </a:r>
           </a:p>
         </p:txBody>
@@ -7648,8 +7870,8 @@
         </p:nvSpPr>
         <p:spPr>
           <a:xfrm>
-            <a:off x="3201544" y="8520784"/>
-            <a:ext cx="1543003" cy="184666"/>
+            <a:off x="3201544" y="8156228"/>
+            <a:ext cx="1543003" cy="369332"/>
           </a:xfrm>
           <a:prstGeom prst="rect">
             <a:avLst/>
@@ -7675,12 +7897,27 @@
               <a:defRPr/>
             </a:pPr>
             <a:r>
-              <a:rPr lang="fr-FR" sz="1200">
+              <a:rPr lang="fr-FR" sz="1200" dirty="0">
                 <a:solidFill>
                   <a:srgbClr val="000000"/>
                 </a:solidFill>
               </a:rPr>
-              <a:t>Assistance de messagerie instantanée*</a:t>
+              <a:t>Assistance de </a:t>
+            </a:r>
+            <a:br>
+              <a:rPr lang="fr-FR" sz="1200" dirty="0">
+                <a:solidFill>
+                  <a:srgbClr val="000000"/>
+                </a:solidFill>
+              </a:rPr>
+            </a:br>
+            <a:r>
+              <a:rPr lang="fr-FR" sz="1200" dirty="0">
+                <a:solidFill>
+                  <a:srgbClr val="000000"/>
+                </a:solidFill>
+              </a:rPr>
+              <a:t>messagerie instantanée*</a:t>
             </a:r>
           </a:p>
         </p:txBody>
@@ -7701,7 +7938,7 @@
         </p:nvSpPr>
         <p:spPr>
           <a:xfrm>
-            <a:off x="3201544" y="8702003"/>
+            <a:off x="3201544" y="8490746"/>
             <a:ext cx="840166" cy="184666"/>
           </a:xfrm>
           <a:prstGeom prst="rect">
@@ -7723,7 +7960,7 @@
               </a:spcAft>
             </a:pPr>
             <a:r>
-              <a:rPr lang="fr-FR" sz="1200" b="1">
+              <a:rPr lang="fr-FR" sz="1200" b="1" dirty="0">
                 <a:latin typeface="+mj-lt"/>
                 <a:ea typeface="Open Sans" pitchFamily="34" charset="0"/>
                 <a:cs typeface="Open Sans" pitchFamily="34" charset="0"/>
@@ -7749,7 +7986,7 @@
         </p:nvSpPr>
         <p:spPr>
           <a:xfrm>
-            <a:off x="3201544" y="6664838"/>
+            <a:off x="3201544" y="6427765"/>
             <a:ext cx="2520000" cy="184666"/>
           </a:xfrm>
           <a:prstGeom prst="rect">
@@ -7802,7 +8039,7 @@
         </p:nvSpPr>
         <p:spPr>
           <a:xfrm>
-            <a:off x="3201544" y="6868024"/>
+            <a:off x="3201544" y="6630951"/>
             <a:ext cx="992259" cy="184666"/>
           </a:xfrm>
           <a:prstGeom prst="rect">
@@ -7848,8 +8085,8 @@
         </p:nvSpPr>
         <p:spPr>
           <a:xfrm>
-            <a:off x="2835999" y="7097788"/>
-            <a:ext cx="2194560" cy="805349"/>
+            <a:off x="2835999" y="6860715"/>
+            <a:ext cx="2194560" cy="866904"/>
           </a:xfrm>
           <a:prstGeom prst="rect">
             <a:avLst/>
@@ -7862,7 +8099,7 @@
           <a:lstStyle/>
           <a:p>
             <a:r>
-              <a:rPr lang="fr-FR" sz="1000">
+              <a:rPr lang="fr-FR" sz="900" dirty="0">
                 <a:solidFill>
                   <a:srgbClr val="020302"/>
                 </a:solidFill>
@@ -7871,7 +8108,7 @@
               <a:t>Les utilisateurs autorisés ou les </a:t>
             </a:r>
             <a:r>
-              <a:rPr lang="fr-FR" sz="1000" b="1">
+              <a:rPr lang="fr-FR" sz="900" b="1" dirty="0">
                 <a:solidFill>
                   <a:srgbClr val="020302"/>
                 </a:solidFill>
@@ -7880,7 +8117,7 @@
               <a:t>contacts d’assistance nommés </a:t>
             </a:r>
             <a:r>
-              <a:rPr lang="fr-FR" sz="1000">
+              <a:rPr lang="fr-FR" sz="900" dirty="0">
                 <a:latin typeface="Adobe Clean Light" panose="020B0303020404020204" pitchFamily="34" charset="0"/>
               </a:rPr>
               <a:t>peuvent communiquer des problèmes par l’intermédiaire de tous les canaux disponibles (y compris le téléphone pour P1) et interagir avec notre équipe d’assistance technique au nom de votre entreprise. </a:t>
@@ -7902,8 +8139,8 @@
         </p:nvSpPr>
         <p:spPr>
           <a:xfrm>
-            <a:off x="214971" y="6447157"/>
-            <a:ext cx="1848207" cy="45719"/>
+            <a:off x="214971" y="6210084"/>
+            <a:ext cx="2871480" cy="62862"/>
           </a:xfrm>
           <a:custGeom>
             <a:avLst/>
@@ -7950,7 +8187,7 @@
         </p:nvSpPr>
         <p:spPr>
           <a:xfrm>
-            <a:off x="214971" y="6124178"/>
+            <a:off x="214971" y="5847958"/>
             <a:ext cx="1901483" cy="307777"/>
           </a:xfrm>
           <a:prstGeom prst="rect">
@@ -8000,7 +8237,7 @@
         </p:nvSpPr>
         <p:spPr>
           <a:xfrm>
-            <a:off x="689237" y="8520784"/>
+            <a:off x="689237" y="8222681"/>
             <a:ext cx="991521" cy="184666"/>
           </a:xfrm>
           <a:prstGeom prst="rect">
@@ -8027,13 +8264,26 @@
               <a:defRPr/>
             </a:pPr>
             <a:r>
-              <a:rPr lang="fr-FR" sz="1200">
+              <a:rPr lang="fr-FR" sz="1200" dirty="0">
                 <a:solidFill>
                   <a:srgbClr val="000000"/>
                 </a:solidFill>
               </a:rPr>
-              <a:t>Office Hours</a:t>
-            </a:r>
+              <a:t>Office </a:t>
+            </a:r>
+            <a:r>
+              <a:rPr lang="fr-FR" sz="1200" dirty="0" err="1">
+                <a:solidFill>
+                  <a:srgbClr val="000000"/>
+                </a:solidFill>
+              </a:rPr>
+              <a:t>Hours</a:t>
+            </a:r>
+            <a:endParaRPr lang="fr-FR" sz="1200" dirty="0">
+              <a:solidFill>
+                <a:srgbClr val="000000"/>
+              </a:solidFill>
+            </a:endParaRPr>
           </a:p>
         </p:txBody>
       </p:sp>
@@ -8053,7 +8303,7 @@
         </p:nvSpPr>
         <p:spPr>
           <a:xfrm>
-            <a:off x="689237" y="8702003"/>
+            <a:off x="689237" y="8403900"/>
             <a:ext cx="604974" cy="184666"/>
           </a:xfrm>
           <a:prstGeom prst="rect">
@@ -8099,8 +8349,8 @@
         </p:nvSpPr>
         <p:spPr>
           <a:xfrm>
-            <a:off x="355867" y="8986613"/>
-            <a:ext cx="2420985" cy="866904"/>
+            <a:off x="355868" y="8688510"/>
+            <a:ext cx="2194560" cy="866904"/>
           </a:xfrm>
           <a:prstGeom prst="rect">
             <a:avLst/>
@@ -8140,7 +8390,7 @@
               <a:t> », l’initiative menée par l’équipe </a:t>
             </a:r>
             <a:br>
-              <a:rPr lang="sk-SK" sz="900" dirty="0">
+              <a:rPr lang="fr-FR" sz="900" dirty="0">
                 <a:solidFill>
                   <a:srgbClr val="4B4B4B"/>
                 </a:solidFill>
@@ -8154,10 +8404,10 @@
                 </a:solidFill>
                 <a:latin typeface="Adobe Clean Light" panose="020B0303020404020204" pitchFamily="34" charset="0"/>
               </a:rPr>
-              <a:t>du service clientèle Adobe, comprend des sessions conçues pour informer les participants et les aider </a:t>
+              <a:t>du service clientèle Adobe, comprend des sessions conçues pour informer les participants </a:t>
             </a:r>
             <a:br>
-              <a:rPr lang="sk-SK" sz="900" dirty="0">
+              <a:rPr lang="fr-FR" sz="900" dirty="0">
                 <a:solidFill>
                   <a:srgbClr val="4B4B4B"/>
                 </a:solidFill>
@@ -8171,7 +8421,24 @@
                 </a:solidFill>
                 <a:latin typeface="Adobe Clean Light" panose="020B0303020404020204" pitchFamily="34" charset="0"/>
               </a:rPr>
-              <a:t>à résoudre leurs problèmes. Elle offre également des conseils et astuces pour réussir au mieux l’intégration des solutions Adobe. </a:t>
+              <a:t>et les aider à résoudre leurs problèmes. Elle offre également des conseils et astuces pour réussir </a:t>
+            </a:r>
+            <a:br>
+              <a:rPr lang="fr-FR" sz="900" dirty="0">
+                <a:solidFill>
+                  <a:srgbClr val="4B4B4B"/>
+                </a:solidFill>
+                <a:latin typeface="Adobe Clean Light" panose="020B0303020404020204" pitchFamily="34" charset="0"/>
+              </a:rPr>
+            </a:br>
+            <a:r>
+              <a:rPr lang="fr-FR" sz="900" dirty="0">
+                <a:solidFill>
+                  <a:srgbClr val="4B4B4B"/>
+                </a:solidFill>
+                <a:latin typeface="Adobe Clean Light" panose="020B0303020404020204" pitchFamily="34" charset="0"/>
+              </a:rPr>
+              <a:t>au mieux l’intégration des solutions Adobe. </a:t>
             </a:r>
           </a:p>
         </p:txBody>
@@ -8192,8 +8459,8 @@
         </p:nvSpPr>
         <p:spPr>
           <a:xfrm>
-            <a:off x="5723507" y="8520784"/>
-            <a:ext cx="1736713" cy="184666"/>
+            <a:off x="5723508" y="8222681"/>
+            <a:ext cx="1638401" cy="184666"/>
           </a:xfrm>
           <a:prstGeom prst="rect">
             <a:avLst/>
@@ -8245,7 +8512,7 @@
         </p:nvSpPr>
         <p:spPr>
           <a:xfrm>
-            <a:off x="5723508" y="8702003"/>
+            <a:off x="5723508" y="8403900"/>
             <a:ext cx="1267206" cy="184666"/>
           </a:xfrm>
           <a:prstGeom prst="rect">
@@ -8291,8 +8558,8 @@
         </p:nvSpPr>
         <p:spPr>
           <a:xfrm>
-            <a:off x="5265661" y="8947635"/>
-            <a:ext cx="2420984" cy="959237"/>
+            <a:off x="5265661" y="8649532"/>
+            <a:ext cx="2194560" cy="866904"/>
           </a:xfrm>
           <a:prstGeom prst="rect">
             <a:avLst/>
@@ -8305,7 +8572,7 @@
           <a:lstStyle/>
           <a:p>
             <a:r>
-              <a:rPr lang="fr-FR" sz="1000" dirty="0">
+              <a:rPr lang="fr-FR" sz="900" dirty="0">
                 <a:solidFill>
                   <a:srgbClr val="4B4B4B"/>
                 </a:solidFill>
@@ -8314,7 +8581,7 @@
               <a:t>Accès à la demande au portail </a:t>
             </a:r>
             <a:br>
-              <a:rPr lang="fr-FR" sz="1000" dirty="0">
+              <a:rPr lang="fr-FR" sz="900" dirty="0">
                 <a:solidFill>
                   <a:srgbClr val="4B4B4B"/>
                 </a:solidFill>
@@ -8322,13 +8589,30 @@
               </a:rPr>
             </a:br>
             <a:r>
-              <a:rPr lang="fr-FR" sz="1000" dirty="0">
+              <a:rPr lang="fr-FR" sz="900" dirty="0">
                 <a:solidFill>
                   <a:srgbClr val="4B4B4B"/>
                 </a:solidFill>
                 <a:latin typeface="Adobe Clean Light" panose="020B0303020404020204" pitchFamily="34" charset="0"/>
               </a:rPr>
-              <a:t>d’assistance d’aide automatique en ligne pour envoyer des demandes d’assistance, examiner le statut des cas et parcourir d’autres ressources, telles que notre base de connaissances, les actualités et les alertes, les conseils présentés, etc.</a:t>
+              <a:t>d’assistance d’aide automatique en ligne pour envoyer des demandes d’assistance, examiner </a:t>
+            </a:r>
+            <a:br>
+              <a:rPr lang="fr-FR" sz="900" dirty="0">
+                <a:solidFill>
+                  <a:srgbClr val="4B4B4B"/>
+                </a:solidFill>
+                <a:latin typeface="Adobe Clean Light" panose="020B0303020404020204" pitchFamily="34" charset="0"/>
+              </a:rPr>
+            </a:br>
+            <a:r>
+              <a:rPr lang="fr-FR" sz="900" dirty="0">
+                <a:solidFill>
+                  <a:srgbClr val="4B4B4B"/>
+                </a:solidFill>
+                <a:latin typeface="Adobe Clean Light" panose="020B0303020404020204" pitchFamily="34" charset="0"/>
+              </a:rPr>
+              <a:t>le statut des cas et parcourir d’autres ressources, telles que notre base de connaissances, les actualités et les alertes, les conseils présentés, etc.</a:t>
             </a:r>
           </a:p>
         </p:txBody>
@@ -8349,8 +8633,8 @@
         </p:nvSpPr>
         <p:spPr>
           <a:xfrm>
-            <a:off x="97788" y="9888626"/>
-            <a:ext cx="3178812" cy="133364"/>
+            <a:off x="97787" y="9888626"/>
+            <a:ext cx="3047595" cy="133370"/>
           </a:xfrm>
           <a:prstGeom prst="rect">
             <a:avLst/>
@@ -8462,8 +8746,24 @@
               </a:spcBef>
             </a:pPr>
             <a:r>
-              <a:rPr lang="fr-FR"/>
-              <a:t>©2021 Adobe. All Rights Reserved. Données confidentielles Adobe</a:t>
+              <a:rPr lang="fr-FR" dirty="0"/>
+              <a:t>©2021 Adobe. All </a:t>
+            </a:r>
+            <a:r>
+              <a:rPr lang="fr-FR" dirty="0" err="1"/>
+              <a:t>Rights</a:t>
+            </a:r>
+            <a:r>
+              <a:rPr lang="fr-FR" dirty="0"/>
+              <a:t> </a:t>
+            </a:r>
+            <a:r>
+              <a:rPr lang="fr-FR" dirty="0" err="1"/>
+              <a:t>Reserved</a:t>
+            </a:r>
+            <a:r>
+              <a:rPr lang="fr-FR" dirty="0"/>
+              <a:t>. Données confidentielles Adobe</a:t>
             </a:r>
           </a:p>
         </p:txBody>
@@ -8482,8 +8782,8 @@
         </p:nvSpPr>
         <p:spPr>
           <a:xfrm>
-            <a:off x="214970" y="868681"/>
-            <a:ext cx="3435009" cy="47963"/>
+            <a:off x="214970" y="727763"/>
+            <a:ext cx="3435009" cy="107871"/>
           </a:xfrm>
           <a:custGeom>
             <a:avLst/>
@@ -8530,7 +8830,7 @@
         </p:nvSpPr>
         <p:spPr>
           <a:xfrm>
-            <a:off x="214971" y="530261"/>
+            <a:off x="214971" y="389343"/>
             <a:ext cx="2159245" cy="307777"/>
           </a:xfrm>
           <a:prstGeom prst="rect">
@@ -8578,7 +8878,7 @@
         </p:nvSpPr>
         <p:spPr>
           <a:xfrm>
-            <a:off x="689237" y="2603192"/>
+            <a:off x="689237" y="2379425"/>
             <a:ext cx="1555491" cy="197490"/>
           </a:xfrm>
           <a:prstGeom prst="rect">
@@ -8600,7 +8900,7 @@
               </a:spcBef>
             </a:pPr>
             <a:r>
-              <a:rPr lang="fr-FR" sz="1200" b="1">
+              <a:rPr lang="fr-FR" sz="1200" b="1" dirty="0">
                 <a:solidFill>
                   <a:srgbClr val="020302"/>
                 </a:solidFill>
@@ -8626,8 +8926,8 @@
         </p:nvSpPr>
         <p:spPr>
           <a:xfrm>
-            <a:off x="355868" y="2961793"/>
-            <a:ext cx="2194560" cy="782265"/>
+            <a:off x="355868" y="2782775"/>
+            <a:ext cx="2194560" cy="843821"/>
           </a:xfrm>
           <a:prstGeom prst="rect">
             <a:avLst/>
@@ -8648,7 +8948,7 @@
               </a:spcBef>
             </a:pPr>
             <a:r>
-              <a:rPr lang="fr-FR" sz="1000" dirty="0">
+              <a:rPr lang="fr-FR" sz="900">
                 <a:solidFill>
                   <a:srgbClr val="4B4B4B"/>
                 </a:solidFill>
@@ -8673,8 +8973,8 @@
         </p:nvSpPr>
         <p:spPr>
           <a:xfrm>
-            <a:off x="3201544" y="2592995"/>
-            <a:ext cx="1543003" cy="197490"/>
+            <a:off x="3145383" y="2452077"/>
+            <a:ext cx="1439036" cy="197490"/>
           </a:xfrm>
           <a:prstGeom prst="rect">
             <a:avLst/>
@@ -8721,8 +9021,8 @@
         </p:nvSpPr>
         <p:spPr>
           <a:xfrm>
-            <a:off x="2835999" y="2921585"/>
-            <a:ext cx="2194560" cy="474489"/>
+            <a:off x="2779838" y="2780667"/>
+            <a:ext cx="2194560" cy="428322"/>
           </a:xfrm>
           <a:prstGeom prst="rect">
             <a:avLst/>
@@ -8743,7 +9043,7 @@
               </a:spcBef>
             </a:pPr>
             <a:r>
-              <a:rPr lang="fr-FR" sz="1000" dirty="0">
+              <a:rPr lang="fr-FR" sz="900" dirty="0">
                 <a:solidFill>
                   <a:srgbClr val="4B4B4B"/>
                 </a:solidFill>
@@ -8768,8 +9068,8 @@
         </p:nvSpPr>
         <p:spPr>
           <a:xfrm>
-            <a:off x="5265661" y="1426694"/>
-            <a:ext cx="2194560" cy="628377"/>
+            <a:off x="5209500" y="1285776"/>
+            <a:ext cx="2102879" cy="566822"/>
           </a:xfrm>
           <a:prstGeom prst="rect">
             <a:avLst/>
@@ -8790,13 +9090,30 @@
               </a:spcBef>
             </a:pPr>
             <a:r>
-              <a:rPr lang="fr-FR" sz="1000">
+              <a:rPr lang="fr-FR" sz="900" dirty="0">
                 <a:solidFill>
                   <a:srgbClr val="4B4B4B"/>
                 </a:solidFill>
                 <a:latin typeface="Adobe Clean Light" panose="020B0303020404020204" pitchFamily="34" charset="0"/>
               </a:rPr>
-              <a:t>Il s’agit d’une session de 60 minutes consacrée à une fonctionnalité de produit spécifique et à son utilisation pour résoudre des problèmes d’entreprise courants.</a:t>
+              <a:t>Il s’agit d’une session de 60 minutes consacrée à une fonctionnalité de produit spécifique </a:t>
+            </a:r>
+            <a:br>
+              <a:rPr lang="fr-FR" sz="900" dirty="0">
+                <a:solidFill>
+                  <a:srgbClr val="4B4B4B"/>
+                </a:solidFill>
+                <a:latin typeface="Adobe Clean Light" panose="020B0303020404020204" pitchFamily="34" charset="0"/>
+              </a:rPr>
+            </a:br>
+            <a:r>
+              <a:rPr lang="fr-FR" sz="900" dirty="0">
+                <a:solidFill>
+                  <a:srgbClr val="4B4B4B"/>
+                </a:solidFill>
+                <a:latin typeface="Adobe Clean Light" panose="020B0303020404020204" pitchFamily="34" charset="0"/>
+              </a:rPr>
+              <a:t>et à son utilisation pour résoudre des problèmes d’entreprise courants.</a:t>
             </a:r>
           </a:p>
         </p:txBody>
@@ -8815,15 +9132,15 @@
         </p:nvSpPr>
         <p:spPr>
           <a:xfrm>
-            <a:off x="5265661" y="5070317"/>
-            <a:ext cx="2194560" cy="536622"/>
+            <a:off x="5147551" y="5001737"/>
+            <a:ext cx="2194560" cy="483209"/>
           </a:xfrm>
           <a:prstGeom prst="rect">
             <a:avLst/>
           </a:prstGeom>
         </p:spPr>
         <p:txBody>
-          <a:bodyPr vert="horz" wrap="square" lIns="0" tIns="12700" rIns="0" bIns="0" rtlCol="0">
+          <a:bodyPr vert="horz" wrap="square" lIns="0" tIns="12700" rIns="0" bIns="0" rtlCol="0" anchor="t">
             <a:spAutoFit/>
           </a:bodyPr>
           <a:lstStyle/>
@@ -8837,13 +9154,30 @@
               </a:spcBef>
             </a:pPr>
             <a:r>
-              <a:rPr lang="fr-FR" sz="1000" dirty="0">
+              <a:rPr lang="fr-FR" sz="900" dirty="0">
                 <a:solidFill>
                   <a:srgbClr val="4B4B4B"/>
                 </a:solidFill>
-                <a:latin typeface="Adobe Clean Light" panose="020B0303020404020204" pitchFamily="34" charset="0"/>
-              </a:rPr>
-              <a:t>Encouragez l’adoption des bonnes pratiques de personnalisation et des composants principaux dans AEM as a Cloud Service</a:t>
+                <a:latin typeface="Adobe Clean Light"/>
+              </a:rPr>
+              <a:t>Encouragez l’adoption des bonnes pratiques </a:t>
+            </a:r>
+            <a:br>
+              <a:rPr lang="fr-FR" sz="900" dirty="0">
+                <a:solidFill>
+                  <a:srgbClr val="4B4B4B"/>
+                </a:solidFill>
+                <a:latin typeface="Adobe Clean Light"/>
+              </a:rPr>
+            </a:br>
+            <a:r>
+              <a:rPr lang="fr-FR" sz="900" dirty="0">
+                <a:solidFill>
+                  <a:srgbClr val="4B4B4B"/>
+                </a:solidFill>
+                <a:latin typeface="Adobe Clean Light"/>
+              </a:rPr>
+              <a:t>de personnalisation et des composants principaux dans AEM as a Cloud Service.</a:t>
             </a:r>
           </a:p>
         </p:txBody>
@@ -8862,20 +9196,20 @@
         </p:nvSpPr>
         <p:spPr>
           <a:xfrm>
-            <a:off x="2835999" y="4994097"/>
-            <a:ext cx="2194560" cy="720903"/>
+            <a:off x="2717889" y="4994097"/>
+            <a:ext cx="2194560" cy="648960"/>
           </a:xfrm>
           <a:prstGeom prst="rect">
             <a:avLst/>
           </a:prstGeom>
         </p:spPr>
         <p:txBody>
-          <a:bodyPr vert="horz" wrap="square" lIns="0" tIns="12700" rIns="0" bIns="0" rtlCol="0">
+          <a:bodyPr vert="horz" wrap="square" lIns="0" tIns="12700" rIns="0" bIns="0" rtlCol="0" anchor="t">
             <a:spAutoFit/>
           </a:bodyPr>
           <a:lstStyle/>
           <a:p>
-            <a:pPr marL="14604" marR="5080" indent="-1905">
+            <a:pPr marL="13970" marR="5080" indent="-1905">
               <a:lnSpc>
                 <a:spcPct val="117000"/>
               </a:lnSpc>
@@ -8884,30 +9218,13 @@
               </a:spcBef>
             </a:pPr>
             <a:r>
-              <a:rPr lang="fr-FR" sz="1000" dirty="0">
+              <a:rPr lang="fr-FR" sz="900">
                 <a:solidFill>
                   <a:srgbClr val="4B4B4B"/>
                 </a:solidFill>
-                <a:latin typeface="Adobe Clean Light" panose="020B0303020404020204" pitchFamily="34" charset="0"/>
-              </a:rPr>
-              <a:t>Identifiez, examinez et fournissez </a:t>
-            </a:r>
-            <a:br>
-              <a:rPr lang="sk-SK" sz="1000" dirty="0">
-                <a:solidFill>
-                  <a:srgbClr val="4B4B4B"/>
-                </a:solidFill>
-                <a:latin typeface="Adobe Clean Light" panose="020B0303020404020204" pitchFamily="34" charset="0"/>
-              </a:rPr>
-            </a:br>
-            <a:r>
-              <a:rPr lang="fr-FR" sz="1000" dirty="0">
-                <a:solidFill>
-                  <a:srgbClr val="4B4B4B"/>
-                </a:solidFill>
-                <a:latin typeface="Adobe Clean Light" panose="020B0303020404020204" pitchFamily="34" charset="0"/>
-              </a:rPr>
-              <a:t>des recommandations sur les domaines d’adoption de solutions personnalisées qui offrent des opportunités d’optimisation</a:t>
+                <a:latin typeface="Adobe Clean Light"/>
+              </a:rPr>
+              <a:t>Identifiez, examinez et fournissez des recommandations sur les domaines d’adoption de solutions personnalisées qui offrent des opportunités d’optimisation.</a:t>
             </a:r>
           </a:p>
         </p:txBody>
@@ -8927,14 +9244,14 @@
         <p:spPr>
           <a:xfrm>
             <a:off x="355868" y="4947989"/>
-            <a:ext cx="2194560" cy="899670"/>
+            <a:ext cx="2194560" cy="810991"/>
           </a:xfrm>
           <a:prstGeom prst="rect">
             <a:avLst/>
           </a:prstGeom>
         </p:spPr>
         <p:txBody>
-          <a:bodyPr vert="horz" wrap="square" lIns="0" tIns="12700" rIns="0" bIns="0" rtlCol="0">
+          <a:bodyPr vert="horz" wrap="square" lIns="0" tIns="12700" rIns="0" bIns="0" rtlCol="0" anchor="t">
             <a:spAutoFit/>
           </a:bodyPr>
           <a:lstStyle/>
@@ -8948,47 +9265,64 @@
               </a:spcBef>
             </a:pPr>
             <a:r>
-              <a:rPr lang="fr-FR" sz="1000" dirty="0">
+              <a:rPr lang="fr-FR" sz="900" dirty="0">
                 <a:solidFill>
                   <a:srgbClr val="4B4B4B"/>
                 </a:solidFill>
-                <a:latin typeface="Adobe Clean Light" panose="020B0303020404020204" pitchFamily="34" charset="0"/>
+                <a:latin typeface="Adobe Clean Light"/>
               </a:rPr>
               <a:t>Gouvernance technique et opérationnelle permettant d’aider les clients d’AEM </a:t>
             </a:r>
             <a:br>
-              <a:rPr lang="sk-SK" sz="1000" dirty="0">
+              <a:rPr lang="fr-FR" sz="900" dirty="0">
                 <a:solidFill>
                   <a:srgbClr val="4B4B4B"/>
                 </a:solidFill>
-                <a:latin typeface="Adobe Clean Light" panose="020B0303020404020204" pitchFamily="34" charset="0"/>
+                <a:latin typeface="Adobe Clean Light"/>
               </a:rPr>
             </a:br>
             <a:r>
-              <a:rPr lang="fr-FR" sz="1000" dirty="0">
+              <a:rPr lang="fr-FR" sz="900" dirty="0">
                 <a:solidFill>
                   <a:srgbClr val="4B4B4B"/>
                 </a:solidFill>
-                <a:latin typeface="Adobe Clean Light" panose="020B0303020404020204" pitchFamily="34" charset="0"/>
-              </a:rPr>
-              <a:t>as a Cloud Service à respecter les normes du secteur et les bonnes pratiques d’AEM </a:t>
+                <a:latin typeface="Adobe Clean Light"/>
+              </a:rPr>
+              <a:t>as a Cloud Service à respecter les normes </a:t>
             </a:r>
             <a:br>
-              <a:rPr lang="sk-SK" sz="1000" dirty="0">
+              <a:rPr lang="fr-FR" sz="900" dirty="0">
                 <a:solidFill>
                   <a:srgbClr val="4B4B4B"/>
                 </a:solidFill>
-                <a:latin typeface="Adobe Clean Light" panose="020B0303020404020204" pitchFamily="34" charset="0"/>
+                <a:latin typeface="Adobe Clean Light"/>
               </a:rPr>
             </a:br>
             <a:r>
-              <a:rPr lang="fr-FR" sz="1000" dirty="0">
+              <a:rPr lang="fr-FR" sz="900" dirty="0">
                 <a:solidFill>
                   <a:srgbClr val="4B4B4B"/>
                 </a:solidFill>
-                <a:latin typeface="Adobe Clean Light" panose="020B0303020404020204" pitchFamily="34" charset="0"/>
-              </a:rPr>
-              <a:t>as a Cloud Service</a:t>
+                <a:latin typeface="Adobe Clean Light"/>
+              </a:rPr>
+              <a:t>du secteur et les bonnes pratiques d’AEM </a:t>
+            </a:r>
+            <a:br>
+              <a:rPr lang="fr-FR" sz="900" dirty="0">
+                <a:solidFill>
+                  <a:srgbClr val="4B4B4B"/>
+                </a:solidFill>
+                <a:latin typeface="Adobe Clean Light"/>
+              </a:rPr>
+            </a:br>
+            <a:r>
+              <a:rPr lang="fr-FR" sz="900" dirty="0">
+                <a:solidFill>
+                  <a:srgbClr val="4B4B4B"/>
+                </a:solidFill>
+                <a:latin typeface="Adobe Clean Light"/>
+              </a:rPr>
+              <a:t>as a Cloud Service.</a:t>
             </a:r>
           </a:p>
         </p:txBody>
@@ -9007,8 +9341,8 @@
         </p:nvSpPr>
         <p:spPr>
           <a:xfrm>
-            <a:off x="2835999" y="1401973"/>
-            <a:ext cx="2194560" cy="1113125"/>
+            <a:off x="2779838" y="1261055"/>
+            <a:ext cx="2194560" cy="866904"/>
           </a:xfrm>
           <a:prstGeom prst="rect">
             <a:avLst/>
@@ -9026,30 +9360,13 @@
               </a:spcBef>
             </a:pPr>
             <a:r>
-              <a:rPr lang="fr-FR" sz="1000" dirty="0">
+              <a:rPr lang="fr-FR" sz="900" dirty="0">
                 <a:solidFill>
                   <a:srgbClr val="4B4B4B"/>
                 </a:solidFill>
                 <a:latin typeface="Adobe Clean Light" panose="020B0303020404020204" pitchFamily="34" charset="0"/>
               </a:rPr>
-              <a:t>L’ingénieur d’assistance désigné se familiarisera avec votre environnement </a:t>
-            </a:r>
-            <a:br>
-              <a:rPr lang="sk-SK" sz="1000" dirty="0">
-                <a:solidFill>
-                  <a:srgbClr val="4B4B4B"/>
-                </a:solidFill>
-                <a:latin typeface="Adobe Clean Light" panose="020B0303020404020204" pitchFamily="34" charset="0"/>
-              </a:rPr>
-            </a:br>
-            <a:r>
-              <a:rPr lang="fr-FR" sz="1000" dirty="0">
-                <a:solidFill>
-                  <a:srgbClr val="4B4B4B"/>
-                </a:solidFill>
-                <a:latin typeface="Adobe Clean Light" panose="020B0303020404020204" pitchFamily="34" charset="0"/>
-              </a:rPr>
-              <a:t>de solution et vos objectifs commerciaux. L’ingénieur d’assistance nommé est un ingénieur d’assistance expérimenté qui vous aide à coordonner votre expérience d’assistance aux entreprises.</a:t>
+              <a:t>L’ingénieur d’assistance désigné se familiarisera avec votre environnement de solution et vos objectifs commerciaux. L’ingénieur d’assistance nommé est un ingénieur d’assistance expérimenté qui vous aide à coordonner votre expérience d’assistance aux entreprises.</a:t>
             </a:r>
           </a:p>
         </p:txBody>
@@ -9070,8 +9387,8 @@
         </p:nvSpPr>
         <p:spPr>
           <a:xfrm>
-            <a:off x="3201544" y="1127425"/>
-            <a:ext cx="1980056" cy="184666"/>
+            <a:off x="3145383" y="852955"/>
+            <a:ext cx="1980056" cy="369332"/>
           </a:xfrm>
           <a:prstGeom prst="rect">
             <a:avLst/>
@@ -9092,13 +9409,30 @@
               </a:spcAft>
             </a:pPr>
             <a:r>
-              <a:rPr lang="fr-FR" sz="1200" b="1">
+              <a:rPr lang="fr-FR" sz="1200" b="1" dirty="0">
                 <a:solidFill>
                   <a:srgbClr val="020302"/>
                 </a:solidFill>
                 <a:latin typeface="+mj-lt"/>
               </a:rPr>
-              <a:t>Ingénieur d’assistance nommé</a:t>
+              <a:t>Ingénieur d’assistance </a:t>
+            </a:r>
+            <a:br>
+              <a:rPr lang="fr-FR" sz="1200" b="1" dirty="0">
+                <a:solidFill>
+                  <a:srgbClr val="020302"/>
+                </a:solidFill>
+                <a:latin typeface="+mj-lt"/>
+              </a:rPr>
+            </a:br>
+            <a:r>
+              <a:rPr lang="fr-FR" sz="1200" b="1" dirty="0">
+                <a:solidFill>
+                  <a:srgbClr val="020302"/>
+                </a:solidFill>
+                <a:latin typeface="+mj-lt"/>
+              </a:rPr>
+              <a:t>nommé</a:t>
             </a:r>
           </a:p>
         </p:txBody>
@@ -9134,8 +9468,8 @@
         </p:blipFill>
         <p:spPr>
           <a:xfrm>
-            <a:off x="2776853" y="1015953"/>
-            <a:ext cx="365760" cy="299325"/>
+            <a:off x="2776852" y="875035"/>
+            <a:ext cx="309599" cy="299325"/>
           </a:xfrm>
           <a:prstGeom prst="rect">
             <a:avLst/>
@@ -9156,8 +9490,8 @@
         </p:nvSpPr>
         <p:spPr>
           <a:xfrm>
-            <a:off x="5723508" y="1099976"/>
-            <a:ext cx="1573278" cy="197490"/>
+            <a:off x="5667347" y="959058"/>
+            <a:ext cx="1694562" cy="197490"/>
           </a:xfrm>
           <a:prstGeom prst="rect">
             <a:avLst/>
@@ -9204,8 +9538,8 @@
         </p:nvSpPr>
         <p:spPr>
           <a:xfrm>
-            <a:off x="5181600" y="4466703"/>
-            <a:ext cx="2194560" cy="646331"/>
+            <a:off x="5063490" y="4466703"/>
+            <a:ext cx="2617470" cy="461665"/>
           </a:xfrm>
           <a:prstGeom prst="rect">
             <a:avLst/>
@@ -9252,8 +9586,8 @@
         </p:nvSpPr>
         <p:spPr>
           <a:xfrm>
-            <a:off x="2752588" y="4438393"/>
-            <a:ext cx="1895612" cy="461665"/>
+            <a:off x="2634478" y="4438393"/>
+            <a:ext cx="1933712" cy="461665"/>
           </a:xfrm>
           <a:prstGeom prst="rect">
             <a:avLst/>
@@ -9322,33 +9656,14 @@
               </a:spcBef>
             </a:pPr>
             <a:r>
-              <a:rPr lang="fr-FR" sz="1200" b="1" dirty="0">
+              <a:rPr lang="fr-FR" sz="1200" b="1">
                 <a:solidFill>
                   <a:srgbClr val="020302"/>
                 </a:solidFill>
                 <a:latin typeface="Adobe Clean"/>
                 <a:cs typeface="Adobe Clean"/>
               </a:rPr>
-              <a:t>Gouvernance d’AEM </a:t>
-            </a:r>
-            <a:br>
-              <a:rPr lang="sk-SK" sz="1200" b="1" dirty="0">
-                <a:solidFill>
-                  <a:srgbClr val="020302"/>
-                </a:solidFill>
-                <a:latin typeface="Adobe Clean"/>
-                <a:cs typeface="Adobe Clean"/>
-              </a:rPr>
-            </a:br>
-            <a:r>
-              <a:rPr lang="fr-FR" sz="1200" b="1" dirty="0">
-                <a:solidFill>
-                  <a:srgbClr val="020302"/>
-                </a:solidFill>
-                <a:latin typeface="Adobe Clean"/>
-                <a:cs typeface="Adobe Clean"/>
-              </a:rPr>
-              <a:t>as a Cloud Service</a:t>
+              <a:t>Gouvernance d’AEM as a Cloud Service</a:t>
             </a:r>
           </a:p>
         </p:txBody>
@@ -9384,7 +9699,7 @@
         </p:blipFill>
         <p:spPr>
           <a:xfrm>
-            <a:off x="5257799" y="1015952"/>
+            <a:off x="5201638" y="875034"/>
             <a:ext cx="411480" cy="411480"/>
           </a:xfrm>
           <a:prstGeom prst="rect">
@@ -9423,7 +9738,7 @@
         </p:blipFill>
         <p:spPr>
           <a:xfrm>
-            <a:off x="2776853" y="2514600"/>
+            <a:off x="2720692" y="2373682"/>
             <a:ext cx="385800" cy="385800"/>
           </a:xfrm>
           <a:prstGeom prst="rect">
@@ -9445,7 +9760,7 @@
         </p:nvSpPr>
         <p:spPr>
           <a:xfrm>
-            <a:off x="689237" y="1102554"/>
+            <a:off x="689237" y="961636"/>
             <a:ext cx="1036205" cy="197490"/>
           </a:xfrm>
           <a:prstGeom prst="rect">
@@ -9510,7 +9825,7 @@
         </p:blipFill>
         <p:spPr>
           <a:xfrm>
-            <a:off x="228600" y="1015953"/>
+            <a:off x="228600" y="875035"/>
             <a:ext cx="411480" cy="320040"/>
           </a:xfrm>
           <a:prstGeom prst="rect">
@@ -9532,8 +9847,8 @@
         </p:nvSpPr>
         <p:spPr>
           <a:xfrm>
-            <a:off x="355868" y="1426046"/>
-            <a:ext cx="2194560" cy="1090042"/>
+            <a:off x="355868" y="1285128"/>
+            <a:ext cx="2194560" cy="843821"/>
           </a:xfrm>
           <a:prstGeom prst="rect">
             <a:avLst/>
@@ -9554,16 +9869,16 @@
               </a:spcBef>
             </a:pPr>
             <a:r>
-              <a:rPr lang="fr-FR" sz="1000" dirty="0">
+              <a:rPr lang="fr-FR" sz="900" dirty="0">
                 <a:solidFill>
                   <a:srgbClr val="4B4B4B"/>
                 </a:solidFill>
                 <a:latin typeface="Adobe Clean Light" panose="020B0303020404020204" pitchFamily="34" charset="0"/>
               </a:rPr>
-              <a:t>Il s’agit d’un examen planifié régulier </a:t>
+              <a:t>Il s’agit d’un examen planifié régulier des demandes d’assistance ouvertes, assurant l’alignement des clients avec la description des cas, l’impact sur l’entreprise, le statut, la priorité </a:t>
             </a:r>
             <a:br>
-              <a:rPr lang="sk-SK" sz="1000" dirty="0">
+              <a:rPr lang="fr-FR" sz="900" dirty="0">
                 <a:solidFill>
                   <a:srgbClr val="4B4B4B"/>
                 </a:solidFill>
@@ -9571,13 +9886,13 @@
               </a:rPr>
             </a:br>
             <a:r>
-              <a:rPr lang="fr-FR" sz="1000" dirty="0">
+              <a:rPr lang="fr-FR" sz="900" dirty="0">
                 <a:solidFill>
                   <a:srgbClr val="4B4B4B"/>
                 </a:solidFill>
                 <a:latin typeface="Adobe Clean Light" panose="020B0303020404020204" pitchFamily="34" charset="0"/>
               </a:rPr>
-              <a:t>des demandes d’assistance ouvertes, assurant l’alignement des clients avec la description des cas, l’impact sur l’entreprise, le statut, la priorité et l’accord concernant les prochaines étapes nécessaires pour garantir une résolution rapide.</a:t>
+              <a:t>et l’accord concernant les prochaines étapes nécessaires pour garantir une résolution rapide.</a:t>
             </a:r>
           </a:p>
         </p:txBody>
@@ -9644,8 +9959,8 @@
         </p:nvSpPr>
         <p:spPr>
           <a:xfrm>
-            <a:off x="214971" y="4310484"/>
-            <a:ext cx="2286000" cy="45719"/>
+            <a:off x="214970" y="4310484"/>
+            <a:ext cx="3092109" cy="62862"/>
           </a:xfrm>
           <a:custGeom>
             <a:avLst/>
@@ -9709,7 +10024,7 @@
         </p:blipFill>
         <p:spPr>
           <a:xfrm>
-            <a:off x="3384482" y="3892352"/>
+            <a:off x="3511380" y="3892352"/>
             <a:ext cx="461665" cy="461665"/>
           </a:xfrm>
           <a:prstGeom prst="rect">
@@ -9748,7 +10063,7 @@
         </p:blipFill>
         <p:spPr>
           <a:xfrm>
-            <a:off x="2776853" y="6679878"/>
+            <a:off x="2776853" y="6442805"/>
             <a:ext cx="411480" cy="411480"/>
           </a:xfrm>
           <a:prstGeom prst="rect">
@@ -9787,7 +10102,7 @@
         </p:blipFill>
         <p:spPr>
           <a:xfrm>
-            <a:off x="228600" y="8520784"/>
+            <a:off x="228600" y="8222681"/>
             <a:ext cx="411480" cy="411480"/>
           </a:xfrm>
           <a:prstGeom prst="rect">
@@ -9826,7 +10141,7 @@
         </p:blipFill>
         <p:spPr>
           <a:xfrm>
-            <a:off x="228600" y="6641210"/>
+            <a:off x="228600" y="6404137"/>
             <a:ext cx="411480" cy="411480"/>
           </a:xfrm>
           <a:prstGeom prst="rect">
@@ -9865,7 +10180,7 @@
         </p:blipFill>
         <p:spPr>
           <a:xfrm>
-            <a:off x="5257800" y="6629400"/>
+            <a:off x="5257800" y="6392327"/>
             <a:ext cx="411480" cy="411480"/>
           </a:xfrm>
           <a:prstGeom prst="rect">
@@ -9904,7 +10219,7 @@
         </p:blipFill>
         <p:spPr>
           <a:xfrm>
-            <a:off x="5257800" y="8520784"/>
+            <a:off x="5257800" y="8222681"/>
             <a:ext cx="411480" cy="411480"/>
           </a:xfrm>
           <a:prstGeom prst="rect">
@@ -9943,7 +10258,7 @@
         </p:blipFill>
         <p:spPr>
           <a:xfrm>
-            <a:off x="2776853" y="8520784"/>
+            <a:off x="2776853" y="8222681"/>
             <a:ext cx="411480" cy="411480"/>
           </a:xfrm>
           <a:prstGeom prst="rect">
@@ -9982,7 +10297,7 @@
         </p:blipFill>
         <p:spPr>
           <a:xfrm>
-            <a:off x="228600" y="2517951"/>
+            <a:off x="228600" y="2377033"/>
             <a:ext cx="469271" cy="415313"/>
           </a:xfrm>
           <a:prstGeom prst="rect">
@@ -10004,7 +10319,7 @@
         </p:nvSpPr>
         <p:spPr>
           <a:xfrm rot="5400000" flipH="1">
-            <a:off x="3863341" y="1146553"/>
+            <a:off x="3863341" y="914884"/>
             <a:ext cx="45719" cy="5577840"/>
           </a:xfrm>
           <a:custGeom>
@@ -10059,7 +10374,7 @@
         </p:nvSpPr>
         <p:spPr>
           <a:xfrm rot="5400000" flipH="1">
-            <a:off x="3863341" y="5575548"/>
+            <a:off x="3863341" y="5186982"/>
             <a:ext cx="45719" cy="5577840"/>
           </a:xfrm>
           <a:custGeom>
@@ -10100,133 +10415,6 @@
           </a:p>
         </p:txBody>
       </p:sp>
-      <p:grpSp>
-        <p:nvGrpSpPr>
-          <p:cNvPr id="62" name="object 3">
-            <a:extLst>
-              <a:ext uri="{FF2B5EF4-FFF2-40B4-BE49-F238E27FC236}">
-                <a16:creationId xmlns:a16="http://schemas.microsoft.com/office/drawing/2014/main" id="{C539739D-1D3E-204D-9819-C44D9AE36DE8}"/>
-              </a:ext>
-            </a:extLst>
-          </p:cNvPr>
-          <p:cNvGrpSpPr/>
-          <p:nvPr/>
-        </p:nvGrpSpPr>
-        <p:grpSpPr>
-          <a:xfrm rot="5400000">
-            <a:off x="1154159" y="-868525"/>
-            <a:ext cx="5661921" cy="7931849"/>
-            <a:chOff x="-247019" y="421767"/>
-            <a:chExt cx="3875281" cy="7641336"/>
-          </a:xfrm>
-        </p:grpSpPr>
-        <p:sp>
-          <p:nvSpPr>
-            <p:cNvPr id="63" name="object 4">
-              <a:extLst>
-                <a:ext uri="{FF2B5EF4-FFF2-40B4-BE49-F238E27FC236}">
-                  <a16:creationId xmlns:a16="http://schemas.microsoft.com/office/drawing/2014/main" id="{F41DD51E-EC9C-7B44-BE42-FA9C42B94675}"/>
-                </a:ext>
-              </a:extLst>
-            </p:cNvPr>
-            <p:cNvSpPr/>
-            <p:nvPr/>
-          </p:nvSpPr>
-          <p:spPr>
-            <a:xfrm>
-              <a:off x="3628262" y="576453"/>
-              <a:ext cx="0" cy="7486650"/>
-            </a:xfrm>
-            <a:custGeom>
-              <a:avLst/>
-              <a:gdLst/>
-              <a:ahLst/>
-              <a:cxnLst/>
-              <a:rect l="l" t="t" r="r" b="b"/>
-              <a:pathLst>
-                <a:path h="7486650">
-                  <a:moveTo>
-                    <a:pt x="0" y="0"/>
-                  </a:moveTo>
-                  <a:lnTo>
-                    <a:pt x="0" y="7486408"/>
-                  </a:lnTo>
-                </a:path>
-              </a:pathLst>
-            </a:custGeom>
-            <a:ln w="61722">
-              <a:solidFill>
-                <a:srgbClr val="EAEAEB"/>
-              </a:solidFill>
-            </a:ln>
-          </p:spPr>
-          <p:txBody>
-            <a:bodyPr wrap="square" lIns="0" tIns="0" rIns="0" bIns="0" rtlCol="0"/>
-            <a:lstStyle/>
-            <a:p>
-              <a:endParaRPr/>
-            </a:p>
-          </p:txBody>
-        </p:sp>
-        <p:sp>
-          <p:nvSpPr>
-            <p:cNvPr id="64" name="object 5">
-              <a:extLst>
-                <a:ext uri="{FF2B5EF4-FFF2-40B4-BE49-F238E27FC236}">
-                  <a16:creationId xmlns:a16="http://schemas.microsoft.com/office/drawing/2014/main" id="{6E97A2E1-56BC-2B46-9873-F675D66FF621}"/>
-                </a:ext>
-              </a:extLst>
-            </p:cNvPr>
-            <p:cNvSpPr/>
-            <p:nvPr/>
-          </p:nvSpPr>
-          <p:spPr>
-            <a:xfrm>
-              <a:off x="-247019" y="421767"/>
-              <a:ext cx="3844040" cy="7600950"/>
-            </a:xfrm>
-            <a:custGeom>
-              <a:avLst/>
-              <a:gdLst/>
-              <a:ahLst/>
-              <a:cxnLst/>
-              <a:rect l="l" t="t" r="r" b="b"/>
-              <a:pathLst>
-                <a:path w="3409950" h="7600950">
-                  <a:moveTo>
-                    <a:pt x="0" y="7600569"/>
-                  </a:moveTo>
-                  <a:lnTo>
-                    <a:pt x="3409492" y="7600569"/>
-                  </a:lnTo>
-                  <a:lnTo>
-                    <a:pt x="3409492" y="0"/>
-                  </a:lnTo>
-                  <a:lnTo>
-                    <a:pt x="0" y="0"/>
-                  </a:lnTo>
-                  <a:lnTo>
-                    <a:pt x="0" y="7600569"/>
-                  </a:lnTo>
-                  <a:close/>
-                </a:path>
-              </a:pathLst>
-            </a:custGeom>
-            <a:ln w="12954">
-              <a:solidFill>
-                <a:srgbClr val="EBEBEB"/>
-              </a:solidFill>
-            </a:ln>
-          </p:spPr>
-          <p:txBody>
-            <a:bodyPr wrap="square" lIns="0" tIns="0" rIns="0" bIns="0" rtlCol="0"/>
-            <a:lstStyle/>
-            <a:p>
-              <a:endParaRPr/>
-            </a:p>
-          </p:txBody>
-        </p:sp>
-      </p:grpSp>
     </p:spTree>
     <p:extLst>
       <p:ext uri="{BB962C8B-B14F-4D97-AF65-F5344CB8AC3E}">
@@ -10525,8 +10713,8 @@
         </p:nvSpPr>
         <p:spPr>
           <a:xfrm>
-            <a:off x="4724780" y="914778"/>
-            <a:ext cx="2354200" cy="135230"/>
+            <a:off x="4439773" y="896885"/>
+            <a:ext cx="2524244" cy="93384"/>
           </a:xfrm>
           <a:custGeom>
             <a:avLst/>
@@ -10567,7 +10755,7 @@
         </p:nvSpPr>
         <p:spPr>
           <a:xfrm>
-            <a:off x="4789930" y="589788"/>
+            <a:off x="4514850" y="589788"/>
             <a:ext cx="2588260" cy="228268"/>
           </a:xfrm>
           <a:prstGeom prst="rect">
@@ -10575,15 +10763,12 @@
           </a:prstGeom>
         </p:spPr>
         <p:txBody>
-          <a:bodyPr vert="horz" wrap="square" lIns="0" tIns="12700" rIns="0" bIns="0" rtlCol="0">
+          <a:bodyPr vert="horz" wrap="square" lIns="0" tIns="12700" rIns="0" bIns="0" rtlCol="0" anchor="t">
             <a:spAutoFit/>
           </a:bodyPr>
           <a:lstStyle/>
           <a:p>
             <a:pPr marL="12700">
-              <a:lnSpc>
-                <a:spcPct val="100000"/>
-              </a:lnSpc>
               <a:spcBef>
                 <a:spcPts val="100"/>
               </a:spcBef>
@@ -10794,7 +10979,7 @@
         <p:spPr>
           <a:xfrm>
             <a:off x="3965471" y="1228675"/>
-            <a:ext cx="3603474" cy="859210"/>
+            <a:ext cx="3500857" cy="1013098"/>
           </a:xfrm>
           <a:prstGeom prst="rect">
             <a:avLst/>
@@ -10836,7 +11021,24 @@
                 </a:solidFill>
                 <a:latin typeface="Adobe Clean Light" panose="020B0303020404020204" pitchFamily="34" charset="0"/>
               </a:rPr>
-              <a:t>, au succès ciblé du client et à l’</a:t>
+              <a:t>, au succès ciblé </a:t>
+            </a:r>
+            <a:br>
+              <a:rPr lang="fr-FR" sz="1000" dirty="0">
+                <a:solidFill>
+                  <a:srgbClr val="4B4B4B"/>
+                </a:solidFill>
+                <a:latin typeface="Adobe Clean Light" panose="020B0303020404020204" pitchFamily="34" charset="0"/>
+              </a:rPr>
+            </a:br>
+            <a:r>
+              <a:rPr lang="fr-FR" sz="1000" dirty="0">
+                <a:solidFill>
+                  <a:srgbClr val="4B4B4B"/>
+                </a:solidFill>
+                <a:latin typeface="Adobe Clean Light" panose="020B0303020404020204" pitchFamily="34" charset="0"/>
+              </a:rPr>
+              <a:t>du client et à l’</a:t>
             </a:r>
             <a:r>
               <a:rPr lang="fr-FR" sz="1000" b="1" dirty="0">
@@ -10854,24 +11056,7 @@
                 </a:solidFill>
                 <a:latin typeface="Adobe Clean Light" panose="020B0303020404020204" pitchFamily="34" charset="0"/>
               </a:rPr>
-              <a:t>. Si Launch Advisory est actif, </a:t>
-            </a:r>
-            <a:br>
-              <a:rPr lang="sk-SK" sz="1000" dirty="0">
-                <a:solidFill>
-                  <a:srgbClr val="4B4B4B"/>
-                </a:solidFill>
-                <a:latin typeface="Adobe Clean Light" panose="020B0303020404020204" pitchFamily="34" charset="0"/>
-              </a:rPr>
-            </a:br>
-            <a:r>
-              <a:rPr lang="fr-FR" sz="1000" dirty="0">
-                <a:solidFill>
-                  <a:srgbClr val="4B4B4B"/>
-                </a:solidFill>
-                <a:latin typeface="Adobe Clean Light" panose="020B0303020404020204" pitchFamily="34" charset="0"/>
-              </a:rPr>
-              <a:t>il n’y aura </a:t>
+              <a:t>. Si Launch Advisory est actif, il n’y aura </a:t>
             </a:r>
             <a:r>
               <a:rPr lang="fr-FR" sz="1000" b="1" dirty="0">
@@ -11066,8 +11251,8 @@
         </p:nvSpPr>
         <p:spPr>
           <a:xfrm>
-            <a:off x="172087" y="3867961"/>
-            <a:ext cx="3679310" cy="2490425"/>
+            <a:off x="172087" y="3517312"/>
+            <a:ext cx="3525469" cy="2798202"/>
           </a:xfrm>
           <a:prstGeom prst="rect">
             <a:avLst/>
@@ -11085,13 +11270,24 @@
               </a:spcBef>
             </a:pPr>
             <a:r>
-              <a:rPr lang="fr-FR" sz="1000" spc="-30" dirty="0">
+              <a:rPr lang="fr-FR" sz="1000" dirty="0">
                 <a:latin typeface="Adobe Clean Light" charset="0"/>
               </a:rPr>
-              <a:t>Les experts en solutions Adobe aident à valider les exigences, l’architecture, les processus de développement et les examens de préparation au lancement avec des </a:t>
-            </a:r>
-            <a:r>
-              <a:rPr lang="fr-FR" sz="1000" b="1" spc="-30" dirty="0">
+              <a:t>Les experts en solutions Adobe aident à valider les exigences, l’architecture, les processus de développement et les examens </a:t>
+            </a:r>
+            <a:br>
+              <a:rPr lang="fr-FR" sz="1000" dirty="0">
+                <a:latin typeface="Adobe Clean Light" charset="0"/>
+              </a:rPr>
+            </a:br>
+            <a:r>
+              <a:rPr lang="fr-FR" sz="1000" dirty="0">
+                <a:latin typeface="Adobe Clean Light" charset="0"/>
+              </a:rPr>
+              <a:t>de préparation au lancement avec des </a:t>
+            </a:r>
+            <a:r>
+              <a:rPr lang="fr-FR" sz="1000" b="1" dirty="0">
                 <a:solidFill>
                   <a:srgbClr val="000000"/>
                 </a:solidFill>
@@ -11100,13 +11296,30 @@
               <a:t>conseils basés sur les bonnes pratiques </a:t>
             </a:r>
             <a:r>
-              <a:rPr lang="fr-FR" sz="1000" spc="-30" dirty="0">
+              <a:rPr lang="fr-FR" sz="1000" dirty="0">
                 <a:solidFill>
                   <a:srgbClr val="000000"/>
                 </a:solidFill>
                 <a:latin typeface="Adobe Clean SemiLight" panose="020B0403020404020204" pitchFamily="34" charset="0"/>
               </a:rPr>
-              <a:t>à l’intention des clients et des partenaires de mise en œuvre.</a:t>
+              <a:t>à l’intention des clients et des partenaires </a:t>
+            </a:r>
+            <a:br>
+              <a:rPr lang="fr-FR" sz="1000" dirty="0">
+                <a:solidFill>
+                  <a:srgbClr val="000000"/>
+                </a:solidFill>
+                <a:latin typeface="Adobe Clean SemiLight" panose="020B0403020404020204" pitchFamily="34" charset="0"/>
+              </a:rPr>
+            </a:br>
+            <a:r>
+              <a:rPr lang="fr-FR" sz="1000" dirty="0">
+                <a:solidFill>
+                  <a:srgbClr val="000000"/>
+                </a:solidFill>
+                <a:latin typeface="Adobe Clean SemiLight" panose="020B0403020404020204" pitchFamily="34" charset="0"/>
+              </a:rPr>
+              <a:t>de mise en œuvre.</a:t>
             </a:r>
           </a:p>
           <a:p>
@@ -11115,7 +11328,7 @@
                 <a:spcPts val="100"/>
               </a:spcBef>
             </a:pPr>
-            <a:endParaRPr lang="en-US" sz="1000" spc="-30" dirty="0">
+            <a:endParaRPr lang="en-US" sz="1000" dirty="0">
               <a:solidFill>
                 <a:srgbClr val="1F1F1F"/>
               </a:solidFill>
@@ -11130,19 +11343,19 @@
               </a:spcBef>
             </a:pPr>
             <a:r>
-              <a:rPr lang="fr-FR" sz="1000" spc="-30" dirty="0">
+              <a:rPr lang="fr-FR" sz="1000" dirty="0">
                 <a:latin typeface="Adobe Clean Light" charset="0"/>
               </a:rPr>
               <a:t>Launch Advisory s’alignera sur le calendrier de votre projet via des jalons communs (</a:t>
             </a:r>
             <a:r>
-              <a:rPr lang="fr-FR" sz="1000" b="1" spc="-30" dirty="0">
+              <a:rPr lang="fr-FR" sz="1000" b="1" dirty="0">
                 <a:latin typeface="Adobe Clean Light" charset="0"/>
               </a:rPr>
               <a:t>lancement, définition, conception, activation et post-lancement</a:t>
             </a:r>
             <a:r>
-              <a:rPr lang="fr-FR" sz="1000" spc="-30" dirty="0">
+              <a:rPr lang="fr-FR" sz="1000" dirty="0">
                 <a:latin typeface="Adobe Clean Light" charset="0"/>
               </a:rPr>
               <a:t>) pour guider, valider, évaluer et faire des recommandations.</a:t>
@@ -11184,7 +11397,7 @@
               <a:t>Plateforme de lancement (y compris le plan </a:t>
             </a:r>
             <a:br>
-              <a:rPr lang="sk-SK" sz="1000" dirty="0"/>
+              <a:rPr lang="fr-FR" sz="1000" dirty="0"/>
             </a:br>
             <a:r>
               <a:rPr lang="fr-FR" sz="1000" dirty="0"/>
@@ -11233,7 +11446,7 @@
         </p:nvSpPr>
         <p:spPr>
           <a:xfrm rot="10800000" flipH="1">
-            <a:off x="3692282" y="3840480"/>
+            <a:off x="3692282" y="3489831"/>
             <a:ext cx="45719" cy="5669280"/>
           </a:xfrm>
           <a:custGeom>
@@ -11444,8 +11657,8 @@
         </p:nvSpPr>
         <p:spPr>
           <a:xfrm>
-            <a:off x="2918286" y="2164734"/>
-            <a:ext cx="933111" cy="261610"/>
+            <a:off x="2804212" y="2317134"/>
+            <a:ext cx="1161260" cy="246221"/>
           </a:xfrm>
           <a:prstGeom prst="rect">
             <a:avLst/>
@@ -11460,7 +11673,7 @@
           <a:p>
             <a:pPr algn="ctr"/>
             <a:r>
-              <a:rPr lang="fr-FR" sz="1100" dirty="0"/>
+              <a:rPr lang="fr-FR" sz="1000" dirty="0"/>
               <a:t>Post-lancement</a:t>
             </a:r>
           </a:p>
@@ -11481,7 +11694,7 @@
           <p:nvPr/>
         </p:nvPicPr>
         <p:blipFill>
-          <a:blip r:embed="rId4">
+          <a:blip r:embed="rId4" cstate="print">
             <a:extLst>
               <a:ext uri="{28A0092B-C50C-407E-A947-70E740481C1C}">
                 <a14:useLocalDpi xmlns:a14="http://schemas.microsoft.com/office/drawing/2010/main" val="0"/>
@@ -11493,8 +11706,8 @@
         </p:blipFill>
         <p:spPr>
           <a:xfrm>
-            <a:off x="334498" y="6379881"/>
-            <a:ext cx="3096805" cy="2855621"/>
+            <a:off x="336106" y="6456131"/>
+            <a:ext cx="3093589" cy="2855621"/>
           </a:xfrm>
           <a:prstGeom prst="rect">
             <a:avLst/>
@@ -11569,7 +11782,7 @@
         </p:nvSpPr>
         <p:spPr>
           <a:xfrm>
-            <a:off x="3855907" y="4694431"/>
+            <a:off x="3855907" y="4343782"/>
             <a:ext cx="3525469" cy="2464777"/>
           </a:xfrm>
           <a:prstGeom prst="rect">
@@ -11577,7 +11790,7 @@
           </a:prstGeom>
         </p:spPr>
         <p:txBody>
-          <a:bodyPr wrap="square">
+          <a:bodyPr wrap="square" lIns="91440" tIns="45720" rIns="91440" bIns="45720" anchor="t">
             <a:spAutoFit/>
           </a:bodyPr>
           <a:lstStyle/>
@@ -11601,16 +11814,16 @@
                 <a:solidFill>
                   <a:srgbClr val="000000"/>
                 </a:solidFill>
-                <a:latin typeface="Adobe Clean Light" panose="020B0303020404020204" pitchFamily="34" charset="0"/>
-              </a:rPr>
-              <a:t>s’assurent que les clients sont techniquement sûrs et maximisent l’adoption de leurs outils.</a:t>
+                <a:latin typeface="Adobe Clean Light"/>
+              </a:rPr>
+              <a:t>s’assurent que les clients sont techniquement sûrs et maximisent l’adoption de leurs outils. Pour être plus précis, ces types d’activités incluent la prise en charge </a:t>
             </a:r>
             <a:br>
-              <a:rPr lang="sk-SK" sz="1000" dirty="0">
+              <a:rPr lang="fr-FR" sz="1000" dirty="0">
                 <a:solidFill>
                   <a:srgbClr val="000000"/>
                 </a:solidFill>
-                <a:latin typeface="Adobe Clean Light" panose="020B0303020404020204" pitchFamily="34" charset="0"/>
+                <a:latin typeface="Adobe Clean Light"/>
               </a:rPr>
             </a:br>
             <a:r>
@@ -11618,16 +11831,16 @@
                 <a:solidFill>
                   <a:srgbClr val="000000"/>
                 </a:solidFill>
-                <a:latin typeface="Adobe Clean Light" panose="020B0303020404020204" pitchFamily="34" charset="0"/>
-              </a:rPr>
-              <a:t>Pour être plus précis, ces types d’activités incluent la prise en charge </a:t>
+                <a:latin typeface="Adobe Clean Light"/>
+              </a:rPr>
+              <a:t>et les recommandations liées aux configurations de plateforme, </a:t>
             </a:r>
             <a:br>
-              <a:rPr lang="sk-SK" sz="1000" dirty="0">
+              <a:rPr lang="fr-FR" sz="1000" dirty="0">
                 <a:solidFill>
                   <a:srgbClr val="000000"/>
                 </a:solidFill>
-                <a:latin typeface="Adobe Clean Light" panose="020B0303020404020204" pitchFamily="34" charset="0"/>
+                <a:latin typeface="Adobe Clean Light"/>
               </a:rPr>
             </a:br>
             <a:r>
@@ -11635,26 +11848,9 @@
                 <a:solidFill>
                   <a:srgbClr val="000000"/>
                 </a:solidFill>
-                <a:latin typeface="Adobe Clean Light" panose="020B0303020404020204" pitchFamily="34" charset="0"/>
-              </a:rPr>
-              <a:t>et les recommandations liées aux configurations de plateforme, </a:t>
-            </a:r>
-            <a:br>
-              <a:rPr lang="sk-SK" sz="1000" dirty="0">
-                <a:solidFill>
-                  <a:srgbClr val="000000"/>
-                </a:solidFill>
-                <a:latin typeface="Adobe Clean Light" panose="020B0303020404020204" pitchFamily="34" charset="0"/>
-              </a:rPr>
-            </a:br>
-            <a:r>
-              <a:rPr lang="fr-FR" sz="1000" dirty="0">
-                <a:solidFill>
-                  <a:srgbClr val="000000"/>
-                </a:solidFill>
-                <a:latin typeface="Adobe Clean Light" panose="020B0303020404020204" pitchFamily="34" charset="0"/>
-              </a:rPr>
-              <a:t>aux intégrations et à la résolution des problèmes</a:t>
+                <a:latin typeface="Adobe Clean Light"/>
+              </a:rPr>
+              <a:t>aux intégrations et à la résolution des problèmes.</a:t>
             </a:r>
           </a:p>
           <a:p>
@@ -11675,7 +11871,7 @@
             </a:pPr>
             <a:r>
               <a:rPr lang="fr-FR" sz="1000" dirty="0">
-                <a:latin typeface="Adobe Clean Light" charset="0"/>
+                <a:latin typeface="Adobe Clean Light"/>
               </a:rPr>
               <a:t>Les types d’activités techniques disponibles sont les suivantes :</a:t>
             </a:r>
@@ -11792,7 +11988,7 @@
         </p:nvSpPr>
         <p:spPr>
           <a:xfrm>
-            <a:off x="3851397" y="7249456"/>
+            <a:off x="3851397" y="6898807"/>
             <a:ext cx="3525469" cy="2054409"/>
           </a:xfrm>
           <a:prstGeom prst="rect">
@@ -11800,7 +11996,7 @@
           </a:prstGeom>
         </p:spPr>
         <p:txBody>
-          <a:bodyPr wrap="square">
+          <a:bodyPr wrap="square" lIns="91440" tIns="45720" rIns="91440" bIns="45720" anchor="t">
             <a:spAutoFit/>
           </a:bodyPr>
           <a:lstStyle/>
@@ -11824,9 +12020,43 @@
                 <a:solidFill>
                   <a:srgbClr val="000000"/>
                 </a:solidFill>
-                <a:latin typeface="Adobe Clean Light" panose="020B0303020404020204" pitchFamily="34" charset="0"/>
-              </a:rPr>
-              <a:t>localisent des opportunités pour s’assurer que les solutions Adobe d’un client génèrent de la valeur. Elles comprennent des recommandations d’assistance liées à la stratégie, à la mesure et à la maturité afin de générer de la valeur pour une ou plusieurs solutions Adobe.</a:t>
+                <a:latin typeface="Adobe Clean Light"/>
+              </a:rPr>
+              <a:t>localisent des opportunités pour s’assurer que les solutions Adobe d’un client génèrent de la valeur. Elles comprennent des recommandations d’assistance liées </a:t>
+            </a:r>
+            <a:br>
+              <a:rPr lang="fr-FR" sz="1000" dirty="0">
+                <a:solidFill>
+                  <a:srgbClr val="000000"/>
+                </a:solidFill>
+                <a:latin typeface="Adobe Clean Light"/>
+              </a:rPr>
+            </a:br>
+            <a:r>
+              <a:rPr lang="fr-FR" sz="1000" dirty="0">
+                <a:solidFill>
+                  <a:srgbClr val="000000"/>
+                </a:solidFill>
+                <a:latin typeface="Adobe Clean Light"/>
+              </a:rPr>
+              <a:t>à la stratégie, à la mesure et à la maturité afin de générer </a:t>
+            </a:r>
+            <a:br>
+              <a:rPr lang="fr-FR" sz="1000" dirty="0">
+                <a:solidFill>
+                  <a:srgbClr val="000000"/>
+                </a:solidFill>
+                <a:latin typeface="Adobe Clean Light"/>
+              </a:rPr>
+            </a:br>
+            <a:r>
+              <a:rPr lang="fr-FR" sz="1000" dirty="0">
+                <a:solidFill>
+                  <a:srgbClr val="000000"/>
+                </a:solidFill>
+                <a:latin typeface="Adobe Clean Light"/>
+              </a:rPr>
+              <a:t>de la valeur pour une ou plusieurs solutions Adobe.</a:t>
             </a:r>
           </a:p>
           <a:p>
@@ -11847,7 +12077,7 @@
             </a:pPr>
             <a:r>
               <a:rPr lang="fr-FR" sz="1000" dirty="0">
-                <a:latin typeface="Adobe Clean Light" charset="0"/>
+                <a:latin typeface="Adobe Clean Light"/>
               </a:rPr>
               <a:t>Les types d’activités stratégiques disponibles sont les suivantes :</a:t>
             </a:r>
@@ -11932,7 +12162,7 @@
         </p:nvSpPr>
         <p:spPr>
           <a:xfrm>
-            <a:off x="3851397" y="3891661"/>
+            <a:off x="3851397" y="3541012"/>
             <a:ext cx="3525468" cy="584775"/>
           </a:xfrm>
           <a:prstGeom prst="rect">
@@ -11962,7 +12192,7 @@
               <a:t>En tant que client d’entreprise, vous êtes éligible pour participer </a:t>
             </a:r>
             <a:br>
-              <a:rPr lang="sk-SK" sz="1000" dirty="0">
+              <a:rPr lang="fr-FR" sz="1000" dirty="0">
                 <a:solidFill>
                   <a:srgbClr val="1F1F1F"/>
                 </a:solidFill>
@@ -12068,7 +12298,7 @@
         <p:spPr>
           <a:xfrm>
             <a:off x="2236134" y="2317134"/>
-            <a:ext cx="826006" cy="261610"/>
+            <a:ext cx="826006" cy="246221"/>
           </a:xfrm>
           <a:prstGeom prst="rect">
             <a:avLst/>
@@ -12083,7 +12313,7 @@
           <a:p>
             <a:pPr algn="ctr"/>
             <a:r>
-              <a:rPr lang="fr-FR" sz="1100"/>
+              <a:rPr lang="fr-FR" sz="1000"/>
               <a:t>Activation</a:t>
             </a:r>
           </a:p>
@@ -12104,7 +12334,7 @@
         <p:spPr>
           <a:xfrm>
             <a:off x="878679" y="2320287"/>
-            <a:ext cx="826006" cy="261610"/>
+            <a:ext cx="826006" cy="246221"/>
           </a:xfrm>
           <a:prstGeom prst="rect">
             <a:avLst/>
@@ -12119,7 +12349,7 @@
           <a:p>
             <a:pPr algn="ctr"/>
             <a:r>
-              <a:rPr lang="fr-FR" sz="1100"/>
+              <a:rPr lang="fr-FR" sz="1000"/>
               <a:t>Définition</a:t>
             </a:r>
           </a:p>
@@ -12140,7 +12370,7 @@
         <p:spPr>
           <a:xfrm>
             <a:off x="205422" y="2330087"/>
-            <a:ext cx="826006" cy="261610"/>
+            <a:ext cx="826006" cy="246221"/>
           </a:xfrm>
           <a:prstGeom prst="rect">
             <a:avLst/>
@@ -12155,7 +12385,7 @@
           <a:p>
             <a:pPr algn="ctr"/>
             <a:r>
-              <a:rPr lang="fr-FR" sz="1100"/>
+              <a:rPr lang="fr-FR" sz="1000"/>
               <a:t>Lancement</a:t>
             </a:r>
           </a:p>
@@ -12176,7 +12406,7 @@
         <p:spPr>
           <a:xfrm>
             <a:off x="1558548" y="2320287"/>
-            <a:ext cx="826006" cy="261610"/>
+            <a:ext cx="826006" cy="246221"/>
           </a:xfrm>
           <a:prstGeom prst="rect">
             <a:avLst/>
@@ -12191,7 +12421,7 @@
           <a:p>
             <a:pPr algn="ctr"/>
             <a:r>
-              <a:rPr lang="fr-FR" sz="1100"/>
+              <a:rPr lang="fr-FR" sz="1000"/>
               <a:t>Conception</a:t>
             </a:r>
           </a:p>
@@ -12465,7 +12695,7 @@
         <p:spPr>
           <a:xfrm>
             <a:off x="6754821" y="9283729"/>
-            <a:ext cx="930275" cy="662305"/>
+            <a:ext cx="1017579" cy="662305"/>
           </a:xfrm>
           <a:prstGeom prst="rect">
             <a:avLst/>
@@ -12486,7 +12716,7 @@
               </a:spcBef>
             </a:pPr>
             <a:r>
-              <a:rPr lang="fr-FR" sz="800">
+              <a:rPr lang="fr-FR" sz="800" dirty="0">
                 <a:solidFill>
                   <a:srgbClr val="777879"/>
                 </a:solidFill>
@@ -12503,7 +12733,7 @@
               </a:lnSpc>
             </a:pPr>
             <a:r>
-              <a:rPr lang="fr-FR" sz="800">
+              <a:rPr lang="fr-FR" sz="800" dirty="0">
                 <a:solidFill>
                   <a:srgbClr val="777879"/>
                 </a:solidFill>
@@ -12520,7 +12750,7 @@
               </a:lnSpc>
             </a:pPr>
             <a:r>
-              <a:rPr lang="fr-FR" sz="800">
+              <a:rPr lang="fr-FR" sz="800" dirty="0">
                 <a:solidFill>
                   <a:srgbClr val="777879"/>
                 </a:solidFill>
@@ -12540,7 +12770,7 @@
               </a:spcBef>
             </a:pPr>
             <a:r>
-              <a:rPr lang="fr-FR" sz="800">
+              <a:rPr lang="fr-FR" sz="800" dirty="0">
                 <a:solidFill>
                   <a:srgbClr val="777879"/>
                 </a:solidFill>
@@ -12560,7 +12790,7 @@
               </a:spcBef>
             </a:pPr>
             <a:r>
-              <a:rPr lang="fr-FR" sz="800" u="sng">
+              <a:rPr lang="fr-FR" sz="800" u="sng" dirty="0">
                 <a:solidFill>
                   <a:srgbClr val="5F5F5F"/>
                 </a:solidFill>
@@ -12735,7 +12965,7 @@
           </a:prstGeom>
         </p:spPr>
         <p:txBody>
-          <a:bodyPr vert="horz" wrap="square" lIns="0" tIns="29845" rIns="0" bIns="0" rtlCol="0">
+          <a:bodyPr vert="horz" wrap="square" lIns="0" tIns="29845" rIns="0" bIns="0" rtlCol="0" anchor="t">
             <a:spAutoFit/>
           </a:bodyPr>
           <a:lstStyle/>
@@ -12749,14 +12979,33 @@
               </a:spcBef>
             </a:pPr>
             <a:r>
-              <a:rPr lang="fr-FR" sz="1100" i="1">
+              <a:rPr lang="fr-FR" sz="1100" i="1" dirty="0">
                 <a:solidFill>
                   <a:srgbClr val="777879"/>
                 </a:solidFill>
                 <a:latin typeface="AdobeClean-LightIt"/>
                 <a:cs typeface="AdobeClean-LightIt"/>
               </a:rPr>
-              <a:t>Pour en apprendre plus sur les offres de l’assistance Adobe et sur le niveau qui vous convient, contactez votre gestionnaire de compte nommé (NAM) ou votre gestionnaire de réussite client (CSM)</a:t>
+              <a:t>Pour en apprendre plus sur les offres de l’assistance Adobe et sur le niveau qui vous convient, </a:t>
+            </a:r>
+            <a:br>
+              <a:rPr lang="fr-FR" sz="1100" i="1" dirty="0">
+                <a:solidFill>
+                  <a:srgbClr val="777879"/>
+                </a:solidFill>
+                <a:latin typeface="AdobeClean-LightIt"/>
+                <a:cs typeface="AdobeClean-LightIt"/>
+              </a:rPr>
+            </a:br>
+            <a:r>
+              <a:rPr lang="fr-FR" sz="1100" i="1" dirty="0">
+                <a:solidFill>
+                  <a:srgbClr val="777879"/>
+                </a:solidFill>
+                <a:latin typeface="AdobeClean-LightIt"/>
+                <a:cs typeface="AdobeClean-LightIt"/>
+              </a:rPr>
+              <a:t>contactez votre gestionnaire de compte nommé (NAM) ou votre gestionnaire de réussite client (CSM).</a:t>
             </a:r>
           </a:p>
           <a:p>
@@ -12769,14 +13018,54 @@
               </a:spcBef>
             </a:pPr>
             <a:r>
-              <a:rPr lang="fr-FR" sz="800">
+              <a:rPr lang="fr-FR" sz="800" dirty="0">
                 <a:solidFill>
                   <a:srgbClr val="6D6D6D"/>
                 </a:solidFill>
                 <a:latin typeface="Adobe Clean"/>
                 <a:cs typeface="Adobe Clean"/>
               </a:rPr>
-              <a:t>©2021 Adobe. All Rights Reserved. Données confidentielles Adobe</a:t>
+              <a:t>©2021 Adobe. All </a:t>
+            </a:r>
+            <a:r>
+              <a:rPr lang="fr-FR" sz="800" dirty="0" err="1">
+                <a:solidFill>
+                  <a:srgbClr val="6D6D6D"/>
+                </a:solidFill>
+                <a:latin typeface="Adobe Clean"/>
+                <a:cs typeface="Adobe Clean"/>
+              </a:rPr>
+              <a:t>Rights</a:t>
+            </a:r>
+            <a:r>
+              <a:rPr lang="fr-FR" sz="800" dirty="0">
+                <a:solidFill>
+                  <a:srgbClr val="6D6D6D"/>
+                </a:solidFill>
+                <a:latin typeface="Adobe Clean"/>
+                <a:cs typeface="Adobe Clean"/>
+              </a:rPr>
+              <a:t> </a:t>
+            </a:r>
+            <a:r>
+              <a:rPr lang="fr-FR" sz="800" dirty="0" err="1">
+                <a:solidFill>
+                  <a:srgbClr val="6D6D6D"/>
+                </a:solidFill>
+                <a:latin typeface="Adobe Clean"/>
+                <a:cs typeface="Adobe Clean"/>
+              </a:rPr>
+              <a:t>Reserved</a:t>
+            </a:r>
+            <a:r>
+              <a:rPr lang="fr-FR" sz="800" dirty="0">
+                <a:solidFill>
+                  <a:srgbClr val="6D6D6D"/>
+                </a:solidFill>
+                <a:latin typeface="Adobe Clean"/>
+                <a:cs typeface="Adobe Clean"/>
+              </a:rPr>
+              <a:t>. Données confidentielles Adobe</a:t>
             </a:r>
           </a:p>
         </p:txBody>
@@ -12795,8 +13084,8 @@
         </p:nvSpPr>
         <p:spPr>
           <a:xfrm>
-            <a:off x="190706" y="5119521"/>
-            <a:ext cx="7274987" cy="755976"/>
+            <a:off x="190706" y="4913781"/>
+            <a:ext cx="7147353" cy="755976"/>
           </a:xfrm>
           <a:prstGeom prst="rect">
             <a:avLst/>
@@ -12837,24 +13126,7 @@
                 </a:solidFill>
                 <a:latin typeface="AdobeClean-Light"/>
               </a:rPr>
-              <a:t>La portée régionale de l’assistance Adobe est définie par l’alignement de l’adresse de facturation du client (se trouvant sur le bon de commande </a:t>
-            </a:r>
-            <a:br>
-              <a:rPr lang="sk-SK" sz="1000" dirty="0">
-                <a:solidFill>
-                  <a:srgbClr val="1F1F1F"/>
-                </a:solidFill>
-                <a:latin typeface="AdobeClean-Light"/>
-              </a:rPr>
-            </a:br>
-            <a:r>
-              <a:rPr lang="fr-FR" sz="1000" dirty="0">
-                <a:solidFill>
-                  <a:srgbClr val="1F1F1F"/>
-                </a:solidFill>
-                <a:latin typeface="AdobeClean-Light"/>
-              </a:rPr>
-              <a:t>ou tout autre document d’achat de l’assistance Adobe) avec l’une des régions suivantes :</a:t>
+              <a:t>La portée régionale de l’assistance Adobe est définie par l’alignement de l’adresse de facturation du client (se trouvant sur le bon de commande ou tout autre document d’achat de l’assistance Adobe) avec l’une des régions suivantes :</a:t>
             </a:r>
           </a:p>
         </p:txBody>
@@ -12874,7 +13146,7 @@
           <p:nvPr>
             <p:extLst>
               <p:ext uri="{D42A27DB-BD31-4B8C-83A1-F6EECF244321}">
-                <p14:modId xmlns:p14="http://schemas.microsoft.com/office/powerpoint/2010/main" val="1291534283"/>
+                <p14:modId xmlns:p14="http://schemas.microsoft.com/office/powerpoint/2010/main" val="4022272392"/>
               </p:ext>
             </p:extLst>
           </p:nvPr>
@@ -12992,13 +13264,30 @@
                     <a:p>
                       <a:pPr algn="ctr"/>
                       <a:r>
-                        <a:rPr lang="fr-FR" sz="1100">
+                        <a:rPr lang="fr-FR" sz="1100" dirty="0">
                           <a:solidFill>
                             <a:schemeClr val="tx1"/>
                           </a:solidFill>
                           <a:latin typeface="Adobe Clean"/>
                         </a:rPr>
-                        <a:t>Europe, Moyen-Orient et Afrique</a:t>
+                        <a:t>Europe, Moyen-Orient </a:t>
+                      </a:r>
+                      <a:br>
+                        <a:rPr lang="fr-FR" sz="1100" dirty="0">
+                          <a:solidFill>
+                            <a:schemeClr val="tx1"/>
+                          </a:solidFill>
+                          <a:latin typeface="Adobe Clean"/>
+                        </a:rPr>
+                      </a:br>
+                      <a:r>
+                        <a:rPr lang="fr-FR" sz="1100" dirty="0">
+                          <a:solidFill>
+                            <a:schemeClr val="tx1"/>
+                          </a:solidFill>
+                          <a:latin typeface="Adobe Clean"/>
+                        </a:rPr>
+                        <a:t>et Afrique</a:t>
                       </a:r>
                     </a:p>
                   </a:txBody>
@@ -13866,8 +14155,8 @@
         </p:nvSpPr>
         <p:spPr>
           <a:xfrm>
-            <a:off x="2718951" y="8528519"/>
-            <a:ext cx="1045329" cy="382797"/>
+            <a:off x="2671207" y="8528519"/>
+            <a:ext cx="1150224" cy="382797"/>
           </a:xfrm>
           <a:prstGeom prst="rect">
             <a:avLst/>
@@ -13914,7 +14203,7 @@
         </p:nvSpPr>
         <p:spPr>
           <a:xfrm>
-            <a:off x="4686775" y="8541244"/>
+            <a:off x="4732495" y="8541244"/>
             <a:ext cx="810895" cy="382797"/>
           </a:xfrm>
           <a:prstGeom prst="rect">
@@ -13962,8 +14251,8 @@
         </p:nvSpPr>
         <p:spPr>
           <a:xfrm>
-            <a:off x="6509818" y="8543943"/>
-            <a:ext cx="744421" cy="382797"/>
+            <a:off x="6420719" y="8543943"/>
+            <a:ext cx="917340" cy="382797"/>
           </a:xfrm>
           <a:prstGeom prst="rect">
             <a:avLst/>
@@ -14011,14 +14300,14 @@
           <p:nvPr>
             <p:extLst>
               <p:ext uri="{D42A27DB-BD31-4B8C-83A1-F6EECF244321}">
-                <p14:modId xmlns:p14="http://schemas.microsoft.com/office/powerpoint/2010/main" val="663183330"/>
+                <p14:modId xmlns:p14="http://schemas.microsoft.com/office/powerpoint/2010/main" val="2874231184"/>
               </p:ext>
             </p:extLst>
           </p:nvPr>
         </p:nvGraphicFramePr>
         <p:xfrm>
           <a:off x="194237" y="1272353"/>
-          <a:ext cx="7368291" cy="3870960"/>
+          <a:ext cx="7368291" cy="3388360"/>
         </p:xfrm>
         <a:graphic>
           <a:graphicData uri="http://schemas.openxmlformats.org/drawingml/2006/table">
@@ -14027,14 +14316,14 @@
                 <a:tableStyleId>{5C22544A-7EE6-4342-B048-85BDC9FD1C3A}</a:tableStyleId>
               </a:tblPr>
               <a:tblGrid>
-                <a:gridCol w="3691964">
+                <a:gridCol w="3364303">
                   <a:extLst>
                     <a:ext uri="{9D8B030D-6E8A-4147-A177-3AD203B41FA5}">
                       <a16:colId xmlns:a16="http://schemas.microsoft.com/office/drawing/2014/main" val="2364693614"/>
                     </a:ext>
                   </a:extLst>
                 </a:gridCol>
-                <a:gridCol w="3676327">
+                <a:gridCol w="4003988">
                   <a:extLst>
                     <a:ext uri="{9D8B030D-6E8A-4147-A177-3AD203B41FA5}">
                       <a16:colId xmlns:a16="http://schemas.microsoft.com/office/drawing/2014/main" val="1545335406"/>
@@ -14053,7 +14342,7 @@
                           <a:solidFill>
                             <a:schemeClr val="tx1"/>
                           </a:solidFill>
-                          <a:latin typeface="Adobe Clean" panose="020B0503020404020204" pitchFamily="34" charset="0"/>
+                          <a:latin typeface="Adobe Clean"/>
                           <a:ea typeface="+mn-ea"/>
                           <a:cs typeface="+mn-cs"/>
                           <a:hlinkClick r:id="rId7"/>
@@ -14115,7 +14404,7 @@
                     <a:bodyPr/>
                     <a:lstStyle/>
                     <a:p>
-                      <a:pPr marL="0" marR="0" lvl="0" indent="0" defTabSz="914400" eaLnBrk="1" fontAlgn="auto" latinLnBrk="0" hangingPunct="1">
+                      <a:pPr marL="0" marR="0" lvl="0" indent="0" eaLnBrk="1" fontAlgn="auto" latinLnBrk="0" hangingPunct="1">
                         <a:lnSpc>
                           <a:spcPct val="100000"/>
                         </a:lnSpc>
@@ -14129,15 +14418,13 @@
                         <a:buSzTx/>
                         <a:buFontTx/>
                         <a:buNone/>
-                        <a:tabLst/>
-                        <a:defRPr/>
                       </a:pPr>
                       <a:r>
                         <a:rPr lang="fr-FR" sz="1000" b="0" dirty="0" err="1">
                           <a:solidFill>
                             <a:srgbClr val="000000"/>
                           </a:solidFill>
-                          <a:latin typeface="Adobe Clean Light" panose="020B0303020404020204" pitchFamily="34" charset="0"/>
+                          <a:latin typeface="Adobe Clean Light"/>
                           <a:ea typeface="+mn-ea"/>
                           <a:cs typeface="+mn-cs"/>
                         </a:rPr>
@@ -14148,32 +14435,11 @@
                           <a:solidFill>
                             <a:srgbClr val="000000"/>
                           </a:solidFill>
-                          <a:latin typeface="Adobe Clean Light" panose="020B0303020404020204" pitchFamily="34" charset="0"/>
+                          <a:latin typeface="Adobe Clean Light"/>
                           <a:ea typeface="+mn-ea"/>
                           <a:cs typeface="+mn-cs"/>
                         </a:rPr>
-                        <a:t> League est la manière dont Adobe aide les entreprises </a:t>
-                      </a:r>
-                      <a:br>
-                        <a:rPr lang="sk-SK" sz="1000" b="0" dirty="0">
-                          <a:solidFill>
-                            <a:srgbClr val="000000"/>
-                          </a:solidFill>
-                          <a:latin typeface="Adobe Clean Light" panose="020B0303020404020204" pitchFamily="34" charset="0"/>
-                          <a:ea typeface="+mn-ea"/>
-                          <a:cs typeface="+mn-cs"/>
-                        </a:rPr>
-                      </a:br>
-                      <a:r>
-                        <a:rPr lang="fr-FR" sz="1000" b="0" dirty="0">
-                          <a:solidFill>
-                            <a:srgbClr val="000000"/>
-                          </a:solidFill>
-                          <a:latin typeface="Adobe Clean Light" panose="020B0303020404020204" pitchFamily="34" charset="0"/>
-                          <a:ea typeface="+mn-ea"/>
-                          <a:cs typeface="+mn-cs"/>
-                        </a:rPr>
-                        <a:t>à atteindre la valeur qu’elles attendent de leur investissement dans Adobe. Il s’agit de l’endroit commun où les clients peuvent apprendre, se mettre en relation les uns avec les autres et grandir le long d’un chemin personnalisé vers le succès. Il comprend des tutoriels automatiques, de la documentation sur les produits, une formation dispensée par un instructeur, une communauté et une assistance technique. </a:t>
+                        <a:t> League est la manière dont Adobe aide les entreprises à atteindre la valeur qu’elles attendent de leur investissement dans Adobe. Il s’agit de l’endroit commun où les clients peuvent apprendre, se mettre en relation les uns avec les autres et grandir le long d’un chemin personnalisé vers le succès. Il comprend des tutoriels automatiques, de la documentation sur les produits, une formation dispensée par un instructeur, une communauté et une assistance technique. </a:t>
                       </a:r>
                     </a:p>
                   </a:txBody>
@@ -14259,7 +14525,7 @@
                           <a:solidFill>
                             <a:schemeClr val="dk1"/>
                           </a:solidFill>
-                          <a:latin typeface="Adobe Clean" panose="020B0503020404020204" pitchFamily="34" charset="0"/>
+                          <a:latin typeface="Adobe Clean"/>
                           <a:ea typeface="+mn-ea"/>
                           <a:cs typeface="+mn-cs"/>
                           <a:hlinkClick r:id="rId8"/>
@@ -14271,7 +14537,7 @@
                           <a:solidFill>
                             <a:schemeClr val="dk1"/>
                           </a:solidFill>
-                          <a:latin typeface="Adobe Clean" panose="020B0503020404020204" pitchFamily="34" charset="0"/>
+                          <a:latin typeface="Adobe Clean"/>
                           <a:ea typeface="+mn-ea"/>
                           <a:cs typeface="+mn-cs"/>
                         </a:rPr>
@@ -14354,7 +14620,7 @@
                           <a:solidFill>
                             <a:srgbClr val="000000"/>
                           </a:solidFill>
-                          <a:latin typeface="Adobe Clean Light" panose="020B0303020404020204" pitchFamily="34" charset="0"/>
+                          <a:latin typeface="Adobe Clean Light"/>
                           <a:ea typeface="+mn-ea"/>
                           <a:cs typeface="+mn-cs"/>
                         </a:rPr>
@@ -14365,7 +14631,7 @@
                           <a:solidFill>
                             <a:srgbClr val="000000"/>
                           </a:solidFill>
-                          <a:latin typeface="Adobe Clean Light" panose="020B0303020404020204" pitchFamily="34" charset="0"/>
+                          <a:latin typeface="Adobe Clean Light"/>
                           <a:ea typeface="+mn-ea"/>
                           <a:cs typeface="+mn-cs"/>
                         </a:rPr>
@@ -14376,32 +14642,11 @@
                           <a:solidFill>
                             <a:srgbClr val="000000"/>
                           </a:solidFill>
-                          <a:latin typeface="Adobe Clean Light" panose="020B0303020404020204" pitchFamily="34" charset="0"/>
+                          <a:latin typeface="Adobe Clean Light"/>
                           <a:ea typeface="+mn-ea"/>
                           <a:cs typeface="+mn-cs"/>
                         </a:rPr>
-                        <a:t> League. Les cours de formation regroupent des cours à la demande et des cours dispensés par un instructeur.  Grâce à ces cours, vous pouvez acquérir des compétences qui présentent une valeur marchande reconnue et les disposer </a:t>
-                      </a:r>
-                      <a:br>
-                        <a:rPr lang="sk-SK" sz="1000" dirty="0">
-                          <a:solidFill>
-                            <a:srgbClr val="000000"/>
-                          </a:solidFill>
-                          <a:latin typeface="Adobe Clean Light" panose="020B0303020404020204" pitchFamily="34" charset="0"/>
-                          <a:ea typeface="+mn-ea"/>
-                          <a:cs typeface="+mn-cs"/>
-                        </a:rPr>
-                      </a:br>
-                      <a:r>
-                        <a:rPr lang="fr-FR" sz="1000" dirty="0">
-                          <a:solidFill>
-                            <a:srgbClr val="000000"/>
-                          </a:solidFill>
-                          <a:latin typeface="Adobe Clean Light" panose="020B0303020404020204" pitchFamily="34" charset="0"/>
-                          <a:ea typeface="+mn-ea"/>
-                          <a:cs typeface="+mn-cs"/>
-                        </a:rPr>
-                        <a:t>de manière à stimuler le succès de vos entreprises.</a:t>
+                        <a:t> League. Les cours de formation regroupent des cours à la demande et des cours dispensés par un instructeur.  Grâce à ces cours, vous pouvez acquérir des compétences qui présentent une valeur marchande reconnue et les disposer de manière à stimuler le succès de vos entreprises.</a:t>
                       </a:r>
                     </a:p>
                   </a:txBody>
@@ -14487,7 +14732,7 @@
                           <a:solidFill>
                             <a:schemeClr val="tx1"/>
                           </a:solidFill>
-                          <a:latin typeface="Adobe Clean" panose="020B0503020404020204" pitchFamily="34" charset="0"/>
+                          <a:latin typeface="Adobe Clean"/>
                           <a:ea typeface="+mn-ea"/>
                           <a:cs typeface="+mn-cs"/>
                           <a:hlinkClick r:id="rId9"/>
@@ -14549,7 +14794,7 @@
                     <a:bodyPr/>
                     <a:lstStyle/>
                     <a:p>
-                      <a:pPr marL="0" marR="0" lvl="0" indent="0" defTabSz="914400" eaLnBrk="1" fontAlgn="auto" latinLnBrk="0" hangingPunct="1">
+                      <a:pPr marL="0" marR="0" lvl="0" indent="0" eaLnBrk="1" fontAlgn="auto" latinLnBrk="0" hangingPunct="1">
                         <a:lnSpc>
                           <a:spcPct val="100000"/>
                         </a:lnSpc>
@@ -14563,19 +14808,17 @@
                         <a:buSzTx/>
                         <a:buFontTx/>
                         <a:buNone/>
-                        <a:tabLst/>
-                        <a:defRPr/>
                       </a:pPr>
                       <a:r>
                         <a:rPr lang="fr-FR" sz="1000">
                           <a:solidFill>
                             <a:srgbClr val="000000"/>
                           </a:solidFill>
-                          <a:latin typeface="Adobe Clean Light" panose="020B0303020404020204" pitchFamily="34" charset="0"/>
+                          <a:latin typeface="Adobe Clean Light"/>
                           <a:ea typeface="+mn-ea"/>
                           <a:cs typeface="+mn-cs"/>
                         </a:rPr>
-                        <a:t>Status.adobe.com transmet les informations d’intégrité de tous les produits et services d’Adobe déployés dans des environnements multi-entité. Les clients peuvent choisir leurs préférences d’abonnement afin de recevoir des notifications par e-mail chaque fois qu’Adobe crée, met à jour ou résout un événement de produit. Cet événement peut inclure des problèmes de maintenance planifiée ou de service présentant différents niveaux de gravité. </a:t>
+                        <a:t>Status.adobe.com transmet les informations d’intégrité de tous les produits et services d’Adobe déployés dans des environnements multi-entité. Les clients peuvent choisir leurs préférences d’abonnement afin de recevoir des notifications par e-mail chaque fois qu’Adobe crée, met à jour ou résout un événement de produit. Cet événement peut inclure des problèmes de maintenance planifiée ou de service présentant différents niveaux de gravité. </a:t>
                       </a:r>
                     </a:p>
                   </a:txBody>
@@ -14661,7 +14904,7 @@
                           <a:solidFill>
                             <a:schemeClr val="tx1"/>
                           </a:solidFill>
-                          <a:latin typeface="Adobe Clean" panose="020B0503020404020204" pitchFamily="34" charset="0"/>
+                          <a:latin typeface="Adobe Clean"/>
                           <a:ea typeface="+mn-ea"/>
                           <a:cs typeface="+mn-cs"/>
                           <a:hlinkClick r:id="rId10"/>
@@ -14728,11 +14971,11 @@
                           <a:solidFill>
                             <a:srgbClr val="000000"/>
                           </a:solidFill>
-                          <a:latin typeface="Adobe Clean Light" panose="020B0303020404020204" pitchFamily="34" charset="0"/>
+                          <a:latin typeface="Adobe Clean Light"/>
                           <a:ea typeface="+mn-ea"/>
                           <a:cs typeface="+mn-cs"/>
                         </a:rPr>
-                        <a:t>Il s’agit des termes et conditions détaillant les offres des services d’assistance</a:t>
+                        <a:t>Il s’agit des termes et conditions détaillant les offres des services d’assistance.</a:t>
                       </a:r>
                     </a:p>
                   </a:txBody>
@@ -15509,6 +15752,15 @@
 </file>
 
 <file path=customXml/item2.xml><?xml version="1.0" encoding="utf-8"?>
+<?mso-contentType ?>
+<FormTemplates xmlns="http://schemas.microsoft.com/sharepoint/v3/contenttype/forms">
+  <Display>DocumentLibraryForm</Display>
+  <Edit>DocumentLibraryForm</Edit>
+  <New>DocumentLibraryForm</New>
+</FormTemplates>
+</file>
+
+<file path=customXml/item3.xml><?xml version="1.0" encoding="utf-8"?>
 <ct:contentTypeSchema xmlns:ct="http://schemas.microsoft.com/office/2006/metadata/contentType" xmlns:ma="http://schemas.microsoft.com/office/2006/metadata/properties/metaAttributes" ct:_="" ma:_="" ma:contentTypeName="Document" ma:contentTypeID="0x010100E783BF6876BCC646A459363AF21A7736" ma:contentTypeVersion="10" ma:contentTypeDescription="Create a new document." ma:contentTypeScope="" ma:versionID="c4ffda7f4f415767600769e454c2ea87">
   <xsd:schema xmlns:xsd="http://www.w3.org/2001/XMLSchema" xmlns:xs="http://www.w3.org/2001/XMLSchema" xmlns:p="http://schemas.microsoft.com/office/2006/metadata/properties" xmlns:ns2="8a053bff-88be-49e4-9a87-e748e18b8b62" xmlns:ns3="6c8368ec-3776-49b5-a5bb-90648cf9530f" targetNamespace="http://schemas.microsoft.com/office/2006/metadata/properties" ma:root="true" ma:fieldsID="df3ec33bccc23e23bce7bc897fad43d1" ns2:_="" ns3:_="">
     <xsd:import namespace="8a053bff-88be-49e4-9a87-e748e18b8b62"/>
@@ -15713,25 +15965,32 @@
 </ct:contentTypeSchema>
 </file>
 
-<file path=customXml/item3.xml><?xml version="1.0" encoding="utf-8"?>
-<?mso-contentType ?>
-<FormTemplates xmlns="http://schemas.microsoft.com/sharepoint/v3/contenttype/forms">
-  <Display>DocumentLibraryForm</Display>
-  <Edit>DocumentLibraryForm</Edit>
-  <New>DocumentLibraryForm</New>
-</FormTemplates>
-</file>
-
 <file path=customXml/itemProps1.xml><?xml version="1.0" encoding="utf-8"?>
 <ds:datastoreItem xmlns:ds="http://schemas.openxmlformats.org/officeDocument/2006/customXml" ds:itemID="{ED4099BE-EDEC-4FF1-8378-446617236015}">
   <ds:schemaRefs>
+    <ds:schemaRef ds:uri="6c8368ec-3776-49b5-a5bb-90648cf9530f"/>
+    <ds:schemaRef ds:uri="8a053bff-88be-49e4-9a87-e748e18b8b62"/>
+    <ds:schemaRef ds:uri="http://purl.org/dc/dcmitype/"/>
+    <ds:schemaRef ds:uri="http://purl.org/dc/elements/1.1/"/>
+    <ds:schemaRef ds:uri="http://purl.org/dc/terms/"/>
+    <ds:schemaRef ds:uri="http://schemas.microsoft.com/office/2006/documentManagement/types"/>
     <ds:schemaRef ds:uri="http://schemas.microsoft.com/office/2006/metadata/properties"/>
     <ds:schemaRef ds:uri="http://schemas.microsoft.com/office/infopath/2007/PartnerControls"/>
+    <ds:schemaRef ds:uri="http://schemas.openxmlformats.org/package/2006/metadata/core-properties"/>
+    <ds:schemaRef ds:uri="http://www.w3.org/XML/1998/namespace"/>
   </ds:schemaRefs>
 </ds:datastoreItem>
 </file>
 
 <file path=customXml/itemProps2.xml><?xml version="1.0" encoding="utf-8"?>
+<ds:datastoreItem xmlns:ds="http://schemas.openxmlformats.org/officeDocument/2006/customXml" ds:itemID="{941989CE-20BB-4A6A-A33F-71A1AE469C3E}">
+  <ds:schemaRefs>
+    <ds:schemaRef ds:uri="http://schemas.microsoft.com/sharepoint/v3/contenttype/forms"/>
+  </ds:schemaRefs>
+</ds:datastoreItem>
+</file>
+
+<file path=customXml/itemProps3.xml><?xml version="1.0" encoding="utf-8"?>
 <ds:datastoreItem xmlns:ds="http://schemas.openxmlformats.org/officeDocument/2006/customXml" ds:itemID="{FB2EBF8D-136B-48EC-8FC0-F70C0583664B}">
   <ds:schemaRefs>
     <ds:schemaRef ds:uri="6c8368ec-3776-49b5-a5bb-90648cf9530f"/>
@@ -15748,12 +16007,4 @@
     <ds:schemaRef ds:uri="http://www.w3.org/2001/XMLSchema"/>
   </ds:schemaRefs>
 </ds:datastoreItem>
-</file>
-
-<file path=customXml/itemProps3.xml><?xml version="1.0" encoding="utf-8"?>
-<ds:datastoreItem xmlns:ds="http://schemas.openxmlformats.org/officeDocument/2006/customXml" ds:itemID="{941989CE-20BB-4A6A-A33F-71A1AE469C3E}">
-  <ds:schemaRefs>
-    <ds:schemaRef ds:uri="http://schemas.microsoft.com/sharepoint/v3/contenttype/forms"/>
-  </ds:schemaRefs>
-</ds:datastoreItem>
 </file>
--- a/help/data-sheets/assets/EnterpriseSupportDatasheet.pptx
+++ b/help/data-sheets/assets/EnterpriseSupportDatasheet.pptx
@@ -144,9 +144,388 @@
 <file path=ppt/revisionInfo.xml><?xml version="1.0" encoding="utf-8"?>
 <p1510:revInfo xmlns:a="http://schemas.openxmlformats.org/drawingml/2006/main" xmlns:r="http://schemas.openxmlformats.org/officeDocument/2006/relationships" xmlns:p1510="http://schemas.microsoft.com/office/powerpoint/2015/10/main">
   <p1510:revLst>
-    <p1510:client id="{51054313-E3E9-A543-B651-B15A687DE6AB}" v="3" dt="2021-12-06T17:04:25.104"/>
+    <p1510:client id="{19826C17-B3F5-53A1-AAFF-C7771804C7A7}" v="128" dt="2021-10-13T18:50:39.613"/>
+    <p1510:client id="{1A3D389F-0E00-444F-BDF7-5C174E20EEC2}" v="2" dt="2021-10-13T19:33:05.183"/>
+    <p1510:client id="{D02E726A-82A5-CF13-9EBE-9B674D878D37}" v="22" dt="2021-10-12T19:51:27.470"/>
   </p1510:revLst>
 </p1510:revInfo>
+</file>
+
+<file path=ppt/changesInfos/changesInfo1.xml><?xml version="1.0" encoding="utf-8"?>
+<pc:chgInfo xmlns:a="http://schemas.openxmlformats.org/drawingml/2006/main" xmlns:r="http://schemas.openxmlformats.org/officeDocument/2006/relationships" xmlns:ac="http://schemas.microsoft.com/office/drawing/2013/main/command" xmlns:pc="http://schemas.microsoft.com/office/powerpoint/2013/main/command">
+  <pc:docChgLst>
+    <pc:chgData name="Akilah Johnson" userId="S::akjohnso@adobe.com::2fa3aa60-0c9c-4d06-bae2-795983241227" providerId="AD" clId="Web-{0AB2EF93-BE08-D205-D43E-3B568BB37DAA}"/>
+    <pc:docChg chg="modSld">
+      <pc:chgData name="Akilah Johnson" userId="S::akjohnso@adobe.com::2fa3aa60-0c9c-4d06-bae2-795983241227" providerId="AD" clId="Web-{0AB2EF93-BE08-D205-D43E-3B568BB37DAA}" dt="2021-09-22T23:01:45.877" v="13"/>
+      <pc:docMkLst>
+        <pc:docMk/>
+      </pc:docMkLst>
+      <pc:sldChg chg="modSp">
+        <pc:chgData name="Akilah Johnson" userId="S::akjohnso@adobe.com::2fa3aa60-0c9c-4d06-bae2-795983241227" providerId="AD" clId="Web-{0AB2EF93-BE08-D205-D43E-3B568BB37DAA}" dt="2021-09-22T23:01:45.877" v="13"/>
+        <pc:sldMkLst>
+          <pc:docMk/>
+          <pc:sldMk cId="1050037809" sldId="261"/>
+        </pc:sldMkLst>
+        <pc:graphicFrameChg chg="mod modGraphic">
+          <ac:chgData name="Akilah Johnson" userId="S::akjohnso@adobe.com::2fa3aa60-0c9c-4d06-bae2-795983241227" providerId="AD" clId="Web-{0AB2EF93-BE08-D205-D43E-3B568BB37DAA}" dt="2021-09-22T23:01:45.877" v="13"/>
+          <ac:graphicFrameMkLst>
+            <pc:docMk/>
+            <pc:sldMk cId="1050037809" sldId="261"/>
+            <ac:graphicFrameMk id="25" creationId="{3A91F5B0-3974-A14D-A146-FB590F2AAD18}"/>
+          </ac:graphicFrameMkLst>
+        </pc:graphicFrameChg>
+      </pc:sldChg>
+    </pc:docChg>
+  </pc:docChgLst>
+  <pc:docChgLst>
+    <pc:chgData name="Akilah Johnson" userId="S::akjohnso@adobe.com::2fa3aa60-0c9c-4d06-bae2-795983241227" providerId="AD" clId="Web-{0AC6A3A1-0788-C69A-5EFD-279F3FA2CF0F}"/>
+    <pc:docChg chg="modSld">
+      <pc:chgData name="Akilah Johnson" userId="S::akjohnso@adobe.com::2fa3aa60-0c9c-4d06-bae2-795983241227" providerId="AD" clId="Web-{0AC6A3A1-0788-C69A-5EFD-279F3FA2CF0F}" dt="2021-09-22T18:56:17.553" v="29"/>
+      <pc:docMkLst>
+        <pc:docMk/>
+      </pc:docMkLst>
+      <pc:sldChg chg="modSp delCm">
+        <pc:chgData name="Akilah Johnson" userId="S::akjohnso@adobe.com::2fa3aa60-0c9c-4d06-bae2-795983241227" providerId="AD" clId="Web-{0AC6A3A1-0788-C69A-5EFD-279F3FA2CF0F}" dt="2021-09-22T18:56:17.553" v="29"/>
+        <pc:sldMkLst>
+          <pc:docMk/>
+          <pc:sldMk cId="1050037809" sldId="261"/>
+        </pc:sldMkLst>
+        <pc:spChg chg="mod">
+          <ac:chgData name="Akilah Johnson" userId="S::akjohnso@adobe.com::2fa3aa60-0c9c-4d06-bae2-795983241227" providerId="AD" clId="Web-{0AC6A3A1-0788-C69A-5EFD-279F3FA2CF0F}" dt="2021-09-22T18:55:46.585" v="16" actId="20577"/>
+          <ac:spMkLst>
+            <pc:docMk/>
+            <pc:sldMk cId="1050037809" sldId="261"/>
+            <ac:spMk id="64" creationId="{41467BDC-3D83-D844-B922-CD07E94E5AAB}"/>
+          </ac:spMkLst>
+        </pc:spChg>
+        <pc:graphicFrameChg chg="mod modGraphic">
+          <ac:chgData name="Akilah Johnson" userId="S::akjohnso@adobe.com::2fa3aa60-0c9c-4d06-bae2-795983241227" providerId="AD" clId="Web-{0AC6A3A1-0788-C69A-5EFD-279F3FA2CF0F}" dt="2021-09-22T18:55:59.928" v="28"/>
+          <ac:graphicFrameMkLst>
+            <pc:docMk/>
+            <pc:sldMk cId="1050037809" sldId="261"/>
+            <ac:graphicFrameMk id="25" creationId="{3A91F5B0-3974-A14D-A146-FB590F2AAD18}"/>
+          </ac:graphicFrameMkLst>
+        </pc:graphicFrameChg>
+      </pc:sldChg>
+    </pc:docChg>
+  </pc:docChgLst>
+  <pc:docChgLst>
+    <pc:chgData name="Akilah Johnson" userId="S::akjohnso@adobe.com::2fa3aa60-0c9c-4d06-bae2-795983241227" providerId="AD" clId="Web-{19826C17-B3F5-53A1-AAFF-C7771804C7A7}"/>
+    <pc:docChg chg="modSld">
+      <pc:chgData name="Akilah Johnson" userId="S::akjohnso@adobe.com::2fa3aa60-0c9c-4d06-bae2-795983241227" providerId="AD" clId="Web-{19826C17-B3F5-53A1-AAFF-C7771804C7A7}" dt="2021-10-13T18:50:21.160" v="67"/>
+      <pc:docMkLst>
+        <pc:docMk/>
+      </pc:docMkLst>
+      <pc:sldChg chg="modSp">
+        <pc:chgData name="Akilah Johnson" userId="S::akjohnso@adobe.com::2fa3aa60-0c9c-4d06-bae2-795983241227" providerId="AD" clId="Web-{19826C17-B3F5-53A1-AAFF-C7771804C7A7}" dt="2021-10-13T18:38:26.810" v="9" actId="20577"/>
+        <pc:sldMkLst>
+          <pc:docMk/>
+          <pc:sldMk cId="5960377" sldId="259"/>
+        </pc:sldMkLst>
+        <pc:spChg chg="mod">
+          <ac:chgData name="Akilah Johnson" userId="S::akjohnso@adobe.com::2fa3aa60-0c9c-4d06-bae2-795983241227" providerId="AD" clId="Web-{19826C17-B3F5-53A1-AAFF-C7771804C7A7}" dt="2021-10-13T18:38:26.810" v="9" actId="20577"/>
+          <ac:spMkLst>
+            <pc:docMk/>
+            <pc:sldMk cId="5960377" sldId="259"/>
+            <ac:spMk id="75" creationId="{4602CC83-B0C7-8445-9007-87E67CDDD9D0}"/>
+          </ac:spMkLst>
+        </pc:spChg>
+        <pc:spChg chg="mod">
+          <ac:chgData name="Akilah Johnson" userId="S::akjohnso@adobe.com::2fa3aa60-0c9c-4d06-bae2-795983241227" providerId="AD" clId="Web-{19826C17-B3F5-53A1-AAFF-C7771804C7A7}" dt="2021-10-13T18:38:17.716" v="5" actId="20577"/>
+          <ac:spMkLst>
+            <pc:docMk/>
+            <pc:sldMk cId="5960377" sldId="259"/>
+            <ac:spMk id="83" creationId="{7A016ADC-2A30-8A4B-BE07-A9AB6C1898A7}"/>
+          </ac:spMkLst>
+        </pc:spChg>
+        <pc:spChg chg="mod">
+          <ac:chgData name="Akilah Johnson" userId="S::akjohnso@adobe.com::2fa3aa60-0c9c-4d06-bae2-795983241227" providerId="AD" clId="Web-{19826C17-B3F5-53A1-AAFF-C7771804C7A7}" dt="2021-10-13T18:38:19.654" v="6" actId="20577"/>
+          <ac:spMkLst>
+            <pc:docMk/>
+            <pc:sldMk cId="5960377" sldId="259"/>
+            <ac:spMk id="87" creationId="{57C0C871-6516-F145-97DA-27A143E6185C}"/>
+          </ac:spMkLst>
+        </pc:spChg>
+        <pc:spChg chg="mod">
+          <ac:chgData name="Akilah Johnson" userId="S::akjohnso@adobe.com::2fa3aa60-0c9c-4d06-bae2-795983241227" providerId="AD" clId="Web-{19826C17-B3F5-53A1-AAFF-C7771804C7A7}" dt="2021-10-13T18:38:14.044" v="4" actId="20577"/>
+          <ac:spMkLst>
+            <pc:docMk/>
+            <pc:sldMk cId="5960377" sldId="259"/>
+            <ac:spMk id="124" creationId="{14AAF776-9013-4C40-92F9-FFFE22C4038F}"/>
+          </ac:spMkLst>
+        </pc:spChg>
+        <pc:spChg chg="mod">
+          <ac:chgData name="Akilah Johnson" userId="S::akjohnso@adobe.com::2fa3aa60-0c9c-4d06-bae2-795983241227" providerId="AD" clId="Web-{19826C17-B3F5-53A1-AAFF-C7771804C7A7}" dt="2021-10-13T18:38:10.013" v="2" actId="20577"/>
+          <ac:spMkLst>
+            <pc:docMk/>
+            <pc:sldMk cId="5960377" sldId="259"/>
+            <ac:spMk id="125" creationId="{AF4EBBF5-5438-A043-B9AA-3822381D52EE}"/>
+          </ac:spMkLst>
+        </pc:spChg>
+        <pc:spChg chg="mod">
+          <ac:chgData name="Akilah Johnson" userId="S::akjohnso@adobe.com::2fa3aa60-0c9c-4d06-bae2-795983241227" providerId="AD" clId="Web-{19826C17-B3F5-53A1-AAFF-C7771804C7A7}" dt="2021-10-13T18:38:12.263" v="3" actId="20577"/>
+          <ac:spMkLst>
+            <pc:docMk/>
+            <pc:sldMk cId="5960377" sldId="259"/>
+            <ac:spMk id="126" creationId="{7F65676D-32E4-7B4B-BB85-4D504B5882BD}"/>
+          </ac:spMkLst>
+        </pc:spChg>
+      </pc:sldChg>
+      <pc:sldChg chg="modSp">
+        <pc:chgData name="Akilah Johnson" userId="S::akjohnso@adobe.com::2fa3aa60-0c9c-4d06-bae2-795983241227" providerId="AD" clId="Web-{19826C17-B3F5-53A1-AAFF-C7771804C7A7}" dt="2021-10-13T18:40:23.717" v="19" actId="20577"/>
+        <pc:sldMkLst>
+          <pc:docMk/>
+          <pc:sldMk cId="1050037809" sldId="261"/>
+        </pc:sldMkLst>
+        <pc:spChg chg="mod">
+          <ac:chgData name="Akilah Johnson" userId="S::akjohnso@adobe.com::2fa3aa60-0c9c-4d06-bae2-795983241227" providerId="AD" clId="Web-{19826C17-B3F5-53A1-AAFF-C7771804C7A7}" dt="2021-10-13T18:40:23.717" v="19" actId="20577"/>
+          <ac:spMkLst>
+            <pc:docMk/>
+            <pc:sldMk cId="1050037809" sldId="261"/>
+            <ac:spMk id="56" creationId="{00000000-0000-0000-0000-000000000000}"/>
+          </ac:spMkLst>
+        </pc:spChg>
+        <pc:graphicFrameChg chg="mod modGraphic">
+          <ac:chgData name="Akilah Johnson" userId="S::akjohnso@adobe.com::2fa3aa60-0c9c-4d06-bae2-795983241227" providerId="AD" clId="Web-{19826C17-B3F5-53A1-AAFF-C7771804C7A7}" dt="2021-10-13T18:39:38.154" v="17"/>
+          <ac:graphicFrameMkLst>
+            <pc:docMk/>
+            <pc:sldMk cId="1050037809" sldId="261"/>
+            <ac:graphicFrameMk id="111" creationId="{D8653CEC-4213-DE40-9BAF-D1E3318FF89C}"/>
+          </ac:graphicFrameMkLst>
+        </pc:graphicFrameChg>
+      </pc:sldChg>
+      <pc:sldChg chg="modSp">
+        <pc:chgData name="Akilah Johnson" userId="S::akjohnso@adobe.com::2fa3aa60-0c9c-4d06-bae2-795983241227" providerId="AD" clId="Web-{19826C17-B3F5-53A1-AAFF-C7771804C7A7}" dt="2021-10-13T18:39:10.373" v="15" actId="20577"/>
+        <pc:sldMkLst>
+          <pc:docMk/>
+          <pc:sldMk cId="717026355" sldId="266"/>
+        </pc:sldMkLst>
+        <pc:spChg chg="mod">
+          <ac:chgData name="Akilah Johnson" userId="S::akjohnso@adobe.com::2fa3aa60-0c9c-4d06-bae2-795983241227" providerId="AD" clId="Web-{19826C17-B3F5-53A1-AAFF-C7771804C7A7}" dt="2021-10-13T18:39:10.373" v="15" actId="20577"/>
+          <ac:spMkLst>
+            <pc:docMk/>
+            <pc:sldMk cId="717026355" sldId="266"/>
+            <ac:spMk id="9" creationId="{00000000-0000-0000-0000-000000000000}"/>
+          </ac:spMkLst>
+        </pc:spChg>
+        <pc:spChg chg="mod">
+          <ac:chgData name="Akilah Johnson" userId="S::akjohnso@adobe.com::2fa3aa60-0c9c-4d06-bae2-795983241227" providerId="AD" clId="Web-{19826C17-B3F5-53A1-AAFF-C7771804C7A7}" dt="2021-10-13T18:38:44.029" v="11" actId="20577"/>
+          <ac:spMkLst>
+            <pc:docMk/>
+            <pc:sldMk cId="717026355" sldId="266"/>
+            <ac:spMk id="82" creationId="{F6061E8D-9723-464D-AA49-7A3A3A02BE92}"/>
+          </ac:spMkLst>
+        </pc:spChg>
+        <pc:spChg chg="mod">
+          <ac:chgData name="Akilah Johnson" userId="S::akjohnso@adobe.com::2fa3aa60-0c9c-4d06-bae2-795983241227" providerId="AD" clId="Web-{19826C17-B3F5-53A1-AAFF-C7771804C7A7}" dt="2021-10-13T18:39:00.638" v="13" actId="20577"/>
+          <ac:spMkLst>
+            <pc:docMk/>
+            <pc:sldMk cId="717026355" sldId="266"/>
+            <ac:spMk id="83" creationId="{BB34E685-A734-974B-A33A-BE51D1A8BC0D}"/>
+          </ac:spMkLst>
+        </pc:spChg>
+      </pc:sldChg>
+      <pc:sldChg chg="modSp">
+        <pc:chgData name="Akilah Johnson" userId="S::akjohnso@adobe.com::2fa3aa60-0c9c-4d06-bae2-795983241227" providerId="AD" clId="Web-{19826C17-B3F5-53A1-AAFF-C7771804C7A7}" dt="2021-10-13T18:50:21.160" v="67"/>
+        <pc:sldMkLst>
+          <pc:docMk/>
+          <pc:sldMk cId="2161849182" sldId="267"/>
+        </pc:sldMkLst>
+        <pc:graphicFrameChg chg="mod modGraphic">
+          <ac:chgData name="Akilah Johnson" userId="S::akjohnso@adobe.com::2fa3aa60-0c9c-4d06-bae2-795983241227" providerId="AD" clId="Web-{19826C17-B3F5-53A1-AAFF-C7771804C7A7}" dt="2021-10-13T18:50:21.160" v="67"/>
+          <ac:graphicFrameMkLst>
+            <pc:docMk/>
+            <pc:sldMk cId="2161849182" sldId="267"/>
+            <ac:graphicFrameMk id="9" creationId="{00000000-0000-0000-0000-000000000000}"/>
+          </ac:graphicFrameMkLst>
+        </pc:graphicFrameChg>
+      </pc:sldChg>
+    </pc:docChg>
+  </pc:docChgLst>
+  <pc:docChgLst>
+    <pc:chgData name="Akilah Johnson" userId="S::akjohnso@adobe.com::2fa3aa60-0c9c-4d06-bae2-795983241227" providerId="AD" clId="Web-{112231ED-4F38-A856-2EFF-9D0F88AC9BDF}"/>
+    <pc:docChg chg="modSld">
+      <pc:chgData name="Akilah Johnson" userId="S::akjohnso@adobe.com::2fa3aa60-0c9c-4d06-bae2-795983241227" providerId="AD" clId="Web-{112231ED-4F38-A856-2EFF-9D0F88AC9BDF}" dt="2021-09-22T19:11:31.474" v="2" actId="1076"/>
+      <pc:docMkLst>
+        <pc:docMk/>
+      </pc:docMkLst>
+      <pc:sldChg chg="modSp">
+        <pc:chgData name="Akilah Johnson" userId="S::akjohnso@adobe.com::2fa3aa60-0c9c-4d06-bae2-795983241227" providerId="AD" clId="Web-{112231ED-4F38-A856-2EFF-9D0F88AC9BDF}" dt="2021-09-22T19:11:31.474" v="2" actId="1076"/>
+        <pc:sldMkLst>
+          <pc:docMk/>
+          <pc:sldMk cId="1050037809" sldId="261"/>
+        </pc:sldMkLst>
+        <pc:spChg chg="mod">
+          <ac:chgData name="Akilah Johnson" userId="S::akjohnso@adobe.com::2fa3aa60-0c9c-4d06-bae2-795983241227" providerId="AD" clId="Web-{112231ED-4F38-A856-2EFF-9D0F88AC9BDF}" dt="2021-09-22T19:11:31.474" v="2" actId="1076"/>
+          <ac:spMkLst>
+            <pc:docMk/>
+            <pc:sldMk cId="1050037809" sldId="261"/>
+            <ac:spMk id="23" creationId="{00000000-0000-0000-0000-000000000000}"/>
+          </ac:spMkLst>
+        </pc:spChg>
+        <pc:spChg chg="mod">
+          <ac:chgData name="Akilah Johnson" userId="S::akjohnso@adobe.com::2fa3aa60-0c9c-4d06-bae2-795983241227" providerId="AD" clId="Web-{112231ED-4F38-A856-2EFF-9D0F88AC9BDF}" dt="2021-09-22T19:08:28.879" v="0" actId="1076"/>
+          <ac:spMkLst>
+            <pc:docMk/>
+            <pc:sldMk cId="1050037809" sldId="261"/>
+            <ac:spMk id="64" creationId="{41467BDC-3D83-D844-B922-CD07E94E5AAB}"/>
+          </ac:spMkLst>
+        </pc:spChg>
+      </pc:sldChg>
+    </pc:docChg>
+  </pc:docChgLst>
+  <pc:docChgLst>
+    <pc:chgData name="Andy Witt" userId="S::awitt@adobe.com::e9157bdf-53b2-40e4-9459-936793d75696" providerId="AD" clId="Web-{3F02B349-0406-AE51-D438-E7A0BE890230}"/>
+    <pc:docChg chg="modSld">
+      <pc:chgData name="Andy Witt" userId="S::awitt@adobe.com::e9157bdf-53b2-40e4-9459-936793d75696" providerId="AD" clId="Web-{3F02B349-0406-AE51-D438-E7A0BE890230}" dt="2021-08-25T18:45:07.550" v="11"/>
+      <pc:docMkLst>
+        <pc:docMk/>
+      </pc:docMkLst>
+      <pc:sldChg chg="modSp">
+        <pc:chgData name="Andy Witt" userId="S::awitt@adobe.com::e9157bdf-53b2-40e4-9459-936793d75696" providerId="AD" clId="Web-{3F02B349-0406-AE51-D438-E7A0BE890230}" dt="2021-08-25T18:45:07.550" v="11"/>
+        <pc:sldMkLst>
+          <pc:docMk/>
+          <pc:sldMk cId="1050037809" sldId="261"/>
+        </pc:sldMkLst>
+        <pc:graphicFrameChg chg="mod modGraphic">
+          <ac:chgData name="Andy Witt" userId="S::awitt@adobe.com::e9157bdf-53b2-40e4-9459-936793d75696" providerId="AD" clId="Web-{3F02B349-0406-AE51-D438-E7A0BE890230}" dt="2021-08-25T18:45:07.550" v="11"/>
+          <ac:graphicFrameMkLst>
+            <pc:docMk/>
+            <pc:sldMk cId="1050037809" sldId="261"/>
+            <ac:graphicFrameMk id="25" creationId="{3A91F5B0-3974-A14D-A146-FB590F2AAD18}"/>
+          </ac:graphicFrameMkLst>
+        </pc:graphicFrameChg>
+      </pc:sldChg>
+    </pc:docChg>
+  </pc:docChgLst>
+  <pc:docChgLst>
+    <pc:chgData name="Akilah Johnson" userId="S::akjohnso@adobe.com::2fa3aa60-0c9c-4d06-bae2-795983241227" providerId="AD" clId="Web-{3CA2F123-FAC9-2CDD-7937-C83283BA7837}"/>
+    <pc:docChg chg="modSld">
+      <pc:chgData name="Akilah Johnson" userId="S::akjohnso@adobe.com::2fa3aa60-0c9c-4d06-bae2-795983241227" providerId="AD" clId="Web-{3CA2F123-FAC9-2CDD-7937-C83283BA7837}" dt="2021-09-16T20:58:19.458" v="0" actId="1076"/>
+      <pc:docMkLst>
+        <pc:docMk/>
+      </pc:docMkLst>
+      <pc:sldChg chg="modSp">
+        <pc:chgData name="Akilah Johnson" userId="S::akjohnso@adobe.com::2fa3aa60-0c9c-4d06-bae2-795983241227" providerId="AD" clId="Web-{3CA2F123-FAC9-2CDD-7937-C83283BA7837}" dt="2021-09-16T20:58:19.458" v="0" actId="1076"/>
+        <pc:sldMkLst>
+          <pc:docMk/>
+          <pc:sldMk cId="717026355" sldId="266"/>
+        </pc:sldMkLst>
+        <pc:spChg chg="mod">
+          <ac:chgData name="Akilah Johnson" userId="S::akjohnso@adobe.com::2fa3aa60-0c9c-4d06-bae2-795983241227" providerId="AD" clId="Web-{3CA2F123-FAC9-2CDD-7937-C83283BA7837}" dt="2021-09-16T20:58:19.458" v="0" actId="1076"/>
+          <ac:spMkLst>
+            <pc:docMk/>
+            <pc:sldMk cId="717026355" sldId="266"/>
+            <ac:spMk id="83" creationId="{BB34E685-A734-974B-A33A-BE51D1A8BC0D}"/>
+          </ac:spMkLst>
+        </pc:spChg>
+      </pc:sldChg>
+    </pc:docChg>
+  </pc:docChgLst>
+  <pc:docChgLst>
+    <pc:chgData name="Akilah Johnson" userId="S::akjohnso@adobe.com::2fa3aa60-0c9c-4d06-bae2-795983241227" providerId="AD" clId="Web-{A40C3D7D-993B-38B2-2DDA-C562505A1054}"/>
+    <pc:docChg chg="modSld">
+      <pc:chgData name="Akilah Johnson" userId="S::akjohnso@adobe.com::2fa3aa60-0c9c-4d06-bae2-795983241227" providerId="AD" clId="Web-{A40C3D7D-993B-38B2-2DDA-C562505A1054}" dt="2021-09-22T23:00:46.860" v="3"/>
+      <pc:docMkLst>
+        <pc:docMk/>
+      </pc:docMkLst>
+      <pc:sldChg chg="modSp">
+        <pc:chgData name="Akilah Johnson" userId="S::akjohnso@adobe.com::2fa3aa60-0c9c-4d06-bae2-795983241227" providerId="AD" clId="Web-{A40C3D7D-993B-38B2-2DDA-C562505A1054}" dt="2021-09-22T23:00:46.860" v="3"/>
+        <pc:sldMkLst>
+          <pc:docMk/>
+          <pc:sldMk cId="1050037809" sldId="261"/>
+        </pc:sldMkLst>
+        <pc:graphicFrameChg chg="mod modGraphic">
+          <ac:chgData name="Akilah Johnson" userId="S::akjohnso@adobe.com::2fa3aa60-0c9c-4d06-bae2-795983241227" providerId="AD" clId="Web-{A40C3D7D-993B-38B2-2DDA-C562505A1054}" dt="2021-09-22T23:00:46.860" v="3"/>
+          <ac:graphicFrameMkLst>
+            <pc:docMk/>
+            <pc:sldMk cId="1050037809" sldId="261"/>
+            <ac:graphicFrameMk id="25" creationId="{3A91F5B0-3974-A14D-A146-FB590F2AAD18}"/>
+          </ac:graphicFrameMkLst>
+        </pc:graphicFrameChg>
+      </pc:sldChg>
+    </pc:docChg>
+  </pc:docChgLst>
+  <pc:docChgLst>
+    <pc:chgData name="Lauren Schutte" userId="6e08b2d3-447a-4d66-86be-444d50df187f" providerId="ADAL" clId="{1A3D389F-0E00-444F-BDF7-5C174E20EEC2}"/>
+    <pc:docChg chg="undo custSel modSld">
+      <pc:chgData name="Lauren Schutte" userId="6e08b2d3-447a-4d66-86be-444d50df187f" providerId="ADAL" clId="{1A3D389F-0E00-444F-BDF7-5C174E20EEC2}" dt="2021-10-13T19:40:59.066" v="67" actId="20577"/>
+      <pc:docMkLst>
+        <pc:docMk/>
+      </pc:docMkLst>
+      <pc:sldChg chg="delSp modSp mod">
+        <pc:chgData name="Lauren Schutte" userId="6e08b2d3-447a-4d66-86be-444d50df187f" providerId="ADAL" clId="{1A3D389F-0E00-444F-BDF7-5C174E20EEC2}" dt="2021-10-13T19:40:25.578" v="61" actId="478"/>
+        <pc:sldMkLst>
+          <pc:docMk/>
+          <pc:sldMk cId="5960377" sldId="259"/>
+        </pc:sldMkLst>
+        <pc:spChg chg="mod">
+          <ac:chgData name="Lauren Schutte" userId="6e08b2d3-447a-4d66-86be-444d50df187f" providerId="ADAL" clId="{1A3D389F-0E00-444F-BDF7-5C174E20EEC2}" dt="2021-10-13T19:33:45.182" v="59" actId="20577"/>
+          <ac:spMkLst>
+            <pc:docMk/>
+            <pc:sldMk cId="5960377" sldId="259"/>
+            <ac:spMk id="127" creationId="{BB896A03-8E7E-344F-BDE1-37C49461FF04}"/>
+          </ac:spMkLst>
+        </pc:spChg>
+        <pc:grpChg chg="del mod">
+          <ac:chgData name="Lauren Schutte" userId="6e08b2d3-447a-4d66-86be-444d50df187f" providerId="ADAL" clId="{1A3D389F-0E00-444F-BDF7-5C174E20EEC2}" dt="2021-10-13T19:40:25.578" v="61" actId="478"/>
+          <ac:grpSpMkLst>
+            <pc:docMk/>
+            <pc:sldMk cId="5960377" sldId="259"/>
+            <ac:grpSpMk id="62" creationId="{C539739D-1D3E-204D-9819-C44D9AE36DE8}"/>
+          </ac:grpSpMkLst>
+        </pc:grpChg>
+      </pc:sldChg>
+      <pc:sldChg chg="modSp mod">
+        <pc:chgData name="Lauren Schutte" userId="6e08b2d3-447a-4d66-86be-444d50df187f" providerId="ADAL" clId="{1A3D389F-0E00-444F-BDF7-5C174E20EEC2}" dt="2021-10-13T19:40:59.066" v="67" actId="20577"/>
+        <pc:sldMkLst>
+          <pc:docMk/>
+          <pc:sldMk cId="2161849182" sldId="267"/>
+        </pc:sldMkLst>
+        <pc:spChg chg="mod">
+          <ac:chgData name="Lauren Schutte" userId="6e08b2d3-447a-4d66-86be-444d50df187f" providerId="ADAL" clId="{1A3D389F-0E00-444F-BDF7-5C174E20EEC2}" dt="2021-10-13T19:40:59.066" v="67" actId="20577"/>
+          <ac:spMkLst>
+            <pc:docMk/>
+            <pc:sldMk cId="2161849182" sldId="267"/>
+            <ac:spMk id="2" creationId="{00000000-0000-0000-0000-000000000000}"/>
+          </ac:spMkLst>
+        </pc:spChg>
+        <pc:graphicFrameChg chg="mod modGraphic">
+          <ac:chgData name="Lauren Schutte" userId="6e08b2d3-447a-4d66-86be-444d50df187f" providerId="ADAL" clId="{1A3D389F-0E00-444F-BDF7-5C174E20EEC2}" dt="2021-10-13T19:33:05.183" v="58"/>
+          <ac:graphicFrameMkLst>
+            <pc:docMk/>
+            <pc:sldMk cId="2161849182" sldId="267"/>
+            <ac:graphicFrameMk id="9" creationId="{00000000-0000-0000-0000-000000000000}"/>
+          </ac:graphicFrameMkLst>
+        </pc:graphicFrameChg>
+      </pc:sldChg>
+    </pc:docChg>
+  </pc:docChgLst>
+  <pc:docChgLst>
+    <pc:chgData name="Akilah Johnson" userId="S::akjohnso@adobe.com::2fa3aa60-0c9c-4d06-bae2-795983241227" providerId="AD" clId="Web-{D02E726A-82A5-CF13-9EBE-9B674D878D37}"/>
+    <pc:docChg chg="modSld">
+      <pc:chgData name="Akilah Johnson" userId="S::akjohnso@adobe.com::2fa3aa60-0c9c-4d06-bae2-795983241227" providerId="AD" clId="Web-{D02E726A-82A5-CF13-9EBE-9B674D878D37}" dt="2021-10-12T19:51:27.470" v="10"/>
+      <pc:docMkLst>
+        <pc:docMk/>
+      </pc:docMkLst>
+      <pc:sldChg chg="modSp delCm">
+        <pc:chgData name="Akilah Johnson" userId="S::akjohnso@adobe.com::2fa3aa60-0c9c-4d06-bae2-795983241227" providerId="AD" clId="Web-{D02E726A-82A5-CF13-9EBE-9B674D878D37}" dt="2021-10-12T19:51:27.470" v="10"/>
+        <pc:sldMkLst>
+          <pc:docMk/>
+          <pc:sldMk cId="2161849182" sldId="267"/>
+        </pc:sldMkLst>
+        <pc:spChg chg="mod">
+          <ac:chgData name="Akilah Johnson" userId="S::akjohnso@adobe.com::2fa3aa60-0c9c-4d06-bae2-795983241227" providerId="AD" clId="Web-{D02E726A-82A5-CF13-9EBE-9B674D878D37}" dt="2021-10-12T19:51:04.127" v="8" actId="20577"/>
+          <ac:spMkLst>
+            <pc:docMk/>
+            <pc:sldMk cId="2161849182" sldId="267"/>
+            <ac:spMk id="2" creationId="{00000000-0000-0000-0000-000000000000}"/>
+          </ac:spMkLst>
+        </pc:spChg>
+      </pc:sldChg>
+    </pc:docChg>
+  </pc:docChgLst>
+</pc:chgInfo>
 </file>
 
 <file path=ppt/comments/comment1.xml><?xml version="1.0" encoding="utf-8"?>
@@ -245,7 +624,7 @@
           <a:p>
             <a:fld id="{CCB2A597-803A-C244-97E2-A01066125D19}" type="datetimeFigureOut">
               <a:rPr lang="en-US" smtClean="0"/>
-              <a:t>12/9/2021</a:t>
+              <a:t>12-Nov-21</a:t>
             </a:fld>
             <a:endParaRPr lang="en-US"/>
           </a:p>
@@ -1026,7 +1405,7 @@
           <a:p>
             <a:fld id="{1D8BD707-D9CF-40AE-B4C6-C98DA3205C09}" type="datetimeFigureOut">
               <a:rPr lang="en-US"/>
-              <a:t>12/9/2021</a:t>
+              <a:t>12-Nov-21</a:t>
             </a:fld>
             <a:endParaRPr lang="en-US"/>
           </a:p>
@@ -1266,7 +1645,7 @@
           <a:p>
             <a:fld id="{1D8BD707-D9CF-40AE-B4C6-C98DA3205C09}" type="datetimeFigureOut">
               <a:rPr lang="en-US"/>
-              <a:t>12/9/2021</a:t>
+              <a:t>12-Nov-21</a:t>
             </a:fld>
             <a:endParaRPr lang="en-US"/>
           </a:p>
@@ -1519,7 +1898,7 @@
           <a:p>
             <a:fld id="{1D8BD707-D9CF-40AE-B4C6-C98DA3205C09}" type="datetimeFigureOut">
               <a:rPr lang="en-US"/>
-              <a:t>12/9/2021</a:t>
+              <a:t>12-Nov-21</a:t>
             </a:fld>
             <a:endParaRPr lang="en-US"/>
           </a:p>
@@ -1706,7 +2085,7 @@
           <a:p>
             <a:fld id="{1D8BD707-D9CF-40AE-B4C6-C98DA3205C09}" type="datetimeFigureOut">
               <a:rPr lang="en-US"/>
-              <a:t>12/9/2021</a:t>
+              <a:t>12-Nov-21</a:t>
             </a:fld>
             <a:endParaRPr lang="en-US"/>
           </a:p>
@@ -1864,7 +2243,7 @@
           <a:p>
             <a:fld id="{1D8BD707-D9CF-40AE-B4C6-C98DA3205C09}" type="datetimeFigureOut">
               <a:rPr lang="en-US"/>
-              <a:t>12/9/2021</a:t>
+              <a:t>12-Nov-21</a:t>
             </a:fld>
             <a:endParaRPr lang="en-US"/>
           </a:p>
@@ -2122,7 +2501,7 @@
           <a:p>
             <a:fld id="{1D8BD707-D9CF-40AE-B4C6-C98DA3205C09}" type="datetimeFigureOut">
               <a:rPr lang="en-US"/>
-              <a:t>12/9/2021</a:t>
+              <a:t>12-Nov-21</a:t>
             </a:fld>
             <a:endParaRPr lang="en-US"/>
           </a:p>
@@ -2372,32 +2751,11 @@
               </a:spcBef>
             </a:pPr>
             <a:r>
-              <a:rPr sz="2300" dirty="0">
+              <a:rPr lang="fr-FR" sz="2300">
                 <a:latin typeface="Adobe Clean"/>
               </a:rPr>
-              <a:t>ADOBE</a:t>
-            </a:r>
-            <a:r>
-              <a:rPr lang="en-US" sz="2300" dirty="0">
-                <a:latin typeface="Adobe Clean"/>
-              </a:rPr>
-              <a:t> </a:t>
-            </a:r>
-            <a:r>
-              <a:rPr sz="2300" dirty="0">
-                <a:latin typeface="Adobe Clean"/>
-              </a:rPr>
-              <a:t>SUPPORT</a:t>
-            </a:r>
-            <a:r>
-              <a:rPr lang="en-US" sz="2300" dirty="0">
-                <a:latin typeface="Adobe Clean"/>
-              </a:rPr>
-              <a:t> PLANS</a:t>
-            </a:r>
-            <a:endParaRPr sz="2300" dirty="0">
-              <a:latin typeface="Adobe Clean" panose="020B0503020404020204" pitchFamily="34" charset="0"/>
-            </a:endParaRPr>
+              <a:t>PLANS D’ASSISTANCE ADOBE</a:t>
+            </a:r>
           </a:p>
         </p:txBody>
       </p:sp>
@@ -2409,8 +2767,8 @@
         </p:nvSpPr>
         <p:spPr>
           <a:xfrm>
-            <a:off x="125148" y="7013546"/>
-            <a:ext cx="2785110" cy="228268"/>
+            <a:off x="125148" y="6602066"/>
+            <a:ext cx="4504002" cy="228268"/>
           </a:xfrm>
           <a:prstGeom prst="rect">
             <a:avLst/>
@@ -2431,7 +2789,7 @@
               </a:spcBef>
             </a:pPr>
             <a:r>
-              <a:rPr sz="1400" b="1" u="sng" spc="15">
+              <a:rPr lang="fr-FR" sz="1400" b="1" u="sng" dirty="0">
                 <a:solidFill>
                   <a:srgbClr val="020302"/>
                 </a:solidFill>
@@ -2443,477 +2801,8 @@
                 <a:latin typeface="Adobe Clean"/>
                 <a:cs typeface="Adobe Clean"/>
               </a:rPr>
-              <a:t>S</a:t>
-            </a:r>
-            <a:r>
-              <a:rPr sz="1400" b="1" u="sng" spc="5">
-                <a:solidFill>
-                  <a:srgbClr val="020302"/>
-                </a:solidFill>
-                <a:uFill>
-                  <a:solidFill>
-                    <a:srgbClr val="020302"/>
-                  </a:solidFill>
-                </a:uFill>
-                <a:latin typeface="Adobe Clean"/>
-                <a:cs typeface="Adobe Clean"/>
-              </a:rPr>
-              <a:t>er</a:t>
-            </a:r>
-            <a:r>
-              <a:rPr sz="1400" b="1" u="sng" spc="10">
-                <a:solidFill>
-                  <a:srgbClr val="020302"/>
-                </a:solidFill>
-                <a:uFill>
-                  <a:solidFill>
-                    <a:srgbClr val="020302"/>
-                  </a:solidFill>
-                </a:uFill>
-                <a:latin typeface="Adobe Clean"/>
-                <a:cs typeface="Adobe Clean"/>
-              </a:rPr>
-              <a:t>vi</a:t>
-            </a:r>
-            <a:r>
-              <a:rPr sz="1400" b="1" u="sng" spc="5">
-                <a:solidFill>
-                  <a:srgbClr val="020302"/>
-                </a:solidFill>
-                <a:uFill>
-                  <a:solidFill>
-                    <a:srgbClr val="020302"/>
-                  </a:solidFill>
-                </a:uFill>
-                <a:latin typeface="Adobe Clean"/>
-                <a:cs typeface="Adobe Clean"/>
-              </a:rPr>
-              <a:t>c</a:t>
-            </a:r>
-            <a:r>
-              <a:rPr sz="1400" b="1" u="sng">
-                <a:solidFill>
-                  <a:srgbClr val="020302"/>
-                </a:solidFill>
-                <a:uFill>
-                  <a:solidFill>
-                    <a:srgbClr val="020302"/>
-                  </a:solidFill>
-                </a:uFill>
-                <a:latin typeface="Adobe Clean"/>
-                <a:cs typeface="Adobe Clean"/>
-              </a:rPr>
-              <a:t>e</a:t>
-            </a:r>
-            <a:r>
-              <a:rPr sz="1400" b="1" u="sng" spc="20">
-                <a:solidFill>
-                  <a:srgbClr val="020302"/>
-                </a:solidFill>
-                <a:uFill>
-                  <a:solidFill>
-                    <a:srgbClr val="020302"/>
-                  </a:solidFill>
-                </a:uFill>
-                <a:latin typeface="Adobe Clean"/>
-                <a:cs typeface="Adobe Clean"/>
-              </a:rPr>
-              <a:t> </a:t>
-            </a:r>
-            <a:r>
-              <a:rPr sz="1400" b="1" u="sng" spc="-15">
-                <a:solidFill>
-                  <a:srgbClr val="020302"/>
-                </a:solidFill>
-                <a:uFill>
-                  <a:solidFill>
-                    <a:srgbClr val="020302"/>
-                  </a:solidFill>
-                </a:uFill>
-                <a:latin typeface="Adobe Clean"/>
-                <a:cs typeface="Adobe Clean"/>
-              </a:rPr>
-              <a:t>Le</a:t>
-            </a:r>
-            <a:r>
-              <a:rPr sz="1400" b="1" u="sng" spc="-10">
-                <a:solidFill>
-                  <a:srgbClr val="020302"/>
-                </a:solidFill>
-                <a:uFill>
-                  <a:solidFill>
-                    <a:srgbClr val="020302"/>
-                  </a:solidFill>
-                </a:uFill>
-                <a:latin typeface="Adobe Clean"/>
-                <a:cs typeface="Adobe Clean"/>
-              </a:rPr>
-              <a:t>v</a:t>
-            </a:r>
-            <a:r>
-              <a:rPr sz="1400" b="1" u="sng" spc="-15">
-                <a:solidFill>
-                  <a:srgbClr val="020302"/>
-                </a:solidFill>
-                <a:uFill>
-                  <a:solidFill>
-                    <a:srgbClr val="020302"/>
-                  </a:solidFill>
-                </a:uFill>
-                <a:latin typeface="Adobe Clean"/>
-                <a:cs typeface="Adobe Clean"/>
-              </a:rPr>
-              <a:t>e</a:t>
-            </a:r>
-            <a:r>
-              <a:rPr sz="1400" b="1" u="sng">
-                <a:solidFill>
-                  <a:srgbClr val="020302"/>
-                </a:solidFill>
-                <a:uFill>
-                  <a:solidFill>
-                    <a:srgbClr val="020302"/>
-                  </a:solidFill>
-                </a:uFill>
-                <a:latin typeface="Adobe Clean"/>
-                <a:cs typeface="Adobe Clean"/>
-              </a:rPr>
-              <a:t>l</a:t>
-            </a:r>
-            <a:r>
-              <a:rPr sz="1400" b="1" u="sng" spc="-15">
-                <a:solidFill>
-                  <a:srgbClr val="020302"/>
-                </a:solidFill>
-                <a:uFill>
-                  <a:solidFill>
-                    <a:srgbClr val="020302"/>
-                  </a:solidFill>
-                </a:uFill>
-                <a:latin typeface="Adobe Clean"/>
-                <a:cs typeface="Adobe Clean"/>
-              </a:rPr>
-              <a:t> </a:t>
-            </a:r>
-            <a:r>
-              <a:rPr sz="1400" b="1" u="sng" spc="-55">
-                <a:solidFill>
-                  <a:srgbClr val="020302"/>
-                </a:solidFill>
-                <a:uFill>
-                  <a:solidFill>
-                    <a:srgbClr val="020302"/>
-                  </a:solidFill>
-                </a:uFill>
-                <a:latin typeface="Adobe Clean"/>
-                <a:cs typeface="Adobe Clean"/>
-              </a:rPr>
-              <a:t>T</a:t>
-            </a:r>
-            <a:r>
-              <a:rPr sz="1400" b="1" u="sng" spc="-40">
-                <a:solidFill>
-                  <a:srgbClr val="020302"/>
-                </a:solidFill>
-                <a:uFill>
-                  <a:solidFill>
-                    <a:srgbClr val="020302"/>
-                  </a:solidFill>
-                </a:uFill>
-                <a:latin typeface="Adobe Clean"/>
-                <a:cs typeface="Adobe Clean"/>
-              </a:rPr>
-              <a:t>a</a:t>
-            </a:r>
-            <a:r>
-              <a:rPr sz="1400" b="1" u="sng" spc="-45">
-                <a:solidFill>
-                  <a:srgbClr val="020302"/>
-                </a:solidFill>
-                <a:uFill>
-                  <a:solidFill>
-                    <a:srgbClr val="020302"/>
-                  </a:solidFill>
-                </a:uFill>
-                <a:latin typeface="Adobe Clean"/>
-                <a:cs typeface="Adobe Clean"/>
-              </a:rPr>
-              <a:t>r</a:t>
-            </a:r>
-            <a:r>
-              <a:rPr sz="1400" b="1" u="sng" spc="-40">
-                <a:solidFill>
-                  <a:srgbClr val="020302"/>
-                </a:solidFill>
-                <a:uFill>
-                  <a:solidFill>
-                    <a:srgbClr val="020302"/>
-                  </a:solidFill>
-                </a:uFill>
-                <a:latin typeface="Adobe Clean"/>
-                <a:cs typeface="Adobe Clean"/>
-              </a:rPr>
-              <a:t>g</a:t>
-            </a:r>
-            <a:r>
-              <a:rPr sz="1400" b="1" u="sng" spc="-50">
-                <a:solidFill>
-                  <a:srgbClr val="020302"/>
-                </a:solidFill>
-                <a:uFill>
-                  <a:solidFill>
-                    <a:srgbClr val="020302"/>
-                  </a:solidFill>
-                </a:uFill>
-                <a:latin typeface="Adobe Clean"/>
-                <a:cs typeface="Adobe Clean"/>
-              </a:rPr>
-              <a:t>et</a:t>
-            </a:r>
-            <a:r>
-              <a:rPr sz="1400" b="1" u="sng" spc="-45">
-                <a:solidFill>
-                  <a:srgbClr val="020302"/>
-                </a:solidFill>
-                <a:uFill>
-                  <a:solidFill>
-                    <a:srgbClr val="020302"/>
-                  </a:solidFill>
-                </a:uFill>
-                <a:latin typeface="Adobe Clean"/>
-                <a:cs typeface="Adobe Clean"/>
-              </a:rPr>
-              <a:t>s</a:t>
-            </a:r>
-            <a:r>
-              <a:rPr sz="1400" b="1" u="sng">
-                <a:solidFill>
-                  <a:srgbClr val="020302"/>
-                </a:solidFill>
-                <a:uFill>
-                  <a:solidFill>
-                    <a:srgbClr val="020302"/>
-                  </a:solidFill>
-                </a:uFill>
-                <a:latin typeface="Adobe Clean"/>
-                <a:cs typeface="Adobe Clean"/>
-              </a:rPr>
-              <a:t>:</a:t>
-            </a:r>
-            <a:r>
-              <a:rPr sz="1400" b="1" u="sng" spc="-85">
-                <a:solidFill>
-                  <a:srgbClr val="020302"/>
-                </a:solidFill>
-                <a:uFill>
-                  <a:solidFill>
-                    <a:srgbClr val="020302"/>
-                  </a:solidFill>
-                </a:uFill>
-                <a:latin typeface="Adobe Clean"/>
-                <a:cs typeface="Adobe Clean"/>
-              </a:rPr>
-              <a:t> </a:t>
-            </a:r>
-            <a:r>
-              <a:rPr sz="1400" b="1" u="sng" spc="-15">
-                <a:solidFill>
-                  <a:srgbClr val="020302"/>
-                </a:solidFill>
-                <a:uFill>
-                  <a:solidFill>
-                    <a:srgbClr val="020302"/>
-                  </a:solidFill>
-                </a:uFill>
-                <a:latin typeface="Adobe Clean"/>
-                <a:cs typeface="Adobe Clean"/>
-              </a:rPr>
-              <a:t>I</a:t>
-            </a:r>
-            <a:r>
-              <a:rPr sz="1400" b="1" u="sng" spc="-10">
-                <a:solidFill>
-                  <a:srgbClr val="020302"/>
-                </a:solidFill>
-                <a:uFill>
-                  <a:solidFill>
-                    <a:srgbClr val="020302"/>
-                  </a:solidFill>
-                </a:uFill>
-                <a:latin typeface="Adobe Clean"/>
-                <a:cs typeface="Adobe Clean"/>
-              </a:rPr>
-              <a:t>ni</a:t>
-            </a:r>
-            <a:r>
-              <a:rPr sz="1400" b="1" u="sng" spc="-15">
-                <a:solidFill>
-                  <a:srgbClr val="020302"/>
-                </a:solidFill>
-                <a:uFill>
-                  <a:solidFill>
-                    <a:srgbClr val="020302"/>
-                  </a:solidFill>
-                </a:uFill>
-                <a:latin typeface="Adobe Clean"/>
-                <a:cs typeface="Adobe Clean"/>
-              </a:rPr>
-              <a:t>t</a:t>
-            </a:r>
-            <a:r>
-              <a:rPr sz="1400" b="1" u="sng" spc="-10">
-                <a:solidFill>
-                  <a:srgbClr val="020302"/>
-                </a:solidFill>
-                <a:uFill>
-                  <a:solidFill>
-                    <a:srgbClr val="020302"/>
-                  </a:solidFill>
-                </a:uFill>
-                <a:latin typeface="Adobe Clean"/>
-                <a:cs typeface="Adobe Clean"/>
-              </a:rPr>
-              <a:t>i</a:t>
-            </a:r>
-            <a:r>
-              <a:rPr sz="1400" b="1" u="sng" spc="-5">
-                <a:solidFill>
-                  <a:srgbClr val="020302"/>
-                </a:solidFill>
-                <a:uFill>
-                  <a:solidFill>
-                    <a:srgbClr val="020302"/>
-                  </a:solidFill>
-                </a:uFill>
-                <a:latin typeface="Adobe Clean"/>
-                <a:cs typeface="Adobe Clean"/>
-              </a:rPr>
-              <a:t>a</a:t>
-            </a:r>
-            <a:r>
-              <a:rPr sz="1400" b="1" u="sng">
-                <a:solidFill>
-                  <a:srgbClr val="020302"/>
-                </a:solidFill>
-                <a:uFill>
-                  <a:solidFill>
-                    <a:srgbClr val="020302"/>
-                  </a:solidFill>
-                </a:uFill>
-                <a:latin typeface="Adobe Clean"/>
-                <a:cs typeface="Adobe Clean"/>
-              </a:rPr>
-              <a:t>l</a:t>
-            </a:r>
-            <a:r>
-              <a:rPr sz="1400" b="1" u="sng" spc="-145">
-                <a:solidFill>
-                  <a:srgbClr val="020302"/>
-                </a:solidFill>
-                <a:uFill>
-                  <a:solidFill>
-                    <a:srgbClr val="020302"/>
-                  </a:solidFill>
-                </a:uFill>
-                <a:latin typeface="Adobe Clean"/>
-                <a:cs typeface="Adobe Clean"/>
-              </a:rPr>
-              <a:t> </a:t>
-            </a:r>
-            <a:r>
-              <a:rPr sz="1400" b="1" u="sng" spc="-15">
-                <a:solidFill>
-                  <a:srgbClr val="020302"/>
-                </a:solidFill>
-                <a:uFill>
-                  <a:solidFill>
-                    <a:srgbClr val="020302"/>
-                  </a:solidFill>
-                </a:uFill>
-                <a:latin typeface="Adobe Clean"/>
-                <a:cs typeface="Adobe Clean"/>
-              </a:rPr>
-              <a:t>R</a:t>
-            </a:r>
-            <a:r>
-              <a:rPr sz="1400" b="1" u="sng" spc="-20">
-                <a:solidFill>
-                  <a:srgbClr val="020302"/>
-                </a:solidFill>
-                <a:uFill>
-                  <a:solidFill>
-                    <a:srgbClr val="020302"/>
-                  </a:solidFill>
-                </a:uFill>
-                <a:latin typeface="Adobe Clean"/>
-                <a:cs typeface="Adobe Clean"/>
-              </a:rPr>
-              <a:t>e</a:t>
-            </a:r>
-            <a:r>
-              <a:rPr sz="1400" b="1" u="sng" spc="-15">
-                <a:solidFill>
-                  <a:srgbClr val="020302"/>
-                </a:solidFill>
-                <a:uFill>
-                  <a:solidFill>
-                    <a:srgbClr val="020302"/>
-                  </a:solidFill>
-                </a:uFill>
-                <a:latin typeface="Adobe Clean"/>
-                <a:cs typeface="Adobe Clean"/>
-              </a:rPr>
-              <a:t>s</a:t>
-            </a:r>
-            <a:r>
-              <a:rPr sz="1400" b="1" u="sng" spc="-20">
-                <a:solidFill>
-                  <a:srgbClr val="020302"/>
-                </a:solidFill>
-                <a:uFill>
-                  <a:solidFill>
-                    <a:srgbClr val="020302"/>
-                  </a:solidFill>
-                </a:uFill>
-                <a:latin typeface="Adobe Clean"/>
-                <a:cs typeface="Adobe Clean"/>
-              </a:rPr>
-              <a:t>p</a:t>
-            </a:r>
-            <a:r>
-              <a:rPr sz="1400" b="1" u="sng" spc="-15">
-                <a:solidFill>
-                  <a:srgbClr val="020302"/>
-                </a:solidFill>
-                <a:uFill>
-                  <a:solidFill>
-                    <a:srgbClr val="020302"/>
-                  </a:solidFill>
-                </a:uFill>
-                <a:latin typeface="Adobe Clean"/>
-                <a:cs typeface="Adobe Clean"/>
-              </a:rPr>
-              <a:t>ons</a:t>
-            </a:r>
-            <a:r>
-              <a:rPr sz="1400" b="1" u="sng">
-                <a:solidFill>
-                  <a:srgbClr val="020302"/>
-                </a:solidFill>
-                <a:uFill>
-                  <a:solidFill>
-                    <a:srgbClr val="020302"/>
-                  </a:solidFill>
-                </a:uFill>
-                <a:latin typeface="Adobe Clean"/>
-                <a:cs typeface="Adobe Clean"/>
-              </a:rPr>
-              <a:t>e</a:t>
-            </a:r>
-            <a:endParaRPr sz="1400" u="sng">
-              <a:latin typeface="Adobe Clean"/>
-              <a:cs typeface="Adobe Clean"/>
-            </a:endParaRPr>
+              <a:t>Cibles du niveau de service : Réponse initiale</a:t>
+            </a:r>
           </a:p>
         </p:txBody>
       </p:sp>
@@ -2926,14 +2815,14 @@
           <p:nvPr>
             <p:extLst>
               <p:ext uri="{D42A27DB-BD31-4B8C-83A1-F6EECF244321}">
-                <p14:modId xmlns:p14="http://schemas.microsoft.com/office/powerpoint/2010/main" val="3537242808"/>
+                <p14:modId xmlns:p14="http://schemas.microsoft.com/office/powerpoint/2010/main" val="2572683065"/>
               </p:ext>
             </p:extLst>
           </p:nvPr>
         </p:nvGraphicFramePr>
         <p:xfrm>
-          <a:off x="146919" y="7473158"/>
-          <a:ext cx="7477080" cy="2256833"/>
+          <a:off x="146919" y="7061678"/>
+          <a:ext cx="7477080" cy="2625974"/>
         </p:xfrm>
         <a:graphic>
           <a:graphicData uri="http://schemas.openxmlformats.org/drawingml/2006/table">
@@ -2949,14 +2838,14 @@
                     </a:ext>
                   </a:extLst>
                 </a:gridCol>
-                <a:gridCol w="1509294">
+                <a:gridCol w="1463040">
                   <a:extLst>
                     <a:ext uri="{9D8B030D-6E8A-4147-A177-3AD203B41FA5}">
                       <a16:colId xmlns:a16="http://schemas.microsoft.com/office/drawing/2014/main" val="20001"/>
                     </a:ext>
                   </a:extLst>
                 </a:gridCol>
-                <a:gridCol w="1314105">
+                <a:gridCol w="1360359">
                   <a:extLst>
                     <a:ext uri="{9D8B030D-6E8A-4147-A177-3AD203B41FA5}">
                       <a16:colId xmlns:a16="http://schemas.microsoft.com/office/drawing/2014/main" val="20002"/>
@@ -2979,19 +2868,15 @@
                         </a:spcBef>
                       </a:pPr>
                       <a:r>
-                        <a:rPr sz="900" spc="-20" dirty="0">
+                        <a:rPr lang="fr-FR" sz="900">
                           <a:solidFill>
                             <a:srgbClr val="020302"/>
                           </a:solidFill>
                           <a:latin typeface="Adobe Clean"/>
                           <a:cs typeface="Adobe Clean"/>
                         </a:rPr>
-                        <a:t>Priority</a:t>
+                        <a:t>Priorité</a:t>
                       </a:r>
-                      <a:endParaRPr sz="900" dirty="0">
-                        <a:latin typeface="Adobe Clean"/>
-                        <a:cs typeface="Adobe Clean"/>
-                      </a:endParaRPr>
                     </a:p>
                   </a:txBody>
                   <a:tcPr marL="0" marR="0" marT="6985" marB="0" anchor="ctr">
@@ -3038,19 +2923,15 @@
                         </a:spcBef>
                       </a:pPr>
                       <a:r>
-                        <a:rPr sz="900" spc="0" dirty="0">
+                        <a:rPr lang="fr-FR" sz="900">
                           <a:solidFill>
                             <a:srgbClr val="020302"/>
                           </a:solidFill>
                           <a:latin typeface="Adobe Clean"/>
                           <a:cs typeface="Adobe Clean"/>
                         </a:rPr>
-                        <a:t>Online Support</a:t>
+                        <a:t>Assistance en ligne</a:t>
                       </a:r>
-                      <a:endParaRPr sz="900" spc="0" dirty="0">
-                        <a:latin typeface="Adobe Clean"/>
-                        <a:cs typeface="Adobe Clean"/>
-                      </a:endParaRPr>
                     </a:p>
                   </a:txBody>
                   <a:tcPr marL="0" marR="0" marT="0" marB="0" anchor="ctr">
@@ -3091,7 +2972,7 @@
                     <a:bodyPr/>
                     <a:lstStyle/>
                     <a:p>
-                      <a:pPr marL="260985">
+                      <a:pPr marL="0" indent="0" algn="ctr">
                         <a:lnSpc>
                           <a:spcPct val="100000"/>
                         </a:lnSpc>
@@ -3100,19 +2981,15 @@
                         </a:spcBef>
                       </a:pPr>
                       <a:r>
-                        <a:rPr sz="900" spc="0" dirty="0">
+                        <a:rPr lang="fr-FR" sz="900" dirty="0">
                           <a:solidFill>
                             <a:srgbClr val="FFFFFF"/>
                           </a:solidFill>
                           <a:latin typeface="Adobe Clean"/>
                           <a:cs typeface="Adobe Clean"/>
                         </a:rPr>
-                        <a:t>Enterprise Support</a:t>
+                        <a:t>Assistance aux entreprises</a:t>
                       </a:r>
-                      <a:endParaRPr sz="900" spc="0" dirty="0">
-                        <a:latin typeface="Adobe Clean"/>
-                        <a:cs typeface="Adobe Clean"/>
-                      </a:endParaRPr>
                     </a:p>
                   </a:txBody>
                   <a:tcPr marL="0" marR="0" marT="0" marB="0" anchor="ctr">
@@ -3157,7 +3034,7 @@
                   </a:ext>
                 </a:extLst>
               </a:tr>
-              <a:tr h="484756">
+              <a:tr h="613601">
                 <a:tc>
                   <a:txBody>
                     <a:bodyPr/>
@@ -3172,109 +3049,15 @@
                         </a:spcBef>
                       </a:pPr>
                       <a:r>
-                        <a:rPr sz="900" b="1" spc="-15" dirty="0">
+                        <a:rPr lang="fr-FR" sz="900" b="1" dirty="0">
                           <a:solidFill>
                             <a:srgbClr val="020302"/>
                           </a:solidFill>
                           <a:latin typeface="Adobe Clean"/>
                           <a:cs typeface="Adobe Clean"/>
                         </a:rPr>
-                        <a:t>P</a:t>
+                        <a:t>PRIORITÉ 1</a:t>
                       </a:r>
-                      <a:r>
-                        <a:rPr sz="900" b="1" spc="-20" dirty="0">
-                          <a:solidFill>
-                            <a:srgbClr val="020302"/>
-                          </a:solidFill>
-                          <a:latin typeface="Adobe Clean"/>
-                          <a:cs typeface="Adobe Clean"/>
-                        </a:rPr>
-                        <a:t>R</a:t>
-                      </a:r>
-                      <a:r>
-                        <a:rPr sz="900" b="1" spc="-25" dirty="0">
-                          <a:solidFill>
-                            <a:srgbClr val="020302"/>
-                          </a:solidFill>
-                          <a:latin typeface="Adobe Clean"/>
-                          <a:cs typeface="Adobe Clean"/>
-                        </a:rPr>
-                        <a:t>I</a:t>
-                      </a:r>
-                      <a:r>
-                        <a:rPr sz="900" b="1" spc="-15" dirty="0">
-                          <a:solidFill>
-                            <a:srgbClr val="020302"/>
-                          </a:solidFill>
-                          <a:latin typeface="Adobe Clean"/>
-                          <a:cs typeface="Adobe Clean"/>
-                        </a:rPr>
-                        <a:t>O</a:t>
-                      </a:r>
-                      <a:r>
-                        <a:rPr sz="900" b="1" spc="-20" dirty="0">
-                          <a:solidFill>
-                            <a:srgbClr val="020302"/>
-                          </a:solidFill>
-                          <a:latin typeface="Adobe Clean"/>
-                          <a:cs typeface="Adobe Clean"/>
-                        </a:rPr>
-                        <a:t>R</a:t>
-                      </a:r>
-                      <a:r>
-                        <a:rPr sz="900" b="1" spc="-25" dirty="0">
-                          <a:solidFill>
-                            <a:srgbClr val="020302"/>
-                          </a:solidFill>
-                          <a:latin typeface="Adobe Clean"/>
-                          <a:cs typeface="Adobe Clean"/>
-                        </a:rPr>
-                        <a:t>I</a:t>
-                      </a:r>
-                      <a:r>
-                        <a:rPr sz="900" b="1" spc="-15" dirty="0">
-                          <a:solidFill>
-                            <a:srgbClr val="020302"/>
-                          </a:solidFill>
-                          <a:latin typeface="Adobe Clean"/>
-                          <a:cs typeface="Adobe Clean"/>
-                        </a:rPr>
-                        <a:t>T</a:t>
-                      </a:r>
-                      <a:r>
-                        <a:rPr sz="900" b="1" dirty="0">
-                          <a:solidFill>
-                            <a:srgbClr val="020302"/>
-                          </a:solidFill>
-                          <a:latin typeface="Adobe Clean"/>
-                          <a:cs typeface="Adobe Clean"/>
-                        </a:rPr>
-                        <a:t>Y</a:t>
-                      </a:r>
-                      <a:r>
-                        <a:rPr sz="900" b="1" spc="-40" dirty="0">
-                          <a:solidFill>
-                            <a:srgbClr val="020302"/>
-                          </a:solidFill>
-                          <a:latin typeface="Adobe Clean"/>
-                          <a:cs typeface="Adobe Clean"/>
-                        </a:rPr>
-                        <a:t> </a:t>
-                      </a:r>
-                      <a:r>
-                        <a:rPr sz="900" b="1" dirty="0">
-                          <a:solidFill>
-                            <a:srgbClr val="020302"/>
-                          </a:solidFill>
-                          <a:latin typeface="Adobe Clean"/>
-                          <a:cs typeface="Adobe Clean"/>
-                        </a:rPr>
-                        <a:t>1</a:t>
-                      </a:r>
-                      <a:endParaRPr sz="900" dirty="0">
-                        <a:latin typeface="Adobe Clean"/>
-                        <a:cs typeface="Adobe Clean"/>
-                      </a:endParaRPr>
                     </a:p>
                     <a:p>
                       <a:pPr marL="50800" marR="387985" lvl="0" indent="0" eaLnBrk="1" fontAlgn="auto" latinLnBrk="0" hangingPunct="1">
@@ -3293,31 +3076,48 @@
                         <a:buNone/>
                       </a:pPr>
                       <a:r>
-                        <a:rPr lang="en-US" sz="900" b="0" i="0" spc="-130" dirty="0">
+                        <a:rPr lang="fr-FR" sz="900" b="0" i="0" dirty="0">
                           <a:solidFill>
                             <a:srgbClr val="020302"/>
                           </a:solidFill>
                           <a:latin typeface="Adobe Clean Light"/>
+                          <a:ea typeface="+mn-ea"/>
                           <a:cs typeface="+mn-cs"/>
                         </a:rPr>
                         <a:t> </a:t>
                       </a:r>
                       <a:r>
-                        <a:rPr lang="en-US" sz="900" b="0" i="0" u="none" strike="noStrike" dirty="0">
+                        <a:rPr lang="fr-FR" sz="900" b="0" i="0" u="none" strike="noStrike" dirty="0">
                           <a:solidFill>
                             <a:schemeClr val="tx1"/>
                           </a:solidFill>
-                          <a:effectLst/>
                           <a:latin typeface="Adobe Clean Light"/>
                           <a:ea typeface="+mn-ea"/>
                           <a:cs typeface="+mn-cs"/>
                         </a:rPr>
-                        <a:t>Customer's production business functions are down or have significant data loss or degradation of services and immediate attention is required to restore functionality and usability</a:t>
+                        <a:t>Les fonctions commerciales de production du client sont en panne ou présentent une perte </a:t>
                       </a:r>
-                      <a:endParaRPr lang="en-US" sz="900" b="0" i="0" dirty="0">
-                        <a:latin typeface="Adobe Clean Light"/>
-                        <a:cs typeface="AdobeClean-Light"/>
-                      </a:endParaRPr>
+                      <a:br>
+                        <a:rPr lang="fr-FR" sz="900" b="0" i="0" u="none" strike="noStrike" dirty="0">
+                          <a:solidFill>
+                            <a:schemeClr val="tx1"/>
+                          </a:solidFill>
+                          <a:latin typeface="Adobe Clean Light"/>
+                          <a:ea typeface="+mn-ea"/>
+                          <a:cs typeface="+mn-cs"/>
+                        </a:rPr>
+                      </a:br>
+                      <a:r>
+                        <a:rPr lang="fr-FR" sz="900" b="0" i="0" u="none" strike="noStrike" dirty="0">
+                          <a:solidFill>
+                            <a:schemeClr val="tx1"/>
+                          </a:solidFill>
+                          <a:latin typeface="Adobe Clean Light"/>
+                          <a:ea typeface="+mn-ea"/>
+                          <a:cs typeface="+mn-cs"/>
+                        </a:rPr>
+                        <a:t>de données importante ou une dégradation des services. Une attention immédiate est requise afin de restaurer les fonctionnalités et l’accessibilité</a:t>
+                      </a:r>
                     </a:p>
                   </a:txBody>
                   <a:tcPr marL="0" marR="0" marT="0" marB="0" anchor="ctr">
@@ -3357,14 +3157,13 @@
                     <a:p>
                       <a:pPr algn="ctr" fontAlgn="ctr"/>
                       <a:r>
-                        <a:rPr lang="en-US" sz="900" b="0" i="0" u="none" strike="noStrike" dirty="0">
+                        <a:rPr lang="fr-FR" sz="900" b="0" i="0" u="none" strike="noStrike">
                           <a:solidFill>
                             <a:srgbClr val="020302"/>
                           </a:solidFill>
-                          <a:effectLst/>
                           <a:latin typeface="AdobeClean-Light" panose="020B0503020404020204" pitchFamily="34" charset="0"/>
                         </a:rPr>
-                        <a:t>24x7 /  1 hour</a:t>
+                        <a:t>24x7 / 1 heure</a:t>
                       </a:r>
                     </a:p>
                   </a:txBody>
@@ -3405,14 +3204,13 @@
                     <a:p>
                       <a:pPr algn="ctr" fontAlgn="ctr"/>
                       <a:r>
-                        <a:rPr lang="en-US" sz="900" b="0" i="0" u="none" strike="noStrike" dirty="0">
+                        <a:rPr lang="fr-FR" sz="900" b="0" i="0" u="none" strike="noStrike">
                           <a:solidFill>
                             <a:srgbClr val="020302"/>
                           </a:solidFill>
-                          <a:effectLst/>
-                          <a:latin typeface="AdobeClean-Light"/>
+                          <a:latin typeface="AdobeClean-Light" panose="020B0503020404020204" pitchFamily="34" charset="0"/>
                         </a:rPr>
-                        <a:t>24x7 / 30 minutes</a:t>
+                        <a:t>24x7 / 30 minutes</a:t>
                       </a:r>
                     </a:p>
                   </a:txBody>
@@ -3463,7 +3261,7 @@
                   </a:ext>
                 </a:extLst>
               </a:tr>
-              <a:tr h="0">
+              <a:tr h="636536">
                 <a:tc>
                   <a:txBody>
                     <a:bodyPr/>
@@ -3478,169 +3276,57 @@
                         </a:spcBef>
                       </a:pPr>
                       <a:r>
-                        <a:rPr sz="900" b="1" spc="-15" dirty="0">
+                        <a:rPr lang="fr-FR" sz="900" b="1" dirty="0">
                           <a:solidFill>
                             <a:srgbClr val="020302"/>
                           </a:solidFill>
                           <a:latin typeface="Adobe Clean"/>
                           <a:cs typeface="Adobe Clean"/>
                         </a:rPr>
-                        <a:t>P</a:t>
+                        <a:t>PRIORITÉ 2</a:t>
                       </a:r>
-                      <a:r>
-                        <a:rPr sz="900" b="1" spc="-20" dirty="0">
-                          <a:solidFill>
-                            <a:srgbClr val="020302"/>
-                          </a:solidFill>
-                          <a:latin typeface="Adobe Clean"/>
-                          <a:cs typeface="Adobe Clean"/>
-                        </a:rPr>
-                        <a:t>R</a:t>
-                      </a:r>
-                      <a:r>
-                        <a:rPr sz="900" b="1" spc="-25" dirty="0">
-                          <a:solidFill>
-                            <a:srgbClr val="020302"/>
-                          </a:solidFill>
-                          <a:latin typeface="Adobe Clean"/>
-                          <a:cs typeface="Adobe Clean"/>
-                        </a:rPr>
-                        <a:t>I</a:t>
-                      </a:r>
-                      <a:r>
-                        <a:rPr sz="900" b="1" spc="-15" dirty="0">
-                          <a:solidFill>
-                            <a:srgbClr val="020302"/>
-                          </a:solidFill>
-                          <a:latin typeface="Adobe Clean"/>
-                          <a:cs typeface="Adobe Clean"/>
-                        </a:rPr>
-                        <a:t>O</a:t>
-                      </a:r>
-                      <a:r>
-                        <a:rPr sz="900" b="1" spc="-20" dirty="0">
-                          <a:solidFill>
-                            <a:srgbClr val="020302"/>
-                          </a:solidFill>
-                          <a:latin typeface="Adobe Clean"/>
-                          <a:cs typeface="Adobe Clean"/>
-                        </a:rPr>
-                        <a:t>R</a:t>
-                      </a:r>
-                      <a:r>
-                        <a:rPr sz="900" b="1" spc="-25" dirty="0">
-                          <a:solidFill>
-                            <a:srgbClr val="020302"/>
-                          </a:solidFill>
-                          <a:latin typeface="Adobe Clean"/>
-                          <a:cs typeface="Adobe Clean"/>
-                        </a:rPr>
-                        <a:t>I</a:t>
-                      </a:r>
-                      <a:r>
-                        <a:rPr sz="900" b="1" spc="-15" dirty="0">
-                          <a:solidFill>
-                            <a:srgbClr val="020302"/>
-                          </a:solidFill>
-                          <a:latin typeface="Adobe Clean"/>
-                          <a:cs typeface="Adobe Clean"/>
-                        </a:rPr>
-                        <a:t>T</a:t>
-                      </a:r>
-                      <a:r>
-                        <a:rPr sz="900" b="1" dirty="0">
-                          <a:solidFill>
-                            <a:srgbClr val="020302"/>
-                          </a:solidFill>
-                          <a:latin typeface="Adobe Clean"/>
-                          <a:cs typeface="Adobe Clean"/>
-                        </a:rPr>
-                        <a:t>Y</a:t>
-                      </a:r>
-                      <a:r>
-                        <a:rPr sz="900" b="1" spc="-40" dirty="0">
-                          <a:solidFill>
-                            <a:srgbClr val="020302"/>
-                          </a:solidFill>
-                          <a:latin typeface="Adobe Clean"/>
-                          <a:cs typeface="Adobe Clean"/>
-                        </a:rPr>
-                        <a:t> </a:t>
-                      </a:r>
-                      <a:r>
-                        <a:rPr sz="900" b="1" dirty="0">
-                          <a:solidFill>
-                            <a:srgbClr val="020302"/>
-                          </a:solidFill>
-                          <a:latin typeface="Adobe Clean"/>
-                          <a:cs typeface="Adobe Clean"/>
-                        </a:rPr>
-                        <a:t>2</a:t>
-                      </a:r>
-                      <a:endParaRPr lang="en-US" sz="900" b="1" dirty="0">
-                        <a:solidFill>
-                          <a:srgbClr val="020302"/>
-                        </a:solidFill>
-                        <a:latin typeface="Adobe Clean"/>
-                        <a:cs typeface="Adobe Clean"/>
-                      </a:endParaRPr>
                     </a:p>
                     <a:p>
-                      <a:pPr marL="50800" marR="0" lvl="0" indent="0" defTabSz="914400" eaLnBrk="1" fontAlgn="auto" latinLnBrk="0" hangingPunct="1">
+                      <a:pPr marL="50165" marR="203200">
                         <a:lnSpc>
-                          <a:spcPct val="100000"/>
+                          <a:spcPts val="1000"/>
                         </a:lnSpc>
                         <a:spcBef>
-                          <a:spcPts val="125"/>
+                          <a:spcPts val="415"/>
                         </a:spcBef>
-                        <a:spcAft>
-                          <a:spcPts val="0"/>
-                        </a:spcAft>
-                        <a:buClrTx/>
-                        <a:buSzTx/>
-                        <a:buFontTx/>
-                        <a:buNone/>
-                        <a:tabLst/>
-                        <a:defRPr/>
                       </a:pPr>
                       <a:r>
-                        <a:rPr lang="en-US" sz="900" b="0" i="0" spc="-130" dirty="0">
-                          <a:solidFill>
-                            <a:srgbClr val="020302"/>
-                          </a:solidFill>
-                          <a:latin typeface="Adobe Clean Light"/>
-                          <a:cs typeface="+mn-cs"/>
-                        </a:rPr>
-                        <a:t> </a:t>
-                      </a:r>
-                      <a:r>
-                        <a:rPr lang="en-US" sz="900" b="0" i="0" u="none" strike="noStrike" dirty="0">
+                        <a:rPr lang="fr-FR" sz="900" b="0" i="0" u="none" strike="noStrike" dirty="0">
                           <a:solidFill>
                             <a:schemeClr val="tx1"/>
                           </a:solidFill>
-                          <a:effectLst/>
                           <a:latin typeface="Adobe Clean Light"/>
                           <a:ea typeface="+mn-ea"/>
                           <a:cs typeface="+mn-cs"/>
                         </a:rPr>
-                        <a:t>Customer’s business functions have major service degradations or potential data loss, or a major feature </a:t>
+                        <a:t>Les fonctions commerciales du client présentent une dégradation importante des services, </a:t>
                       </a:r>
-                      <a:r>
-                        <a:rPr lang="en-US" sz="900" b="0" i="0" u="none" strike="noStrike">
+                      <a:br>
+                        <a:rPr lang="fr-FR" sz="900" b="0" i="0" u="none" strike="noStrike" dirty="0">
                           <a:solidFill>
                             <a:schemeClr val="tx1"/>
                           </a:solidFill>
-                          <a:effectLst/>
                           <a:latin typeface="Adobe Clean Light"/>
                           <a:ea typeface="+mn-ea"/>
                           <a:cs typeface="+mn-cs"/>
                         </a:rPr>
-                        <a:t>is impacted.</a:t>
+                      </a:br>
+                      <a:r>
+                        <a:rPr lang="fr-FR" sz="900" b="0" i="0" u="none" strike="noStrike" dirty="0">
+                          <a:solidFill>
+                            <a:schemeClr val="tx1"/>
+                          </a:solidFill>
+                          <a:latin typeface="Adobe Clean Light"/>
+                          <a:ea typeface="+mn-ea"/>
+                          <a:cs typeface="+mn-cs"/>
+                        </a:rPr>
+                        <a:t>une perte potentielle de données ou une indisponibilité des services. Il est également possible qu’une fonctionnalité majeure soit affectée</a:t>
                       </a:r>
-                      <a:endParaRPr lang="en-US" sz="900" b="0" i="0" dirty="0">
-                        <a:latin typeface="Adobe Clean Light"/>
-                        <a:cs typeface="AdobeClean-Light"/>
-                      </a:endParaRPr>
                     </a:p>
                   </a:txBody>
                   <a:tcPr marL="0" marR="0" marT="0" marB="0" anchor="ctr">
@@ -3680,14 +3366,13 @@
                     <a:p>
                       <a:pPr algn="ctr" fontAlgn="ctr"/>
                       <a:r>
-                        <a:rPr lang="en-US" sz="900" b="0" i="0" u="none" strike="noStrike" dirty="0">
+                        <a:rPr lang="fr-FR" sz="900" b="0" i="0" u="none" strike="noStrike">
                           <a:solidFill>
                             <a:srgbClr val="020302"/>
                           </a:solidFill>
-                          <a:effectLst/>
                           <a:latin typeface="AdobeClean-Light" panose="020B0503020404020204" pitchFamily="34" charset="0"/>
                         </a:rPr>
-                        <a:t>Business hours / 4 hours</a:t>
+                        <a:t>Heures d’ouverture / 4 heures</a:t>
                       </a:r>
                     </a:p>
                   </a:txBody>
@@ -3728,14 +3413,13 @@
                     <a:p>
                       <a:pPr algn="ctr" fontAlgn="ctr"/>
                       <a:r>
-                        <a:rPr lang="en-US" sz="900" b="0" i="0" u="none" strike="noStrike" dirty="0">
+                        <a:rPr lang="fr-FR" sz="900" b="0" i="0" u="none" strike="noStrike">
                           <a:solidFill>
                             <a:srgbClr val="020302"/>
                           </a:solidFill>
-                          <a:effectLst/>
-                          <a:latin typeface="AdobeClean-Light"/>
+                          <a:latin typeface="AdobeClean-Light" panose="020B0503020404020204" pitchFamily="34" charset="0"/>
                         </a:rPr>
-                        <a:t>24x5 / 1 hour</a:t>
+                        <a:t>24x5 / 1 heure</a:t>
                       </a:r>
                     </a:p>
                   </a:txBody>
@@ -3783,7 +3467,7 @@
                   </a:ext>
                 </a:extLst>
               </a:tr>
-              <a:tr h="566928">
+              <a:tr h="679072">
                 <a:tc>
                   <a:txBody>
                     <a:bodyPr/>
@@ -3798,109 +3482,15 @@
                         </a:spcBef>
                       </a:pPr>
                       <a:r>
-                        <a:rPr sz="900" b="1" spc="-15" dirty="0">
+                        <a:rPr lang="fr-FR" sz="900" b="1" dirty="0">
                           <a:solidFill>
                             <a:srgbClr val="020302"/>
                           </a:solidFill>
                           <a:latin typeface="Adobe Clean"/>
                           <a:cs typeface="Adobe Clean"/>
                         </a:rPr>
-                        <a:t>P</a:t>
+                        <a:t>PRIORITÉ 3</a:t>
                       </a:r>
-                      <a:r>
-                        <a:rPr sz="900" b="1" spc="-20" dirty="0">
-                          <a:solidFill>
-                            <a:srgbClr val="020302"/>
-                          </a:solidFill>
-                          <a:latin typeface="Adobe Clean"/>
-                          <a:cs typeface="Adobe Clean"/>
-                        </a:rPr>
-                        <a:t>R</a:t>
-                      </a:r>
-                      <a:r>
-                        <a:rPr sz="900" b="1" spc="-25" dirty="0">
-                          <a:solidFill>
-                            <a:srgbClr val="020302"/>
-                          </a:solidFill>
-                          <a:latin typeface="Adobe Clean"/>
-                          <a:cs typeface="Adobe Clean"/>
-                        </a:rPr>
-                        <a:t>I</a:t>
-                      </a:r>
-                      <a:r>
-                        <a:rPr sz="900" b="1" spc="-15" dirty="0">
-                          <a:solidFill>
-                            <a:srgbClr val="020302"/>
-                          </a:solidFill>
-                          <a:latin typeface="Adobe Clean"/>
-                          <a:cs typeface="Adobe Clean"/>
-                        </a:rPr>
-                        <a:t>O</a:t>
-                      </a:r>
-                      <a:r>
-                        <a:rPr sz="900" b="1" spc="-20" dirty="0">
-                          <a:solidFill>
-                            <a:srgbClr val="020302"/>
-                          </a:solidFill>
-                          <a:latin typeface="Adobe Clean"/>
-                          <a:cs typeface="Adobe Clean"/>
-                        </a:rPr>
-                        <a:t>R</a:t>
-                      </a:r>
-                      <a:r>
-                        <a:rPr sz="900" b="1" spc="-25" dirty="0">
-                          <a:solidFill>
-                            <a:srgbClr val="020302"/>
-                          </a:solidFill>
-                          <a:latin typeface="Adobe Clean"/>
-                          <a:cs typeface="Adobe Clean"/>
-                        </a:rPr>
-                        <a:t>I</a:t>
-                      </a:r>
-                      <a:r>
-                        <a:rPr sz="900" b="1" spc="-15" dirty="0">
-                          <a:solidFill>
-                            <a:srgbClr val="020302"/>
-                          </a:solidFill>
-                          <a:latin typeface="Adobe Clean"/>
-                          <a:cs typeface="Adobe Clean"/>
-                        </a:rPr>
-                        <a:t>T</a:t>
-                      </a:r>
-                      <a:r>
-                        <a:rPr sz="900" b="1" dirty="0">
-                          <a:solidFill>
-                            <a:srgbClr val="020302"/>
-                          </a:solidFill>
-                          <a:latin typeface="Adobe Clean"/>
-                          <a:cs typeface="Adobe Clean"/>
-                        </a:rPr>
-                        <a:t>Y</a:t>
-                      </a:r>
-                      <a:r>
-                        <a:rPr sz="900" b="1" spc="-40" dirty="0">
-                          <a:solidFill>
-                            <a:srgbClr val="020302"/>
-                          </a:solidFill>
-                          <a:latin typeface="Adobe Clean"/>
-                          <a:cs typeface="Adobe Clean"/>
-                        </a:rPr>
-                        <a:t> </a:t>
-                      </a:r>
-                      <a:r>
-                        <a:rPr sz="900" b="1" dirty="0">
-                          <a:solidFill>
-                            <a:srgbClr val="020302"/>
-                          </a:solidFill>
-                          <a:latin typeface="Adobe Clean"/>
-                          <a:cs typeface="Adobe Clean"/>
-                        </a:rPr>
-                        <a:t>3</a:t>
-                      </a:r>
-                      <a:endParaRPr sz="900" dirty="0">
-                        <a:latin typeface="Adobe Clean"/>
-                        <a:cs typeface="Adobe Clean"/>
-                      </a:endParaRPr>
                     </a:p>
                     <a:p>
                       <a:pPr marL="49530" marR="212090" indent="-2540">
@@ -3912,45 +3502,58 @@
                         </a:spcBef>
                       </a:pPr>
                       <a:r>
-                        <a:rPr lang="en-US" sz="900" b="0" i="0" u="none" strike="noStrike" dirty="0">
+                        <a:rPr lang="fr-FR" sz="900" b="0" i="0" u="none" strike="noStrike" dirty="0">
                           <a:solidFill>
                             <a:schemeClr val="tx1"/>
                           </a:solidFill>
-                          <a:effectLst/>
                           <a:latin typeface="Adobe Clean Light"/>
                           <a:ea typeface="+mn-ea"/>
                           <a:cs typeface="+mn-cs"/>
                         </a:rPr>
-                        <a:t>Customer's business </a:t>
+                        <a:t>Les fonctions commerciales du client présentent une dégradation mineure, voire inexistante, </a:t>
                       </a:r>
-                      <a:r>
-                        <a:rPr lang="en-US" sz="900" b="0" i="0" u="none" strike="noStrike">
+                      <a:br>
+                        <a:rPr lang="fr-FR" sz="900" b="0" i="0" u="none" strike="noStrike" dirty="0">
                           <a:solidFill>
                             <a:schemeClr val="tx1"/>
                           </a:solidFill>
-                          <a:effectLst/>
                           <a:latin typeface="Adobe Clean Light"/>
                           <a:ea typeface="+mn-ea"/>
                           <a:cs typeface="+mn-cs"/>
                         </a:rPr>
-                        <a:t>functions have </a:t>
-                      </a:r>
+                      </a:br>
                       <a:r>
-                        <a:rPr lang="en-US" sz="900" b="0" i="0" u="none" strike="noStrike" dirty="0">
+                        <a:rPr lang="fr-FR" sz="900" b="0" i="0" u="none" strike="noStrike" dirty="0">
                           <a:solidFill>
                             <a:schemeClr val="tx1"/>
                           </a:solidFill>
-                          <a:effectLst/>
                           <a:latin typeface="Adobe Clean Light"/>
                           <a:ea typeface="+mn-ea"/>
                           <a:cs typeface="+mn-cs"/>
                         </a:rPr>
-                        <a:t>minor to no degradation of services with a solution/workaround allowing business functions to continue </a:t>
+                        <a:t>des services, comprenant une solution/un moyen permettant aux fonctions commerciales </a:t>
                       </a:r>
-                      <a:endParaRPr lang="en-US" sz="900" b="0" i="0" dirty="0">
-                        <a:latin typeface="Adobe Clean Light"/>
-                        <a:cs typeface="AdobeClean-Light"/>
-                      </a:endParaRPr>
+                      <a:br>
+                        <a:rPr lang="fr-FR" sz="900" b="0" i="0" u="none" strike="noStrike" dirty="0">
+                          <a:solidFill>
+                            <a:schemeClr val="tx1"/>
+                          </a:solidFill>
+                          <a:latin typeface="Adobe Clean Light"/>
+                          <a:ea typeface="+mn-ea"/>
+                          <a:cs typeface="+mn-cs"/>
+                        </a:rPr>
+                      </a:br>
+                      <a:r>
+                        <a:rPr lang="fr-FR" sz="900" b="0" i="0" u="none" strike="noStrike" dirty="0">
+                          <a:solidFill>
+                            <a:schemeClr val="tx1"/>
+                          </a:solidFill>
+                          <a:latin typeface="Adobe Clean Light"/>
+                          <a:ea typeface="+mn-ea"/>
+                          <a:cs typeface="+mn-cs"/>
+                        </a:rPr>
+                        <a:t>de continuer de fonctionner. </a:t>
+                      </a:r>
                     </a:p>
                   </a:txBody>
                   <a:tcPr marL="0" marR="0" marT="0" marB="0" anchor="ctr">
@@ -3990,14 +3593,13 @@
                     <a:p>
                       <a:pPr algn="ctr" fontAlgn="ctr"/>
                       <a:r>
-                        <a:rPr lang="en-US" sz="900" b="0" i="0" u="none" strike="noStrike" dirty="0">
+                        <a:rPr lang="fr-FR" sz="900" b="0" i="0" u="none" strike="noStrike">
                           <a:solidFill>
                             <a:srgbClr val="020302"/>
                           </a:solidFill>
-                          <a:effectLst/>
                           <a:latin typeface="AdobeClean-Light" panose="020B0503020404020204" pitchFamily="34" charset="0"/>
                         </a:rPr>
-                        <a:t>Business hours / 6 hours</a:t>
+                        <a:t>Heures d’ouverture / 6 heures</a:t>
                       </a:r>
                     </a:p>
                   </a:txBody>
@@ -4038,14 +3640,13 @@
                     <a:p>
                       <a:pPr algn="ctr" fontAlgn="ctr"/>
                       <a:r>
-                        <a:rPr lang="en-US" sz="900" b="0" i="0" u="none" strike="noStrike" dirty="0">
+                        <a:rPr lang="fr-FR" sz="900" b="0" i="0" u="none" strike="noStrike" dirty="0">
                           <a:solidFill>
                             <a:srgbClr val="020302"/>
                           </a:solidFill>
-                          <a:effectLst/>
-                          <a:latin typeface="AdobeClean-Light"/>
+                          <a:latin typeface="AdobeClean-Light" panose="020B0503020404020204" pitchFamily="34" charset="0"/>
                         </a:rPr>
-                        <a:t>Business hours / 2 hours</a:t>
+                        <a:t>Heures d’ouverture / 2 heures</a:t>
                       </a:r>
                     </a:p>
                   </a:txBody>
@@ -4108,109 +3709,15 @@
                         </a:spcBef>
                       </a:pPr>
                       <a:r>
-                        <a:rPr sz="900" b="1" spc="-15" dirty="0">
+                        <a:rPr lang="fr-FR" sz="900" b="1">
                           <a:solidFill>
                             <a:srgbClr val="020302"/>
                           </a:solidFill>
                           <a:latin typeface="Adobe Clean"/>
                           <a:cs typeface="Adobe Clean"/>
                         </a:rPr>
-                        <a:t>P</a:t>
+                        <a:t>PRIORITÉ 4</a:t>
                       </a:r>
-                      <a:r>
-                        <a:rPr sz="900" b="1" spc="-20" dirty="0">
-                          <a:solidFill>
-                            <a:srgbClr val="020302"/>
-                          </a:solidFill>
-                          <a:latin typeface="Adobe Clean"/>
-                          <a:cs typeface="Adobe Clean"/>
-                        </a:rPr>
-                        <a:t>R</a:t>
-                      </a:r>
-                      <a:r>
-                        <a:rPr sz="900" b="1" spc="-25" dirty="0">
-                          <a:solidFill>
-                            <a:srgbClr val="020302"/>
-                          </a:solidFill>
-                          <a:latin typeface="Adobe Clean"/>
-                          <a:cs typeface="Adobe Clean"/>
-                        </a:rPr>
-                        <a:t>I</a:t>
-                      </a:r>
-                      <a:r>
-                        <a:rPr sz="900" b="1" spc="-15" dirty="0">
-                          <a:solidFill>
-                            <a:srgbClr val="020302"/>
-                          </a:solidFill>
-                          <a:latin typeface="Adobe Clean"/>
-                          <a:cs typeface="Adobe Clean"/>
-                        </a:rPr>
-                        <a:t>O</a:t>
-                      </a:r>
-                      <a:r>
-                        <a:rPr sz="900" b="1" spc="-20" dirty="0">
-                          <a:solidFill>
-                            <a:srgbClr val="020302"/>
-                          </a:solidFill>
-                          <a:latin typeface="Adobe Clean"/>
-                          <a:cs typeface="Adobe Clean"/>
-                        </a:rPr>
-                        <a:t>R</a:t>
-                      </a:r>
-                      <a:r>
-                        <a:rPr sz="900" b="1" spc="-25" dirty="0">
-                          <a:solidFill>
-                            <a:srgbClr val="020302"/>
-                          </a:solidFill>
-                          <a:latin typeface="Adobe Clean"/>
-                          <a:cs typeface="Adobe Clean"/>
-                        </a:rPr>
-                        <a:t>I</a:t>
-                      </a:r>
-                      <a:r>
-                        <a:rPr sz="900" b="1" spc="-15" dirty="0">
-                          <a:solidFill>
-                            <a:srgbClr val="020302"/>
-                          </a:solidFill>
-                          <a:latin typeface="Adobe Clean"/>
-                          <a:cs typeface="Adobe Clean"/>
-                        </a:rPr>
-                        <a:t>T</a:t>
-                      </a:r>
-                      <a:r>
-                        <a:rPr sz="900" b="1" dirty="0">
-                          <a:solidFill>
-                            <a:srgbClr val="020302"/>
-                          </a:solidFill>
-                          <a:latin typeface="Adobe Clean"/>
-                          <a:cs typeface="Adobe Clean"/>
-                        </a:rPr>
-                        <a:t>Y</a:t>
-                      </a:r>
-                      <a:r>
-                        <a:rPr sz="900" b="1" spc="-40" dirty="0">
-                          <a:solidFill>
-                            <a:srgbClr val="020302"/>
-                          </a:solidFill>
-                          <a:latin typeface="Adobe Clean"/>
-                          <a:cs typeface="Adobe Clean"/>
-                        </a:rPr>
-                        <a:t> </a:t>
-                      </a:r>
-                      <a:r>
-                        <a:rPr sz="900" b="1" dirty="0">
-                          <a:solidFill>
-                            <a:srgbClr val="020302"/>
-                          </a:solidFill>
-                          <a:latin typeface="Adobe Clean"/>
-                          <a:cs typeface="Adobe Clean"/>
-                        </a:rPr>
-                        <a:t>4</a:t>
-                      </a:r>
-                      <a:endParaRPr sz="900" dirty="0">
-                        <a:latin typeface="Adobe Clean"/>
-                        <a:cs typeface="Adobe Clean"/>
-                      </a:endParaRPr>
                     </a:p>
                     <a:p>
                       <a:pPr marL="49530">
@@ -4222,31 +3729,27 @@
                         </a:spcBef>
                       </a:pPr>
                       <a:r>
-                        <a:rPr lang="en-US" sz="900" b="1" spc="-90" dirty="0">
+                        <a:rPr lang="fr-FR" sz="900" b="1">
                           <a:solidFill>
                             <a:srgbClr val="020302"/>
                           </a:solidFill>
                           <a:latin typeface="Adobe Clean"/>
+                          <a:ea typeface="+mn-ea"/>
                           <a:cs typeface="+mn-cs"/>
                         </a:rPr>
                         <a:t> </a:t>
                       </a:r>
                       <a:r>
-                        <a:rPr lang="en-US" sz="900" b="0" i="0" u="none" strike="noStrike" dirty="0">
+                        <a:rPr lang="fr-FR" sz="900" b="0" i="0" u="none" strike="noStrike">
                           <a:solidFill>
                             <a:schemeClr val="tx1"/>
                           </a:solidFill>
-                          <a:effectLst/>
                           <a:latin typeface="Adobe Clean Light"/>
                           <a:ea typeface="+mn-ea"/>
                           <a:cs typeface="+mn-cs"/>
                         </a:rPr>
-                        <a:t>General question regarding current product functionality or an enhancement request</a:t>
+                        <a:t>Question générale concernant les fonctionnalités actuelles du produit ou une demande d’amélioration</a:t>
                       </a:r>
-                      <a:endParaRPr lang="en-US" sz="900" b="0" i="0" dirty="0">
-                        <a:latin typeface="Adobe Clean Light"/>
-                        <a:cs typeface="AdobeClean-Light"/>
-                      </a:endParaRPr>
                     </a:p>
                   </a:txBody>
                   <a:tcPr marL="0" marR="0" marT="0" marB="0" anchor="ctr">
@@ -4286,14 +3789,13 @@
                     <a:p>
                       <a:pPr algn="ctr" fontAlgn="ctr"/>
                       <a:r>
-                        <a:rPr lang="en-US" sz="900" b="0" i="0" u="none" strike="noStrike" dirty="0">
+                        <a:rPr lang="fr-FR" sz="900" b="0" i="0" u="none" strike="noStrike">
                           <a:solidFill>
                             <a:srgbClr val="020302"/>
                           </a:solidFill>
-                          <a:effectLst/>
                           <a:latin typeface="AdobeClean-Light" panose="020B0503020404020204" pitchFamily="34" charset="0"/>
                         </a:rPr>
-                        <a:t>Business days / 3 days</a:t>
+                        <a:t>Jours ouvrables / 3 jours</a:t>
                       </a:r>
                     </a:p>
                   </a:txBody>
@@ -4334,14 +3836,13 @@
                     <a:p>
                       <a:pPr algn="ctr" fontAlgn="ctr"/>
                       <a:r>
-                        <a:rPr lang="en-US" sz="900" b="0" i="0" u="none" strike="noStrike" dirty="0">
+                        <a:rPr lang="fr-FR" sz="900" b="0" i="0" u="none" strike="noStrike" dirty="0">
                           <a:solidFill>
                             <a:srgbClr val="020302"/>
                           </a:solidFill>
-                          <a:effectLst/>
                           <a:latin typeface="AdobeClean-Light" panose="020B0503020404020204" pitchFamily="34" charset="0"/>
                         </a:rPr>
-                        <a:t>Business days / 1 day</a:t>
+                        <a:t>Jours ouvrables / 1 jour</a:t>
                       </a:r>
                     </a:p>
                   </a:txBody>
@@ -4428,7 +3929,7 @@
         <p:spPr>
           <a:xfrm>
             <a:off x="97788" y="9888626"/>
-            <a:ext cx="2245360" cy="133370"/>
+            <a:ext cx="3361692" cy="133370"/>
           </a:xfrm>
           <a:prstGeom prst="rect">
             <a:avLst/>
@@ -4449,40 +3950,8 @@
               </a:spcBef>
             </a:pPr>
             <a:r>
-              <a:rPr spc="-10"/>
-              <a:t>©202</a:t>
-            </a:r>
-            <a:r>
-              <a:rPr lang="en-US" spc="-10"/>
-              <a:t>1</a:t>
-            </a:r>
-            <a:r>
-              <a:rPr spc="-5"/>
-              <a:t> Adobe. All</a:t>
-            </a:r>
-            <a:r>
-              <a:rPr spc="-10"/>
-              <a:t> Rights</a:t>
-            </a:r>
-            <a:r>
-              <a:rPr spc="-5"/>
-              <a:t> </a:t>
-            </a:r>
-            <a:r>
-              <a:rPr spc="-10"/>
-              <a:t>Reserved.</a:t>
-            </a:r>
-            <a:r>
-              <a:rPr spc="-5"/>
-              <a:t> Adobe</a:t>
-            </a:r>
-            <a:r>
-              <a:rPr spc="60"/>
-              <a:t> </a:t>
-            </a:r>
-            <a:r>
-              <a:rPr spc="-10"/>
-              <a:t>Confidential.</a:t>
+              <a:rPr lang="fr-FR"/>
+              <a:t>©2021 Adobe. All Rights Reserved. Données confidentielles Adobe</a:t>
             </a:r>
           </a:p>
         </p:txBody>
@@ -4516,7 +3985,7 @@
           <a:lstStyle/>
           <a:p>
             <a:r>
-              <a:rPr lang="en-US" sz="700" i="1">
+              <a:rPr lang="fr-FR" sz="700" i="1">
                 <a:solidFill>
                   <a:schemeClr val="bg1"/>
                 </a:solidFill>
@@ -4540,8 +4009,8 @@
         </p:nvSpPr>
         <p:spPr>
           <a:xfrm>
-            <a:off x="146919" y="756605"/>
-            <a:ext cx="6035427" cy="1243417"/>
+            <a:off x="146920" y="674819"/>
+            <a:ext cx="5879400" cy="1241687"/>
           </a:xfrm>
           <a:prstGeom prst="rect">
             <a:avLst/>
@@ -4562,16 +4031,16 @@
               </a:spcBef>
             </a:pPr>
             <a:r>
-              <a:rPr lang="en-US" sz="1200" dirty="0">
+              <a:rPr lang="fr-FR" sz="1100" dirty="0">
                 <a:solidFill>
                   <a:schemeClr val="bg1"/>
                 </a:solidFill>
                 <a:latin typeface="Adobe Clean Light" panose="020B0303020404020204" pitchFamily="34" charset="0"/>
               </a:rPr>
-              <a:t>Online | Business |</a:t>
-            </a:r>
-            <a:r>
-              <a:rPr lang="en-US" sz="1200" b="1" dirty="0">
+              <a:t>En ligne | Commerciale |</a:t>
+            </a:r>
+            <a:r>
+              <a:rPr lang="fr-FR" sz="1100" b="1" dirty="0">
                 <a:solidFill>
                   <a:schemeClr val="bg1"/>
                 </a:solidFill>
@@ -4580,15 +4049,15 @@
               <a:t> </a:t>
             </a:r>
             <a:r>
-              <a:rPr lang="en-US" sz="1200" b="1" dirty="0">
+              <a:rPr lang="fr-FR" sz="1100" b="1" dirty="0">
                 <a:solidFill>
                   <a:schemeClr val="bg1"/>
                 </a:solidFill>
               </a:rPr>
-              <a:t>Enterprise</a:t>
-            </a:r>
-            <a:r>
-              <a:rPr lang="en-US" sz="1200" b="1" dirty="0">
+              <a:t>Entreprise</a:t>
+            </a:r>
+            <a:r>
+              <a:rPr lang="fr-FR" sz="1100" b="1" dirty="0">
                 <a:solidFill>
                   <a:schemeClr val="bg1"/>
                 </a:solidFill>
@@ -4597,7 +4066,7 @@
               <a:t> </a:t>
             </a:r>
             <a:r>
-              <a:rPr lang="en-US" sz="1200" dirty="0">
+              <a:rPr lang="fr-FR" sz="1100" dirty="0">
                 <a:solidFill>
                   <a:schemeClr val="bg1"/>
                 </a:solidFill>
@@ -4606,7 +4075,7 @@
               <a:t>| Elite</a:t>
             </a:r>
             <a:br>
-              <a:rPr lang="en-US" sz="900" dirty="0">
+              <a:rPr lang="fr-FR" sz="800" dirty="0">
                 <a:solidFill>
                   <a:schemeClr val="bg1"/>
                 </a:solidFill>
@@ -4614,21 +4083,50 @@
               </a:rPr>
             </a:br>
             <a:r>
-              <a:rPr lang="en-US" sz="900" dirty="0">
+              <a:rPr lang="fr-FR" sz="800" dirty="0">
                 <a:solidFill>
                   <a:schemeClr val="bg1"/>
                 </a:solidFill>
                 <a:latin typeface="Adobe Clean SemiLight" panose="020B0403020404020204" pitchFamily="34" charset="0"/>
               </a:rPr>
-              <a:t>ENTERPRISE support includes access to personalized learning paths and monitored community forums via the Adobe Experience League. You can also take advantage of our detailed and in-depth technical product documentation and current release notes. ENTERPRISE customers will also be provided with a Named Support Engineer who acts as your designated technical contact in the Adobe Support Team. With deep experience in your designated Experience Cloud solution, your support team will work in partnership with you and your technical teams to ensure timely resolution of all support requests. Your support team can also help coordinate and arrange delivery of the additional ENTERPRISE benefits ensuring minimal disruption to your business at the most critical time. </a:t>
-            </a:r>
-            <a:endParaRPr lang="en-US" sz="900" dirty="0">
-              <a:solidFill>
-                <a:schemeClr val="bg1"/>
-              </a:solidFill>
-              <a:latin typeface="Adobe Clean Light" panose="020B0303020404020204" pitchFamily="34" charset="0"/>
-              <a:cs typeface="AdobeClean-Light"/>
-            </a:endParaRPr>
+              <a:t>L’assistance d’ENTREPRISE comprend un accès à des parcours de formation personnalisés et à des forums communautaires surveillés au travers d’</a:t>
+            </a:r>
+            <a:r>
+              <a:rPr lang="fr-FR" sz="800" dirty="0" err="1">
+                <a:solidFill>
+                  <a:schemeClr val="bg1"/>
+                </a:solidFill>
+                <a:latin typeface="Adobe Clean SemiLight" panose="020B0403020404020204" pitchFamily="34" charset="0"/>
+              </a:rPr>
+              <a:t>Experience</a:t>
+            </a:r>
+            <a:r>
+              <a:rPr lang="fr-FR" sz="800" dirty="0">
+                <a:solidFill>
+                  <a:schemeClr val="bg1"/>
+                </a:solidFill>
+                <a:latin typeface="Adobe Clean SemiLight" panose="020B0403020404020204" pitchFamily="34" charset="0"/>
+              </a:rPr>
+              <a:t> League d’Adobe. Vous pouvez également tirer profit de notre documentation technique détaillée et approfondie sur les produits, ainsi que de nos notes de mise à jour actuelles. Les clients du programme d’ENTREPRISE bénéficieront également d’un accès à un ingénieur d’assistance nommé jouant le rôle de contact technique désigné dans l’équipe d’assistance d’Adobe. Grâce à sa grande expérience dans vos solutions </a:t>
+            </a:r>
+            <a:r>
+              <a:rPr lang="fr-FR" sz="800" dirty="0" err="1">
+                <a:solidFill>
+                  <a:schemeClr val="bg1"/>
+                </a:solidFill>
+                <a:latin typeface="Adobe Clean SemiLight" panose="020B0403020404020204" pitchFamily="34" charset="0"/>
+              </a:rPr>
+              <a:t>Experience</a:t>
+            </a:r>
+            <a:r>
+              <a:rPr lang="fr-FR" sz="800" dirty="0">
+                <a:solidFill>
+                  <a:schemeClr val="bg1"/>
+                </a:solidFill>
+                <a:latin typeface="Adobe Clean SemiLight" panose="020B0403020404020204" pitchFamily="34" charset="0"/>
+              </a:rPr>
+              <a:t> Cloud, votre équipe d’assistance travaillera à vos côtés et avec vos équipes techniques afin d’assurer une résolution de toutes les requêtes d’assistance dans les temps. Votre équipe d’assistance peut également vous aider à coordonner et organiser la diffusion des avantages d’ENTREPRISE supplémentaires, garantissant ainsi une perturbation minimale de votre entreprise aux moments les plus critiques. </a:t>
+            </a:r>
           </a:p>
         </p:txBody>
       </p:sp>
@@ -4647,14 +4145,14 @@
           <p:nvPr>
             <p:extLst>
               <p:ext uri="{D42A27DB-BD31-4B8C-83A1-F6EECF244321}">
-                <p14:modId xmlns:p14="http://schemas.microsoft.com/office/powerpoint/2010/main" val="2813555721"/>
+                <p14:modId xmlns:p14="http://schemas.microsoft.com/office/powerpoint/2010/main" val="3391462136"/>
               </p:ext>
             </p:extLst>
           </p:nvPr>
         </p:nvGraphicFramePr>
         <p:xfrm>
           <a:off x="125148" y="2159576"/>
-          <a:ext cx="7498851" cy="4675190"/>
+          <a:ext cx="7498851" cy="4293866"/>
         </p:xfrm>
         <a:graphic>
           <a:graphicData uri="http://schemas.openxmlformats.org/drawingml/2006/table">
@@ -4692,7 +4190,7 @@
                   </a:extLst>
                 </a:gridCol>
               </a:tblGrid>
-              <a:tr h="241251">
+              <a:tr h="243096">
                 <a:tc gridSpan="2">
                   <a:txBody>
                     <a:bodyPr/>
@@ -4736,19 +4234,15 @@
                         <a:defRPr/>
                       </a:pPr>
                       <a:r>
-                        <a:rPr lang="en-US" sz="900" spc="0">
+                        <a:rPr lang="fr-FR" sz="900">
                           <a:solidFill>
                             <a:srgbClr val="404040"/>
                           </a:solidFill>
                           <a:latin typeface="Adobe Clean"/>
                           <a:cs typeface="Adobe Clean"/>
                         </a:rPr>
-                        <a:t>Online  Support</a:t>
+                        <a:t>Assistance en ligne</a:t>
                       </a:r>
-                      <a:endParaRPr lang="en-US" sz="900" spc="0">
-                        <a:latin typeface="Adobe Clean"/>
-                        <a:cs typeface="Adobe Clean"/>
-                      </a:endParaRPr>
                     </a:p>
                   </a:txBody>
                   <a:tcPr marL="0" marR="0" marT="7620" marB="0" anchor="ctr">
@@ -4789,29 +4283,15 @@
                         </a:spcBef>
                       </a:pPr>
                       <a:r>
-                        <a:rPr lang="en-US" sz="900" spc="0">
+                        <a:rPr lang="fr-FR" sz="900">
                           <a:solidFill>
                             <a:srgbClr val="FFFFFF"/>
                           </a:solidFill>
                           <a:latin typeface="Adobe Clean"/>
                           <a:cs typeface="Adobe Clean"/>
                         </a:rPr>
-                        <a:t>Enterprise </a:t>
+                        <a:t>Assistance aux entreprises</a:t>
                       </a:r>
-                      <a:r>
-                        <a:rPr sz="900" spc="0">
-                          <a:solidFill>
-                            <a:srgbClr val="FFFFFF"/>
-                          </a:solidFill>
-                          <a:latin typeface="Adobe Clean"/>
-                          <a:cs typeface="Adobe Clean"/>
-                        </a:rPr>
-                        <a:t>Support</a:t>
-                      </a:r>
-                      <a:endParaRPr sz="900" spc="0">
-                        <a:latin typeface="Adobe Clean"/>
-                        <a:cs typeface="Adobe Clean"/>
-                      </a:endParaRPr>
                     </a:p>
                   </a:txBody>
                   <a:tcPr marL="0" marR="0" marT="7620" marB="0" anchor="ctr">
@@ -4853,7 +4333,7 @@
                   </a:ext>
                 </a:extLst>
               </a:tr>
-              <a:tr h="332691">
+              <a:tr h="243096">
                 <a:tc gridSpan="2">
                   <a:txBody>
                     <a:bodyPr/>
@@ -4879,7 +4359,7 @@
                     <a:bodyPr/>
                     <a:lstStyle/>
                     <a:p>
-                      <a:pPr marL="0" marR="0" lvl="0" indent="0" algn="ctr" defTabSz="914400" eaLnBrk="1" fontAlgn="auto" latinLnBrk="0" hangingPunct="1">
+                      <a:pPr marL="0" marR="0" lvl="0" indent="0" algn="l" defTabSz="914400" rtl="0" eaLnBrk="1" fontAlgn="auto" latinLnBrk="0" hangingPunct="1">
                         <a:lnSpc>
                           <a:spcPct val="100000"/>
                         </a:lnSpc>
@@ -4960,13 +4440,13 @@
                         <a:defRPr/>
                       </a:pPr>
                       <a:r>
-                        <a:rPr lang="en-US" sz="800" i="1">
+                        <a:rPr lang="fr-FR" sz="800" i="1">
                           <a:solidFill>
                             <a:schemeClr val="bg1"/>
                           </a:solidFill>
                           <a:latin typeface="Adobe Clean Light" panose="020B0303020404020204" pitchFamily="34" charset="0"/>
                         </a:rPr>
-                        <a:t>Paid Support ($)</a:t>
+                        <a:t>Assistance payante ($)</a:t>
                       </a:r>
                     </a:p>
                   </a:txBody>
@@ -5015,7 +4495,7 @@
                   </a:ext>
                 </a:extLst>
               </a:tr>
-              <a:tr h="232310">
+              <a:tr h="154401">
                 <a:tc rowSpan="3">
                   <a:txBody>
                     <a:bodyPr/>
@@ -5030,22 +4510,15 @@
                         </a:spcBef>
                       </a:pPr>
                       <a:r>
-                        <a:rPr lang="en-US" sz="1000" b="1" i="0" spc="0">
+                        <a:rPr lang="fr-FR" sz="1000" b="1" i="0">
                           <a:solidFill>
                             <a:schemeClr val="bg1"/>
                           </a:solidFill>
                           <a:latin typeface="Adobe Clean" panose="020B0503020404020204" pitchFamily="34" charset="0"/>
                           <a:cs typeface="AdobeClean-Light"/>
                         </a:rPr>
-                        <a:t>Assigned Experts</a:t>
+                        <a:t>Experts assignés</a:t>
                       </a:r>
-                      <a:endParaRPr sz="1000" b="1" i="0" spc="0">
-                        <a:solidFill>
-                          <a:schemeClr val="bg1"/>
-                        </a:solidFill>
-                        <a:latin typeface="Adobe Clean" panose="020B0503020404020204" pitchFamily="34" charset="0"/>
-                        <a:cs typeface="AdobeClean-Light"/>
-                      </a:endParaRPr>
                     </a:p>
                   </a:txBody>
                   <a:tcPr marL="0" marR="0" marT="58419" marB="0" anchor="ctr">
@@ -5092,19 +4565,15 @@
                         </a:spcBef>
                       </a:pPr>
                       <a:r>
-                        <a:rPr sz="900" spc="0">
+                        <a:rPr lang="fr-FR" sz="900">
                           <a:solidFill>
                             <a:srgbClr val="020302"/>
                           </a:solidFill>
                           <a:latin typeface="AdobeClean-Light"/>
                           <a:cs typeface="AdobeClean-Light"/>
                         </a:rPr>
-                        <a:t>Account Support Lead</a:t>
+                        <a:t>Assistance principale du compte</a:t>
                       </a:r>
-                      <a:endParaRPr sz="900" spc="0">
-                        <a:latin typeface="AdobeClean-Light"/>
-                        <a:cs typeface="AdobeClean-Light"/>
-                      </a:endParaRPr>
                     </a:p>
                   </a:txBody>
                   <a:tcPr marL="0" marR="0" marT="58419" marB="0">
@@ -5139,7 +4608,7 @@
                     <a:bodyPr/>
                     <a:lstStyle/>
                     <a:p>
-                      <a:pPr algn="ctr">
+                      <a:pPr algn="l" rtl="0">
                         <a:lnSpc>
                           <a:spcPct val="100000"/>
                         </a:lnSpc>
@@ -5180,7 +4649,7 @@
                     <a:bodyPr/>
                     <a:lstStyle/>
                     <a:p>
-                      <a:pPr algn="ctr">
+                      <a:pPr algn="l" rtl="0">
                         <a:lnSpc>
                           <a:spcPct val="100000"/>
                         </a:lnSpc>
@@ -5217,13 +4686,13 @@
                   </a:ext>
                 </a:extLst>
               </a:tr>
-              <a:tr h="230812">
+              <a:tr h="153405">
                 <a:tc vMerge="1">
                   <a:txBody>
                     <a:bodyPr/>
                     <a:lstStyle/>
                     <a:p>
-                      <a:pPr marL="50800">
+                      <a:pPr marL="50800" algn="l" rtl="0">
                         <a:lnSpc>
                           <a:spcPct val="100000"/>
                         </a:lnSpc>
@@ -5269,19 +4738,15 @@
                         </a:spcBef>
                       </a:pPr>
                       <a:r>
-                        <a:rPr sz="900" spc="0">
+                        <a:rPr lang="fr-FR" sz="900">
                           <a:solidFill>
                             <a:srgbClr val="020302"/>
                           </a:solidFill>
                           <a:latin typeface="AdobeClean-Light"/>
                           <a:cs typeface="AdobeClean-Light"/>
                         </a:rPr>
-                        <a:t>Named Support Engineer</a:t>
+                        <a:t>Ingénieur d’assistance nommé</a:t>
                       </a:r>
-                      <a:endParaRPr sz="900" spc="0">
-                        <a:latin typeface="AdobeClean-Light"/>
-                        <a:cs typeface="AdobeClean-Light"/>
-                      </a:endParaRPr>
                     </a:p>
                   </a:txBody>
                   <a:tcPr marL="0" marR="0" marT="58419" marB="0">
@@ -5304,7 +4769,7 @@
                     <a:bodyPr/>
                     <a:lstStyle/>
                     <a:p>
-                      <a:pPr algn="ctr">
+                      <a:pPr algn="l" rtl="0">
                         <a:lnSpc>
                           <a:spcPct val="100000"/>
                         </a:lnSpc>
@@ -5351,7 +4816,7 @@
                         <a:defRPr/>
                       </a:pPr>
                       <a:r>
-                        <a:rPr lang="en-US" sz="900">
+                        <a:rPr lang="fr-FR" sz="900">
                           <a:solidFill>
                             <a:srgbClr val="020302"/>
                           </a:solidFill>
@@ -5360,10 +4825,6 @@
                         </a:rPr>
                         <a:t></a:t>
                       </a:r>
-                      <a:endParaRPr lang="en-US" sz="900">
-                        <a:latin typeface="Wingdings"/>
-                        <a:cs typeface="Wingdings"/>
-                      </a:endParaRPr>
                     </a:p>
                   </a:txBody>
                   <a:tcPr marL="0" marR="0" marT="0" marB="0" anchor="ctr">
@@ -5380,13 +4841,13 @@
                   </a:ext>
                 </a:extLst>
               </a:tr>
-              <a:tr h="236808">
+              <a:tr h="157391">
                 <a:tc vMerge="1">
                   <a:txBody>
                     <a:bodyPr/>
                     <a:lstStyle/>
                     <a:p>
-                      <a:pPr marL="50800">
+                      <a:pPr marL="50800" algn="l" rtl="0">
                         <a:lnSpc>
                           <a:spcPct val="100000"/>
                         </a:lnSpc>
@@ -5444,19 +4905,15 @@
                         </a:spcBef>
                       </a:pPr>
                       <a:r>
-                        <a:rPr sz="900" spc="0">
+                        <a:rPr lang="fr-FR" sz="900">
                           <a:solidFill>
                             <a:srgbClr val="020302"/>
                           </a:solidFill>
                           <a:latin typeface="AdobeClean-Light"/>
                           <a:cs typeface="AdobeClean-Light"/>
                         </a:rPr>
-                        <a:t>Technical Account Manager</a:t>
+                        <a:t>Gestionnaire de compte technique</a:t>
                       </a:r>
-                      <a:endParaRPr sz="900" spc="0">
-                        <a:latin typeface="AdobeClean-Light"/>
-                        <a:cs typeface="AdobeClean-Light"/>
-                      </a:endParaRPr>
                     </a:p>
                   </a:txBody>
                   <a:tcPr marL="0" marR="0" marT="63500" marB="0">
@@ -5485,7 +4942,7 @@
                     <a:bodyPr/>
                     <a:lstStyle/>
                     <a:p>
-                      <a:pPr algn="ctr">
+                      <a:pPr algn="l" rtl="0">
                         <a:lnSpc>
                           <a:spcPct val="100000"/>
                         </a:lnSpc>
@@ -5523,7 +4980,7 @@
                     <a:bodyPr/>
                     <a:lstStyle/>
                     <a:p>
-                      <a:pPr algn="ctr">
+                      <a:pPr algn="l" rtl="0">
                         <a:lnSpc>
                           <a:spcPct val="100000"/>
                         </a:lnSpc>
@@ -5559,7 +5016,7 @@
                   </a:ext>
                 </a:extLst>
               </a:tr>
-              <a:tr h="229317">
+              <a:tr h="152412">
                 <a:tc rowSpan="12">
                   <a:txBody>
                     <a:bodyPr/>
@@ -5574,22 +5031,15 @@
                         </a:spcBef>
                       </a:pPr>
                       <a:r>
-                        <a:rPr lang="en-US" sz="1000" b="1" i="0" spc="0">
+                        <a:rPr lang="fr-FR" sz="1000" b="1" i="0">
                           <a:solidFill>
                             <a:schemeClr val="bg1"/>
                           </a:solidFill>
                           <a:latin typeface="Adobe Clean" panose="020B0503020404020204" pitchFamily="34" charset="0"/>
                           <a:cs typeface="AdobeClean-Light"/>
                         </a:rPr>
-                        <a:t>Support Services</a:t>
+                        <a:t>Services d’assistance</a:t>
                       </a:r>
-                      <a:endParaRPr sz="1000" b="1" i="0" spc="0">
-                        <a:solidFill>
-                          <a:schemeClr val="bg1"/>
-                        </a:solidFill>
-                        <a:latin typeface="Adobe Clean" panose="020B0503020404020204" pitchFamily="34" charset="0"/>
-                        <a:cs typeface="AdobeClean-Light"/>
-                      </a:endParaRPr>
                     </a:p>
                   </a:txBody>
                   <a:tcPr marL="0" marR="0" marT="57150" marB="0" anchor="ctr">
@@ -5645,29 +5095,15 @@
                         </a:spcBef>
                       </a:pPr>
                       <a:r>
-                        <a:rPr lang="en-US" sz="900" spc="0">
+                        <a:rPr lang="fr-FR" sz="900">
                           <a:solidFill>
                             <a:srgbClr val="020302"/>
                           </a:solidFill>
                           <a:latin typeface="AdobeClean-Light"/>
                           <a:cs typeface="AdobeClean-Light"/>
                         </a:rPr>
-                        <a:t>Online</a:t>
+                        <a:t>Assistance en ligne</a:t>
                       </a:r>
-                      <a:r>
-                        <a:rPr sz="900" spc="0">
-                          <a:solidFill>
-                            <a:srgbClr val="020302"/>
-                          </a:solidFill>
-                          <a:latin typeface="AdobeClean-Light"/>
-                          <a:cs typeface="AdobeClean-Light"/>
-                        </a:rPr>
-                        <a:t> Support</a:t>
-                      </a:r>
-                      <a:endParaRPr sz="900" spc="0">
-                        <a:latin typeface="AdobeClean-Light"/>
-                        <a:cs typeface="AdobeClean-Light"/>
-                      </a:endParaRPr>
                     </a:p>
                   </a:txBody>
                   <a:tcPr marL="0" marR="0" marT="57150" marB="0">
@@ -5705,39 +5141,15 @@
                         </a:spcBef>
                       </a:pPr>
                       <a:r>
-                        <a:rPr sz="900" spc="-25">
+                        <a:rPr lang="fr-FR" sz="900">
                           <a:solidFill>
                             <a:srgbClr val="020302"/>
                           </a:solidFill>
                           <a:latin typeface="AdobeClean-Light"/>
                           <a:cs typeface="AdobeClean-Light"/>
                         </a:rPr>
-                        <a:t>Business</a:t>
+                        <a:t>Heures d’ouverture</a:t>
                       </a:r>
-                      <a:r>
-                        <a:rPr sz="900" spc="-15">
-                          <a:solidFill>
-                            <a:srgbClr val="020302"/>
-                          </a:solidFill>
-                          <a:latin typeface="AdobeClean-Light"/>
-                          <a:cs typeface="AdobeClean-Light"/>
-                        </a:rPr>
-                        <a:t> </a:t>
-                      </a:r>
-                      <a:r>
-                        <a:rPr sz="900" spc="-30">
-                          <a:solidFill>
-                            <a:srgbClr val="020302"/>
-                          </a:solidFill>
-                          <a:latin typeface="AdobeClean-Light"/>
-                          <a:cs typeface="AdobeClean-Light"/>
-                        </a:rPr>
-                        <a:t>hours</a:t>
-                      </a:r>
-                      <a:endParaRPr sz="900">
-                        <a:latin typeface="AdobeClean-Light"/>
-                        <a:cs typeface="AdobeClean-Light"/>
-                      </a:endParaRPr>
                     </a:p>
                   </a:txBody>
                   <a:tcPr marL="0" marR="0" marT="67945" marB="0">
@@ -5776,7 +5188,7 @@
                         </a:spcBef>
                       </a:pPr>
                       <a:r>
-                        <a:rPr lang="en-US" sz="900" spc="-25">
+                        <a:rPr lang="fr-FR" sz="900">
                           <a:solidFill>
                             <a:srgbClr val="020302"/>
                           </a:solidFill>
@@ -5785,10 +5197,6 @@
                         </a:rPr>
                         <a:t>24x5</a:t>
                       </a:r>
-                      <a:endParaRPr sz="900">
-                        <a:latin typeface="AdobeClean-Light"/>
-                        <a:cs typeface="AdobeClean-Light"/>
-                      </a:endParaRPr>
                     </a:p>
                   </a:txBody>
                   <a:tcPr marL="0" marR="0" marT="67945" marB="0">
@@ -5816,13 +5224,13 @@
                   </a:ext>
                 </a:extLst>
               </a:tr>
-              <a:tr h="230812">
+              <a:tr h="153405">
                 <a:tc vMerge="1">
                   <a:txBody>
                     <a:bodyPr/>
                     <a:lstStyle/>
                     <a:p>
-                      <a:pPr marL="50800">
+                      <a:pPr marL="50800" algn="l" rtl="0">
                         <a:lnSpc>
                           <a:spcPct val="100000"/>
                         </a:lnSpc>
@@ -5871,39 +5279,15 @@
                         </a:spcBef>
                       </a:pPr>
                       <a:r>
-                        <a:rPr sz="900" spc="0">
+                        <a:rPr lang="fr-FR" sz="900">
                           <a:solidFill>
                             <a:srgbClr val="020302"/>
                           </a:solidFill>
                           <a:latin typeface="AdobeClean-Light"/>
                           <a:cs typeface="AdobeClean-Light"/>
                         </a:rPr>
-                        <a:t>24x7</a:t>
+                        <a:t>Assistance en cas de problèmes P1 24x7x365</a:t>
                       </a:r>
-                      <a:r>
-                        <a:rPr lang="en-US" sz="900" spc="0">
-                          <a:solidFill>
-                            <a:srgbClr val="020302"/>
-                          </a:solidFill>
-                          <a:latin typeface="AdobeClean-Light"/>
-                          <a:cs typeface="AdobeClean-Light"/>
-                        </a:rPr>
-                        <a:t>x365</a:t>
-                      </a:r>
-                      <a:r>
-                        <a:rPr sz="900" spc="0">
-                          <a:solidFill>
-                            <a:srgbClr val="020302"/>
-                          </a:solidFill>
-                          <a:latin typeface="AdobeClean-Light"/>
-                          <a:cs typeface="AdobeClean-Light"/>
-                        </a:rPr>
-                        <a:t> P1 Issue Support</a:t>
-                      </a:r>
-                      <a:endParaRPr sz="900" spc="0">
-                        <a:latin typeface="AdobeClean-Light"/>
-                        <a:cs typeface="AdobeClean-Light"/>
-                      </a:endParaRPr>
                     </a:p>
                   </a:txBody>
                   <a:tcPr marL="0" marR="0" marT="57785" marB="0">
@@ -5935,7 +5319,7 @@
                         </a:spcBef>
                       </a:pPr>
                       <a:r>
-                        <a:rPr sz="900">
+                        <a:rPr lang="fr-FR" sz="900">
                           <a:solidFill>
                             <a:srgbClr val="020302"/>
                           </a:solidFill>
@@ -5944,10 +5328,6 @@
                         </a:rPr>
                         <a:t></a:t>
                       </a:r>
-                      <a:endParaRPr sz="900">
-                        <a:latin typeface="Wingdings"/>
-                        <a:cs typeface="Wingdings"/>
-                      </a:endParaRPr>
                     </a:p>
                   </a:txBody>
                   <a:tcPr marL="0" marR="0" marT="58419" marB="0">
@@ -5977,7 +5357,7 @@
                         </a:spcBef>
                       </a:pPr>
                       <a:r>
-                        <a:rPr sz="900">
+                        <a:rPr lang="fr-FR" sz="900">
                           <a:solidFill>
                             <a:srgbClr val="020302"/>
                           </a:solidFill>
@@ -5986,10 +5366,6 @@
                         </a:rPr>
                         <a:t></a:t>
                       </a:r>
-                      <a:endParaRPr sz="900">
-                        <a:latin typeface="Wingdings"/>
-                        <a:cs typeface="Wingdings"/>
-                      </a:endParaRPr>
                     </a:p>
                   </a:txBody>
                   <a:tcPr marL="0" marR="0" marT="58419" marB="0">
@@ -6006,13 +5382,13 @@
                   </a:ext>
                 </a:extLst>
               </a:tr>
-              <a:tr h="230065">
+              <a:tr h="152909">
                 <a:tc vMerge="1">
                   <a:txBody>
                     <a:bodyPr/>
                     <a:lstStyle/>
                     <a:p>
-                      <a:pPr marL="50800">
+                      <a:pPr marL="50800" algn="l" rtl="0">
                         <a:lnSpc>
                           <a:spcPct val="100000"/>
                         </a:lnSpc>
@@ -6070,19 +5446,15 @@
                         </a:spcBef>
                       </a:pPr>
                       <a:r>
-                        <a:rPr lang="en-US" sz="900" spc="0">
+                        <a:rPr lang="fr-FR" sz="900">
                           <a:solidFill>
                             <a:srgbClr val="020302"/>
                           </a:solidFill>
                           <a:latin typeface="AdobeClean-Light"/>
                           <a:cs typeface="AdobeClean-Light"/>
                         </a:rPr>
-                        <a:t>Named Support Contacts (per product)</a:t>
+                        <a:t>Contacts d’assistance nommés (par produit)</a:t>
                       </a:r>
-                      <a:endParaRPr sz="900" spc="0">
-                        <a:latin typeface="AdobeClean-Light"/>
-                        <a:cs typeface="AdobeClean-Light"/>
-                      </a:endParaRPr>
                     </a:p>
                   </a:txBody>
                   <a:tcPr marL="0" marR="0" marT="57785" marB="0">
@@ -6120,7 +5492,7 @@
                         </a:spcBef>
                       </a:pPr>
                       <a:r>
-                        <a:rPr sz="900">
+                        <a:rPr lang="fr-FR" sz="900">
                           <a:solidFill>
                             <a:srgbClr val="020302"/>
                           </a:solidFill>
@@ -6129,10 +5501,6 @@
                         </a:rPr>
                         <a:t>4</a:t>
                       </a:r>
-                      <a:endParaRPr sz="900">
-                        <a:latin typeface="AdobeClean-Light"/>
-                        <a:cs typeface="AdobeClean-Light"/>
-                      </a:endParaRPr>
                     </a:p>
                   </a:txBody>
                   <a:tcPr marL="0" marR="0" marT="57785" marB="0">
@@ -6162,7 +5530,7 @@
                         </a:spcBef>
                       </a:pPr>
                       <a:r>
-                        <a:rPr lang="en-US" sz="900">
+                        <a:rPr lang="fr-FR" sz="900">
                           <a:solidFill>
                             <a:srgbClr val="020302"/>
                           </a:solidFill>
@@ -6171,10 +5539,6 @@
                         </a:rPr>
                         <a:t>10</a:t>
                       </a:r>
-                      <a:endParaRPr sz="900">
-                        <a:latin typeface="AdobeClean-Light"/>
-                        <a:cs typeface="AdobeClean-Light"/>
-                      </a:endParaRPr>
                     </a:p>
                   </a:txBody>
                   <a:tcPr marL="0" marR="0" marT="57785" marB="0">
@@ -6191,13 +5555,13 @@
                   </a:ext>
                 </a:extLst>
               </a:tr>
-              <a:tr h="231561">
+              <a:tr h="153903">
                 <a:tc vMerge="1">
                   <a:txBody>
                     <a:bodyPr/>
                     <a:lstStyle/>
                     <a:p>
-                      <a:pPr marL="50800">
+                      <a:pPr marL="50800" algn="l" rtl="0">
                         <a:lnSpc>
                           <a:spcPct val="100000"/>
                         </a:lnSpc>
@@ -6246,19 +5610,15 @@
                         </a:spcBef>
                       </a:pPr>
                       <a:r>
-                        <a:rPr lang="en-US" sz="900" spc="0">
+                        <a:rPr lang="fr-FR" sz="900">
                           <a:solidFill>
                             <a:srgbClr val="020302"/>
                           </a:solidFill>
                           <a:latin typeface="AdobeClean-Light"/>
                           <a:cs typeface="AdobeClean-Light"/>
                         </a:rPr>
-                        <a:t>Live Telephone Support</a:t>
+                        <a:t>Assistance téléphonique en direct</a:t>
                       </a:r>
-                      <a:endParaRPr sz="900" spc="0">
-                        <a:latin typeface="AdobeClean-Light"/>
-                        <a:cs typeface="AdobeClean-Light"/>
-                      </a:endParaRPr>
                     </a:p>
                   </a:txBody>
                   <a:tcPr marL="0" marR="0" marT="57785" marB="0">
@@ -6281,7 +5641,7 @@
                     <a:bodyPr/>
                     <a:lstStyle/>
                     <a:p>
-                      <a:pPr algn="ctr">
+                      <a:pPr algn="l" rtl="0">
                         <a:lnSpc>
                           <a:spcPct val="100000"/>
                         </a:lnSpc>
@@ -6322,7 +5682,7 @@
                         </a:spcBef>
                       </a:pPr>
                       <a:r>
-                        <a:rPr sz="900">
+                        <a:rPr lang="fr-FR" sz="900">
                           <a:solidFill>
                             <a:srgbClr val="020302"/>
                           </a:solidFill>
@@ -6331,10 +5691,6 @@
                         </a:rPr>
                         <a:t></a:t>
                       </a:r>
-                      <a:endParaRPr sz="900">
-                        <a:latin typeface="Wingdings"/>
-                        <a:cs typeface="Wingdings"/>
-                      </a:endParaRPr>
                     </a:p>
                   </a:txBody>
                   <a:tcPr marL="0" marR="0" marT="59054" marB="0">
@@ -6351,13 +5707,13 @@
                   </a:ext>
                 </a:extLst>
               </a:tr>
-              <a:tr h="232310">
+              <a:tr h="154401">
                 <a:tc vMerge="1">
                   <a:txBody>
                     <a:bodyPr/>
                     <a:lstStyle/>
                     <a:p>
-                      <a:pPr marL="50800">
+                      <a:pPr marL="50800" algn="l" rtl="0">
                         <a:lnSpc>
                           <a:spcPct val="100000"/>
                         </a:lnSpc>
@@ -6406,19 +5762,15 @@
                         </a:spcBef>
                       </a:pPr>
                       <a:r>
-                        <a:rPr sz="900" spc="0">
+                        <a:rPr lang="fr-FR" sz="900">
                           <a:solidFill>
                             <a:srgbClr val="020302"/>
                           </a:solidFill>
                           <a:latin typeface="AdobeClean-Light"/>
                           <a:cs typeface="AdobeClean-Light"/>
                         </a:rPr>
-                        <a:t>Escalation Management</a:t>
+                        <a:t>Gestion des remontées d’informations</a:t>
                       </a:r>
-                      <a:endParaRPr sz="900" spc="0">
-                        <a:latin typeface="AdobeClean-Light"/>
-                        <a:cs typeface="AdobeClean-Light"/>
-                      </a:endParaRPr>
                     </a:p>
                   </a:txBody>
                   <a:tcPr marL="0" marR="0" marT="58419" marB="0">
@@ -6441,7 +5793,7 @@
                     <a:bodyPr/>
                     <a:lstStyle/>
                     <a:p>
-                      <a:pPr algn="ctr">
+                      <a:pPr algn="l" rtl="0">
                         <a:lnSpc>
                           <a:spcPct val="100000"/>
                         </a:lnSpc>
@@ -6482,7 +5834,7 @@
                         </a:spcBef>
                       </a:pPr>
                       <a:r>
-                        <a:rPr sz="900">
+                        <a:rPr lang="fr-FR" sz="900">
                           <a:solidFill>
                             <a:srgbClr val="020302"/>
                           </a:solidFill>
@@ -6491,10 +5843,6 @@
                         </a:rPr>
                         <a:t></a:t>
                       </a:r>
-                      <a:endParaRPr sz="900">
-                        <a:latin typeface="Wingdings"/>
-                        <a:cs typeface="Wingdings"/>
-                      </a:endParaRPr>
                     </a:p>
                   </a:txBody>
                   <a:tcPr marL="0" marR="0" marT="59690" marB="0">
@@ -6511,13 +5859,13 @@
                   </a:ext>
                 </a:extLst>
               </a:tr>
-              <a:tr h="229317">
+              <a:tr h="152412">
                 <a:tc vMerge="1">
                   <a:txBody>
                     <a:bodyPr/>
                     <a:lstStyle/>
                     <a:p>
-                      <a:pPr marL="50800">
+                      <a:pPr marL="50800" algn="l" rtl="0">
                         <a:lnSpc>
                           <a:spcPct val="100000"/>
                         </a:lnSpc>
@@ -6566,29 +5914,15 @@
                         </a:spcBef>
                       </a:pPr>
                       <a:r>
-                        <a:rPr sz="900" spc="0">
+                        <a:rPr lang="fr-FR" sz="900" dirty="0">
                           <a:solidFill>
                             <a:srgbClr val="020302"/>
                           </a:solidFill>
                           <a:latin typeface="AdobeClean-Light"/>
                           <a:cs typeface="AdobeClean-Light"/>
                         </a:rPr>
-                        <a:t>Service Reviews </a:t>
+                        <a:t>Examens de service par an</a:t>
                       </a:r>
-                      <a:r>
-                        <a:rPr lang="en-US" sz="900" spc="0">
-                          <a:solidFill>
-                            <a:srgbClr val="020302"/>
-                          </a:solidFill>
-                          <a:latin typeface="AdobeClean-Light"/>
-                          <a:cs typeface="AdobeClean-Light"/>
-                        </a:rPr>
-                        <a:t>per Year</a:t>
-                      </a:r>
-                      <a:endParaRPr sz="900" spc="0">
-                        <a:latin typeface="AdobeClean-Light"/>
-                        <a:cs typeface="AdobeClean-Light"/>
-                      </a:endParaRPr>
                     </a:p>
                   </a:txBody>
                   <a:tcPr marL="0" marR="0" marT="57150" marB="0">
@@ -6611,7 +5945,7 @@
                     <a:bodyPr/>
                     <a:lstStyle/>
                     <a:p>
-                      <a:pPr>
+                      <a:pPr algn="l" rtl="0">
                         <a:lnSpc>
                           <a:spcPct val="100000"/>
                         </a:lnSpc>
@@ -6646,16 +5980,12 @@
                         </a:lnSpc>
                       </a:pPr>
                       <a:r>
-                        <a:rPr lang="en-US" sz="900">
+                        <a:rPr lang="fr-FR" sz="900">
                           <a:latin typeface="Times New Roman"/>
                           <a:cs typeface="Times New Roman"/>
                         </a:rPr>
                         <a:t>2</a:t>
                       </a:r>
-                      <a:endParaRPr sz="900">
-                        <a:latin typeface="Times New Roman"/>
-                        <a:cs typeface="Times New Roman"/>
-                      </a:endParaRPr>
                     </a:p>
                   </a:txBody>
                   <a:tcPr marL="0" marR="0" marT="0" marB="0">
@@ -6672,7 +6002,7 @@
                   </a:ext>
                 </a:extLst>
               </a:tr>
-              <a:tr h="229317">
+              <a:tr h="152412">
                 <a:tc vMerge="1">
                   <a:txBody>
                     <a:bodyPr/>
@@ -6697,16 +6027,12 @@
                         </a:spcBef>
                       </a:pPr>
                       <a:r>
-                        <a:rPr lang="en-US" sz="900" spc="0">
+                        <a:rPr lang="fr-FR" sz="900">
                           <a:latin typeface="AdobeClean-Light"/>
                           <a:cs typeface="AdobeClean-Light"/>
                         </a:rPr>
-                        <a:t>Expert Sessions per Year</a:t>
+                        <a:t>Sessions d’experts par an</a:t>
                       </a:r>
-                      <a:endParaRPr sz="900" spc="0">
-                        <a:latin typeface="AdobeClean-Light"/>
-                        <a:cs typeface="AdobeClean-Light"/>
-                      </a:endParaRPr>
                     </a:p>
                   </a:txBody>
                   <a:tcPr marL="0" marR="0" marT="57150" marB="0">
@@ -6735,7 +6061,7 @@
                     <a:bodyPr/>
                     <a:lstStyle/>
                     <a:p>
-                      <a:pPr>
+                      <a:pPr algn="l" rtl="0">
                         <a:lnSpc>
                           <a:spcPct val="100000"/>
                         </a:lnSpc>
@@ -6770,16 +6096,12 @@
                         </a:lnSpc>
                       </a:pPr>
                       <a:r>
-                        <a:rPr lang="en-US" sz="900">
+                        <a:rPr lang="fr-FR" sz="900">
                           <a:latin typeface="Times New Roman"/>
                           <a:cs typeface="Times New Roman"/>
                         </a:rPr>
                         <a:t>2</a:t>
                       </a:r>
-                      <a:endParaRPr sz="900">
-                        <a:latin typeface="Times New Roman"/>
-                        <a:cs typeface="Times New Roman"/>
-                      </a:endParaRPr>
                     </a:p>
                   </a:txBody>
                   <a:tcPr marL="0" marR="0" marT="0" marB="0">
@@ -6796,7 +6118,7 @@
                   </a:ext>
                 </a:extLst>
               </a:tr>
-              <a:tr h="229317">
+              <a:tr h="152412">
                 <a:tc vMerge="1">
                   <a:txBody>
                     <a:bodyPr/>
@@ -6821,16 +6143,12 @@
                         </a:spcBef>
                       </a:pPr>
                       <a:r>
-                        <a:rPr lang="en-US" sz="900" spc="0">
+                        <a:rPr lang="fr-FR" sz="900">
                           <a:latin typeface="AdobeClean-Light"/>
                           <a:cs typeface="AdobeClean-Light"/>
                         </a:rPr>
-                        <a:t>Case Reviews</a:t>
+                        <a:t>Examens de cas</a:t>
                       </a:r>
-                      <a:endParaRPr sz="900" spc="0">
-                        <a:latin typeface="AdobeClean-Light"/>
-                        <a:cs typeface="AdobeClean-Light"/>
-                      </a:endParaRPr>
                     </a:p>
                   </a:txBody>
                   <a:tcPr marL="0" marR="0" marT="57150" marB="0">
@@ -6859,7 +6177,7 @@
                     <a:bodyPr/>
                     <a:lstStyle/>
                     <a:p>
-                      <a:pPr>
+                      <a:pPr algn="l" rtl="0">
                         <a:lnSpc>
                           <a:spcPct val="100000"/>
                         </a:lnSpc>
@@ -6906,7 +6224,7 @@
                         <a:defRPr/>
                       </a:pPr>
                       <a:r>
-                        <a:rPr lang="en-US" sz="900">
+                        <a:rPr lang="fr-FR" sz="900">
                           <a:solidFill>
                             <a:srgbClr val="020302"/>
                           </a:solidFill>
@@ -6915,10 +6233,6 @@
                         </a:rPr>
                         <a:t></a:t>
                       </a:r>
-                      <a:endParaRPr lang="en-US" sz="900">
-                        <a:latin typeface="Wingdings"/>
-                        <a:cs typeface="Wingdings"/>
-                      </a:endParaRPr>
                     </a:p>
                   </a:txBody>
                   <a:tcPr marL="0" marR="0" marT="0" marB="0">
@@ -6935,13 +6249,13 @@
                   </a:ext>
                 </a:extLst>
               </a:tr>
-              <a:tr h="230812">
+              <a:tr h="153405">
                 <a:tc vMerge="1">
                   <a:txBody>
                     <a:bodyPr/>
                     <a:lstStyle/>
                     <a:p>
-                      <a:pPr marL="48895">
+                      <a:pPr marL="48895" algn="l" rtl="0">
                         <a:lnSpc>
                           <a:spcPct val="100000"/>
                         </a:lnSpc>
@@ -6999,29 +6313,15 @@
                         </a:spcBef>
                       </a:pPr>
                       <a:r>
-                        <a:rPr sz="900" spc="0">
+                        <a:rPr lang="fr-FR" sz="900">
                           <a:solidFill>
                             <a:srgbClr val="020302"/>
                           </a:solidFill>
                           <a:latin typeface="AdobeClean-Light"/>
                           <a:cs typeface="AdobeClean-Light"/>
                         </a:rPr>
-                        <a:t>Event </a:t>
+                        <a:t>Gestion des événements</a:t>
                       </a:r>
-                      <a:r>
-                        <a:rPr lang="en-US" sz="900" spc="0">
-                          <a:solidFill>
-                            <a:srgbClr val="020302"/>
-                          </a:solidFill>
-                          <a:latin typeface="AdobeClean-Light"/>
-                          <a:cs typeface="AdobeClean-Light"/>
-                        </a:rPr>
-                        <a:t>Management</a:t>
-                      </a:r>
-                      <a:endParaRPr sz="900" spc="0">
-                        <a:latin typeface="AdobeClean-Light"/>
-                        <a:cs typeface="AdobeClean-Light"/>
-                      </a:endParaRPr>
                     </a:p>
                   </a:txBody>
                   <a:tcPr marL="0" marR="0" marT="58419" marB="0">
@@ -7050,7 +6350,7 @@
                     <a:bodyPr/>
                     <a:lstStyle/>
                     <a:p>
-                      <a:pPr>
+                      <a:pPr algn="l" rtl="0">
                         <a:lnSpc>
                           <a:spcPct val="100000"/>
                         </a:lnSpc>
@@ -7079,7 +6379,7 @@
                     <a:bodyPr/>
                     <a:lstStyle/>
                     <a:p>
-                      <a:pPr>
+                      <a:pPr algn="l" rtl="0">
                         <a:lnSpc>
                           <a:spcPct val="100000"/>
                         </a:lnSpc>
@@ -7104,13 +6404,13 @@
                   </a:ext>
                 </a:extLst>
               </a:tr>
-              <a:tr h="231562">
+              <a:tr h="153904">
                 <a:tc vMerge="1">
                   <a:txBody>
                     <a:bodyPr/>
                     <a:lstStyle/>
                     <a:p>
-                      <a:pPr marL="48895">
+                      <a:pPr marL="48895" algn="l" rtl="0">
                         <a:lnSpc>
                           <a:spcPct val="100000"/>
                         </a:lnSpc>
@@ -7159,39 +6459,15 @@
                         </a:spcBef>
                       </a:pPr>
                       <a:r>
-                        <a:rPr sz="900" spc="0">
+                        <a:rPr lang="fr-FR" sz="900" dirty="0">
                           <a:solidFill>
                             <a:srgbClr val="020302"/>
                           </a:solidFill>
                           <a:latin typeface="AdobeClean-Light"/>
                           <a:cs typeface="AdobeClean-Light"/>
                         </a:rPr>
-                        <a:t>Environment</a:t>
+                        <a:t>Examen, maintenance et surveillance de l’environnement</a:t>
                       </a:r>
-                      <a:r>
-                        <a:rPr lang="en-US" sz="900" spc="0">
-                          <a:solidFill>
-                            <a:srgbClr val="020302"/>
-                          </a:solidFill>
-                          <a:latin typeface="AdobeClean-Light"/>
-                          <a:cs typeface="AdobeClean-Light"/>
-                        </a:rPr>
-                        <a:t> </a:t>
-                      </a:r>
-                      <a:r>
-                        <a:rPr sz="900" spc="0">
-                          <a:solidFill>
-                            <a:srgbClr val="020302"/>
-                          </a:solidFill>
-                          <a:latin typeface="AdobeClean-Light"/>
-                          <a:cs typeface="AdobeClean-Light"/>
-                        </a:rPr>
-                        <a:t>Review, Maintenance &amp; Monitoring</a:t>
-                      </a:r>
-                      <a:endParaRPr sz="900" spc="0">
-                        <a:latin typeface="AdobeClean-Light"/>
-                        <a:cs typeface="AdobeClean-Light"/>
-                      </a:endParaRPr>
                     </a:p>
                   </a:txBody>
                   <a:tcPr marL="0" marR="0" marT="59055" marB="0">
@@ -7214,7 +6490,7 @@
                     <a:bodyPr/>
                     <a:lstStyle/>
                     <a:p>
-                      <a:pPr>
+                      <a:pPr algn="l" rtl="0">
                         <a:lnSpc>
                           <a:spcPct val="100000"/>
                         </a:lnSpc>
@@ -7243,7 +6519,7 @@
                     <a:bodyPr/>
                     <a:lstStyle/>
                     <a:p>
-                      <a:pPr>
+                      <a:pPr algn="l" rtl="0">
                         <a:lnSpc>
                           <a:spcPct val="100000"/>
                         </a:lnSpc>
@@ -7268,13 +6544,13 @@
                   </a:ext>
                 </a:extLst>
               </a:tr>
-              <a:tr h="236808">
+              <a:tr h="224526">
                 <a:tc vMerge="1">
                   <a:txBody>
                     <a:bodyPr/>
                     <a:lstStyle/>
                     <a:p>
-                      <a:pPr marL="49530">
+                      <a:pPr marL="49530" algn="l" rtl="0">
                         <a:lnSpc>
                           <a:spcPct val="100000"/>
                         </a:lnSpc>
@@ -7323,19 +6599,34 @@
                         </a:spcBef>
                       </a:pPr>
                       <a:r>
-                        <a:rPr sz="900" spc="0">
+                        <a:rPr lang="fr-FR" sz="900" dirty="0">
                           <a:solidFill>
                             <a:srgbClr val="020302"/>
                           </a:solidFill>
                           <a:latin typeface="AdobeClean-Light"/>
                           <a:cs typeface="AdobeClean-Light"/>
                         </a:rPr>
-                        <a:t>Release, Migration, Upgrade &amp; Product Roadmap Review</a:t>
+                        <a:t>Version, migration, mise à niveau et examen </a:t>
                       </a:r>
-                      <a:endParaRPr sz="900" spc="0">
-                        <a:latin typeface="AdobeClean-Light"/>
-                        <a:cs typeface="AdobeClean-Light"/>
-                      </a:endParaRPr>
+                      <a:br>
+                        <a:rPr lang="fr-FR" sz="900" dirty="0">
+                          <a:solidFill>
+                            <a:srgbClr val="020302"/>
+                          </a:solidFill>
+                          <a:latin typeface="AdobeClean-Light"/>
+                          <a:cs typeface="AdobeClean-Light"/>
+                        </a:rPr>
+                      </a:br>
+                      <a:r>
+                        <a:rPr lang="fr-FR" sz="900" dirty="0">
+                          <a:solidFill>
+                            <a:srgbClr val="020302"/>
+                          </a:solidFill>
+                          <a:latin typeface="AdobeClean-Light"/>
+                          <a:cs typeface="AdobeClean-Light"/>
+                        </a:rPr>
+                        <a:t>de la feuille de route du produit</a:t>
+                      </a:r>
                     </a:p>
                   </a:txBody>
                   <a:tcPr marL="0" marR="0" marT="63500" marB="0">
@@ -7358,7 +6649,7 @@
                     <a:bodyPr/>
                     <a:lstStyle/>
                     <a:p>
-                      <a:pPr>
+                      <a:pPr algn="l" rtl="0">
                         <a:lnSpc>
                           <a:spcPct val="100000"/>
                         </a:lnSpc>
@@ -7387,7 +6678,7 @@
                     <a:bodyPr/>
                     <a:lstStyle/>
                     <a:p>
-                      <a:pPr>
+                      <a:pPr algn="l" rtl="0">
                         <a:lnSpc>
                           <a:spcPct val="100000"/>
                         </a:lnSpc>
@@ -7412,13 +6703,13 @@
                   </a:ext>
                 </a:extLst>
               </a:tr>
-              <a:tr h="241305">
+              <a:tr h="182322">
                 <a:tc vMerge="1">
                   <a:txBody>
                     <a:bodyPr/>
                     <a:lstStyle/>
                     <a:p>
-                      <a:pPr marL="49530">
+                      <a:pPr marL="49530" algn="l" rtl="0">
                         <a:lnSpc>
                           <a:spcPct val="100000"/>
                         </a:lnSpc>
@@ -7476,11 +6767,11 @@
                         </a:spcBef>
                       </a:pPr>
                       <a:r>
-                        <a:rPr sz="900" spc="0">
+                        <a:rPr lang="fr-FR" sz="900">
                           <a:latin typeface="AdobeClean-Light"/>
                           <a:cs typeface="AdobeClean-Light"/>
                         </a:rPr>
-                        <a:t>Cloud Support Activities – Experience Manager as Cloud</a:t>
+                        <a:t>Activités d’assistance dans le Cloud - Experience Manager as Cloud</a:t>
                       </a:r>
                     </a:p>
                   </a:txBody>
@@ -7510,7 +6801,7 @@
                     <a:bodyPr/>
                     <a:lstStyle/>
                     <a:p>
-                      <a:pPr>
+                      <a:pPr algn="l" rtl="0">
                         <a:lnSpc>
                           <a:spcPct val="100000"/>
                         </a:lnSpc>
@@ -7566,7 +6857,7 @@
                         <a:defRPr/>
                       </a:pPr>
                       <a:r>
-                        <a:rPr lang="en-US" sz="900">
+                        <a:rPr lang="fr-FR" sz="900">
                           <a:solidFill>
                             <a:srgbClr val="020302"/>
                           </a:solidFill>
@@ -7575,13 +6866,9 @@
                         </a:rPr>
                         <a:t></a:t>
                       </a:r>
-                      <a:endParaRPr lang="en-US" sz="900">
-                        <a:latin typeface="Wingdings"/>
-                        <a:cs typeface="Wingdings"/>
-                      </a:endParaRPr>
                     </a:p>
                     <a:p>
-                      <a:pPr marL="0" marR="0" lvl="0" indent="0" algn="ctr" defTabSz="914400" eaLnBrk="1" fontAlgn="auto" latinLnBrk="0" hangingPunct="1">
+                      <a:pPr marL="0" marR="0" lvl="0" indent="0" algn="l" defTabSz="914400" rtl="0" eaLnBrk="1" fontAlgn="auto" latinLnBrk="0" hangingPunct="1">
                         <a:lnSpc>
                           <a:spcPct val="100000"/>
                         </a:lnSpc>
@@ -7629,7 +6916,7 @@
                   </a:ext>
                 </a:extLst>
               </a:tr>
-              <a:tr h="161868">
+              <a:tr h="107583">
                 <a:tc rowSpan="3">
                   <a:txBody>
                     <a:bodyPr/>
@@ -7644,22 +6931,15 @@
                         </a:spcBef>
                       </a:pPr>
                       <a:r>
-                        <a:rPr lang="en-US" sz="1000" b="1" i="0" spc="0">
+                        <a:rPr lang="fr-FR" sz="1000" b="1" i="0">
                           <a:solidFill>
                             <a:schemeClr val="bg1"/>
                           </a:solidFill>
                           <a:latin typeface="Adobe Clean" panose="020B0503020404020204" pitchFamily="34" charset="0"/>
                           <a:cs typeface="AdobeClean-Light"/>
                         </a:rPr>
-                        <a:t>Field Services</a:t>
+                        <a:t>Services de terrain</a:t>
                       </a:r>
-                      <a:endParaRPr sz="1000" b="1" i="0" spc="0">
-                        <a:solidFill>
-                          <a:schemeClr val="bg1"/>
-                        </a:solidFill>
-                        <a:latin typeface="Adobe Clean" panose="020B0503020404020204" pitchFamily="34" charset="0"/>
-                        <a:cs typeface="AdobeClean-Light"/>
-                      </a:endParaRPr>
                     </a:p>
                   </a:txBody>
                   <a:tcPr marL="0" marR="0" marT="48260" marB="0" anchor="ctr">
@@ -7712,14 +6992,14 @@
                         </a:spcBef>
                       </a:pPr>
                       <a:r>
-                        <a:rPr sz="900" spc="0">
+                        <a:rPr lang="fr-FR" sz="900">
                           <a:solidFill>
                             <a:srgbClr val="020302"/>
                           </a:solidFill>
                           <a:latin typeface="AdobeClean-Light"/>
                           <a:cs typeface="AdobeClean-Light"/>
                         </a:rPr>
-                        <a:t>Launch Advisory Services – First Year of new solution</a:t>
+                        <a:t>Services Launch Advisory - Première année de la nouvelle solution</a:t>
                       </a:r>
                     </a:p>
                   </a:txBody>
@@ -7759,7 +7039,7 @@
                     <a:bodyPr/>
                     <a:lstStyle/>
                     <a:p>
-                      <a:pPr>
+                      <a:pPr algn="l" rtl="0">
                         <a:lnSpc>
                           <a:spcPct val="100000"/>
                         </a:lnSpc>
@@ -7815,7 +7095,7 @@
                         <a:defRPr/>
                       </a:pPr>
                       <a:r>
-                        <a:rPr lang="en-US" sz="900">
+                        <a:rPr lang="fr-FR" sz="900">
                           <a:solidFill>
                             <a:srgbClr val="020302"/>
                           </a:solidFill>
@@ -7824,10 +7104,6 @@
                         </a:rPr>
                         <a:t></a:t>
                       </a:r>
-                      <a:endParaRPr lang="en-US" sz="900">
-                        <a:latin typeface="Wingdings"/>
-                        <a:cs typeface="Wingdings"/>
-                      </a:endParaRPr>
                     </a:p>
                   </a:txBody>
                   <a:tcPr marL="0" marR="0" marT="0" marB="0">
@@ -7948,7 +7224,7 @@
                         <a:defRPr/>
                       </a:pPr>
                       <a:r>
-                        <a:rPr lang="en-US" sz="900">
+                        <a:rPr lang="fr-FR" sz="900">
                           <a:solidFill>
                             <a:srgbClr val="020302"/>
                           </a:solidFill>
@@ -7957,10 +7233,6 @@
                         </a:rPr>
                         <a:t></a:t>
                       </a:r>
-                      <a:endParaRPr lang="en-US" sz="900">
-                        <a:latin typeface="Wingdings"/>
-                        <a:cs typeface="Wingdings"/>
-                      </a:endParaRPr>
                     </a:p>
                   </a:txBody>
                   <a:tcPr marL="0" marR="0" marT="0" marB="0">
@@ -7983,7 +7255,7 @@
                   </a:ext>
                 </a:extLst>
               </a:tr>
-              <a:tr h="195234">
+              <a:tr h="129759">
                 <a:tc vMerge="1">
                   <a:txBody>
                     <a:bodyPr/>
@@ -8017,11 +7289,11 @@
                         <a:defRPr/>
                       </a:pPr>
                       <a:r>
-                        <a:rPr lang="en-US" sz="900" spc="0">
+                        <a:rPr lang="fr-FR" sz="900" dirty="0">
                           <a:latin typeface="AdobeClean-Light"/>
                           <a:cs typeface="AdobeClean-Light"/>
                         </a:rPr>
-                        <a:t>Field Service Activities </a:t>
+                        <a:t>Activités du service de terrain </a:t>
                       </a:r>
                     </a:p>
                   </a:txBody>
@@ -8155,8 +7427,8 @@
         </p:nvSpPr>
         <p:spPr>
           <a:xfrm>
-            <a:off x="2835999" y="9021041"/>
-            <a:ext cx="2194560" cy="641201"/>
+            <a:off x="2835999" y="8722938"/>
+            <a:ext cx="2194560" cy="718145"/>
           </a:xfrm>
           <a:prstGeom prst="rect">
             <a:avLst/>
@@ -8180,154 +7452,33 @@
               </a:tabLst>
             </a:pPr>
             <a:r>
-              <a:rPr sz="1000" spc="-20" dirty="0">
+              <a:rPr lang="fr-FR" sz="900" dirty="0">
                 <a:solidFill>
                   <a:srgbClr val="020302"/>
                 </a:solidFill>
                 <a:latin typeface="AdobeClean-Light"/>
                 <a:cs typeface="AdobeClean-Light"/>
               </a:rPr>
-              <a:t>Start </a:t>
-            </a:r>
-            <a:r>
-              <a:rPr sz="1000" dirty="0">
+              <a:t>Commencez une session de conversation pour obtenir des réponses et de l’aide lors </a:t>
+            </a:r>
+            <a:br>
+              <a:rPr lang="fr-FR" sz="900" dirty="0">
                 <a:solidFill>
                   <a:srgbClr val="020302"/>
                 </a:solidFill>
                 <a:latin typeface="AdobeClean-Light"/>
                 <a:cs typeface="AdobeClean-Light"/>
               </a:rPr>
-              <a:t>a </a:t>
-            </a:r>
-            <a:r>
-              <a:rPr sz="1000" spc="-15" dirty="0">
+            </a:br>
+            <a:r>
+              <a:rPr lang="fr-FR" sz="900" dirty="0">
                 <a:solidFill>
                   <a:srgbClr val="020302"/>
                 </a:solidFill>
                 <a:latin typeface="AdobeClean-Light"/>
                 <a:cs typeface="AdobeClean-Light"/>
               </a:rPr>
-              <a:t>chat </a:t>
-            </a:r>
-            <a:r>
-              <a:rPr sz="1000" spc="-10" dirty="0">
-                <a:solidFill>
-                  <a:srgbClr val="020302"/>
-                </a:solidFill>
-                <a:latin typeface="AdobeClean-Light"/>
-                <a:cs typeface="AdobeClean-Light"/>
-              </a:rPr>
-              <a:t>session </a:t>
-            </a:r>
-            <a:r>
-              <a:rPr sz="1000" spc="-5" dirty="0">
-                <a:solidFill>
-                  <a:srgbClr val="020302"/>
-                </a:solidFill>
-                <a:latin typeface="AdobeClean-Light"/>
-                <a:cs typeface="AdobeClean-Light"/>
-              </a:rPr>
-              <a:t>to </a:t>
-            </a:r>
-            <a:r>
-              <a:rPr sz="1000" spc="-10" dirty="0">
-                <a:solidFill>
-                  <a:srgbClr val="020302"/>
-                </a:solidFill>
-                <a:latin typeface="AdobeClean-Light"/>
-                <a:cs typeface="AdobeClean-Light"/>
-              </a:rPr>
-              <a:t>get </a:t>
-            </a:r>
-            <a:r>
-              <a:rPr sz="1000" spc="-20" dirty="0">
-                <a:solidFill>
-                  <a:srgbClr val="020302"/>
-                </a:solidFill>
-                <a:latin typeface="AdobeClean-Light"/>
-                <a:cs typeface="AdobeClean-Light"/>
-              </a:rPr>
-              <a:t>answers</a:t>
-            </a:r>
-            <a:r>
-              <a:rPr lang="en-US" sz="1000" spc="-45" dirty="0">
-                <a:solidFill>
-                  <a:srgbClr val="020302"/>
-                </a:solidFill>
-                <a:latin typeface="AdobeClean-Light"/>
-                <a:cs typeface="AdobeClean-Light"/>
-              </a:rPr>
-              <a:t> </a:t>
-            </a:r>
-            <a:r>
-              <a:rPr lang="en-US" sz="1000" dirty="0">
-                <a:solidFill>
-                  <a:srgbClr val="020302"/>
-                </a:solidFill>
-                <a:latin typeface="AdobeClean-Light"/>
-                <a:cs typeface="AdobeClean-Light"/>
-              </a:rPr>
-              <a:t>&amp; </a:t>
-            </a:r>
-            <a:r>
-              <a:rPr sz="1000" spc="-15" dirty="0">
-                <a:solidFill>
-                  <a:srgbClr val="020302"/>
-                </a:solidFill>
-                <a:latin typeface="AdobeClean-Light"/>
-                <a:cs typeface="AdobeClean-Light"/>
-              </a:rPr>
-              <a:t>help </a:t>
-            </a:r>
-            <a:r>
-              <a:rPr sz="1000" spc="-10" dirty="0">
-                <a:solidFill>
-                  <a:srgbClr val="020302"/>
-                </a:solidFill>
-                <a:latin typeface="AdobeClean-Light"/>
-                <a:cs typeface="AdobeClean-Light"/>
-              </a:rPr>
-              <a:t>with</a:t>
-            </a:r>
-            <a:r>
-              <a:rPr sz="1000" spc="85" dirty="0">
-                <a:solidFill>
-                  <a:srgbClr val="020302"/>
-                </a:solidFill>
-                <a:latin typeface="AdobeClean-Light"/>
-                <a:cs typeface="AdobeClean-Light"/>
-              </a:rPr>
-              <a:t> </a:t>
-            </a:r>
-            <a:r>
-              <a:rPr sz="1000" spc="-10" dirty="0">
-                <a:solidFill>
-                  <a:srgbClr val="020302"/>
-                </a:solidFill>
-                <a:latin typeface="AdobeClean-Light"/>
-                <a:cs typeface="AdobeClean-Light"/>
-              </a:rPr>
-              <a:t>case </a:t>
-            </a:r>
-            <a:r>
-              <a:rPr sz="1000" spc="-20">
-                <a:solidFill>
-                  <a:srgbClr val="020302"/>
-                </a:solidFill>
-                <a:latin typeface="AdobeClean-Light"/>
-                <a:cs typeface="AdobeClean-Light"/>
-              </a:rPr>
-              <a:t>submission</a:t>
-            </a:r>
-            <a:r>
-              <a:rPr lang="en-US" sz="1000" spc="-20">
-                <a:solidFill>
-                  <a:srgbClr val="020302"/>
-                </a:solidFill>
-                <a:latin typeface="AdobeClean-Light"/>
-                <a:cs typeface="AdobeClean-Light"/>
-              </a:rPr>
-              <a:t>.</a:t>
+              <a:t>de l’envoi du cas.</a:t>
             </a:r>
           </a:p>
           <a:p>
@@ -8340,49 +7491,15 @@
               </a:tabLst>
             </a:pPr>
             <a:r>
-              <a:rPr sz="1000" i="1" spc="-10" dirty="0">
+              <a:rPr lang="fr-FR" sz="900" i="1" dirty="0">
                 <a:solidFill>
                   <a:srgbClr val="7A7A7A"/>
                 </a:solidFill>
                 <a:latin typeface="AdobeClean-LightIt"/>
                 <a:cs typeface="AdobeClean-LightIt"/>
               </a:rPr>
-              <a:t>*Not all </a:t>
-            </a:r>
-            <a:r>
-              <a:rPr sz="1000" i="1" spc="-20" dirty="0">
-                <a:solidFill>
-                  <a:srgbClr val="7A7A7A"/>
-                </a:solidFill>
-                <a:latin typeface="AdobeClean-LightIt"/>
-                <a:cs typeface="AdobeClean-LightIt"/>
-              </a:rPr>
-              <a:t>products have live chat support</a:t>
-            </a:r>
-            <a:r>
-              <a:rPr sz="900" i="1" spc="-20" dirty="0">
-                <a:solidFill>
-                  <a:srgbClr val="7A7A7A"/>
-                </a:solidFill>
-                <a:latin typeface="AdobeClean-LightIt"/>
-                <a:cs typeface="AdobeClean-LightIt"/>
-              </a:rPr>
-              <a:t>.</a:t>
-            </a:r>
-            <a:r>
-              <a:rPr lang="en-US" sz="900" i="1" spc="-20" dirty="0">
-                <a:solidFill>
-                  <a:srgbClr val="7A7A7A"/>
-                </a:solidFill>
-                <a:latin typeface="AdobeClean-LightIt"/>
-                <a:cs typeface="AdobeClean-LightIt"/>
-              </a:rPr>
-              <a:t>  </a:t>
-            </a:r>
-            <a:endParaRPr sz="900">
-              <a:latin typeface="AdobeClean-Light"/>
-              <a:cs typeface="AdobeClean-Light"/>
-            </a:endParaRPr>
+              <a:t>*Tous les produits ne bénéficient pas de l’assistance de messagerie instantanée.  </a:t>
+            </a:r>
           </a:p>
         </p:txBody>
       </p:sp>
@@ -8402,8 +7519,8 @@
         </p:nvSpPr>
         <p:spPr>
           <a:xfrm>
-            <a:off x="689237" y="6664838"/>
-            <a:ext cx="1568246" cy="184666"/>
+            <a:off x="689236" y="6427765"/>
+            <a:ext cx="1945241" cy="184666"/>
           </a:xfrm>
           <a:prstGeom prst="rect">
             <a:avLst/>
@@ -8429,12 +7546,12 @@
               <a:defRPr/>
             </a:pPr>
             <a:r>
-              <a:rPr lang="en-US" sz="1200">
+              <a:rPr lang="fr-FR" sz="1200" dirty="0">
                 <a:solidFill>
                   <a:srgbClr val="000000"/>
                 </a:solidFill>
               </a:rPr>
-              <a:t>Community Forums</a:t>
+              <a:t>Forums de la communauté</a:t>
             </a:r>
           </a:p>
         </p:txBody>
@@ -8455,8 +7572,8 @@
         </p:nvSpPr>
         <p:spPr>
           <a:xfrm>
-            <a:off x="689237" y="6868024"/>
-            <a:ext cx="959314" cy="184666"/>
+            <a:off x="689236" y="6630951"/>
+            <a:ext cx="1619623" cy="184666"/>
           </a:xfrm>
           <a:prstGeom prst="rect">
             <a:avLst/>
@@ -8477,12 +7594,12 @@
               </a:spcAft>
             </a:pPr>
             <a:r>
-              <a:rPr lang="en-US" sz="1200" b="1">
+              <a:rPr lang="fr-FR" sz="1200" b="1" dirty="0">
                 <a:latin typeface="+mj-lt"/>
                 <a:ea typeface="Open Sans" pitchFamily="34" charset="0"/>
                 <a:cs typeface="Open Sans" pitchFamily="34" charset="0"/>
               </a:rPr>
-              <a:t>Online Forums</a:t>
+              <a:t>Forums en ligne</a:t>
             </a:r>
           </a:p>
         </p:txBody>
@@ -8501,8 +7618,8 @@
         </p:nvSpPr>
         <p:spPr>
           <a:xfrm>
-            <a:off x="355868" y="7102087"/>
-            <a:ext cx="2194560" cy="959237"/>
+            <a:off x="355868" y="6865014"/>
+            <a:ext cx="2194560" cy="1005403"/>
           </a:xfrm>
           <a:prstGeom prst="rect">
             <a:avLst/>
@@ -8515,20 +7632,31 @@
           <a:lstStyle/>
           <a:p>
             <a:r>
-              <a:rPr lang="en-US" sz="1000" dirty="0">
+              <a:rPr lang="fr-FR" sz="900" dirty="0">
                 <a:solidFill>
                   <a:srgbClr val="4B4B4B"/>
                 </a:solidFill>
                 <a:latin typeface="Adobe Clean Light"/>
               </a:rPr>
-              <a:t>Continuous online access to a growing database of technical solutions, product documentation, FAQs and more. Connect with practitioners and other customers on Adobe Community to share best practices and lessons learned.</a:t>
-            </a:r>
-            <a:endParaRPr lang="en-US" sz="1000" dirty="0">
-              <a:solidFill>
-                <a:srgbClr val="4B4B4B"/>
-              </a:solidFill>
-              <a:latin typeface="Adobe Clean Light" panose="020B0303020404020204" pitchFamily="34" charset="0"/>
-            </a:endParaRPr>
+              <a:t>Accès en ligne permanent à une base de données croissante de solutions techniques, </a:t>
+            </a:r>
+            <a:br>
+              <a:rPr lang="fr-FR" sz="900" dirty="0">
+                <a:solidFill>
+                  <a:srgbClr val="4B4B4B"/>
+                </a:solidFill>
+                <a:latin typeface="Adobe Clean Light"/>
+              </a:rPr>
+            </a:br>
+            <a:r>
+              <a:rPr lang="fr-FR" sz="900" dirty="0">
+                <a:solidFill>
+                  <a:srgbClr val="4B4B4B"/>
+                </a:solidFill>
+                <a:latin typeface="Adobe Clean Light"/>
+              </a:rPr>
+              <a:t>de documentation sur les produits, de questions fréquentes, etc. Communiquez avec des professionnels et d’autres clients de la communauté Adobe pour partager les bonnes pratiques et les leçons apprises.</a:t>
+            </a:r>
           </a:p>
         </p:txBody>
       </p:sp>
@@ -8548,7 +7676,7 @@
         </p:nvSpPr>
         <p:spPr>
           <a:xfrm>
-            <a:off x="5723508" y="6664838"/>
+            <a:off x="5723508" y="6427765"/>
             <a:ext cx="1463040" cy="184666"/>
           </a:xfrm>
           <a:prstGeom prst="rect">
@@ -8575,7 +7703,7 @@
               <a:defRPr/>
             </a:pPr>
             <a:r>
-              <a:rPr lang="en-US" sz="1200">
+              <a:rPr lang="fr-FR" sz="1200">
                 <a:solidFill>
                   <a:srgbClr val="000000"/>
                 </a:solidFill>
@@ -8601,7 +7729,7 @@
         </p:nvSpPr>
         <p:spPr>
           <a:xfrm>
-            <a:off x="5723508" y="6868024"/>
+            <a:off x="5723508" y="6630951"/>
             <a:ext cx="1316707" cy="184666"/>
           </a:xfrm>
           <a:prstGeom prst="rect">
@@ -8623,12 +7751,12 @@
               </a:spcAft>
             </a:pPr>
             <a:r>
-              <a:rPr lang="en-US" sz="1200" b="1">
+              <a:rPr lang="fr-FR" sz="1200" b="1">
                 <a:latin typeface="+mj-lt"/>
                 <a:ea typeface="Open Sans" pitchFamily="34" charset="0"/>
                 <a:cs typeface="Open Sans" pitchFamily="34" charset="0"/>
               </a:rPr>
-              <a:t>Self-guided Journeys</a:t>
+              <a:t>Parcours auto-guidés</a:t>
             </a:r>
           </a:p>
         </p:txBody>
@@ -8647,8 +7775,8 @@
         </p:nvSpPr>
         <p:spPr>
           <a:xfrm>
-            <a:off x="5265661" y="7060285"/>
-            <a:ext cx="2194560" cy="1113125"/>
+            <a:off x="5265661" y="6823212"/>
+            <a:ext cx="2194560" cy="1005403"/>
           </a:xfrm>
           <a:prstGeom prst="rect">
             <a:avLst/>
@@ -8661,20 +7789,68 @@
           <a:lstStyle/>
           <a:p>
             <a:r>
-              <a:rPr lang="en-US" sz="1000" dirty="0">
+              <a:rPr lang="fr-FR" sz="900" dirty="0">
                 <a:solidFill>
                   <a:srgbClr val="4B4B4B"/>
                 </a:solidFill>
                 <a:latin typeface="Adobe Clean Light"/>
               </a:rPr>
-              <a:t>Experience Makers are made with Experience League. Customers can kickstart their Customer Experience Management abilities with personalized learning to develop skills, engage with a global community of peers, and earn career advancing recognition.</a:t>
-            </a:r>
-            <a:endParaRPr lang="en-US" sz="1000" dirty="0">
-              <a:solidFill>
-                <a:srgbClr val="4B4B4B"/>
-              </a:solidFill>
-              <a:latin typeface="Adobe Clean Light" panose="020B0303020404020204" pitchFamily="34" charset="0"/>
-            </a:endParaRPr>
+              <a:t>Les </a:t>
+            </a:r>
+            <a:r>
+              <a:rPr lang="fr-FR" sz="900" dirty="0" err="1">
+                <a:solidFill>
+                  <a:srgbClr val="4B4B4B"/>
+                </a:solidFill>
+                <a:latin typeface="Adobe Clean Light"/>
+              </a:rPr>
+              <a:t>Experience</a:t>
+            </a:r>
+            <a:r>
+              <a:rPr lang="fr-FR" sz="900" dirty="0">
+                <a:solidFill>
+                  <a:srgbClr val="4B4B4B"/>
+                </a:solidFill>
+                <a:latin typeface="Adobe Clean Light"/>
+              </a:rPr>
+              <a:t> </a:t>
+            </a:r>
+            <a:r>
+              <a:rPr lang="fr-FR" sz="900" dirty="0" err="1">
+                <a:solidFill>
+                  <a:srgbClr val="4B4B4B"/>
+                </a:solidFill>
+                <a:latin typeface="Adobe Clean Light"/>
+              </a:rPr>
+              <a:t>Makers</a:t>
+            </a:r>
+            <a:r>
+              <a:rPr lang="fr-FR" sz="900" dirty="0">
+                <a:solidFill>
+                  <a:srgbClr val="4B4B4B"/>
+                </a:solidFill>
+                <a:latin typeface="Adobe Clean Light"/>
+              </a:rPr>
+              <a:t> sont créées à l’aide d’</a:t>
+            </a:r>
+            <a:r>
+              <a:rPr lang="fr-FR" sz="900" dirty="0" err="1">
+                <a:solidFill>
+                  <a:srgbClr val="4B4B4B"/>
+                </a:solidFill>
+                <a:latin typeface="Adobe Clean Light"/>
+              </a:rPr>
+              <a:t>Experience</a:t>
+            </a:r>
+            <a:r>
+              <a:rPr lang="fr-FR" sz="900" dirty="0">
+                <a:solidFill>
+                  <a:srgbClr val="4B4B4B"/>
+                </a:solidFill>
+                <a:latin typeface="Adobe Clean Light"/>
+              </a:rPr>
+              <a:t> League. Les clients peuvent lancer leurs capacités de gestion de l’expérience client grâce à un apprentissage personnalisé permettant de développer leurs compétences, collaborer avec une communauté mondiale de pairs et gagner une reconnaissance de carrière.</a:t>
+            </a:r>
           </a:p>
         </p:txBody>
       </p:sp>
@@ -8694,8 +7870,8 @@
         </p:nvSpPr>
         <p:spPr>
           <a:xfrm>
-            <a:off x="3201544" y="8520784"/>
-            <a:ext cx="1543003" cy="184666"/>
+            <a:off x="3201544" y="8156228"/>
+            <a:ext cx="1543003" cy="369332"/>
           </a:xfrm>
           <a:prstGeom prst="rect">
             <a:avLst/>
@@ -8721,12 +7897,27 @@
               <a:defRPr/>
             </a:pPr>
             <a:r>
-              <a:rPr lang="en-US" sz="1200">
+              <a:rPr lang="fr-FR" sz="1200" dirty="0">
                 <a:solidFill>
                   <a:srgbClr val="000000"/>
                 </a:solidFill>
               </a:rPr>
-              <a:t>Live Chat  Support*</a:t>
+              <a:t>Assistance de </a:t>
+            </a:r>
+            <a:br>
+              <a:rPr lang="fr-FR" sz="1200" dirty="0">
+                <a:solidFill>
+                  <a:srgbClr val="000000"/>
+                </a:solidFill>
+              </a:rPr>
+            </a:br>
+            <a:r>
+              <a:rPr lang="fr-FR" sz="1200" dirty="0">
+                <a:solidFill>
+                  <a:srgbClr val="000000"/>
+                </a:solidFill>
+              </a:rPr>
+              <a:t>messagerie instantanée*</a:t>
             </a:r>
           </a:p>
         </p:txBody>
@@ -8747,7 +7938,7 @@
         </p:nvSpPr>
         <p:spPr>
           <a:xfrm>
-            <a:off x="3201544" y="8702003"/>
+            <a:off x="3201544" y="8490746"/>
             <a:ext cx="840166" cy="184666"/>
           </a:xfrm>
           <a:prstGeom prst="rect">
@@ -8769,12 +7960,12 @@
               </a:spcAft>
             </a:pPr>
             <a:r>
-              <a:rPr lang="en-US" sz="1200" b="1">
+              <a:rPr lang="fr-FR" sz="1200" b="1" dirty="0">
                 <a:latin typeface="+mj-lt"/>
                 <a:ea typeface="Open Sans" pitchFamily="34" charset="0"/>
                 <a:cs typeface="Open Sans" pitchFamily="34" charset="0"/>
               </a:rPr>
-              <a:t>Chat Support</a:t>
+              <a:t>Assistance de conversation</a:t>
             </a:r>
           </a:p>
         </p:txBody>
@@ -8795,7 +7986,7 @@
         </p:nvSpPr>
         <p:spPr>
           <a:xfrm>
-            <a:off x="3201544" y="6664838"/>
+            <a:off x="3201544" y="6427765"/>
             <a:ext cx="2520000" cy="184666"/>
           </a:xfrm>
           <a:prstGeom prst="rect">
@@ -8822,12 +8013,12 @@
               <a:defRPr/>
             </a:pPr>
             <a:r>
-              <a:rPr lang="en-US" sz="1200">
+              <a:rPr lang="fr-FR" sz="1200">
                 <a:solidFill>
                   <a:srgbClr val="000000"/>
                 </a:solidFill>
               </a:rPr>
-              <a:t>24X7 P1 </a:t>
+              <a:t>P1 24X7 </a:t>
             </a:r>
           </a:p>
         </p:txBody>
@@ -8848,7 +8039,7 @@
         </p:nvSpPr>
         <p:spPr>
           <a:xfrm>
-            <a:off x="3201544" y="6868024"/>
+            <a:off x="3201544" y="6630951"/>
             <a:ext cx="992259" cy="184666"/>
           </a:xfrm>
           <a:prstGeom prst="rect">
@@ -8870,12 +8061,12 @@
               </a:spcAft>
             </a:pPr>
             <a:r>
-              <a:rPr lang="en-US" sz="1200" b="1">
+              <a:rPr lang="fr-FR" sz="1200" b="1">
                 <a:latin typeface="+mj-lt"/>
                 <a:ea typeface="Open Sans" pitchFamily="34" charset="0"/>
                 <a:cs typeface="Open Sans" pitchFamily="34" charset="0"/>
               </a:rPr>
-              <a:t>Phone  Support</a:t>
+              <a:t>Assistance téléphonique</a:t>
             </a:r>
           </a:p>
         </p:txBody>
@@ -8894,8 +8085,8 @@
         </p:nvSpPr>
         <p:spPr>
           <a:xfrm>
-            <a:off x="2835999" y="7097788"/>
-            <a:ext cx="2194560" cy="805349"/>
+            <a:off x="2835999" y="6860715"/>
+            <a:ext cx="2194560" cy="866904"/>
           </a:xfrm>
           <a:prstGeom prst="rect">
             <a:avLst/>
@@ -8908,35 +8099,29 @@
           <a:lstStyle/>
           <a:p>
             <a:r>
-              <a:rPr lang="en-US" sz="1000">
+              <a:rPr lang="fr-FR" sz="900" dirty="0">
                 <a:solidFill>
                   <a:srgbClr val="020302"/>
                 </a:solidFill>
                 <a:latin typeface="AdobeClean-Light"/>
               </a:rPr>
-              <a:t>Authorized users or </a:t>
-            </a:r>
-            <a:r>
-              <a:rPr lang="en-US" sz="1000" b="1">
+              <a:t>Les utilisateurs autorisés ou les </a:t>
+            </a:r>
+            <a:r>
+              <a:rPr lang="fr-FR" sz="900" b="1" dirty="0">
                 <a:solidFill>
                   <a:srgbClr val="020302"/>
                 </a:solidFill>
                 <a:latin typeface="AdobeClean-Light"/>
               </a:rPr>
-              <a:t>Named Support Contacts </a:t>
-            </a:r>
-            <a:r>
-              <a:rPr lang="en-US" sz="1000">
+              <a:t>contacts d’assistance nommés </a:t>
+            </a:r>
+            <a:r>
+              <a:rPr lang="fr-FR" sz="900" dirty="0">
                 <a:latin typeface="Adobe Clean Light" panose="020B0303020404020204" pitchFamily="34" charset="0"/>
               </a:rPr>
-              <a:t>can submit issues through all available  channels (including phone for P1) and interact with our technical support team on behalf of your company. </a:t>
-            </a:r>
-            <a:endParaRPr lang="en-US" sz="1000">
-              <a:solidFill>
-                <a:srgbClr val="000000"/>
-              </a:solidFill>
-              <a:latin typeface="Adobe Clean Light" panose="020B0303020404020204" pitchFamily="34" charset="0"/>
-            </a:endParaRPr>
+              <a:t>peuvent communiquer des problèmes par l’intermédiaire de tous les canaux disponibles (y compris le téléphone pour P1) et interagir avec notre équipe d’assistance technique au nom de votre entreprise. </a:t>
+            </a:r>
           </a:p>
         </p:txBody>
       </p:sp>
@@ -8954,8 +8139,8 @@
         </p:nvSpPr>
         <p:spPr>
           <a:xfrm>
-            <a:off x="214971" y="6447157"/>
-            <a:ext cx="1848207" cy="45719"/>
+            <a:off x="214971" y="6210084"/>
+            <a:ext cx="2871480" cy="62862"/>
           </a:xfrm>
           <a:custGeom>
             <a:avLst/>
@@ -9002,7 +8187,7 @@
         </p:nvSpPr>
         <p:spPr>
           <a:xfrm>
-            <a:off x="214971" y="6124178"/>
+            <a:off x="214971" y="5847958"/>
             <a:ext cx="1901483" cy="307777"/>
           </a:xfrm>
           <a:prstGeom prst="rect">
@@ -9024,19 +8209,15 @@
               </a:spcBef>
             </a:pPr>
             <a:r>
-              <a:rPr lang="en-US" sz="1400" b="1" spc="-10">
+              <a:rPr lang="fr-FR" sz="1400" b="1">
                 <a:solidFill>
                   <a:srgbClr val="020302"/>
                 </a:solidFill>
                 <a:latin typeface="Adobe Clean"/>
                 <a:cs typeface="Adobe Clean"/>
               </a:rPr>
-              <a:t>Online Support Features</a:t>
-            </a:r>
-            <a:endParaRPr lang="en-US" sz="1400">
-              <a:latin typeface="Adobe Clean"/>
-              <a:cs typeface="Adobe Clean"/>
-            </a:endParaRPr>
+              <a:t>Fonctionnalités de l’assistance en ligne</a:t>
+            </a:r>
           </a:p>
         </p:txBody>
       </p:sp>
@@ -9056,7 +8237,7 @@
         </p:nvSpPr>
         <p:spPr>
           <a:xfrm>
-            <a:off x="689237" y="8520784"/>
+            <a:off x="689237" y="8222681"/>
             <a:ext cx="991521" cy="184666"/>
           </a:xfrm>
           <a:prstGeom prst="rect">
@@ -9083,13 +8264,26 @@
               <a:defRPr/>
             </a:pPr>
             <a:r>
-              <a:rPr lang="en-US" sz="1200">
+              <a:rPr lang="fr-FR" sz="1200" dirty="0">
                 <a:solidFill>
                   <a:srgbClr val="000000"/>
                 </a:solidFill>
               </a:rPr>
-              <a:t>Office Hours</a:t>
-            </a:r>
+              <a:t>Office </a:t>
+            </a:r>
+            <a:r>
+              <a:rPr lang="fr-FR" sz="1200" dirty="0" err="1">
+                <a:solidFill>
+                  <a:srgbClr val="000000"/>
+                </a:solidFill>
+              </a:rPr>
+              <a:t>Hours</a:t>
+            </a:r>
+            <a:endParaRPr lang="fr-FR" sz="1200" dirty="0">
+              <a:solidFill>
+                <a:srgbClr val="000000"/>
+              </a:solidFill>
+            </a:endParaRPr>
           </a:p>
         </p:txBody>
       </p:sp>
@@ -9109,7 +8303,7 @@
         </p:nvSpPr>
         <p:spPr>
           <a:xfrm>
-            <a:off x="689237" y="8702003"/>
+            <a:off x="689237" y="8403900"/>
             <a:ext cx="604974" cy="184666"/>
           </a:xfrm>
           <a:prstGeom prst="rect">
@@ -9131,12 +8325,12 @@
               </a:spcAft>
             </a:pPr>
             <a:r>
-              <a:rPr lang="en-US" sz="1200" b="1">
+              <a:rPr lang="fr-FR" sz="1200" b="1">
                 <a:latin typeface="+mj-lt"/>
                 <a:ea typeface="Open Sans" pitchFamily="34" charset="0"/>
                 <a:cs typeface="Open Sans" pitchFamily="34" charset="0"/>
               </a:rPr>
-              <a:t>Webinars</a:t>
+              <a:t>Webinaires</a:t>
             </a:r>
           </a:p>
         </p:txBody>
@@ -9155,8 +8349,8 @@
         </p:nvSpPr>
         <p:spPr>
           <a:xfrm>
-            <a:off x="355868" y="8986613"/>
-            <a:ext cx="2194560" cy="805349"/>
+            <a:off x="355868" y="8688510"/>
+            <a:ext cx="2194560" cy="866904"/>
           </a:xfrm>
           <a:prstGeom prst="rect">
             <a:avLst/>
@@ -9169,13 +8363,82 @@
           <a:lstStyle/>
           <a:p>
             <a:r>
-              <a:rPr lang="en-US" sz="1000">
+              <a:rPr lang="fr-FR" sz="900" dirty="0">
                 <a:solidFill>
                   <a:srgbClr val="4B4B4B"/>
                 </a:solidFill>
                 <a:latin typeface="Adobe Clean Light" panose="020B0303020404020204" pitchFamily="34" charset="0"/>
               </a:rPr>
-              <a:t>Office Hours led by the Adobe Customer Support team includes sessions designed to inform as well as help participants troubleshoot problems and provide tips and tricks for success with Adobe solutions. </a:t>
+              <a:t>« Office </a:t>
+            </a:r>
+            <a:r>
+              <a:rPr lang="fr-FR" sz="900" dirty="0" err="1">
+                <a:solidFill>
+                  <a:srgbClr val="4B4B4B"/>
+                </a:solidFill>
+                <a:latin typeface="Adobe Clean Light" panose="020B0303020404020204" pitchFamily="34" charset="0"/>
+              </a:rPr>
+              <a:t>Hours</a:t>
+            </a:r>
+            <a:r>
+              <a:rPr lang="fr-FR" sz="900" dirty="0">
+                <a:solidFill>
+                  <a:srgbClr val="4B4B4B"/>
+                </a:solidFill>
+                <a:latin typeface="Adobe Clean Light" panose="020B0303020404020204" pitchFamily="34" charset="0"/>
+              </a:rPr>
+              <a:t> », l’initiative menée par l’équipe </a:t>
+            </a:r>
+            <a:br>
+              <a:rPr lang="fr-FR" sz="900" dirty="0">
+                <a:solidFill>
+                  <a:srgbClr val="4B4B4B"/>
+                </a:solidFill>
+                <a:latin typeface="Adobe Clean Light" panose="020B0303020404020204" pitchFamily="34" charset="0"/>
+              </a:rPr>
+            </a:br>
+            <a:r>
+              <a:rPr lang="fr-FR" sz="900" dirty="0">
+                <a:solidFill>
+                  <a:srgbClr val="4B4B4B"/>
+                </a:solidFill>
+                <a:latin typeface="Adobe Clean Light" panose="020B0303020404020204" pitchFamily="34" charset="0"/>
+              </a:rPr>
+              <a:t>du service clientèle Adobe, comprend des sessions conçues pour informer les participants </a:t>
+            </a:r>
+            <a:br>
+              <a:rPr lang="fr-FR" sz="900" dirty="0">
+                <a:solidFill>
+                  <a:srgbClr val="4B4B4B"/>
+                </a:solidFill>
+                <a:latin typeface="Adobe Clean Light" panose="020B0303020404020204" pitchFamily="34" charset="0"/>
+              </a:rPr>
+            </a:br>
+            <a:r>
+              <a:rPr lang="fr-FR" sz="900" dirty="0">
+                <a:solidFill>
+                  <a:srgbClr val="4B4B4B"/>
+                </a:solidFill>
+                <a:latin typeface="Adobe Clean Light" panose="020B0303020404020204" pitchFamily="34" charset="0"/>
+              </a:rPr>
+              <a:t>et les aider à résoudre leurs problèmes. Elle offre également des conseils et astuces pour réussir </a:t>
+            </a:r>
+            <a:br>
+              <a:rPr lang="fr-FR" sz="900" dirty="0">
+                <a:solidFill>
+                  <a:srgbClr val="4B4B4B"/>
+                </a:solidFill>
+                <a:latin typeface="Adobe Clean Light" panose="020B0303020404020204" pitchFamily="34" charset="0"/>
+              </a:rPr>
+            </a:br>
+            <a:r>
+              <a:rPr lang="fr-FR" sz="900" dirty="0">
+                <a:solidFill>
+                  <a:srgbClr val="4B4B4B"/>
+                </a:solidFill>
+                <a:latin typeface="Adobe Clean Light" panose="020B0303020404020204" pitchFamily="34" charset="0"/>
+              </a:rPr>
+              <a:t>au mieux l’intégration des solutions Adobe. </a:t>
             </a:r>
           </a:p>
         </p:txBody>
@@ -9196,8 +8459,8 @@
         </p:nvSpPr>
         <p:spPr>
           <a:xfrm>
-            <a:off x="5723508" y="8520784"/>
-            <a:ext cx="1303746" cy="184666"/>
+            <a:off x="5723508" y="8222681"/>
+            <a:ext cx="1638401" cy="184666"/>
           </a:xfrm>
           <a:prstGeom prst="rect">
             <a:avLst/>
@@ -9223,12 +8486,12 @@
               <a:defRPr/>
             </a:pPr>
             <a:r>
-              <a:rPr lang="en-US" sz="1200">
+              <a:rPr lang="fr-FR" sz="1200" dirty="0">
                 <a:solidFill>
                   <a:srgbClr val="000000"/>
                 </a:solidFill>
               </a:rPr>
-              <a:t>Self-help Portals</a:t>
+              <a:t>Portail d’aide automatique</a:t>
             </a:r>
           </a:p>
         </p:txBody>
@@ -9249,7 +8512,7 @@
         </p:nvSpPr>
         <p:spPr>
           <a:xfrm>
-            <a:off x="5723508" y="8702003"/>
+            <a:off x="5723508" y="8403900"/>
             <a:ext cx="1267206" cy="184666"/>
           </a:xfrm>
           <a:prstGeom prst="rect">
@@ -9271,12 +8534,12 @@
               </a:spcAft>
             </a:pPr>
             <a:r>
-              <a:rPr lang="en-US" sz="1200" b="1">
+              <a:rPr lang="fr-FR" sz="1200" b="1">
                 <a:latin typeface="+mj-lt"/>
                 <a:ea typeface="Open Sans" pitchFamily="34" charset="0"/>
                 <a:cs typeface="Open Sans" pitchFamily="34" charset="0"/>
               </a:rPr>
-              <a:t>24/7 Support Portal</a:t>
+              <a:t>Portail d’assistance 24/7</a:t>
             </a:r>
           </a:p>
         </p:txBody>
@@ -9295,8 +8558,8 @@
         </p:nvSpPr>
         <p:spPr>
           <a:xfrm>
-            <a:off x="5265661" y="8947635"/>
-            <a:ext cx="2194560" cy="805349"/>
+            <a:off x="5265661" y="8649532"/>
+            <a:ext cx="2194560" cy="866904"/>
           </a:xfrm>
           <a:prstGeom prst="rect">
             <a:avLst/>
@@ -9309,16 +8572,16 @@
           <a:lstStyle/>
           <a:p>
             <a:r>
-              <a:rPr lang="en-US" sz="1000">
+              <a:rPr lang="fr-FR" sz="900" dirty="0">
                 <a:solidFill>
                   <a:srgbClr val="4B4B4B"/>
                 </a:solidFill>
                 <a:latin typeface="Adobe Clean Light" panose="020B0303020404020204" pitchFamily="34" charset="0"/>
               </a:rPr>
-              <a:t>On-demand access to the online </a:t>
+              <a:t>Accès à la demande au portail </a:t>
             </a:r>
             <a:br>
-              <a:rPr lang="en-US" sz="1000">
+              <a:rPr lang="fr-FR" sz="900" dirty="0">
                 <a:solidFill>
                   <a:srgbClr val="4B4B4B"/>
                 </a:solidFill>
@@ -9326,13 +8589,30 @@
               </a:rPr>
             </a:br>
             <a:r>
-              <a:rPr lang="en-US" sz="1000">
+              <a:rPr lang="fr-FR" sz="900" dirty="0">
                 <a:solidFill>
                   <a:srgbClr val="4B4B4B"/>
                 </a:solidFill>
                 <a:latin typeface="Adobe Clean Light" panose="020B0303020404020204" pitchFamily="34" charset="0"/>
               </a:rPr>
-              <a:t>Self-help Support Portal to submit support requests, review case status, and browse other resources, like our knowledgebase, news and alerts, featured tips, and more.</a:t>
+              <a:t>d’assistance d’aide automatique en ligne pour envoyer des demandes d’assistance, examiner </a:t>
+            </a:r>
+            <a:br>
+              <a:rPr lang="fr-FR" sz="900" dirty="0">
+                <a:solidFill>
+                  <a:srgbClr val="4B4B4B"/>
+                </a:solidFill>
+                <a:latin typeface="Adobe Clean Light" panose="020B0303020404020204" pitchFamily="34" charset="0"/>
+              </a:rPr>
+            </a:br>
+            <a:r>
+              <a:rPr lang="fr-FR" sz="900" dirty="0">
+                <a:solidFill>
+                  <a:srgbClr val="4B4B4B"/>
+                </a:solidFill>
+                <a:latin typeface="Adobe Clean Light" panose="020B0303020404020204" pitchFamily="34" charset="0"/>
+              </a:rPr>
+              <a:t>le statut des cas et parcourir d’autres ressources, telles que notre base de connaissances, les actualités et les alertes, les conseils présentés, etc.</a:t>
             </a:r>
           </a:p>
         </p:txBody>
@@ -9353,8 +8633,8 @@
         </p:nvSpPr>
         <p:spPr>
           <a:xfrm>
-            <a:off x="97788" y="9888626"/>
-            <a:ext cx="2245360" cy="133370"/>
+            <a:off x="97787" y="9888626"/>
+            <a:ext cx="3047595" cy="133370"/>
           </a:xfrm>
           <a:prstGeom prst="rect">
             <a:avLst/>
@@ -9466,36 +8746,24 @@
               </a:spcBef>
             </a:pPr>
             <a:r>
-              <a:rPr lang="en-US" spc="-10"/>
-              <a:t>©2021</a:t>
-            </a:r>
-            <a:r>
-              <a:rPr lang="en-US" spc="-5"/>
-              <a:t> Adobe. All</a:t>
-            </a:r>
-            <a:r>
-              <a:rPr lang="en-US" spc="-10"/>
-              <a:t> Rights</a:t>
-            </a:r>
-            <a:r>
-              <a:rPr lang="en-US" spc="-5"/>
+              <a:rPr lang="fr-FR" dirty="0"/>
+              <a:t>©2021 Adobe. All </a:t>
+            </a:r>
+            <a:r>
+              <a:rPr lang="fr-FR" dirty="0" err="1"/>
+              <a:t>Rights</a:t>
+            </a:r>
+            <a:r>
+              <a:rPr lang="fr-FR" dirty="0"/>
               <a:t> </a:t>
             </a:r>
             <a:r>
-              <a:rPr lang="en-US" spc="-10"/>
-              <a:t>Reserved.</a:t>
-            </a:r>
-            <a:r>
-              <a:rPr lang="en-US" spc="-5"/>
-              <a:t> Adobe</a:t>
-            </a:r>
-            <a:r>
-              <a:rPr lang="en-US" spc="60"/>
-              <a:t> </a:t>
-            </a:r>
-            <a:r>
-              <a:rPr lang="en-US" spc="-10"/>
-              <a:t>Confidential.</a:t>
+              <a:rPr lang="fr-FR" dirty="0" err="1"/>
+              <a:t>Reserved</a:t>
+            </a:r>
+            <a:r>
+              <a:rPr lang="fr-FR" dirty="0"/>
+              <a:t>. Données confidentielles Adobe</a:t>
             </a:r>
           </a:p>
         </p:txBody>
@@ -9514,8 +8782,8 @@
         </p:nvSpPr>
         <p:spPr>
           <a:xfrm>
-            <a:off x="214971" y="868681"/>
-            <a:ext cx="2103120" cy="45719"/>
+            <a:off x="214970" y="727763"/>
+            <a:ext cx="3435009" cy="107871"/>
           </a:xfrm>
           <a:custGeom>
             <a:avLst/>
@@ -9562,7 +8830,7 @@
         </p:nvSpPr>
         <p:spPr>
           <a:xfrm>
-            <a:off x="214971" y="530261"/>
+            <a:off x="214971" y="389343"/>
             <a:ext cx="2159245" cy="307777"/>
           </a:xfrm>
           <a:prstGeom prst="rect">
@@ -9584,19 +8852,15 @@
               </a:spcBef>
             </a:pPr>
             <a:r>
-              <a:rPr lang="en-US" sz="1400" b="1" spc="-10">
+              <a:rPr lang="fr-FR" sz="1400" b="1">
                 <a:solidFill>
                   <a:srgbClr val="020302"/>
                 </a:solidFill>
                 <a:latin typeface="Adobe Clean"/>
                 <a:cs typeface="Adobe Clean"/>
               </a:rPr>
-              <a:t>Enterprise Support Features</a:t>
-            </a:r>
-            <a:endParaRPr lang="en-US" sz="1400">
-              <a:latin typeface="Adobe Clean"/>
-              <a:cs typeface="Adobe Clean"/>
-            </a:endParaRPr>
+              <a:t>Fonctionnalités de l’assistance aux entreprises</a:t>
+            </a:r>
           </a:p>
         </p:txBody>
       </p:sp>
@@ -9614,7 +8878,7 @@
         </p:nvSpPr>
         <p:spPr>
           <a:xfrm>
-            <a:off x="689237" y="2603192"/>
+            <a:off x="689237" y="2379425"/>
             <a:ext cx="1555491" cy="197490"/>
           </a:xfrm>
           <a:prstGeom prst="rect">
@@ -9636,199 +8900,15 @@
               </a:spcBef>
             </a:pPr>
             <a:r>
-              <a:rPr sz="1200" b="1" spc="-25">
+              <a:rPr lang="fr-FR" sz="1200" b="1" dirty="0">
                 <a:solidFill>
                   <a:srgbClr val="020302"/>
                 </a:solidFill>
                 <a:latin typeface="Adobe Clean"/>
                 <a:cs typeface="Adobe Clean"/>
               </a:rPr>
-              <a:t>E</a:t>
-            </a:r>
-            <a:r>
-              <a:rPr sz="1200" b="1" spc="-20">
-                <a:solidFill>
-                  <a:srgbClr val="020302"/>
-                </a:solidFill>
-                <a:latin typeface="Adobe Clean"/>
-                <a:cs typeface="Adobe Clean"/>
-              </a:rPr>
-              <a:t>s</a:t>
-            </a:r>
-            <a:r>
-              <a:rPr sz="1200" b="1" spc="-30">
-                <a:solidFill>
-                  <a:srgbClr val="020302"/>
-                </a:solidFill>
-                <a:latin typeface="Adobe Clean"/>
-                <a:cs typeface="Adobe Clean"/>
-              </a:rPr>
-              <a:t>c</a:t>
-            </a:r>
-            <a:r>
-              <a:rPr sz="1200" b="1" spc="-20">
-                <a:solidFill>
-                  <a:srgbClr val="020302"/>
-                </a:solidFill>
-                <a:latin typeface="Adobe Clean"/>
-                <a:cs typeface="Adobe Clean"/>
-              </a:rPr>
-              <a:t>a</a:t>
-            </a:r>
-            <a:r>
-              <a:rPr sz="1200" b="1" spc="-25">
-                <a:solidFill>
-                  <a:srgbClr val="020302"/>
-                </a:solidFill>
-                <a:latin typeface="Adobe Clean"/>
-                <a:cs typeface="Adobe Clean"/>
-              </a:rPr>
-              <a:t>l</a:t>
-            </a:r>
-            <a:r>
-              <a:rPr sz="1200" b="1" spc="-20">
-                <a:solidFill>
-                  <a:srgbClr val="020302"/>
-                </a:solidFill>
-                <a:latin typeface="Adobe Clean"/>
-                <a:cs typeface="Adobe Clean"/>
-              </a:rPr>
-              <a:t>a</a:t>
-            </a:r>
-            <a:r>
-              <a:rPr sz="1200" b="1" spc="-25">
-                <a:solidFill>
-                  <a:srgbClr val="020302"/>
-                </a:solidFill>
-                <a:latin typeface="Adobe Clean"/>
-                <a:cs typeface="Adobe Clean"/>
-              </a:rPr>
-              <a:t>t</a:t>
-            </a:r>
-            <a:r>
-              <a:rPr sz="1200" b="1" spc="-20">
-                <a:solidFill>
-                  <a:srgbClr val="020302"/>
-                </a:solidFill>
-                <a:latin typeface="Adobe Clean"/>
-                <a:cs typeface="Adobe Clean"/>
-              </a:rPr>
-              <a:t>i</a:t>
-            </a:r>
-            <a:r>
-              <a:rPr sz="1200" b="1" spc="-15">
-                <a:solidFill>
-                  <a:srgbClr val="020302"/>
-                </a:solidFill>
-                <a:latin typeface="Adobe Clean"/>
-                <a:cs typeface="Adobe Clean"/>
-              </a:rPr>
-              <a:t>o</a:t>
-            </a:r>
-            <a:r>
-              <a:rPr sz="1200" b="1">
-                <a:solidFill>
-                  <a:srgbClr val="020302"/>
-                </a:solidFill>
-                <a:latin typeface="Adobe Clean"/>
-                <a:cs typeface="Adobe Clean"/>
-              </a:rPr>
-              <a:t>n</a:t>
-            </a:r>
-            <a:r>
-              <a:rPr sz="1200" b="1" spc="-55">
-                <a:solidFill>
-                  <a:srgbClr val="020302"/>
-                </a:solidFill>
-                <a:latin typeface="Adobe Clean"/>
-                <a:cs typeface="Adobe Clean"/>
-              </a:rPr>
-              <a:t> </a:t>
-            </a:r>
-            <a:r>
-              <a:rPr sz="1200" b="1" spc="-35">
-                <a:solidFill>
-                  <a:srgbClr val="020302"/>
-                </a:solidFill>
-                <a:latin typeface="Adobe Clean"/>
-                <a:cs typeface="Adobe Clean"/>
-              </a:rPr>
-              <a:t>M</a:t>
-            </a:r>
-            <a:r>
-              <a:rPr sz="1200" b="1" spc="-25">
-                <a:solidFill>
-                  <a:srgbClr val="020302"/>
-                </a:solidFill>
-                <a:latin typeface="Adobe Clean"/>
-                <a:cs typeface="Adobe Clean"/>
-              </a:rPr>
-              <a:t>a</a:t>
-            </a:r>
-            <a:r>
-              <a:rPr sz="1200" b="1" spc="-30">
-                <a:solidFill>
-                  <a:srgbClr val="020302"/>
-                </a:solidFill>
-                <a:latin typeface="Adobe Clean"/>
-                <a:cs typeface="Adobe Clean"/>
-              </a:rPr>
-              <a:t>n</a:t>
-            </a:r>
-            <a:r>
-              <a:rPr sz="1200" b="1" spc="-25">
-                <a:solidFill>
-                  <a:srgbClr val="020302"/>
-                </a:solidFill>
-                <a:latin typeface="Adobe Clean"/>
-                <a:cs typeface="Adobe Clean"/>
-              </a:rPr>
-              <a:t>a</a:t>
-            </a:r>
-            <a:r>
-              <a:rPr sz="1200" b="1" spc="-30">
-                <a:solidFill>
-                  <a:srgbClr val="020302"/>
-                </a:solidFill>
-                <a:latin typeface="Adobe Clean"/>
-                <a:cs typeface="Adobe Clean"/>
-              </a:rPr>
-              <a:t>ge</a:t>
-            </a:r>
-            <a:r>
-              <a:rPr sz="1200" b="1" spc="-25">
-                <a:solidFill>
-                  <a:srgbClr val="020302"/>
-                </a:solidFill>
-                <a:latin typeface="Adobe Clean"/>
-                <a:cs typeface="Adobe Clean"/>
-              </a:rPr>
-              <a:t>m</a:t>
-            </a:r>
-            <a:r>
-              <a:rPr sz="1200" b="1" spc="-30">
-                <a:solidFill>
-                  <a:srgbClr val="020302"/>
-                </a:solidFill>
-                <a:latin typeface="Adobe Clean"/>
-                <a:cs typeface="Adobe Clean"/>
-              </a:rPr>
-              <a:t>en</a:t>
-            </a:r>
-            <a:r>
-              <a:rPr sz="1200" b="1">
-                <a:solidFill>
-                  <a:srgbClr val="020302"/>
-                </a:solidFill>
-                <a:latin typeface="Adobe Clean"/>
-                <a:cs typeface="Adobe Clean"/>
-              </a:rPr>
-              <a:t>t</a:t>
-            </a:r>
-            <a:endParaRPr sz="1200">
-              <a:latin typeface="Adobe Clean"/>
-              <a:cs typeface="Adobe Clean"/>
-            </a:endParaRPr>
+              <a:t>Gestion des remontées d’informations</a:t>
+            </a:r>
           </a:p>
         </p:txBody>
       </p:sp>
@@ -9846,8 +8926,8 @@
         </p:nvSpPr>
         <p:spPr>
           <a:xfrm>
-            <a:off x="355868" y="2923693"/>
-            <a:ext cx="2194560" cy="782265"/>
+            <a:off x="355868" y="2782775"/>
+            <a:ext cx="2194560" cy="843821"/>
           </a:xfrm>
           <a:prstGeom prst="rect">
             <a:avLst/>
@@ -9868,18 +8948,14 @@
               </a:spcBef>
             </a:pPr>
             <a:r>
-              <a:rPr lang="en-US" sz="1000">
+              <a:rPr lang="fr-FR" sz="900">
                 <a:solidFill>
                   <a:srgbClr val="4B4B4B"/>
                 </a:solidFill>
                 <a:latin typeface="Adobe Clean Light" panose="020B0303020404020204" pitchFamily="34" charset="0"/>
               </a:rPr>
-              <a:t>A designated point of contact within Adobe who can provide escalation assistance, regular updates and ensure priority is given to your most critical open support requests.</a:t>
-            </a:r>
-            <a:endParaRPr sz="1000">
-              <a:latin typeface="Adobe Clean Light" panose="020B0303020404020204" pitchFamily="34" charset="0"/>
-              <a:cs typeface="AdobeClean-Light"/>
-            </a:endParaRPr>
+              <a:t>Il s’agit d’un point de contact désigné au sein d’Adobe pouvant fournir une assistance en matière de remontées d’informations, des mises à jour régulières et s’assurant que la priorité est mise sur vos demandes d’assistance ouvertes les plus importantes.</a:t>
+            </a:r>
           </a:p>
         </p:txBody>
       </p:sp>
@@ -9897,8 +8973,8 @@
         </p:nvSpPr>
         <p:spPr>
           <a:xfrm>
-            <a:off x="3201544" y="2592995"/>
-            <a:ext cx="1036205" cy="197490"/>
+            <a:off x="3145383" y="2452077"/>
+            <a:ext cx="1439036" cy="197490"/>
           </a:xfrm>
           <a:prstGeom prst="rect">
             <a:avLst/>
@@ -9919,149 +8995,15 @@
               </a:spcBef>
             </a:pPr>
             <a:r>
-              <a:rPr sz="1200" b="1" spc="-20">
+              <a:rPr lang="fr-FR" sz="1200" b="1" dirty="0">
                 <a:solidFill>
                   <a:srgbClr val="020302"/>
                 </a:solidFill>
                 <a:latin typeface="Adobe Clean"/>
                 <a:cs typeface="Adobe Clean"/>
               </a:rPr>
-              <a:t>S</a:t>
-            </a:r>
-            <a:r>
-              <a:rPr sz="1200" b="1" spc="-25">
-                <a:solidFill>
-                  <a:srgbClr val="020302"/>
-                </a:solidFill>
-                <a:latin typeface="Adobe Clean"/>
-                <a:cs typeface="Adobe Clean"/>
-              </a:rPr>
-              <a:t>e</a:t>
-            </a:r>
-            <a:r>
-              <a:rPr sz="1200" b="1" spc="-20">
-                <a:solidFill>
-                  <a:srgbClr val="020302"/>
-                </a:solidFill>
-                <a:latin typeface="Adobe Clean"/>
-                <a:cs typeface="Adobe Clean"/>
-              </a:rPr>
-              <a:t>r</a:t>
-            </a:r>
-            <a:r>
-              <a:rPr sz="1200" b="1" spc="-25">
-                <a:solidFill>
-                  <a:srgbClr val="020302"/>
-                </a:solidFill>
-                <a:latin typeface="Adobe Clean"/>
-                <a:cs typeface="Adobe Clean"/>
-              </a:rPr>
-              <a:t>v</a:t>
-            </a:r>
-            <a:r>
-              <a:rPr sz="1200" b="1" spc="-20">
-                <a:solidFill>
-                  <a:srgbClr val="020302"/>
-                </a:solidFill>
-                <a:latin typeface="Adobe Clean"/>
-                <a:cs typeface="Adobe Clean"/>
-              </a:rPr>
-              <a:t>i</a:t>
-            </a:r>
-            <a:r>
-              <a:rPr sz="1200" b="1" spc="-30">
-                <a:solidFill>
-                  <a:srgbClr val="020302"/>
-                </a:solidFill>
-                <a:latin typeface="Adobe Clean"/>
-                <a:cs typeface="Adobe Clean"/>
-              </a:rPr>
-              <a:t>c</a:t>
-            </a:r>
-            <a:r>
-              <a:rPr sz="1200" b="1">
-                <a:solidFill>
-                  <a:srgbClr val="020302"/>
-                </a:solidFill>
-                <a:latin typeface="Adobe Clean"/>
-                <a:cs typeface="Adobe Clean"/>
-              </a:rPr>
-              <a:t>e</a:t>
-            </a:r>
-            <a:r>
-              <a:rPr sz="1200" b="1" spc="-80">
-                <a:solidFill>
-                  <a:srgbClr val="020302"/>
-                </a:solidFill>
-                <a:latin typeface="Adobe Clean"/>
-                <a:cs typeface="Adobe Clean"/>
-              </a:rPr>
-              <a:t> </a:t>
-            </a:r>
-            <a:r>
-              <a:rPr sz="1200" b="1" spc="-20">
-                <a:solidFill>
-                  <a:srgbClr val="020302"/>
-                </a:solidFill>
-                <a:latin typeface="Adobe Clean"/>
-                <a:cs typeface="Adobe Clean"/>
-              </a:rPr>
-              <a:t>R</a:t>
-            </a:r>
-            <a:r>
-              <a:rPr sz="1200" b="1" spc="-25">
-                <a:solidFill>
-                  <a:srgbClr val="020302"/>
-                </a:solidFill>
-                <a:latin typeface="Adobe Clean"/>
-                <a:cs typeface="Adobe Clean"/>
-              </a:rPr>
-              <a:t>e</a:t>
-            </a:r>
-            <a:r>
-              <a:rPr sz="1200" b="1" spc="-30">
-                <a:solidFill>
-                  <a:srgbClr val="020302"/>
-                </a:solidFill>
-                <a:latin typeface="Adobe Clean"/>
-                <a:cs typeface="Adobe Clean"/>
-              </a:rPr>
-              <a:t>v</a:t>
-            </a:r>
-            <a:r>
-              <a:rPr sz="1200" b="1" spc="-20">
-                <a:solidFill>
-                  <a:srgbClr val="020302"/>
-                </a:solidFill>
-                <a:latin typeface="Adobe Clean"/>
-                <a:cs typeface="Adobe Clean"/>
-              </a:rPr>
-              <a:t>i</a:t>
-            </a:r>
-            <a:r>
-              <a:rPr sz="1200" b="1" spc="-25">
-                <a:solidFill>
-                  <a:srgbClr val="020302"/>
-                </a:solidFill>
-                <a:latin typeface="Adobe Clean"/>
-                <a:cs typeface="Adobe Clean"/>
-              </a:rPr>
-              <a:t>ew</a:t>
-            </a:r>
-            <a:r>
-              <a:rPr sz="1200" b="1">
-                <a:solidFill>
-                  <a:srgbClr val="020302"/>
-                </a:solidFill>
-                <a:latin typeface="Adobe Clean"/>
-                <a:cs typeface="Adobe Clean"/>
-              </a:rPr>
-              <a:t>s</a:t>
-            </a:r>
-            <a:endParaRPr sz="1200">
-              <a:latin typeface="Adobe Clean"/>
-              <a:cs typeface="Adobe Clean"/>
-            </a:endParaRPr>
+              <a:t>Examens de service</a:t>
+            </a:r>
           </a:p>
         </p:txBody>
       </p:sp>
@@ -10079,8 +9021,8 @@
         </p:nvSpPr>
         <p:spPr>
           <a:xfrm>
-            <a:off x="2835999" y="2921585"/>
-            <a:ext cx="2194560" cy="474489"/>
+            <a:off x="2779838" y="2780667"/>
+            <a:ext cx="2194560" cy="428322"/>
           </a:xfrm>
           <a:prstGeom prst="rect">
             <a:avLst/>
@@ -10101,18 +9043,14 @@
               </a:spcBef>
             </a:pPr>
             <a:r>
-              <a:rPr lang="en-US" sz="1000">
+              <a:rPr lang="fr-FR" sz="900" dirty="0">
                 <a:solidFill>
                   <a:srgbClr val="4B4B4B"/>
                 </a:solidFill>
                 <a:latin typeface="Adobe Clean Light" panose="020B0303020404020204" pitchFamily="34" charset="0"/>
               </a:rPr>
-              <a:t>A bi-annual comprehensive review of  Enterprise program services, benefits and support metrics.</a:t>
-            </a:r>
-            <a:endParaRPr sz="1000">
-              <a:latin typeface="Adobe Clean Light" panose="020B0303020404020204" pitchFamily="34" charset="0"/>
-              <a:cs typeface="AdobeClean-Light"/>
-            </a:endParaRPr>
+              <a:t>Il s’agit d’un examen semestriel complet des services, avantages et mesures d’assistance liés au programme pour les entreprises.</a:t>
+            </a:r>
           </a:p>
         </p:txBody>
       </p:sp>
@@ -10130,8 +9068,8 @@
         </p:nvSpPr>
         <p:spPr>
           <a:xfrm>
-            <a:off x="5265661" y="1426694"/>
-            <a:ext cx="2194560" cy="628377"/>
+            <a:off x="5209500" y="1285776"/>
+            <a:ext cx="2102879" cy="566822"/>
           </a:xfrm>
           <a:prstGeom prst="rect">
             <a:avLst/>
@@ -10152,18 +9090,31 @@
               </a:spcBef>
             </a:pPr>
             <a:r>
-              <a:rPr lang="en-US" sz="1000">
+              <a:rPr lang="fr-FR" sz="900" dirty="0">
                 <a:solidFill>
                   <a:srgbClr val="4B4B4B"/>
                 </a:solidFill>
                 <a:latin typeface="Adobe Clean Light" panose="020B0303020404020204" pitchFamily="34" charset="0"/>
               </a:rPr>
-              <a:t>A 60-minute session focusing on a specific product feature and how it can be utilized to solve common business problems.</a:t>
-            </a:r>
-            <a:endParaRPr sz="1000">
-              <a:latin typeface="Adobe Clean Light" panose="020B0303020404020204" pitchFamily="34" charset="0"/>
-              <a:cs typeface="AdobeClean-Light"/>
-            </a:endParaRPr>
+              <a:t>Il s’agit d’une session de 60 minutes consacrée à une fonctionnalité de produit spécifique </a:t>
+            </a:r>
+            <a:br>
+              <a:rPr lang="fr-FR" sz="900" dirty="0">
+                <a:solidFill>
+                  <a:srgbClr val="4B4B4B"/>
+                </a:solidFill>
+                <a:latin typeface="Adobe Clean Light" panose="020B0303020404020204" pitchFamily="34" charset="0"/>
+              </a:rPr>
+            </a:br>
+            <a:r>
+              <a:rPr lang="fr-FR" sz="900" dirty="0">
+                <a:solidFill>
+                  <a:srgbClr val="4B4B4B"/>
+                </a:solidFill>
+                <a:latin typeface="Adobe Clean Light" panose="020B0303020404020204" pitchFamily="34" charset="0"/>
+              </a:rPr>
+              <a:t>et à son utilisation pour résoudre des problèmes d’entreprise courants.</a:t>
+            </a:r>
           </a:p>
         </p:txBody>
       </p:sp>
@@ -10181,8 +9132,8 @@
         </p:nvSpPr>
         <p:spPr>
           <a:xfrm>
-            <a:off x="5265661" y="5001737"/>
-            <a:ext cx="2194560" cy="536622"/>
+            <a:off x="5147551" y="5001737"/>
+            <a:ext cx="2194560" cy="483209"/>
           </a:xfrm>
           <a:prstGeom prst="rect">
             <a:avLst/>
@@ -10203,20 +9154,31 @@
               </a:spcBef>
             </a:pPr>
             <a:r>
-              <a:rPr lang="en-US" sz="1000" dirty="0">
+              <a:rPr lang="fr-FR" sz="900" dirty="0">
                 <a:solidFill>
                   <a:srgbClr val="4B4B4B"/>
                 </a:solidFill>
                 <a:latin typeface="Adobe Clean Light"/>
               </a:rPr>
-              <a:t>Drive adoption of customization best practices and core components in AEM as a Cloud Service.</a:t>
-            </a:r>
-            <a:endParaRPr sz="1000" dirty="0">
-              <a:solidFill>
-                <a:srgbClr val="4B4B4B"/>
-              </a:solidFill>
-              <a:latin typeface="Adobe Clean Light" panose="020B0303020404020204" pitchFamily="34" charset="0"/>
-            </a:endParaRPr>
+              <a:t>Encouragez l’adoption des bonnes pratiques </a:t>
+            </a:r>
+            <a:br>
+              <a:rPr lang="fr-FR" sz="900" dirty="0">
+                <a:solidFill>
+                  <a:srgbClr val="4B4B4B"/>
+                </a:solidFill>
+                <a:latin typeface="Adobe Clean Light"/>
+              </a:rPr>
+            </a:br>
+            <a:r>
+              <a:rPr lang="fr-FR" sz="900" dirty="0">
+                <a:solidFill>
+                  <a:srgbClr val="4B4B4B"/>
+                </a:solidFill>
+                <a:latin typeface="Adobe Clean Light"/>
+              </a:rPr>
+              <a:t>de personnalisation et des composants principaux dans AEM as a Cloud Service.</a:t>
+            </a:r>
           </a:p>
         </p:txBody>
       </p:sp>
@@ -10234,8 +9196,8 @@
         </p:nvSpPr>
         <p:spPr>
           <a:xfrm>
-            <a:off x="2835999" y="4994097"/>
-            <a:ext cx="2194560" cy="720903"/>
+            <a:off x="2717889" y="4994097"/>
+            <a:ext cx="2194560" cy="648960"/>
           </a:xfrm>
           <a:prstGeom prst="rect">
             <a:avLst/>
@@ -10256,20 +9218,14 @@
               </a:spcBef>
             </a:pPr>
             <a:r>
-              <a:rPr lang="en-US" sz="1000" dirty="0">
+              <a:rPr lang="fr-FR" sz="900">
                 <a:solidFill>
                   <a:srgbClr val="4B4B4B"/>
                 </a:solidFill>
                 <a:latin typeface="Adobe Clean Light"/>
               </a:rPr>
-              <a:t>Identify, review and provide recommendations on customized solution adoption areas that have opportunities for optimization.</a:t>
-            </a:r>
-            <a:endParaRPr lang="en-US" sz="1000" dirty="0">
-              <a:solidFill>
-                <a:srgbClr val="4B4B4B"/>
-              </a:solidFill>
-              <a:latin typeface="Adobe Clean Light" panose="020B0303020404020204" pitchFamily="34" charset="0"/>
-            </a:endParaRPr>
+              <a:t>Identifiez, examinez et fournissez des recommandations sur les domaines d’adoption de solutions personnalisées qui offrent des opportunités d’optimisation.</a:t>
+            </a:r>
           </a:p>
         </p:txBody>
       </p:sp>
@@ -10288,7 +9244,7 @@
         <p:spPr>
           <a:xfrm>
             <a:off x="355868" y="4947989"/>
-            <a:ext cx="2194560" cy="717376"/>
+            <a:ext cx="2194560" cy="810991"/>
           </a:xfrm>
           <a:prstGeom prst="rect">
             <a:avLst/>
@@ -10309,20 +9265,65 @@
               </a:spcBef>
             </a:pPr>
             <a:r>
-              <a:rPr lang="en-US" sz="1000" dirty="0">
+              <a:rPr lang="fr-FR" sz="900" dirty="0">
                 <a:solidFill>
                   <a:srgbClr val="4B4B4B"/>
                 </a:solidFill>
                 <a:latin typeface="Adobe Clean Light"/>
               </a:rPr>
-              <a:t>Technical &amp; operational governance to assist AEM as a Cloud Service Customers in adhering to industry standards and best practices for AEM as a Cloud Service.</a:t>
-            </a:r>
-            <a:endParaRPr sz="1000" dirty="0">
-              <a:solidFill>
-                <a:srgbClr val="4B4B4B"/>
-              </a:solidFill>
-              <a:latin typeface="Adobe Clean Light" panose="020B0303020404020204" pitchFamily="34" charset="0"/>
-            </a:endParaRPr>
+              <a:t>Gouvernance technique et opérationnelle permettant d’aider les clients d’AEM </a:t>
+            </a:r>
+            <a:br>
+              <a:rPr lang="fr-FR" sz="900" dirty="0">
+                <a:solidFill>
+                  <a:srgbClr val="4B4B4B"/>
+                </a:solidFill>
+                <a:latin typeface="Adobe Clean Light"/>
+              </a:rPr>
+            </a:br>
+            <a:r>
+              <a:rPr lang="fr-FR" sz="900" dirty="0">
+                <a:solidFill>
+                  <a:srgbClr val="4B4B4B"/>
+                </a:solidFill>
+                <a:latin typeface="Adobe Clean Light"/>
+              </a:rPr>
+              <a:t>as a Cloud Service à respecter les normes </a:t>
+            </a:r>
+            <a:br>
+              <a:rPr lang="fr-FR" sz="900" dirty="0">
+                <a:solidFill>
+                  <a:srgbClr val="4B4B4B"/>
+                </a:solidFill>
+                <a:latin typeface="Adobe Clean Light"/>
+              </a:rPr>
+            </a:br>
+            <a:r>
+              <a:rPr lang="fr-FR" sz="900" dirty="0">
+                <a:solidFill>
+                  <a:srgbClr val="4B4B4B"/>
+                </a:solidFill>
+                <a:latin typeface="Adobe Clean Light"/>
+              </a:rPr>
+              <a:t>du secteur et les bonnes pratiques d’AEM </a:t>
+            </a:r>
+            <a:br>
+              <a:rPr lang="fr-FR" sz="900" dirty="0">
+                <a:solidFill>
+                  <a:srgbClr val="4B4B4B"/>
+                </a:solidFill>
+                <a:latin typeface="Adobe Clean Light"/>
+              </a:rPr>
+            </a:br>
+            <a:r>
+              <a:rPr lang="fr-FR" sz="900" dirty="0">
+                <a:solidFill>
+                  <a:srgbClr val="4B4B4B"/>
+                </a:solidFill>
+                <a:latin typeface="Adobe Clean Light"/>
+              </a:rPr>
+              <a:t>as a Cloud Service.</a:t>
+            </a:r>
           </a:p>
         </p:txBody>
       </p:sp>
@@ -10340,8 +9341,8 @@
         </p:nvSpPr>
         <p:spPr>
           <a:xfrm>
-            <a:off x="2835999" y="1401973"/>
-            <a:ext cx="2194560" cy="959237"/>
+            <a:off x="2779838" y="1261055"/>
+            <a:ext cx="2194560" cy="866904"/>
           </a:xfrm>
           <a:prstGeom prst="rect">
             <a:avLst/>
@@ -10359,20 +9360,14 @@
               </a:spcBef>
             </a:pPr>
             <a:r>
-              <a:rPr lang="en-US" sz="1000" dirty="0">
+              <a:rPr lang="fr-FR" sz="900" dirty="0">
                 <a:solidFill>
                   <a:srgbClr val="4B4B4B"/>
                 </a:solidFill>
                 <a:latin typeface="Adobe Clean Light" panose="020B0303020404020204" pitchFamily="34" charset="0"/>
               </a:rPr>
-              <a:t>A designated support engineer who becomes familiar with your solution environment and business goals. The NSE is an experienced support engineer that helps coordinate your Enterprise Support experience.</a:t>
-            </a:r>
-            <a:endParaRPr lang="en-US" sz="1000" dirty="0">
-              <a:solidFill>
-                <a:srgbClr val="000000"/>
-              </a:solidFill>
-              <a:latin typeface="Adobe Clean Light" panose="020B0303020404020204" pitchFamily="34" charset="0"/>
-            </a:endParaRPr>
+              <a:t>L’ingénieur d’assistance désigné se familiarisera avec votre environnement de solution et vos objectifs commerciaux. L’ingénieur d’assistance nommé est un ingénieur d’assistance expérimenté qui vous aide à coordonner votre expérience d’assistance aux entreprises.</a:t>
+            </a:r>
           </a:p>
         </p:txBody>
       </p:sp>
@@ -10392,8 +9387,8 @@
         </p:nvSpPr>
         <p:spPr>
           <a:xfrm>
-            <a:off x="3201544" y="1127425"/>
-            <a:ext cx="1726164" cy="184666"/>
+            <a:off x="3145383" y="852955"/>
+            <a:ext cx="1980056" cy="369332"/>
           </a:xfrm>
           <a:prstGeom prst="rect">
             <a:avLst/>
@@ -10414,13 +9409,30 @@
               </a:spcAft>
             </a:pPr>
             <a:r>
-              <a:rPr lang="en-US" sz="1200" b="1" spc="-10">
+              <a:rPr lang="fr-FR" sz="1200" b="1" dirty="0">
                 <a:solidFill>
                   <a:srgbClr val="020302"/>
                 </a:solidFill>
                 <a:latin typeface="+mj-lt"/>
               </a:rPr>
-              <a:t>Named Support Engineer</a:t>
+              <a:t>Ingénieur d’assistance </a:t>
+            </a:r>
+            <a:br>
+              <a:rPr lang="fr-FR" sz="1200" b="1" dirty="0">
+                <a:solidFill>
+                  <a:srgbClr val="020302"/>
+                </a:solidFill>
+                <a:latin typeface="+mj-lt"/>
+              </a:rPr>
+            </a:br>
+            <a:r>
+              <a:rPr lang="fr-FR" sz="1200" b="1" dirty="0">
+                <a:solidFill>
+                  <a:srgbClr val="020302"/>
+                </a:solidFill>
+                <a:latin typeface="+mj-lt"/>
+              </a:rPr>
+              <a:t>nommé</a:t>
             </a:r>
           </a:p>
         </p:txBody>
@@ -10456,8 +9468,8 @@
         </p:blipFill>
         <p:spPr>
           <a:xfrm>
-            <a:off x="2776853" y="1015953"/>
-            <a:ext cx="365760" cy="299325"/>
+            <a:off x="2776852" y="875035"/>
+            <a:ext cx="309599" cy="299325"/>
           </a:xfrm>
           <a:prstGeom prst="rect">
             <a:avLst/>
@@ -10478,8 +9490,8 @@
         </p:nvSpPr>
         <p:spPr>
           <a:xfrm>
-            <a:off x="5723508" y="1099976"/>
-            <a:ext cx="1036205" cy="197490"/>
+            <a:off x="5667347" y="959058"/>
+            <a:ext cx="1694562" cy="197490"/>
           </a:xfrm>
           <a:prstGeom prst="rect">
             <a:avLst/>
@@ -10500,19 +9512,15 @@
               </a:spcBef>
             </a:pPr>
             <a:r>
-              <a:rPr lang="en-US" sz="1200" b="1" spc="-20">
+              <a:rPr lang="fr-FR" sz="1200" b="1" dirty="0">
                 <a:solidFill>
                   <a:srgbClr val="020302"/>
                 </a:solidFill>
                 <a:latin typeface="Adobe Clean"/>
                 <a:cs typeface="Adobe Clean"/>
               </a:rPr>
-              <a:t>Expert Sessions</a:t>
-            </a:r>
-            <a:endParaRPr sz="1200">
-              <a:latin typeface="Adobe Clean"/>
-              <a:cs typeface="Adobe Clean"/>
-            </a:endParaRPr>
+              <a:t>Sessions d’experts</a:t>
+            </a:r>
           </a:p>
         </p:txBody>
       </p:sp>
@@ -10530,8 +9538,8 @@
         </p:nvSpPr>
         <p:spPr>
           <a:xfrm>
-            <a:off x="5181600" y="4466703"/>
-            <a:ext cx="1972258" cy="461665"/>
+            <a:off x="5063490" y="4466703"/>
+            <a:ext cx="2617470" cy="461665"/>
           </a:xfrm>
           <a:prstGeom prst="rect">
             <a:avLst/>
@@ -10552,489 +9560,15 @@
               </a:spcBef>
             </a:pPr>
             <a:r>
-              <a:rPr lang="en-US" sz="1200" b="1" spc="-15">
+              <a:rPr lang="fr-FR" sz="1200" b="1" dirty="0">
                 <a:solidFill>
                   <a:srgbClr val="020302"/>
                 </a:solidFill>
                 <a:latin typeface="Adobe Clean"/>
                 <a:cs typeface="Adobe Clean"/>
               </a:rPr>
-              <a:t>C</a:t>
-            </a:r>
-            <a:r>
-              <a:rPr lang="en-US" sz="1200" b="1" spc="-20">
-                <a:solidFill>
-                  <a:srgbClr val="020302"/>
-                </a:solidFill>
-                <a:latin typeface="Adobe Clean"/>
-                <a:cs typeface="Adobe Clean"/>
-              </a:rPr>
-              <a:t>u</a:t>
-            </a:r>
-            <a:r>
-              <a:rPr lang="en-US" sz="1200" b="1" spc="-25">
-                <a:solidFill>
-                  <a:srgbClr val="020302"/>
-                </a:solidFill>
-                <a:latin typeface="Adobe Clean"/>
-                <a:cs typeface="Adobe Clean"/>
-              </a:rPr>
-              <a:t>st</a:t>
-            </a:r>
-            <a:r>
-              <a:rPr lang="en-US" sz="1200" b="1" spc="-15">
-                <a:solidFill>
-                  <a:srgbClr val="020302"/>
-                </a:solidFill>
-                <a:latin typeface="Adobe Clean"/>
-                <a:cs typeface="Adobe Clean"/>
-              </a:rPr>
-              <a:t>o</a:t>
-            </a:r>
-            <a:r>
-              <a:rPr lang="en-US" sz="1200" b="1" spc="-20">
-                <a:solidFill>
-                  <a:srgbClr val="020302"/>
-                </a:solidFill>
-                <a:latin typeface="Adobe Clean"/>
-                <a:cs typeface="Adobe Clean"/>
-              </a:rPr>
-              <a:t>miza</a:t>
-            </a:r>
-            <a:r>
-              <a:rPr lang="en-US" sz="1200" b="1" spc="-25">
-                <a:solidFill>
-                  <a:srgbClr val="020302"/>
-                </a:solidFill>
-                <a:latin typeface="Adobe Clean"/>
-                <a:cs typeface="Adobe Clean"/>
-              </a:rPr>
-              <a:t>t</a:t>
-            </a:r>
-            <a:r>
-              <a:rPr lang="en-US" sz="1200" b="1" spc="-20">
-                <a:solidFill>
-                  <a:srgbClr val="020302"/>
-                </a:solidFill>
-                <a:latin typeface="Adobe Clean"/>
-                <a:cs typeface="Adobe Clean"/>
-              </a:rPr>
-              <a:t>i</a:t>
-            </a:r>
-            <a:r>
-              <a:rPr lang="en-US" sz="1200" b="1" spc="-15">
-                <a:solidFill>
-                  <a:srgbClr val="020302"/>
-                </a:solidFill>
-                <a:latin typeface="Adobe Clean"/>
-                <a:cs typeface="Adobe Clean"/>
-              </a:rPr>
-              <a:t>o</a:t>
-            </a:r>
-            <a:r>
-              <a:rPr lang="en-US" sz="1200" b="1">
-                <a:solidFill>
-                  <a:srgbClr val="020302"/>
-                </a:solidFill>
-                <a:latin typeface="Adobe Clean"/>
-                <a:cs typeface="Adobe Clean"/>
-              </a:rPr>
-              <a:t>n</a:t>
-            </a:r>
-            <a:r>
-              <a:rPr lang="en-US" sz="1200" b="1" spc="-50">
-                <a:solidFill>
-                  <a:srgbClr val="020302"/>
-                </a:solidFill>
-                <a:latin typeface="Adobe Clean"/>
-                <a:cs typeface="Adobe Clean"/>
-              </a:rPr>
-              <a:t> </a:t>
-            </a:r>
-            <a:r>
-              <a:rPr lang="en-US" sz="1200" b="1" spc="-20">
-                <a:solidFill>
-                  <a:srgbClr val="020302"/>
-                </a:solidFill>
-                <a:latin typeface="Adobe Clean"/>
-                <a:cs typeface="Adobe Clean"/>
-              </a:rPr>
-              <a:t>B</a:t>
-            </a:r>
-            <a:r>
-              <a:rPr lang="en-US" sz="1200" b="1" spc="-25">
-                <a:solidFill>
-                  <a:srgbClr val="020302"/>
-                </a:solidFill>
-                <a:latin typeface="Adobe Clean"/>
-                <a:cs typeface="Adobe Clean"/>
-              </a:rPr>
-              <a:t>es</a:t>
-            </a:r>
-            <a:r>
-              <a:rPr lang="en-US" sz="1200" b="1">
-                <a:solidFill>
-                  <a:srgbClr val="020302"/>
-                </a:solidFill>
-                <a:latin typeface="Adobe Clean"/>
-                <a:cs typeface="Adobe Clean"/>
-              </a:rPr>
-              <a:t>t</a:t>
-            </a:r>
-            <a:r>
-              <a:rPr lang="en-US" sz="1200" b="1" spc="-50">
-                <a:solidFill>
-                  <a:srgbClr val="020302"/>
-                </a:solidFill>
-                <a:latin typeface="Adobe Clean"/>
-                <a:cs typeface="Adobe Clean"/>
-              </a:rPr>
-              <a:t> </a:t>
-            </a:r>
-            <a:r>
-              <a:rPr lang="en-US" sz="1200" b="1" spc="-25">
-                <a:solidFill>
-                  <a:srgbClr val="020302"/>
-                </a:solidFill>
-                <a:latin typeface="Adobe Clean"/>
-                <a:cs typeface="Adobe Clean"/>
-              </a:rPr>
-              <a:t>P</a:t>
-            </a:r>
-            <a:r>
-              <a:rPr lang="en-US" sz="1200" b="1" spc="-20">
-                <a:solidFill>
-                  <a:srgbClr val="020302"/>
-                </a:solidFill>
-                <a:latin typeface="Adobe Clean"/>
-                <a:cs typeface="Adobe Clean"/>
-              </a:rPr>
-              <a:t>ra</a:t>
-            </a:r>
-            <a:r>
-              <a:rPr lang="en-US" sz="1200" b="1" spc="-30">
-                <a:solidFill>
-                  <a:srgbClr val="020302"/>
-                </a:solidFill>
-                <a:latin typeface="Adobe Clean"/>
-                <a:cs typeface="Adobe Clean"/>
-              </a:rPr>
-              <a:t>c</a:t>
-            </a:r>
-            <a:r>
-              <a:rPr lang="en-US" sz="1200" b="1" spc="-25">
-                <a:solidFill>
-                  <a:srgbClr val="020302"/>
-                </a:solidFill>
-                <a:latin typeface="Adobe Clean"/>
-                <a:cs typeface="Adobe Clean"/>
-              </a:rPr>
-              <a:t>t</a:t>
-            </a:r>
-            <a:r>
-              <a:rPr lang="en-US" sz="1200" b="1" spc="-20">
-                <a:solidFill>
-                  <a:srgbClr val="020302"/>
-                </a:solidFill>
-                <a:latin typeface="Adobe Clean"/>
-                <a:cs typeface="Adobe Clean"/>
-              </a:rPr>
-              <a:t>i</a:t>
-            </a:r>
-            <a:r>
-              <a:rPr lang="en-US" sz="1200" b="1" spc="-30">
-                <a:solidFill>
-                  <a:srgbClr val="020302"/>
-                </a:solidFill>
-                <a:latin typeface="Adobe Clean"/>
-                <a:cs typeface="Adobe Clean"/>
-              </a:rPr>
-              <a:t>c</a:t>
-            </a:r>
-            <a:r>
-              <a:rPr lang="en-US" sz="1200" b="1" spc="-25">
-                <a:solidFill>
-                  <a:srgbClr val="020302"/>
-                </a:solidFill>
-                <a:latin typeface="Adobe Clean"/>
-                <a:cs typeface="Adobe Clean"/>
-              </a:rPr>
-              <a:t>e</a:t>
-            </a:r>
-            <a:r>
-              <a:rPr lang="en-US" sz="1200" b="1">
-                <a:solidFill>
-                  <a:srgbClr val="020302"/>
-                </a:solidFill>
-                <a:latin typeface="Adobe Clean"/>
-                <a:cs typeface="Adobe Clean"/>
-              </a:rPr>
-              <a:t>s</a:t>
-            </a:r>
-            <a:r>
-              <a:rPr lang="en-US" sz="1200" b="1" spc="-45">
-                <a:solidFill>
-                  <a:srgbClr val="020302"/>
-                </a:solidFill>
-                <a:latin typeface="Adobe Clean"/>
-                <a:cs typeface="Adobe Clean"/>
-              </a:rPr>
-              <a:t> </a:t>
-            </a:r>
-            <a:r>
-              <a:rPr lang="en-US" sz="1200" b="1" spc="-25">
-                <a:solidFill>
-                  <a:srgbClr val="020302"/>
-                </a:solidFill>
-                <a:latin typeface="Adobe Clean"/>
-                <a:cs typeface="Adobe Clean"/>
-              </a:rPr>
-              <a:t>f</a:t>
-            </a:r>
-            <a:r>
-              <a:rPr lang="en-US" sz="1200" b="1" spc="-15">
-                <a:solidFill>
-                  <a:srgbClr val="020302"/>
-                </a:solidFill>
-                <a:latin typeface="Adobe Clean"/>
-                <a:cs typeface="Adobe Clean"/>
-              </a:rPr>
-              <a:t>o</a:t>
-            </a:r>
-            <a:r>
-              <a:rPr lang="en-US" sz="1200" b="1">
-                <a:solidFill>
-                  <a:srgbClr val="020302"/>
-                </a:solidFill>
-                <a:latin typeface="Adobe Clean"/>
-                <a:cs typeface="Adobe Clean"/>
-              </a:rPr>
-              <a:t>r</a:t>
-            </a:r>
-            <a:r>
-              <a:rPr lang="en-US" sz="1200" b="1" spc="-45">
-                <a:solidFill>
-                  <a:srgbClr val="020302"/>
-                </a:solidFill>
-                <a:latin typeface="Adobe Clean"/>
-                <a:cs typeface="Adobe Clean"/>
-              </a:rPr>
-              <a:t> </a:t>
-            </a:r>
-            <a:r>
-              <a:rPr lang="en-US" sz="1200" b="1" spc="-30">
-                <a:solidFill>
-                  <a:srgbClr val="020302"/>
-                </a:solidFill>
-                <a:latin typeface="Adobe Clean"/>
-                <a:cs typeface="Adobe Clean"/>
-              </a:rPr>
-              <a:t>AE</a:t>
-            </a:r>
-            <a:r>
-              <a:rPr lang="en-US" sz="1200" b="1">
-                <a:solidFill>
-                  <a:srgbClr val="020302"/>
-                </a:solidFill>
-                <a:latin typeface="Adobe Clean"/>
-                <a:cs typeface="Adobe Clean"/>
-              </a:rPr>
-              <a:t>M</a:t>
-            </a:r>
-            <a:r>
-              <a:rPr lang="en-US" sz="1200" b="1" spc="-55">
-                <a:solidFill>
-                  <a:srgbClr val="020302"/>
-                </a:solidFill>
-                <a:latin typeface="Adobe Clean"/>
-                <a:cs typeface="Adobe Clean"/>
-              </a:rPr>
-              <a:t> </a:t>
-            </a:r>
-            <a:r>
-              <a:rPr lang="en-US" sz="1200" b="1" spc="-20">
-                <a:solidFill>
-                  <a:srgbClr val="020302"/>
-                </a:solidFill>
-                <a:latin typeface="Adobe Clean"/>
-                <a:cs typeface="Adobe Clean"/>
-              </a:rPr>
-              <a:t>a</a:t>
-            </a:r>
-            <a:r>
-              <a:rPr lang="en-US" sz="1200" b="1">
-                <a:solidFill>
-                  <a:srgbClr val="020302"/>
-                </a:solidFill>
-                <a:latin typeface="Adobe Clean"/>
-                <a:cs typeface="Adobe Clean"/>
-              </a:rPr>
-              <a:t>s</a:t>
-            </a:r>
-            <a:r>
-              <a:rPr lang="en-US" sz="1200" b="1" spc="-45">
-                <a:solidFill>
-                  <a:srgbClr val="020302"/>
-                </a:solidFill>
-                <a:latin typeface="Adobe Clean"/>
-                <a:cs typeface="Adobe Clean"/>
-              </a:rPr>
-              <a:t> </a:t>
-            </a:r>
-            <a:r>
-              <a:rPr lang="en-US" sz="1200" b="1">
-                <a:solidFill>
-                  <a:srgbClr val="020302"/>
-                </a:solidFill>
-                <a:latin typeface="Adobe Clean"/>
-                <a:cs typeface="Adobe Clean"/>
-              </a:rPr>
-              <a:t>a</a:t>
-            </a:r>
-            <a:r>
-              <a:rPr lang="en-US" sz="1200" b="1" spc="-45">
-                <a:solidFill>
-                  <a:srgbClr val="020302"/>
-                </a:solidFill>
-                <a:latin typeface="Adobe Clean"/>
-                <a:cs typeface="Adobe Clean"/>
-              </a:rPr>
-              <a:t> </a:t>
-            </a:r>
-            <a:r>
-              <a:rPr lang="en-US" sz="1200" b="1" spc="-15">
-                <a:solidFill>
-                  <a:srgbClr val="020302"/>
-                </a:solidFill>
-                <a:latin typeface="Adobe Clean"/>
-                <a:cs typeface="Adobe Clean"/>
-              </a:rPr>
-              <a:t>C</a:t>
-            </a:r>
-            <a:r>
-              <a:rPr lang="en-US" sz="1200" b="1" spc="-25">
-                <a:solidFill>
-                  <a:srgbClr val="020302"/>
-                </a:solidFill>
-                <a:latin typeface="Adobe Clean"/>
-                <a:cs typeface="Adobe Clean"/>
-              </a:rPr>
-              <a:t>l</a:t>
-            </a:r>
-            <a:r>
-              <a:rPr lang="en-US" sz="1200" b="1" spc="-15">
-                <a:solidFill>
-                  <a:srgbClr val="020302"/>
-                </a:solidFill>
-                <a:latin typeface="Adobe Clean"/>
-                <a:cs typeface="Adobe Clean"/>
-              </a:rPr>
-              <a:t>o</a:t>
-            </a:r>
-            <a:r>
-              <a:rPr lang="en-US" sz="1200" b="1" spc="-20">
-                <a:solidFill>
-                  <a:srgbClr val="020302"/>
-                </a:solidFill>
-                <a:latin typeface="Adobe Clean"/>
-                <a:cs typeface="Adobe Clean"/>
-              </a:rPr>
-              <a:t>u</a:t>
-            </a:r>
-            <a:r>
-              <a:rPr lang="en-US" sz="1200" b="1">
-                <a:solidFill>
-                  <a:srgbClr val="020302"/>
-                </a:solidFill>
-                <a:latin typeface="Adobe Clean"/>
-                <a:cs typeface="Adobe Clean"/>
-              </a:rPr>
-              <a:t>d</a:t>
-            </a:r>
-            <a:r>
-              <a:rPr lang="en-US" sz="1200" b="1" spc="-50">
-                <a:solidFill>
-                  <a:srgbClr val="020302"/>
-                </a:solidFill>
-                <a:latin typeface="Adobe Clean"/>
-                <a:cs typeface="Adobe Clean"/>
-              </a:rPr>
-              <a:t> </a:t>
-            </a:r>
-            <a:r>
-              <a:rPr lang="en-US" sz="1200" b="1" spc="-20">
-                <a:solidFill>
-                  <a:srgbClr val="020302"/>
-                </a:solidFill>
-                <a:latin typeface="Adobe Clean"/>
-                <a:cs typeface="Adobe Clean"/>
-              </a:rPr>
-              <a:t>S</a:t>
-            </a:r>
-            <a:r>
-              <a:rPr lang="en-US" sz="1200" b="1" spc="-25">
-                <a:solidFill>
-                  <a:srgbClr val="020302"/>
-                </a:solidFill>
-                <a:latin typeface="Adobe Clean"/>
-                <a:cs typeface="Adobe Clean"/>
-              </a:rPr>
-              <a:t>e</a:t>
-            </a:r>
-            <a:r>
-              <a:rPr lang="en-US" sz="1200" b="1" spc="-20">
-                <a:solidFill>
-                  <a:srgbClr val="020302"/>
-                </a:solidFill>
-                <a:latin typeface="Adobe Clean"/>
-                <a:cs typeface="Adobe Clean"/>
-              </a:rPr>
-              <a:t>r</a:t>
-            </a:r>
-            <a:r>
-              <a:rPr lang="en-US" sz="1200" b="1" spc="-30">
-                <a:solidFill>
-                  <a:srgbClr val="020302"/>
-                </a:solidFill>
-                <a:latin typeface="Adobe Clean"/>
-                <a:cs typeface="Adobe Clean"/>
-              </a:rPr>
-              <a:t>v</a:t>
-            </a:r>
-            <a:r>
-              <a:rPr lang="en-US" sz="1200" b="1" spc="-20">
-                <a:solidFill>
-                  <a:srgbClr val="020302"/>
-                </a:solidFill>
-                <a:latin typeface="Adobe Clean"/>
-                <a:cs typeface="Adobe Clean"/>
-              </a:rPr>
-              <a:t>i</a:t>
-            </a:r>
-            <a:r>
-              <a:rPr lang="en-US" sz="1200" b="1" spc="-30">
-                <a:solidFill>
-                  <a:srgbClr val="020302"/>
-                </a:solidFill>
-                <a:latin typeface="Adobe Clean"/>
-                <a:cs typeface="Adobe Clean"/>
-              </a:rPr>
-              <a:t>c</a:t>
-            </a:r>
-            <a:r>
-              <a:rPr lang="en-US" sz="1200" b="1">
-                <a:solidFill>
-                  <a:srgbClr val="020302"/>
-                </a:solidFill>
-                <a:latin typeface="Adobe Clean"/>
-                <a:cs typeface="Adobe Clean"/>
-              </a:rPr>
-              <a:t>e</a:t>
-            </a:r>
-            <a:endParaRPr lang="en-US" sz="1200">
-              <a:latin typeface="Adobe Clean"/>
-              <a:cs typeface="Adobe Clean"/>
-            </a:endParaRPr>
+              <a:t>Bonnes pratiques de personnalisation d’AEM as a Cloud Service</a:t>
+            </a:r>
           </a:p>
         </p:txBody>
       </p:sp>
@@ -11052,8 +9586,8 @@
         </p:nvSpPr>
         <p:spPr>
           <a:xfrm>
-            <a:off x="2752588" y="4438393"/>
-            <a:ext cx="1708650" cy="461665"/>
+            <a:off x="2634478" y="4438393"/>
+            <a:ext cx="1933712" cy="461665"/>
           </a:xfrm>
           <a:prstGeom prst="rect">
             <a:avLst/>
@@ -11074,19 +9608,15 @@
               </a:spcBef>
             </a:pPr>
             <a:r>
-              <a:rPr lang="en-US" sz="1200" b="1" spc="-25">
+              <a:rPr lang="fr-FR" sz="1200" b="1" dirty="0">
                 <a:solidFill>
                   <a:srgbClr val="020302"/>
                 </a:solidFill>
                 <a:latin typeface="Adobe Clean"/>
                 <a:cs typeface="Adobe Clean"/>
               </a:rPr>
-              <a:t>Value-added Services for AEM as a Cloud Service</a:t>
-            </a:r>
-            <a:endParaRPr lang="en-US" sz="1200">
-              <a:latin typeface="Adobe Clean"/>
-              <a:cs typeface="Adobe Clean"/>
-            </a:endParaRPr>
+              <a:t>Services de valeur ajoutée d’AEM as a Cloud Service</a:t>
+            </a:r>
           </a:p>
         </p:txBody>
       </p:sp>
@@ -11126,359 +9656,15 @@
               </a:spcBef>
             </a:pPr>
             <a:r>
-              <a:rPr lang="en-US" sz="1200" b="1" spc="-20">
+              <a:rPr lang="fr-FR" sz="1200" b="1">
                 <a:solidFill>
                   <a:srgbClr val="020302"/>
                 </a:solidFill>
                 <a:latin typeface="Adobe Clean"/>
                 <a:cs typeface="Adobe Clean"/>
               </a:rPr>
-              <a:t>G</a:t>
-            </a:r>
-            <a:r>
-              <a:rPr lang="en-US" sz="1200" b="1" spc="-15">
-                <a:solidFill>
-                  <a:srgbClr val="020302"/>
-                </a:solidFill>
-                <a:latin typeface="Adobe Clean"/>
-                <a:cs typeface="Adobe Clean"/>
-              </a:rPr>
-              <a:t>o</a:t>
-            </a:r>
-            <a:r>
-              <a:rPr lang="en-US" sz="1200" b="1" spc="-25">
-                <a:solidFill>
-                  <a:srgbClr val="020302"/>
-                </a:solidFill>
-                <a:latin typeface="Adobe Clean"/>
-                <a:cs typeface="Adobe Clean"/>
-              </a:rPr>
-              <a:t>ve</a:t>
-            </a:r>
-            <a:r>
-              <a:rPr lang="en-US" sz="1200" b="1" spc="-20">
-                <a:solidFill>
-                  <a:srgbClr val="020302"/>
-                </a:solidFill>
-                <a:latin typeface="Adobe Clean"/>
-                <a:cs typeface="Adobe Clean"/>
-              </a:rPr>
-              <a:t>r</a:t>
-            </a:r>
-            <a:r>
-              <a:rPr lang="en-US" sz="1200" b="1" spc="-25">
-                <a:solidFill>
-                  <a:srgbClr val="020302"/>
-                </a:solidFill>
-                <a:latin typeface="Adobe Clean"/>
-                <a:cs typeface="Adobe Clean"/>
-              </a:rPr>
-              <a:t>n</a:t>
-            </a:r>
-            <a:r>
-              <a:rPr lang="en-US" sz="1200" b="1" spc="-20">
-                <a:solidFill>
-                  <a:srgbClr val="020302"/>
-                </a:solidFill>
-                <a:latin typeface="Adobe Clean"/>
-                <a:cs typeface="Adobe Clean"/>
-              </a:rPr>
-              <a:t>a</a:t>
-            </a:r>
-            <a:r>
-              <a:rPr lang="en-US" sz="1200" b="1" spc="-25">
-                <a:solidFill>
-                  <a:srgbClr val="020302"/>
-                </a:solidFill>
-                <a:latin typeface="Adobe Clean"/>
-                <a:cs typeface="Adobe Clean"/>
-              </a:rPr>
-              <a:t>n</a:t>
-            </a:r>
-            <a:r>
-              <a:rPr lang="en-US" sz="1200" b="1" spc="-30">
-                <a:solidFill>
-                  <a:srgbClr val="020302"/>
-                </a:solidFill>
-                <a:latin typeface="Adobe Clean"/>
-                <a:cs typeface="Adobe Clean"/>
-              </a:rPr>
-              <a:t>c</a:t>
-            </a:r>
-            <a:r>
-              <a:rPr lang="en-US" sz="1200" b="1">
-                <a:solidFill>
-                  <a:srgbClr val="020302"/>
-                </a:solidFill>
-                <a:latin typeface="Adobe Clean"/>
-                <a:cs typeface="Adobe Clean"/>
-              </a:rPr>
-              <a:t>e</a:t>
-            </a:r>
-            <a:r>
-              <a:rPr lang="en-US" sz="1200" b="1" spc="-50">
-                <a:solidFill>
-                  <a:srgbClr val="020302"/>
-                </a:solidFill>
-                <a:latin typeface="Adobe Clean"/>
-                <a:cs typeface="Adobe Clean"/>
-              </a:rPr>
-              <a:t> </a:t>
-            </a:r>
-            <a:r>
-              <a:rPr lang="en-US" sz="1200" b="1" spc="-25">
-                <a:solidFill>
-                  <a:srgbClr val="020302"/>
-                </a:solidFill>
-                <a:latin typeface="Adobe Clean"/>
-                <a:cs typeface="Adobe Clean"/>
-              </a:rPr>
-              <a:t>f</a:t>
-            </a:r>
-            <a:r>
-              <a:rPr lang="en-US" sz="1200" b="1" spc="-15">
-                <a:solidFill>
-                  <a:srgbClr val="020302"/>
-                </a:solidFill>
-                <a:latin typeface="Adobe Clean"/>
-                <a:cs typeface="Adobe Clean"/>
-              </a:rPr>
-              <a:t>o</a:t>
-            </a:r>
-            <a:r>
-              <a:rPr lang="en-US" sz="1200" b="1">
-                <a:solidFill>
-                  <a:srgbClr val="020302"/>
-                </a:solidFill>
-                <a:latin typeface="Adobe Clean"/>
-                <a:cs typeface="Adobe Clean"/>
-              </a:rPr>
-              <a:t>r</a:t>
-            </a:r>
-            <a:r>
-              <a:rPr lang="en-US" sz="1200" b="1" spc="-45">
-                <a:solidFill>
-                  <a:srgbClr val="020302"/>
-                </a:solidFill>
-                <a:latin typeface="Adobe Clean"/>
-                <a:cs typeface="Adobe Clean"/>
-              </a:rPr>
-              <a:t> </a:t>
-            </a:r>
-            <a:r>
-              <a:rPr lang="en-US" sz="1200" b="1" spc="-30">
-                <a:solidFill>
-                  <a:srgbClr val="020302"/>
-                </a:solidFill>
-                <a:latin typeface="Adobe Clean"/>
-                <a:cs typeface="Adobe Clean"/>
-              </a:rPr>
-              <a:t>A</a:t>
-            </a:r>
-            <a:r>
-              <a:rPr lang="en-US" sz="1200" b="1" spc="-25">
-                <a:solidFill>
-                  <a:srgbClr val="020302"/>
-                </a:solidFill>
-                <a:latin typeface="Adobe Clean"/>
-                <a:cs typeface="Adobe Clean"/>
-              </a:rPr>
-              <a:t>E</a:t>
-            </a:r>
-            <a:r>
-              <a:rPr lang="en-US" sz="1200" b="1">
-                <a:solidFill>
-                  <a:srgbClr val="020302"/>
-                </a:solidFill>
-                <a:latin typeface="Adobe Clean"/>
-                <a:cs typeface="Adobe Clean"/>
-              </a:rPr>
-              <a:t>M</a:t>
-            </a:r>
-            <a:r>
-              <a:rPr lang="en-US" sz="1200" b="1" spc="-50">
-                <a:solidFill>
-                  <a:srgbClr val="020302"/>
-                </a:solidFill>
-                <a:latin typeface="Adobe Clean"/>
-                <a:cs typeface="Adobe Clean"/>
-              </a:rPr>
-              <a:t> </a:t>
-            </a:r>
-            <a:r>
-              <a:rPr lang="en-US" sz="1200" b="1" spc="-20">
-                <a:solidFill>
-                  <a:srgbClr val="020302"/>
-                </a:solidFill>
-                <a:latin typeface="Adobe Clean"/>
-                <a:cs typeface="Adobe Clean"/>
-              </a:rPr>
-              <a:t>a</a:t>
-            </a:r>
-            <a:r>
-              <a:rPr lang="en-US" sz="1200" b="1">
-                <a:solidFill>
-                  <a:srgbClr val="020302"/>
-                </a:solidFill>
-                <a:latin typeface="Adobe Clean"/>
-                <a:cs typeface="Adobe Clean"/>
-              </a:rPr>
-              <a:t>s</a:t>
-            </a:r>
-            <a:r>
-              <a:rPr lang="en-US" sz="1200" b="1" spc="-45">
-                <a:solidFill>
-                  <a:srgbClr val="020302"/>
-                </a:solidFill>
-                <a:latin typeface="Adobe Clean"/>
-                <a:cs typeface="Adobe Clean"/>
-              </a:rPr>
-              <a:t> </a:t>
-            </a:r>
-            <a:r>
-              <a:rPr lang="en-US" sz="1200" b="1">
-                <a:solidFill>
-                  <a:srgbClr val="020302"/>
-                </a:solidFill>
-                <a:latin typeface="Adobe Clean"/>
-                <a:cs typeface="Adobe Clean"/>
-              </a:rPr>
-              <a:t>a</a:t>
-            </a:r>
-            <a:r>
-              <a:rPr lang="en-US" sz="1200" b="1" spc="-40">
-                <a:solidFill>
-                  <a:srgbClr val="020302"/>
-                </a:solidFill>
-                <a:latin typeface="Adobe Clean"/>
-                <a:cs typeface="Adobe Clean"/>
-              </a:rPr>
-              <a:t> </a:t>
-            </a:r>
-            <a:r>
-              <a:rPr lang="en-US" sz="1200" b="1" spc="-15">
-                <a:solidFill>
-                  <a:srgbClr val="020302"/>
-                </a:solidFill>
-                <a:latin typeface="Adobe Clean"/>
-                <a:cs typeface="Adobe Clean"/>
-              </a:rPr>
-              <a:t>C</a:t>
-            </a:r>
-            <a:r>
-              <a:rPr lang="en-US" sz="1200" b="1" spc="-25">
-                <a:solidFill>
-                  <a:srgbClr val="020302"/>
-                </a:solidFill>
-                <a:latin typeface="Adobe Clean"/>
-                <a:cs typeface="Adobe Clean"/>
-              </a:rPr>
-              <a:t>l</a:t>
-            </a:r>
-            <a:r>
-              <a:rPr lang="en-US" sz="1200" b="1" spc="-15">
-                <a:solidFill>
-                  <a:srgbClr val="020302"/>
-                </a:solidFill>
-                <a:latin typeface="Adobe Clean"/>
-                <a:cs typeface="Adobe Clean"/>
-              </a:rPr>
-              <a:t>ou</a:t>
-            </a:r>
-            <a:r>
-              <a:rPr lang="en-US" sz="1200" b="1">
-                <a:solidFill>
-                  <a:srgbClr val="020302"/>
-                </a:solidFill>
-                <a:latin typeface="Adobe Clean"/>
-                <a:cs typeface="Adobe Clean"/>
-              </a:rPr>
-              <a:t>d</a:t>
-            </a:r>
-            <a:r>
-              <a:rPr lang="en-US" sz="1200" b="1" spc="-50">
-                <a:solidFill>
-                  <a:srgbClr val="020302"/>
-                </a:solidFill>
-                <a:latin typeface="Adobe Clean"/>
-                <a:cs typeface="Adobe Clean"/>
-              </a:rPr>
-              <a:t> </a:t>
-            </a:r>
-            <a:r>
-              <a:rPr lang="en-US" sz="1200" b="1" spc="-20">
-                <a:solidFill>
-                  <a:srgbClr val="020302"/>
-                </a:solidFill>
-                <a:latin typeface="Adobe Clean"/>
-                <a:cs typeface="Adobe Clean"/>
-              </a:rPr>
-              <a:t>S</a:t>
-            </a:r>
-            <a:r>
-              <a:rPr lang="en-US" sz="1200" b="1" spc="-25">
-                <a:solidFill>
-                  <a:srgbClr val="020302"/>
-                </a:solidFill>
-                <a:latin typeface="Adobe Clean"/>
-                <a:cs typeface="Adobe Clean"/>
-              </a:rPr>
-              <a:t>e</a:t>
-            </a:r>
-            <a:r>
-              <a:rPr lang="en-US" sz="1200" b="1" spc="-20">
-                <a:solidFill>
-                  <a:srgbClr val="020302"/>
-                </a:solidFill>
-                <a:latin typeface="Adobe Clean"/>
-                <a:cs typeface="Adobe Clean"/>
-              </a:rPr>
-              <a:t>r</a:t>
-            </a:r>
-            <a:r>
-              <a:rPr lang="en-US" sz="1200" b="1" spc="-25">
-                <a:solidFill>
-                  <a:srgbClr val="020302"/>
-                </a:solidFill>
-                <a:latin typeface="Adobe Clean"/>
-                <a:cs typeface="Adobe Clean"/>
-              </a:rPr>
-              <a:t>v</a:t>
-            </a:r>
-            <a:r>
-              <a:rPr lang="en-US" sz="1200" b="1" spc="-20">
-                <a:solidFill>
-                  <a:srgbClr val="020302"/>
-                </a:solidFill>
-                <a:latin typeface="Adobe Clean"/>
-                <a:cs typeface="Adobe Clean"/>
-              </a:rPr>
-              <a:t>i</a:t>
-            </a:r>
-            <a:r>
-              <a:rPr lang="en-US" sz="1200" b="1" spc="-30">
-                <a:solidFill>
-                  <a:srgbClr val="020302"/>
-                </a:solidFill>
-                <a:latin typeface="Adobe Clean"/>
-                <a:cs typeface="Adobe Clean"/>
-              </a:rPr>
-              <a:t>c</a:t>
-            </a:r>
-            <a:r>
-              <a:rPr lang="en-US" sz="1200" b="1">
-                <a:solidFill>
-                  <a:srgbClr val="020302"/>
-                </a:solidFill>
-                <a:latin typeface="Adobe Clean"/>
-                <a:cs typeface="Adobe Clean"/>
-              </a:rPr>
-              <a:t>e</a:t>
-            </a:r>
-            <a:endParaRPr lang="en-US" sz="1200">
-              <a:latin typeface="Adobe Clean"/>
-              <a:cs typeface="Adobe Clean"/>
-            </a:endParaRPr>
+              <a:t>Gouvernance d’AEM as a Cloud Service</a:t>
+            </a:r>
           </a:p>
         </p:txBody>
       </p:sp>
@@ -11513,7 +9699,7 @@
         </p:blipFill>
         <p:spPr>
           <a:xfrm>
-            <a:off x="5257799" y="1015952"/>
+            <a:off x="5201638" y="875034"/>
             <a:ext cx="411480" cy="411480"/>
           </a:xfrm>
           <a:prstGeom prst="rect">
@@ -11552,7 +9738,7 @@
         </p:blipFill>
         <p:spPr>
           <a:xfrm>
-            <a:off x="2776853" y="2514600"/>
+            <a:off x="2720692" y="2373682"/>
             <a:ext cx="385800" cy="385800"/>
           </a:xfrm>
           <a:prstGeom prst="rect">
@@ -11574,7 +9760,7 @@
         </p:nvSpPr>
         <p:spPr>
           <a:xfrm>
-            <a:off x="689237" y="1102554"/>
+            <a:off x="689237" y="961636"/>
             <a:ext cx="1036205" cy="197490"/>
           </a:xfrm>
           <a:prstGeom prst="rect">
@@ -11596,99 +9782,15 @@
               </a:spcBef>
             </a:pPr>
             <a:r>
-              <a:rPr lang="en-US" sz="1200" b="1" spc="-20">
+              <a:rPr lang="fr-FR" sz="1200" b="1">
                 <a:solidFill>
                   <a:srgbClr val="020302"/>
                 </a:solidFill>
                 <a:latin typeface="Adobe Clean"/>
                 <a:cs typeface="Adobe Clean"/>
               </a:rPr>
-              <a:t>Cas</a:t>
-            </a:r>
-            <a:r>
-              <a:rPr sz="1200" b="1">
-                <a:solidFill>
-                  <a:srgbClr val="020302"/>
-                </a:solidFill>
-                <a:latin typeface="Adobe Clean"/>
-                <a:cs typeface="Adobe Clean"/>
-              </a:rPr>
-              <a:t>e</a:t>
-            </a:r>
-            <a:r>
-              <a:rPr sz="1200" b="1" spc="-80">
-                <a:solidFill>
-                  <a:srgbClr val="020302"/>
-                </a:solidFill>
-                <a:latin typeface="Adobe Clean"/>
-                <a:cs typeface="Adobe Clean"/>
-              </a:rPr>
-              <a:t> </a:t>
-            </a:r>
-            <a:r>
-              <a:rPr sz="1200" b="1" spc="-20">
-                <a:solidFill>
-                  <a:srgbClr val="020302"/>
-                </a:solidFill>
-                <a:latin typeface="Adobe Clean"/>
-                <a:cs typeface="Adobe Clean"/>
-              </a:rPr>
-              <a:t>R</a:t>
-            </a:r>
-            <a:r>
-              <a:rPr sz="1200" b="1" spc="-25">
-                <a:solidFill>
-                  <a:srgbClr val="020302"/>
-                </a:solidFill>
-                <a:latin typeface="Adobe Clean"/>
-                <a:cs typeface="Adobe Clean"/>
-              </a:rPr>
-              <a:t>e</a:t>
-            </a:r>
-            <a:r>
-              <a:rPr sz="1200" b="1" spc="-30">
-                <a:solidFill>
-                  <a:srgbClr val="020302"/>
-                </a:solidFill>
-                <a:latin typeface="Adobe Clean"/>
-                <a:cs typeface="Adobe Clean"/>
-              </a:rPr>
-              <a:t>v</a:t>
-            </a:r>
-            <a:r>
-              <a:rPr sz="1200" b="1" spc="-20">
-                <a:solidFill>
-                  <a:srgbClr val="020302"/>
-                </a:solidFill>
-                <a:latin typeface="Adobe Clean"/>
-                <a:cs typeface="Adobe Clean"/>
-              </a:rPr>
-              <a:t>i</a:t>
-            </a:r>
-            <a:r>
-              <a:rPr sz="1200" b="1" spc="-25">
-                <a:solidFill>
-                  <a:srgbClr val="020302"/>
-                </a:solidFill>
-                <a:latin typeface="Adobe Clean"/>
-                <a:cs typeface="Adobe Clean"/>
-              </a:rPr>
-              <a:t>ew</a:t>
-            </a:r>
-            <a:r>
-              <a:rPr sz="1200" b="1">
-                <a:solidFill>
-                  <a:srgbClr val="020302"/>
-                </a:solidFill>
-                <a:latin typeface="Adobe Clean"/>
-                <a:cs typeface="Adobe Clean"/>
-              </a:rPr>
-              <a:t>s</a:t>
-            </a:r>
-            <a:endParaRPr sz="1200">
-              <a:latin typeface="Adobe Clean"/>
-              <a:cs typeface="Adobe Clean"/>
-            </a:endParaRPr>
+              <a:t>Examens de cas</a:t>
+            </a:r>
           </a:p>
         </p:txBody>
       </p:sp>
@@ -11723,7 +9825,7 @@
         </p:blipFill>
         <p:spPr>
           <a:xfrm>
-            <a:off x="228600" y="1015953"/>
+            <a:off x="228600" y="875035"/>
             <a:ext cx="411480" cy="320040"/>
           </a:xfrm>
           <a:prstGeom prst="rect">
@@ -11745,8 +9847,8 @@
         </p:nvSpPr>
         <p:spPr>
           <a:xfrm>
-            <a:off x="355868" y="1426046"/>
-            <a:ext cx="2194560" cy="936154"/>
+            <a:off x="355868" y="1285128"/>
+            <a:ext cx="2194560" cy="843821"/>
           </a:xfrm>
           <a:prstGeom prst="rect">
             <a:avLst/>
@@ -11767,18 +9869,31 @@
               </a:spcBef>
             </a:pPr>
             <a:r>
-              <a:rPr lang="en-US" sz="1000">
+              <a:rPr lang="fr-FR" sz="900" dirty="0">
                 <a:solidFill>
                   <a:srgbClr val="4B4B4B"/>
                 </a:solidFill>
                 <a:latin typeface="Adobe Clean Light" panose="020B0303020404020204" pitchFamily="34" charset="0"/>
               </a:rPr>
-              <a:t>Regular scheduled review of open support requests, ensuring customer alignment on case description, business impact, status, priority and agreement on next steps required to ensure an expedient resolution.</a:t>
-            </a:r>
-            <a:endParaRPr sz="1000">
-              <a:latin typeface="Adobe Clean Light" panose="020B0303020404020204" pitchFamily="34" charset="0"/>
-              <a:cs typeface="AdobeClean-Light"/>
-            </a:endParaRPr>
+              <a:t>Il s’agit d’un examen planifié régulier des demandes d’assistance ouvertes, assurant l’alignement des clients avec la description des cas, l’impact sur l’entreprise, le statut, la priorité </a:t>
+            </a:r>
+            <a:br>
+              <a:rPr lang="fr-FR" sz="900" dirty="0">
+                <a:solidFill>
+                  <a:srgbClr val="4B4B4B"/>
+                </a:solidFill>
+                <a:latin typeface="Adobe Clean Light" panose="020B0303020404020204" pitchFamily="34" charset="0"/>
+              </a:rPr>
+            </a:br>
+            <a:r>
+              <a:rPr lang="fr-FR" sz="900" dirty="0">
+                <a:solidFill>
+                  <a:srgbClr val="4B4B4B"/>
+                </a:solidFill>
+                <a:latin typeface="Adobe Clean Light" panose="020B0303020404020204" pitchFamily="34" charset="0"/>
+              </a:rPr>
+              <a:t>et l’accord concernant les prochaines étapes nécessaires pour garantir une résolution rapide.</a:t>
+            </a:r>
           </a:p>
         </p:txBody>
       </p:sp>
@@ -11818,19 +9933,15 @@
               </a:spcBef>
             </a:pPr>
             <a:r>
-              <a:rPr lang="en-US" sz="1400" b="1" spc="-10">
+              <a:rPr lang="fr-FR" sz="1400" b="1">
                 <a:solidFill>
                   <a:srgbClr val="020302"/>
                 </a:solidFill>
                 <a:latin typeface="Adobe Clean"/>
                 <a:cs typeface="Adobe Clean"/>
               </a:rPr>
-              <a:t>Cloud Support Activities - AEM</a:t>
-            </a:r>
-            <a:endParaRPr lang="en-US" sz="1400">
-              <a:latin typeface="Adobe Clean"/>
-              <a:cs typeface="Adobe Clean"/>
-            </a:endParaRPr>
+              <a:t>Activités d’assistance dans le cloud - AEM</a:t>
+            </a:r>
           </a:p>
         </p:txBody>
       </p:sp>
@@ -11848,8 +9959,8 @@
         </p:nvSpPr>
         <p:spPr>
           <a:xfrm>
-            <a:off x="214971" y="4310484"/>
-            <a:ext cx="2286000" cy="45719"/>
+            <a:off x="214970" y="4310484"/>
+            <a:ext cx="3092109" cy="62862"/>
           </a:xfrm>
           <a:custGeom>
             <a:avLst/>
@@ -11913,7 +10024,7 @@
         </p:blipFill>
         <p:spPr>
           <a:xfrm>
-            <a:off x="2569142" y="3892352"/>
+            <a:off x="3511380" y="3892352"/>
             <a:ext cx="461665" cy="461665"/>
           </a:xfrm>
           <a:prstGeom prst="rect">
@@ -11952,7 +10063,7 @@
         </p:blipFill>
         <p:spPr>
           <a:xfrm>
-            <a:off x="2776853" y="6679878"/>
+            <a:off x="2776853" y="6442805"/>
             <a:ext cx="411480" cy="411480"/>
           </a:xfrm>
           <a:prstGeom prst="rect">
@@ -11991,7 +10102,7 @@
         </p:blipFill>
         <p:spPr>
           <a:xfrm>
-            <a:off x="228600" y="8520784"/>
+            <a:off x="228600" y="8222681"/>
             <a:ext cx="411480" cy="411480"/>
           </a:xfrm>
           <a:prstGeom prst="rect">
@@ -12030,7 +10141,7 @@
         </p:blipFill>
         <p:spPr>
           <a:xfrm>
-            <a:off x="228600" y="6641210"/>
+            <a:off x="228600" y="6404137"/>
             <a:ext cx="411480" cy="411480"/>
           </a:xfrm>
           <a:prstGeom prst="rect">
@@ -12069,7 +10180,7 @@
         </p:blipFill>
         <p:spPr>
           <a:xfrm>
-            <a:off x="5257800" y="6629400"/>
+            <a:off x="5257800" y="6392327"/>
             <a:ext cx="411480" cy="411480"/>
           </a:xfrm>
           <a:prstGeom prst="rect">
@@ -12108,7 +10219,7 @@
         </p:blipFill>
         <p:spPr>
           <a:xfrm>
-            <a:off x="5257800" y="8520784"/>
+            <a:off x="5257800" y="8222681"/>
             <a:ext cx="411480" cy="411480"/>
           </a:xfrm>
           <a:prstGeom prst="rect">
@@ -12147,7 +10258,7 @@
         </p:blipFill>
         <p:spPr>
           <a:xfrm>
-            <a:off x="2776853" y="8520784"/>
+            <a:off x="2776853" y="8222681"/>
             <a:ext cx="411480" cy="411480"/>
           </a:xfrm>
           <a:prstGeom prst="rect">
@@ -12186,7 +10297,7 @@
         </p:blipFill>
         <p:spPr>
           <a:xfrm>
-            <a:off x="228600" y="2517951"/>
+            <a:off x="228600" y="2377033"/>
             <a:ext cx="469271" cy="415313"/>
           </a:xfrm>
           <a:prstGeom prst="rect">
@@ -12208,7 +10319,7 @@
         </p:nvSpPr>
         <p:spPr>
           <a:xfrm rot="5400000" flipH="1">
-            <a:off x="3863341" y="986533"/>
+            <a:off x="3863341" y="914884"/>
             <a:ext cx="45719" cy="5577840"/>
           </a:xfrm>
           <a:custGeom>
@@ -12263,7 +10374,7 @@
         </p:nvSpPr>
         <p:spPr>
           <a:xfrm rot="5400000" flipH="1">
-            <a:off x="3863341" y="5514588"/>
+            <a:off x="3863341" y="5186982"/>
             <a:ext cx="45719" cy="5577840"/>
           </a:xfrm>
           <a:custGeom>
@@ -12582,109 +10693,15 @@
               </a:lnSpc>
             </a:pPr>
             <a:r>
-              <a:rPr sz="800" spc="-10">
+              <a:rPr lang="fr-FR" sz="800">
                 <a:solidFill>
                   <a:srgbClr val="6D6D6D"/>
                 </a:solidFill>
                 <a:latin typeface="Adobe Clean"/>
                 <a:cs typeface="Adobe Clean"/>
               </a:rPr>
-              <a:t>©202</a:t>
-            </a:r>
-            <a:r>
-              <a:rPr lang="en-US" sz="800" spc="-10">
-                <a:solidFill>
-                  <a:srgbClr val="6D6D6D"/>
-                </a:solidFill>
-                <a:latin typeface="Adobe Clean"/>
-                <a:cs typeface="Adobe Clean"/>
-              </a:rPr>
-              <a:t>1</a:t>
-            </a:r>
-            <a:r>
-              <a:rPr sz="800" spc="-5">
-                <a:solidFill>
-                  <a:srgbClr val="6D6D6D"/>
-                </a:solidFill>
-                <a:latin typeface="Adobe Clean"/>
-                <a:cs typeface="Adobe Clean"/>
-              </a:rPr>
-              <a:t> Adobe. All</a:t>
-            </a:r>
-            <a:r>
-              <a:rPr sz="800" spc="-15">
-                <a:solidFill>
-                  <a:srgbClr val="6D6D6D"/>
-                </a:solidFill>
-                <a:latin typeface="Adobe Clean"/>
-                <a:cs typeface="Adobe Clean"/>
-              </a:rPr>
-              <a:t> </a:t>
-            </a:r>
-            <a:r>
-              <a:rPr sz="800" spc="-10">
-                <a:solidFill>
-                  <a:srgbClr val="6D6D6D"/>
-                </a:solidFill>
-                <a:latin typeface="Adobe Clean"/>
-                <a:cs typeface="Adobe Clean"/>
-              </a:rPr>
-              <a:t>Rights</a:t>
-            </a:r>
-            <a:r>
-              <a:rPr sz="800" spc="-5">
-                <a:solidFill>
-                  <a:srgbClr val="6D6D6D"/>
-                </a:solidFill>
-                <a:latin typeface="Adobe Clean"/>
-                <a:cs typeface="Adobe Clean"/>
-              </a:rPr>
-              <a:t> </a:t>
-            </a:r>
-            <a:r>
-              <a:rPr sz="800" spc="-10">
-                <a:solidFill>
-                  <a:srgbClr val="6D6D6D"/>
-                </a:solidFill>
-                <a:latin typeface="Adobe Clean"/>
-                <a:cs typeface="Adobe Clean"/>
-              </a:rPr>
-              <a:t>Reserved.</a:t>
-            </a:r>
-            <a:r>
-              <a:rPr sz="800" spc="-5">
-                <a:solidFill>
-                  <a:srgbClr val="6D6D6D"/>
-                </a:solidFill>
-                <a:latin typeface="Adobe Clean"/>
-                <a:cs typeface="Adobe Clean"/>
-              </a:rPr>
-              <a:t> Adobe</a:t>
-            </a:r>
-            <a:r>
-              <a:rPr sz="800" spc="75">
-                <a:solidFill>
-                  <a:srgbClr val="6D6D6D"/>
-                </a:solidFill>
-                <a:latin typeface="Adobe Clean"/>
-                <a:cs typeface="Adobe Clean"/>
-              </a:rPr>
-              <a:t> </a:t>
-            </a:r>
-            <a:r>
-              <a:rPr sz="800" spc="-10">
-                <a:solidFill>
-                  <a:srgbClr val="6D6D6D"/>
-                </a:solidFill>
-                <a:latin typeface="Adobe Clean"/>
-                <a:cs typeface="Adobe Clean"/>
-              </a:rPr>
-              <a:t>Confidential.</a:t>
-            </a:r>
-            <a:endParaRPr sz="800">
-              <a:latin typeface="Adobe Clean"/>
-              <a:cs typeface="Adobe Clean"/>
-            </a:endParaRPr>
+              <a:t>©2021 Adobe. All Rights Reserved. Données confidentielles Adobe</a:t>
+            </a:r>
           </a:p>
         </p:txBody>
       </p:sp>
@@ -12696,8 +10713,8 @@
         </p:nvSpPr>
         <p:spPr>
           <a:xfrm>
-            <a:off x="4724780" y="914778"/>
-            <a:ext cx="1954230" cy="57597"/>
+            <a:off x="4439773" y="896885"/>
+            <a:ext cx="2524244" cy="93384"/>
           </a:xfrm>
           <a:custGeom>
             <a:avLst/>
@@ -12738,7 +10755,7 @@
         </p:nvSpPr>
         <p:spPr>
           <a:xfrm>
-            <a:off x="4843270" y="589788"/>
+            <a:off x="4514850" y="589788"/>
             <a:ext cx="2588260" cy="228268"/>
           </a:xfrm>
           <a:prstGeom prst="rect">
@@ -12757,179 +10774,15 @@
               </a:spcBef>
             </a:pPr>
             <a:r>
-              <a:rPr sz="1400" b="1" spc="-25" dirty="0">
+              <a:rPr lang="fr-FR" sz="1400" b="1" dirty="0">
                 <a:solidFill>
                   <a:srgbClr val="020302"/>
                 </a:solidFill>
                 <a:latin typeface="Adobe Clean"/>
                 <a:cs typeface="Adobe Clean"/>
               </a:rPr>
-              <a:t>Fi</a:t>
-            </a:r>
-            <a:r>
-              <a:rPr sz="1400" b="1" spc="-30" dirty="0">
-                <a:solidFill>
-                  <a:srgbClr val="020302"/>
-                </a:solidFill>
-                <a:latin typeface="Adobe Clean"/>
-                <a:cs typeface="Adobe Clean"/>
-              </a:rPr>
-              <a:t>e</a:t>
-            </a:r>
-            <a:r>
-              <a:rPr sz="1400" b="1" spc="-25" dirty="0">
-                <a:solidFill>
-                  <a:srgbClr val="020302"/>
-                </a:solidFill>
-                <a:latin typeface="Adobe Clean"/>
-                <a:cs typeface="Adobe Clean"/>
-              </a:rPr>
-              <a:t>l</a:t>
-            </a:r>
-            <a:r>
-              <a:rPr sz="1400" b="1" dirty="0">
-                <a:solidFill>
-                  <a:srgbClr val="020302"/>
-                </a:solidFill>
-                <a:latin typeface="Adobe Clean"/>
-                <a:cs typeface="Adobe Clean"/>
-              </a:rPr>
-              <a:t>d</a:t>
-            </a:r>
-            <a:r>
-              <a:rPr sz="1400" b="1" spc="-45" dirty="0">
-                <a:solidFill>
-                  <a:srgbClr val="020302"/>
-                </a:solidFill>
-                <a:latin typeface="Adobe Clean"/>
-                <a:cs typeface="Adobe Clean"/>
-              </a:rPr>
-              <a:t> </a:t>
-            </a:r>
-            <a:r>
-              <a:rPr sz="1400" b="1" spc="20" dirty="0">
-                <a:solidFill>
-                  <a:srgbClr val="020302"/>
-                </a:solidFill>
-                <a:latin typeface="Adobe Clean"/>
-                <a:cs typeface="Adobe Clean"/>
-              </a:rPr>
-              <a:t>S</a:t>
-            </a:r>
-            <a:r>
-              <a:rPr sz="1400" b="1" spc="10" dirty="0">
-                <a:solidFill>
-                  <a:srgbClr val="020302"/>
-                </a:solidFill>
-                <a:latin typeface="Adobe Clean"/>
-                <a:cs typeface="Adobe Clean"/>
-              </a:rPr>
-              <a:t>e</a:t>
-            </a:r>
-            <a:r>
-              <a:rPr sz="1400" b="1" spc="15" dirty="0">
-                <a:solidFill>
-                  <a:srgbClr val="020302"/>
-                </a:solidFill>
-                <a:latin typeface="Adobe Clean"/>
-                <a:cs typeface="Adobe Clean"/>
-              </a:rPr>
-              <a:t>rvi</a:t>
-            </a:r>
-            <a:r>
-              <a:rPr sz="1400" b="1" spc="10" dirty="0">
-                <a:solidFill>
-                  <a:srgbClr val="020302"/>
-                </a:solidFill>
-                <a:latin typeface="Adobe Clean"/>
-                <a:cs typeface="Adobe Clean"/>
-              </a:rPr>
-              <a:t>c</a:t>
-            </a:r>
-            <a:r>
-              <a:rPr sz="1400" b="1" dirty="0">
-                <a:solidFill>
-                  <a:srgbClr val="020302"/>
-                </a:solidFill>
-                <a:latin typeface="Adobe Clean"/>
-                <a:cs typeface="Adobe Clean"/>
-              </a:rPr>
-              <a:t>e</a:t>
-            </a:r>
-            <a:r>
-              <a:rPr lang="en-US" sz="1400" b="1" dirty="0">
-                <a:solidFill>
-                  <a:srgbClr val="020302"/>
-                </a:solidFill>
-                <a:latin typeface="Adobe Clean"/>
-                <a:cs typeface="Adobe Clean"/>
-              </a:rPr>
-              <a:t> </a:t>
-            </a:r>
-            <a:r>
-              <a:rPr sz="1400" b="1" spc="5" dirty="0">
-                <a:solidFill>
-                  <a:srgbClr val="020302"/>
-                </a:solidFill>
-                <a:latin typeface="Adobe Clean"/>
-                <a:cs typeface="Adobe Clean"/>
-              </a:rPr>
-              <a:t>A</a:t>
-            </a:r>
-            <a:r>
-              <a:rPr sz="1400" b="1" dirty="0">
-                <a:solidFill>
-                  <a:srgbClr val="020302"/>
-                </a:solidFill>
-                <a:latin typeface="Adobe Clean"/>
-                <a:cs typeface="Adobe Clean"/>
-              </a:rPr>
-              <a:t>ct</a:t>
-            </a:r>
-            <a:r>
-              <a:rPr sz="1400" b="1" spc="5" dirty="0">
-                <a:solidFill>
-                  <a:srgbClr val="020302"/>
-                </a:solidFill>
-                <a:latin typeface="Adobe Clean"/>
-                <a:cs typeface="Adobe Clean"/>
-              </a:rPr>
-              <a:t>ivi</a:t>
-            </a:r>
-            <a:r>
-              <a:rPr sz="1400" b="1" dirty="0">
-                <a:solidFill>
-                  <a:srgbClr val="020302"/>
-                </a:solidFill>
-                <a:latin typeface="Adobe Clean"/>
-                <a:cs typeface="Adobe Clean"/>
-              </a:rPr>
-              <a:t>t</a:t>
-            </a:r>
-            <a:r>
-              <a:rPr sz="1400" b="1" spc="5" dirty="0">
-                <a:solidFill>
-                  <a:srgbClr val="020302"/>
-                </a:solidFill>
-                <a:latin typeface="Adobe Clean"/>
-                <a:cs typeface="Adobe Clean"/>
-              </a:rPr>
-              <a:t>i</a:t>
-            </a:r>
-            <a:r>
-              <a:rPr sz="1400" b="1" dirty="0">
-                <a:solidFill>
-                  <a:srgbClr val="020302"/>
-                </a:solidFill>
-                <a:latin typeface="Adobe Clean"/>
-                <a:cs typeface="Adobe Clean"/>
-              </a:rPr>
-              <a:t>es</a:t>
-            </a:r>
-            <a:endParaRPr sz="1400" dirty="0">
-              <a:latin typeface="Adobe Clean"/>
-              <a:cs typeface="Adobe Clean"/>
-            </a:endParaRPr>
+              <a:t>Activités du service de terrain</a:t>
+            </a:r>
           </a:p>
         </p:txBody>
       </p:sp>
@@ -12963,99 +10816,15 @@
               </a:spcBef>
             </a:pPr>
             <a:r>
-              <a:rPr sz="1400" b="1" spc="-20">
+              <a:rPr lang="fr-FR" sz="1400" b="1">
                 <a:solidFill>
                   <a:srgbClr val="020302"/>
                 </a:solidFill>
                 <a:latin typeface="Adobe Clean"/>
                 <a:cs typeface="Adobe Clean"/>
               </a:rPr>
-              <a:t>L</a:t>
-            </a:r>
-            <a:r>
-              <a:rPr sz="1400" b="1" spc="-10">
-                <a:solidFill>
-                  <a:srgbClr val="020302"/>
-                </a:solidFill>
-                <a:latin typeface="Adobe Clean"/>
-                <a:cs typeface="Adobe Clean"/>
-              </a:rPr>
-              <a:t>a</a:t>
-            </a:r>
-            <a:r>
-              <a:rPr sz="1400" b="1" spc="-15">
-                <a:solidFill>
-                  <a:srgbClr val="020302"/>
-                </a:solidFill>
-                <a:latin typeface="Adobe Clean"/>
-                <a:cs typeface="Adobe Clean"/>
-              </a:rPr>
-              <a:t>un</a:t>
-            </a:r>
-            <a:r>
-              <a:rPr sz="1400" b="1" spc="-20">
-                <a:solidFill>
-                  <a:srgbClr val="020302"/>
-                </a:solidFill>
-                <a:latin typeface="Adobe Clean"/>
-                <a:cs typeface="Adobe Clean"/>
-              </a:rPr>
-              <a:t>c</a:t>
-            </a:r>
-            <a:r>
-              <a:rPr sz="1400" b="1">
-                <a:solidFill>
-                  <a:srgbClr val="020302"/>
-                </a:solidFill>
-                <a:latin typeface="Adobe Clean"/>
-                <a:cs typeface="Adobe Clean"/>
-              </a:rPr>
-              <a:t>h</a:t>
-            </a:r>
-            <a:r>
-              <a:rPr sz="1400" b="1" spc="-30">
-                <a:solidFill>
-                  <a:srgbClr val="020302"/>
-                </a:solidFill>
-                <a:latin typeface="Adobe Clean"/>
-                <a:cs typeface="Adobe Clean"/>
-              </a:rPr>
-              <a:t> </a:t>
-            </a:r>
-            <a:r>
-              <a:rPr sz="1400" b="1" spc="-10">
-                <a:solidFill>
-                  <a:srgbClr val="020302"/>
-                </a:solidFill>
-                <a:latin typeface="Adobe Clean"/>
-                <a:cs typeface="Adobe Clean"/>
-              </a:rPr>
-              <a:t>Advisor</a:t>
-            </a:r>
-            <a:r>
-              <a:rPr sz="1400" b="1">
-                <a:solidFill>
-                  <a:srgbClr val="020302"/>
-                </a:solidFill>
-                <a:latin typeface="Adobe Clean"/>
-                <a:cs typeface="Adobe Clean"/>
-              </a:rPr>
-              <a:t>y</a:t>
-            </a:r>
-            <a:r>
-              <a:rPr sz="1400" b="1" spc="-60">
-                <a:solidFill>
-                  <a:srgbClr val="020302"/>
-                </a:solidFill>
-                <a:latin typeface="Adobe Clean"/>
-                <a:cs typeface="Adobe Clean"/>
-              </a:rPr>
-              <a:t> </a:t>
-            </a:r>
-            <a:endParaRPr sz="1400">
-              <a:latin typeface="Adobe Clean"/>
-              <a:cs typeface="Adobe Clean"/>
-            </a:endParaRPr>
+              <a:t>Launch Advisory </a:t>
+            </a:r>
           </a:p>
         </p:txBody>
       </p:sp>
@@ -13086,47 +10855,27 @@
               </a:spcBef>
             </a:pPr>
             <a:r>
-              <a:rPr lang="en-US" sz="1000">
+              <a:rPr lang="fr-FR" sz="1000">
                 <a:solidFill>
                   <a:srgbClr val="1F1F1F"/>
                 </a:solidFill>
                 <a:latin typeface="AdobeClean-Light"/>
                 <a:cs typeface="AdobeClean-Light"/>
               </a:rPr>
-              <a:t>For customers </a:t>
-            </a:r>
-            <a:r>
-              <a:rPr sz="1000">
-                <a:solidFill>
-                  <a:srgbClr val="1F1F1F"/>
-                </a:solidFill>
-                <a:latin typeface="AdobeClean-Light"/>
-                <a:cs typeface="AdobeClean-Light"/>
-              </a:rPr>
-              <a:t>implementing a </a:t>
-            </a:r>
-            <a:r>
-              <a:rPr sz="1000" b="1">
+              <a:t>Pour les clients qui implémentent une </a:t>
+            </a:r>
+            <a:r>
+              <a:rPr lang="fr-FR" sz="1000" b="1">
                 <a:solidFill>
                   <a:srgbClr val="1F1F1F"/>
                 </a:solidFill>
                 <a:latin typeface="Adobe Clean"/>
                 <a:cs typeface="Adobe Clean"/>
               </a:rPr>
-              <a:t>new Adobe Experience Cloud solution</a:t>
-            </a:r>
-            <a:r>
-              <a:rPr lang="en-US" sz="1000" b="1">
-                <a:solidFill>
-                  <a:srgbClr val="1F1F1F"/>
-                </a:solidFill>
-                <a:latin typeface="Adobe Clean"/>
-                <a:cs typeface="Adobe Clean"/>
-              </a:rPr>
-              <a:t>, </a:t>
-            </a:r>
-            <a:r>
-              <a:rPr lang="en-US" sz="1000">
+              <a:t>nouvelle solution Adobe Experience Cloud, </a:t>
+            </a:r>
+            <a:r>
+              <a:rPr lang="fr-FR" sz="1000">
                 <a:latin typeface="Adobe Clean Light" charset="0"/>
                 <a:ea typeface="Adobe Clean Light" charset="0"/>
                 <a:cs typeface="Adobe Clean Light" charset="0"/>
@@ -13134,58 +10883,60 @@
               <a:t>Launch Advisory </a:t>
             </a:r>
             <a:r>
-              <a:rPr lang="en-US" sz="1000">
+              <a:rPr lang="fr-FR" sz="1000">
                 <a:solidFill>
                   <a:srgbClr val="000000"/>
                 </a:solidFill>
                 <a:latin typeface="Adobe Clean SemiLight" panose="020B0403020404020204" pitchFamily="34" charset="0"/>
               </a:rPr>
-              <a:t>is a </a:t>
-            </a:r>
-            <a:r>
-              <a:rPr lang="en-US" sz="1000" b="1">
+              <a:t>est un </a:t>
+            </a:r>
+            <a:r>
+              <a:rPr lang="fr-FR" sz="1000" b="1">
                 <a:solidFill>
                   <a:srgbClr val="000000"/>
                 </a:solidFill>
                 <a:latin typeface="Adobe Clean SemiLight" panose="020B0403020404020204" pitchFamily="34" charset="0"/>
               </a:rPr>
-              <a:t>core set of advisory services </a:t>
-            </a:r>
-            <a:r>
-              <a:rPr lang="en-US" sz="1000">
+              <a:t>ensemble de base de services de conseil </a:t>
+            </a:r>
+            <a:r>
+              <a:rPr lang="fr-FR" sz="1000">
                 <a:latin typeface="Adobe Clean Light" charset="0"/>
                 <a:ea typeface="Adobe Clean Light" charset="0"/>
                 <a:cs typeface="Adobe Clean Light" charset="0"/>
               </a:rPr>
-              <a:t>and recommendations that </a:t>
-            </a:r>
-            <a:r>
-              <a:rPr lang="en-US" sz="1000">
+              <a:t>et de recommandations qui s’avèrent </a:t>
+            </a:r>
+            <a:r>
+              <a:rPr lang="fr-FR" sz="1000" b="1">
                 <a:latin typeface="Adobe Clean Light" charset="0"/>
-              </a:rPr>
-              <a:t>are proven to </a:t>
-            </a:r>
-            <a:r>
-              <a:rPr lang="en-US" sz="1000" b="1">
+                <a:ea typeface="Adobe Clean Light" charset="0"/>
+                <a:cs typeface="Adobe Clean Light" charset="0"/>
+              </a:rPr>
+              <a:t>prendre en charge les déploiements réussis </a:t>
+            </a:r>
+            <a:r>
+              <a:rPr lang="fr-FR" sz="1000">
                 <a:latin typeface="Adobe Clean Light" charset="0"/>
-              </a:rPr>
-              <a:t>support successful deployments </a:t>
-            </a:r>
-            <a:r>
-              <a:rPr lang="en-US" sz="1000">
+                <a:ea typeface="Adobe Clean Light" charset="0"/>
+                <a:cs typeface="Adobe Clean Light" charset="0"/>
+              </a:rPr>
+              <a:t>et </a:t>
+            </a:r>
+            <a:r>
+              <a:rPr lang="fr-FR" sz="1000" b="1">
                 <a:latin typeface="Adobe Clean Light" charset="0"/>
-              </a:rPr>
-              <a:t>and </a:t>
-            </a:r>
-            <a:r>
-              <a:rPr lang="en-US" sz="1000" b="1">
+                <a:ea typeface="Adobe Clean Light" charset="0"/>
+                <a:cs typeface="Adobe Clean Light" charset="0"/>
+              </a:rPr>
+              <a:t>accélérer la rentabilité</a:t>
+            </a:r>
+            <a:r>
+              <a:rPr lang="fr-FR" sz="1000">
                 <a:latin typeface="Adobe Clean Light" charset="0"/>
-              </a:rPr>
-              <a:t>accelerate time-to-value</a:t>
-            </a:r>
-            <a:r>
-              <a:rPr lang="en-US" sz="1000">
-                <a:latin typeface="Adobe Clean Light" charset="0"/>
+                <a:ea typeface="Adobe Clean Light" charset="0"/>
+                <a:cs typeface="Adobe Clean Light" charset="0"/>
               </a:rPr>
               <a:t>.</a:t>
             </a:r>
@@ -13228,7 +10979,7 @@
         <p:spPr>
           <a:xfrm>
             <a:off x="3965471" y="1228675"/>
-            <a:ext cx="3603474" cy="859210"/>
+            <a:ext cx="3500857" cy="1013098"/>
           </a:xfrm>
           <a:prstGeom prst="rect">
             <a:avLst/>
@@ -13246,75 +10997,85 @@
               </a:spcBef>
             </a:pPr>
             <a:r>
-              <a:rPr lang="en-US" sz="1000">
+              <a:rPr lang="fr-FR" sz="1000" dirty="0">
                 <a:solidFill>
                   <a:srgbClr val="4B4B4B"/>
                 </a:solidFill>
                 <a:latin typeface="Adobe Clean Light" panose="020B0303020404020204" pitchFamily="34" charset="0"/>
               </a:rPr>
-              <a:t>Field Services are used for </a:t>
-            </a:r>
-            <a:r>
-              <a:rPr lang="en-US" sz="1000" b="1">
+              <a:t>Les services de terrain servent à la </a:t>
+            </a:r>
+            <a:r>
+              <a:rPr lang="fr-FR" sz="1000" b="1" dirty="0">
                 <a:solidFill>
                   <a:srgbClr val="4B4B4B"/>
                 </a:solidFill>
                 <a:latin typeface="Adobe Clean" panose="020B0503020404020204" pitchFamily="34" charset="0"/>
               </a:rPr>
-              <a:t>quick resolution</a:t>
-            </a:r>
-            <a:r>
-              <a:rPr lang="en-US" sz="1000">
+              <a:t>résolution rapide</a:t>
+            </a:r>
+            <a:r>
+              <a:rPr lang="fr-FR" sz="1000" dirty="0">
                 <a:solidFill>
                   <a:srgbClr val="4B4B4B"/>
                 </a:solidFill>
                 <a:latin typeface="Adobe Clean Light" panose="020B0303020404020204" pitchFamily="34" charset="0"/>
               </a:rPr>
-              <a:t>, focused customer success and accelerated</a:t>
-            </a:r>
-            <a:r>
-              <a:rPr lang="en-US" sz="1000" b="1">
+              <a:t>, au succès ciblé </a:t>
+            </a:r>
+            <a:br>
+              <a:rPr lang="fr-FR" sz="1000" dirty="0">
                 <a:solidFill>
                   <a:srgbClr val="4B4B4B"/>
                 </a:solidFill>
+                <a:latin typeface="Adobe Clean Light" panose="020B0303020404020204" pitchFamily="34" charset="0"/>
+              </a:rPr>
+            </a:br>
+            <a:r>
+              <a:rPr lang="fr-FR" sz="1000" dirty="0">
+                <a:solidFill>
+                  <a:srgbClr val="4B4B4B"/>
+                </a:solidFill>
+                <a:latin typeface="Adobe Clean Light" panose="020B0303020404020204" pitchFamily="34" charset="0"/>
+              </a:rPr>
+              <a:t>du client et à l’</a:t>
+            </a:r>
+            <a:r>
+              <a:rPr lang="fr-FR" sz="1000" b="1" dirty="0">
+                <a:solidFill>
+                  <a:srgbClr val="4B4B4B"/>
+                </a:solidFill>
                 <a:latin typeface="Adobe Clean" panose="020B0503020404020204" pitchFamily="34" charset="0"/>
               </a:rPr>
-              <a:t> time-to-value</a:t>
-            </a:r>
-            <a:r>
-              <a:rPr lang="en-US" sz="1000">
+              <a:t>accélération de la rentabilité</a:t>
+            </a:r>
+            <a:r>
+              <a:rPr lang="fr-FR" sz="1000" dirty="0">
                 <a:solidFill>
                   <a:srgbClr val="4B4B4B"/>
                 </a:solidFill>
                 <a:latin typeface="Adobe Clean Light" panose="020B0303020404020204" pitchFamily="34" charset="0"/>
               </a:rPr>
-              <a:t>. If Launch advisory is active there will be </a:t>
-            </a:r>
-            <a:r>
-              <a:rPr lang="en-US" sz="1000" b="1">
+              <a:t>. Si Launch Advisory est actif, il n’y aura </a:t>
+            </a:r>
+            <a:r>
+              <a:rPr lang="fr-FR" sz="1000" b="1" dirty="0">
                 <a:solidFill>
                   <a:srgbClr val="4B4B4B"/>
                 </a:solidFill>
                 <a:latin typeface="Adobe Clean" panose="020B0503020404020204" pitchFamily="34" charset="0"/>
               </a:rPr>
-              <a:t>no Field Services in year 1 </a:t>
-            </a:r>
-            <a:r>
-              <a:rPr lang="en-US" sz="1000">
+              <a:t>aucun service sur le terrain au cours de la première année</a:t>
+            </a:r>
+            <a:r>
+              <a:rPr lang="fr-FR" sz="1000" dirty="0">
                 <a:solidFill>
                   <a:srgbClr val="4B4B4B"/>
                 </a:solidFill>
                 <a:latin typeface="Adobe Clean Light" panose="020B0303020404020204" pitchFamily="34" charset="0"/>
               </a:rPr>
-              <a:t>for any solution product covered by an Adobe Support contract. </a:t>
-            </a:r>
-            <a:endParaRPr lang="en-US" sz="1000">
-              <a:solidFill>
-                <a:srgbClr val="1F1F1F"/>
-              </a:solidFill>
-              <a:latin typeface="Adobe Clean Light" panose="020B0303020404020204" pitchFamily="34" charset="0"/>
-              <a:cs typeface="Adobe Clean"/>
-            </a:endParaRPr>
+              <a:t> pour tout produit de solution couvert par un contrat d’assistance Adobe. </a:t>
+            </a:r>
           </a:p>
           <a:p>
             <a:pPr marL="24130" marR="5080">
@@ -13322,7 +11083,7 @@
                 <a:spcPts val="600"/>
               </a:spcBef>
             </a:pPr>
-            <a:endParaRPr lang="en-US" sz="1000" b="1">
+            <a:endParaRPr lang="en-US" sz="1000" b="1" dirty="0">
               <a:solidFill>
                 <a:srgbClr val="1F1F1F"/>
               </a:solidFill>
@@ -13490,8 +11251,8 @@
         </p:nvSpPr>
         <p:spPr>
           <a:xfrm>
-            <a:off x="172087" y="3867961"/>
-            <a:ext cx="3525469" cy="2336537"/>
+            <a:off x="172087" y="3517312"/>
+            <a:ext cx="3525469" cy="2798202"/>
           </a:xfrm>
           <a:prstGeom prst="rect">
             <a:avLst/>
@@ -13509,37 +11270,56 @@
               </a:spcBef>
             </a:pPr>
             <a:r>
-              <a:rPr lang="en-US" sz="1000">
+              <a:rPr lang="fr-FR" sz="1000" dirty="0">
                 <a:latin typeface="Adobe Clean Light" charset="0"/>
               </a:rPr>
-              <a:t>Adobe solution experts help validate requirements, architecture, development process, and launch readiness reviews </a:t>
-            </a:r>
-            <a:r>
-              <a:rPr lang="en-US" sz="1000">
+              <a:t>Les experts en solutions Adobe aident à valider les exigences, l’architecture, les processus de développement et les examens </a:t>
+            </a:r>
+            <a:br>
+              <a:rPr lang="fr-FR" sz="1000" dirty="0">
+                <a:latin typeface="Adobe Clean Light" charset="0"/>
+              </a:rPr>
+            </a:br>
+            <a:r>
+              <a:rPr lang="fr-FR" sz="1000" dirty="0">
+                <a:latin typeface="Adobe Clean Light" charset="0"/>
+              </a:rPr>
+              <a:t>de préparation au lancement avec des </a:t>
+            </a:r>
+            <a:r>
+              <a:rPr lang="fr-FR" sz="1000" b="1" dirty="0">
                 <a:solidFill>
                   <a:srgbClr val="000000"/>
                 </a:solidFill>
                 <a:latin typeface="Adobe Clean SemiLight" panose="020B0403020404020204" pitchFamily="34" charset="0"/>
               </a:rPr>
-              <a:t>with </a:t>
-            </a:r>
-            <a:r>
-              <a:rPr lang="en-US" sz="1000" b="1">
+              <a:t>conseils basés sur les bonnes pratiques </a:t>
+            </a:r>
+            <a:r>
+              <a:rPr lang="fr-FR" sz="1000" dirty="0">
                 <a:solidFill>
                   <a:srgbClr val="000000"/>
                 </a:solidFill>
                 <a:latin typeface="Adobe Clean SemiLight" panose="020B0403020404020204" pitchFamily="34" charset="0"/>
               </a:rPr>
-              <a:t>best practice-based guidance </a:t>
-            </a:r>
-            <a:r>
-              <a:rPr lang="en-US" sz="1000">
+              <a:t>à l’intention des clients et des partenaires </a:t>
+            </a:r>
+            <a:br>
+              <a:rPr lang="fr-FR" sz="1000" dirty="0">
                 <a:solidFill>
                   <a:srgbClr val="000000"/>
                 </a:solidFill>
                 <a:latin typeface="Adobe Clean SemiLight" panose="020B0403020404020204" pitchFamily="34" charset="0"/>
               </a:rPr>
-              <a:t>to customers and implementation partners.</a:t>
+            </a:br>
+            <a:r>
+              <a:rPr lang="fr-FR" sz="1000" dirty="0">
+                <a:solidFill>
+                  <a:srgbClr val="000000"/>
+                </a:solidFill>
+                <a:latin typeface="Adobe Clean SemiLight" panose="020B0403020404020204" pitchFamily="34" charset="0"/>
+              </a:rPr>
+              <a:t>de mise en œuvre.</a:t>
             </a:r>
           </a:p>
           <a:p>
@@ -13548,7 +11328,7 @@
                 <a:spcPts val="100"/>
               </a:spcBef>
             </a:pPr>
-            <a:endParaRPr lang="en-US" sz="1000">
+            <a:endParaRPr lang="en-US" sz="1000" dirty="0">
               <a:solidFill>
                 <a:srgbClr val="1F1F1F"/>
               </a:solidFill>
@@ -13563,22 +11343,22 @@
               </a:spcBef>
             </a:pPr>
             <a:r>
-              <a:rPr lang="en-US" sz="1000">
+              <a:rPr lang="fr-FR" sz="1000" dirty="0">
                 <a:latin typeface="Adobe Clean Light" charset="0"/>
               </a:rPr>
-              <a:t>Launch Advisory will align with your project schedule through common milestones (</a:t>
-            </a:r>
-            <a:r>
-              <a:rPr lang="en-US" sz="1000" b="1">
+              <a:t>Launch Advisory s’alignera sur le calendrier de votre projet via des jalons communs (</a:t>
+            </a:r>
+            <a:r>
+              <a:rPr lang="fr-FR" sz="1000" b="1" dirty="0">
                 <a:latin typeface="Adobe Clean Light" charset="0"/>
               </a:rPr>
-              <a:t>Kickoff, Define, Design, Go-live and Post Launch</a:t>
-            </a:r>
-            <a:r>
-              <a:rPr lang="en-US" sz="1000">
+              <a:t>lancement, définition, conception, activation et post-lancement</a:t>
+            </a:r>
+            <a:r>
+              <a:rPr lang="fr-FR" sz="1000" dirty="0">
                 <a:latin typeface="Adobe Clean Light" charset="0"/>
               </a:rPr>
-              <a:t>) to guide, validate, assess and make recommendations.</a:t>
+              <a:t>) pour guider, valider, évaluer et faire des recommandations.</a:t>
             </a:r>
           </a:p>
           <a:p>
@@ -13587,7 +11367,7 @@
                 <a:spcPts val="100"/>
               </a:spcBef>
             </a:pPr>
-            <a:endParaRPr lang="en-US" sz="1000">
+            <a:endParaRPr lang="en-US" sz="1000" dirty="0">
               <a:latin typeface="Adobe Clean Light" charset="0"/>
             </a:endParaRPr>
           </a:p>
@@ -13598,10 +11378,10 @@
               </a:spcBef>
             </a:pPr>
             <a:r>
-              <a:rPr lang="en-US" sz="1000">
+              <a:rPr lang="fr-FR" sz="1000" dirty="0">
                 <a:latin typeface="Adobe Clean Light" charset="0"/>
               </a:rPr>
-              <a:t>Key Deliverables include:</a:t>
+              <a:t>Les principaux éléments livrables sont les suivants :</a:t>
             </a:r>
           </a:p>
           <a:p>
@@ -13613,8 +11393,15 @@
               <a:buChar char="•"/>
             </a:pPr>
             <a:r>
-              <a:rPr lang="en-US" sz="1000"/>
-              <a:t>Kickoff (including project collaboration plan) deck</a:t>
+              <a:rPr lang="fr-FR" sz="1000" dirty="0"/>
+              <a:t>Plateforme de lancement (y compris le plan </a:t>
+            </a:r>
+            <a:br>
+              <a:rPr lang="fr-FR" sz="1000" dirty="0"/>
+            </a:br>
+            <a:r>
+              <a:rPr lang="fr-FR" sz="1000" dirty="0"/>
+              <a:t>de collaboration du projet)</a:t>
             </a:r>
           </a:p>
           <a:p>
@@ -13626,8 +11413,8 @@
               <a:buChar char="•"/>
             </a:pPr>
             <a:r>
-              <a:rPr lang="en-US" sz="1000"/>
-              <a:t>Assessment &amp; recommendations document(s)</a:t>
+              <a:rPr lang="fr-FR" sz="1000" dirty="0"/>
+              <a:t>Document(s) d’évaluation et de recommandations</a:t>
             </a:r>
           </a:p>
           <a:p>
@@ -13639,8 +11426,8 @@
               <a:buChar char="•"/>
             </a:pPr>
             <a:r>
-              <a:rPr lang="en-US" sz="1000"/>
-              <a:t>Engagement summary</a:t>
+              <a:rPr lang="fr-FR" sz="1000" dirty="0"/>
+              <a:t>Résumé des engagements</a:t>
             </a:r>
           </a:p>
         </p:txBody>
@@ -13659,7 +11446,7 @@
         </p:nvSpPr>
         <p:spPr>
           <a:xfrm rot="10800000" flipH="1">
-            <a:off x="3692282" y="3840480"/>
+            <a:off x="3692282" y="3489831"/>
             <a:ext cx="45719" cy="5669280"/>
           </a:xfrm>
           <a:custGeom>
@@ -13744,8 +11531,8 @@
           <a:p>
             <a:pPr algn="ctr"/>
             <a:r>
-              <a:rPr lang="en-US" sz="1600"/>
-              <a:t>Run &amp; Operate</a:t>
+              <a:rPr lang="fr-FR" sz="1600"/>
+              <a:t>Exécuter et faire fonctionner</a:t>
             </a:r>
           </a:p>
         </p:txBody>
@@ -13850,8 +11637,8 @@
           <a:p>
             <a:pPr algn="ctr"/>
             <a:r>
-              <a:rPr lang="en-US" sz="1600"/>
-              <a:t>Implementation</a:t>
+              <a:rPr lang="fr-FR" sz="1600"/>
+              <a:t>Implémentation</a:t>
             </a:r>
           </a:p>
         </p:txBody>
@@ -13870,8 +11657,8 @@
         </p:nvSpPr>
         <p:spPr>
           <a:xfrm>
-            <a:off x="2918286" y="2317134"/>
-            <a:ext cx="933111" cy="261610"/>
+            <a:off x="2804212" y="2317134"/>
+            <a:ext cx="1161260" cy="246221"/>
           </a:xfrm>
           <a:prstGeom prst="rect">
             <a:avLst/>
@@ -13886,8 +11673,8 @@
           <a:p>
             <a:pPr algn="ctr"/>
             <a:r>
-              <a:rPr lang="en-US" sz="1100"/>
-              <a:t>Post Launch</a:t>
+              <a:rPr lang="fr-FR" sz="1000" dirty="0"/>
+              <a:t>Post-lancement</a:t>
             </a:r>
           </a:p>
         </p:txBody>
@@ -13907,15 +11694,20 @@
           <p:nvPr/>
         </p:nvPicPr>
         <p:blipFill>
-          <a:blip r:embed="rId4"/>
-          <a:stretch>
-            <a:fillRect/>
-          </a:stretch>
+          <a:blip r:embed="rId4" cstate="print">
+            <a:extLst>
+              <a:ext uri="{28A0092B-C50C-407E-A947-70E740481C1C}">
+                <a14:useLocalDpi xmlns:a14="http://schemas.microsoft.com/office/drawing/2010/main" val="0"/>
+              </a:ext>
+            </a:extLst>
+          </a:blip>
+          <a:srcRect/>
+          <a:stretch/>
         </p:blipFill>
         <p:spPr>
           <a:xfrm>
-            <a:off x="333965" y="6379881"/>
-            <a:ext cx="3097872" cy="2855621"/>
+            <a:off x="336106" y="6456131"/>
+            <a:ext cx="3093589" cy="2855621"/>
           </a:xfrm>
           <a:prstGeom prst="rect">
             <a:avLst/>
@@ -13990,7 +11782,7 @@
         </p:nvSpPr>
         <p:spPr>
           <a:xfrm>
-            <a:off x="3855907" y="4694431"/>
+            <a:off x="3855907" y="4343782"/>
             <a:ext cx="3525469" cy="2464777"/>
           </a:xfrm>
           <a:prstGeom prst="rect">
@@ -14009,29 +11801,57 @@
               </a:spcBef>
             </a:pPr>
             <a:r>
-              <a:rPr lang="en-US" sz="1000" b="1" dirty="0">
+              <a:rPr lang="fr-FR" sz="1000" b="1" dirty="0">
                 <a:solidFill>
                   <a:srgbClr val="000000"/>
                 </a:solidFill>
                 <a:latin typeface="+mj-lt"/>
               </a:rPr>
-              <a:t>Technical Track Activities </a:t>
-            </a:r>
-            <a:r>
-              <a:rPr lang="en-US" sz="1000" dirty="0">
+              <a:t>Les activités de suivi technique </a:t>
+            </a:r>
+            <a:r>
+              <a:rPr lang="fr-FR" sz="1000" dirty="0">
                 <a:solidFill>
                   <a:srgbClr val="000000"/>
                 </a:solidFill>
                 <a:latin typeface="Adobe Clean Light"/>
               </a:rPr>
-              <a:t>ensure customers are technically sound and maximizing their tool adoption. Specifically, these types of activities include support and recommendations related to platform configurations, integrations and troubleshooting.</a:t>
-            </a:r>
-            <a:endParaRPr lang="en-US" sz="1000" dirty="0">
-              <a:solidFill>
-                <a:srgbClr val="000000"/>
-              </a:solidFill>
-              <a:latin typeface="Adobe Clean Light" panose="020B0303020404020204" pitchFamily="34" charset="0"/>
-            </a:endParaRPr>
+              <a:t>s’assurent que les clients sont techniquement sûrs et maximisent l’adoption de leurs outils. Pour être plus précis, ces types d’activités incluent la prise en charge </a:t>
+            </a:r>
+            <a:br>
+              <a:rPr lang="fr-FR" sz="1000" dirty="0">
+                <a:solidFill>
+                  <a:srgbClr val="000000"/>
+                </a:solidFill>
+                <a:latin typeface="Adobe Clean Light"/>
+              </a:rPr>
+            </a:br>
+            <a:r>
+              <a:rPr lang="fr-FR" sz="1000" dirty="0">
+                <a:solidFill>
+                  <a:srgbClr val="000000"/>
+                </a:solidFill>
+                <a:latin typeface="Adobe Clean Light"/>
+              </a:rPr>
+              <a:t>et les recommandations liées aux configurations de plateforme, </a:t>
+            </a:r>
+            <a:br>
+              <a:rPr lang="fr-FR" sz="1000" dirty="0">
+                <a:solidFill>
+                  <a:srgbClr val="000000"/>
+                </a:solidFill>
+                <a:latin typeface="Adobe Clean Light"/>
+              </a:rPr>
+            </a:br>
+            <a:r>
+              <a:rPr lang="fr-FR" sz="1000" dirty="0">
+                <a:solidFill>
+                  <a:srgbClr val="000000"/>
+                </a:solidFill>
+                <a:latin typeface="Adobe Clean Light"/>
+              </a:rPr>
+              <a:t>aux intégrations et à la résolution des problèmes.</a:t>
+            </a:r>
           </a:p>
           <a:p>
             <a:pPr marL="12700" marR="5080">
@@ -14039,7 +11859,7 @@
                 <a:spcPts val="100"/>
               </a:spcBef>
             </a:pPr>
-            <a:endParaRPr lang="en-US" sz="1000">
+            <a:endParaRPr lang="en-US" sz="1000" dirty="0">
               <a:latin typeface="Adobe Clean Light" charset="0"/>
             </a:endParaRPr>
           </a:p>
@@ -14050,10 +11870,10 @@
               </a:spcBef>
             </a:pPr>
             <a:r>
-              <a:rPr lang="en-US" sz="1000" dirty="0">
+              <a:rPr lang="fr-FR" sz="1000" dirty="0">
                 <a:latin typeface="Adobe Clean Light"/>
               </a:rPr>
-              <a:t>Types of technical activities available::</a:t>
+              <a:t>Les types d’activités techniques disponibles sont les suivantes :</a:t>
             </a:r>
           </a:p>
           <a:p>
@@ -14068,12 +11888,9 @@
               <a:buChar char="ü"/>
             </a:pPr>
             <a:r>
-              <a:rPr lang="en-US" sz="1000" dirty="0"/>
-              <a:t>Health audit</a:t>
-            </a:r>
-            <a:endParaRPr lang="en-US" sz="1000" dirty="0">
-              <a:cs typeface="Calibri"/>
-            </a:endParaRPr>
+              <a:rPr lang="fr-FR" sz="1000" dirty="0"/>
+              <a:t>Vérification de l’intégrité</a:t>
+            </a:r>
           </a:p>
           <a:p>
             <a:pPr marL="184150" marR="5080" indent="-171450">
@@ -14087,12 +11904,9 @@
               <a:buChar char="ü"/>
             </a:pPr>
             <a:r>
-              <a:rPr lang="en-US" sz="1000" dirty="0"/>
-              <a:t>Platform audit</a:t>
-            </a:r>
-            <a:endParaRPr lang="en-US" sz="1000" dirty="0">
-              <a:cs typeface="Calibri"/>
-            </a:endParaRPr>
+              <a:rPr lang="fr-FR" sz="1000" dirty="0"/>
+              <a:t>Vérification de la plateforme</a:t>
+            </a:r>
           </a:p>
           <a:p>
             <a:pPr marL="184150" marR="5080" indent="-171450">
@@ -14106,12 +11920,9 @@
               <a:buChar char="ü"/>
             </a:pPr>
             <a:r>
-              <a:rPr lang="en-US" sz="1000" dirty="0"/>
-              <a:t>Feature set enablement</a:t>
-            </a:r>
-            <a:endParaRPr lang="en-US" sz="1000" dirty="0">
-              <a:cs typeface="Calibri"/>
-            </a:endParaRPr>
+              <a:rPr lang="fr-FR" sz="1000" dirty="0"/>
+              <a:t>Activation de l’ensemble de fonctionnalités</a:t>
+            </a:r>
           </a:p>
           <a:p>
             <a:pPr marL="184150" marR="5080" indent="-171450">
@@ -14125,12 +11936,9 @@
               <a:buChar char="ü"/>
             </a:pPr>
             <a:r>
-              <a:rPr lang="en-US" sz="1000" dirty="0"/>
-              <a:t>Basic integrations and configurations</a:t>
-            </a:r>
-            <a:endParaRPr lang="en-US" sz="1000" dirty="0">
-              <a:cs typeface="Calibri"/>
-            </a:endParaRPr>
+              <a:rPr lang="fr-FR" sz="1000" dirty="0"/>
+              <a:t>Intégrations et configurations de base</a:t>
+            </a:r>
           </a:p>
           <a:p>
             <a:pPr marL="184150" marR="5080" indent="-171450">
@@ -14144,12 +11952,9 @@
               <a:buChar char="ü"/>
             </a:pPr>
             <a:r>
-              <a:rPr lang="en-US" sz="1000" dirty="0"/>
-              <a:t>Customer solution troubleshooting</a:t>
-            </a:r>
-            <a:endParaRPr lang="en-US" sz="1000" dirty="0">
-              <a:cs typeface="Calibri"/>
-            </a:endParaRPr>
+              <a:rPr lang="fr-FR" sz="1000" dirty="0"/>
+              <a:t>Résolution des problèmes liés aux solutions client</a:t>
+            </a:r>
           </a:p>
           <a:p>
             <a:pPr marL="184150" marR="5080" indent="-171450">
@@ -14163,12 +11968,9 @@
               <a:buChar char="ü"/>
             </a:pPr>
             <a:r>
-              <a:rPr lang="en-US" sz="1000" dirty="0"/>
-              <a:t>Cloud service support</a:t>
-            </a:r>
-            <a:endParaRPr lang="en-US" sz="1000" dirty="0">
-              <a:cs typeface="Calibri"/>
-            </a:endParaRPr>
+              <a:rPr lang="fr-FR" sz="1000" dirty="0"/>
+              <a:t>Assistance du service Cloud</a:t>
+            </a:r>
           </a:p>
         </p:txBody>
       </p:sp>
@@ -14186,7 +11988,7 @@
         </p:nvSpPr>
         <p:spPr>
           <a:xfrm>
-            <a:off x="3851397" y="7249456"/>
+            <a:off x="3851397" y="6898807"/>
             <a:ext cx="3525469" cy="2054409"/>
           </a:xfrm>
           <a:prstGeom prst="rect">
@@ -14205,22 +12007,56 @@
               </a:spcBef>
             </a:pPr>
             <a:r>
-              <a:rPr lang="en-US" sz="1000" b="1" dirty="0">
+              <a:rPr lang="fr-FR" sz="1000" b="1" dirty="0">
                 <a:solidFill>
                   <a:srgbClr val="000000"/>
                 </a:solidFill>
                 <a:latin typeface="+mj-lt"/>
               </a:rPr>
-              <a:t>Strategic Track Activities </a:t>
-            </a:r>
-            <a:r>
-              <a:rPr lang="en-US" sz="1000" dirty="0">
+              <a:t>Les activités de suivi stratégique </a:t>
+            </a:r>
+            <a:r>
+              <a:rPr lang="fr-FR" sz="1000" dirty="0">
                 <a:solidFill>
                   <a:srgbClr val="000000"/>
                 </a:solidFill>
                 <a:latin typeface="Adobe Clean Light"/>
               </a:rPr>
-              <a:t>locate opportunities to ensure value is being realized from a customer’s Adobe solutions. They include support recommendations related to strategy, measurement and maturity to drive value realization across one or more Adobe solutions.</a:t>
+              <a:t>localisent des opportunités pour s’assurer que les solutions Adobe d’un client génèrent de la valeur. Elles comprennent des recommandations d’assistance liées </a:t>
+            </a:r>
+            <a:br>
+              <a:rPr lang="fr-FR" sz="1000" dirty="0">
+                <a:solidFill>
+                  <a:srgbClr val="000000"/>
+                </a:solidFill>
+                <a:latin typeface="Adobe Clean Light"/>
+              </a:rPr>
+            </a:br>
+            <a:r>
+              <a:rPr lang="fr-FR" sz="1000" dirty="0">
+                <a:solidFill>
+                  <a:srgbClr val="000000"/>
+                </a:solidFill>
+                <a:latin typeface="Adobe Clean Light"/>
+              </a:rPr>
+              <a:t>à la stratégie, à la mesure et à la maturité afin de générer </a:t>
+            </a:r>
+            <a:br>
+              <a:rPr lang="fr-FR" sz="1000" dirty="0">
+                <a:solidFill>
+                  <a:srgbClr val="000000"/>
+                </a:solidFill>
+                <a:latin typeface="Adobe Clean Light"/>
+              </a:rPr>
+            </a:br>
+            <a:r>
+              <a:rPr lang="fr-FR" sz="1000" dirty="0">
+                <a:solidFill>
+                  <a:srgbClr val="000000"/>
+                </a:solidFill>
+                <a:latin typeface="Adobe Clean Light"/>
+              </a:rPr>
+              <a:t>de la valeur pour une ou plusieurs solutions Adobe.</a:t>
             </a:r>
           </a:p>
           <a:p>
@@ -14229,7 +12065,7 @@
                 <a:spcPts val="100"/>
               </a:spcBef>
             </a:pPr>
-            <a:endParaRPr lang="en-US" sz="1000">
+            <a:endParaRPr lang="en-US" sz="1000" dirty="0">
               <a:latin typeface="Adobe Clean Light" charset="0"/>
             </a:endParaRPr>
           </a:p>
@@ -14240,14 +12076,11 @@
               </a:spcBef>
             </a:pPr>
             <a:r>
-              <a:rPr lang="en-US" sz="1000" dirty="0">
+              <a:rPr lang="fr-FR" sz="1000" dirty="0">
                 <a:latin typeface="Adobe Clean Light"/>
               </a:rPr>
-              <a:t>Types of strategic activities available:</a:t>
-            </a:r>
-            <a:endParaRPr lang="en-US" sz="1000" dirty="0">
-              <a:latin typeface="Adobe Clean Light" charset="0"/>
-            </a:endParaRPr>
+              <a:t>Les types d’activités stratégiques disponibles sont les suivantes :</a:t>
+            </a:r>
           </a:p>
           <a:p>
             <a:pPr marL="241300" marR="5080" indent="-228600">
@@ -14261,12 +12094,9 @@
               <a:buChar char="ü"/>
             </a:pPr>
             <a:r>
-              <a:rPr lang="en-US" sz="1000" dirty="0"/>
-              <a:t>Maturity Roadmap</a:t>
-            </a:r>
-            <a:endParaRPr lang="en-US" sz="1000" dirty="0">
-              <a:cs typeface="Calibri"/>
-            </a:endParaRPr>
+              <a:rPr lang="fr-FR" sz="1000" dirty="0"/>
+              <a:t>Feuille de route de maturité</a:t>
+            </a:r>
           </a:p>
           <a:p>
             <a:pPr marL="241300" marR="5080" indent="-228600">
@@ -14280,12 +12110,9 @@
               <a:buChar char="ü"/>
             </a:pPr>
             <a:r>
-              <a:rPr lang="en-US" sz="1000" dirty="0"/>
-              <a:t>Use case development/measurement</a:t>
-            </a:r>
-            <a:endParaRPr lang="en-US" sz="1000" dirty="0">
-              <a:cs typeface="Calibri"/>
-            </a:endParaRPr>
+              <a:rPr lang="fr-FR" sz="1000" dirty="0"/>
+              <a:t>Développement/mesure des cas d’utilisation</a:t>
+            </a:r>
           </a:p>
           <a:p>
             <a:pPr marL="241300" marR="5080" indent="-228600">
@@ -14299,12 +12126,9 @@
               <a:buChar char="ü"/>
             </a:pPr>
             <a:r>
-              <a:rPr lang="en-US" sz="1000" dirty="0"/>
-              <a:t>Reporting &amp; analysis</a:t>
-            </a:r>
-            <a:endParaRPr lang="en-US" sz="1000" dirty="0">
-              <a:cs typeface="Calibri"/>
-            </a:endParaRPr>
+              <a:rPr lang="fr-FR" sz="1000" dirty="0"/>
+              <a:t>Rapports et analyses</a:t>
+            </a:r>
           </a:p>
           <a:p>
             <a:pPr marL="241300" marR="5080" indent="-228600">
@@ -14318,12 +12142,9 @@
               <a:buChar char="ü"/>
             </a:pPr>
             <a:r>
-              <a:rPr lang="en-US" sz="1000" dirty="0"/>
-              <a:t>Best practices enablement</a:t>
-            </a:r>
-            <a:endParaRPr lang="en-US" sz="1000" dirty="0">
-              <a:cs typeface="Calibri"/>
-            </a:endParaRPr>
+              <a:rPr lang="fr-FR" sz="1000" dirty="0"/>
+              <a:t>Activation des bonnes pratiques</a:t>
+            </a:r>
           </a:p>
         </p:txBody>
       </p:sp>
@@ -14341,8 +12162,8 @@
         </p:nvSpPr>
         <p:spPr>
           <a:xfrm>
-            <a:off x="3851397" y="3891661"/>
-            <a:ext cx="3525468" cy="430887"/>
+            <a:off x="3851397" y="3541012"/>
+            <a:ext cx="3525468" cy="584775"/>
           </a:xfrm>
           <a:prstGeom prst="rect">
             <a:avLst/>
@@ -14361,73 +12182,96 @@
               </a:spcBef>
             </a:pPr>
             <a:r>
-              <a:rPr lang="en-US" sz="1000">
+              <a:rPr lang="fr-FR" sz="1000" dirty="0">
                 <a:solidFill>
                   <a:srgbClr val="1F1F1F"/>
                 </a:solidFill>
                 <a:latin typeface="Adobe Clean" panose="020B0503020404020204" pitchFamily="34" charset="0"/>
                 <a:cs typeface="AdobeClean-Light"/>
               </a:rPr>
-              <a:t>As an Enterprise customer, you are eligible for</a:t>
-            </a:r>
-            <a:r>
-              <a:rPr lang="en-US" sz="1200" b="1" u="sng">
-                <a:solidFill>
-                  <a:srgbClr val="1F1F1F"/>
-                </a:solidFill>
-                <a:cs typeface="AdobeClean-Light"/>
-              </a:rPr>
-              <a:t> 2 </a:t>
-            </a:r>
-            <a:r>
-              <a:rPr lang="en-US" sz="1000" b="1" u="sng">
-                <a:solidFill>
-                  <a:srgbClr val="1F1F1F"/>
-                </a:solidFill>
-                <a:cs typeface="AdobeClean-Light"/>
-              </a:rPr>
-              <a:t>activities per year </a:t>
-            </a:r>
-            <a:r>
-              <a:rPr lang="en-US" sz="1000">
+              <a:t>En tant que client d’entreprise, vous êtes éligible pour participer </a:t>
+            </a:r>
+            <a:br>
+              <a:rPr lang="fr-FR" sz="1000" dirty="0">
                 <a:solidFill>
                   <a:srgbClr val="1F1F1F"/>
                 </a:solidFill>
                 <a:latin typeface="Adobe Clean" panose="020B0503020404020204" pitchFamily="34" charset="0"/>
                 <a:cs typeface="AdobeClean-Light"/>
               </a:rPr>
-              <a:t>from the following two tracks:</a:t>
-            </a:r>
-            <a:r>
-              <a:rPr lang="en-US" sz="1000" b="1">
-                <a:solidFill>
-                  <a:srgbClr val="1F1F1F"/>
-                </a:solidFill>
-                <a:cs typeface="AdobeClean-Light"/>
-              </a:rPr>
-              <a:t> Technical </a:t>
-            </a:r>
-            <a:r>
-              <a:rPr lang="en-US" sz="1000">
+            </a:br>
+            <a:r>
+              <a:rPr lang="fr-FR" sz="1000" dirty="0">
                 <a:solidFill>
                   <a:srgbClr val="1F1F1F"/>
                 </a:solidFill>
                 <a:latin typeface="Adobe Clean" panose="020B0503020404020204" pitchFamily="34" charset="0"/>
                 <a:cs typeface="AdobeClean-Light"/>
               </a:rPr>
-              <a:t>and/or </a:t>
-            </a:r>
-            <a:r>
-              <a:rPr lang="en-US" sz="1000" b="1">
+              <a:t>à</a:t>
+            </a:r>
+            <a:r>
+              <a:rPr lang="fr-FR" sz="1200" b="1" u="sng" dirty="0">
                 <a:solidFill>
                   <a:srgbClr val="1F1F1F"/>
                 </a:solidFill>
+                <a:latin typeface="Adobe Clean" panose="020B0503020404020204" pitchFamily="34" charset="0"/>
                 <a:cs typeface="AdobeClean-Light"/>
               </a:rPr>
-              <a:t>Strategic</a:t>
-            </a:r>
-            <a:r>
-              <a:rPr lang="en-US" sz="1000">
+              <a:t> 2 </a:t>
+            </a:r>
+            <a:r>
+              <a:rPr lang="fr-FR" sz="1000" b="1" u="sng" dirty="0">
+                <a:solidFill>
+                  <a:srgbClr val="1F1F1F"/>
+                </a:solidFill>
+                <a:latin typeface="Adobe Clean" panose="020B0503020404020204" pitchFamily="34" charset="0"/>
+                <a:cs typeface="AdobeClean-Light"/>
+              </a:rPr>
+              <a:t>activités par an </a:t>
+            </a:r>
+            <a:r>
+              <a:rPr lang="fr-FR" sz="1000" dirty="0">
+                <a:solidFill>
+                  <a:srgbClr val="1F1F1F"/>
+                </a:solidFill>
+                <a:latin typeface="Adobe Clean" panose="020B0503020404020204" pitchFamily="34" charset="0"/>
+                <a:cs typeface="AdobeClean-Light"/>
+              </a:rPr>
+              <a:t>à partir de ces deux suivis :</a:t>
+            </a:r>
+            <a:r>
+              <a:rPr lang="fr-FR" sz="1000" b="1" dirty="0">
+                <a:solidFill>
+                  <a:srgbClr val="1F1F1F"/>
+                </a:solidFill>
+                <a:latin typeface="Adobe Clean" panose="020B0503020404020204" pitchFamily="34" charset="0"/>
+                <a:cs typeface="AdobeClean-Light"/>
+              </a:rPr>
+              <a:t> technique </a:t>
+            </a:r>
+            <a:r>
+              <a:rPr lang="fr-FR" sz="1000" dirty="0">
+                <a:solidFill>
+                  <a:srgbClr val="1F1F1F"/>
+                </a:solidFill>
+                <a:latin typeface="Adobe Clean" panose="020B0503020404020204" pitchFamily="34" charset="0"/>
+                <a:cs typeface="AdobeClean-Light"/>
+              </a:rPr>
+              <a:t>et/ou </a:t>
+            </a:r>
+            <a:r>
+              <a:rPr lang="fr-FR" sz="1000" b="1" dirty="0">
+                <a:solidFill>
+                  <a:srgbClr val="1F1F1F"/>
+                </a:solidFill>
+                <a:latin typeface="Adobe Clean" panose="020B0503020404020204" pitchFamily="34" charset="0"/>
+                <a:cs typeface="AdobeClean-Light"/>
+              </a:rPr>
+              <a:t>stratégique</a:t>
+            </a:r>
+            <a:r>
+              <a:rPr lang="fr-FR" sz="1000" dirty="0">
                 <a:solidFill>
                   <a:srgbClr val="1F1F1F"/>
                 </a:solidFill>
@@ -14436,12 +12280,6 @@
               </a:rPr>
               <a:t>.</a:t>
             </a:r>
-            <a:endParaRPr lang="en-US" sz="1000" b="1">
-              <a:solidFill>
-                <a:prstClr val="black"/>
-              </a:solidFill>
-              <a:cs typeface="AdobeClean-Light"/>
-            </a:endParaRPr>
           </a:p>
         </p:txBody>
       </p:sp>
@@ -14460,7 +12298,7 @@
         <p:spPr>
           <a:xfrm>
             <a:off x="2236134" y="2317134"/>
-            <a:ext cx="826006" cy="261610"/>
+            <a:ext cx="826006" cy="246221"/>
           </a:xfrm>
           <a:prstGeom prst="rect">
             <a:avLst/>
@@ -14475,8 +12313,8 @@
           <a:p>
             <a:pPr algn="ctr"/>
             <a:r>
-              <a:rPr lang="en-US" sz="1100"/>
-              <a:t>Go-Live</a:t>
+              <a:rPr lang="fr-FR" sz="1000"/>
+              <a:t>Activation</a:t>
             </a:r>
           </a:p>
         </p:txBody>
@@ -14496,7 +12334,7 @@
         <p:spPr>
           <a:xfrm>
             <a:off x="878679" y="2320287"/>
-            <a:ext cx="826006" cy="261610"/>
+            <a:ext cx="826006" cy="246221"/>
           </a:xfrm>
           <a:prstGeom prst="rect">
             <a:avLst/>
@@ -14511,8 +12349,8 @@
           <a:p>
             <a:pPr algn="ctr"/>
             <a:r>
-              <a:rPr lang="en-US" sz="1100"/>
-              <a:t>Define</a:t>
+              <a:rPr lang="fr-FR" sz="1000"/>
+              <a:t>Définition</a:t>
             </a:r>
           </a:p>
         </p:txBody>
@@ -14532,7 +12370,7 @@
         <p:spPr>
           <a:xfrm>
             <a:off x="205422" y="2330087"/>
-            <a:ext cx="826006" cy="261610"/>
+            <a:ext cx="826006" cy="246221"/>
           </a:xfrm>
           <a:prstGeom prst="rect">
             <a:avLst/>
@@ -14547,8 +12385,8 @@
           <a:p>
             <a:pPr algn="ctr"/>
             <a:r>
-              <a:rPr lang="en-US" sz="1100"/>
-              <a:t>Kickoff</a:t>
+              <a:rPr lang="fr-FR" sz="1000"/>
+              <a:t>Lancement</a:t>
             </a:r>
           </a:p>
         </p:txBody>
@@ -14568,7 +12406,7 @@
         <p:spPr>
           <a:xfrm>
             <a:off x="1558548" y="2320287"/>
-            <a:ext cx="826006" cy="261610"/>
+            <a:ext cx="826006" cy="246221"/>
           </a:xfrm>
           <a:prstGeom prst="rect">
             <a:avLst/>
@@ -14583,8 +12421,8 @@
           <a:p>
             <a:pPr algn="ctr"/>
             <a:r>
-              <a:rPr lang="en-US" sz="1100"/>
-              <a:t>Design</a:t>
+              <a:rPr lang="fr-FR" sz="1000"/>
+              <a:t>Conception</a:t>
             </a:r>
           </a:p>
         </p:txBody>
@@ -14641,14 +12479,14 @@
           <a:p>
             <a:pPr algn="ctr"/>
             <a:r>
-              <a:rPr lang="en-US">
+              <a:rPr lang="fr-FR">
                 <a:solidFill>
                   <a:schemeClr val="accent1">
                     <a:lumMod val="50000"/>
                   </a:schemeClr>
                 </a:solidFill>
               </a:rPr>
-              <a:t>2 Activities per Year</a:t>
+              <a:t>2 activités par an</a:t>
             </a:r>
           </a:p>
         </p:txBody>
@@ -14710,49 +12548,15 @@
               </a:lnSpc>
             </a:pPr>
             <a:r>
-              <a:rPr sz="500" spc="-5">
+              <a:rPr lang="fr-FR" sz="500">
                 <a:solidFill>
                   <a:srgbClr val="6C6C6C"/>
                 </a:solidFill>
                 <a:latin typeface="Adobe Clean"/>
                 <a:cs typeface="Adobe Clean"/>
               </a:rPr>
-              <a:t>©2020 Adobe. All Rights Reserved. </a:t>
-            </a:r>
-            <a:r>
-              <a:rPr sz="500">
-                <a:solidFill>
-                  <a:srgbClr val="6C6C6C"/>
-                </a:solidFill>
-                <a:latin typeface="Adobe Clean"/>
-                <a:cs typeface="Adobe Clean"/>
-              </a:rPr>
-              <a:t>Adobe</a:t>
-            </a:r>
-            <a:r>
-              <a:rPr sz="500" spc="5">
-                <a:solidFill>
-                  <a:srgbClr val="6C6C6C"/>
-                </a:solidFill>
-                <a:latin typeface="Adobe Clean"/>
-                <a:cs typeface="Adobe Clean"/>
-              </a:rPr>
-              <a:t> </a:t>
-            </a:r>
-            <a:r>
-              <a:rPr sz="500" spc="-5">
-                <a:solidFill>
-                  <a:srgbClr val="6C6C6C"/>
-                </a:solidFill>
-                <a:latin typeface="Adobe Clean"/>
-                <a:cs typeface="Adobe Clean"/>
-              </a:rPr>
-              <a:t>Confidential.</a:t>
-            </a:r>
-            <a:endParaRPr sz="500">
-              <a:latin typeface="Adobe Clean"/>
-              <a:cs typeface="Adobe Clean"/>
-            </a:endParaRPr>
+              <a:t>©2020 Adobe. All Rights Reserved. Données confidentielles Adobe</a:t>
+            </a:r>
           </a:p>
           <a:p>
             <a:pPr>
@@ -14778,39 +12582,15 @@
               </a:spcBef>
             </a:pPr>
             <a:r>
-              <a:rPr sz="800" spc="-5">
+              <a:rPr lang="fr-FR" sz="800">
                 <a:solidFill>
                   <a:srgbClr val="6D6D6D"/>
                 </a:solidFill>
                 <a:latin typeface="Adobe Clean"/>
                 <a:cs typeface="Adobe Clean"/>
               </a:rPr>
-              <a:t>©2020 Adobe. All Rights Reserved. Adobe</a:t>
-            </a:r>
-            <a:r>
-              <a:rPr sz="800" spc="75">
-                <a:solidFill>
-                  <a:srgbClr val="6D6D6D"/>
-                </a:solidFill>
-                <a:latin typeface="Adobe Clean"/>
-                <a:cs typeface="Adobe Clean"/>
-              </a:rPr>
-              <a:t> </a:t>
-            </a:r>
-            <a:r>
-              <a:rPr sz="800" spc="-5">
-                <a:solidFill>
-                  <a:srgbClr val="6D6D6D"/>
-                </a:solidFill>
-                <a:latin typeface="Adobe Clean"/>
-                <a:cs typeface="Adobe Clean"/>
-              </a:rPr>
-              <a:t>Confidential.</a:t>
-            </a:r>
-            <a:endParaRPr sz="800">
-              <a:latin typeface="Adobe Clean"/>
-              <a:cs typeface="Adobe Clean"/>
-            </a:endParaRPr>
+              <a:t>©2020 Adobe. All Rights Reserved. Données confidentielles Adobe</a:t>
+            </a:r>
           </a:p>
         </p:txBody>
       </p:sp>
@@ -14894,19 +12674,15 @@
               </a:spcBef>
             </a:pPr>
             <a:r>
-              <a:rPr lang="en-US" sz="1400" b="1" spc="-15">
+              <a:rPr lang="fr-FR" sz="1400" b="1">
                 <a:solidFill>
                   <a:srgbClr val="020302"/>
                 </a:solidFill>
                 <a:latin typeface="Adobe Clean"/>
                 <a:cs typeface="Adobe Clean"/>
               </a:rPr>
-              <a:t>Resources</a:t>
-            </a:r>
-            <a:endParaRPr sz="1400">
-              <a:latin typeface="Adobe Clean"/>
-              <a:cs typeface="Adobe Clean"/>
-            </a:endParaRPr>
+              <a:t>Ressources</a:t>
+            </a:r>
           </a:p>
         </p:txBody>
       </p:sp>
@@ -14919,7 +12695,7 @@
         <p:spPr>
           <a:xfrm>
             <a:off x="6754821" y="9283729"/>
-            <a:ext cx="930275" cy="662305"/>
+            <a:ext cx="1017579" cy="662305"/>
           </a:xfrm>
           <a:prstGeom prst="rect">
             <a:avLst/>
@@ -14940,7 +12716,7 @@
               </a:spcBef>
             </a:pPr>
             <a:r>
-              <a:rPr sz="800" spc="-15">
+              <a:rPr lang="fr-FR" sz="800" dirty="0">
                 <a:solidFill>
                   <a:srgbClr val="777879"/>
                 </a:solidFill>
@@ -14949,10 +12725,6 @@
               </a:rPr>
               <a:t>Adobe</a:t>
             </a:r>
-            <a:endParaRPr sz="800">
-              <a:latin typeface="Adobe Clean"/>
-              <a:cs typeface="Adobe Clean"/>
-            </a:endParaRPr>
           </a:p>
           <a:p>
             <a:pPr marL="12700">
@@ -14961,39 +12733,15 @@
               </a:lnSpc>
             </a:pPr>
             <a:r>
-              <a:rPr sz="800" spc="-15">
+              <a:rPr lang="fr-FR" sz="800" dirty="0">
                 <a:solidFill>
                   <a:srgbClr val="777879"/>
                 </a:solidFill>
                 <a:latin typeface="Adobe Clean"/>
                 <a:cs typeface="Adobe Clean"/>
               </a:rPr>
-              <a:t>345 Park</a:t>
-            </a:r>
-            <a:r>
-              <a:rPr sz="800" spc="-100">
-                <a:solidFill>
-                  <a:srgbClr val="777879"/>
-                </a:solidFill>
-                <a:latin typeface="Adobe Clean"/>
-                <a:cs typeface="Adobe Clean"/>
-              </a:rPr>
-              <a:t> </a:t>
-            </a:r>
-            <a:r>
-              <a:rPr sz="800" spc="-15">
-                <a:solidFill>
-                  <a:srgbClr val="777879"/>
-                </a:solidFill>
-                <a:latin typeface="Adobe Clean"/>
-                <a:cs typeface="Adobe Clean"/>
-              </a:rPr>
-              <a:t>Avenue</a:t>
-            </a:r>
-            <a:endParaRPr sz="800">
-              <a:latin typeface="Adobe Clean"/>
-              <a:cs typeface="Adobe Clean"/>
-            </a:endParaRPr>
+              <a:t>345 Park Avenue</a:t>
+            </a:r>
           </a:p>
           <a:p>
             <a:pPr marL="12700">
@@ -15002,49 +12750,15 @@
               </a:lnSpc>
             </a:pPr>
             <a:r>
-              <a:rPr sz="800" spc="-10">
+              <a:rPr lang="fr-FR" sz="800" dirty="0">
                 <a:solidFill>
                   <a:srgbClr val="777879"/>
                 </a:solidFill>
                 <a:latin typeface="Adobe Clean"/>
                 <a:cs typeface="Adobe Clean"/>
               </a:rPr>
-              <a:t>San </a:t>
-            </a:r>
-            <a:r>
-              <a:rPr sz="800" spc="-15">
-                <a:solidFill>
-                  <a:srgbClr val="777879"/>
-                </a:solidFill>
-                <a:latin typeface="Adobe Clean"/>
-                <a:cs typeface="Adobe Clean"/>
-              </a:rPr>
-              <a:t>Jose,</a:t>
-            </a:r>
-            <a:r>
-              <a:rPr sz="800" spc="-140">
-                <a:solidFill>
-                  <a:srgbClr val="777879"/>
-                </a:solidFill>
-                <a:latin typeface="Adobe Clean"/>
-                <a:cs typeface="Adobe Clean"/>
-              </a:rPr>
-              <a:t> </a:t>
-            </a:r>
-            <a:r>
-              <a:rPr sz="800" spc="-20">
-                <a:solidFill>
-                  <a:srgbClr val="777879"/>
-                </a:solidFill>
-                <a:latin typeface="Adobe Clean"/>
-                <a:cs typeface="Adobe Clean"/>
-              </a:rPr>
-              <a:t>CA95110-2704</a:t>
-            </a:r>
-            <a:endParaRPr sz="800">
-              <a:latin typeface="Adobe Clean"/>
-              <a:cs typeface="Adobe Clean"/>
-            </a:endParaRPr>
+              <a:t>San Jose, CA95110-2704</a:t>
+            </a:r>
           </a:p>
           <a:p>
             <a:pPr marL="12700">
@@ -15056,19 +12770,15 @@
               </a:spcBef>
             </a:pPr>
             <a:r>
-              <a:rPr sz="800" spc="-10">
+              <a:rPr lang="fr-FR" sz="800" dirty="0">
                 <a:solidFill>
                   <a:srgbClr val="777879"/>
                 </a:solidFill>
                 <a:latin typeface="Adobe Clean"/>
                 <a:cs typeface="Adobe Clean"/>
               </a:rPr>
-              <a:t>USA</a:t>
-            </a:r>
-            <a:endParaRPr sz="800">
-              <a:latin typeface="Adobe Clean"/>
-              <a:cs typeface="Adobe Clean"/>
-            </a:endParaRPr>
+              <a:t>États-Unis</a:t>
+            </a:r>
           </a:p>
           <a:p>
             <a:pPr marL="12700">
@@ -15080,7 +12790,7 @@
               </a:spcBef>
             </a:pPr>
             <a:r>
-              <a:rPr sz="800" u="sng" spc="-25">
+              <a:rPr lang="fr-FR" sz="800" u="sng" dirty="0">
                 <a:solidFill>
                   <a:srgbClr val="5F5F5F"/>
                 </a:solidFill>
@@ -15093,12 +12803,8 @@
                 <a:cs typeface="Adobe Clean"/>
                 <a:hlinkClick r:id="rId3"/>
               </a:rPr>
-              <a:t>www.adobe.com</a:t>
-            </a:r>
-            <a:endParaRPr sz="800">
-              <a:latin typeface="Adobe Clean"/>
-              <a:cs typeface="Adobe Clean"/>
-            </a:endParaRPr>
+              <a:t>www.adobe.com/fr/</a:t>
+            </a:r>
           </a:p>
         </p:txBody>
       </p:sp>
@@ -15273,449 +12979,34 @@
               </a:spcBef>
             </a:pPr>
             <a:r>
-              <a:rPr sz="1100" i="1" spc="-10" dirty="0">
+              <a:rPr lang="fr-FR" sz="1100" i="1" dirty="0">
                 <a:solidFill>
                   <a:srgbClr val="777879"/>
                 </a:solidFill>
                 <a:latin typeface="AdobeClean-LightIt"/>
                 <a:cs typeface="AdobeClean-LightIt"/>
               </a:rPr>
-              <a:t>To</a:t>
-            </a:r>
-            <a:r>
-              <a:rPr sz="1100" i="1" spc="-50" dirty="0">
+              <a:t>Pour en apprendre plus sur les offres de l’assistance Adobe et sur le niveau qui vous convient, </a:t>
+            </a:r>
+            <a:br>
+              <a:rPr lang="fr-FR" sz="1100" i="1" dirty="0">
                 <a:solidFill>
                   <a:srgbClr val="777879"/>
                 </a:solidFill>
                 <a:latin typeface="AdobeClean-LightIt"/>
                 <a:cs typeface="AdobeClean-LightIt"/>
               </a:rPr>
-              <a:t> </a:t>
-            </a:r>
-            <a:r>
-              <a:rPr sz="1100" i="1" spc="-15" dirty="0">
+            </a:br>
+            <a:r>
+              <a:rPr lang="fr-FR" sz="1100" i="1" dirty="0">
                 <a:solidFill>
                   <a:srgbClr val="777879"/>
                 </a:solidFill>
                 <a:latin typeface="AdobeClean-LightIt"/>
                 <a:cs typeface="AdobeClean-LightIt"/>
               </a:rPr>
-              <a:t>learn</a:t>
-            </a:r>
-            <a:r>
-              <a:rPr sz="1100" i="1" spc="-40" dirty="0">
-                <a:solidFill>
-                  <a:srgbClr val="777879"/>
-                </a:solidFill>
-                <a:latin typeface="AdobeClean-LightIt"/>
-                <a:cs typeface="AdobeClean-LightIt"/>
-              </a:rPr>
-              <a:t> </a:t>
-            </a:r>
-            <a:r>
-              <a:rPr sz="1100" i="1" spc="-15" dirty="0">
-                <a:solidFill>
-                  <a:srgbClr val="777879"/>
-                </a:solidFill>
-                <a:latin typeface="AdobeClean-LightIt"/>
-                <a:cs typeface="AdobeClean-LightIt"/>
-              </a:rPr>
-              <a:t>more</a:t>
-            </a:r>
-            <a:r>
-              <a:rPr sz="1100" i="1" spc="-45" dirty="0">
-                <a:solidFill>
-                  <a:srgbClr val="777879"/>
-                </a:solidFill>
-                <a:latin typeface="AdobeClean-LightIt"/>
-                <a:cs typeface="AdobeClean-LightIt"/>
-              </a:rPr>
-              <a:t> </a:t>
-            </a:r>
-            <a:r>
-              <a:rPr sz="1100" i="1" spc="-15" dirty="0">
-                <a:solidFill>
-                  <a:srgbClr val="777879"/>
-                </a:solidFill>
-                <a:latin typeface="AdobeClean-LightIt"/>
-                <a:cs typeface="AdobeClean-LightIt"/>
-              </a:rPr>
-              <a:t>about</a:t>
-            </a:r>
-            <a:r>
-              <a:rPr sz="1100" i="1" spc="-45" dirty="0">
-                <a:solidFill>
-                  <a:srgbClr val="777879"/>
-                </a:solidFill>
-                <a:latin typeface="AdobeClean-LightIt"/>
-                <a:cs typeface="AdobeClean-LightIt"/>
-              </a:rPr>
-              <a:t> </a:t>
-            </a:r>
-            <a:r>
-              <a:rPr sz="1100" i="1" spc="-15" dirty="0">
-                <a:solidFill>
-                  <a:srgbClr val="777879"/>
-                </a:solidFill>
-                <a:latin typeface="AdobeClean-LightIt"/>
-                <a:cs typeface="AdobeClean-LightIt"/>
-              </a:rPr>
-              <a:t>Adobe</a:t>
-            </a:r>
-            <a:r>
-              <a:rPr sz="1100" i="1" spc="-50" dirty="0">
-                <a:solidFill>
-                  <a:srgbClr val="777879"/>
-                </a:solidFill>
-                <a:latin typeface="AdobeClean-LightIt"/>
-                <a:cs typeface="AdobeClean-LightIt"/>
-              </a:rPr>
-              <a:t> </a:t>
-            </a:r>
-            <a:r>
-              <a:rPr sz="1100" i="1" spc="-15" dirty="0">
-                <a:solidFill>
-                  <a:srgbClr val="777879"/>
-                </a:solidFill>
-                <a:latin typeface="AdobeClean-LightIt"/>
-                <a:cs typeface="AdobeClean-LightIt"/>
-              </a:rPr>
-              <a:t>Support</a:t>
-            </a:r>
-            <a:r>
-              <a:rPr lang="en-US" sz="1100" i="1" spc="-15" dirty="0">
-                <a:solidFill>
-                  <a:srgbClr val="777879"/>
-                </a:solidFill>
-                <a:latin typeface="AdobeClean-LightIt"/>
-                <a:cs typeface="AdobeClean-LightIt"/>
-              </a:rPr>
-              <a:t> Offerings</a:t>
-            </a:r>
-            <a:r>
-              <a:rPr sz="1100" i="1" spc="-75" dirty="0">
-                <a:solidFill>
-                  <a:srgbClr val="777879"/>
-                </a:solidFill>
-                <a:latin typeface="AdobeClean-LightIt"/>
-                <a:cs typeface="AdobeClean-LightIt"/>
-              </a:rPr>
-              <a:t> </a:t>
-            </a:r>
-            <a:r>
-              <a:rPr sz="1100" i="1" spc="-15" dirty="0">
-                <a:solidFill>
-                  <a:srgbClr val="777879"/>
-                </a:solidFill>
-                <a:latin typeface="AdobeClean-LightIt"/>
-                <a:cs typeface="AdobeClean-LightIt"/>
-              </a:rPr>
-              <a:t>and</a:t>
-            </a:r>
-            <a:r>
-              <a:rPr sz="1100" i="1" spc="-50" dirty="0">
-                <a:solidFill>
-                  <a:srgbClr val="777879"/>
-                </a:solidFill>
-                <a:latin typeface="AdobeClean-LightIt"/>
-                <a:cs typeface="AdobeClean-LightIt"/>
-              </a:rPr>
-              <a:t> </a:t>
-            </a:r>
-            <a:r>
-              <a:rPr sz="1100" i="1" spc="-15" dirty="0">
-                <a:solidFill>
-                  <a:srgbClr val="777879"/>
-                </a:solidFill>
-                <a:latin typeface="AdobeClean-LightIt"/>
-                <a:cs typeface="AdobeClean-LightIt"/>
-              </a:rPr>
-              <a:t>the</a:t>
-            </a:r>
-            <a:r>
-              <a:rPr sz="1100" i="1" spc="-55" dirty="0">
-                <a:solidFill>
-                  <a:srgbClr val="777879"/>
-                </a:solidFill>
-                <a:latin typeface="AdobeClean-LightIt"/>
-                <a:cs typeface="AdobeClean-LightIt"/>
-              </a:rPr>
-              <a:t> </a:t>
-            </a:r>
-            <a:r>
-              <a:rPr sz="1100" i="1" spc="-15" dirty="0">
-                <a:solidFill>
-                  <a:srgbClr val="777879"/>
-                </a:solidFill>
-                <a:latin typeface="AdobeClean-LightIt"/>
-                <a:cs typeface="AdobeClean-LightIt"/>
-              </a:rPr>
-              <a:t>right</a:t>
-            </a:r>
-            <a:r>
-              <a:rPr sz="1100" i="1" spc="-95" dirty="0">
-                <a:solidFill>
-                  <a:srgbClr val="777879"/>
-                </a:solidFill>
-                <a:latin typeface="AdobeClean-LightIt"/>
-                <a:cs typeface="AdobeClean-LightIt"/>
-              </a:rPr>
-              <a:t> </a:t>
-            </a:r>
-            <a:r>
-              <a:rPr sz="1100" i="1" spc="-15" dirty="0">
-                <a:solidFill>
-                  <a:srgbClr val="777879"/>
-                </a:solidFill>
-                <a:latin typeface="AdobeClean-LightIt"/>
-                <a:cs typeface="AdobeClean-LightIt"/>
-              </a:rPr>
-              <a:t>level</a:t>
-            </a:r>
-            <a:r>
-              <a:rPr sz="1100" i="1" spc="-55" dirty="0">
-                <a:solidFill>
-                  <a:srgbClr val="777879"/>
-                </a:solidFill>
-                <a:latin typeface="AdobeClean-LightIt"/>
-                <a:cs typeface="AdobeClean-LightIt"/>
-              </a:rPr>
-              <a:t> </a:t>
-            </a:r>
-            <a:r>
-              <a:rPr sz="1100" i="1" spc="-15" dirty="0">
-                <a:solidFill>
-                  <a:srgbClr val="777879"/>
-                </a:solidFill>
-                <a:latin typeface="AdobeClean-LightIt"/>
-                <a:cs typeface="AdobeClean-LightIt"/>
-              </a:rPr>
-              <a:t>for</a:t>
-            </a:r>
-            <a:r>
-              <a:rPr sz="1100" i="1" spc="-85" dirty="0">
-                <a:solidFill>
-                  <a:srgbClr val="777879"/>
-                </a:solidFill>
-                <a:latin typeface="AdobeClean-LightIt"/>
-                <a:cs typeface="AdobeClean-LightIt"/>
-              </a:rPr>
-              <a:t> </a:t>
-            </a:r>
-            <a:r>
-              <a:rPr sz="1100" i="1" spc="-15" dirty="0">
-                <a:solidFill>
-                  <a:srgbClr val="777879"/>
-                </a:solidFill>
-                <a:latin typeface="AdobeClean-LightIt"/>
-                <a:cs typeface="AdobeClean-LightIt"/>
-              </a:rPr>
-              <a:t>you,</a:t>
-            </a:r>
-            <a:r>
-              <a:rPr sz="1100" i="1" spc="-65" dirty="0">
-                <a:solidFill>
-                  <a:srgbClr val="777879"/>
-                </a:solidFill>
-                <a:latin typeface="AdobeClean-LightIt"/>
-                <a:cs typeface="AdobeClean-LightIt"/>
-              </a:rPr>
-              <a:t> </a:t>
-            </a:r>
-            <a:r>
-              <a:rPr sz="1100" i="1" spc="-15" dirty="0">
-                <a:solidFill>
-                  <a:srgbClr val="777879"/>
-                </a:solidFill>
-                <a:latin typeface="AdobeClean-LightIt"/>
-                <a:cs typeface="AdobeClean-LightIt"/>
-              </a:rPr>
-              <a:t>contact</a:t>
-            </a:r>
-            <a:r>
-              <a:rPr sz="1100" i="1" spc="-85" dirty="0">
-                <a:solidFill>
-                  <a:srgbClr val="777879"/>
-                </a:solidFill>
-                <a:latin typeface="AdobeClean-LightIt"/>
-                <a:cs typeface="AdobeClean-LightIt"/>
-              </a:rPr>
-              <a:t> </a:t>
-            </a:r>
-            <a:r>
-              <a:rPr sz="1100" i="1" spc="-15" dirty="0">
-                <a:solidFill>
-                  <a:srgbClr val="777879"/>
-                </a:solidFill>
-                <a:latin typeface="AdobeClean-LightIt"/>
-                <a:cs typeface="AdobeClean-LightIt"/>
-              </a:rPr>
-              <a:t>your</a:t>
-            </a:r>
-            <a:r>
-              <a:rPr sz="1100" i="1" spc="-70" dirty="0">
-                <a:solidFill>
-                  <a:srgbClr val="777879"/>
-                </a:solidFill>
-                <a:latin typeface="AdobeClean-LightIt"/>
-                <a:cs typeface="AdobeClean-LightIt"/>
-              </a:rPr>
-              <a:t> </a:t>
-            </a:r>
-            <a:r>
-              <a:rPr sz="1100" i="1" spc="-15" dirty="0">
-                <a:solidFill>
-                  <a:srgbClr val="777879"/>
-                </a:solidFill>
-                <a:latin typeface="AdobeClean-LightIt"/>
-                <a:cs typeface="AdobeClean-LightIt"/>
-              </a:rPr>
-              <a:t>Named</a:t>
-            </a:r>
-            <a:r>
-              <a:rPr sz="1100" i="1" spc="-55" dirty="0">
-                <a:solidFill>
-                  <a:srgbClr val="777879"/>
-                </a:solidFill>
-                <a:latin typeface="AdobeClean-LightIt"/>
-                <a:cs typeface="AdobeClean-LightIt"/>
-              </a:rPr>
-              <a:t> </a:t>
-            </a:r>
-            <a:r>
-              <a:rPr sz="1100" i="1" spc="-25" dirty="0">
-                <a:solidFill>
-                  <a:srgbClr val="777879"/>
-                </a:solidFill>
-                <a:latin typeface="AdobeClean-LightIt"/>
-                <a:cs typeface="AdobeClean-LightIt"/>
-              </a:rPr>
-              <a:t>Account</a:t>
-            </a:r>
-            <a:r>
-              <a:rPr sz="1100" i="1" spc="-120" dirty="0">
-                <a:solidFill>
-                  <a:srgbClr val="777879"/>
-                </a:solidFill>
-                <a:latin typeface="AdobeClean-LightIt"/>
-                <a:cs typeface="AdobeClean-LightIt"/>
-              </a:rPr>
-              <a:t> </a:t>
-            </a:r>
-            <a:r>
-              <a:rPr sz="1100" i="1" spc="-20" dirty="0">
-                <a:solidFill>
-                  <a:srgbClr val="777879"/>
-                </a:solidFill>
-                <a:latin typeface="AdobeClean-LightIt"/>
-                <a:cs typeface="AdobeClean-LightIt"/>
-              </a:rPr>
-              <a:t>Manager</a:t>
-            </a:r>
-            <a:r>
-              <a:rPr lang="en-US" sz="1100" i="1" spc="-20" dirty="0">
-                <a:solidFill>
-                  <a:srgbClr val="777879"/>
-                </a:solidFill>
-                <a:latin typeface="AdobeClean-LightIt"/>
-                <a:cs typeface="AdobeClean-LightIt"/>
-              </a:rPr>
-              <a:t> </a:t>
-            </a:r>
-            <a:r>
-              <a:rPr sz="1100" i="1" spc="-20" dirty="0">
-                <a:solidFill>
-                  <a:srgbClr val="777879"/>
-                </a:solidFill>
-                <a:latin typeface="AdobeClean-LightIt"/>
-                <a:cs typeface="AdobeClean-LightIt"/>
-              </a:rPr>
-              <a:t> </a:t>
-            </a:r>
-            <a:r>
-              <a:rPr sz="1100" i="1" spc="-15" dirty="0">
-                <a:solidFill>
-                  <a:srgbClr val="777879"/>
-                </a:solidFill>
-                <a:latin typeface="AdobeClean-LightIt"/>
-                <a:cs typeface="AdobeClean-LightIt"/>
-              </a:rPr>
-              <a:t>(NAM) </a:t>
-            </a:r>
-            <a:r>
-              <a:rPr sz="1100" i="1" spc="-10" dirty="0">
-                <a:solidFill>
-                  <a:srgbClr val="777879"/>
-                </a:solidFill>
-                <a:latin typeface="AdobeClean-LightIt"/>
-                <a:cs typeface="AdobeClean-LightIt"/>
-              </a:rPr>
-              <a:t>or </a:t>
-            </a:r>
-            <a:r>
-              <a:rPr sz="1100" i="1" spc="-15" dirty="0">
-                <a:solidFill>
-                  <a:srgbClr val="777879"/>
-                </a:solidFill>
-                <a:latin typeface="AdobeClean-LightIt"/>
-                <a:cs typeface="AdobeClean-LightIt"/>
-              </a:rPr>
-              <a:t>Customer </a:t>
-            </a:r>
-            <a:r>
-              <a:rPr sz="1100" i="1" spc="-20" dirty="0">
-                <a:solidFill>
-                  <a:srgbClr val="777879"/>
-                </a:solidFill>
-                <a:latin typeface="AdobeClean-LightIt"/>
-                <a:cs typeface="AdobeClean-LightIt"/>
-              </a:rPr>
-              <a:t>Success</a:t>
-            </a:r>
-            <a:r>
-              <a:rPr sz="1100" i="1" spc="-180" dirty="0">
-                <a:solidFill>
-                  <a:srgbClr val="777879"/>
-                </a:solidFill>
-                <a:latin typeface="AdobeClean-LightIt"/>
-                <a:cs typeface="AdobeClean-LightIt"/>
-              </a:rPr>
-              <a:t> </a:t>
-            </a:r>
-            <a:r>
-              <a:rPr sz="1100" i="1" spc="-15" dirty="0">
-                <a:solidFill>
-                  <a:srgbClr val="777879"/>
-                </a:solidFill>
-                <a:latin typeface="AdobeClean-LightIt"/>
-                <a:cs typeface="AdobeClean-LightIt"/>
-              </a:rPr>
-              <a:t>Manager</a:t>
-            </a:r>
-            <a:r>
-              <a:rPr lang="en-US" sz="1100" i="1" spc="-15" dirty="0">
-                <a:solidFill>
-                  <a:srgbClr val="777879"/>
-                </a:solidFill>
-                <a:latin typeface="AdobeClean-LightIt"/>
-                <a:cs typeface="AdobeClean-LightIt"/>
-              </a:rPr>
-              <a:t> </a:t>
-            </a:r>
-            <a:r>
-              <a:rPr sz="1100" i="1" spc="-15" dirty="0">
-                <a:solidFill>
-                  <a:srgbClr val="777879"/>
-                </a:solidFill>
-                <a:latin typeface="AdobeClean-LightIt"/>
-                <a:cs typeface="AdobeClean-LightIt"/>
-              </a:rPr>
-              <a:t>(CSM)</a:t>
-            </a:r>
-            <a:endParaRPr sz="1100" dirty="0">
-              <a:latin typeface="AdobeClean-LightIt"/>
-              <a:cs typeface="AdobeClean-LightIt"/>
-            </a:endParaRPr>
+              <a:t>contactez votre gestionnaire de compte nommé (NAM) ou votre gestionnaire de réussite client (CSM).</a:t>
+            </a:r>
           </a:p>
           <a:p>
             <a:pPr marL="34290">
@@ -15727,59 +13018,55 @@
               </a:spcBef>
             </a:pPr>
             <a:r>
-              <a:rPr sz="800" spc="-5" dirty="0">
+              <a:rPr lang="fr-FR" sz="800" dirty="0">
                 <a:solidFill>
                   <a:srgbClr val="6D6D6D"/>
                 </a:solidFill>
                 <a:latin typeface="Adobe Clean"/>
                 <a:cs typeface="Adobe Clean"/>
               </a:rPr>
-              <a:t>©202</a:t>
-            </a:r>
-            <a:r>
-              <a:rPr lang="en-US" sz="800" spc="-5" dirty="0">
+              <a:t>©2021 Adobe. All </a:t>
+            </a:r>
+            <a:r>
+              <a:rPr lang="fr-FR" sz="800" dirty="0" err="1">
                 <a:solidFill>
                   <a:srgbClr val="6D6D6D"/>
                 </a:solidFill>
                 <a:latin typeface="Adobe Clean"/>
                 <a:cs typeface="Adobe Clean"/>
               </a:rPr>
-              <a:t>1</a:t>
-            </a:r>
-            <a:r>
-              <a:rPr sz="800" spc="-5" dirty="0">
+              <a:t>Rights</a:t>
+            </a:r>
+            <a:r>
+              <a:rPr lang="fr-FR" sz="800" dirty="0">
                 <a:solidFill>
                   <a:srgbClr val="6D6D6D"/>
                 </a:solidFill>
                 <a:latin typeface="Adobe Clean"/>
                 <a:cs typeface="Adobe Clean"/>
               </a:rPr>
-              <a:t> Adobe. All Rights Reserved. Adobe</a:t>
-            </a:r>
-            <a:r>
-              <a:rPr sz="800" spc="75" dirty="0">
+              <a:t> </a:t>
+            </a:r>
+            <a:r>
+              <a:rPr lang="fr-FR" sz="800" dirty="0" err="1">
                 <a:solidFill>
                   <a:srgbClr val="6D6D6D"/>
                 </a:solidFill>
                 <a:latin typeface="Adobe Clean"/>
                 <a:cs typeface="Adobe Clean"/>
               </a:rPr>
-              <a:t> </a:t>
-            </a:r>
-            <a:r>
-              <a:rPr sz="800" spc="-5" dirty="0">
+              <a:t>Reserved</a:t>
+            </a:r>
+            <a:r>
+              <a:rPr lang="fr-FR" sz="800" dirty="0">
                 <a:solidFill>
                   <a:srgbClr val="6D6D6D"/>
                 </a:solidFill>
                 <a:latin typeface="Adobe Clean"/>
                 <a:cs typeface="Adobe Clean"/>
               </a:rPr>
-              <a:t>Confidential.</a:t>
-            </a:r>
-            <a:endParaRPr sz="800" dirty="0">
-              <a:latin typeface="Adobe Clean"/>
-              <a:cs typeface="Adobe Clean"/>
-            </a:endParaRPr>
+              <a:t>. Données confidentielles Adobe</a:t>
+            </a:r>
           </a:p>
         </p:txBody>
       </p:sp>
@@ -15797,8 +13084,8 @@
         </p:nvSpPr>
         <p:spPr>
           <a:xfrm>
-            <a:off x="190707" y="4913781"/>
-            <a:ext cx="6476646" cy="755976"/>
+            <a:off x="190706" y="4913781"/>
+            <a:ext cx="7147353" cy="755976"/>
           </a:xfrm>
           <a:prstGeom prst="rect">
             <a:avLst/>
@@ -15816,19 +13103,15 @@
               </a:spcBef>
             </a:pPr>
             <a:r>
-              <a:rPr lang="en-US" sz="1400" b="1" spc="-15">
+              <a:rPr lang="fr-FR" sz="1400" b="1" dirty="0">
                 <a:solidFill>
                   <a:srgbClr val="020302"/>
                 </a:solidFill>
                 <a:latin typeface="Adobe Clean"/>
                 <a:cs typeface="Adobe Clean"/>
               </a:rPr>
-              <a:t>Regional scope of Adobe Support, Local Hours Of Operation And Language Support</a:t>
-            </a:r>
-            <a:endParaRPr lang="en-US" sz="1400" spc="-15">
-              <a:ea typeface="+mn-lt"/>
-              <a:cs typeface="+mn-lt"/>
-            </a:endParaRPr>
+              <a:t>Portée régionale de l’assistance Adobe, heures ouvrables locales et assistance linguistique</a:t>
+            </a:r>
           </a:p>
           <a:p>
             <a:pPr>
@@ -15837,17 +13120,14 @@
               </a:spcBef>
             </a:pPr>
             <a:r>
-              <a:rPr lang="en-US" sz="1000" spc="-15">
+              <a:rPr lang="fr-FR" sz="1000" dirty="0">
                 <a:solidFill>
                   <a:srgbClr val="1F1F1F"/>
                 </a:solidFill>
                 <a:latin typeface="AdobeClean-Light"/>
               </a:rPr>
-              <a:t>The regional scope of Adobe Support is established by aligning the customer's billing address (via the Sales Order or other Adobe Support purchasing document) to one of the following regions:</a:t>
-            </a:r>
-            <a:endParaRPr lang="en-US" sz="1000">
-              <a:latin typeface="AdobeClean-Light"/>
-            </a:endParaRPr>
+              <a:t>La portée régionale de l’assistance Adobe est définie par l’alignement de l’adresse de facturation du client (se trouvant sur le bon de commande ou tout autre document d’achat de l’assistance Adobe) avec l’une des régions suivantes :</a:t>
+            </a:r>
           </a:p>
         </p:txBody>
       </p:sp>
@@ -15866,7 +13146,7 @@
           <p:nvPr>
             <p:extLst>
               <p:ext uri="{D42A27DB-BD31-4B8C-83A1-F6EECF244321}">
-                <p14:modId xmlns:p14="http://schemas.microsoft.com/office/powerpoint/2010/main" val="1291534283"/>
+                <p14:modId xmlns:p14="http://schemas.microsoft.com/office/powerpoint/2010/main" val="4022272392"/>
               </p:ext>
             </p:extLst>
           </p:nvPr>
@@ -15919,13 +13199,13 @@
                     <a:p>
                       <a:pPr algn="ctr"/>
                       <a:r>
-                        <a:rPr lang="en-US" sz="1100">
+                        <a:rPr lang="fr-FR" sz="1100">
                           <a:solidFill>
                             <a:schemeClr val="tx1"/>
                           </a:solidFill>
                           <a:latin typeface="Adobe Clean"/>
                         </a:rPr>
-                        <a:t>Americas</a:t>
+                        <a:t>Amériques</a:t>
                       </a:r>
                     </a:p>
                   </a:txBody>
@@ -15984,13 +13264,30 @@
                     <a:p>
                       <a:pPr algn="ctr"/>
                       <a:r>
-                        <a:rPr lang="en-US" sz="1100">
+                        <a:rPr lang="fr-FR" sz="1100" dirty="0">
                           <a:solidFill>
                             <a:schemeClr val="tx1"/>
                           </a:solidFill>
                           <a:latin typeface="Adobe Clean"/>
                         </a:rPr>
-                        <a:t>Europe, Middle East &amp; Africa</a:t>
+                        <a:t>Europe, Moyen-Orient </a:t>
+                      </a:r>
+                      <a:br>
+                        <a:rPr lang="fr-FR" sz="1100" dirty="0">
+                          <a:solidFill>
+                            <a:schemeClr val="tx1"/>
+                          </a:solidFill>
+                          <a:latin typeface="Adobe Clean"/>
+                        </a:rPr>
+                      </a:br>
+                      <a:r>
+                        <a:rPr lang="fr-FR" sz="1100" dirty="0">
+                          <a:solidFill>
+                            <a:schemeClr val="tx1"/>
+                          </a:solidFill>
+                          <a:latin typeface="Adobe Clean"/>
+                        </a:rPr>
+                        <a:t>et Afrique</a:t>
                       </a:r>
                     </a:p>
                   </a:txBody>
@@ -16049,13 +13346,13 @@
                     <a:p>
                       <a:pPr algn="ctr"/>
                       <a:r>
-                        <a:rPr lang="en-US" sz="1100">
+                        <a:rPr lang="fr-FR" sz="1100">
                           <a:solidFill>
                             <a:schemeClr val="tx1"/>
                           </a:solidFill>
                           <a:latin typeface="Adobe Clean"/>
                         </a:rPr>
-                        <a:t>Asia Pacific</a:t>
+                        <a:t>Asie-Pacifique</a:t>
                       </a:r>
                     </a:p>
                   </a:txBody>
@@ -16114,16 +13411,16 @@
                     <a:p>
                       <a:pPr algn="ctr"/>
                       <a:r>
-                        <a:rPr lang="en-US" sz="1100">
+                        <a:rPr lang="fr-FR" sz="1100">
                           <a:solidFill>
                             <a:schemeClr val="tx1"/>
                           </a:solidFill>
                           <a:latin typeface="Adobe Clean"/>
                         </a:rPr>
-                        <a:t>Japan </a:t>
+                        <a:t>Japon </a:t>
                       </a:r>
                       <a:r>
-                        <a:rPr lang="en-US" sz="1100" baseline="30000">
+                        <a:rPr lang="fr-FR" sz="1100" baseline="30000">
                           <a:solidFill>
                             <a:schemeClr val="tx1"/>
                           </a:solidFill>
@@ -16131,12 +13428,6 @@
                         </a:rPr>
                         <a:t>1 </a:t>
                       </a:r>
-                      <a:endParaRPr lang="en-US" sz="1100">
-                        <a:solidFill>
-                          <a:schemeClr val="tx1"/>
-                        </a:solidFill>
-                        <a:latin typeface="Adobe Clean" panose="020B0503020404020204" pitchFamily="34" charset="0"/>
-                      </a:endParaRPr>
                     </a:p>
                   </a:txBody>
                   <a:tcPr anchor="ctr">
@@ -16201,13 +13492,13 @@
                     <a:p>
                       <a:pPr algn="ctr"/>
                       <a:r>
-                        <a:rPr lang="en-US" sz="1100">
+                        <a:rPr lang="fr-FR" sz="1100">
                           <a:solidFill>
                             <a:schemeClr val="tx1"/>
                           </a:solidFill>
                           <a:latin typeface="Adobe Clean"/>
                         </a:rPr>
-                        <a:t>6 am – 5:30 pm</a:t>
+                        <a:t>6 h 00 à 17 h 30</a:t>
                       </a:r>
                     </a:p>
                   </a:txBody>
@@ -16266,13 +13557,13 @@
                     <a:p>
                       <a:pPr algn="ctr"/>
                       <a:r>
-                        <a:rPr lang="en-US" sz="1100">
+                        <a:rPr lang="fr-FR" sz="1100">
                           <a:solidFill>
                             <a:schemeClr val="tx1"/>
                           </a:solidFill>
                           <a:latin typeface="Adobe Clean"/>
                         </a:rPr>
-                        <a:t>9 am – 5 pm</a:t>
+                        <a:t>9 h 00 à 17 h 00</a:t>
                       </a:r>
                     </a:p>
                   </a:txBody>
@@ -16331,13 +13622,13 @@
                     <a:p>
                       <a:pPr algn="ctr"/>
                       <a:r>
-                        <a:rPr lang="en-US" sz="1100">
+                        <a:rPr lang="fr-FR" sz="1100">
                           <a:solidFill>
                             <a:schemeClr val="tx1"/>
                           </a:solidFill>
                           <a:latin typeface="Adobe Clean"/>
                         </a:rPr>
-                        <a:t>9 am – 5 pm</a:t>
+                        <a:t>9 h 00 à 17 h 00</a:t>
                       </a:r>
                     </a:p>
                   </a:txBody>
@@ -16396,13 +13687,13 @@
                     <a:p>
                       <a:pPr algn="ctr"/>
                       <a:r>
-                        <a:rPr lang="en-US" sz="1100">
+                        <a:rPr lang="fr-FR" sz="1100">
                           <a:solidFill>
                             <a:schemeClr val="tx1"/>
                           </a:solidFill>
                           <a:latin typeface="Adobe Clean"/>
                         </a:rPr>
-                        <a:t>9 am – 5:30 pm</a:t>
+                        <a:t>9 h 00 à 17 h 30</a:t>
                       </a:r>
                     </a:p>
                   </a:txBody>
@@ -16479,12 +13770,12 @@
                         <a:buNone/>
                       </a:pPr>
                       <a:r>
-                        <a:rPr lang="en-US" sz="1100" b="0" i="0" u="none" strike="noStrike" noProof="0"/>
-                        <a:t>Language support is only available in English and Japanese.</a:t>
+                        <a:rPr lang="fr-FR" sz="1100" b="0" i="0" u="none" strike="noStrike" noProof="0" dirty="0"/>
+                        <a:t>L’assistance linguistique est uniquement disponible en anglais et en japonais.</a:t>
                       </a:r>
                     </a:p>
                     <a:p>
-                      <a:pPr lvl="0" algn="ctr">
+                      <a:pPr lvl="0" algn="l" rtl="0">
                         <a:lnSpc>
                           <a:spcPct val="100000"/>
                         </a:lnSpc>
@@ -16496,7 +13787,7 @@
                         </a:spcAft>
                         <a:buNone/>
                       </a:pPr>
-                      <a:endParaRPr lang="en-US" sz="1100" b="0" i="0" u="none" strike="noStrike" noProof="0"/>
+                      <a:endParaRPr lang="en-US" sz="1100" b="0" i="0" u="none" strike="noStrike" noProof="0" dirty="0"/>
                     </a:p>
                     <a:p>
                       <a:pPr lvl="0" algn="ctr">
@@ -16512,18 +13803,17 @@
                         <a:buNone/>
                       </a:pPr>
                       <a:r>
-                        <a:rPr lang="en-US" sz="1100" b="0" i="0" u="none" strike="noStrike" noProof="0"/>
+                        <a:rPr lang="fr-FR" sz="1100" b="0" i="0" u="none" strike="noStrike" noProof="0" dirty="0"/>
                         <a:t> </a:t>
                       </a:r>
                       <a:r>
-                        <a:rPr lang="en-US" sz="1100" b="0" i="0" u="none" strike="noStrike" baseline="30000" noProof="0"/>
+                        <a:rPr lang="fr-FR" sz="1100" b="0" i="0" u="none" strike="noStrike" baseline="30000" noProof="0" dirty="0"/>
                         <a:t>1 </a:t>
                       </a:r>
                       <a:r>
-                        <a:rPr lang="en-US" sz="1100" b="0" i="0" u="none" strike="noStrike" noProof="0"/>
-                        <a:t>P2, P3, P4 cases are limited to business hours only in Japan.</a:t>
+                        <a:rPr lang="fr-FR" sz="1100" b="0" i="0" u="none" strike="noStrike" noProof="0" dirty="0"/>
+                        <a:t>Les cas P2, P3 et P4 sont limités aux heures ouvrables uniquement au Japon.</a:t>
                       </a:r>
-                      <a:endParaRPr lang="en-US" sz="1100" b="1" i="0" u="none" strike="noStrike" noProof="0"/>
                     </a:p>
                   </a:txBody>
                   <a:tcPr anchor="ctr">
@@ -16865,8 +14155,8 @@
         </p:nvSpPr>
         <p:spPr>
           <a:xfrm>
-            <a:off x="2840871" y="8528519"/>
-            <a:ext cx="810895" cy="385445"/>
+            <a:off x="2671207" y="8528519"/>
+            <a:ext cx="1150224" cy="382797"/>
           </a:xfrm>
           <a:prstGeom prst="rect">
             <a:avLst/>
@@ -16878,7 +14168,7 @@
           </a:bodyPr>
           <a:lstStyle/>
           <a:p>
-            <a:pPr marL="139065" marR="5080" indent="-139065">
+            <a:pPr marR="5080" algn="ctr">
               <a:lnSpc>
                 <a:spcPts val="1390"/>
               </a:lnSpc>
@@ -16887,129 +14177,15 @@
               </a:spcBef>
             </a:pPr>
             <a:r>
-              <a:rPr sz="1200" b="1" spc="-15">
+              <a:rPr lang="fr-FR" sz="1200" b="1" dirty="0">
                 <a:solidFill>
                   <a:srgbClr val="FFFFFF"/>
                 </a:solidFill>
                 <a:latin typeface="Adobe Clean"/>
                 <a:cs typeface="Adobe Clean"/>
               </a:rPr>
-              <a:t>U</a:t>
-            </a:r>
-            <a:r>
-              <a:rPr sz="1200" b="1" spc="-20">
-                <a:solidFill>
-                  <a:srgbClr val="FFFFFF"/>
-                </a:solidFill>
-                <a:latin typeface="Adobe Clean"/>
-                <a:cs typeface="Adobe Clean"/>
-              </a:rPr>
-              <a:t>n</a:t>
-            </a:r>
-            <a:r>
-              <a:rPr sz="1200" b="1" spc="-25">
-                <a:solidFill>
-                  <a:srgbClr val="FFFFFF"/>
-                </a:solidFill>
-                <a:latin typeface="Adobe Clean"/>
-                <a:cs typeface="Adobe Clean"/>
-              </a:rPr>
-              <a:t>p</a:t>
-            </a:r>
-            <a:r>
-              <a:rPr sz="1200" b="1" spc="-15">
-                <a:solidFill>
-                  <a:srgbClr val="FFFFFF"/>
-                </a:solidFill>
-                <a:latin typeface="Adobe Clean"/>
-                <a:cs typeface="Adobe Clean"/>
-              </a:rPr>
-              <a:t>a</a:t>
-            </a:r>
-            <a:r>
-              <a:rPr sz="1200" b="1" spc="-25">
-                <a:solidFill>
-                  <a:srgbClr val="FFFFFF"/>
-                </a:solidFill>
-                <a:latin typeface="Adobe Clean"/>
-                <a:cs typeface="Adobe Clean"/>
-              </a:rPr>
-              <a:t>r</a:t>
-            </a:r>
-            <a:r>
-              <a:rPr sz="1200" b="1" spc="-15">
-                <a:solidFill>
-                  <a:srgbClr val="FFFFFF"/>
-                </a:solidFill>
-                <a:latin typeface="Adobe Clean"/>
-                <a:cs typeface="Adobe Clean"/>
-              </a:rPr>
-              <a:t>a</a:t>
-            </a:r>
-            <a:r>
-              <a:rPr sz="1200" b="1" spc="-30">
-                <a:solidFill>
-                  <a:srgbClr val="FFFFFF"/>
-                </a:solidFill>
-                <a:latin typeface="Adobe Clean"/>
-                <a:cs typeface="Adobe Clean"/>
-              </a:rPr>
-              <a:t>ll</a:t>
-            </a:r>
-            <a:r>
-              <a:rPr sz="1200" b="1" spc="-25">
-                <a:solidFill>
-                  <a:srgbClr val="FFFFFF"/>
-                </a:solidFill>
-                <a:latin typeface="Adobe Clean"/>
-                <a:cs typeface="Adobe Clean"/>
-              </a:rPr>
-              <a:t>e</a:t>
-            </a:r>
-            <a:r>
-              <a:rPr sz="1200" b="1" spc="-30">
-                <a:solidFill>
-                  <a:srgbClr val="FFFFFF"/>
-                </a:solidFill>
-                <a:latin typeface="Adobe Clean"/>
-                <a:cs typeface="Adobe Clean"/>
-              </a:rPr>
-              <a:t>l</a:t>
-            </a:r>
-            <a:r>
-              <a:rPr sz="1200" b="1" spc="-25">
-                <a:solidFill>
-                  <a:srgbClr val="FFFFFF"/>
-                </a:solidFill>
-                <a:latin typeface="Adobe Clean"/>
-                <a:cs typeface="Adobe Clean"/>
-              </a:rPr>
-              <a:t>e</a:t>
-            </a:r>
-            <a:r>
-              <a:rPr sz="1200" b="1">
-                <a:solidFill>
-                  <a:srgbClr val="FFFFFF"/>
-                </a:solidFill>
-                <a:latin typeface="Adobe Clean"/>
-                <a:cs typeface="Adobe Clean"/>
-              </a:rPr>
-              <a:t>d  </a:t>
-            </a:r>
-            <a:r>
-              <a:rPr sz="1200" b="1" spc="-25">
-                <a:solidFill>
-                  <a:srgbClr val="FFFFFF"/>
-                </a:solidFill>
-                <a:latin typeface="Adobe Clean"/>
-                <a:cs typeface="Adobe Clean"/>
-              </a:rPr>
-              <a:t>Expertise</a:t>
-            </a:r>
-            <a:endParaRPr sz="1200">
-              <a:latin typeface="Adobe Clean"/>
-              <a:cs typeface="Adobe Clean"/>
-            </a:endParaRPr>
+              <a:t>Expertise incomparable</a:t>
+            </a:r>
           </a:p>
         </p:txBody>
       </p:sp>
@@ -17040,7 +14216,7 @@
           </a:bodyPr>
           <a:lstStyle/>
           <a:p>
-            <a:pPr marL="139065" marR="5080" indent="-139065">
+            <a:pPr marR="5080" algn="ctr">
               <a:lnSpc>
                 <a:spcPts val="1390"/>
               </a:lnSpc>
@@ -17049,19 +14225,15 @@
               </a:spcBef>
             </a:pPr>
             <a:r>
-              <a:rPr lang="en-US" sz="1200" b="1" spc="-15">
+              <a:rPr lang="fr-FR" sz="1200" b="1" dirty="0">
                 <a:solidFill>
                   <a:srgbClr val="FFFFFF"/>
                 </a:solidFill>
                 <a:latin typeface="Adobe Clean"/>
                 <a:cs typeface="Adobe Clean"/>
               </a:rPr>
-              <a:t>Accelerated Support</a:t>
-            </a:r>
-            <a:endParaRPr sz="1200">
-              <a:latin typeface="Adobe Clean"/>
-              <a:cs typeface="Adobe Clean"/>
-            </a:endParaRPr>
+              <a:t>Assistance accélérée</a:t>
+            </a:r>
           </a:p>
         </p:txBody>
       </p:sp>
@@ -17079,8 +14251,8 @@
         </p:nvSpPr>
         <p:spPr>
           <a:xfrm>
-            <a:off x="6624119" y="8543943"/>
-            <a:ext cx="510540" cy="385445"/>
+            <a:off x="6420719" y="8543943"/>
+            <a:ext cx="917340" cy="382797"/>
           </a:xfrm>
           <a:prstGeom prst="rect">
             <a:avLst/>
@@ -17092,7 +14264,7 @@
           </a:bodyPr>
           <a:lstStyle/>
           <a:p>
-            <a:pPr marL="50800" marR="5080" indent="-51435">
+            <a:pPr marR="5080" algn="ctr">
               <a:lnSpc>
                 <a:spcPts val="1390"/>
               </a:lnSpc>
@@ -17101,109 +14273,15 @@
               </a:spcBef>
             </a:pPr>
             <a:r>
-              <a:rPr sz="1200" b="1" spc="-50">
+              <a:rPr lang="fr-FR" sz="1200" b="1" dirty="0">
                 <a:solidFill>
                   <a:srgbClr val="FFFFFF"/>
                 </a:solidFill>
                 <a:latin typeface="Adobe Clean"/>
                 <a:cs typeface="Adobe Clean"/>
               </a:rPr>
-              <a:t>S</a:t>
-            </a:r>
-            <a:r>
-              <a:rPr sz="1200" b="1" spc="-20">
-                <a:solidFill>
-                  <a:srgbClr val="FFFFFF"/>
-                </a:solidFill>
-                <a:latin typeface="Adobe Clean"/>
-                <a:cs typeface="Adobe Clean"/>
-              </a:rPr>
-              <a:t>t</a:t>
-            </a:r>
-            <a:r>
-              <a:rPr sz="1200" b="1" spc="-75">
-                <a:solidFill>
-                  <a:srgbClr val="FFFFFF"/>
-                </a:solidFill>
-                <a:latin typeface="Adobe Clean"/>
-                <a:cs typeface="Adobe Clean"/>
-              </a:rPr>
-              <a:t>r</a:t>
-            </a:r>
-            <a:r>
-              <a:rPr sz="1200" b="1" spc="-90">
-                <a:solidFill>
-                  <a:srgbClr val="FFFFFF"/>
-                </a:solidFill>
-                <a:latin typeface="Adobe Clean"/>
-                <a:cs typeface="Adobe Clean"/>
-              </a:rPr>
-              <a:t>a</a:t>
-            </a:r>
-            <a:r>
-              <a:rPr sz="1200" b="1" spc="-55">
-                <a:solidFill>
-                  <a:srgbClr val="FFFFFF"/>
-                </a:solidFill>
-                <a:latin typeface="Adobe Clean"/>
-                <a:cs typeface="Adobe Clean"/>
-              </a:rPr>
-              <a:t>t</a:t>
-            </a:r>
-            <a:r>
-              <a:rPr sz="1200" b="1" spc="-100">
-                <a:solidFill>
-                  <a:srgbClr val="FFFFFF"/>
-                </a:solidFill>
-                <a:latin typeface="Adobe Clean"/>
-                <a:cs typeface="Adobe Clean"/>
-              </a:rPr>
-              <a:t>e</a:t>
-            </a:r>
-            <a:r>
-              <a:rPr sz="1200" b="1" spc="-80">
-                <a:solidFill>
-                  <a:srgbClr val="FFFFFF"/>
-                </a:solidFill>
-                <a:latin typeface="Adobe Clean"/>
-                <a:cs typeface="Adobe Clean"/>
-              </a:rPr>
-              <a:t>g</a:t>
-            </a:r>
-            <a:r>
-              <a:rPr sz="1200" b="1" spc="-35">
-                <a:solidFill>
-                  <a:srgbClr val="FFFFFF"/>
-                </a:solidFill>
-                <a:latin typeface="Adobe Clean"/>
-                <a:cs typeface="Adobe Clean"/>
-              </a:rPr>
-              <a:t>i</a:t>
-            </a:r>
-            <a:r>
-              <a:rPr sz="1200" b="1">
-                <a:solidFill>
-                  <a:srgbClr val="FFFFFF"/>
-                </a:solidFill>
-                <a:latin typeface="Adobe Clean"/>
-                <a:cs typeface="Adobe Clean"/>
-              </a:rPr>
-              <a:t>c  </a:t>
-            </a:r>
-            <a:r>
-              <a:rPr sz="1200" b="1" spc="-45">
-                <a:solidFill>
-                  <a:srgbClr val="FFFFFF"/>
-                </a:solidFill>
-                <a:latin typeface="Adobe Clean"/>
-                <a:cs typeface="Adobe Clean"/>
-              </a:rPr>
-              <a:t>Advice</a:t>
-            </a:r>
-            <a:endParaRPr sz="1200">
-              <a:latin typeface="Adobe Clean"/>
-              <a:cs typeface="Adobe Clean"/>
-            </a:endParaRPr>
+              <a:t>Conseil stratégique</a:t>
+            </a:r>
           </a:p>
         </p:txBody>
       </p:sp>
@@ -17222,14 +14300,14 @@
           <p:nvPr>
             <p:extLst>
               <p:ext uri="{D42A27DB-BD31-4B8C-83A1-F6EECF244321}">
-                <p14:modId xmlns:p14="http://schemas.microsoft.com/office/powerpoint/2010/main" val="4232335107"/>
+                <p14:modId xmlns:p14="http://schemas.microsoft.com/office/powerpoint/2010/main" val="2874231184"/>
               </p:ext>
             </p:extLst>
           </p:nvPr>
         </p:nvGraphicFramePr>
         <p:xfrm>
           <a:off x="194237" y="1272353"/>
-          <a:ext cx="7368291" cy="3235960"/>
+          <a:ext cx="7368291" cy="3388360"/>
         </p:xfrm>
         <a:graphic>
           <a:graphicData uri="http://schemas.openxmlformats.org/drawingml/2006/table">
@@ -17238,14 +14316,14 @@
                 <a:tableStyleId>{5C22544A-7EE6-4342-B048-85BDC9FD1C3A}</a:tableStyleId>
               </a:tblPr>
               <a:tblGrid>
-                <a:gridCol w="3691964">
+                <a:gridCol w="3364303">
                   <a:extLst>
                     <a:ext uri="{9D8B030D-6E8A-4147-A177-3AD203B41FA5}">
                       <a16:colId xmlns:a16="http://schemas.microsoft.com/office/drawing/2014/main" val="2364693614"/>
                     </a:ext>
                   </a:extLst>
                 </a:gridCol>
-                <a:gridCol w="3676327">
+                <a:gridCol w="4003988">
                   <a:extLst>
                     <a:ext uri="{9D8B030D-6E8A-4147-A177-3AD203B41FA5}">
                       <a16:colId xmlns:a16="http://schemas.microsoft.com/office/drawing/2014/main" val="1545335406"/>
@@ -17260,7 +14338,7 @@
                     <a:lstStyle/>
                     <a:p>
                       <a:r>
-                        <a:rPr lang="en-US" sz="1100" b="0" dirty="0">
+                        <a:rPr lang="fr-FR" sz="1100" b="0">
                           <a:solidFill>
                             <a:schemeClr val="tx1"/>
                           </a:solidFill>
@@ -17271,14 +14349,6 @@
                         </a:rPr>
                         <a:t>Experience League</a:t>
                       </a:r>
-                      <a:endParaRPr lang="en-US" sz="1100" b="0" dirty="0">
-                        <a:solidFill>
-                          <a:schemeClr val="tx1"/>
-                        </a:solidFill>
-                        <a:latin typeface="Adobe Clean"/>
-                        <a:ea typeface="+mn-ea"/>
-                        <a:cs typeface="+mn-cs"/>
-                      </a:endParaRPr>
                     </a:p>
                   </a:txBody>
                   <a:tcPr marL="47625" marR="47625" marT="0" marB="0" anchor="ctr">
@@ -17350,7 +14420,7 @@
                         <a:buNone/>
                       </a:pPr>
                       <a:r>
-                        <a:rPr lang="en-US" sz="1000" b="0" kern="1200" dirty="0">
+                        <a:rPr lang="fr-FR" sz="1000" b="0" dirty="0" err="1">
                           <a:solidFill>
                             <a:srgbClr val="000000"/>
                           </a:solidFill>
@@ -17358,16 +14428,19 @@
                           <a:ea typeface="+mn-ea"/>
                           <a:cs typeface="+mn-cs"/>
                         </a:rPr>
-                        <a:t>Experience League is how Adobe helps businesses achieve the value they expect from their Adobe investment. It’s the unified place where customers can learn, connect, and grow along a personalized path to success that includes self-help tutorials, product documentation, instructor-led training, community and technical support. </a:t>
+                        <a:t>Experience</a:t>
                       </a:r>
-                      <a:endParaRPr lang="en-US" sz="1000" b="0" kern="1200">
-                        <a:solidFill>
-                          <a:srgbClr val="000000"/>
-                        </a:solidFill>
-                        <a:latin typeface="Adobe Clean Light" panose="020B0303020404020204" pitchFamily="34" charset="0"/>
-                        <a:ea typeface="+mn-ea"/>
-                        <a:cs typeface="+mn-cs"/>
-                      </a:endParaRPr>
+                      <a:r>
+                        <a:rPr lang="fr-FR" sz="1000" b="0" dirty="0">
+                          <a:solidFill>
+                            <a:srgbClr val="000000"/>
+                          </a:solidFill>
+                          <a:latin typeface="Adobe Clean Light"/>
+                          <a:ea typeface="+mn-ea"/>
+                          <a:cs typeface="+mn-cs"/>
+                        </a:rPr>
+                        <a:t> League est la manière dont Adobe aide les entreprises à atteindre la valeur qu’elles attendent de leur investissement dans Adobe. Il s’agit de l’endroit commun où les clients peuvent apprendre, se mettre en relation les uns avec les autres et grandir le long d’un chemin personnalisé vers le succès. Il comprend des tutoriels automatiques, de la documentation sur les produits, une formation dispensée par un instructeur, une communauté et une assistance technique. </a:t>
+                      </a:r>
                     </a:p>
                   </a:txBody>
                   <a:tcPr anchor="ctr">
@@ -17448,39 +14521,28 @@
                         <a:defRPr/>
                       </a:pPr>
                       <a:r>
-                        <a:rPr lang="en-US" sz="1100" dirty="0">
+                        <a:rPr lang="fr-FR" sz="1100">
                           <a:solidFill>
                             <a:schemeClr val="dk1"/>
                           </a:solidFill>
-                          <a:effectLst/>
                           <a:latin typeface="Adobe Clean"/>
                           <a:ea typeface="+mn-ea"/>
                           <a:cs typeface="+mn-cs"/>
                           <a:hlinkClick r:id="rId8"/>
                         </a:rPr>
-                        <a:t>Training</a:t>
+                        <a:t>Formation</a:t>
                       </a:r>
                       <a:r>
-                        <a:rPr lang="en-US" sz="1100" dirty="0">
+                        <a:rPr lang="fr-FR" sz="1100">
                           <a:solidFill>
                             <a:schemeClr val="dk1"/>
                           </a:solidFill>
-                          <a:effectLst/>
                           <a:latin typeface="Adobe Clean"/>
                           <a:ea typeface="+mn-ea"/>
                           <a:cs typeface="+mn-cs"/>
                         </a:rPr>
                         <a:t> </a:t>
                       </a:r>
-                      <a:endParaRPr lang="en-US" sz="1100" dirty="0">
-                        <a:solidFill>
-                          <a:schemeClr val="tx1"/>
-                        </a:solidFill>
-                        <a:effectLst/>
-                        <a:latin typeface="Adobe Clean"/>
-                        <a:ea typeface="+mn-ea"/>
-                        <a:cs typeface="+mn-cs"/>
-                      </a:endParaRPr>
                     </a:p>
                   </a:txBody>
                   <a:tcPr anchor="ctr">
@@ -17554,7 +14616,7 @@
                         <a:defRPr/>
                       </a:pPr>
                       <a:r>
-                        <a:rPr lang="en-US" sz="1000" kern="1200" dirty="0">
+                        <a:rPr lang="fr-FR" sz="1000" dirty="0">
                           <a:solidFill>
                             <a:srgbClr val="000000"/>
                           </a:solidFill>
@@ -17562,7 +14624,29 @@
                           <a:ea typeface="+mn-ea"/>
                           <a:cs typeface="+mn-cs"/>
                         </a:rPr>
-                        <a:t>Adobe Digital Learning Services courses are accessible from Experience League. Learning courses integrate both on-demand and instructor-led lessons.  Here you can accrue skills that have recognized market value and position them to drive success in your organizations.</a:t>
+                        <a:t>Les cours sur les services de formation numérique d’Adobe sont accessibles depuis </a:t>
+                      </a:r>
+                      <a:r>
+                        <a:rPr lang="fr-FR" sz="1000" dirty="0" err="1">
+                          <a:solidFill>
+                            <a:srgbClr val="000000"/>
+                          </a:solidFill>
+                          <a:latin typeface="Adobe Clean Light"/>
+                          <a:ea typeface="+mn-ea"/>
+                          <a:cs typeface="+mn-cs"/>
+                        </a:rPr>
+                        <a:t>Experience</a:t>
+                      </a:r>
+                      <a:r>
+                        <a:rPr lang="fr-FR" sz="1000" dirty="0">
+                          <a:solidFill>
+                            <a:srgbClr val="000000"/>
+                          </a:solidFill>
+                          <a:latin typeface="Adobe Clean Light"/>
+                          <a:ea typeface="+mn-ea"/>
+                          <a:cs typeface="+mn-cs"/>
+                        </a:rPr>
+                        <a:t> League. Les cours de formation regroupent des cours à la demande et des cours dispensés par un instructeur.  Grâce à ces cours, vous pouvez acquérir des compétences qui présentent une valeur marchande reconnue et les disposer de manière à stimuler le succès de vos entreprises.</a:t>
                       </a:r>
                     </a:p>
                   </a:txBody>
@@ -17644,27 +14728,17 @@
                         <a:defRPr/>
                       </a:pPr>
                       <a:r>
-                        <a:rPr lang="en-US" sz="1100" dirty="0">
+                        <a:rPr lang="fr-FR" sz="1100">
                           <a:solidFill>
                             <a:schemeClr val="tx1"/>
                           </a:solidFill>
-                          <a:effectLst/>
                           <a:latin typeface="Adobe Clean"/>
                           <a:ea typeface="+mn-ea"/>
                           <a:cs typeface="+mn-cs"/>
                           <a:hlinkClick r:id="rId9"/>
                         </a:rPr>
-                        <a:t>Production Issues &amp; System Outages</a:t>
+                        <a:t>Problèmes de production et panne du système</a:t>
                       </a:r>
-                      <a:endParaRPr lang="en-US" sz="1100" dirty="0">
-                        <a:solidFill>
-                          <a:schemeClr val="tx1"/>
-                        </a:solidFill>
-                        <a:effectLst/>
-                        <a:latin typeface="Adobe Clean"/>
-                        <a:ea typeface="+mn-ea"/>
-                        <a:cs typeface="+mn-cs"/>
-                      </a:endParaRPr>
                     </a:p>
                   </a:txBody>
                   <a:tcPr anchor="ctr">
@@ -17736,7 +14810,7 @@
                         <a:buNone/>
                       </a:pPr>
                       <a:r>
-                        <a:rPr lang="en-US" sz="1000" kern="1200" dirty="0">
+                        <a:rPr lang="fr-FR" sz="1000">
                           <a:solidFill>
                             <a:srgbClr val="000000"/>
                           </a:solidFill>
@@ -17744,16 +14818,8 @@
                           <a:ea typeface="+mn-ea"/>
                           <a:cs typeface="+mn-cs"/>
                         </a:rPr>
-                        <a:t>Status.adobe.com conveys the health information of all Adobe products and services that are deployed in multi-tenant environments. Customers can choose their subscription preferences to get email notifications whenever Adobe creates, updates or resolves a product event. This can include scheduled maintenance or service issues of varying levels of severity. </a:t>
+                        <a:t>Status.adobe.com transmet les informations d’intégrité de tous les produits et services d’Adobe déployés dans des environnements multi-entité. Les clients peuvent choisir leurs préférences d’abonnement afin de recevoir des notifications par e-mail chaque fois qu’Adobe crée, met à jour ou résout un événement de produit. Cet événement peut inclure des problèmes de maintenance planifiée ou de service présentant différents niveaux de gravité. </a:t>
                       </a:r>
-                      <a:endParaRPr lang="en-US" sz="1000" kern="1200">
-                        <a:solidFill>
-                          <a:srgbClr val="000000"/>
-                        </a:solidFill>
-                        <a:latin typeface="Adobe Clean Light" panose="020B0303020404020204" pitchFamily="34" charset="0"/>
-                        <a:ea typeface="+mn-ea"/>
-                        <a:cs typeface="+mn-cs"/>
-                      </a:endParaRPr>
                     </a:p>
                   </a:txBody>
                   <a:tcPr anchor="ctr">
@@ -17834,27 +14900,17 @@
                         <a:defRPr/>
                       </a:pPr>
                       <a:r>
-                        <a:rPr lang="en-US" sz="1100" dirty="0">
+                        <a:rPr lang="fr-FR" sz="1100">
                           <a:solidFill>
                             <a:schemeClr val="tx1"/>
                           </a:solidFill>
-                          <a:effectLst/>
                           <a:latin typeface="Adobe Clean"/>
                           <a:ea typeface="+mn-ea"/>
                           <a:cs typeface="+mn-cs"/>
                           <a:hlinkClick r:id="rId10"/>
                         </a:rPr>
-                        <a:t>Terms and Conditions</a:t>
+                        <a:t>Termes et conditions</a:t>
                       </a:r>
-                      <a:endParaRPr lang="en-US" sz="1100" dirty="0">
-                        <a:solidFill>
-                          <a:schemeClr val="tx1"/>
-                        </a:solidFill>
-                        <a:effectLst/>
-                        <a:latin typeface="Adobe Clean"/>
-                        <a:ea typeface="+mn-ea"/>
-                        <a:cs typeface="+mn-cs"/>
-                      </a:endParaRPr>
                     </a:p>
                   </a:txBody>
                   <a:tcPr anchor="ctr">
@@ -17911,7 +14967,7 @@
                     <a:lstStyle/>
                     <a:p>
                       <a:r>
-                        <a:rPr lang="en-US" sz="1000" kern="1200" dirty="0">
+                        <a:rPr lang="fr-FR" sz="1000" dirty="0">
                           <a:solidFill>
                             <a:srgbClr val="000000"/>
                           </a:solidFill>
@@ -17919,16 +14975,8 @@
                           <a:ea typeface="+mn-ea"/>
                           <a:cs typeface="+mn-cs"/>
                         </a:rPr>
-                        <a:t>Terms and conditions detailing Support Services offerings.</a:t>
+                        <a:t>Il s’agit des termes et conditions détaillant les offres des services d’assistance.</a:t>
                       </a:r>
-                      <a:endParaRPr lang="en-US" sz="1000" kern="1200" dirty="0">
-                        <a:solidFill>
-                          <a:srgbClr val="000000"/>
-                        </a:solidFill>
-                        <a:latin typeface="Adobe Clean Light" panose="020B0303020404020204" pitchFamily="34" charset="0"/>
-                        <a:ea typeface="+mn-ea"/>
-                        <a:cs typeface="+mn-cs"/>
-                      </a:endParaRPr>
                     </a:p>
                   </a:txBody>
                   <a:tcPr anchor="ctr">
@@ -18698,6 +15746,21 @@
 </file>
 
 <file path=customXml/item1.xml><?xml version="1.0" encoding="utf-8"?>
+<p:properties xmlns:p="http://schemas.microsoft.com/office/2006/metadata/properties" xmlns:xsi="http://www.w3.org/2001/XMLSchema-instance" xmlns:pc="http://schemas.microsoft.com/office/infopath/2007/PartnerControls">
+  <documentManagement/>
+</p:properties>
+</file>
+
+<file path=customXml/item2.xml><?xml version="1.0" encoding="utf-8"?>
+<?mso-contentType ?>
+<FormTemplates xmlns="http://schemas.microsoft.com/sharepoint/v3/contenttype/forms">
+  <Display>DocumentLibraryForm</Display>
+  <Edit>DocumentLibraryForm</Edit>
+  <New>DocumentLibraryForm</New>
+</FormTemplates>
+</file>
+
+<file path=customXml/item3.xml><?xml version="1.0" encoding="utf-8"?>
 <ct:contentTypeSchema xmlns:ct="http://schemas.microsoft.com/office/2006/metadata/contentType" xmlns:ma="http://schemas.microsoft.com/office/2006/metadata/properties/metaAttributes" ct:_="" ma:_="" ma:contentTypeName="Document" ma:contentTypeID="0x010100E783BF6876BCC646A459363AF21A7736" ma:contentTypeVersion="10" ma:contentTypeDescription="Create a new document." ma:contentTypeScope="" ma:versionID="c4ffda7f4f415767600769e454c2ea87">
   <xsd:schema xmlns:xsd="http://www.w3.org/2001/XMLSchema" xmlns:xs="http://www.w3.org/2001/XMLSchema" xmlns:p="http://schemas.microsoft.com/office/2006/metadata/properties" xmlns:ns2="8a053bff-88be-49e4-9a87-e748e18b8b62" xmlns:ns3="6c8368ec-3776-49b5-a5bb-90648cf9530f" targetNamespace="http://schemas.microsoft.com/office/2006/metadata/properties" ma:root="true" ma:fieldsID="df3ec33bccc23e23bce7bc897fad43d1" ns2:_="" ns3:_="">
     <xsd:import namespace="8a053bff-88be-49e4-9a87-e748e18b8b62"/>
@@ -18902,22 +15965,32 @@
 </ct:contentTypeSchema>
 </file>
 
-<file path=customXml/item2.xml><?xml version="1.0" encoding="utf-8"?>
-<?mso-contentType ?>
-<FormTemplates xmlns="http://schemas.microsoft.com/sharepoint/v3/contenttype/forms">
-  <Display>DocumentLibraryForm</Display>
-  <Edit>DocumentLibraryForm</Edit>
-  <New>DocumentLibraryForm</New>
-</FormTemplates>
+<file path=customXml/itemProps1.xml><?xml version="1.0" encoding="utf-8"?>
+<ds:datastoreItem xmlns:ds="http://schemas.openxmlformats.org/officeDocument/2006/customXml" ds:itemID="{ED4099BE-EDEC-4FF1-8378-446617236015}">
+  <ds:schemaRefs>
+    <ds:schemaRef ds:uri="6c8368ec-3776-49b5-a5bb-90648cf9530f"/>
+    <ds:schemaRef ds:uri="8a053bff-88be-49e4-9a87-e748e18b8b62"/>
+    <ds:schemaRef ds:uri="http://purl.org/dc/dcmitype/"/>
+    <ds:schemaRef ds:uri="http://purl.org/dc/elements/1.1/"/>
+    <ds:schemaRef ds:uri="http://purl.org/dc/terms/"/>
+    <ds:schemaRef ds:uri="http://schemas.microsoft.com/office/2006/documentManagement/types"/>
+    <ds:schemaRef ds:uri="http://schemas.microsoft.com/office/2006/metadata/properties"/>
+    <ds:schemaRef ds:uri="http://schemas.microsoft.com/office/infopath/2007/PartnerControls"/>
+    <ds:schemaRef ds:uri="http://schemas.openxmlformats.org/package/2006/metadata/core-properties"/>
+    <ds:schemaRef ds:uri="http://www.w3.org/XML/1998/namespace"/>
+  </ds:schemaRefs>
+</ds:datastoreItem>
 </file>
 
-<file path=customXml/item3.xml><?xml version="1.0" encoding="utf-8"?>
-<p:properties xmlns:p="http://schemas.microsoft.com/office/2006/metadata/properties" xmlns:xsi="http://www.w3.org/2001/XMLSchema-instance" xmlns:pc="http://schemas.microsoft.com/office/infopath/2007/PartnerControls">
-  <documentManagement/>
-</p:properties>
+<file path=customXml/itemProps2.xml><?xml version="1.0" encoding="utf-8"?>
+<ds:datastoreItem xmlns:ds="http://schemas.openxmlformats.org/officeDocument/2006/customXml" ds:itemID="{941989CE-20BB-4A6A-A33F-71A1AE469C3E}">
+  <ds:schemaRefs>
+    <ds:schemaRef ds:uri="http://schemas.microsoft.com/sharepoint/v3/contenttype/forms"/>
+  </ds:schemaRefs>
+</ds:datastoreItem>
 </file>
 
-<file path=customXml/itemProps1.xml><?xml version="1.0" encoding="utf-8"?>
+<file path=customXml/itemProps3.xml><?xml version="1.0" encoding="utf-8"?>
 <ds:datastoreItem xmlns:ds="http://schemas.openxmlformats.org/officeDocument/2006/customXml" ds:itemID="{FB2EBF8D-136B-48EC-8FC0-F70C0583664B}">
   <ds:schemaRefs>
     <ds:schemaRef ds:uri="6c8368ec-3776-49b5-a5bb-90648cf9530f"/>
@@ -18934,29 +16007,4 @@
     <ds:schemaRef ds:uri="http://www.w3.org/2001/XMLSchema"/>
   </ds:schemaRefs>
 </ds:datastoreItem>
-</file>
-
-<file path=customXml/itemProps2.xml><?xml version="1.0" encoding="utf-8"?>
-<ds:datastoreItem xmlns:ds="http://schemas.openxmlformats.org/officeDocument/2006/customXml" ds:itemID="{941989CE-20BB-4A6A-A33F-71A1AE469C3E}">
-  <ds:schemaRefs>
-    <ds:schemaRef ds:uri="http://schemas.microsoft.com/sharepoint/v3/contenttype/forms"/>
-  </ds:schemaRefs>
-</ds:datastoreItem>
-</file>
-
-<file path=customXml/itemProps3.xml><?xml version="1.0" encoding="utf-8"?>
-<ds:datastoreItem xmlns:ds="http://schemas.openxmlformats.org/officeDocument/2006/customXml" ds:itemID="{ED4099BE-EDEC-4FF1-8378-446617236015}">
-  <ds:schemaRefs>
-    <ds:schemaRef ds:uri="http://www.w3.org/XML/1998/namespace"/>
-    <ds:schemaRef ds:uri="8a053bff-88be-49e4-9a87-e748e18b8b62"/>
-    <ds:schemaRef ds:uri="http://purl.org/dc/terms/"/>
-    <ds:schemaRef ds:uri="http://purl.org/dc/dcmitype/"/>
-    <ds:schemaRef ds:uri="http://schemas.microsoft.com/office/2006/documentManagement/types"/>
-    <ds:schemaRef ds:uri="6c8368ec-3776-49b5-a5bb-90648cf9530f"/>
-    <ds:schemaRef ds:uri="http://purl.org/dc/elements/1.1/"/>
-    <ds:schemaRef ds:uri="http://schemas.microsoft.com/office/2006/metadata/properties"/>
-    <ds:schemaRef ds:uri="http://schemas.microsoft.com/office/infopath/2007/PartnerControls"/>
-    <ds:schemaRef ds:uri="http://schemas.openxmlformats.org/package/2006/metadata/core-properties"/>
-  </ds:schemaRefs>
-</ds:datastoreItem>
 </file>
--- a/help/data-sheets/assets/EnterpriseSupportDatasheet.pptx
+++ b/help/data-sheets/assets/EnterpriseSupportDatasheet.pptx
@@ -144,6 +144,221 @@
 <file path=ppt/changesInfos/changesInfo1.xml><?xml version="1.0" encoding="utf-8"?>
 <pc:chgInfo xmlns:a="http://schemas.openxmlformats.org/drawingml/2006/main" xmlns:r="http://schemas.openxmlformats.org/officeDocument/2006/relationships" xmlns:ac="http://schemas.microsoft.com/office/drawing/2013/main/command" xmlns:pc="http://schemas.microsoft.com/office/powerpoint/2013/main/command">
   <pc:docChgLst>
+    <pc:chgData name="Ankita Sood" userId="S::asood@adobe.com::c93a62e3-2a47-429d-82c6-c2a8fd110ae7" providerId="AD" clId="Web-{5EA87E00-148E-AB9F-558F-52E0C44EDC93}"/>
+    <pc:docChg chg="modSld">
+      <pc:chgData name="Ankita Sood" userId="S::asood@adobe.com::c93a62e3-2a47-429d-82c6-c2a8fd110ae7" providerId="AD" clId="Web-{5EA87E00-148E-AB9F-558F-52E0C44EDC93}" dt="2022-01-13T18:29:42.444" v="16" actId="20577"/>
+      <pc:docMkLst>
+        <pc:docMk/>
+      </pc:docMkLst>
+      <pc:sldChg chg="modSp">
+        <pc:chgData name="Ankita Sood" userId="S::asood@adobe.com::c93a62e3-2a47-429d-82c6-c2a8fd110ae7" providerId="AD" clId="Web-{5EA87E00-148E-AB9F-558F-52E0C44EDC93}" dt="2022-01-13T18:29:22.131" v="3" actId="20577"/>
+        <pc:sldMkLst>
+          <pc:docMk/>
+          <pc:sldMk cId="5960377" sldId="259"/>
+        </pc:sldMkLst>
+        <pc:spChg chg="mod">
+          <ac:chgData name="Ankita Sood" userId="S::asood@adobe.com::c93a62e3-2a47-429d-82c6-c2a8fd110ae7" providerId="AD" clId="Web-{5EA87E00-148E-AB9F-558F-52E0C44EDC93}" dt="2022-01-13T18:29:22.131" v="3" actId="20577"/>
+          <ac:spMkLst>
+            <pc:docMk/>
+            <pc:sldMk cId="5960377" sldId="259"/>
+            <ac:spMk id="94" creationId="{361FB899-EBCA-A144-BC72-6D65DDDA1D5D}"/>
+          </ac:spMkLst>
+        </pc:spChg>
+      </pc:sldChg>
+      <pc:sldChg chg="modSp">
+        <pc:chgData name="Ankita Sood" userId="S::asood@adobe.com::c93a62e3-2a47-429d-82c6-c2a8fd110ae7" providerId="AD" clId="Web-{5EA87E00-148E-AB9F-558F-52E0C44EDC93}" dt="2022-01-13T18:29:42.444" v="16" actId="20577"/>
+        <pc:sldMkLst>
+          <pc:docMk/>
+          <pc:sldMk cId="2161849182" sldId="267"/>
+        </pc:sldMkLst>
+        <pc:spChg chg="mod">
+          <ac:chgData name="Ankita Sood" userId="S::asood@adobe.com::c93a62e3-2a47-429d-82c6-c2a8fd110ae7" providerId="AD" clId="Web-{5EA87E00-148E-AB9F-558F-52E0C44EDC93}" dt="2022-01-13T18:29:42.444" v="16" actId="20577"/>
+          <ac:spMkLst>
+            <pc:docMk/>
+            <pc:sldMk cId="2161849182" sldId="267"/>
+            <ac:spMk id="12" creationId="{B5B9BF51-8921-A94B-954A-82B5B5874814}"/>
+          </ac:spMkLst>
+        </pc:spChg>
+        <pc:graphicFrameChg chg="mod modGraphic">
+          <ac:chgData name="Ankita Sood" userId="S::asood@adobe.com::c93a62e3-2a47-429d-82c6-c2a8fd110ae7" providerId="AD" clId="Web-{5EA87E00-148E-AB9F-558F-52E0C44EDC93}" dt="2022-01-13T18:29:37.693" v="15"/>
+          <ac:graphicFrameMkLst>
+            <pc:docMk/>
+            <pc:sldMk cId="2161849182" sldId="267"/>
+            <ac:graphicFrameMk id="9" creationId="{00000000-0000-0000-0000-000000000000}"/>
+          </ac:graphicFrameMkLst>
+        </pc:graphicFrameChg>
+        <pc:graphicFrameChg chg="mod modGraphic">
+          <ac:chgData name="Ankita Sood" userId="S::asood@adobe.com::c93a62e3-2a47-429d-82c6-c2a8fd110ae7" providerId="AD" clId="Web-{5EA87E00-148E-AB9F-558F-52E0C44EDC93}" dt="2022-01-13T18:29:31.787" v="5"/>
+          <ac:graphicFrameMkLst>
+            <pc:docMk/>
+            <pc:sldMk cId="2161849182" sldId="267"/>
+            <ac:graphicFrameMk id="13" creationId="{63DBC3ED-EEDC-974A-82A2-F5182CF12546}"/>
+          </ac:graphicFrameMkLst>
+        </pc:graphicFrameChg>
+      </pc:sldChg>
+    </pc:docChg>
+  </pc:docChgLst>
+  <pc:docChgLst>
+    <pc:chgData name="Akilah Johnson" userId="S::akjohnso@adobe.com::2fa3aa60-0c9c-4d06-bae2-795983241227" providerId="AD" clId="Web-{112231ED-4F38-A856-2EFF-9D0F88AC9BDF}"/>
+    <pc:docChg chg="modSld">
+      <pc:chgData name="Akilah Johnson" userId="S::akjohnso@adobe.com::2fa3aa60-0c9c-4d06-bae2-795983241227" providerId="AD" clId="Web-{112231ED-4F38-A856-2EFF-9D0F88AC9BDF}" dt="2021-09-22T19:11:31.474" v="2" actId="1076"/>
+      <pc:docMkLst>
+        <pc:docMk/>
+      </pc:docMkLst>
+      <pc:sldChg chg="modSp">
+        <pc:chgData name="Akilah Johnson" userId="S::akjohnso@adobe.com::2fa3aa60-0c9c-4d06-bae2-795983241227" providerId="AD" clId="Web-{112231ED-4F38-A856-2EFF-9D0F88AC9BDF}" dt="2021-09-22T19:11:31.474" v="2" actId="1076"/>
+        <pc:sldMkLst>
+          <pc:docMk/>
+          <pc:sldMk cId="1050037809" sldId="261"/>
+        </pc:sldMkLst>
+        <pc:spChg chg="mod">
+          <ac:chgData name="Akilah Johnson" userId="S::akjohnso@adobe.com::2fa3aa60-0c9c-4d06-bae2-795983241227" providerId="AD" clId="Web-{112231ED-4F38-A856-2EFF-9D0F88AC9BDF}" dt="2021-09-22T19:11:31.474" v="2" actId="1076"/>
+          <ac:spMkLst>
+            <pc:docMk/>
+            <pc:sldMk cId="1050037809" sldId="261"/>
+            <ac:spMk id="23" creationId="{00000000-0000-0000-0000-000000000000}"/>
+          </ac:spMkLst>
+        </pc:spChg>
+        <pc:spChg chg="mod">
+          <ac:chgData name="Akilah Johnson" userId="S::akjohnso@adobe.com::2fa3aa60-0c9c-4d06-bae2-795983241227" providerId="AD" clId="Web-{112231ED-4F38-A856-2EFF-9D0F88AC9BDF}" dt="2021-09-22T19:08:28.879" v="0" actId="1076"/>
+          <ac:spMkLst>
+            <pc:docMk/>
+            <pc:sldMk cId="1050037809" sldId="261"/>
+            <ac:spMk id="64" creationId="{41467BDC-3D83-D844-B922-CD07E94E5AAB}"/>
+          </ac:spMkLst>
+        </pc:spChg>
+      </pc:sldChg>
+    </pc:docChg>
+  </pc:docChgLst>
+  <pc:docChgLst>
+    <pc:chgData name="Akilah Johnson" userId="S::akjohnso@adobe.com::2fa3aa60-0c9c-4d06-bae2-795983241227" providerId="AD" clId="Web-{A40C3D7D-993B-38B2-2DDA-C562505A1054}"/>
+    <pc:docChg chg="modSld">
+      <pc:chgData name="Akilah Johnson" userId="S::akjohnso@adobe.com::2fa3aa60-0c9c-4d06-bae2-795983241227" providerId="AD" clId="Web-{A40C3D7D-993B-38B2-2DDA-C562505A1054}" dt="2021-09-22T23:00:46.860" v="3"/>
+      <pc:docMkLst>
+        <pc:docMk/>
+      </pc:docMkLst>
+      <pc:sldChg chg="modSp">
+        <pc:chgData name="Akilah Johnson" userId="S::akjohnso@adobe.com::2fa3aa60-0c9c-4d06-bae2-795983241227" providerId="AD" clId="Web-{A40C3D7D-993B-38B2-2DDA-C562505A1054}" dt="2021-09-22T23:00:46.860" v="3"/>
+        <pc:sldMkLst>
+          <pc:docMk/>
+          <pc:sldMk cId="1050037809" sldId="261"/>
+        </pc:sldMkLst>
+        <pc:graphicFrameChg chg="mod modGraphic">
+          <ac:chgData name="Akilah Johnson" userId="S::akjohnso@adobe.com::2fa3aa60-0c9c-4d06-bae2-795983241227" providerId="AD" clId="Web-{A40C3D7D-993B-38B2-2DDA-C562505A1054}" dt="2021-09-22T23:00:46.860" v="3"/>
+          <ac:graphicFrameMkLst>
+            <pc:docMk/>
+            <pc:sldMk cId="1050037809" sldId="261"/>
+            <ac:graphicFrameMk id="25" creationId="{3A91F5B0-3974-A14D-A146-FB590F2AAD18}"/>
+          </ac:graphicFrameMkLst>
+        </pc:graphicFrameChg>
+      </pc:sldChg>
+    </pc:docChg>
+  </pc:docChgLst>
+  <pc:docChgLst>
+    <pc:chgData name="Akilah Johnson" userId="S::akjohnso@adobe.com::2fa3aa60-0c9c-4d06-bae2-795983241227" providerId="AD" clId="Web-{0AC6A3A1-0788-C69A-5EFD-279F3FA2CF0F}"/>
+    <pc:docChg chg="modSld">
+      <pc:chgData name="Akilah Johnson" userId="S::akjohnso@adobe.com::2fa3aa60-0c9c-4d06-bae2-795983241227" providerId="AD" clId="Web-{0AC6A3A1-0788-C69A-5EFD-279F3FA2CF0F}" dt="2021-09-22T18:56:17.553" v="29"/>
+      <pc:docMkLst>
+        <pc:docMk/>
+      </pc:docMkLst>
+      <pc:sldChg chg="modSp delCm">
+        <pc:chgData name="Akilah Johnson" userId="S::akjohnso@adobe.com::2fa3aa60-0c9c-4d06-bae2-795983241227" providerId="AD" clId="Web-{0AC6A3A1-0788-C69A-5EFD-279F3FA2CF0F}" dt="2021-09-22T18:56:17.553" v="29"/>
+        <pc:sldMkLst>
+          <pc:docMk/>
+          <pc:sldMk cId="1050037809" sldId="261"/>
+        </pc:sldMkLst>
+        <pc:spChg chg="mod">
+          <ac:chgData name="Akilah Johnson" userId="S::akjohnso@adobe.com::2fa3aa60-0c9c-4d06-bae2-795983241227" providerId="AD" clId="Web-{0AC6A3A1-0788-C69A-5EFD-279F3FA2CF0F}" dt="2021-09-22T18:55:46.585" v="16" actId="20577"/>
+          <ac:spMkLst>
+            <pc:docMk/>
+            <pc:sldMk cId="1050037809" sldId="261"/>
+            <ac:spMk id="64" creationId="{41467BDC-3D83-D844-B922-CD07E94E5AAB}"/>
+          </ac:spMkLst>
+        </pc:spChg>
+        <pc:graphicFrameChg chg="mod modGraphic">
+          <ac:chgData name="Akilah Johnson" userId="S::akjohnso@adobe.com::2fa3aa60-0c9c-4d06-bae2-795983241227" providerId="AD" clId="Web-{0AC6A3A1-0788-C69A-5EFD-279F3FA2CF0F}" dt="2021-09-22T18:55:59.928" v="28"/>
+          <ac:graphicFrameMkLst>
+            <pc:docMk/>
+            <pc:sldMk cId="1050037809" sldId="261"/>
+            <ac:graphicFrameMk id="25" creationId="{3A91F5B0-3974-A14D-A146-FB590F2AAD18}"/>
+          </ac:graphicFrameMkLst>
+        </pc:graphicFrameChg>
+      </pc:sldChg>
+    </pc:docChg>
+  </pc:docChgLst>
+  <pc:docChgLst>
+    <pc:chgData name="Akilah Johnson" userId="S::akjohnso@adobe.com::2fa3aa60-0c9c-4d06-bae2-795983241227" providerId="AD" clId="Web-{DC554207-FA81-638A-220E-C39F63BF408A}"/>
+    <pc:docChg chg="modSld">
+      <pc:chgData name="Akilah Johnson" userId="S::akjohnso@adobe.com::2fa3aa60-0c9c-4d06-bae2-795983241227" providerId="AD" clId="Web-{DC554207-FA81-638A-220E-C39F63BF408A}" dt="2021-11-23T23:50:17.249" v="7"/>
+      <pc:docMkLst>
+        <pc:docMk/>
+      </pc:docMkLst>
+      <pc:sldChg chg="modSp">
+        <pc:chgData name="Akilah Johnson" userId="S::akjohnso@adobe.com::2fa3aa60-0c9c-4d06-bae2-795983241227" providerId="AD" clId="Web-{DC554207-FA81-638A-220E-C39F63BF408A}" dt="2021-11-23T23:50:17.249" v="7"/>
+        <pc:sldMkLst>
+          <pc:docMk/>
+          <pc:sldMk cId="2161849182" sldId="267"/>
+        </pc:sldMkLst>
+        <pc:graphicFrameChg chg="mod modGraphic">
+          <ac:chgData name="Akilah Johnson" userId="S::akjohnso@adobe.com::2fa3aa60-0c9c-4d06-bae2-795983241227" providerId="AD" clId="Web-{DC554207-FA81-638A-220E-C39F63BF408A}" dt="2021-11-23T23:50:17.249" v="7"/>
+          <ac:graphicFrameMkLst>
+            <pc:docMk/>
+            <pc:sldMk cId="2161849182" sldId="267"/>
+            <ac:graphicFrameMk id="9" creationId="{00000000-0000-0000-0000-000000000000}"/>
+          </ac:graphicFrameMkLst>
+        </pc:graphicFrameChg>
+      </pc:sldChg>
+    </pc:docChg>
+  </pc:docChgLst>
+  <pc:docChgLst>
+    <pc:chgData name="Akilah Johnson" userId="S::akjohnso@adobe.com::2fa3aa60-0c9c-4d06-bae2-795983241227" providerId="AD" clId="Web-{D02E726A-82A5-CF13-9EBE-9B674D878D37}"/>
+    <pc:docChg chg="modSld">
+      <pc:chgData name="Akilah Johnson" userId="S::akjohnso@adobe.com::2fa3aa60-0c9c-4d06-bae2-795983241227" providerId="AD" clId="Web-{D02E726A-82A5-CF13-9EBE-9B674D878D37}" dt="2021-10-12T19:51:27.470" v="10"/>
+      <pc:docMkLst>
+        <pc:docMk/>
+      </pc:docMkLst>
+      <pc:sldChg chg="modSp delCm">
+        <pc:chgData name="Akilah Johnson" userId="S::akjohnso@adobe.com::2fa3aa60-0c9c-4d06-bae2-795983241227" providerId="AD" clId="Web-{D02E726A-82A5-CF13-9EBE-9B674D878D37}" dt="2021-10-12T19:51:27.470" v="10"/>
+        <pc:sldMkLst>
+          <pc:docMk/>
+          <pc:sldMk cId="2161849182" sldId="267"/>
+        </pc:sldMkLst>
+        <pc:spChg chg="mod">
+          <ac:chgData name="Akilah Johnson" userId="S::akjohnso@adobe.com::2fa3aa60-0c9c-4d06-bae2-795983241227" providerId="AD" clId="Web-{D02E726A-82A5-CF13-9EBE-9B674D878D37}" dt="2021-10-12T19:51:04.127" v="8" actId="20577"/>
+          <ac:spMkLst>
+            <pc:docMk/>
+            <pc:sldMk cId="2161849182" sldId="267"/>
+            <ac:spMk id="2" creationId="{00000000-0000-0000-0000-000000000000}"/>
+          </ac:spMkLst>
+        </pc:spChg>
+      </pc:sldChg>
+    </pc:docChg>
+  </pc:docChgLst>
+  <pc:docChgLst>
+    <pc:chgData name="Lauren Schutte" userId="6e08b2d3-447a-4d66-86be-444d50df187f" providerId="ADAL" clId="{51054313-E3E9-A543-B651-B15A687DE6AB}"/>
+    <pc:docChg chg="custSel modSld">
+      <pc:chgData name="Lauren Schutte" userId="6e08b2d3-447a-4d66-86be-444d50df187f" providerId="ADAL" clId="{51054313-E3E9-A543-B651-B15A687DE6AB}" dt="2021-12-06T17:05:18.742" v="125" actId="20577"/>
+      <pc:docMkLst>
+        <pc:docMk/>
+      </pc:docMkLst>
+      <pc:sldChg chg="modSp mod">
+        <pc:chgData name="Lauren Schutte" userId="6e08b2d3-447a-4d66-86be-444d50df187f" providerId="ADAL" clId="{51054313-E3E9-A543-B651-B15A687DE6AB}" dt="2021-12-06T17:05:18.742" v="125" actId="20577"/>
+        <pc:sldMkLst>
+          <pc:docMk/>
+          <pc:sldMk cId="2161849182" sldId="267"/>
+        </pc:sldMkLst>
+        <pc:graphicFrameChg chg="mod modGraphic">
+          <ac:chgData name="Lauren Schutte" userId="6e08b2d3-447a-4d66-86be-444d50df187f" providerId="ADAL" clId="{51054313-E3E9-A543-B651-B15A687DE6AB}" dt="2021-12-06T17:05:18.742" v="125" actId="20577"/>
+          <ac:graphicFrameMkLst>
+            <pc:docMk/>
+            <pc:sldMk cId="2161849182" sldId="267"/>
+            <ac:graphicFrameMk id="9" creationId="{00000000-0000-0000-0000-000000000000}"/>
+          </ac:graphicFrameMkLst>
+        </pc:graphicFrameChg>
+      </pc:sldChg>
+    </pc:docChg>
+  </pc:docChgLst>
+  <pc:docChgLst>
     <pc:chgData name="Ankita Sood" userId="c93a62e3-2a47-429d-82c6-c2a8fd110ae7" providerId="ADAL" clId="{F52CA613-E759-D441-AA53-CD1E38E4D602}"/>
     <pc:docChg chg="modSld">
       <pc:chgData name="Ankita Sood" userId="c93a62e3-2a47-429d-82c6-c2a8fd110ae7" providerId="ADAL" clId="{F52CA613-E759-D441-AA53-CD1E38E4D602}" dt="2022-01-20T17:29:41.146" v="3" actId="20577"/>
@@ -170,6 +385,78 @@
             <pc:docMk/>
             <pc:sldMk cId="2161849182" sldId="267"/>
             <ac:graphicFrameMk id="13" creationId="{63DBC3ED-EEDC-974A-82A2-F5182CF12546}"/>
+          </ac:graphicFrameMkLst>
+        </pc:graphicFrameChg>
+      </pc:sldChg>
+    </pc:docChg>
+  </pc:docChgLst>
+  <pc:docChgLst>
+    <pc:chgData name="Akilah Johnson" userId="S::akjohnso@adobe.com::2fa3aa60-0c9c-4d06-bae2-795983241227" providerId="AD" clId="Web-{0AB2EF93-BE08-D205-D43E-3B568BB37DAA}"/>
+    <pc:docChg chg="modSld">
+      <pc:chgData name="Akilah Johnson" userId="S::akjohnso@adobe.com::2fa3aa60-0c9c-4d06-bae2-795983241227" providerId="AD" clId="Web-{0AB2EF93-BE08-D205-D43E-3B568BB37DAA}" dt="2021-09-22T23:01:45.877" v="13"/>
+      <pc:docMkLst>
+        <pc:docMk/>
+      </pc:docMkLst>
+      <pc:sldChg chg="modSp">
+        <pc:chgData name="Akilah Johnson" userId="S::akjohnso@adobe.com::2fa3aa60-0c9c-4d06-bae2-795983241227" providerId="AD" clId="Web-{0AB2EF93-BE08-D205-D43E-3B568BB37DAA}" dt="2021-09-22T23:01:45.877" v="13"/>
+        <pc:sldMkLst>
+          <pc:docMk/>
+          <pc:sldMk cId="1050037809" sldId="261"/>
+        </pc:sldMkLst>
+        <pc:graphicFrameChg chg="mod modGraphic">
+          <ac:chgData name="Akilah Johnson" userId="S::akjohnso@adobe.com::2fa3aa60-0c9c-4d06-bae2-795983241227" providerId="AD" clId="Web-{0AB2EF93-BE08-D205-D43E-3B568BB37DAA}" dt="2021-09-22T23:01:45.877" v="13"/>
+          <ac:graphicFrameMkLst>
+            <pc:docMk/>
+            <pc:sldMk cId="1050037809" sldId="261"/>
+            <ac:graphicFrameMk id="25" creationId="{3A91F5B0-3974-A14D-A146-FB590F2AAD18}"/>
+          </ac:graphicFrameMkLst>
+        </pc:graphicFrameChg>
+      </pc:sldChg>
+    </pc:docChg>
+  </pc:docChgLst>
+  <pc:docChgLst>
+    <pc:chgData name="Andy Witt" userId="S::awitt@adobe.com::e9157bdf-53b2-40e4-9459-936793d75696" providerId="AD" clId="Web-{3F02B349-0406-AE51-D438-E7A0BE890230}"/>
+    <pc:docChg chg="modSld">
+      <pc:chgData name="Andy Witt" userId="S::awitt@adobe.com::e9157bdf-53b2-40e4-9459-936793d75696" providerId="AD" clId="Web-{3F02B349-0406-AE51-D438-E7A0BE890230}" dt="2021-08-25T18:45:07.550" v="11"/>
+      <pc:docMkLst>
+        <pc:docMk/>
+      </pc:docMkLst>
+      <pc:sldChg chg="modSp">
+        <pc:chgData name="Andy Witt" userId="S::awitt@adobe.com::e9157bdf-53b2-40e4-9459-936793d75696" providerId="AD" clId="Web-{3F02B349-0406-AE51-D438-E7A0BE890230}" dt="2021-08-25T18:45:07.550" v="11"/>
+        <pc:sldMkLst>
+          <pc:docMk/>
+          <pc:sldMk cId="1050037809" sldId="261"/>
+        </pc:sldMkLst>
+        <pc:graphicFrameChg chg="mod modGraphic">
+          <ac:chgData name="Andy Witt" userId="S::awitt@adobe.com::e9157bdf-53b2-40e4-9459-936793d75696" providerId="AD" clId="Web-{3F02B349-0406-AE51-D438-E7A0BE890230}" dt="2021-08-25T18:45:07.550" v="11"/>
+          <ac:graphicFrameMkLst>
+            <pc:docMk/>
+            <pc:sldMk cId="1050037809" sldId="261"/>
+            <ac:graphicFrameMk id="25" creationId="{3A91F5B0-3974-A14D-A146-FB590F2AAD18}"/>
+          </ac:graphicFrameMkLst>
+        </pc:graphicFrameChg>
+      </pc:sldChg>
+    </pc:docChg>
+  </pc:docChgLst>
+  <pc:docChgLst>
+    <pc:chgData name="Akilah Johnson" userId="2fa3aa60-0c9c-4d06-bae2-795983241227" providerId="ADAL" clId="{7598C71F-6B67-2947-B18A-AD3AFAF83B9E}"/>
+    <pc:docChg chg="modSld">
+      <pc:chgData name="Akilah Johnson" userId="2fa3aa60-0c9c-4d06-bae2-795983241227" providerId="ADAL" clId="{7598C71F-6B67-2947-B18A-AD3AFAF83B9E}" dt="2021-11-24T00:03:04.956" v="14" actId="20577"/>
+      <pc:docMkLst>
+        <pc:docMk/>
+      </pc:docMkLst>
+      <pc:sldChg chg="modSp mod">
+        <pc:chgData name="Akilah Johnson" userId="2fa3aa60-0c9c-4d06-bae2-795983241227" providerId="ADAL" clId="{7598C71F-6B67-2947-B18A-AD3AFAF83B9E}" dt="2021-11-24T00:03:04.956" v="14" actId="20577"/>
+        <pc:sldMkLst>
+          <pc:docMk/>
+          <pc:sldMk cId="2161849182" sldId="267"/>
+        </pc:sldMkLst>
+        <pc:graphicFrameChg chg="modGraphic">
+          <ac:chgData name="Akilah Johnson" userId="2fa3aa60-0c9c-4d06-bae2-795983241227" providerId="ADAL" clId="{7598C71F-6B67-2947-B18A-AD3AFAF83B9E}" dt="2021-11-24T00:03:04.956" v="14" actId="20577"/>
+          <ac:graphicFrameMkLst>
+            <pc:docMk/>
+            <pc:sldMk cId="2161849182" sldId="267"/>
+            <ac:graphicFrameMk id="9" creationId="{00000000-0000-0000-0000-000000000000}"/>
           </ac:graphicFrameMkLst>
         </pc:graphicFrameChg>
       </pc:sldChg>
@@ -231,189 +518,6 @@
     </pc:docChg>
   </pc:docChgLst>
   <pc:docChgLst>
-    <pc:chgData name="Lauren Schutte" userId="6e08b2d3-447a-4d66-86be-444d50df187f" providerId="ADAL" clId="{51054313-E3E9-A543-B651-B15A687DE6AB}"/>
-    <pc:docChg chg="custSel modSld">
-      <pc:chgData name="Lauren Schutte" userId="6e08b2d3-447a-4d66-86be-444d50df187f" providerId="ADAL" clId="{51054313-E3E9-A543-B651-B15A687DE6AB}" dt="2021-12-06T17:05:18.742" v="125" actId="20577"/>
-      <pc:docMkLst>
-        <pc:docMk/>
-      </pc:docMkLst>
-      <pc:sldChg chg="modSp mod">
-        <pc:chgData name="Lauren Schutte" userId="6e08b2d3-447a-4d66-86be-444d50df187f" providerId="ADAL" clId="{51054313-E3E9-A543-B651-B15A687DE6AB}" dt="2021-12-06T17:05:18.742" v="125" actId="20577"/>
-        <pc:sldMkLst>
-          <pc:docMk/>
-          <pc:sldMk cId="2161849182" sldId="267"/>
-        </pc:sldMkLst>
-        <pc:graphicFrameChg chg="mod modGraphic">
-          <ac:chgData name="Lauren Schutte" userId="6e08b2d3-447a-4d66-86be-444d50df187f" providerId="ADAL" clId="{51054313-E3E9-A543-B651-B15A687DE6AB}" dt="2021-12-06T17:05:18.742" v="125" actId="20577"/>
-          <ac:graphicFrameMkLst>
-            <pc:docMk/>
-            <pc:sldMk cId="2161849182" sldId="267"/>
-            <ac:graphicFrameMk id="9" creationId="{00000000-0000-0000-0000-000000000000}"/>
-          </ac:graphicFrameMkLst>
-        </pc:graphicFrameChg>
-      </pc:sldChg>
-    </pc:docChg>
-  </pc:docChgLst>
-  <pc:docChgLst>
-    <pc:chgData name="Akilah Johnson" userId="S::akjohnso@adobe.com::2fa3aa60-0c9c-4d06-bae2-795983241227" providerId="AD" clId="Web-{D02E726A-82A5-CF13-9EBE-9B674D878D37}"/>
-    <pc:docChg chg="modSld">
-      <pc:chgData name="Akilah Johnson" userId="S::akjohnso@adobe.com::2fa3aa60-0c9c-4d06-bae2-795983241227" providerId="AD" clId="Web-{D02E726A-82A5-CF13-9EBE-9B674D878D37}" dt="2021-10-12T19:51:27.470" v="10"/>
-      <pc:docMkLst>
-        <pc:docMk/>
-      </pc:docMkLst>
-      <pc:sldChg chg="modSp delCm">
-        <pc:chgData name="Akilah Johnson" userId="S::akjohnso@adobe.com::2fa3aa60-0c9c-4d06-bae2-795983241227" providerId="AD" clId="Web-{D02E726A-82A5-CF13-9EBE-9B674D878D37}" dt="2021-10-12T19:51:27.470" v="10"/>
-        <pc:sldMkLst>
-          <pc:docMk/>
-          <pc:sldMk cId="2161849182" sldId="267"/>
-        </pc:sldMkLst>
-        <pc:spChg chg="mod">
-          <ac:chgData name="Akilah Johnson" userId="S::akjohnso@adobe.com::2fa3aa60-0c9c-4d06-bae2-795983241227" providerId="AD" clId="Web-{D02E726A-82A5-CF13-9EBE-9B674D878D37}" dt="2021-10-12T19:51:04.127" v="8" actId="20577"/>
-          <ac:spMkLst>
-            <pc:docMk/>
-            <pc:sldMk cId="2161849182" sldId="267"/>
-            <ac:spMk id="2" creationId="{00000000-0000-0000-0000-000000000000}"/>
-          </ac:spMkLst>
-        </pc:spChg>
-      </pc:sldChg>
-    </pc:docChg>
-  </pc:docChgLst>
-  <pc:docChgLst>
-    <pc:chgData name="Akilah Johnson" userId="S::akjohnso@adobe.com::2fa3aa60-0c9c-4d06-bae2-795983241227" providerId="AD" clId="Web-{112231ED-4F38-A856-2EFF-9D0F88AC9BDF}"/>
-    <pc:docChg chg="modSld">
-      <pc:chgData name="Akilah Johnson" userId="S::akjohnso@adobe.com::2fa3aa60-0c9c-4d06-bae2-795983241227" providerId="AD" clId="Web-{112231ED-4F38-A856-2EFF-9D0F88AC9BDF}" dt="2021-09-22T19:11:31.474" v="2" actId="1076"/>
-      <pc:docMkLst>
-        <pc:docMk/>
-      </pc:docMkLst>
-      <pc:sldChg chg="modSp">
-        <pc:chgData name="Akilah Johnson" userId="S::akjohnso@adobe.com::2fa3aa60-0c9c-4d06-bae2-795983241227" providerId="AD" clId="Web-{112231ED-4F38-A856-2EFF-9D0F88AC9BDF}" dt="2021-09-22T19:11:31.474" v="2" actId="1076"/>
-        <pc:sldMkLst>
-          <pc:docMk/>
-          <pc:sldMk cId="1050037809" sldId="261"/>
-        </pc:sldMkLst>
-        <pc:spChg chg="mod">
-          <ac:chgData name="Akilah Johnson" userId="S::akjohnso@adobe.com::2fa3aa60-0c9c-4d06-bae2-795983241227" providerId="AD" clId="Web-{112231ED-4F38-A856-2EFF-9D0F88AC9BDF}" dt="2021-09-22T19:11:31.474" v="2" actId="1076"/>
-          <ac:spMkLst>
-            <pc:docMk/>
-            <pc:sldMk cId="1050037809" sldId="261"/>
-            <ac:spMk id="23" creationId="{00000000-0000-0000-0000-000000000000}"/>
-          </ac:spMkLst>
-        </pc:spChg>
-        <pc:spChg chg="mod">
-          <ac:chgData name="Akilah Johnson" userId="S::akjohnso@adobe.com::2fa3aa60-0c9c-4d06-bae2-795983241227" providerId="AD" clId="Web-{112231ED-4F38-A856-2EFF-9D0F88AC9BDF}" dt="2021-09-22T19:08:28.879" v="0" actId="1076"/>
-          <ac:spMkLst>
-            <pc:docMk/>
-            <pc:sldMk cId="1050037809" sldId="261"/>
-            <ac:spMk id="64" creationId="{41467BDC-3D83-D844-B922-CD07E94E5AAB}"/>
-          </ac:spMkLst>
-        </pc:spChg>
-      </pc:sldChg>
-    </pc:docChg>
-  </pc:docChgLst>
-  <pc:docChgLst>
-    <pc:chgData name="Andy Witt" userId="S::awitt@adobe.com::e9157bdf-53b2-40e4-9459-936793d75696" providerId="AD" clId="Web-{3F02B349-0406-AE51-D438-E7A0BE890230}"/>
-    <pc:docChg chg="modSld">
-      <pc:chgData name="Andy Witt" userId="S::awitt@adobe.com::e9157bdf-53b2-40e4-9459-936793d75696" providerId="AD" clId="Web-{3F02B349-0406-AE51-D438-E7A0BE890230}" dt="2021-08-25T18:45:07.550" v="11"/>
-      <pc:docMkLst>
-        <pc:docMk/>
-      </pc:docMkLst>
-      <pc:sldChg chg="modSp">
-        <pc:chgData name="Andy Witt" userId="S::awitt@adobe.com::e9157bdf-53b2-40e4-9459-936793d75696" providerId="AD" clId="Web-{3F02B349-0406-AE51-D438-E7A0BE890230}" dt="2021-08-25T18:45:07.550" v="11"/>
-        <pc:sldMkLst>
-          <pc:docMk/>
-          <pc:sldMk cId="1050037809" sldId="261"/>
-        </pc:sldMkLst>
-        <pc:graphicFrameChg chg="mod modGraphic">
-          <ac:chgData name="Andy Witt" userId="S::awitt@adobe.com::e9157bdf-53b2-40e4-9459-936793d75696" providerId="AD" clId="Web-{3F02B349-0406-AE51-D438-E7A0BE890230}" dt="2021-08-25T18:45:07.550" v="11"/>
-          <ac:graphicFrameMkLst>
-            <pc:docMk/>
-            <pc:sldMk cId="1050037809" sldId="261"/>
-            <ac:graphicFrameMk id="25" creationId="{3A91F5B0-3974-A14D-A146-FB590F2AAD18}"/>
-          </ac:graphicFrameMkLst>
-        </pc:graphicFrameChg>
-      </pc:sldChg>
-    </pc:docChg>
-  </pc:docChgLst>
-  <pc:docChgLst>
-    <pc:chgData name="Ankita Sood" userId="S::asood@adobe.com::c93a62e3-2a47-429d-82c6-c2a8fd110ae7" providerId="AD" clId="Web-{5EA87E00-148E-AB9F-558F-52E0C44EDC93}"/>
-    <pc:docChg chg="modSld">
-      <pc:chgData name="Ankita Sood" userId="S::asood@adobe.com::c93a62e3-2a47-429d-82c6-c2a8fd110ae7" providerId="AD" clId="Web-{5EA87E00-148E-AB9F-558F-52E0C44EDC93}" dt="2022-01-13T18:29:42.444" v="16" actId="20577"/>
-      <pc:docMkLst>
-        <pc:docMk/>
-      </pc:docMkLst>
-      <pc:sldChg chg="modSp">
-        <pc:chgData name="Ankita Sood" userId="S::asood@adobe.com::c93a62e3-2a47-429d-82c6-c2a8fd110ae7" providerId="AD" clId="Web-{5EA87E00-148E-AB9F-558F-52E0C44EDC93}" dt="2022-01-13T18:29:22.131" v="3" actId="20577"/>
-        <pc:sldMkLst>
-          <pc:docMk/>
-          <pc:sldMk cId="5960377" sldId="259"/>
-        </pc:sldMkLst>
-        <pc:spChg chg="mod">
-          <ac:chgData name="Ankita Sood" userId="S::asood@adobe.com::c93a62e3-2a47-429d-82c6-c2a8fd110ae7" providerId="AD" clId="Web-{5EA87E00-148E-AB9F-558F-52E0C44EDC93}" dt="2022-01-13T18:29:22.131" v="3" actId="20577"/>
-          <ac:spMkLst>
-            <pc:docMk/>
-            <pc:sldMk cId="5960377" sldId="259"/>
-            <ac:spMk id="94" creationId="{361FB899-EBCA-A144-BC72-6D65DDDA1D5D}"/>
-          </ac:spMkLst>
-        </pc:spChg>
-      </pc:sldChg>
-      <pc:sldChg chg="modSp">
-        <pc:chgData name="Ankita Sood" userId="S::asood@adobe.com::c93a62e3-2a47-429d-82c6-c2a8fd110ae7" providerId="AD" clId="Web-{5EA87E00-148E-AB9F-558F-52E0C44EDC93}" dt="2022-01-13T18:29:42.444" v="16" actId="20577"/>
-        <pc:sldMkLst>
-          <pc:docMk/>
-          <pc:sldMk cId="2161849182" sldId="267"/>
-        </pc:sldMkLst>
-        <pc:spChg chg="mod">
-          <ac:chgData name="Ankita Sood" userId="S::asood@adobe.com::c93a62e3-2a47-429d-82c6-c2a8fd110ae7" providerId="AD" clId="Web-{5EA87E00-148E-AB9F-558F-52E0C44EDC93}" dt="2022-01-13T18:29:42.444" v="16" actId="20577"/>
-          <ac:spMkLst>
-            <pc:docMk/>
-            <pc:sldMk cId="2161849182" sldId="267"/>
-            <ac:spMk id="12" creationId="{B5B9BF51-8921-A94B-954A-82B5B5874814}"/>
-          </ac:spMkLst>
-        </pc:spChg>
-        <pc:graphicFrameChg chg="mod modGraphic">
-          <ac:chgData name="Ankita Sood" userId="S::asood@adobe.com::c93a62e3-2a47-429d-82c6-c2a8fd110ae7" providerId="AD" clId="Web-{5EA87E00-148E-AB9F-558F-52E0C44EDC93}" dt="2022-01-13T18:29:37.693" v="15"/>
-          <ac:graphicFrameMkLst>
-            <pc:docMk/>
-            <pc:sldMk cId="2161849182" sldId="267"/>
-            <ac:graphicFrameMk id="9" creationId="{00000000-0000-0000-0000-000000000000}"/>
-          </ac:graphicFrameMkLst>
-        </pc:graphicFrameChg>
-        <pc:graphicFrameChg chg="mod modGraphic">
-          <ac:chgData name="Ankita Sood" userId="S::asood@adobe.com::c93a62e3-2a47-429d-82c6-c2a8fd110ae7" providerId="AD" clId="Web-{5EA87E00-148E-AB9F-558F-52E0C44EDC93}" dt="2022-01-13T18:29:31.787" v="5"/>
-          <ac:graphicFrameMkLst>
-            <pc:docMk/>
-            <pc:sldMk cId="2161849182" sldId="267"/>
-            <ac:graphicFrameMk id="13" creationId="{63DBC3ED-EEDC-974A-82A2-F5182CF12546}"/>
-          </ac:graphicFrameMkLst>
-        </pc:graphicFrameChg>
-      </pc:sldChg>
-    </pc:docChg>
-  </pc:docChgLst>
-  <pc:docChgLst>
-    <pc:chgData name="Akilah Johnson" userId="2fa3aa60-0c9c-4d06-bae2-795983241227" providerId="ADAL" clId="{7598C71F-6B67-2947-B18A-AD3AFAF83B9E}"/>
-    <pc:docChg chg="modSld">
-      <pc:chgData name="Akilah Johnson" userId="2fa3aa60-0c9c-4d06-bae2-795983241227" providerId="ADAL" clId="{7598C71F-6B67-2947-B18A-AD3AFAF83B9E}" dt="2021-11-24T00:03:04.956" v="14" actId="20577"/>
-      <pc:docMkLst>
-        <pc:docMk/>
-      </pc:docMkLst>
-      <pc:sldChg chg="modSp mod">
-        <pc:chgData name="Akilah Johnson" userId="2fa3aa60-0c9c-4d06-bae2-795983241227" providerId="ADAL" clId="{7598C71F-6B67-2947-B18A-AD3AFAF83B9E}" dt="2021-11-24T00:03:04.956" v="14" actId="20577"/>
-        <pc:sldMkLst>
-          <pc:docMk/>
-          <pc:sldMk cId="2161849182" sldId="267"/>
-        </pc:sldMkLst>
-        <pc:graphicFrameChg chg="modGraphic">
-          <ac:chgData name="Akilah Johnson" userId="2fa3aa60-0c9c-4d06-bae2-795983241227" providerId="ADAL" clId="{7598C71F-6B67-2947-B18A-AD3AFAF83B9E}" dt="2021-11-24T00:03:04.956" v="14" actId="20577"/>
-          <ac:graphicFrameMkLst>
-            <pc:docMk/>
-            <pc:sldMk cId="2161849182" sldId="267"/>
-            <ac:graphicFrameMk id="9" creationId="{00000000-0000-0000-0000-000000000000}"/>
-          </ac:graphicFrameMkLst>
-        </pc:graphicFrameChg>
-      </pc:sldChg>
-    </pc:docChg>
-  </pc:docChgLst>
-  <pc:docChgLst>
     <pc:chgData name="Akilah Johnson" userId="S::akjohnso@adobe.com::2fa3aa60-0c9c-4d06-bae2-795983241227" providerId="AD" clId="Web-{3CA2F123-FAC9-2CDD-7937-C83283BA7837}"/>
     <pc:docChg chg="modSld">
       <pc:chgData name="Akilah Johnson" userId="S::akjohnso@adobe.com::2fa3aa60-0c9c-4d06-bae2-795983241227" providerId="AD" clId="Web-{3CA2F123-FAC9-2CDD-7937-C83283BA7837}" dt="2021-09-16T20:58:19.458" v="0" actId="1076"/>
@@ -434,54 +538,6 @@
             <ac:spMk id="83" creationId="{BB34E685-A734-974B-A33A-BE51D1A8BC0D}"/>
           </ac:spMkLst>
         </pc:spChg>
-      </pc:sldChg>
-    </pc:docChg>
-  </pc:docChgLst>
-  <pc:docChgLst>
-    <pc:chgData name="Akilah Johnson" userId="S::akjohnso@adobe.com::2fa3aa60-0c9c-4d06-bae2-795983241227" providerId="AD" clId="Web-{DC554207-FA81-638A-220E-C39F63BF408A}"/>
-    <pc:docChg chg="modSld">
-      <pc:chgData name="Akilah Johnson" userId="S::akjohnso@adobe.com::2fa3aa60-0c9c-4d06-bae2-795983241227" providerId="AD" clId="Web-{DC554207-FA81-638A-220E-C39F63BF408A}" dt="2021-11-23T23:50:17.249" v="7"/>
-      <pc:docMkLst>
-        <pc:docMk/>
-      </pc:docMkLst>
-      <pc:sldChg chg="modSp">
-        <pc:chgData name="Akilah Johnson" userId="S::akjohnso@adobe.com::2fa3aa60-0c9c-4d06-bae2-795983241227" providerId="AD" clId="Web-{DC554207-FA81-638A-220E-C39F63BF408A}" dt="2021-11-23T23:50:17.249" v="7"/>
-        <pc:sldMkLst>
-          <pc:docMk/>
-          <pc:sldMk cId="2161849182" sldId="267"/>
-        </pc:sldMkLst>
-        <pc:graphicFrameChg chg="mod modGraphic">
-          <ac:chgData name="Akilah Johnson" userId="S::akjohnso@adobe.com::2fa3aa60-0c9c-4d06-bae2-795983241227" providerId="AD" clId="Web-{DC554207-FA81-638A-220E-C39F63BF408A}" dt="2021-11-23T23:50:17.249" v="7"/>
-          <ac:graphicFrameMkLst>
-            <pc:docMk/>
-            <pc:sldMk cId="2161849182" sldId="267"/>
-            <ac:graphicFrameMk id="9" creationId="{00000000-0000-0000-0000-000000000000}"/>
-          </ac:graphicFrameMkLst>
-        </pc:graphicFrameChg>
-      </pc:sldChg>
-    </pc:docChg>
-  </pc:docChgLst>
-  <pc:docChgLst>
-    <pc:chgData name="Akilah Johnson" userId="S::akjohnso@adobe.com::2fa3aa60-0c9c-4d06-bae2-795983241227" providerId="AD" clId="Web-{0AB2EF93-BE08-D205-D43E-3B568BB37DAA}"/>
-    <pc:docChg chg="modSld">
-      <pc:chgData name="Akilah Johnson" userId="S::akjohnso@adobe.com::2fa3aa60-0c9c-4d06-bae2-795983241227" providerId="AD" clId="Web-{0AB2EF93-BE08-D205-D43E-3B568BB37DAA}" dt="2021-09-22T23:01:45.877" v="13"/>
-      <pc:docMkLst>
-        <pc:docMk/>
-      </pc:docMkLst>
-      <pc:sldChg chg="modSp">
-        <pc:chgData name="Akilah Johnson" userId="S::akjohnso@adobe.com::2fa3aa60-0c9c-4d06-bae2-795983241227" providerId="AD" clId="Web-{0AB2EF93-BE08-D205-D43E-3B568BB37DAA}" dt="2021-09-22T23:01:45.877" v="13"/>
-        <pc:sldMkLst>
-          <pc:docMk/>
-          <pc:sldMk cId="1050037809" sldId="261"/>
-        </pc:sldMkLst>
-        <pc:graphicFrameChg chg="mod modGraphic">
-          <ac:chgData name="Akilah Johnson" userId="S::akjohnso@adobe.com::2fa3aa60-0c9c-4d06-bae2-795983241227" providerId="AD" clId="Web-{0AB2EF93-BE08-D205-D43E-3B568BB37DAA}" dt="2021-09-22T23:01:45.877" v="13"/>
-          <ac:graphicFrameMkLst>
-            <pc:docMk/>
-            <pc:sldMk cId="1050037809" sldId="261"/>
-            <ac:graphicFrameMk id="25" creationId="{3A91F5B0-3974-A14D-A146-FB590F2AAD18}"/>
-          </ac:graphicFrameMkLst>
-        </pc:graphicFrameChg>
       </pc:sldChg>
     </pc:docChg>
   </pc:docChgLst>
@@ -618,62 +674,6 @@
       </pc:sldChg>
     </pc:docChg>
   </pc:docChgLst>
-  <pc:docChgLst>
-    <pc:chgData name="Akilah Johnson" userId="S::akjohnso@adobe.com::2fa3aa60-0c9c-4d06-bae2-795983241227" providerId="AD" clId="Web-{A40C3D7D-993B-38B2-2DDA-C562505A1054}"/>
-    <pc:docChg chg="modSld">
-      <pc:chgData name="Akilah Johnson" userId="S::akjohnso@adobe.com::2fa3aa60-0c9c-4d06-bae2-795983241227" providerId="AD" clId="Web-{A40C3D7D-993B-38B2-2DDA-C562505A1054}" dt="2021-09-22T23:00:46.860" v="3"/>
-      <pc:docMkLst>
-        <pc:docMk/>
-      </pc:docMkLst>
-      <pc:sldChg chg="modSp">
-        <pc:chgData name="Akilah Johnson" userId="S::akjohnso@adobe.com::2fa3aa60-0c9c-4d06-bae2-795983241227" providerId="AD" clId="Web-{A40C3D7D-993B-38B2-2DDA-C562505A1054}" dt="2021-09-22T23:00:46.860" v="3"/>
-        <pc:sldMkLst>
-          <pc:docMk/>
-          <pc:sldMk cId="1050037809" sldId="261"/>
-        </pc:sldMkLst>
-        <pc:graphicFrameChg chg="mod modGraphic">
-          <ac:chgData name="Akilah Johnson" userId="S::akjohnso@adobe.com::2fa3aa60-0c9c-4d06-bae2-795983241227" providerId="AD" clId="Web-{A40C3D7D-993B-38B2-2DDA-C562505A1054}" dt="2021-09-22T23:00:46.860" v="3"/>
-          <ac:graphicFrameMkLst>
-            <pc:docMk/>
-            <pc:sldMk cId="1050037809" sldId="261"/>
-            <ac:graphicFrameMk id="25" creationId="{3A91F5B0-3974-A14D-A146-FB590F2AAD18}"/>
-          </ac:graphicFrameMkLst>
-        </pc:graphicFrameChg>
-      </pc:sldChg>
-    </pc:docChg>
-  </pc:docChgLst>
-  <pc:docChgLst>
-    <pc:chgData name="Akilah Johnson" userId="S::akjohnso@adobe.com::2fa3aa60-0c9c-4d06-bae2-795983241227" providerId="AD" clId="Web-{0AC6A3A1-0788-C69A-5EFD-279F3FA2CF0F}"/>
-    <pc:docChg chg="modSld">
-      <pc:chgData name="Akilah Johnson" userId="S::akjohnso@adobe.com::2fa3aa60-0c9c-4d06-bae2-795983241227" providerId="AD" clId="Web-{0AC6A3A1-0788-C69A-5EFD-279F3FA2CF0F}" dt="2021-09-22T18:56:17.553" v="29"/>
-      <pc:docMkLst>
-        <pc:docMk/>
-      </pc:docMkLst>
-      <pc:sldChg chg="modSp delCm">
-        <pc:chgData name="Akilah Johnson" userId="S::akjohnso@adobe.com::2fa3aa60-0c9c-4d06-bae2-795983241227" providerId="AD" clId="Web-{0AC6A3A1-0788-C69A-5EFD-279F3FA2CF0F}" dt="2021-09-22T18:56:17.553" v="29"/>
-        <pc:sldMkLst>
-          <pc:docMk/>
-          <pc:sldMk cId="1050037809" sldId="261"/>
-        </pc:sldMkLst>
-        <pc:spChg chg="mod">
-          <ac:chgData name="Akilah Johnson" userId="S::akjohnso@adobe.com::2fa3aa60-0c9c-4d06-bae2-795983241227" providerId="AD" clId="Web-{0AC6A3A1-0788-C69A-5EFD-279F3FA2CF0F}" dt="2021-09-22T18:55:46.585" v="16" actId="20577"/>
-          <ac:spMkLst>
-            <pc:docMk/>
-            <pc:sldMk cId="1050037809" sldId="261"/>
-            <ac:spMk id="64" creationId="{41467BDC-3D83-D844-B922-CD07E94E5AAB}"/>
-          </ac:spMkLst>
-        </pc:spChg>
-        <pc:graphicFrameChg chg="mod modGraphic">
-          <ac:chgData name="Akilah Johnson" userId="S::akjohnso@adobe.com::2fa3aa60-0c9c-4d06-bae2-795983241227" providerId="AD" clId="Web-{0AC6A3A1-0788-C69A-5EFD-279F3FA2CF0F}" dt="2021-09-22T18:55:59.928" v="28"/>
-          <ac:graphicFrameMkLst>
-            <pc:docMk/>
-            <pc:sldMk cId="1050037809" sldId="261"/>
-            <ac:graphicFrameMk id="25" creationId="{3A91F5B0-3974-A14D-A146-FB590F2AAD18}"/>
-          </ac:graphicFrameMkLst>
-        </pc:graphicFrameChg>
-      </pc:sldChg>
-    </pc:docChg>
-  </pc:docChgLst>
 </pc:chgInfo>
 </file>
 
@@ -773,7 +773,7 @@
           <a:p>
             <a:fld id="{CCB2A597-803A-C244-97E2-A01066125D19}" type="datetimeFigureOut">
               <a:rPr lang="en-US" smtClean="0"/>
-              <a:t>1/20/22</a:t>
+              <a:t>2/15/2022</a:t>
             </a:fld>
             <a:endParaRPr lang="en-US"/>
           </a:p>
@@ -1554,7 +1554,7 @@
           <a:p>
             <a:fld id="{1D8BD707-D9CF-40AE-B4C6-C98DA3205C09}" type="datetimeFigureOut">
               <a:rPr lang="en-US"/>
-              <a:t>1/20/22</a:t>
+              <a:t>2/15/2022</a:t>
             </a:fld>
             <a:endParaRPr lang="en-US"/>
           </a:p>
@@ -1794,7 +1794,7 @@
           <a:p>
             <a:fld id="{1D8BD707-D9CF-40AE-B4C6-C98DA3205C09}" type="datetimeFigureOut">
               <a:rPr lang="en-US"/>
-              <a:t>1/20/22</a:t>
+              <a:t>2/15/2022</a:t>
             </a:fld>
             <a:endParaRPr lang="en-US"/>
           </a:p>
@@ -2047,7 +2047,7 @@
           <a:p>
             <a:fld id="{1D8BD707-D9CF-40AE-B4C6-C98DA3205C09}" type="datetimeFigureOut">
               <a:rPr lang="en-US"/>
-              <a:t>1/20/22</a:t>
+              <a:t>2/15/2022</a:t>
             </a:fld>
             <a:endParaRPr lang="en-US"/>
           </a:p>
@@ -2234,7 +2234,7 @@
           <a:p>
             <a:fld id="{1D8BD707-D9CF-40AE-B4C6-C98DA3205C09}" type="datetimeFigureOut">
               <a:rPr lang="en-US"/>
-              <a:t>1/20/22</a:t>
+              <a:t>2/15/2022</a:t>
             </a:fld>
             <a:endParaRPr lang="en-US"/>
           </a:p>
@@ -2392,7 +2392,7 @@
           <a:p>
             <a:fld id="{1D8BD707-D9CF-40AE-B4C6-C98DA3205C09}" type="datetimeFigureOut">
               <a:rPr lang="en-US"/>
-              <a:t>1/20/22</a:t>
+              <a:t>2/15/2022</a:t>
             </a:fld>
             <a:endParaRPr lang="en-US"/>
           </a:p>
@@ -2650,7 +2650,7 @@
           <a:p>
             <a:fld id="{1D8BD707-D9CF-40AE-B4C6-C98DA3205C09}" type="datetimeFigureOut">
               <a:rPr lang="en-US"/>
-              <a:t>1/20/22</a:t>
+              <a:t>2/15/2022</a:t>
             </a:fld>
             <a:endParaRPr lang="en-US"/>
           </a:p>
@@ -2900,32 +2900,11 @@
               </a:spcBef>
             </a:pPr>
             <a:r>
-              <a:rPr sz="2300" dirty="0">
+              <a:rPr lang="fr-FR" sz="2300">
                 <a:latin typeface="Adobe Clean"/>
               </a:rPr>
-              <a:t>ADOBE</a:t>
-            </a:r>
-            <a:r>
-              <a:rPr lang="en-US" sz="2300" dirty="0">
-                <a:latin typeface="Adobe Clean"/>
-              </a:rPr>
-              <a:t> </a:t>
-            </a:r>
-            <a:r>
-              <a:rPr sz="2300" dirty="0">
-                <a:latin typeface="Adobe Clean"/>
-              </a:rPr>
-              <a:t>SUPPORT</a:t>
-            </a:r>
-            <a:r>
-              <a:rPr lang="en-US" sz="2300" dirty="0">
-                <a:latin typeface="Adobe Clean"/>
-              </a:rPr>
-              <a:t> PLANS</a:t>
-            </a:r>
-            <a:endParaRPr sz="2300" dirty="0">
-              <a:latin typeface="Adobe Clean" panose="020B0503020404020204" pitchFamily="34" charset="0"/>
-            </a:endParaRPr>
+              <a:t>PLANS D’ASSISTANCE ADOBE</a:t>
+            </a:r>
           </a:p>
         </p:txBody>
       </p:sp>
@@ -2938,7 +2917,7 @@
         <p:spPr>
           <a:xfrm>
             <a:off x="125148" y="7013546"/>
-            <a:ext cx="2785110" cy="228268"/>
+            <a:ext cx="4172532" cy="228268"/>
           </a:xfrm>
           <a:prstGeom prst="rect">
             <a:avLst/>
@@ -2959,7 +2938,7 @@
               </a:spcBef>
             </a:pPr>
             <a:r>
-              <a:rPr sz="1400" b="1" u="sng" spc="15">
+              <a:rPr lang="fr-FR" sz="1400" b="1" u="sng" dirty="0">
                 <a:solidFill>
                   <a:srgbClr val="020302"/>
                 </a:solidFill>
@@ -2971,477 +2950,8 @@
                 <a:latin typeface="Adobe Clean"/>
                 <a:cs typeface="Adobe Clean"/>
               </a:rPr>
-              <a:t>S</a:t>
-            </a:r>
-            <a:r>
-              <a:rPr sz="1400" b="1" u="sng" spc="5">
-                <a:solidFill>
-                  <a:srgbClr val="020302"/>
-                </a:solidFill>
-                <a:uFill>
-                  <a:solidFill>
-                    <a:srgbClr val="020302"/>
-                  </a:solidFill>
-                </a:uFill>
-                <a:latin typeface="Adobe Clean"/>
-                <a:cs typeface="Adobe Clean"/>
-              </a:rPr>
-              <a:t>er</a:t>
-            </a:r>
-            <a:r>
-              <a:rPr sz="1400" b="1" u="sng" spc="10">
-                <a:solidFill>
-                  <a:srgbClr val="020302"/>
-                </a:solidFill>
-                <a:uFill>
-                  <a:solidFill>
-                    <a:srgbClr val="020302"/>
-                  </a:solidFill>
-                </a:uFill>
-                <a:latin typeface="Adobe Clean"/>
-                <a:cs typeface="Adobe Clean"/>
-              </a:rPr>
-              <a:t>vi</a:t>
-            </a:r>
-            <a:r>
-              <a:rPr sz="1400" b="1" u="sng" spc="5">
-                <a:solidFill>
-                  <a:srgbClr val="020302"/>
-                </a:solidFill>
-                <a:uFill>
-                  <a:solidFill>
-                    <a:srgbClr val="020302"/>
-                  </a:solidFill>
-                </a:uFill>
-                <a:latin typeface="Adobe Clean"/>
-                <a:cs typeface="Adobe Clean"/>
-              </a:rPr>
-              <a:t>c</a:t>
-            </a:r>
-            <a:r>
-              <a:rPr sz="1400" b="1" u="sng">
-                <a:solidFill>
-                  <a:srgbClr val="020302"/>
-                </a:solidFill>
-                <a:uFill>
-                  <a:solidFill>
-                    <a:srgbClr val="020302"/>
-                  </a:solidFill>
-                </a:uFill>
-                <a:latin typeface="Adobe Clean"/>
-                <a:cs typeface="Adobe Clean"/>
-              </a:rPr>
-              <a:t>e</a:t>
-            </a:r>
-            <a:r>
-              <a:rPr sz="1400" b="1" u="sng" spc="20">
-                <a:solidFill>
-                  <a:srgbClr val="020302"/>
-                </a:solidFill>
-                <a:uFill>
-                  <a:solidFill>
-                    <a:srgbClr val="020302"/>
-                  </a:solidFill>
-                </a:uFill>
-                <a:latin typeface="Adobe Clean"/>
-                <a:cs typeface="Adobe Clean"/>
-              </a:rPr>
-              <a:t> </a:t>
-            </a:r>
-            <a:r>
-              <a:rPr sz="1400" b="1" u="sng" spc="-15">
-                <a:solidFill>
-                  <a:srgbClr val="020302"/>
-                </a:solidFill>
-                <a:uFill>
-                  <a:solidFill>
-                    <a:srgbClr val="020302"/>
-                  </a:solidFill>
-                </a:uFill>
-                <a:latin typeface="Adobe Clean"/>
-                <a:cs typeface="Adobe Clean"/>
-              </a:rPr>
-              <a:t>Le</a:t>
-            </a:r>
-            <a:r>
-              <a:rPr sz="1400" b="1" u="sng" spc="-10">
-                <a:solidFill>
-                  <a:srgbClr val="020302"/>
-                </a:solidFill>
-                <a:uFill>
-                  <a:solidFill>
-                    <a:srgbClr val="020302"/>
-                  </a:solidFill>
-                </a:uFill>
-                <a:latin typeface="Adobe Clean"/>
-                <a:cs typeface="Adobe Clean"/>
-              </a:rPr>
-              <a:t>v</a:t>
-            </a:r>
-            <a:r>
-              <a:rPr sz="1400" b="1" u="sng" spc="-15">
-                <a:solidFill>
-                  <a:srgbClr val="020302"/>
-                </a:solidFill>
-                <a:uFill>
-                  <a:solidFill>
-                    <a:srgbClr val="020302"/>
-                  </a:solidFill>
-                </a:uFill>
-                <a:latin typeface="Adobe Clean"/>
-                <a:cs typeface="Adobe Clean"/>
-              </a:rPr>
-              <a:t>e</a:t>
-            </a:r>
-            <a:r>
-              <a:rPr sz="1400" b="1" u="sng">
-                <a:solidFill>
-                  <a:srgbClr val="020302"/>
-                </a:solidFill>
-                <a:uFill>
-                  <a:solidFill>
-                    <a:srgbClr val="020302"/>
-                  </a:solidFill>
-                </a:uFill>
-                <a:latin typeface="Adobe Clean"/>
-                <a:cs typeface="Adobe Clean"/>
-              </a:rPr>
-              <a:t>l</a:t>
-            </a:r>
-            <a:r>
-              <a:rPr sz="1400" b="1" u="sng" spc="-15">
-                <a:solidFill>
-                  <a:srgbClr val="020302"/>
-                </a:solidFill>
-                <a:uFill>
-                  <a:solidFill>
-                    <a:srgbClr val="020302"/>
-                  </a:solidFill>
-                </a:uFill>
-                <a:latin typeface="Adobe Clean"/>
-                <a:cs typeface="Adobe Clean"/>
-              </a:rPr>
-              <a:t> </a:t>
-            </a:r>
-            <a:r>
-              <a:rPr sz="1400" b="1" u="sng" spc="-55">
-                <a:solidFill>
-                  <a:srgbClr val="020302"/>
-                </a:solidFill>
-                <a:uFill>
-                  <a:solidFill>
-                    <a:srgbClr val="020302"/>
-                  </a:solidFill>
-                </a:uFill>
-                <a:latin typeface="Adobe Clean"/>
-                <a:cs typeface="Adobe Clean"/>
-              </a:rPr>
-              <a:t>T</a:t>
-            </a:r>
-            <a:r>
-              <a:rPr sz="1400" b="1" u="sng" spc="-40">
-                <a:solidFill>
-                  <a:srgbClr val="020302"/>
-                </a:solidFill>
-                <a:uFill>
-                  <a:solidFill>
-                    <a:srgbClr val="020302"/>
-                  </a:solidFill>
-                </a:uFill>
-                <a:latin typeface="Adobe Clean"/>
-                <a:cs typeface="Adobe Clean"/>
-              </a:rPr>
-              <a:t>a</a:t>
-            </a:r>
-            <a:r>
-              <a:rPr sz="1400" b="1" u="sng" spc="-45">
-                <a:solidFill>
-                  <a:srgbClr val="020302"/>
-                </a:solidFill>
-                <a:uFill>
-                  <a:solidFill>
-                    <a:srgbClr val="020302"/>
-                  </a:solidFill>
-                </a:uFill>
-                <a:latin typeface="Adobe Clean"/>
-                <a:cs typeface="Adobe Clean"/>
-              </a:rPr>
-              <a:t>r</a:t>
-            </a:r>
-            <a:r>
-              <a:rPr sz="1400" b="1" u="sng" spc="-40">
-                <a:solidFill>
-                  <a:srgbClr val="020302"/>
-                </a:solidFill>
-                <a:uFill>
-                  <a:solidFill>
-                    <a:srgbClr val="020302"/>
-                  </a:solidFill>
-                </a:uFill>
-                <a:latin typeface="Adobe Clean"/>
-                <a:cs typeface="Adobe Clean"/>
-              </a:rPr>
-              <a:t>g</a:t>
-            </a:r>
-            <a:r>
-              <a:rPr sz="1400" b="1" u="sng" spc="-50">
-                <a:solidFill>
-                  <a:srgbClr val="020302"/>
-                </a:solidFill>
-                <a:uFill>
-                  <a:solidFill>
-                    <a:srgbClr val="020302"/>
-                  </a:solidFill>
-                </a:uFill>
-                <a:latin typeface="Adobe Clean"/>
-                <a:cs typeface="Adobe Clean"/>
-              </a:rPr>
-              <a:t>et</a:t>
-            </a:r>
-            <a:r>
-              <a:rPr sz="1400" b="1" u="sng" spc="-45">
-                <a:solidFill>
-                  <a:srgbClr val="020302"/>
-                </a:solidFill>
-                <a:uFill>
-                  <a:solidFill>
-                    <a:srgbClr val="020302"/>
-                  </a:solidFill>
-                </a:uFill>
-                <a:latin typeface="Adobe Clean"/>
-                <a:cs typeface="Adobe Clean"/>
-              </a:rPr>
-              <a:t>s</a:t>
-            </a:r>
-            <a:r>
-              <a:rPr sz="1400" b="1" u="sng">
-                <a:solidFill>
-                  <a:srgbClr val="020302"/>
-                </a:solidFill>
-                <a:uFill>
-                  <a:solidFill>
-                    <a:srgbClr val="020302"/>
-                  </a:solidFill>
-                </a:uFill>
-                <a:latin typeface="Adobe Clean"/>
-                <a:cs typeface="Adobe Clean"/>
-              </a:rPr>
-              <a:t>:</a:t>
-            </a:r>
-            <a:r>
-              <a:rPr sz="1400" b="1" u="sng" spc="-85">
-                <a:solidFill>
-                  <a:srgbClr val="020302"/>
-                </a:solidFill>
-                <a:uFill>
-                  <a:solidFill>
-                    <a:srgbClr val="020302"/>
-                  </a:solidFill>
-                </a:uFill>
-                <a:latin typeface="Adobe Clean"/>
-                <a:cs typeface="Adobe Clean"/>
-              </a:rPr>
-              <a:t> </a:t>
-            </a:r>
-            <a:r>
-              <a:rPr sz="1400" b="1" u="sng" spc="-15">
-                <a:solidFill>
-                  <a:srgbClr val="020302"/>
-                </a:solidFill>
-                <a:uFill>
-                  <a:solidFill>
-                    <a:srgbClr val="020302"/>
-                  </a:solidFill>
-                </a:uFill>
-                <a:latin typeface="Adobe Clean"/>
-                <a:cs typeface="Adobe Clean"/>
-              </a:rPr>
-              <a:t>I</a:t>
-            </a:r>
-            <a:r>
-              <a:rPr sz="1400" b="1" u="sng" spc="-10">
-                <a:solidFill>
-                  <a:srgbClr val="020302"/>
-                </a:solidFill>
-                <a:uFill>
-                  <a:solidFill>
-                    <a:srgbClr val="020302"/>
-                  </a:solidFill>
-                </a:uFill>
-                <a:latin typeface="Adobe Clean"/>
-                <a:cs typeface="Adobe Clean"/>
-              </a:rPr>
-              <a:t>ni</a:t>
-            </a:r>
-            <a:r>
-              <a:rPr sz="1400" b="1" u="sng" spc="-15">
-                <a:solidFill>
-                  <a:srgbClr val="020302"/>
-                </a:solidFill>
-                <a:uFill>
-                  <a:solidFill>
-                    <a:srgbClr val="020302"/>
-                  </a:solidFill>
-                </a:uFill>
-                <a:latin typeface="Adobe Clean"/>
-                <a:cs typeface="Adobe Clean"/>
-              </a:rPr>
-              <a:t>t</a:t>
-            </a:r>
-            <a:r>
-              <a:rPr sz="1400" b="1" u="sng" spc="-10">
-                <a:solidFill>
-                  <a:srgbClr val="020302"/>
-                </a:solidFill>
-                <a:uFill>
-                  <a:solidFill>
-                    <a:srgbClr val="020302"/>
-                  </a:solidFill>
-                </a:uFill>
-                <a:latin typeface="Adobe Clean"/>
-                <a:cs typeface="Adobe Clean"/>
-              </a:rPr>
-              <a:t>i</a:t>
-            </a:r>
-            <a:r>
-              <a:rPr sz="1400" b="1" u="sng" spc="-5">
-                <a:solidFill>
-                  <a:srgbClr val="020302"/>
-                </a:solidFill>
-                <a:uFill>
-                  <a:solidFill>
-                    <a:srgbClr val="020302"/>
-                  </a:solidFill>
-                </a:uFill>
-                <a:latin typeface="Adobe Clean"/>
-                <a:cs typeface="Adobe Clean"/>
-              </a:rPr>
-              <a:t>a</a:t>
-            </a:r>
-            <a:r>
-              <a:rPr sz="1400" b="1" u="sng">
-                <a:solidFill>
-                  <a:srgbClr val="020302"/>
-                </a:solidFill>
-                <a:uFill>
-                  <a:solidFill>
-                    <a:srgbClr val="020302"/>
-                  </a:solidFill>
-                </a:uFill>
-                <a:latin typeface="Adobe Clean"/>
-                <a:cs typeface="Adobe Clean"/>
-              </a:rPr>
-              <a:t>l</a:t>
-            </a:r>
-            <a:r>
-              <a:rPr sz="1400" b="1" u="sng" spc="-145">
-                <a:solidFill>
-                  <a:srgbClr val="020302"/>
-                </a:solidFill>
-                <a:uFill>
-                  <a:solidFill>
-                    <a:srgbClr val="020302"/>
-                  </a:solidFill>
-                </a:uFill>
-                <a:latin typeface="Adobe Clean"/>
-                <a:cs typeface="Adobe Clean"/>
-              </a:rPr>
-              <a:t> </a:t>
-            </a:r>
-            <a:r>
-              <a:rPr sz="1400" b="1" u="sng" spc="-15">
-                <a:solidFill>
-                  <a:srgbClr val="020302"/>
-                </a:solidFill>
-                <a:uFill>
-                  <a:solidFill>
-                    <a:srgbClr val="020302"/>
-                  </a:solidFill>
-                </a:uFill>
-                <a:latin typeface="Adobe Clean"/>
-                <a:cs typeface="Adobe Clean"/>
-              </a:rPr>
-              <a:t>R</a:t>
-            </a:r>
-            <a:r>
-              <a:rPr sz="1400" b="1" u="sng" spc="-20">
-                <a:solidFill>
-                  <a:srgbClr val="020302"/>
-                </a:solidFill>
-                <a:uFill>
-                  <a:solidFill>
-                    <a:srgbClr val="020302"/>
-                  </a:solidFill>
-                </a:uFill>
-                <a:latin typeface="Adobe Clean"/>
-                <a:cs typeface="Adobe Clean"/>
-              </a:rPr>
-              <a:t>e</a:t>
-            </a:r>
-            <a:r>
-              <a:rPr sz="1400" b="1" u="sng" spc="-15">
-                <a:solidFill>
-                  <a:srgbClr val="020302"/>
-                </a:solidFill>
-                <a:uFill>
-                  <a:solidFill>
-                    <a:srgbClr val="020302"/>
-                  </a:solidFill>
-                </a:uFill>
-                <a:latin typeface="Adobe Clean"/>
-                <a:cs typeface="Adobe Clean"/>
-              </a:rPr>
-              <a:t>s</a:t>
-            </a:r>
-            <a:r>
-              <a:rPr sz="1400" b="1" u="sng" spc="-20">
-                <a:solidFill>
-                  <a:srgbClr val="020302"/>
-                </a:solidFill>
-                <a:uFill>
-                  <a:solidFill>
-                    <a:srgbClr val="020302"/>
-                  </a:solidFill>
-                </a:uFill>
-                <a:latin typeface="Adobe Clean"/>
-                <a:cs typeface="Adobe Clean"/>
-              </a:rPr>
-              <a:t>p</a:t>
-            </a:r>
-            <a:r>
-              <a:rPr sz="1400" b="1" u="sng" spc="-15">
-                <a:solidFill>
-                  <a:srgbClr val="020302"/>
-                </a:solidFill>
-                <a:uFill>
-                  <a:solidFill>
-                    <a:srgbClr val="020302"/>
-                  </a:solidFill>
-                </a:uFill>
-                <a:latin typeface="Adobe Clean"/>
-                <a:cs typeface="Adobe Clean"/>
-              </a:rPr>
-              <a:t>ons</a:t>
-            </a:r>
-            <a:r>
-              <a:rPr sz="1400" b="1" u="sng">
-                <a:solidFill>
-                  <a:srgbClr val="020302"/>
-                </a:solidFill>
-                <a:uFill>
-                  <a:solidFill>
-                    <a:srgbClr val="020302"/>
-                  </a:solidFill>
-                </a:uFill>
-                <a:latin typeface="Adobe Clean"/>
-                <a:cs typeface="Adobe Clean"/>
-              </a:rPr>
-              <a:t>e</a:t>
-            </a:r>
-            <a:endParaRPr sz="1400" u="sng">
-              <a:latin typeface="Adobe Clean"/>
-              <a:cs typeface="Adobe Clean"/>
-            </a:endParaRPr>
+              <a:t>Cibles du niveau de service : Réponse initiale</a:t>
+            </a:r>
           </a:p>
         </p:txBody>
       </p:sp>
@@ -3454,14 +2964,14 @@
           <p:nvPr>
             <p:extLst>
               <p:ext uri="{D42A27DB-BD31-4B8C-83A1-F6EECF244321}">
-                <p14:modId xmlns:p14="http://schemas.microsoft.com/office/powerpoint/2010/main" val="3301165224"/>
+                <p14:modId xmlns:p14="http://schemas.microsoft.com/office/powerpoint/2010/main" val="1991477455"/>
               </p:ext>
             </p:extLst>
           </p:nvPr>
         </p:nvGraphicFramePr>
         <p:xfrm>
           <a:off x="146919" y="7473158"/>
-          <a:ext cx="7477080" cy="2172629"/>
+          <a:ext cx="7477080" cy="2323047"/>
         </p:xfrm>
         <a:graphic>
           <a:graphicData uri="http://schemas.openxmlformats.org/drawingml/2006/table">
@@ -3507,19 +3017,15 @@
                         </a:spcBef>
                       </a:pPr>
                       <a:r>
-                        <a:rPr sz="900" spc="-20" dirty="0">
+                        <a:rPr lang="fr-FR" sz="900" dirty="0">
                           <a:solidFill>
                             <a:srgbClr val="020302"/>
                           </a:solidFill>
                           <a:latin typeface="Adobe Clean"/>
                           <a:cs typeface="Adobe Clean"/>
                         </a:rPr>
-                        <a:t>Priority</a:t>
+                        <a:t>Priorité</a:t>
                       </a:r>
-                      <a:endParaRPr sz="900" dirty="0">
-                        <a:latin typeface="Adobe Clean"/>
-                        <a:cs typeface="Adobe Clean"/>
-                      </a:endParaRPr>
                     </a:p>
                   </a:txBody>
                   <a:tcPr marL="0" marR="0" marT="6985" marB="0" anchor="ctr">
@@ -3566,19 +3072,15 @@
                         </a:spcBef>
                       </a:pPr>
                       <a:r>
-                        <a:rPr lang="en-US" sz="900" spc="0" dirty="0">
+                        <a:rPr lang="fr-FR" sz="900">
                           <a:solidFill>
                             <a:srgbClr val="020302"/>
                           </a:solidFill>
                           <a:latin typeface="Adobe Clean"/>
                           <a:cs typeface="Adobe Clean"/>
                         </a:rPr>
-                        <a:t>Standard Support</a:t>
+                        <a:t>Assistance Standard</a:t>
                       </a:r>
-                      <a:endParaRPr sz="900" spc="0" dirty="0">
-                        <a:latin typeface="Adobe Clean"/>
-                        <a:cs typeface="Adobe Clean"/>
-                      </a:endParaRPr>
                     </a:p>
                   </a:txBody>
                   <a:tcPr marL="0" marR="0" marT="0" marB="0" anchor="ctr">
@@ -3628,19 +3130,15 @@
                         </a:spcBef>
                       </a:pPr>
                       <a:r>
-                        <a:rPr sz="900" spc="0" dirty="0">
+                        <a:rPr lang="fr-FR" sz="900">
                           <a:solidFill>
                             <a:srgbClr val="FFFFFF"/>
                           </a:solidFill>
                           <a:latin typeface="Adobe Clean"/>
                           <a:cs typeface="Adobe Clean"/>
                         </a:rPr>
-                        <a:t>Enterprise Support</a:t>
+                        <a:t>Assistance aux entreprises</a:t>
                       </a:r>
-                      <a:endParaRPr sz="900" spc="0" dirty="0">
-                        <a:latin typeface="Adobe Clean"/>
-                        <a:cs typeface="Adobe Clean"/>
-                      </a:endParaRPr>
                     </a:p>
                   </a:txBody>
                   <a:tcPr marL="0" marR="0" marT="0" marB="0" anchor="ctr">
@@ -3700,109 +3198,15 @@
                         </a:spcBef>
                       </a:pPr>
                       <a:r>
-                        <a:rPr sz="900" b="1" spc="-15" dirty="0">
+                        <a:rPr lang="fr-FR" sz="900" b="1">
                           <a:solidFill>
                             <a:srgbClr val="020302"/>
                           </a:solidFill>
                           <a:latin typeface="Adobe Clean"/>
                           <a:cs typeface="Adobe Clean"/>
                         </a:rPr>
-                        <a:t>P</a:t>
+                        <a:t>PRIORITÉ 1</a:t>
                       </a:r>
-                      <a:r>
-                        <a:rPr sz="900" b="1" spc="-20" dirty="0">
-                          <a:solidFill>
-                            <a:srgbClr val="020302"/>
-                          </a:solidFill>
-                          <a:latin typeface="Adobe Clean"/>
-                          <a:cs typeface="Adobe Clean"/>
-                        </a:rPr>
-                        <a:t>R</a:t>
-                      </a:r>
-                      <a:r>
-                        <a:rPr sz="900" b="1" spc="-25" dirty="0">
-                          <a:solidFill>
-                            <a:srgbClr val="020302"/>
-                          </a:solidFill>
-                          <a:latin typeface="Adobe Clean"/>
-                          <a:cs typeface="Adobe Clean"/>
-                        </a:rPr>
-                        <a:t>I</a:t>
-                      </a:r>
-                      <a:r>
-                        <a:rPr sz="900" b="1" spc="-15" dirty="0">
-                          <a:solidFill>
-                            <a:srgbClr val="020302"/>
-                          </a:solidFill>
-                          <a:latin typeface="Adobe Clean"/>
-                          <a:cs typeface="Adobe Clean"/>
-                        </a:rPr>
-                        <a:t>O</a:t>
-                      </a:r>
-                      <a:r>
-                        <a:rPr sz="900" b="1" spc="-20" dirty="0">
-                          <a:solidFill>
-                            <a:srgbClr val="020302"/>
-                          </a:solidFill>
-                          <a:latin typeface="Adobe Clean"/>
-                          <a:cs typeface="Adobe Clean"/>
-                        </a:rPr>
-                        <a:t>R</a:t>
-                      </a:r>
-                      <a:r>
-                        <a:rPr sz="900" b="1" spc="-25" dirty="0">
-                          <a:solidFill>
-                            <a:srgbClr val="020302"/>
-                          </a:solidFill>
-                          <a:latin typeface="Adobe Clean"/>
-                          <a:cs typeface="Adobe Clean"/>
-                        </a:rPr>
-                        <a:t>I</a:t>
-                      </a:r>
-                      <a:r>
-                        <a:rPr sz="900" b="1" spc="-15" dirty="0">
-                          <a:solidFill>
-                            <a:srgbClr val="020302"/>
-                          </a:solidFill>
-                          <a:latin typeface="Adobe Clean"/>
-                          <a:cs typeface="Adobe Clean"/>
-                        </a:rPr>
-                        <a:t>T</a:t>
-                      </a:r>
-                      <a:r>
-                        <a:rPr sz="900" b="1" dirty="0">
-                          <a:solidFill>
-                            <a:srgbClr val="020302"/>
-                          </a:solidFill>
-                          <a:latin typeface="Adobe Clean"/>
-                          <a:cs typeface="Adobe Clean"/>
-                        </a:rPr>
-                        <a:t>Y</a:t>
-                      </a:r>
-                      <a:r>
-                        <a:rPr sz="900" b="1" spc="-40" dirty="0">
-                          <a:solidFill>
-                            <a:srgbClr val="020302"/>
-                          </a:solidFill>
-                          <a:latin typeface="Adobe Clean"/>
-                          <a:cs typeface="Adobe Clean"/>
-                        </a:rPr>
-                        <a:t> </a:t>
-                      </a:r>
-                      <a:r>
-                        <a:rPr sz="900" b="1" dirty="0">
-                          <a:solidFill>
-                            <a:srgbClr val="020302"/>
-                          </a:solidFill>
-                          <a:latin typeface="Adobe Clean"/>
-                          <a:cs typeface="Adobe Clean"/>
-                        </a:rPr>
-                        <a:t>1</a:t>
-                      </a:r>
-                      <a:endParaRPr sz="900" dirty="0">
-                        <a:latin typeface="Adobe Clean"/>
-                        <a:cs typeface="Adobe Clean"/>
-                      </a:endParaRPr>
                     </a:p>
                     <a:p>
                       <a:pPr marL="50800" marR="387985" lvl="0" indent="0" eaLnBrk="1" fontAlgn="auto" latinLnBrk="0" hangingPunct="1">
@@ -3821,31 +3225,27 @@
                         <a:buNone/>
                       </a:pPr>
                       <a:r>
-                        <a:rPr lang="en-US" sz="900" b="0" i="0" spc="-130" dirty="0">
+                        <a:rPr lang="fr-FR" sz="900" b="0" i="0">
                           <a:solidFill>
                             <a:srgbClr val="020302"/>
                           </a:solidFill>
                           <a:latin typeface="Adobe Clean Light"/>
+                          <a:ea typeface="+mn-ea"/>
                           <a:cs typeface="+mn-cs"/>
                         </a:rPr>
                         <a:t> </a:t>
                       </a:r>
                       <a:r>
-                        <a:rPr lang="en-US" sz="900" b="0" i="0" u="none" strike="noStrike" dirty="0">
+                        <a:rPr lang="fr-FR" sz="900" b="0" i="0" u="none" strike="noStrike">
                           <a:solidFill>
                             <a:schemeClr val="tx1"/>
                           </a:solidFill>
-                          <a:effectLst/>
                           <a:latin typeface="Adobe Clean Light"/>
                           <a:ea typeface="+mn-ea"/>
                           <a:cs typeface="+mn-cs"/>
                         </a:rPr>
-                        <a:t>Customer's production business functions are down or have significant data loss or degradation of services and immediate attention is required to restore functionality and usability</a:t>
+                        <a:t>Les fonctions commerciales de production du client sont en panne ou présentent une perte de données importante ou une dégradation des services. Une attention immédiate est requise afin de restaurer les fonctionnalités et l’accessibilité</a:t>
                       </a:r>
-                      <a:endParaRPr lang="en-US" sz="900" b="0" i="0" dirty="0">
-                        <a:latin typeface="Adobe Clean Light"/>
-                        <a:cs typeface="AdobeClean-Light"/>
-                      </a:endParaRPr>
                     </a:p>
                   </a:txBody>
                   <a:tcPr marL="0" marR="0" marT="0" marB="0" anchor="ctr">
@@ -3885,14 +3285,13 @@
                     <a:p>
                       <a:pPr algn="ctr" fontAlgn="ctr"/>
                       <a:r>
-                        <a:rPr lang="en-US" sz="900" b="0" i="0" u="none" strike="noStrike" dirty="0">
+                        <a:rPr lang="fr-FR" sz="900" b="0" i="0" u="none" strike="noStrike">
                           <a:solidFill>
                             <a:srgbClr val="020302"/>
                           </a:solidFill>
-                          <a:effectLst/>
                           <a:latin typeface="AdobeClean-Light" panose="020B0503020404020204" pitchFamily="34" charset="0"/>
                         </a:rPr>
-                        <a:t>24x7 /  1 hour</a:t>
+                        <a:t>24x7 / 1 heure</a:t>
                       </a:r>
                     </a:p>
                   </a:txBody>
@@ -3933,14 +3332,13 @@
                     <a:p>
                       <a:pPr algn="ctr" fontAlgn="ctr"/>
                       <a:r>
-                        <a:rPr lang="en-US" sz="900" b="0" i="0" u="none" strike="noStrike" dirty="0">
+                        <a:rPr lang="fr-FR" sz="900" b="0" i="0" u="none" strike="noStrike">
                           <a:solidFill>
                             <a:srgbClr val="020302"/>
                           </a:solidFill>
-                          <a:effectLst/>
                           <a:latin typeface="AdobeClean-Light"/>
                         </a:rPr>
-                        <a:t>24x7 / 30 minutes</a:t>
+                        <a:t>24x7 / 30 minutes</a:t>
                       </a:r>
                     </a:p>
                   </a:txBody>
@@ -4006,112 +3404,15 @@
                         </a:spcBef>
                       </a:pPr>
                       <a:r>
-                        <a:rPr sz="900" b="1" spc="-15" dirty="0">
+                        <a:rPr lang="fr-FR" sz="900" b="1">
                           <a:solidFill>
                             <a:srgbClr val="020302"/>
                           </a:solidFill>
                           <a:latin typeface="Adobe Clean"/>
                           <a:cs typeface="Adobe Clean"/>
                         </a:rPr>
-                        <a:t>P</a:t>
+                        <a:t>PRIORITÉ 2</a:t>
                       </a:r>
-                      <a:r>
-                        <a:rPr sz="900" b="1" spc="-20" dirty="0">
-                          <a:solidFill>
-                            <a:srgbClr val="020302"/>
-                          </a:solidFill>
-                          <a:latin typeface="Adobe Clean"/>
-                          <a:cs typeface="Adobe Clean"/>
-                        </a:rPr>
-                        <a:t>R</a:t>
-                      </a:r>
-                      <a:r>
-                        <a:rPr sz="900" b="1" spc="-25" dirty="0">
-                          <a:solidFill>
-                            <a:srgbClr val="020302"/>
-                          </a:solidFill>
-                          <a:latin typeface="Adobe Clean"/>
-                          <a:cs typeface="Adobe Clean"/>
-                        </a:rPr>
-                        <a:t>I</a:t>
-                      </a:r>
-                      <a:r>
-                        <a:rPr sz="900" b="1" spc="-15" dirty="0">
-                          <a:solidFill>
-                            <a:srgbClr val="020302"/>
-                          </a:solidFill>
-                          <a:latin typeface="Adobe Clean"/>
-                          <a:cs typeface="Adobe Clean"/>
-                        </a:rPr>
-                        <a:t>O</a:t>
-                      </a:r>
-                      <a:r>
-                        <a:rPr sz="900" b="1" spc="-20" dirty="0">
-                          <a:solidFill>
-                            <a:srgbClr val="020302"/>
-                          </a:solidFill>
-                          <a:latin typeface="Adobe Clean"/>
-                          <a:cs typeface="Adobe Clean"/>
-                        </a:rPr>
-                        <a:t>R</a:t>
-                      </a:r>
-                      <a:r>
-                        <a:rPr sz="900" b="1" spc="-25" dirty="0">
-                          <a:solidFill>
-                            <a:srgbClr val="020302"/>
-                          </a:solidFill>
-                          <a:latin typeface="Adobe Clean"/>
-                          <a:cs typeface="Adobe Clean"/>
-                        </a:rPr>
-                        <a:t>I</a:t>
-                      </a:r>
-                      <a:r>
-                        <a:rPr sz="900" b="1" spc="-15" dirty="0">
-                          <a:solidFill>
-                            <a:srgbClr val="020302"/>
-                          </a:solidFill>
-                          <a:latin typeface="Adobe Clean"/>
-                          <a:cs typeface="Adobe Clean"/>
-                        </a:rPr>
-                        <a:t>T</a:t>
-                      </a:r>
-                      <a:r>
-                        <a:rPr sz="900" b="1" dirty="0">
-                          <a:solidFill>
-                            <a:srgbClr val="020302"/>
-                          </a:solidFill>
-                          <a:latin typeface="Adobe Clean"/>
-                          <a:cs typeface="Adobe Clean"/>
-                        </a:rPr>
-                        <a:t>Y</a:t>
-                      </a:r>
-                      <a:r>
-                        <a:rPr sz="900" b="1" spc="-40" dirty="0">
-                          <a:solidFill>
-                            <a:srgbClr val="020302"/>
-                          </a:solidFill>
-                          <a:latin typeface="Adobe Clean"/>
-                          <a:cs typeface="Adobe Clean"/>
-                        </a:rPr>
-                        <a:t> </a:t>
-                      </a:r>
-                      <a:r>
-                        <a:rPr sz="900" b="1" dirty="0">
-                          <a:solidFill>
-                            <a:srgbClr val="020302"/>
-                          </a:solidFill>
-                          <a:latin typeface="Adobe Clean"/>
-                          <a:cs typeface="Adobe Clean"/>
-                        </a:rPr>
-                        <a:t>2</a:t>
-                      </a:r>
-                      <a:endParaRPr lang="en-US" sz="900" b="1" dirty="0">
-                        <a:solidFill>
-                          <a:srgbClr val="020302"/>
-                        </a:solidFill>
-                        <a:latin typeface="Adobe Clean"/>
-                        <a:cs typeface="Adobe Clean"/>
-                      </a:endParaRPr>
                     </a:p>
                     <a:p>
                       <a:pPr marL="50800" marR="0" lvl="0" indent="0" defTabSz="914400" eaLnBrk="1" fontAlgn="auto" latinLnBrk="0" hangingPunct="1">
@@ -4132,31 +3433,27 @@
                         <a:defRPr/>
                       </a:pPr>
                       <a:r>
-                        <a:rPr lang="en-US" sz="900" b="0" i="0" spc="-130" dirty="0">
+                        <a:rPr lang="fr-FR" sz="900" b="0" i="0">
                           <a:solidFill>
                             <a:srgbClr val="020302"/>
                           </a:solidFill>
                           <a:latin typeface="Adobe Clean Light"/>
+                          <a:ea typeface="+mn-ea"/>
                           <a:cs typeface="+mn-cs"/>
                         </a:rPr>
                         <a:t> </a:t>
                       </a:r>
                       <a:r>
-                        <a:rPr lang="en-US" sz="900" b="0" i="0" u="none" strike="noStrike" dirty="0">
+                        <a:rPr lang="fr-FR" sz="900" b="0" i="0" u="none" strike="noStrike">
                           <a:solidFill>
                             <a:schemeClr val="tx1"/>
                           </a:solidFill>
-                          <a:effectLst/>
                           <a:latin typeface="Adobe Clean Light"/>
                           <a:ea typeface="+mn-ea"/>
                           <a:cs typeface="+mn-cs"/>
                         </a:rPr>
-                        <a:t>Customer’s business functions have major service degradations or potential data loss, or a major feature is impacted.</a:t>
+                        <a:t>Les fonctions commerciales du client présentent des dégradations importantes des services ou une perte potentielle de données. Il est également possible qu’une fonctionnalité majeure soit affectée.</a:t>
                       </a:r>
-                      <a:endParaRPr lang="en-US" sz="900" b="0" i="0" dirty="0">
-                        <a:latin typeface="Adobe Clean Light"/>
-                        <a:cs typeface="AdobeClean-Light"/>
-                      </a:endParaRPr>
                     </a:p>
                   </a:txBody>
                   <a:tcPr marL="0" marR="0" marT="0" marB="0" anchor="ctr">
@@ -4196,14 +3493,13 @@
                     <a:p>
                       <a:pPr algn="ctr" fontAlgn="ctr"/>
                       <a:r>
-                        <a:rPr lang="en-US" sz="900" b="0" i="0" u="none" strike="noStrike" dirty="0">
+                        <a:rPr lang="fr-FR" sz="900" b="0" i="0" u="none" strike="noStrike">
                           <a:solidFill>
                             <a:srgbClr val="020302"/>
                           </a:solidFill>
-                          <a:effectLst/>
                           <a:latin typeface="AdobeClean-Light" panose="020B0503020404020204" pitchFamily="34" charset="0"/>
                         </a:rPr>
-                        <a:t>Business hours / 4 hours</a:t>
+                        <a:t>Heures d’ouverture / 4 heures</a:t>
                       </a:r>
                     </a:p>
                   </a:txBody>
@@ -4244,14 +3540,13 @@
                     <a:p>
                       <a:pPr algn="ctr" fontAlgn="ctr"/>
                       <a:r>
-                        <a:rPr lang="en-US" sz="900" b="0" i="0" u="none" strike="noStrike" dirty="0">
+                        <a:rPr lang="fr-FR" sz="900" b="0" i="0" u="none" strike="noStrike">
                           <a:solidFill>
                             <a:srgbClr val="020302"/>
                           </a:solidFill>
-                          <a:effectLst/>
                           <a:latin typeface="AdobeClean-Light"/>
                         </a:rPr>
-                        <a:t>24x5 / 1 hour</a:t>
+                        <a:t>24x5 / 1 heure</a:t>
                       </a:r>
                     </a:p>
                   </a:txBody>
@@ -4314,109 +3609,15 @@
                         </a:spcBef>
                       </a:pPr>
                       <a:r>
-                        <a:rPr sz="900" b="1" spc="-15" dirty="0">
+                        <a:rPr lang="fr-FR" sz="900" b="1" dirty="0">
                           <a:solidFill>
                             <a:srgbClr val="020302"/>
                           </a:solidFill>
                           <a:latin typeface="Adobe Clean"/>
                           <a:cs typeface="Adobe Clean"/>
                         </a:rPr>
-                        <a:t>P</a:t>
+                        <a:t>PRIORITÉ 3</a:t>
                       </a:r>
-                      <a:r>
-                        <a:rPr sz="900" b="1" spc="-20" dirty="0">
-                          <a:solidFill>
-                            <a:srgbClr val="020302"/>
-                          </a:solidFill>
-                          <a:latin typeface="Adobe Clean"/>
-                          <a:cs typeface="Adobe Clean"/>
-                        </a:rPr>
-                        <a:t>R</a:t>
-                      </a:r>
-                      <a:r>
-                        <a:rPr sz="900" b="1" spc="-25" dirty="0">
-                          <a:solidFill>
-                            <a:srgbClr val="020302"/>
-                          </a:solidFill>
-                          <a:latin typeface="Adobe Clean"/>
-                          <a:cs typeface="Adobe Clean"/>
-                        </a:rPr>
-                        <a:t>I</a:t>
-                      </a:r>
-                      <a:r>
-                        <a:rPr sz="900" b="1" spc="-15" dirty="0">
-                          <a:solidFill>
-                            <a:srgbClr val="020302"/>
-                          </a:solidFill>
-                          <a:latin typeface="Adobe Clean"/>
-                          <a:cs typeface="Adobe Clean"/>
-                        </a:rPr>
-                        <a:t>O</a:t>
-                      </a:r>
-                      <a:r>
-                        <a:rPr sz="900" b="1" spc="-20" dirty="0">
-                          <a:solidFill>
-                            <a:srgbClr val="020302"/>
-                          </a:solidFill>
-                          <a:latin typeface="Adobe Clean"/>
-                          <a:cs typeface="Adobe Clean"/>
-                        </a:rPr>
-                        <a:t>R</a:t>
-                      </a:r>
-                      <a:r>
-                        <a:rPr sz="900" b="1" spc="-25" dirty="0">
-                          <a:solidFill>
-                            <a:srgbClr val="020302"/>
-                          </a:solidFill>
-                          <a:latin typeface="Adobe Clean"/>
-                          <a:cs typeface="Adobe Clean"/>
-                        </a:rPr>
-                        <a:t>I</a:t>
-                      </a:r>
-                      <a:r>
-                        <a:rPr sz="900" b="1" spc="-15" dirty="0">
-                          <a:solidFill>
-                            <a:srgbClr val="020302"/>
-                          </a:solidFill>
-                          <a:latin typeface="Adobe Clean"/>
-                          <a:cs typeface="Adobe Clean"/>
-                        </a:rPr>
-                        <a:t>T</a:t>
-                      </a:r>
-                      <a:r>
-                        <a:rPr sz="900" b="1" dirty="0">
-                          <a:solidFill>
-                            <a:srgbClr val="020302"/>
-                          </a:solidFill>
-                          <a:latin typeface="Adobe Clean"/>
-                          <a:cs typeface="Adobe Clean"/>
-                        </a:rPr>
-                        <a:t>Y</a:t>
-                      </a:r>
-                      <a:r>
-                        <a:rPr sz="900" b="1" spc="-40" dirty="0">
-                          <a:solidFill>
-                            <a:srgbClr val="020302"/>
-                          </a:solidFill>
-                          <a:latin typeface="Adobe Clean"/>
-                          <a:cs typeface="Adobe Clean"/>
-                        </a:rPr>
-                        <a:t> </a:t>
-                      </a:r>
-                      <a:r>
-                        <a:rPr sz="900" b="1" dirty="0">
-                          <a:solidFill>
-                            <a:srgbClr val="020302"/>
-                          </a:solidFill>
-                          <a:latin typeface="Adobe Clean"/>
-                          <a:cs typeface="Adobe Clean"/>
-                        </a:rPr>
-                        <a:t>3</a:t>
-                      </a:r>
-                      <a:endParaRPr sz="900" dirty="0">
-                        <a:latin typeface="Adobe Clean"/>
-                        <a:cs typeface="Adobe Clean"/>
-                      </a:endParaRPr>
                     </a:p>
                     <a:p>
                       <a:pPr marL="49530" marR="212090" indent="-2540">
@@ -4428,21 +3629,16 @@
                         </a:spcBef>
                       </a:pPr>
                       <a:r>
-                        <a:rPr lang="en-US" sz="900" b="0" i="0" u="none" strike="noStrike" dirty="0">
+                        <a:rPr lang="fr-FR" sz="900" b="0" i="0" u="none" strike="noStrike" dirty="0">
                           <a:solidFill>
                             <a:schemeClr val="tx1"/>
                           </a:solidFill>
-                          <a:effectLst/>
                           <a:latin typeface="Adobe Clean Light"/>
                           <a:ea typeface="+mn-ea"/>
                           <a:cs typeface="+mn-cs"/>
                         </a:rPr>
-                        <a:t>Customer's business functions have minor to no degradation of services with a solution/workaround allowing business functions to continue </a:t>
+                        <a:t>Les fonctions commerciales du client présentent une dégradation mineure, voire inexistante, des services, comprenant une solution/un moyen permettant aux fonctions commerciales de continuer de fonctionner. </a:t>
                       </a:r>
-                      <a:endParaRPr lang="en-US" sz="900" b="0" i="0" dirty="0">
-                        <a:latin typeface="Adobe Clean Light"/>
-                        <a:cs typeface="AdobeClean-Light"/>
-                      </a:endParaRPr>
                     </a:p>
                   </a:txBody>
                   <a:tcPr marL="0" marR="0" marT="0" marB="0" anchor="ctr">
@@ -4482,14 +3678,13 @@
                     <a:p>
                       <a:pPr algn="ctr" fontAlgn="ctr"/>
                       <a:r>
-                        <a:rPr lang="en-US" sz="900" b="0" i="0" u="none" strike="noStrike" dirty="0">
+                        <a:rPr lang="fr-FR" sz="900" b="0" i="0" u="none" strike="noStrike">
                           <a:solidFill>
                             <a:srgbClr val="020302"/>
                           </a:solidFill>
-                          <a:effectLst/>
                           <a:latin typeface="AdobeClean-Light" panose="020B0503020404020204" pitchFamily="34" charset="0"/>
                         </a:rPr>
-                        <a:t>Business hours / 6 hours</a:t>
+                        <a:t>Heures d’ouverture / 6 heures</a:t>
                       </a:r>
                     </a:p>
                   </a:txBody>
@@ -4530,14 +3725,30 @@
                     <a:p>
                       <a:pPr algn="ctr" fontAlgn="ctr"/>
                       <a:r>
-                        <a:rPr lang="en-US" sz="900" b="0" i="0" u="none" strike="noStrike" dirty="0">
+                        <a:rPr lang="fr-FR" sz="900" b="0" i="0" u="none" strike="noStrike" dirty="0">
                           <a:solidFill>
                             <a:srgbClr val="020302"/>
                           </a:solidFill>
-                          <a:effectLst/>
                           <a:latin typeface="AdobeClean-Light"/>
                         </a:rPr>
-                        <a:t>Business hours / 2 hours</a:t>
+                        <a:t>Heures d’ouverture / </a:t>
+                      </a:r>
+                      <a:br>
+                        <a:rPr lang="fr-FR" sz="900" b="0" i="0" u="none" strike="noStrike" dirty="0">
+                          <a:solidFill>
+                            <a:srgbClr val="020302"/>
+                          </a:solidFill>
+                          <a:latin typeface="AdobeClean-Light"/>
+                        </a:rPr>
+                      </a:br>
+                      <a:r>
+                        <a:rPr lang="fr-FR" sz="900" b="0" i="0" u="none" strike="noStrike" dirty="0">
+                          <a:solidFill>
+                            <a:srgbClr val="020302"/>
+                          </a:solidFill>
+                          <a:latin typeface="AdobeClean-Light"/>
+                        </a:rPr>
+                        <a:t>2 heures</a:t>
                       </a:r>
                     </a:p>
                   </a:txBody>
@@ -4600,109 +3811,15 @@
                         </a:spcBef>
                       </a:pPr>
                       <a:r>
-                        <a:rPr sz="900" b="1" spc="-15" dirty="0">
+                        <a:rPr lang="fr-FR" sz="900" b="1">
                           <a:solidFill>
                             <a:srgbClr val="020302"/>
                           </a:solidFill>
                           <a:latin typeface="Adobe Clean"/>
                           <a:cs typeface="Adobe Clean"/>
                         </a:rPr>
-                        <a:t>P</a:t>
+                        <a:t>PRIORITÉ 4</a:t>
                       </a:r>
-                      <a:r>
-                        <a:rPr sz="900" b="1" spc="-20" dirty="0">
-                          <a:solidFill>
-                            <a:srgbClr val="020302"/>
-                          </a:solidFill>
-                          <a:latin typeface="Adobe Clean"/>
-                          <a:cs typeface="Adobe Clean"/>
-                        </a:rPr>
-                        <a:t>R</a:t>
-                      </a:r>
-                      <a:r>
-                        <a:rPr sz="900" b="1" spc="-25" dirty="0">
-                          <a:solidFill>
-                            <a:srgbClr val="020302"/>
-                          </a:solidFill>
-                          <a:latin typeface="Adobe Clean"/>
-                          <a:cs typeface="Adobe Clean"/>
-                        </a:rPr>
-                        <a:t>I</a:t>
-                      </a:r>
-                      <a:r>
-                        <a:rPr sz="900" b="1" spc="-15" dirty="0">
-                          <a:solidFill>
-                            <a:srgbClr val="020302"/>
-                          </a:solidFill>
-                          <a:latin typeface="Adobe Clean"/>
-                          <a:cs typeface="Adobe Clean"/>
-                        </a:rPr>
-                        <a:t>O</a:t>
-                      </a:r>
-                      <a:r>
-                        <a:rPr sz="900" b="1" spc="-20" dirty="0">
-                          <a:solidFill>
-                            <a:srgbClr val="020302"/>
-                          </a:solidFill>
-                          <a:latin typeface="Adobe Clean"/>
-                          <a:cs typeface="Adobe Clean"/>
-                        </a:rPr>
-                        <a:t>R</a:t>
-                      </a:r>
-                      <a:r>
-                        <a:rPr sz="900" b="1" spc="-25" dirty="0">
-                          <a:solidFill>
-                            <a:srgbClr val="020302"/>
-                          </a:solidFill>
-                          <a:latin typeface="Adobe Clean"/>
-                          <a:cs typeface="Adobe Clean"/>
-                        </a:rPr>
-                        <a:t>I</a:t>
-                      </a:r>
-                      <a:r>
-                        <a:rPr sz="900" b="1" spc="-15" dirty="0">
-                          <a:solidFill>
-                            <a:srgbClr val="020302"/>
-                          </a:solidFill>
-                          <a:latin typeface="Adobe Clean"/>
-                          <a:cs typeface="Adobe Clean"/>
-                        </a:rPr>
-                        <a:t>T</a:t>
-                      </a:r>
-                      <a:r>
-                        <a:rPr sz="900" b="1" dirty="0">
-                          <a:solidFill>
-                            <a:srgbClr val="020302"/>
-                          </a:solidFill>
-                          <a:latin typeface="Adobe Clean"/>
-                          <a:cs typeface="Adobe Clean"/>
-                        </a:rPr>
-                        <a:t>Y</a:t>
-                      </a:r>
-                      <a:r>
-                        <a:rPr sz="900" b="1" spc="-40" dirty="0">
-                          <a:solidFill>
-                            <a:srgbClr val="020302"/>
-                          </a:solidFill>
-                          <a:latin typeface="Adobe Clean"/>
-                          <a:cs typeface="Adobe Clean"/>
-                        </a:rPr>
-                        <a:t> </a:t>
-                      </a:r>
-                      <a:r>
-                        <a:rPr sz="900" b="1" dirty="0">
-                          <a:solidFill>
-                            <a:srgbClr val="020302"/>
-                          </a:solidFill>
-                          <a:latin typeface="Adobe Clean"/>
-                          <a:cs typeface="Adobe Clean"/>
-                        </a:rPr>
-                        <a:t>4</a:t>
-                      </a:r>
-                      <a:endParaRPr sz="900" dirty="0">
-                        <a:latin typeface="Adobe Clean"/>
-                        <a:cs typeface="Adobe Clean"/>
-                      </a:endParaRPr>
                     </a:p>
                     <a:p>
                       <a:pPr marL="49530">
@@ -4714,31 +3831,27 @@
                         </a:spcBef>
                       </a:pPr>
                       <a:r>
-                        <a:rPr lang="en-US" sz="900" b="1" spc="-90" dirty="0">
+                        <a:rPr lang="fr-FR" sz="900" b="1">
                           <a:solidFill>
                             <a:srgbClr val="020302"/>
                           </a:solidFill>
                           <a:latin typeface="Adobe Clean"/>
+                          <a:ea typeface="+mn-ea"/>
                           <a:cs typeface="+mn-cs"/>
                         </a:rPr>
                         <a:t> </a:t>
                       </a:r>
                       <a:r>
-                        <a:rPr lang="en-US" sz="900" b="0" i="0" u="none" strike="noStrike" dirty="0">
+                        <a:rPr lang="fr-FR" sz="900" b="0" i="0" u="none" strike="noStrike">
                           <a:solidFill>
                             <a:schemeClr val="tx1"/>
                           </a:solidFill>
-                          <a:effectLst/>
                           <a:latin typeface="Adobe Clean Light"/>
                           <a:ea typeface="+mn-ea"/>
                           <a:cs typeface="+mn-cs"/>
                         </a:rPr>
-                        <a:t>General question regarding current product functionality or an enhancement request</a:t>
+                        <a:t>Question générale concernant les fonctionnalités actuelles du produit ou une demande d’amélioration</a:t>
                       </a:r>
-                      <a:endParaRPr lang="en-US" sz="900" b="0" i="0" dirty="0">
-                        <a:latin typeface="Adobe Clean Light"/>
-                        <a:cs typeface="AdobeClean-Light"/>
-                      </a:endParaRPr>
                     </a:p>
                   </a:txBody>
                   <a:tcPr marL="0" marR="0" marT="0" marB="0" anchor="ctr">
@@ -4778,14 +3891,13 @@
                     <a:p>
                       <a:pPr algn="ctr" fontAlgn="ctr"/>
                       <a:r>
-                        <a:rPr lang="en-US" sz="900" b="0" i="0" u="none" strike="noStrike" dirty="0">
+                        <a:rPr lang="fr-FR" sz="900" b="0" i="0" u="none" strike="noStrike">
                           <a:solidFill>
                             <a:srgbClr val="020302"/>
                           </a:solidFill>
-                          <a:effectLst/>
                           <a:latin typeface="AdobeClean-Light" panose="020B0503020404020204" pitchFamily="34" charset="0"/>
                         </a:rPr>
-                        <a:t>Business days / 3 days</a:t>
+                        <a:t>Jours ouvrables / 3 jours</a:t>
                       </a:r>
                     </a:p>
                   </a:txBody>
@@ -4826,14 +3938,13 @@
                     <a:p>
                       <a:pPr algn="ctr" fontAlgn="ctr"/>
                       <a:r>
-                        <a:rPr lang="en-US" sz="900" b="0" i="0" u="none" strike="noStrike" dirty="0">
+                        <a:rPr lang="fr-FR" sz="900" b="0" i="0" u="none" strike="noStrike" dirty="0">
                           <a:solidFill>
                             <a:srgbClr val="020302"/>
                           </a:solidFill>
-                          <a:effectLst/>
                           <a:latin typeface="AdobeClean-Light" panose="020B0503020404020204" pitchFamily="34" charset="0"/>
                         </a:rPr>
-                        <a:t>Business days / 1 day</a:t>
+                        <a:t>Jours ouvrables / 1 jour</a:t>
                       </a:r>
                     </a:p>
                   </a:txBody>
@@ -4920,7 +4031,7 @@
         <p:spPr>
           <a:xfrm>
             <a:off x="97788" y="9888626"/>
-            <a:ext cx="2245360" cy="133370"/>
+            <a:ext cx="2926080" cy="133370"/>
           </a:xfrm>
           <a:prstGeom prst="rect">
             <a:avLst/>
@@ -4941,40 +4052,24 @@
               </a:spcBef>
             </a:pPr>
             <a:r>
-              <a:rPr spc="-10"/>
-              <a:t>©202</a:t>
-            </a:r>
-            <a:r>
-              <a:rPr lang="en-US" spc="-10"/>
-              <a:t>1</a:t>
-            </a:r>
-            <a:r>
-              <a:rPr spc="-5"/>
-              <a:t> Adobe. All</a:t>
-            </a:r>
-            <a:r>
-              <a:rPr spc="-10"/>
-              <a:t> Rights</a:t>
-            </a:r>
-            <a:r>
-              <a:rPr spc="-5"/>
+              <a:rPr lang="fr-FR" dirty="0"/>
+              <a:t>©2021 Adobe. All </a:t>
+            </a:r>
+            <a:r>
+              <a:rPr lang="fr-FR" dirty="0" err="1"/>
+              <a:t>Rights</a:t>
+            </a:r>
+            <a:r>
+              <a:rPr lang="fr-FR" dirty="0"/>
               <a:t> </a:t>
             </a:r>
             <a:r>
-              <a:rPr spc="-10"/>
-              <a:t>Reserved.</a:t>
-            </a:r>
-            <a:r>
-              <a:rPr spc="-5"/>
-              <a:t> Adobe</a:t>
-            </a:r>
-            <a:r>
-              <a:rPr spc="60"/>
-              <a:t> </a:t>
-            </a:r>
-            <a:r>
-              <a:rPr spc="-10"/>
-              <a:t>Confidential.</a:t>
+              <a:rPr lang="fr-FR" dirty="0" err="1"/>
+              <a:t>Reserved</a:t>
+            </a:r>
+            <a:r>
+              <a:rPr lang="fr-FR" dirty="0"/>
+              <a:t>. Données confidentielles Adobe</a:t>
             </a:r>
           </a:p>
         </p:txBody>
@@ -5008,7 +4103,7 @@
           <a:lstStyle/>
           <a:p>
             <a:r>
-              <a:rPr lang="en-US" sz="700" i="1">
+              <a:rPr lang="fr-FR" sz="700" i="1">
                 <a:solidFill>
                   <a:schemeClr val="bg1"/>
                 </a:solidFill>
@@ -5054,7 +4149,7 @@
               </a:spcBef>
             </a:pPr>
             <a:r>
-              <a:rPr lang="en-US" sz="1200" dirty="0">
+              <a:rPr lang="fr-FR" sz="900" dirty="0">
                 <a:solidFill>
                   <a:schemeClr val="bg1"/>
                 </a:solidFill>
@@ -5063,7 +4158,7 @@
               <a:t>Standard |</a:t>
             </a:r>
             <a:r>
-              <a:rPr lang="en-US" sz="1200" b="1" dirty="0">
+              <a:rPr lang="fr-FR" sz="900" b="1" dirty="0">
                 <a:solidFill>
                   <a:schemeClr val="bg1"/>
                 </a:solidFill>
@@ -5072,15 +4167,15 @@
               <a:t> </a:t>
             </a:r>
             <a:r>
-              <a:rPr lang="en-US" sz="1200" b="1" dirty="0">
+              <a:rPr lang="fr-FR" sz="900" b="1" dirty="0">
                 <a:solidFill>
                   <a:schemeClr val="bg1"/>
                 </a:solidFill>
               </a:rPr>
-              <a:t>Enterprise</a:t>
-            </a:r>
-            <a:r>
-              <a:rPr lang="en-US" sz="1200" b="1" dirty="0">
+              <a:t>Entreprise</a:t>
+            </a:r>
+            <a:r>
+              <a:rPr lang="fr-FR" sz="900" b="1" dirty="0">
                 <a:solidFill>
                   <a:schemeClr val="bg1"/>
                 </a:solidFill>
@@ -5089,7 +4184,7 @@
               <a:t> </a:t>
             </a:r>
             <a:r>
-              <a:rPr lang="en-US" sz="1200" dirty="0">
+              <a:rPr lang="fr-FR" sz="900" dirty="0">
                 <a:solidFill>
                   <a:schemeClr val="bg1"/>
                 </a:solidFill>
@@ -5098,26 +4193,55 @@
               <a:t>| Elite</a:t>
             </a:r>
             <a:br>
-              <a:rPr lang="en-US" sz="900" dirty="0">
+              <a:rPr lang="fr-FR" sz="800" dirty="0">
                 <a:latin typeface="Adobe Clean Light" panose="020B0303020404020204" pitchFamily="34" charset="0"/>
               </a:rPr>
             </a:br>
             <a:r>
-              <a:rPr lang="en-US" sz="900" dirty="0">
+              <a:rPr lang="fr-FR" sz="800" dirty="0">
                 <a:solidFill>
                   <a:schemeClr val="bg1"/>
                 </a:solidFill>
                 <a:latin typeface="Adobe Clean SemiLight"/>
               </a:rPr>
-              <a:t>ENTERPRISE support includes access to personalized learning paths and monitored community forums via the Adobe Experience League. You can also take advantage of our detailed and in-depth technical product documentation and current release notes. ENTERPRISE customers will also be provided with a Named Support Engineer who acts as your designated technical contact in the Adobe Support Team. With deep experience in your designated Experience Cloud solution, your support team will work in partnership with you and your technical teams to ensure timely resolution of all support requests. Your support team can also help coordinate and arrange delivery of the additional ENTERPRISE benefits ensuring minimal disruption to your business at the most critical time. </a:t>
-            </a:r>
-            <a:endParaRPr lang="en-US" sz="900" dirty="0">
-              <a:solidFill>
-                <a:schemeClr val="bg1"/>
-              </a:solidFill>
-              <a:latin typeface="Adobe Clean SemiLight"/>
-              <a:cs typeface="AdobeClean-Light"/>
-            </a:endParaRPr>
+              <a:t>L’assistance d’ENTREPRISE comprend un accès à des parcours de formation personnalisés et à des forums communautaires surveillés au travers d’Adobe </a:t>
+            </a:r>
+            <a:r>
+              <a:rPr lang="fr-FR" sz="800" dirty="0" err="1">
+                <a:solidFill>
+                  <a:schemeClr val="bg1"/>
+                </a:solidFill>
+                <a:latin typeface="Adobe Clean SemiLight"/>
+              </a:rPr>
+              <a:t>Experience</a:t>
+            </a:r>
+            <a:r>
+              <a:rPr lang="fr-FR" sz="800" dirty="0">
+                <a:solidFill>
+                  <a:schemeClr val="bg1"/>
+                </a:solidFill>
+                <a:latin typeface="Adobe Clean SemiLight"/>
+              </a:rPr>
+              <a:t> League. Vous pouvez également tirer profit de notre documentation technique détaillée et approfondie sur les produits, ainsi que de nos notes de mise à jour actuelles. Les clients du programme d’ENTREPRISE bénéficieront également d’un accès à un ingénieur d’assistance nommé jouant le rôle de contact technique désigné dans l’équipe d’assistance d’Adobe. Grâce à sa grande expérience dans vos solutions </a:t>
+            </a:r>
+            <a:r>
+              <a:rPr lang="fr-FR" sz="800" dirty="0" err="1">
+                <a:solidFill>
+                  <a:schemeClr val="bg1"/>
+                </a:solidFill>
+                <a:latin typeface="Adobe Clean SemiLight"/>
+              </a:rPr>
+              <a:t>Experience</a:t>
+            </a:r>
+            <a:r>
+              <a:rPr lang="fr-FR" sz="800" dirty="0">
+                <a:solidFill>
+                  <a:schemeClr val="bg1"/>
+                </a:solidFill>
+                <a:latin typeface="Adobe Clean SemiLight"/>
+              </a:rPr>
+              <a:t> Cloud, votre équipe d’assistance travaillera à vos côtés et avec vos équipes techniques afin d’assurer une résolution de toutes les requêtes d’assistance dans les temps. Votre équipe d’assistance peut également vous aider à coordonner et organiser la diffusion des avantages d’ENTREPRISE supplémentaires, garantissant ainsi une perturbation minimale de votre entreprise aux moments les plus critiques. </a:t>
+            </a:r>
           </a:p>
         </p:txBody>
       </p:sp>
@@ -5143,7 +4267,7 @@
         </p:nvGraphicFramePr>
         <p:xfrm>
           <a:off x="125148" y="2159576"/>
-          <a:ext cx="7498851" cy="4675190"/>
+          <a:ext cx="7498851" cy="4776202"/>
         </p:xfrm>
         <a:graphic>
           <a:graphicData uri="http://schemas.openxmlformats.org/drawingml/2006/table">
@@ -5225,19 +4349,15 @@
                         <a:defRPr/>
                       </a:pPr>
                       <a:r>
-                        <a:rPr lang="en-US" sz="900" spc="0" dirty="0">
+                        <a:rPr lang="fr-FR" sz="900">
                           <a:solidFill>
                             <a:srgbClr val="404040"/>
                           </a:solidFill>
                           <a:latin typeface="Adobe Clean"/>
                           <a:cs typeface="Adobe Clean"/>
                         </a:rPr>
-                        <a:t>Standard Support</a:t>
+                        <a:t>Assistance Standard</a:t>
                       </a:r>
-                      <a:endParaRPr lang="en-US" sz="900" spc="0" dirty="0">
-                        <a:latin typeface="Adobe Clean"/>
-                        <a:cs typeface="Adobe Clean"/>
-                      </a:endParaRPr>
                     </a:p>
                   </a:txBody>
                   <a:tcPr marL="0" marR="0" marT="7620" marB="0" anchor="ctr">
@@ -5278,29 +4398,15 @@
                         </a:spcBef>
                       </a:pPr>
                       <a:r>
-                        <a:rPr lang="en-US" sz="900" spc="0" dirty="0">
+                        <a:rPr lang="fr-FR" sz="900">
                           <a:solidFill>
                             <a:srgbClr val="FFFFFF"/>
                           </a:solidFill>
                           <a:latin typeface="Adobe Clean"/>
                           <a:cs typeface="Adobe Clean"/>
                         </a:rPr>
-                        <a:t>Enterprise </a:t>
+                        <a:t>Assistance aux entreprises</a:t>
                       </a:r>
-                      <a:r>
-                        <a:rPr sz="900" spc="0" dirty="0">
-                          <a:solidFill>
-                            <a:srgbClr val="FFFFFF"/>
-                          </a:solidFill>
-                          <a:latin typeface="Adobe Clean"/>
-                          <a:cs typeface="Adobe Clean"/>
-                        </a:rPr>
-                        <a:t>Support</a:t>
-                      </a:r>
-                      <a:endParaRPr sz="900" spc="0" dirty="0">
-                        <a:latin typeface="Adobe Clean"/>
-                        <a:cs typeface="Adobe Clean"/>
-                      </a:endParaRPr>
                     </a:p>
                   </a:txBody>
                   <a:tcPr marL="0" marR="0" marT="7620" marB="0" anchor="ctr">
@@ -5368,7 +4474,7 @@
                     <a:bodyPr/>
                     <a:lstStyle/>
                     <a:p>
-                      <a:pPr marL="0" marR="0" lvl="0" indent="0" algn="ctr" defTabSz="914400" eaLnBrk="1" fontAlgn="auto" latinLnBrk="0" hangingPunct="1">
+                      <a:pPr marL="0" marR="0" lvl="0" indent="0" algn="l" defTabSz="914400" rtl="0" eaLnBrk="1" fontAlgn="auto" latinLnBrk="0" hangingPunct="1">
                         <a:lnSpc>
                           <a:spcPct val="100000"/>
                         </a:lnSpc>
@@ -5449,13 +4555,13 @@
                         <a:defRPr/>
                       </a:pPr>
                       <a:r>
-                        <a:rPr lang="en-US" sz="800" i="1" dirty="0">
+                        <a:rPr lang="fr-FR" sz="800" i="1">
                           <a:solidFill>
                             <a:schemeClr val="bg1"/>
                           </a:solidFill>
                           <a:latin typeface="Adobe Clean Light"/>
                         </a:rPr>
-                        <a:t>Paid Support ($)</a:t>
+                        <a:t>Assistance payante ($)</a:t>
                       </a:r>
                     </a:p>
                   </a:txBody>
@@ -5519,22 +4625,15 @@
                         </a:spcBef>
                       </a:pPr>
                       <a:r>
-                        <a:rPr lang="en-US" sz="1000" b="1" i="0" spc="0" dirty="0">
+                        <a:rPr lang="fr-FR" sz="1000" b="1" i="0">
                           <a:solidFill>
                             <a:schemeClr val="bg1"/>
                           </a:solidFill>
                           <a:latin typeface="Adobe Clean"/>
                           <a:cs typeface="AdobeClean-Light"/>
                         </a:rPr>
-                        <a:t>Assigned Experts</a:t>
+                        <a:t>Experts assignés</a:t>
                       </a:r>
-                      <a:endParaRPr sz="1000" b="1" i="0" spc="0" dirty="0">
-                        <a:solidFill>
-                          <a:schemeClr val="bg1"/>
-                        </a:solidFill>
-                        <a:latin typeface="Adobe Clean"/>
-                        <a:cs typeface="AdobeClean-Light"/>
-                      </a:endParaRPr>
                     </a:p>
                   </a:txBody>
                   <a:tcPr marL="0" marR="0" marT="58419" marB="0" anchor="ctr">
@@ -5581,19 +4680,15 @@
                         </a:spcBef>
                       </a:pPr>
                       <a:r>
-                        <a:rPr sz="900" spc="0" dirty="0">
+                        <a:rPr lang="fr-FR" sz="900">
                           <a:solidFill>
                             <a:srgbClr val="020302"/>
                           </a:solidFill>
                           <a:latin typeface="AdobeClean-Light"/>
                           <a:cs typeface="AdobeClean-Light"/>
                         </a:rPr>
-                        <a:t>Account Support Lead</a:t>
+                        <a:t>Assistance principale du compte</a:t>
                       </a:r>
-                      <a:endParaRPr sz="900" spc="0" dirty="0">
-                        <a:latin typeface="AdobeClean-Light"/>
-                        <a:cs typeface="AdobeClean-Light"/>
-                      </a:endParaRPr>
                     </a:p>
                   </a:txBody>
                   <a:tcPr marL="0" marR="0" marT="58419" marB="0">
@@ -5628,7 +4723,7 @@
                     <a:bodyPr/>
                     <a:lstStyle/>
                     <a:p>
-                      <a:pPr algn="ctr">
+                      <a:pPr algn="l" rtl="0">
                         <a:lnSpc>
                           <a:spcPct val="100000"/>
                         </a:lnSpc>
@@ -5669,7 +4764,7 @@
                     <a:bodyPr/>
                     <a:lstStyle/>
                     <a:p>
-                      <a:pPr algn="ctr">
+                      <a:pPr algn="l" rtl="0">
                         <a:lnSpc>
                           <a:spcPct val="100000"/>
                         </a:lnSpc>
@@ -5712,7 +4807,7 @@
                     <a:bodyPr/>
                     <a:lstStyle/>
                     <a:p>
-                      <a:pPr marL="50800">
+                      <a:pPr marL="50800" algn="l" rtl="0">
                         <a:lnSpc>
                           <a:spcPct val="100000"/>
                         </a:lnSpc>
@@ -5758,19 +4853,15 @@
                         </a:spcBef>
                       </a:pPr>
                       <a:r>
-                        <a:rPr sz="900" spc="0" dirty="0">
+                        <a:rPr lang="fr-FR" sz="900" dirty="0">
                           <a:solidFill>
                             <a:srgbClr val="020302"/>
                           </a:solidFill>
                           <a:latin typeface="AdobeClean-Light"/>
                           <a:cs typeface="AdobeClean-Light"/>
                         </a:rPr>
-                        <a:t>Named Support Engineer</a:t>
+                        <a:t>Ingénieur d’assistance nommé</a:t>
                       </a:r>
-                      <a:endParaRPr sz="900" spc="0" dirty="0">
-                        <a:latin typeface="AdobeClean-Light"/>
-                        <a:cs typeface="AdobeClean-Light"/>
-                      </a:endParaRPr>
                     </a:p>
                   </a:txBody>
                   <a:tcPr marL="0" marR="0" marT="58419" marB="0">
@@ -5793,7 +4884,7 @@
                     <a:bodyPr/>
                     <a:lstStyle/>
                     <a:p>
-                      <a:pPr algn="ctr">
+                      <a:pPr algn="l" rtl="0">
                         <a:lnSpc>
                           <a:spcPct val="100000"/>
                         </a:lnSpc>
@@ -5840,7 +4931,7 @@
                         <a:defRPr/>
                       </a:pPr>
                       <a:r>
-                        <a:rPr lang="en-US" sz="900" dirty="0">
+                        <a:rPr lang="fr-FR" sz="900">
                           <a:solidFill>
                             <a:srgbClr val="020302"/>
                           </a:solidFill>
@@ -5849,10 +4940,6 @@
                         </a:rPr>
                         <a:t></a:t>
                       </a:r>
-                      <a:endParaRPr lang="en-US" sz="900" dirty="0">
-                        <a:latin typeface="Wingdings"/>
-                        <a:cs typeface="Wingdings"/>
-                      </a:endParaRPr>
                     </a:p>
                   </a:txBody>
                   <a:tcPr marL="0" marR="0" marT="0" marB="0" anchor="ctr">
@@ -5875,7 +4962,7 @@
                     <a:bodyPr/>
                     <a:lstStyle/>
                     <a:p>
-                      <a:pPr marL="50800">
+                      <a:pPr marL="50800" algn="l" rtl="0">
                         <a:lnSpc>
                           <a:spcPct val="100000"/>
                         </a:lnSpc>
@@ -5933,19 +5020,15 @@
                         </a:spcBef>
                       </a:pPr>
                       <a:r>
-                        <a:rPr sz="900" spc="0" dirty="0">
+                        <a:rPr lang="fr-FR" sz="900">
                           <a:solidFill>
                             <a:srgbClr val="020302"/>
                           </a:solidFill>
                           <a:latin typeface="AdobeClean-Light"/>
                           <a:cs typeface="AdobeClean-Light"/>
                         </a:rPr>
-                        <a:t>Technical Account Manager</a:t>
+                        <a:t>Gestionnaire de compte technique</a:t>
                       </a:r>
-                      <a:endParaRPr sz="900" spc="0" dirty="0">
-                        <a:latin typeface="AdobeClean-Light"/>
-                        <a:cs typeface="AdobeClean-Light"/>
-                      </a:endParaRPr>
                     </a:p>
                   </a:txBody>
                   <a:tcPr marL="0" marR="0" marT="63500" marB="0">
@@ -5974,7 +5057,7 @@
                     <a:bodyPr/>
                     <a:lstStyle/>
                     <a:p>
-                      <a:pPr algn="ctr">
+                      <a:pPr algn="l" rtl="0">
                         <a:lnSpc>
                           <a:spcPct val="100000"/>
                         </a:lnSpc>
@@ -6012,7 +5095,7 @@
                     <a:bodyPr/>
                     <a:lstStyle/>
                     <a:p>
-                      <a:pPr algn="ctr">
+                      <a:pPr algn="l" rtl="0">
                         <a:lnSpc>
                           <a:spcPct val="100000"/>
                         </a:lnSpc>
@@ -6063,22 +5146,15 @@
                         </a:spcBef>
                       </a:pPr>
                       <a:r>
-                        <a:rPr lang="en-US" sz="1000" b="1" i="0" spc="0" dirty="0">
+                        <a:rPr lang="fr-FR" sz="1000" b="1" i="0">
                           <a:solidFill>
                             <a:schemeClr val="bg1"/>
                           </a:solidFill>
                           <a:latin typeface="Adobe Clean"/>
                           <a:cs typeface="AdobeClean-Light"/>
                         </a:rPr>
-                        <a:t>Support Services</a:t>
+                        <a:t>Services d’assistance</a:t>
                       </a:r>
-                      <a:endParaRPr sz="1000" b="1" i="0" spc="0" dirty="0">
-                        <a:solidFill>
-                          <a:schemeClr val="bg1"/>
-                        </a:solidFill>
-                        <a:latin typeface="Adobe Clean"/>
-                        <a:cs typeface="AdobeClean-Light"/>
-                      </a:endParaRPr>
                     </a:p>
                   </a:txBody>
                   <a:tcPr marL="0" marR="0" marT="57150" marB="0" anchor="ctr">
@@ -6134,29 +5210,15 @@
                         </a:spcBef>
                       </a:pPr>
                       <a:r>
-                        <a:rPr lang="en-US" sz="900" spc="0" dirty="0">
+                        <a:rPr lang="fr-FR" sz="900">
                           <a:solidFill>
                             <a:srgbClr val="020302"/>
                           </a:solidFill>
                           <a:latin typeface="AdobeClean-Light"/>
                           <a:cs typeface="AdobeClean-Light"/>
                         </a:rPr>
-                        <a:t>Online</a:t>
+                        <a:t>Assistance en ligne</a:t>
                       </a:r>
-                      <a:r>
-                        <a:rPr sz="900" spc="0" dirty="0">
-                          <a:solidFill>
-                            <a:srgbClr val="020302"/>
-                          </a:solidFill>
-                          <a:latin typeface="AdobeClean-Light"/>
-                          <a:cs typeface="AdobeClean-Light"/>
-                        </a:rPr>
-                        <a:t> Support</a:t>
-                      </a:r>
-                      <a:endParaRPr sz="900" spc="0" dirty="0">
-                        <a:latin typeface="AdobeClean-Light"/>
-                        <a:cs typeface="AdobeClean-Light"/>
-                      </a:endParaRPr>
                     </a:p>
                   </a:txBody>
                   <a:tcPr marL="0" marR="0" marT="57150" marB="0">
@@ -6194,39 +5256,15 @@
                         </a:spcBef>
                       </a:pPr>
                       <a:r>
-                        <a:rPr sz="900" spc="-25" dirty="0">
+                        <a:rPr lang="fr-FR" sz="900">
                           <a:solidFill>
                             <a:srgbClr val="020302"/>
                           </a:solidFill>
                           <a:latin typeface="AdobeClean-Light"/>
                           <a:cs typeface="AdobeClean-Light"/>
                         </a:rPr>
-                        <a:t>Business</a:t>
+                        <a:t>Heures d’ouverture</a:t>
                       </a:r>
-                      <a:r>
-                        <a:rPr sz="900" spc="-15" dirty="0">
-                          <a:solidFill>
-                            <a:srgbClr val="020302"/>
-                          </a:solidFill>
-                          <a:latin typeface="AdobeClean-Light"/>
-                          <a:cs typeface="AdobeClean-Light"/>
-                        </a:rPr>
-                        <a:t> </a:t>
-                      </a:r>
-                      <a:r>
-                        <a:rPr sz="900" spc="-30" dirty="0">
-                          <a:solidFill>
-                            <a:srgbClr val="020302"/>
-                          </a:solidFill>
-                          <a:latin typeface="AdobeClean-Light"/>
-                          <a:cs typeface="AdobeClean-Light"/>
-                        </a:rPr>
-                        <a:t>hours</a:t>
-                      </a:r>
-                      <a:endParaRPr sz="900" dirty="0">
-                        <a:latin typeface="AdobeClean-Light"/>
-                        <a:cs typeface="AdobeClean-Light"/>
-                      </a:endParaRPr>
                     </a:p>
                   </a:txBody>
                   <a:tcPr marL="0" marR="0" marT="67945" marB="0">
@@ -6265,7 +5303,7 @@
                         </a:spcBef>
                       </a:pPr>
                       <a:r>
-                        <a:rPr lang="en-US" sz="900" spc="-25" dirty="0">
+                        <a:rPr lang="fr-FR" sz="900">
                           <a:solidFill>
                             <a:srgbClr val="020302"/>
                           </a:solidFill>
@@ -6274,10 +5312,6 @@
                         </a:rPr>
                         <a:t>24x5</a:t>
                       </a:r>
-                      <a:endParaRPr sz="900" dirty="0">
-                        <a:latin typeface="AdobeClean-Light"/>
-                        <a:cs typeface="AdobeClean-Light"/>
-                      </a:endParaRPr>
                     </a:p>
                   </a:txBody>
                   <a:tcPr marL="0" marR="0" marT="67945" marB="0">
@@ -6311,7 +5345,7 @@
                     <a:bodyPr/>
                     <a:lstStyle/>
                     <a:p>
-                      <a:pPr marL="50800">
+                      <a:pPr marL="50800" algn="l" rtl="0">
                         <a:lnSpc>
                           <a:spcPct val="100000"/>
                         </a:lnSpc>
@@ -6360,39 +5394,15 @@
                         </a:spcBef>
                       </a:pPr>
                       <a:r>
-                        <a:rPr sz="900" spc="0" dirty="0">
+                        <a:rPr lang="fr-FR" sz="900">
                           <a:solidFill>
                             <a:srgbClr val="020302"/>
                           </a:solidFill>
                           <a:latin typeface="AdobeClean-Light"/>
                           <a:cs typeface="AdobeClean-Light"/>
                         </a:rPr>
-                        <a:t>24x7</a:t>
+                        <a:t>Assistance en cas de problèmes P1 24x7x365</a:t>
                       </a:r>
-                      <a:r>
-                        <a:rPr lang="en-US" sz="900" spc="0" dirty="0">
-                          <a:solidFill>
-                            <a:srgbClr val="020302"/>
-                          </a:solidFill>
-                          <a:latin typeface="AdobeClean-Light"/>
-                          <a:cs typeface="AdobeClean-Light"/>
-                        </a:rPr>
-                        <a:t>x365</a:t>
-                      </a:r>
-                      <a:r>
-                        <a:rPr sz="900" spc="0" dirty="0">
-                          <a:solidFill>
-                            <a:srgbClr val="020302"/>
-                          </a:solidFill>
-                          <a:latin typeface="AdobeClean-Light"/>
-                          <a:cs typeface="AdobeClean-Light"/>
-                        </a:rPr>
-                        <a:t> P1 Issue Support</a:t>
-                      </a:r>
-                      <a:endParaRPr sz="900" spc="0" dirty="0">
-                        <a:latin typeface="AdobeClean-Light"/>
-                        <a:cs typeface="AdobeClean-Light"/>
-                      </a:endParaRPr>
                     </a:p>
                   </a:txBody>
                   <a:tcPr marL="0" marR="0" marT="57785" marB="0">
@@ -6424,7 +5434,7 @@
                         </a:spcBef>
                       </a:pPr>
                       <a:r>
-                        <a:rPr sz="900" dirty="0">
+                        <a:rPr lang="fr-FR" sz="900">
                           <a:solidFill>
                             <a:srgbClr val="020302"/>
                           </a:solidFill>
@@ -6433,10 +5443,6 @@
                         </a:rPr>
                         <a:t></a:t>
                       </a:r>
-                      <a:endParaRPr sz="900" dirty="0">
-                        <a:latin typeface="Wingdings"/>
-                        <a:cs typeface="Wingdings"/>
-                      </a:endParaRPr>
                     </a:p>
                   </a:txBody>
                   <a:tcPr marL="0" marR="0" marT="58419" marB="0">
@@ -6466,7 +5472,7 @@
                         </a:spcBef>
                       </a:pPr>
                       <a:r>
-                        <a:rPr sz="900" dirty="0">
+                        <a:rPr lang="fr-FR" sz="900">
                           <a:solidFill>
                             <a:srgbClr val="020302"/>
                           </a:solidFill>
@@ -6475,10 +5481,6 @@
                         </a:rPr>
                         <a:t></a:t>
                       </a:r>
-                      <a:endParaRPr sz="900" dirty="0">
-                        <a:latin typeface="Wingdings"/>
-                        <a:cs typeface="Wingdings"/>
-                      </a:endParaRPr>
                     </a:p>
                   </a:txBody>
                   <a:tcPr marL="0" marR="0" marT="58419" marB="0">
@@ -6501,7 +5503,7 @@
                     <a:bodyPr/>
                     <a:lstStyle/>
                     <a:p>
-                      <a:pPr marL="50800">
+                      <a:pPr marL="50800" algn="l" rtl="0">
                         <a:lnSpc>
                           <a:spcPct val="100000"/>
                         </a:lnSpc>
@@ -6559,19 +5561,15 @@
                         </a:spcBef>
                       </a:pPr>
                       <a:r>
-                        <a:rPr lang="en-US" sz="900" spc="0" dirty="0">
+                        <a:rPr lang="fr-FR" sz="900">
                           <a:solidFill>
                             <a:srgbClr val="020302"/>
                           </a:solidFill>
                           <a:latin typeface="AdobeClean-Light"/>
                           <a:cs typeface="AdobeClean-Light"/>
                         </a:rPr>
-                        <a:t>Named Support Contacts (per product)</a:t>
+                        <a:t>Contacts d’assistance nommés (par produit)</a:t>
                       </a:r>
-                      <a:endParaRPr sz="900" spc="0" dirty="0">
-                        <a:latin typeface="AdobeClean-Light"/>
-                        <a:cs typeface="AdobeClean-Light"/>
-                      </a:endParaRPr>
                     </a:p>
                   </a:txBody>
                   <a:tcPr marL="0" marR="0" marT="57785" marB="0">
@@ -6609,7 +5607,7 @@
                         </a:spcBef>
                       </a:pPr>
                       <a:r>
-                        <a:rPr sz="900" dirty="0">
+                        <a:rPr lang="fr-FR" sz="900">
                           <a:solidFill>
                             <a:srgbClr val="020302"/>
                           </a:solidFill>
@@ -6618,10 +5616,6 @@
                         </a:rPr>
                         <a:t>4</a:t>
                       </a:r>
-                      <a:endParaRPr sz="900" dirty="0">
-                        <a:latin typeface="AdobeClean-Light"/>
-                        <a:cs typeface="AdobeClean-Light"/>
-                      </a:endParaRPr>
                     </a:p>
                   </a:txBody>
                   <a:tcPr marL="0" marR="0" marT="57785" marB="0">
@@ -6651,7 +5645,7 @@
                         </a:spcBef>
                       </a:pPr>
                       <a:r>
-                        <a:rPr lang="en-US" sz="900" dirty="0">
+                        <a:rPr lang="fr-FR" sz="900">
                           <a:solidFill>
                             <a:srgbClr val="020302"/>
                           </a:solidFill>
@@ -6660,10 +5654,6 @@
                         </a:rPr>
                         <a:t>10</a:t>
                       </a:r>
-                      <a:endParaRPr sz="900" dirty="0">
-                        <a:latin typeface="AdobeClean-Light"/>
-                        <a:cs typeface="AdobeClean-Light"/>
-                      </a:endParaRPr>
                     </a:p>
                   </a:txBody>
                   <a:tcPr marL="0" marR="0" marT="57785" marB="0">
@@ -6686,7 +5676,7 @@
                     <a:bodyPr/>
                     <a:lstStyle/>
                     <a:p>
-                      <a:pPr marL="50800">
+                      <a:pPr marL="50800" algn="l" rtl="0">
                         <a:lnSpc>
                           <a:spcPct val="100000"/>
                         </a:lnSpc>
@@ -6735,19 +5725,15 @@
                         </a:spcBef>
                       </a:pPr>
                       <a:r>
-                        <a:rPr lang="en-US" sz="900" spc="0" dirty="0">
+                        <a:rPr lang="fr-FR" sz="900">
                           <a:solidFill>
                             <a:srgbClr val="020302"/>
                           </a:solidFill>
                           <a:latin typeface="AdobeClean-Light"/>
                           <a:cs typeface="AdobeClean-Light"/>
                         </a:rPr>
-                        <a:t>Live Telephone Support</a:t>
+                        <a:t>Assistance téléphonique en direct</a:t>
                       </a:r>
-                      <a:endParaRPr sz="900" spc="0" dirty="0">
-                        <a:latin typeface="AdobeClean-Light"/>
-                        <a:cs typeface="AdobeClean-Light"/>
-                      </a:endParaRPr>
                     </a:p>
                   </a:txBody>
                   <a:tcPr marL="0" marR="0" marT="57785" marB="0">
@@ -6770,7 +5756,7 @@
                     <a:bodyPr/>
                     <a:lstStyle/>
                     <a:p>
-                      <a:pPr algn="ctr">
+                      <a:pPr algn="l" rtl="0">
                         <a:lnSpc>
                           <a:spcPct val="100000"/>
                         </a:lnSpc>
@@ -6811,7 +5797,7 @@
                         </a:spcBef>
                       </a:pPr>
                       <a:r>
-                        <a:rPr sz="900" dirty="0">
+                        <a:rPr lang="fr-FR" sz="900">
                           <a:solidFill>
                             <a:srgbClr val="020302"/>
                           </a:solidFill>
@@ -6820,10 +5806,6 @@
                         </a:rPr>
                         <a:t></a:t>
                       </a:r>
-                      <a:endParaRPr sz="900" dirty="0">
-                        <a:latin typeface="Wingdings"/>
-                        <a:cs typeface="Wingdings"/>
-                      </a:endParaRPr>
                     </a:p>
                   </a:txBody>
                   <a:tcPr marL="0" marR="0" marT="59054" marB="0">
@@ -6846,7 +5828,7 @@
                     <a:bodyPr/>
                     <a:lstStyle/>
                     <a:p>
-                      <a:pPr marL="50800">
+                      <a:pPr marL="50800" algn="l" rtl="0">
                         <a:lnSpc>
                           <a:spcPct val="100000"/>
                         </a:lnSpc>
@@ -6895,19 +5877,15 @@
                         </a:spcBef>
                       </a:pPr>
                       <a:r>
-                        <a:rPr sz="900" spc="0" dirty="0">
+                        <a:rPr lang="fr-FR" sz="900">
                           <a:solidFill>
                             <a:srgbClr val="020302"/>
                           </a:solidFill>
                           <a:latin typeface="AdobeClean-Light"/>
                           <a:cs typeface="AdobeClean-Light"/>
                         </a:rPr>
-                        <a:t>Escalation Management</a:t>
+                        <a:t>Gestion des remontées d’informations</a:t>
                       </a:r>
-                      <a:endParaRPr sz="900" spc="0" dirty="0">
-                        <a:latin typeface="AdobeClean-Light"/>
-                        <a:cs typeface="AdobeClean-Light"/>
-                      </a:endParaRPr>
                     </a:p>
                   </a:txBody>
                   <a:tcPr marL="0" marR="0" marT="58419" marB="0">
@@ -6930,7 +5908,7 @@
                     <a:bodyPr/>
                     <a:lstStyle/>
                     <a:p>
-                      <a:pPr algn="ctr">
+                      <a:pPr algn="l" rtl="0">
                         <a:lnSpc>
                           <a:spcPct val="100000"/>
                         </a:lnSpc>
@@ -6971,7 +5949,7 @@
                         </a:spcBef>
                       </a:pPr>
                       <a:r>
-                        <a:rPr sz="900" dirty="0">
+                        <a:rPr lang="fr-FR" sz="900">
                           <a:solidFill>
                             <a:srgbClr val="020302"/>
                           </a:solidFill>
@@ -6980,10 +5958,6 @@
                         </a:rPr>
                         <a:t></a:t>
                       </a:r>
-                      <a:endParaRPr sz="900" dirty="0">
-                        <a:latin typeface="Wingdings"/>
-                        <a:cs typeface="Wingdings"/>
-                      </a:endParaRPr>
                     </a:p>
                   </a:txBody>
                   <a:tcPr marL="0" marR="0" marT="59690" marB="0">
@@ -7006,7 +5980,7 @@
                     <a:bodyPr/>
                     <a:lstStyle/>
                     <a:p>
-                      <a:pPr marL="50800">
+                      <a:pPr marL="50800" algn="l" rtl="0">
                         <a:lnSpc>
                           <a:spcPct val="100000"/>
                         </a:lnSpc>
@@ -7055,29 +6029,15 @@
                         </a:spcBef>
                       </a:pPr>
                       <a:r>
-                        <a:rPr sz="900" spc="0" dirty="0">
+                        <a:rPr lang="fr-FR" sz="900" dirty="0">
                           <a:solidFill>
                             <a:srgbClr val="020302"/>
                           </a:solidFill>
                           <a:latin typeface="AdobeClean-Light"/>
                           <a:cs typeface="AdobeClean-Light"/>
                         </a:rPr>
-                        <a:t>Service Reviews </a:t>
+                        <a:t>Examens de service par an</a:t>
                       </a:r>
-                      <a:r>
-                        <a:rPr lang="en-US" sz="900" spc="0" dirty="0">
-                          <a:solidFill>
-                            <a:srgbClr val="020302"/>
-                          </a:solidFill>
-                          <a:latin typeface="AdobeClean-Light"/>
-                          <a:cs typeface="AdobeClean-Light"/>
-                        </a:rPr>
-                        <a:t>per Year</a:t>
-                      </a:r>
-                      <a:endParaRPr sz="900" spc="0" dirty="0">
-                        <a:latin typeface="AdobeClean-Light"/>
-                        <a:cs typeface="AdobeClean-Light"/>
-                      </a:endParaRPr>
                     </a:p>
                   </a:txBody>
                   <a:tcPr marL="0" marR="0" marT="57150" marB="0">
@@ -7100,7 +6060,7 @@
                     <a:bodyPr/>
                     <a:lstStyle/>
                     <a:p>
-                      <a:pPr>
+                      <a:pPr algn="l" rtl="0">
                         <a:lnSpc>
                           <a:spcPct val="100000"/>
                         </a:lnSpc>
@@ -7135,16 +6095,12 @@
                         </a:lnSpc>
                       </a:pPr>
                       <a:r>
-                        <a:rPr lang="en-US" sz="900" dirty="0">
+                        <a:rPr lang="fr-FR" sz="900">
                           <a:latin typeface="Times New Roman"/>
                           <a:cs typeface="Times New Roman"/>
                         </a:rPr>
                         <a:t>2</a:t>
                       </a:r>
-                      <a:endParaRPr sz="900" dirty="0">
-                        <a:latin typeface="Times New Roman"/>
-                        <a:cs typeface="Times New Roman"/>
-                      </a:endParaRPr>
                     </a:p>
                   </a:txBody>
                   <a:tcPr marL="0" marR="0" marT="0" marB="0">
@@ -7186,16 +6142,12 @@
                         </a:spcBef>
                       </a:pPr>
                       <a:r>
-                        <a:rPr lang="en-US" sz="900" spc="0" dirty="0">
+                        <a:rPr lang="fr-FR" sz="900">
                           <a:latin typeface="AdobeClean-Light"/>
                           <a:cs typeface="AdobeClean-Light"/>
                         </a:rPr>
-                        <a:t>Expert Sessions per Year</a:t>
+                        <a:t>Sessions d’experts par an</a:t>
                       </a:r>
-                      <a:endParaRPr sz="900" spc="0" dirty="0">
-                        <a:latin typeface="AdobeClean-Light"/>
-                        <a:cs typeface="AdobeClean-Light"/>
-                      </a:endParaRPr>
                     </a:p>
                   </a:txBody>
                   <a:tcPr marL="0" marR="0" marT="57150" marB="0">
@@ -7224,7 +6176,7 @@
                     <a:bodyPr/>
                     <a:lstStyle/>
                     <a:p>
-                      <a:pPr>
+                      <a:pPr algn="l" rtl="0">
                         <a:lnSpc>
                           <a:spcPct val="100000"/>
                         </a:lnSpc>
@@ -7259,16 +6211,12 @@
                         </a:lnSpc>
                       </a:pPr>
                       <a:r>
-                        <a:rPr lang="en-US" sz="900" dirty="0">
+                        <a:rPr lang="fr-FR" sz="900">
                           <a:latin typeface="Times New Roman"/>
                           <a:cs typeface="Times New Roman"/>
                         </a:rPr>
                         <a:t>2</a:t>
                       </a:r>
-                      <a:endParaRPr sz="900" dirty="0">
-                        <a:latin typeface="Times New Roman"/>
-                        <a:cs typeface="Times New Roman"/>
-                      </a:endParaRPr>
                     </a:p>
                   </a:txBody>
                   <a:tcPr marL="0" marR="0" marT="0" marB="0">
@@ -7310,16 +6258,12 @@
                         </a:spcBef>
                       </a:pPr>
                       <a:r>
-                        <a:rPr lang="en-US" sz="900" spc="0" dirty="0">
+                        <a:rPr lang="fr-FR" sz="900">
                           <a:latin typeface="AdobeClean-Light"/>
                           <a:cs typeface="AdobeClean-Light"/>
                         </a:rPr>
-                        <a:t>Case Reviews</a:t>
+                        <a:t>Examens de cas</a:t>
                       </a:r>
-                      <a:endParaRPr sz="900" spc="0" dirty="0">
-                        <a:latin typeface="AdobeClean-Light"/>
-                        <a:cs typeface="AdobeClean-Light"/>
-                      </a:endParaRPr>
                     </a:p>
                   </a:txBody>
                   <a:tcPr marL="0" marR="0" marT="57150" marB="0">
@@ -7348,7 +6292,7 @@
                     <a:bodyPr/>
                     <a:lstStyle/>
                     <a:p>
-                      <a:pPr>
+                      <a:pPr algn="l" rtl="0">
                         <a:lnSpc>
                           <a:spcPct val="100000"/>
                         </a:lnSpc>
@@ -7395,7 +6339,7 @@
                         <a:defRPr/>
                       </a:pPr>
                       <a:r>
-                        <a:rPr lang="en-US" sz="900" dirty="0">
+                        <a:rPr lang="fr-FR" sz="900">
                           <a:solidFill>
                             <a:srgbClr val="020302"/>
                           </a:solidFill>
@@ -7404,10 +6348,6 @@
                         </a:rPr>
                         <a:t></a:t>
                       </a:r>
-                      <a:endParaRPr lang="en-US" sz="900" dirty="0">
-                        <a:latin typeface="Wingdings"/>
-                        <a:cs typeface="Wingdings"/>
-                      </a:endParaRPr>
                     </a:p>
                   </a:txBody>
                   <a:tcPr marL="0" marR="0" marT="0" marB="0">
@@ -7430,7 +6370,7 @@
                     <a:bodyPr/>
                     <a:lstStyle/>
                     <a:p>
-                      <a:pPr marL="48895">
+                      <a:pPr marL="48895" algn="l" rtl="0">
                         <a:lnSpc>
                           <a:spcPct val="100000"/>
                         </a:lnSpc>
@@ -7488,29 +6428,15 @@
                         </a:spcBef>
                       </a:pPr>
                       <a:r>
-                        <a:rPr sz="900" spc="0" dirty="0">
+                        <a:rPr lang="fr-FR" sz="900">
                           <a:solidFill>
                             <a:srgbClr val="020302"/>
                           </a:solidFill>
                           <a:latin typeface="AdobeClean-Light"/>
                           <a:cs typeface="AdobeClean-Light"/>
                         </a:rPr>
-                        <a:t>Event </a:t>
+                        <a:t>Gestion des événements</a:t>
                       </a:r>
-                      <a:r>
-                        <a:rPr lang="en-US" sz="900" spc="0" dirty="0">
-                          <a:solidFill>
-                            <a:srgbClr val="020302"/>
-                          </a:solidFill>
-                          <a:latin typeface="AdobeClean-Light"/>
-                          <a:cs typeface="AdobeClean-Light"/>
-                        </a:rPr>
-                        <a:t>Management</a:t>
-                      </a:r>
-                      <a:endParaRPr sz="900" spc="0" dirty="0">
-                        <a:latin typeface="AdobeClean-Light"/>
-                        <a:cs typeface="AdobeClean-Light"/>
-                      </a:endParaRPr>
                     </a:p>
                   </a:txBody>
                   <a:tcPr marL="0" marR="0" marT="58419" marB="0">
@@ -7539,7 +6465,7 @@
                     <a:bodyPr/>
                     <a:lstStyle/>
                     <a:p>
-                      <a:pPr>
+                      <a:pPr algn="l" rtl="0">
                         <a:lnSpc>
                           <a:spcPct val="100000"/>
                         </a:lnSpc>
@@ -7568,7 +6494,7 @@
                     <a:bodyPr/>
                     <a:lstStyle/>
                     <a:p>
-                      <a:pPr>
+                      <a:pPr algn="l" rtl="0">
                         <a:lnSpc>
                           <a:spcPct val="100000"/>
                         </a:lnSpc>
@@ -7599,7 +6525,7 @@
                     <a:bodyPr/>
                     <a:lstStyle/>
                     <a:p>
-                      <a:pPr marL="48895">
+                      <a:pPr marL="48895" algn="l" rtl="0">
                         <a:lnSpc>
                           <a:spcPct val="100000"/>
                         </a:lnSpc>
@@ -7648,39 +6574,15 @@
                         </a:spcBef>
                       </a:pPr>
                       <a:r>
-                        <a:rPr sz="900" spc="0" dirty="0">
+                        <a:rPr lang="fr-FR" sz="900">
                           <a:solidFill>
                             <a:srgbClr val="020302"/>
                           </a:solidFill>
                           <a:latin typeface="AdobeClean-Light"/>
                           <a:cs typeface="AdobeClean-Light"/>
                         </a:rPr>
-                        <a:t>Environment</a:t>
+                        <a:t>Examen, maintenance et surveillance de l’environnement</a:t>
                       </a:r>
-                      <a:r>
-                        <a:rPr lang="en-US" sz="900" spc="0" dirty="0">
-                          <a:solidFill>
-                            <a:srgbClr val="020302"/>
-                          </a:solidFill>
-                          <a:latin typeface="AdobeClean-Light"/>
-                          <a:cs typeface="AdobeClean-Light"/>
-                        </a:rPr>
-                        <a:t> </a:t>
-                      </a:r>
-                      <a:r>
-                        <a:rPr sz="900" spc="0" dirty="0">
-                          <a:solidFill>
-                            <a:srgbClr val="020302"/>
-                          </a:solidFill>
-                          <a:latin typeface="AdobeClean-Light"/>
-                          <a:cs typeface="AdobeClean-Light"/>
-                        </a:rPr>
-                        <a:t>Review, Maintenance &amp; Monitoring</a:t>
-                      </a:r>
-                      <a:endParaRPr sz="900" spc="0" dirty="0">
-                        <a:latin typeface="AdobeClean-Light"/>
-                        <a:cs typeface="AdobeClean-Light"/>
-                      </a:endParaRPr>
                     </a:p>
                   </a:txBody>
                   <a:tcPr marL="0" marR="0" marT="59055" marB="0">
@@ -7703,7 +6605,7 @@
                     <a:bodyPr/>
                     <a:lstStyle/>
                     <a:p>
-                      <a:pPr>
+                      <a:pPr algn="l" rtl="0">
                         <a:lnSpc>
                           <a:spcPct val="100000"/>
                         </a:lnSpc>
@@ -7732,7 +6634,7 @@
                     <a:bodyPr/>
                     <a:lstStyle/>
                     <a:p>
-                      <a:pPr>
+                      <a:pPr algn="l" rtl="0">
                         <a:lnSpc>
                           <a:spcPct val="100000"/>
                         </a:lnSpc>
@@ -7763,7 +6665,7 @@
                     <a:bodyPr/>
                     <a:lstStyle/>
                     <a:p>
-                      <a:pPr marL="49530">
+                      <a:pPr marL="49530" algn="l" rtl="0">
                         <a:lnSpc>
                           <a:spcPct val="100000"/>
                         </a:lnSpc>
@@ -7812,19 +6714,15 @@
                         </a:spcBef>
                       </a:pPr>
                       <a:r>
-                        <a:rPr sz="900" spc="0" dirty="0">
+                        <a:rPr lang="fr-FR" sz="900">
                           <a:solidFill>
                             <a:srgbClr val="020302"/>
                           </a:solidFill>
                           <a:latin typeface="AdobeClean-Light"/>
                           <a:cs typeface="AdobeClean-Light"/>
                         </a:rPr>
-                        <a:t>Release, Migration, Upgrade &amp; Product Roadmap Review</a:t>
+                        <a:t>Version, migration, mise à niveau et examen de la feuille de route du produit</a:t>
                       </a:r>
-                      <a:endParaRPr sz="900" spc="0" dirty="0">
-                        <a:latin typeface="AdobeClean-Light"/>
-                        <a:cs typeface="AdobeClean-Light"/>
-                      </a:endParaRPr>
                     </a:p>
                   </a:txBody>
                   <a:tcPr marL="0" marR="0" marT="63500" marB="0">
@@ -7847,7 +6745,7 @@
                     <a:bodyPr/>
                     <a:lstStyle/>
                     <a:p>
-                      <a:pPr>
+                      <a:pPr algn="l" rtl="0">
                         <a:lnSpc>
                           <a:spcPct val="100000"/>
                         </a:lnSpc>
@@ -7876,7 +6774,7 @@
                     <a:bodyPr/>
                     <a:lstStyle/>
                     <a:p>
-                      <a:pPr>
+                      <a:pPr algn="l" rtl="0">
                         <a:lnSpc>
                           <a:spcPct val="100000"/>
                         </a:lnSpc>
@@ -7907,7 +6805,7 @@
                     <a:bodyPr/>
                     <a:lstStyle/>
                     <a:p>
-                      <a:pPr marL="49530">
+                      <a:pPr marL="49530" algn="l" rtl="0">
                         <a:lnSpc>
                           <a:spcPct val="100000"/>
                         </a:lnSpc>
@@ -7965,11 +6863,11 @@
                         </a:spcBef>
                       </a:pPr>
                       <a:r>
-                        <a:rPr sz="900" spc="0" dirty="0">
+                        <a:rPr lang="fr-FR" sz="900">
                           <a:latin typeface="AdobeClean-Light"/>
                           <a:cs typeface="AdobeClean-Light"/>
                         </a:rPr>
-                        <a:t>Cloud Support Activities – Experience Manager as Cloud</a:t>
+                        <a:t>Activités d’assistance dans le Cloud - Experience Manager as Cloud</a:t>
                       </a:r>
                     </a:p>
                   </a:txBody>
@@ -7999,7 +6897,7 @@
                     <a:bodyPr/>
                     <a:lstStyle/>
                     <a:p>
-                      <a:pPr>
+                      <a:pPr algn="l" rtl="0">
                         <a:lnSpc>
                           <a:spcPct val="100000"/>
                         </a:lnSpc>
@@ -8055,7 +6953,7 @@
                         <a:defRPr/>
                       </a:pPr>
                       <a:r>
-                        <a:rPr lang="en-US" sz="900" dirty="0">
+                        <a:rPr lang="fr-FR" sz="900">
                           <a:solidFill>
                             <a:srgbClr val="020302"/>
                           </a:solidFill>
@@ -8064,13 +6962,9 @@
                         </a:rPr>
                         <a:t></a:t>
                       </a:r>
-                      <a:endParaRPr lang="en-US" sz="900" dirty="0">
-                        <a:latin typeface="Wingdings"/>
-                        <a:cs typeface="Wingdings"/>
-                      </a:endParaRPr>
                     </a:p>
                     <a:p>
-                      <a:pPr marL="0" marR="0" lvl="0" indent="0" algn="ctr" defTabSz="914400" eaLnBrk="1" fontAlgn="auto" latinLnBrk="0" hangingPunct="1">
+                      <a:pPr marL="0" marR="0" lvl="0" indent="0" algn="l" defTabSz="914400" rtl="0" eaLnBrk="1" fontAlgn="auto" latinLnBrk="0" hangingPunct="1">
                         <a:lnSpc>
                           <a:spcPct val="100000"/>
                         </a:lnSpc>
@@ -8133,22 +7027,15 @@
                         </a:spcBef>
                       </a:pPr>
                       <a:r>
-                        <a:rPr lang="en-US" sz="1000" b="1" i="0" spc="0" dirty="0">
+                        <a:rPr lang="fr-FR" sz="1000" b="1" i="0">
                           <a:solidFill>
                             <a:schemeClr val="bg1"/>
                           </a:solidFill>
                           <a:latin typeface="Adobe Clean"/>
                           <a:cs typeface="AdobeClean-Light"/>
                         </a:rPr>
-                        <a:t>Field Services</a:t>
+                        <a:t>Services de terrain</a:t>
                       </a:r>
-                      <a:endParaRPr sz="1000" b="1" i="0" spc="0" dirty="0">
-                        <a:solidFill>
-                          <a:schemeClr val="bg1"/>
-                        </a:solidFill>
-                        <a:latin typeface="Adobe Clean"/>
-                        <a:cs typeface="AdobeClean-Light"/>
-                      </a:endParaRPr>
                     </a:p>
                   </a:txBody>
                   <a:tcPr marL="0" marR="0" marT="48260" marB="0" anchor="ctr">
@@ -8201,14 +7088,14 @@
                         </a:spcBef>
                       </a:pPr>
                       <a:r>
-                        <a:rPr sz="900" spc="0" dirty="0">
+                        <a:rPr lang="fr-FR" sz="900">
                           <a:solidFill>
                             <a:srgbClr val="020302"/>
                           </a:solidFill>
                           <a:latin typeface="AdobeClean-Light"/>
                           <a:cs typeface="AdobeClean-Light"/>
                         </a:rPr>
-                        <a:t>Launch Advisory Services – First Year of new solution</a:t>
+                        <a:t>Services Launch Advisory - Première année de la nouvelle solution</a:t>
                       </a:r>
                     </a:p>
                   </a:txBody>
@@ -8248,7 +7135,7 @@
                     <a:bodyPr/>
                     <a:lstStyle/>
                     <a:p>
-                      <a:pPr>
+                      <a:pPr algn="l" rtl="0">
                         <a:lnSpc>
                           <a:spcPct val="100000"/>
                         </a:lnSpc>
@@ -8304,7 +7191,7 @@
                         <a:defRPr/>
                       </a:pPr>
                       <a:r>
-                        <a:rPr lang="en-US" sz="900" dirty="0">
+                        <a:rPr lang="fr-FR" sz="900">
                           <a:solidFill>
                             <a:srgbClr val="020302"/>
                           </a:solidFill>
@@ -8313,10 +7200,6 @@
                         </a:rPr>
                         <a:t></a:t>
                       </a:r>
-                      <a:endParaRPr lang="en-US" sz="900" dirty="0">
-                        <a:latin typeface="Wingdings"/>
-                        <a:cs typeface="Wingdings"/>
-                      </a:endParaRPr>
                     </a:p>
                   </a:txBody>
                   <a:tcPr marL="0" marR="0" marT="0" marB="0">
@@ -8437,7 +7320,7 @@
                         <a:defRPr/>
                       </a:pPr>
                       <a:r>
-                        <a:rPr lang="en-US" sz="900" dirty="0">
+                        <a:rPr lang="fr-FR" sz="900">
                           <a:solidFill>
                             <a:srgbClr val="020302"/>
                           </a:solidFill>
@@ -8446,10 +7329,6 @@
                         </a:rPr>
                         <a:t></a:t>
                       </a:r>
-                      <a:endParaRPr lang="en-US" sz="900" dirty="0">
-                        <a:latin typeface="Wingdings"/>
-                        <a:cs typeface="Wingdings"/>
-                      </a:endParaRPr>
                     </a:p>
                   </a:txBody>
                   <a:tcPr marL="0" marR="0" marT="0" marB="0">
@@ -8504,11 +7383,11 @@
                         <a:buNone/>
                       </a:pPr>
                       <a:r>
-                        <a:rPr lang="en-US" sz="900" spc="0" dirty="0">
+                        <a:rPr lang="fr-FR" sz="900" dirty="0">
                           <a:latin typeface="AdobeClean-Light"/>
                           <a:cs typeface="AdobeClean-Light"/>
                         </a:rPr>
-                        <a:t>Field Service Activities </a:t>
+                        <a:t>Activités du service de terrain </a:t>
                       </a:r>
                     </a:p>
                   </a:txBody>
@@ -8643,7 +7522,7 @@
         <p:spPr>
           <a:xfrm>
             <a:off x="2835999" y="9021041"/>
-            <a:ext cx="2194560" cy="641201"/>
+            <a:ext cx="2194560" cy="718145"/>
           </a:xfrm>
           <a:prstGeom prst="rect">
             <a:avLst/>
@@ -8667,154 +7546,14 @@
               </a:tabLst>
             </a:pPr>
             <a:r>
-              <a:rPr sz="1000" spc="-20" dirty="0">
+              <a:rPr lang="fr-FR" sz="900" dirty="0">
                 <a:solidFill>
                   <a:srgbClr val="020302"/>
                 </a:solidFill>
                 <a:latin typeface="AdobeClean-Light"/>
                 <a:cs typeface="AdobeClean-Light"/>
               </a:rPr>
-              <a:t>Start </a:t>
-            </a:r>
-            <a:r>
-              <a:rPr sz="1000" dirty="0">
-                <a:solidFill>
-                  <a:srgbClr val="020302"/>
-                </a:solidFill>
-                <a:latin typeface="AdobeClean-Light"/>
-                <a:cs typeface="AdobeClean-Light"/>
-              </a:rPr>
-              <a:t>a </a:t>
-            </a:r>
-            <a:r>
-              <a:rPr sz="1000" spc="-15" dirty="0">
-                <a:solidFill>
-                  <a:srgbClr val="020302"/>
-                </a:solidFill>
-                <a:latin typeface="AdobeClean-Light"/>
-                <a:cs typeface="AdobeClean-Light"/>
-              </a:rPr>
-              <a:t>chat </a:t>
-            </a:r>
-            <a:r>
-              <a:rPr sz="1000" spc="-10" dirty="0">
-                <a:solidFill>
-                  <a:srgbClr val="020302"/>
-                </a:solidFill>
-                <a:latin typeface="AdobeClean-Light"/>
-                <a:cs typeface="AdobeClean-Light"/>
-              </a:rPr>
-              <a:t>session </a:t>
-            </a:r>
-            <a:r>
-              <a:rPr sz="1000" spc="-5" dirty="0">
-                <a:solidFill>
-                  <a:srgbClr val="020302"/>
-                </a:solidFill>
-                <a:latin typeface="AdobeClean-Light"/>
-                <a:cs typeface="AdobeClean-Light"/>
-              </a:rPr>
-              <a:t>to </a:t>
-            </a:r>
-            <a:r>
-              <a:rPr sz="1000" spc="-10" dirty="0">
-                <a:solidFill>
-                  <a:srgbClr val="020302"/>
-                </a:solidFill>
-                <a:latin typeface="AdobeClean-Light"/>
-                <a:cs typeface="AdobeClean-Light"/>
-              </a:rPr>
-              <a:t>get </a:t>
-            </a:r>
-            <a:r>
-              <a:rPr sz="1000" spc="-20" dirty="0">
-                <a:solidFill>
-                  <a:srgbClr val="020302"/>
-                </a:solidFill>
-                <a:latin typeface="AdobeClean-Light"/>
-                <a:cs typeface="AdobeClean-Light"/>
-              </a:rPr>
-              <a:t>answers</a:t>
-            </a:r>
-            <a:r>
-              <a:rPr lang="en-US" sz="1000" spc="-45" dirty="0">
-                <a:solidFill>
-                  <a:srgbClr val="020302"/>
-                </a:solidFill>
-                <a:latin typeface="AdobeClean-Light"/>
-                <a:cs typeface="AdobeClean-Light"/>
-              </a:rPr>
-              <a:t> </a:t>
-            </a:r>
-            <a:r>
-              <a:rPr lang="en-US" sz="1000" dirty="0">
-                <a:solidFill>
-                  <a:srgbClr val="020302"/>
-                </a:solidFill>
-                <a:latin typeface="AdobeClean-Light"/>
-                <a:cs typeface="AdobeClean-Light"/>
-              </a:rPr>
-              <a:t>&amp; </a:t>
-            </a:r>
-            <a:r>
-              <a:rPr sz="1000" spc="-15" dirty="0">
-                <a:solidFill>
-                  <a:srgbClr val="020302"/>
-                </a:solidFill>
-                <a:latin typeface="AdobeClean-Light"/>
-                <a:cs typeface="AdobeClean-Light"/>
-              </a:rPr>
-              <a:t>help </a:t>
-            </a:r>
-            <a:r>
-              <a:rPr sz="1000" spc="-10" dirty="0">
-                <a:solidFill>
-                  <a:srgbClr val="020302"/>
-                </a:solidFill>
-                <a:latin typeface="AdobeClean-Light"/>
-                <a:cs typeface="AdobeClean-Light"/>
-              </a:rPr>
-              <a:t>with</a:t>
-            </a:r>
-            <a:r>
-              <a:rPr sz="1000" spc="85" dirty="0">
-                <a:solidFill>
-                  <a:srgbClr val="020302"/>
-                </a:solidFill>
-                <a:latin typeface="AdobeClean-Light"/>
-                <a:cs typeface="AdobeClean-Light"/>
-              </a:rPr>
-              <a:t> </a:t>
-            </a:r>
-            <a:r>
-              <a:rPr sz="1000" spc="-10" dirty="0">
-                <a:solidFill>
-                  <a:srgbClr val="020302"/>
-                </a:solidFill>
-                <a:latin typeface="AdobeClean-Light"/>
-                <a:cs typeface="AdobeClean-Light"/>
-              </a:rPr>
-              <a:t>case </a:t>
-            </a:r>
-            <a:r>
-              <a:rPr sz="1000" spc="-20">
-                <a:solidFill>
-                  <a:srgbClr val="020302"/>
-                </a:solidFill>
-                <a:latin typeface="AdobeClean-Light"/>
-                <a:cs typeface="AdobeClean-Light"/>
-              </a:rPr>
-              <a:t>submission</a:t>
-            </a:r>
-            <a:r>
-              <a:rPr lang="en-US" sz="1000" spc="-20">
-                <a:solidFill>
-                  <a:srgbClr val="020302"/>
-                </a:solidFill>
-                <a:latin typeface="AdobeClean-Light"/>
-                <a:cs typeface="AdobeClean-Light"/>
-              </a:rPr>
-              <a:t>.</a:t>
+              <a:t>Commencez une session de conversation pour obtenir des réponses et de l’aide lors de l’envoi du cas.</a:t>
             </a:r>
           </a:p>
           <a:p>
@@ -8827,49 +7566,15 @@
               </a:tabLst>
             </a:pPr>
             <a:r>
-              <a:rPr sz="1000" i="1" spc="-10" dirty="0">
+              <a:rPr lang="fr-FR" sz="900" i="1" dirty="0">
                 <a:solidFill>
                   <a:srgbClr val="7A7A7A"/>
                 </a:solidFill>
                 <a:latin typeface="AdobeClean-LightIt"/>
                 <a:cs typeface="AdobeClean-LightIt"/>
               </a:rPr>
-              <a:t>*Not all </a:t>
-            </a:r>
-            <a:r>
-              <a:rPr sz="1000" i="1" spc="-20" dirty="0">
-                <a:solidFill>
-                  <a:srgbClr val="7A7A7A"/>
-                </a:solidFill>
-                <a:latin typeface="AdobeClean-LightIt"/>
-                <a:cs typeface="AdobeClean-LightIt"/>
-              </a:rPr>
-              <a:t>products have live chat support</a:t>
-            </a:r>
-            <a:r>
-              <a:rPr sz="900" i="1" spc="-20" dirty="0">
-                <a:solidFill>
-                  <a:srgbClr val="7A7A7A"/>
-                </a:solidFill>
-                <a:latin typeface="AdobeClean-LightIt"/>
-                <a:cs typeface="AdobeClean-LightIt"/>
-              </a:rPr>
-              <a:t>.</a:t>
-            </a:r>
-            <a:r>
-              <a:rPr lang="en-US" sz="900" i="1" spc="-20" dirty="0">
-                <a:solidFill>
-                  <a:srgbClr val="7A7A7A"/>
-                </a:solidFill>
-                <a:latin typeface="AdobeClean-LightIt"/>
-                <a:cs typeface="AdobeClean-LightIt"/>
-              </a:rPr>
-              <a:t>  </a:t>
-            </a:r>
-            <a:endParaRPr sz="900">
-              <a:latin typeface="AdobeClean-Light"/>
-              <a:cs typeface="AdobeClean-Light"/>
-            </a:endParaRPr>
+              <a:t>*Tous les produits ne bénéficient pas de l’assistance de messagerie instantanée.  </a:t>
+            </a:r>
           </a:p>
         </p:txBody>
       </p:sp>
@@ -8889,8 +7594,8 @@
         </p:nvSpPr>
         <p:spPr>
           <a:xfrm>
-            <a:off x="689237" y="6664838"/>
-            <a:ext cx="1568246" cy="184666"/>
+            <a:off x="689236" y="6664838"/>
+            <a:ext cx="1848207" cy="184666"/>
           </a:xfrm>
           <a:prstGeom prst="rect">
             <a:avLst/>
@@ -8916,12 +7621,12 @@
               <a:defRPr/>
             </a:pPr>
             <a:r>
-              <a:rPr lang="en-US" sz="1200">
+              <a:rPr lang="fr-FR" sz="1200" dirty="0">
                 <a:solidFill>
                   <a:srgbClr val="000000"/>
                 </a:solidFill>
               </a:rPr>
-              <a:t>Community Forums</a:t>
+              <a:t>Forums de la communauté</a:t>
             </a:r>
           </a:p>
         </p:txBody>
@@ -8942,8 +7647,8 @@
         </p:nvSpPr>
         <p:spPr>
           <a:xfrm>
-            <a:off x="689237" y="6868024"/>
-            <a:ext cx="959314" cy="184666"/>
+            <a:off x="689236" y="6868024"/>
+            <a:ext cx="1555491" cy="184666"/>
           </a:xfrm>
           <a:prstGeom prst="rect">
             <a:avLst/>
@@ -8964,12 +7669,12 @@
               </a:spcAft>
             </a:pPr>
             <a:r>
-              <a:rPr lang="en-US" sz="1200" b="1">
+              <a:rPr lang="fr-FR" sz="1200" b="1" dirty="0">
                 <a:latin typeface="+mj-lt"/>
                 <a:ea typeface="Open Sans" pitchFamily="34" charset="0"/>
                 <a:cs typeface="Open Sans" pitchFamily="34" charset="0"/>
               </a:rPr>
-              <a:t>Online Forums</a:t>
+              <a:t>Forums en ligne</a:t>
             </a:r>
           </a:p>
         </p:txBody>
@@ -8989,7 +7694,7 @@
         <p:spPr>
           <a:xfrm>
             <a:off x="355868" y="7102087"/>
-            <a:ext cx="2194560" cy="959237"/>
+            <a:ext cx="2194560" cy="1005403"/>
           </a:xfrm>
           <a:prstGeom prst="rect">
             <a:avLst/>
@@ -9002,20 +7707,14 @@
           <a:lstStyle/>
           <a:p>
             <a:r>
-              <a:rPr lang="en-US" sz="1000" dirty="0">
+              <a:rPr lang="fr-FR" sz="900" dirty="0">
                 <a:solidFill>
                   <a:srgbClr val="4B4B4B"/>
                 </a:solidFill>
                 <a:latin typeface="Adobe Clean Light"/>
               </a:rPr>
-              <a:t>Continuous online access to a growing database of technical solutions, product documentation, FAQs and more. Connect with practitioners and other customers on Adobe Community to share best practices and lessons learned.</a:t>
-            </a:r>
-            <a:endParaRPr lang="en-US" sz="1000" dirty="0">
-              <a:solidFill>
-                <a:srgbClr val="4B4B4B"/>
-              </a:solidFill>
-              <a:latin typeface="Adobe Clean Light" panose="020B0303020404020204" pitchFamily="34" charset="0"/>
-            </a:endParaRPr>
+              <a:t>Accès en ligne permanent à une base de données croissante de solutions techniques, de documentation sur les produits, de questions fréquentes, etc. Communiquez avec des professionnels et d’autres clients de la communauté Adobe pour partager les bonnes pratiques et les leçons apprises.</a:t>
+            </a:r>
           </a:p>
         </p:txBody>
       </p:sp>
@@ -9062,7 +7761,7 @@
               <a:defRPr/>
             </a:pPr>
             <a:r>
-              <a:rPr lang="en-US" sz="1200">
+              <a:rPr lang="fr-FR" sz="1200">
                 <a:solidFill>
                   <a:srgbClr val="000000"/>
                 </a:solidFill>
@@ -9110,12 +7809,12 @@
               </a:spcAft>
             </a:pPr>
             <a:r>
-              <a:rPr lang="en-US" sz="1200" b="1">
+              <a:rPr lang="fr-FR" sz="1200" b="1">
                 <a:latin typeface="+mj-lt"/>
                 <a:ea typeface="Open Sans" pitchFamily="34" charset="0"/>
                 <a:cs typeface="Open Sans" pitchFamily="34" charset="0"/>
               </a:rPr>
-              <a:t>Self-guided Journeys</a:t>
+              <a:t>Parcours auto-guidés</a:t>
             </a:r>
           </a:p>
         </p:txBody>
@@ -9135,7 +7834,7 @@
         <p:spPr>
           <a:xfrm>
             <a:off x="5265661" y="7060285"/>
-            <a:ext cx="2194560" cy="1113125"/>
+            <a:ext cx="2194560" cy="1005403"/>
           </a:xfrm>
           <a:prstGeom prst="rect">
             <a:avLst/>
@@ -9148,20 +7847,14 @@
           <a:lstStyle/>
           <a:p>
             <a:r>
-              <a:rPr lang="en-US" sz="1000" dirty="0">
+              <a:rPr lang="fr-FR" sz="900">
                 <a:solidFill>
                   <a:srgbClr val="4B4B4B"/>
                 </a:solidFill>
                 <a:latin typeface="Adobe Clean Light"/>
               </a:rPr>
-              <a:t>Experience Makers are made with Experience League. Customers can kickstart their Customer Experience Management abilities with personalized learning to develop skills, engage with a global community of peers, and earn career advancing recognition.</a:t>
-            </a:r>
-            <a:endParaRPr lang="en-US" sz="1000" dirty="0">
-              <a:solidFill>
-                <a:srgbClr val="4B4B4B"/>
-              </a:solidFill>
-              <a:latin typeface="Adobe Clean Light" panose="020B0303020404020204" pitchFamily="34" charset="0"/>
-            </a:endParaRPr>
+              <a:t>Les Experience Makers sont créées à l’aide d’Experience League. Les clients peuvent lancer leurs capacités de gestion de l’expérience client grâce à un apprentissage personnalisé permettant de développer leurs compétences, collaborer avec une communauté mondiale de pairs et gagner une reconnaissance de carrière.</a:t>
+            </a:r>
           </a:p>
         </p:txBody>
       </p:sp>
@@ -9181,8 +7874,8 @@
         </p:nvSpPr>
         <p:spPr>
           <a:xfrm>
-            <a:off x="3201544" y="8520784"/>
-            <a:ext cx="1543003" cy="184666"/>
+            <a:off x="3201544" y="8439504"/>
+            <a:ext cx="1726164" cy="369332"/>
           </a:xfrm>
           <a:prstGeom prst="rect">
             <a:avLst/>
@@ -9208,12 +7901,12 @@
               <a:defRPr/>
             </a:pPr>
             <a:r>
-              <a:rPr lang="en-US" sz="1200">
+              <a:rPr lang="fr-FR" sz="1200" dirty="0">
                 <a:solidFill>
                   <a:srgbClr val="000000"/>
                 </a:solidFill>
               </a:rPr>
-              <a:t>Live Chat  Support*</a:t>
+              <a:t>Assistance de messagerie instantanée*</a:t>
             </a:r>
           </a:p>
         </p:txBody>
@@ -9234,7 +7927,7 @@
         </p:nvSpPr>
         <p:spPr>
           <a:xfrm>
-            <a:off x="3201544" y="8702003"/>
+            <a:off x="3201544" y="8768043"/>
             <a:ext cx="840166" cy="184666"/>
           </a:xfrm>
           <a:prstGeom prst="rect">
@@ -9256,12 +7949,12 @@
               </a:spcAft>
             </a:pPr>
             <a:r>
-              <a:rPr lang="en-US" sz="1200" b="1">
+              <a:rPr lang="fr-FR" sz="1200" b="1" dirty="0">
                 <a:latin typeface="+mj-lt"/>
                 <a:ea typeface="Open Sans" pitchFamily="34" charset="0"/>
                 <a:cs typeface="Open Sans" pitchFamily="34" charset="0"/>
               </a:rPr>
-              <a:t>Chat Support</a:t>
+              <a:t>Assistance de conversation</a:t>
             </a:r>
           </a:p>
         </p:txBody>
@@ -9309,12 +8002,12 @@
               <a:defRPr/>
             </a:pPr>
             <a:r>
-              <a:rPr lang="en-US" sz="1200">
+              <a:rPr lang="fr-FR" sz="1200">
                 <a:solidFill>
                   <a:srgbClr val="000000"/>
                 </a:solidFill>
               </a:rPr>
-              <a:t>24X7 P1 </a:t>
+              <a:t>P1 24X7 </a:t>
             </a:r>
           </a:p>
         </p:txBody>
@@ -9357,12 +8050,12 @@
               </a:spcAft>
             </a:pPr>
             <a:r>
-              <a:rPr lang="en-US" sz="1200" b="1">
+              <a:rPr lang="fr-FR" sz="1200" b="1">
                 <a:latin typeface="+mj-lt"/>
                 <a:ea typeface="Open Sans" pitchFamily="34" charset="0"/>
                 <a:cs typeface="Open Sans" pitchFamily="34" charset="0"/>
               </a:rPr>
-              <a:t>Phone  Support</a:t>
+              <a:t>Assistance téléphonique</a:t>
             </a:r>
           </a:p>
         </p:txBody>
@@ -9382,7 +8075,7 @@
         <p:spPr>
           <a:xfrm>
             <a:off x="2835999" y="7097788"/>
-            <a:ext cx="2194560" cy="805349"/>
+            <a:ext cx="2194560" cy="1005403"/>
           </a:xfrm>
           <a:prstGeom prst="rect">
             <a:avLst/>
@@ -9395,35 +8088,29 @@
           <a:lstStyle/>
           <a:p>
             <a:r>
-              <a:rPr lang="en-US" sz="1000">
+              <a:rPr lang="fr-FR" sz="900">
                 <a:solidFill>
                   <a:srgbClr val="020302"/>
                 </a:solidFill>
                 <a:latin typeface="AdobeClean-Light"/>
               </a:rPr>
-              <a:t>Authorized users or </a:t>
-            </a:r>
-            <a:r>
-              <a:rPr lang="en-US" sz="1000" b="1">
+              <a:t>Les utilisateurs autorisés ou les </a:t>
+            </a:r>
+            <a:r>
+              <a:rPr lang="fr-FR" sz="900" b="1">
                 <a:solidFill>
                   <a:srgbClr val="020302"/>
                 </a:solidFill>
                 <a:latin typeface="AdobeClean-Light"/>
               </a:rPr>
-              <a:t>Named Support Contacts </a:t>
-            </a:r>
-            <a:r>
-              <a:rPr lang="en-US" sz="1000">
+              <a:t>contacts d’assistance nommés </a:t>
+            </a:r>
+            <a:r>
+              <a:rPr lang="fr-FR" sz="900">
                 <a:latin typeface="Adobe Clean Light" panose="020B0303020404020204" pitchFamily="34" charset="0"/>
               </a:rPr>
-              <a:t>can submit issues through all available  channels (including phone for P1) and interact with our technical support team on behalf of your company. </a:t>
-            </a:r>
-            <a:endParaRPr lang="en-US" sz="1000">
-              <a:solidFill>
-                <a:srgbClr val="000000"/>
-              </a:solidFill>
-              <a:latin typeface="Adobe Clean Light" panose="020B0303020404020204" pitchFamily="34" charset="0"/>
-            </a:endParaRPr>
+              <a:t>peuvent communiquer des problèmes par l’intermédiaire de tous les canaux disponibles (y compris le téléphone pour P1) et interagir avec notre équipe d’assistance technique au nom de votre entreprise. </a:t>
+            </a:r>
           </a:p>
         </p:txBody>
       </p:sp>
@@ -9508,19 +8195,15 @@
               </a:spcBef>
             </a:pPr>
             <a:r>
-              <a:rPr lang="en-US" sz="1400" b="1" spc="-10" dirty="0">
+              <a:rPr lang="fr-FR" sz="1400" b="1">
                 <a:solidFill>
                   <a:srgbClr val="020302"/>
                 </a:solidFill>
                 <a:latin typeface="Adobe Clean"/>
                 <a:cs typeface="Adobe Clean"/>
               </a:rPr>
-              <a:t>Standard Support Features</a:t>
-            </a:r>
-            <a:endParaRPr lang="en-US" sz="1400" dirty="0">
-              <a:latin typeface="Adobe Clean"/>
-              <a:cs typeface="Adobe Clean"/>
-            </a:endParaRPr>
+              <a:t>Caractéristiques de l’assistance Standard</a:t>
+            </a:r>
           </a:p>
         </p:txBody>
       </p:sp>
@@ -9567,7 +8250,7 @@
               <a:defRPr/>
             </a:pPr>
             <a:r>
-              <a:rPr lang="en-US" sz="1200">
+              <a:rPr lang="fr-FR" sz="1200">
                 <a:solidFill>
                   <a:srgbClr val="000000"/>
                 </a:solidFill>
@@ -9615,12 +8298,12 @@
               </a:spcAft>
             </a:pPr>
             <a:r>
-              <a:rPr lang="en-US" sz="1200" b="1">
+              <a:rPr lang="fr-FR" sz="1200" b="1">
                 <a:latin typeface="+mj-lt"/>
                 <a:ea typeface="Open Sans" pitchFamily="34" charset="0"/>
                 <a:cs typeface="Open Sans" pitchFamily="34" charset="0"/>
               </a:rPr>
-              <a:t>Webinars</a:t>
+              <a:t>Webinaires</a:t>
             </a:r>
           </a:p>
         </p:txBody>
@@ -9639,8 +8322,8 @@
         </p:nvSpPr>
         <p:spPr>
           <a:xfrm>
-            <a:off x="355868" y="8986613"/>
-            <a:ext cx="2194560" cy="805349"/>
+            <a:off x="355867" y="8986613"/>
+            <a:ext cx="2245029" cy="866904"/>
           </a:xfrm>
           <a:prstGeom prst="rect">
             <a:avLst/>
@@ -9653,13 +8336,31 @@
           <a:lstStyle/>
           <a:p>
             <a:r>
-              <a:rPr lang="en-US" sz="1000">
+              <a:rPr lang="fr-FR" sz="900" dirty="0">
                 <a:solidFill>
                   <a:srgbClr val="4B4B4B"/>
                 </a:solidFill>
                 <a:latin typeface="Adobe Clean Light" panose="020B0303020404020204" pitchFamily="34" charset="0"/>
               </a:rPr>
-              <a:t>Office Hours led by the Adobe Customer Support team includes sessions designed to inform as well as help participants troubleshoot problems and provide tips and tricks for success with Adobe solutions. </a:t>
+              <a:t>« Office </a:t>
+            </a:r>
+            <a:r>
+              <a:rPr lang="fr-FR" sz="900" dirty="0" err="1">
+                <a:solidFill>
+                  <a:srgbClr val="4B4B4B"/>
+                </a:solidFill>
+                <a:latin typeface="Adobe Clean Light" panose="020B0303020404020204" pitchFamily="34" charset="0"/>
+              </a:rPr>
+              <a:t>Hours</a:t>
+            </a:r>
+            <a:r>
+              <a:rPr lang="fr-FR" sz="900" dirty="0">
+                <a:solidFill>
+                  <a:srgbClr val="4B4B4B"/>
+                </a:solidFill>
+                <a:latin typeface="Adobe Clean Light" panose="020B0303020404020204" pitchFamily="34" charset="0"/>
+              </a:rPr>
+              <a:t> », l’initiative menée par l’équipe du service clientèle Adobe, comprend des sessions conçues pour informer les participants et les aider à résoudre leurs problèmes. Elle offre également des conseils et astuces pour réussir au mieux l’intégration des solutions Adobe. </a:t>
             </a:r>
           </a:p>
         </p:txBody>
@@ -9681,7 +8382,7 @@
         <p:spPr>
           <a:xfrm>
             <a:off x="5723508" y="8520784"/>
-            <a:ext cx="1303746" cy="184666"/>
+            <a:ext cx="1678052" cy="184666"/>
           </a:xfrm>
           <a:prstGeom prst="rect">
             <a:avLst/>
@@ -9707,12 +8408,12 @@
               <a:defRPr/>
             </a:pPr>
             <a:r>
-              <a:rPr lang="en-US" sz="1200">
+              <a:rPr lang="fr-FR" sz="1200" dirty="0">
                 <a:solidFill>
                   <a:srgbClr val="000000"/>
                 </a:solidFill>
               </a:rPr>
-              <a:t>Self-help Portals</a:t>
+              <a:t>Portail d’aide automatique</a:t>
             </a:r>
           </a:p>
         </p:txBody>
@@ -9755,12 +8456,12 @@
               </a:spcAft>
             </a:pPr>
             <a:r>
-              <a:rPr lang="en-US" sz="1200" b="1">
+              <a:rPr lang="fr-FR" sz="1200" b="1">
                 <a:latin typeface="+mj-lt"/>
                 <a:ea typeface="Open Sans" pitchFamily="34" charset="0"/>
                 <a:cs typeface="Open Sans" pitchFamily="34" charset="0"/>
               </a:rPr>
-              <a:t>24/7 Support Portal</a:t>
+              <a:t>Portail d’assistance 24/7</a:t>
             </a:r>
           </a:p>
         </p:txBody>
@@ -9780,7 +8481,7 @@
         <p:spPr>
           <a:xfrm>
             <a:off x="5265661" y="8947635"/>
-            <a:ext cx="2194560" cy="805349"/>
+            <a:ext cx="2194560" cy="1005403"/>
           </a:xfrm>
           <a:prstGeom prst="rect">
             <a:avLst/>
@@ -9793,16 +8494,16 @@
           <a:lstStyle/>
           <a:p>
             <a:r>
-              <a:rPr lang="en-US" sz="1000">
+              <a:rPr lang="fr-FR" sz="900" dirty="0">
                 <a:solidFill>
                   <a:srgbClr val="4B4B4B"/>
                 </a:solidFill>
                 <a:latin typeface="Adobe Clean Light" panose="020B0303020404020204" pitchFamily="34" charset="0"/>
               </a:rPr>
-              <a:t>On-demand access to the online </a:t>
+              <a:t>Accès à la demande au portail </a:t>
             </a:r>
             <a:br>
-              <a:rPr lang="en-US" sz="1000">
+              <a:rPr lang="fr-FR" sz="900" dirty="0">
                 <a:solidFill>
                   <a:srgbClr val="4B4B4B"/>
                 </a:solidFill>
@@ -9810,13 +8511,13 @@
               </a:rPr>
             </a:br>
             <a:r>
-              <a:rPr lang="en-US" sz="1000">
+              <a:rPr lang="fr-FR" sz="900" dirty="0">
                 <a:solidFill>
                   <a:srgbClr val="4B4B4B"/>
                 </a:solidFill>
                 <a:latin typeface="Adobe Clean Light" panose="020B0303020404020204" pitchFamily="34" charset="0"/>
               </a:rPr>
-              <a:t>Self-help Support Portal to submit support requests, review case status, and browse other resources, like our knowledgebase, news and alerts, featured tips, and more.</a:t>
+              <a:t>d’assistance d’aide automatique en ligne pour envoyer des demandes d’assistance, examiner le statut des cas et parcourir d’autres ressources, telles que notre base de connaissances, les actualités et les alertes, les conseils présentés, etc.</a:t>
             </a:r>
           </a:p>
         </p:txBody>
@@ -9838,7 +8539,7 @@
         <p:spPr>
           <a:xfrm>
             <a:off x="97788" y="9888626"/>
-            <a:ext cx="2245360" cy="133370"/>
+            <a:ext cx="3108960" cy="133370"/>
           </a:xfrm>
           <a:prstGeom prst="rect">
             <a:avLst/>
@@ -9950,36 +8651,24 @@
               </a:spcBef>
             </a:pPr>
             <a:r>
-              <a:rPr lang="en-US" spc="-10"/>
-              <a:t>©2021</a:t>
-            </a:r>
-            <a:r>
-              <a:rPr lang="en-US" spc="-5"/>
-              <a:t> Adobe. All</a:t>
-            </a:r>
-            <a:r>
-              <a:rPr lang="en-US" spc="-10"/>
-              <a:t> Rights</a:t>
-            </a:r>
-            <a:r>
-              <a:rPr lang="en-US" spc="-5"/>
+              <a:rPr lang="fr-FR" dirty="0"/>
+              <a:t>©2021 Adobe. All </a:t>
+            </a:r>
+            <a:r>
+              <a:rPr lang="fr-FR" dirty="0" err="1"/>
+              <a:t>Rights</a:t>
+            </a:r>
+            <a:r>
+              <a:rPr lang="fr-FR" dirty="0"/>
               <a:t> </a:t>
             </a:r>
             <a:r>
-              <a:rPr lang="en-US" spc="-10"/>
-              <a:t>Reserved.</a:t>
-            </a:r>
-            <a:r>
-              <a:rPr lang="en-US" spc="-5"/>
-              <a:t> Adobe</a:t>
-            </a:r>
-            <a:r>
-              <a:rPr lang="en-US" spc="60"/>
-              <a:t> </a:t>
-            </a:r>
-            <a:r>
-              <a:rPr lang="en-US" spc="-10"/>
-              <a:t>Confidential.</a:t>
+              <a:rPr lang="fr-FR" dirty="0" err="1"/>
+              <a:t>Reserved</a:t>
+            </a:r>
+            <a:r>
+              <a:rPr lang="fr-FR" dirty="0"/>
+              <a:t>. Données confidentielles Adobe</a:t>
             </a:r>
           </a:p>
         </p:txBody>
@@ -10068,19 +8757,15 @@
               </a:spcBef>
             </a:pPr>
             <a:r>
-              <a:rPr lang="en-US" sz="1400" b="1" spc="-10">
+              <a:rPr lang="fr-FR" sz="1400" b="1">
                 <a:solidFill>
                   <a:srgbClr val="020302"/>
                 </a:solidFill>
                 <a:latin typeface="Adobe Clean"/>
                 <a:cs typeface="Adobe Clean"/>
               </a:rPr>
-              <a:t>Enterprise Support Features</a:t>
-            </a:r>
-            <a:endParaRPr lang="en-US" sz="1400">
-              <a:latin typeface="Adobe Clean"/>
-              <a:cs typeface="Adobe Clean"/>
-            </a:endParaRPr>
+              <a:t>Fonctionnalités de l’assistance aux entreprises</a:t>
+            </a:r>
           </a:p>
         </p:txBody>
       </p:sp>
@@ -10098,7 +8783,7 @@
         </p:nvSpPr>
         <p:spPr>
           <a:xfrm>
-            <a:off x="689237" y="2603192"/>
+            <a:off x="689237" y="2542232"/>
             <a:ext cx="1555491" cy="197490"/>
           </a:xfrm>
           <a:prstGeom prst="rect">
@@ -10120,199 +8805,15 @@
               </a:spcBef>
             </a:pPr>
             <a:r>
-              <a:rPr sz="1200" b="1" spc="-25">
+              <a:rPr lang="fr-FR" sz="1200" b="1" dirty="0">
                 <a:solidFill>
                   <a:srgbClr val="020302"/>
                 </a:solidFill>
                 <a:latin typeface="Adobe Clean"/>
                 <a:cs typeface="Adobe Clean"/>
               </a:rPr>
-              <a:t>E</a:t>
-            </a:r>
-            <a:r>
-              <a:rPr sz="1200" b="1" spc="-20">
-                <a:solidFill>
-                  <a:srgbClr val="020302"/>
-                </a:solidFill>
-                <a:latin typeface="Adobe Clean"/>
-                <a:cs typeface="Adobe Clean"/>
-              </a:rPr>
-              <a:t>s</a:t>
-            </a:r>
-            <a:r>
-              <a:rPr sz="1200" b="1" spc="-30">
-                <a:solidFill>
-                  <a:srgbClr val="020302"/>
-                </a:solidFill>
-                <a:latin typeface="Adobe Clean"/>
-                <a:cs typeface="Adobe Clean"/>
-              </a:rPr>
-              <a:t>c</a:t>
-            </a:r>
-            <a:r>
-              <a:rPr sz="1200" b="1" spc="-20">
-                <a:solidFill>
-                  <a:srgbClr val="020302"/>
-                </a:solidFill>
-                <a:latin typeface="Adobe Clean"/>
-                <a:cs typeface="Adobe Clean"/>
-              </a:rPr>
-              <a:t>a</a:t>
-            </a:r>
-            <a:r>
-              <a:rPr sz="1200" b="1" spc="-25">
-                <a:solidFill>
-                  <a:srgbClr val="020302"/>
-                </a:solidFill>
-                <a:latin typeface="Adobe Clean"/>
-                <a:cs typeface="Adobe Clean"/>
-              </a:rPr>
-              <a:t>l</a:t>
-            </a:r>
-            <a:r>
-              <a:rPr sz="1200" b="1" spc="-20">
-                <a:solidFill>
-                  <a:srgbClr val="020302"/>
-                </a:solidFill>
-                <a:latin typeface="Adobe Clean"/>
-                <a:cs typeface="Adobe Clean"/>
-              </a:rPr>
-              <a:t>a</a:t>
-            </a:r>
-            <a:r>
-              <a:rPr sz="1200" b="1" spc="-25">
-                <a:solidFill>
-                  <a:srgbClr val="020302"/>
-                </a:solidFill>
-                <a:latin typeface="Adobe Clean"/>
-                <a:cs typeface="Adobe Clean"/>
-              </a:rPr>
-              <a:t>t</a:t>
-            </a:r>
-            <a:r>
-              <a:rPr sz="1200" b="1" spc="-20">
-                <a:solidFill>
-                  <a:srgbClr val="020302"/>
-                </a:solidFill>
-                <a:latin typeface="Adobe Clean"/>
-                <a:cs typeface="Adobe Clean"/>
-              </a:rPr>
-              <a:t>i</a:t>
-            </a:r>
-            <a:r>
-              <a:rPr sz="1200" b="1" spc="-15">
-                <a:solidFill>
-                  <a:srgbClr val="020302"/>
-                </a:solidFill>
-                <a:latin typeface="Adobe Clean"/>
-                <a:cs typeface="Adobe Clean"/>
-              </a:rPr>
-              <a:t>o</a:t>
-            </a:r>
-            <a:r>
-              <a:rPr sz="1200" b="1">
-                <a:solidFill>
-                  <a:srgbClr val="020302"/>
-                </a:solidFill>
-                <a:latin typeface="Adobe Clean"/>
-                <a:cs typeface="Adobe Clean"/>
-              </a:rPr>
-              <a:t>n</a:t>
-            </a:r>
-            <a:r>
-              <a:rPr sz="1200" b="1" spc="-55">
-                <a:solidFill>
-                  <a:srgbClr val="020302"/>
-                </a:solidFill>
-                <a:latin typeface="Adobe Clean"/>
-                <a:cs typeface="Adobe Clean"/>
-              </a:rPr>
-              <a:t> </a:t>
-            </a:r>
-            <a:r>
-              <a:rPr sz="1200" b="1" spc="-35">
-                <a:solidFill>
-                  <a:srgbClr val="020302"/>
-                </a:solidFill>
-                <a:latin typeface="Adobe Clean"/>
-                <a:cs typeface="Adobe Clean"/>
-              </a:rPr>
-              <a:t>M</a:t>
-            </a:r>
-            <a:r>
-              <a:rPr sz="1200" b="1" spc="-25">
-                <a:solidFill>
-                  <a:srgbClr val="020302"/>
-                </a:solidFill>
-                <a:latin typeface="Adobe Clean"/>
-                <a:cs typeface="Adobe Clean"/>
-              </a:rPr>
-              <a:t>a</a:t>
-            </a:r>
-            <a:r>
-              <a:rPr sz="1200" b="1" spc="-30">
-                <a:solidFill>
-                  <a:srgbClr val="020302"/>
-                </a:solidFill>
-                <a:latin typeface="Adobe Clean"/>
-                <a:cs typeface="Adobe Clean"/>
-              </a:rPr>
-              <a:t>n</a:t>
-            </a:r>
-            <a:r>
-              <a:rPr sz="1200" b="1" spc="-25">
-                <a:solidFill>
-                  <a:srgbClr val="020302"/>
-                </a:solidFill>
-                <a:latin typeface="Adobe Clean"/>
-                <a:cs typeface="Adobe Clean"/>
-              </a:rPr>
-              <a:t>a</a:t>
-            </a:r>
-            <a:r>
-              <a:rPr sz="1200" b="1" spc="-30">
-                <a:solidFill>
-                  <a:srgbClr val="020302"/>
-                </a:solidFill>
-                <a:latin typeface="Adobe Clean"/>
-                <a:cs typeface="Adobe Clean"/>
-              </a:rPr>
-              <a:t>ge</a:t>
-            </a:r>
-            <a:r>
-              <a:rPr sz="1200" b="1" spc="-25">
-                <a:solidFill>
-                  <a:srgbClr val="020302"/>
-                </a:solidFill>
-                <a:latin typeface="Adobe Clean"/>
-                <a:cs typeface="Adobe Clean"/>
-              </a:rPr>
-              <a:t>m</a:t>
-            </a:r>
-            <a:r>
-              <a:rPr sz="1200" b="1" spc="-30">
-                <a:solidFill>
-                  <a:srgbClr val="020302"/>
-                </a:solidFill>
-                <a:latin typeface="Adobe Clean"/>
-                <a:cs typeface="Adobe Clean"/>
-              </a:rPr>
-              <a:t>en</a:t>
-            </a:r>
-            <a:r>
-              <a:rPr sz="1200" b="1">
-                <a:solidFill>
-                  <a:srgbClr val="020302"/>
-                </a:solidFill>
-                <a:latin typeface="Adobe Clean"/>
-                <a:cs typeface="Adobe Clean"/>
-              </a:rPr>
-              <a:t>t</a:t>
-            </a:r>
-            <a:endParaRPr sz="1200">
-              <a:latin typeface="Adobe Clean"/>
-              <a:cs typeface="Adobe Clean"/>
-            </a:endParaRPr>
+              <a:t>Gestion des remontées d’informations</a:t>
+            </a:r>
           </a:p>
         </p:txBody>
       </p:sp>
@@ -10331,7 +8832,7 @@
         <p:spPr>
           <a:xfrm>
             <a:off x="355868" y="2923693"/>
-            <a:ext cx="2194560" cy="782265"/>
+            <a:ext cx="2194560" cy="843821"/>
           </a:xfrm>
           <a:prstGeom prst="rect">
             <a:avLst/>
@@ -10352,18 +8853,14 @@
               </a:spcBef>
             </a:pPr>
             <a:r>
-              <a:rPr lang="en-US" sz="1000">
+              <a:rPr lang="fr-FR" sz="900">
                 <a:solidFill>
                   <a:srgbClr val="4B4B4B"/>
                 </a:solidFill>
                 <a:latin typeface="Adobe Clean Light" panose="020B0303020404020204" pitchFamily="34" charset="0"/>
               </a:rPr>
-              <a:t>A designated point of contact within Adobe who can provide escalation assistance, regular updates and ensure priority is given to your most critical open support requests.</a:t>
-            </a:r>
-            <a:endParaRPr sz="1000">
-              <a:latin typeface="Adobe Clean Light" panose="020B0303020404020204" pitchFamily="34" charset="0"/>
-              <a:cs typeface="AdobeClean-Light"/>
-            </a:endParaRPr>
+              <a:t>Il s’agit d’un point de contact désigné au sein d’Adobe pouvant fournir une assistance en matière de remontées d’informations, des mises à jour régulières et s’assurant que la priorité est mise sur vos demandes d’assistance ouvertes les plus importantes.</a:t>
+            </a:r>
           </a:p>
         </p:txBody>
       </p:sp>
@@ -10382,7 +8879,7 @@
         <p:spPr>
           <a:xfrm>
             <a:off x="3201544" y="2592995"/>
-            <a:ext cx="1036205" cy="197490"/>
+            <a:ext cx="1543003" cy="197490"/>
           </a:xfrm>
           <a:prstGeom prst="rect">
             <a:avLst/>
@@ -10403,149 +8900,15 @@
               </a:spcBef>
             </a:pPr>
             <a:r>
-              <a:rPr sz="1200" b="1" spc="-20">
+              <a:rPr lang="fr-FR" sz="1200" b="1" dirty="0">
                 <a:solidFill>
                   <a:srgbClr val="020302"/>
                 </a:solidFill>
                 <a:latin typeface="Adobe Clean"/>
                 <a:cs typeface="Adobe Clean"/>
               </a:rPr>
-              <a:t>S</a:t>
-            </a:r>
-            <a:r>
-              <a:rPr sz="1200" b="1" spc="-25">
-                <a:solidFill>
-                  <a:srgbClr val="020302"/>
-                </a:solidFill>
-                <a:latin typeface="Adobe Clean"/>
-                <a:cs typeface="Adobe Clean"/>
-              </a:rPr>
-              <a:t>e</a:t>
-            </a:r>
-            <a:r>
-              <a:rPr sz="1200" b="1" spc="-20">
-                <a:solidFill>
-                  <a:srgbClr val="020302"/>
-                </a:solidFill>
-                <a:latin typeface="Adobe Clean"/>
-                <a:cs typeface="Adobe Clean"/>
-              </a:rPr>
-              <a:t>r</a:t>
-            </a:r>
-            <a:r>
-              <a:rPr sz="1200" b="1" spc="-25">
-                <a:solidFill>
-                  <a:srgbClr val="020302"/>
-                </a:solidFill>
-                <a:latin typeface="Adobe Clean"/>
-                <a:cs typeface="Adobe Clean"/>
-              </a:rPr>
-              <a:t>v</a:t>
-            </a:r>
-            <a:r>
-              <a:rPr sz="1200" b="1" spc="-20">
-                <a:solidFill>
-                  <a:srgbClr val="020302"/>
-                </a:solidFill>
-                <a:latin typeface="Adobe Clean"/>
-                <a:cs typeface="Adobe Clean"/>
-              </a:rPr>
-              <a:t>i</a:t>
-            </a:r>
-            <a:r>
-              <a:rPr sz="1200" b="1" spc="-30">
-                <a:solidFill>
-                  <a:srgbClr val="020302"/>
-                </a:solidFill>
-                <a:latin typeface="Adobe Clean"/>
-                <a:cs typeface="Adobe Clean"/>
-              </a:rPr>
-              <a:t>c</a:t>
-            </a:r>
-            <a:r>
-              <a:rPr sz="1200" b="1">
-                <a:solidFill>
-                  <a:srgbClr val="020302"/>
-                </a:solidFill>
-                <a:latin typeface="Adobe Clean"/>
-                <a:cs typeface="Adobe Clean"/>
-              </a:rPr>
-              <a:t>e</a:t>
-            </a:r>
-            <a:r>
-              <a:rPr sz="1200" b="1" spc="-80">
-                <a:solidFill>
-                  <a:srgbClr val="020302"/>
-                </a:solidFill>
-                <a:latin typeface="Adobe Clean"/>
-                <a:cs typeface="Adobe Clean"/>
-              </a:rPr>
-              <a:t> </a:t>
-            </a:r>
-            <a:r>
-              <a:rPr sz="1200" b="1" spc="-20">
-                <a:solidFill>
-                  <a:srgbClr val="020302"/>
-                </a:solidFill>
-                <a:latin typeface="Adobe Clean"/>
-                <a:cs typeface="Adobe Clean"/>
-              </a:rPr>
-              <a:t>R</a:t>
-            </a:r>
-            <a:r>
-              <a:rPr sz="1200" b="1" spc="-25">
-                <a:solidFill>
-                  <a:srgbClr val="020302"/>
-                </a:solidFill>
-                <a:latin typeface="Adobe Clean"/>
-                <a:cs typeface="Adobe Clean"/>
-              </a:rPr>
-              <a:t>e</a:t>
-            </a:r>
-            <a:r>
-              <a:rPr sz="1200" b="1" spc="-30">
-                <a:solidFill>
-                  <a:srgbClr val="020302"/>
-                </a:solidFill>
-                <a:latin typeface="Adobe Clean"/>
-                <a:cs typeface="Adobe Clean"/>
-              </a:rPr>
-              <a:t>v</a:t>
-            </a:r>
-            <a:r>
-              <a:rPr sz="1200" b="1" spc="-20">
-                <a:solidFill>
-                  <a:srgbClr val="020302"/>
-                </a:solidFill>
-                <a:latin typeface="Adobe Clean"/>
-                <a:cs typeface="Adobe Clean"/>
-              </a:rPr>
-              <a:t>i</a:t>
-            </a:r>
-            <a:r>
-              <a:rPr sz="1200" b="1" spc="-25">
-                <a:solidFill>
-                  <a:srgbClr val="020302"/>
-                </a:solidFill>
-                <a:latin typeface="Adobe Clean"/>
-                <a:cs typeface="Adobe Clean"/>
-              </a:rPr>
-              <a:t>ew</a:t>
-            </a:r>
-            <a:r>
-              <a:rPr sz="1200" b="1">
-                <a:solidFill>
-                  <a:srgbClr val="020302"/>
-                </a:solidFill>
-                <a:latin typeface="Adobe Clean"/>
-                <a:cs typeface="Adobe Clean"/>
-              </a:rPr>
-              <a:t>s</a:t>
-            </a:r>
-            <a:endParaRPr sz="1200">
-              <a:latin typeface="Adobe Clean"/>
-              <a:cs typeface="Adobe Clean"/>
-            </a:endParaRPr>
+              <a:t>Examens de service</a:t>
+            </a:r>
           </a:p>
         </p:txBody>
       </p:sp>
@@ -10564,7 +8927,7 @@
         <p:spPr>
           <a:xfrm>
             <a:off x="2835999" y="2921585"/>
-            <a:ext cx="2194560" cy="474489"/>
+            <a:ext cx="2194560" cy="428322"/>
           </a:xfrm>
           <a:prstGeom prst="rect">
             <a:avLst/>
@@ -10585,18 +8948,14 @@
               </a:spcBef>
             </a:pPr>
             <a:r>
-              <a:rPr lang="en-US" sz="1000">
+              <a:rPr lang="fr-FR" sz="900">
                 <a:solidFill>
                   <a:srgbClr val="4B4B4B"/>
                 </a:solidFill>
                 <a:latin typeface="Adobe Clean Light" panose="020B0303020404020204" pitchFamily="34" charset="0"/>
               </a:rPr>
-              <a:t>A bi-annual comprehensive review of  Enterprise program services, benefits and support metrics.</a:t>
-            </a:r>
-            <a:endParaRPr sz="1000">
-              <a:latin typeface="Adobe Clean Light" panose="020B0303020404020204" pitchFamily="34" charset="0"/>
-              <a:cs typeface="AdobeClean-Light"/>
-            </a:endParaRPr>
+              <a:t>Il s’agit d’un examen semestriel complet des services, avantages et mesures d’assistance liés au programme pour les entreprises.</a:t>
+            </a:r>
           </a:p>
         </p:txBody>
       </p:sp>
@@ -10615,7 +8974,7 @@
         <p:spPr>
           <a:xfrm>
             <a:off x="5265661" y="1426694"/>
-            <a:ext cx="2194560" cy="628377"/>
+            <a:ext cx="2194560" cy="566822"/>
           </a:xfrm>
           <a:prstGeom prst="rect">
             <a:avLst/>
@@ -10636,18 +8995,14 @@
               </a:spcBef>
             </a:pPr>
             <a:r>
-              <a:rPr lang="en-US" sz="1000">
+              <a:rPr lang="fr-FR" sz="900">
                 <a:solidFill>
                   <a:srgbClr val="4B4B4B"/>
                 </a:solidFill>
                 <a:latin typeface="Adobe Clean Light" panose="020B0303020404020204" pitchFamily="34" charset="0"/>
               </a:rPr>
-              <a:t>A 60-minute session focusing on a specific product feature and how it can be utilized to solve common business problems.</a:t>
-            </a:r>
-            <a:endParaRPr sz="1000">
-              <a:latin typeface="Adobe Clean Light" panose="020B0303020404020204" pitchFamily="34" charset="0"/>
-              <a:cs typeface="AdobeClean-Light"/>
-            </a:endParaRPr>
+              <a:t>Il s’agit d’une session de 60 minutes consacrée à une fonctionnalité de produit spécifique et à son utilisation pour résoudre des problèmes d’entreprise courants.</a:t>
+            </a:r>
           </a:p>
         </p:txBody>
       </p:sp>
@@ -10666,7 +9021,7 @@
         <p:spPr>
           <a:xfrm>
             <a:off x="5265661" y="5001737"/>
-            <a:ext cx="2194560" cy="536622"/>
+            <a:ext cx="2194560" cy="484235"/>
           </a:xfrm>
           <a:prstGeom prst="rect">
             <a:avLst/>
@@ -10687,20 +9042,14 @@
               </a:spcBef>
             </a:pPr>
             <a:r>
-              <a:rPr lang="en-US" sz="1000" dirty="0">
+              <a:rPr lang="fr-FR" sz="900" dirty="0">
                 <a:solidFill>
                   <a:srgbClr val="4B4B4B"/>
                 </a:solidFill>
                 <a:latin typeface="Adobe Clean Light"/>
               </a:rPr>
-              <a:t>Drive adoption of customization best practices and core components in AEM as a Cloud Service.</a:t>
-            </a:r>
-            <a:endParaRPr sz="1000" dirty="0">
-              <a:solidFill>
-                <a:srgbClr val="4B4B4B"/>
-              </a:solidFill>
-              <a:latin typeface="Adobe Clean Light" panose="020B0303020404020204" pitchFamily="34" charset="0"/>
-            </a:endParaRPr>
+              <a:t>Encouragez l’adoption des bonnes pratiques de personnalisation et des composants principaux dans AEM as a Cloud Service.</a:t>
+            </a:r>
           </a:p>
         </p:txBody>
       </p:sp>
@@ -10719,7 +9068,7 @@
         <p:spPr>
           <a:xfrm>
             <a:off x="2835999" y="4994097"/>
-            <a:ext cx="2194560" cy="720903"/>
+            <a:ext cx="2194560" cy="649986"/>
           </a:xfrm>
           <a:prstGeom prst="rect">
             <a:avLst/>
@@ -10740,20 +9089,14 @@
               </a:spcBef>
             </a:pPr>
             <a:r>
-              <a:rPr lang="en-US" sz="1000" dirty="0">
+              <a:rPr lang="fr-FR" sz="900" dirty="0">
                 <a:solidFill>
                   <a:srgbClr val="4B4B4B"/>
                 </a:solidFill>
                 <a:latin typeface="Adobe Clean Light"/>
               </a:rPr>
-              <a:t>Identify, review and provide recommendations on customized solution adoption areas that have opportunities for optimization.</a:t>
-            </a:r>
-            <a:endParaRPr lang="en-US" sz="1000" dirty="0">
-              <a:solidFill>
-                <a:srgbClr val="4B4B4B"/>
-              </a:solidFill>
-              <a:latin typeface="Adobe Clean Light" panose="020B0303020404020204" pitchFamily="34" charset="0"/>
-            </a:endParaRPr>
+              <a:t>Identifiez, examinez et fournissez des recommandations sur les domaines d’adoption de solutions personnalisées qui offrent des opportunités d’optimisation.</a:t>
+            </a:r>
           </a:p>
         </p:txBody>
       </p:sp>
@@ -10772,7 +9115,7 @@
         <p:spPr>
           <a:xfrm>
             <a:off x="355868" y="4947989"/>
-            <a:ext cx="2194560" cy="717376"/>
+            <a:ext cx="2194560" cy="649986"/>
           </a:xfrm>
           <a:prstGeom prst="rect">
             <a:avLst/>
@@ -10793,20 +9136,14 @@
               </a:spcBef>
             </a:pPr>
             <a:r>
-              <a:rPr lang="en-US" sz="1000" dirty="0">
+              <a:rPr lang="fr-FR" sz="900" dirty="0">
                 <a:solidFill>
                   <a:srgbClr val="4B4B4B"/>
                 </a:solidFill>
                 <a:latin typeface="Adobe Clean Light"/>
               </a:rPr>
-              <a:t>Technical &amp; operational governance to assist AEM as a Cloud Service Customers in adhering to industry standards and best practices for AEM as a Cloud Service.</a:t>
-            </a:r>
-            <a:endParaRPr sz="1000" dirty="0">
-              <a:solidFill>
-                <a:srgbClr val="4B4B4B"/>
-              </a:solidFill>
-              <a:latin typeface="Adobe Clean Light" panose="020B0303020404020204" pitchFamily="34" charset="0"/>
-            </a:endParaRPr>
+              <a:t>Gouvernance technique et opérationnelle permettant d’aider les clients d’AEM as a Cloud Service à respecter les normes du secteur et les bonnes pratiques d’AEM as a Cloud Service.</a:t>
+            </a:r>
           </a:p>
         </p:txBody>
       </p:sp>
@@ -10825,7 +9162,7 @@
         <p:spPr>
           <a:xfrm>
             <a:off x="2835999" y="1401973"/>
-            <a:ext cx="2194560" cy="959237"/>
+            <a:ext cx="2194560" cy="866904"/>
           </a:xfrm>
           <a:prstGeom prst="rect">
             <a:avLst/>
@@ -10843,20 +9180,14 @@
               </a:spcBef>
             </a:pPr>
             <a:r>
-              <a:rPr lang="en-US" sz="1000" dirty="0">
+              <a:rPr lang="fr-FR" sz="900">
                 <a:solidFill>
                   <a:srgbClr val="4B4B4B"/>
                 </a:solidFill>
                 <a:latin typeface="Adobe Clean Light" panose="020B0303020404020204" pitchFamily="34" charset="0"/>
               </a:rPr>
-              <a:t>A designated support engineer who becomes familiar with your solution environment and business goals. The NSE is an experienced support engineer that helps coordinate your Enterprise Support experience.</a:t>
-            </a:r>
-            <a:endParaRPr lang="en-US" sz="1000" dirty="0">
-              <a:solidFill>
-                <a:srgbClr val="000000"/>
-              </a:solidFill>
-              <a:latin typeface="Adobe Clean Light" panose="020B0303020404020204" pitchFamily="34" charset="0"/>
-            </a:endParaRPr>
+              <a:t>L’ingénieur d’assistance désigné se familiarisera avec votre environnement de solution et vos objectifs commerciaux. L’ingénieur d’assistance nommé est un ingénieur d’assistance expérimenté qui vous aide à coordonner votre expérience d’assistance aux entreprises.</a:t>
+            </a:r>
           </a:p>
         </p:txBody>
       </p:sp>
@@ -10876,7 +9207,7 @@
         </p:nvSpPr>
         <p:spPr>
           <a:xfrm>
-            <a:off x="3201544" y="1127425"/>
+            <a:off x="3201544" y="1035985"/>
             <a:ext cx="1726164" cy="184666"/>
           </a:xfrm>
           <a:prstGeom prst="rect">
@@ -10898,13 +9229,13 @@
               </a:spcAft>
             </a:pPr>
             <a:r>
-              <a:rPr lang="en-US" sz="1200" b="1" spc="-10">
+              <a:rPr lang="fr-FR" sz="1200" b="1" dirty="0">
                 <a:solidFill>
                   <a:srgbClr val="020302"/>
                 </a:solidFill>
                 <a:latin typeface="+mj-lt"/>
               </a:rPr>
-              <a:t>Named Support Engineer</a:t>
+              <a:t>Ingénieur d’assistance nommé</a:t>
             </a:r>
           </a:p>
         </p:txBody>
@@ -10963,7 +9294,7 @@
         <p:spPr>
           <a:xfrm>
             <a:off x="5723508" y="1099976"/>
-            <a:ext cx="1036205" cy="197490"/>
+            <a:ext cx="1622172" cy="197490"/>
           </a:xfrm>
           <a:prstGeom prst="rect">
             <a:avLst/>
@@ -10984,19 +9315,15 @@
               </a:spcBef>
             </a:pPr>
             <a:r>
-              <a:rPr lang="en-US" sz="1200" b="1" spc="-20">
+              <a:rPr lang="fr-FR" sz="1200" b="1" dirty="0">
                 <a:solidFill>
                   <a:srgbClr val="020302"/>
                 </a:solidFill>
                 <a:latin typeface="Adobe Clean"/>
                 <a:cs typeface="Adobe Clean"/>
               </a:rPr>
-              <a:t>Expert Sessions</a:t>
-            </a:r>
-            <a:endParaRPr sz="1200">
-              <a:latin typeface="Adobe Clean"/>
-              <a:cs typeface="Adobe Clean"/>
-            </a:endParaRPr>
+              <a:t>Sessions d’experts</a:t>
+            </a:r>
           </a:p>
         </p:txBody>
       </p:sp>
@@ -11036,489 +9363,15 @@
               </a:spcBef>
             </a:pPr>
             <a:r>
-              <a:rPr lang="en-US" sz="1200" b="1" spc="-15">
+              <a:rPr lang="fr-FR" sz="1200" b="1" dirty="0">
                 <a:solidFill>
                   <a:srgbClr val="020302"/>
                 </a:solidFill>
                 <a:latin typeface="Adobe Clean"/>
                 <a:cs typeface="Adobe Clean"/>
               </a:rPr>
-              <a:t>C</a:t>
-            </a:r>
-            <a:r>
-              <a:rPr lang="en-US" sz="1200" b="1" spc="-20">
-                <a:solidFill>
-                  <a:srgbClr val="020302"/>
-                </a:solidFill>
-                <a:latin typeface="Adobe Clean"/>
-                <a:cs typeface="Adobe Clean"/>
-              </a:rPr>
-              <a:t>u</a:t>
-            </a:r>
-            <a:r>
-              <a:rPr lang="en-US" sz="1200" b="1" spc="-25">
-                <a:solidFill>
-                  <a:srgbClr val="020302"/>
-                </a:solidFill>
-                <a:latin typeface="Adobe Clean"/>
-                <a:cs typeface="Adobe Clean"/>
-              </a:rPr>
-              <a:t>st</a:t>
-            </a:r>
-            <a:r>
-              <a:rPr lang="en-US" sz="1200" b="1" spc="-15">
-                <a:solidFill>
-                  <a:srgbClr val="020302"/>
-                </a:solidFill>
-                <a:latin typeface="Adobe Clean"/>
-                <a:cs typeface="Adobe Clean"/>
-              </a:rPr>
-              <a:t>o</a:t>
-            </a:r>
-            <a:r>
-              <a:rPr lang="en-US" sz="1200" b="1" spc="-20">
-                <a:solidFill>
-                  <a:srgbClr val="020302"/>
-                </a:solidFill>
-                <a:latin typeface="Adobe Clean"/>
-                <a:cs typeface="Adobe Clean"/>
-              </a:rPr>
-              <a:t>miza</a:t>
-            </a:r>
-            <a:r>
-              <a:rPr lang="en-US" sz="1200" b="1" spc="-25">
-                <a:solidFill>
-                  <a:srgbClr val="020302"/>
-                </a:solidFill>
-                <a:latin typeface="Adobe Clean"/>
-                <a:cs typeface="Adobe Clean"/>
-              </a:rPr>
-              <a:t>t</a:t>
-            </a:r>
-            <a:r>
-              <a:rPr lang="en-US" sz="1200" b="1" spc="-20">
-                <a:solidFill>
-                  <a:srgbClr val="020302"/>
-                </a:solidFill>
-                <a:latin typeface="Adobe Clean"/>
-                <a:cs typeface="Adobe Clean"/>
-              </a:rPr>
-              <a:t>i</a:t>
-            </a:r>
-            <a:r>
-              <a:rPr lang="en-US" sz="1200" b="1" spc="-15">
-                <a:solidFill>
-                  <a:srgbClr val="020302"/>
-                </a:solidFill>
-                <a:latin typeface="Adobe Clean"/>
-                <a:cs typeface="Adobe Clean"/>
-              </a:rPr>
-              <a:t>o</a:t>
-            </a:r>
-            <a:r>
-              <a:rPr lang="en-US" sz="1200" b="1">
-                <a:solidFill>
-                  <a:srgbClr val="020302"/>
-                </a:solidFill>
-                <a:latin typeface="Adobe Clean"/>
-                <a:cs typeface="Adobe Clean"/>
-              </a:rPr>
-              <a:t>n</a:t>
-            </a:r>
-            <a:r>
-              <a:rPr lang="en-US" sz="1200" b="1" spc="-50">
-                <a:solidFill>
-                  <a:srgbClr val="020302"/>
-                </a:solidFill>
-                <a:latin typeface="Adobe Clean"/>
-                <a:cs typeface="Adobe Clean"/>
-              </a:rPr>
-              <a:t> </a:t>
-            </a:r>
-            <a:r>
-              <a:rPr lang="en-US" sz="1200" b="1" spc="-20">
-                <a:solidFill>
-                  <a:srgbClr val="020302"/>
-                </a:solidFill>
-                <a:latin typeface="Adobe Clean"/>
-                <a:cs typeface="Adobe Clean"/>
-              </a:rPr>
-              <a:t>B</a:t>
-            </a:r>
-            <a:r>
-              <a:rPr lang="en-US" sz="1200" b="1" spc="-25">
-                <a:solidFill>
-                  <a:srgbClr val="020302"/>
-                </a:solidFill>
-                <a:latin typeface="Adobe Clean"/>
-                <a:cs typeface="Adobe Clean"/>
-              </a:rPr>
-              <a:t>es</a:t>
-            </a:r>
-            <a:r>
-              <a:rPr lang="en-US" sz="1200" b="1">
-                <a:solidFill>
-                  <a:srgbClr val="020302"/>
-                </a:solidFill>
-                <a:latin typeface="Adobe Clean"/>
-                <a:cs typeface="Adobe Clean"/>
-              </a:rPr>
-              <a:t>t</a:t>
-            </a:r>
-            <a:r>
-              <a:rPr lang="en-US" sz="1200" b="1" spc="-50">
-                <a:solidFill>
-                  <a:srgbClr val="020302"/>
-                </a:solidFill>
-                <a:latin typeface="Adobe Clean"/>
-                <a:cs typeface="Adobe Clean"/>
-              </a:rPr>
-              <a:t> </a:t>
-            </a:r>
-            <a:r>
-              <a:rPr lang="en-US" sz="1200" b="1" spc="-25">
-                <a:solidFill>
-                  <a:srgbClr val="020302"/>
-                </a:solidFill>
-                <a:latin typeface="Adobe Clean"/>
-                <a:cs typeface="Adobe Clean"/>
-              </a:rPr>
-              <a:t>P</a:t>
-            </a:r>
-            <a:r>
-              <a:rPr lang="en-US" sz="1200" b="1" spc="-20">
-                <a:solidFill>
-                  <a:srgbClr val="020302"/>
-                </a:solidFill>
-                <a:latin typeface="Adobe Clean"/>
-                <a:cs typeface="Adobe Clean"/>
-              </a:rPr>
-              <a:t>ra</a:t>
-            </a:r>
-            <a:r>
-              <a:rPr lang="en-US" sz="1200" b="1" spc="-30">
-                <a:solidFill>
-                  <a:srgbClr val="020302"/>
-                </a:solidFill>
-                <a:latin typeface="Adobe Clean"/>
-                <a:cs typeface="Adobe Clean"/>
-              </a:rPr>
-              <a:t>c</a:t>
-            </a:r>
-            <a:r>
-              <a:rPr lang="en-US" sz="1200" b="1" spc="-25">
-                <a:solidFill>
-                  <a:srgbClr val="020302"/>
-                </a:solidFill>
-                <a:latin typeface="Adobe Clean"/>
-                <a:cs typeface="Adobe Clean"/>
-              </a:rPr>
-              <a:t>t</a:t>
-            </a:r>
-            <a:r>
-              <a:rPr lang="en-US" sz="1200" b="1" spc="-20">
-                <a:solidFill>
-                  <a:srgbClr val="020302"/>
-                </a:solidFill>
-                <a:latin typeface="Adobe Clean"/>
-                <a:cs typeface="Adobe Clean"/>
-              </a:rPr>
-              <a:t>i</a:t>
-            </a:r>
-            <a:r>
-              <a:rPr lang="en-US" sz="1200" b="1" spc="-30">
-                <a:solidFill>
-                  <a:srgbClr val="020302"/>
-                </a:solidFill>
-                <a:latin typeface="Adobe Clean"/>
-                <a:cs typeface="Adobe Clean"/>
-              </a:rPr>
-              <a:t>c</a:t>
-            </a:r>
-            <a:r>
-              <a:rPr lang="en-US" sz="1200" b="1" spc="-25">
-                <a:solidFill>
-                  <a:srgbClr val="020302"/>
-                </a:solidFill>
-                <a:latin typeface="Adobe Clean"/>
-                <a:cs typeface="Adobe Clean"/>
-              </a:rPr>
-              <a:t>e</a:t>
-            </a:r>
-            <a:r>
-              <a:rPr lang="en-US" sz="1200" b="1">
-                <a:solidFill>
-                  <a:srgbClr val="020302"/>
-                </a:solidFill>
-                <a:latin typeface="Adobe Clean"/>
-                <a:cs typeface="Adobe Clean"/>
-              </a:rPr>
-              <a:t>s</a:t>
-            </a:r>
-            <a:r>
-              <a:rPr lang="en-US" sz="1200" b="1" spc="-45">
-                <a:solidFill>
-                  <a:srgbClr val="020302"/>
-                </a:solidFill>
-                <a:latin typeface="Adobe Clean"/>
-                <a:cs typeface="Adobe Clean"/>
-              </a:rPr>
-              <a:t> </a:t>
-            </a:r>
-            <a:r>
-              <a:rPr lang="en-US" sz="1200" b="1" spc="-25">
-                <a:solidFill>
-                  <a:srgbClr val="020302"/>
-                </a:solidFill>
-                <a:latin typeface="Adobe Clean"/>
-                <a:cs typeface="Adobe Clean"/>
-              </a:rPr>
-              <a:t>f</a:t>
-            </a:r>
-            <a:r>
-              <a:rPr lang="en-US" sz="1200" b="1" spc="-15">
-                <a:solidFill>
-                  <a:srgbClr val="020302"/>
-                </a:solidFill>
-                <a:latin typeface="Adobe Clean"/>
-                <a:cs typeface="Adobe Clean"/>
-              </a:rPr>
-              <a:t>o</a:t>
-            </a:r>
-            <a:r>
-              <a:rPr lang="en-US" sz="1200" b="1">
-                <a:solidFill>
-                  <a:srgbClr val="020302"/>
-                </a:solidFill>
-                <a:latin typeface="Adobe Clean"/>
-                <a:cs typeface="Adobe Clean"/>
-              </a:rPr>
-              <a:t>r</a:t>
-            </a:r>
-            <a:r>
-              <a:rPr lang="en-US" sz="1200" b="1" spc="-45">
-                <a:solidFill>
-                  <a:srgbClr val="020302"/>
-                </a:solidFill>
-                <a:latin typeface="Adobe Clean"/>
-                <a:cs typeface="Adobe Clean"/>
-              </a:rPr>
-              <a:t> </a:t>
-            </a:r>
-            <a:r>
-              <a:rPr lang="en-US" sz="1200" b="1" spc="-30">
-                <a:solidFill>
-                  <a:srgbClr val="020302"/>
-                </a:solidFill>
-                <a:latin typeface="Adobe Clean"/>
-                <a:cs typeface="Adobe Clean"/>
-              </a:rPr>
-              <a:t>AE</a:t>
-            </a:r>
-            <a:r>
-              <a:rPr lang="en-US" sz="1200" b="1">
-                <a:solidFill>
-                  <a:srgbClr val="020302"/>
-                </a:solidFill>
-                <a:latin typeface="Adobe Clean"/>
-                <a:cs typeface="Adobe Clean"/>
-              </a:rPr>
-              <a:t>M</a:t>
-            </a:r>
-            <a:r>
-              <a:rPr lang="en-US" sz="1200" b="1" spc="-55">
-                <a:solidFill>
-                  <a:srgbClr val="020302"/>
-                </a:solidFill>
-                <a:latin typeface="Adobe Clean"/>
-                <a:cs typeface="Adobe Clean"/>
-              </a:rPr>
-              <a:t> </a:t>
-            </a:r>
-            <a:r>
-              <a:rPr lang="en-US" sz="1200" b="1" spc="-20">
-                <a:solidFill>
-                  <a:srgbClr val="020302"/>
-                </a:solidFill>
-                <a:latin typeface="Adobe Clean"/>
-                <a:cs typeface="Adobe Clean"/>
-              </a:rPr>
-              <a:t>a</a:t>
-            </a:r>
-            <a:r>
-              <a:rPr lang="en-US" sz="1200" b="1">
-                <a:solidFill>
-                  <a:srgbClr val="020302"/>
-                </a:solidFill>
-                <a:latin typeface="Adobe Clean"/>
-                <a:cs typeface="Adobe Clean"/>
-              </a:rPr>
-              <a:t>s</a:t>
-            </a:r>
-            <a:r>
-              <a:rPr lang="en-US" sz="1200" b="1" spc="-45">
-                <a:solidFill>
-                  <a:srgbClr val="020302"/>
-                </a:solidFill>
-                <a:latin typeface="Adobe Clean"/>
-                <a:cs typeface="Adobe Clean"/>
-              </a:rPr>
-              <a:t> </a:t>
-            </a:r>
-            <a:r>
-              <a:rPr lang="en-US" sz="1200" b="1">
-                <a:solidFill>
-                  <a:srgbClr val="020302"/>
-                </a:solidFill>
-                <a:latin typeface="Adobe Clean"/>
-                <a:cs typeface="Adobe Clean"/>
-              </a:rPr>
-              <a:t>a</a:t>
-            </a:r>
-            <a:r>
-              <a:rPr lang="en-US" sz="1200" b="1" spc="-45">
-                <a:solidFill>
-                  <a:srgbClr val="020302"/>
-                </a:solidFill>
-                <a:latin typeface="Adobe Clean"/>
-                <a:cs typeface="Adobe Clean"/>
-              </a:rPr>
-              <a:t> </a:t>
-            </a:r>
-            <a:r>
-              <a:rPr lang="en-US" sz="1200" b="1" spc="-15">
-                <a:solidFill>
-                  <a:srgbClr val="020302"/>
-                </a:solidFill>
-                <a:latin typeface="Adobe Clean"/>
-                <a:cs typeface="Adobe Clean"/>
-              </a:rPr>
-              <a:t>C</a:t>
-            </a:r>
-            <a:r>
-              <a:rPr lang="en-US" sz="1200" b="1" spc="-25">
-                <a:solidFill>
-                  <a:srgbClr val="020302"/>
-                </a:solidFill>
-                <a:latin typeface="Adobe Clean"/>
-                <a:cs typeface="Adobe Clean"/>
-              </a:rPr>
-              <a:t>l</a:t>
-            </a:r>
-            <a:r>
-              <a:rPr lang="en-US" sz="1200" b="1" spc="-15">
-                <a:solidFill>
-                  <a:srgbClr val="020302"/>
-                </a:solidFill>
-                <a:latin typeface="Adobe Clean"/>
-                <a:cs typeface="Adobe Clean"/>
-              </a:rPr>
-              <a:t>o</a:t>
-            </a:r>
-            <a:r>
-              <a:rPr lang="en-US" sz="1200" b="1" spc="-20">
-                <a:solidFill>
-                  <a:srgbClr val="020302"/>
-                </a:solidFill>
-                <a:latin typeface="Adobe Clean"/>
-                <a:cs typeface="Adobe Clean"/>
-              </a:rPr>
-              <a:t>u</a:t>
-            </a:r>
-            <a:r>
-              <a:rPr lang="en-US" sz="1200" b="1">
-                <a:solidFill>
-                  <a:srgbClr val="020302"/>
-                </a:solidFill>
-                <a:latin typeface="Adobe Clean"/>
-                <a:cs typeface="Adobe Clean"/>
-              </a:rPr>
-              <a:t>d</a:t>
-            </a:r>
-            <a:r>
-              <a:rPr lang="en-US" sz="1200" b="1" spc="-50">
-                <a:solidFill>
-                  <a:srgbClr val="020302"/>
-                </a:solidFill>
-                <a:latin typeface="Adobe Clean"/>
-                <a:cs typeface="Adobe Clean"/>
-              </a:rPr>
-              <a:t> </a:t>
-            </a:r>
-            <a:r>
-              <a:rPr lang="en-US" sz="1200" b="1" spc="-20">
-                <a:solidFill>
-                  <a:srgbClr val="020302"/>
-                </a:solidFill>
-                <a:latin typeface="Adobe Clean"/>
-                <a:cs typeface="Adobe Clean"/>
-              </a:rPr>
-              <a:t>S</a:t>
-            </a:r>
-            <a:r>
-              <a:rPr lang="en-US" sz="1200" b="1" spc="-25">
-                <a:solidFill>
-                  <a:srgbClr val="020302"/>
-                </a:solidFill>
-                <a:latin typeface="Adobe Clean"/>
-                <a:cs typeface="Adobe Clean"/>
-              </a:rPr>
-              <a:t>e</a:t>
-            </a:r>
-            <a:r>
-              <a:rPr lang="en-US" sz="1200" b="1" spc="-20">
-                <a:solidFill>
-                  <a:srgbClr val="020302"/>
-                </a:solidFill>
-                <a:latin typeface="Adobe Clean"/>
-                <a:cs typeface="Adobe Clean"/>
-              </a:rPr>
-              <a:t>r</a:t>
-            </a:r>
-            <a:r>
-              <a:rPr lang="en-US" sz="1200" b="1" spc="-30">
-                <a:solidFill>
-                  <a:srgbClr val="020302"/>
-                </a:solidFill>
-                <a:latin typeface="Adobe Clean"/>
-                <a:cs typeface="Adobe Clean"/>
-              </a:rPr>
-              <a:t>v</a:t>
-            </a:r>
-            <a:r>
-              <a:rPr lang="en-US" sz="1200" b="1" spc="-20">
-                <a:solidFill>
-                  <a:srgbClr val="020302"/>
-                </a:solidFill>
-                <a:latin typeface="Adobe Clean"/>
-                <a:cs typeface="Adobe Clean"/>
-              </a:rPr>
-              <a:t>i</a:t>
-            </a:r>
-            <a:r>
-              <a:rPr lang="en-US" sz="1200" b="1" spc="-30">
-                <a:solidFill>
-                  <a:srgbClr val="020302"/>
-                </a:solidFill>
-                <a:latin typeface="Adobe Clean"/>
-                <a:cs typeface="Adobe Clean"/>
-              </a:rPr>
-              <a:t>c</a:t>
-            </a:r>
-            <a:r>
-              <a:rPr lang="en-US" sz="1200" b="1">
-                <a:solidFill>
-                  <a:srgbClr val="020302"/>
-                </a:solidFill>
-                <a:latin typeface="Adobe Clean"/>
-                <a:cs typeface="Adobe Clean"/>
-              </a:rPr>
-              <a:t>e</a:t>
-            </a:r>
-            <a:endParaRPr lang="en-US" sz="1200">
-              <a:latin typeface="Adobe Clean"/>
-              <a:cs typeface="Adobe Clean"/>
-            </a:endParaRPr>
+              <a:t>Bonnes pratiques de personnalisation d’AEM as a Cloud Service</a:t>
+            </a:r>
           </a:p>
         </p:txBody>
       </p:sp>
@@ -11558,19 +9411,15 @@
               </a:spcBef>
             </a:pPr>
             <a:r>
-              <a:rPr lang="en-US" sz="1200" b="1" spc="-25">
+              <a:rPr lang="fr-FR" sz="1200" b="1" dirty="0">
                 <a:solidFill>
                   <a:srgbClr val="020302"/>
                 </a:solidFill>
                 <a:latin typeface="Adobe Clean"/>
                 <a:cs typeface="Adobe Clean"/>
               </a:rPr>
-              <a:t>Value-added Services for AEM as a Cloud Service</a:t>
-            </a:r>
-            <a:endParaRPr lang="en-US" sz="1200">
-              <a:latin typeface="Adobe Clean"/>
-              <a:cs typeface="Adobe Clean"/>
-            </a:endParaRPr>
+              <a:t>Services de valeur ajoutée d’AEM as a Cloud Service</a:t>
+            </a:r>
           </a:p>
         </p:txBody>
       </p:sp>
@@ -11610,359 +9459,34 @@
               </a:spcBef>
             </a:pPr>
             <a:r>
-              <a:rPr lang="en-US" sz="1200" b="1" spc="-20">
+              <a:rPr lang="fr-FR" sz="1200" b="1" dirty="0">
                 <a:solidFill>
                   <a:srgbClr val="020302"/>
                 </a:solidFill>
                 <a:latin typeface="Adobe Clean"/>
                 <a:cs typeface="Adobe Clean"/>
               </a:rPr>
-              <a:t>G</a:t>
-            </a:r>
-            <a:r>
-              <a:rPr lang="en-US" sz="1200" b="1" spc="-15">
+              <a:t>Gouvernance d’AEM as </a:t>
+            </a:r>
+            <a:br>
+              <a:rPr lang="fr-FR" sz="1200" b="1" dirty="0">
                 <a:solidFill>
                   <a:srgbClr val="020302"/>
                 </a:solidFill>
                 <a:latin typeface="Adobe Clean"/>
                 <a:cs typeface="Adobe Clean"/>
               </a:rPr>
-              <a:t>o</a:t>
-            </a:r>
-            <a:r>
-              <a:rPr lang="en-US" sz="1200" b="1" spc="-25">
+            </a:br>
+            <a:r>
+              <a:rPr lang="fr-FR" sz="1200" b="1" dirty="0">
                 <a:solidFill>
                   <a:srgbClr val="020302"/>
                 </a:solidFill>
                 <a:latin typeface="Adobe Clean"/>
                 <a:cs typeface="Adobe Clean"/>
               </a:rPr>
-              <a:t>ve</a:t>
-            </a:r>
-            <a:r>
-              <a:rPr lang="en-US" sz="1